--- a/ppt/praes.pptx
+++ b/ppt/praes.pptx
@@ -226,14 +226,14 @@
           <a:effectLst/>
           <a:extLst>
             <a:ext uri="{909E8E84-426E-40dd-AFC4-6F175D3DCCD1}">
-              <a14:hiddenFill xmlns:a14="http://schemas.microsoft.com/office/drawing/2010/main" xmlns="">
+              <a14:hiddenFill xmlns="" xmlns:a14="http://schemas.microsoft.com/office/drawing/2010/main">
                 <a:solidFill>
                   <a:schemeClr val="accent1"/>
                 </a:solidFill>
               </a14:hiddenFill>
             </a:ext>
             <a:ext uri="{91240B29-F687-4f45-9708-019B960494DF}">
-              <a14:hiddenLine xmlns:a14="http://schemas.microsoft.com/office/drawing/2010/main" xmlns="" w="9525">
+              <a14:hiddenLine xmlns="" xmlns:a14="http://schemas.microsoft.com/office/drawing/2010/main" w="9525">
                 <a:solidFill>
                   <a:schemeClr val="tx1"/>
                 </a:solidFill>
@@ -243,7 +243,7 @@
               </a14:hiddenLine>
             </a:ext>
             <a:ext uri="{AF507438-7753-43e0-B8FC-AC1667EBCBE1}">
-              <a14:hiddenEffects xmlns:a14="http://schemas.microsoft.com/office/drawing/2010/main" xmlns="">
+              <a14:hiddenEffects xmlns="" xmlns:a14="http://schemas.microsoft.com/office/drawing/2010/main">
                 <a:effectLst>
                   <a:outerShdw dist="35921" dir="2700000" algn="ctr" rotWithShape="0">
                     <a:schemeClr val="bg2"/>
@@ -294,14 +294,14 @@
           <a:effectLst/>
           <a:extLst>
             <a:ext uri="{909E8E84-426E-40dd-AFC4-6F175D3DCCD1}">
-              <a14:hiddenFill xmlns:a14="http://schemas.microsoft.com/office/drawing/2010/main" xmlns="">
+              <a14:hiddenFill xmlns="" xmlns:a14="http://schemas.microsoft.com/office/drawing/2010/main">
                 <a:solidFill>
                   <a:schemeClr val="accent1"/>
                 </a:solidFill>
               </a14:hiddenFill>
             </a:ext>
             <a:ext uri="{91240B29-F687-4f45-9708-019B960494DF}">
-              <a14:hiddenLine xmlns:a14="http://schemas.microsoft.com/office/drawing/2010/main" xmlns="" w="9525">
+              <a14:hiddenLine xmlns="" xmlns:a14="http://schemas.microsoft.com/office/drawing/2010/main" w="9525">
                 <a:solidFill>
                   <a:schemeClr val="tx1"/>
                 </a:solidFill>
@@ -311,7 +311,7 @@
               </a14:hiddenLine>
             </a:ext>
             <a:ext uri="{AF507438-7753-43e0-B8FC-AC1667EBCBE1}">
-              <a14:hiddenEffects xmlns:a14="http://schemas.microsoft.com/office/drawing/2010/main" xmlns="">
+              <a14:hiddenEffects xmlns="" xmlns:a14="http://schemas.microsoft.com/office/drawing/2010/main">
                 <a:effectLst>
                   <a:outerShdw dist="35921" dir="2700000" algn="ctr" rotWithShape="0">
                     <a:schemeClr val="bg2"/>
@@ -362,14 +362,14 @@
           <a:effectLst/>
           <a:extLst>
             <a:ext uri="{909E8E84-426E-40dd-AFC4-6F175D3DCCD1}">
-              <a14:hiddenFill xmlns:a14="http://schemas.microsoft.com/office/drawing/2010/main" xmlns="">
+              <a14:hiddenFill xmlns="" xmlns:a14="http://schemas.microsoft.com/office/drawing/2010/main">
                 <a:solidFill>
                   <a:schemeClr val="accent1"/>
                 </a:solidFill>
               </a14:hiddenFill>
             </a:ext>
             <a:ext uri="{91240B29-F687-4f45-9708-019B960494DF}">
-              <a14:hiddenLine xmlns:a14="http://schemas.microsoft.com/office/drawing/2010/main" xmlns="" w="9525">
+              <a14:hiddenLine xmlns="" xmlns:a14="http://schemas.microsoft.com/office/drawing/2010/main" w="9525">
                 <a:solidFill>
                   <a:schemeClr val="tx1"/>
                 </a:solidFill>
@@ -379,7 +379,7 @@
               </a14:hiddenLine>
             </a:ext>
             <a:ext uri="{AF507438-7753-43e0-B8FC-AC1667EBCBE1}">
-              <a14:hiddenEffects xmlns:a14="http://schemas.microsoft.com/office/drawing/2010/main" xmlns="">
+              <a14:hiddenEffects xmlns="" xmlns:a14="http://schemas.microsoft.com/office/drawing/2010/main">
                 <a:effectLst>
                   <a:outerShdw dist="35921" dir="2700000" algn="ctr" rotWithShape="0">
                     <a:schemeClr val="bg2"/>
@@ -430,14 +430,14 @@
           <a:effectLst/>
           <a:extLst>
             <a:ext uri="{909E8E84-426E-40dd-AFC4-6F175D3DCCD1}">
-              <a14:hiddenFill xmlns:a14="http://schemas.microsoft.com/office/drawing/2010/main" xmlns="">
+              <a14:hiddenFill xmlns="" xmlns:a14="http://schemas.microsoft.com/office/drawing/2010/main">
                 <a:solidFill>
                   <a:schemeClr val="accent1"/>
                 </a:solidFill>
               </a14:hiddenFill>
             </a:ext>
             <a:ext uri="{91240B29-F687-4f45-9708-019B960494DF}">
-              <a14:hiddenLine xmlns:a14="http://schemas.microsoft.com/office/drawing/2010/main" xmlns="" w="9525">
+              <a14:hiddenLine xmlns="" xmlns:a14="http://schemas.microsoft.com/office/drawing/2010/main" w="9525">
                 <a:solidFill>
                   <a:schemeClr val="tx1"/>
                 </a:solidFill>
@@ -447,7 +447,7 @@
               </a14:hiddenLine>
             </a:ext>
             <a:ext uri="{AF507438-7753-43e0-B8FC-AC1667EBCBE1}">
-              <a14:hiddenEffects xmlns:a14="http://schemas.microsoft.com/office/drawing/2010/main" xmlns="">
+              <a14:hiddenEffects xmlns="" xmlns:a14="http://schemas.microsoft.com/office/drawing/2010/main">
                 <a:effectLst>
                   <a:outerShdw dist="35921" dir="2700000" algn="ctr" rotWithShape="0">
                     <a:schemeClr val="bg2"/>
@@ -539,14 +539,14 @@
           <a:effectLst/>
           <a:extLst>
             <a:ext uri="{909E8E84-426E-40dd-AFC4-6F175D3DCCD1}">
-              <a14:hiddenFill xmlns:a14="http://schemas.microsoft.com/office/drawing/2010/main" xmlns="">
+              <a14:hiddenFill xmlns="" xmlns:a14="http://schemas.microsoft.com/office/drawing/2010/main">
                 <a:solidFill>
                   <a:schemeClr val="accent1"/>
                 </a:solidFill>
               </a14:hiddenFill>
             </a:ext>
             <a:ext uri="{91240B29-F687-4f45-9708-019B960494DF}">
-              <a14:hiddenLine xmlns:a14="http://schemas.microsoft.com/office/drawing/2010/main" xmlns="" w="9525">
+              <a14:hiddenLine xmlns="" xmlns:a14="http://schemas.microsoft.com/office/drawing/2010/main" w="9525">
                 <a:solidFill>
                   <a:schemeClr val="tx1"/>
                 </a:solidFill>
@@ -556,7 +556,7 @@
               </a14:hiddenLine>
             </a:ext>
             <a:ext uri="{AF507438-7753-43e0-B8FC-AC1667EBCBE1}">
-              <a14:hiddenEffects xmlns:a14="http://schemas.microsoft.com/office/drawing/2010/main" xmlns="">
+              <a14:hiddenEffects xmlns="" xmlns:a14="http://schemas.microsoft.com/office/drawing/2010/main">
                 <a:effectLst>
                   <a:outerShdw dist="35921" dir="2700000" algn="ctr" rotWithShape="0">
                     <a:schemeClr val="bg2"/>
@@ -607,14 +607,14 @@
           <a:effectLst/>
           <a:extLst>
             <a:ext uri="{909E8E84-426E-40dd-AFC4-6F175D3DCCD1}">
-              <a14:hiddenFill xmlns:a14="http://schemas.microsoft.com/office/drawing/2010/main" xmlns="">
+              <a14:hiddenFill xmlns="" xmlns:a14="http://schemas.microsoft.com/office/drawing/2010/main">
                 <a:solidFill>
                   <a:schemeClr val="accent1"/>
                 </a:solidFill>
               </a14:hiddenFill>
             </a:ext>
             <a:ext uri="{91240B29-F687-4f45-9708-019B960494DF}">
-              <a14:hiddenLine xmlns:a14="http://schemas.microsoft.com/office/drawing/2010/main" xmlns="" w="9525">
+              <a14:hiddenLine xmlns="" xmlns:a14="http://schemas.microsoft.com/office/drawing/2010/main" w="9525">
                 <a:solidFill>
                   <a:schemeClr val="tx1"/>
                 </a:solidFill>
@@ -624,7 +624,7 @@
               </a14:hiddenLine>
             </a:ext>
             <a:ext uri="{AF507438-7753-43e0-B8FC-AC1667EBCBE1}">
-              <a14:hiddenEffects xmlns:a14="http://schemas.microsoft.com/office/drawing/2010/main" xmlns="">
+              <a14:hiddenEffects xmlns="" xmlns:a14="http://schemas.microsoft.com/office/drawing/2010/main">
                 <a:effectLst>
                   <a:outerShdw dist="35921" dir="2700000" algn="ctr" rotWithShape="0">
                     <a:schemeClr val="bg2"/>
@@ -680,7 +680,7 @@
           <a:effectLst/>
           <a:extLst>
             <a:ext uri="{AF507438-7753-43e0-B8FC-AC1667EBCBE1}">
-              <a14:hiddenEffects xmlns:a14="http://schemas.microsoft.com/office/drawing/2010/main" xmlns="">
+              <a14:hiddenEffects xmlns="" xmlns:a14="http://schemas.microsoft.com/office/drawing/2010/main">
                 <a:effectLst>
                   <a:outerShdw dist="35921" dir="2700000" algn="ctr" rotWithShape="0">
                     <a:srgbClr val="808080"/>
@@ -689,7 +689,7 @@
               </a14:hiddenEffects>
             </a:ext>
             <a:ext uri="{53640926-AAD7-44d8-BBD7-CCE9431645EC}">
-              <a14:shadowObscured xmlns:a14="http://schemas.microsoft.com/office/drawing/2010/main" xmlns="" val="1"/>
+              <a14:shadowObscured xmlns="" xmlns:a14="http://schemas.microsoft.com/office/drawing/2010/main" val="1"/>
             </a:ext>
           </a:extLst>
         </p:spPr>
@@ -719,14 +719,14 @@
           <a:effectLst/>
           <a:extLst>
             <a:ext uri="{909E8E84-426E-40dd-AFC4-6F175D3DCCD1}">
-              <a14:hiddenFill xmlns:a14="http://schemas.microsoft.com/office/drawing/2010/main" xmlns="">
+              <a14:hiddenFill xmlns="" xmlns:a14="http://schemas.microsoft.com/office/drawing/2010/main">
                 <a:solidFill>
                   <a:schemeClr val="accent1"/>
                 </a:solidFill>
               </a14:hiddenFill>
             </a:ext>
             <a:ext uri="{91240B29-F687-4f45-9708-019B960494DF}">
-              <a14:hiddenLine xmlns:a14="http://schemas.microsoft.com/office/drawing/2010/main" xmlns="" w="9525">
+              <a14:hiddenLine xmlns="" xmlns:a14="http://schemas.microsoft.com/office/drawing/2010/main" w="9525">
                 <a:solidFill>
                   <a:schemeClr val="tx1"/>
                 </a:solidFill>
@@ -736,7 +736,7 @@
               </a14:hiddenLine>
             </a:ext>
             <a:ext uri="{AF507438-7753-43e0-B8FC-AC1667EBCBE1}">
-              <a14:hiddenEffects xmlns:a14="http://schemas.microsoft.com/office/drawing/2010/main" xmlns="">
+              <a14:hiddenEffects xmlns="" xmlns:a14="http://schemas.microsoft.com/office/drawing/2010/main">
                 <a:effectLst>
                   <a:outerShdw dist="35921" dir="2700000" algn="ctr" rotWithShape="0">
                     <a:schemeClr val="bg2"/>
@@ -815,14 +815,14 @@
           <a:effectLst/>
           <a:extLst>
             <a:ext uri="{909E8E84-426E-40dd-AFC4-6F175D3DCCD1}">
-              <a14:hiddenFill xmlns:a14="http://schemas.microsoft.com/office/drawing/2010/main" xmlns="">
+              <a14:hiddenFill xmlns="" xmlns:a14="http://schemas.microsoft.com/office/drawing/2010/main">
                 <a:solidFill>
                   <a:schemeClr val="accent1"/>
                 </a:solidFill>
               </a14:hiddenFill>
             </a:ext>
             <a:ext uri="{91240B29-F687-4f45-9708-019B960494DF}">
-              <a14:hiddenLine xmlns:a14="http://schemas.microsoft.com/office/drawing/2010/main" xmlns="" w="9525">
+              <a14:hiddenLine xmlns="" xmlns:a14="http://schemas.microsoft.com/office/drawing/2010/main" w="9525">
                 <a:solidFill>
                   <a:schemeClr val="tx1"/>
                 </a:solidFill>
@@ -832,7 +832,7 @@
               </a14:hiddenLine>
             </a:ext>
             <a:ext uri="{AF507438-7753-43e0-B8FC-AC1667EBCBE1}">
-              <a14:hiddenEffects xmlns:a14="http://schemas.microsoft.com/office/drawing/2010/main" xmlns="">
+              <a14:hiddenEffects xmlns="" xmlns:a14="http://schemas.microsoft.com/office/drawing/2010/main">
                 <a:effectLst>
                   <a:outerShdw dist="35921" dir="2700000" algn="ctr" rotWithShape="0">
                     <a:schemeClr val="bg2"/>
@@ -883,14 +883,14 @@
           <a:effectLst/>
           <a:extLst>
             <a:ext uri="{909E8E84-426E-40dd-AFC4-6F175D3DCCD1}">
-              <a14:hiddenFill xmlns:a14="http://schemas.microsoft.com/office/drawing/2010/main" xmlns="">
+              <a14:hiddenFill xmlns="" xmlns:a14="http://schemas.microsoft.com/office/drawing/2010/main">
                 <a:solidFill>
                   <a:schemeClr val="accent1"/>
                 </a:solidFill>
               </a14:hiddenFill>
             </a:ext>
             <a:ext uri="{91240B29-F687-4f45-9708-019B960494DF}">
-              <a14:hiddenLine xmlns:a14="http://schemas.microsoft.com/office/drawing/2010/main" xmlns="" w="9525">
+              <a14:hiddenLine xmlns="" xmlns:a14="http://schemas.microsoft.com/office/drawing/2010/main" w="9525">
                 <a:solidFill>
                   <a:schemeClr val="tx1"/>
                 </a:solidFill>
@@ -900,7 +900,7 @@
               </a14:hiddenLine>
             </a:ext>
             <a:ext uri="{AF507438-7753-43e0-B8FC-AC1667EBCBE1}">
-              <a14:hiddenEffects xmlns:a14="http://schemas.microsoft.com/office/drawing/2010/main" xmlns="">
+              <a14:hiddenEffects xmlns="" xmlns:a14="http://schemas.microsoft.com/office/drawing/2010/main">
                 <a:effectLst>
                   <a:outerShdw dist="35921" dir="2700000" algn="ctr" rotWithShape="0">
                     <a:schemeClr val="bg2"/>
@@ -1196,14 +1196,14 @@
           <a:ln/>
           <a:extLst>
             <a:ext uri="{909E8E84-426E-40dd-AFC4-6F175D3DCCD1}">
-              <a14:hiddenFill xmlns:a14="http://schemas.microsoft.com/office/drawing/2010/main" xmlns="">
+              <a14:hiddenFill xmlns="" xmlns:a14="http://schemas.microsoft.com/office/drawing/2010/main">
                 <a:solidFill>
                   <a:srgbClr val="FFFFFF"/>
                 </a:solidFill>
               </a14:hiddenFill>
             </a:ext>
             <a:ext uri="{91240B29-F687-4f45-9708-019B960494DF}">
-              <a14:hiddenLine xmlns:a14="http://schemas.microsoft.com/office/drawing/2010/main" xmlns="" w="9525">
+              <a14:hiddenLine xmlns="" xmlns:a14="http://schemas.microsoft.com/office/drawing/2010/main" w="9525">
                 <a:solidFill>
                   <a:srgbClr val="000000"/>
                 </a:solidFill>
@@ -1480,7 +1480,7 @@
                   <a:srgbClr val="000000"/>
                 </a:solidFill>
               </a:rPr>
-              <a:t>05.08.2018</a:t>
+              <a:t>10.08.2018</a:t>
             </a:fld>
             <a:endParaRPr lang="de-CH">
               <a:solidFill>
@@ -1690,7 +1690,7 @@
                   <a:srgbClr val="000000"/>
                 </a:solidFill>
               </a:rPr>
-              <a:t>05.08.2018</a:t>
+              <a:t>10.08.2018</a:t>
             </a:fld>
             <a:endParaRPr lang="de-CH">
               <a:solidFill>
@@ -1898,7 +1898,7 @@
                   <a:srgbClr val="000000"/>
                 </a:solidFill>
               </a:rPr>
-              <a:t>05.08.2018</a:t>
+              <a:t>10.08.2018</a:t>
             </a:fld>
             <a:endParaRPr lang="de-CH">
               <a:solidFill>
@@ -2106,7 +2106,7 @@
                   <a:srgbClr val="000000"/>
                 </a:solidFill>
               </a:rPr>
-              <a:t>05.08.2018</a:t>
+              <a:t>10.08.2018</a:t>
             </a:fld>
             <a:endParaRPr lang="de-CH">
               <a:solidFill>
@@ -2353,14 +2353,14 @@
           <a:effectLst/>
           <a:extLst>
             <a:ext uri="{909E8E84-426E-40dd-AFC4-6F175D3DCCD1}">
-              <a14:hiddenFill xmlns:a14="http://schemas.microsoft.com/office/drawing/2010/main" xmlns="">
+              <a14:hiddenFill xmlns="" xmlns:a14="http://schemas.microsoft.com/office/drawing/2010/main">
                 <a:solidFill>
                   <a:schemeClr val="accent1"/>
                 </a:solidFill>
               </a14:hiddenFill>
             </a:ext>
             <a:ext uri="{91240B29-F687-4f45-9708-019B960494DF}">
-              <a14:hiddenLine xmlns:a14="http://schemas.microsoft.com/office/drawing/2010/main" xmlns="" w="9525">
+              <a14:hiddenLine xmlns="" xmlns:a14="http://schemas.microsoft.com/office/drawing/2010/main" w="9525">
                 <a:solidFill>
                   <a:schemeClr val="tx1"/>
                 </a:solidFill>
@@ -2370,7 +2370,7 @@
               </a14:hiddenLine>
             </a:ext>
             <a:ext uri="{AF507438-7753-43e0-B8FC-AC1667EBCBE1}">
-              <a14:hiddenEffects xmlns:a14="http://schemas.microsoft.com/office/drawing/2010/main" xmlns="">
+              <a14:hiddenEffects xmlns="" xmlns:a14="http://schemas.microsoft.com/office/drawing/2010/main">
                 <a:effectLst>
                   <a:outerShdw dist="35921" dir="2700000" algn="ctr" rotWithShape="0">
                     <a:schemeClr val="bg2"/>
@@ -2421,14 +2421,14 @@
           <a:effectLst/>
           <a:extLst>
             <a:ext uri="{909E8E84-426E-40dd-AFC4-6F175D3DCCD1}">
-              <a14:hiddenFill xmlns:a14="http://schemas.microsoft.com/office/drawing/2010/main" xmlns="">
+              <a14:hiddenFill xmlns="" xmlns:a14="http://schemas.microsoft.com/office/drawing/2010/main">
                 <a:solidFill>
                   <a:schemeClr val="accent1"/>
                 </a:solidFill>
               </a14:hiddenFill>
             </a:ext>
             <a:ext uri="{91240B29-F687-4f45-9708-019B960494DF}">
-              <a14:hiddenLine xmlns:a14="http://schemas.microsoft.com/office/drawing/2010/main" xmlns="" w="9525">
+              <a14:hiddenLine xmlns="" xmlns:a14="http://schemas.microsoft.com/office/drawing/2010/main" w="9525">
                 <a:solidFill>
                   <a:schemeClr val="tx1"/>
                 </a:solidFill>
@@ -2438,7 +2438,7 @@
               </a14:hiddenLine>
             </a:ext>
             <a:ext uri="{AF507438-7753-43e0-B8FC-AC1667EBCBE1}">
-              <a14:hiddenEffects xmlns:a14="http://schemas.microsoft.com/office/drawing/2010/main" xmlns="">
+              <a14:hiddenEffects xmlns="" xmlns:a14="http://schemas.microsoft.com/office/drawing/2010/main">
                 <a:effectLst>
                   <a:outerShdw dist="35921" dir="2700000" algn="ctr" rotWithShape="0">
                     <a:schemeClr val="bg2"/>
@@ -2517,14 +2517,14 @@
           <a:effectLst/>
           <a:extLst>
             <a:ext uri="{909E8E84-426E-40dd-AFC4-6F175D3DCCD1}">
-              <a14:hiddenFill xmlns:a14="http://schemas.microsoft.com/office/drawing/2010/main" xmlns="">
+              <a14:hiddenFill xmlns="" xmlns:a14="http://schemas.microsoft.com/office/drawing/2010/main">
                 <a:solidFill>
                   <a:schemeClr val="accent1"/>
                 </a:solidFill>
               </a14:hiddenFill>
             </a:ext>
             <a:ext uri="{91240B29-F687-4f45-9708-019B960494DF}">
-              <a14:hiddenLine xmlns:a14="http://schemas.microsoft.com/office/drawing/2010/main" xmlns="" w="9525">
+              <a14:hiddenLine xmlns="" xmlns:a14="http://schemas.microsoft.com/office/drawing/2010/main" w="9525">
                 <a:solidFill>
                   <a:schemeClr val="tx1"/>
                 </a:solidFill>
@@ -2534,7 +2534,7 @@
               </a14:hiddenLine>
             </a:ext>
             <a:ext uri="{AF507438-7753-43e0-B8FC-AC1667EBCBE1}">
-              <a14:hiddenEffects xmlns:a14="http://schemas.microsoft.com/office/drawing/2010/main" xmlns="">
+              <a14:hiddenEffects xmlns="" xmlns:a14="http://schemas.microsoft.com/office/drawing/2010/main">
                 <a:effectLst>
                   <a:outerShdw dist="35921" dir="2700000" algn="ctr" rotWithShape="0">
                     <a:schemeClr val="bg2"/>
@@ -2562,7 +2562,7 @@
                   <a:srgbClr val="000000"/>
                 </a:solidFill>
               </a:rPr>
-              <a:t>05.08.2018</a:t>
+              <a:t>10.08.2018</a:t>
             </a:fld>
             <a:endParaRPr lang="de-CH">
               <a:solidFill>
@@ -2597,14 +2597,14 @@
           <a:effectLst/>
           <a:extLst>
             <a:ext uri="{909E8E84-426E-40dd-AFC4-6F175D3DCCD1}">
-              <a14:hiddenFill xmlns:a14="http://schemas.microsoft.com/office/drawing/2010/main" xmlns="">
+              <a14:hiddenFill xmlns="" xmlns:a14="http://schemas.microsoft.com/office/drawing/2010/main">
                 <a:solidFill>
                   <a:schemeClr val="accent1"/>
                 </a:solidFill>
               </a14:hiddenFill>
             </a:ext>
             <a:ext uri="{91240B29-F687-4f45-9708-019B960494DF}">
-              <a14:hiddenLine xmlns:a14="http://schemas.microsoft.com/office/drawing/2010/main" xmlns="" w="9525">
+              <a14:hiddenLine xmlns="" xmlns:a14="http://schemas.microsoft.com/office/drawing/2010/main" w="9525">
                 <a:solidFill>
                   <a:schemeClr val="tx1"/>
                 </a:solidFill>
@@ -2614,7 +2614,7 @@
               </a14:hiddenLine>
             </a:ext>
             <a:ext uri="{AF507438-7753-43e0-B8FC-AC1667EBCBE1}">
-              <a14:hiddenEffects xmlns:a14="http://schemas.microsoft.com/office/drawing/2010/main" xmlns="">
+              <a14:hiddenEffects xmlns="" xmlns:a14="http://schemas.microsoft.com/office/drawing/2010/main">
                 <a:effectLst>
                   <a:outerShdw dist="35921" dir="2700000" algn="ctr" rotWithShape="0">
                     <a:schemeClr val="bg2"/>
@@ -2677,14 +2677,14 @@
           <a:effectLst/>
           <a:extLst>
             <a:ext uri="{909E8E84-426E-40dd-AFC4-6F175D3DCCD1}">
-              <a14:hiddenFill xmlns:a14="http://schemas.microsoft.com/office/drawing/2010/main" xmlns="">
+              <a14:hiddenFill xmlns="" xmlns:a14="http://schemas.microsoft.com/office/drawing/2010/main">
                 <a:solidFill>
                   <a:schemeClr val="accent1"/>
                 </a:solidFill>
               </a14:hiddenFill>
             </a:ext>
             <a:ext uri="{91240B29-F687-4f45-9708-019B960494DF}">
-              <a14:hiddenLine xmlns:a14="http://schemas.microsoft.com/office/drawing/2010/main" xmlns="" w="9525">
+              <a14:hiddenLine xmlns="" xmlns:a14="http://schemas.microsoft.com/office/drawing/2010/main" w="9525">
                 <a:solidFill>
                   <a:schemeClr val="tx1"/>
                 </a:solidFill>
@@ -2694,7 +2694,7 @@
               </a14:hiddenLine>
             </a:ext>
             <a:ext uri="{AF507438-7753-43e0-B8FC-AC1667EBCBE1}">
-              <a14:hiddenEffects xmlns:a14="http://schemas.microsoft.com/office/drawing/2010/main" xmlns="">
+              <a14:hiddenEffects xmlns="" xmlns:a14="http://schemas.microsoft.com/office/drawing/2010/main">
                 <a:effectLst>
                   <a:outerShdw dist="35921" dir="2700000" algn="ctr" rotWithShape="0">
                     <a:schemeClr val="bg2"/>
@@ -2761,12 +2761,12 @@
           <a:effectLst/>
           <a:extLst>
             <a:ext uri="{909E8E84-426E-40dd-AFC4-6F175D3DCCD1}">
-              <a14:hiddenFill xmlns:a14="http://schemas.microsoft.com/office/drawing/2010/main" xmlns="">
+              <a14:hiddenFill xmlns="" xmlns:a14="http://schemas.microsoft.com/office/drawing/2010/main">
                 <a:noFill/>
               </a14:hiddenFill>
             </a:ext>
             <a:ext uri="{AF507438-7753-43e0-B8FC-AC1667EBCBE1}">
-              <a14:hiddenEffects xmlns:a14="http://schemas.microsoft.com/office/drawing/2010/main" xmlns="">
+              <a14:hiddenEffects xmlns="" xmlns:a14="http://schemas.microsoft.com/office/drawing/2010/main">
                 <a:effectLst>
                   <a:outerShdw dist="35921" dir="2700000" algn="ctr" rotWithShape="0">
                     <a:schemeClr val="bg2"/>
@@ -3392,8 +3392,8 @@
         </p:blipFill>
         <p:spPr>
           <a:xfrm>
-            <a:off x="2698200" y="3492599"/>
-            <a:ext cx="4572000" cy="2286000"/>
+            <a:off x="1069231" y="2743200"/>
+            <a:ext cx="8309917" cy="4154959"/>
           </a:xfrm>
           <a:prstGeom prst="rect">
             <a:avLst/>
@@ -3451,7 +3451,7 @@
                   <a:srgbClr val="000000"/>
                 </a:solidFill>
               </a:rPr>
-              <a:t>05.08.2018</a:t>
+              <a:t>10.08.2018</a:t>
             </a:fld>
             <a:endParaRPr lang="de-CH">
               <a:solidFill>
@@ -3484,11 +3484,6 @@
               </a:rPr>
               <a:t>Institut i4ds</a:t>
             </a:r>
-            <a:endParaRPr lang="de-CH" dirty="0">
-              <a:solidFill>
-                <a:srgbClr val="000000"/>
-              </a:solidFill>
-            </a:endParaRPr>
           </a:p>
         </p:txBody>
       </p:sp>
@@ -3541,7 +3536,11 @@
           <a:p>
             <a:r>
               <a:rPr lang="de-DE" dirty="0" smtClean="0"/>
-              <a:t>10 Second Observation			</a:t>
+              <a:t>10 Second Observation		</a:t>
+            </a:r>
+            <a:r>
+              <a:rPr lang="de-DE" dirty="0" smtClean="0"/>
+              <a:t>	</a:t>
             </a:r>
             <a:r>
               <a:rPr lang="de-DE" dirty="0" err="1" smtClean="0"/>
@@ -3632,7 +3631,7 @@
         </p:blipFill>
         <p:spPr>
           <a:xfrm>
-            <a:off x="5490716" y="2124646"/>
+            <a:off x="5346700" y="2124646"/>
             <a:ext cx="4608512" cy="4536504"/>
           </a:xfrm>
           <a:prstGeom prst="rect">
@@ -3691,7 +3690,7 @@
                   <a:srgbClr val="000000"/>
                 </a:solidFill>
               </a:rPr>
-              <a:t>05.08.2018</a:t>
+              <a:t>10.08.2018</a:t>
             </a:fld>
             <a:endParaRPr lang="de-CH">
               <a:solidFill>
@@ -3981,7 +3980,7 @@
                   <a:srgbClr val="000000"/>
                 </a:solidFill>
               </a:rPr>
-              <a:t>05.08.2018</a:t>
+              <a:t>10.08.2018</a:t>
             </a:fld>
             <a:endParaRPr lang="de-CH">
               <a:solidFill>
@@ -4146,13 +4145,13 @@
               </a:ext>
             </a:extLst>
           </a:blip>
-          <a:srcRect l="10631" t="13255" r="18504" b="6694"/>
+          <a:srcRect l="10631" t="13255" r="18504" b="10695"/>
           <a:stretch/>
         </p:blipFill>
         <p:spPr>
           <a:xfrm>
             <a:off x="1526803" y="108223"/>
-            <a:ext cx="2952328" cy="3335037"/>
+            <a:ext cx="2952328" cy="3168351"/>
           </a:xfrm>
           <a:prstGeom prst="rect">
             <a:avLst/>
@@ -4210,7 +4209,7 @@
                   <a:srgbClr val="000000"/>
                 </a:solidFill>
               </a:rPr>
-              <a:t>05.08.2018</a:t>
+              <a:t>10.08.2018</a:t>
             </a:fld>
             <a:endParaRPr lang="de-CH">
               <a:solidFill>
@@ -4243,11 +4242,6 @@
               </a:rPr>
               <a:t>Institut i4ds</a:t>
             </a:r>
-            <a:endParaRPr lang="de-CH" dirty="0">
-              <a:solidFill>
-                <a:srgbClr val="000000"/>
-              </a:solidFill>
-            </a:endParaRPr>
           </a:p>
         </p:txBody>
       </p:sp>
@@ -4402,7 +4396,7 @@
                   <a:srgbClr val="000000"/>
                 </a:solidFill>
               </a:rPr>
-              <a:t>05.08.2018</a:t>
+              <a:t>10.08.2018</a:t>
             </a:fld>
             <a:endParaRPr lang="de-CH">
               <a:solidFill>
@@ -4576,7 +4570,7 @@
                   <a:srgbClr val="000000"/>
                 </a:solidFill>
               </a:rPr>
-              <a:t>05.08.2018</a:t>
+              <a:t>10.08.2018</a:t>
             </a:fld>
             <a:endParaRPr lang="de-CH">
               <a:solidFill>
@@ -4750,7 +4744,7 @@
                   <a:srgbClr val="000000"/>
                 </a:solidFill>
               </a:rPr>
-              <a:t>05.08.2018</a:t>
+              <a:t>10.08.2018</a:t>
             </a:fld>
             <a:endParaRPr lang="de-CH">
               <a:solidFill>
@@ -4838,6 +4832,10 @@
           <a:bodyPr/>
           <a:lstStyle/>
           <a:p>
+            <a:r>
+              <a:rPr lang="en-GB" dirty="0" smtClean="0"/>
+              <a:t>Image Reconstruction</a:t>
+            </a:r>
             <a:endParaRPr lang="en-GB" dirty="0"/>
           </a:p>
         </p:txBody>
@@ -4888,7 +4886,7 @@
         </p:blipFill>
         <p:spPr>
           <a:xfrm>
-            <a:off x="276574" y="2537454"/>
+            <a:off x="348582" y="2537454"/>
             <a:ext cx="5142134" cy="3920306"/>
           </a:xfrm>
           <a:prstGeom prst="rect">
@@ -4917,7 +4915,7 @@
         </p:blipFill>
         <p:spPr>
           <a:xfrm>
-            <a:off x="5736306" y="2268463"/>
+            <a:off x="5634732" y="2268463"/>
             <a:ext cx="4608512" cy="4536504"/>
           </a:xfrm>
           <a:prstGeom prst="rect">
@@ -4976,7 +4974,7 @@
                   <a:srgbClr val="000000"/>
                 </a:solidFill>
               </a:rPr>
-              <a:t>05.08.2018</a:t>
+              <a:t>10.08.2018</a:t>
             </a:fld>
             <a:endParaRPr lang="de-CH">
               <a:solidFill>
@@ -5087,7 +5085,7 @@
           <a:bodyPr/>
           <a:lstStyle/>
           <a:p>
-            <a:endParaRPr lang="en-GB"/>
+            <a:endParaRPr lang="en-GB" dirty="0"/>
           </a:p>
         </p:txBody>
       </p:sp>
@@ -5142,7 +5140,7 @@
                   <a:srgbClr val="000000"/>
                 </a:solidFill>
               </a:rPr>
-              <a:t>05.08.2018</a:t>
+              <a:t>10.08.2018</a:t>
             </a:fld>
             <a:endParaRPr lang="de-CH">
               <a:solidFill>
@@ -5308,7 +5306,7 @@
                   <a:srgbClr val="000000"/>
                 </a:solidFill>
               </a:rPr>
-              <a:t>05.08.2018</a:t>
+              <a:t>10.08.2018</a:t>
             </a:fld>
             <a:endParaRPr lang="de-CH">
               <a:solidFill>
@@ -5484,7 +5482,7 @@
                   <a:srgbClr val="000000"/>
                 </a:solidFill>
               </a:rPr>
-              <a:t>05.08.2018</a:t>
+              <a:t>10.08.2018</a:t>
             </a:fld>
             <a:endParaRPr lang="de-CH">
               <a:solidFill>
@@ -5658,7 +5656,7 @@
                   <a:srgbClr val="000000"/>
                 </a:solidFill>
               </a:rPr>
-              <a:t>05.08.2018</a:t>
+              <a:t>10.08.2018</a:t>
             </a:fld>
             <a:endParaRPr lang="de-CH">
               <a:solidFill>
@@ -5824,7 +5822,7 @@
                   <a:srgbClr val="000000"/>
                 </a:solidFill>
               </a:rPr>
-              <a:t>05.08.2018</a:t>
+              <a:t>10.08.2018</a:t>
             </a:fld>
             <a:endParaRPr lang="de-CH">
               <a:solidFill>
@@ -5857,11 +5855,6 @@
               </a:rPr>
               <a:t>Institut i4ds</a:t>
             </a:r>
-            <a:endParaRPr lang="de-CH" dirty="0">
-              <a:solidFill>
-                <a:srgbClr val="000000"/>
-              </a:solidFill>
-            </a:endParaRPr>
           </a:p>
         </p:txBody>
       </p:sp>
@@ -5990,7 +5983,7 @@
                   <a:srgbClr val="000000"/>
                 </a:solidFill>
               </a:rPr>
-              <a:t>05.08.2018</a:t>
+              <a:t>10.08.2018</a:t>
             </a:fld>
             <a:endParaRPr lang="de-CH">
               <a:solidFill>
@@ -6023,11 +6016,6 @@
               </a:rPr>
               <a:t>Institut i4ds</a:t>
             </a:r>
-            <a:endParaRPr lang="de-CH" dirty="0">
-              <a:solidFill>
-                <a:srgbClr val="000000"/>
-              </a:solidFill>
-            </a:endParaRPr>
           </a:p>
         </p:txBody>
       </p:sp>
@@ -6398,7 +6386,7 @@
         <a:effectLst/>
         <a:extLst>
           <a:ext uri="{AF507438-7753-43e0-B8FC-AC1667EBCBE1}">
-            <a14:hiddenEffects xmlns:a14="http://schemas.microsoft.com/office/drawing/2010/main" xmlns="">
+            <a14:hiddenEffects xmlns="" xmlns:a14="http://schemas.microsoft.com/office/drawing/2010/main">
               <a:effectLst>
                 <a:outerShdw dist="35921" dir="2700000" algn="ctr" rotWithShape="0">
                   <a:schemeClr val="bg2"/>
@@ -6471,7 +6459,7 @@
         <a:effectLst/>
         <a:extLst>
           <a:ext uri="{AF507438-7753-43e0-B8FC-AC1667EBCBE1}">
-            <a14:hiddenEffects xmlns:a14="http://schemas.microsoft.com/office/drawing/2010/main" xmlns="">
+            <a14:hiddenEffects xmlns="" xmlns:a14="http://schemas.microsoft.com/office/drawing/2010/main">
               <a:effectLst>
                 <a:outerShdw dist="35921" dir="2700000" algn="ctr" rotWithShape="0">
                   <a:schemeClr val="bg2"/>

--- a/ppt/praes.pptx
+++ b/ppt/praes.pptx
@@ -5,30 +5,40 @@
     <p:sldMasterId id="2147483713" r:id="rId1"/>
   </p:sldMasterIdLst>
   <p:notesMasterIdLst>
-    <p:notesMasterId r:id="rId17"/>
+    <p:notesMasterId r:id="rId21"/>
   </p:notesMasterIdLst>
   <p:handoutMasterIdLst>
-    <p:handoutMasterId r:id="rId18"/>
+    <p:handoutMasterId r:id="rId22"/>
   </p:handoutMasterIdLst>
   <p:sldIdLst>
     <p:sldId id="256" r:id="rId2"/>
     <p:sldId id="261" r:id="rId3"/>
-    <p:sldId id="262" r:id="rId4"/>
-    <p:sldId id="270" r:id="rId5"/>
-    <p:sldId id="259" r:id="rId6"/>
-    <p:sldId id="263" r:id="rId7"/>
-    <p:sldId id="268" r:id="rId8"/>
-    <p:sldId id="264" r:id="rId9"/>
-    <p:sldId id="265" r:id="rId10"/>
-    <p:sldId id="257" r:id="rId11"/>
-    <p:sldId id="266" r:id="rId12"/>
-    <p:sldId id="258" r:id="rId13"/>
-    <p:sldId id="260" r:id="rId14"/>
-    <p:sldId id="269" r:id="rId15"/>
-    <p:sldId id="267" r:id="rId16"/>
+    <p:sldId id="272" r:id="rId4"/>
+    <p:sldId id="262" r:id="rId5"/>
+    <p:sldId id="271" r:id="rId6"/>
+    <p:sldId id="273" r:id="rId7"/>
+    <p:sldId id="274" r:id="rId8"/>
+    <p:sldId id="270" r:id="rId9"/>
+    <p:sldId id="259" r:id="rId10"/>
+    <p:sldId id="263" r:id="rId11"/>
+    <p:sldId id="268" r:id="rId12"/>
+    <p:sldId id="264" r:id="rId13"/>
+    <p:sldId id="265" r:id="rId14"/>
+    <p:sldId id="257" r:id="rId15"/>
+    <p:sldId id="266" r:id="rId16"/>
+    <p:sldId id="258" r:id="rId17"/>
+    <p:sldId id="260" r:id="rId18"/>
+    <p:sldId id="269" r:id="rId19"/>
+    <p:sldId id="267" r:id="rId20"/>
   </p:sldIdLst>
   <p:sldSz cx="10693400" cy="7561263"/>
   <p:notesSz cx="6858000" cy="9144000"/>
+  <p:embeddedFontLst>
+    <p:embeddedFont>
+      <p:font typeface="Cambria Math" panose="02040503050406030204" pitchFamily="18" charset="0"/>
+      <p:regular r:id="rId23"/>
+    </p:embeddedFont>
+  </p:embeddedFontLst>
   <p:defaultTextStyle>
     <a:defPPr>
       <a:defRPr lang="de-CH"/>
@@ -155,6 +165,33 @@
     </a:lvl9pPr>
   </p:defaultTextStyle>
   <p:extLst>
+    <p:ext uri="{521415D9-36F7-43E2-AB2F-B90AF26B5E84}">
+      <p14:sectionLst xmlns:p14="http://schemas.microsoft.com/office/powerpoint/2010/main">
+        <p14:section name="Abschnitt ohne Titel" id="{1B5D3148-3D48-4687-BD08-5CA91DFF17BF}">
+          <p14:sldIdLst>
+            <p14:sldId id="256"/>
+            <p14:sldId id="261"/>
+            <p14:sldId id="272"/>
+            <p14:sldId id="262"/>
+            <p14:sldId id="271"/>
+            <p14:sldId id="273"/>
+            <p14:sldId id="274"/>
+            <p14:sldId id="270"/>
+            <p14:sldId id="259"/>
+            <p14:sldId id="263"/>
+            <p14:sldId id="268"/>
+            <p14:sldId id="264"/>
+            <p14:sldId id="265"/>
+            <p14:sldId id="257"/>
+            <p14:sldId id="266"/>
+            <p14:sldId id="258"/>
+            <p14:sldId id="260"/>
+            <p14:sldId id="269"/>
+            <p14:sldId id="267"/>
+          </p14:sldIdLst>
+        </p14:section>
+      </p14:sectionLst>
+    </p:ext>
     <p:ext uri="{EFAFB233-063F-42B5-8137-9DF3F51BA10A}">
       <p15:sldGuideLst xmlns:p15="http://schemas.microsoft.com/office/powerpoint/2012/main">
         <p15:guide id="1" orient="horz" pos="2381">
@@ -226,14 +263,14 @@
           <a:effectLst/>
           <a:extLst>
             <a:ext uri="{909E8E84-426E-40dd-AFC4-6F175D3DCCD1}">
-              <a14:hiddenFill xmlns="" xmlns:a14="http://schemas.microsoft.com/office/drawing/2010/main">
+              <a14:hiddenFill xmlns:a14="http://schemas.microsoft.com/office/drawing/2010/main" xmlns="">
                 <a:solidFill>
                   <a:schemeClr val="accent1"/>
                 </a:solidFill>
               </a14:hiddenFill>
             </a:ext>
             <a:ext uri="{91240B29-F687-4f45-9708-019B960494DF}">
-              <a14:hiddenLine xmlns="" xmlns:a14="http://schemas.microsoft.com/office/drawing/2010/main" w="9525">
+              <a14:hiddenLine xmlns:a14="http://schemas.microsoft.com/office/drawing/2010/main" xmlns="" w="9525">
                 <a:solidFill>
                   <a:schemeClr val="tx1"/>
                 </a:solidFill>
@@ -243,7 +280,7 @@
               </a14:hiddenLine>
             </a:ext>
             <a:ext uri="{AF507438-7753-43e0-B8FC-AC1667EBCBE1}">
-              <a14:hiddenEffects xmlns="" xmlns:a14="http://schemas.microsoft.com/office/drawing/2010/main">
+              <a14:hiddenEffects xmlns:a14="http://schemas.microsoft.com/office/drawing/2010/main" xmlns="">
                 <a:effectLst>
                   <a:outerShdw dist="35921" dir="2700000" algn="ctr" rotWithShape="0">
                     <a:schemeClr val="bg2"/>
@@ -294,14 +331,14 @@
           <a:effectLst/>
           <a:extLst>
             <a:ext uri="{909E8E84-426E-40dd-AFC4-6F175D3DCCD1}">
-              <a14:hiddenFill xmlns="" xmlns:a14="http://schemas.microsoft.com/office/drawing/2010/main">
+              <a14:hiddenFill xmlns:a14="http://schemas.microsoft.com/office/drawing/2010/main" xmlns="">
                 <a:solidFill>
                   <a:schemeClr val="accent1"/>
                 </a:solidFill>
               </a14:hiddenFill>
             </a:ext>
             <a:ext uri="{91240B29-F687-4f45-9708-019B960494DF}">
-              <a14:hiddenLine xmlns="" xmlns:a14="http://schemas.microsoft.com/office/drawing/2010/main" w="9525">
+              <a14:hiddenLine xmlns:a14="http://schemas.microsoft.com/office/drawing/2010/main" xmlns="" w="9525">
                 <a:solidFill>
                   <a:schemeClr val="tx1"/>
                 </a:solidFill>
@@ -311,7 +348,7 @@
               </a14:hiddenLine>
             </a:ext>
             <a:ext uri="{AF507438-7753-43e0-B8FC-AC1667EBCBE1}">
-              <a14:hiddenEffects xmlns="" xmlns:a14="http://schemas.microsoft.com/office/drawing/2010/main">
+              <a14:hiddenEffects xmlns:a14="http://schemas.microsoft.com/office/drawing/2010/main" xmlns="">
                 <a:effectLst>
                   <a:outerShdw dist="35921" dir="2700000" algn="ctr" rotWithShape="0">
                     <a:schemeClr val="bg2"/>
@@ -362,14 +399,14 @@
           <a:effectLst/>
           <a:extLst>
             <a:ext uri="{909E8E84-426E-40dd-AFC4-6F175D3DCCD1}">
-              <a14:hiddenFill xmlns="" xmlns:a14="http://schemas.microsoft.com/office/drawing/2010/main">
+              <a14:hiddenFill xmlns:a14="http://schemas.microsoft.com/office/drawing/2010/main" xmlns="">
                 <a:solidFill>
                   <a:schemeClr val="accent1"/>
                 </a:solidFill>
               </a14:hiddenFill>
             </a:ext>
             <a:ext uri="{91240B29-F687-4f45-9708-019B960494DF}">
-              <a14:hiddenLine xmlns="" xmlns:a14="http://schemas.microsoft.com/office/drawing/2010/main" w="9525">
+              <a14:hiddenLine xmlns:a14="http://schemas.microsoft.com/office/drawing/2010/main" xmlns="" w="9525">
                 <a:solidFill>
                   <a:schemeClr val="tx1"/>
                 </a:solidFill>
@@ -379,7 +416,7 @@
               </a14:hiddenLine>
             </a:ext>
             <a:ext uri="{AF507438-7753-43e0-B8FC-AC1667EBCBE1}">
-              <a14:hiddenEffects xmlns="" xmlns:a14="http://schemas.microsoft.com/office/drawing/2010/main">
+              <a14:hiddenEffects xmlns:a14="http://schemas.microsoft.com/office/drawing/2010/main" xmlns="">
                 <a:effectLst>
                   <a:outerShdw dist="35921" dir="2700000" algn="ctr" rotWithShape="0">
                     <a:schemeClr val="bg2"/>
@@ -430,14 +467,14 @@
           <a:effectLst/>
           <a:extLst>
             <a:ext uri="{909E8E84-426E-40dd-AFC4-6F175D3DCCD1}">
-              <a14:hiddenFill xmlns="" xmlns:a14="http://schemas.microsoft.com/office/drawing/2010/main">
+              <a14:hiddenFill xmlns:a14="http://schemas.microsoft.com/office/drawing/2010/main" xmlns="">
                 <a:solidFill>
                   <a:schemeClr val="accent1"/>
                 </a:solidFill>
               </a14:hiddenFill>
             </a:ext>
             <a:ext uri="{91240B29-F687-4f45-9708-019B960494DF}">
-              <a14:hiddenLine xmlns="" xmlns:a14="http://schemas.microsoft.com/office/drawing/2010/main" w="9525">
+              <a14:hiddenLine xmlns:a14="http://schemas.microsoft.com/office/drawing/2010/main" xmlns="" w="9525">
                 <a:solidFill>
                   <a:schemeClr val="tx1"/>
                 </a:solidFill>
@@ -447,7 +484,7 @@
               </a14:hiddenLine>
             </a:ext>
             <a:ext uri="{AF507438-7753-43e0-B8FC-AC1667EBCBE1}">
-              <a14:hiddenEffects xmlns="" xmlns:a14="http://schemas.microsoft.com/office/drawing/2010/main">
+              <a14:hiddenEffects xmlns:a14="http://schemas.microsoft.com/office/drawing/2010/main" xmlns="">
                 <a:effectLst>
                   <a:outerShdw dist="35921" dir="2700000" algn="ctr" rotWithShape="0">
                     <a:schemeClr val="bg2"/>
@@ -539,14 +576,14 @@
           <a:effectLst/>
           <a:extLst>
             <a:ext uri="{909E8E84-426E-40dd-AFC4-6F175D3DCCD1}">
-              <a14:hiddenFill xmlns="" xmlns:a14="http://schemas.microsoft.com/office/drawing/2010/main">
+              <a14:hiddenFill xmlns:a14="http://schemas.microsoft.com/office/drawing/2010/main" xmlns="">
                 <a:solidFill>
                   <a:schemeClr val="accent1"/>
                 </a:solidFill>
               </a14:hiddenFill>
             </a:ext>
             <a:ext uri="{91240B29-F687-4f45-9708-019B960494DF}">
-              <a14:hiddenLine xmlns="" xmlns:a14="http://schemas.microsoft.com/office/drawing/2010/main" w="9525">
+              <a14:hiddenLine xmlns:a14="http://schemas.microsoft.com/office/drawing/2010/main" xmlns="" w="9525">
                 <a:solidFill>
                   <a:schemeClr val="tx1"/>
                 </a:solidFill>
@@ -556,7 +593,7 @@
               </a14:hiddenLine>
             </a:ext>
             <a:ext uri="{AF507438-7753-43e0-B8FC-AC1667EBCBE1}">
-              <a14:hiddenEffects xmlns="" xmlns:a14="http://schemas.microsoft.com/office/drawing/2010/main">
+              <a14:hiddenEffects xmlns:a14="http://schemas.microsoft.com/office/drawing/2010/main" xmlns="">
                 <a:effectLst>
                   <a:outerShdw dist="35921" dir="2700000" algn="ctr" rotWithShape="0">
                     <a:schemeClr val="bg2"/>
@@ -607,14 +644,14 @@
           <a:effectLst/>
           <a:extLst>
             <a:ext uri="{909E8E84-426E-40dd-AFC4-6F175D3DCCD1}">
-              <a14:hiddenFill xmlns="" xmlns:a14="http://schemas.microsoft.com/office/drawing/2010/main">
+              <a14:hiddenFill xmlns:a14="http://schemas.microsoft.com/office/drawing/2010/main" xmlns="">
                 <a:solidFill>
                   <a:schemeClr val="accent1"/>
                 </a:solidFill>
               </a14:hiddenFill>
             </a:ext>
             <a:ext uri="{91240B29-F687-4f45-9708-019B960494DF}">
-              <a14:hiddenLine xmlns="" xmlns:a14="http://schemas.microsoft.com/office/drawing/2010/main" w="9525">
+              <a14:hiddenLine xmlns:a14="http://schemas.microsoft.com/office/drawing/2010/main" xmlns="" w="9525">
                 <a:solidFill>
                   <a:schemeClr val="tx1"/>
                 </a:solidFill>
@@ -624,7 +661,7 @@
               </a14:hiddenLine>
             </a:ext>
             <a:ext uri="{AF507438-7753-43e0-B8FC-AC1667EBCBE1}">
-              <a14:hiddenEffects xmlns="" xmlns:a14="http://schemas.microsoft.com/office/drawing/2010/main">
+              <a14:hiddenEffects xmlns:a14="http://schemas.microsoft.com/office/drawing/2010/main" xmlns="">
                 <a:effectLst>
                   <a:outerShdw dist="35921" dir="2700000" algn="ctr" rotWithShape="0">
                     <a:schemeClr val="bg2"/>
@@ -680,7 +717,7 @@
           <a:effectLst/>
           <a:extLst>
             <a:ext uri="{AF507438-7753-43e0-B8FC-AC1667EBCBE1}">
-              <a14:hiddenEffects xmlns="" xmlns:a14="http://schemas.microsoft.com/office/drawing/2010/main">
+              <a14:hiddenEffects xmlns:a14="http://schemas.microsoft.com/office/drawing/2010/main" xmlns="">
                 <a:effectLst>
                   <a:outerShdw dist="35921" dir="2700000" algn="ctr" rotWithShape="0">
                     <a:srgbClr val="808080"/>
@@ -689,7 +726,7 @@
               </a14:hiddenEffects>
             </a:ext>
             <a:ext uri="{53640926-AAD7-44d8-BBD7-CCE9431645EC}">
-              <a14:shadowObscured xmlns="" xmlns:a14="http://schemas.microsoft.com/office/drawing/2010/main" val="1"/>
+              <a14:shadowObscured xmlns:a14="http://schemas.microsoft.com/office/drawing/2010/main" xmlns="" val="1"/>
             </a:ext>
           </a:extLst>
         </p:spPr>
@@ -719,14 +756,14 @@
           <a:effectLst/>
           <a:extLst>
             <a:ext uri="{909E8E84-426E-40dd-AFC4-6F175D3DCCD1}">
-              <a14:hiddenFill xmlns="" xmlns:a14="http://schemas.microsoft.com/office/drawing/2010/main">
+              <a14:hiddenFill xmlns:a14="http://schemas.microsoft.com/office/drawing/2010/main" xmlns="">
                 <a:solidFill>
                   <a:schemeClr val="accent1"/>
                 </a:solidFill>
               </a14:hiddenFill>
             </a:ext>
             <a:ext uri="{91240B29-F687-4f45-9708-019B960494DF}">
-              <a14:hiddenLine xmlns="" xmlns:a14="http://schemas.microsoft.com/office/drawing/2010/main" w="9525">
+              <a14:hiddenLine xmlns:a14="http://schemas.microsoft.com/office/drawing/2010/main" xmlns="" w="9525">
                 <a:solidFill>
                   <a:schemeClr val="tx1"/>
                 </a:solidFill>
@@ -736,7 +773,7 @@
               </a14:hiddenLine>
             </a:ext>
             <a:ext uri="{AF507438-7753-43e0-B8FC-AC1667EBCBE1}">
-              <a14:hiddenEffects xmlns="" xmlns:a14="http://schemas.microsoft.com/office/drawing/2010/main">
+              <a14:hiddenEffects xmlns:a14="http://schemas.microsoft.com/office/drawing/2010/main" xmlns="">
                 <a:effectLst>
                   <a:outerShdw dist="35921" dir="2700000" algn="ctr" rotWithShape="0">
                     <a:schemeClr val="bg2"/>
@@ -815,14 +852,14 @@
           <a:effectLst/>
           <a:extLst>
             <a:ext uri="{909E8E84-426E-40dd-AFC4-6F175D3DCCD1}">
-              <a14:hiddenFill xmlns="" xmlns:a14="http://schemas.microsoft.com/office/drawing/2010/main">
+              <a14:hiddenFill xmlns:a14="http://schemas.microsoft.com/office/drawing/2010/main" xmlns="">
                 <a:solidFill>
                   <a:schemeClr val="accent1"/>
                 </a:solidFill>
               </a14:hiddenFill>
             </a:ext>
             <a:ext uri="{91240B29-F687-4f45-9708-019B960494DF}">
-              <a14:hiddenLine xmlns="" xmlns:a14="http://schemas.microsoft.com/office/drawing/2010/main" w="9525">
+              <a14:hiddenLine xmlns:a14="http://schemas.microsoft.com/office/drawing/2010/main" xmlns="" w="9525">
                 <a:solidFill>
                   <a:schemeClr val="tx1"/>
                 </a:solidFill>
@@ -832,7 +869,7 @@
               </a14:hiddenLine>
             </a:ext>
             <a:ext uri="{AF507438-7753-43e0-B8FC-AC1667EBCBE1}">
-              <a14:hiddenEffects xmlns="" xmlns:a14="http://schemas.microsoft.com/office/drawing/2010/main">
+              <a14:hiddenEffects xmlns:a14="http://schemas.microsoft.com/office/drawing/2010/main" xmlns="">
                 <a:effectLst>
                   <a:outerShdw dist="35921" dir="2700000" algn="ctr" rotWithShape="0">
                     <a:schemeClr val="bg2"/>
@@ -883,14 +920,14 @@
           <a:effectLst/>
           <a:extLst>
             <a:ext uri="{909E8E84-426E-40dd-AFC4-6F175D3DCCD1}">
-              <a14:hiddenFill xmlns="" xmlns:a14="http://schemas.microsoft.com/office/drawing/2010/main">
+              <a14:hiddenFill xmlns:a14="http://schemas.microsoft.com/office/drawing/2010/main" xmlns="">
                 <a:solidFill>
                   <a:schemeClr val="accent1"/>
                 </a:solidFill>
               </a14:hiddenFill>
             </a:ext>
             <a:ext uri="{91240B29-F687-4f45-9708-019B960494DF}">
-              <a14:hiddenLine xmlns="" xmlns:a14="http://schemas.microsoft.com/office/drawing/2010/main" w="9525">
+              <a14:hiddenLine xmlns:a14="http://schemas.microsoft.com/office/drawing/2010/main" xmlns="" w="9525">
                 <a:solidFill>
                   <a:schemeClr val="tx1"/>
                 </a:solidFill>
@@ -900,7 +937,7 @@
               </a14:hiddenLine>
             </a:ext>
             <a:ext uri="{AF507438-7753-43e0-B8FC-AC1667EBCBE1}">
-              <a14:hiddenEffects xmlns="" xmlns:a14="http://schemas.microsoft.com/office/drawing/2010/main">
+              <a14:hiddenEffects xmlns:a14="http://schemas.microsoft.com/office/drawing/2010/main" xmlns="">
                 <a:effectLst>
                   <a:outerShdw dist="35921" dir="2700000" algn="ctr" rotWithShape="0">
                     <a:schemeClr val="bg2"/>
@@ -1138,7 +1175,193 @@
             <a:fld id="{058061DB-DF71-4765-99A4-14E22DF63CCF}" type="slidenum">
               <a:rPr lang="de-CH" smtClean="0"/>
               <a:pPr/>
-              <a:t>10</a:t>
+              <a:t>3</a:t>
+            </a:fld>
+            <a:endParaRPr lang="de-CH"/>
+          </a:p>
+        </p:txBody>
+      </p:sp>
+    </p:spTree>
+    <p:extLst>
+      <p:ext uri="{BB962C8B-B14F-4D97-AF65-F5344CB8AC3E}">
+        <p14:creationId xmlns:p14="http://schemas.microsoft.com/office/powerpoint/2010/main" val="1778897261"/>
+      </p:ext>
+    </p:extLst>
+  </p:cSld>
+  <p:clrMapOvr>
+    <a:masterClrMapping/>
+  </p:clrMapOvr>
+</p:notes>
+</file>
+
+<file path=ppt/notesSlides/notesSlide2.xml><?xml version="1.0" encoding="utf-8"?>
+<p:notes xmlns:a="http://schemas.openxmlformats.org/drawingml/2006/main" xmlns:r="http://schemas.openxmlformats.org/officeDocument/2006/relationships" xmlns:p="http://schemas.openxmlformats.org/presentationml/2006/main">
+  <p:cSld>
+    <p:spTree>
+      <p:nvGrpSpPr>
+        <p:cNvPr id="1" name=""/>
+        <p:cNvGrpSpPr/>
+        <p:nvPr/>
+      </p:nvGrpSpPr>
+      <p:grpSpPr>
+        <a:xfrm>
+          <a:off x="0" y="0"/>
+          <a:ext cx="0" cy="0"/>
+          <a:chOff x="0" y="0"/>
+          <a:chExt cx="0" cy="0"/>
+        </a:xfrm>
+      </p:grpSpPr>
+      <p:sp>
+        <p:nvSpPr>
+          <p:cNvPr id="2" name="Folienbildplatzhalter 1"/>
+          <p:cNvSpPr>
+            <a:spLocks noGrp="1" noRot="1" noChangeAspect="1"/>
+          </p:cNvSpPr>
+          <p:nvPr>
+            <p:ph type="sldImg"/>
+          </p:nvPr>
+        </p:nvSpPr>
+        <p:spPr/>
+      </p:sp>
+      <p:sp>
+        <p:nvSpPr>
+          <p:cNvPr id="3" name="Notizenplatzhalter 2"/>
+          <p:cNvSpPr>
+            <a:spLocks noGrp="1"/>
+          </p:cNvSpPr>
+          <p:nvPr>
+            <p:ph type="body" idx="1"/>
+          </p:nvPr>
+        </p:nvSpPr>
+        <p:spPr/>
+        <p:txBody>
+          <a:bodyPr/>
+          <a:lstStyle/>
+          <a:p>
+            <a:r>
+              <a:rPr lang="en-GB" dirty="0" smtClean="0"/>
+              <a:t>From</a:t>
+            </a:r>
+            <a:r>
+              <a:rPr lang="en-GB" baseline="0" dirty="0" smtClean="0"/>
+              <a:t> the theory of compressed sensing</a:t>
+            </a:r>
+            <a:endParaRPr lang="en-GB" dirty="0"/>
+          </a:p>
+        </p:txBody>
+      </p:sp>
+      <p:sp>
+        <p:nvSpPr>
+          <p:cNvPr id="4" name="Foliennummernplatzhalter 3"/>
+          <p:cNvSpPr>
+            <a:spLocks noGrp="1"/>
+          </p:cNvSpPr>
+          <p:nvPr>
+            <p:ph type="sldNum" sz="quarter" idx="10"/>
+          </p:nvPr>
+        </p:nvSpPr>
+        <p:spPr/>
+        <p:txBody>
+          <a:bodyPr/>
+          <a:lstStyle/>
+          <a:p>
+            <a:fld id="{058061DB-DF71-4765-99A4-14E22DF63CCF}" type="slidenum">
+              <a:rPr lang="de-CH" smtClean="0"/>
+              <a:pPr/>
+              <a:t>4</a:t>
+            </a:fld>
+            <a:endParaRPr lang="de-CH"/>
+          </a:p>
+        </p:txBody>
+      </p:sp>
+    </p:spTree>
+    <p:extLst>
+      <p:ext uri="{BB962C8B-B14F-4D97-AF65-F5344CB8AC3E}">
+        <p14:creationId xmlns:p14="http://schemas.microsoft.com/office/powerpoint/2010/main" val="1484357751"/>
+      </p:ext>
+    </p:extLst>
+  </p:cSld>
+  <p:clrMapOvr>
+    <a:masterClrMapping/>
+  </p:clrMapOvr>
+</p:notes>
+</file>
+
+<file path=ppt/notesSlides/notesSlide3.xml><?xml version="1.0" encoding="utf-8"?>
+<p:notes xmlns:a="http://schemas.openxmlformats.org/drawingml/2006/main" xmlns:r="http://schemas.openxmlformats.org/officeDocument/2006/relationships" xmlns:p="http://schemas.openxmlformats.org/presentationml/2006/main">
+  <p:cSld>
+    <p:spTree>
+      <p:nvGrpSpPr>
+        <p:cNvPr id="1" name=""/>
+        <p:cNvGrpSpPr/>
+        <p:nvPr/>
+      </p:nvGrpSpPr>
+      <p:grpSpPr>
+        <a:xfrm>
+          <a:off x="0" y="0"/>
+          <a:ext cx="0" cy="0"/>
+          <a:chOff x="0" y="0"/>
+          <a:chExt cx="0" cy="0"/>
+        </a:xfrm>
+      </p:grpSpPr>
+      <p:sp>
+        <p:nvSpPr>
+          <p:cNvPr id="2" name="Folienbildplatzhalter 1"/>
+          <p:cNvSpPr>
+            <a:spLocks noGrp="1" noRot="1" noChangeAspect="1"/>
+          </p:cNvSpPr>
+          <p:nvPr>
+            <p:ph type="sldImg"/>
+          </p:nvPr>
+        </p:nvSpPr>
+        <p:spPr/>
+      </p:sp>
+      <p:sp>
+        <p:nvSpPr>
+          <p:cNvPr id="3" name="Notizenplatzhalter 2"/>
+          <p:cNvSpPr>
+            <a:spLocks noGrp="1"/>
+          </p:cNvSpPr>
+          <p:nvPr>
+            <p:ph type="body" idx="1"/>
+          </p:nvPr>
+        </p:nvSpPr>
+        <p:spPr/>
+        <p:txBody>
+          <a:bodyPr/>
+          <a:lstStyle/>
+          <a:p>
+            <a:r>
+              <a:rPr lang="en-GB" dirty="0" smtClean="0"/>
+              <a:t>Low</a:t>
+            </a:r>
+            <a:r>
+              <a:rPr lang="en-GB" baseline="0" dirty="0" smtClean="0"/>
+              <a:t> resolution</a:t>
+            </a:r>
+            <a:endParaRPr lang="en-GB" dirty="0"/>
+          </a:p>
+        </p:txBody>
+      </p:sp>
+      <p:sp>
+        <p:nvSpPr>
+          <p:cNvPr id="4" name="Foliennummernplatzhalter 3"/>
+          <p:cNvSpPr>
+            <a:spLocks noGrp="1"/>
+          </p:cNvSpPr>
+          <p:nvPr>
+            <p:ph type="sldNum" sz="quarter" idx="10"/>
+          </p:nvPr>
+        </p:nvSpPr>
+        <p:spPr/>
+        <p:txBody>
+          <a:bodyPr/>
+          <a:lstStyle/>
+          <a:p>
+            <a:fld id="{058061DB-DF71-4765-99A4-14E22DF63CCF}" type="slidenum">
+              <a:rPr lang="de-CH" smtClean="0"/>
+              <a:pPr/>
+              <a:t>14</a:t>
             </a:fld>
             <a:endParaRPr lang="de-CH"/>
           </a:p>
@@ -1196,14 +1419,14 @@
           <a:ln/>
           <a:extLst>
             <a:ext uri="{909E8E84-426E-40dd-AFC4-6F175D3DCCD1}">
-              <a14:hiddenFill xmlns="" xmlns:a14="http://schemas.microsoft.com/office/drawing/2010/main">
+              <a14:hiddenFill xmlns:a14="http://schemas.microsoft.com/office/drawing/2010/main" xmlns="">
                 <a:solidFill>
                   <a:srgbClr val="FFFFFF"/>
                 </a:solidFill>
               </a14:hiddenFill>
             </a:ext>
             <a:ext uri="{91240B29-F687-4f45-9708-019B960494DF}">
-              <a14:hiddenLine xmlns="" xmlns:a14="http://schemas.microsoft.com/office/drawing/2010/main" w="9525">
+              <a14:hiddenLine xmlns:a14="http://schemas.microsoft.com/office/drawing/2010/main" xmlns="" w="9525">
                 <a:solidFill>
                   <a:srgbClr val="000000"/>
                 </a:solidFill>
@@ -1480,7 +1703,7 @@
                   <a:srgbClr val="000000"/>
                 </a:solidFill>
               </a:rPr>
-              <a:t>10.08.2018</a:t>
+              <a:t>11.08.2018</a:t>
             </a:fld>
             <a:endParaRPr lang="de-CH">
               <a:solidFill>
@@ -1690,7 +1913,7 @@
                   <a:srgbClr val="000000"/>
                 </a:solidFill>
               </a:rPr>
-              <a:t>10.08.2018</a:t>
+              <a:t>11.08.2018</a:t>
             </a:fld>
             <a:endParaRPr lang="de-CH">
               <a:solidFill>
@@ -1898,7 +2121,7 @@
                   <a:srgbClr val="000000"/>
                 </a:solidFill>
               </a:rPr>
-              <a:t>10.08.2018</a:t>
+              <a:t>11.08.2018</a:t>
             </a:fld>
             <a:endParaRPr lang="de-CH">
               <a:solidFill>
@@ -2106,7 +2329,7 @@
                   <a:srgbClr val="000000"/>
                 </a:solidFill>
               </a:rPr>
-              <a:t>10.08.2018</a:t>
+              <a:t>11.08.2018</a:t>
             </a:fld>
             <a:endParaRPr lang="de-CH">
               <a:solidFill>
@@ -2353,14 +2576,14 @@
           <a:effectLst/>
           <a:extLst>
             <a:ext uri="{909E8E84-426E-40dd-AFC4-6F175D3DCCD1}">
-              <a14:hiddenFill xmlns="" xmlns:a14="http://schemas.microsoft.com/office/drawing/2010/main">
+              <a14:hiddenFill xmlns:a14="http://schemas.microsoft.com/office/drawing/2010/main" xmlns="">
                 <a:solidFill>
                   <a:schemeClr val="accent1"/>
                 </a:solidFill>
               </a14:hiddenFill>
             </a:ext>
             <a:ext uri="{91240B29-F687-4f45-9708-019B960494DF}">
-              <a14:hiddenLine xmlns="" xmlns:a14="http://schemas.microsoft.com/office/drawing/2010/main" w="9525">
+              <a14:hiddenLine xmlns:a14="http://schemas.microsoft.com/office/drawing/2010/main" xmlns="" w="9525">
                 <a:solidFill>
                   <a:schemeClr val="tx1"/>
                 </a:solidFill>
@@ -2370,7 +2593,7 @@
               </a14:hiddenLine>
             </a:ext>
             <a:ext uri="{AF507438-7753-43e0-B8FC-AC1667EBCBE1}">
-              <a14:hiddenEffects xmlns="" xmlns:a14="http://schemas.microsoft.com/office/drawing/2010/main">
+              <a14:hiddenEffects xmlns:a14="http://schemas.microsoft.com/office/drawing/2010/main" xmlns="">
                 <a:effectLst>
                   <a:outerShdw dist="35921" dir="2700000" algn="ctr" rotWithShape="0">
                     <a:schemeClr val="bg2"/>
@@ -2421,14 +2644,14 @@
           <a:effectLst/>
           <a:extLst>
             <a:ext uri="{909E8E84-426E-40dd-AFC4-6F175D3DCCD1}">
-              <a14:hiddenFill xmlns="" xmlns:a14="http://schemas.microsoft.com/office/drawing/2010/main">
+              <a14:hiddenFill xmlns:a14="http://schemas.microsoft.com/office/drawing/2010/main" xmlns="">
                 <a:solidFill>
                   <a:schemeClr val="accent1"/>
                 </a:solidFill>
               </a14:hiddenFill>
             </a:ext>
             <a:ext uri="{91240B29-F687-4f45-9708-019B960494DF}">
-              <a14:hiddenLine xmlns="" xmlns:a14="http://schemas.microsoft.com/office/drawing/2010/main" w="9525">
+              <a14:hiddenLine xmlns:a14="http://schemas.microsoft.com/office/drawing/2010/main" xmlns="" w="9525">
                 <a:solidFill>
                   <a:schemeClr val="tx1"/>
                 </a:solidFill>
@@ -2438,7 +2661,7 @@
               </a14:hiddenLine>
             </a:ext>
             <a:ext uri="{AF507438-7753-43e0-B8FC-AC1667EBCBE1}">
-              <a14:hiddenEffects xmlns="" xmlns:a14="http://schemas.microsoft.com/office/drawing/2010/main">
+              <a14:hiddenEffects xmlns:a14="http://schemas.microsoft.com/office/drawing/2010/main" xmlns="">
                 <a:effectLst>
                   <a:outerShdw dist="35921" dir="2700000" algn="ctr" rotWithShape="0">
                     <a:schemeClr val="bg2"/>
@@ -2517,14 +2740,14 @@
           <a:effectLst/>
           <a:extLst>
             <a:ext uri="{909E8E84-426E-40dd-AFC4-6F175D3DCCD1}">
-              <a14:hiddenFill xmlns="" xmlns:a14="http://schemas.microsoft.com/office/drawing/2010/main">
+              <a14:hiddenFill xmlns:a14="http://schemas.microsoft.com/office/drawing/2010/main" xmlns="">
                 <a:solidFill>
                   <a:schemeClr val="accent1"/>
                 </a:solidFill>
               </a14:hiddenFill>
             </a:ext>
             <a:ext uri="{91240B29-F687-4f45-9708-019B960494DF}">
-              <a14:hiddenLine xmlns="" xmlns:a14="http://schemas.microsoft.com/office/drawing/2010/main" w="9525">
+              <a14:hiddenLine xmlns:a14="http://schemas.microsoft.com/office/drawing/2010/main" xmlns="" w="9525">
                 <a:solidFill>
                   <a:schemeClr val="tx1"/>
                 </a:solidFill>
@@ -2534,7 +2757,7 @@
               </a14:hiddenLine>
             </a:ext>
             <a:ext uri="{AF507438-7753-43e0-B8FC-AC1667EBCBE1}">
-              <a14:hiddenEffects xmlns="" xmlns:a14="http://schemas.microsoft.com/office/drawing/2010/main">
+              <a14:hiddenEffects xmlns:a14="http://schemas.microsoft.com/office/drawing/2010/main" xmlns="">
                 <a:effectLst>
                   <a:outerShdw dist="35921" dir="2700000" algn="ctr" rotWithShape="0">
                     <a:schemeClr val="bg2"/>
@@ -2562,7 +2785,7 @@
                   <a:srgbClr val="000000"/>
                 </a:solidFill>
               </a:rPr>
-              <a:t>10.08.2018</a:t>
+              <a:t>11.08.2018</a:t>
             </a:fld>
             <a:endParaRPr lang="de-CH">
               <a:solidFill>
@@ -2597,14 +2820,14 @@
           <a:effectLst/>
           <a:extLst>
             <a:ext uri="{909E8E84-426E-40dd-AFC4-6F175D3DCCD1}">
-              <a14:hiddenFill xmlns="" xmlns:a14="http://schemas.microsoft.com/office/drawing/2010/main">
+              <a14:hiddenFill xmlns:a14="http://schemas.microsoft.com/office/drawing/2010/main" xmlns="">
                 <a:solidFill>
                   <a:schemeClr val="accent1"/>
                 </a:solidFill>
               </a14:hiddenFill>
             </a:ext>
             <a:ext uri="{91240B29-F687-4f45-9708-019B960494DF}">
-              <a14:hiddenLine xmlns="" xmlns:a14="http://schemas.microsoft.com/office/drawing/2010/main" w="9525">
+              <a14:hiddenLine xmlns:a14="http://schemas.microsoft.com/office/drawing/2010/main" xmlns="" w="9525">
                 <a:solidFill>
                   <a:schemeClr val="tx1"/>
                 </a:solidFill>
@@ -2614,7 +2837,7 @@
               </a14:hiddenLine>
             </a:ext>
             <a:ext uri="{AF507438-7753-43e0-B8FC-AC1667EBCBE1}">
-              <a14:hiddenEffects xmlns="" xmlns:a14="http://schemas.microsoft.com/office/drawing/2010/main">
+              <a14:hiddenEffects xmlns:a14="http://schemas.microsoft.com/office/drawing/2010/main" xmlns="">
                 <a:effectLst>
                   <a:outerShdw dist="35921" dir="2700000" algn="ctr" rotWithShape="0">
                     <a:schemeClr val="bg2"/>
@@ -2677,14 +2900,14 @@
           <a:effectLst/>
           <a:extLst>
             <a:ext uri="{909E8E84-426E-40dd-AFC4-6F175D3DCCD1}">
-              <a14:hiddenFill xmlns="" xmlns:a14="http://schemas.microsoft.com/office/drawing/2010/main">
+              <a14:hiddenFill xmlns:a14="http://schemas.microsoft.com/office/drawing/2010/main" xmlns="">
                 <a:solidFill>
                   <a:schemeClr val="accent1"/>
                 </a:solidFill>
               </a14:hiddenFill>
             </a:ext>
             <a:ext uri="{91240B29-F687-4f45-9708-019B960494DF}">
-              <a14:hiddenLine xmlns="" xmlns:a14="http://schemas.microsoft.com/office/drawing/2010/main" w="9525">
+              <a14:hiddenLine xmlns:a14="http://schemas.microsoft.com/office/drawing/2010/main" xmlns="" w="9525">
                 <a:solidFill>
                   <a:schemeClr val="tx1"/>
                 </a:solidFill>
@@ -2694,7 +2917,7 @@
               </a14:hiddenLine>
             </a:ext>
             <a:ext uri="{AF507438-7753-43e0-B8FC-AC1667EBCBE1}">
-              <a14:hiddenEffects xmlns="" xmlns:a14="http://schemas.microsoft.com/office/drawing/2010/main">
+              <a14:hiddenEffects xmlns:a14="http://schemas.microsoft.com/office/drawing/2010/main" xmlns="">
                 <a:effectLst>
                   <a:outerShdw dist="35921" dir="2700000" algn="ctr" rotWithShape="0">
                     <a:schemeClr val="bg2"/>
@@ -2761,12 +2984,12 @@
           <a:effectLst/>
           <a:extLst>
             <a:ext uri="{909E8E84-426E-40dd-AFC4-6F175D3DCCD1}">
-              <a14:hiddenFill xmlns="" xmlns:a14="http://schemas.microsoft.com/office/drawing/2010/main">
+              <a14:hiddenFill xmlns:a14="http://schemas.microsoft.com/office/drawing/2010/main" xmlns="">
                 <a:noFill/>
               </a14:hiddenFill>
             </a:ext>
             <a:ext uri="{AF507438-7753-43e0-B8FC-AC1667EBCBE1}">
-              <a14:hiddenEffects xmlns="" xmlns:a14="http://schemas.microsoft.com/office/drawing/2010/main">
+              <a14:hiddenEffects xmlns:a14="http://schemas.microsoft.com/office/drawing/2010/main" xmlns="">
                 <a:effectLst>
                   <a:outerShdw dist="35921" dir="2700000" algn="ctr" rotWithShape="0">
                     <a:schemeClr val="bg2"/>
@@ -3451,7 +3674,7 @@
                   <a:srgbClr val="000000"/>
                 </a:solidFill>
               </a:rPr>
-              <a:t>10.08.2018</a:t>
+              <a:t>11.08.2018</a:t>
             </a:fld>
             <a:endParaRPr lang="de-CH">
               <a:solidFill>
@@ -3482,8 +3705,21 @@
                   <a:srgbClr val="000000"/>
                 </a:solidFill>
               </a:rPr>
-              <a:t>Institut i4ds</a:t>
-            </a:r>
+              <a:t>Institut </a:t>
+            </a:r>
+            <a:r>
+              <a:rPr lang="de-CH" dirty="0" smtClean="0">
+                <a:solidFill>
+                  <a:srgbClr val="000000"/>
+                </a:solidFill>
+              </a:rPr>
+              <a:t>i4ds</a:t>
+            </a:r>
+            <a:endParaRPr lang="de-CH" dirty="0">
+              <a:solidFill>
+                <a:srgbClr val="000000"/>
+              </a:solidFill>
+            </a:endParaRPr>
           </a:p>
         </p:txBody>
       </p:sp>
@@ -3535,12 +3771,687 @@
           <a:lstStyle/>
           <a:p>
             <a:r>
+              <a:rPr lang="en-GB" dirty="0" smtClean="0"/>
+              <a:t>CLEAN as a special case of Compressed Sensing</a:t>
+            </a:r>
+            <a:endParaRPr lang="en-GB" dirty="0"/>
+          </a:p>
+        </p:txBody>
+      </p:sp>
+      <p:sp>
+        <p:nvSpPr>
+          <p:cNvPr id="6" name="Textplatzhalter 5"/>
+          <p:cNvSpPr>
+            <a:spLocks noGrp="1"/>
+          </p:cNvSpPr>
+          <p:nvPr>
+            <p:ph type="body" idx="1"/>
+          </p:nvPr>
+        </p:nvSpPr>
+        <p:spPr/>
+        <p:txBody>
+          <a:bodyPr/>
+          <a:lstStyle/>
+          <a:p>
+            <a:endParaRPr lang="en-GB"/>
+          </a:p>
+        </p:txBody>
+      </p:sp>
+    </p:spTree>
+    <p:extLst>
+      <p:ext uri="{BB962C8B-B14F-4D97-AF65-F5344CB8AC3E}">
+        <p14:creationId xmlns:p14="http://schemas.microsoft.com/office/powerpoint/2010/main" val="1550387807"/>
+      </p:ext>
+    </p:extLst>
+  </p:cSld>
+  <p:clrMapOvr>
+    <a:masterClrMapping/>
+  </p:clrMapOvr>
+</p:sld>
+</file>
+
+<file path=ppt/slides/slide11.xml><?xml version="1.0" encoding="utf-8"?>
+<p:sld xmlns:a="http://schemas.openxmlformats.org/drawingml/2006/main" xmlns:r="http://schemas.openxmlformats.org/officeDocument/2006/relationships" xmlns:p="http://schemas.openxmlformats.org/presentationml/2006/main">
+  <p:cSld>
+    <p:spTree>
+      <p:nvGrpSpPr>
+        <p:cNvPr id="1" name=""/>
+        <p:cNvGrpSpPr/>
+        <p:nvPr/>
+      </p:nvGrpSpPr>
+      <p:grpSpPr>
+        <a:xfrm>
+          <a:off x="0" y="0"/>
+          <a:ext cx="0" cy="0"/>
+          <a:chOff x="0" y="0"/>
+          <a:chExt cx="0" cy="0"/>
+        </a:xfrm>
+      </p:grpSpPr>
+      <p:sp>
+        <p:nvSpPr>
+          <p:cNvPr id="2" name="Datumsplatzhalter 1"/>
+          <p:cNvSpPr>
+            <a:spLocks noGrp="1"/>
+          </p:cNvSpPr>
+          <p:nvPr>
+            <p:ph type="dt" sz="half" idx="10"/>
+          </p:nvPr>
+        </p:nvSpPr>
+        <p:spPr/>
+        <p:txBody>
+          <a:bodyPr/>
+          <a:lstStyle/>
+          <a:p>
+            <a:fld id="{5E48492E-72D1-4785-9351-8AE1E40FBA2D}" type="datetime1">
+              <a:rPr lang="de-CH" smtClean="0">
+                <a:solidFill>
+                  <a:srgbClr val="000000"/>
+                </a:solidFill>
+              </a:rPr>
+              <a:t>11.08.2018</a:t>
+            </a:fld>
+            <a:endParaRPr lang="de-CH">
+              <a:solidFill>
+                <a:srgbClr val="000000"/>
+              </a:solidFill>
+            </a:endParaRPr>
+          </a:p>
+        </p:txBody>
+      </p:sp>
+      <p:sp>
+        <p:nvSpPr>
+          <p:cNvPr id="3" name="Fußzeilenplatzhalter 2"/>
+          <p:cNvSpPr>
+            <a:spLocks noGrp="1"/>
+          </p:cNvSpPr>
+          <p:nvPr>
+            <p:ph type="ftr" sz="quarter" idx="11"/>
+          </p:nvPr>
+        </p:nvSpPr>
+        <p:spPr/>
+        <p:txBody>
+          <a:bodyPr/>
+          <a:lstStyle/>
+          <a:p>
+            <a:r>
+              <a:rPr lang="de-CH" smtClean="0">
+                <a:solidFill>
+                  <a:srgbClr val="000000"/>
+                </a:solidFill>
+              </a:rPr>
+              <a:t>Institut</a:t>
+            </a:r>
+            <a:endParaRPr lang="de-CH">
+              <a:solidFill>
+                <a:srgbClr val="000000"/>
+              </a:solidFill>
+            </a:endParaRPr>
+          </a:p>
+        </p:txBody>
+      </p:sp>
+      <p:sp>
+        <p:nvSpPr>
+          <p:cNvPr id="4" name="Foliennummernplatzhalter 3"/>
+          <p:cNvSpPr>
+            <a:spLocks noGrp="1"/>
+          </p:cNvSpPr>
+          <p:nvPr>
+            <p:ph type="sldNum" sz="quarter" idx="12"/>
+          </p:nvPr>
+        </p:nvSpPr>
+        <p:spPr/>
+        <p:txBody>
+          <a:bodyPr/>
+          <a:lstStyle/>
+          <a:p>
+            <a:fld id="{351188DD-6605-4EF4-9E67-B567F731CE68}" type="slidenum">
+              <a:rPr lang="de-CH" smtClean="0">
+                <a:solidFill>
+                  <a:srgbClr val="000000"/>
+                </a:solidFill>
+              </a:rPr>
+              <a:pPr/>
+              <a:t>11</a:t>
+            </a:fld>
+            <a:endParaRPr lang="de-CH">
+              <a:solidFill>
+                <a:srgbClr val="000000"/>
+              </a:solidFill>
+            </a:endParaRPr>
+          </a:p>
+        </p:txBody>
+      </p:sp>
+      <p:sp>
+        <p:nvSpPr>
+          <p:cNvPr id="5" name="Titel 4"/>
+          <p:cNvSpPr>
+            <a:spLocks noGrp="1"/>
+          </p:cNvSpPr>
+          <p:nvPr>
+            <p:ph type="title"/>
+          </p:nvPr>
+        </p:nvSpPr>
+        <p:spPr/>
+        <p:txBody>
+          <a:bodyPr/>
+          <a:lstStyle/>
+          <a:p>
+            <a:r>
+              <a:rPr lang="en-GB" dirty="0" smtClean="0"/>
+              <a:t>Guarantees</a:t>
+            </a:r>
+            <a:endParaRPr lang="en-GB" dirty="0"/>
+          </a:p>
+        </p:txBody>
+      </p:sp>
+      <p:sp>
+        <p:nvSpPr>
+          <p:cNvPr id="6" name="Textplatzhalter 5"/>
+          <p:cNvSpPr>
+            <a:spLocks noGrp="1"/>
+          </p:cNvSpPr>
+          <p:nvPr>
+            <p:ph type="body" idx="1"/>
+          </p:nvPr>
+        </p:nvSpPr>
+        <p:spPr/>
+        <p:txBody>
+          <a:bodyPr/>
+          <a:lstStyle/>
+          <a:p>
+            <a:endParaRPr lang="en-GB"/>
+          </a:p>
+        </p:txBody>
+      </p:sp>
+    </p:spTree>
+    <p:extLst>
+      <p:ext uri="{BB962C8B-B14F-4D97-AF65-F5344CB8AC3E}">
+        <p14:creationId xmlns:p14="http://schemas.microsoft.com/office/powerpoint/2010/main" val="775108314"/>
+      </p:ext>
+    </p:extLst>
+  </p:cSld>
+  <p:clrMapOvr>
+    <a:masterClrMapping/>
+  </p:clrMapOvr>
+</p:sld>
+</file>
+
+<file path=ppt/slides/slide12.xml><?xml version="1.0" encoding="utf-8"?>
+<p:sld xmlns:a="http://schemas.openxmlformats.org/drawingml/2006/main" xmlns:r="http://schemas.openxmlformats.org/officeDocument/2006/relationships" xmlns:p="http://schemas.openxmlformats.org/presentationml/2006/main">
+  <p:cSld>
+    <p:spTree>
+      <p:nvGrpSpPr>
+        <p:cNvPr id="1" name=""/>
+        <p:cNvGrpSpPr/>
+        <p:nvPr/>
+      </p:nvGrpSpPr>
+      <p:grpSpPr>
+        <a:xfrm>
+          <a:off x="0" y="0"/>
+          <a:ext cx="0" cy="0"/>
+          <a:chOff x="0" y="0"/>
+          <a:chExt cx="0" cy="0"/>
+        </a:xfrm>
+      </p:grpSpPr>
+      <p:sp>
+        <p:nvSpPr>
+          <p:cNvPr id="2" name="Datumsplatzhalter 1"/>
+          <p:cNvSpPr>
+            <a:spLocks noGrp="1"/>
+          </p:cNvSpPr>
+          <p:nvPr>
+            <p:ph type="dt" sz="half" idx="10"/>
+          </p:nvPr>
+        </p:nvSpPr>
+        <p:spPr/>
+        <p:txBody>
+          <a:bodyPr/>
+          <a:lstStyle/>
+          <a:p>
+            <a:fld id="{5E48492E-72D1-4785-9351-8AE1E40FBA2D}" type="datetime1">
+              <a:rPr lang="de-CH" smtClean="0">
+                <a:solidFill>
+                  <a:srgbClr val="000000"/>
+                </a:solidFill>
+              </a:rPr>
+              <a:t>11.08.2018</a:t>
+            </a:fld>
+            <a:endParaRPr lang="de-CH">
+              <a:solidFill>
+                <a:srgbClr val="000000"/>
+              </a:solidFill>
+            </a:endParaRPr>
+          </a:p>
+        </p:txBody>
+      </p:sp>
+      <p:sp>
+        <p:nvSpPr>
+          <p:cNvPr id="3" name="Fußzeilenplatzhalter 2"/>
+          <p:cNvSpPr>
+            <a:spLocks noGrp="1"/>
+          </p:cNvSpPr>
+          <p:nvPr>
+            <p:ph type="ftr" sz="quarter" idx="11"/>
+          </p:nvPr>
+        </p:nvSpPr>
+        <p:spPr/>
+        <p:txBody>
+          <a:bodyPr/>
+          <a:lstStyle/>
+          <a:p>
+            <a:r>
+              <a:rPr lang="de-CH" dirty="0">
+                <a:solidFill>
+                  <a:srgbClr val="000000"/>
+                </a:solidFill>
+              </a:rPr>
+              <a:t>Institut i4ds</a:t>
+            </a:r>
+          </a:p>
+        </p:txBody>
+      </p:sp>
+      <p:sp>
+        <p:nvSpPr>
+          <p:cNvPr id="4" name="Foliennummernplatzhalter 3"/>
+          <p:cNvSpPr>
+            <a:spLocks noGrp="1"/>
+          </p:cNvSpPr>
+          <p:nvPr>
+            <p:ph type="sldNum" sz="quarter" idx="12"/>
+          </p:nvPr>
+        </p:nvSpPr>
+        <p:spPr/>
+        <p:txBody>
+          <a:bodyPr/>
+          <a:lstStyle/>
+          <a:p>
+            <a:fld id="{351188DD-6605-4EF4-9E67-B567F731CE68}" type="slidenum">
+              <a:rPr lang="de-CH" smtClean="0">
+                <a:solidFill>
+                  <a:srgbClr val="000000"/>
+                </a:solidFill>
+              </a:rPr>
+              <a:pPr/>
+              <a:t>12</a:t>
+            </a:fld>
+            <a:endParaRPr lang="de-CH">
+              <a:solidFill>
+                <a:srgbClr val="000000"/>
+              </a:solidFill>
+            </a:endParaRPr>
+          </a:p>
+        </p:txBody>
+      </p:sp>
+      <p:sp>
+        <p:nvSpPr>
+          <p:cNvPr id="5" name="Titel 4"/>
+          <p:cNvSpPr>
+            <a:spLocks noGrp="1"/>
+          </p:cNvSpPr>
+          <p:nvPr>
+            <p:ph type="title"/>
+          </p:nvPr>
+        </p:nvSpPr>
+        <p:spPr/>
+        <p:txBody>
+          <a:bodyPr/>
+          <a:lstStyle/>
+          <a:p>
+            <a:r>
+              <a:rPr lang="en-GB" dirty="0" smtClean="0"/>
+              <a:t>Super Resolution</a:t>
+            </a:r>
+            <a:endParaRPr lang="en-GB" dirty="0"/>
+          </a:p>
+        </p:txBody>
+      </p:sp>
+      <p:sp>
+        <p:nvSpPr>
+          <p:cNvPr id="6" name="Textplatzhalter 5"/>
+          <p:cNvSpPr>
+            <a:spLocks noGrp="1"/>
+          </p:cNvSpPr>
+          <p:nvPr>
+            <p:ph type="body" idx="1"/>
+          </p:nvPr>
+        </p:nvSpPr>
+        <p:spPr/>
+        <p:txBody>
+          <a:bodyPr/>
+          <a:lstStyle/>
+          <a:p>
+            <a:endParaRPr lang="en-GB"/>
+          </a:p>
+        </p:txBody>
+      </p:sp>
+    </p:spTree>
+    <p:extLst>
+      <p:ext uri="{BB962C8B-B14F-4D97-AF65-F5344CB8AC3E}">
+        <p14:creationId xmlns:p14="http://schemas.microsoft.com/office/powerpoint/2010/main" val="2205424725"/>
+      </p:ext>
+    </p:extLst>
+  </p:cSld>
+  <p:clrMapOvr>
+    <a:masterClrMapping/>
+  </p:clrMapOvr>
+</p:sld>
+</file>
+
+<file path=ppt/slides/slide13.xml><?xml version="1.0" encoding="utf-8"?>
+<p:sld xmlns:a="http://schemas.openxmlformats.org/drawingml/2006/main" xmlns:r="http://schemas.openxmlformats.org/officeDocument/2006/relationships" xmlns:p="http://schemas.openxmlformats.org/presentationml/2006/main">
+  <p:cSld>
+    <p:spTree>
+      <p:nvGrpSpPr>
+        <p:cNvPr id="1" name=""/>
+        <p:cNvGrpSpPr/>
+        <p:nvPr/>
+      </p:nvGrpSpPr>
+      <p:grpSpPr>
+        <a:xfrm>
+          <a:off x="0" y="0"/>
+          <a:ext cx="0" cy="0"/>
+          <a:chOff x="0" y="0"/>
+          <a:chExt cx="0" cy="0"/>
+        </a:xfrm>
+      </p:grpSpPr>
+      <p:sp>
+        <p:nvSpPr>
+          <p:cNvPr id="2" name="Datumsplatzhalter 1"/>
+          <p:cNvSpPr>
+            <a:spLocks noGrp="1"/>
+          </p:cNvSpPr>
+          <p:nvPr>
+            <p:ph type="dt" sz="half" idx="10"/>
+          </p:nvPr>
+        </p:nvSpPr>
+        <p:spPr/>
+        <p:txBody>
+          <a:bodyPr/>
+          <a:lstStyle/>
+          <a:p>
+            <a:fld id="{5E48492E-72D1-4785-9351-8AE1E40FBA2D}" type="datetime1">
+              <a:rPr lang="de-CH" smtClean="0">
+                <a:solidFill>
+                  <a:srgbClr val="000000"/>
+                </a:solidFill>
+              </a:rPr>
+              <a:t>11.08.2018</a:t>
+            </a:fld>
+            <a:endParaRPr lang="de-CH">
+              <a:solidFill>
+                <a:srgbClr val="000000"/>
+              </a:solidFill>
+            </a:endParaRPr>
+          </a:p>
+        </p:txBody>
+      </p:sp>
+      <p:sp>
+        <p:nvSpPr>
+          <p:cNvPr id="3" name="Fußzeilenplatzhalter 2"/>
+          <p:cNvSpPr>
+            <a:spLocks noGrp="1"/>
+          </p:cNvSpPr>
+          <p:nvPr>
+            <p:ph type="ftr" sz="quarter" idx="11"/>
+          </p:nvPr>
+        </p:nvSpPr>
+        <p:spPr/>
+        <p:txBody>
+          <a:bodyPr/>
+          <a:lstStyle/>
+          <a:p>
+            <a:r>
+              <a:rPr lang="de-CH" dirty="0">
+                <a:solidFill>
+                  <a:srgbClr val="000000"/>
+                </a:solidFill>
+              </a:rPr>
+              <a:t>Institut i4ds</a:t>
+            </a:r>
+          </a:p>
+        </p:txBody>
+      </p:sp>
+      <p:sp>
+        <p:nvSpPr>
+          <p:cNvPr id="4" name="Foliennummernplatzhalter 3"/>
+          <p:cNvSpPr>
+            <a:spLocks noGrp="1"/>
+          </p:cNvSpPr>
+          <p:nvPr>
+            <p:ph type="sldNum" sz="quarter" idx="12"/>
+          </p:nvPr>
+        </p:nvSpPr>
+        <p:spPr/>
+        <p:txBody>
+          <a:bodyPr/>
+          <a:lstStyle/>
+          <a:p>
+            <a:fld id="{351188DD-6605-4EF4-9E67-B567F731CE68}" type="slidenum">
+              <a:rPr lang="de-CH" smtClean="0">
+                <a:solidFill>
+                  <a:srgbClr val="000000"/>
+                </a:solidFill>
+              </a:rPr>
+              <a:pPr/>
+              <a:t>13</a:t>
+            </a:fld>
+            <a:endParaRPr lang="de-CH">
+              <a:solidFill>
+                <a:srgbClr val="000000"/>
+              </a:solidFill>
+            </a:endParaRPr>
+          </a:p>
+        </p:txBody>
+      </p:sp>
+      <p:sp>
+        <p:nvSpPr>
+          <p:cNvPr id="5" name="Titel 4"/>
+          <p:cNvSpPr>
+            <a:spLocks noGrp="1"/>
+          </p:cNvSpPr>
+          <p:nvPr>
+            <p:ph type="title"/>
+          </p:nvPr>
+        </p:nvSpPr>
+        <p:spPr/>
+        <p:txBody>
+          <a:bodyPr/>
+          <a:lstStyle/>
+          <a:p>
+            <a:r>
+              <a:rPr lang="en-GB" dirty="0" smtClean="0"/>
+              <a:t>The Problem with Super Resolution…</a:t>
+            </a:r>
+            <a:endParaRPr lang="en-GB" dirty="0"/>
+          </a:p>
+        </p:txBody>
+      </p:sp>
+      <p:sp>
+        <p:nvSpPr>
+          <p:cNvPr id="6" name="Textplatzhalter 5"/>
+          <p:cNvSpPr>
+            <a:spLocks noGrp="1"/>
+          </p:cNvSpPr>
+          <p:nvPr>
+            <p:ph type="body" idx="1"/>
+          </p:nvPr>
+        </p:nvSpPr>
+        <p:spPr/>
+        <p:txBody>
+          <a:bodyPr/>
+          <a:lstStyle/>
+          <a:p>
+            <a:endParaRPr lang="en-GB"/>
+          </a:p>
+        </p:txBody>
+      </p:sp>
+      <p:pic>
+        <p:nvPicPr>
+          <p:cNvPr id="7" name="Grafik 6"/>
+          <p:cNvPicPr>
+            <a:picLocks noChangeAspect="1"/>
+          </p:cNvPicPr>
+          <p:nvPr/>
+        </p:nvPicPr>
+        <p:blipFill>
+          <a:blip r:embed="rId2">
+            <a:extLst>
+              <a:ext uri="{28A0092B-C50C-407E-A947-70E740481C1C}">
+                <a14:useLocalDpi xmlns:a14="http://schemas.microsoft.com/office/drawing/2010/main" val="0"/>
+              </a:ext>
+            </a:extLst>
+          </a:blip>
+          <a:stretch>
+            <a:fillRect/>
+          </a:stretch>
+        </p:blipFill>
+        <p:spPr>
+          <a:xfrm>
+            <a:off x="5490716" y="328421"/>
+            <a:ext cx="4564105" cy="6713865"/>
+          </a:xfrm>
+          <a:prstGeom prst="rect">
+            <a:avLst/>
+          </a:prstGeom>
+        </p:spPr>
+      </p:pic>
+    </p:spTree>
+    <p:extLst>
+      <p:ext uri="{BB962C8B-B14F-4D97-AF65-F5344CB8AC3E}">
+        <p14:creationId xmlns:p14="http://schemas.microsoft.com/office/powerpoint/2010/main" val="4040988550"/>
+      </p:ext>
+    </p:extLst>
+  </p:cSld>
+  <p:clrMapOvr>
+    <a:masterClrMapping/>
+  </p:clrMapOvr>
+</p:sld>
+</file>
+
+<file path=ppt/slides/slide14.xml><?xml version="1.0" encoding="utf-8"?>
+<p:sld xmlns:a="http://schemas.openxmlformats.org/drawingml/2006/main" xmlns:r="http://schemas.openxmlformats.org/officeDocument/2006/relationships" xmlns:p="http://schemas.openxmlformats.org/presentationml/2006/main">
+  <p:cSld>
+    <p:spTree>
+      <p:nvGrpSpPr>
+        <p:cNvPr id="1" name=""/>
+        <p:cNvGrpSpPr/>
+        <p:nvPr/>
+      </p:nvGrpSpPr>
+      <p:grpSpPr>
+        <a:xfrm>
+          <a:off x="0" y="0"/>
+          <a:ext cx="0" cy="0"/>
+          <a:chOff x="0" y="0"/>
+          <a:chExt cx="0" cy="0"/>
+        </a:xfrm>
+      </p:grpSpPr>
+      <p:sp>
+        <p:nvSpPr>
+          <p:cNvPr id="2" name="Datumsplatzhalter 1"/>
+          <p:cNvSpPr>
+            <a:spLocks noGrp="1"/>
+          </p:cNvSpPr>
+          <p:nvPr>
+            <p:ph type="dt" sz="half" idx="10"/>
+          </p:nvPr>
+        </p:nvSpPr>
+        <p:spPr/>
+        <p:txBody>
+          <a:bodyPr/>
+          <a:lstStyle/>
+          <a:p>
+            <a:fld id="{5E48492E-72D1-4785-9351-8AE1E40FBA2D}" type="datetime1">
+              <a:rPr lang="de-CH" smtClean="0">
+                <a:solidFill>
+                  <a:srgbClr val="000000"/>
+                </a:solidFill>
+              </a:rPr>
+              <a:t>11.08.2018</a:t>
+            </a:fld>
+            <a:endParaRPr lang="de-CH">
+              <a:solidFill>
+                <a:srgbClr val="000000"/>
+              </a:solidFill>
+            </a:endParaRPr>
+          </a:p>
+        </p:txBody>
+      </p:sp>
+      <p:sp>
+        <p:nvSpPr>
+          <p:cNvPr id="3" name="Fußzeilenplatzhalter 2"/>
+          <p:cNvSpPr>
+            <a:spLocks noGrp="1"/>
+          </p:cNvSpPr>
+          <p:nvPr>
+            <p:ph type="ftr" sz="quarter" idx="11"/>
+          </p:nvPr>
+        </p:nvSpPr>
+        <p:spPr/>
+        <p:txBody>
+          <a:bodyPr/>
+          <a:lstStyle/>
+          <a:p>
+            <a:r>
+              <a:rPr lang="de-CH" dirty="0">
+                <a:solidFill>
+                  <a:srgbClr val="000000"/>
+                </a:solidFill>
+              </a:rPr>
+              <a:t>Institut i4ds</a:t>
+            </a:r>
+          </a:p>
+        </p:txBody>
+      </p:sp>
+      <p:sp>
+        <p:nvSpPr>
+          <p:cNvPr id="4" name="Foliennummernplatzhalter 3"/>
+          <p:cNvSpPr>
+            <a:spLocks noGrp="1"/>
+          </p:cNvSpPr>
+          <p:nvPr>
+            <p:ph type="sldNum" sz="quarter" idx="12"/>
+          </p:nvPr>
+        </p:nvSpPr>
+        <p:spPr/>
+        <p:txBody>
+          <a:bodyPr/>
+          <a:lstStyle/>
+          <a:p>
+            <a:fld id="{351188DD-6605-4EF4-9E67-B567F731CE68}" type="slidenum">
+              <a:rPr lang="de-CH" smtClean="0">
+                <a:solidFill>
+                  <a:srgbClr val="000000"/>
+                </a:solidFill>
+              </a:rPr>
+              <a:pPr/>
+              <a:t>14</a:t>
+            </a:fld>
+            <a:endParaRPr lang="de-CH">
+              <a:solidFill>
+                <a:srgbClr val="000000"/>
+              </a:solidFill>
+            </a:endParaRPr>
+          </a:p>
+        </p:txBody>
+      </p:sp>
+      <p:sp>
+        <p:nvSpPr>
+          <p:cNvPr id="5" name="Titel 4"/>
+          <p:cNvSpPr>
+            <a:spLocks noGrp="1"/>
+          </p:cNvSpPr>
+          <p:nvPr>
+            <p:ph type="title"/>
+          </p:nvPr>
+        </p:nvSpPr>
+        <p:spPr/>
+        <p:txBody>
+          <a:bodyPr/>
+          <a:lstStyle/>
+          <a:p>
+            <a:r>
               <a:rPr lang="de-DE" dirty="0" smtClean="0"/>
-              <a:t>10 Second Observation		</a:t>
-            </a:r>
-            <a:r>
-              <a:rPr lang="de-DE" dirty="0" smtClean="0"/>
-              <a:t>	</a:t>
+              <a:t>10 Second Observation			</a:t>
             </a:r>
             <a:r>
               <a:rPr lang="de-DE" dirty="0" err="1" smtClean="0"/>
@@ -3652,7 +4563,7 @@
 </p:sld>
 </file>
 
-<file path=ppt/slides/slide11.xml><?xml version="1.0" encoding="utf-8"?>
+<file path=ppt/slides/slide15.xml><?xml version="1.0" encoding="utf-8"?>
 <p:sld xmlns:a="http://schemas.openxmlformats.org/drawingml/2006/main" xmlns:r="http://schemas.openxmlformats.org/officeDocument/2006/relationships" xmlns:p="http://schemas.openxmlformats.org/presentationml/2006/main">
   <p:cSld>
     <p:spTree>
@@ -3690,7 +4601,7 @@
                   <a:srgbClr val="000000"/>
                 </a:solidFill>
               </a:rPr>
-              <a:t>10.08.2018</a:t>
+              <a:t>11.08.2018</a:t>
             </a:fld>
             <a:endParaRPr lang="de-CH">
               <a:solidFill>
@@ -3761,7 +4672,7 @@
                 </a:solidFill>
               </a:rPr>
               <a:pPr/>
-              <a:t>11</a:t>
+              <a:t>15</a:t>
             </a:fld>
             <a:endParaRPr lang="de-CH">
               <a:solidFill>
@@ -3942,7 +4853,7 @@
 </p:sld>
 </file>
 
-<file path=ppt/slides/slide12.xml><?xml version="1.0" encoding="utf-8"?>
+<file path=ppt/slides/slide16.xml><?xml version="1.0" encoding="utf-8"?>
 <p:sld xmlns:a="http://schemas.openxmlformats.org/drawingml/2006/main" xmlns:r="http://schemas.openxmlformats.org/officeDocument/2006/relationships" xmlns:p="http://schemas.openxmlformats.org/presentationml/2006/main">
   <p:cSld>
     <p:spTree>
@@ -3980,7 +4891,7 @@
                   <a:srgbClr val="000000"/>
                 </a:solidFill>
               </a:rPr>
-              <a:t>10.08.2018</a:t>
+              <a:t>11.08.2018</a:t>
             </a:fld>
             <a:endParaRPr lang="de-CH">
               <a:solidFill>
@@ -4051,7 +4962,7 @@
                 </a:solidFill>
               </a:rPr>
               <a:pPr/>
-              <a:t>12</a:t>
+              <a:t>16</a:t>
             </a:fld>
             <a:endParaRPr lang="de-CH">
               <a:solidFill>
@@ -4171,7 +5082,7 @@
 </p:sld>
 </file>
 
-<file path=ppt/slides/slide13.xml><?xml version="1.0" encoding="utf-8"?>
+<file path=ppt/slides/slide17.xml><?xml version="1.0" encoding="utf-8"?>
 <p:sld xmlns:a="http://schemas.openxmlformats.org/drawingml/2006/main" xmlns:r="http://schemas.openxmlformats.org/officeDocument/2006/relationships" xmlns:p="http://schemas.openxmlformats.org/presentationml/2006/main">
   <p:cSld>
     <p:spTree>
@@ -4209,7 +5120,7 @@
                   <a:srgbClr val="000000"/>
                 </a:solidFill>
               </a:rPr>
-              <a:t>10.08.2018</a:t>
+              <a:t>11.08.2018</a:t>
             </a:fld>
             <a:endParaRPr lang="de-CH">
               <a:solidFill>
@@ -4267,7 +5178,7 @@
                 </a:solidFill>
               </a:rPr>
               <a:pPr/>
-              <a:t>13</a:t>
+              <a:t>17</a:t>
             </a:fld>
             <a:endParaRPr lang="de-CH">
               <a:solidFill>
@@ -4358,7 +5269,7 @@
 </p:sld>
 </file>
 
-<file path=ppt/slides/slide14.xml><?xml version="1.0" encoding="utf-8"?>
+<file path=ppt/slides/slide18.xml><?xml version="1.0" encoding="utf-8"?>
 <p:sld xmlns:a="http://schemas.openxmlformats.org/drawingml/2006/main" xmlns:r="http://schemas.openxmlformats.org/officeDocument/2006/relationships" xmlns:p="http://schemas.openxmlformats.org/presentationml/2006/main">
   <p:cSld>
     <p:spTree>
@@ -4396,7 +5307,7 @@
                   <a:srgbClr val="000000"/>
                 </a:solidFill>
               </a:rPr>
-              <a:t>10.08.2018</a:t>
+              <a:t>11.08.2018</a:t>
             </a:fld>
             <a:endParaRPr lang="de-CH">
               <a:solidFill>
@@ -4467,7 +5378,7 @@
                 </a:solidFill>
               </a:rPr>
               <a:pPr/>
-              <a:t>14</a:t>
+              <a:t>18</a:t>
             </a:fld>
             <a:endParaRPr lang="de-CH">
               <a:solidFill>
@@ -4532,7 +5443,7 @@
 </p:sld>
 </file>
 
-<file path=ppt/slides/slide15.xml><?xml version="1.0" encoding="utf-8"?>
+<file path=ppt/slides/slide19.xml><?xml version="1.0" encoding="utf-8"?>
 <p:sld xmlns:a="http://schemas.openxmlformats.org/drawingml/2006/main" xmlns:r="http://schemas.openxmlformats.org/officeDocument/2006/relationships" xmlns:p="http://schemas.openxmlformats.org/presentationml/2006/main">
   <p:cSld>
     <p:spTree>
@@ -4570,7 +5481,7 @@
                   <a:srgbClr val="000000"/>
                 </a:solidFill>
               </a:rPr>
-              <a:t>10.08.2018</a:t>
+              <a:t>11.08.2018</a:t>
             </a:fld>
             <a:endParaRPr lang="de-CH">
               <a:solidFill>
@@ -4641,7 +5552,7 @@
                 </a:solidFill>
               </a:rPr>
               <a:pPr/>
-              <a:t>15</a:t>
+              <a:t>19</a:t>
             </a:fld>
             <a:endParaRPr lang="de-CH">
               <a:solidFill>
@@ -4744,7 +5655,7 @@
                   <a:srgbClr val="000000"/>
                 </a:solidFill>
               </a:rPr>
-              <a:t>10.08.2018</a:t>
+              <a:t>11.08.2018</a:t>
             </a:fld>
             <a:endParaRPr lang="de-CH">
               <a:solidFill>
@@ -4886,7 +5797,7 @@
         </p:blipFill>
         <p:spPr>
           <a:xfrm>
-            <a:off x="348582" y="2537454"/>
+            <a:off x="306140" y="2465446"/>
             <a:ext cx="5142134" cy="3920306"/>
           </a:xfrm>
           <a:prstGeom prst="rect">
@@ -4915,7 +5826,7 @@
         </p:blipFill>
         <p:spPr>
           <a:xfrm>
-            <a:off x="5634732" y="2268463"/>
+            <a:off x="5592290" y="2196455"/>
             <a:ext cx="4608512" cy="4536504"/>
           </a:xfrm>
           <a:prstGeom prst="rect">
@@ -4974,7 +5885,7 @@
                   <a:srgbClr val="000000"/>
                 </a:solidFill>
               </a:rPr>
-              <a:t>10.08.2018</a:t>
+              <a:t>11.08.2018</a:t>
             </a:fld>
             <a:endParaRPr lang="de-CH">
               <a:solidFill>
@@ -5000,18 +5911,13 @@
           <a:lstStyle/>
           <a:p>
             <a:r>
-              <a:rPr lang="de-CH" dirty="0" smtClean="0">
+              <a:rPr lang="de-CH" dirty="0">
                 <a:solidFill>
                   <a:srgbClr val="000000"/>
                 </a:solidFill>
               </a:rPr>
               <a:t>Institut i4ds</a:t>
             </a:r>
-            <a:endParaRPr lang="de-CH" dirty="0">
-              <a:solidFill>
-                <a:srgbClr val="000000"/>
-              </a:solidFill>
-            </a:endParaRPr>
           </a:p>
         </p:txBody>
       </p:sp>
@@ -5063,10 +5969,10 @@
           <a:lstStyle/>
           <a:p>
             <a:r>
-              <a:rPr lang="en-GB" dirty="0" smtClean="0"/>
-              <a:t>Deconvolution</a:t>
-            </a:r>
-            <a:endParaRPr lang="en-GB" dirty="0"/>
+              <a:rPr lang="de-DE" dirty="0" smtClean="0"/>
+              <a:t>Inverse Fourier Transform</a:t>
+            </a:r>
+            <a:endParaRPr lang="de-DE" dirty="0"/>
           </a:p>
         </p:txBody>
       </p:sp>
@@ -5085,14 +5991,72 @@
           <a:bodyPr/>
           <a:lstStyle/>
           <a:p>
-            <a:endParaRPr lang="en-GB" dirty="0"/>
-          </a:p>
-        </p:txBody>
-      </p:sp>
+            <a:endParaRPr lang="de-DE" dirty="0"/>
+          </a:p>
+        </p:txBody>
+      </p:sp>
+      <p:pic>
+        <p:nvPicPr>
+          <p:cNvPr id="8" name="Grafik 7"/>
+          <p:cNvPicPr>
+            <a:picLocks noChangeAspect="1"/>
+          </p:cNvPicPr>
+          <p:nvPr/>
+        </p:nvPicPr>
+        <p:blipFill rotWithShape="1">
+          <a:blip r:embed="rId3" cstate="print">
+            <a:extLst>
+              <a:ext uri="{28A0092B-C50C-407E-A947-70E740481C1C}">
+                <a14:useLocalDpi xmlns:a14="http://schemas.microsoft.com/office/drawing/2010/main" val="0"/>
+              </a:ext>
+            </a:extLst>
+          </a:blip>
+          <a:srcRect l="4075" t="3940" r="3988" b="4122"/>
+          <a:stretch/>
+        </p:blipFill>
+        <p:spPr>
+          <a:xfrm>
+            <a:off x="708719" y="2087913"/>
+            <a:ext cx="4536505" cy="4536504"/>
+          </a:xfrm>
+          <a:prstGeom prst="rect">
+            <a:avLst/>
+          </a:prstGeom>
+        </p:spPr>
+      </p:pic>
+      <p:pic>
+        <p:nvPicPr>
+          <p:cNvPr id="7" name="Grafik 6"/>
+          <p:cNvPicPr>
+            <a:picLocks noChangeAspect="1"/>
+          </p:cNvPicPr>
+          <p:nvPr/>
+        </p:nvPicPr>
+        <p:blipFill rotWithShape="1">
+          <a:blip r:embed="rId4">
+            <a:extLst>
+              <a:ext uri="{28A0092B-C50C-407E-A947-70E740481C1C}">
+                <a14:useLocalDpi xmlns:a14="http://schemas.microsoft.com/office/drawing/2010/main" val="0"/>
+              </a:ext>
+            </a:extLst>
+          </a:blip>
+          <a:srcRect l="32789" t="29175" r="29362" b="31201"/>
+          <a:stretch/>
+        </p:blipFill>
+        <p:spPr>
+          <a:xfrm>
+            <a:off x="5346700" y="2124646"/>
+            <a:ext cx="4608512" cy="4536504"/>
+          </a:xfrm>
+          <a:prstGeom prst="rect">
+            <a:avLst/>
+          </a:prstGeom>
+        </p:spPr>
+      </p:pic>
     </p:spTree>
     <p:extLst>
       <p:ext uri="{BB962C8B-B14F-4D97-AF65-F5344CB8AC3E}">
-        <p14:creationId xmlns:p14="http://schemas.microsoft.com/office/powerpoint/2010/main" val="303872386"/>
+        <p14:creationId xmlns:p14="http://schemas.microsoft.com/office/powerpoint/2010/main" val="2479698565"/>
       </p:ext>
     </p:extLst>
   </p:cSld>
@@ -5140,7 +6104,7 @@
                   <a:srgbClr val="000000"/>
                 </a:solidFill>
               </a:rPr>
-              <a:t>10.08.2018</a:t>
+              <a:t>11.08.2018</a:t>
             </a:fld>
             <a:endParaRPr lang="de-CH">
               <a:solidFill>
@@ -5236,29 +6200,145 @@
           </a:p>
         </p:txBody>
       </p:sp>
-      <p:sp>
-        <p:nvSpPr>
-          <p:cNvPr id="6" name="Textplatzhalter 5"/>
-          <p:cNvSpPr>
-            <a:spLocks noGrp="1"/>
-          </p:cNvSpPr>
-          <p:nvPr>
-            <p:ph type="body" idx="1"/>
-          </p:nvPr>
-        </p:nvSpPr>
-        <p:spPr/>
-        <p:txBody>
-          <a:bodyPr/>
-          <a:lstStyle/>
-          <a:p>
-            <a:endParaRPr lang="en-GB"/>
-          </a:p>
-        </p:txBody>
-      </p:sp>
+      <mc:AlternateContent xmlns:mc="http://schemas.openxmlformats.org/markup-compatibility/2006">
+        <mc:Choice xmlns:a14="http://schemas.microsoft.com/office/drawing/2010/main" Requires="a14">
+          <p:sp>
+            <p:nvSpPr>
+              <p:cNvPr id="6" name="Textplatzhalter 5"/>
+              <p:cNvSpPr>
+                <a:spLocks noGrp="1"/>
+              </p:cNvSpPr>
+              <p:nvPr>
+                <p:ph type="body" idx="1"/>
+              </p:nvPr>
+            </p:nvSpPr>
+            <p:spPr>
+              <a:xfrm>
+                <a:off x="738188" y="3276574"/>
+                <a:ext cx="9213850" cy="3384575"/>
+              </a:xfrm>
+            </p:spPr>
+            <p:txBody>
+              <a:bodyPr/>
+              <a:lstStyle/>
+              <a:p>
+                <a14:m>
+                  <m:oMathPara xmlns:m="http://schemas.openxmlformats.org/officeDocument/2006/math">
+                    <m:oMathParaPr>
+                      <m:jc m:val="centerGroup"/>
+                    </m:oMathParaPr>
+                    <m:oMath xmlns:m="http://schemas.openxmlformats.org/officeDocument/2006/math">
+                      <m:r>
+                        <a:rPr lang="en-GB" sz="5400" b="0" i="1" smtClean="0">
+                          <a:latin typeface="Cambria Math" panose="02040503050406030204" pitchFamily="18" charset="0"/>
+                        </a:rPr>
+                        <m:t>𝑥</m:t>
+                      </m:r>
+                      <m:r>
+                        <a:rPr lang="en-GB" sz="5400" b="0" i="1" smtClean="0">
+                          <a:latin typeface="Cambria Math" panose="02040503050406030204" pitchFamily="18" charset="0"/>
+                        </a:rPr>
+                        <m:t>∗</m:t>
+                      </m:r>
+                      <m:r>
+                        <a:rPr lang="en-GB" sz="5400" b="0" i="1" smtClean="0">
+                          <a:latin typeface="Cambria Math" panose="02040503050406030204" pitchFamily="18" charset="0"/>
+                        </a:rPr>
+                        <m:t>𝑃𝑆𝐹</m:t>
+                      </m:r>
+                      <m:r>
+                        <a:rPr lang="en-GB" sz="5400" b="0" i="1" smtClean="0">
+                          <a:latin typeface="Cambria Math" panose="02040503050406030204" pitchFamily="18" charset="0"/>
+                        </a:rPr>
+                        <m:t>+</m:t>
+                      </m:r>
+                      <m:r>
+                        <a:rPr lang="en-GB" sz="5400" b="0" i="1" smtClean="0">
+                          <a:latin typeface="Cambria Math" panose="02040503050406030204" pitchFamily="18" charset="0"/>
+                        </a:rPr>
+                        <m:t>𝑁</m:t>
+                      </m:r>
+                      <m:r>
+                        <a:rPr lang="en-GB" sz="5400" b="0" i="1" smtClean="0">
+                          <a:latin typeface="Cambria Math" panose="02040503050406030204" pitchFamily="18" charset="0"/>
+                        </a:rPr>
+                        <m:t>=</m:t>
+                      </m:r>
+                      <m:sSub>
+                        <m:sSubPr>
+                          <m:ctrlPr>
+                            <a:rPr lang="en-GB" sz="5400" i="1">
+                              <a:latin typeface="Cambria Math" panose="02040503050406030204" pitchFamily="18" charset="0"/>
+                            </a:rPr>
+                          </m:ctrlPr>
+                        </m:sSubPr>
+                        <m:e>
+                          <m:r>
+                            <a:rPr lang="en-GB" sz="5400" i="1">
+                              <a:latin typeface="Cambria Math" panose="02040503050406030204" pitchFamily="18" charset="0"/>
+                            </a:rPr>
+                            <m:t>𝐼</m:t>
+                          </m:r>
+                        </m:e>
+                        <m:sub>
+                          <m:r>
+                            <a:rPr lang="en-GB" sz="5400" i="1">
+                              <a:latin typeface="Cambria Math" panose="02040503050406030204" pitchFamily="18" charset="0"/>
+                            </a:rPr>
+                            <m:t>𝑑𝑖𝑟𝑡𝑦</m:t>
+                          </m:r>
+                        </m:sub>
+                      </m:sSub>
+                    </m:oMath>
+                  </m:oMathPara>
+                </a14:m>
+                <a:endParaRPr lang="en-GB" sz="5400" dirty="0"/>
+              </a:p>
+            </p:txBody>
+          </p:sp>
+        </mc:Choice>
+        <mc:Fallback>
+          <p:sp>
+            <p:nvSpPr>
+              <p:cNvPr id="6" name="Textplatzhalter 5"/>
+              <p:cNvSpPr>
+                <a:spLocks noGrp="1" noRot="1" noChangeAspect="1" noMove="1" noResize="1" noEditPoints="1" noAdjustHandles="1" noChangeArrowheads="1" noChangeShapeType="1" noTextEdit="1"/>
+              </p:cNvSpPr>
+              <p:nvPr>
+                <p:ph type="body" idx="1"/>
+              </p:nvPr>
+            </p:nvSpPr>
+            <p:spPr>
+              <a:xfrm>
+                <a:off x="738188" y="3276574"/>
+                <a:ext cx="9213850" cy="3384575"/>
+              </a:xfrm>
+              <a:blipFill>
+                <a:blip r:embed="rId3"/>
+                <a:stretch>
+                  <a:fillRect/>
+                </a:stretch>
+              </a:blipFill>
+            </p:spPr>
+            <p:txBody>
+              <a:bodyPr/>
+              <a:lstStyle/>
+              <a:p>
+                <a:r>
+                  <a:rPr lang="en-GB">
+                    <a:noFill/>
+                  </a:rPr>
+                  <a:t> </a:t>
+                </a:r>
+              </a:p>
+            </p:txBody>
+          </p:sp>
+        </mc:Fallback>
+      </mc:AlternateContent>
     </p:spTree>
     <p:extLst>
       <p:ext uri="{BB962C8B-B14F-4D97-AF65-F5344CB8AC3E}">
-        <p14:creationId xmlns:p14="http://schemas.microsoft.com/office/powerpoint/2010/main" val="1810705209"/>
+        <p14:creationId xmlns:p14="http://schemas.microsoft.com/office/powerpoint/2010/main" val="303872386"/>
       </p:ext>
     </p:extLst>
   </p:cSld>
@@ -5306,7 +6386,7 @@
                   <a:srgbClr val="000000"/>
                 </a:solidFill>
               </a:rPr>
-              <a:t>10.08.2018</a:t>
+              <a:t>11.08.2018</a:t>
             </a:fld>
             <a:endParaRPr lang="de-CH">
               <a:solidFill>
@@ -5398,43 +6478,37 @@
               <a:rPr lang="en-GB" dirty="0" smtClean="0"/>
               <a:t>CLEAN</a:t>
             </a:r>
-            <a:br>
+            <a:endParaRPr lang="en-GB" dirty="0"/>
+          </a:p>
+        </p:txBody>
+      </p:sp>
+      <p:sp>
+        <p:nvSpPr>
+          <p:cNvPr id="6" name="Textplatzhalter 5"/>
+          <p:cNvSpPr>
+            <a:spLocks noGrp="1"/>
+          </p:cNvSpPr>
+          <p:nvPr>
+            <p:ph type="body" idx="1"/>
+          </p:nvPr>
+        </p:nvSpPr>
+        <p:spPr/>
+        <p:txBody>
+          <a:bodyPr/>
+          <a:lstStyle/>
+          <a:p>
+            <a:r>
               <a:rPr lang="en-GB" dirty="0" smtClean="0"/>
-            </a:br>
-            <a:r>
-              <a:rPr lang="en-GB" dirty="0" smtClean="0"/>
-              <a:t/>
-            </a:r>
-            <a:br>
-              <a:rPr lang="en-GB" dirty="0" smtClean="0"/>
-            </a:br>
+              <a:t>Find max</a:t>
+            </a:r>
             <a:endParaRPr lang="en-GB" dirty="0"/>
-          </a:p>
-        </p:txBody>
-      </p:sp>
-      <p:sp>
-        <p:nvSpPr>
-          <p:cNvPr id="6" name="Textplatzhalter 5"/>
-          <p:cNvSpPr>
-            <a:spLocks noGrp="1"/>
-          </p:cNvSpPr>
-          <p:nvPr>
-            <p:ph type="body" idx="1"/>
-          </p:nvPr>
-        </p:nvSpPr>
-        <p:spPr/>
-        <p:txBody>
-          <a:bodyPr/>
-          <a:lstStyle/>
-          <a:p>
-            <a:endParaRPr lang="en-GB"/>
           </a:p>
         </p:txBody>
       </p:sp>
     </p:spTree>
     <p:extLst>
       <p:ext uri="{BB962C8B-B14F-4D97-AF65-F5344CB8AC3E}">
-        <p14:creationId xmlns:p14="http://schemas.microsoft.com/office/powerpoint/2010/main" val="3336875797"/>
+        <p14:creationId xmlns:p14="http://schemas.microsoft.com/office/powerpoint/2010/main" val="2111274024"/>
       </p:ext>
     </p:extLst>
   </p:cSld>
@@ -5482,7 +6556,7 @@
                   <a:srgbClr val="000000"/>
                 </a:solidFill>
               </a:rPr>
-              <a:t>10.08.2018</a:t>
+              <a:t>11.08.2018</a:t>
             </a:fld>
             <a:endParaRPr lang="de-CH">
               <a:solidFill>
@@ -5508,20 +6582,12 @@
           <a:lstStyle/>
           <a:p>
             <a:r>
-              <a:rPr lang="de-CH" dirty="0">
+              <a:rPr lang="de-CH" dirty="0" smtClean="0">
                 <a:solidFill>
                   <a:srgbClr val="000000"/>
                 </a:solidFill>
               </a:rPr>
-              <a:t>Institut </a:t>
-            </a:r>
-            <a:r>
-              <a:rPr lang="de-CH" dirty="0" smtClean="0">
-                <a:solidFill>
-                  <a:srgbClr val="000000"/>
-                </a:solidFill>
-              </a:rPr>
-              <a:t>i4ds</a:t>
+              <a:t>Institut i4ds</a:t>
             </a:r>
             <a:endParaRPr lang="de-CH" dirty="0">
               <a:solidFill>
@@ -5580,7 +6646,7 @@
           <a:p>
             <a:r>
               <a:rPr lang="en-GB" dirty="0" smtClean="0"/>
-              <a:t>CLEAN as a special case of Compressed Sensing</a:t>
+              <a:t>CLEAN</a:t>
             </a:r>
             <a:endParaRPr lang="en-GB" dirty="0"/>
           </a:p>
@@ -5601,14 +6667,44 @@
           <a:bodyPr/>
           <a:lstStyle/>
           <a:p>
-            <a:endParaRPr lang="en-GB"/>
-          </a:p>
-        </p:txBody>
-      </p:sp>
+            <a:endParaRPr lang="en-GB" dirty="0"/>
+          </a:p>
+        </p:txBody>
+      </p:sp>
+      <p:pic>
+        <p:nvPicPr>
+          <p:cNvPr id="7" name="Grafik 6"/>
+          <p:cNvPicPr>
+            <a:picLocks noChangeAspect="1"/>
+          </p:cNvPicPr>
+          <p:nvPr/>
+        </p:nvPicPr>
+        <p:blipFill>
+          <a:blip r:embed="rId2">
+            <a:extLst>
+              <a:ext uri="{28A0092B-C50C-407E-A947-70E740481C1C}">
+                <a14:useLocalDpi xmlns:a14="http://schemas.microsoft.com/office/drawing/2010/main" val="0"/>
+              </a:ext>
+            </a:extLst>
+          </a:blip>
+          <a:stretch>
+            <a:fillRect/>
+          </a:stretch>
+        </p:blipFill>
+        <p:spPr>
+          <a:xfrm>
+            <a:off x="645691" y="3509053"/>
+            <a:ext cx="9395668" cy="886511"/>
+          </a:xfrm>
+          <a:prstGeom prst="rect">
+            <a:avLst/>
+          </a:prstGeom>
+        </p:spPr>
+      </p:pic>
     </p:spTree>
     <p:extLst>
       <p:ext uri="{BB962C8B-B14F-4D97-AF65-F5344CB8AC3E}">
-        <p14:creationId xmlns:p14="http://schemas.microsoft.com/office/powerpoint/2010/main" val="1550387807"/>
+        <p14:creationId xmlns:p14="http://schemas.microsoft.com/office/powerpoint/2010/main" val="2350095334"/>
       </p:ext>
     </p:extLst>
   </p:cSld>
@@ -5656,7 +6752,7 @@
                   <a:srgbClr val="000000"/>
                 </a:solidFill>
               </a:rPr>
-              <a:t>10.08.2018</a:t>
+              <a:t>11.08.2018</a:t>
             </a:fld>
             <a:endParaRPr lang="de-CH">
               <a:solidFill>
@@ -5682,14 +6778,14 @@
           <a:lstStyle/>
           <a:p>
             <a:r>
-              <a:rPr lang="de-CH" smtClean="0">
+              <a:rPr lang="de-CH" dirty="0" smtClean="0">
                 <a:solidFill>
                   <a:srgbClr val="000000"/>
                 </a:solidFill>
               </a:rPr>
-              <a:t>Institut</a:t>
-            </a:r>
-            <a:endParaRPr lang="de-CH">
+              <a:t>Institut i4ds</a:t>
+            </a:r>
+            <a:endParaRPr lang="de-CH" dirty="0">
               <a:solidFill>
                 <a:srgbClr val="000000"/>
               </a:solidFill>
@@ -5746,7 +6842,7 @@
           <a:p>
             <a:r>
               <a:rPr lang="en-GB" dirty="0" smtClean="0"/>
-              <a:t>Guarantees</a:t>
+              <a:t>CLEAN</a:t>
             </a:r>
             <a:endParaRPr lang="en-GB" dirty="0"/>
           </a:p>
@@ -5767,14 +6863,22 @@
           <a:bodyPr/>
           <a:lstStyle/>
           <a:p>
-            <a:endParaRPr lang="en-GB"/>
+            <a:r>
+              <a:rPr lang="en-GB" dirty="0" smtClean="0"/>
+              <a:t>Chance that the x is the </a:t>
+            </a:r>
+            <a:r>
+              <a:rPr lang="en-GB" smtClean="0"/>
+              <a:t>true image?</a:t>
+            </a:r>
+            <a:endParaRPr lang="en-GB" dirty="0"/>
           </a:p>
         </p:txBody>
       </p:sp>
     </p:spTree>
     <p:extLst>
       <p:ext uri="{BB962C8B-B14F-4D97-AF65-F5344CB8AC3E}">
-        <p14:creationId xmlns:p14="http://schemas.microsoft.com/office/powerpoint/2010/main" val="775108314"/>
+        <p14:creationId xmlns:p14="http://schemas.microsoft.com/office/powerpoint/2010/main" val="1832583524"/>
       </p:ext>
     </p:extLst>
   </p:cSld>
@@ -5822,7 +6926,7 @@
                   <a:srgbClr val="000000"/>
                 </a:solidFill>
               </a:rPr>
-              <a:t>10.08.2018</a:t>
+              <a:t>11.08.2018</a:t>
             </a:fld>
             <a:endParaRPr lang="de-CH">
               <a:solidFill>
@@ -5848,13 +6952,18 @@
           <a:lstStyle/>
           <a:p>
             <a:r>
-              <a:rPr lang="de-CH" dirty="0">
+              <a:rPr lang="de-CH" dirty="0" smtClean="0">
                 <a:solidFill>
                   <a:srgbClr val="000000"/>
                 </a:solidFill>
               </a:rPr>
               <a:t>Institut i4ds</a:t>
             </a:r>
+            <a:endParaRPr lang="de-CH" dirty="0">
+              <a:solidFill>
+                <a:srgbClr val="000000"/>
+              </a:solidFill>
+            </a:endParaRPr>
           </a:p>
         </p:txBody>
       </p:sp>
@@ -5907,7 +7016,7 @@
           <a:p>
             <a:r>
               <a:rPr lang="en-GB" dirty="0" smtClean="0"/>
-              <a:t>Super Resolution</a:t>
+              <a:t>Compressed Sensing</a:t>
             </a:r>
             <a:endParaRPr lang="en-GB" dirty="0"/>
           </a:p>
@@ -5932,10 +7041,40 @@
           </a:p>
         </p:txBody>
       </p:sp>
+      <p:pic>
+        <p:nvPicPr>
+          <p:cNvPr id="7" name="Grafik 6"/>
+          <p:cNvPicPr>
+            <a:picLocks noChangeAspect="1"/>
+          </p:cNvPicPr>
+          <p:nvPr/>
+        </p:nvPicPr>
+        <p:blipFill>
+          <a:blip r:embed="rId2">
+            <a:extLst>
+              <a:ext uri="{28A0092B-C50C-407E-A947-70E740481C1C}">
+                <a14:useLocalDpi xmlns:a14="http://schemas.microsoft.com/office/drawing/2010/main" val="0"/>
+              </a:ext>
+            </a:extLst>
+          </a:blip>
+          <a:stretch>
+            <a:fillRect/>
+          </a:stretch>
+        </p:blipFill>
+        <p:spPr>
+          <a:xfrm>
+            <a:off x="594172" y="3533405"/>
+            <a:ext cx="9956800" cy="895298"/>
+          </a:xfrm>
+          <a:prstGeom prst="rect">
+            <a:avLst/>
+          </a:prstGeom>
+        </p:spPr>
+      </p:pic>
     </p:spTree>
     <p:extLst>
       <p:ext uri="{BB962C8B-B14F-4D97-AF65-F5344CB8AC3E}">
-        <p14:creationId xmlns:p14="http://schemas.microsoft.com/office/powerpoint/2010/main" val="2205424725"/>
+        <p14:creationId xmlns:p14="http://schemas.microsoft.com/office/powerpoint/2010/main" val="1810705209"/>
       </p:ext>
     </p:extLst>
   </p:cSld>
@@ -5983,7 +7122,7 @@
                   <a:srgbClr val="000000"/>
                 </a:solidFill>
               </a:rPr>
-              <a:t>10.08.2018</a:t>
+              <a:t>11.08.2018</a:t>
             </a:fld>
             <a:endParaRPr lang="de-CH">
               <a:solidFill>
@@ -6009,13 +7148,18 @@
           <a:lstStyle/>
           <a:p>
             <a:r>
-              <a:rPr lang="de-CH" dirty="0">
+              <a:rPr lang="de-CH" dirty="0" smtClean="0">
                 <a:solidFill>
                   <a:srgbClr val="000000"/>
                 </a:solidFill>
               </a:rPr>
               <a:t>Institut i4ds</a:t>
             </a:r>
+            <a:endParaRPr lang="de-CH" dirty="0">
+              <a:solidFill>
+                <a:srgbClr val="000000"/>
+              </a:solidFill>
+            </a:endParaRPr>
           </a:p>
         </p:txBody>
       </p:sp>
@@ -6068,8 +7212,18 @@
           <a:p>
             <a:r>
               <a:rPr lang="en-GB" dirty="0" smtClean="0"/>
-              <a:t>The Problem with Super Resolution…</a:t>
-            </a:r>
+              <a:t>CLEAN</a:t>
+            </a:r>
+            <a:br>
+              <a:rPr lang="en-GB" dirty="0" smtClean="0"/>
+            </a:br>
+            <a:r>
+              <a:rPr lang="en-GB" dirty="0" smtClean="0"/>
+              <a:t/>
+            </a:r>
+            <a:br>
+              <a:rPr lang="en-GB" dirty="0" smtClean="0"/>
+            </a:br>
             <a:endParaRPr lang="en-GB" dirty="0"/>
           </a:p>
         </p:txBody>
@@ -6093,40 +7247,10 @@
           </a:p>
         </p:txBody>
       </p:sp>
-      <p:pic>
-        <p:nvPicPr>
-          <p:cNvPr id="7" name="Grafik 6"/>
-          <p:cNvPicPr>
-            <a:picLocks noChangeAspect="1"/>
-          </p:cNvPicPr>
-          <p:nvPr/>
-        </p:nvPicPr>
-        <p:blipFill>
-          <a:blip r:embed="rId2">
-            <a:extLst>
-              <a:ext uri="{28A0092B-C50C-407E-A947-70E740481C1C}">
-                <a14:useLocalDpi xmlns:a14="http://schemas.microsoft.com/office/drawing/2010/main" val="0"/>
-              </a:ext>
-            </a:extLst>
-          </a:blip>
-          <a:stretch>
-            <a:fillRect/>
-          </a:stretch>
-        </p:blipFill>
-        <p:spPr>
-          <a:xfrm>
-            <a:off x="5490716" y="328421"/>
-            <a:ext cx="4564105" cy="6713865"/>
-          </a:xfrm>
-          <a:prstGeom prst="rect">
-            <a:avLst/>
-          </a:prstGeom>
-        </p:spPr>
-      </p:pic>
     </p:spTree>
     <p:extLst>
       <p:ext uri="{BB962C8B-B14F-4D97-AF65-F5344CB8AC3E}">
-        <p14:creationId xmlns:p14="http://schemas.microsoft.com/office/powerpoint/2010/main" val="4040988550"/>
+        <p14:creationId xmlns:p14="http://schemas.microsoft.com/office/powerpoint/2010/main" val="3336875797"/>
       </p:ext>
     </p:extLst>
   </p:cSld>
@@ -6386,7 +7510,7 @@
         <a:effectLst/>
         <a:extLst>
           <a:ext uri="{AF507438-7753-43e0-B8FC-AC1667EBCBE1}">
-            <a14:hiddenEffects xmlns="" xmlns:a14="http://schemas.microsoft.com/office/drawing/2010/main">
+            <a14:hiddenEffects xmlns:a14="http://schemas.microsoft.com/office/drawing/2010/main" xmlns="">
               <a:effectLst>
                 <a:outerShdw dist="35921" dir="2700000" algn="ctr" rotWithShape="0">
                   <a:schemeClr val="bg2"/>
@@ -6459,7 +7583,7 @@
         <a:effectLst/>
         <a:extLst>
           <a:ext uri="{AF507438-7753-43e0-B8FC-AC1667EBCBE1}">
-            <a14:hiddenEffects xmlns="" xmlns:a14="http://schemas.microsoft.com/office/drawing/2010/main">
+            <a14:hiddenEffects xmlns:a14="http://schemas.microsoft.com/office/drawing/2010/main" xmlns="">
               <a:effectLst>
                 <a:outerShdw dist="35921" dir="2700000" algn="ctr" rotWithShape="0">
                   <a:schemeClr val="bg2"/>

--- a/ppt/praes.pptx
+++ b/ppt/praes.pptx
@@ -5,10 +5,10 @@
     <p:sldMasterId id="2147483713" r:id="rId1"/>
   </p:sldMasterIdLst>
   <p:notesMasterIdLst>
-    <p:notesMasterId r:id="rId21"/>
+    <p:notesMasterId r:id="rId25"/>
   </p:notesMasterIdLst>
   <p:handoutMasterIdLst>
-    <p:handoutMasterId r:id="rId22"/>
+    <p:handoutMasterId r:id="rId26"/>
   </p:handoutMasterIdLst>
   <p:sldIdLst>
     <p:sldId id="256" r:id="rId2"/>
@@ -16,27 +16,31 @@
     <p:sldId id="272" r:id="rId4"/>
     <p:sldId id="262" r:id="rId5"/>
     <p:sldId id="271" r:id="rId6"/>
-    <p:sldId id="273" r:id="rId7"/>
+    <p:sldId id="276" r:id="rId7"/>
     <p:sldId id="274" r:id="rId8"/>
-    <p:sldId id="270" r:id="rId9"/>
-    <p:sldId id="259" r:id="rId10"/>
-    <p:sldId id="263" r:id="rId11"/>
-    <p:sldId id="268" r:id="rId12"/>
-    <p:sldId id="264" r:id="rId13"/>
-    <p:sldId id="265" r:id="rId14"/>
-    <p:sldId id="257" r:id="rId15"/>
-    <p:sldId id="266" r:id="rId16"/>
-    <p:sldId id="258" r:id="rId17"/>
-    <p:sldId id="260" r:id="rId18"/>
-    <p:sldId id="269" r:id="rId19"/>
-    <p:sldId id="267" r:id="rId20"/>
+    <p:sldId id="277" r:id="rId9"/>
+    <p:sldId id="280" r:id="rId10"/>
+    <p:sldId id="273" r:id="rId11"/>
+    <p:sldId id="270" r:id="rId12"/>
+    <p:sldId id="259" r:id="rId13"/>
+    <p:sldId id="263" r:id="rId14"/>
+    <p:sldId id="264" r:id="rId15"/>
+    <p:sldId id="265" r:id="rId16"/>
+    <p:sldId id="257" r:id="rId17"/>
+    <p:sldId id="278" r:id="rId18"/>
+    <p:sldId id="266" r:id="rId19"/>
+    <p:sldId id="258" r:id="rId20"/>
+    <p:sldId id="260" r:id="rId21"/>
+    <p:sldId id="279" r:id="rId22"/>
+    <p:sldId id="269" r:id="rId23"/>
+    <p:sldId id="267" r:id="rId24"/>
   </p:sldIdLst>
   <p:sldSz cx="10693400" cy="7561263"/>
   <p:notesSz cx="6858000" cy="9144000"/>
   <p:embeddedFontLst>
     <p:embeddedFont>
       <p:font typeface="Cambria Math" panose="02040503050406030204" pitchFamily="18" charset="0"/>
-      <p:regular r:id="rId23"/>
+      <p:regular r:id="rId27"/>
     </p:embeddedFont>
   </p:embeddedFontLst>
   <p:defaultTextStyle>
@@ -173,19 +177,31 @@
             <p14:sldId id="261"/>
             <p14:sldId id="272"/>
             <p14:sldId id="262"/>
+          </p14:sldIdLst>
+        </p14:section>
+        <p14:section name="CLEAN" id="{66BB2E45-2870-4577-BE32-FDFA49B4C7F9}">
+          <p14:sldIdLst>
             <p14:sldId id="271"/>
+            <p14:sldId id="276"/>
+            <p14:sldId id="274"/>
+            <p14:sldId id="277"/>
+            <p14:sldId id="280"/>
             <p14:sldId id="273"/>
-            <p14:sldId id="274"/>
             <p14:sldId id="270"/>
             <p14:sldId id="259"/>
             <p14:sldId id="263"/>
-            <p14:sldId id="268"/>
             <p14:sldId id="264"/>
+          </p14:sldIdLst>
+        </p14:section>
+        <p14:section name="Abschnitt ohne Titel" id="{08DBAA98-29F2-46AD-A1D0-8A81AF8564F8}">
+          <p14:sldIdLst>
             <p14:sldId id="265"/>
             <p14:sldId id="257"/>
+            <p14:sldId id="278"/>
             <p14:sldId id="266"/>
             <p14:sldId id="258"/>
             <p14:sldId id="260"/>
+            <p14:sldId id="279"/>
             <p14:sldId id="269"/>
             <p14:sldId id="267"/>
           </p14:sldIdLst>
@@ -1361,7 +1377,7 @@
             <a:fld id="{058061DB-DF71-4765-99A4-14E22DF63CCF}" type="slidenum">
               <a:rPr lang="de-CH" smtClean="0"/>
               <a:pPr/>
-              <a:t>14</a:t>
+              <a:t>16</a:t>
             </a:fld>
             <a:endParaRPr lang="de-CH"/>
           </a:p>
@@ -3700,20 +3716,12 @@
           <a:lstStyle/>
           <a:p>
             <a:r>
-              <a:rPr lang="de-CH" dirty="0">
+              <a:rPr lang="de-CH" dirty="0" smtClean="0">
                 <a:solidFill>
                   <a:srgbClr val="000000"/>
                 </a:solidFill>
               </a:rPr>
-              <a:t>Institut </a:t>
-            </a:r>
-            <a:r>
-              <a:rPr lang="de-CH" dirty="0" smtClean="0">
-                <a:solidFill>
-                  <a:srgbClr val="000000"/>
-                </a:solidFill>
-              </a:rPr>
-              <a:t>i4ds</a:t>
+              <a:t>Institut i4ds</a:t>
             </a:r>
             <a:endParaRPr lang="de-CH" dirty="0">
               <a:solidFill>
@@ -3771,8 +3779,8 @@
           <a:lstStyle/>
           <a:p>
             <a:r>
-              <a:rPr lang="en-GB" dirty="0" smtClean="0"/>
-              <a:t>CLEAN as a special case of Compressed Sensing</a:t>
+              <a:rPr lang="en-GB"/>
+              <a:t>CLEAN  as a Compressed Sensing Reconstruction</a:t>
             </a:r>
             <a:endParaRPr lang="en-GB" dirty="0"/>
           </a:p>
@@ -3793,14 +3801,44 @@
           <a:bodyPr/>
           <a:lstStyle/>
           <a:p>
-            <a:endParaRPr lang="en-GB"/>
-          </a:p>
-        </p:txBody>
-      </p:sp>
+            <a:endParaRPr lang="en-GB" dirty="0"/>
+          </a:p>
+        </p:txBody>
+      </p:sp>
+      <p:pic>
+        <p:nvPicPr>
+          <p:cNvPr id="7" name="Grafik 6"/>
+          <p:cNvPicPr>
+            <a:picLocks noChangeAspect="1"/>
+          </p:cNvPicPr>
+          <p:nvPr/>
+        </p:nvPicPr>
+        <p:blipFill>
+          <a:blip r:embed="rId2">
+            <a:extLst>
+              <a:ext uri="{28A0092B-C50C-407E-A947-70E740481C1C}">
+                <a14:useLocalDpi xmlns:a14="http://schemas.microsoft.com/office/drawing/2010/main" val="0"/>
+              </a:ext>
+            </a:extLst>
+          </a:blip>
+          <a:stretch>
+            <a:fillRect/>
+          </a:stretch>
+        </p:blipFill>
+        <p:spPr>
+          <a:xfrm>
+            <a:off x="645691" y="3509053"/>
+            <a:ext cx="9395668" cy="886511"/>
+          </a:xfrm>
+          <a:prstGeom prst="rect">
+            <a:avLst/>
+          </a:prstGeom>
+        </p:spPr>
+      </p:pic>
     </p:spTree>
     <p:extLst>
       <p:ext uri="{BB962C8B-B14F-4D97-AF65-F5344CB8AC3E}">
-        <p14:creationId xmlns:p14="http://schemas.microsoft.com/office/powerpoint/2010/main" val="1550387807"/>
+        <p14:creationId xmlns:p14="http://schemas.microsoft.com/office/powerpoint/2010/main" val="2350095334"/>
       </p:ext>
     </p:extLst>
   </p:cSld>
@@ -3874,14 +3912,14 @@
           <a:lstStyle/>
           <a:p>
             <a:r>
-              <a:rPr lang="de-CH" smtClean="0">
+              <a:rPr lang="de-CH" dirty="0" smtClean="0">
                 <a:solidFill>
                   <a:srgbClr val="000000"/>
                 </a:solidFill>
               </a:rPr>
-              <a:t>Institut</a:t>
-            </a:r>
-            <a:endParaRPr lang="de-CH">
+              <a:t>Institut i4ds</a:t>
+            </a:r>
+            <a:endParaRPr lang="de-CH" dirty="0">
               <a:solidFill>
                 <a:srgbClr val="000000"/>
               </a:solidFill>
@@ -3938,7 +3976,7 @@
           <a:p>
             <a:r>
               <a:rPr lang="en-GB" dirty="0" smtClean="0"/>
-              <a:t>Guarantees</a:t>
+              <a:t>Compressed Sensing</a:t>
             </a:r>
             <a:endParaRPr lang="en-GB" dirty="0"/>
           </a:p>
@@ -3963,10 +4001,40 @@
           </a:p>
         </p:txBody>
       </p:sp>
+      <p:pic>
+        <p:nvPicPr>
+          <p:cNvPr id="7" name="Grafik 6"/>
+          <p:cNvPicPr>
+            <a:picLocks noChangeAspect="1"/>
+          </p:cNvPicPr>
+          <p:nvPr/>
+        </p:nvPicPr>
+        <p:blipFill>
+          <a:blip r:embed="rId2">
+            <a:extLst>
+              <a:ext uri="{28A0092B-C50C-407E-A947-70E740481C1C}">
+                <a14:useLocalDpi xmlns:a14="http://schemas.microsoft.com/office/drawing/2010/main" val="0"/>
+              </a:ext>
+            </a:extLst>
+          </a:blip>
+          <a:stretch>
+            <a:fillRect/>
+          </a:stretch>
+        </p:blipFill>
+        <p:spPr>
+          <a:xfrm>
+            <a:off x="594172" y="3533405"/>
+            <a:ext cx="9956800" cy="895298"/>
+          </a:xfrm>
+          <a:prstGeom prst="rect">
+            <a:avLst/>
+          </a:prstGeom>
+        </p:spPr>
+      </p:pic>
     </p:spTree>
     <p:extLst>
       <p:ext uri="{BB962C8B-B14F-4D97-AF65-F5344CB8AC3E}">
-        <p14:creationId xmlns:p14="http://schemas.microsoft.com/office/powerpoint/2010/main" val="775108314"/>
+        <p14:creationId xmlns:p14="http://schemas.microsoft.com/office/powerpoint/2010/main" val="1810705209"/>
       </p:ext>
     </p:extLst>
   </p:cSld>
@@ -4040,13 +4108,18 @@
           <a:lstStyle/>
           <a:p>
             <a:r>
-              <a:rPr lang="de-CH" dirty="0">
+              <a:rPr lang="de-CH" dirty="0" smtClean="0">
                 <a:solidFill>
                   <a:srgbClr val="000000"/>
                 </a:solidFill>
               </a:rPr>
               <a:t>Institut i4ds</a:t>
             </a:r>
+            <a:endParaRPr lang="de-CH" dirty="0">
+              <a:solidFill>
+                <a:srgbClr val="000000"/>
+              </a:solidFill>
+            </a:endParaRPr>
           </a:p>
         </p:txBody>
       </p:sp>
@@ -4099,8 +4172,18 @@
           <a:p>
             <a:r>
               <a:rPr lang="en-GB" dirty="0" smtClean="0"/>
-              <a:t>Super Resolution</a:t>
-            </a:r>
+              <a:t>CLEAN</a:t>
+            </a:r>
+            <a:br>
+              <a:rPr lang="en-GB" dirty="0" smtClean="0"/>
+            </a:br>
+            <a:r>
+              <a:rPr lang="en-GB" dirty="0" smtClean="0"/>
+              <a:t/>
+            </a:r>
+            <a:br>
+              <a:rPr lang="en-GB" dirty="0" smtClean="0"/>
+            </a:br>
             <a:endParaRPr lang="en-GB" dirty="0"/>
           </a:p>
         </p:txBody>
@@ -4127,7 +4210,7 @@
     </p:spTree>
     <p:extLst>
       <p:ext uri="{BB962C8B-B14F-4D97-AF65-F5344CB8AC3E}">
-        <p14:creationId xmlns:p14="http://schemas.microsoft.com/office/powerpoint/2010/main" val="2205424725"/>
+        <p14:creationId xmlns:p14="http://schemas.microsoft.com/office/powerpoint/2010/main" val="3336875797"/>
       </p:ext>
     </p:extLst>
   </p:cSld>
@@ -4206,8 +4289,21 @@
                   <a:srgbClr val="000000"/>
                 </a:solidFill>
               </a:rPr>
-              <a:t>Institut i4ds</a:t>
-            </a:r>
+              <a:t>Institut </a:t>
+            </a:r>
+            <a:r>
+              <a:rPr lang="de-CH" dirty="0" smtClean="0">
+                <a:solidFill>
+                  <a:srgbClr val="000000"/>
+                </a:solidFill>
+              </a:rPr>
+              <a:t>i4ds</a:t>
+            </a:r>
+            <a:endParaRPr lang="de-CH" dirty="0">
+              <a:solidFill>
+                <a:srgbClr val="000000"/>
+              </a:solidFill>
+            </a:endParaRPr>
           </a:p>
         </p:txBody>
       </p:sp>
@@ -4234,6 +4330,328 @@
               </a:rPr>
               <a:pPr/>
               <a:t>13</a:t>
+            </a:fld>
+            <a:endParaRPr lang="de-CH">
+              <a:solidFill>
+                <a:srgbClr val="000000"/>
+              </a:solidFill>
+            </a:endParaRPr>
+          </a:p>
+        </p:txBody>
+      </p:sp>
+      <p:sp>
+        <p:nvSpPr>
+          <p:cNvPr id="5" name="Titel 4"/>
+          <p:cNvSpPr>
+            <a:spLocks noGrp="1"/>
+          </p:cNvSpPr>
+          <p:nvPr>
+            <p:ph type="title"/>
+          </p:nvPr>
+        </p:nvSpPr>
+        <p:spPr/>
+        <p:txBody>
+          <a:bodyPr/>
+          <a:lstStyle/>
+          <a:p>
+            <a:r>
+              <a:rPr lang="en-GB" dirty="0" smtClean="0"/>
+              <a:t>CLEAN as a special case of Compressed Sensing</a:t>
+            </a:r>
+            <a:endParaRPr lang="en-GB" dirty="0"/>
+          </a:p>
+        </p:txBody>
+      </p:sp>
+      <p:sp>
+        <p:nvSpPr>
+          <p:cNvPr id="6" name="Textplatzhalter 5"/>
+          <p:cNvSpPr>
+            <a:spLocks noGrp="1"/>
+          </p:cNvSpPr>
+          <p:nvPr>
+            <p:ph type="body" idx="1"/>
+          </p:nvPr>
+        </p:nvSpPr>
+        <p:spPr/>
+        <p:txBody>
+          <a:bodyPr/>
+          <a:lstStyle/>
+          <a:p>
+            <a:endParaRPr lang="en-GB"/>
+          </a:p>
+        </p:txBody>
+      </p:sp>
+    </p:spTree>
+    <p:extLst>
+      <p:ext uri="{BB962C8B-B14F-4D97-AF65-F5344CB8AC3E}">
+        <p14:creationId xmlns:p14="http://schemas.microsoft.com/office/powerpoint/2010/main" val="1550387807"/>
+      </p:ext>
+    </p:extLst>
+  </p:cSld>
+  <p:clrMapOvr>
+    <a:masterClrMapping/>
+  </p:clrMapOvr>
+</p:sld>
+</file>
+
+<file path=ppt/slides/slide14.xml><?xml version="1.0" encoding="utf-8"?>
+<p:sld xmlns:a="http://schemas.openxmlformats.org/drawingml/2006/main" xmlns:r="http://schemas.openxmlformats.org/officeDocument/2006/relationships" xmlns:p="http://schemas.openxmlformats.org/presentationml/2006/main">
+  <p:cSld>
+    <p:spTree>
+      <p:nvGrpSpPr>
+        <p:cNvPr id="1" name=""/>
+        <p:cNvGrpSpPr/>
+        <p:nvPr/>
+      </p:nvGrpSpPr>
+      <p:grpSpPr>
+        <a:xfrm>
+          <a:off x="0" y="0"/>
+          <a:ext cx="0" cy="0"/>
+          <a:chOff x="0" y="0"/>
+          <a:chExt cx="0" cy="0"/>
+        </a:xfrm>
+      </p:grpSpPr>
+      <p:sp>
+        <p:nvSpPr>
+          <p:cNvPr id="2" name="Datumsplatzhalter 1"/>
+          <p:cNvSpPr>
+            <a:spLocks noGrp="1"/>
+          </p:cNvSpPr>
+          <p:nvPr>
+            <p:ph type="dt" sz="half" idx="10"/>
+          </p:nvPr>
+        </p:nvSpPr>
+        <p:spPr/>
+        <p:txBody>
+          <a:bodyPr/>
+          <a:lstStyle/>
+          <a:p>
+            <a:fld id="{5E48492E-72D1-4785-9351-8AE1E40FBA2D}" type="datetime1">
+              <a:rPr lang="de-CH" smtClean="0">
+                <a:solidFill>
+                  <a:srgbClr val="000000"/>
+                </a:solidFill>
+              </a:rPr>
+              <a:t>11.08.2018</a:t>
+            </a:fld>
+            <a:endParaRPr lang="de-CH">
+              <a:solidFill>
+                <a:srgbClr val="000000"/>
+              </a:solidFill>
+            </a:endParaRPr>
+          </a:p>
+        </p:txBody>
+      </p:sp>
+      <p:sp>
+        <p:nvSpPr>
+          <p:cNvPr id="3" name="Fußzeilenplatzhalter 2"/>
+          <p:cNvSpPr>
+            <a:spLocks noGrp="1"/>
+          </p:cNvSpPr>
+          <p:nvPr>
+            <p:ph type="ftr" sz="quarter" idx="11"/>
+          </p:nvPr>
+        </p:nvSpPr>
+        <p:spPr/>
+        <p:txBody>
+          <a:bodyPr/>
+          <a:lstStyle/>
+          <a:p>
+            <a:r>
+              <a:rPr lang="de-CH" dirty="0">
+                <a:solidFill>
+                  <a:srgbClr val="000000"/>
+                </a:solidFill>
+              </a:rPr>
+              <a:t>Institut i4ds</a:t>
+            </a:r>
+          </a:p>
+        </p:txBody>
+      </p:sp>
+      <p:sp>
+        <p:nvSpPr>
+          <p:cNvPr id="4" name="Foliennummernplatzhalter 3"/>
+          <p:cNvSpPr>
+            <a:spLocks noGrp="1"/>
+          </p:cNvSpPr>
+          <p:nvPr>
+            <p:ph type="sldNum" sz="quarter" idx="12"/>
+          </p:nvPr>
+        </p:nvSpPr>
+        <p:spPr/>
+        <p:txBody>
+          <a:bodyPr/>
+          <a:lstStyle/>
+          <a:p>
+            <a:fld id="{351188DD-6605-4EF4-9E67-B567F731CE68}" type="slidenum">
+              <a:rPr lang="de-CH" smtClean="0">
+                <a:solidFill>
+                  <a:srgbClr val="000000"/>
+                </a:solidFill>
+              </a:rPr>
+              <a:pPr/>
+              <a:t>14</a:t>
+            </a:fld>
+            <a:endParaRPr lang="de-CH">
+              <a:solidFill>
+                <a:srgbClr val="000000"/>
+              </a:solidFill>
+            </a:endParaRPr>
+          </a:p>
+        </p:txBody>
+      </p:sp>
+      <p:sp>
+        <p:nvSpPr>
+          <p:cNvPr id="5" name="Titel 4"/>
+          <p:cNvSpPr>
+            <a:spLocks noGrp="1"/>
+          </p:cNvSpPr>
+          <p:nvPr>
+            <p:ph type="title"/>
+          </p:nvPr>
+        </p:nvSpPr>
+        <p:spPr/>
+        <p:txBody>
+          <a:bodyPr/>
+          <a:lstStyle/>
+          <a:p>
+            <a:r>
+              <a:rPr lang="en-GB" dirty="0" smtClean="0"/>
+              <a:t>Super Resolution</a:t>
+            </a:r>
+            <a:endParaRPr lang="en-GB" dirty="0"/>
+          </a:p>
+        </p:txBody>
+      </p:sp>
+      <p:sp>
+        <p:nvSpPr>
+          <p:cNvPr id="6" name="Textplatzhalter 5"/>
+          <p:cNvSpPr>
+            <a:spLocks noGrp="1"/>
+          </p:cNvSpPr>
+          <p:nvPr>
+            <p:ph type="body" idx="1"/>
+          </p:nvPr>
+        </p:nvSpPr>
+        <p:spPr/>
+        <p:txBody>
+          <a:bodyPr/>
+          <a:lstStyle/>
+          <a:p>
+            <a:endParaRPr lang="en-GB"/>
+          </a:p>
+        </p:txBody>
+      </p:sp>
+    </p:spTree>
+    <p:extLst>
+      <p:ext uri="{BB962C8B-B14F-4D97-AF65-F5344CB8AC3E}">
+        <p14:creationId xmlns:p14="http://schemas.microsoft.com/office/powerpoint/2010/main" val="2205424725"/>
+      </p:ext>
+    </p:extLst>
+  </p:cSld>
+  <p:clrMapOvr>
+    <a:masterClrMapping/>
+  </p:clrMapOvr>
+</p:sld>
+</file>
+
+<file path=ppt/slides/slide15.xml><?xml version="1.0" encoding="utf-8"?>
+<p:sld xmlns:a="http://schemas.openxmlformats.org/drawingml/2006/main" xmlns:r="http://schemas.openxmlformats.org/officeDocument/2006/relationships" xmlns:p="http://schemas.openxmlformats.org/presentationml/2006/main">
+  <p:cSld>
+    <p:spTree>
+      <p:nvGrpSpPr>
+        <p:cNvPr id="1" name=""/>
+        <p:cNvGrpSpPr/>
+        <p:nvPr/>
+      </p:nvGrpSpPr>
+      <p:grpSpPr>
+        <a:xfrm>
+          <a:off x="0" y="0"/>
+          <a:ext cx="0" cy="0"/>
+          <a:chOff x="0" y="0"/>
+          <a:chExt cx="0" cy="0"/>
+        </a:xfrm>
+      </p:grpSpPr>
+      <p:sp>
+        <p:nvSpPr>
+          <p:cNvPr id="2" name="Datumsplatzhalter 1"/>
+          <p:cNvSpPr>
+            <a:spLocks noGrp="1"/>
+          </p:cNvSpPr>
+          <p:nvPr>
+            <p:ph type="dt" sz="half" idx="10"/>
+          </p:nvPr>
+        </p:nvSpPr>
+        <p:spPr/>
+        <p:txBody>
+          <a:bodyPr/>
+          <a:lstStyle/>
+          <a:p>
+            <a:fld id="{5E48492E-72D1-4785-9351-8AE1E40FBA2D}" type="datetime1">
+              <a:rPr lang="de-CH" smtClean="0">
+                <a:solidFill>
+                  <a:srgbClr val="000000"/>
+                </a:solidFill>
+              </a:rPr>
+              <a:t>11.08.2018</a:t>
+            </a:fld>
+            <a:endParaRPr lang="de-CH">
+              <a:solidFill>
+                <a:srgbClr val="000000"/>
+              </a:solidFill>
+            </a:endParaRPr>
+          </a:p>
+        </p:txBody>
+      </p:sp>
+      <p:sp>
+        <p:nvSpPr>
+          <p:cNvPr id="3" name="Fußzeilenplatzhalter 2"/>
+          <p:cNvSpPr>
+            <a:spLocks noGrp="1"/>
+          </p:cNvSpPr>
+          <p:nvPr>
+            <p:ph type="ftr" sz="quarter" idx="11"/>
+          </p:nvPr>
+        </p:nvSpPr>
+        <p:spPr/>
+        <p:txBody>
+          <a:bodyPr/>
+          <a:lstStyle/>
+          <a:p>
+            <a:r>
+              <a:rPr lang="de-CH" dirty="0">
+                <a:solidFill>
+                  <a:srgbClr val="000000"/>
+                </a:solidFill>
+              </a:rPr>
+              <a:t>Institut i4ds</a:t>
+            </a:r>
+          </a:p>
+        </p:txBody>
+      </p:sp>
+      <p:sp>
+        <p:nvSpPr>
+          <p:cNvPr id="4" name="Foliennummernplatzhalter 3"/>
+          <p:cNvSpPr>
+            <a:spLocks noGrp="1"/>
+          </p:cNvSpPr>
+          <p:nvPr>
+            <p:ph type="sldNum" sz="quarter" idx="12"/>
+          </p:nvPr>
+        </p:nvSpPr>
+        <p:spPr/>
+        <p:txBody>
+          <a:bodyPr/>
+          <a:lstStyle/>
+          <a:p>
+            <a:fld id="{351188DD-6605-4EF4-9E67-B567F731CE68}" type="slidenum">
+              <a:rPr lang="de-CH" smtClean="0">
+                <a:solidFill>
+                  <a:srgbClr val="000000"/>
+                </a:solidFill>
+              </a:rPr>
+              <a:pPr/>
+              <a:t>15</a:t>
             </a:fld>
             <a:endParaRPr lang="de-CH">
               <a:solidFill>
@@ -4328,7 +4746,7 @@
 </p:sld>
 </file>
 
-<file path=ppt/slides/slide14.xml><?xml version="1.0" encoding="utf-8"?>
+<file path=ppt/slides/slide16.xml><?xml version="1.0" encoding="utf-8"?>
 <p:sld xmlns:a="http://schemas.openxmlformats.org/drawingml/2006/main" xmlns:r="http://schemas.openxmlformats.org/officeDocument/2006/relationships" xmlns:p="http://schemas.openxmlformats.org/presentationml/2006/main">
   <p:cSld>
     <p:spTree>
@@ -4424,7 +4842,7 @@
                 </a:solidFill>
               </a:rPr>
               <a:pPr/>
-              <a:t>14</a:t>
+              <a:t>16</a:t>
             </a:fld>
             <a:endParaRPr lang="de-CH">
               <a:solidFill>
@@ -4563,7 +4981,7 @@
 </p:sld>
 </file>
 
-<file path=ppt/slides/slide15.xml><?xml version="1.0" encoding="utf-8"?>
+<file path=ppt/slides/slide17.xml><?xml version="1.0" encoding="utf-8"?>
 <p:sld xmlns:a="http://schemas.openxmlformats.org/drawingml/2006/main" xmlns:r="http://schemas.openxmlformats.org/officeDocument/2006/relationships" xmlns:p="http://schemas.openxmlformats.org/presentationml/2006/main">
   <p:cSld>
     <p:spTree>
@@ -4672,7 +5090,297 @@
                 </a:solidFill>
               </a:rPr>
               <a:pPr/>
-              <a:t>15</a:t>
+              <a:t>17</a:t>
+            </a:fld>
+            <a:endParaRPr lang="de-CH">
+              <a:solidFill>
+                <a:srgbClr val="000000"/>
+              </a:solidFill>
+            </a:endParaRPr>
+          </a:p>
+        </p:txBody>
+      </p:sp>
+      <p:sp>
+        <p:nvSpPr>
+          <p:cNvPr id="5" name="Titel 4"/>
+          <p:cNvSpPr>
+            <a:spLocks noGrp="1"/>
+          </p:cNvSpPr>
+          <p:nvPr>
+            <p:ph type="title"/>
+          </p:nvPr>
+        </p:nvSpPr>
+        <p:spPr/>
+        <p:txBody>
+          <a:bodyPr/>
+          <a:lstStyle/>
+          <a:p>
+            <a:endParaRPr lang="en-GB"/>
+          </a:p>
+        </p:txBody>
+      </p:sp>
+      <p:sp>
+        <p:nvSpPr>
+          <p:cNvPr id="6" name="Textplatzhalter 5"/>
+          <p:cNvSpPr>
+            <a:spLocks noGrp="1"/>
+          </p:cNvSpPr>
+          <p:nvPr>
+            <p:ph type="body" idx="1"/>
+          </p:nvPr>
+        </p:nvSpPr>
+        <p:spPr/>
+        <p:txBody>
+          <a:bodyPr/>
+          <a:lstStyle/>
+          <a:p>
+            <a:endParaRPr lang="en-GB"/>
+          </a:p>
+        </p:txBody>
+      </p:sp>
+      <p:pic>
+        <p:nvPicPr>
+          <p:cNvPr id="7" name="Grafik 6"/>
+          <p:cNvPicPr>
+            <a:picLocks noChangeAspect="1"/>
+          </p:cNvPicPr>
+          <p:nvPr/>
+        </p:nvPicPr>
+        <p:blipFill>
+          <a:blip r:embed="rId2">
+            <a:extLst>
+              <a:ext uri="{28A0092B-C50C-407E-A947-70E740481C1C}">
+                <a14:useLocalDpi xmlns:a14="http://schemas.microsoft.com/office/drawing/2010/main" val="0"/>
+              </a:ext>
+            </a:extLst>
+          </a:blip>
+          <a:stretch>
+            <a:fillRect/>
+          </a:stretch>
+        </p:blipFill>
+        <p:spPr>
+          <a:xfrm>
+            <a:off x="5553182" y="-395833"/>
+            <a:ext cx="5486411" cy="5486411"/>
+          </a:xfrm>
+          <a:prstGeom prst="rect">
+            <a:avLst/>
+          </a:prstGeom>
+        </p:spPr>
+      </p:pic>
+      <p:pic>
+        <p:nvPicPr>
+          <p:cNvPr id="9" name="Grafik 8"/>
+          <p:cNvPicPr>
+            <a:picLocks noChangeAspect="1"/>
+          </p:cNvPicPr>
+          <p:nvPr/>
+        </p:nvPicPr>
+        <p:blipFill>
+          <a:blip r:embed="rId3">
+            <a:extLst>
+              <a:ext uri="{28A0092B-C50C-407E-A947-70E740481C1C}">
+                <a14:useLocalDpi xmlns:a14="http://schemas.microsoft.com/office/drawing/2010/main" val="0"/>
+              </a:ext>
+            </a:extLst>
+          </a:blip>
+          <a:stretch>
+            <a:fillRect/>
+          </a:stretch>
+        </p:blipFill>
+        <p:spPr>
+          <a:xfrm>
+            <a:off x="82421" y="-231971"/>
+            <a:ext cx="5486411" cy="5486411"/>
+          </a:xfrm>
+          <a:prstGeom prst="rect">
+            <a:avLst/>
+          </a:prstGeom>
+        </p:spPr>
+      </p:pic>
+      <p:pic>
+        <p:nvPicPr>
+          <p:cNvPr id="11" name="Grafik 10"/>
+          <p:cNvPicPr>
+            <a:picLocks noChangeAspect="1"/>
+          </p:cNvPicPr>
+          <p:nvPr/>
+        </p:nvPicPr>
+        <p:blipFill>
+          <a:blip r:embed="rId4">
+            <a:extLst>
+              <a:ext uri="{28A0092B-C50C-407E-A947-70E740481C1C}">
+                <a14:useLocalDpi xmlns:a14="http://schemas.microsoft.com/office/drawing/2010/main" val="0"/>
+              </a:ext>
+            </a:extLst>
+          </a:blip>
+          <a:stretch>
+            <a:fillRect/>
+          </a:stretch>
+        </p:blipFill>
+        <p:spPr>
+          <a:xfrm>
+            <a:off x="76313" y="3214590"/>
+            <a:ext cx="5486411" cy="5486411"/>
+          </a:xfrm>
+          <a:prstGeom prst="rect">
+            <a:avLst/>
+          </a:prstGeom>
+        </p:spPr>
+      </p:pic>
+      <p:pic>
+        <p:nvPicPr>
+          <p:cNvPr id="12" name="Grafik 11"/>
+          <p:cNvPicPr>
+            <a:picLocks noChangeAspect="1"/>
+          </p:cNvPicPr>
+          <p:nvPr/>
+        </p:nvPicPr>
+        <p:blipFill>
+          <a:blip r:embed="rId5">
+            <a:extLst>
+              <a:ext uri="{28A0092B-C50C-407E-A947-70E740481C1C}">
+                <a14:useLocalDpi xmlns:a14="http://schemas.microsoft.com/office/drawing/2010/main" val="0"/>
+              </a:ext>
+            </a:extLst>
+          </a:blip>
+          <a:stretch>
+            <a:fillRect/>
+          </a:stretch>
+        </p:blipFill>
+        <p:spPr>
+          <a:xfrm>
+            <a:off x="5778748" y="3665059"/>
+            <a:ext cx="5486411" cy="5486411"/>
+          </a:xfrm>
+          <a:prstGeom prst="rect">
+            <a:avLst/>
+          </a:prstGeom>
+        </p:spPr>
+      </p:pic>
+    </p:spTree>
+    <p:extLst>
+      <p:ext uri="{BB962C8B-B14F-4D97-AF65-F5344CB8AC3E}">
+        <p14:creationId xmlns:p14="http://schemas.microsoft.com/office/powerpoint/2010/main" val="301286378"/>
+      </p:ext>
+    </p:extLst>
+  </p:cSld>
+  <p:clrMapOvr>
+    <a:masterClrMapping/>
+  </p:clrMapOvr>
+</p:sld>
+</file>
+
+<file path=ppt/slides/slide18.xml><?xml version="1.0" encoding="utf-8"?>
+<p:sld xmlns:a="http://schemas.openxmlformats.org/drawingml/2006/main" xmlns:r="http://schemas.openxmlformats.org/officeDocument/2006/relationships" xmlns:p="http://schemas.openxmlformats.org/presentationml/2006/main">
+  <p:cSld>
+    <p:spTree>
+      <p:nvGrpSpPr>
+        <p:cNvPr id="1" name=""/>
+        <p:cNvGrpSpPr/>
+        <p:nvPr/>
+      </p:nvGrpSpPr>
+      <p:grpSpPr>
+        <a:xfrm>
+          <a:off x="0" y="0"/>
+          <a:ext cx="0" cy="0"/>
+          <a:chOff x="0" y="0"/>
+          <a:chExt cx="0" cy="0"/>
+        </a:xfrm>
+      </p:grpSpPr>
+      <p:sp>
+        <p:nvSpPr>
+          <p:cNvPr id="2" name="Datumsplatzhalter 1"/>
+          <p:cNvSpPr>
+            <a:spLocks noGrp="1"/>
+          </p:cNvSpPr>
+          <p:nvPr>
+            <p:ph type="dt" sz="half" idx="10"/>
+          </p:nvPr>
+        </p:nvSpPr>
+        <p:spPr/>
+        <p:txBody>
+          <a:bodyPr/>
+          <a:lstStyle/>
+          <a:p>
+            <a:fld id="{5E48492E-72D1-4785-9351-8AE1E40FBA2D}" type="datetime1">
+              <a:rPr lang="de-CH" smtClean="0">
+                <a:solidFill>
+                  <a:srgbClr val="000000"/>
+                </a:solidFill>
+              </a:rPr>
+              <a:t>11.08.2018</a:t>
+            </a:fld>
+            <a:endParaRPr lang="de-CH">
+              <a:solidFill>
+                <a:srgbClr val="000000"/>
+              </a:solidFill>
+            </a:endParaRPr>
+          </a:p>
+        </p:txBody>
+      </p:sp>
+      <p:sp>
+        <p:nvSpPr>
+          <p:cNvPr id="3" name="Fußzeilenplatzhalter 2"/>
+          <p:cNvSpPr>
+            <a:spLocks noGrp="1"/>
+          </p:cNvSpPr>
+          <p:nvPr>
+            <p:ph type="ftr" sz="quarter" idx="11"/>
+          </p:nvPr>
+        </p:nvSpPr>
+        <p:spPr/>
+        <p:txBody>
+          <a:bodyPr/>
+          <a:lstStyle/>
+          <a:p>
+            <a:r>
+              <a:rPr lang="de-CH" dirty="0">
+                <a:solidFill>
+                  <a:srgbClr val="000000"/>
+                </a:solidFill>
+              </a:rPr>
+              <a:t>Institut </a:t>
+            </a:r>
+            <a:r>
+              <a:rPr lang="de-CH" dirty="0" smtClean="0">
+                <a:solidFill>
+                  <a:srgbClr val="000000"/>
+                </a:solidFill>
+              </a:rPr>
+              <a:t>i4ds</a:t>
+            </a:r>
+            <a:endParaRPr lang="de-CH" dirty="0">
+              <a:solidFill>
+                <a:srgbClr val="000000"/>
+              </a:solidFill>
+            </a:endParaRPr>
+          </a:p>
+        </p:txBody>
+      </p:sp>
+      <p:sp>
+        <p:nvSpPr>
+          <p:cNvPr id="4" name="Foliennummernplatzhalter 3"/>
+          <p:cNvSpPr>
+            <a:spLocks noGrp="1"/>
+          </p:cNvSpPr>
+          <p:nvPr>
+            <p:ph type="sldNum" sz="quarter" idx="12"/>
+          </p:nvPr>
+        </p:nvSpPr>
+        <p:spPr/>
+        <p:txBody>
+          <a:bodyPr/>
+          <a:lstStyle/>
+          <a:p>
+            <a:fld id="{351188DD-6605-4EF4-9E67-B567F731CE68}" type="slidenum">
+              <a:rPr lang="de-CH" smtClean="0">
+                <a:solidFill>
+                  <a:srgbClr val="000000"/>
+                </a:solidFill>
+              </a:rPr>
+              <a:pPr/>
+              <a:t>18</a:t>
             </a:fld>
             <a:endParaRPr lang="de-CH">
               <a:solidFill>
@@ -4853,7 +5561,7 @@
 </p:sld>
 </file>
 
-<file path=ppt/slides/slide16.xml><?xml version="1.0" encoding="utf-8"?>
+<file path=ppt/slides/slide19.xml><?xml version="1.0" encoding="utf-8"?>
 <p:sld xmlns:a="http://schemas.openxmlformats.org/drawingml/2006/main" xmlns:r="http://schemas.openxmlformats.org/officeDocument/2006/relationships" xmlns:p="http://schemas.openxmlformats.org/presentationml/2006/main">
   <p:cSld>
     <p:spTree>
@@ -4962,7 +5670,7 @@
                 </a:solidFill>
               </a:rPr>
               <a:pPr/>
-              <a:t>16</a:t>
+              <a:t>19</a:t>
             </a:fld>
             <a:endParaRPr lang="de-CH">
               <a:solidFill>
@@ -5082,541 +5790,6 @@
 </p:sld>
 </file>
 
-<file path=ppt/slides/slide17.xml><?xml version="1.0" encoding="utf-8"?>
-<p:sld xmlns:a="http://schemas.openxmlformats.org/drawingml/2006/main" xmlns:r="http://schemas.openxmlformats.org/officeDocument/2006/relationships" xmlns:p="http://schemas.openxmlformats.org/presentationml/2006/main">
-  <p:cSld>
-    <p:spTree>
-      <p:nvGrpSpPr>
-        <p:cNvPr id="1" name=""/>
-        <p:cNvGrpSpPr/>
-        <p:nvPr/>
-      </p:nvGrpSpPr>
-      <p:grpSpPr>
-        <a:xfrm>
-          <a:off x="0" y="0"/>
-          <a:ext cx="0" cy="0"/>
-          <a:chOff x="0" y="0"/>
-          <a:chExt cx="0" cy="0"/>
-        </a:xfrm>
-      </p:grpSpPr>
-      <p:sp>
-        <p:nvSpPr>
-          <p:cNvPr id="2" name="Datumsplatzhalter 1"/>
-          <p:cNvSpPr>
-            <a:spLocks noGrp="1"/>
-          </p:cNvSpPr>
-          <p:nvPr>
-            <p:ph type="dt" sz="half" idx="10"/>
-          </p:nvPr>
-        </p:nvSpPr>
-        <p:spPr/>
-        <p:txBody>
-          <a:bodyPr/>
-          <a:lstStyle/>
-          <a:p>
-            <a:fld id="{5E48492E-72D1-4785-9351-8AE1E40FBA2D}" type="datetime1">
-              <a:rPr lang="de-CH" smtClean="0">
-                <a:solidFill>
-                  <a:srgbClr val="000000"/>
-                </a:solidFill>
-              </a:rPr>
-              <a:t>11.08.2018</a:t>
-            </a:fld>
-            <a:endParaRPr lang="de-CH">
-              <a:solidFill>
-                <a:srgbClr val="000000"/>
-              </a:solidFill>
-            </a:endParaRPr>
-          </a:p>
-        </p:txBody>
-      </p:sp>
-      <p:sp>
-        <p:nvSpPr>
-          <p:cNvPr id="3" name="Fußzeilenplatzhalter 2"/>
-          <p:cNvSpPr>
-            <a:spLocks noGrp="1"/>
-          </p:cNvSpPr>
-          <p:nvPr>
-            <p:ph type="ftr" sz="quarter" idx="11"/>
-          </p:nvPr>
-        </p:nvSpPr>
-        <p:spPr/>
-        <p:txBody>
-          <a:bodyPr/>
-          <a:lstStyle/>
-          <a:p>
-            <a:r>
-              <a:rPr lang="de-CH" dirty="0">
-                <a:solidFill>
-                  <a:srgbClr val="000000"/>
-                </a:solidFill>
-              </a:rPr>
-              <a:t>Institut i4ds</a:t>
-            </a:r>
-          </a:p>
-        </p:txBody>
-      </p:sp>
-      <p:sp>
-        <p:nvSpPr>
-          <p:cNvPr id="4" name="Foliennummernplatzhalter 3"/>
-          <p:cNvSpPr>
-            <a:spLocks noGrp="1"/>
-          </p:cNvSpPr>
-          <p:nvPr>
-            <p:ph type="sldNum" sz="quarter" idx="12"/>
-          </p:nvPr>
-        </p:nvSpPr>
-        <p:spPr/>
-        <p:txBody>
-          <a:bodyPr/>
-          <a:lstStyle/>
-          <a:p>
-            <a:fld id="{351188DD-6605-4EF4-9E67-B567F731CE68}" type="slidenum">
-              <a:rPr lang="de-CH" smtClean="0">
-                <a:solidFill>
-                  <a:srgbClr val="000000"/>
-                </a:solidFill>
-              </a:rPr>
-              <a:pPr/>
-              <a:t>17</a:t>
-            </a:fld>
-            <a:endParaRPr lang="de-CH">
-              <a:solidFill>
-                <a:srgbClr val="000000"/>
-              </a:solidFill>
-            </a:endParaRPr>
-          </a:p>
-        </p:txBody>
-      </p:sp>
-      <p:sp>
-        <p:nvSpPr>
-          <p:cNvPr id="5" name="Titel 4"/>
-          <p:cNvSpPr>
-            <a:spLocks noGrp="1"/>
-          </p:cNvSpPr>
-          <p:nvPr>
-            <p:ph type="title"/>
-          </p:nvPr>
-        </p:nvSpPr>
-        <p:spPr/>
-        <p:txBody>
-          <a:bodyPr/>
-          <a:lstStyle/>
-          <a:p>
-            <a:endParaRPr lang="en-GB"/>
-          </a:p>
-        </p:txBody>
-      </p:sp>
-      <p:sp>
-        <p:nvSpPr>
-          <p:cNvPr id="6" name="Textplatzhalter 5"/>
-          <p:cNvSpPr>
-            <a:spLocks noGrp="1"/>
-          </p:cNvSpPr>
-          <p:nvPr>
-            <p:ph type="body" idx="1"/>
-          </p:nvPr>
-        </p:nvSpPr>
-        <p:spPr/>
-        <p:txBody>
-          <a:bodyPr/>
-          <a:lstStyle/>
-          <a:p>
-            <a:endParaRPr lang="en-GB"/>
-          </a:p>
-        </p:txBody>
-      </p:sp>
-      <p:pic>
-        <p:nvPicPr>
-          <p:cNvPr id="7" name="Grafik 6"/>
-          <p:cNvPicPr>
-            <a:picLocks noChangeAspect="1"/>
-          </p:cNvPicPr>
-          <p:nvPr/>
-        </p:nvPicPr>
-        <p:blipFill>
-          <a:blip r:embed="rId2">
-            <a:extLst>
-              <a:ext uri="{28A0092B-C50C-407E-A947-70E740481C1C}">
-                <a14:useLocalDpi xmlns:a14="http://schemas.microsoft.com/office/drawing/2010/main" val="0"/>
-              </a:ext>
-            </a:extLst>
-          </a:blip>
-          <a:stretch>
-            <a:fillRect/>
-          </a:stretch>
-        </p:blipFill>
-        <p:spPr>
-          <a:xfrm>
-            <a:off x="1674300" y="327337"/>
-            <a:ext cx="7344800" cy="6906589"/>
-          </a:xfrm>
-          <a:prstGeom prst="rect">
-            <a:avLst/>
-          </a:prstGeom>
-        </p:spPr>
-      </p:pic>
-    </p:spTree>
-    <p:extLst>
-      <p:ext uri="{BB962C8B-B14F-4D97-AF65-F5344CB8AC3E}">
-        <p14:creationId xmlns:p14="http://schemas.microsoft.com/office/powerpoint/2010/main" val="966701151"/>
-      </p:ext>
-    </p:extLst>
-  </p:cSld>
-  <p:clrMapOvr>
-    <a:masterClrMapping/>
-  </p:clrMapOvr>
-</p:sld>
-</file>
-
-<file path=ppt/slides/slide18.xml><?xml version="1.0" encoding="utf-8"?>
-<p:sld xmlns:a="http://schemas.openxmlformats.org/drawingml/2006/main" xmlns:r="http://schemas.openxmlformats.org/officeDocument/2006/relationships" xmlns:p="http://schemas.openxmlformats.org/presentationml/2006/main">
-  <p:cSld>
-    <p:spTree>
-      <p:nvGrpSpPr>
-        <p:cNvPr id="1" name=""/>
-        <p:cNvGrpSpPr/>
-        <p:nvPr/>
-      </p:nvGrpSpPr>
-      <p:grpSpPr>
-        <a:xfrm>
-          <a:off x="0" y="0"/>
-          <a:ext cx="0" cy="0"/>
-          <a:chOff x="0" y="0"/>
-          <a:chExt cx="0" cy="0"/>
-        </a:xfrm>
-      </p:grpSpPr>
-      <p:sp>
-        <p:nvSpPr>
-          <p:cNvPr id="2" name="Datumsplatzhalter 1"/>
-          <p:cNvSpPr>
-            <a:spLocks noGrp="1"/>
-          </p:cNvSpPr>
-          <p:nvPr>
-            <p:ph type="dt" sz="half" idx="10"/>
-          </p:nvPr>
-        </p:nvSpPr>
-        <p:spPr/>
-        <p:txBody>
-          <a:bodyPr/>
-          <a:lstStyle/>
-          <a:p>
-            <a:fld id="{5E48492E-72D1-4785-9351-8AE1E40FBA2D}" type="datetime1">
-              <a:rPr lang="de-CH" smtClean="0">
-                <a:solidFill>
-                  <a:srgbClr val="000000"/>
-                </a:solidFill>
-              </a:rPr>
-              <a:t>11.08.2018</a:t>
-            </a:fld>
-            <a:endParaRPr lang="de-CH">
-              <a:solidFill>
-                <a:srgbClr val="000000"/>
-              </a:solidFill>
-            </a:endParaRPr>
-          </a:p>
-        </p:txBody>
-      </p:sp>
-      <p:sp>
-        <p:nvSpPr>
-          <p:cNvPr id="3" name="Fußzeilenplatzhalter 2"/>
-          <p:cNvSpPr>
-            <a:spLocks noGrp="1"/>
-          </p:cNvSpPr>
-          <p:nvPr>
-            <p:ph type="ftr" sz="quarter" idx="11"/>
-          </p:nvPr>
-        </p:nvSpPr>
-        <p:spPr/>
-        <p:txBody>
-          <a:bodyPr/>
-          <a:lstStyle/>
-          <a:p>
-            <a:r>
-              <a:rPr lang="de-CH" dirty="0">
-                <a:solidFill>
-                  <a:srgbClr val="000000"/>
-                </a:solidFill>
-              </a:rPr>
-              <a:t>Institut </a:t>
-            </a:r>
-            <a:r>
-              <a:rPr lang="de-CH" dirty="0" smtClean="0">
-                <a:solidFill>
-                  <a:srgbClr val="000000"/>
-                </a:solidFill>
-              </a:rPr>
-              <a:t>i4ds</a:t>
-            </a:r>
-            <a:endParaRPr lang="de-CH" dirty="0">
-              <a:solidFill>
-                <a:srgbClr val="000000"/>
-              </a:solidFill>
-            </a:endParaRPr>
-          </a:p>
-        </p:txBody>
-      </p:sp>
-      <p:sp>
-        <p:nvSpPr>
-          <p:cNvPr id="4" name="Foliennummernplatzhalter 3"/>
-          <p:cNvSpPr>
-            <a:spLocks noGrp="1"/>
-          </p:cNvSpPr>
-          <p:nvPr>
-            <p:ph type="sldNum" sz="quarter" idx="12"/>
-          </p:nvPr>
-        </p:nvSpPr>
-        <p:spPr/>
-        <p:txBody>
-          <a:bodyPr/>
-          <a:lstStyle/>
-          <a:p>
-            <a:fld id="{351188DD-6605-4EF4-9E67-B567F731CE68}" type="slidenum">
-              <a:rPr lang="de-CH" smtClean="0">
-                <a:solidFill>
-                  <a:srgbClr val="000000"/>
-                </a:solidFill>
-              </a:rPr>
-              <a:pPr/>
-              <a:t>18</a:t>
-            </a:fld>
-            <a:endParaRPr lang="de-CH">
-              <a:solidFill>
-                <a:srgbClr val="000000"/>
-              </a:solidFill>
-            </a:endParaRPr>
-          </a:p>
-        </p:txBody>
-      </p:sp>
-      <p:sp>
-        <p:nvSpPr>
-          <p:cNvPr id="5" name="Titel 4"/>
-          <p:cNvSpPr>
-            <a:spLocks noGrp="1"/>
-          </p:cNvSpPr>
-          <p:nvPr>
-            <p:ph type="title"/>
-          </p:nvPr>
-        </p:nvSpPr>
-        <p:spPr/>
-        <p:txBody>
-          <a:bodyPr/>
-          <a:lstStyle/>
-          <a:p>
-            <a:r>
-              <a:rPr lang="en-GB" dirty="0" smtClean="0"/>
-              <a:t>Conclusion</a:t>
-            </a:r>
-            <a:endParaRPr lang="en-GB" dirty="0"/>
-          </a:p>
-        </p:txBody>
-      </p:sp>
-      <p:sp>
-        <p:nvSpPr>
-          <p:cNvPr id="6" name="Textplatzhalter 5"/>
-          <p:cNvSpPr>
-            <a:spLocks noGrp="1"/>
-          </p:cNvSpPr>
-          <p:nvPr>
-            <p:ph type="body" idx="1"/>
-          </p:nvPr>
-        </p:nvSpPr>
-        <p:spPr/>
-        <p:txBody>
-          <a:bodyPr/>
-          <a:lstStyle/>
-          <a:p>
-            <a:endParaRPr lang="en-GB"/>
-          </a:p>
-        </p:txBody>
-      </p:sp>
-    </p:spTree>
-    <p:extLst>
-      <p:ext uri="{BB962C8B-B14F-4D97-AF65-F5344CB8AC3E}">
-        <p14:creationId xmlns:p14="http://schemas.microsoft.com/office/powerpoint/2010/main" val="24992479"/>
-      </p:ext>
-    </p:extLst>
-  </p:cSld>
-  <p:clrMapOvr>
-    <a:masterClrMapping/>
-  </p:clrMapOvr>
-</p:sld>
-</file>
-
-<file path=ppt/slides/slide19.xml><?xml version="1.0" encoding="utf-8"?>
-<p:sld xmlns:a="http://schemas.openxmlformats.org/drawingml/2006/main" xmlns:r="http://schemas.openxmlformats.org/officeDocument/2006/relationships" xmlns:p="http://schemas.openxmlformats.org/presentationml/2006/main">
-  <p:cSld>
-    <p:spTree>
-      <p:nvGrpSpPr>
-        <p:cNvPr id="1" name=""/>
-        <p:cNvGrpSpPr/>
-        <p:nvPr/>
-      </p:nvGrpSpPr>
-      <p:grpSpPr>
-        <a:xfrm>
-          <a:off x="0" y="0"/>
-          <a:ext cx="0" cy="0"/>
-          <a:chOff x="0" y="0"/>
-          <a:chExt cx="0" cy="0"/>
-        </a:xfrm>
-      </p:grpSpPr>
-      <p:sp>
-        <p:nvSpPr>
-          <p:cNvPr id="2" name="Datumsplatzhalter 1"/>
-          <p:cNvSpPr>
-            <a:spLocks noGrp="1"/>
-          </p:cNvSpPr>
-          <p:nvPr>
-            <p:ph type="dt" sz="half" idx="10"/>
-          </p:nvPr>
-        </p:nvSpPr>
-        <p:spPr/>
-        <p:txBody>
-          <a:bodyPr/>
-          <a:lstStyle/>
-          <a:p>
-            <a:fld id="{5E48492E-72D1-4785-9351-8AE1E40FBA2D}" type="datetime1">
-              <a:rPr lang="de-CH" smtClean="0">
-                <a:solidFill>
-                  <a:srgbClr val="000000"/>
-                </a:solidFill>
-              </a:rPr>
-              <a:t>11.08.2018</a:t>
-            </a:fld>
-            <a:endParaRPr lang="de-CH">
-              <a:solidFill>
-                <a:srgbClr val="000000"/>
-              </a:solidFill>
-            </a:endParaRPr>
-          </a:p>
-        </p:txBody>
-      </p:sp>
-      <p:sp>
-        <p:nvSpPr>
-          <p:cNvPr id="3" name="Fußzeilenplatzhalter 2"/>
-          <p:cNvSpPr>
-            <a:spLocks noGrp="1"/>
-          </p:cNvSpPr>
-          <p:nvPr>
-            <p:ph type="ftr" sz="quarter" idx="11"/>
-          </p:nvPr>
-        </p:nvSpPr>
-        <p:spPr/>
-        <p:txBody>
-          <a:bodyPr/>
-          <a:lstStyle/>
-          <a:p>
-            <a:r>
-              <a:rPr lang="de-CH" dirty="0">
-                <a:solidFill>
-                  <a:srgbClr val="000000"/>
-                </a:solidFill>
-              </a:rPr>
-              <a:t>Institut </a:t>
-            </a:r>
-            <a:r>
-              <a:rPr lang="de-CH" dirty="0" smtClean="0">
-                <a:solidFill>
-                  <a:srgbClr val="000000"/>
-                </a:solidFill>
-              </a:rPr>
-              <a:t>i4ds</a:t>
-            </a:r>
-            <a:endParaRPr lang="de-CH" dirty="0">
-              <a:solidFill>
-                <a:srgbClr val="000000"/>
-              </a:solidFill>
-            </a:endParaRPr>
-          </a:p>
-        </p:txBody>
-      </p:sp>
-      <p:sp>
-        <p:nvSpPr>
-          <p:cNvPr id="4" name="Foliennummernplatzhalter 3"/>
-          <p:cNvSpPr>
-            <a:spLocks noGrp="1"/>
-          </p:cNvSpPr>
-          <p:nvPr>
-            <p:ph type="sldNum" sz="quarter" idx="12"/>
-          </p:nvPr>
-        </p:nvSpPr>
-        <p:spPr/>
-        <p:txBody>
-          <a:bodyPr/>
-          <a:lstStyle/>
-          <a:p>
-            <a:fld id="{351188DD-6605-4EF4-9E67-B567F731CE68}" type="slidenum">
-              <a:rPr lang="de-CH" smtClean="0">
-                <a:solidFill>
-                  <a:srgbClr val="000000"/>
-                </a:solidFill>
-              </a:rPr>
-              <a:pPr/>
-              <a:t>19</a:t>
-            </a:fld>
-            <a:endParaRPr lang="de-CH">
-              <a:solidFill>
-                <a:srgbClr val="000000"/>
-              </a:solidFill>
-            </a:endParaRPr>
-          </a:p>
-        </p:txBody>
-      </p:sp>
-      <p:sp>
-        <p:nvSpPr>
-          <p:cNvPr id="5" name="Titel 4"/>
-          <p:cNvSpPr>
-            <a:spLocks noGrp="1"/>
-          </p:cNvSpPr>
-          <p:nvPr>
-            <p:ph type="title"/>
-          </p:nvPr>
-        </p:nvSpPr>
-        <p:spPr/>
-        <p:txBody>
-          <a:bodyPr/>
-          <a:lstStyle/>
-          <a:p>
-            <a:r>
-              <a:rPr lang="en-GB" dirty="0" smtClean="0"/>
-              <a:t>Conclusion</a:t>
-            </a:r>
-            <a:endParaRPr lang="en-GB" dirty="0"/>
-          </a:p>
-        </p:txBody>
-      </p:sp>
-      <p:sp>
-        <p:nvSpPr>
-          <p:cNvPr id="6" name="Textplatzhalter 5"/>
-          <p:cNvSpPr>
-            <a:spLocks noGrp="1"/>
-          </p:cNvSpPr>
-          <p:nvPr>
-            <p:ph type="body" idx="1"/>
-          </p:nvPr>
-        </p:nvSpPr>
-        <p:spPr/>
-        <p:txBody>
-          <a:bodyPr/>
-          <a:lstStyle/>
-          <a:p>
-            <a:endParaRPr lang="en-GB"/>
-          </a:p>
-        </p:txBody>
-      </p:sp>
-    </p:spTree>
-    <p:extLst>
-      <p:ext uri="{BB962C8B-B14F-4D97-AF65-F5344CB8AC3E}">
-        <p14:creationId xmlns:p14="http://schemas.microsoft.com/office/powerpoint/2010/main" val="3143559485"/>
-      </p:ext>
-    </p:extLst>
-  </p:cSld>
-  <p:clrMapOvr>
-    <a:masterClrMapping/>
-  </p:clrMapOvr>
-</p:sld>
-</file>
-
 <file path=ppt/slides/slide2.xml><?xml version="1.0" encoding="utf-8"?>
 <p:sld xmlns:a="http://schemas.openxmlformats.org/drawingml/2006/main" xmlns:r="http://schemas.openxmlformats.org/officeDocument/2006/relationships" xmlns:p="http://schemas.openxmlformats.org/presentationml/2006/main">
   <p:cSld>
@@ -5838,6 +6011,770 @@
     <p:extLst>
       <p:ext uri="{BB962C8B-B14F-4D97-AF65-F5344CB8AC3E}">
         <p14:creationId xmlns:p14="http://schemas.microsoft.com/office/powerpoint/2010/main" val="719313134"/>
+      </p:ext>
+    </p:extLst>
+  </p:cSld>
+  <p:clrMapOvr>
+    <a:masterClrMapping/>
+  </p:clrMapOvr>
+</p:sld>
+</file>
+
+<file path=ppt/slides/slide20.xml><?xml version="1.0" encoding="utf-8"?>
+<p:sld xmlns:a="http://schemas.openxmlformats.org/drawingml/2006/main" xmlns:r="http://schemas.openxmlformats.org/officeDocument/2006/relationships" xmlns:p="http://schemas.openxmlformats.org/presentationml/2006/main">
+  <p:cSld>
+    <p:spTree>
+      <p:nvGrpSpPr>
+        <p:cNvPr id="1" name=""/>
+        <p:cNvGrpSpPr/>
+        <p:nvPr/>
+      </p:nvGrpSpPr>
+      <p:grpSpPr>
+        <a:xfrm>
+          <a:off x="0" y="0"/>
+          <a:ext cx="0" cy="0"/>
+          <a:chOff x="0" y="0"/>
+          <a:chExt cx="0" cy="0"/>
+        </a:xfrm>
+      </p:grpSpPr>
+      <p:sp>
+        <p:nvSpPr>
+          <p:cNvPr id="2" name="Datumsplatzhalter 1"/>
+          <p:cNvSpPr>
+            <a:spLocks noGrp="1"/>
+          </p:cNvSpPr>
+          <p:nvPr>
+            <p:ph type="dt" sz="half" idx="10"/>
+          </p:nvPr>
+        </p:nvSpPr>
+        <p:spPr/>
+        <p:txBody>
+          <a:bodyPr/>
+          <a:lstStyle/>
+          <a:p>
+            <a:fld id="{5E48492E-72D1-4785-9351-8AE1E40FBA2D}" type="datetime1">
+              <a:rPr lang="de-CH" smtClean="0">
+                <a:solidFill>
+                  <a:srgbClr val="000000"/>
+                </a:solidFill>
+              </a:rPr>
+              <a:t>11.08.2018</a:t>
+            </a:fld>
+            <a:endParaRPr lang="de-CH">
+              <a:solidFill>
+                <a:srgbClr val="000000"/>
+              </a:solidFill>
+            </a:endParaRPr>
+          </a:p>
+        </p:txBody>
+      </p:sp>
+      <p:sp>
+        <p:nvSpPr>
+          <p:cNvPr id="3" name="Fußzeilenplatzhalter 2"/>
+          <p:cNvSpPr>
+            <a:spLocks noGrp="1"/>
+          </p:cNvSpPr>
+          <p:nvPr>
+            <p:ph type="ftr" sz="quarter" idx="11"/>
+          </p:nvPr>
+        </p:nvSpPr>
+        <p:spPr/>
+        <p:txBody>
+          <a:bodyPr/>
+          <a:lstStyle/>
+          <a:p>
+            <a:r>
+              <a:rPr lang="de-CH" dirty="0">
+                <a:solidFill>
+                  <a:srgbClr val="000000"/>
+                </a:solidFill>
+              </a:rPr>
+              <a:t>Institut i4ds</a:t>
+            </a:r>
+          </a:p>
+        </p:txBody>
+      </p:sp>
+      <p:sp>
+        <p:nvSpPr>
+          <p:cNvPr id="4" name="Foliennummernplatzhalter 3"/>
+          <p:cNvSpPr>
+            <a:spLocks noGrp="1"/>
+          </p:cNvSpPr>
+          <p:nvPr>
+            <p:ph type="sldNum" sz="quarter" idx="12"/>
+          </p:nvPr>
+        </p:nvSpPr>
+        <p:spPr/>
+        <p:txBody>
+          <a:bodyPr/>
+          <a:lstStyle/>
+          <a:p>
+            <a:fld id="{351188DD-6605-4EF4-9E67-B567F731CE68}" type="slidenum">
+              <a:rPr lang="de-CH" smtClean="0">
+                <a:solidFill>
+                  <a:srgbClr val="000000"/>
+                </a:solidFill>
+              </a:rPr>
+              <a:pPr/>
+              <a:t>20</a:t>
+            </a:fld>
+            <a:endParaRPr lang="de-CH">
+              <a:solidFill>
+                <a:srgbClr val="000000"/>
+              </a:solidFill>
+            </a:endParaRPr>
+          </a:p>
+        </p:txBody>
+      </p:sp>
+      <p:sp>
+        <p:nvSpPr>
+          <p:cNvPr id="5" name="Titel 4"/>
+          <p:cNvSpPr>
+            <a:spLocks noGrp="1"/>
+          </p:cNvSpPr>
+          <p:nvPr>
+            <p:ph type="title"/>
+          </p:nvPr>
+        </p:nvSpPr>
+        <p:spPr/>
+        <p:txBody>
+          <a:bodyPr/>
+          <a:lstStyle/>
+          <a:p>
+            <a:endParaRPr lang="en-GB"/>
+          </a:p>
+        </p:txBody>
+      </p:sp>
+      <p:sp>
+        <p:nvSpPr>
+          <p:cNvPr id="6" name="Textplatzhalter 5"/>
+          <p:cNvSpPr>
+            <a:spLocks noGrp="1"/>
+          </p:cNvSpPr>
+          <p:nvPr>
+            <p:ph type="body" idx="1"/>
+          </p:nvPr>
+        </p:nvSpPr>
+        <p:spPr/>
+        <p:txBody>
+          <a:bodyPr/>
+          <a:lstStyle/>
+          <a:p>
+            <a:endParaRPr lang="en-GB"/>
+          </a:p>
+        </p:txBody>
+      </p:sp>
+      <p:pic>
+        <p:nvPicPr>
+          <p:cNvPr id="7" name="Grafik 6"/>
+          <p:cNvPicPr>
+            <a:picLocks noChangeAspect="1"/>
+          </p:cNvPicPr>
+          <p:nvPr/>
+        </p:nvPicPr>
+        <p:blipFill>
+          <a:blip r:embed="rId2">
+            <a:extLst>
+              <a:ext uri="{28A0092B-C50C-407E-A947-70E740481C1C}">
+                <a14:useLocalDpi xmlns:a14="http://schemas.microsoft.com/office/drawing/2010/main" val="0"/>
+              </a:ext>
+            </a:extLst>
+          </a:blip>
+          <a:stretch>
+            <a:fillRect/>
+          </a:stretch>
+        </p:blipFill>
+        <p:spPr>
+          <a:xfrm>
+            <a:off x="1674300" y="327337"/>
+            <a:ext cx="7344800" cy="6906589"/>
+          </a:xfrm>
+          <a:prstGeom prst="rect">
+            <a:avLst/>
+          </a:prstGeom>
+        </p:spPr>
+      </p:pic>
+    </p:spTree>
+    <p:extLst>
+      <p:ext uri="{BB962C8B-B14F-4D97-AF65-F5344CB8AC3E}">
+        <p14:creationId xmlns:p14="http://schemas.microsoft.com/office/powerpoint/2010/main" val="966701151"/>
+      </p:ext>
+    </p:extLst>
+  </p:cSld>
+  <p:clrMapOvr>
+    <a:masterClrMapping/>
+  </p:clrMapOvr>
+</p:sld>
+</file>
+
+<file path=ppt/slides/slide21.xml><?xml version="1.0" encoding="utf-8"?>
+<p:sld xmlns:a="http://schemas.openxmlformats.org/drawingml/2006/main" xmlns:r="http://schemas.openxmlformats.org/officeDocument/2006/relationships" xmlns:p="http://schemas.openxmlformats.org/presentationml/2006/main">
+  <p:cSld>
+    <p:spTree>
+      <p:nvGrpSpPr>
+        <p:cNvPr id="1" name=""/>
+        <p:cNvGrpSpPr/>
+        <p:nvPr/>
+      </p:nvGrpSpPr>
+      <p:grpSpPr>
+        <a:xfrm>
+          <a:off x="0" y="0"/>
+          <a:ext cx="0" cy="0"/>
+          <a:chOff x="0" y="0"/>
+          <a:chExt cx="0" cy="0"/>
+        </a:xfrm>
+      </p:grpSpPr>
+      <p:sp>
+        <p:nvSpPr>
+          <p:cNvPr id="2" name="Datumsplatzhalter 1"/>
+          <p:cNvSpPr>
+            <a:spLocks noGrp="1"/>
+          </p:cNvSpPr>
+          <p:nvPr>
+            <p:ph type="dt" sz="half" idx="10"/>
+          </p:nvPr>
+        </p:nvSpPr>
+        <p:spPr/>
+        <p:txBody>
+          <a:bodyPr/>
+          <a:lstStyle/>
+          <a:p>
+            <a:fld id="{5E48492E-72D1-4785-9351-8AE1E40FBA2D}" type="datetime1">
+              <a:rPr lang="de-CH" smtClean="0">
+                <a:solidFill>
+                  <a:srgbClr val="000000"/>
+                </a:solidFill>
+              </a:rPr>
+              <a:t>11.08.2018</a:t>
+            </a:fld>
+            <a:endParaRPr lang="de-CH">
+              <a:solidFill>
+                <a:srgbClr val="000000"/>
+              </a:solidFill>
+            </a:endParaRPr>
+          </a:p>
+        </p:txBody>
+      </p:sp>
+      <p:sp>
+        <p:nvSpPr>
+          <p:cNvPr id="3" name="Fußzeilenplatzhalter 2"/>
+          <p:cNvSpPr>
+            <a:spLocks noGrp="1"/>
+          </p:cNvSpPr>
+          <p:nvPr>
+            <p:ph type="ftr" sz="quarter" idx="11"/>
+          </p:nvPr>
+        </p:nvSpPr>
+        <p:spPr/>
+        <p:txBody>
+          <a:bodyPr/>
+          <a:lstStyle/>
+          <a:p>
+            <a:r>
+              <a:rPr lang="de-CH" dirty="0">
+                <a:solidFill>
+                  <a:srgbClr val="000000"/>
+                </a:solidFill>
+              </a:rPr>
+              <a:t>Institut </a:t>
+            </a:r>
+            <a:r>
+              <a:rPr lang="de-CH" dirty="0" smtClean="0">
+                <a:solidFill>
+                  <a:srgbClr val="000000"/>
+                </a:solidFill>
+              </a:rPr>
+              <a:t>i4ds</a:t>
+            </a:r>
+            <a:endParaRPr lang="de-CH" dirty="0">
+              <a:solidFill>
+                <a:srgbClr val="000000"/>
+              </a:solidFill>
+            </a:endParaRPr>
+          </a:p>
+        </p:txBody>
+      </p:sp>
+      <p:sp>
+        <p:nvSpPr>
+          <p:cNvPr id="4" name="Foliennummernplatzhalter 3"/>
+          <p:cNvSpPr>
+            <a:spLocks noGrp="1"/>
+          </p:cNvSpPr>
+          <p:nvPr>
+            <p:ph type="sldNum" sz="quarter" idx="12"/>
+          </p:nvPr>
+        </p:nvSpPr>
+        <p:spPr/>
+        <p:txBody>
+          <a:bodyPr/>
+          <a:lstStyle/>
+          <a:p>
+            <a:fld id="{351188DD-6605-4EF4-9E67-B567F731CE68}" type="slidenum">
+              <a:rPr lang="de-CH" smtClean="0">
+                <a:solidFill>
+                  <a:srgbClr val="000000"/>
+                </a:solidFill>
+              </a:rPr>
+              <a:pPr/>
+              <a:t>21</a:t>
+            </a:fld>
+            <a:endParaRPr lang="de-CH">
+              <a:solidFill>
+                <a:srgbClr val="000000"/>
+              </a:solidFill>
+            </a:endParaRPr>
+          </a:p>
+        </p:txBody>
+      </p:sp>
+      <p:sp>
+        <p:nvSpPr>
+          <p:cNvPr id="5" name="Titel 4"/>
+          <p:cNvSpPr>
+            <a:spLocks noGrp="1"/>
+          </p:cNvSpPr>
+          <p:nvPr>
+            <p:ph type="title"/>
+          </p:nvPr>
+        </p:nvSpPr>
+        <p:spPr/>
+        <p:txBody>
+          <a:bodyPr/>
+          <a:lstStyle/>
+          <a:p>
+            <a:endParaRPr lang="en-GB"/>
+          </a:p>
+        </p:txBody>
+      </p:sp>
+      <p:sp>
+        <p:nvSpPr>
+          <p:cNvPr id="6" name="Textplatzhalter 5"/>
+          <p:cNvSpPr>
+            <a:spLocks noGrp="1"/>
+          </p:cNvSpPr>
+          <p:nvPr>
+            <p:ph type="body" idx="1"/>
+          </p:nvPr>
+        </p:nvSpPr>
+        <p:spPr/>
+        <p:txBody>
+          <a:bodyPr/>
+          <a:lstStyle/>
+          <a:p>
+            <a:endParaRPr lang="en-GB"/>
+          </a:p>
+        </p:txBody>
+      </p:sp>
+      <p:pic>
+        <p:nvPicPr>
+          <p:cNvPr id="7" name="Grafik 6"/>
+          <p:cNvPicPr>
+            <a:picLocks noChangeAspect="1"/>
+          </p:cNvPicPr>
+          <p:nvPr/>
+        </p:nvPicPr>
+        <p:blipFill>
+          <a:blip r:embed="rId2">
+            <a:extLst>
+              <a:ext uri="{28A0092B-C50C-407E-A947-70E740481C1C}">
+                <a14:useLocalDpi xmlns:a14="http://schemas.microsoft.com/office/drawing/2010/main" val="0"/>
+              </a:ext>
+            </a:extLst>
+          </a:blip>
+          <a:stretch>
+            <a:fillRect/>
+          </a:stretch>
+        </p:blipFill>
+        <p:spPr>
+          <a:xfrm>
+            <a:off x="0" y="1077045"/>
+            <a:ext cx="10201133" cy="6120680"/>
+          </a:xfrm>
+          <a:prstGeom prst="rect">
+            <a:avLst/>
+          </a:prstGeom>
+        </p:spPr>
+      </p:pic>
+      <p:pic>
+        <p:nvPicPr>
+          <p:cNvPr id="11" name="Grafik 10"/>
+          <p:cNvPicPr>
+            <a:picLocks noChangeAspect="1"/>
+          </p:cNvPicPr>
+          <p:nvPr/>
+        </p:nvPicPr>
+        <p:blipFill rotWithShape="1">
+          <a:blip r:embed="rId3" cstate="print">
+            <a:extLst>
+              <a:ext uri="{28A0092B-C50C-407E-A947-70E740481C1C}">
+                <a14:useLocalDpi xmlns:a14="http://schemas.microsoft.com/office/drawing/2010/main" val="0"/>
+              </a:ext>
+            </a:extLst>
+          </a:blip>
+          <a:srcRect l="10631" t="13255" r="18504" b="10695"/>
+          <a:stretch/>
+        </p:blipFill>
+        <p:spPr>
+          <a:xfrm>
+            <a:off x="1526803" y="108223"/>
+            <a:ext cx="2952328" cy="3168351"/>
+          </a:xfrm>
+          <a:prstGeom prst="rect">
+            <a:avLst/>
+          </a:prstGeom>
+        </p:spPr>
+      </p:pic>
+    </p:spTree>
+    <p:extLst>
+      <p:ext uri="{BB962C8B-B14F-4D97-AF65-F5344CB8AC3E}">
+        <p14:creationId xmlns:p14="http://schemas.microsoft.com/office/powerpoint/2010/main" val="1172613764"/>
+      </p:ext>
+    </p:extLst>
+  </p:cSld>
+  <p:clrMapOvr>
+    <a:masterClrMapping/>
+  </p:clrMapOvr>
+</p:sld>
+</file>
+
+<file path=ppt/slides/slide22.xml><?xml version="1.0" encoding="utf-8"?>
+<p:sld xmlns:a="http://schemas.openxmlformats.org/drawingml/2006/main" xmlns:r="http://schemas.openxmlformats.org/officeDocument/2006/relationships" xmlns:p="http://schemas.openxmlformats.org/presentationml/2006/main">
+  <p:cSld>
+    <p:spTree>
+      <p:nvGrpSpPr>
+        <p:cNvPr id="1" name=""/>
+        <p:cNvGrpSpPr/>
+        <p:nvPr/>
+      </p:nvGrpSpPr>
+      <p:grpSpPr>
+        <a:xfrm>
+          <a:off x="0" y="0"/>
+          <a:ext cx="0" cy="0"/>
+          <a:chOff x="0" y="0"/>
+          <a:chExt cx="0" cy="0"/>
+        </a:xfrm>
+      </p:grpSpPr>
+      <p:sp>
+        <p:nvSpPr>
+          <p:cNvPr id="2" name="Datumsplatzhalter 1"/>
+          <p:cNvSpPr>
+            <a:spLocks noGrp="1"/>
+          </p:cNvSpPr>
+          <p:nvPr>
+            <p:ph type="dt" sz="half" idx="10"/>
+          </p:nvPr>
+        </p:nvSpPr>
+        <p:spPr/>
+        <p:txBody>
+          <a:bodyPr/>
+          <a:lstStyle/>
+          <a:p>
+            <a:fld id="{5E48492E-72D1-4785-9351-8AE1E40FBA2D}" type="datetime1">
+              <a:rPr lang="de-CH" smtClean="0">
+                <a:solidFill>
+                  <a:srgbClr val="000000"/>
+                </a:solidFill>
+              </a:rPr>
+              <a:t>11.08.2018</a:t>
+            </a:fld>
+            <a:endParaRPr lang="de-CH">
+              <a:solidFill>
+                <a:srgbClr val="000000"/>
+              </a:solidFill>
+            </a:endParaRPr>
+          </a:p>
+        </p:txBody>
+      </p:sp>
+      <p:sp>
+        <p:nvSpPr>
+          <p:cNvPr id="3" name="Fußzeilenplatzhalter 2"/>
+          <p:cNvSpPr>
+            <a:spLocks noGrp="1"/>
+          </p:cNvSpPr>
+          <p:nvPr>
+            <p:ph type="ftr" sz="quarter" idx="11"/>
+          </p:nvPr>
+        </p:nvSpPr>
+        <p:spPr/>
+        <p:txBody>
+          <a:bodyPr/>
+          <a:lstStyle/>
+          <a:p>
+            <a:r>
+              <a:rPr lang="de-CH" dirty="0">
+                <a:solidFill>
+                  <a:srgbClr val="000000"/>
+                </a:solidFill>
+              </a:rPr>
+              <a:t>Institut </a:t>
+            </a:r>
+            <a:r>
+              <a:rPr lang="de-CH" dirty="0" smtClean="0">
+                <a:solidFill>
+                  <a:srgbClr val="000000"/>
+                </a:solidFill>
+              </a:rPr>
+              <a:t>i4ds</a:t>
+            </a:r>
+            <a:endParaRPr lang="de-CH" dirty="0">
+              <a:solidFill>
+                <a:srgbClr val="000000"/>
+              </a:solidFill>
+            </a:endParaRPr>
+          </a:p>
+        </p:txBody>
+      </p:sp>
+      <p:sp>
+        <p:nvSpPr>
+          <p:cNvPr id="4" name="Foliennummernplatzhalter 3"/>
+          <p:cNvSpPr>
+            <a:spLocks noGrp="1"/>
+          </p:cNvSpPr>
+          <p:nvPr>
+            <p:ph type="sldNum" sz="quarter" idx="12"/>
+          </p:nvPr>
+        </p:nvSpPr>
+        <p:spPr/>
+        <p:txBody>
+          <a:bodyPr/>
+          <a:lstStyle/>
+          <a:p>
+            <a:fld id="{351188DD-6605-4EF4-9E67-B567F731CE68}" type="slidenum">
+              <a:rPr lang="de-CH" smtClean="0">
+                <a:solidFill>
+                  <a:srgbClr val="000000"/>
+                </a:solidFill>
+              </a:rPr>
+              <a:pPr/>
+              <a:t>22</a:t>
+            </a:fld>
+            <a:endParaRPr lang="de-CH">
+              <a:solidFill>
+                <a:srgbClr val="000000"/>
+              </a:solidFill>
+            </a:endParaRPr>
+          </a:p>
+        </p:txBody>
+      </p:sp>
+      <p:sp>
+        <p:nvSpPr>
+          <p:cNvPr id="5" name="Titel 4"/>
+          <p:cNvSpPr>
+            <a:spLocks noGrp="1"/>
+          </p:cNvSpPr>
+          <p:nvPr>
+            <p:ph type="title"/>
+          </p:nvPr>
+        </p:nvSpPr>
+        <p:spPr/>
+        <p:txBody>
+          <a:bodyPr/>
+          <a:lstStyle/>
+          <a:p>
+            <a:r>
+              <a:rPr lang="en-GB" dirty="0" smtClean="0"/>
+              <a:t>Conclusion</a:t>
+            </a:r>
+            <a:endParaRPr lang="en-GB" dirty="0"/>
+          </a:p>
+        </p:txBody>
+      </p:sp>
+      <p:sp>
+        <p:nvSpPr>
+          <p:cNvPr id="6" name="Textplatzhalter 5"/>
+          <p:cNvSpPr>
+            <a:spLocks noGrp="1"/>
+          </p:cNvSpPr>
+          <p:nvPr>
+            <p:ph type="body" idx="1"/>
+          </p:nvPr>
+        </p:nvSpPr>
+        <p:spPr/>
+        <p:txBody>
+          <a:bodyPr/>
+          <a:lstStyle/>
+          <a:p>
+            <a:endParaRPr lang="en-GB"/>
+          </a:p>
+        </p:txBody>
+      </p:sp>
+    </p:spTree>
+    <p:extLst>
+      <p:ext uri="{BB962C8B-B14F-4D97-AF65-F5344CB8AC3E}">
+        <p14:creationId xmlns:p14="http://schemas.microsoft.com/office/powerpoint/2010/main" val="24992479"/>
+      </p:ext>
+    </p:extLst>
+  </p:cSld>
+  <p:clrMapOvr>
+    <a:masterClrMapping/>
+  </p:clrMapOvr>
+</p:sld>
+</file>
+
+<file path=ppt/slides/slide23.xml><?xml version="1.0" encoding="utf-8"?>
+<p:sld xmlns:a="http://schemas.openxmlformats.org/drawingml/2006/main" xmlns:r="http://schemas.openxmlformats.org/officeDocument/2006/relationships" xmlns:p="http://schemas.openxmlformats.org/presentationml/2006/main">
+  <p:cSld>
+    <p:spTree>
+      <p:nvGrpSpPr>
+        <p:cNvPr id="1" name=""/>
+        <p:cNvGrpSpPr/>
+        <p:nvPr/>
+      </p:nvGrpSpPr>
+      <p:grpSpPr>
+        <a:xfrm>
+          <a:off x="0" y="0"/>
+          <a:ext cx="0" cy="0"/>
+          <a:chOff x="0" y="0"/>
+          <a:chExt cx="0" cy="0"/>
+        </a:xfrm>
+      </p:grpSpPr>
+      <p:sp>
+        <p:nvSpPr>
+          <p:cNvPr id="2" name="Datumsplatzhalter 1"/>
+          <p:cNvSpPr>
+            <a:spLocks noGrp="1"/>
+          </p:cNvSpPr>
+          <p:nvPr>
+            <p:ph type="dt" sz="half" idx="10"/>
+          </p:nvPr>
+        </p:nvSpPr>
+        <p:spPr/>
+        <p:txBody>
+          <a:bodyPr/>
+          <a:lstStyle/>
+          <a:p>
+            <a:fld id="{5E48492E-72D1-4785-9351-8AE1E40FBA2D}" type="datetime1">
+              <a:rPr lang="de-CH" smtClean="0">
+                <a:solidFill>
+                  <a:srgbClr val="000000"/>
+                </a:solidFill>
+              </a:rPr>
+              <a:t>11.08.2018</a:t>
+            </a:fld>
+            <a:endParaRPr lang="de-CH">
+              <a:solidFill>
+                <a:srgbClr val="000000"/>
+              </a:solidFill>
+            </a:endParaRPr>
+          </a:p>
+        </p:txBody>
+      </p:sp>
+      <p:sp>
+        <p:nvSpPr>
+          <p:cNvPr id="3" name="Fußzeilenplatzhalter 2"/>
+          <p:cNvSpPr>
+            <a:spLocks noGrp="1"/>
+          </p:cNvSpPr>
+          <p:nvPr>
+            <p:ph type="ftr" sz="quarter" idx="11"/>
+          </p:nvPr>
+        </p:nvSpPr>
+        <p:spPr/>
+        <p:txBody>
+          <a:bodyPr/>
+          <a:lstStyle/>
+          <a:p>
+            <a:r>
+              <a:rPr lang="de-CH" dirty="0">
+                <a:solidFill>
+                  <a:srgbClr val="000000"/>
+                </a:solidFill>
+              </a:rPr>
+              <a:t>Institut </a:t>
+            </a:r>
+            <a:r>
+              <a:rPr lang="de-CH" dirty="0" smtClean="0">
+                <a:solidFill>
+                  <a:srgbClr val="000000"/>
+                </a:solidFill>
+              </a:rPr>
+              <a:t>i4ds</a:t>
+            </a:r>
+            <a:endParaRPr lang="de-CH" dirty="0">
+              <a:solidFill>
+                <a:srgbClr val="000000"/>
+              </a:solidFill>
+            </a:endParaRPr>
+          </a:p>
+        </p:txBody>
+      </p:sp>
+      <p:sp>
+        <p:nvSpPr>
+          <p:cNvPr id="4" name="Foliennummernplatzhalter 3"/>
+          <p:cNvSpPr>
+            <a:spLocks noGrp="1"/>
+          </p:cNvSpPr>
+          <p:nvPr>
+            <p:ph type="sldNum" sz="quarter" idx="12"/>
+          </p:nvPr>
+        </p:nvSpPr>
+        <p:spPr/>
+        <p:txBody>
+          <a:bodyPr/>
+          <a:lstStyle/>
+          <a:p>
+            <a:fld id="{351188DD-6605-4EF4-9E67-B567F731CE68}" type="slidenum">
+              <a:rPr lang="de-CH" smtClean="0">
+                <a:solidFill>
+                  <a:srgbClr val="000000"/>
+                </a:solidFill>
+              </a:rPr>
+              <a:pPr/>
+              <a:t>23</a:t>
+            </a:fld>
+            <a:endParaRPr lang="de-CH">
+              <a:solidFill>
+                <a:srgbClr val="000000"/>
+              </a:solidFill>
+            </a:endParaRPr>
+          </a:p>
+        </p:txBody>
+      </p:sp>
+      <p:sp>
+        <p:nvSpPr>
+          <p:cNvPr id="5" name="Titel 4"/>
+          <p:cNvSpPr>
+            <a:spLocks noGrp="1"/>
+          </p:cNvSpPr>
+          <p:nvPr>
+            <p:ph type="title"/>
+          </p:nvPr>
+        </p:nvSpPr>
+        <p:spPr/>
+        <p:txBody>
+          <a:bodyPr/>
+          <a:lstStyle/>
+          <a:p>
+            <a:r>
+              <a:rPr lang="en-GB" dirty="0" smtClean="0"/>
+              <a:t>Conclusion</a:t>
+            </a:r>
+            <a:endParaRPr lang="en-GB" dirty="0"/>
+          </a:p>
+        </p:txBody>
+      </p:sp>
+      <p:sp>
+        <p:nvSpPr>
+          <p:cNvPr id="6" name="Textplatzhalter 5"/>
+          <p:cNvSpPr>
+            <a:spLocks noGrp="1"/>
+          </p:cNvSpPr>
+          <p:nvPr>
+            <p:ph type="body" idx="1"/>
+          </p:nvPr>
+        </p:nvSpPr>
+        <p:spPr/>
+        <p:txBody>
+          <a:bodyPr/>
+          <a:lstStyle/>
+          <a:p>
+            <a:endParaRPr lang="en-GB"/>
+          </a:p>
+        </p:txBody>
+      </p:sp>
+    </p:spTree>
+    <p:extLst>
+      <p:ext uri="{BB962C8B-B14F-4D97-AF65-F5344CB8AC3E}">
+        <p14:creationId xmlns:p14="http://schemas.microsoft.com/office/powerpoint/2010/main" val="3143559485"/>
       </p:ext>
     </p:extLst>
   </p:cSld>
@@ -6667,44 +7604,18 @@
           <a:bodyPr/>
           <a:lstStyle/>
           <a:p>
+            <a:r>
+              <a:rPr lang="en-GB" dirty="0" smtClean="0"/>
+              <a:t>Find max</a:t>
+            </a:r>
             <a:endParaRPr lang="en-GB" dirty="0"/>
           </a:p>
         </p:txBody>
       </p:sp>
-      <p:pic>
-        <p:nvPicPr>
-          <p:cNvPr id="7" name="Grafik 6"/>
-          <p:cNvPicPr>
-            <a:picLocks noChangeAspect="1"/>
-          </p:cNvPicPr>
-          <p:nvPr/>
-        </p:nvPicPr>
-        <p:blipFill>
-          <a:blip r:embed="rId2">
-            <a:extLst>
-              <a:ext uri="{28A0092B-C50C-407E-A947-70E740481C1C}">
-                <a14:useLocalDpi xmlns:a14="http://schemas.microsoft.com/office/drawing/2010/main" val="0"/>
-              </a:ext>
-            </a:extLst>
-          </a:blip>
-          <a:stretch>
-            <a:fillRect/>
-          </a:stretch>
-        </p:blipFill>
-        <p:spPr>
-          <a:xfrm>
-            <a:off x="645691" y="3509053"/>
-            <a:ext cx="9395668" cy="886511"/>
-          </a:xfrm>
-          <a:prstGeom prst="rect">
-            <a:avLst/>
-          </a:prstGeom>
-        </p:spPr>
-      </p:pic>
     </p:spTree>
     <p:extLst>
       <p:ext uri="{BB962C8B-B14F-4D97-AF65-F5344CB8AC3E}">
-        <p14:creationId xmlns:p14="http://schemas.microsoft.com/office/powerpoint/2010/main" val="2350095334"/>
+        <p14:creationId xmlns:p14="http://schemas.microsoft.com/office/powerpoint/2010/main" val="388549729"/>
       </p:ext>
     </p:extLst>
   </p:cSld>
@@ -6865,11 +7776,7 @@
           <a:p>
             <a:r>
               <a:rPr lang="en-GB" dirty="0" smtClean="0"/>
-              <a:t>Chance that the x is the </a:t>
-            </a:r>
-            <a:r>
-              <a:rPr lang="en-GB" smtClean="0"/>
-              <a:t>true image?</a:t>
+              <a:t>Chance that the x is the true image?</a:t>
             </a:r>
             <a:endParaRPr lang="en-GB" dirty="0"/>
           </a:p>
@@ -7016,7 +7923,7 @@
           <a:p>
             <a:r>
               <a:rPr lang="en-GB" dirty="0" smtClean="0"/>
-              <a:t>Compressed Sensing</a:t>
+              <a:t>CLEAN  as a Compressed Sensing Reconstruction</a:t>
             </a:r>
             <a:endParaRPr lang="en-GB" dirty="0"/>
           </a:p>
@@ -7037,44 +7944,18 @@
           <a:bodyPr/>
           <a:lstStyle/>
           <a:p>
-            <a:endParaRPr lang="en-GB"/>
-          </a:p>
-        </p:txBody>
-      </p:sp>
-      <p:pic>
-        <p:nvPicPr>
-          <p:cNvPr id="7" name="Grafik 6"/>
-          <p:cNvPicPr>
-            <a:picLocks noChangeAspect="1"/>
-          </p:cNvPicPr>
-          <p:nvPr/>
-        </p:nvPicPr>
-        <p:blipFill>
-          <a:blip r:embed="rId2">
-            <a:extLst>
-              <a:ext uri="{28A0092B-C50C-407E-A947-70E740481C1C}">
-                <a14:useLocalDpi xmlns:a14="http://schemas.microsoft.com/office/drawing/2010/main" val="0"/>
-              </a:ext>
-            </a:extLst>
-          </a:blip>
-          <a:stretch>
-            <a:fillRect/>
-          </a:stretch>
-        </p:blipFill>
-        <p:spPr>
-          <a:xfrm>
-            <a:off x="594172" y="3533405"/>
-            <a:ext cx="9956800" cy="895298"/>
-          </a:xfrm>
-          <a:prstGeom prst="rect">
-            <a:avLst/>
-          </a:prstGeom>
-        </p:spPr>
-      </p:pic>
+            <a:r>
+              <a:rPr lang="en-GB" dirty="0" smtClean="0"/>
+              <a:t>Model map, all the information</a:t>
+            </a:r>
+            <a:endParaRPr lang="en-GB" dirty="0"/>
+          </a:p>
+        </p:txBody>
+      </p:sp>
     </p:spTree>
     <p:extLst>
       <p:ext uri="{BB962C8B-B14F-4D97-AF65-F5344CB8AC3E}">
-        <p14:creationId xmlns:p14="http://schemas.microsoft.com/office/powerpoint/2010/main" val="1810705209"/>
+        <p14:creationId xmlns:p14="http://schemas.microsoft.com/office/powerpoint/2010/main" val="1323241219"/>
       </p:ext>
     </p:extLst>
   </p:cSld>
@@ -7212,45 +8093,39 @@
           <a:p>
             <a:r>
               <a:rPr lang="en-GB" dirty="0" smtClean="0"/>
-              <a:t>CLEAN</a:t>
-            </a:r>
-            <a:br>
+              <a:t>CLEAN  as a Compressed Sensing Reconstruction</a:t>
+            </a:r>
+            <a:endParaRPr lang="en-GB" dirty="0"/>
+          </a:p>
+        </p:txBody>
+      </p:sp>
+      <p:sp>
+        <p:nvSpPr>
+          <p:cNvPr id="6" name="Textplatzhalter 5"/>
+          <p:cNvSpPr>
+            <a:spLocks noGrp="1"/>
+          </p:cNvSpPr>
+          <p:nvPr>
+            <p:ph type="body" idx="1"/>
+          </p:nvPr>
+        </p:nvSpPr>
+        <p:spPr/>
+        <p:txBody>
+          <a:bodyPr/>
+          <a:lstStyle/>
+          <a:p>
+            <a:r>
               <a:rPr lang="en-GB" dirty="0" smtClean="0"/>
-            </a:br>
-            <a:r>
-              <a:rPr lang="en-GB" dirty="0" smtClean="0"/>
-              <a:t/>
-            </a:r>
-            <a:br>
-              <a:rPr lang="en-GB" dirty="0" smtClean="0"/>
-            </a:br>
+              <a:t>Incoherence</a:t>
+            </a:r>
             <a:endParaRPr lang="en-GB" dirty="0"/>
-          </a:p>
-        </p:txBody>
-      </p:sp>
-      <p:sp>
-        <p:nvSpPr>
-          <p:cNvPr id="6" name="Textplatzhalter 5"/>
-          <p:cNvSpPr>
-            <a:spLocks noGrp="1"/>
-          </p:cNvSpPr>
-          <p:nvPr>
-            <p:ph type="body" idx="1"/>
-          </p:nvPr>
-        </p:nvSpPr>
-        <p:spPr/>
-        <p:txBody>
-          <a:bodyPr/>
-          <a:lstStyle/>
-          <a:p>
-            <a:endParaRPr lang="en-GB"/>
           </a:p>
         </p:txBody>
       </p:sp>
     </p:spTree>
     <p:extLst>
       <p:ext uri="{BB962C8B-B14F-4D97-AF65-F5344CB8AC3E}">
-        <p14:creationId xmlns:p14="http://schemas.microsoft.com/office/powerpoint/2010/main" val="3336875797"/>
+        <p14:creationId xmlns:p14="http://schemas.microsoft.com/office/powerpoint/2010/main" val="3601425266"/>
       </p:ext>
     </p:extLst>
   </p:cSld>

--- a/ppt/praes.pptx
+++ b/ppt/praes.pptx
@@ -5,44 +5,47 @@
     <p:sldMasterId id="2147483713" r:id="rId1"/>
   </p:sldMasterIdLst>
   <p:notesMasterIdLst>
-    <p:notesMasterId r:id="rId25"/>
+    <p:notesMasterId r:id="rId34"/>
   </p:notesMasterIdLst>
   <p:handoutMasterIdLst>
-    <p:handoutMasterId r:id="rId26"/>
+    <p:handoutMasterId r:id="rId35"/>
   </p:handoutMasterIdLst>
   <p:sldIdLst>
     <p:sldId id="256" r:id="rId2"/>
     <p:sldId id="261" r:id="rId3"/>
     <p:sldId id="272" r:id="rId4"/>
     <p:sldId id="262" r:id="rId5"/>
-    <p:sldId id="271" r:id="rId6"/>
-    <p:sldId id="276" r:id="rId7"/>
-    <p:sldId id="274" r:id="rId8"/>
-    <p:sldId id="277" r:id="rId9"/>
-    <p:sldId id="280" r:id="rId10"/>
-    <p:sldId id="273" r:id="rId11"/>
-    <p:sldId id="270" r:id="rId12"/>
-    <p:sldId id="259" r:id="rId13"/>
-    <p:sldId id="263" r:id="rId14"/>
-    <p:sldId id="264" r:id="rId15"/>
-    <p:sldId id="265" r:id="rId16"/>
-    <p:sldId id="257" r:id="rId17"/>
-    <p:sldId id="278" r:id="rId18"/>
-    <p:sldId id="266" r:id="rId19"/>
-    <p:sldId id="258" r:id="rId20"/>
-    <p:sldId id="260" r:id="rId21"/>
-    <p:sldId id="279" r:id="rId22"/>
-    <p:sldId id="269" r:id="rId23"/>
-    <p:sldId id="267" r:id="rId24"/>
+    <p:sldId id="289" r:id="rId6"/>
+    <p:sldId id="282" r:id="rId7"/>
+    <p:sldId id="271" r:id="rId8"/>
+    <p:sldId id="283" r:id="rId9"/>
+    <p:sldId id="284" r:id="rId10"/>
+    <p:sldId id="285" r:id="rId11"/>
+    <p:sldId id="286" r:id="rId12"/>
+    <p:sldId id="287" r:id="rId13"/>
+    <p:sldId id="288" r:id="rId14"/>
+    <p:sldId id="276" r:id="rId15"/>
+    <p:sldId id="274" r:id="rId16"/>
+    <p:sldId id="277" r:id="rId17"/>
+    <p:sldId id="280" r:id="rId18"/>
+    <p:sldId id="281" r:id="rId19"/>
+    <p:sldId id="273" r:id="rId20"/>
+    <p:sldId id="270" r:id="rId21"/>
+    <p:sldId id="259" r:id="rId22"/>
+    <p:sldId id="263" r:id="rId23"/>
+    <p:sldId id="264" r:id="rId24"/>
+    <p:sldId id="265" r:id="rId25"/>
+    <p:sldId id="257" r:id="rId26"/>
+    <p:sldId id="278" r:id="rId27"/>
+    <p:sldId id="266" r:id="rId28"/>
+    <p:sldId id="258" r:id="rId29"/>
+    <p:sldId id="279" r:id="rId30"/>
+    <p:sldId id="260" r:id="rId31"/>
+    <p:sldId id="269" r:id="rId32"/>
+    <p:sldId id="267" r:id="rId33"/>
   </p:sldIdLst>
   <p:sldSz cx="10693400" cy="7561263"/>
   <p:notesSz cx="6858000" cy="9144000"/>
-  <p:embeddedFontLst>
-    <p:embeddedFont>
-      <p:font typeface="Cambria Math" panose="02040503050406030204" pitchFamily="18" charset="0"/>
-      <p:regular r:id="rId27"/>
-    </p:embeddedFont>
-  </p:embeddedFontLst>
   <p:defaultTextStyle>
     <a:defPPr>
       <a:defRPr lang="de-CH"/>
@@ -177,31 +180,40 @@
             <p14:sldId id="261"/>
             <p14:sldId id="272"/>
             <p14:sldId id="262"/>
+            <p14:sldId id="289"/>
           </p14:sldIdLst>
         </p14:section>
         <p14:section name="CLEAN" id="{66BB2E45-2870-4577-BE32-FDFA49B4C7F9}">
           <p14:sldIdLst>
+            <p14:sldId id="282"/>
             <p14:sldId id="271"/>
+            <p14:sldId id="283"/>
+            <p14:sldId id="284"/>
+            <p14:sldId id="285"/>
+            <p14:sldId id="286"/>
+            <p14:sldId id="287"/>
+            <p14:sldId id="288"/>
             <p14:sldId id="276"/>
             <p14:sldId id="274"/>
             <p14:sldId id="277"/>
             <p14:sldId id="280"/>
+            <p14:sldId id="281"/>
             <p14:sldId id="273"/>
             <p14:sldId id="270"/>
             <p14:sldId id="259"/>
             <p14:sldId id="263"/>
             <p14:sldId id="264"/>
+            <p14:sldId id="265"/>
           </p14:sldIdLst>
         </p14:section>
         <p14:section name="Abschnitt ohne Titel" id="{08DBAA98-29F2-46AD-A1D0-8A81AF8564F8}">
           <p14:sldIdLst>
-            <p14:sldId id="265"/>
             <p14:sldId id="257"/>
             <p14:sldId id="278"/>
             <p14:sldId id="266"/>
             <p14:sldId id="258"/>
+            <p14:sldId id="279"/>
             <p14:sldId id="260"/>
-            <p14:sldId id="279"/>
             <p14:sldId id="269"/>
             <p14:sldId id="267"/>
           </p14:sldIdLst>
@@ -279,14 +291,14 @@
           <a:effectLst/>
           <a:extLst>
             <a:ext uri="{909E8E84-426E-40dd-AFC4-6F175D3DCCD1}">
-              <a14:hiddenFill xmlns:a14="http://schemas.microsoft.com/office/drawing/2010/main" xmlns="">
+              <a14:hiddenFill xmlns="" xmlns:a14="http://schemas.microsoft.com/office/drawing/2010/main">
                 <a:solidFill>
                   <a:schemeClr val="accent1"/>
                 </a:solidFill>
               </a14:hiddenFill>
             </a:ext>
             <a:ext uri="{91240B29-F687-4f45-9708-019B960494DF}">
-              <a14:hiddenLine xmlns:a14="http://schemas.microsoft.com/office/drawing/2010/main" xmlns="" w="9525">
+              <a14:hiddenLine xmlns="" xmlns:a14="http://schemas.microsoft.com/office/drawing/2010/main" w="9525">
                 <a:solidFill>
                   <a:schemeClr val="tx1"/>
                 </a:solidFill>
@@ -296,7 +308,7 @@
               </a14:hiddenLine>
             </a:ext>
             <a:ext uri="{AF507438-7753-43e0-B8FC-AC1667EBCBE1}">
-              <a14:hiddenEffects xmlns:a14="http://schemas.microsoft.com/office/drawing/2010/main" xmlns="">
+              <a14:hiddenEffects xmlns="" xmlns:a14="http://schemas.microsoft.com/office/drawing/2010/main">
                 <a:effectLst>
                   <a:outerShdw dist="35921" dir="2700000" algn="ctr" rotWithShape="0">
                     <a:schemeClr val="bg2"/>
@@ -347,14 +359,14 @@
           <a:effectLst/>
           <a:extLst>
             <a:ext uri="{909E8E84-426E-40dd-AFC4-6F175D3DCCD1}">
-              <a14:hiddenFill xmlns:a14="http://schemas.microsoft.com/office/drawing/2010/main" xmlns="">
+              <a14:hiddenFill xmlns="" xmlns:a14="http://schemas.microsoft.com/office/drawing/2010/main">
                 <a:solidFill>
                   <a:schemeClr val="accent1"/>
                 </a:solidFill>
               </a14:hiddenFill>
             </a:ext>
             <a:ext uri="{91240B29-F687-4f45-9708-019B960494DF}">
-              <a14:hiddenLine xmlns:a14="http://schemas.microsoft.com/office/drawing/2010/main" xmlns="" w="9525">
+              <a14:hiddenLine xmlns="" xmlns:a14="http://schemas.microsoft.com/office/drawing/2010/main" w="9525">
                 <a:solidFill>
                   <a:schemeClr val="tx1"/>
                 </a:solidFill>
@@ -364,7 +376,7 @@
               </a14:hiddenLine>
             </a:ext>
             <a:ext uri="{AF507438-7753-43e0-B8FC-AC1667EBCBE1}">
-              <a14:hiddenEffects xmlns:a14="http://schemas.microsoft.com/office/drawing/2010/main" xmlns="">
+              <a14:hiddenEffects xmlns="" xmlns:a14="http://schemas.microsoft.com/office/drawing/2010/main">
                 <a:effectLst>
                   <a:outerShdw dist="35921" dir="2700000" algn="ctr" rotWithShape="0">
                     <a:schemeClr val="bg2"/>
@@ -415,14 +427,14 @@
           <a:effectLst/>
           <a:extLst>
             <a:ext uri="{909E8E84-426E-40dd-AFC4-6F175D3DCCD1}">
-              <a14:hiddenFill xmlns:a14="http://schemas.microsoft.com/office/drawing/2010/main" xmlns="">
+              <a14:hiddenFill xmlns="" xmlns:a14="http://schemas.microsoft.com/office/drawing/2010/main">
                 <a:solidFill>
                   <a:schemeClr val="accent1"/>
                 </a:solidFill>
               </a14:hiddenFill>
             </a:ext>
             <a:ext uri="{91240B29-F687-4f45-9708-019B960494DF}">
-              <a14:hiddenLine xmlns:a14="http://schemas.microsoft.com/office/drawing/2010/main" xmlns="" w="9525">
+              <a14:hiddenLine xmlns="" xmlns:a14="http://schemas.microsoft.com/office/drawing/2010/main" w="9525">
                 <a:solidFill>
                   <a:schemeClr val="tx1"/>
                 </a:solidFill>
@@ -432,7 +444,7 @@
               </a14:hiddenLine>
             </a:ext>
             <a:ext uri="{AF507438-7753-43e0-B8FC-AC1667EBCBE1}">
-              <a14:hiddenEffects xmlns:a14="http://schemas.microsoft.com/office/drawing/2010/main" xmlns="">
+              <a14:hiddenEffects xmlns="" xmlns:a14="http://schemas.microsoft.com/office/drawing/2010/main">
                 <a:effectLst>
                   <a:outerShdw dist="35921" dir="2700000" algn="ctr" rotWithShape="0">
                     <a:schemeClr val="bg2"/>
@@ -483,14 +495,14 @@
           <a:effectLst/>
           <a:extLst>
             <a:ext uri="{909E8E84-426E-40dd-AFC4-6F175D3DCCD1}">
-              <a14:hiddenFill xmlns:a14="http://schemas.microsoft.com/office/drawing/2010/main" xmlns="">
+              <a14:hiddenFill xmlns="" xmlns:a14="http://schemas.microsoft.com/office/drawing/2010/main">
                 <a:solidFill>
                   <a:schemeClr val="accent1"/>
                 </a:solidFill>
               </a14:hiddenFill>
             </a:ext>
             <a:ext uri="{91240B29-F687-4f45-9708-019B960494DF}">
-              <a14:hiddenLine xmlns:a14="http://schemas.microsoft.com/office/drawing/2010/main" xmlns="" w="9525">
+              <a14:hiddenLine xmlns="" xmlns:a14="http://schemas.microsoft.com/office/drawing/2010/main" w="9525">
                 <a:solidFill>
                   <a:schemeClr val="tx1"/>
                 </a:solidFill>
@@ -500,7 +512,7 @@
               </a14:hiddenLine>
             </a:ext>
             <a:ext uri="{AF507438-7753-43e0-B8FC-AC1667EBCBE1}">
-              <a14:hiddenEffects xmlns:a14="http://schemas.microsoft.com/office/drawing/2010/main" xmlns="">
+              <a14:hiddenEffects xmlns="" xmlns:a14="http://schemas.microsoft.com/office/drawing/2010/main">
                 <a:effectLst>
                   <a:outerShdw dist="35921" dir="2700000" algn="ctr" rotWithShape="0">
                     <a:schemeClr val="bg2"/>
@@ -592,14 +604,14 @@
           <a:effectLst/>
           <a:extLst>
             <a:ext uri="{909E8E84-426E-40dd-AFC4-6F175D3DCCD1}">
-              <a14:hiddenFill xmlns:a14="http://schemas.microsoft.com/office/drawing/2010/main" xmlns="">
+              <a14:hiddenFill xmlns="" xmlns:a14="http://schemas.microsoft.com/office/drawing/2010/main">
                 <a:solidFill>
                   <a:schemeClr val="accent1"/>
                 </a:solidFill>
               </a14:hiddenFill>
             </a:ext>
             <a:ext uri="{91240B29-F687-4f45-9708-019B960494DF}">
-              <a14:hiddenLine xmlns:a14="http://schemas.microsoft.com/office/drawing/2010/main" xmlns="" w="9525">
+              <a14:hiddenLine xmlns="" xmlns:a14="http://schemas.microsoft.com/office/drawing/2010/main" w="9525">
                 <a:solidFill>
                   <a:schemeClr val="tx1"/>
                 </a:solidFill>
@@ -609,7 +621,7 @@
               </a14:hiddenLine>
             </a:ext>
             <a:ext uri="{AF507438-7753-43e0-B8FC-AC1667EBCBE1}">
-              <a14:hiddenEffects xmlns:a14="http://schemas.microsoft.com/office/drawing/2010/main" xmlns="">
+              <a14:hiddenEffects xmlns="" xmlns:a14="http://schemas.microsoft.com/office/drawing/2010/main">
                 <a:effectLst>
                   <a:outerShdw dist="35921" dir="2700000" algn="ctr" rotWithShape="0">
                     <a:schemeClr val="bg2"/>
@@ -660,14 +672,14 @@
           <a:effectLst/>
           <a:extLst>
             <a:ext uri="{909E8E84-426E-40dd-AFC4-6F175D3DCCD1}">
-              <a14:hiddenFill xmlns:a14="http://schemas.microsoft.com/office/drawing/2010/main" xmlns="">
+              <a14:hiddenFill xmlns="" xmlns:a14="http://schemas.microsoft.com/office/drawing/2010/main">
                 <a:solidFill>
                   <a:schemeClr val="accent1"/>
                 </a:solidFill>
               </a14:hiddenFill>
             </a:ext>
             <a:ext uri="{91240B29-F687-4f45-9708-019B960494DF}">
-              <a14:hiddenLine xmlns:a14="http://schemas.microsoft.com/office/drawing/2010/main" xmlns="" w="9525">
+              <a14:hiddenLine xmlns="" xmlns:a14="http://schemas.microsoft.com/office/drawing/2010/main" w="9525">
                 <a:solidFill>
                   <a:schemeClr val="tx1"/>
                 </a:solidFill>
@@ -677,7 +689,7 @@
               </a14:hiddenLine>
             </a:ext>
             <a:ext uri="{AF507438-7753-43e0-B8FC-AC1667EBCBE1}">
-              <a14:hiddenEffects xmlns:a14="http://schemas.microsoft.com/office/drawing/2010/main" xmlns="">
+              <a14:hiddenEffects xmlns="" xmlns:a14="http://schemas.microsoft.com/office/drawing/2010/main">
                 <a:effectLst>
                   <a:outerShdw dist="35921" dir="2700000" algn="ctr" rotWithShape="0">
                     <a:schemeClr val="bg2"/>
@@ -733,7 +745,7 @@
           <a:effectLst/>
           <a:extLst>
             <a:ext uri="{AF507438-7753-43e0-B8FC-AC1667EBCBE1}">
-              <a14:hiddenEffects xmlns:a14="http://schemas.microsoft.com/office/drawing/2010/main" xmlns="">
+              <a14:hiddenEffects xmlns="" xmlns:a14="http://schemas.microsoft.com/office/drawing/2010/main">
                 <a:effectLst>
                   <a:outerShdw dist="35921" dir="2700000" algn="ctr" rotWithShape="0">
                     <a:srgbClr val="808080"/>
@@ -742,7 +754,7 @@
               </a14:hiddenEffects>
             </a:ext>
             <a:ext uri="{53640926-AAD7-44d8-BBD7-CCE9431645EC}">
-              <a14:shadowObscured xmlns:a14="http://schemas.microsoft.com/office/drawing/2010/main" xmlns="" val="1"/>
+              <a14:shadowObscured xmlns="" xmlns:a14="http://schemas.microsoft.com/office/drawing/2010/main" val="1"/>
             </a:ext>
           </a:extLst>
         </p:spPr>
@@ -772,14 +784,14 @@
           <a:effectLst/>
           <a:extLst>
             <a:ext uri="{909E8E84-426E-40dd-AFC4-6F175D3DCCD1}">
-              <a14:hiddenFill xmlns:a14="http://schemas.microsoft.com/office/drawing/2010/main" xmlns="">
+              <a14:hiddenFill xmlns="" xmlns:a14="http://schemas.microsoft.com/office/drawing/2010/main">
                 <a:solidFill>
                   <a:schemeClr val="accent1"/>
                 </a:solidFill>
               </a14:hiddenFill>
             </a:ext>
             <a:ext uri="{91240B29-F687-4f45-9708-019B960494DF}">
-              <a14:hiddenLine xmlns:a14="http://schemas.microsoft.com/office/drawing/2010/main" xmlns="" w="9525">
+              <a14:hiddenLine xmlns="" xmlns:a14="http://schemas.microsoft.com/office/drawing/2010/main" w="9525">
                 <a:solidFill>
                   <a:schemeClr val="tx1"/>
                 </a:solidFill>
@@ -789,7 +801,7 @@
               </a14:hiddenLine>
             </a:ext>
             <a:ext uri="{AF507438-7753-43e0-B8FC-AC1667EBCBE1}">
-              <a14:hiddenEffects xmlns:a14="http://schemas.microsoft.com/office/drawing/2010/main" xmlns="">
+              <a14:hiddenEffects xmlns="" xmlns:a14="http://schemas.microsoft.com/office/drawing/2010/main">
                 <a:effectLst>
                   <a:outerShdw dist="35921" dir="2700000" algn="ctr" rotWithShape="0">
                     <a:schemeClr val="bg2"/>
@@ -868,14 +880,14 @@
           <a:effectLst/>
           <a:extLst>
             <a:ext uri="{909E8E84-426E-40dd-AFC4-6F175D3DCCD1}">
-              <a14:hiddenFill xmlns:a14="http://schemas.microsoft.com/office/drawing/2010/main" xmlns="">
+              <a14:hiddenFill xmlns="" xmlns:a14="http://schemas.microsoft.com/office/drawing/2010/main">
                 <a:solidFill>
                   <a:schemeClr val="accent1"/>
                 </a:solidFill>
               </a14:hiddenFill>
             </a:ext>
             <a:ext uri="{91240B29-F687-4f45-9708-019B960494DF}">
-              <a14:hiddenLine xmlns:a14="http://schemas.microsoft.com/office/drawing/2010/main" xmlns="" w="9525">
+              <a14:hiddenLine xmlns="" xmlns:a14="http://schemas.microsoft.com/office/drawing/2010/main" w="9525">
                 <a:solidFill>
                   <a:schemeClr val="tx1"/>
                 </a:solidFill>
@@ -885,7 +897,7 @@
               </a14:hiddenLine>
             </a:ext>
             <a:ext uri="{AF507438-7753-43e0-B8FC-AC1667EBCBE1}">
-              <a14:hiddenEffects xmlns:a14="http://schemas.microsoft.com/office/drawing/2010/main" xmlns="">
+              <a14:hiddenEffects xmlns="" xmlns:a14="http://schemas.microsoft.com/office/drawing/2010/main">
                 <a:effectLst>
                   <a:outerShdw dist="35921" dir="2700000" algn="ctr" rotWithShape="0">
                     <a:schemeClr val="bg2"/>
@@ -936,14 +948,14 @@
           <a:effectLst/>
           <a:extLst>
             <a:ext uri="{909E8E84-426E-40dd-AFC4-6F175D3DCCD1}">
-              <a14:hiddenFill xmlns:a14="http://schemas.microsoft.com/office/drawing/2010/main" xmlns="">
+              <a14:hiddenFill xmlns="" xmlns:a14="http://schemas.microsoft.com/office/drawing/2010/main">
                 <a:solidFill>
                   <a:schemeClr val="accent1"/>
                 </a:solidFill>
               </a14:hiddenFill>
             </a:ext>
             <a:ext uri="{91240B29-F687-4f45-9708-019B960494DF}">
-              <a14:hiddenLine xmlns:a14="http://schemas.microsoft.com/office/drawing/2010/main" xmlns="" w="9525">
+              <a14:hiddenLine xmlns="" xmlns:a14="http://schemas.microsoft.com/office/drawing/2010/main" w="9525">
                 <a:solidFill>
                   <a:schemeClr val="tx1"/>
                 </a:solidFill>
@@ -953,7 +965,7 @@
               </a14:hiddenLine>
             </a:ext>
             <a:ext uri="{AF507438-7753-43e0-B8FC-AC1667EBCBE1}">
-              <a14:hiddenEffects xmlns:a14="http://schemas.microsoft.com/office/drawing/2010/main" xmlns="">
+              <a14:hiddenEffects xmlns="" xmlns:a14="http://schemas.microsoft.com/office/drawing/2010/main">
                 <a:effectLst>
                   <a:outerShdw dist="35921" dir="2700000" algn="ctr" rotWithShape="0">
                     <a:schemeClr val="bg2"/>
@@ -1349,11 +1361,11 @@
           <a:p>
             <a:r>
               <a:rPr lang="en-GB" dirty="0" smtClean="0"/>
-              <a:t>Low</a:t>
+              <a:t>From</a:t>
             </a:r>
             <a:r>
               <a:rPr lang="en-GB" baseline="0" dirty="0" smtClean="0"/>
-              <a:t> resolution</a:t>
+              <a:t> the theory of compressed sensing</a:t>
             </a:r>
             <a:endParaRPr lang="en-GB" dirty="0"/>
           </a:p>
@@ -1377,7 +1389,100 @@
             <a:fld id="{058061DB-DF71-4765-99A4-14E22DF63CCF}" type="slidenum">
               <a:rPr lang="de-CH" smtClean="0"/>
               <a:pPr/>
-              <a:t>16</a:t>
+              <a:t>5</a:t>
+            </a:fld>
+            <a:endParaRPr lang="de-CH"/>
+          </a:p>
+        </p:txBody>
+      </p:sp>
+    </p:spTree>
+    <p:extLst>
+      <p:ext uri="{BB962C8B-B14F-4D97-AF65-F5344CB8AC3E}">
+        <p14:creationId xmlns:p14="http://schemas.microsoft.com/office/powerpoint/2010/main" val="1084401195"/>
+      </p:ext>
+    </p:extLst>
+  </p:cSld>
+  <p:clrMapOvr>
+    <a:masterClrMapping/>
+  </p:clrMapOvr>
+</p:notes>
+</file>
+
+<file path=ppt/notesSlides/notesSlide4.xml><?xml version="1.0" encoding="utf-8"?>
+<p:notes xmlns:a="http://schemas.openxmlformats.org/drawingml/2006/main" xmlns:r="http://schemas.openxmlformats.org/officeDocument/2006/relationships" xmlns:p="http://schemas.openxmlformats.org/presentationml/2006/main">
+  <p:cSld>
+    <p:spTree>
+      <p:nvGrpSpPr>
+        <p:cNvPr id="1" name=""/>
+        <p:cNvGrpSpPr/>
+        <p:nvPr/>
+      </p:nvGrpSpPr>
+      <p:grpSpPr>
+        <a:xfrm>
+          <a:off x="0" y="0"/>
+          <a:ext cx="0" cy="0"/>
+          <a:chOff x="0" y="0"/>
+          <a:chExt cx="0" cy="0"/>
+        </a:xfrm>
+      </p:grpSpPr>
+      <p:sp>
+        <p:nvSpPr>
+          <p:cNvPr id="2" name="Folienbildplatzhalter 1"/>
+          <p:cNvSpPr>
+            <a:spLocks noGrp="1" noRot="1" noChangeAspect="1"/>
+          </p:cNvSpPr>
+          <p:nvPr>
+            <p:ph type="sldImg"/>
+          </p:nvPr>
+        </p:nvSpPr>
+        <p:spPr/>
+      </p:sp>
+      <p:sp>
+        <p:nvSpPr>
+          <p:cNvPr id="3" name="Notizenplatzhalter 2"/>
+          <p:cNvSpPr>
+            <a:spLocks noGrp="1"/>
+          </p:cNvSpPr>
+          <p:nvPr>
+            <p:ph type="body" idx="1"/>
+          </p:nvPr>
+        </p:nvSpPr>
+        <p:spPr/>
+        <p:txBody>
+          <a:bodyPr/>
+          <a:lstStyle/>
+          <a:p>
+            <a:r>
+              <a:rPr lang="en-GB" dirty="0" smtClean="0"/>
+              <a:t>Low</a:t>
+            </a:r>
+            <a:r>
+              <a:rPr lang="en-GB" baseline="0" dirty="0" smtClean="0"/>
+              <a:t> resolution</a:t>
+            </a:r>
+            <a:endParaRPr lang="en-GB" dirty="0"/>
+          </a:p>
+        </p:txBody>
+      </p:sp>
+      <p:sp>
+        <p:nvSpPr>
+          <p:cNvPr id="4" name="Foliennummernplatzhalter 3"/>
+          <p:cNvSpPr>
+            <a:spLocks noGrp="1"/>
+          </p:cNvSpPr>
+          <p:nvPr>
+            <p:ph type="sldNum" sz="quarter" idx="10"/>
+          </p:nvPr>
+        </p:nvSpPr>
+        <p:spPr/>
+        <p:txBody>
+          <a:bodyPr/>
+          <a:lstStyle/>
+          <a:p>
+            <a:fld id="{058061DB-DF71-4765-99A4-14E22DF63CCF}" type="slidenum">
+              <a:rPr lang="de-CH" smtClean="0"/>
+              <a:pPr/>
+              <a:t>25</a:t>
             </a:fld>
             <a:endParaRPr lang="de-CH"/>
           </a:p>
@@ -1435,14 +1540,14 @@
           <a:ln/>
           <a:extLst>
             <a:ext uri="{909E8E84-426E-40dd-AFC4-6F175D3DCCD1}">
-              <a14:hiddenFill xmlns:a14="http://schemas.microsoft.com/office/drawing/2010/main" xmlns="">
+              <a14:hiddenFill xmlns="" xmlns:a14="http://schemas.microsoft.com/office/drawing/2010/main">
                 <a:solidFill>
                   <a:srgbClr val="FFFFFF"/>
                 </a:solidFill>
               </a14:hiddenFill>
             </a:ext>
             <a:ext uri="{91240B29-F687-4f45-9708-019B960494DF}">
-              <a14:hiddenLine xmlns:a14="http://schemas.microsoft.com/office/drawing/2010/main" xmlns="" w="9525">
+              <a14:hiddenLine xmlns="" xmlns:a14="http://schemas.microsoft.com/office/drawing/2010/main" w="9525">
                 <a:solidFill>
                   <a:srgbClr val="000000"/>
                 </a:solidFill>
@@ -1719,7 +1824,7 @@
                   <a:srgbClr val="000000"/>
                 </a:solidFill>
               </a:rPr>
-              <a:t>11.08.2018</a:t>
+              <a:t>12.08.2018</a:t>
             </a:fld>
             <a:endParaRPr lang="de-CH">
               <a:solidFill>
@@ -1929,7 +2034,7 @@
                   <a:srgbClr val="000000"/>
                 </a:solidFill>
               </a:rPr>
-              <a:t>11.08.2018</a:t>
+              <a:t>12.08.2018</a:t>
             </a:fld>
             <a:endParaRPr lang="de-CH">
               <a:solidFill>
@@ -2137,7 +2242,7 @@
                   <a:srgbClr val="000000"/>
                 </a:solidFill>
               </a:rPr>
-              <a:t>11.08.2018</a:t>
+              <a:t>12.08.2018</a:t>
             </a:fld>
             <a:endParaRPr lang="de-CH">
               <a:solidFill>
@@ -2345,7 +2450,7 @@
                   <a:srgbClr val="000000"/>
                 </a:solidFill>
               </a:rPr>
-              <a:t>11.08.2018</a:t>
+              <a:t>12.08.2018</a:t>
             </a:fld>
             <a:endParaRPr lang="de-CH">
               <a:solidFill>
@@ -2592,14 +2697,14 @@
           <a:effectLst/>
           <a:extLst>
             <a:ext uri="{909E8E84-426E-40dd-AFC4-6F175D3DCCD1}">
-              <a14:hiddenFill xmlns:a14="http://schemas.microsoft.com/office/drawing/2010/main" xmlns="">
+              <a14:hiddenFill xmlns="" xmlns:a14="http://schemas.microsoft.com/office/drawing/2010/main">
                 <a:solidFill>
                   <a:schemeClr val="accent1"/>
                 </a:solidFill>
               </a14:hiddenFill>
             </a:ext>
             <a:ext uri="{91240B29-F687-4f45-9708-019B960494DF}">
-              <a14:hiddenLine xmlns:a14="http://schemas.microsoft.com/office/drawing/2010/main" xmlns="" w="9525">
+              <a14:hiddenLine xmlns="" xmlns:a14="http://schemas.microsoft.com/office/drawing/2010/main" w="9525">
                 <a:solidFill>
                   <a:schemeClr val="tx1"/>
                 </a:solidFill>
@@ -2609,7 +2714,7 @@
               </a14:hiddenLine>
             </a:ext>
             <a:ext uri="{AF507438-7753-43e0-B8FC-AC1667EBCBE1}">
-              <a14:hiddenEffects xmlns:a14="http://schemas.microsoft.com/office/drawing/2010/main" xmlns="">
+              <a14:hiddenEffects xmlns="" xmlns:a14="http://schemas.microsoft.com/office/drawing/2010/main">
                 <a:effectLst>
                   <a:outerShdw dist="35921" dir="2700000" algn="ctr" rotWithShape="0">
                     <a:schemeClr val="bg2"/>
@@ -2660,14 +2765,14 @@
           <a:effectLst/>
           <a:extLst>
             <a:ext uri="{909E8E84-426E-40dd-AFC4-6F175D3DCCD1}">
-              <a14:hiddenFill xmlns:a14="http://schemas.microsoft.com/office/drawing/2010/main" xmlns="">
+              <a14:hiddenFill xmlns="" xmlns:a14="http://schemas.microsoft.com/office/drawing/2010/main">
                 <a:solidFill>
                   <a:schemeClr val="accent1"/>
                 </a:solidFill>
               </a14:hiddenFill>
             </a:ext>
             <a:ext uri="{91240B29-F687-4f45-9708-019B960494DF}">
-              <a14:hiddenLine xmlns:a14="http://schemas.microsoft.com/office/drawing/2010/main" xmlns="" w="9525">
+              <a14:hiddenLine xmlns="" xmlns:a14="http://schemas.microsoft.com/office/drawing/2010/main" w="9525">
                 <a:solidFill>
                   <a:schemeClr val="tx1"/>
                 </a:solidFill>
@@ -2677,7 +2782,7 @@
               </a14:hiddenLine>
             </a:ext>
             <a:ext uri="{AF507438-7753-43e0-B8FC-AC1667EBCBE1}">
-              <a14:hiddenEffects xmlns:a14="http://schemas.microsoft.com/office/drawing/2010/main" xmlns="">
+              <a14:hiddenEffects xmlns="" xmlns:a14="http://schemas.microsoft.com/office/drawing/2010/main">
                 <a:effectLst>
                   <a:outerShdw dist="35921" dir="2700000" algn="ctr" rotWithShape="0">
                     <a:schemeClr val="bg2"/>
@@ -2756,14 +2861,14 @@
           <a:effectLst/>
           <a:extLst>
             <a:ext uri="{909E8E84-426E-40dd-AFC4-6F175D3DCCD1}">
-              <a14:hiddenFill xmlns:a14="http://schemas.microsoft.com/office/drawing/2010/main" xmlns="">
+              <a14:hiddenFill xmlns="" xmlns:a14="http://schemas.microsoft.com/office/drawing/2010/main">
                 <a:solidFill>
                   <a:schemeClr val="accent1"/>
                 </a:solidFill>
               </a14:hiddenFill>
             </a:ext>
             <a:ext uri="{91240B29-F687-4f45-9708-019B960494DF}">
-              <a14:hiddenLine xmlns:a14="http://schemas.microsoft.com/office/drawing/2010/main" xmlns="" w="9525">
+              <a14:hiddenLine xmlns="" xmlns:a14="http://schemas.microsoft.com/office/drawing/2010/main" w="9525">
                 <a:solidFill>
                   <a:schemeClr val="tx1"/>
                 </a:solidFill>
@@ -2773,7 +2878,7 @@
               </a14:hiddenLine>
             </a:ext>
             <a:ext uri="{AF507438-7753-43e0-B8FC-AC1667EBCBE1}">
-              <a14:hiddenEffects xmlns:a14="http://schemas.microsoft.com/office/drawing/2010/main" xmlns="">
+              <a14:hiddenEffects xmlns="" xmlns:a14="http://schemas.microsoft.com/office/drawing/2010/main">
                 <a:effectLst>
                   <a:outerShdw dist="35921" dir="2700000" algn="ctr" rotWithShape="0">
                     <a:schemeClr val="bg2"/>
@@ -2801,7 +2906,7 @@
                   <a:srgbClr val="000000"/>
                 </a:solidFill>
               </a:rPr>
-              <a:t>11.08.2018</a:t>
+              <a:t>12.08.2018</a:t>
             </a:fld>
             <a:endParaRPr lang="de-CH">
               <a:solidFill>
@@ -2836,14 +2941,14 @@
           <a:effectLst/>
           <a:extLst>
             <a:ext uri="{909E8E84-426E-40dd-AFC4-6F175D3DCCD1}">
-              <a14:hiddenFill xmlns:a14="http://schemas.microsoft.com/office/drawing/2010/main" xmlns="">
+              <a14:hiddenFill xmlns="" xmlns:a14="http://schemas.microsoft.com/office/drawing/2010/main">
                 <a:solidFill>
                   <a:schemeClr val="accent1"/>
                 </a:solidFill>
               </a14:hiddenFill>
             </a:ext>
             <a:ext uri="{91240B29-F687-4f45-9708-019B960494DF}">
-              <a14:hiddenLine xmlns:a14="http://schemas.microsoft.com/office/drawing/2010/main" xmlns="" w="9525">
+              <a14:hiddenLine xmlns="" xmlns:a14="http://schemas.microsoft.com/office/drawing/2010/main" w="9525">
                 <a:solidFill>
                   <a:schemeClr val="tx1"/>
                 </a:solidFill>
@@ -2853,7 +2958,7 @@
               </a14:hiddenLine>
             </a:ext>
             <a:ext uri="{AF507438-7753-43e0-B8FC-AC1667EBCBE1}">
-              <a14:hiddenEffects xmlns:a14="http://schemas.microsoft.com/office/drawing/2010/main" xmlns="">
+              <a14:hiddenEffects xmlns="" xmlns:a14="http://schemas.microsoft.com/office/drawing/2010/main">
                 <a:effectLst>
                   <a:outerShdw dist="35921" dir="2700000" algn="ctr" rotWithShape="0">
                     <a:schemeClr val="bg2"/>
@@ -2916,14 +3021,14 @@
           <a:effectLst/>
           <a:extLst>
             <a:ext uri="{909E8E84-426E-40dd-AFC4-6F175D3DCCD1}">
-              <a14:hiddenFill xmlns:a14="http://schemas.microsoft.com/office/drawing/2010/main" xmlns="">
+              <a14:hiddenFill xmlns="" xmlns:a14="http://schemas.microsoft.com/office/drawing/2010/main">
                 <a:solidFill>
                   <a:schemeClr val="accent1"/>
                 </a:solidFill>
               </a14:hiddenFill>
             </a:ext>
             <a:ext uri="{91240B29-F687-4f45-9708-019B960494DF}">
-              <a14:hiddenLine xmlns:a14="http://schemas.microsoft.com/office/drawing/2010/main" xmlns="" w="9525">
+              <a14:hiddenLine xmlns="" xmlns:a14="http://schemas.microsoft.com/office/drawing/2010/main" w="9525">
                 <a:solidFill>
                   <a:schemeClr val="tx1"/>
                 </a:solidFill>
@@ -2933,7 +3038,7 @@
               </a14:hiddenLine>
             </a:ext>
             <a:ext uri="{AF507438-7753-43e0-B8FC-AC1667EBCBE1}">
-              <a14:hiddenEffects xmlns:a14="http://schemas.microsoft.com/office/drawing/2010/main" xmlns="">
+              <a14:hiddenEffects xmlns="" xmlns:a14="http://schemas.microsoft.com/office/drawing/2010/main">
                 <a:effectLst>
                   <a:outerShdw dist="35921" dir="2700000" algn="ctr" rotWithShape="0">
                     <a:schemeClr val="bg2"/>
@@ -3000,12 +3105,12 @@
           <a:effectLst/>
           <a:extLst>
             <a:ext uri="{909E8E84-426E-40dd-AFC4-6F175D3DCCD1}">
-              <a14:hiddenFill xmlns:a14="http://schemas.microsoft.com/office/drawing/2010/main" xmlns="">
+              <a14:hiddenFill xmlns="" xmlns:a14="http://schemas.microsoft.com/office/drawing/2010/main">
                 <a:noFill/>
               </a14:hiddenFill>
             </a:ext>
             <a:ext uri="{AF507438-7753-43e0-B8FC-AC1667EBCBE1}">
-              <a14:hiddenEffects xmlns:a14="http://schemas.microsoft.com/office/drawing/2010/main" xmlns="">
+              <a14:hiddenEffects xmlns="" xmlns:a14="http://schemas.microsoft.com/office/drawing/2010/main">
                 <a:effectLst>
                   <a:outerShdw dist="35921" dir="2700000" algn="ctr" rotWithShape="0">
                     <a:schemeClr val="bg2"/>
@@ -3669,6 +3774,66 @@
           <a:chExt cx="0" cy="0"/>
         </a:xfrm>
       </p:grpSpPr>
+      <p:pic>
+        <p:nvPicPr>
+          <p:cNvPr id="14" name="Grafik 13"/>
+          <p:cNvPicPr>
+            <a:picLocks noChangeAspect="1"/>
+          </p:cNvPicPr>
+          <p:nvPr/>
+        </p:nvPicPr>
+        <p:blipFill>
+          <a:blip r:embed="rId2" cstate="print">
+            <a:extLst>
+              <a:ext uri="{28A0092B-C50C-407E-A947-70E740481C1C}">
+                <a14:useLocalDpi xmlns:a14="http://schemas.microsoft.com/office/drawing/2010/main" val="0"/>
+              </a:ext>
+            </a:extLst>
+          </a:blip>
+          <a:stretch>
+            <a:fillRect/>
+          </a:stretch>
+        </p:blipFill>
+        <p:spPr>
+          <a:xfrm>
+            <a:off x="4986660" y="3219375"/>
+            <a:ext cx="3657600" cy="3657600"/>
+          </a:xfrm>
+          <a:prstGeom prst="rect">
+            <a:avLst/>
+          </a:prstGeom>
+        </p:spPr>
+      </p:pic>
+      <p:pic>
+        <p:nvPicPr>
+          <p:cNvPr id="13" name="Grafik 12"/>
+          <p:cNvPicPr>
+            <a:picLocks noChangeAspect="1"/>
+          </p:cNvPicPr>
+          <p:nvPr/>
+        </p:nvPicPr>
+        <p:blipFill>
+          <a:blip r:embed="rId3" cstate="print">
+            <a:extLst>
+              <a:ext uri="{28A0092B-C50C-407E-A947-70E740481C1C}">
+                <a14:useLocalDpi xmlns:a14="http://schemas.microsoft.com/office/drawing/2010/main" val="0"/>
+              </a:ext>
+            </a:extLst>
+          </a:blip>
+          <a:stretch>
+            <a:fillRect/>
+          </a:stretch>
+        </p:blipFill>
+        <p:spPr>
+          <a:xfrm>
+            <a:off x="1401068" y="3219375"/>
+            <a:ext cx="3657600" cy="3657600"/>
+          </a:xfrm>
+          <a:prstGeom prst="rect">
+            <a:avLst/>
+          </a:prstGeom>
+        </p:spPr>
+      </p:pic>
       <p:sp>
         <p:nvSpPr>
           <p:cNvPr id="2" name="Datumsplatzhalter 1"/>
@@ -3690,7 +3855,7 @@
                   <a:srgbClr val="000000"/>
                 </a:solidFill>
               </a:rPr>
-              <a:t>11.08.2018</a:t>
+              <a:t>12.08.2018</a:t>
             </a:fld>
             <a:endParaRPr lang="de-CH">
               <a:solidFill>
@@ -3754,6 +3919,2037 @@
               </a:rPr>
               <a:pPr/>
               <a:t>10</a:t>
+            </a:fld>
+            <a:endParaRPr lang="de-CH">
+              <a:solidFill>
+                <a:srgbClr val="000000"/>
+              </a:solidFill>
+            </a:endParaRPr>
+          </a:p>
+        </p:txBody>
+      </p:sp>
+      <p:sp>
+        <p:nvSpPr>
+          <p:cNvPr id="5" name="Titel 4"/>
+          <p:cNvSpPr>
+            <a:spLocks noGrp="1"/>
+          </p:cNvSpPr>
+          <p:nvPr>
+            <p:ph type="title"/>
+          </p:nvPr>
+        </p:nvSpPr>
+        <p:spPr/>
+        <p:txBody>
+          <a:bodyPr/>
+          <a:lstStyle/>
+          <a:p>
+            <a:r>
+              <a:rPr lang="en-GB" dirty="0" smtClean="0"/>
+              <a:t>CLEAN, Iteration 3</a:t>
+            </a:r>
+            <a:endParaRPr lang="en-GB" dirty="0"/>
+          </a:p>
+        </p:txBody>
+      </p:sp>
+      <p:sp>
+        <p:nvSpPr>
+          <p:cNvPr id="6" name="Textplatzhalter 5"/>
+          <p:cNvSpPr>
+            <a:spLocks noGrp="1"/>
+          </p:cNvSpPr>
+          <p:nvPr>
+            <p:ph type="body" idx="1"/>
+          </p:nvPr>
+        </p:nvSpPr>
+        <p:spPr/>
+        <p:txBody>
+          <a:bodyPr/>
+          <a:lstStyle/>
+          <a:p>
+            <a:endParaRPr lang="en-GB" dirty="0"/>
+          </a:p>
+        </p:txBody>
+      </p:sp>
+      <p:pic>
+        <p:nvPicPr>
+          <p:cNvPr id="7" name="Grafik 6"/>
+          <p:cNvPicPr>
+            <a:picLocks noChangeAspect="1"/>
+          </p:cNvPicPr>
+          <p:nvPr/>
+        </p:nvPicPr>
+        <p:blipFill>
+          <a:blip r:embed="rId4" cstate="print">
+            <a:extLst>
+              <a:ext uri="{28A0092B-C50C-407E-A947-70E740481C1C}">
+                <a14:useLocalDpi xmlns:a14="http://schemas.microsoft.com/office/drawing/2010/main" val="0"/>
+              </a:ext>
+            </a:extLst>
+          </a:blip>
+          <a:stretch>
+            <a:fillRect/>
+          </a:stretch>
+        </p:blipFill>
+        <p:spPr>
+          <a:xfrm>
+            <a:off x="7280692" y="-37093"/>
+            <a:ext cx="3310648" cy="3310648"/>
+          </a:xfrm>
+          <a:prstGeom prst="rect">
+            <a:avLst/>
+          </a:prstGeom>
+        </p:spPr>
+      </p:pic>
+      <p:sp>
+        <p:nvSpPr>
+          <p:cNvPr id="10" name="Textfeld 9"/>
+          <p:cNvSpPr txBox="1"/>
+          <p:nvPr/>
+        </p:nvSpPr>
+        <p:spPr>
+          <a:xfrm>
+            <a:off x="1658510" y="3064089"/>
+            <a:ext cx="1560043" cy="415498"/>
+          </a:xfrm>
+          <a:prstGeom prst="rect">
+            <a:avLst/>
+          </a:prstGeom>
+          <a:noFill/>
+        </p:spPr>
+        <p:txBody>
+          <a:bodyPr wrap="none" rtlCol="0">
+            <a:spAutoFit/>
+          </a:bodyPr>
+          <a:lstStyle/>
+          <a:p>
+            <a:r>
+              <a:rPr lang="en-GB" dirty="0" smtClean="0"/>
+              <a:t>Dirty Image</a:t>
+            </a:r>
+            <a:endParaRPr lang="en-GB" dirty="0"/>
+          </a:p>
+        </p:txBody>
+      </p:sp>
+      <p:sp>
+        <p:nvSpPr>
+          <p:cNvPr id="11" name="Textfeld 10"/>
+          <p:cNvSpPr txBox="1"/>
+          <p:nvPr/>
+        </p:nvSpPr>
+        <p:spPr>
+          <a:xfrm>
+            <a:off x="5138177" y="3064089"/>
+            <a:ext cx="1737976" cy="415498"/>
+          </a:xfrm>
+          <a:prstGeom prst="rect">
+            <a:avLst/>
+          </a:prstGeom>
+          <a:noFill/>
+        </p:spPr>
+        <p:txBody>
+          <a:bodyPr wrap="none" rtlCol="0">
+            <a:spAutoFit/>
+          </a:bodyPr>
+          <a:lstStyle/>
+          <a:p>
+            <a:r>
+              <a:rPr lang="en-GB" dirty="0" smtClean="0"/>
+              <a:t>Model Image</a:t>
+            </a:r>
+            <a:endParaRPr lang="en-GB" dirty="0"/>
+          </a:p>
+        </p:txBody>
+      </p:sp>
+      <p:pic>
+        <p:nvPicPr>
+          <p:cNvPr id="12" name="Grafik 11"/>
+          <p:cNvPicPr>
+            <a:picLocks noChangeAspect="1"/>
+          </p:cNvPicPr>
+          <p:nvPr/>
+        </p:nvPicPr>
+        <p:blipFill>
+          <a:blip r:embed="rId4" cstate="print">
+            <a:extLst>
+              <a:ext uri="{28A0092B-C50C-407E-A947-70E740481C1C}">
+                <a14:useLocalDpi xmlns:a14="http://schemas.microsoft.com/office/drawing/2010/main" val="0"/>
+              </a:ext>
+            </a:extLst>
+          </a:blip>
+          <a:stretch>
+            <a:fillRect/>
+          </a:stretch>
+        </p:blipFill>
+        <p:spPr>
+          <a:xfrm>
+            <a:off x="7433092" y="-35793"/>
+            <a:ext cx="3310648" cy="3310648"/>
+          </a:xfrm>
+          <a:prstGeom prst="rect">
+            <a:avLst/>
+          </a:prstGeom>
+        </p:spPr>
+      </p:pic>
+    </p:spTree>
+    <p:extLst>
+      <p:ext uri="{BB962C8B-B14F-4D97-AF65-F5344CB8AC3E}">
+        <p14:creationId xmlns:p14="http://schemas.microsoft.com/office/powerpoint/2010/main" val="545085356"/>
+      </p:ext>
+    </p:extLst>
+  </p:cSld>
+  <p:clrMapOvr>
+    <a:masterClrMapping/>
+  </p:clrMapOvr>
+</p:sld>
+</file>
+
+<file path=ppt/slides/slide11.xml><?xml version="1.0" encoding="utf-8"?>
+<p:sld xmlns:a="http://schemas.openxmlformats.org/drawingml/2006/main" xmlns:r="http://schemas.openxmlformats.org/officeDocument/2006/relationships" xmlns:p="http://schemas.openxmlformats.org/presentationml/2006/main">
+  <p:cSld>
+    <p:spTree>
+      <p:nvGrpSpPr>
+        <p:cNvPr id="1" name=""/>
+        <p:cNvGrpSpPr/>
+        <p:nvPr/>
+      </p:nvGrpSpPr>
+      <p:grpSpPr>
+        <a:xfrm>
+          <a:off x="0" y="0"/>
+          <a:ext cx="0" cy="0"/>
+          <a:chOff x="0" y="0"/>
+          <a:chExt cx="0" cy="0"/>
+        </a:xfrm>
+      </p:grpSpPr>
+      <p:pic>
+        <p:nvPicPr>
+          <p:cNvPr id="14" name="Grafik 13"/>
+          <p:cNvPicPr>
+            <a:picLocks noChangeAspect="1"/>
+          </p:cNvPicPr>
+          <p:nvPr/>
+        </p:nvPicPr>
+        <p:blipFill>
+          <a:blip r:embed="rId2" cstate="print">
+            <a:extLst>
+              <a:ext uri="{28A0092B-C50C-407E-A947-70E740481C1C}">
+                <a14:useLocalDpi xmlns:a14="http://schemas.microsoft.com/office/drawing/2010/main" val="0"/>
+              </a:ext>
+            </a:extLst>
+          </a:blip>
+          <a:stretch>
+            <a:fillRect/>
+          </a:stretch>
+        </p:blipFill>
+        <p:spPr>
+          <a:xfrm>
+            <a:off x="4986660" y="3219375"/>
+            <a:ext cx="3657600" cy="3657600"/>
+          </a:xfrm>
+          <a:prstGeom prst="rect">
+            <a:avLst/>
+          </a:prstGeom>
+        </p:spPr>
+      </p:pic>
+      <p:pic>
+        <p:nvPicPr>
+          <p:cNvPr id="13" name="Grafik 12"/>
+          <p:cNvPicPr>
+            <a:picLocks noChangeAspect="1"/>
+          </p:cNvPicPr>
+          <p:nvPr/>
+        </p:nvPicPr>
+        <p:blipFill>
+          <a:blip r:embed="rId3" cstate="print">
+            <a:extLst>
+              <a:ext uri="{28A0092B-C50C-407E-A947-70E740481C1C}">
+                <a14:useLocalDpi xmlns:a14="http://schemas.microsoft.com/office/drawing/2010/main" val="0"/>
+              </a:ext>
+            </a:extLst>
+          </a:blip>
+          <a:stretch>
+            <a:fillRect/>
+          </a:stretch>
+        </p:blipFill>
+        <p:spPr>
+          <a:xfrm>
+            <a:off x="1401068" y="3219375"/>
+            <a:ext cx="3657600" cy="3657600"/>
+          </a:xfrm>
+          <a:prstGeom prst="rect">
+            <a:avLst/>
+          </a:prstGeom>
+        </p:spPr>
+      </p:pic>
+      <p:sp>
+        <p:nvSpPr>
+          <p:cNvPr id="2" name="Datumsplatzhalter 1"/>
+          <p:cNvSpPr>
+            <a:spLocks noGrp="1"/>
+          </p:cNvSpPr>
+          <p:nvPr>
+            <p:ph type="dt" sz="half" idx="10"/>
+          </p:nvPr>
+        </p:nvSpPr>
+        <p:spPr/>
+        <p:txBody>
+          <a:bodyPr/>
+          <a:lstStyle/>
+          <a:p>
+            <a:fld id="{5E48492E-72D1-4785-9351-8AE1E40FBA2D}" type="datetime1">
+              <a:rPr lang="de-CH" smtClean="0">
+                <a:solidFill>
+                  <a:srgbClr val="000000"/>
+                </a:solidFill>
+              </a:rPr>
+              <a:t>12.08.2018</a:t>
+            </a:fld>
+            <a:endParaRPr lang="de-CH">
+              <a:solidFill>
+                <a:srgbClr val="000000"/>
+              </a:solidFill>
+            </a:endParaRPr>
+          </a:p>
+        </p:txBody>
+      </p:sp>
+      <p:sp>
+        <p:nvSpPr>
+          <p:cNvPr id="3" name="Fußzeilenplatzhalter 2"/>
+          <p:cNvSpPr>
+            <a:spLocks noGrp="1"/>
+          </p:cNvSpPr>
+          <p:nvPr>
+            <p:ph type="ftr" sz="quarter" idx="11"/>
+          </p:nvPr>
+        </p:nvSpPr>
+        <p:spPr/>
+        <p:txBody>
+          <a:bodyPr/>
+          <a:lstStyle/>
+          <a:p>
+            <a:r>
+              <a:rPr lang="de-CH" dirty="0" smtClean="0">
+                <a:solidFill>
+                  <a:srgbClr val="000000"/>
+                </a:solidFill>
+              </a:rPr>
+              <a:t>Institut i4ds</a:t>
+            </a:r>
+            <a:endParaRPr lang="de-CH" dirty="0">
+              <a:solidFill>
+                <a:srgbClr val="000000"/>
+              </a:solidFill>
+            </a:endParaRPr>
+          </a:p>
+        </p:txBody>
+      </p:sp>
+      <p:sp>
+        <p:nvSpPr>
+          <p:cNvPr id="4" name="Foliennummernplatzhalter 3"/>
+          <p:cNvSpPr>
+            <a:spLocks noGrp="1"/>
+          </p:cNvSpPr>
+          <p:nvPr>
+            <p:ph type="sldNum" sz="quarter" idx="12"/>
+          </p:nvPr>
+        </p:nvSpPr>
+        <p:spPr/>
+        <p:txBody>
+          <a:bodyPr/>
+          <a:lstStyle/>
+          <a:p>
+            <a:fld id="{351188DD-6605-4EF4-9E67-B567F731CE68}" type="slidenum">
+              <a:rPr lang="de-CH" smtClean="0">
+                <a:solidFill>
+                  <a:srgbClr val="000000"/>
+                </a:solidFill>
+              </a:rPr>
+              <a:pPr/>
+              <a:t>11</a:t>
+            </a:fld>
+            <a:endParaRPr lang="de-CH">
+              <a:solidFill>
+                <a:srgbClr val="000000"/>
+              </a:solidFill>
+            </a:endParaRPr>
+          </a:p>
+        </p:txBody>
+      </p:sp>
+      <p:sp>
+        <p:nvSpPr>
+          <p:cNvPr id="5" name="Titel 4"/>
+          <p:cNvSpPr>
+            <a:spLocks noGrp="1"/>
+          </p:cNvSpPr>
+          <p:nvPr>
+            <p:ph type="title"/>
+          </p:nvPr>
+        </p:nvSpPr>
+        <p:spPr/>
+        <p:txBody>
+          <a:bodyPr/>
+          <a:lstStyle/>
+          <a:p>
+            <a:r>
+              <a:rPr lang="en-GB" dirty="0" smtClean="0"/>
+              <a:t>CLEAN, Iteration 4</a:t>
+            </a:r>
+            <a:endParaRPr lang="en-GB" dirty="0"/>
+          </a:p>
+        </p:txBody>
+      </p:sp>
+      <p:sp>
+        <p:nvSpPr>
+          <p:cNvPr id="6" name="Textplatzhalter 5"/>
+          <p:cNvSpPr>
+            <a:spLocks noGrp="1"/>
+          </p:cNvSpPr>
+          <p:nvPr>
+            <p:ph type="body" idx="1"/>
+          </p:nvPr>
+        </p:nvSpPr>
+        <p:spPr/>
+        <p:txBody>
+          <a:bodyPr/>
+          <a:lstStyle/>
+          <a:p>
+            <a:endParaRPr lang="en-GB" dirty="0"/>
+          </a:p>
+        </p:txBody>
+      </p:sp>
+      <p:pic>
+        <p:nvPicPr>
+          <p:cNvPr id="7" name="Grafik 6"/>
+          <p:cNvPicPr>
+            <a:picLocks noChangeAspect="1"/>
+          </p:cNvPicPr>
+          <p:nvPr/>
+        </p:nvPicPr>
+        <p:blipFill>
+          <a:blip r:embed="rId4" cstate="print">
+            <a:extLst>
+              <a:ext uri="{28A0092B-C50C-407E-A947-70E740481C1C}">
+                <a14:useLocalDpi xmlns:a14="http://schemas.microsoft.com/office/drawing/2010/main" val="0"/>
+              </a:ext>
+            </a:extLst>
+          </a:blip>
+          <a:stretch>
+            <a:fillRect/>
+          </a:stretch>
+        </p:blipFill>
+        <p:spPr>
+          <a:xfrm>
+            <a:off x="7280692" y="-37093"/>
+            <a:ext cx="3310648" cy="3310648"/>
+          </a:xfrm>
+          <a:prstGeom prst="rect">
+            <a:avLst/>
+          </a:prstGeom>
+        </p:spPr>
+      </p:pic>
+      <p:sp>
+        <p:nvSpPr>
+          <p:cNvPr id="10" name="Textfeld 9"/>
+          <p:cNvSpPr txBox="1"/>
+          <p:nvPr/>
+        </p:nvSpPr>
+        <p:spPr>
+          <a:xfrm>
+            <a:off x="1658510" y="3064089"/>
+            <a:ext cx="1560043" cy="415498"/>
+          </a:xfrm>
+          <a:prstGeom prst="rect">
+            <a:avLst/>
+          </a:prstGeom>
+          <a:noFill/>
+        </p:spPr>
+        <p:txBody>
+          <a:bodyPr wrap="none" rtlCol="0">
+            <a:spAutoFit/>
+          </a:bodyPr>
+          <a:lstStyle/>
+          <a:p>
+            <a:r>
+              <a:rPr lang="en-GB" dirty="0" smtClean="0"/>
+              <a:t>Dirty Image</a:t>
+            </a:r>
+            <a:endParaRPr lang="en-GB" dirty="0"/>
+          </a:p>
+        </p:txBody>
+      </p:sp>
+      <p:sp>
+        <p:nvSpPr>
+          <p:cNvPr id="11" name="Textfeld 10"/>
+          <p:cNvSpPr txBox="1"/>
+          <p:nvPr/>
+        </p:nvSpPr>
+        <p:spPr>
+          <a:xfrm>
+            <a:off x="5138177" y="3064089"/>
+            <a:ext cx="1737976" cy="415498"/>
+          </a:xfrm>
+          <a:prstGeom prst="rect">
+            <a:avLst/>
+          </a:prstGeom>
+          <a:noFill/>
+        </p:spPr>
+        <p:txBody>
+          <a:bodyPr wrap="none" rtlCol="0">
+            <a:spAutoFit/>
+          </a:bodyPr>
+          <a:lstStyle/>
+          <a:p>
+            <a:r>
+              <a:rPr lang="en-GB" dirty="0" smtClean="0"/>
+              <a:t>Model Image</a:t>
+            </a:r>
+            <a:endParaRPr lang="en-GB" dirty="0"/>
+          </a:p>
+        </p:txBody>
+      </p:sp>
+      <p:pic>
+        <p:nvPicPr>
+          <p:cNvPr id="12" name="Grafik 11"/>
+          <p:cNvPicPr>
+            <a:picLocks noChangeAspect="1"/>
+          </p:cNvPicPr>
+          <p:nvPr/>
+        </p:nvPicPr>
+        <p:blipFill>
+          <a:blip r:embed="rId4" cstate="print">
+            <a:extLst>
+              <a:ext uri="{28A0092B-C50C-407E-A947-70E740481C1C}">
+                <a14:useLocalDpi xmlns:a14="http://schemas.microsoft.com/office/drawing/2010/main" val="0"/>
+              </a:ext>
+            </a:extLst>
+          </a:blip>
+          <a:stretch>
+            <a:fillRect/>
+          </a:stretch>
+        </p:blipFill>
+        <p:spPr>
+          <a:xfrm>
+            <a:off x="7433092" y="-35793"/>
+            <a:ext cx="3310648" cy="3310648"/>
+          </a:xfrm>
+          <a:prstGeom prst="rect">
+            <a:avLst/>
+          </a:prstGeom>
+        </p:spPr>
+      </p:pic>
+    </p:spTree>
+    <p:extLst>
+      <p:ext uri="{BB962C8B-B14F-4D97-AF65-F5344CB8AC3E}">
+        <p14:creationId xmlns:p14="http://schemas.microsoft.com/office/powerpoint/2010/main" val="2188926201"/>
+      </p:ext>
+    </p:extLst>
+  </p:cSld>
+  <p:clrMapOvr>
+    <a:masterClrMapping/>
+  </p:clrMapOvr>
+</p:sld>
+</file>
+
+<file path=ppt/slides/slide12.xml><?xml version="1.0" encoding="utf-8"?>
+<p:sld xmlns:a="http://schemas.openxmlformats.org/drawingml/2006/main" xmlns:r="http://schemas.openxmlformats.org/officeDocument/2006/relationships" xmlns:p="http://schemas.openxmlformats.org/presentationml/2006/main">
+  <p:cSld>
+    <p:spTree>
+      <p:nvGrpSpPr>
+        <p:cNvPr id="1" name=""/>
+        <p:cNvGrpSpPr/>
+        <p:nvPr/>
+      </p:nvGrpSpPr>
+      <p:grpSpPr>
+        <a:xfrm>
+          <a:off x="0" y="0"/>
+          <a:ext cx="0" cy="0"/>
+          <a:chOff x="0" y="0"/>
+          <a:chExt cx="0" cy="0"/>
+        </a:xfrm>
+      </p:grpSpPr>
+      <p:pic>
+        <p:nvPicPr>
+          <p:cNvPr id="14" name="Grafik 13"/>
+          <p:cNvPicPr>
+            <a:picLocks noChangeAspect="1"/>
+          </p:cNvPicPr>
+          <p:nvPr/>
+        </p:nvPicPr>
+        <p:blipFill>
+          <a:blip r:embed="rId2" cstate="print">
+            <a:extLst>
+              <a:ext uri="{28A0092B-C50C-407E-A947-70E740481C1C}">
+                <a14:useLocalDpi xmlns:a14="http://schemas.microsoft.com/office/drawing/2010/main" val="0"/>
+              </a:ext>
+            </a:extLst>
+          </a:blip>
+          <a:stretch>
+            <a:fillRect/>
+          </a:stretch>
+        </p:blipFill>
+        <p:spPr>
+          <a:xfrm>
+            <a:off x="1386260" y="3219375"/>
+            <a:ext cx="3657600" cy="3657600"/>
+          </a:xfrm>
+          <a:prstGeom prst="rect">
+            <a:avLst/>
+          </a:prstGeom>
+        </p:spPr>
+      </p:pic>
+      <p:pic>
+        <p:nvPicPr>
+          <p:cNvPr id="13" name="Grafik 12"/>
+          <p:cNvPicPr>
+            <a:picLocks noChangeAspect="1"/>
+          </p:cNvPicPr>
+          <p:nvPr/>
+        </p:nvPicPr>
+        <p:blipFill>
+          <a:blip r:embed="rId3" cstate="print">
+            <a:extLst>
+              <a:ext uri="{28A0092B-C50C-407E-A947-70E740481C1C}">
+                <a14:useLocalDpi xmlns:a14="http://schemas.microsoft.com/office/drawing/2010/main" val="0"/>
+              </a:ext>
+            </a:extLst>
+          </a:blip>
+          <a:stretch>
+            <a:fillRect/>
+          </a:stretch>
+        </p:blipFill>
+        <p:spPr>
+          <a:xfrm>
+            <a:off x="5001468" y="3219375"/>
+            <a:ext cx="3657600" cy="3657600"/>
+          </a:xfrm>
+          <a:prstGeom prst="rect">
+            <a:avLst/>
+          </a:prstGeom>
+        </p:spPr>
+      </p:pic>
+      <p:sp>
+        <p:nvSpPr>
+          <p:cNvPr id="2" name="Datumsplatzhalter 1"/>
+          <p:cNvSpPr>
+            <a:spLocks noGrp="1"/>
+          </p:cNvSpPr>
+          <p:nvPr>
+            <p:ph type="dt" sz="half" idx="10"/>
+          </p:nvPr>
+        </p:nvSpPr>
+        <p:spPr/>
+        <p:txBody>
+          <a:bodyPr/>
+          <a:lstStyle/>
+          <a:p>
+            <a:fld id="{5E48492E-72D1-4785-9351-8AE1E40FBA2D}" type="datetime1">
+              <a:rPr lang="de-CH" smtClean="0">
+                <a:solidFill>
+                  <a:srgbClr val="000000"/>
+                </a:solidFill>
+              </a:rPr>
+              <a:t>12.08.2018</a:t>
+            </a:fld>
+            <a:endParaRPr lang="de-CH">
+              <a:solidFill>
+                <a:srgbClr val="000000"/>
+              </a:solidFill>
+            </a:endParaRPr>
+          </a:p>
+        </p:txBody>
+      </p:sp>
+      <p:sp>
+        <p:nvSpPr>
+          <p:cNvPr id="3" name="Fußzeilenplatzhalter 2"/>
+          <p:cNvSpPr>
+            <a:spLocks noGrp="1"/>
+          </p:cNvSpPr>
+          <p:nvPr>
+            <p:ph type="ftr" sz="quarter" idx="11"/>
+          </p:nvPr>
+        </p:nvSpPr>
+        <p:spPr/>
+        <p:txBody>
+          <a:bodyPr/>
+          <a:lstStyle/>
+          <a:p>
+            <a:r>
+              <a:rPr lang="de-CH" dirty="0" smtClean="0">
+                <a:solidFill>
+                  <a:srgbClr val="000000"/>
+                </a:solidFill>
+              </a:rPr>
+              <a:t>Institut i4ds</a:t>
+            </a:r>
+            <a:endParaRPr lang="de-CH" dirty="0">
+              <a:solidFill>
+                <a:srgbClr val="000000"/>
+              </a:solidFill>
+            </a:endParaRPr>
+          </a:p>
+        </p:txBody>
+      </p:sp>
+      <p:sp>
+        <p:nvSpPr>
+          <p:cNvPr id="4" name="Foliennummernplatzhalter 3"/>
+          <p:cNvSpPr>
+            <a:spLocks noGrp="1"/>
+          </p:cNvSpPr>
+          <p:nvPr>
+            <p:ph type="sldNum" sz="quarter" idx="12"/>
+          </p:nvPr>
+        </p:nvSpPr>
+        <p:spPr/>
+        <p:txBody>
+          <a:bodyPr/>
+          <a:lstStyle/>
+          <a:p>
+            <a:fld id="{351188DD-6605-4EF4-9E67-B567F731CE68}" type="slidenum">
+              <a:rPr lang="de-CH" smtClean="0">
+                <a:solidFill>
+                  <a:srgbClr val="000000"/>
+                </a:solidFill>
+              </a:rPr>
+              <a:pPr/>
+              <a:t>12</a:t>
+            </a:fld>
+            <a:endParaRPr lang="de-CH">
+              <a:solidFill>
+                <a:srgbClr val="000000"/>
+              </a:solidFill>
+            </a:endParaRPr>
+          </a:p>
+        </p:txBody>
+      </p:sp>
+      <p:sp>
+        <p:nvSpPr>
+          <p:cNvPr id="5" name="Titel 4"/>
+          <p:cNvSpPr>
+            <a:spLocks noGrp="1"/>
+          </p:cNvSpPr>
+          <p:nvPr>
+            <p:ph type="title"/>
+          </p:nvPr>
+        </p:nvSpPr>
+        <p:spPr/>
+        <p:txBody>
+          <a:bodyPr/>
+          <a:lstStyle/>
+          <a:p>
+            <a:r>
+              <a:rPr lang="en-GB" dirty="0" smtClean="0"/>
+              <a:t>CLEAN, Iteration X</a:t>
+            </a:r>
+            <a:endParaRPr lang="en-GB" dirty="0"/>
+          </a:p>
+        </p:txBody>
+      </p:sp>
+      <p:pic>
+        <p:nvPicPr>
+          <p:cNvPr id="7" name="Grafik 6"/>
+          <p:cNvPicPr>
+            <a:picLocks noChangeAspect="1"/>
+          </p:cNvPicPr>
+          <p:nvPr/>
+        </p:nvPicPr>
+        <p:blipFill>
+          <a:blip r:embed="rId4" cstate="print">
+            <a:extLst>
+              <a:ext uri="{28A0092B-C50C-407E-A947-70E740481C1C}">
+                <a14:useLocalDpi xmlns:a14="http://schemas.microsoft.com/office/drawing/2010/main" val="0"/>
+              </a:ext>
+            </a:extLst>
+          </a:blip>
+          <a:stretch>
+            <a:fillRect/>
+          </a:stretch>
+        </p:blipFill>
+        <p:spPr>
+          <a:xfrm>
+            <a:off x="7280692" y="-37093"/>
+            <a:ext cx="3310648" cy="3310648"/>
+          </a:xfrm>
+          <a:prstGeom prst="rect">
+            <a:avLst/>
+          </a:prstGeom>
+        </p:spPr>
+      </p:pic>
+      <p:sp>
+        <p:nvSpPr>
+          <p:cNvPr id="10" name="Textfeld 9"/>
+          <p:cNvSpPr txBox="1"/>
+          <p:nvPr/>
+        </p:nvSpPr>
+        <p:spPr>
+          <a:xfrm>
+            <a:off x="1658510" y="3064089"/>
+            <a:ext cx="1560043" cy="415498"/>
+          </a:xfrm>
+          <a:prstGeom prst="rect">
+            <a:avLst/>
+          </a:prstGeom>
+          <a:noFill/>
+        </p:spPr>
+        <p:txBody>
+          <a:bodyPr wrap="none" rtlCol="0">
+            <a:spAutoFit/>
+          </a:bodyPr>
+          <a:lstStyle/>
+          <a:p>
+            <a:r>
+              <a:rPr lang="en-GB" dirty="0" smtClean="0"/>
+              <a:t>Dirty Image</a:t>
+            </a:r>
+            <a:endParaRPr lang="en-GB" dirty="0"/>
+          </a:p>
+        </p:txBody>
+      </p:sp>
+      <p:sp>
+        <p:nvSpPr>
+          <p:cNvPr id="11" name="Textfeld 10"/>
+          <p:cNvSpPr txBox="1"/>
+          <p:nvPr/>
+        </p:nvSpPr>
+        <p:spPr>
+          <a:xfrm>
+            <a:off x="5138177" y="3064089"/>
+            <a:ext cx="1737976" cy="415498"/>
+          </a:xfrm>
+          <a:prstGeom prst="rect">
+            <a:avLst/>
+          </a:prstGeom>
+          <a:noFill/>
+        </p:spPr>
+        <p:txBody>
+          <a:bodyPr wrap="none" rtlCol="0">
+            <a:spAutoFit/>
+          </a:bodyPr>
+          <a:lstStyle/>
+          <a:p>
+            <a:r>
+              <a:rPr lang="en-GB" dirty="0" smtClean="0"/>
+              <a:t>Model Image</a:t>
+            </a:r>
+            <a:endParaRPr lang="en-GB" dirty="0"/>
+          </a:p>
+        </p:txBody>
+      </p:sp>
+      <p:pic>
+        <p:nvPicPr>
+          <p:cNvPr id="12" name="Grafik 11"/>
+          <p:cNvPicPr>
+            <a:picLocks noChangeAspect="1"/>
+          </p:cNvPicPr>
+          <p:nvPr/>
+        </p:nvPicPr>
+        <p:blipFill>
+          <a:blip r:embed="rId4" cstate="print">
+            <a:extLst>
+              <a:ext uri="{28A0092B-C50C-407E-A947-70E740481C1C}">
+                <a14:useLocalDpi xmlns:a14="http://schemas.microsoft.com/office/drawing/2010/main" val="0"/>
+              </a:ext>
+            </a:extLst>
+          </a:blip>
+          <a:stretch>
+            <a:fillRect/>
+          </a:stretch>
+        </p:blipFill>
+        <p:spPr>
+          <a:xfrm>
+            <a:off x="7433092" y="-35793"/>
+            <a:ext cx="3310648" cy="3310648"/>
+          </a:xfrm>
+          <a:prstGeom prst="rect">
+            <a:avLst/>
+          </a:prstGeom>
+        </p:spPr>
+      </p:pic>
+    </p:spTree>
+    <p:extLst>
+      <p:ext uri="{BB962C8B-B14F-4D97-AF65-F5344CB8AC3E}">
+        <p14:creationId xmlns:p14="http://schemas.microsoft.com/office/powerpoint/2010/main" val="3585189221"/>
+      </p:ext>
+    </p:extLst>
+  </p:cSld>
+  <p:clrMapOvr>
+    <a:masterClrMapping/>
+  </p:clrMapOvr>
+</p:sld>
+</file>
+
+<file path=ppt/slides/slide13.xml><?xml version="1.0" encoding="utf-8"?>
+<p:sld xmlns:a="http://schemas.openxmlformats.org/drawingml/2006/main" xmlns:r="http://schemas.openxmlformats.org/officeDocument/2006/relationships" xmlns:p="http://schemas.openxmlformats.org/presentationml/2006/main">
+  <p:cSld>
+    <p:spTree>
+      <p:nvGrpSpPr>
+        <p:cNvPr id="1" name=""/>
+        <p:cNvGrpSpPr/>
+        <p:nvPr/>
+      </p:nvGrpSpPr>
+      <p:grpSpPr>
+        <a:xfrm>
+          <a:off x="0" y="0"/>
+          <a:ext cx="0" cy="0"/>
+          <a:chOff x="0" y="0"/>
+          <a:chExt cx="0" cy="0"/>
+        </a:xfrm>
+      </p:grpSpPr>
+      <p:sp>
+        <p:nvSpPr>
+          <p:cNvPr id="2" name="Datumsplatzhalter 1"/>
+          <p:cNvSpPr>
+            <a:spLocks noGrp="1"/>
+          </p:cNvSpPr>
+          <p:nvPr>
+            <p:ph type="dt" sz="half" idx="10"/>
+          </p:nvPr>
+        </p:nvSpPr>
+        <p:spPr/>
+        <p:txBody>
+          <a:bodyPr/>
+          <a:lstStyle/>
+          <a:p>
+            <a:fld id="{5E48492E-72D1-4785-9351-8AE1E40FBA2D}" type="datetime1">
+              <a:rPr lang="de-CH" smtClean="0">
+                <a:solidFill>
+                  <a:srgbClr val="000000"/>
+                </a:solidFill>
+              </a:rPr>
+              <a:t>12.08.2018</a:t>
+            </a:fld>
+            <a:endParaRPr lang="de-CH">
+              <a:solidFill>
+                <a:srgbClr val="000000"/>
+              </a:solidFill>
+            </a:endParaRPr>
+          </a:p>
+        </p:txBody>
+      </p:sp>
+      <p:sp>
+        <p:nvSpPr>
+          <p:cNvPr id="3" name="Fußzeilenplatzhalter 2"/>
+          <p:cNvSpPr>
+            <a:spLocks noGrp="1"/>
+          </p:cNvSpPr>
+          <p:nvPr>
+            <p:ph type="ftr" sz="quarter" idx="11"/>
+          </p:nvPr>
+        </p:nvSpPr>
+        <p:spPr/>
+        <p:txBody>
+          <a:bodyPr/>
+          <a:lstStyle/>
+          <a:p>
+            <a:r>
+              <a:rPr lang="de-CH" dirty="0" smtClean="0">
+                <a:solidFill>
+                  <a:srgbClr val="000000"/>
+                </a:solidFill>
+              </a:rPr>
+              <a:t>Institut i4ds</a:t>
+            </a:r>
+            <a:endParaRPr lang="de-CH" dirty="0">
+              <a:solidFill>
+                <a:srgbClr val="000000"/>
+              </a:solidFill>
+            </a:endParaRPr>
+          </a:p>
+        </p:txBody>
+      </p:sp>
+      <p:sp>
+        <p:nvSpPr>
+          <p:cNvPr id="4" name="Foliennummernplatzhalter 3"/>
+          <p:cNvSpPr>
+            <a:spLocks noGrp="1"/>
+          </p:cNvSpPr>
+          <p:nvPr>
+            <p:ph type="sldNum" sz="quarter" idx="12"/>
+          </p:nvPr>
+        </p:nvSpPr>
+        <p:spPr/>
+        <p:txBody>
+          <a:bodyPr/>
+          <a:lstStyle/>
+          <a:p>
+            <a:fld id="{351188DD-6605-4EF4-9E67-B567F731CE68}" type="slidenum">
+              <a:rPr lang="de-CH" smtClean="0">
+                <a:solidFill>
+                  <a:srgbClr val="000000"/>
+                </a:solidFill>
+              </a:rPr>
+              <a:pPr/>
+              <a:t>13</a:t>
+            </a:fld>
+            <a:endParaRPr lang="de-CH">
+              <a:solidFill>
+                <a:srgbClr val="000000"/>
+              </a:solidFill>
+            </a:endParaRPr>
+          </a:p>
+        </p:txBody>
+      </p:sp>
+      <p:sp>
+        <p:nvSpPr>
+          <p:cNvPr id="5" name="Titel 4"/>
+          <p:cNvSpPr>
+            <a:spLocks noGrp="1"/>
+          </p:cNvSpPr>
+          <p:nvPr>
+            <p:ph type="title"/>
+          </p:nvPr>
+        </p:nvSpPr>
+        <p:spPr/>
+        <p:txBody>
+          <a:bodyPr/>
+          <a:lstStyle/>
+          <a:p>
+            <a:r>
+              <a:rPr lang="en-GB" dirty="0" smtClean="0"/>
+              <a:t>CLEAN</a:t>
+            </a:r>
+            <a:endParaRPr lang="en-GB" dirty="0"/>
+          </a:p>
+        </p:txBody>
+      </p:sp>
+      <p:sp>
+        <p:nvSpPr>
+          <p:cNvPr id="6" name="Textplatzhalter 5"/>
+          <p:cNvSpPr>
+            <a:spLocks noGrp="1"/>
+          </p:cNvSpPr>
+          <p:nvPr>
+            <p:ph type="body" idx="1"/>
+          </p:nvPr>
+        </p:nvSpPr>
+        <p:spPr/>
+        <p:txBody>
+          <a:bodyPr/>
+          <a:lstStyle/>
+          <a:p>
+            <a:endParaRPr lang="en-GB" dirty="0"/>
+          </a:p>
+        </p:txBody>
+      </p:sp>
+    </p:spTree>
+    <p:extLst>
+      <p:ext uri="{BB962C8B-B14F-4D97-AF65-F5344CB8AC3E}">
+        <p14:creationId xmlns:p14="http://schemas.microsoft.com/office/powerpoint/2010/main" val="3771753185"/>
+      </p:ext>
+    </p:extLst>
+  </p:cSld>
+  <p:clrMapOvr>
+    <a:masterClrMapping/>
+  </p:clrMapOvr>
+</p:sld>
+</file>
+
+<file path=ppt/slides/slide14.xml><?xml version="1.0" encoding="utf-8"?>
+<p:sld xmlns:a="http://schemas.openxmlformats.org/drawingml/2006/main" xmlns:r="http://schemas.openxmlformats.org/officeDocument/2006/relationships" xmlns:p="http://schemas.openxmlformats.org/presentationml/2006/main">
+  <p:cSld>
+    <p:spTree>
+      <p:nvGrpSpPr>
+        <p:cNvPr id="1" name=""/>
+        <p:cNvGrpSpPr/>
+        <p:nvPr/>
+      </p:nvGrpSpPr>
+      <p:grpSpPr>
+        <a:xfrm>
+          <a:off x="0" y="0"/>
+          <a:ext cx="0" cy="0"/>
+          <a:chOff x="0" y="0"/>
+          <a:chExt cx="0" cy="0"/>
+        </a:xfrm>
+      </p:grpSpPr>
+      <p:sp>
+        <p:nvSpPr>
+          <p:cNvPr id="2" name="Datumsplatzhalter 1"/>
+          <p:cNvSpPr>
+            <a:spLocks noGrp="1"/>
+          </p:cNvSpPr>
+          <p:nvPr>
+            <p:ph type="dt" sz="half" idx="10"/>
+          </p:nvPr>
+        </p:nvSpPr>
+        <p:spPr/>
+        <p:txBody>
+          <a:bodyPr/>
+          <a:lstStyle/>
+          <a:p>
+            <a:fld id="{5E48492E-72D1-4785-9351-8AE1E40FBA2D}" type="datetime1">
+              <a:rPr lang="de-CH" smtClean="0">
+                <a:solidFill>
+                  <a:srgbClr val="000000"/>
+                </a:solidFill>
+              </a:rPr>
+              <a:t>12.08.2018</a:t>
+            </a:fld>
+            <a:endParaRPr lang="de-CH">
+              <a:solidFill>
+                <a:srgbClr val="000000"/>
+              </a:solidFill>
+            </a:endParaRPr>
+          </a:p>
+        </p:txBody>
+      </p:sp>
+      <p:sp>
+        <p:nvSpPr>
+          <p:cNvPr id="3" name="Fußzeilenplatzhalter 2"/>
+          <p:cNvSpPr>
+            <a:spLocks noGrp="1"/>
+          </p:cNvSpPr>
+          <p:nvPr>
+            <p:ph type="ftr" sz="quarter" idx="11"/>
+          </p:nvPr>
+        </p:nvSpPr>
+        <p:spPr/>
+        <p:txBody>
+          <a:bodyPr/>
+          <a:lstStyle/>
+          <a:p>
+            <a:r>
+              <a:rPr lang="de-CH" dirty="0" smtClean="0">
+                <a:solidFill>
+                  <a:srgbClr val="000000"/>
+                </a:solidFill>
+              </a:rPr>
+              <a:t>Institut i4ds</a:t>
+            </a:r>
+            <a:endParaRPr lang="de-CH" dirty="0">
+              <a:solidFill>
+                <a:srgbClr val="000000"/>
+              </a:solidFill>
+            </a:endParaRPr>
+          </a:p>
+        </p:txBody>
+      </p:sp>
+      <p:sp>
+        <p:nvSpPr>
+          <p:cNvPr id="4" name="Foliennummernplatzhalter 3"/>
+          <p:cNvSpPr>
+            <a:spLocks noGrp="1"/>
+          </p:cNvSpPr>
+          <p:nvPr>
+            <p:ph type="sldNum" sz="quarter" idx="12"/>
+          </p:nvPr>
+        </p:nvSpPr>
+        <p:spPr/>
+        <p:txBody>
+          <a:bodyPr/>
+          <a:lstStyle/>
+          <a:p>
+            <a:fld id="{351188DD-6605-4EF4-9E67-B567F731CE68}" type="slidenum">
+              <a:rPr lang="de-CH" smtClean="0">
+                <a:solidFill>
+                  <a:srgbClr val="000000"/>
+                </a:solidFill>
+              </a:rPr>
+              <a:pPr/>
+              <a:t>14</a:t>
+            </a:fld>
+            <a:endParaRPr lang="de-CH">
+              <a:solidFill>
+                <a:srgbClr val="000000"/>
+              </a:solidFill>
+            </a:endParaRPr>
+          </a:p>
+        </p:txBody>
+      </p:sp>
+      <p:sp>
+        <p:nvSpPr>
+          <p:cNvPr id="5" name="Titel 4"/>
+          <p:cNvSpPr>
+            <a:spLocks noGrp="1"/>
+          </p:cNvSpPr>
+          <p:nvPr>
+            <p:ph type="title"/>
+          </p:nvPr>
+        </p:nvSpPr>
+        <p:spPr/>
+        <p:txBody>
+          <a:bodyPr/>
+          <a:lstStyle/>
+          <a:p>
+            <a:r>
+              <a:rPr lang="en-GB" dirty="0" smtClean="0"/>
+              <a:t>CLEAN</a:t>
+            </a:r>
+            <a:endParaRPr lang="en-GB" dirty="0"/>
+          </a:p>
+        </p:txBody>
+      </p:sp>
+      <p:sp>
+        <p:nvSpPr>
+          <p:cNvPr id="6" name="Textplatzhalter 5"/>
+          <p:cNvSpPr>
+            <a:spLocks noGrp="1"/>
+          </p:cNvSpPr>
+          <p:nvPr>
+            <p:ph type="body" idx="1"/>
+          </p:nvPr>
+        </p:nvSpPr>
+        <p:spPr/>
+        <p:txBody>
+          <a:bodyPr/>
+          <a:lstStyle/>
+          <a:p>
+            <a:r>
+              <a:rPr lang="en-GB" dirty="0" smtClean="0"/>
+              <a:t>Find max</a:t>
+            </a:r>
+            <a:endParaRPr lang="en-GB" dirty="0"/>
+          </a:p>
+        </p:txBody>
+      </p:sp>
+    </p:spTree>
+    <p:extLst>
+      <p:ext uri="{BB962C8B-B14F-4D97-AF65-F5344CB8AC3E}">
+        <p14:creationId xmlns:p14="http://schemas.microsoft.com/office/powerpoint/2010/main" val="388549729"/>
+      </p:ext>
+    </p:extLst>
+  </p:cSld>
+  <p:clrMapOvr>
+    <a:masterClrMapping/>
+  </p:clrMapOvr>
+</p:sld>
+</file>
+
+<file path=ppt/slides/slide15.xml><?xml version="1.0" encoding="utf-8"?>
+<p:sld xmlns:a="http://schemas.openxmlformats.org/drawingml/2006/main" xmlns:r="http://schemas.openxmlformats.org/officeDocument/2006/relationships" xmlns:p="http://schemas.openxmlformats.org/presentationml/2006/main">
+  <p:cSld>
+    <p:spTree>
+      <p:nvGrpSpPr>
+        <p:cNvPr id="1" name=""/>
+        <p:cNvGrpSpPr/>
+        <p:nvPr/>
+      </p:nvGrpSpPr>
+      <p:grpSpPr>
+        <a:xfrm>
+          <a:off x="0" y="0"/>
+          <a:ext cx="0" cy="0"/>
+          <a:chOff x="0" y="0"/>
+          <a:chExt cx="0" cy="0"/>
+        </a:xfrm>
+      </p:grpSpPr>
+      <p:sp>
+        <p:nvSpPr>
+          <p:cNvPr id="2" name="Datumsplatzhalter 1"/>
+          <p:cNvSpPr>
+            <a:spLocks noGrp="1"/>
+          </p:cNvSpPr>
+          <p:nvPr>
+            <p:ph type="dt" sz="half" idx="10"/>
+          </p:nvPr>
+        </p:nvSpPr>
+        <p:spPr/>
+        <p:txBody>
+          <a:bodyPr/>
+          <a:lstStyle/>
+          <a:p>
+            <a:fld id="{5E48492E-72D1-4785-9351-8AE1E40FBA2D}" type="datetime1">
+              <a:rPr lang="de-CH" smtClean="0">
+                <a:solidFill>
+                  <a:srgbClr val="000000"/>
+                </a:solidFill>
+              </a:rPr>
+              <a:t>12.08.2018</a:t>
+            </a:fld>
+            <a:endParaRPr lang="de-CH">
+              <a:solidFill>
+                <a:srgbClr val="000000"/>
+              </a:solidFill>
+            </a:endParaRPr>
+          </a:p>
+        </p:txBody>
+      </p:sp>
+      <p:sp>
+        <p:nvSpPr>
+          <p:cNvPr id="3" name="Fußzeilenplatzhalter 2"/>
+          <p:cNvSpPr>
+            <a:spLocks noGrp="1"/>
+          </p:cNvSpPr>
+          <p:nvPr>
+            <p:ph type="ftr" sz="quarter" idx="11"/>
+          </p:nvPr>
+        </p:nvSpPr>
+        <p:spPr/>
+        <p:txBody>
+          <a:bodyPr/>
+          <a:lstStyle/>
+          <a:p>
+            <a:r>
+              <a:rPr lang="de-CH" dirty="0" smtClean="0">
+                <a:solidFill>
+                  <a:srgbClr val="000000"/>
+                </a:solidFill>
+              </a:rPr>
+              <a:t>Institut i4ds</a:t>
+            </a:r>
+            <a:endParaRPr lang="de-CH" dirty="0">
+              <a:solidFill>
+                <a:srgbClr val="000000"/>
+              </a:solidFill>
+            </a:endParaRPr>
+          </a:p>
+        </p:txBody>
+      </p:sp>
+      <p:sp>
+        <p:nvSpPr>
+          <p:cNvPr id="4" name="Foliennummernplatzhalter 3"/>
+          <p:cNvSpPr>
+            <a:spLocks noGrp="1"/>
+          </p:cNvSpPr>
+          <p:nvPr>
+            <p:ph type="sldNum" sz="quarter" idx="12"/>
+          </p:nvPr>
+        </p:nvSpPr>
+        <p:spPr/>
+        <p:txBody>
+          <a:bodyPr/>
+          <a:lstStyle/>
+          <a:p>
+            <a:fld id="{351188DD-6605-4EF4-9E67-B567F731CE68}" type="slidenum">
+              <a:rPr lang="de-CH" smtClean="0">
+                <a:solidFill>
+                  <a:srgbClr val="000000"/>
+                </a:solidFill>
+              </a:rPr>
+              <a:pPr/>
+              <a:t>15</a:t>
+            </a:fld>
+            <a:endParaRPr lang="de-CH">
+              <a:solidFill>
+                <a:srgbClr val="000000"/>
+              </a:solidFill>
+            </a:endParaRPr>
+          </a:p>
+        </p:txBody>
+      </p:sp>
+      <p:sp>
+        <p:nvSpPr>
+          <p:cNvPr id="5" name="Titel 4"/>
+          <p:cNvSpPr>
+            <a:spLocks noGrp="1"/>
+          </p:cNvSpPr>
+          <p:nvPr>
+            <p:ph type="title"/>
+          </p:nvPr>
+        </p:nvSpPr>
+        <p:spPr/>
+        <p:txBody>
+          <a:bodyPr/>
+          <a:lstStyle/>
+          <a:p>
+            <a:r>
+              <a:rPr lang="en-GB" dirty="0" smtClean="0"/>
+              <a:t>CLEAN</a:t>
+            </a:r>
+            <a:endParaRPr lang="en-GB" dirty="0"/>
+          </a:p>
+        </p:txBody>
+      </p:sp>
+      <p:sp>
+        <p:nvSpPr>
+          <p:cNvPr id="6" name="Textplatzhalter 5"/>
+          <p:cNvSpPr>
+            <a:spLocks noGrp="1"/>
+          </p:cNvSpPr>
+          <p:nvPr>
+            <p:ph type="body" idx="1"/>
+          </p:nvPr>
+        </p:nvSpPr>
+        <p:spPr/>
+        <p:txBody>
+          <a:bodyPr/>
+          <a:lstStyle/>
+          <a:p>
+            <a:r>
+              <a:rPr lang="en-GB" dirty="0" smtClean="0"/>
+              <a:t>Chance that the x is the true image?</a:t>
+            </a:r>
+            <a:endParaRPr lang="en-GB" dirty="0"/>
+          </a:p>
+        </p:txBody>
+      </p:sp>
+    </p:spTree>
+    <p:extLst>
+      <p:ext uri="{BB962C8B-B14F-4D97-AF65-F5344CB8AC3E}">
+        <p14:creationId xmlns:p14="http://schemas.microsoft.com/office/powerpoint/2010/main" val="1832583524"/>
+      </p:ext>
+    </p:extLst>
+  </p:cSld>
+  <p:clrMapOvr>
+    <a:masterClrMapping/>
+  </p:clrMapOvr>
+</p:sld>
+</file>
+
+<file path=ppt/slides/slide16.xml><?xml version="1.0" encoding="utf-8"?>
+<p:sld xmlns:a="http://schemas.openxmlformats.org/drawingml/2006/main" xmlns:r="http://schemas.openxmlformats.org/officeDocument/2006/relationships" xmlns:p="http://schemas.openxmlformats.org/presentationml/2006/main">
+  <p:cSld>
+    <p:spTree>
+      <p:nvGrpSpPr>
+        <p:cNvPr id="1" name=""/>
+        <p:cNvGrpSpPr/>
+        <p:nvPr/>
+      </p:nvGrpSpPr>
+      <p:grpSpPr>
+        <a:xfrm>
+          <a:off x="0" y="0"/>
+          <a:ext cx="0" cy="0"/>
+          <a:chOff x="0" y="0"/>
+          <a:chExt cx="0" cy="0"/>
+        </a:xfrm>
+      </p:grpSpPr>
+      <p:sp>
+        <p:nvSpPr>
+          <p:cNvPr id="2" name="Datumsplatzhalter 1"/>
+          <p:cNvSpPr>
+            <a:spLocks noGrp="1"/>
+          </p:cNvSpPr>
+          <p:nvPr>
+            <p:ph type="dt" sz="half" idx="10"/>
+          </p:nvPr>
+        </p:nvSpPr>
+        <p:spPr/>
+        <p:txBody>
+          <a:bodyPr/>
+          <a:lstStyle/>
+          <a:p>
+            <a:fld id="{5E48492E-72D1-4785-9351-8AE1E40FBA2D}" type="datetime1">
+              <a:rPr lang="de-CH" smtClean="0">
+                <a:solidFill>
+                  <a:srgbClr val="000000"/>
+                </a:solidFill>
+              </a:rPr>
+              <a:t>12.08.2018</a:t>
+            </a:fld>
+            <a:endParaRPr lang="de-CH">
+              <a:solidFill>
+                <a:srgbClr val="000000"/>
+              </a:solidFill>
+            </a:endParaRPr>
+          </a:p>
+        </p:txBody>
+      </p:sp>
+      <p:sp>
+        <p:nvSpPr>
+          <p:cNvPr id="3" name="Fußzeilenplatzhalter 2"/>
+          <p:cNvSpPr>
+            <a:spLocks noGrp="1"/>
+          </p:cNvSpPr>
+          <p:nvPr>
+            <p:ph type="ftr" sz="quarter" idx="11"/>
+          </p:nvPr>
+        </p:nvSpPr>
+        <p:spPr/>
+        <p:txBody>
+          <a:bodyPr/>
+          <a:lstStyle/>
+          <a:p>
+            <a:r>
+              <a:rPr lang="de-CH" dirty="0" smtClean="0">
+                <a:solidFill>
+                  <a:srgbClr val="000000"/>
+                </a:solidFill>
+              </a:rPr>
+              <a:t>Institut i4ds</a:t>
+            </a:r>
+            <a:endParaRPr lang="de-CH" dirty="0">
+              <a:solidFill>
+                <a:srgbClr val="000000"/>
+              </a:solidFill>
+            </a:endParaRPr>
+          </a:p>
+        </p:txBody>
+      </p:sp>
+      <p:sp>
+        <p:nvSpPr>
+          <p:cNvPr id="4" name="Foliennummernplatzhalter 3"/>
+          <p:cNvSpPr>
+            <a:spLocks noGrp="1"/>
+          </p:cNvSpPr>
+          <p:nvPr>
+            <p:ph type="sldNum" sz="quarter" idx="12"/>
+          </p:nvPr>
+        </p:nvSpPr>
+        <p:spPr/>
+        <p:txBody>
+          <a:bodyPr/>
+          <a:lstStyle/>
+          <a:p>
+            <a:fld id="{351188DD-6605-4EF4-9E67-B567F731CE68}" type="slidenum">
+              <a:rPr lang="de-CH" smtClean="0">
+                <a:solidFill>
+                  <a:srgbClr val="000000"/>
+                </a:solidFill>
+              </a:rPr>
+              <a:pPr/>
+              <a:t>16</a:t>
+            </a:fld>
+            <a:endParaRPr lang="de-CH">
+              <a:solidFill>
+                <a:srgbClr val="000000"/>
+              </a:solidFill>
+            </a:endParaRPr>
+          </a:p>
+        </p:txBody>
+      </p:sp>
+      <p:sp>
+        <p:nvSpPr>
+          <p:cNvPr id="5" name="Titel 4"/>
+          <p:cNvSpPr>
+            <a:spLocks noGrp="1"/>
+          </p:cNvSpPr>
+          <p:nvPr>
+            <p:ph type="title"/>
+          </p:nvPr>
+        </p:nvSpPr>
+        <p:spPr/>
+        <p:txBody>
+          <a:bodyPr/>
+          <a:lstStyle/>
+          <a:p>
+            <a:r>
+              <a:rPr lang="en-GB" dirty="0" smtClean="0"/>
+              <a:t>CLEAN  as a Compressed Sensing Reconstruction</a:t>
+            </a:r>
+            <a:endParaRPr lang="en-GB" dirty="0"/>
+          </a:p>
+        </p:txBody>
+      </p:sp>
+      <p:sp>
+        <p:nvSpPr>
+          <p:cNvPr id="6" name="Textplatzhalter 5"/>
+          <p:cNvSpPr>
+            <a:spLocks noGrp="1"/>
+          </p:cNvSpPr>
+          <p:nvPr>
+            <p:ph type="body" idx="1"/>
+          </p:nvPr>
+        </p:nvSpPr>
+        <p:spPr/>
+        <p:txBody>
+          <a:bodyPr/>
+          <a:lstStyle/>
+          <a:p>
+            <a:r>
+              <a:rPr lang="en-GB" dirty="0" smtClean="0"/>
+              <a:t>Model map, all the information</a:t>
+            </a:r>
+            <a:endParaRPr lang="en-GB" dirty="0"/>
+          </a:p>
+        </p:txBody>
+      </p:sp>
+    </p:spTree>
+    <p:extLst>
+      <p:ext uri="{BB962C8B-B14F-4D97-AF65-F5344CB8AC3E}">
+        <p14:creationId xmlns:p14="http://schemas.microsoft.com/office/powerpoint/2010/main" val="1323241219"/>
+      </p:ext>
+    </p:extLst>
+  </p:cSld>
+  <p:clrMapOvr>
+    <a:masterClrMapping/>
+  </p:clrMapOvr>
+</p:sld>
+</file>
+
+<file path=ppt/slides/slide17.xml><?xml version="1.0" encoding="utf-8"?>
+<p:sld xmlns:a="http://schemas.openxmlformats.org/drawingml/2006/main" xmlns:r="http://schemas.openxmlformats.org/officeDocument/2006/relationships" xmlns:p="http://schemas.openxmlformats.org/presentationml/2006/main">
+  <p:cSld>
+    <p:spTree>
+      <p:nvGrpSpPr>
+        <p:cNvPr id="1" name=""/>
+        <p:cNvGrpSpPr/>
+        <p:nvPr/>
+      </p:nvGrpSpPr>
+      <p:grpSpPr>
+        <a:xfrm>
+          <a:off x="0" y="0"/>
+          <a:ext cx="0" cy="0"/>
+          <a:chOff x="0" y="0"/>
+          <a:chExt cx="0" cy="0"/>
+        </a:xfrm>
+      </p:grpSpPr>
+      <p:sp>
+        <p:nvSpPr>
+          <p:cNvPr id="2" name="Datumsplatzhalter 1"/>
+          <p:cNvSpPr>
+            <a:spLocks noGrp="1"/>
+          </p:cNvSpPr>
+          <p:nvPr>
+            <p:ph type="dt" sz="half" idx="10"/>
+          </p:nvPr>
+        </p:nvSpPr>
+        <p:spPr/>
+        <p:txBody>
+          <a:bodyPr/>
+          <a:lstStyle/>
+          <a:p>
+            <a:fld id="{5E48492E-72D1-4785-9351-8AE1E40FBA2D}" type="datetime1">
+              <a:rPr lang="de-CH" smtClean="0">
+                <a:solidFill>
+                  <a:srgbClr val="000000"/>
+                </a:solidFill>
+              </a:rPr>
+              <a:t>12.08.2018</a:t>
+            </a:fld>
+            <a:endParaRPr lang="de-CH">
+              <a:solidFill>
+                <a:srgbClr val="000000"/>
+              </a:solidFill>
+            </a:endParaRPr>
+          </a:p>
+        </p:txBody>
+      </p:sp>
+      <p:sp>
+        <p:nvSpPr>
+          <p:cNvPr id="3" name="Fußzeilenplatzhalter 2"/>
+          <p:cNvSpPr>
+            <a:spLocks noGrp="1"/>
+          </p:cNvSpPr>
+          <p:nvPr>
+            <p:ph type="ftr" sz="quarter" idx="11"/>
+          </p:nvPr>
+        </p:nvSpPr>
+        <p:spPr/>
+        <p:txBody>
+          <a:bodyPr/>
+          <a:lstStyle/>
+          <a:p>
+            <a:r>
+              <a:rPr lang="de-CH" dirty="0" smtClean="0">
+                <a:solidFill>
+                  <a:srgbClr val="000000"/>
+                </a:solidFill>
+              </a:rPr>
+              <a:t>Institut i4ds</a:t>
+            </a:r>
+            <a:endParaRPr lang="de-CH" dirty="0">
+              <a:solidFill>
+                <a:srgbClr val="000000"/>
+              </a:solidFill>
+            </a:endParaRPr>
+          </a:p>
+        </p:txBody>
+      </p:sp>
+      <p:sp>
+        <p:nvSpPr>
+          <p:cNvPr id="4" name="Foliennummernplatzhalter 3"/>
+          <p:cNvSpPr>
+            <a:spLocks noGrp="1"/>
+          </p:cNvSpPr>
+          <p:nvPr>
+            <p:ph type="sldNum" sz="quarter" idx="12"/>
+          </p:nvPr>
+        </p:nvSpPr>
+        <p:spPr/>
+        <p:txBody>
+          <a:bodyPr/>
+          <a:lstStyle/>
+          <a:p>
+            <a:fld id="{351188DD-6605-4EF4-9E67-B567F731CE68}" type="slidenum">
+              <a:rPr lang="de-CH" smtClean="0">
+                <a:solidFill>
+                  <a:srgbClr val="000000"/>
+                </a:solidFill>
+              </a:rPr>
+              <a:pPr/>
+              <a:t>17</a:t>
+            </a:fld>
+            <a:endParaRPr lang="de-CH">
+              <a:solidFill>
+                <a:srgbClr val="000000"/>
+              </a:solidFill>
+            </a:endParaRPr>
+          </a:p>
+        </p:txBody>
+      </p:sp>
+      <p:sp>
+        <p:nvSpPr>
+          <p:cNvPr id="5" name="Titel 4"/>
+          <p:cNvSpPr>
+            <a:spLocks noGrp="1"/>
+          </p:cNvSpPr>
+          <p:nvPr>
+            <p:ph type="title"/>
+          </p:nvPr>
+        </p:nvSpPr>
+        <p:spPr/>
+        <p:txBody>
+          <a:bodyPr/>
+          <a:lstStyle/>
+          <a:p>
+            <a:r>
+              <a:rPr lang="en-GB" dirty="0" smtClean="0"/>
+              <a:t>CLEAN  as a Compressed Sensing Reconstruction</a:t>
+            </a:r>
+            <a:endParaRPr lang="en-GB" dirty="0"/>
+          </a:p>
+        </p:txBody>
+      </p:sp>
+      <p:sp>
+        <p:nvSpPr>
+          <p:cNvPr id="6" name="Textplatzhalter 5"/>
+          <p:cNvSpPr>
+            <a:spLocks noGrp="1"/>
+          </p:cNvSpPr>
+          <p:nvPr>
+            <p:ph type="body" idx="1"/>
+          </p:nvPr>
+        </p:nvSpPr>
+        <p:spPr/>
+        <p:txBody>
+          <a:bodyPr/>
+          <a:lstStyle/>
+          <a:p>
+            <a:endParaRPr lang="en-GB" dirty="0"/>
+          </a:p>
+        </p:txBody>
+      </p:sp>
+      <p:pic>
+        <p:nvPicPr>
+          <p:cNvPr id="11" name="Grafik 10"/>
+          <p:cNvPicPr>
+            <a:picLocks noChangeAspect="1"/>
+          </p:cNvPicPr>
+          <p:nvPr/>
+        </p:nvPicPr>
+        <p:blipFill>
+          <a:blip r:embed="rId2">
+            <a:extLst>
+              <a:ext uri="{28A0092B-C50C-407E-A947-70E740481C1C}">
+                <a14:useLocalDpi xmlns:a14="http://schemas.microsoft.com/office/drawing/2010/main" val="0"/>
+              </a:ext>
+            </a:extLst>
+          </a:blip>
+          <a:stretch>
+            <a:fillRect/>
+          </a:stretch>
+        </p:blipFill>
+        <p:spPr>
+          <a:xfrm>
+            <a:off x="5187285" y="2153110"/>
+            <a:ext cx="4763165" cy="4763165"/>
+          </a:xfrm>
+          <a:prstGeom prst="rect">
+            <a:avLst/>
+          </a:prstGeom>
+        </p:spPr>
+      </p:pic>
+      <p:pic>
+        <p:nvPicPr>
+          <p:cNvPr id="12" name="Grafik 11"/>
+          <p:cNvPicPr>
+            <a:picLocks noChangeAspect="1"/>
+          </p:cNvPicPr>
+          <p:nvPr/>
+        </p:nvPicPr>
+        <p:blipFill>
+          <a:blip r:embed="rId3">
+            <a:extLst>
+              <a:ext uri="{28A0092B-C50C-407E-A947-70E740481C1C}">
+                <a14:useLocalDpi xmlns:a14="http://schemas.microsoft.com/office/drawing/2010/main" val="0"/>
+              </a:ext>
+            </a:extLst>
+          </a:blip>
+          <a:stretch>
+            <a:fillRect/>
+          </a:stretch>
+        </p:blipFill>
+        <p:spPr>
+          <a:xfrm>
+            <a:off x="389955" y="2153111"/>
+            <a:ext cx="4763165" cy="4763165"/>
+          </a:xfrm>
+          <a:prstGeom prst="rect">
+            <a:avLst/>
+          </a:prstGeom>
+        </p:spPr>
+      </p:pic>
+    </p:spTree>
+    <p:extLst>
+      <p:ext uri="{BB962C8B-B14F-4D97-AF65-F5344CB8AC3E}">
+        <p14:creationId xmlns:p14="http://schemas.microsoft.com/office/powerpoint/2010/main" val="3601425266"/>
+      </p:ext>
+    </p:extLst>
+  </p:cSld>
+  <p:clrMapOvr>
+    <a:masterClrMapping/>
+  </p:clrMapOvr>
+</p:sld>
+</file>
+
+<file path=ppt/slides/slide18.xml><?xml version="1.0" encoding="utf-8"?>
+<p:sld xmlns:a="http://schemas.openxmlformats.org/drawingml/2006/main" xmlns:r="http://schemas.openxmlformats.org/officeDocument/2006/relationships" xmlns:p="http://schemas.openxmlformats.org/presentationml/2006/main">
+  <p:cSld>
+    <p:spTree>
+      <p:nvGrpSpPr>
+        <p:cNvPr id="1" name=""/>
+        <p:cNvGrpSpPr/>
+        <p:nvPr/>
+      </p:nvGrpSpPr>
+      <p:grpSpPr>
+        <a:xfrm>
+          <a:off x="0" y="0"/>
+          <a:ext cx="0" cy="0"/>
+          <a:chOff x="0" y="0"/>
+          <a:chExt cx="0" cy="0"/>
+        </a:xfrm>
+      </p:grpSpPr>
+      <p:sp>
+        <p:nvSpPr>
+          <p:cNvPr id="2" name="Datumsplatzhalter 1"/>
+          <p:cNvSpPr>
+            <a:spLocks noGrp="1"/>
+          </p:cNvSpPr>
+          <p:nvPr>
+            <p:ph type="dt" sz="half" idx="10"/>
+          </p:nvPr>
+        </p:nvSpPr>
+        <p:spPr/>
+        <p:txBody>
+          <a:bodyPr/>
+          <a:lstStyle/>
+          <a:p>
+            <a:fld id="{5E48492E-72D1-4785-9351-8AE1E40FBA2D}" type="datetime1">
+              <a:rPr lang="de-CH" smtClean="0">
+                <a:solidFill>
+                  <a:srgbClr val="000000"/>
+                </a:solidFill>
+              </a:rPr>
+              <a:t>12.08.2018</a:t>
+            </a:fld>
+            <a:endParaRPr lang="de-CH">
+              <a:solidFill>
+                <a:srgbClr val="000000"/>
+              </a:solidFill>
+            </a:endParaRPr>
+          </a:p>
+        </p:txBody>
+      </p:sp>
+      <p:sp>
+        <p:nvSpPr>
+          <p:cNvPr id="3" name="Fußzeilenplatzhalter 2"/>
+          <p:cNvSpPr>
+            <a:spLocks noGrp="1"/>
+          </p:cNvSpPr>
+          <p:nvPr>
+            <p:ph type="ftr" sz="quarter" idx="11"/>
+          </p:nvPr>
+        </p:nvSpPr>
+        <p:spPr/>
+        <p:txBody>
+          <a:bodyPr/>
+          <a:lstStyle/>
+          <a:p>
+            <a:r>
+              <a:rPr lang="de-CH" dirty="0" smtClean="0">
+                <a:solidFill>
+                  <a:srgbClr val="000000"/>
+                </a:solidFill>
+              </a:rPr>
+              <a:t>Institut i4ds</a:t>
+            </a:r>
+            <a:endParaRPr lang="de-CH" dirty="0">
+              <a:solidFill>
+                <a:srgbClr val="000000"/>
+              </a:solidFill>
+            </a:endParaRPr>
+          </a:p>
+        </p:txBody>
+      </p:sp>
+      <p:sp>
+        <p:nvSpPr>
+          <p:cNvPr id="4" name="Foliennummernplatzhalter 3"/>
+          <p:cNvSpPr>
+            <a:spLocks noGrp="1"/>
+          </p:cNvSpPr>
+          <p:nvPr>
+            <p:ph type="sldNum" sz="quarter" idx="12"/>
+          </p:nvPr>
+        </p:nvSpPr>
+        <p:spPr/>
+        <p:txBody>
+          <a:bodyPr/>
+          <a:lstStyle/>
+          <a:p>
+            <a:fld id="{351188DD-6605-4EF4-9E67-B567F731CE68}" type="slidenum">
+              <a:rPr lang="de-CH" smtClean="0">
+                <a:solidFill>
+                  <a:srgbClr val="000000"/>
+                </a:solidFill>
+              </a:rPr>
+              <a:pPr/>
+              <a:t>18</a:t>
+            </a:fld>
+            <a:endParaRPr lang="de-CH">
+              <a:solidFill>
+                <a:srgbClr val="000000"/>
+              </a:solidFill>
+            </a:endParaRPr>
+          </a:p>
+        </p:txBody>
+      </p:sp>
+      <p:sp>
+        <p:nvSpPr>
+          <p:cNvPr id="5" name="Titel 4"/>
+          <p:cNvSpPr>
+            <a:spLocks noGrp="1"/>
+          </p:cNvSpPr>
+          <p:nvPr>
+            <p:ph type="title"/>
+          </p:nvPr>
+        </p:nvSpPr>
+        <p:spPr/>
+        <p:txBody>
+          <a:bodyPr/>
+          <a:lstStyle/>
+          <a:p>
+            <a:r>
+              <a:rPr lang="en-GB" dirty="0" smtClean="0"/>
+              <a:t>CLEAN  as a Compressed Sensing Reconstruction</a:t>
+            </a:r>
+            <a:endParaRPr lang="en-GB" dirty="0"/>
+          </a:p>
+        </p:txBody>
+      </p:sp>
+      <p:sp>
+        <p:nvSpPr>
+          <p:cNvPr id="6" name="Textplatzhalter 5"/>
+          <p:cNvSpPr>
+            <a:spLocks noGrp="1"/>
+          </p:cNvSpPr>
+          <p:nvPr>
+            <p:ph type="body" idx="1"/>
+          </p:nvPr>
+        </p:nvSpPr>
+        <p:spPr/>
+        <p:txBody>
+          <a:bodyPr/>
+          <a:lstStyle/>
+          <a:p>
+            <a:r>
+              <a:rPr lang="en-GB" dirty="0" smtClean="0"/>
+              <a:t>Number of measurements depends on the sparse pixels</a:t>
+            </a:r>
+            <a:endParaRPr lang="en-GB" dirty="0"/>
+          </a:p>
+        </p:txBody>
+      </p:sp>
+    </p:spTree>
+    <p:extLst>
+      <p:ext uri="{BB962C8B-B14F-4D97-AF65-F5344CB8AC3E}">
+        <p14:creationId xmlns:p14="http://schemas.microsoft.com/office/powerpoint/2010/main" val="218506418"/>
+      </p:ext>
+    </p:extLst>
+  </p:cSld>
+  <p:clrMapOvr>
+    <a:masterClrMapping/>
+  </p:clrMapOvr>
+</p:sld>
+</file>
+
+<file path=ppt/slides/slide19.xml><?xml version="1.0" encoding="utf-8"?>
+<p:sld xmlns:a="http://schemas.openxmlformats.org/drawingml/2006/main" xmlns:r="http://schemas.openxmlformats.org/officeDocument/2006/relationships" xmlns:p="http://schemas.openxmlformats.org/presentationml/2006/main">
+  <p:cSld>
+    <p:spTree>
+      <p:nvGrpSpPr>
+        <p:cNvPr id="1" name=""/>
+        <p:cNvGrpSpPr/>
+        <p:nvPr/>
+      </p:nvGrpSpPr>
+      <p:grpSpPr>
+        <a:xfrm>
+          <a:off x="0" y="0"/>
+          <a:ext cx="0" cy="0"/>
+          <a:chOff x="0" y="0"/>
+          <a:chExt cx="0" cy="0"/>
+        </a:xfrm>
+      </p:grpSpPr>
+      <p:sp>
+        <p:nvSpPr>
+          <p:cNvPr id="2" name="Datumsplatzhalter 1"/>
+          <p:cNvSpPr>
+            <a:spLocks noGrp="1"/>
+          </p:cNvSpPr>
+          <p:nvPr>
+            <p:ph type="dt" sz="half" idx="10"/>
+          </p:nvPr>
+        </p:nvSpPr>
+        <p:spPr/>
+        <p:txBody>
+          <a:bodyPr/>
+          <a:lstStyle/>
+          <a:p>
+            <a:fld id="{5E48492E-72D1-4785-9351-8AE1E40FBA2D}" type="datetime1">
+              <a:rPr lang="de-CH" smtClean="0">
+                <a:solidFill>
+                  <a:srgbClr val="000000"/>
+                </a:solidFill>
+              </a:rPr>
+              <a:t>12.08.2018</a:t>
+            </a:fld>
+            <a:endParaRPr lang="de-CH">
+              <a:solidFill>
+                <a:srgbClr val="000000"/>
+              </a:solidFill>
+            </a:endParaRPr>
+          </a:p>
+        </p:txBody>
+      </p:sp>
+      <p:sp>
+        <p:nvSpPr>
+          <p:cNvPr id="3" name="Fußzeilenplatzhalter 2"/>
+          <p:cNvSpPr>
+            <a:spLocks noGrp="1"/>
+          </p:cNvSpPr>
+          <p:nvPr>
+            <p:ph type="ftr" sz="quarter" idx="11"/>
+          </p:nvPr>
+        </p:nvSpPr>
+        <p:spPr/>
+        <p:txBody>
+          <a:bodyPr/>
+          <a:lstStyle/>
+          <a:p>
+            <a:r>
+              <a:rPr lang="de-CH" dirty="0" smtClean="0">
+                <a:solidFill>
+                  <a:srgbClr val="000000"/>
+                </a:solidFill>
+              </a:rPr>
+              <a:t>Institut i4ds</a:t>
+            </a:r>
+            <a:endParaRPr lang="de-CH" dirty="0">
+              <a:solidFill>
+                <a:srgbClr val="000000"/>
+              </a:solidFill>
+            </a:endParaRPr>
+          </a:p>
+        </p:txBody>
+      </p:sp>
+      <p:sp>
+        <p:nvSpPr>
+          <p:cNvPr id="4" name="Foliennummernplatzhalter 3"/>
+          <p:cNvSpPr>
+            <a:spLocks noGrp="1"/>
+          </p:cNvSpPr>
+          <p:nvPr>
+            <p:ph type="sldNum" sz="quarter" idx="12"/>
+          </p:nvPr>
+        </p:nvSpPr>
+        <p:spPr/>
+        <p:txBody>
+          <a:bodyPr/>
+          <a:lstStyle/>
+          <a:p>
+            <a:fld id="{351188DD-6605-4EF4-9E67-B567F731CE68}" type="slidenum">
+              <a:rPr lang="de-CH" smtClean="0">
+                <a:solidFill>
+                  <a:srgbClr val="000000"/>
+                </a:solidFill>
+              </a:rPr>
+              <a:pPr/>
+              <a:t>19</a:t>
             </a:fld>
             <a:endParaRPr lang="de-CH">
               <a:solidFill>
@@ -3848,7 +6044,7 @@
 </p:sld>
 </file>
 
-<file path=ppt/slides/slide11.xml><?xml version="1.0" encoding="utf-8"?>
+<file path=ppt/slides/slide2.xml><?xml version="1.0" encoding="utf-8"?>
 <p:sld xmlns:a="http://schemas.openxmlformats.org/drawingml/2006/main" xmlns:r="http://schemas.openxmlformats.org/officeDocument/2006/relationships" xmlns:p="http://schemas.openxmlformats.org/presentationml/2006/main">
   <p:cSld>
     <p:spTree>
@@ -3886,7 +6082,7 @@
                   <a:srgbClr val="000000"/>
                 </a:solidFill>
               </a:rPr>
-              <a:t>11.08.2018</a:t>
+              <a:t>12.08.2018</a:t>
             </a:fld>
             <a:endParaRPr lang="de-CH">
               <a:solidFill>
@@ -3949,7 +6145,237 @@
                 </a:solidFill>
               </a:rPr>
               <a:pPr/>
-              <a:t>11</a:t>
+              <a:t>2</a:t>
+            </a:fld>
+            <a:endParaRPr lang="de-CH">
+              <a:solidFill>
+                <a:srgbClr val="000000"/>
+              </a:solidFill>
+            </a:endParaRPr>
+          </a:p>
+        </p:txBody>
+      </p:sp>
+      <p:sp>
+        <p:nvSpPr>
+          <p:cNvPr id="5" name="Titel 4"/>
+          <p:cNvSpPr>
+            <a:spLocks noGrp="1"/>
+          </p:cNvSpPr>
+          <p:nvPr>
+            <p:ph type="title"/>
+          </p:nvPr>
+        </p:nvSpPr>
+        <p:spPr/>
+        <p:txBody>
+          <a:bodyPr/>
+          <a:lstStyle/>
+          <a:p>
+            <a:r>
+              <a:rPr lang="en-GB" dirty="0" smtClean="0"/>
+              <a:t>Image Reconstruction</a:t>
+            </a:r>
+            <a:endParaRPr lang="en-GB" dirty="0"/>
+          </a:p>
+        </p:txBody>
+      </p:sp>
+      <p:sp>
+        <p:nvSpPr>
+          <p:cNvPr id="6" name="Textplatzhalter 5"/>
+          <p:cNvSpPr>
+            <a:spLocks noGrp="1"/>
+          </p:cNvSpPr>
+          <p:nvPr>
+            <p:ph type="body" idx="1"/>
+          </p:nvPr>
+        </p:nvSpPr>
+        <p:spPr>
+          <a:xfrm>
+            <a:off x="594172" y="1871663"/>
+            <a:ext cx="9213850" cy="4464050"/>
+          </a:xfrm>
+        </p:spPr>
+        <p:txBody>
+          <a:bodyPr/>
+          <a:lstStyle/>
+          <a:p>
+            <a:endParaRPr lang="en-GB" dirty="0"/>
+          </a:p>
+        </p:txBody>
+      </p:sp>
+      <p:pic>
+        <p:nvPicPr>
+          <p:cNvPr id="7" name="Grafik 6"/>
+          <p:cNvPicPr>
+            <a:picLocks noChangeAspect="1"/>
+          </p:cNvPicPr>
+          <p:nvPr/>
+        </p:nvPicPr>
+        <p:blipFill>
+          <a:blip r:embed="rId2">
+            <a:extLst>
+              <a:ext uri="{28A0092B-C50C-407E-A947-70E740481C1C}">
+                <a14:useLocalDpi xmlns:a14="http://schemas.microsoft.com/office/drawing/2010/main" val="0"/>
+              </a:ext>
+            </a:extLst>
+          </a:blip>
+          <a:stretch>
+            <a:fillRect/>
+          </a:stretch>
+        </p:blipFill>
+        <p:spPr>
+          <a:xfrm>
+            <a:off x="306140" y="2465446"/>
+            <a:ext cx="5142134" cy="3920306"/>
+          </a:xfrm>
+          <a:prstGeom prst="rect">
+            <a:avLst/>
+          </a:prstGeom>
+        </p:spPr>
+      </p:pic>
+      <p:pic>
+        <p:nvPicPr>
+          <p:cNvPr id="9" name="Grafik 8"/>
+          <p:cNvPicPr>
+            <a:picLocks noChangeAspect="1"/>
+          </p:cNvPicPr>
+          <p:nvPr/>
+        </p:nvPicPr>
+        <p:blipFill rotWithShape="1">
+          <a:blip r:embed="rId3">
+            <a:extLst>
+              <a:ext uri="{28A0092B-C50C-407E-A947-70E740481C1C}">
+                <a14:useLocalDpi xmlns:a14="http://schemas.microsoft.com/office/drawing/2010/main" val="0"/>
+              </a:ext>
+            </a:extLst>
+          </a:blip>
+          <a:srcRect l="32789" t="29175" r="29362" b="31201"/>
+          <a:stretch/>
+        </p:blipFill>
+        <p:spPr>
+          <a:xfrm>
+            <a:off x="5490716" y="2124447"/>
+            <a:ext cx="4608512" cy="4536504"/>
+          </a:xfrm>
+          <a:prstGeom prst="rect">
+            <a:avLst/>
+          </a:prstGeom>
+        </p:spPr>
+      </p:pic>
+    </p:spTree>
+    <p:extLst>
+      <p:ext uri="{BB962C8B-B14F-4D97-AF65-F5344CB8AC3E}">
+        <p14:creationId xmlns:p14="http://schemas.microsoft.com/office/powerpoint/2010/main" val="719313134"/>
+      </p:ext>
+    </p:extLst>
+  </p:cSld>
+  <p:clrMapOvr>
+    <a:masterClrMapping/>
+  </p:clrMapOvr>
+</p:sld>
+</file>
+
+<file path=ppt/slides/slide20.xml><?xml version="1.0" encoding="utf-8"?>
+<p:sld xmlns:a="http://schemas.openxmlformats.org/drawingml/2006/main" xmlns:r="http://schemas.openxmlformats.org/officeDocument/2006/relationships" xmlns:p="http://schemas.openxmlformats.org/presentationml/2006/main">
+  <p:cSld>
+    <p:spTree>
+      <p:nvGrpSpPr>
+        <p:cNvPr id="1" name=""/>
+        <p:cNvGrpSpPr/>
+        <p:nvPr/>
+      </p:nvGrpSpPr>
+      <p:grpSpPr>
+        <a:xfrm>
+          <a:off x="0" y="0"/>
+          <a:ext cx="0" cy="0"/>
+          <a:chOff x="0" y="0"/>
+          <a:chExt cx="0" cy="0"/>
+        </a:xfrm>
+      </p:grpSpPr>
+      <p:sp>
+        <p:nvSpPr>
+          <p:cNvPr id="2" name="Datumsplatzhalter 1"/>
+          <p:cNvSpPr>
+            <a:spLocks noGrp="1"/>
+          </p:cNvSpPr>
+          <p:nvPr>
+            <p:ph type="dt" sz="half" idx="10"/>
+          </p:nvPr>
+        </p:nvSpPr>
+        <p:spPr/>
+        <p:txBody>
+          <a:bodyPr/>
+          <a:lstStyle/>
+          <a:p>
+            <a:fld id="{5E48492E-72D1-4785-9351-8AE1E40FBA2D}" type="datetime1">
+              <a:rPr lang="de-CH" smtClean="0">
+                <a:solidFill>
+                  <a:srgbClr val="000000"/>
+                </a:solidFill>
+              </a:rPr>
+              <a:t>12.08.2018</a:t>
+            </a:fld>
+            <a:endParaRPr lang="de-CH">
+              <a:solidFill>
+                <a:srgbClr val="000000"/>
+              </a:solidFill>
+            </a:endParaRPr>
+          </a:p>
+        </p:txBody>
+      </p:sp>
+      <p:sp>
+        <p:nvSpPr>
+          <p:cNvPr id="3" name="Fußzeilenplatzhalter 2"/>
+          <p:cNvSpPr>
+            <a:spLocks noGrp="1"/>
+          </p:cNvSpPr>
+          <p:nvPr>
+            <p:ph type="ftr" sz="quarter" idx="11"/>
+          </p:nvPr>
+        </p:nvSpPr>
+        <p:spPr/>
+        <p:txBody>
+          <a:bodyPr/>
+          <a:lstStyle/>
+          <a:p>
+            <a:r>
+              <a:rPr lang="de-CH" dirty="0" smtClean="0">
+                <a:solidFill>
+                  <a:srgbClr val="000000"/>
+                </a:solidFill>
+              </a:rPr>
+              <a:t>Institut i4ds</a:t>
+            </a:r>
+            <a:endParaRPr lang="de-CH" dirty="0">
+              <a:solidFill>
+                <a:srgbClr val="000000"/>
+              </a:solidFill>
+            </a:endParaRPr>
+          </a:p>
+        </p:txBody>
+      </p:sp>
+      <p:sp>
+        <p:nvSpPr>
+          <p:cNvPr id="4" name="Foliennummernplatzhalter 3"/>
+          <p:cNvSpPr>
+            <a:spLocks noGrp="1"/>
+          </p:cNvSpPr>
+          <p:nvPr>
+            <p:ph type="sldNum" sz="quarter" idx="12"/>
+          </p:nvPr>
+        </p:nvSpPr>
+        <p:spPr/>
+        <p:txBody>
+          <a:bodyPr/>
+          <a:lstStyle/>
+          <a:p>
+            <a:fld id="{351188DD-6605-4EF4-9E67-B567F731CE68}" type="slidenum">
+              <a:rPr lang="de-CH" smtClean="0">
+                <a:solidFill>
+                  <a:srgbClr val="000000"/>
+                </a:solidFill>
+              </a:rPr>
+              <a:pPr/>
+              <a:t>20</a:t>
             </a:fld>
             <a:endParaRPr lang="de-CH">
               <a:solidFill>
@@ -4044,7 +6470,7 @@
 </p:sld>
 </file>
 
-<file path=ppt/slides/slide12.xml><?xml version="1.0" encoding="utf-8"?>
+<file path=ppt/slides/slide21.xml><?xml version="1.0" encoding="utf-8"?>
 <p:sld xmlns:a="http://schemas.openxmlformats.org/drawingml/2006/main" xmlns:r="http://schemas.openxmlformats.org/officeDocument/2006/relationships" xmlns:p="http://schemas.openxmlformats.org/presentationml/2006/main">
   <p:cSld>
     <p:spTree>
@@ -4082,7 +6508,7 @@
                   <a:srgbClr val="000000"/>
                 </a:solidFill>
               </a:rPr>
-              <a:t>11.08.2018</a:t>
+              <a:t>12.08.2018</a:t>
             </a:fld>
             <a:endParaRPr lang="de-CH">
               <a:solidFill>
@@ -4145,7 +6571,7 @@
                 </a:solidFill>
               </a:rPr>
               <a:pPr/>
-              <a:t>12</a:t>
+              <a:t>21</a:t>
             </a:fld>
             <a:endParaRPr lang="de-CH">
               <a:solidFill>
@@ -4220,7 +6646,7 @@
 </p:sld>
 </file>
 
-<file path=ppt/slides/slide13.xml><?xml version="1.0" encoding="utf-8"?>
+<file path=ppt/slides/slide22.xml><?xml version="1.0" encoding="utf-8"?>
 <p:sld xmlns:a="http://schemas.openxmlformats.org/drawingml/2006/main" xmlns:r="http://schemas.openxmlformats.org/officeDocument/2006/relationships" xmlns:p="http://schemas.openxmlformats.org/presentationml/2006/main">
   <p:cSld>
     <p:spTree>
@@ -4258,7 +6684,7 @@
                   <a:srgbClr val="000000"/>
                 </a:solidFill>
               </a:rPr>
-              <a:t>11.08.2018</a:t>
+              <a:t>12.08.2018</a:t>
             </a:fld>
             <a:endParaRPr lang="de-CH">
               <a:solidFill>
@@ -4329,7 +6755,7 @@
                 </a:solidFill>
               </a:rPr>
               <a:pPr/>
-              <a:t>13</a:t>
+              <a:t>22</a:t>
             </a:fld>
             <a:endParaRPr lang="de-CH">
               <a:solidFill>
@@ -4394,7 +6820,7 @@
 </p:sld>
 </file>
 
-<file path=ppt/slides/slide14.xml><?xml version="1.0" encoding="utf-8"?>
+<file path=ppt/slides/slide23.xml><?xml version="1.0" encoding="utf-8"?>
 <p:sld xmlns:a="http://schemas.openxmlformats.org/drawingml/2006/main" xmlns:r="http://schemas.openxmlformats.org/officeDocument/2006/relationships" xmlns:p="http://schemas.openxmlformats.org/presentationml/2006/main">
   <p:cSld>
     <p:spTree>
@@ -4432,7 +6858,7 @@
                   <a:srgbClr val="000000"/>
                 </a:solidFill>
               </a:rPr>
-              <a:t>11.08.2018</a:t>
+              <a:t>12.08.2018</a:t>
             </a:fld>
             <a:endParaRPr lang="de-CH">
               <a:solidFill>
@@ -4490,7 +6916,7 @@
                 </a:solidFill>
               </a:rPr>
               <a:pPr/>
-              <a:t>14</a:t>
+              <a:t>23</a:t>
             </a:fld>
             <a:endParaRPr lang="de-CH">
               <a:solidFill>
@@ -4555,7 +6981,7 @@
 </p:sld>
 </file>
 
-<file path=ppt/slides/slide15.xml><?xml version="1.0" encoding="utf-8"?>
+<file path=ppt/slides/slide24.xml><?xml version="1.0" encoding="utf-8"?>
 <p:sld xmlns:a="http://schemas.openxmlformats.org/drawingml/2006/main" xmlns:r="http://schemas.openxmlformats.org/officeDocument/2006/relationships" xmlns:p="http://schemas.openxmlformats.org/presentationml/2006/main">
   <p:cSld>
     <p:spTree>
@@ -4593,7 +7019,7 @@
                   <a:srgbClr val="000000"/>
                 </a:solidFill>
               </a:rPr>
-              <a:t>11.08.2018</a:t>
+              <a:t>12.08.2018</a:t>
             </a:fld>
             <a:endParaRPr lang="de-CH">
               <a:solidFill>
@@ -4651,7 +7077,7 @@
                 </a:solidFill>
               </a:rPr>
               <a:pPr/>
-              <a:t>15</a:t>
+              <a:t>24</a:t>
             </a:fld>
             <a:endParaRPr lang="de-CH">
               <a:solidFill>
@@ -4746,7 +7172,7 @@
 </p:sld>
 </file>
 
-<file path=ppt/slides/slide16.xml><?xml version="1.0" encoding="utf-8"?>
+<file path=ppt/slides/slide25.xml><?xml version="1.0" encoding="utf-8"?>
 <p:sld xmlns:a="http://schemas.openxmlformats.org/drawingml/2006/main" xmlns:r="http://schemas.openxmlformats.org/officeDocument/2006/relationships" xmlns:p="http://schemas.openxmlformats.org/presentationml/2006/main">
   <p:cSld>
     <p:spTree>
@@ -4784,7 +7210,7 @@
                   <a:srgbClr val="000000"/>
                 </a:solidFill>
               </a:rPr>
-              <a:t>11.08.2018</a:t>
+              <a:t>12.08.2018</a:t>
             </a:fld>
             <a:endParaRPr lang="de-CH">
               <a:solidFill>
@@ -4842,7 +7268,7 @@
                 </a:solidFill>
               </a:rPr>
               <a:pPr/>
-              <a:t>16</a:t>
+              <a:t>25</a:t>
             </a:fld>
             <a:endParaRPr lang="de-CH">
               <a:solidFill>
@@ -4981,7 +7407,7 @@
 </p:sld>
 </file>
 
-<file path=ppt/slides/slide17.xml><?xml version="1.0" encoding="utf-8"?>
+<file path=ppt/slides/slide26.xml><?xml version="1.0" encoding="utf-8"?>
 <p:sld xmlns:a="http://schemas.openxmlformats.org/drawingml/2006/main" xmlns:r="http://schemas.openxmlformats.org/officeDocument/2006/relationships" xmlns:p="http://schemas.openxmlformats.org/presentationml/2006/main">
   <p:cSld>
     <p:spTree>
@@ -5019,7 +7445,7 @@
                   <a:srgbClr val="000000"/>
                 </a:solidFill>
               </a:rPr>
-              <a:t>11.08.2018</a:t>
+              <a:t>12.08.2018</a:t>
             </a:fld>
             <a:endParaRPr lang="de-CH">
               <a:solidFill>
@@ -5090,7 +7516,7 @@
                 </a:solidFill>
               </a:rPr>
               <a:pPr/>
-              <a:t>17</a:t>
+              <a:t>26</a:t>
             </a:fld>
             <a:endParaRPr lang="de-CH">
               <a:solidFill>
@@ -5271,7 +7697,7 @@
 </p:sld>
 </file>
 
-<file path=ppt/slides/slide18.xml><?xml version="1.0" encoding="utf-8"?>
+<file path=ppt/slides/slide27.xml><?xml version="1.0" encoding="utf-8"?>
 <p:sld xmlns:a="http://schemas.openxmlformats.org/drawingml/2006/main" xmlns:r="http://schemas.openxmlformats.org/officeDocument/2006/relationships" xmlns:p="http://schemas.openxmlformats.org/presentationml/2006/main">
   <p:cSld>
     <p:spTree>
@@ -5309,7 +7735,7 @@
                   <a:srgbClr val="000000"/>
                 </a:solidFill>
               </a:rPr>
-              <a:t>11.08.2018</a:t>
+              <a:t>12.08.2018</a:t>
             </a:fld>
             <a:endParaRPr lang="de-CH">
               <a:solidFill>
@@ -5380,7 +7806,7 @@
                 </a:solidFill>
               </a:rPr>
               <a:pPr/>
-              <a:t>18</a:t>
+              <a:t>27</a:t>
             </a:fld>
             <a:endParaRPr lang="de-CH">
               <a:solidFill>
@@ -5430,7 +7856,7 @@
       </p:sp>
       <p:pic>
         <p:nvPicPr>
-          <p:cNvPr id="7" name="Grafik 6"/>
+          <p:cNvPr id="11" name="Grafik 10"/>
           <p:cNvPicPr>
             <a:picLocks noChangeAspect="1"/>
           </p:cNvPicPr>
@@ -5450,7 +7876,7 @@
         </p:blipFill>
         <p:spPr>
           <a:xfrm>
-            <a:off x="5553182" y="-395833"/>
+            <a:off x="-142886" y="1704763"/>
             <a:ext cx="5486411" cy="5486411"/>
           </a:xfrm>
           <a:prstGeom prst="rect">
@@ -5460,7 +7886,7 @@
       </p:pic>
       <p:pic>
         <p:nvPicPr>
-          <p:cNvPr id="9" name="Grafik 8"/>
+          <p:cNvPr id="12" name="Grafik 11"/>
           <p:cNvPicPr>
             <a:picLocks noChangeAspect="1"/>
           </p:cNvPicPr>
@@ -5480,67 +7906,7 @@
         </p:blipFill>
         <p:spPr>
           <a:xfrm>
-            <a:off x="82421" y="-231971"/>
-            <a:ext cx="5486411" cy="5486411"/>
-          </a:xfrm>
-          <a:prstGeom prst="rect">
-            <a:avLst/>
-          </a:prstGeom>
-        </p:spPr>
-      </p:pic>
-      <p:pic>
-        <p:nvPicPr>
-          <p:cNvPr id="11" name="Grafik 10"/>
-          <p:cNvPicPr>
-            <a:picLocks noChangeAspect="1"/>
-          </p:cNvPicPr>
-          <p:nvPr/>
-        </p:nvPicPr>
-        <p:blipFill>
-          <a:blip r:embed="rId4">
-            <a:extLst>
-              <a:ext uri="{28A0092B-C50C-407E-A947-70E740481C1C}">
-                <a14:useLocalDpi xmlns:a14="http://schemas.microsoft.com/office/drawing/2010/main" val="0"/>
-              </a:ext>
-            </a:extLst>
-          </a:blip>
-          <a:stretch>
-            <a:fillRect/>
-          </a:stretch>
-        </p:blipFill>
-        <p:spPr>
-          <a:xfrm>
-            <a:off x="76313" y="3214590"/>
-            <a:ext cx="5486411" cy="5486411"/>
-          </a:xfrm>
-          <a:prstGeom prst="rect">
-            <a:avLst/>
-          </a:prstGeom>
-        </p:spPr>
-      </p:pic>
-      <p:pic>
-        <p:nvPicPr>
-          <p:cNvPr id="12" name="Grafik 11"/>
-          <p:cNvPicPr>
-            <a:picLocks noChangeAspect="1"/>
-          </p:cNvPicPr>
-          <p:nvPr/>
-        </p:nvPicPr>
-        <p:blipFill>
-          <a:blip r:embed="rId5">
-            <a:extLst>
-              <a:ext uri="{28A0092B-C50C-407E-A947-70E740481C1C}">
-                <a14:useLocalDpi xmlns:a14="http://schemas.microsoft.com/office/drawing/2010/main" val="0"/>
-              </a:ext>
-            </a:extLst>
-          </a:blip>
-          <a:stretch>
-            <a:fillRect/>
-          </a:stretch>
-        </p:blipFill>
-        <p:spPr>
-          <a:xfrm>
-            <a:off x="5778748" y="3665059"/>
+            <a:off x="5206989" y="1685919"/>
             <a:ext cx="5486411" cy="5486411"/>
           </a:xfrm>
           <a:prstGeom prst="rect">
@@ -5561,7 +7927,7 @@
 </p:sld>
 </file>
 
-<file path=ppt/slides/slide19.xml><?xml version="1.0" encoding="utf-8"?>
+<file path=ppt/slides/slide28.xml><?xml version="1.0" encoding="utf-8"?>
 <p:sld xmlns:a="http://schemas.openxmlformats.org/drawingml/2006/main" xmlns:r="http://schemas.openxmlformats.org/officeDocument/2006/relationships" xmlns:p="http://schemas.openxmlformats.org/presentationml/2006/main">
   <p:cSld>
     <p:spTree>
@@ -5599,7 +7965,7 @@
                   <a:srgbClr val="000000"/>
                 </a:solidFill>
               </a:rPr>
-              <a:t>11.08.2018</a:t>
+              <a:t>12.08.2018</a:t>
             </a:fld>
             <a:endParaRPr lang="de-CH">
               <a:solidFill>
@@ -5670,7 +8036,7 @@
                 </a:solidFill>
               </a:rPr>
               <a:pPr/>
-              <a:t>19</a:t>
+              <a:t>28</a:t>
             </a:fld>
             <a:endParaRPr lang="de-CH">
               <a:solidFill>
@@ -5790,7 +8156,7 @@
 </p:sld>
 </file>
 
-<file path=ppt/slides/slide2.xml><?xml version="1.0" encoding="utf-8"?>
+<file path=ppt/slides/slide29.xml><?xml version="1.0" encoding="utf-8"?>
 <p:sld xmlns:a="http://schemas.openxmlformats.org/drawingml/2006/main" xmlns:r="http://schemas.openxmlformats.org/officeDocument/2006/relationships" xmlns:p="http://schemas.openxmlformats.org/presentationml/2006/main">
   <p:cSld>
     <p:spTree>
@@ -5828,7 +8194,7 @@
                   <a:srgbClr val="000000"/>
                 </a:solidFill>
               </a:rPr>
-              <a:t>11.08.2018</a:t>
+              <a:t>12.08.2018</a:t>
             </a:fld>
             <a:endParaRPr lang="de-CH">
               <a:solidFill>
@@ -5854,12 +8220,20 @@
           <a:lstStyle/>
           <a:p>
             <a:r>
+              <a:rPr lang="de-CH" dirty="0">
+                <a:solidFill>
+                  <a:srgbClr val="000000"/>
+                </a:solidFill>
+              </a:rPr>
+              <a:t>Institut </a:t>
+            </a:r>
+            <a:r>
               <a:rPr lang="de-CH" dirty="0" smtClean="0">
                 <a:solidFill>
                   <a:srgbClr val="000000"/>
                 </a:solidFill>
               </a:rPr>
-              <a:t>Institut i4ds</a:t>
+              <a:t>i4ds</a:t>
             </a:r>
             <a:endParaRPr lang="de-CH" dirty="0">
               <a:solidFill>
@@ -5891,432 +8265,7 @@
                 </a:solidFill>
               </a:rPr>
               <a:pPr/>
-              <a:t>2</a:t>
-            </a:fld>
-            <a:endParaRPr lang="de-CH">
-              <a:solidFill>
-                <a:srgbClr val="000000"/>
-              </a:solidFill>
-            </a:endParaRPr>
-          </a:p>
-        </p:txBody>
-      </p:sp>
-      <p:sp>
-        <p:nvSpPr>
-          <p:cNvPr id="5" name="Titel 4"/>
-          <p:cNvSpPr>
-            <a:spLocks noGrp="1"/>
-          </p:cNvSpPr>
-          <p:nvPr>
-            <p:ph type="title"/>
-          </p:nvPr>
-        </p:nvSpPr>
-        <p:spPr/>
-        <p:txBody>
-          <a:bodyPr/>
-          <a:lstStyle/>
-          <a:p>
-            <a:r>
-              <a:rPr lang="en-GB" dirty="0" smtClean="0"/>
-              <a:t>Image Reconstruction</a:t>
-            </a:r>
-            <a:endParaRPr lang="en-GB" dirty="0"/>
-          </a:p>
-        </p:txBody>
-      </p:sp>
-      <p:sp>
-        <p:nvSpPr>
-          <p:cNvPr id="6" name="Textplatzhalter 5"/>
-          <p:cNvSpPr>
-            <a:spLocks noGrp="1"/>
-          </p:cNvSpPr>
-          <p:nvPr>
-            <p:ph type="body" idx="1"/>
-          </p:nvPr>
-        </p:nvSpPr>
-        <p:spPr>
-          <a:xfrm>
-            <a:off x="594172" y="1871663"/>
-            <a:ext cx="9213850" cy="4464050"/>
-          </a:xfrm>
-        </p:spPr>
-        <p:txBody>
-          <a:bodyPr/>
-          <a:lstStyle/>
-          <a:p>
-            <a:endParaRPr lang="en-GB" dirty="0"/>
-          </a:p>
-        </p:txBody>
-      </p:sp>
-      <p:pic>
-        <p:nvPicPr>
-          <p:cNvPr id="7" name="Grafik 6"/>
-          <p:cNvPicPr>
-            <a:picLocks noChangeAspect="1"/>
-          </p:cNvPicPr>
-          <p:nvPr/>
-        </p:nvPicPr>
-        <p:blipFill>
-          <a:blip r:embed="rId2">
-            <a:extLst>
-              <a:ext uri="{28A0092B-C50C-407E-A947-70E740481C1C}">
-                <a14:useLocalDpi xmlns:a14="http://schemas.microsoft.com/office/drawing/2010/main" val="0"/>
-              </a:ext>
-            </a:extLst>
-          </a:blip>
-          <a:stretch>
-            <a:fillRect/>
-          </a:stretch>
-        </p:blipFill>
-        <p:spPr>
-          <a:xfrm>
-            <a:off x="306140" y="2465446"/>
-            <a:ext cx="5142134" cy="3920306"/>
-          </a:xfrm>
-          <a:prstGeom prst="rect">
-            <a:avLst/>
-          </a:prstGeom>
-        </p:spPr>
-      </p:pic>
-      <p:pic>
-        <p:nvPicPr>
-          <p:cNvPr id="9" name="Grafik 8"/>
-          <p:cNvPicPr>
-            <a:picLocks noChangeAspect="1"/>
-          </p:cNvPicPr>
-          <p:nvPr/>
-        </p:nvPicPr>
-        <p:blipFill rotWithShape="1">
-          <a:blip r:embed="rId3">
-            <a:extLst>
-              <a:ext uri="{28A0092B-C50C-407E-A947-70E740481C1C}">
-                <a14:useLocalDpi xmlns:a14="http://schemas.microsoft.com/office/drawing/2010/main" val="0"/>
-              </a:ext>
-            </a:extLst>
-          </a:blip>
-          <a:srcRect l="32789" t="29175" r="29362" b="31201"/>
-          <a:stretch/>
-        </p:blipFill>
-        <p:spPr>
-          <a:xfrm>
-            <a:off x="5592290" y="2196455"/>
-            <a:ext cx="4608512" cy="4536504"/>
-          </a:xfrm>
-          <a:prstGeom prst="rect">
-            <a:avLst/>
-          </a:prstGeom>
-        </p:spPr>
-      </p:pic>
-    </p:spTree>
-    <p:extLst>
-      <p:ext uri="{BB962C8B-B14F-4D97-AF65-F5344CB8AC3E}">
-        <p14:creationId xmlns:p14="http://schemas.microsoft.com/office/powerpoint/2010/main" val="719313134"/>
-      </p:ext>
-    </p:extLst>
-  </p:cSld>
-  <p:clrMapOvr>
-    <a:masterClrMapping/>
-  </p:clrMapOvr>
-</p:sld>
-</file>
-
-<file path=ppt/slides/slide20.xml><?xml version="1.0" encoding="utf-8"?>
-<p:sld xmlns:a="http://schemas.openxmlformats.org/drawingml/2006/main" xmlns:r="http://schemas.openxmlformats.org/officeDocument/2006/relationships" xmlns:p="http://schemas.openxmlformats.org/presentationml/2006/main">
-  <p:cSld>
-    <p:spTree>
-      <p:nvGrpSpPr>
-        <p:cNvPr id="1" name=""/>
-        <p:cNvGrpSpPr/>
-        <p:nvPr/>
-      </p:nvGrpSpPr>
-      <p:grpSpPr>
-        <a:xfrm>
-          <a:off x="0" y="0"/>
-          <a:ext cx="0" cy="0"/>
-          <a:chOff x="0" y="0"/>
-          <a:chExt cx="0" cy="0"/>
-        </a:xfrm>
-      </p:grpSpPr>
-      <p:sp>
-        <p:nvSpPr>
-          <p:cNvPr id="2" name="Datumsplatzhalter 1"/>
-          <p:cNvSpPr>
-            <a:spLocks noGrp="1"/>
-          </p:cNvSpPr>
-          <p:nvPr>
-            <p:ph type="dt" sz="half" idx="10"/>
-          </p:nvPr>
-        </p:nvSpPr>
-        <p:spPr/>
-        <p:txBody>
-          <a:bodyPr/>
-          <a:lstStyle/>
-          <a:p>
-            <a:fld id="{5E48492E-72D1-4785-9351-8AE1E40FBA2D}" type="datetime1">
-              <a:rPr lang="de-CH" smtClean="0">
-                <a:solidFill>
-                  <a:srgbClr val="000000"/>
-                </a:solidFill>
-              </a:rPr>
-              <a:t>11.08.2018</a:t>
-            </a:fld>
-            <a:endParaRPr lang="de-CH">
-              <a:solidFill>
-                <a:srgbClr val="000000"/>
-              </a:solidFill>
-            </a:endParaRPr>
-          </a:p>
-        </p:txBody>
-      </p:sp>
-      <p:sp>
-        <p:nvSpPr>
-          <p:cNvPr id="3" name="Fußzeilenplatzhalter 2"/>
-          <p:cNvSpPr>
-            <a:spLocks noGrp="1"/>
-          </p:cNvSpPr>
-          <p:nvPr>
-            <p:ph type="ftr" sz="quarter" idx="11"/>
-          </p:nvPr>
-        </p:nvSpPr>
-        <p:spPr/>
-        <p:txBody>
-          <a:bodyPr/>
-          <a:lstStyle/>
-          <a:p>
-            <a:r>
-              <a:rPr lang="de-CH" dirty="0">
-                <a:solidFill>
-                  <a:srgbClr val="000000"/>
-                </a:solidFill>
-              </a:rPr>
-              <a:t>Institut i4ds</a:t>
-            </a:r>
-          </a:p>
-        </p:txBody>
-      </p:sp>
-      <p:sp>
-        <p:nvSpPr>
-          <p:cNvPr id="4" name="Foliennummernplatzhalter 3"/>
-          <p:cNvSpPr>
-            <a:spLocks noGrp="1"/>
-          </p:cNvSpPr>
-          <p:nvPr>
-            <p:ph type="sldNum" sz="quarter" idx="12"/>
-          </p:nvPr>
-        </p:nvSpPr>
-        <p:spPr/>
-        <p:txBody>
-          <a:bodyPr/>
-          <a:lstStyle/>
-          <a:p>
-            <a:fld id="{351188DD-6605-4EF4-9E67-B567F731CE68}" type="slidenum">
-              <a:rPr lang="de-CH" smtClean="0">
-                <a:solidFill>
-                  <a:srgbClr val="000000"/>
-                </a:solidFill>
-              </a:rPr>
-              <a:pPr/>
-              <a:t>20</a:t>
-            </a:fld>
-            <a:endParaRPr lang="de-CH">
-              <a:solidFill>
-                <a:srgbClr val="000000"/>
-              </a:solidFill>
-            </a:endParaRPr>
-          </a:p>
-        </p:txBody>
-      </p:sp>
-      <p:sp>
-        <p:nvSpPr>
-          <p:cNvPr id="5" name="Titel 4"/>
-          <p:cNvSpPr>
-            <a:spLocks noGrp="1"/>
-          </p:cNvSpPr>
-          <p:nvPr>
-            <p:ph type="title"/>
-          </p:nvPr>
-        </p:nvSpPr>
-        <p:spPr/>
-        <p:txBody>
-          <a:bodyPr/>
-          <a:lstStyle/>
-          <a:p>
-            <a:endParaRPr lang="en-GB"/>
-          </a:p>
-        </p:txBody>
-      </p:sp>
-      <p:sp>
-        <p:nvSpPr>
-          <p:cNvPr id="6" name="Textplatzhalter 5"/>
-          <p:cNvSpPr>
-            <a:spLocks noGrp="1"/>
-          </p:cNvSpPr>
-          <p:nvPr>
-            <p:ph type="body" idx="1"/>
-          </p:nvPr>
-        </p:nvSpPr>
-        <p:spPr/>
-        <p:txBody>
-          <a:bodyPr/>
-          <a:lstStyle/>
-          <a:p>
-            <a:endParaRPr lang="en-GB"/>
-          </a:p>
-        </p:txBody>
-      </p:sp>
-      <p:pic>
-        <p:nvPicPr>
-          <p:cNvPr id="7" name="Grafik 6"/>
-          <p:cNvPicPr>
-            <a:picLocks noChangeAspect="1"/>
-          </p:cNvPicPr>
-          <p:nvPr/>
-        </p:nvPicPr>
-        <p:blipFill>
-          <a:blip r:embed="rId2">
-            <a:extLst>
-              <a:ext uri="{28A0092B-C50C-407E-A947-70E740481C1C}">
-                <a14:useLocalDpi xmlns:a14="http://schemas.microsoft.com/office/drawing/2010/main" val="0"/>
-              </a:ext>
-            </a:extLst>
-          </a:blip>
-          <a:stretch>
-            <a:fillRect/>
-          </a:stretch>
-        </p:blipFill>
-        <p:spPr>
-          <a:xfrm>
-            <a:off x="1674300" y="327337"/>
-            <a:ext cx="7344800" cy="6906589"/>
-          </a:xfrm>
-          <a:prstGeom prst="rect">
-            <a:avLst/>
-          </a:prstGeom>
-        </p:spPr>
-      </p:pic>
-    </p:spTree>
-    <p:extLst>
-      <p:ext uri="{BB962C8B-B14F-4D97-AF65-F5344CB8AC3E}">
-        <p14:creationId xmlns:p14="http://schemas.microsoft.com/office/powerpoint/2010/main" val="966701151"/>
-      </p:ext>
-    </p:extLst>
-  </p:cSld>
-  <p:clrMapOvr>
-    <a:masterClrMapping/>
-  </p:clrMapOvr>
-</p:sld>
-</file>
-
-<file path=ppt/slides/slide21.xml><?xml version="1.0" encoding="utf-8"?>
-<p:sld xmlns:a="http://schemas.openxmlformats.org/drawingml/2006/main" xmlns:r="http://schemas.openxmlformats.org/officeDocument/2006/relationships" xmlns:p="http://schemas.openxmlformats.org/presentationml/2006/main">
-  <p:cSld>
-    <p:spTree>
-      <p:nvGrpSpPr>
-        <p:cNvPr id="1" name=""/>
-        <p:cNvGrpSpPr/>
-        <p:nvPr/>
-      </p:nvGrpSpPr>
-      <p:grpSpPr>
-        <a:xfrm>
-          <a:off x="0" y="0"/>
-          <a:ext cx="0" cy="0"/>
-          <a:chOff x="0" y="0"/>
-          <a:chExt cx="0" cy="0"/>
-        </a:xfrm>
-      </p:grpSpPr>
-      <p:sp>
-        <p:nvSpPr>
-          <p:cNvPr id="2" name="Datumsplatzhalter 1"/>
-          <p:cNvSpPr>
-            <a:spLocks noGrp="1"/>
-          </p:cNvSpPr>
-          <p:nvPr>
-            <p:ph type="dt" sz="half" idx="10"/>
-          </p:nvPr>
-        </p:nvSpPr>
-        <p:spPr/>
-        <p:txBody>
-          <a:bodyPr/>
-          <a:lstStyle/>
-          <a:p>
-            <a:fld id="{5E48492E-72D1-4785-9351-8AE1E40FBA2D}" type="datetime1">
-              <a:rPr lang="de-CH" smtClean="0">
-                <a:solidFill>
-                  <a:srgbClr val="000000"/>
-                </a:solidFill>
-              </a:rPr>
-              <a:t>11.08.2018</a:t>
-            </a:fld>
-            <a:endParaRPr lang="de-CH">
-              <a:solidFill>
-                <a:srgbClr val="000000"/>
-              </a:solidFill>
-            </a:endParaRPr>
-          </a:p>
-        </p:txBody>
-      </p:sp>
-      <p:sp>
-        <p:nvSpPr>
-          <p:cNvPr id="3" name="Fußzeilenplatzhalter 2"/>
-          <p:cNvSpPr>
-            <a:spLocks noGrp="1"/>
-          </p:cNvSpPr>
-          <p:nvPr>
-            <p:ph type="ftr" sz="quarter" idx="11"/>
-          </p:nvPr>
-        </p:nvSpPr>
-        <p:spPr/>
-        <p:txBody>
-          <a:bodyPr/>
-          <a:lstStyle/>
-          <a:p>
-            <a:r>
-              <a:rPr lang="de-CH" dirty="0">
-                <a:solidFill>
-                  <a:srgbClr val="000000"/>
-                </a:solidFill>
-              </a:rPr>
-              <a:t>Institut </a:t>
-            </a:r>
-            <a:r>
-              <a:rPr lang="de-CH" dirty="0" smtClean="0">
-                <a:solidFill>
-                  <a:srgbClr val="000000"/>
-                </a:solidFill>
-              </a:rPr>
-              <a:t>i4ds</a:t>
-            </a:r>
-            <a:endParaRPr lang="de-CH" dirty="0">
-              <a:solidFill>
-                <a:srgbClr val="000000"/>
-              </a:solidFill>
-            </a:endParaRPr>
-          </a:p>
-        </p:txBody>
-      </p:sp>
-      <p:sp>
-        <p:nvSpPr>
-          <p:cNvPr id="4" name="Foliennummernplatzhalter 3"/>
-          <p:cNvSpPr>
-            <a:spLocks noGrp="1"/>
-          </p:cNvSpPr>
-          <p:nvPr>
-            <p:ph type="sldNum" sz="quarter" idx="12"/>
-          </p:nvPr>
-        </p:nvSpPr>
-        <p:spPr/>
-        <p:txBody>
-          <a:bodyPr/>
-          <a:lstStyle/>
-          <a:p>
-            <a:fld id="{351188DD-6605-4EF4-9E67-B567F731CE68}" type="slidenum">
-              <a:rPr lang="de-CH" smtClean="0">
-                <a:solidFill>
-                  <a:srgbClr val="000000"/>
-                </a:solidFill>
-              </a:rPr>
-              <a:pPr/>
-              <a:t>21</a:t>
+              <a:t>29</a:t>
             </a:fld>
             <a:endParaRPr lang="de-CH">
               <a:solidFill>
@@ -6436,354 +8385,6 @@
 </p:sld>
 </file>
 
-<file path=ppt/slides/slide22.xml><?xml version="1.0" encoding="utf-8"?>
-<p:sld xmlns:a="http://schemas.openxmlformats.org/drawingml/2006/main" xmlns:r="http://schemas.openxmlformats.org/officeDocument/2006/relationships" xmlns:p="http://schemas.openxmlformats.org/presentationml/2006/main">
-  <p:cSld>
-    <p:spTree>
-      <p:nvGrpSpPr>
-        <p:cNvPr id="1" name=""/>
-        <p:cNvGrpSpPr/>
-        <p:nvPr/>
-      </p:nvGrpSpPr>
-      <p:grpSpPr>
-        <a:xfrm>
-          <a:off x="0" y="0"/>
-          <a:ext cx="0" cy="0"/>
-          <a:chOff x="0" y="0"/>
-          <a:chExt cx="0" cy="0"/>
-        </a:xfrm>
-      </p:grpSpPr>
-      <p:sp>
-        <p:nvSpPr>
-          <p:cNvPr id="2" name="Datumsplatzhalter 1"/>
-          <p:cNvSpPr>
-            <a:spLocks noGrp="1"/>
-          </p:cNvSpPr>
-          <p:nvPr>
-            <p:ph type="dt" sz="half" idx="10"/>
-          </p:nvPr>
-        </p:nvSpPr>
-        <p:spPr/>
-        <p:txBody>
-          <a:bodyPr/>
-          <a:lstStyle/>
-          <a:p>
-            <a:fld id="{5E48492E-72D1-4785-9351-8AE1E40FBA2D}" type="datetime1">
-              <a:rPr lang="de-CH" smtClean="0">
-                <a:solidFill>
-                  <a:srgbClr val="000000"/>
-                </a:solidFill>
-              </a:rPr>
-              <a:t>11.08.2018</a:t>
-            </a:fld>
-            <a:endParaRPr lang="de-CH">
-              <a:solidFill>
-                <a:srgbClr val="000000"/>
-              </a:solidFill>
-            </a:endParaRPr>
-          </a:p>
-        </p:txBody>
-      </p:sp>
-      <p:sp>
-        <p:nvSpPr>
-          <p:cNvPr id="3" name="Fußzeilenplatzhalter 2"/>
-          <p:cNvSpPr>
-            <a:spLocks noGrp="1"/>
-          </p:cNvSpPr>
-          <p:nvPr>
-            <p:ph type="ftr" sz="quarter" idx="11"/>
-          </p:nvPr>
-        </p:nvSpPr>
-        <p:spPr/>
-        <p:txBody>
-          <a:bodyPr/>
-          <a:lstStyle/>
-          <a:p>
-            <a:r>
-              <a:rPr lang="de-CH" dirty="0">
-                <a:solidFill>
-                  <a:srgbClr val="000000"/>
-                </a:solidFill>
-              </a:rPr>
-              <a:t>Institut </a:t>
-            </a:r>
-            <a:r>
-              <a:rPr lang="de-CH" dirty="0" smtClean="0">
-                <a:solidFill>
-                  <a:srgbClr val="000000"/>
-                </a:solidFill>
-              </a:rPr>
-              <a:t>i4ds</a:t>
-            </a:r>
-            <a:endParaRPr lang="de-CH" dirty="0">
-              <a:solidFill>
-                <a:srgbClr val="000000"/>
-              </a:solidFill>
-            </a:endParaRPr>
-          </a:p>
-        </p:txBody>
-      </p:sp>
-      <p:sp>
-        <p:nvSpPr>
-          <p:cNvPr id="4" name="Foliennummernplatzhalter 3"/>
-          <p:cNvSpPr>
-            <a:spLocks noGrp="1"/>
-          </p:cNvSpPr>
-          <p:nvPr>
-            <p:ph type="sldNum" sz="quarter" idx="12"/>
-          </p:nvPr>
-        </p:nvSpPr>
-        <p:spPr/>
-        <p:txBody>
-          <a:bodyPr/>
-          <a:lstStyle/>
-          <a:p>
-            <a:fld id="{351188DD-6605-4EF4-9E67-B567F731CE68}" type="slidenum">
-              <a:rPr lang="de-CH" smtClean="0">
-                <a:solidFill>
-                  <a:srgbClr val="000000"/>
-                </a:solidFill>
-              </a:rPr>
-              <a:pPr/>
-              <a:t>22</a:t>
-            </a:fld>
-            <a:endParaRPr lang="de-CH">
-              <a:solidFill>
-                <a:srgbClr val="000000"/>
-              </a:solidFill>
-            </a:endParaRPr>
-          </a:p>
-        </p:txBody>
-      </p:sp>
-      <p:sp>
-        <p:nvSpPr>
-          <p:cNvPr id="5" name="Titel 4"/>
-          <p:cNvSpPr>
-            <a:spLocks noGrp="1"/>
-          </p:cNvSpPr>
-          <p:nvPr>
-            <p:ph type="title"/>
-          </p:nvPr>
-        </p:nvSpPr>
-        <p:spPr/>
-        <p:txBody>
-          <a:bodyPr/>
-          <a:lstStyle/>
-          <a:p>
-            <a:r>
-              <a:rPr lang="en-GB" dirty="0" smtClean="0"/>
-              <a:t>Conclusion</a:t>
-            </a:r>
-            <a:endParaRPr lang="en-GB" dirty="0"/>
-          </a:p>
-        </p:txBody>
-      </p:sp>
-      <p:sp>
-        <p:nvSpPr>
-          <p:cNvPr id="6" name="Textplatzhalter 5"/>
-          <p:cNvSpPr>
-            <a:spLocks noGrp="1"/>
-          </p:cNvSpPr>
-          <p:nvPr>
-            <p:ph type="body" idx="1"/>
-          </p:nvPr>
-        </p:nvSpPr>
-        <p:spPr/>
-        <p:txBody>
-          <a:bodyPr/>
-          <a:lstStyle/>
-          <a:p>
-            <a:endParaRPr lang="en-GB"/>
-          </a:p>
-        </p:txBody>
-      </p:sp>
-    </p:spTree>
-    <p:extLst>
-      <p:ext uri="{BB962C8B-B14F-4D97-AF65-F5344CB8AC3E}">
-        <p14:creationId xmlns:p14="http://schemas.microsoft.com/office/powerpoint/2010/main" val="24992479"/>
-      </p:ext>
-    </p:extLst>
-  </p:cSld>
-  <p:clrMapOvr>
-    <a:masterClrMapping/>
-  </p:clrMapOvr>
-</p:sld>
-</file>
-
-<file path=ppt/slides/slide23.xml><?xml version="1.0" encoding="utf-8"?>
-<p:sld xmlns:a="http://schemas.openxmlformats.org/drawingml/2006/main" xmlns:r="http://schemas.openxmlformats.org/officeDocument/2006/relationships" xmlns:p="http://schemas.openxmlformats.org/presentationml/2006/main">
-  <p:cSld>
-    <p:spTree>
-      <p:nvGrpSpPr>
-        <p:cNvPr id="1" name=""/>
-        <p:cNvGrpSpPr/>
-        <p:nvPr/>
-      </p:nvGrpSpPr>
-      <p:grpSpPr>
-        <a:xfrm>
-          <a:off x="0" y="0"/>
-          <a:ext cx="0" cy="0"/>
-          <a:chOff x="0" y="0"/>
-          <a:chExt cx="0" cy="0"/>
-        </a:xfrm>
-      </p:grpSpPr>
-      <p:sp>
-        <p:nvSpPr>
-          <p:cNvPr id="2" name="Datumsplatzhalter 1"/>
-          <p:cNvSpPr>
-            <a:spLocks noGrp="1"/>
-          </p:cNvSpPr>
-          <p:nvPr>
-            <p:ph type="dt" sz="half" idx="10"/>
-          </p:nvPr>
-        </p:nvSpPr>
-        <p:spPr/>
-        <p:txBody>
-          <a:bodyPr/>
-          <a:lstStyle/>
-          <a:p>
-            <a:fld id="{5E48492E-72D1-4785-9351-8AE1E40FBA2D}" type="datetime1">
-              <a:rPr lang="de-CH" smtClean="0">
-                <a:solidFill>
-                  <a:srgbClr val="000000"/>
-                </a:solidFill>
-              </a:rPr>
-              <a:t>11.08.2018</a:t>
-            </a:fld>
-            <a:endParaRPr lang="de-CH">
-              <a:solidFill>
-                <a:srgbClr val="000000"/>
-              </a:solidFill>
-            </a:endParaRPr>
-          </a:p>
-        </p:txBody>
-      </p:sp>
-      <p:sp>
-        <p:nvSpPr>
-          <p:cNvPr id="3" name="Fußzeilenplatzhalter 2"/>
-          <p:cNvSpPr>
-            <a:spLocks noGrp="1"/>
-          </p:cNvSpPr>
-          <p:nvPr>
-            <p:ph type="ftr" sz="quarter" idx="11"/>
-          </p:nvPr>
-        </p:nvSpPr>
-        <p:spPr/>
-        <p:txBody>
-          <a:bodyPr/>
-          <a:lstStyle/>
-          <a:p>
-            <a:r>
-              <a:rPr lang="de-CH" dirty="0">
-                <a:solidFill>
-                  <a:srgbClr val="000000"/>
-                </a:solidFill>
-              </a:rPr>
-              <a:t>Institut </a:t>
-            </a:r>
-            <a:r>
-              <a:rPr lang="de-CH" dirty="0" smtClean="0">
-                <a:solidFill>
-                  <a:srgbClr val="000000"/>
-                </a:solidFill>
-              </a:rPr>
-              <a:t>i4ds</a:t>
-            </a:r>
-            <a:endParaRPr lang="de-CH" dirty="0">
-              <a:solidFill>
-                <a:srgbClr val="000000"/>
-              </a:solidFill>
-            </a:endParaRPr>
-          </a:p>
-        </p:txBody>
-      </p:sp>
-      <p:sp>
-        <p:nvSpPr>
-          <p:cNvPr id="4" name="Foliennummernplatzhalter 3"/>
-          <p:cNvSpPr>
-            <a:spLocks noGrp="1"/>
-          </p:cNvSpPr>
-          <p:nvPr>
-            <p:ph type="sldNum" sz="quarter" idx="12"/>
-          </p:nvPr>
-        </p:nvSpPr>
-        <p:spPr/>
-        <p:txBody>
-          <a:bodyPr/>
-          <a:lstStyle/>
-          <a:p>
-            <a:fld id="{351188DD-6605-4EF4-9E67-B567F731CE68}" type="slidenum">
-              <a:rPr lang="de-CH" smtClean="0">
-                <a:solidFill>
-                  <a:srgbClr val="000000"/>
-                </a:solidFill>
-              </a:rPr>
-              <a:pPr/>
-              <a:t>23</a:t>
-            </a:fld>
-            <a:endParaRPr lang="de-CH">
-              <a:solidFill>
-                <a:srgbClr val="000000"/>
-              </a:solidFill>
-            </a:endParaRPr>
-          </a:p>
-        </p:txBody>
-      </p:sp>
-      <p:sp>
-        <p:nvSpPr>
-          <p:cNvPr id="5" name="Titel 4"/>
-          <p:cNvSpPr>
-            <a:spLocks noGrp="1"/>
-          </p:cNvSpPr>
-          <p:nvPr>
-            <p:ph type="title"/>
-          </p:nvPr>
-        </p:nvSpPr>
-        <p:spPr/>
-        <p:txBody>
-          <a:bodyPr/>
-          <a:lstStyle/>
-          <a:p>
-            <a:r>
-              <a:rPr lang="en-GB" dirty="0" smtClean="0"/>
-              <a:t>Conclusion</a:t>
-            </a:r>
-            <a:endParaRPr lang="en-GB" dirty="0"/>
-          </a:p>
-        </p:txBody>
-      </p:sp>
-      <p:sp>
-        <p:nvSpPr>
-          <p:cNvPr id="6" name="Textplatzhalter 5"/>
-          <p:cNvSpPr>
-            <a:spLocks noGrp="1"/>
-          </p:cNvSpPr>
-          <p:nvPr>
-            <p:ph type="body" idx="1"/>
-          </p:nvPr>
-        </p:nvSpPr>
-        <p:spPr/>
-        <p:txBody>
-          <a:bodyPr/>
-          <a:lstStyle/>
-          <a:p>
-            <a:endParaRPr lang="en-GB"/>
-          </a:p>
-        </p:txBody>
-      </p:sp>
-    </p:spTree>
-    <p:extLst>
-      <p:ext uri="{BB962C8B-B14F-4D97-AF65-F5344CB8AC3E}">
-        <p14:creationId xmlns:p14="http://schemas.microsoft.com/office/powerpoint/2010/main" val="3143559485"/>
-      </p:ext>
-    </p:extLst>
-  </p:cSld>
-  <p:clrMapOvr>
-    <a:masterClrMapping/>
-  </p:clrMapOvr>
-</p:sld>
-</file>
-
 <file path=ppt/slides/slide3.xml><?xml version="1.0" encoding="utf-8"?>
 <p:sld xmlns:a="http://schemas.openxmlformats.org/drawingml/2006/main" xmlns:r="http://schemas.openxmlformats.org/officeDocument/2006/relationships" xmlns:p="http://schemas.openxmlformats.org/presentationml/2006/main">
   <p:cSld>
@@ -6822,7 +8423,7 @@
                   <a:srgbClr val="000000"/>
                 </a:solidFill>
               </a:rPr>
-              <a:t>11.08.2018</a:t>
+              <a:t>12.08.2018</a:t>
             </a:fld>
             <a:endParaRPr lang="de-CH">
               <a:solidFill>
@@ -6982,7 +8583,7 @@
         </p:blipFill>
         <p:spPr>
           <a:xfrm>
-            <a:off x="5346700" y="2124646"/>
+            <a:off x="5490716" y="2124646"/>
             <a:ext cx="4608512" cy="4536504"/>
           </a:xfrm>
           <a:prstGeom prst="rect">
@@ -6994,6 +8595,541 @@
     <p:extLst>
       <p:ext uri="{BB962C8B-B14F-4D97-AF65-F5344CB8AC3E}">
         <p14:creationId xmlns:p14="http://schemas.microsoft.com/office/powerpoint/2010/main" val="2479698565"/>
+      </p:ext>
+    </p:extLst>
+  </p:cSld>
+  <p:clrMapOvr>
+    <a:masterClrMapping/>
+  </p:clrMapOvr>
+</p:sld>
+</file>
+
+<file path=ppt/slides/slide30.xml><?xml version="1.0" encoding="utf-8"?>
+<p:sld xmlns:a="http://schemas.openxmlformats.org/drawingml/2006/main" xmlns:r="http://schemas.openxmlformats.org/officeDocument/2006/relationships" xmlns:p="http://schemas.openxmlformats.org/presentationml/2006/main">
+  <p:cSld>
+    <p:spTree>
+      <p:nvGrpSpPr>
+        <p:cNvPr id="1" name=""/>
+        <p:cNvGrpSpPr/>
+        <p:nvPr/>
+      </p:nvGrpSpPr>
+      <p:grpSpPr>
+        <a:xfrm>
+          <a:off x="0" y="0"/>
+          <a:ext cx="0" cy="0"/>
+          <a:chOff x="0" y="0"/>
+          <a:chExt cx="0" cy="0"/>
+        </a:xfrm>
+      </p:grpSpPr>
+      <p:sp>
+        <p:nvSpPr>
+          <p:cNvPr id="2" name="Datumsplatzhalter 1"/>
+          <p:cNvSpPr>
+            <a:spLocks noGrp="1"/>
+          </p:cNvSpPr>
+          <p:nvPr>
+            <p:ph type="dt" sz="half" idx="10"/>
+          </p:nvPr>
+        </p:nvSpPr>
+        <p:spPr/>
+        <p:txBody>
+          <a:bodyPr/>
+          <a:lstStyle/>
+          <a:p>
+            <a:fld id="{5E48492E-72D1-4785-9351-8AE1E40FBA2D}" type="datetime1">
+              <a:rPr lang="de-CH" smtClean="0">
+                <a:solidFill>
+                  <a:srgbClr val="000000"/>
+                </a:solidFill>
+              </a:rPr>
+              <a:t>12.08.2018</a:t>
+            </a:fld>
+            <a:endParaRPr lang="de-CH">
+              <a:solidFill>
+                <a:srgbClr val="000000"/>
+              </a:solidFill>
+            </a:endParaRPr>
+          </a:p>
+        </p:txBody>
+      </p:sp>
+      <p:sp>
+        <p:nvSpPr>
+          <p:cNvPr id="3" name="Fußzeilenplatzhalter 2"/>
+          <p:cNvSpPr>
+            <a:spLocks noGrp="1"/>
+          </p:cNvSpPr>
+          <p:nvPr>
+            <p:ph type="ftr" sz="quarter" idx="11"/>
+          </p:nvPr>
+        </p:nvSpPr>
+        <p:spPr/>
+        <p:txBody>
+          <a:bodyPr/>
+          <a:lstStyle/>
+          <a:p>
+            <a:r>
+              <a:rPr lang="de-CH" dirty="0">
+                <a:solidFill>
+                  <a:srgbClr val="000000"/>
+                </a:solidFill>
+              </a:rPr>
+              <a:t>Institut i4ds</a:t>
+            </a:r>
+          </a:p>
+        </p:txBody>
+      </p:sp>
+      <p:sp>
+        <p:nvSpPr>
+          <p:cNvPr id="4" name="Foliennummernplatzhalter 3"/>
+          <p:cNvSpPr>
+            <a:spLocks noGrp="1"/>
+          </p:cNvSpPr>
+          <p:nvPr>
+            <p:ph type="sldNum" sz="quarter" idx="12"/>
+          </p:nvPr>
+        </p:nvSpPr>
+        <p:spPr/>
+        <p:txBody>
+          <a:bodyPr/>
+          <a:lstStyle/>
+          <a:p>
+            <a:fld id="{351188DD-6605-4EF4-9E67-B567F731CE68}" type="slidenum">
+              <a:rPr lang="de-CH" smtClean="0">
+                <a:solidFill>
+                  <a:srgbClr val="000000"/>
+                </a:solidFill>
+              </a:rPr>
+              <a:pPr/>
+              <a:t>30</a:t>
+            </a:fld>
+            <a:endParaRPr lang="de-CH">
+              <a:solidFill>
+                <a:srgbClr val="000000"/>
+              </a:solidFill>
+            </a:endParaRPr>
+          </a:p>
+        </p:txBody>
+      </p:sp>
+      <p:sp>
+        <p:nvSpPr>
+          <p:cNvPr id="5" name="Titel 4"/>
+          <p:cNvSpPr>
+            <a:spLocks noGrp="1"/>
+          </p:cNvSpPr>
+          <p:nvPr>
+            <p:ph type="title"/>
+          </p:nvPr>
+        </p:nvSpPr>
+        <p:spPr/>
+        <p:txBody>
+          <a:bodyPr/>
+          <a:lstStyle/>
+          <a:p>
+            <a:endParaRPr lang="en-GB"/>
+          </a:p>
+        </p:txBody>
+      </p:sp>
+      <p:sp>
+        <p:nvSpPr>
+          <p:cNvPr id="6" name="Textplatzhalter 5"/>
+          <p:cNvSpPr>
+            <a:spLocks noGrp="1"/>
+          </p:cNvSpPr>
+          <p:nvPr>
+            <p:ph type="body" idx="1"/>
+          </p:nvPr>
+        </p:nvSpPr>
+        <p:spPr/>
+        <p:txBody>
+          <a:bodyPr/>
+          <a:lstStyle/>
+          <a:p>
+            <a:endParaRPr lang="en-GB"/>
+          </a:p>
+        </p:txBody>
+      </p:sp>
+      <p:pic>
+        <p:nvPicPr>
+          <p:cNvPr id="7" name="Grafik 6"/>
+          <p:cNvPicPr>
+            <a:picLocks noChangeAspect="1"/>
+          </p:cNvPicPr>
+          <p:nvPr/>
+        </p:nvPicPr>
+        <p:blipFill>
+          <a:blip r:embed="rId2">
+            <a:extLst>
+              <a:ext uri="{28A0092B-C50C-407E-A947-70E740481C1C}">
+                <a14:useLocalDpi xmlns:a14="http://schemas.microsoft.com/office/drawing/2010/main" val="0"/>
+              </a:ext>
+            </a:extLst>
+          </a:blip>
+          <a:stretch>
+            <a:fillRect/>
+          </a:stretch>
+        </p:blipFill>
+        <p:spPr>
+          <a:xfrm>
+            <a:off x="1674300" y="327337"/>
+            <a:ext cx="7344800" cy="6906589"/>
+          </a:xfrm>
+          <a:prstGeom prst="rect">
+            <a:avLst/>
+          </a:prstGeom>
+        </p:spPr>
+      </p:pic>
+    </p:spTree>
+    <p:extLst>
+      <p:ext uri="{BB962C8B-B14F-4D97-AF65-F5344CB8AC3E}">
+        <p14:creationId xmlns:p14="http://schemas.microsoft.com/office/powerpoint/2010/main" val="966701151"/>
+      </p:ext>
+    </p:extLst>
+  </p:cSld>
+  <p:clrMapOvr>
+    <a:masterClrMapping/>
+  </p:clrMapOvr>
+</p:sld>
+</file>
+
+<file path=ppt/slides/slide31.xml><?xml version="1.0" encoding="utf-8"?>
+<p:sld xmlns:a="http://schemas.openxmlformats.org/drawingml/2006/main" xmlns:r="http://schemas.openxmlformats.org/officeDocument/2006/relationships" xmlns:p="http://schemas.openxmlformats.org/presentationml/2006/main">
+  <p:cSld>
+    <p:spTree>
+      <p:nvGrpSpPr>
+        <p:cNvPr id="1" name=""/>
+        <p:cNvGrpSpPr/>
+        <p:nvPr/>
+      </p:nvGrpSpPr>
+      <p:grpSpPr>
+        <a:xfrm>
+          <a:off x="0" y="0"/>
+          <a:ext cx="0" cy="0"/>
+          <a:chOff x="0" y="0"/>
+          <a:chExt cx="0" cy="0"/>
+        </a:xfrm>
+      </p:grpSpPr>
+      <p:sp>
+        <p:nvSpPr>
+          <p:cNvPr id="2" name="Datumsplatzhalter 1"/>
+          <p:cNvSpPr>
+            <a:spLocks noGrp="1"/>
+          </p:cNvSpPr>
+          <p:nvPr>
+            <p:ph type="dt" sz="half" idx="10"/>
+          </p:nvPr>
+        </p:nvSpPr>
+        <p:spPr/>
+        <p:txBody>
+          <a:bodyPr/>
+          <a:lstStyle/>
+          <a:p>
+            <a:fld id="{5E48492E-72D1-4785-9351-8AE1E40FBA2D}" type="datetime1">
+              <a:rPr lang="de-CH" smtClean="0">
+                <a:solidFill>
+                  <a:srgbClr val="000000"/>
+                </a:solidFill>
+              </a:rPr>
+              <a:t>12.08.2018</a:t>
+            </a:fld>
+            <a:endParaRPr lang="de-CH">
+              <a:solidFill>
+                <a:srgbClr val="000000"/>
+              </a:solidFill>
+            </a:endParaRPr>
+          </a:p>
+        </p:txBody>
+      </p:sp>
+      <p:sp>
+        <p:nvSpPr>
+          <p:cNvPr id="3" name="Fußzeilenplatzhalter 2"/>
+          <p:cNvSpPr>
+            <a:spLocks noGrp="1"/>
+          </p:cNvSpPr>
+          <p:nvPr>
+            <p:ph type="ftr" sz="quarter" idx="11"/>
+          </p:nvPr>
+        </p:nvSpPr>
+        <p:spPr/>
+        <p:txBody>
+          <a:bodyPr/>
+          <a:lstStyle/>
+          <a:p>
+            <a:r>
+              <a:rPr lang="de-CH" dirty="0">
+                <a:solidFill>
+                  <a:srgbClr val="000000"/>
+                </a:solidFill>
+              </a:rPr>
+              <a:t>Institut </a:t>
+            </a:r>
+            <a:r>
+              <a:rPr lang="de-CH" dirty="0" smtClean="0">
+                <a:solidFill>
+                  <a:srgbClr val="000000"/>
+                </a:solidFill>
+              </a:rPr>
+              <a:t>i4ds</a:t>
+            </a:r>
+            <a:endParaRPr lang="de-CH" dirty="0">
+              <a:solidFill>
+                <a:srgbClr val="000000"/>
+              </a:solidFill>
+            </a:endParaRPr>
+          </a:p>
+        </p:txBody>
+      </p:sp>
+      <p:sp>
+        <p:nvSpPr>
+          <p:cNvPr id="4" name="Foliennummernplatzhalter 3"/>
+          <p:cNvSpPr>
+            <a:spLocks noGrp="1"/>
+          </p:cNvSpPr>
+          <p:nvPr>
+            <p:ph type="sldNum" sz="quarter" idx="12"/>
+          </p:nvPr>
+        </p:nvSpPr>
+        <p:spPr/>
+        <p:txBody>
+          <a:bodyPr/>
+          <a:lstStyle/>
+          <a:p>
+            <a:fld id="{351188DD-6605-4EF4-9E67-B567F731CE68}" type="slidenum">
+              <a:rPr lang="de-CH" smtClean="0">
+                <a:solidFill>
+                  <a:srgbClr val="000000"/>
+                </a:solidFill>
+              </a:rPr>
+              <a:pPr/>
+              <a:t>31</a:t>
+            </a:fld>
+            <a:endParaRPr lang="de-CH">
+              <a:solidFill>
+                <a:srgbClr val="000000"/>
+              </a:solidFill>
+            </a:endParaRPr>
+          </a:p>
+        </p:txBody>
+      </p:sp>
+      <p:sp>
+        <p:nvSpPr>
+          <p:cNvPr id="5" name="Titel 4"/>
+          <p:cNvSpPr>
+            <a:spLocks noGrp="1"/>
+          </p:cNvSpPr>
+          <p:nvPr>
+            <p:ph type="title"/>
+          </p:nvPr>
+        </p:nvSpPr>
+        <p:spPr/>
+        <p:txBody>
+          <a:bodyPr/>
+          <a:lstStyle/>
+          <a:p>
+            <a:r>
+              <a:rPr lang="en-GB" dirty="0" smtClean="0"/>
+              <a:t>Conclusion</a:t>
+            </a:r>
+            <a:endParaRPr lang="en-GB" dirty="0"/>
+          </a:p>
+        </p:txBody>
+      </p:sp>
+      <p:sp>
+        <p:nvSpPr>
+          <p:cNvPr id="6" name="Textplatzhalter 5"/>
+          <p:cNvSpPr>
+            <a:spLocks noGrp="1"/>
+          </p:cNvSpPr>
+          <p:nvPr>
+            <p:ph type="body" idx="1"/>
+          </p:nvPr>
+        </p:nvSpPr>
+        <p:spPr/>
+        <p:txBody>
+          <a:bodyPr/>
+          <a:lstStyle/>
+          <a:p>
+            <a:endParaRPr lang="en-GB"/>
+          </a:p>
+        </p:txBody>
+      </p:sp>
+    </p:spTree>
+    <p:extLst>
+      <p:ext uri="{BB962C8B-B14F-4D97-AF65-F5344CB8AC3E}">
+        <p14:creationId xmlns:p14="http://schemas.microsoft.com/office/powerpoint/2010/main" val="24992479"/>
+      </p:ext>
+    </p:extLst>
+  </p:cSld>
+  <p:clrMapOvr>
+    <a:masterClrMapping/>
+  </p:clrMapOvr>
+</p:sld>
+</file>
+
+<file path=ppt/slides/slide32.xml><?xml version="1.0" encoding="utf-8"?>
+<p:sld xmlns:a="http://schemas.openxmlformats.org/drawingml/2006/main" xmlns:r="http://schemas.openxmlformats.org/officeDocument/2006/relationships" xmlns:p="http://schemas.openxmlformats.org/presentationml/2006/main">
+  <p:cSld>
+    <p:spTree>
+      <p:nvGrpSpPr>
+        <p:cNvPr id="1" name=""/>
+        <p:cNvGrpSpPr/>
+        <p:nvPr/>
+      </p:nvGrpSpPr>
+      <p:grpSpPr>
+        <a:xfrm>
+          <a:off x="0" y="0"/>
+          <a:ext cx="0" cy="0"/>
+          <a:chOff x="0" y="0"/>
+          <a:chExt cx="0" cy="0"/>
+        </a:xfrm>
+      </p:grpSpPr>
+      <p:sp>
+        <p:nvSpPr>
+          <p:cNvPr id="2" name="Datumsplatzhalter 1"/>
+          <p:cNvSpPr>
+            <a:spLocks noGrp="1"/>
+          </p:cNvSpPr>
+          <p:nvPr>
+            <p:ph type="dt" sz="half" idx="10"/>
+          </p:nvPr>
+        </p:nvSpPr>
+        <p:spPr/>
+        <p:txBody>
+          <a:bodyPr/>
+          <a:lstStyle/>
+          <a:p>
+            <a:fld id="{5E48492E-72D1-4785-9351-8AE1E40FBA2D}" type="datetime1">
+              <a:rPr lang="de-CH" smtClean="0">
+                <a:solidFill>
+                  <a:srgbClr val="000000"/>
+                </a:solidFill>
+              </a:rPr>
+              <a:t>12.08.2018</a:t>
+            </a:fld>
+            <a:endParaRPr lang="de-CH">
+              <a:solidFill>
+                <a:srgbClr val="000000"/>
+              </a:solidFill>
+            </a:endParaRPr>
+          </a:p>
+        </p:txBody>
+      </p:sp>
+      <p:sp>
+        <p:nvSpPr>
+          <p:cNvPr id="3" name="Fußzeilenplatzhalter 2"/>
+          <p:cNvSpPr>
+            <a:spLocks noGrp="1"/>
+          </p:cNvSpPr>
+          <p:nvPr>
+            <p:ph type="ftr" sz="quarter" idx="11"/>
+          </p:nvPr>
+        </p:nvSpPr>
+        <p:spPr/>
+        <p:txBody>
+          <a:bodyPr/>
+          <a:lstStyle/>
+          <a:p>
+            <a:r>
+              <a:rPr lang="de-CH" dirty="0">
+                <a:solidFill>
+                  <a:srgbClr val="000000"/>
+                </a:solidFill>
+              </a:rPr>
+              <a:t>Institut </a:t>
+            </a:r>
+            <a:r>
+              <a:rPr lang="de-CH" dirty="0" smtClean="0">
+                <a:solidFill>
+                  <a:srgbClr val="000000"/>
+                </a:solidFill>
+              </a:rPr>
+              <a:t>i4ds</a:t>
+            </a:r>
+            <a:endParaRPr lang="de-CH" dirty="0">
+              <a:solidFill>
+                <a:srgbClr val="000000"/>
+              </a:solidFill>
+            </a:endParaRPr>
+          </a:p>
+        </p:txBody>
+      </p:sp>
+      <p:sp>
+        <p:nvSpPr>
+          <p:cNvPr id="4" name="Foliennummernplatzhalter 3"/>
+          <p:cNvSpPr>
+            <a:spLocks noGrp="1"/>
+          </p:cNvSpPr>
+          <p:nvPr>
+            <p:ph type="sldNum" sz="quarter" idx="12"/>
+          </p:nvPr>
+        </p:nvSpPr>
+        <p:spPr/>
+        <p:txBody>
+          <a:bodyPr/>
+          <a:lstStyle/>
+          <a:p>
+            <a:fld id="{351188DD-6605-4EF4-9E67-B567F731CE68}" type="slidenum">
+              <a:rPr lang="de-CH" smtClean="0">
+                <a:solidFill>
+                  <a:srgbClr val="000000"/>
+                </a:solidFill>
+              </a:rPr>
+              <a:pPr/>
+              <a:t>32</a:t>
+            </a:fld>
+            <a:endParaRPr lang="de-CH">
+              <a:solidFill>
+                <a:srgbClr val="000000"/>
+              </a:solidFill>
+            </a:endParaRPr>
+          </a:p>
+        </p:txBody>
+      </p:sp>
+      <p:sp>
+        <p:nvSpPr>
+          <p:cNvPr id="5" name="Titel 4"/>
+          <p:cNvSpPr>
+            <a:spLocks noGrp="1"/>
+          </p:cNvSpPr>
+          <p:nvPr>
+            <p:ph type="title"/>
+          </p:nvPr>
+        </p:nvSpPr>
+        <p:spPr/>
+        <p:txBody>
+          <a:bodyPr/>
+          <a:lstStyle/>
+          <a:p>
+            <a:r>
+              <a:rPr lang="en-GB" dirty="0" smtClean="0"/>
+              <a:t>Conclusion</a:t>
+            </a:r>
+            <a:endParaRPr lang="en-GB" dirty="0"/>
+          </a:p>
+        </p:txBody>
+      </p:sp>
+      <p:sp>
+        <p:nvSpPr>
+          <p:cNvPr id="6" name="Textplatzhalter 5"/>
+          <p:cNvSpPr>
+            <a:spLocks noGrp="1"/>
+          </p:cNvSpPr>
+          <p:nvPr>
+            <p:ph type="body" idx="1"/>
+          </p:nvPr>
+        </p:nvSpPr>
+        <p:spPr/>
+        <p:txBody>
+          <a:bodyPr/>
+          <a:lstStyle/>
+          <a:p>
+            <a:endParaRPr lang="en-GB"/>
+          </a:p>
+        </p:txBody>
+      </p:sp>
+    </p:spTree>
+    <p:extLst>
+      <p:ext uri="{BB962C8B-B14F-4D97-AF65-F5344CB8AC3E}">
+        <p14:creationId xmlns:p14="http://schemas.microsoft.com/office/powerpoint/2010/main" val="3143559485"/>
       </p:ext>
     </p:extLst>
   </p:cSld>
@@ -7041,7 +9177,7 @@
                   <a:srgbClr val="000000"/>
                 </a:solidFill>
               </a:rPr>
-              <a:t>11.08.2018</a:t>
+              <a:t>12.08.2018</a:t>
             </a:fld>
             <a:endParaRPr lang="de-CH">
               <a:solidFill>
@@ -7137,141 +9273,60 @@
           </a:p>
         </p:txBody>
       </p:sp>
-      <mc:AlternateContent xmlns:mc="http://schemas.openxmlformats.org/markup-compatibility/2006">
-        <mc:Choice xmlns:a14="http://schemas.microsoft.com/office/drawing/2010/main" Requires="a14">
-          <p:sp>
-            <p:nvSpPr>
-              <p:cNvPr id="6" name="Textplatzhalter 5"/>
-              <p:cNvSpPr>
-                <a:spLocks noGrp="1"/>
-              </p:cNvSpPr>
-              <p:nvPr>
-                <p:ph type="body" idx="1"/>
-              </p:nvPr>
-            </p:nvSpPr>
-            <p:spPr>
-              <a:xfrm>
-                <a:off x="738188" y="3276574"/>
-                <a:ext cx="9213850" cy="3384575"/>
-              </a:xfrm>
-            </p:spPr>
-            <p:txBody>
-              <a:bodyPr/>
-              <a:lstStyle/>
-              <a:p>
-                <a14:m>
-                  <m:oMathPara xmlns:m="http://schemas.openxmlformats.org/officeDocument/2006/math">
-                    <m:oMathParaPr>
-                      <m:jc m:val="centerGroup"/>
-                    </m:oMathParaPr>
-                    <m:oMath xmlns:m="http://schemas.openxmlformats.org/officeDocument/2006/math">
-                      <m:r>
-                        <a:rPr lang="en-GB" sz="5400" b="0" i="1" smtClean="0">
-                          <a:latin typeface="Cambria Math" panose="02040503050406030204" pitchFamily="18" charset="0"/>
-                        </a:rPr>
-                        <m:t>𝑥</m:t>
-                      </m:r>
-                      <m:r>
-                        <a:rPr lang="en-GB" sz="5400" b="0" i="1" smtClean="0">
-                          <a:latin typeface="Cambria Math" panose="02040503050406030204" pitchFamily="18" charset="0"/>
-                        </a:rPr>
-                        <m:t>∗</m:t>
-                      </m:r>
-                      <m:r>
-                        <a:rPr lang="en-GB" sz="5400" b="0" i="1" smtClean="0">
-                          <a:latin typeface="Cambria Math" panose="02040503050406030204" pitchFamily="18" charset="0"/>
-                        </a:rPr>
-                        <m:t>𝑃𝑆𝐹</m:t>
-                      </m:r>
-                      <m:r>
-                        <a:rPr lang="en-GB" sz="5400" b="0" i="1" smtClean="0">
-                          <a:latin typeface="Cambria Math" panose="02040503050406030204" pitchFamily="18" charset="0"/>
-                        </a:rPr>
-                        <m:t>+</m:t>
-                      </m:r>
-                      <m:r>
-                        <a:rPr lang="en-GB" sz="5400" b="0" i="1" smtClean="0">
-                          <a:latin typeface="Cambria Math" panose="02040503050406030204" pitchFamily="18" charset="0"/>
-                        </a:rPr>
-                        <m:t>𝑁</m:t>
-                      </m:r>
-                      <m:r>
-                        <a:rPr lang="en-GB" sz="5400" b="0" i="1" smtClean="0">
-                          <a:latin typeface="Cambria Math" panose="02040503050406030204" pitchFamily="18" charset="0"/>
-                        </a:rPr>
-                        <m:t>=</m:t>
-                      </m:r>
-                      <m:sSub>
-                        <m:sSubPr>
-                          <m:ctrlPr>
-                            <a:rPr lang="en-GB" sz="5400" i="1">
-                              <a:latin typeface="Cambria Math" panose="02040503050406030204" pitchFamily="18" charset="0"/>
-                            </a:rPr>
-                          </m:ctrlPr>
-                        </m:sSubPr>
-                        <m:e>
-                          <m:r>
-                            <a:rPr lang="en-GB" sz="5400" i="1">
-                              <a:latin typeface="Cambria Math" panose="02040503050406030204" pitchFamily="18" charset="0"/>
-                            </a:rPr>
-                            <m:t>𝐼</m:t>
-                          </m:r>
-                        </m:e>
-                        <m:sub>
-                          <m:r>
-                            <a:rPr lang="en-GB" sz="5400" i="1">
-                              <a:latin typeface="Cambria Math" panose="02040503050406030204" pitchFamily="18" charset="0"/>
-                            </a:rPr>
-                            <m:t>𝑑𝑖𝑟𝑡𝑦</m:t>
-                          </m:r>
-                        </m:sub>
-                      </m:sSub>
-                    </m:oMath>
-                  </m:oMathPara>
-                </a14:m>
-                <a:endParaRPr lang="en-GB" sz="5400" dirty="0"/>
-              </a:p>
-            </p:txBody>
-          </p:sp>
-        </mc:Choice>
-        <mc:Fallback>
-          <p:sp>
-            <p:nvSpPr>
-              <p:cNvPr id="6" name="Textplatzhalter 5"/>
-              <p:cNvSpPr>
-                <a:spLocks noGrp="1" noRot="1" noChangeAspect="1" noMove="1" noResize="1" noEditPoints="1" noAdjustHandles="1" noChangeArrowheads="1" noChangeShapeType="1" noTextEdit="1"/>
-              </p:cNvSpPr>
-              <p:nvPr>
-                <p:ph type="body" idx="1"/>
-              </p:nvPr>
-            </p:nvSpPr>
-            <p:spPr>
-              <a:xfrm>
-                <a:off x="738188" y="3276574"/>
-                <a:ext cx="9213850" cy="3384575"/>
-              </a:xfrm>
-              <a:blipFill>
-                <a:blip r:embed="rId3"/>
-                <a:stretch>
-                  <a:fillRect/>
-                </a:stretch>
-              </a:blipFill>
-            </p:spPr>
-            <p:txBody>
-              <a:bodyPr/>
-              <a:lstStyle/>
-              <a:p>
-                <a:r>
-                  <a:rPr lang="en-GB">
-                    <a:noFill/>
-                  </a:rPr>
-                  <a:t> </a:t>
-                </a:r>
-              </a:p>
-            </p:txBody>
-          </p:sp>
-        </mc:Fallback>
-      </mc:AlternateContent>
+      <p:sp>
+        <p:nvSpPr>
+          <p:cNvPr id="6" name="Textplatzhalter 5"/>
+          <p:cNvSpPr>
+            <a:spLocks noGrp="1"/>
+          </p:cNvSpPr>
+          <p:nvPr>
+            <p:ph type="body" idx="1"/>
+          </p:nvPr>
+        </p:nvSpPr>
+        <p:spPr>
+          <a:xfrm>
+            <a:off x="738188" y="1980432"/>
+            <a:ext cx="9213850" cy="4680718"/>
+          </a:xfrm>
+        </p:spPr>
+        <p:txBody>
+          <a:bodyPr/>
+          <a:lstStyle/>
+          <a:p>
+            <a:endParaRPr lang="en-GB" sz="5400" dirty="0"/>
+          </a:p>
+        </p:txBody>
+      </p:sp>
+      <p:pic>
+        <p:nvPicPr>
+          <p:cNvPr id="7" name="Grafik 6"/>
+          <p:cNvPicPr>
+            <a:picLocks noChangeAspect="1"/>
+          </p:cNvPicPr>
+          <p:nvPr/>
+        </p:nvPicPr>
+        <p:blipFill>
+          <a:blip r:embed="rId3">
+            <a:extLst>
+              <a:ext uri="{28A0092B-C50C-407E-A947-70E740481C1C}">
+                <a14:useLocalDpi xmlns:a14="http://schemas.microsoft.com/office/drawing/2010/main" val="0"/>
+              </a:ext>
+            </a:extLst>
+          </a:blip>
+          <a:stretch>
+            <a:fillRect/>
+          </a:stretch>
+        </p:blipFill>
+        <p:spPr>
+          <a:xfrm>
+            <a:off x="1617662" y="3385344"/>
+            <a:ext cx="7458075" cy="790575"/>
+          </a:xfrm>
+          <a:prstGeom prst="rect">
+            <a:avLst/>
+          </a:prstGeom>
+        </p:spPr>
+      </p:pic>
     </p:spTree>
     <p:extLst>
       <p:ext uri="{BB962C8B-B14F-4D97-AF65-F5344CB8AC3E}">
@@ -7323,7 +9378,7 @@
                   <a:srgbClr val="000000"/>
                 </a:solidFill>
               </a:rPr>
-              <a:t>11.08.2018</a:t>
+              <a:t>12.08.2018</a:t>
             </a:fld>
             <a:endParaRPr lang="de-CH">
               <a:solidFill>
@@ -7413,7 +9468,7 @@
           <a:p>
             <a:r>
               <a:rPr lang="en-GB" dirty="0" smtClean="0"/>
-              <a:t>CLEAN</a:t>
+              <a:t>Compressed Sensing?</a:t>
             </a:r>
             <a:endParaRPr lang="en-GB" dirty="0"/>
           </a:p>
@@ -7429,23 +9484,54 @@
             <p:ph type="body" idx="1"/>
           </p:nvPr>
         </p:nvSpPr>
-        <p:spPr/>
-        <p:txBody>
-          <a:bodyPr/>
-          <a:lstStyle/>
-          <a:p>
-            <a:r>
-              <a:rPr lang="en-GB" dirty="0" smtClean="0"/>
-              <a:t>Find max</a:t>
-            </a:r>
-            <a:endParaRPr lang="en-GB" dirty="0"/>
-          </a:p>
-        </p:txBody>
-      </p:sp>
+        <p:spPr>
+          <a:xfrm>
+            <a:off x="738188" y="1980432"/>
+            <a:ext cx="9213850" cy="4680718"/>
+          </a:xfrm>
+        </p:spPr>
+        <p:txBody>
+          <a:bodyPr/>
+          <a:lstStyle/>
+          <a:p>
+            <a:endParaRPr lang="en-GB" sz="5400" dirty="0"/>
+          </a:p>
+        </p:txBody>
+      </p:sp>
+      <p:pic>
+        <p:nvPicPr>
+          <p:cNvPr id="7" name="Grafik 6"/>
+          <p:cNvPicPr>
+            <a:picLocks noChangeAspect="1"/>
+          </p:cNvPicPr>
+          <p:nvPr/>
+        </p:nvPicPr>
+        <p:blipFill>
+          <a:blip r:embed="rId3">
+            <a:extLst>
+              <a:ext uri="{28A0092B-C50C-407E-A947-70E740481C1C}">
+                <a14:useLocalDpi xmlns:a14="http://schemas.microsoft.com/office/drawing/2010/main" val="0"/>
+              </a:ext>
+            </a:extLst>
+          </a:blip>
+          <a:stretch>
+            <a:fillRect/>
+          </a:stretch>
+        </p:blipFill>
+        <p:spPr>
+          <a:xfrm>
+            <a:off x="1617662" y="3385344"/>
+            <a:ext cx="7458075" cy="790575"/>
+          </a:xfrm>
+          <a:prstGeom prst="rect">
+            <a:avLst/>
+          </a:prstGeom>
+        </p:spPr>
+      </p:pic>
     </p:spTree>
     <p:extLst>
       <p:ext uri="{BB962C8B-B14F-4D97-AF65-F5344CB8AC3E}">
-        <p14:creationId xmlns:p14="http://schemas.microsoft.com/office/powerpoint/2010/main" val="2111274024"/>
+        <p14:creationId xmlns:p14="http://schemas.microsoft.com/office/powerpoint/2010/main" val="3964176927"/>
       </p:ext>
     </p:extLst>
   </p:cSld>
@@ -7493,7 +9579,7 @@
                   <a:srgbClr val="000000"/>
                 </a:solidFill>
               </a:rPr>
-              <a:t>11.08.2018</a:t>
+              <a:t>12.08.2018</a:t>
             </a:fld>
             <a:endParaRPr lang="de-CH">
               <a:solidFill>
@@ -7604,10 +9690,6 @@
           <a:bodyPr/>
           <a:lstStyle/>
           <a:p>
-            <a:r>
-              <a:rPr lang="en-GB" dirty="0" smtClean="0"/>
-              <a:t>Find max</a:t>
-            </a:r>
             <a:endParaRPr lang="en-GB" dirty="0"/>
           </a:p>
         </p:txBody>
@@ -7615,7 +9697,7 @@
     </p:spTree>
     <p:extLst>
       <p:ext uri="{BB962C8B-B14F-4D97-AF65-F5344CB8AC3E}">
-        <p14:creationId xmlns:p14="http://schemas.microsoft.com/office/powerpoint/2010/main" val="388549729"/>
+        <p14:creationId xmlns:p14="http://schemas.microsoft.com/office/powerpoint/2010/main" val="2606158152"/>
       </p:ext>
     </p:extLst>
   </p:cSld>
@@ -7663,7 +9745,7 @@
                   <a:srgbClr val="000000"/>
                 </a:solidFill>
               </a:rPr>
-              <a:t>11.08.2018</a:t>
+              <a:t>12.08.2018</a:t>
             </a:fld>
             <a:endParaRPr lang="de-CH">
               <a:solidFill>
@@ -7753,7 +9835,7 @@
           <a:p>
             <a:r>
               <a:rPr lang="en-GB" dirty="0" smtClean="0"/>
-              <a:t>CLEAN</a:t>
+              <a:t>CLEAN, Iteration 0</a:t>
             </a:r>
             <a:endParaRPr lang="en-GB" dirty="0"/>
           </a:p>
@@ -7774,18 +9856,194 @@
           <a:bodyPr/>
           <a:lstStyle/>
           <a:p>
+            <a:endParaRPr lang="en-GB" dirty="0"/>
+          </a:p>
+        </p:txBody>
+      </p:sp>
+      <p:pic>
+        <p:nvPicPr>
+          <p:cNvPr id="7" name="Grafik 6"/>
+          <p:cNvPicPr>
+            <a:picLocks noChangeAspect="1"/>
+          </p:cNvPicPr>
+          <p:nvPr/>
+        </p:nvPicPr>
+        <p:blipFill>
+          <a:blip r:embed="rId2" cstate="print">
+            <a:extLst>
+              <a:ext uri="{28A0092B-C50C-407E-A947-70E740481C1C}">
+                <a14:useLocalDpi xmlns:a14="http://schemas.microsoft.com/office/drawing/2010/main" val="0"/>
+              </a:ext>
+            </a:extLst>
+          </a:blip>
+          <a:stretch>
+            <a:fillRect/>
+          </a:stretch>
+        </p:blipFill>
+        <p:spPr>
+          <a:xfrm>
+            <a:off x="7280692" y="-37093"/>
+            <a:ext cx="3310648" cy="3310648"/>
+          </a:xfrm>
+          <a:prstGeom prst="rect">
+            <a:avLst/>
+          </a:prstGeom>
+        </p:spPr>
+      </p:pic>
+      <p:pic>
+        <p:nvPicPr>
+          <p:cNvPr id="8" name="Grafik 7"/>
+          <p:cNvPicPr>
+            <a:picLocks noChangeAspect="1"/>
+          </p:cNvPicPr>
+          <p:nvPr/>
+        </p:nvPicPr>
+        <p:blipFill>
+          <a:blip r:embed="rId3" cstate="print">
+            <a:extLst>
+              <a:ext uri="{28A0092B-C50C-407E-A947-70E740481C1C}">
+                <a14:useLocalDpi xmlns:a14="http://schemas.microsoft.com/office/drawing/2010/main" val="0"/>
+              </a:ext>
+            </a:extLst>
+          </a:blip>
+          <a:stretch>
+            <a:fillRect/>
+          </a:stretch>
+        </p:blipFill>
+        <p:spPr>
+          <a:xfrm>
+            <a:off x="1401068" y="3204567"/>
+            <a:ext cx="3657600" cy="3657600"/>
+          </a:xfrm>
+          <a:prstGeom prst="rect">
+            <a:avLst/>
+          </a:prstGeom>
+        </p:spPr>
+      </p:pic>
+      <p:pic>
+        <p:nvPicPr>
+          <p:cNvPr id="9" name="Grafik 8"/>
+          <p:cNvPicPr>
+            <a:picLocks noChangeAspect="1"/>
+          </p:cNvPicPr>
+          <p:nvPr/>
+        </p:nvPicPr>
+        <p:blipFill>
+          <a:blip r:embed="rId4" cstate="print">
+            <a:extLst>
+              <a:ext uri="{28A0092B-C50C-407E-A947-70E740481C1C}">
+                <a14:useLocalDpi xmlns:a14="http://schemas.microsoft.com/office/drawing/2010/main" val="0"/>
+              </a:ext>
+            </a:extLst>
+          </a:blip>
+          <a:stretch>
+            <a:fillRect/>
+          </a:stretch>
+        </p:blipFill>
+        <p:spPr>
+          <a:xfrm>
+            <a:off x="5012659" y="3204567"/>
+            <a:ext cx="3657600" cy="3657600"/>
+          </a:xfrm>
+          <a:prstGeom prst="rect">
+            <a:avLst/>
+          </a:prstGeom>
+        </p:spPr>
+      </p:pic>
+      <p:sp>
+        <p:nvSpPr>
+          <p:cNvPr id="10" name="Textfeld 9"/>
+          <p:cNvSpPr txBox="1"/>
+          <p:nvPr/>
+        </p:nvSpPr>
+        <p:spPr>
+          <a:xfrm>
+            <a:off x="1658510" y="3064089"/>
+            <a:ext cx="1560043" cy="415498"/>
+          </a:xfrm>
+          <a:prstGeom prst="rect">
+            <a:avLst/>
+          </a:prstGeom>
+          <a:noFill/>
+        </p:spPr>
+        <p:txBody>
+          <a:bodyPr wrap="none" rtlCol="0">
+            <a:spAutoFit/>
+          </a:bodyPr>
+          <a:lstStyle/>
+          <a:p>
             <a:r>
               <a:rPr lang="en-GB" dirty="0" smtClean="0"/>
-              <a:t>Chance that the x is the true image?</a:t>
+              <a:t>Dirty Image</a:t>
             </a:r>
             <a:endParaRPr lang="en-GB" dirty="0"/>
           </a:p>
         </p:txBody>
       </p:sp>
+      <p:sp>
+        <p:nvSpPr>
+          <p:cNvPr id="11" name="Textfeld 10"/>
+          <p:cNvSpPr txBox="1"/>
+          <p:nvPr/>
+        </p:nvSpPr>
+        <p:spPr>
+          <a:xfrm>
+            <a:off x="5138177" y="3064089"/>
+            <a:ext cx="1737976" cy="415498"/>
+          </a:xfrm>
+          <a:prstGeom prst="rect">
+            <a:avLst/>
+          </a:prstGeom>
+          <a:noFill/>
+        </p:spPr>
+        <p:txBody>
+          <a:bodyPr wrap="none" rtlCol="0">
+            <a:spAutoFit/>
+          </a:bodyPr>
+          <a:lstStyle/>
+          <a:p>
+            <a:r>
+              <a:rPr lang="en-GB" dirty="0" smtClean="0"/>
+              <a:t>Model Image</a:t>
+            </a:r>
+            <a:endParaRPr lang="en-GB" dirty="0"/>
+          </a:p>
+        </p:txBody>
+      </p:sp>
+      <p:pic>
+        <p:nvPicPr>
+          <p:cNvPr id="12" name="Grafik 11"/>
+          <p:cNvPicPr>
+            <a:picLocks noChangeAspect="1"/>
+          </p:cNvPicPr>
+          <p:nvPr/>
+        </p:nvPicPr>
+        <p:blipFill>
+          <a:blip r:embed="rId2" cstate="print">
+            <a:extLst>
+              <a:ext uri="{28A0092B-C50C-407E-A947-70E740481C1C}">
+                <a14:useLocalDpi xmlns:a14="http://schemas.microsoft.com/office/drawing/2010/main" val="0"/>
+              </a:ext>
+            </a:extLst>
+          </a:blip>
+          <a:stretch>
+            <a:fillRect/>
+          </a:stretch>
+        </p:blipFill>
+        <p:spPr>
+          <a:xfrm>
+            <a:off x="7433092" y="-35793"/>
+            <a:ext cx="3310648" cy="3310648"/>
+          </a:xfrm>
+          <a:prstGeom prst="rect">
+            <a:avLst/>
+          </a:prstGeom>
+        </p:spPr>
+      </p:pic>
     </p:spTree>
     <p:extLst>
       <p:ext uri="{BB962C8B-B14F-4D97-AF65-F5344CB8AC3E}">
-        <p14:creationId xmlns:p14="http://schemas.microsoft.com/office/powerpoint/2010/main" val="1832583524"/>
+        <p14:creationId xmlns:p14="http://schemas.microsoft.com/office/powerpoint/2010/main" val="2111274024"/>
       </p:ext>
     </p:extLst>
   </p:cSld>
@@ -7812,6 +10070,66 @@
           <a:chExt cx="0" cy="0"/>
         </a:xfrm>
       </p:grpSpPr>
+      <p:pic>
+        <p:nvPicPr>
+          <p:cNvPr id="15" name="Grafik 14"/>
+          <p:cNvPicPr>
+            <a:picLocks noChangeAspect="1"/>
+          </p:cNvPicPr>
+          <p:nvPr/>
+        </p:nvPicPr>
+        <p:blipFill>
+          <a:blip r:embed="rId2" cstate="print">
+            <a:extLst>
+              <a:ext uri="{28A0092B-C50C-407E-A947-70E740481C1C}">
+                <a14:useLocalDpi xmlns:a14="http://schemas.microsoft.com/office/drawing/2010/main" val="0"/>
+              </a:ext>
+            </a:extLst>
+          </a:blip>
+          <a:stretch>
+            <a:fillRect/>
+          </a:stretch>
+        </p:blipFill>
+        <p:spPr>
+          <a:xfrm>
+            <a:off x="1401068" y="3204567"/>
+            <a:ext cx="3657600" cy="3657600"/>
+          </a:xfrm>
+          <a:prstGeom prst="rect">
+            <a:avLst/>
+          </a:prstGeom>
+        </p:spPr>
+      </p:pic>
+      <p:pic>
+        <p:nvPicPr>
+          <p:cNvPr id="14" name="Grafik 13"/>
+          <p:cNvPicPr>
+            <a:picLocks noChangeAspect="1"/>
+          </p:cNvPicPr>
+          <p:nvPr/>
+        </p:nvPicPr>
+        <p:blipFill>
+          <a:blip r:embed="rId3" cstate="print">
+            <a:extLst>
+              <a:ext uri="{28A0092B-C50C-407E-A947-70E740481C1C}">
+                <a14:useLocalDpi xmlns:a14="http://schemas.microsoft.com/office/drawing/2010/main" val="0"/>
+              </a:ext>
+            </a:extLst>
+          </a:blip>
+          <a:stretch>
+            <a:fillRect/>
+          </a:stretch>
+        </p:blipFill>
+        <p:spPr>
+          <a:xfrm>
+            <a:off x="4986660" y="3204567"/>
+            <a:ext cx="3657600" cy="3657600"/>
+          </a:xfrm>
+          <a:prstGeom prst="rect">
+            <a:avLst/>
+          </a:prstGeom>
+        </p:spPr>
+      </p:pic>
       <p:sp>
         <p:nvSpPr>
           <p:cNvPr id="2" name="Datumsplatzhalter 1"/>
@@ -7833,7 +10151,7 @@
                   <a:srgbClr val="000000"/>
                 </a:solidFill>
               </a:rPr>
-              <a:t>11.08.2018</a:t>
+              <a:t>12.08.2018</a:t>
             </a:fld>
             <a:endParaRPr lang="de-CH">
               <a:solidFill>
@@ -7923,39 +10241,136 @@
           <a:p>
             <a:r>
               <a:rPr lang="en-GB" dirty="0" smtClean="0"/>
-              <a:t>CLEAN  as a Compressed Sensing Reconstruction</a:t>
+              <a:t>CLEAN, Iteration 1</a:t>
             </a:r>
             <a:endParaRPr lang="en-GB" dirty="0"/>
           </a:p>
         </p:txBody>
       </p:sp>
-      <p:sp>
-        <p:nvSpPr>
-          <p:cNvPr id="6" name="Textplatzhalter 5"/>
-          <p:cNvSpPr>
-            <a:spLocks noGrp="1"/>
-          </p:cNvSpPr>
-          <p:nvPr>
-            <p:ph type="body" idx="1"/>
-          </p:nvPr>
-        </p:nvSpPr>
-        <p:spPr/>
-        <p:txBody>
-          <a:bodyPr/>
+      <p:pic>
+        <p:nvPicPr>
+          <p:cNvPr id="7" name="Grafik 6"/>
+          <p:cNvPicPr>
+            <a:picLocks noChangeAspect="1"/>
+          </p:cNvPicPr>
+          <p:nvPr/>
+        </p:nvPicPr>
+        <p:blipFill>
+          <a:blip r:embed="rId4" cstate="print">
+            <a:extLst>
+              <a:ext uri="{28A0092B-C50C-407E-A947-70E740481C1C}">
+                <a14:useLocalDpi xmlns:a14="http://schemas.microsoft.com/office/drawing/2010/main" val="0"/>
+              </a:ext>
+            </a:extLst>
+          </a:blip>
+          <a:stretch>
+            <a:fillRect/>
+          </a:stretch>
+        </p:blipFill>
+        <p:spPr>
+          <a:xfrm>
+            <a:off x="7280692" y="-37093"/>
+            <a:ext cx="3310648" cy="3310648"/>
+          </a:xfrm>
+          <a:prstGeom prst="rect">
+            <a:avLst/>
+          </a:prstGeom>
+        </p:spPr>
+      </p:pic>
+      <p:sp>
+        <p:nvSpPr>
+          <p:cNvPr id="10" name="Textfeld 9"/>
+          <p:cNvSpPr txBox="1"/>
+          <p:nvPr/>
+        </p:nvSpPr>
+        <p:spPr>
+          <a:xfrm>
+            <a:off x="1658510" y="3064089"/>
+            <a:ext cx="1560043" cy="415498"/>
+          </a:xfrm>
+          <a:prstGeom prst="rect">
+            <a:avLst/>
+          </a:prstGeom>
+          <a:noFill/>
+        </p:spPr>
+        <p:txBody>
+          <a:bodyPr wrap="none" rtlCol="0">
+            <a:spAutoFit/>
+          </a:bodyPr>
           <a:lstStyle/>
           <a:p>
             <a:r>
               <a:rPr lang="en-GB" dirty="0" smtClean="0"/>
-              <a:t>Model map, all the information</a:t>
+              <a:t>Dirty Image</a:t>
             </a:r>
             <a:endParaRPr lang="en-GB" dirty="0"/>
           </a:p>
         </p:txBody>
       </p:sp>
+      <p:sp>
+        <p:nvSpPr>
+          <p:cNvPr id="11" name="Textfeld 10"/>
+          <p:cNvSpPr txBox="1"/>
+          <p:nvPr/>
+        </p:nvSpPr>
+        <p:spPr>
+          <a:xfrm>
+            <a:off x="5138177" y="3064089"/>
+            <a:ext cx="1737976" cy="415498"/>
+          </a:xfrm>
+          <a:prstGeom prst="rect">
+            <a:avLst/>
+          </a:prstGeom>
+          <a:noFill/>
+        </p:spPr>
+        <p:txBody>
+          <a:bodyPr wrap="none" rtlCol="0">
+            <a:spAutoFit/>
+          </a:bodyPr>
+          <a:lstStyle/>
+          <a:p>
+            <a:r>
+              <a:rPr lang="en-GB" dirty="0" smtClean="0"/>
+              <a:t>Model Image</a:t>
+            </a:r>
+            <a:endParaRPr lang="en-GB" dirty="0"/>
+          </a:p>
+        </p:txBody>
+      </p:sp>
+      <p:pic>
+        <p:nvPicPr>
+          <p:cNvPr id="12" name="Grafik 11"/>
+          <p:cNvPicPr>
+            <a:picLocks noChangeAspect="1"/>
+          </p:cNvPicPr>
+          <p:nvPr/>
+        </p:nvPicPr>
+        <p:blipFill>
+          <a:blip r:embed="rId4" cstate="print">
+            <a:extLst>
+              <a:ext uri="{28A0092B-C50C-407E-A947-70E740481C1C}">
+                <a14:useLocalDpi xmlns:a14="http://schemas.microsoft.com/office/drawing/2010/main" val="0"/>
+              </a:ext>
+            </a:extLst>
+          </a:blip>
+          <a:stretch>
+            <a:fillRect/>
+          </a:stretch>
+        </p:blipFill>
+        <p:spPr>
+          <a:xfrm>
+            <a:off x="7433092" y="-35793"/>
+            <a:ext cx="3310648" cy="3310648"/>
+          </a:xfrm>
+          <a:prstGeom prst="rect">
+            <a:avLst/>
+          </a:prstGeom>
+        </p:spPr>
+      </p:pic>
     </p:spTree>
     <p:extLst>
       <p:ext uri="{BB962C8B-B14F-4D97-AF65-F5344CB8AC3E}">
-        <p14:creationId xmlns:p14="http://schemas.microsoft.com/office/powerpoint/2010/main" val="1323241219"/>
+        <p14:creationId xmlns:p14="http://schemas.microsoft.com/office/powerpoint/2010/main" val="2791322102"/>
       </p:ext>
     </p:extLst>
   </p:cSld>
@@ -7982,6 +10397,66 @@
           <a:chExt cx="0" cy="0"/>
         </a:xfrm>
       </p:grpSpPr>
+      <p:pic>
+        <p:nvPicPr>
+          <p:cNvPr id="14" name="Grafik 13"/>
+          <p:cNvPicPr>
+            <a:picLocks noChangeAspect="1"/>
+          </p:cNvPicPr>
+          <p:nvPr/>
+        </p:nvPicPr>
+        <p:blipFill>
+          <a:blip r:embed="rId2" cstate="print">
+            <a:extLst>
+              <a:ext uri="{28A0092B-C50C-407E-A947-70E740481C1C}">
+                <a14:useLocalDpi xmlns:a14="http://schemas.microsoft.com/office/drawing/2010/main" val="0"/>
+              </a:ext>
+            </a:extLst>
+          </a:blip>
+          <a:stretch>
+            <a:fillRect/>
+          </a:stretch>
+        </p:blipFill>
+        <p:spPr>
+          <a:xfrm>
+            <a:off x="1401068" y="3219375"/>
+            <a:ext cx="3657600" cy="3657600"/>
+          </a:xfrm>
+          <a:prstGeom prst="rect">
+            <a:avLst/>
+          </a:prstGeom>
+        </p:spPr>
+      </p:pic>
+      <p:pic>
+        <p:nvPicPr>
+          <p:cNvPr id="13" name="Grafik 12"/>
+          <p:cNvPicPr>
+            <a:picLocks noChangeAspect="1"/>
+          </p:cNvPicPr>
+          <p:nvPr/>
+        </p:nvPicPr>
+        <p:blipFill>
+          <a:blip r:embed="rId3" cstate="print">
+            <a:extLst>
+              <a:ext uri="{28A0092B-C50C-407E-A947-70E740481C1C}">
+                <a14:useLocalDpi xmlns:a14="http://schemas.microsoft.com/office/drawing/2010/main" val="0"/>
+              </a:ext>
+            </a:extLst>
+          </a:blip>
+          <a:stretch>
+            <a:fillRect/>
+          </a:stretch>
+        </p:blipFill>
+        <p:spPr>
+          <a:xfrm>
+            <a:off x="4986660" y="3219375"/>
+            <a:ext cx="3657600" cy="3657600"/>
+          </a:xfrm>
+          <a:prstGeom prst="rect">
+            <a:avLst/>
+          </a:prstGeom>
+        </p:spPr>
+      </p:pic>
       <p:sp>
         <p:nvSpPr>
           <p:cNvPr id="2" name="Datumsplatzhalter 1"/>
@@ -8003,7 +10478,7 @@
                   <a:srgbClr val="000000"/>
                 </a:solidFill>
               </a:rPr>
-              <a:t>11.08.2018</a:t>
+              <a:t>12.08.2018</a:t>
             </a:fld>
             <a:endParaRPr lang="de-CH">
               <a:solidFill>
@@ -8093,7 +10568,7 @@
           <a:p>
             <a:r>
               <a:rPr lang="en-GB" dirty="0" smtClean="0"/>
-              <a:t>CLEAN  as a Compressed Sensing Reconstruction</a:t>
+              <a:t>CLEAN, Iteration 2</a:t>
             </a:r>
             <a:endParaRPr lang="en-GB" dirty="0"/>
           </a:p>
@@ -8114,18 +10589,134 @@
           <a:bodyPr/>
           <a:lstStyle/>
           <a:p>
+            <a:endParaRPr lang="en-GB" dirty="0"/>
+          </a:p>
+        </p:txBody>
+      </p:sp>
+      <p:pic>
+        <p:nvPicPr>
+          <p:cNvPr id="7" name="Grafik 6"/>
+          <p:cNvPicPr>
+            <a:picLocks noChangeAspect="1"/>
+          </p:cNvPicPr>
+          <p:nvPr/>
+        </p:nvPicPr>
+        <p:blipFill>
+          <a:blip r:embed="rId4" cstate="print">
+            <a:extLst>
+              <a:ext uri="{28A0092B-C50C-407E-A947-70E740481C1C}">
+                <a14:useLocalDpi xmlns:a14="http://schemas.microsoft.com/office/drawing/2010/main" val="0"/>
+              </a:ext>
+            </a:extLst>
+          </a:blip>
+          <a:stretch>
+            <a:fillRect/>
+          </a:stretch>
+        </p:blipFill>
+        <p:spPr>
+          <a:xfrm>
+            <a:off x="7280692" y="-37093"/>
+            <a:ext cx="3310648" cy="3310648"/>
+          </a:xfrm>
+          <a:prstGeom prst="rect">
+            <a:avLst/>
+          </a:prstGeom>
+        </p:spPr>
+      </p:pic>
+      <p:sp>
+        <p:nvSpPr>
+          <p:cNvPr id="10" name="Textfeld 9"/>
+          <p:cNvSpPr txBox="1"/>
+          <p:nvPr/>
+        </p:nvSpPr>
+        <p:spPr>
+          <a:xfrm>
+            <a:off x="1658510" y="3064089"/>
+            <a:ext cx="1560043" cy="415498"/>
+          </a:xfrm>
+          <a:prstGeom prst="rect">
+            <a:avLst/>
+          </a:prstGeom>
+          <a:noFill/>
+        </p:spPr>
+        <p:txBody>
+          <a:bodyPr wrap="none" rtlCol="0">
+            <a:spAutoFit/>
+          </a:bodyPr>
+          <a:lstStyle/>
+          <a:p>
             <a:r>
               <a:rPr lang="en-GB" dirty="0" smtClean="0"/>
-              <a:t>Incoherence</a:t>
+              <a:t>Dirty Image</a:t>
             </a:r>
             <a:endParaRPr lang="en-GB" dirty="0"/>
           </a:p>
         </p:txBody>
       </p:sp>
+      <p:sp>
+        <p:nvSpPr>
+          <p:cNvPr id="11" name="Textfeld 10"/>
+          <p:cNvSpPr txBox="1"/>
+          <p:nvPr/>
+        </p:nvSpPr>
+        <p:spPr>
+          <a:xfrm>
+            <a:off x="5138177" y="3064089"/>
+            <a:ext cx="1737976" cy="415498"/>
+          </a:xfrm>
+          <a:prstGeom prst="rect">
+            <a:avLst/>
+          </a:prstGeom>
+          <a:noFill/>
+        </p:spPr>
+        <p:txBody>
+          <a:bodyPr wrap="none" rtlCol="0">
+            <a:spAutoFit/>
+          </a:bodyPr>
+          <a:lstStyle/>
+          <a:p>
+            <a:r>
+              <a:rPr lang="en-GB" dirty="0" smtClean="0"/>
+              <a:t>Model Image</a:t>
+            </a:r>
+            <a:endParaRPr lang="en-GB" dirty="0"/>
+          </a:p>
+        </p:txBody>
+      </p:sp>
+      <p:pic>
+        <p:nvPicPr>
+          <p:cNvPr id="12" name="Grafik 11"/>
+          <p:cNvPicPr>
+            <a:picLocks noChangeAspect="1"/>
+          </p:cNvPicPr>
+          <p:nvPr/>
+        </p:nvPicPr>
+        <p:blipFill>
+          <a:blip r:embed="rId4" cstate="print">
+            <a:extLst>
+              <a:ext uri="{28A0092B-C50C-407E-A947-70E740481C1C}">
+                <a14:useLocalDpi xmlns:a14="http://schemas.microsoft.com/office/drawing/2010/main" val="0"/>
+              </a:ext>
+            </a:extLst>
+          </a:blip>
+          <a:stretch>
+            <a:fillRect/>
+          </a:stretch>
+        </p:blipFill>
+        <p:spPr>
+          <a:xfrm>
+            <a:off x="7433092" y="-35793"/>
+            <a:ext cx="3310648" cy="3310648"/>
+          </a:xfrm>
+          <a:prstGeom prst="rect">
+            <a:avLst/>
+          </a:prstGeom>
+        </p:spPr>
+      </p:pic>
     </p:spTree>
     <p:extLst>
       <p:ext uri="{BB962C8B-B14F-4D97-AF65-F5344CB8AC3E}">
-        <p14:creationId xmlns:p14="http://schemas.microsoft.com/office/powerpoint/2010/main" val="3601425266"/>
+        <p14:creationId xmlns:p14="http://schemas.microsoft.com/office/powerpoint/2010/main" val="573803273"/>
       </p:ext>
     </p:extLst>
   </p:cSld>
@@ -8385,7 +10976,7 @@
         <a:effectLst/>
         <a:extLst>
           <a:ext uri="{AF507438-7753-43e0-B8FC-AC1667EBCBE1}">
-            <a14:hiddenEffects xmlns:a14="http://schemas.microsoft.com/office/drawing/2010/main" xmlns="">
+            <a14:hiddenEffects xmlns="" xmlns:a14="http://schemas.microsoft.com/office/drawing/2010/main">
               <a:effectLst>
                 <a:outerShdw dist="35921" dir="2700000" algn="ctr" rotWithShape="0">
                   <a:schemeClr val="bg2"/>
@@ -8458,7 +11049,7 @@
         <a:effectLst/>
         <a:extLst>
           <a:ext uri="{AF507438-7753-43e0-B8FC-AC1667EBCBE1}">
-            <a14:hiddenEffects xmlns:a14="http://schemas.microsoft.com/office/drawing/2010/main" xmlns="">
+            <a14:hiddenEffects xmlns="" xmlns:a14="http://schemas.microsoft.com/office/drawing/2010/main">
               <a:effectLst>
                 <a:outerShdw dist="35921" dir="2700000" algn="ctr" rotWithShape="0">
                   <a:schemeClr val="bg2"/>

--- a/ppt/praes.pptx
+++ b/ppt/praes.pptx
@@ -5,44 +5,41 @@
     <p:sldMasterId id="2147483713" r:id="rId1"/>
   </p:sldMasterIdLst>
   <p:notesMasterIdLst>
-    <p:notesMasterId r:id="rId34"/>
+    <p:notesMasterId r:id="rId31"/>
   </p:notesMasterIdLst>
   <p:handoutMasterIdLst>
-    <p:handoutMasterId r:id="rId35"/>
+    <p:handoutMasterId r:id="rId32"/>
   </p:handoutMasterIdLst>
   <p:sldIdLst>
     <p:sldId id="256" r:id="rId2"/>
     <p:sldId id="261" r:id="rId3"/>
     <p:sldId id="272" r:id="rId4"/>
     <p:sldId id="262" r:id="rId5"/>
-    <p:sldId id="289" r:id="rId6"/>
-    <p:sldId id="282" r:id="rId7"/>
-    <p:sldId id="271" r:id="rId8"/>
-    <p:sldId id="283" r:id="rId9"/>
-    <p:sldId id="284" r:id="rId10"/>
-    <p:sldId id="285" r:id="rId11"/>
-    <p:sldId id="286" r:id="rId12"/>
-    <p:sldId id="287" r:id="rId13"/>
-    <p:sldId id="288" r:id="rId14"/>
-    <p:sldId id="276" r:id="rId15"/>
-    <p:sldId id="274" r:id="rId16"/>
-    <p:sldId id="277" r:id="rId17"/>
-    <p:sldId id="280" r:id="rId18"/>
-    <p:sldId id="281" r:id="rId19"/>
-    <p:sldId id="273" r:id="rId20"/>
-    <p:sldId id="270" r:id="rId21"/>
-    <p:sldId id="259" r:id="rId22"/>
-    <p:sldId id="263" r:id="rId23"/>
-    <p:sldId id="264" r:id="rId24"/>
-    <p:sldId id="265" r:id="rId25"/>
-    <p:sldId id="257" r:id="rId26"/>
-    <p:sldId id="278" r:id="rId27"/>
-    <p:sldId id="266" r:id="rId28"/>
-    <p:sldId id="258" r:id="rId29"/>
-    <p:sldId id="279" r:id="rId30"/>
-    <p:sldId id="260" r:id="rId31"/>
-    <p:sldId id="269" r:id="rId32"/>
-    <p:sldId id="267" r:id="rId33"/>
+    <p:sldId id="282" r:id="rId6"/>
+    <p:sldId id="271" r:id="rId7"/>
+    <p:sldId id="283" r:id="rId8"/>
+    <p:sldId id="284" r:id="rId9"/>
+    <p:sldId id="285" r:id="rId10"/>
+    <p:sldId id="286" r:id="rId11"/>
+    <p:sldId id="287" r:id="rId12"/>
+    <p:sldId id="273" r:id="rId13"/>
+    <p:sldId id="277" r:id="rId14"/>
+    <p:sldId id="280" r:id="rId15"/>
+    <p:sldId id="292" r:id="rId16"/>
+    <p:sldId id="259" r:id="rId17"/>
+    <p:sldId id="270" r:id="rId18"/>
+    <p:sldId id="263" r:id="rId19"/>
+    <p:sldId id="264" r:id="rId20"/>
+    <p:sldId id="265" r:id="rId21"/>
+    <p:sldId id="257" r:id="rId22"/>
+    <p:sldId id="291" r:id="rId23"/>
+    <p:sldId id="290" r:id="rId24"/>
+    <p:sldId id="278" r:id="rId25"/>
+    <p:sldId id="266" r:id="rId26"/>
+    <p:sldId id="258" r:id="rId27"/>
+    <p:sldId id="279" r:id="rId28"/>
+    <p:sldId id="260" r:id="rId29"/>
+    <p:sldId id="269" r:id="rId30"/>
   </p:sldIdLst>
   <p:sldSz cx="10693400" cy="7561263"/>
   <p:notesSz cx="6858000" cy="9144000"/>
@@ -180,7 +177,6 @@
             <p14:sldId id="261"/>
             <p14:sldId id="272"/>
             <p14:sldId id="262"/>
-            <p14:sldId id="289"/>
           </p14:sldIdLst>
         </p14:section>
         <p14:section name="CLEAN" id="{66BB2E45-2870-4577-BE32-FDFA49B4C7F9}">
@@ -192,15 +188,12 @@
             <p14:sldId id="285"/>
             <p14:sldId id="286"/>
             <p14:sldId id="287"/>
-            <p14:sldId id="288"/>
-            <p14:sldId id="276"/>
-            <p14:sldId id="274"/>
+            <p14:sldId id="273"/>
             <p14:sldId id="277"/>
             <p14:sldId id="280"/>
-            <p14:sldId id="281"/>
-            <p14:sldId id="273"/>
+            <p14:sldId id="292"/>
+            <p14:sldId id="259"/>
             <p14:sldId id="270"/>
-            <p14:sldId id="259"/>
             <p14:sldId id="263"/>
             <p14:sldId id="264"/>
             <p14:sldId id="265"/>
@@ -209,13 +202,14 @@
         <p14:section name="Abschnitt ohne Titel" id="{08DBAA98-29F2-46AD-A1D0-8A81AF8564F8}">
           <p14:sldIdLst>
             <p14:sldId id="257"/>
+            <p14:sldId id="291"/>
+            <p14:sldId id="290"/>
             <p14:sldId id="278"/>
             <p14:sldId id="266"/>
             <p14:sldId id="258"/>
             <p14:sldId id="279"/>
             <p14:sldId id="260"/>
             <p14:sldId id="269"/>
-            <p14:sldId id="267"/>
           </p14:sldIdLst>
         </p14:section>
       </p14:sectionLst>
@@ -291,14 +285,14 @@
           <a:effectLst/>
           <a:extLst>
             <a:ext uri="{909E8E84-426E-40dd-AFC4-6F175D3DCCD1}">
-              <a14:hiddenFill xmlns="" xmlns:a14="http://schemas.microsoft.com/office/drawing/2010/main">
+              <a14:hiddenFill xmlns:a14="http://schemas.microsoft.com/office/drawing/2010/main" xmlns="">
                 <a:solidFill>
                   <a:schemeClr val="accent1"/>
                 </a:solidFill>
               </a14:hiddenFill>
             </a:ext>
             <a:ext uri="{91240B29-F687-4f45-9708-019B960494DF}">
-              <a14:hiddenLine xmlns="" xmlns:a14="http://schemas.microsoft.com/office/drawing/2010/main" w="9525">
+              <a14:hiddenLine xmlns:a14="http://schemas.microsoft.com/office/drawing/2010/main" xmlns="" w="9525">
                 <a:solidFill>
                   <a:schemeClr val="tx1"/>
                 </a:solidFill>
@@ -308,7 +302,7 @@
               </a14:hiddenLine>
             </a:ext>
             <a:ext uri="{AF507438-7753-43e0-B8FC-AC1667EBCBE1}">
-              <a14:hiddenEffects xmlns="" xmlns:a14="http://schemas.microsoft.com/office/drawing/2010/main">
+              <a14:hiddenEffects xmlns:a14="http://schemas.microsoft.com/office/drawing/2010/main" xmlns="">
                 <a:effectLst>
                   <a:outerShdw dist="35921" dir="2700000" algn="ctr" rotWithShape="0">
                     <a:schemeClr val="bg2"/>
@@ -359,14 +353,14 @@
           <a:effectLst/>
           <a:extLst>
             <a:ext uri="{909E8E84-426E-40dd-AFC4-6F175D3DCCD1}">
-              <a14:hiddenFill xmlns="" xmlns:a14="http://schemas.microsoft.com/office/drawing/2010/main">
+              <a14:hiddenFill xmlns:a14="http://schemas.microsoft.com/office/drawing/2010/main" xmlns="">
                 <a:solidFill>
                   <a:schemeClr val="accent1"/>
                 </a:solidFill>
               </a14:hiddenFill>
             </a:ext>
             <a:ext uri="{91240B29-F687-4f45-9708-019B960494DF}">
-              <a14:hiddenLine xmlns="" xmlns:a14="http://schemas.microsoft.com/office/drawing/2010/main" w="9525">
+              <a14:hiddenLine xmlns:a14="http://schemas.microsoft.com/office/drawing/2010/main" xmlns="" w="9525">
                 <a:solidFill>
                   <a:schemeClr val="tx1"/>
                 </a:solidFill>
@@ -376,7 +370,7 @@
               </a14:hiddenLine>
             </a:ext>
             <a:ext uri="{AF507438-7753-43e0-B8FC-AC1667EBCBE1}">
-              <a14:hiddenEffects xmlns="" xmlns:a14="http://schemas.microsoft.com/office/drawing/2010/main">
+              <a14:hiddenEffects xmlns:a14="http://schemas.microsoft.com/office/drawing/2010/main" xmlns="">
                 <a:effectLst>
                   <a:outerShdw dist="35921" dir="2700000" algn="ctr" rotWithShape="0">
                     <a:schemeClr val="bg2"/>
@@ -427,14 +421,14 @@
           <a:effectLst/>
           <a:extLst>
             <a:ext uri="{909E8E84-426E-40dd-AFC4-6F175D3DCCD1}">
-              <a14:hiddenFill xmlns="" xmlns:a14="http://schemas.microsoft.com/office/drawing/2010/main">
+              <a14:hiddenFill xmlns:a14="http://schemas.microsoft.com/office/drawing/2010/main" xmlns="">
                 <a:solidFill>
                   <a:schemeClr val="accent1"/>
                 </a:solidFill>
               </a14:hiddenFill>
             </a:ext>
             <a:ext uri="{91240B29-F687-4f45-9708-019B960494DF}">
-              <a14:hiddenLine xmlns="" xmlns:a14="http://schemas.microsoft.com/office/drawing/2010/main" w="9525">
+              <a14:hiddenLine xmlns:a14="http://schemas.microsoft.com/office/drawing/2010/main" xmlns="" w="9525">
                 <a:solidFill>
                   <a:schemeClr val="tx1"/>
                 </a:solidFill>
@@ -444,7 +438,7 @@
               </a14:hiddenLine>
             </a:ext>
             <a:ext uri="{AF507438-7753-43e0-B8FC-AC1667EBCBE1}">
-              <a14:hiddenEffects xmlns="" xmlns:a14="http://schemas.microsoft.com/office/drawing/2010/main">
+              <a14:hiddenEffects xmlns:a14="http://schemas.microsoft.com/office/drawing/2010/main" xmlns="">
                 <a:effectLst>
                   <a:outerShdw dist="35921" dir="2700000" algn="ctr" rotWithShape="0">
                     <a:schemeClr val="bg2"/>
@@ -495,14 +489,14 @@
           <a:effectLst/>
           <a:extLst>
             <a:ext uri="{909E8E84-426E-40dd-AFC4-6F175D3DCCD1}">
-              <a14:hiddenFill xmlns="" xmlns:a14="http://schemas.microsoft.com/office/drawing/2010/main">
+              <a14:hiddenFill xmlns:a14="http://schemas.microsoft.com/office/drawing/2010/main" xmlns="">
                 <a:solidFill>
                   <a:schemeClr val="accent1"/>
                 </a:solidFill>
               </a14:hiddenFill>
             </a:ext>
             <a:ext uri="{91240B29-F687-4f45-9708-019B960494DF}">
-              <a14:hiddenLine xmlns="" xmlns:a14="http://schemas.microsoft.com/office/drawing/2010/main" w="9525">
+              <a14:hiddenLine xmlns:a14="http://schemas.microsoft.com/office/drawing/2010/main" xmlns="" w="9525">
                 <a:solidFill>
                   <a:schemeClr val="tx1"/>
                 </a:solidFill>
@@ -512,7 +506,7 @@
               </a14:hiddenLine>
             </a:ext>
             <a:ext uri="{AF507438-7753-43e0-B8FC-AC1667EBCBE1}">
-              <a14:hiddenEffects xmlns="" xmlns:a14="http://schemas.microsoft.com/office/drawing/2010/main">
+              <a14:hiddenEffects xmlns:a14="http://schemas.microsoft.com/office/drawing/2010/main" xmlns="">
                 <a:effectLst>
                   <a:outerShdw dist="35921" dir="2700000" algn="ctr" rotWithShape="0">
                     <a:schemeClr val="bg2"/>
@@ -604,14 +598,14 @@
           <a:effectLst/>
           <a:extLst>
             <a:ext uri="{909E8E84-426E-40dd-AFC4-6F175D3DCCD1}">
-              <a14:hiddenFill xmlns="" xmlns:a14="http://schemas.microsoft.com/office/drawing/2010/main">
+              <a14:hiddenFill xmlns:a14="http://schemas.microsoft.com/office/drawing/2010/main" xmlns="">
                 <a:solidFill>
                   <a:schemeClr val="accent1"/>
                 </a:solidFill>
               </a14:hiddenFill>
             </a:ext>
             <a:ext uri="{91240B29-F687-4f45-9708-019B960494DF}">
-              <a14:hiddenLine xmlns="" xmlns:a14="http://schemas.microsoft.com/office/drawing/2010/main" w="9525">
+              <a14:hiddenLine xmlns:a14="http://schemas.microsoft.com/office/drawing/2010/main" xmlns="" w="9525">
                 <a:solidFill>
                   <a:schemeClr val="tx1"/>
                 </a:solidFill>
@@ -621,7 +615,7 @@
               </a14:hiddenLine>
             </a:ext>
             <a:ext uri="{AF507438-7753-43e0-B8FC-AC1667EBCBE1}">
-              <a14:hiddenEffects xmlns="" xmlns:a14="http://schemas.microsoft.com/office/drawing/2010/main">
+              <a14:hiddenEffects xmlns:a14="http://schemas.microsoft.com/office/drawing/2010/main" xmlns="">
                 <a:effectLst>
                   <a:outerShdw dist="35921" dir="2700000" algn="ctr" rotWithShape="0">
                     <a:schemeClr val="bg2"/>
@@ -672,14 +666,14 @@
           <a:effectLst/>
           <a:extLst>
             <a:ext uri="{909E8E84-426E-40dd-AFC4-6F175D3DCCD1}">
-              <a14:hiddenFill xmlns="" xmlns:a14="http://schemas.microsoft.com/office/drawing/2010/main">
+              <a14:hiddenFill xmlns:a14="http://schemas.microsoft.com/office/drawing/2010/main" xmlns="">
                 <a:solidFill>
                   <a:schemeClr val="accent1"/>
                 </a:solidFill>
               </a14:hiddenFill>
             </a:ext>
             <a:ext uri="{91240B29-F687-4f45-9708-019B960494DF}">
-              <a14:hiddenLine xmlns="" xmlns:a14="http://schemas.microsoft.com/office/drawing/2010/main" w="9525">
+              <a14:hiddenLine xmlns:a14="http://schemas.microsoft.com/office/drawing/2010/main" xmlns="" w="9525">
                 <a:solidFill>
                   <a:schemeClr val="tx1"/>
                 </a:solidFill>
@@ -689,7 +683,7 @@
               </a14:hiddenLine>
             </a:ext>
             <a:ext uri="{AF507438-7753-43e0-B8FC-AC1667EBCBE1}">
-              <a14:hiddenEffects xmlns="" xmlns:a14="http://schemas.microsoft.com/office/drawing/2010/main">
+              <a14:hiddenEffects xmlns:a14="http://schemas.microsoft.com/office/drawing/2010/main" xmlns="">
                 <a:effectLst>
                   <a:outerShdw dist="35921" dir="2700000" algn="ctr" rotWithShape="0">
                     <a:schemeClr val="bg2"/>
@@ -745,7 +739,7 @@
           <a:effectLst/>
           <a:extLst>
             <a:ext uri="{AF507438-7753-43e0-B8FC-AC1667EBCBE1}">
-              <a14:hiddenEffects xmlns="" xmlns:a14="http://schemas.microsoft.com/office/drawing/2010/main">
+              <a14:hiddenEffects xmlns:a14="http://schemas.microsoft.com/office/drawing/2010/main" xmlns="">
                 <a:effectLst>
                   <a:outerShdw dist="35921" dir="2700000" algn="ctr" rotWithShape="0">
                     <a:srgbClr val="808080"/>
@@ -754,7 +748,7 @@
               </a14:hiddenEffects>
             </a:ext>
             <a:ext uri="{53640926-AAD7-44d8-BBD7-CCE9431645EC}">
-              <a14:shadowObscured xmlns="" xmlns:a14="http://schemas.microsoft.com/office/drawing/2010/main" val="1"/>
+              <a14:shadowObscured xmlns:a14="http://schemas.microsoft.com/office/drawing/2010/main" xmlns="" val="1"/>
             </a:ext>
           </a:extLst>
         </p:spPr>
@@ -784,14 +778,14 @@
           <a:effectLst/>
           <a:extLst>
             <a:ext uri="{909E8E84-426E-40dd-AFC4-6F175D3DCCD1}">
-              <a14:hiddenFill xmlns="" xmlns:a14="http://schemas.microsoft.com/office/drawing/2010/main">
+              <a14:hiddenFill xmlns:a14="http://schemas.microsoft.com/office/drawing/2010/main" xmlns="">
                 <a:solidFill>
                   <a:schemeClr val="accent1"/>
                 </a:solidFill>
               </a14:hiddenFill>
             </a:ext>
             <a:ext uri="{91240B29-F687-4f45-9708-019B960494DF}">
-              <a14:hiddenLine xmlns="" xmlns:a14="http://schemas.microsoft.com/office/drawing/2010/main" w="9525">
+              <a14:hiddenLine xmlns:a14="http://schemas.microsoft.com/office/drawing/2010/main" xmlns="" w="9525">
                 <a:solidFill>
                   <a:schemeClr val="tx1"/>
                 </a:solidFill>
@@ -801,7 +795,7 @@
               </a14:hiddenLine>
             </a:ext>
             <a:ext uri="{AF507438-7753-43e0-B8FC-AC1667EBCBE1}">
-              <a14:hiddenEffects xmlns="" xmlns:a14="http://schemas.microsoft.com/office/drawing/2010/main">
+              <a14:hiddenEffects xmlns:a14="http://schemas.microsoft.com/office/drawing/2010/main" xmlns="">
                 <a:effectLst>
                   <a:outerShdw dist="35921" dir="2700000" algn="ctr" rotWithShape="0">
                     <a:schemeClr val="bg2"/>
@@ -880,14 +874,14 @@
           <a:effectLst/>
           <a:extLst>
             <a:ext uri="{909E8E84-426E-40dd-AFC4-6F175D3DCCD1}">
-              <a14:hiddenFill xmlns="" xmlns:a14="http://schemas.microsoft.com/office/drawing/2010/main">
+              <a14:hiddenFill xmlns:a14="http://schemas.microsoft.com/office/drawing/2010/main" xmlns="">
                 <a:solidFill>
                   <a:schemeClr val="accent1"/>
                 </a:solidFill>
               </a14:hiddenFill>
             </a:ext>
             <a:ext uri="{91240B29-F687-4f45-9708-019B960494DF}">
-              <a14:hiddenLine xmlns="" xmlns:a14="http://schemas.microsoft.com/office/drawing/2010/main" w="9525">
+              <a14:hiddenLine xmlns:a14="http://schemas.microsoft.com/office/drawing/2010/main" xmlns="" w="9525">
                 <a:solidFill>
                   <a:schemeClr val="tx1"/>
                 </a:solidFill>
@@ -897,7 +891,7 @@
               </a14:hiddenLine>
             </a:ext>
             <a:ext uri="{AF507438-7753-43e0-B8FC-AC1667EBCBE1}">
-              <a14:hiddenEffects xmlns="" xmlns:a14="http://schemas.microsoft.com/office/drawing/2010/main">
+              <a14:hiddenEffects xmlns:a14="http://schemas.microsoft.com/office/drawing/2010/main" xmlns="">
                 <a:effectLst>
                   <a:outerShdw dist="35921" dir="2700000" algn="ctr" rotWithShape="0">
                     <a:schemeClr val="bg2"/>
@@ -948,14 +942,14 @@
           <a:effectLst/>
           <a:extLst>
             <a:ext uri="{909E8E84-426E-40dd-AFC4-6F175D3DCCD1}">
-              <a14:hiddenFill xmlns="" xmlns:a14="http://schemas.microsoft.com/office/drawing/2010/main">
+              <a14:hiddenFill xmlns:a14="http://schemas.microsoft.com/office/drawing/2010/main" xmlns="">
                 <a:solidFill>
                   <a:schemeClr val="accent1"/>
                 </a:solidFill>
               </a14:hiddenFill>
             </a:ext>
             <a:ext uri="{91240B29-F687-4f45-9708-019B960494DF}">
-              <a14:hiddenLine xmlns="" xmlns:a14="http://schemas.microsoft.com/office/drawing/2010/main" w="9525">
+              <a14:hiddenLine xmlns:a14="http://schemas.microsoft.com/office/drawing/2010/main" xmlns="" w="9525">
                 <a:solidFill>
                   <a:schemeClr val="tx1"/>
                 </a:solidFill>
@@ -965,7 +959,7 @@
               </a14:hiddenLine>
             </a:ext>
             <a:ext uri="{AF507438-7753-43e0-B8FC-AC1667EBCBE1}">
-              <a14:hiddenEffects xmlns="" xmlns:a14="http://schemas.microsoft.com/office/drawing/2010/main">
+              <a14:hiddenEffects xmlns:a14="http://schemas.microsoft.com/office/drawing/2010/main" xmlns="">
                 <a:effectLst>
                   <a:outerShdw dist="35921" dir="2700000" algn="ctr" rotWithShape="0">
                     <a:schemeClr val="bg2"/>
@@ -1361,11 +1355,11 @@
           <a:p>
             <a:r>
               <a:rPr lang="en-GB" dirty="0" smtClean="0"/>
-              <a:t>From</a:t>
+              <a:t>Low</a:t>
             </a:r>
             <a:r>
               <a:rPr lang="en-GB" baseline="0" dirty="0" smtClean="0"/>
-              <a:t> the theory of compressed sensing</a:t>
+              <a:t> resolution</a:t>
             </a:r>
             <a:endParaRPr lang="en-GB" dirty="0"/>
           </a:p>
@@ -1389,100 +1383,7 @@
             <a:fld id="{058061DB-DF71-4765-99A4-14E22DF63CCF}" type="slidenum">
               <a:rPr lang="de-CH" smtClean="0"/>
               <a:pPr/>
-              <a:t>5</a:t>
-            </a:fld>
-            <a:endParaRPr lang="de-CH"/>
-          </a:p>
-        </p:txBody>
-      </p:sp>
-    </p:spTree>
-    <p:extLst>
-      <p:ext uri="{BB962C8B-B14F-4D97-AF65-F5344CB8AC3E}">
-        <p14:creationId xmlns:p14="http://schemas.microsoft.com/office/powerpoint/2010/main" val="1084401195"/>
-      </p:ext>
-    </p:extLst>
-  </p:cSld>
-  <p:clrMapOvr>
-    <a:masterClrMapping/>
-  </p:clrMapOvr>
-</p:notes>
-</file>
-
-<file path=ppt/notesSlides/notesSlide4.xml><?xml version="1.0" encoding="utf-8"?>
-<p:notes xmlns:a="http://schemas.openxmlformats.org/drawingml/2006/main" xmlns:r="http://schemas.openxmlformats.org/officeDocument/2006/relationships" xmlns:p="http://schemas.openxmlformats.org/presentationml/2006/main">
-  <p:cSld>
-    <p:spTree>
-      <p:nvGrpSpPr>
-        <p:cNvPr id="1" name=""/>
-        <p:cNvGrpSpPr/>
-        <p:nvPr/>
-      </p:nvGrpSpPr>
-      <p:grpSpPr>
-        <a:xfrm>
-          <a:off x="0" y="0"/>
-          <a:ext cx="0" cy="0"/>
-          <a:chOff x="0" y="0"/>
-          <a:chExt cx="0" cy="0"/>
-        </a:xfrm>
-      </p:grpSpPr>
-      <p:sp>
-        <p:nvSpPr>
-          <p:cNvPr id="2" name="Folienbildplatzhalter 1"/>
-          <p:cNvSpPr>
-            <a:spLocks noGrp="1" noRot="1" noChangeAspect="1"/>
-          </p:cNvSpPr>
-          <p:nvPr>
-            <p:ph type="sldImg"/>
-          </p:nvPr>
-        </p:nvSpPr>
-        <p:spPr/>
-      </p:sp>
-      <p:sp>
-        <p:nvSpPr>
-          <p:cNvPr id="3" name="Notizenplatzhalter 2"/>
-          <p:cNvSpPr>
-            <a:spLocks noGrp="1"/>
-          </p:cNvSpPr>
-          <p:nvPr>
-            <p:ph type="body" idx="1"/>
-          </p:nvPr>
-        </p:nvSpPr>
-        <p:spPr/>
-        <p:txBody>
-          <a:bodyPr/>
-          <a:lstStyle/>
-          <a:p>
-            <a:r>
-              <a:rPr lang="en-GB" dirty="0" smtClean="0"/>
-              <a:t>Low</a:t>
-            </a:r>
-            <a:r>
-              <a:rPr lang="en-GB" baseline="0" dirty="0" smtClean="0"/>
-              <a:t> resolution</a:t>
-            </a:r>
-            <a:endParaRPr lang="en-GB" dirty="0"/>
-          </a:p>
-        </p:txBody>
-      </p:sp>
-      <p:sp>
-        <p:nvSpPr>
-          <p:cNvPr id="4" name="Foliennummernplatzhalter 3"/>
-          <p:cNvSpPr>
-            <a:spLocks noGrp="1"/>
-          </p:cNvSpPr>
-          <p:nvPr>
-            <p:ph type="sldNum" sz="quarter" idx="10"/>
-          </p:nvPr>
-        </p:nvSpPr>
-        <p:spPr/>
-        <p:txBody>
-          <a:bodyPr/>
-          <a:lstStyle/>
-          <a:p>
-            <a:fld id="{058061DB-DF71-4765-99A4-14E22DF63CCF}" type="slidenum">
-              <a:rPr lang="de-CH" smtClean="0"/>
-              <a:pPr/>
-              <a:t>25</a:t>
+              <a:t>21</a:t>
             </a:fld>
             <a:endParaRPr lang="de-CH"/>
           </a:p>
@@ -1540,14 +1441,14 @@
           <a:ln/>
           <a:extLst>
             <a:ext uri="{909E8E84-426E-40dd-AFC4-6F175D3DCCD1}">
-              <a14:hiddenFill xmlns="" xmlns:a14="http://schemas.microsoft.com/office/drawing/2010/main">
+              <a14:hiddenFill xmlns:a14="http://schemas.microsoft.com/office/drawing/2010/main" xmlns="">
                 <a:solidFill>
                   <a:srgbClr val="FFFFFF"/>
                 </a:solidFill>
               </a14:hiddenFill>
             </a:ext>
             <a:ext uri="{91240B29-F687-4f45-9708-019B960494DF}">
-              <a14:hiddenLine xmlns="" xmlns:a14="http://schemas.microsoft.com/office/drawing/2010/main" w="9525">
+              <a14:hiddenLine xmlns:a14="http://schemas.microsoft.com/office/drawing/2010/main" xmlns="" w="9525">
                 <a:solidFill>
                   <a:srgbClr val="000000"/>
                 </a:solidFill>
@@ -2697,14 +2598,14 @@
           <a:effectLst/>
           <a:extLst>
             <a:ext uri="{909E8E84-426E-40dd-AFC4-6F175D3DCCD1}">
-              <a14:hiddenFill xmlns="" xmlns:a14="http://schemas.microsoft.com/office/drawing/2010/main">
+              <a14:hiddenFill xmlns:a14="http://schemas.microsoft.com/office/drawing/2010/main" xmlns="">
                 <a:solidFill>
                   <a:schemeClr val="accent1"/>
                 </a:solidFill>
               </a14:hiddenFill>
             </a:ext>
             <a:ext uri="{91240B29-F687-4f45-9708-019B960494DF}">
-              <a14:hiddenLine xmlns="" xmlns:a14="http://schemas.microsoft.com/office/drawing/2010/main" w="9525">
+              <a14:hiddenLine xmlns:a14="http://schemas.microsoft.com/office/drawing/2010/main" xmlns="" w="9525">
                 <a:solidFill>
                   <a:schemeClr val="tx1"/>
                 </a:solidFill>
@@ -2714,7 +2615,7 @@
               </a14:hiddenLine>
             </a:ext>
             <a:ext uri="{AF507438-7753-43e0-B8FC-AC1667EBCBE1}">
-              <a14:hiddenEffects xmlns="" xmlns:a14="http://schemas.microsoft.com/office/drawing/2010/main">
+              <a14:hiddenEffects xmlns:a14="http://schemas.microsoft.com/office/drawing/2010/main" xmlns="">
                 <a:effectLst>
                   <a:outerShdw dist="35921" dir="2700000" algn="ctr" rotWithShape="0">
                     <a:schemeClr val="bg2"/>
@@ -2765,14 +2666,14 @@
           <a:effectLst/>
           <a:extLst>
             <a:ext uri="{909E8E84-426E-40dd-AFC4-6F175D3DCCD1}">
-              <a14:hiddenFill xmlns="" xmlns:a14="http://schemas.microsoft.com/office/drawing/2010/main">
+              <a14:hiddenFill xmlns:a14="http://schemas.microsoft.com/office/drawing/2010/main" xmlns="">
                 <a:solidFill>
                   <a:schemeClr val="accent1"/>
                 </a:solidFill>
               </a14:hiddenFill>
             </a:ext>
             <a:ext uri="{91240B29-F687-4f45-9708-019B960494DF}">
-              <a14:hiddenLine xmlns="" xmlns:a14="http://schemas.microsoft.com/office/drawing/2010/main" w="9525">
+              <a14:hiddenLine xmlns:a14="http://schemas.microsoft.com/office/drawing/2010/main" xmlns="" w="9525">
                 <a:solidFill>
                   <a:schemeClr val="tx1"/>
                 </a:solidFill>
@@ -2782,7 +2683,7 @@
               </a14:hiddenLine>
             </a:ext>
             <a:ext uri="{AF507438-7753-43e0-B8FC-AC1667EBCBE1}">
-              <a14:hiddenEffects xmlns="" xmlns:a14="http://schemas.microsoft.com/office/drawing/2010/main">
+              <a14:hiddenEffects xmlns:a14="http://schemas.microsoft.com/office/drawing/2010/main" xmlns="">
                 <a:effectLst>
                   <a:outerShdw dist="35921" dir="2700000" algn="ctr" rotWithShape="0">
                     <a:schemeClr val="bg2"/>
@@ -2861,14 +2762,14 @@
           <a:effectLst/>
           <a:extLst>
             <a:ext uri="{909E8E84-426E-40dd-AFC4-6F175D3DCCD1}">
-              <a14:hiddenFill xmlns="" xmlns:a14="http://schemas.microsoft.com/office/drawing/2010/main">
+              <a14:hiddenFill xmlns:a14="http://schemas.microsoft.com/office/drawing/2010/main" xmlns="">
                 <a:solidFill>
                   <a:schemeClr val="accent1"/>
                 </a:solidFill>
               </a14:hiddenFill>
             </a:ext>
             <a:ext uri="{91240B29-F687-4f45-9708-019B960494DF}">
-              <a14:hiddenLine xmlns="" xmlns:a14="http://schemas.microsoft.com/office/drawing/2010/main" w="9525">
+              <a14:hiddenLine xmlns:a14="http://schemas.microsoft.com/office/drawing/2010/main" xmlns="" w="9525">
                 <a:solidFill>
                   <a:schemeClr val="tx1"/>
                 </a:solidFill>
@@ -2878,7 +2779,7 @@
               </a14:hiddenLine>
             </a:ext>
             <a:ext uri="{AF507438-7753-43e0-B8FC-AC1667EBCBE1}">
-              <a14:hiddenEffects xmlns="" xmlns:a14="http://schemas.microsoft.com/office/drawing/2010/main">
+              <a14:hiddenEffects xmlns:a14="http://schemas.microsoft.com/office/drawing/2010/main" xmlns="">
                 <a:effectLst>
                   <a:outerShdw dist="35921" dir="2700000" algn="ctr" rotWithShape="0">
                     <a:schemeClr val="bg2"/>
@@ -2941,14 +2842,14 @@
           <a:effectLst/>
           <a:extLst>
             <a:ext uri="{909E8E84-426E-40dd-AFC4-6F175D3DCCD1}">
-              <a14:hiddenFill xmlns="" xmlns:a14="http://schemas.microsoft.com/office/drawing/2010/main">
+              <a14:hiddenFill xmlns:a14="http://schemas.microsoft.com/office/drawing/2010/main" xmlns="">
                 <a:solidFill>
                   <a:schemeClr val="accent1"/>
                 </a:solidFill>
               </a14:hiddenFill>
             </a:ext>
             <a:ext uri="{91240B29-F687-4f45-9708-019B960494DF}">
-              <a14:hiddenLine xmlns="" xmlns:a14="http://schemas.microsoft.com/office/drawing/2010/main" w="9525">
+              <a14:hiddenLine xmlns:a14="http://schemas.microsoft.com/office/drawing/2010/main" xmlns="" w="9525">
                 <a:solidFill>
                   <a:schemeClr val="tx1"/>
                 </a:solidFill>
@@ -2958,7 +2859,7 @@
               </a14:hiddenLine>
             </a:ext>
             <a:ext uri="{AF507438-7753-43e0-B8FC-AC1667EBCBE1}">
-              <a14:hiddenEffects xmlns="" xmlns:a14="http://schemas.microsoft.com/office/drawing/2010/main">
+              <a14:hiddenEffects xmlns:a14="http://schemas.microsoft.com/office/drawing/2010/main" xmlns="">
                 <a:effectLst>
                   <a:outerShdw dist="35921" dir="2700000" algn="ctr" rotWithShape="0">
                     <a:schemeClr val="bg2"/>
@@ -3021,14 +2922,14 @@
           <a:effectLst/>
           <a:extLst>
             <a:ext uri="{909E8E84-426E-40dd-AFC4-6F175D3DCCD1}">
-              <a14:hiddenFill xmlns="" xmlns:a14="http://schemas.microsoft.com/office/drawing/2010/main">
+              <a14:hiddenFill xmlns:a14="http://schemas.microsoft.com/office/drawing/2010/main" xmlns="">
                 <a:solidFill>
                   <a:schemeClr val="accent1"/>
                 </a:solidFill>
               </a14:hiddenFill>
             </a:ext>
             <a:ext uri="{91240B29-F687-4f45-9708-019B960494DF}">
-              <a14:hiddenLine xmlns="" xmlns:a14="http://schemas.microsoft.com/office/drawing/2010/main" w="9525">
+              <a14:hiddenLine xmlns:a14="http://schemas.microsoft.com/office/drawing/2010/main" xmlns="" w="9525">
                 <a:solidFill>
                   <a:schemeClr val="tx1"/>
                 </a:solidFill>
@@ -3038,7 +2939,7 @@
               </a14:hiddenLine>
             </a:ext>
             <a:ext uri="{AF507438-7753-43e0-B8FC-AC1667EBCBE1}">
-              <a14:hiddenEffects xmlns="" xmlns:a14="http://schemas.microsoft.com/office/drawing/2010/main">
+              <a14:hiddenEffects xmlns:a14="http://schemas.microsoft.com/office/drawing/2010/main" xmlns="">
                 <a:effectLst>
                   <a:outerShdw dist="35921" dir="2700000" algn="ctr" rotWithShape="0">
                     <a:schemeClr val="bg2"/>
@@ -3105,12 +3006,12 @@
           <a:effectLst/>
           <a:extLst>
             <a:ext uri="{909E8E84-426E-40dd-AFC4-6F175D3DCCD1}">
-              <a14:hiddenFill xmlns="" xmlns:a14="http://schemas.microsoft.com/office/drawing/2010/main">
+              <a14:hiddenFill xmlns:a14="http://schemas.microsoft.com/office/drawing/2010/main" xmlns="">
                 <a:noFill/>
               </a14:hiddenFill>
             </a:ext>
             <a:ext uri="{AF507438-7753-43e0-B8FC-AC1667EBCBE1}">
-              <a14:hiddenEffects xmlns="" xmlns:a14="http://schemas.microsoft.com/office/drawing/2010/main">
+              <a14:hiddenEffects xmlns:a14="http://schemas.microsoft.com/office/drawing/2010/main" xmlns="">
                 <a:effectLst>
                   <a:outerShdw dist="35921" dir="2700000" algn="ctr" rotWithShape="0">
                     <a:schemeClr val="bg2"/>
@@ -3945,352 +3846,6 @@
           <a:p>
             <a:r>
               <a:rPr lang="en-GB" dirty="0" smtClean="0"/>
-              <a:t>CLEAN, Iteration 3</a:t>
-            </a:r>
-            <a:endParaRPr lang="en-GB" dirty="0"/>
-          </a:p>
-        </p:txBody>
-      </p:sp>
-      <p:sp>
-        <p:nvSpPr>
-          <p:cNvPr id="6" name="Textplatzhalter 5"/>
-          <p:cNvSpPr>
-            <a:spLocks noGrp="1"/>
-          </p:cNvSpPr>
-          <p:nvPr>
-            <p:ph type="body" idx="1"/>
-          </p:nvPr>
-        </p:nvSpPr>
-        <p:spPr/>
-        <p:txBody>
-          <a:bodyPr/>
-          <a:lstStyle/>
-          <a:p>
-            <a:endParaRPr lang="en-GB" dirty="0"/>
-          </a:p>
-        </p:txBody>
-      </p:sp>
-      <p:pic>
-        <p:nvPicPr>
-          <p:cNvPr id="7" name="Grafik 6"/>
-          <p:cNvPicPr>
-            <a:picLocks noChangeAspect="1"/>
-          </p:cNvPicPr>
-          <p:nvPr/>
-        </p:nvPicPr>
-        <p:blipFill>
-          <a:blip r:embed="rId4" cstate="print">
-            <a:extLst>
-              <a:ext uri="{28A0092B-C50C-407E-A947-70E740481C1C}">
-                <a14:useLocalDpi xmlns:a14="http://schemas.microsoft.com/office/drawing/2010/main" val="0"/>
-              </a:ext>
-            </a:extLst>
-          </a:blip>
-          <a:stretch>
-            <a:fillRect/>
-          </a:stretch>
-        </p:blipFill>
-        <p:spPr>
-          <a:xfrm>
-            <a:off x="7280692" y="-37093"/>
-            <a:ext cx="3310648" cy="3310648"/>
-          </a:xfrm>
-          <a:prstGeom prst="rect">
-            <a:avLst/>
-          </a:prstGeom>
-        </p:spPr>
-      </p:pic>
-      <p:sp>
-        <p:nvSpPr>
-          <p:cNvPr id="10" name="Textfeld 9"/>
-          <p:cNvSpPr txBox="1"/>
-          <p:nvPr/>
-        </p:nvSpPr>
-        <p:spPr>
-          <a:xfrm>
-            <a:off x="1658510" y="3064089"/>
-            <a:ext cx="1560043" cy="415498"/>
-          </a:xfrm>
-          <a:prstGeom prst="rect">
-            <a:avLst/>
-          </a:prstGeom>
-          <a:noFill/>
-        </p:spPr>
-        <p:txBody>
-          <a:bodyPr wrap="none" rtlCol="0">
-            <a:spAutoFit/>
-          </a:bodyPr>
-          <a:lstStyle/>
-          <a:p>
-            <a:r>
-              <a:rPr lang="en-GB" dirty="0" smtClean="0"/>
-              <a:t>Dirty Image</a:t>
-            </a:r>
-            <a:endParaRPr lang="en-GB" dirty="0"/>
-          </a:p>
-        </p:txBody>
-      </p:sp>
-      <p:sp>
-        <p:nvSpPr>
-          <p:cNvPr id="11" name="Textfeld 10"/>
-          <p:cNvSpPr txBox="1"/>
-          <p:nvPr/>
-        </p:nvSpPr>
-        <p:spPr>
-          <a:xfrm>
-            <a:off x="5138177" y="3064089"/>
-            <a:ext cx="1737976" cy="415498"/>
-          </a:xfrm>
-          <a:prstGeom prst="rect">
-            <a:avLst/>
-          </a:prstGeom>
-          <a:noFill/>
-        </p:spPr>
-        <p:txBody>
-          <a:bodyPr wrap="none" rtlCol="0">
-            <a:spAutoFit/>
-          </a:bodyPr>
-          <a:lstStyle/>
-          <a:p>
-            <a:r>
-              <a:rPr lang="en-GB" dirty="0" smtClean="0"/>
-              <a:t>Model Image</a:t>
-            </a:r>
-            <a:endParaRPr lang="en-GB" dirty="0"/>
-          </a:p>
-        </p:txBody>
-      </p:sp>
-      <p:pic>
-        <p:nvPicPr>
-          <p:cNvPr id="12" name="Grafik 11"/>
-          <p:cNvPicPr>
-            <a:picLocks noChangeAspect="1"/>
-          </p:cNvPicPr>
-          <p:nvPr/>
-        </p:nvPicPr>
-        <p:blipFill>
-          <a:blip r:embed="rId4" cstate="print">
-            <a:extLst>
-              <a:ext uri="{28A0092B-C50C-407E-A947-70E740481C1C}">
-                <a14:useLocalDpi xmlns:a14="http://schemas.microsoft.com/office/drawing/2010/main" val="0"/>
-              </a:ext>
-            </a:extLst>
-          </a:blip>
-          <a:stretch>
-            <a:fillRect/>
-          </a:stretch>
-        </p:blipFill>
-        <p:spPr>
-          <a:xfrm>
-            <a:off x="7433092" y="-35793"/>
-            <a:ext cx="3310648" cy="3310648"/>
-          </a:xfrm>
-          <a:prstGeom prst="rect">
-            <a:avLst/>
-          </a:prstGeom>
-        </p:spPr>
-      </p:pic>
-    </p:spTree>
-    <p:extLst>
-      <p:ext uri="{BB962C8B-B14F-4D97-AF65-F5344CB8AC3E}">
-        <p14:creationId xmlns:p14="http://schemas.microsoft.com/office/powerpoint/2010/main" val="545085356"/>
-      </p:ext>
-    </p:extLst>
-  </p:cSld>
-  <p:clrMapOvr>
-    <a:masterClrMapping/>
-  </p:clrMapOvr>
-</p:sld>
-</file>
-
-<file path=ppt/slides/slide11.xml><?xml version="1.0" encoding="utf-8"?>
-<p:sld xmlns:a="http://schemas.openxmlformats.org/drawingml/2006/main" xmlns:r="http://schemas.openxmlformats.org/officeDocument/2006/relationships" xmlns:p="http://schemas.openxmlformats.org/presentationml/2006/main">
-  <p:cSld>
-    <p:spTree>
-      <p:nvGrpSpPr>
-        <p:cNvPr id="1" name=""/>
-        <p:cNvGrpSpPr/>
-        <p:nvPr/>
-      </p:nvGrpSpPr>
-      <p:grpSpPr>
-        <a:xfrm>
-          <a:off x="0" y="0"/>
-          <a:ext cx="0" cy="0"/>
-          <a:chOff x="0" y="0"/>
-          <a:chExt cx="0" cy="0"/>
-        </a:xfrm>
-      </p:grpSpPr>
-      <p:pic>
-        <p:nvPicPr>
-          <p:cNvPr id="14" name="Grafik 13"/>
-          <p:cNvPicPr>
-            <a:picLocks noChangeAspect="1"/>
-          </p:cNvPicPr>
-          <p:nvPr/>
-        </p:nvPicPr>
-        <p:blipFill>
-          <a:blip r:embed="rId2" cstate="print">
-            <a:extLst>
-              <a:ext uri="{28A0092B-C50C-407E-A947-70E740481C1C}">
-                <a14:useLocalDpi xmlns:a14="http://schemas.microsoft.com/office/drawing/2010/main" val="0"/>
-              </a:ext>
-            </a:extLst>
-          </a:blip>
-          <a:stretch>
-            <a:fillRect/>
-          </a:stretch>
-        </p:blipFill>
-        <p:spPr>
-          <a:xfrm>
-            <a:off x="4986660" y="3219375"/>
-            <a:ext cx="3657600" cy="3657600"/>
-          </a:xfrm>
-          <a:prstGeom prst="rect">
-            <a:avLst/>
-          </a:prstGeom>
-        </p:spPr>
-      </p:pic>
-      <p:pic>
-        <p:nvPicPr>
-          <p:cNvPr id="13" name="Grafik 12"/>
-          <p:cNvPicPr>
-            <a:picLocks noChangeAspect="1"/>
-          </p:cNvPicPr>
-          <p:nvPr/>
-        </p:nvPicPr>
-        <p:blipFill>
-          <a:blip r:embed="rId3" cstate="print">
-            <a:extLst>
-              <a:ext uri="{28A0092B-C50C-407E-A947-70E740481C1C}">
-                <a14:useLocalDpi xmlns:a14="http://schemas.microsoft.com/office/drawing/2010/main" val="0"/>
-              </a:ext>
-            </a:extLst>
-          </a:blip>
-          <a:stretch>
-            <a:fillRect/>
-          </a:stretch>
-        </p:blipFill>
-        <p:spPr>
-          <a:xfrm>
-            <a:off x="1401068" y="3219375"/>
-            <a:ext cx="3657600" cy="3657600"/>
-          </a:xfrm>
-          <a:prstGeom prst="rect">
-            <a:avLst/>
-          </a:prstGeom>
-        </p:spPr>
-      </p:pic>
-      <p:sp>
-        <p:nvSpPr>
-          <p:cNvPr id="2" name="Datumsplatzhalter 1"/>
-          <p:cNvSpPr>
-            <a:spLocks noGrp="1"/>
-          </p:cNvSpPr>
-          <p:nvPr>
-            <p:ph type="dt" sz="half" idx="10"/>
-          </p:nvPr>
-        </p:nvSpPr>
-        <p:spPr/>
-        <p:txBody>
-          <a:bodyPr/>
-          <a:lstStyle/>
-          <a:p>
-            <a:fld id="{5E48492E-72D1-4785-9351-8AE1E40FBA2D}" type="datetime1">
-              <a:rPr lang="de-CH" smtClean="0">
-                <a:solidFill>
-                  <a:srgbClr val="000000"/>
-                </a:solidFill>
-              </a:rPr>
-              <a:t>12.08.2018</a:t>
-            </a:fld>
-            <a:endParaRPr lang="de-CH">
-              <a:solidFill>
-                <a:srgbClr val="000000"/>
-              </a:solidFill>
-            </a:endParaRPr>
-          </a:p>
-        </p:txBody>
-      </p:sp>
-      <p:sp>
-        <p:nvSpPr>
-          <p:cNvPr id="3" name="Fußzeilenplatzhalter 2"/>
-          <p:cNvSpPr>
-            <a:spLocks noGrp="1"/>
-          </p:cNvSpPr>
-          <p:nvPr>
-            <p:ph type="ftr" sz="quarter" idx="11"/>
-          </p:nvPr>
-        </p:nvSpPr>
-        <p:spPr/>
-        <p:txBody>
-          <a:bodyPr/>
-          <a:lstStyle/>
-          <a:p>
-            <a:r>
-              <a:rPr lang="de-CH" dirty="0" smtClean="0">
-                <a:solidFill>
-                  <a:srgbClr val="000000"/>
-                </a:solidFill>
-              </a:rPr>
-              <a:t>Institut i4ds</a:t>
-            </a:r>
-            <a:endParaRPr lang="de-CH" dirty="0">
-              <a:solidFill>
-                <a:srgbClr val="000000"/>
-              </a:solidFill>
-            </a:endParaRPr>
-          </a:p>
-        </p:txBody>
-      </p:sp>
-      <p:sp>
-        <p:nvSpPr>
-          <p:cNvPr id="4" name="Foliennummernplatzhalter 3"/>
-          <p:cNvSpPr>
-            <a:spLocks noGrp="1"/>
-          </p:cNvSpPr>
-          <p:nvPr>
-            <p:ph type="sldNum" sz="quarter" idx="12"/>
-          </p:nvPr>
-        </p:nvSpPr>
-        <p:spPr/>
-        <p:txBody>
-          <a:bodyPr/>
-          <a:lstStyle/>
-          <a:p>
-            <a:fld id="{351188DD-6605-4EF4-9E67-B567F731CE68}" type="slidenum">
-              <a:rPr lang="de-CH" smtClean="0">
-                <a:solidFill>
-                  <a:srgbClr val="000000"/>
-                </a:solidFill>
-              </a:rPr>
-              <a:pPr/>
-              <a:t>11</a:t>
-            </a:fld>
-            <a:endParaRPr lang="de-CH">
-              <a:solidFill>
-                <a:srgbClr val="000000"/>
-              </a:solidFill>
-            </a:endParaRPr>
-          </a:p>
-        </p:txBody>
-      </p:sp>
-      <p:sp>
-        <p:nvSpPr>
-          <p:cNvPr id="5" name="Titel 4"/>
-          <p:cNvSpPr>
-            <a:spLocks noGrp="1"/>
-          </p:cNvSpPr>
-          <p:nvPr>
-            <p:ph type="title"/>
-          </p:nvPr>
-        </p:nvSpPr>
-        <p:spPr/>
-        <p:txBody>
-          <a:bodyPr/>
-          <a:lstStyle/>
-          <a:p>
-            <a:r>
-              <a:rPr lang="en-GB" dirty="0" smtClean="0"/>
               <a:t>CLEAN, Iteration 4</a:t>
             </a:r>
             <a:endParaRPr lang="en-GB" dirty="0"/>
@@ -4446,10 +4001,17 @@
   <p:clrMapOvr>
     <a:masterClrMapping/>
   </p:clrMapOvr>
+  <p:timing>
+    <p:tnLst>
+      <p:par>
+        <p:cTn id="1" dur="indefinite" restart="never" nodeType="tmRoot"/>
+      </p:par>
+    </p:tnLst>
+  </p:timing>
 </p:sld>
 </file>
 
-<file path=ppt/slides/slide12.xml><?xml version="1.0" encoding="utf-8"?>
+<file path=ppt/slides/slide11.xml><?xml version="1.0" encoding="utf-8"?>
 <p:sld xmlns:a="http://schemas.openxmlformats.org/drawingml/2006/main" xmlns:r="http://schemas.openxmlformats.org/officeDocument/2006/relationships" xmlns:p="http://schemas.openxmlformats.org/presentationml/2006/main">
   <p:cSld>
     <p:spTree>
@@ -4610,7 +4172,7 @@
                 </a:solidFill>
               </a:rPr>
               <a:pPr/>
-              <a:t>12</a:t>
+              <a:t>11</a:t>
             </a:fld>
             <a:endParaRPr lang="de-CH">
               <a:solidFill>
@@ -4773,6 +4335,246 @@
   <p:clrMapOvr>
     <a:masterClrMapping/>
   </p:clrMapOvr>
+  <p:timing>
+    <p:tnLst>
+      <p:par>
+        <p:cTn id="1" dur="indefinite" restart="never" nodeType="tmRoot"/>
+      </p:par>
+    </p:tnLst>
+  </p:timing>
+</p:sld>
+</file>
+
+<file path=ppt/slides/slide12.xml><?xml version="1.0" encoding="utf-8"?>
+<p:sld xmlns:a="http://schemas.openxmlformats.org/drawingml/2006/main" xmlns:r="http://schemas.openxmlformats.org/officeDocument/2006/relationships" xmlns:p="http://schemas.openxmlformats.org/presentationml/2006/main">
+  <p:cSld>
+    <p:spTree>
+      <p:nvGrpSpPr>
+        <p:cNvPr id="1" name=""/>
+        <p:cNvGrpSpPr/>
+        <p:nvPr/>
+      </p:nvGrpSpPr>
+      <p:grpSpPr>
+        <a:xfrm>
+          <a:off x="0" y="0"/>
+          <a:ext cx="0" cy="0"/>
+          <a:chOff x="0" y="0"/>
+          <a:chExt cx="0" cy="0"/>
+        </a:xfrm>
+      </p:grpSpPr>
+      <p:sp>
+        <p:nvSpPr>
+          <p:cNvPr id="2" name="Datumsplatzhalter 1"/>
+          <p:cNvSpPr>
+            <a:spLocks noGrp="1"/>
+          </p:cNvSpPr>
+          <p:nvPr>
+            <p:ph type="dt" sz="half" idx="10"/>
+          </p:nvPr>
+        </p:nvSpPr>
+        <p:spPr/>
+        <p:txBody>
+          <a:bodyPr/>
+          <a:lstStyle/>
+          <a:p>
+            <a:fld id="{5E48492E-72D1-4785-9351-8AE1E40FBA2D}" type="datetime1">
+              <a:rPr lang="de-CH" smtClean="0">
+                <a:solidFill>
+                  <a:srgbClr val="000000"/>
+                </a:solidFill>
+              </a:rPr>
+              <a:t>12.08.2018</a:t>
+            </a:fld>
+            <a:endParaRPr lang="de-CH">
+              <a:solidFill>
+                <a:srgbClr val="000000"/>
+              </a:solidFill>
+            </a:endParaRPr>
+          </a:p>
+        </p:txBody>
+      </p:sp>
+      <p:sp>
+        <p:nvSpPr>
+          <p:cNvPr id="3" name="Fußzeilenplatzhalter 2"/>
+          <p:cNvSpPr>
+            <a:spLocks noGrp="1"/>
+          </p:cNvSpPr>
+          <p:nvPr>
+            <p:ph type="ftr" sz="quarter" idx="11"/>
+          </p:nvPr>
+        </p:nvSpPr>
+        <p:spPr/>
+        <p:txBody>
+          <a:bodyPr/>
+          <a:lstStyle/>
+          <a:p>
+            <a:r>
+              <a:rPr lang="de-CH" dirty="0" smtClean="0">
+                <a:solidFill>
+                  <a:srgbClr val="000000"/>
+                </a:solidFill>
+              </a:rPr>
+              <a:t>Institut i4ds</a:t>
+            </a:r>
+            <a:endParaRPr lang="de-CH" dirty="0">
+              <a:solidFill>
+                <a:srgbClr val="000000"/>
+              </a:solidFill>
+            </a:endParaRPr>
+          </a:p>
+        </p:txBody>
+      </p:sp>
+      <p:sp>
+        <p:nvSpPr>
+          <p:cNvPr id="4" name="Foliennummernplatzhalter 3"/>
+          <p:cNvSpPr>
+            <a:spLocks noGrp="1"/>
+          </p:cNvSpPr>
+          <p:nvPr>
+            <p:ph type="sldNum" sz="quarter" idx="12"/>
+          </p:nvPr>
+        </p:nvSpPr>
+        <p:spPr/>
+        <p:txBody>
+          <a:bodyPr/>
+          <a:lstStyle/>
+          <a:p>
+            <a:fld id="{351188DD-6605-4EF4-9E67-B567F731CE68}" type="slidenum">
+              <a:rPr lang="de-CH" smtClean="0">
+                <a:solidFill>
+                  <a:srgbClr val="000000"/>
+                </a:solidFill>
+              </a:rPr>
+              <a:pPr/>
+              <a:t>12</a:t>
+            </a:fld>
+            <a:endParaRPr lang="de-CH">
+              <a:solidFill>
+                <a:srgbClr val="000000"/>
+              </a:solidFill>
+            </a:endParaRPr>
+          </a:p>
+        </p:txBody>
+      </p:sp>
+      <p:sp>
+        <p:nvSpPr>
+          <p:cNvPr id="5" name="Titel 4"/>
+          <p:cNvSpPr>
+            <a:spLocks noGrp="1"/>
+          </p:cNvSpPr>
+          <p:nvPr>
+            <p:ph type="title"/>
+          </p:nvPr>
+        </p:nvSpPr>
+        <p:spPr/>
+        <p:txBody>
+          <a:bodyPr/>
+          <a:lstStyle/>
+          <a:p>
+            <a:r>
+              <a:rPr lang="en-GB" dirty="0" smtClean="0"/>
+              <a:t>CLEAN</a:t>
+            </a:r>
+            <a:endParaRPr lang="en-GB" dirty="0"/>
+          </a:p>
+        </p:txBody>
+      </p:sp>
+      <p:sp>
+        <p:nvSpPr>
+          <p:cNvPr id="6" name="Textplatzhalter 5"/>
+          <p:cNvSpPr>
+            <a:spLocks noGrp="1"/>
+          </p:cNvSpPr>
+          <p:nvPr>
+            <p:ph type="body" idx="1"/>
+          </p:nvPr>
+        </p:nvSpPr>
+        <p:spPr/>
+        <p:txBody>
+          <a:bodyPr/>
+          <a:lstStyle/>
+          <a:p>
+            <a:endParaRPr lang="en-GB" dirty="0"/>
+          </a:p>
+        </p:txBody>
+      </p:sp>
+      <p:pic>
+        <p:nvPicPr>
+          <p:cNvPr id="7" name="Grafik 6"/>
+          <p:cNvPicPr>
+            <a:picLocks noChangeAspect="1"/>
+          </p:cNvPicPr>
+          <p:nvPr/>
+        </p:nvPicPr>
+        <p:blipFill>
+          <a:blip r:embed="rId2">
+            <a:extLst>
+              <a:ext uri="{28A0092B-C50C-407E-A947-70E740481C1C}">
+                <a14:useLocalDpi xmlns:a14="http://schemas.microsoft.com/office/drawing/2010/main" val="0"/>
+              </a:ext>
+            </a:extLst>
+          </a:blip>
+          <a:stretch>
+            <a:fillRect/>
+          </a:stretch>
+        </p:blipFill>
+        <p:spPr>
+          <a:xfrm>
+            <a:off x="645691" y="3204927"/>
+            <a:ext cx="9395668" cy="886511"/>
+          </a:xfrm>
+          <a:prstGeom prst="rect">
+            <a:avLst/>
+          </a:prstGeom>
+        </p:spPr>
+      </p:pic>
+      <p:pic>
+        <p:nvPicPr>
+          <p:cNvPr id="8" name="Grafik 7"/>
+          <p:cNvPicPr>
+            <a:picLocks noChangeAspect="1"/>
+          </p:cNvPicPr>
+          <p:nvPr/>
+        </p:nvPicPr>
+        <p:blipFill>
+          <a:blip r:embed="rId3">
+            <a:extLst>
+              <a:ext uri="{28A0092B-C50C-407E-A947-70E740481C1C}">
+                <a14:useLocalDpi xmlns:a14="http://schemas.microsoft.com/office/drawing/2010/main" val="0"/>
+              </a:ext>
+            </a:extLst>
+          </a:blip>
+          <a:stretch>
+            <a:fillRect/>
+          </a:stretch>
+        </p:blipFill>
+        <p:spPr>
+          <a:xfrm>
+            <a:off x="1614487" y="4977950"/>
+            <a:ext cx="7458075" cy="790575"/>
+          </a:xfrm>
+          <a:prstGeom prst="rect">
+            <a:avLst/>
+          </a:prstGeom>
+        </p:spPr>
+      </p:pic>
+    </p:spTree>
+    <p:extLst>
+      <p:ext uri="{BB962C8B-B14F-4D97-AF65-F5344CB8AC3E}">
+        <p14:creationId xmlns:p14="http://schemas.microsoft.com/office/powerpoint/2010/main" val="2350095334"/>
+      </p:ext>
+    </p:extLst>
+  </p:cSld>
+  <p:clrMapOvr>
+    <a:masterClrMapping/>
+  </p:clrMapOvr>
+  <p:timing>
+    <p:tnLst>
+      <p:par>
+        <p:cTn id="1" dur="indefinite" restart="never" nodeType="tmRoot"/>
+      </p:par>
+    </p:tnLst>
+  </p:timing>
 </p:sld>
 </file>
 
@@ -4904,7 +4706,7 @@
           <a:p>
             <a:r>
               <a:rPr lang="en-GB" dirty="0" smtClean="0"/>
-              <a:t>CLEAN</a:t>
+              <a:t>CLEAN  as a Compressed Sensing Reconstruction</a:t>
             </a:r>
             <a:endParaRPr lang="en-GB" dirty="0"/>
           </a:p>
@@ -4929,16 +4731,53 @@
           </a:p>
         </p:txBody>
       </p:sp>
+      <p:pic>
+        <p:nvPicPr>
+          <p:cNvPr id="7" name="Grafik 6"/>
+          <p:cNvPicPr>
+            <a:picLocks noChangeAspect="1"/>
+          </p:cNvPicPr>
+          <p:nvPr/>
+        </p:nvPicPr>
+        <p:blipFill>
+          <a:blip r:embed="rId2" cstate="print">
+            <a:extLst>
+              <a:ext uri="{28A0092B-C50C-407E-A947-70E740481C1C}">
+                <a14:useLocalDpi xmlns:a14="http://schemas.microsoft.com/office/drawing/2010/main" val="0"/>
+              </a:ext>
+            </a:extLst>
+          </a:blip>
+          <a:stretch>
+            <a:fillRect/>
+          </a:stretch>
+        </p:blipFill>
+        <p:spPr>
+          <a:xfrm>
+            <a:off x="3514725" y="2600325"/>
+            <a:ext cx="3657600" cy="3657600"/>
+          </a:xfrm>
+          <a:prstGeom prst="rect">
+            <a:avLst/>
+          </a:prstGeom>
+        </p:spPr>
+      </p:pic>
     </p:spTree>
     <p:extLst>
       <p:ext uri="{BB962C8B-B14F-4D97-AF65-F5344CB8AC3E}">
-        <p14:creationId xmlns:p14="http://schemas.microsoft.com/office/powerpoint/2010/main" val="3771753185"/>
+        <p14:creationId xmlns:p14="http://schemas.microsoft.com/office/powerpoint/2010/main" val="1323241219"/>
       </p:ext>
     </p:extLst>
   </p:cSld>
   <p:clrMapOvr>
     <a:masterClrMapping/>
   </p:clrMapOvr>
+  <p:timing>
+    <p:tnLst>
+      <p:par>
+        <p:cTn id="1" dur="indefinite" restart="never" nodeType="tmRoot"/>
+      </p:par>
+    </p:tnLst>
+  </p:timing>
 </p:sld>
 </file>
 
@@ -5070,517 +4909,7 @@
           <a:p>
             <a:r>
               <a:rPr lang="en-GB" dirty="0" smtClean="0"/>
-              <a:t>CLEAN</a:t>
-            </a:r>
-            <a:endParaRPr lang="en-GB" dirty="0"/>
-          </a:p>
-        </p:txBody>
-      </p:sp>
-      <p:sp>
-        <p:nvSpPr>
-          <p:cNvPr id="6" name="Textplatzhalter 5"/>
-          <p:cNvSpPr>
-            <a:spLocks noGrp="1"/>
-          </p:cNvSpPr>
-          <p:nvPr>
-            <p:ph type="body" idx="1"/>
-          </p:nvPr>
-        </p:nvSpPr>
-        <p:spPr/>
-        <p:txBody>
-          <a:bodyPr/>
-          <a:lstStyle/>
-          <a:p>
-            <a:r>
-              <a:rPr lang="en-GB" dirty="0" smtClean="0"/>
-              <a:t>Find max</a:t>
-            </a:r>
-            <a:endParaRPr lang="en-GB" dirty="0"/>
-          </a:p>
-        </p:txBody>
-      </p:sp>
-    </p:spTree>
-    <p:extLst>
-      <p:ext uri="{BB962C8B-B14F-4D97-AF65-F5344CB8AC3E}">
-        <p14:creationId xmlns:p14="http://schemas.microsoft.com/office/powerpoint/2010/main" val="388549729"/>
-      </p:ext>
-    </p:extLst>
-  </p:cSld>
-  <p:clrMapOvr>
-    <a:masterClrMapping/>
-  </p:clrMapOvr>
-</p:sld>
-</file>
-
-<file path=ppt/slides/slide15.xml><?xml version="1.0" encoding="utf-8"?>
-<p:sld xmlns:a="http://schemas.openxmlformats.org/drawingml/2006/main" xmlns:r="http://schemas.openxmlformats.org/officeDocument/2006/relationships" xmlns:p="http://schemas.openxmlformats.org/presentationml/2006/main">
-  <p:cSld>
-    <p:spTree>
-      <p:nvGrpSpPr>
-        <p:cNvPr id="1" name=""/>
-        <p:cNvGrpSpPr/>
-        <p:nvPr/>
-      </p:nvGrpSpPr>
-      <p:grpSpPr>
-        <a:xfrm>
-          <a:off x="0" y="0"/>
-          <a:ext cx="0" cy="0"/>
-          <a:chOff x="0" y="0"/>
-          <a:chExt cx="0" cy="0"/>
-        </a:xfrm>
-      </p:grpSpPr>
-      <p:sp>
-        <p:nvSpPr>
-          <p:cNvPr id="2" name="Datumsplatzhalter 1"/>
-          <p:cNvSpPr>
-            <a:spLocks noGrp="1"/>
-          </p:cNvSpPr>
-          <p:nvPr>
-            <p:ph type="dt" sz="half" idx="10"/>
-          </p:nvPr>
-        </p:nvSpPr>
-        <p:spPr/>
-        <p:txBody>
-          <a:bodyPr/>
-          <a:lstStyle/>
-          <a:p>
-            <a:fld id="{5E48492E-72D1-4785-9351-8AE1E40FBA2D}" type="datetime1">
-              <a:rPr lang="de-CH" smtClean="0">
-                <a:solidFill>
-                  <a:srgbClr val="000000"/>
-                </a:solidFill>
-              </a:rPr>
-              <a:t>12.08.2018</a:t>
-            </a:fld>
-            <a:endParaRPr lang="de-CH">
-              <a:solidFill>
-                <a:srgbClr val="000000"/>
-              </a:solidFill>
-            </a:endParaRPr>
-          </a:p>
-        </p:txBody>
-      </p:sp>
-      <p:sp>
-        <p:nvSpPr>
-          <p:cNvPr id="3" name="Fußzeilenplatzhalter 2"/>
-          <p:cNvSpPr>
-            <a:spLocks noGrp="1"/>
-          </p:cNvSpPr>
-          <p:nvPr>
-            <p:ph type="ftr" sz="quarter" idx="11"/>
-          </p:nvPr>
-        </p:nvSpPr>
-        <p:spPr/>
-        <p:txBody>
-          <a:bodyPr/>
-          <a:lstStyle/>
-          <a:p>
-            <a:r>
-              <a:rPr lang="de-CH" dirty="0" smtClean="0">
-                <a:solidFill>
-                  <a:srgbClr val="000000"/>
-                </a:solidFill>
-              </a:rPr>
-              <a:t>Institut i4ds</a:t>
-            </a:r>
-            <a:endParaRPr lang="de-CH" dirty="0">
-              <a:solidFill>
-                <a:srgbClr val="000000"/>
-              </a:solidFill>
-            </a:endParaRPr>
-          </a:p>
-        </p:txBody>
-      </p:sp>
-      <p:sp>
-        <p:nvSpPr>
-          <p:cNvPr id="4" name="Foliennummernplatzhalter 3"/>
-          <p:cNvSpPr>
-            <a:spLocks noGrp="1"/>
-          </p:cNvSpPr>
-          <p:nvPr>
-            <p:ph type="sldNum" sz="quarter" idx="12"/>
-          </p:nvPr>
-        </p:nvSpPr>
-        <p:spPr/>
-        <p:txBody>
-          <a:bodyPr/>
-          <a:lstStyle/>
-          <a:p>
-            <a:fld id="{351188DD-6605-4EF4-9E67-B567F731CE68}" type="slidenum">
-              <a:rPr lang="de-CH" smtClean="0">
-                <a:solidFill>
-                  <a:srgbClr val="000000"/>
-                </a:solidFill>
-              </a:rPr>
-              <a:pPr/>
-              <a:t>15</a:t>
-            </a:fld>
-            <a:endParaRPr lang="de-CH">
-              <a:solidFill>
-                <a:srgbClr val="000000"/>
-              </a:solidFill>
-            </a:endParaRPr>
-          </a:p>
-        </p:txBody>
-      </p:sp>
-      <p:sp>
-        <p:nvSpPr>
-          <p:cNvPr id="5" name="Titel 4"/>
-          <p:cNvSpPr>
-            <a:spLocks noGrp="1"/>
-          </p:cNvSpPr>
-          <p:nvPr>
-            <p:ph type="title"/>
-          </p:nvPr>
-        </p:nvSpPr>
-        <p:spPr/>
-        <p:txBody>
-          <a:bodyPr/>
-          <a:lstStyle/>
-          <a:p>
-            <a:r>
-              <a:rPr lang="en-GB" dirty="0" smtClean="0"/>
-              <a:t>CLEAN</a:t>
-            </a:r>
-            <a:endParaRPr lang="en-GB" dirty="0"/>
-          </a:p>
-        </p:txBody>
-      </p:sp>
-      <p:sp>
-        <p:nvSpPr>
-          <p:cNvPr id="6" name="Textplatzhalter 5"/>
-          <p:cNvSpPr>
-            <a:spLocks noGrp="1"/>
-          </p:cNvSpPr>
-          <p:nvPr>
-            <p:ph type="body" idx="1"/>
-          </p:nvPr>
-        </p:nvSpPr>
-        <p:spPr/>
-        <p:txBody>
-          <a:bodyPr/>
-          <a:lstStyle/>
-          <a:p>
-            <a:r>
-              <a:rPr lang="en-GB" dirty="0" smtClean="0"/>
-              <a:t>Chance that the x is the true image?</a:t>
-            </a:r>
-            <a:endParaRPr lang="en-GB" dirty="0"/>
-          </a:p>
-        </p:txBody>
-      </p:sp>
-    </p:spTree>
-    <p:extLst>
-      <p:ext uri="{BB962C8B-B14F-4D97-AF65-F5344CB8AC3E}">
-        <p14:creationId xmlns:p14="http://schemas.microsoft.com/office/powerpoint/2010/main" val="1832583524"/>
-      </p:ext>
-    </p:extLst>
-  </p:cSld>
-  <p:clrMapOvr>
-    <a:masterClrMapping/>
-  </p:clrMapOvr>
-</p:sld>
-</file>
-
-<file path=ppt/slides/slide16.xml><?xml version="1.0" encoding="utf-8"?>
-<p:sld xmlns:a="http://schemas.openxmlformats.org/drawingml/2006/main" xmlns:r="http://schemas.openxmlformats.org/officeDocument/2006/relationships" xmlns:p="http://schemas.openxmlformats.org/presentationml/2006/main">
-  <p:cSld>
-    <p:spTree>
-      <p:nvGrpSpPr>
-        <p:cNvPr id="1" name=""/>
-        <p:cNvGrpSpPr/>
-        <p:nvPr/>
-      </p:nvGrpSpPr>
-      <p:grpSpPr>
-        <a:xfrm>
-          <a:off x="0" y="0"/>
-          <a:ext cx="0" cy="0"/>
-          <a:chOff x="0" y="0"/>
-          <a:chExt cx="0" cy="0"/>
-        </a:xfrm>
-      </p:grpSpPr>
-      <p:sp>
-        <p:nvSpPr>
-          <p:cNvPr id="2" name="Datumsplatzhalter 1"/>
-          <p:cNvSpPr>
-            <a:spLocks noGrp="1"/>
-          </p:cNvSpPr>
-          <p:nvPr>
-            <p:ph type="dt" sz="half" idx="10"/>
-          </p:nvPr>
-        </p:nvSpPr>
-        <p:spPr/>
-        <p:txBody>
-          <a:bodyPr/>
-          <a:lstStyle/>
-          <a:p>
-            <a:fld id="{5E48492E-72D1-4785-9351-8AE1E40FBA2D}" type="datetime1">
-              <a:rPr lang="de-CH" smtClean="0">
-                <a:solidFill>
-                  <a:srgbClr val="000000"/>
-                </a:solidFill>
-              </a:rPr>
-              <a:t>12.08.2018</a:t>
-            </a:fld>
-            <a:endParaRPr lang="de-CH">
-              <a:solidFill>
-                <a:srgbClr val="000000"/>
-              </a:solidFill>
-            </a:endParaRPr>
-          </a:p>
-        </p:txBody>
-      </p:sp>
-      <p:sp>
-        <p:nvSpPr>
-          <p:cNvPr id="3" name="Fußzeilenplatzhalter 2"/>
-          <p:cNvSpPr>
-            <a:spLocks noGrp="1"/>
-          </p:cNvSpPr>
-          <p:nvPr>
-            <p:ph type="ftr" sz="quarter" idx="11"/>
-          </p:nvPr>
-        </p:nvSpPr>
-        <p:spPr/>
-        <p:txBody>
-          <a:bodyPr/>
-          <a:lstStyle/>
-          <a:p>
-            <a:r>
-              <a:rPr lang="de-CH" dirty="0" smtClean="0">
-                <a:solidFill>
-                  <a:srgbClr val="000000"/>
-                </a:solidFill>
-              </a:rPr>
-              <a:t>Institut i4ds</a:t>
-            </a:r>
-            <a:endParaRPr lang="de-CH" dirty="0">
-              <a:solidFill>
-                <a:srgbClr val="000000"/>
-              </a:solidFill>
-            </a:endParaRPr>
-          </a:p>
-        </p:txBody>
-      </p:sp>
-      <p:sp>
-        <p:nvSpPr>
-          <p:cNvPr id="4" name="Foliennummernplatzhalter 3"/>
-          <p:cNvSpPr>
-            <a:spLocks noGrp="1"/>
-          </p:cNvSpPr>
-          <p:nvPr>
-            <p:ph type="sldNum" sz="quarter" idx="12"/>
-          </p:nvPr>
-        </p:nvSpPr>
-        <p:spPr/>
-        <p:txBody>
-          <a:bodyPr/>
-          <a:lstStyle/>
-          <a:p>
-            <a:fld id="{351188DD-6605-4EF4-9E67-B567F731CE68}" type="slidenum">
-              <a:rPr lang="de-CH" smtClean="0">
-                <a:solidFill>
-                  <a:srgbClr val="000000"/>
-                </a:solidFill>
-              </a:rPr>
-              <a:pPr/>
-              <a:t>16</a:t>
-            </a:fld>
-            <a:endParaRPr lang="de-CH">
-              <a:solidFill>
-                <a:srgbClr val="000000"/>
-              </a:solidFill>
-            </a:endParaRPr>
-          </a:p>
-        </p:txBody>
-      </p:sp>
-      <p:sp>
-        <p:nvSpPr>
-          <p:cNvPr id="5" name="Titel 4"/>
-          <p:cNvSpPr>
-            <a:spLocks noGrp="1"/>
-          </p:cNvSpPr>
-          <p:nvPr>
-            <p:ph type="title"/>
-          </p:nvPr>
-        </p:nvSpPr>
-        <p:spPr/>
-        <p:txBody>
-          <a:bodyPr/>
-          <a:lstStyle/>
-          <a:p>
-            <a:r>
-              <a:rPr lang="en-GB" dirty="0" smtClean="0"/>
-              <a:t>CLEAN  as a Compressed Sensing Reconstruction</a:t>
-            </a:r>
-            <a:endParaRPr lang="en-GB" dirty="0"/>
-          </a:p>
-        </p:txBody>
-      </p:sp>
-      <p:sp>
-        <p:nvSpPr>
-          <p:cNvPr id="6" name="Textplatzhalter 5"/>
-          <p:cNvSpPr>
-            <a:spLocks noGrp="1"/>
-          </p:cNvSpPr>
-          <p:nvPr>
-            <p:ph type="body" idx="1"/>
-          </p:nvPr>
-        </p:nvSpPr>
-        <p:spPr/>
-        <p:txBody>
-          <a:bodyPr/>
-          <a:lstStyle/>
-          <a:p>
-            <a:r>
-              <a:rPr lang="en-GB" dirty="0" smtClean="0"/>
-              <a:t>Model map, all the information</a:t>
-            </a:r>
-            <a:endParaRPr lang="en-GB" dirty="0"/>
-          </a:p>
-        </p:txBody>
-      </p:sp>
-    </p:spTree>
-    <p:extLst>
-      <p:ext uri="{BB962C8B-B14F-4D97-AF65-F5344CB8AC3E}">
-        <p14:creationId xmlns:p14="http://schemas.microsoft.com/office/powerpoint/2010/main" val="1323241219"/>
-      </p:ext>
-    </p:extLst>
-  </p:cSld>
-  <p:clrMapOvr>
-    <a:masterClrMapping/>
-  </p:clrMapOvr>
-</p:sld>
-</file>
-
-<file path=ppt/slides/slide17.xml><?xml version="1.0" encoding="utf-8"?>
-<p:sld xmlns:a="http://schemas.openxmlformats.org/drawingml/2006/main" xmlns:r="http://schemas.openxmlformats.org/officeDocument/2006/relationships" xmlns:p="http://schemas.openxmlformats.org/presentationml/2006/main">
-  <p:cSld>
-    <p:spTree>
-      <p:nvGrpSpPr>
-        <p:cNvPr id="1" name=""/>
-        <p:cNvGrpSpPr/>
-        <p:nvPr/>
-      </p:nvGrpSpPr>
-      <p:grpSpPr>
-        <a:xfrm>
-          <a:off x="0" y="0"/>
-          <a:ext cx="0" cy="0"/>
-          <a:chOff x="0" y="0"/>
-          <a:chExt cx="0" cy="0"/>
-        </a:xfrm>
-      </p:grpSpPr>
-      <p:sp>
-        <p:nvSpPr>
-          <p:cNvPr id="2" name="Datumsplatzhalter 1"/>
-          <p:cNvSpPr>
-            <a:spLocks noGrp="1"/>
-          </p:cNvSpPr>
-          <p:nvPr>
-            <p:ph type="dt" sz="half" idx="10"/>
-          </p:nvPr>
-        </p:nvSpPr>
-        <p:spPr/>
-        <p:txBody>
-          <a:bodyPr/>
-          <a:lstStyle/>
-          <a:p>
-            <a:fld id="{5E48492E-72D1-4785-9351-8AE1E40FBA2D}" type="datetime1">
-              <a:rPr lang="de-CH" smtClean="0">
-                <a:solidFill>
-                  <a:srgbClr val="000000"/>
-                </a:solidFill>
-              </a:rPr>
-              <a:t>12.08.2018</a:t>
-            </a:fld>
-            <a:endParaRPr lang="de-CH">
-              <a:solidFill>
-                <a:srgbClr val="000000"/>
-              </a:solidFill>
-            </a:endParaRPr>
-          </a:p>
-        </p:txBody>
-      </p:sp>
-      <p:sp>
-        <p:nvSpPr>
-          <p:cNvPr id="3" name="Fußzeilenplatzhalter 2"/>
-          <p:cNvSpPr>
-            <a:spLocks noGrp="1"/>
-          </p:cNvSpPr>
-          <p:nvPr>
-            <p:ph type="ftr" sz="quarter" idx="11"/>
-          </p:nvPr>
-        </p:nvSpPr>
-        <p:spPr/>
-        <p:txBody>
-          <a:bodyPr/>
-          <a:lstStyle/>
-          <a:p>
-            <a:r>
-              <a:rPr lang="de-CH" dirty="0" smtClean="0">
-                <a:solidFill>
-                  <a:srgbClr val="000000"/>
-                </a:solidFill>
-              </a:rPr>
-              <a:t>Institut i4ds</a:t>
-            </a:r>
-            <a:endParaRPr lang="de-CH" dirty="0">
-              <a:solidFill>
-                <a:srgbClr val="000000"/>
-              </a:solidFill>
-            </a:endParaRPr>
-          </a:p>
-        </p:txBody>
-      </p:sp>
-      <p:sp>
-        <p:nvSpPr>
-          <p:cNvPr id="4" name="Foliennummernplatzhalter 3"/>
-          <p:cNvSpPr>
-            <a:spLocks noGrp="1"/>
-          </p:cNvSpPr>
-          <p:nvPr>
-            <p:ph type="sldNum" sz="quarter" idx="12"/>
-          </p:nvPr>
-        </p:nvSpPr>
-        <p:spPr/>
-        <p:txBody>
-          <a:bodyPr/>
-          <a:lstStyle/>
-          <a:p>
-            <a:fld id="{351188DD-6605-4EF4-9E67-B567F731CE68}" type="slidenum">
-              <a:rPr lang="de-CH" smtClean="0">
-                <a:solidFill>
-                  <a:srgbClr val="000000"/>
-                </a:solidFill>
-              </a:rPr>
-              <a:pPr/>
-              <a:t>17</a:t>
-            </a:fld>
-            <a:endParaRPr lang="de-CH">
-              <a:solidFill>
-                <a:srgbClr val="000000"/>
-              </a:solidFill>
-            </a:endParaRPr>
-          </a:p>
-        </p:txBody>
-      </p:sp>
-      <p:sp>
-        <p:nvSpPr>
-          <p:cNvPr id="5" name="Titel 4"/>
-          <p:cNvSpPr>
-            <a:spLocks noGrp="1"/>
-          </p:cNvSpPr>
-          <p:nvPr>
-            <p:ph type="title"/>
-          </p:nvPr>
-        </p:nvSpPr>
-        <p:spPr/>
-        <p:txBody>
-          <a:bodyPr/>
-          <a:lstStyle/>
-          <a:p>
-            <a:r>
-              <a:rPr lang="en-GB" dirty="0" smtClean="0"/>
-              <a:t>CLEAN  as a Compressed Sensing Reconstruction</a:t>
+              <a:t>Incoherence</a:t>
             </a:r>
             <a:endParaRPr lang="en-GB" dirty="0"/>
           </a:p>
@@ -5657,7 +4986,7 @@
         </p:blipFill>
         <p:spPr>
           <a:xfrm>
-            <a:off x="389955" y="2153111"/>
+            <a:off x="389955" y="2124447"/>
             <a:ext cx="4763165" cy="4763165"/>
           </a:xfrm>
           <a:prstGeom prst="rect">
@@ -5675,10 +5004,17 @@
   <p:clrMapOvr>
     <a:masterClrMapping/>
   </p:clrMapOvr>
+  <p:timing>
+    <p:tnLst>
+      <p:par>
+        <p:cTn id="1" dur="indefinite" restart="never" nodeType="tmRoot"/>
+      </p:par>
+    </p:tnLst>
+  </p:timing>
 </p:sld>
 </file>
 
-<file path=ppt/slides/slide18.xml><?xml version="1.0" encoding="utf-8"?>
+<file path=ppt/slides/slide15.xml><?xml version="1.0" encoding="utf-8"?>
 <p:sld xmlns:a="http://schemas.openxmlformats.org/drawingml/2006/main" xmlns:r="http://schemas.openxmlformats.org/officeDocument/2006/relationships" xmlns:p="http://schemas.openxmlformats.org/presentationml/2006/main">
   <p:cSld>
     <p:spTree>
@@ -5779,7 +5115,7 @@
                 </a:solidFill>
               </a:rPr>
               <a:pPr/>
-              <a:t>18</a:t>
+              <a:t>15</a:t>
             </a:fld>
             <a:endParaRPr lang="de-CH">
               <a:solidFill>
@@ -5838,17 +5174,24 @@
     </p:spTree>
     <p:extLst>
       <p:ext uri="{BB962C8B-B14F-4D97-AF65-F5344CB8AC3E}">
-        <p14:creationId xmlns:p14="http://schemas.microsoft.com/office/powerpoint/2010/main" val="218506418"/>
+        <p14:creationId xmlns:p14="http://schemas.microsoft.com/office/powerpoint/2010/main" val="2722927141"/>
       </p:ext>
     </p:extLst>
   </p:cSld>
   <p:clrMapOvr>
     <a:masterClrMapping/>
   </p:clrMapOvr>
+  <p:timing>
+    <p:tnLst>
+      <p:par>
+        <p:cTn id="1" dur="indefinite" restart="never" nodeType="tmRoot"/>
+      </p:par>
+    </p:tnLst>
+  </p:timing>
 </p:sld>
 </file>
 
-<file path=ppt/slides/slide19.xml><?xml version="1.0" encoding="utf-8"?>
+<file path=ppt/slides/slide16.xml><?xml version="1.0" encoding="utf-8"?>
 <p:sld xmlns:a="http://schemas.openxmlformats.org/drawingml/2006/main" xmlns:r="http://schemas.openxmlformats.org/officeDocument/2006/relationships" xmlns:p="http://schemas.openxmlformats.org/presentationml/2006/main">
   <p:cSld>
     <p:spTree>
@@ -5949,7 +5292,7 @@
                 </a:solidFill>
               </a:rPr>
               <a:pPr/>
-              <a:t>19</a:t>
+              <a:t>16</a:t>
             </a:fld>
             <a:endParaRPr lang="de-CH">
               <a:solidFill>
@@ -5975,8 +5318,220 @@
           <a:lstStyle/>
           <a:p>
             <a:r>
-              <a:rPr lang="en-GB"/>
-              <a:t>CLEAN  as a Compressed Sensing Reconstruction</a:t>
+              <a:rPr lang="en-GB" dirty="0" smtClean="0"/>
+              <a:t>CLEAN</a:t>
+            </a:r>
+            <a:br>
+              <a:rPr lang="en-GB" dirty="0" smtClean="0"/>
+            </a:br>
+            <a:r>
+              <a:rPr lang="en-GB" dirty="0" smtClean="0"/>
+              <a:t/>
+            </a:r>
+            <a:br>
+              <a:rPr lang="en-GB" dirty="0" smtClean="0"/>
+            </a:br>
+            <a:endParaRPr lang="en-GB" dirty="0"/>
+          </a:p>
+        </p:txBody>
+      </p:sp>
+      <p:sp>
+        <p:nvSpPr>
+          <p:cNvPr id="6" name="Textplatzhalter 5"/>
+          <p:cNvSpPr>
+            <a:spLocks noGrp="1"/>
+          </p:cNvSpPr>
+          <p:nvPr>
+            <p:ph type="body" idx="1"/>
+          </p:nvPr>
+        </p:nvSpPr>
+        <p:spPr/>
+        <p:txBody>
+          <a:bodyPr/>
+          <a:lstStyle/>
+          <a:p>
+            <a:endParaRPr lang="en-GB" dirty="0"/>
+          </a:p>
+        </p:txBody>
+      </p:sp>
+      <p:pic>
+        <p:nvPicPr>
+          <p:cNvPr id="7" name="Grafik 6"/>
+          <p:cNvPicPr>
+            <a:picLocks noChangeAspect="1"/>
+          </p:cNvPicPr>
+          <p:nvPr/>
+        </p:nvPicPr>
+        <p:blipFill rotWithShape="1">
+          <a:blip r:embed="rId2">
+            <a:extLst>
+              <a:ext uri="{28A0092B-C50C-407E-A947-70E740481C1C}">
+                <a14:useLocalDpi xmlns:a14="http://schemas.microsoft.com/office/drawing/2010/main" val="0"/>
+              </a:ext>
+            </a:extLst>
+          </a:blip>
+          <a:srcRect l="32789" t="29175" r="29362" b="31201"/>
+          <a:stretch/>
+        </p:blipFill>
+        <p:spPr>
+          <a:xfrm>
+            <a:off x="3039269" y="2124646"/>
+            <a:ext cx="4608512" cy="4536504"/>
+          </a:xfrm>
+          <a:prstGeom prst="rect">
+            <a:avLst/>
+          </a:prstGeom>
+        </p:spPr>
+      </p:pic>
+    </p:spTree>
+    <p:extLst>
+      <p:ext uri="{BB962C8B-B14F-4D97-AF65-F5344CB8AC3E}">
+        <p14:creationId xmlns:p14="http://schemas.microsoft.com/office/powerpoint/2010/main" val="3336875797"/>
+      </p:ext>
+    </p:extLst>
+  </p:cSld>
+  <p:clrMapOvr>
+    <a:masterClrMapping/>
+  </p:clrMapOvr>
+  <p:timing>
+    <p:tnLst>
+      <p:par>
+        <p:cTn id="1" dur="indefinite" restart="never" nodeType="tmRoot"/>
+      </p:par>
+    </p:tnLst>
+  </p:timing>
+</p:sld>
+</file>
+
+<file path=ppt/slides/slide17.xml><?xml version="1.0" encoding="utf-8"?>
+<p:sld xmlns:a="http://schemas.openxmlformats.org/drawingml/2006/main" xmlns:r="http://schemas.openxmlformats.org/officeDocument/2006/relationships" xmlns:p="http://schemas.openxmlformats.org/presentationml/2006/main">
+  <p:cSld>
+    <p:spTree>
+      <p:nvGrpSpPr>
+        <p:cNvPr id="1" name=""/>
+        <p:cNvGrpSpPr/>
+        <p:nvPr/>
+      </p:nvGrpSpPr>
+      <p:grpSpPr>
+        <a:xfrm>
+          <a:off x="0" y="0"/>
+          <a:ext cx="0" cy="0"/>
+          <a:chOff x="0" y="0"/>
+          <a:chExt cx="0" cy="0"/>
+        </a:xfrm>
+      </p:grpSpPr>
+      <p:sp>
+        <p:nvSpPr>
+          <p:cNvPr id="2" name="Datumsplatzhalter 1"/>
+          <p:cNvSpPr>
+            <a:spLocks noGrp="1"/>
+          </p:cNvSpPr>
+          <p:nvPr>
+            <p:ph type="dt" sz="half" idx="10"/>
+          </p:nvPr>
+        </p:nvSpPr>
+        <p:spPr/>
+        <p:txBody>
+          <a:bodyPr/>
+          <a:lstStyle/>
+          <a:p>
+            <a:fld id="{5E48492E-72D1-4785-9351-8AE1E40FBA2D}" type="datetime1">
+              <a:rPr lang="de-CH" smtClean="0">
+                <a:solidFill>
+                  <a:srgbClr val="000000"/>
+                </a:solidFill>
+              </a:rPr>
+              <a:t>12.08.2018</a:t>
+            </a:fld>
+            <a:endParaRPr lang="de-CH">
+              <a:solidFill>
+                <a:srgbClr val="000000"/>
+              </a:solidFill>
+            </a:endParaRPr>
+          </a:p>
+        </p:txBody>
+      </p:sp>
+      <p:sp>
+        <p:nvSpPr>
+          <p:cNvPr id="3" name="Fußzeilenplatzhalter 2"/>
+          <p:cNvSpPr>
+            <a:spLocks noGrp="1"/>
+          </p:cNvSpPr>
+          <p:nvPr>
+            <p:ph type="ftr" sz="quarter" idx="11"/>
+          </p:nvPr>
+        </p:nvSpPr>
+        <p:spPr/>
+        <p:txBody>
+          <a:bodyPr/>
+          <a:lstStyle/>
+          <a:p>
+            <a:r>
+              <a:rPr lang="de-CH" dirty="0" smtClean="0">
+                <a:solidFill>
+                  <a:srgbClr val="000000"/>
+                </a:solidFill>
+              </a:rPr>
+              <a:t>Institut i4ds</a:t>
+            </a:r>
+            <a:endParaRPr lang="de-CH" dirty="0">
+              <a:solidFill>
+                <a:srgbClr val="000000"/>
+              </a:solidFill>
+            </a:endParaRPr>
+          </a:p>
+        </p:txBody>
+      </p:sp>
+      <p:sp>
+        <p:nvSpPr>
+          <p:cNvPr id="4" name="Foliennummernplatzhalter 3"/>
+          <p:cNvSpPr>
+            <a:spLocks noGrp="1"/>
+          </p:cNvSpPr>
+          <p:nvPr>
+            <p:ph type="sldNum" sz="quarter" idx="12"/>
+          </p:nvPr>
+        </p:nvSpPr>
+        <p:spPr/>
+        <p:txBody>
+          <a:bodyPr/>
+          <a:lstStyle/>
+          <a:p>
+            <a:fld id="{351188DD-6605-4EF4-9E67-B567F731CE68}" type="slidenum">
+              <a:rPr lang="de-CH" smtClean="0">
+                <a:solidFill>
+                  <a:srgbClr val="000000"/>
+                </a:solidFill>
+              </a:rPr>
+              <a:pPr/>
+              <a:t>17</a:t>
+            </a:fld>
+            <a:endParaRPr lang="de-CH">
+              <a:solidFill>
+                <a:srgbClr val="000000"/>
+              </a:solidFill>
+            </a:endParaRPr>
+          </a:p>
+        </p:txBody>
+      </p:sp>
+      <p:sp>
+        <p:nvSpPr>
+          <p:cNvPr id="5" name="Titel 4"/>
+          <p:cNvSpPr>
+            <a:spLocks noGrp="1"/>
+          </p:cNvSpPr>
+          <p:nvPr>
+            <p:ph type="title"/>
+          </p:nvPr>
+        </p:nvSpPr>
+        <p:spPr/>
+        <p:txBody>
+          <a:bodyPr/>
+          <a:lstStyle/>
+          <a:p>
+            <a:r>
+              <a:rPr lang="en-GB" dirty="0" smtClean="0"/>
+              <a:t>Compressed Sensing</a:t>
             </a:r>
             <a:endParaRPr lang="en-GB" dirty="0"/>
           </a:p>
@@ -6023,7 +5578,37 @@
         </p:blipFill>
         <p:spPr>
           <a:xfrm>
-            <a:off x="645691" y="3509053"/>
+            <a:off x="365125" y="4644727"/>
+            <a:ext cx="9956800" cy="895298"/>
+          </a:xfrm>
+          <a:prstGeom prst="rect">
+            <a:avLst/>
+          </a:prstGeom>
+        </p:spPr>
+      </p:pic>
+      <p:pic>
+        <p:nvPicPr>
+          <p:cNvPr id="8" name="Grafik 7"/>
+          <p:cNvPicPr>
+            <a:picLocks noChangeAspect="1"/>
+          </p:cNvPicPr>
+          <p:nvPr/>
+        </p:nvPicPr>
+        <p:blipFill>
+          <a:blip r:embed="rId3">
+            <a:extLst>
+              <a:ext uri="{28A0092B-C50C-407E-A947-70E740481C1C}">
+                <a14:useLocalDpi xmlns:a14="http://schemas.microsoft.com/office/drawing/2010/main" val="0"/>
+              </a:ext>
+            </a:extLst>
+          </a:blip>
+          <a:stretch>
+            <a:fillRect/>
+          </a:stretch>
+        </p:blipFill>
+        <p:spPr>
+          <a:xfrm>
+            <a:off x="645691" y="3221641"/>
             <a:ext cx="9395668" cy="886511"/>
           </a:xfrm>
           <a:prstGeom prst="rect">
@@ -6034,13 +5619,369 @@
     </p:spTree>
     <p:extLst>
       <p:ext uri="{BB962C8B-B14F-4D97-AF65-F5344CB8AC3E}">
-        <p14:creationId xmlns:p14="http://schemas.microsoft.com/office/powerpoint/2010/main" val="2350095334"/>
+        <p14:creationId xmlns:p14="http://schemas.microsoft.com/office/powerpoint/2010/main" val="1810705209"/>
       </p:ext>
     </p:extLst>
   </p:cSld>
   <p:clrMapOvr>
     <a:masterClrMapping/>
   </p:clrMapOvr>
+  <p:timing>
+    <p:tnLst>
+      <p:par>
+        <p:cTn id="1" dur="indefinite" restart="never" nodeType="tmRoot"/>
+      </p:par>
+    </p:tnLst>
+  </p:timing>
+</p:sld>
+</file>
+
+<file path=ppt/slides/slide18.xml><?xml version="1.0" encoding="utf-8"?>
+<p:sld xmlns:a="http://schemas.openxmlformats.org/drawingml/2006/main" xmlns:r="http://schemas.openxmlformats.org/officeDocument/2006/relationships" xmlns:p="http://schemas.openxmlformats.org/presentationml/2006/main">
+  <p:cSld>
+    <p:spTree>
+      <p:nvGrpSpPr>
+        <p:cNvPr id="1" name=""/>
+        <p:cNvGrpSpPr/>
+        <p:nvPr/>
+      </p:nvGrpSpPr>
+      <p:grpSpPr>
+        <a:xfrm>
+          <a:off x="0" y="0"/>
+          <a:ext cx="0" cy="0"/>
+          <a:chOff x="0" y="0"/>
+          <a:chExt cx="0" cy="0"/>
+        </a:xfrm>
+      </p:grpSpPr>
+      <p:sp>
+        <p:nvSpPr>
+          <p:cNvPr id="2" name="Datumsplatzhalter 1"/>
+          <p:cNvSpPr>
+            <a:spLocks noGrp="1"/>
+          </p:cNvSpPr>
+          <p:nvPr>
+            <p:ph type="dt" sz="half" idx="10"/>
+          </p:nvPr>
+        </p:nvSpPr>
+        <p:spPr/>
+        <p:txBody>
+          <a:bodyPr/>
+          <a:lstStyle/>
+          <a:p>
+            <a:fld id="{5E48492E-72D1-4785-9351-8AE1E40FBA2D}" type="datetime1">
+              <a:rPr lang="de-CH" smtClean="0">
+                <a:solidFill>
+                  <a:srgbClr val="000000"/>
+                </a:solidFill>
+              </a:rPr>
+              <a:t>12.08.2018</a:t>
+            </a:fld>
+            <a:endParaRPr lang="de-CH">
+              <a:solidFill>
+                <a:srgbClr val="000000"/>
+              </a:solidFill>
+            </a:endParaRPr>
+          </a:p>
+        </p:txBody>
+      </p:sp>
+      <p:sp>
+        <p:nvSpPr>
+          <p:cNvPr id="3" name="Fußzeilenplatzhalter 2"/>
+          <p:cNvSpPr>
+            <a:spLocks noGrp="1"/>
+          </p:cNvSpPr>
+          <p:nvPr>
+            <p:ph type="ftr" sz="quarter" idx="11"/>
+          </p:nvPr>
+        </p:nvSpPr>
+        <p:spPr/>
+        <p:txBody>
+          <a:bodyPr/>
+          <a:lstStyle/>
+          <a:p>
+            <a:r>
+              <a:rPr lang="de-CH" dirty="0">
+                <a:solidFill>
+                  <a:srgbClr val="000000"/>
+                </a:solidFill>
+              </a:rPr>
+              <a:t>Institut </a:t>
+            </a:r>
+            <a:r>
+              <a:rPr lang="de-CH" dirty="0" smtClean="0">
+                <a:solidFill>
+                  <a:srgbClr val="000000"/>
+                </a:solidFill>
+              </a:rPr>
+              <a:t>i4ds</a:t>
+            </a:r>
+            <a:endParaRPr lang="de-CH" dirty="0">
+              <a:solidFill>
+                <a:srgbClr val="000000"/>
+              </a:solidFill>
+            </a:endParaRPr>
+          </a:p>
+        </p:txBody>
+      </p:sp>
+      <p:sp>
+        <p:nvSpPr>
+          <p:cNvPr id="4" name="Foliennummernplatzhalter 3"/>
+          <p:cNvSpPr>
+            <a:spLocks noGrp="1"/>
+          </p:cNvSpPr>
+          <p:nvPr>
+            <p:ph type="sldNum" sz="quarter" idx="12"/>
+          </p:nvPr>
+        </p:nvSpPr>
+        <p:spPr/>
+        <p:txBody>
+          <a:bodyPr/>
+          <a:lstStyle/>
+          <a:p>
+            <a:fld id="{351188DD-6605-4EF4-9E67-B567F731CE68}" type="slidenum">
+              <a:rPr lang="de-CH" smtClean="0">
+                <a:solidFill>
+                  <a:srgbClr val="000000"/>
+                </a:solidFill>
+              </a:rPr>
+              <a:pPr/>
+              <a:t>18</a:t>
+            </a:fld>
+            <a:endParaRPr lang="de-CH">
+              <a:solidFill>
+                <a:srgbClr val="000000"/>
+              </a:solidFill>
+            </a:endParaRPr>
+          </a:p>
+        </p:txBody>
+      </p:sp>
+      <p:sp>
+        <p:nvSpPr>
+          <p:cNvPr id="5" name="Titel 4"/>
+          <p:cNvSpPr>
+            <a:spLocks noGrp="1"/>
+          </p:cNvSpPr>
+          <p:nvPr>
+            <p:ph type="title"/>
+          </p:nvPr>
+        </p:nvSpPr>
+        <p:spPr/>
+        <p:txBody>
+          <a:bodyPr/>
+          <a:lstStyle/>
+          <a:p>
+            <a:r>
+              <a:rPr lang="en-GB" dirty="0" smtClean="0"/>
+              <a:t>CLEAN as a special case of Compressed Sensing</a:t>
+            </a:r>
+            <a:endParaRPr lang="en-GB" dirty="0"/>
+          </a:p>
+        </p:txBody>
+      </p:sp>
+      <p:sp>
+        <p:nvSpPr>
+          <p:cNvPr id="6" name="Textplatzhalter 5"/>
+          <p:cNvSpPr>
+            <a:spLocks noGrp="1"/>
+          </p:cNvSpPr>
+          <p:nvPr>
+            <p:ph type="body" idx="1"/>
+          </p:nvPr>
+        </p:nvSpPr>
+        <p:spPr/>
+        <p:txBody>
+          <a:bodyPr/>
+          <a:lstStyle/>
+          <a:p>
+            <a:endParaRPr lang="en-GB"/>
+          </a:p>
+        </p:txBody>
+      </p:sp>
+    </p:spTree>
+    <p:extLst>
+      <p:ext uri="{BB962C8B-B14F-4D97-AF65-F5344CB8AC3E}">
+        <p14:creationId xmlns:p14="http://schemas.microsoft.com/office/powerpoint/2010/main" val="1550387807"/>
+      </p:ext>
+    </p:extLst>
+  </p:cSld>
+  <p:clrMapOvr>
+    <a:masterClrMapping/>
+  </p:clrMapOvr>
+  <p:timing>
+    <p:tnLst>
+      <p:par>
+        <p:cTn id="1" dur="indefinite" restart="never" nodeType="tmRoot"/>
+      </p:par>
+    </p:tnLst>
+  </p:timing>
+</p:sld>
+</file>
+
+<file path=ppt/slides/slide19.xml><?xml version="1.0" encoding="utf-8"?>
+<p:sld xmlns:a="http://schemas.openxmlformats.org/drawingml/2006/main" xmlns:r="http://schemas.openxmlformats.org/officeDocument/2006/relationships" xmlns:p="http://schemas.openxmlformats.org/presentationml/2006/main">
+  <p:cSld>
+    <p:spTree>
+      <p:nvGrpSpPr>
+        <p:cNvPr id="1" name=""/>
+        <p:cNvGrpSpPr/>
+        <p:nvPr/>
+      </p:nvGrpSpPr>
+      <p:grpSpPr>
+        <a:xfrm>
+          <a:off x="0" y="0"/>
+          <a:ext cx="0" cy="0"/>
+          <a:chOff x="0" y="0"/>
+          <a:chExt cx="0" cy="0"/>
+        </a:xfrm>
+      </p:grpSpPr>
+      <p:sp>
+        <p:nvSpPr>
+          <p:cNvPr id="2" name="Datumsplatzhalter 1"/>
+          <p:cNvSpPr>
+            <a:spLocks noGrp="1"/>
+          </p:cNvSpPr>
+          <p:nvPr>
+            <p:ph type="dt" sz="half" idx="10"/>
+          </p:nvPr>
+        </p:nvSpPr>
+        <p:spPr/>
+        <p:txBody>
+          <a:bodyPr/>
+          <a:lstStyle/>
+          <a:p>
+            <a:fld id="{5E48492E-72D1-4785-9351-8AE1E40FBA2D}" type="datetime1">
+              <a:rPr lang="de-CH" smtClean="0">
+                <a:solidFill>
+                  <a:srgbClr val="000000"/>
+                </a:solidFill>
+              </a:rPr>
+              <a:t>12.08.2018</a:t>
+            </a:fld>
+            <a:endParaRPr lang="de-CH">
+              <a:solidFill>
+                <a:srgbClr val="000000"/>
+              </a:solidFill>
+            </a:endParaRPr>
+          </a:p>
+        </p:txBody>
+      </p:sp>
+      <p:sp>
+        <p:nvSpPr>
+          <p:cNvPr id="3" name="Fußzeilenplatzhalter 2"/>
+          <p:cNvSpPr>
+            <a:spLocks noGrp="1"/>
+          </p:cNvSpPr>
+          <p:nvPr>
+            <p:ph type="ftr" sz="quarter" idx="11"/>
+          </p:nvPr>
+        </p:nvSpPr>
+        <p:spPr/>
+        <p:txBody>
+          <a:bodyPr/>
+          <a:lstStyle/>
+          <a:p>
+            <a:r>
+              <a:rPr lang="de-CH" dirty="0">
+                <a:solidFill>
+                  <a:srgbClr val="000000"/>
+                </a:solidFill>
+              </a:rPr>
+              <a:t>Institut i4ds</a:t>
+            </a:r>
+          </a:p>
+        </p:txBody>
+      </p:sp>
+      <p:sp>
+        <p:nvSpPr>
+          <p:cNvPr id="4" name="Foliennummernplatzhalter 3"/>
+          <p:cNvSpPr>
+            <a:spLocks noGrp="1"/>
+          </p:cNvSpPr>
+          <p:nvPr>
+            <p:ph type="sldNum" sz="quarter" idx="12"/>
+          </p:nvPr>
+        </p:nvSpPr>
+        <p:spPr/>
+        <p:txBody>
+          <a:bodyPr/>
+          <a:lstStyle/>
+          <a:p>
+            <a:fld id="{351188DD-6605-4EF4-9E67-B567F731CE68}" type="slidenum">
+              <a:rPr lang="de-CH" smtClean="0">
+                <a:solidFill>
+                  <a:srgbClr val="000000"/>
+                </a:solidFill>
+              </a:rPr>
+              <a:pPr/>
+              <a:t>19</a:t>
+            </a:fld>
+            <a:endParaRPr lang="de-CH">
+              <a:solidFill>
+                <a:srgbClr val="000000"/>
+              </a:solidFill>
+            </a:endParaRPr>
+          </a:p>
+        </p:txBody>
+      </p:sp>
+      <p:sp>
+        <p:nvSpPr>
+          <p:cNvPr id="5" name="Titel 4"/>
+          <p:cNvSpPr>
+            <a:spLocks noGrp="1"/>
+          </p:cNvSpPr>
+          <p:nvPr>
+            <p:ph type="title"/>
+          </p:nvPr>
+        </p:nvSpPr>
+        <p:spPr/>
+        <p:txBody>
+          <a:bodyPr/>
+          <a:lstStyle/>
+          <a:p>
+            <a:r>
+              <a:rPr lang="en-GB" dirty="0" smtClean="0"/>
+              <a:t>Super Resolution</a:t>
+            </a:r>
+            <a:endParaRPr lang="en-GB" dirty="0"/>
+          </a:p>
+        </p:txBody>
+      </p:sp>
+      <p:sp>
+        <p:nvSpPr>
+          <p:cNvPr id="6" name="Textplatzhalter 5"/>
+          <p:cNvSpPr>
+            <a:spLocks noGrp="1"/>
+          </p:cNvSpPr>
+          <p:nvPr>
+            <p:ph type="body" idx="1"/>
+          </p:nvPr>
+        </p:nvSpPr>
+        <p:spPr/>
+        <p:txBody>
+          <a:bodyPr/>
+          <a:lstStyle/>
+          <a:p>
+            <a:endParaRPr lang="en-GB"/>
+          </a:p>
+        </p:txBody>
+      </p:sp>
+    </p:spTree>
+    <p:extLst>
+      <p:ext uri="{BB962C8B-B14F-4D97-AF65-F5344CB8AC3E}">
+        <p14:creationId xmlns:p14="http://schemas.microsoft.com/office/powerpoint/2010/main" val="2205424725"/>
+      </p:ext>
+    </p:extLst>
+  </p:cSld>
+  <p:clrMapOvr>
+    <a:masterClrMapping/>
+  </p:clrMapOvr>
+  <p:timing>
+    <p:tnLst>
+      <p:par>
+        <p:cTn id="1" dur="indefinite" restart="never" nodeType="tmRoot"/>
+      </p:par>
+    </p:tnLst>
+  </p:timing>
 </p:sld>
 </file>
 
@@ -6338,18 +6279,13 @@
           <a:lstStyle/>
           <a:p>
             <a:r>
-              <a:rPr lang="de-CH" dirty="0" smtClean="0">
+              <a:rPr lang="de-CH" dirty="0">
                 <a:solidFill>
                   <a:srgbClr val="000000"/>
                 </a:solidFill>
               </a:rPr>
               <a:t>Institut i4ds</a:t>
             </a:r>
-            <a:endParaRPr lang="de-CH" dirty="0">
-              <a:solidFill>
-                <a:srgbClr val="000000"/>
-              </a:solidFill>
-            </a:endParaRPr>
           </a:p>
         </p:txBody>
       </p:sp>
@@ -6376,708 +6312,6 @@
               </a:rPr>
               <a:pPr/>
               <a:t>20</a:t>
-            </a:fld>
-            <a:endParaRPr lang="de-CH">
-              <a:solidFill>
-                <a:srgbClr val="000000"/>
-              </a:solidFill>
-            </a:endParaRPr>
-          </a:p>
-        </p:txBody>
-      </p:sp>
-      <p:sp>
-        <p:nvSpPr>
-          <p:cNvPr id="5" name="Titel 4"/>
-          <p:cNvSpPr>
-            <a:spLocks noGrp="1"/>
-          </p:cNvSpPr>
-          <p:nvPr>
-            <p:ph type="title"/>
-          </p:nvPr>
-        </p:nvSpPr>
-        <p:spPr/>
-        <p:txBody>
-          <a:bodyPr/>
-          <a:lstStyle/>
-          <a:p>
-            <a:r>
-              <a:rPr lang="en-GB" dirty="0" smtClean="0"/>
-              <a:t>Compressed Sensing</a:t>
-            </a:r>
-            <a:endParaRPr lang="en-GB" dirty="0"/>
-          </a:p>
-        </p:txBody>
-      </p:sp>
-      <p:sp>
-        <p:nvSpPr>
-          <p:cNvPr id="6" name="Textplatzhalter 5"/>
-          <p:cNvSpPr>
-            <a:spLocks noGrp="1"/>
-          </p:cNvSpPr>
-          <p:nvPr>
-            <p:ph type="body" idx="1"/>
-          </p:nvPr>
-        </p:nvSpPr>
-        <p:spPr/>
-        <p:txBody>
-          <a:bodyPr/>
-          <a:lstStyle/>
-          <a:p>
-            <a:endParaRPr lang="en-GB"/>
-          </a:p>
-        </p:txBody>
-      </p:sp>
-      <p:pic>
-        <p:nvPicPr>
-          <p:cNvPr id="7" name="Grafik 6"/>
-          <p:cNvPicPr>
-            <a:picLocks noChangeAspect="1"/>
-          </p:cNvPicPr>
-          <p:nvPr/>
-        </p:nvPicPr>
-        <p:blipFill>
-          <a:blip r:embed="rId2">
-            <a:extLst>
-              <a:ext uri="{28A0092B-C50C-407E-A947-70E740481C1C}">
-                <a14:useLocalDpi xmlns:a14="http://schemas.microsoft.com/office/drawing/2010/main" val="0"/>
-              </a:ext>
-            </a:extLst>
-          </a:blip>
-          <a:stretch>
-            <a:fillRect/>
-          </a:stretch>
-        </p:blipFill>
-        <p:spPr>
-          <a:xfrm>
-            <a:off x="594172" y="3533405"/>
-            <a:ext cx="9956800" cy="895298"/>
-          </a:xfrm>
-          <a:prstGeom prst="rect">
-            <a:avLst/>
-          </a:prstGeom>
-        </p:spPr>
-      </p:pic>
-    </p:spTree>
-    <p:extLst>
-      <p:ext uri="{BB962C8B-B14F-4D97-AF65-F5344CB8AC3E}">
-        <p14:creationId xmlns:p14="http://schemas.microsoft.com/office/powerpoint/2010/main" val="1810705209"/>
-      </p:ext>
-    </p:extLst>
-  </p:cSld>
-  <p:clrMapOvr>
-    <a:masterClrMapping/>
-  </p:clrMapOvr>
-</p:sld>
-</file>
-
-<file path=ppt/slides/slide21.xml><?xml version="1.0" encoding="utf-8"?>
-<p:sld xmlns:a="http://schemas.openxmlformats.org/drawingml/2006/main" xmlns:r="http://schemas.openxmlformats.org/officeDocument/2006/relationships" xmlns:p="http://schemas.openxmlformats.org/presentationml/2006/main">
-  <p:cSld>
-    <p:spTree>
-      <p:nvGrpSpPr>
-        <p:cNvPr id="1" name=""/>
-        <p:cNvGrpSpPr/>
-        <p:nvPr/>
-      </p:nvGrpSpPr>
-      <p:grpSpPr>
-        <a:xfrm>
-          <a:off x="0" y="0"/>
-          <a:ext cx="0" cy="0"/>
-          <a:chOff x="0" y="0"/>
-          <a:chExt cx="0" cy="0"/>
-        </a:xfrm>
-      </p:grpSpPr>
-      <p:sp>
-        <p:nvSpPr>
-          <p:cNvPr id="2" name="Datumsplatzhalter 1"/>
-          <p:cNvSpPr>
-            <a:spLocks noGrp="1"/>
-          </p:cNvSpPr>
-          <p:nvPr>
-            <p:ph type="dt" sz="half" idx="10"/>
-          </p:nvPr>
-        </p:nvSpPr>
-        <p:spPr/>
-        <p:txBody>
-          <a:bodyPr/>
-          <a:lstStyle/>
-          <a:p>
-            <a:fld id="{5E48492E-72D1-4785-9351-8AE1E40FBA2D}" type="datetime1">
-              <a:rPr lang="de-CH" smtClean="0">
-                <a:solidFill>
-                  <a:srgbClr val="000000"/>
-                </a:solidFill>
-              </a:rPr>
-              <a:t>12.08.2018</a:t>
-            </a:fld>
-            <a:endParaRPr lang="de-CH">
-              <a:solidFill>
-                <a:srgbClr val="000000"/>
-              </a:solidFill>
-            </a:endParaRPr>
-          </a:p>
-        </p:txBody>
-      </p:sp>
-      <p:sp>
-        <p:nvSpPr>
-          <p:cNvPr id="3" name="Fußzeilenplatzhalter 2"/>
-          <p:cNvSpPr>
-            <a:spLocks noGrp="1"/>
-          </p:cNvSpPr>
-          <p:nvPr>
-            <p:ph type="ftr" sz="quarter" idx="11"/>
-          </p:nvPr>
-        </p:nvSpPr>
-        <p:spPr/>
-        <p:txBody>
-          <a:bodyPr/>
-          <a:lstStyle/>
-          <a:p>
-            <a:r>
-              <a:rPr lang="de-CH" dirty="0" smtClean="0">
-                <a:solidFill>
-                  <a:srgbClr val="000000"/>
-                </a:solidFill>
-              </a:rPr>
-              <a:t>Institut i4ds</a:t>
-            </a:r>
-            <a:endParaRPr lang="de-CH" dirty="0">
-              <a:solidFill>
-                <a:srgbClr val="000000"/>
-              </a:solidFill>
-            </a:endParaRPr>
-          </a:p>
-        </p:txBody>
-      </p:sp>
-      <p:sp>
-        <p:nvSpPr>
-          <p:cNvPr id="4" name="Foliennummernplatzhalter 3"/>
-          <p:cNvSpPr>
-            <a:spLocks noGrp="1"/>
-          </p:cNvSpPr>
-          <p:nvPr>
-            <p:ph type="sldNum" sz="quarter" idx="12"/>
-          </p:nvPr>
-        </p:nvSpPr>
-        <p:spPr/>
-        <p:txBody>
-          <a:bodyPr/>
-          <a:lstStyle/>
-          <a:p>
-            <a:fld id="{351188DD-6605-4EF4-9E67-B567F731CE68}" type="slidenum">
-              <a:rPr lang="de-CH" smtClean="0">
-                <a:solidFill>
-                  <a:srgbClr val="000000"/>
-                </a:solidFill>
-              </a:rPr>
-              <a:pPr/>
-              <a:t>21</a:t>
-            </a:fld>
-            <a:endParaRPr lang="de-CH">
-              <a:solidFill>
-                <a:srgbClr val="000000"/>
-              </a:solidFill>
-            </a:endParaRPr>
-          </a:p>
-        </p:txBody>
-      </p:sp>
-      <p:sp>
-        <p:nvSpPr>
-          <p:cNvPr id="5" name="Titel 4"/>
-          <p:cNvSpPr>
-            <a:spLocks noGrp="1"/>
-          </p:cNvSpPr>
-          <p:nvPr>
-            <p:ph type="title"/>
-          </p:nvPr>
-        </p:nvSpPr>
-        <p:spPr/>
-        <p:txBody>
-          <a:bodyPr/>
-          <a:lstStyle/>
-          <a:p>
-            <a:r>
-              <a:rPr lang="en-GB" dirty="0" smtClean="0"/>
-              <a:t>CLEAN</a:t>
-            </a:r>
-            <a:br>
-              <a:rPr lang="en-GB" dirty="0" smtClean="0"/>
-            </a:br>
-            <a:r>
-              <a:rPr lang="en-GB" dirty="0" smtClean="0"/>
-              <a:t/>
-            </a:r>
-            <a:br>
-              <a:rPr lang="en-GB" dirty="0" smtClean="0"/>
-            </a:br>
-            <a:endParaRPr lang="en-GB" dirty="0"/>
-          </a:p>
-        </p:txBody>
-      </p:sp>
-      <p:sp>
-        <p:nvSpPr>
-          <p:cNvPr id="6" name="Textplatzhalter 5"/>
-          <p:cNvSpPr>
-            <a:spLocks noGrp="1"/>
-          </p:cNvSpPr>
-          <p:nvPr>
-            <p:ph type="body" idx="1"/>
-          </p:nvPr>
-        </p:nvSpPr>
-        <p:spPr/>
-        <p:txBody>
-          <a:bodyPr/>
-          <a:lstStyle/>
-          <a:p>
-            <a:endParaRPr lang="en-GB"/>
-          </a:p>
-        </p:txBody>
-      </p:sp>
-    </p:spTree>
-    <p:extLst>
-      <p:ext uri="{BB962C8B-B14F-4D97-AF65-F5344CB8AC3E}">
-        <p14:creationId xmlns:p14="http://schemas.microsoft.com/office/powerpoint/2010/main" val="3336875797"/>
-      </p:ext>
-    </p:extLst>
-  </p:cSld>
-  <p:clrMapOvr>
-    <a:masterClrMapping/>
-  </p:clrMapOvr>
-</p:sld>
-</file>
-
-<file path=ppt/slides/slide22.xml><?xml version="1.0" encoding="utf-8"?>
-<p:sld xmlns:a="http://schemas.openxmlformats.org/drawingml/2006/main" xmlns:r="http://schemas.openxmlformats.org/officeDocument/2006/relationships" xmlns:p="http://schemas.openxmlformats.org/presentationml/2006/main">
-  <p:cSld>
-    <p:spTree>
-      <p:nvGrpSpPr>
-        <p:cNvPr id="1" name=""/>
-        <p:cNvGrpSpPr/>
-        <p:nvPr/>
-      </p:nvGrpSpPr>
-      <p:grpSpPr>
-        <a:xfrm>
-          <a:off x="0" y="0"/>
-          <a:ext cx="0" cy="0"/>
-          <a:chOff x="0" y="0"/>
-          <a:chExt cx="0" cy="0"/>
-        </a:xfrm>
-      </p:grpSpPr>
-      <p:sp>
-        <p:nvSpPr>
-          <p:cNvPr id="2" name="Datumsplatzhalter 1"/>
-          <p:cNvSpPr>
-            <a:spLocks noGrp="1"/>
-          </p:cNvSpPr>
-          <p:nvPr>
-            <p:ph type="dt" sz="half" idx="10"/>
-          </p:nvPr>
-        </p:nvSpPr>
-        <p:spPr/>
-        <p:txBody>
-          <a:bodyPr/>
-          <a:lstStyle/>
-          <a:p>
-            <a:fld id="{5E48492E-72D1-4785-9351-8AE1E40FBA2D}" type="datetime1">
-              <a:rPr lang="de-CH" smtClean="0">
-                <a:solidFill>
-                  <a:srgbClr val="000000"/>
-                </a:solidFill>
-              </a:rPr>
-              <a:t>12.08.2018</a:t>
-            </a:fld>
-            <a:endParaRPr lang="de-CH">
-              <a:solidFill>
-                <a:srgbClr val="000000"/>
-              </a:solidFill>
-            </a:endParaRPr>
-          </a:p>
-        </p:txBody>
-      </p:sp>
-      <p:sp>
-        <p:nvSpPr>
-          <p:cNvPr id="3" name="Fußzeilenplatzhalter 2"/>
-          <p:cNvSpPr>
-            <a:spLocks noGrp="1"/>
-          </p:cNvSpPr>
-          <p:nvPr>
-            <p:ph type="ftr" sz="quarter" idx="11"/>
-          </p:nvPr>
-        </p:nvSpPr>
-        <p:spPr/>
-        <p:txBody>
-          <a:bodyPr/>
-          <a:lstStyle/>
-          <a:p>
-            <a:r>
-              <a:rPr lang="de-CH" dirty="0">
-                <a:solidFill>
-                  <a:srgbClr val="000000"/>
-                </a:solidFill>
-              </a:rPr>
-              <a:t>Institut </a:t>
-            </a:r>
-            <a:r>
-              <a:rPr lang="de-CH" dirty="0" smtClean="0">
-                <a:solidFill>
-                  <a:srgbClr val="000000"/>
-                </a:solidFill>
-              </a:rPr>
-              <a:t>i4ds</a:t>
-            </a:r>
-            <a:endParaRPr lang="de-CH" dirty="0">
-              <a:solidFill>
-                <a:srgbClr val="000000"/>
-              </a:solidFill>
-            </a:endParaRPr>
-          </a:p>
-        </p:txBody>
-      </p:sp>
-      <p:sp>
-        <p:nvSpPr>
-          <p:cNvPr id="4" name="Foliennummernplatzhalter 3"/>
-          <p:cNvSpPr>
-            <a:spLocks noGrp="1"/>
-          </p:cNvSpPr>
-          <p:nvPr>
-            <p:ph type="sldNum" sz="quarter" idx="12"/>
-          </p:nvPr>
-        </p:nvSpPr>
-        <p:spPr/>
-        <p:txBody>
-          <a:bodyPr/>
-          <a:lstStyle/>
-          <a:p>
-            <a:fld id="{351188DD-6605-4EF4-9E67-B567F731CE68}" type="slidenum">
-              <a:rPr lang="de-CH" smtClean="0">
-                <a:solidFill>
-                  <a:srgbClr val="000000"/>
-                </a:solidFill>
-              </a:rPr>
-              <a:pPr/>
-              <a:t>22</a:t>
-            </a:fld>
-            <a:endParaRPr lang="de-CH">
-              <a:solidFill>
-                <a:srgbClr val="000000"/>
-              </a:solidFill>
-            </a:endParaRPr>
-          </a:p>
-        </p:txBody>
-      </p:sp>
-      <p:sp>
-        <p:nvSpPr>
-          <p:cNvPr id="5" name="Titel 4"/>
-          <p:cNvSpPr>
-            <a:spLocks noGrp="1"/>
-          </p:cNvSpPr>
-          <p:nvPr>
-            <p:ph type="title"/>
-          </p:nvPr>
-        </p:nvSpPr>
-        <p:spPr/>
-        <p:txBody>
-          <a:bodyPr/>
-          <a:lstStyle/>
-          <a:p>
-            <a:r>
-              <a:rPr lang="en-GB" dirty="0" smtClean="0"/>
-              <a:t>CLEAN as a special case of Compressed Sensing</a:t>
-            </a:r>
-            <a:endParaRPr lang="en-GB" dirty="0"/>
-          </a:p>
-        </p:txBody>
-      </p:sp>
-      <p:sp>
-        <p:nvSpPr>
-          <p:cNvPr id="6" name="Textplatzhalter 5"/>
-          <p:cNvSpPr>
-            <a:spLocks noGrp="1"/>
-          </p:cNvSpPr>
-          <p:nvPr>
-            <p:ph type="body" idx="1"/>
-          </p:nvPr>
-        </p:nvSpPr>
-        <p:spPr/>
-        <p:txBody>
-          <a:bodyPr/>
-          <a:lstStyle/>
-          <a:p>
-            <a:endParaRPr lang="en-GB"/>
-          </a:p>
-        </p:txBody>
-      </p:sp>
-    </p:spTree>
-    <p:extLst>
-      <p:ext uri="{BB962C8B-B14F-4D97-AF65-F5344CB8AC3E}">
-        <p14:creationId xmlns:p14="http://schemas.microsoft.com/office/powerpoint/2010/main" val="1550387807"/>
-      </p:ext>
-    </p:extLst>
-  </p:cSld>
-  <p:clrMapOvr>
-    <a:masterClrMapping/>
-  </p:clrMapOvr>
-</p:sld>
-</file>
-
-<file path=ppt/slides/slide23.xml><?xml version="1.0" encoding="utf-8"?>
-<p:sld xmlns:a="http://schemas.openxmlformats.org/drawingml/2006/main" xmlns:r="http://schemas.openxmlformats.org/officeDocument/2006/relationships" xmlns:p="http://schemas.openxmlformats.org/presentationml/2006/main">
-  <p:cSld>
-    <p:spTree>
-      <p:nvGrpSpPr>
-        <p:cNvPr id="1" name=""/>
-        <p:cNvGrpSpPr/>
-        <p:nvPr/>
-      </p:nvGrpSpPr>
-      <p:grpSpPr>
-        <a:xfrm>
-          <a:off x="0" y="0"/>
-          <a:ext cx="0" cy="0"/>
-          <a:chOff x="0" y="0"/>
-          <a:chExt cx="0" cy="0"/>
-        </a:xfrm>
-      </p:grpSpPr>
-      <p:sp>
-        <p:nvSpPr>
-          <p:cNvPr id="2" name="Datumsplatzhalter 1"/>
-          <p:cNvSpPr>
-            <a:spLocks noGrp="1"/>
-          </p:cNvSpPr>
-          <p:nvPr>
-            <p:ph type="dt" sz="half" idx="10"/>
-          </p:nvPr>
-        </p:nvSpPr>
-        <p:spPr/>
-        <p:txBody>
-          <a:bodyPr/>
-          <a:lstStyle/>
-          <a:p>
-            <a:fld id="{5E48492E-72D1-4785-9351-8AE1E40FBA2D}" type="datetime1">
-              <a:rPr lang="de-CH" smtClean="0">
-                <a:solidFill>
-                  <a:srgbClr val="000000"/>
-                </a:solidFill>
-              </a:rPr>
-              <a:t>12.08.2018</a:t>
-            </a:fld>
-            <a:endParaRPr lang="de-CH">
-              <a:solidFill>
-                <a:srgbClr val="000000"/>
-              </a:solidFill>
-            </a:endParaRPr>
-          </a:p>
-        </p:txBody>
-      </p:sp>
-      <p:sp>
-        <p:nvSpPr>
-          <p:cNvPr id="3" name="Fußzeilenplatzhalter 2"/>
-          <p:cNvSpPr>
-            <a:spLocks noGrp="1"/>
-          </p:cNvSpPr>
-          <p:nvPr>
-            <p:ph type="ftr" sz="quarter" idx="11"/>
-          </p:nvPr>
-        </p:nvSpPr>
-        <p:spPr/>
-        <p:txBody>
-          <a:bodyPr/>
-          <a:lstStyle/>
-          <a:p>
-            <a:r>
-              <a:rPr lang="de-CH" dirty="0">
-                <a:solidFill>
-                  <a:srgbClr val="000000"/>
-                </a:solidFill>
-              </a:rPr>
-              <a:t>Institut i4ds</a:t>
-            </a:r>
-          </a:p>
-        </p:txBody>
-      </p:sp>
-      <p:sp>
-        <p:nvSpPr>
-          <p:cNvPr id="4" name="Foliennummernplatzhalter 3"/>
-          <p:cNvSpPr>
-            <a:spLocks noGrp="1"/>
-          </p:cNvSpPr>
-          <p:nvPr>
-            <p:ph type="sldNum" sz="quarter" idx="12"/>
-          </p:nvPr>
-        </p:nvSpPr>
-        <p:spPr/>
-        <p:txBody>
-          <a:bodyPr/>
-          <a:lstStyle/>
-          <a:p>
-            <a:fld id="{351188DD-6605-4EF4-9E67-B567F731CE68}" type="slidenum">
-              <a:rPr lang="de-CH" smtClean="0">
-                <a:solidFill>
-                  <a:srgbClr val="000000"/>
-                </a:solidFill>
-              </a:rPr>
-              <a:pPr/>
-              <a:t>23</a:t>
-            </a:fld>
-            <a:endParaRPr lang="de-CH">
-              <a:solidFill>
-                <a:srgbClr val="000000"/>
-              </a:solidFill>
-            </a:endParaRPr>
-          </a:p>
-        </p:txBody>
-      </p:sp>
-      <p:sp>
-        <p:nvSpPr>
-          <p:cNvPr id="5" name="Titel 4"/>
-          <p:cNvSpPr>
-            <a:spLocks noGrp="1"/>
-          </p:cNvSpPr>
-          <p:nvPr>
-            <p:ph type="title"/>
-          </p:nvPr>
-        </p:nvSpPr>
-        <p:spPr/>
-        <p:txBody>
-          <a:bodyPr/>
-          <a:lstStyle/>
-          <a:p>
-            <a:r>
-              <a:rPr lang="en-GB" dirty="0" smtClean="0"/>
-              <a:t>Super Resolution</a:t>
-            </a:r>
-            <a:endParaRPr lang="en-GB" dirty="0"/>
-          </a:p>
-        </p:txBody>
-      </p:sp>
-      <p:sp>
-        <p:nvSpPr>
-          <p:cNvPr id="6" name="Textplatzhalter 5"/>
-          <p:cNvSpPr>
-            <a:spLocks noGrp="1"/>
-          </p:cNvSpPr>
-          <p:nvPr>
-            <p:ph type="body" idx="1"/>
-          </p:nvPr>
-        </p:nvSpPr>
-        <p:spPr/>
-        <p:txBody>
-          <a:bodyPr/>
-          <a:lstStyle/>
-          <a:p>
-            <a:endParaRPr lang="en-GB"/>
-          </a:p>
-        </p:txBody>
-      </p:sp>
-    </p:spTree>
-    <p:extLst>
-      <p:ext uri="{BB962C8B-B14F-4D97-AF65-F5344CB8AC3E}">
-        <p14:creationId xmlns:p14="http://schemas.microsoft.com/office/powerpoint/2010/main" val="2205424725"/>
-      </p:ext>
-    </p:extLst>
-  </p:cSld>
-  <p:clrMapOvr>
-    <a:masterClrMapping/>
-  </p:clrMapOvr>
-</p:sld>
-</file>
-
-<file path=ppt/slides/slide24.xml><?xml version="1.0" encoding="utf-8"?>
-<p:sld xmlns:a="http://schemas.openxmlformats.org/drawingml/2006/main" xmlns:r="http://schemas.openxmlformats.org/officeDocument/2006/relationships" xmlns:p="http://schemas.openxmlformats.org/presentationml/2006/main">
-  <p:cSld>
-    <p:spTree>
-      <p:nvGrpSpPr>
-        <p:cNvPr id="1" name=""/>
-        <p:cNvGrpSpPr/>
-        <p:nvPr/>
-      </p:nvGrpSpPr>
-      <p:grpSpPr>
-        <a:xfrm>
-          <a:off x="0" y="0"/>
-          <a:ext cx="0" cy="0"/>
-          <a:chOff x="0" y="0"/>
-          <a:chExt cx="0" cy="0"/>
-        </a:xfrm>
-      </p:grpSpPr>
-      <p:sp>
-        <p:nvSpPr>
-          <p:cNvPr id="2" name="Datumsplatzhalter 1"/>
-          <p:cNvSpPr>
-            <a:spLocks noGrp="1"/>
-          </p:cNvSpPr>
-          <p:nvPr>
-            <p:ph type="dt" sz="half" idx="10"/>
-          </p:nvPr>
-        </p:nvSpPr>
-        <p:spPr/>
-        <p:txBody>
-          <a:bodyPr/>
-          <a:lstStyle/>
-          <a:p>
-            <a:fld id="{5E48492E-72D1-4785-9351-8AE1E40FBA2D}" type="datetime1">
-              <a:rPr lang="de-CH" smtClean="0">
-                <a:solidFill>
-                  <a:srgbClr val="000000"/>
-                </a:solidFill>
-              </a:rPr>
-              <a:t>12.08.2018</a:t>
-            </a:fld>
-            <a:endParaRPr lang="de-CH">
-              <a:solidFill>
-                <a:srgbClr val="000000"/>
-              </a:solidFill>
-            </a:endParaRPr>
-          </a:p>
-        </p:txBody>
-      </p:sp>
-      <p:sp>
-        <p:nvSpPr>
-          <p:cNvPr id="3" name="Fußzeilenplatzhalter 2"/>
-          <p:cNvSpPr>
-            <a:spLocks noGrp="1"/>
-          </p:cNvSpPr>
-          <p:nvPr>
-            <p:ph type="ftr" sz="quarter" idx="11"/>
-          </p:nvPr>
-        </p:nvSpPr>
-        <p:spPr/>
-        <p:txBody>
-          <a:bodyPr/>
-          <a:lstStyle/>
-          <a:p>
-            <a:r>
-              <a:rPr lang="de-CH" dirty="0">
-                <a:solidFill>
-                  <a:srgbClr val="000000"/>
-                </a:solidFill>
-              </a:rPr>
-              <a:t>Institut i4ds</a:t>
-            </a:r>
-          </a:p>
-        </p:txBody>
-      </p:sp>
-      <p:sp>
-        <p:nvSpPr>
-          <p:cNvPr id="4" name="Foliennummernplatzhalter 3"/>
-          <p:cNvSpPr>
-            <a:spLocks noGrp="1"/>
-          </p:cNvSpPr>
-          <p:nvPr>
-            <p:ph type="sldNum" sz="quarter" idx="12"/>
-          </p:nvPr>
-        </p:nvSpPr>
-        <p:spPr/>
-        <p:txBody>
-          <a:bodyPr/>
-          <a:lstStyle/>
-          <a:p>
-            <a:fld id="{351188DD-6605-4EF4-9E67-B567F731CE68}" type="slidenum">
-              <a:rPr lang="de-CH" smtClean="0">
-                <a:solidFill>
-                  <a:srgbClr val="000000"/>
-                </a:solidFill>
-              </a:rPr>
-              <a:pPr/>
-              <a:t>24</a:t>
             </a:fld>
             <a:endParaRPr lang="de-CH">
               <a:solidFill>
@@ -7169,10 +6403,17 @@
   <p:clrMapOvr>
     <a:masterClrMapping/>
   </p:clrMapOvr>
+  <p:timing>
+    <p:tnLst>
+      <p:par>
+        <p:cTn id="1" dur="indefinite" restart="never" nodeType="tmRoot"/>
+      </p:par>
+    </p:tnLst>
+  </p:timing>
 </p:sld>
 </file>
 
-<file path=ppt/slides/slide25.xml><?xml version="1.0" encoding="utf-8"?>
+<file path=ppt/slides/slide21.xml><?xml version="1.0" encoding="utf-8"?>
 <p:sld xmlns:a="http://schemas.openxmlformats.org/drawingml/2006/main" xmlns:r="http://schemas.openxmlformats.org/officeDocument/2006/relationships" xmlns:p="http://schemas.openxmlformats.org/presentationml/2006/main">
   <p:cSld>
     <p:spTree>
@@ -7268,7 +6509,7 @@
                 </a:solidFill>
               </a:rPr>
               <a:pPr/>
-              <a:t>25</a:t>
+              <a:t>21</a:t>
             </a:fld>
             <a:endParaRPr lang="de-CH">
               <a:solidFill>
@@ -7404,10 +6645,17 @@
   <p:clrMapOvr>
     <a:masterClrMapping/>
   </p:clrMapOvr>
+  <p:timing>
+    <p:tnLst>
+      <p:par>
+        <p:cTn id="1" dur="indefinite" restart="never" nodeType="tmRoot"/>
+      </p:par>
+    </p:tnLst>
+  </p:timing>
 </p:sld>
 </file>
 
-<file path=ppt/slides/slide26.xml><?xml version="1.0" encoding="utf-8"?>
+<file path=ppt/slides/slide22.xml><?xml version="1.0" encoding="utf-8"?>
 <p:sld xmlns:a="http://schemas.openxmlformats.org/drawingml/2006/main" xmlns:r="http://schemas.openxmlformats.org/officeDocument/2006/relationships" xmlns:p="http://schemas.openxmlformats.org/presentationml/2006/main">
   <p:cSld>
     <p:spTree>
@@ -7516,7 +6764,662 @@
                 </a:solidFill>
               </a:rPr>
               <a:pPr/>
-              <a:t>26</a:t>
+              <a:t>22</a:t>
+            </a:fld>
+            <a:endParaRPr lang="de-CH">
+              <a:solidFill>
+                <a:srgbClr val="000000"/>
+              </a:solidFill>
+            </a:endParaRPr>
+          </a:p>
+        </p:txBody>
+      </p:sp>
+      <p:sp>
+        <p:nvSpPr>
+          <p:cNvPr id="5" name="Titel 4"/>
+          <p:cNvSpPr>
+            <a:spLocks noGrp="1"/>
+          </p:cNvSpPr>
+          <p:nvPr>
+            <p:ph type="title"/>
+          </p:nvPr>
+        </p:nvSpPr>
+        <p:spPr/>
+        <p:txBody>
+          <a:bodyPr/>
+          <a:lstStyle/>
+          <a:p>
+            <a:r>
+              <a:rPr lang="en-GB" dirty="0" smtClean="0"/>
+              <a:t>Regularizations</a:t>
+            </a:r>
+            <a:endParaRPr lang="en-GB" dirty="0"/>
+          </a:p>
+        </p:txBody>
+      </p:sp>
+      <p:sp>
+        <p:nvSpPr>
+          <p:cNvPr id="6" name="Textplatzhalter 5"/>
+          <p:cNvSpPr>
+            <a:spLocks noGrp="1"/>
+          </p:cNvSpPr>
+          <p:nvPr>
+            <p:ph type="body" idx="1"/>
+          </p:nvPr>
+        </p:nvSpPr>
+        <p:spPr/>
+        <p:txBody>
+          <a:bodyPr/>
+          <a:lstStyle/>
+          <a:p>
+            <a:pPr marL="342900" indent="-342900">
+              <a:buFont typeface="Arial" panose="020B0604020202020204" pitchFamily="34" charset="0"/>
+              <a:buChar char="•"/>
+            </a:pPr>
+            <a:r>
+              <a:rPr lang="en-GB" dirty="0" smtClean="0"/>
+              <a:t>L1</a:t>
+            </a:r>
+          </a:p>
+          <a:p>
+            <a:pPr marL="342900" indent="-342900">
+              <a:buFont typeface="Arial" panose="020B0604020202020204" pitchFamily="34" charset="0"/>
+              <a:buChar char="•"/>
+            </a:pPr>
+            <a:r>
+              <a:rPr lang="en-GB" dirty="0" smtClean="0"/>
+              <a:t>L2</a:t>
+            </a:r>
+          </a:p>
+          <a:p>
+            <a:pPr marL="342900" indent="-342900">
+              <a:buFont typeface="Arial" panose="020B0604020202020204" pitchFamily="34" charset="0"/>
+              <a:buChar char="•"/>
+            </a:pPr>
+            <a:r>
+              <a:rPr lang="en-GB" dirty="0" smtClean="0"/>
+              <a:t>Total Variation</a:t>
+            </a:r>
+          </a:p>
+          <a:p>
+            <a:pPr marL="342900" indent="-342900">
+              <a:buFont typeface="Arial" panose="020B0604020202020204" pitchFamily="34" charset="0"/>
+              <a:buChar char="•"/>
+            </a:pPr>
+            <a:r>
+              <a:rPr lang="en-GB" dirty="0" smtClean="0"/>
+              <a:t>L1 + L2</a:t>
+            </a:r>
+            <a:endParaRPr lang="en-GB" dirty="0" smtClean="0"/>
+          </a:p>
+          <a:p>
+            <a:pPr marL="342900" indent="-342900">
+              <a:buFont typeface="Arial" panose="020B0604020202020204" pitchFamily="34" charset="0"/>
+              <a:buChar char="•"/>
+            </a:pPr>
+            <a:r>
+              <a:rPr lang="en-GB" dirty="0" smtClean="0"/>
+              <a:t>Starlet</a:t>
+            </a:r>
+            <a:endParaRPr lang="en-GB" dirty="0"/>
+          </a:p>
+        </p:txBody>
+      </p:sp>
+    </p:spTree>
+    <p:extLst>
+      <p:ext uri="{BB962C8B-B14F-4D97-AF65-F5344CB8AC3E}">
+        <p14:creationId xmlns:p14="http://schemas.microsoft.com/office/powerpoint/2010/main" val="769980622"/>
+      </p:ext>
+    </p:extLst>
+  </p:cSld>
+  <p:clrMapOvr>
+    <a:masterClrMapping/>
+  </p:clrMapOvr>
+  <p:timing>
+    <p:tnLst>
+      <p:par>
+        <p:cTn id="1" dur="indefinite" restart="never" nodeType="tmRoot"/>
+      </p:par>
+    </p:tnLst>
+  </p:timing>
+</p:sld>
+</file>
+
+<file path=ppt/slides/slide23.xml><?xml version="1.0" encoding="utf-8"?>
+<p:sld xmlns:a="http://schemas.openxmlformats.org/drawingml/2006/main" xmlns:r="http://schemas.openxmlformats.org/officeDocument/2006/relationships" xmlns:p="http://schemas.openxmlformats.org/presentationml/2006/main">
+  <p:cSld>
+    <p:spTree>
+      <p:nvGrpSpPr>
+        <p:cNvPr id="1" name=""/>
+        <p:cNvGrpSpPr/>
+        <p:nvPr/>
+      </p:nvGrpSpPr>
+      <p:grpSpPr>
+        <a:xfrm>
+          <a:off x="0" y="0"/>
+          <a:ext cx="0" cy="0"/>
+          <a:chOff x="0" y="0"/>
+          <a:chExt cx="0" cy="0"/>
+        </a:xfrm>
+      </p:grpSpPr>
+      <p:pic>
+        <p:nvPicPr>
+          <p:cNvPr id="7" name="Grafik 6"/>
+          <p:cNvPicPr>
+            <a:picLocks noChangeAspect="1"/>
+          </p:cNvPicPr>
+          <p:nvPr/>
+        </p:nvPicPr>
+        <p:blipFill rotWithShape="1">
+          <a:blip r:embed="rId2">
+            <a:extLst>
+              <a:ext uri="{28A0092B-C50C-407E-A947-70E740481C1C}">
+                <a14:useLocalDpi xmlns:a14="http://schemas.microsoft.com/office/drawing/2010/main" val="0"/>
+              </a:ext>
+            </a:extLst>
+          </a:blip>
+          <a:srcRect r="14437"/>
+          <a:stretch/>
+        </p:blipFill>
+        <p:spPr>
+          <a:xfrm>
+            <a:off x="5620929" y="1750604"/>
+            <a:ext cx="4694323" cy="5486411"/>
+          </a:xfrm>
+          <a:prstGeom prst="rect">
+            <a:avLst/>
+          </a:prstGeom>
+        </p:spPr>
+      </p:pic>
+      <p:pic>
+        <p:nvPicPr>
+          <p:cNvPr id="9" name="Grafik 8"/>
+          <p:cNvPicPr>
+            <a:picLocks noChangeAspect="1"/>
+          </p:cNvPicPr>
+          <p:nvPr/>
+        </p:nvPicPr>
+        <p:blipFill>
+          <a:blip r:embed="rId3">
+            <a:extLst>
+              <a:ext uri="{28A0092B-C50C-407E-A947-70E740481C1C}">
+                <a14:useLocalDpi xmlns:a14="http://schemas.microsoft.com/office/drawing/2010/main" val="0"/>
+              </a:ext>
+            </a:extLst>
+          </a:blip>
+          <a:stretch>
+            <a:fillRect/>
+          </a:stretch>
+        </p:blipFill>
+        <p:spPr>
+          <a:xfrm>
+            <a:off x="148321" y="1710806"/>
+            <a:ext cx="5486411" cy="5486411"/>
+          </a:xfrm>
+          <a:prstGeom prst="rect">
+            <a:avLst/>
+          </a:prstGeom>
+        </p:spPr>
+      </p:pic>
+      <p:sp>
+        <p:nvSpPr>
+          <p:cNvPr id="2" name="Datumsplatzhalter 1"/>
+          <p:cNvSpPr>
+            <a:spLocks noGrp="1"/>
+          </p:cNvSpPr>
+          <p:nvPr>
+            <p:ph type="dt" sz="half" idx="10"/>
+          </p:nvPr>
+        </p:nvSpPr>
+        <p:spPr/>
+        <p:txBody>
+          <a:bodyPr/>
+          <a:lstStyle/>
+          <a:p>
+            <a:fld id="{5E48492E-72D1-4785-9351-8AE1E40FBA2D}" type="datetime1">
+              <a:rPr lang="de-CH" smtClean="0">
+                <a:solidFill>
+                  <a:srgbClr val="000000"/>
+                </a:solidFill>
+              </a:rPr>
+              <a:t>12.08.2018</a:t>
+            </a:fld>
+            <a:endParaRPr lang="de-CH">
+              <a:solidFill>
+                <a:srgbClr val="000000"/>
+              </a:solidFill>
+            </a:endParaRPr>
+          </a:p>
+        </p:txBody>
+      </p:sp>
+      <p:sp>
+        <p:nvSpPr>
+          <p:cNvPr id="3" name="Fußzeilenplatzhalter 2"/>
+          <p:cNvSpPr>
+            <a:spLocks noGrp="1"/>
+          </p:cNvSpPr>
+          <p:nvPr>
+            <p:ph type="ftr" sz="quarter" idx="11"/>
+          </p:nvPr>
+        </p:nvSpPr>
+        <p:spPr/>
+        <p:txBody>
+          <a:bodyPr/>
+          <a:lstStyle/>
+          <a:p>
+            <a:r>
+              <a:rPr lang="de-CH" dirty="0">
+                <a:solidFill>
+                  <a:srgbClr val="000000"/>
+                </a:solidFill>
+              </a:rPr>
+              <a:t>Institut </a:t>
+            </a:r>
+            <a:r>
+              <a:rPr lang="de-CH" dirty="0" smtClean="0">
+                <a:solidFill>
+                  <a:srgbClr val="000000"/>
+                </a:solidFill>
+              </a:rPr>
+              <a:t>i4ds</a:t>
+            </a:r>
+            <a:endParaRPr lang="de-CH" dirty="0">
+              <a:solidFill>
+                <a:srgbClr val="000000"/>
+              </a:solidFill>
+            </a:endParaRPr>
+          </a:p>
+        </p:txBody>
+      </p:sp>
+      <p:sp>
+        <p:nvSpPr>
+          <p:cNvPr id="4" name="Foliennummernplatzhalter 3"/>
+          <p:cNvSpPr>
+            <a:spLocks noGrp="1"/>
+          </p:cNvSpPr>
+          <p:nvPr>
+            <p:ph type="sldNum" sz="quarter" idx="12"/>
+          </p:nvPr>
+        </p:nvSpPr>
+        <p:spPr/>
+        <p:txBody>
+          <a:bodyPr/>
+          <a:lstStyle/>
+          <a:p>
+            <a:fld id="{351188DD-6605-4EF4-9E67-B567F731CE68}" type="slidenum">
+              <a:rPr lang="de-CH" smtClean="0">
+                <a:solidFill>
+                  <a:srgbClr val="000000"/>
+                </a:solidFill>
+              </a:rPr>
+              <a:pPr/>
+              <a:t>23</a:t>
+            </a:fld>
+            <a:endParaRPr lang="de-CH">
+              <a:solidFill>
+                <a:srgbClr val="000000"/>
+              </a:solidFill>
+            </a:endParaRPr>
+          </a:p>
+        </p:txBody>
+      </p:sp>
+      <p:sp>
+        <p:nvSpPr>
+          <p:cNvPr id="5" name="Titel 4"/>
+          <p:cNvSpPr>
+            <a:spLocks noGrp="1"/>
+          </p:cNvSpPr>
+          <p:nvPr>
+            <p:ph type="title"/>
+          </p:nvPr>
+        </p:nvSpPr>
+        <p:spPr>
+          <a:xfrm>
+            <a:off x="736600" y="1896941"/>
+            <a:ext cx="2953916" cy="395288"/>
+          </a:xfrm>
+        </p:spPr>
+        <p:txBody>
+          <a:bodyPr/>
+          <a:lstStyle/>
+          <a:p>
+            <a:r>
+              <a:rPr lang="en-GB" dirty="0" smtClean="0"/>
+              <a:t>CLEAN	</a:t>
+            </a:r>
+            <a:endParaRPr lang="en-GB" dirty="0"/>
+          </a:p>
+        </p:txBody>
+      </p:sp>
+      <p:sp>
+        <p:nvSpPr>
+          <p:cNvPr id="13" name="Titel 4"/>
+          <p:cNvSpPr txBox="1">
+            <a:spLocks/>
+          </p:cNvSpPr>
+          <p:nvPr/>
+        </p:nvSpPr>
+        <p:spPr bwMode="auto">
+          <a:xfrm>
+            <a:off x="6269001" y="1922562"/>
+            <a:ext cx="2862644" cy="344045"/>
+          </a:xfrm>
+          <a:prstGeom prst="rect">
+            <a:avLst/>
+          </a:prstGeom>
+          <a:noFill/>
+          <a:ln>
+            <a:noFill/>
+          </a:ln>
+          <a:effectLst/>
+          <a:extLst>
+            <a:ext uri="{909E8E84-426E-40dd-AFC4-6F175D3DCCD1}">
+              <a14:hiddenFill xmlns:a14="http://schemas.microsoft.com/office/drawing/2010/main" xmlns="">
+                <a:solidFill>
+                  <a:schemeClr val="accent1"/>
+                </a:solidFill>
+              </a14:hiddenFill>
+            </a:ext>
+            <a:ext uri="{91240B29-F687-4f45-9708-019B960494DF}">
+              <a14:hiddenLine xmlns:a14="http://schemas.microsoft.com/office/drawing/2010/main" xmlns="" w="9525">
+                <a:solidFill>
+                  <a:schemeClr val="tx1"/>
+                </a:solidFill>
+                <a:miter lim="800000"/>
+                <a:headEnd/>
+                <a:tailEnd/>
+              </a14:hiddenLine>
+            </a:ext>
+            <a:ext uri="{AF507438-7753-43e0-B8FC-AC1667EBCBE1}">
+              <a14:hiddenEffects xmlns:a14="http://schemas.microsoft.com/office/drawing/2010/main" xmlns="">
+                <a:effectLst>
+                  <a:outerShdw dist="35921" dir="2700000" algn="ctr" rotWithShape="0">
+                    <a:schemeClr val="bg2"/>
+                  </a:outerShdw>
+                </a:effectLst>
+              </a14:hiddenEffects>
+            </a:ext>
+          </a:extLst>
+        </p:spPr>
+        <p:txBody>
+          <a:bodyPr vert="horz" wrap="square" lIns="0" tIns="0" rIns="0" bIns="0" numCol="1" anchor="t" anchorCtr="0" compatLnSpc="1">
+            <a:prstTxWarp prst="textNoShape">
+              <a:avLst/>
+            </a:prstTxWarp>
+          </a:bodyPr>
+          <a:lstStyle>
+            <a:lvl1pPr algn="l" defTabSz="1042988" rtl="0" eaLnBrk="1" fontAlgn="base" hangingPunct="1">
+              <a:spcBef>
+                <a:spcPct val="0"/>
+              </a:spcBef>
+              <a:spcAft>
+                <a:spcPct val="0"/>
+              </a:spcAft>
+              <a:defRPr sz="2000" b="1" i="0" baseline="0">
+                <a:solidFill>
+                  <a:schemeClr val="tx2"/>
+                </a:solidFill>
+                <a:latin typeface="+mj-lt"/>
+                <a:ea typeface="+mj-ea"/>
+                <a:cs typeface="+mj-cs"/>
+              </a:defRPr>
+            </a:lvl1pPr>
+            <a:lvl2pPr algn="l" defTabSz="1042988" rtl="0" eaLnBrk="1" fontAlgn="base" hangingPunct="1">
+              <a:spcBef>
+                <a:spcPct val="0"/>
+              </a:spcBef>
+              <a:spcAft>
+                <a:spcPct val="0"/>
+              </a:spcAft>
+              <a:defRPr sz="2000" b="1">
+                <a:solidFill>
+                  <a:schemeClr val="tx2"/>
+                </a:solidFill>
+                <a:latin typeface="Arial" charset="0"/>
+              </a:defRPr>
+            </a:lvl2pPr>
+            <a:lvl3pPr algn="l" defTabSz="1042988" rtl="0" eaLnBrk="1" fontAlgn="base" hangingPunct="1">
+              <a:spcBef>
+                <a:spcPct val="0"/>
+              </a:spcBef>
+              <a:spcAft>
+                <a:spcPct val="0"/>
+              </a:spcAft>
+              <a:defRPr sz="2000" b="1">
+                <a:solidFill>
+                  <a:schemeClr val="tx2"/>
+                </a:solidFill>
+                <a:latin typeface="Arial" charset="0"/>
+              </a:defRPr>
+            </a:lvl3pPr>
+            <a:lvl4pPr algn="l" defTabSz="1042988" rtl="0" eaLnBrk="1" fontAlgn="base" hangingPunct="1">
+              <a:spcBef>
+                <a:spcPct val="0"/>
+              </a:spcBef>
+              <a:spcAft>
+                <a:spcPct val="0"/>
+              </a:spcAft>
+              <a:defRPr sz="2000" b="1">
+                <a:solidFill>
+                  <a:schemeClr val="tx2"/>
+                </a:solidFill>
+                <a:latin typeface="Arial" charset="0"/>
+              </a:defRPr>
+            </a:lvl4pPr>
+            <a:lvl5pPr algn="l" defTabSz="1042988" rtl="0" eaLnBrk="1" fontAlgn="base" hangingPunct="1">
+              <a:spcBef>
+                <a:spcPct val="0"/>
+              </a:spcBef>
+              <a:spcAft>
+                <a:spcPct val="0"/>
+              </a:spcAft>
+              <a:defRPr sz="2000" b="1">
+                <a:solidFill>
+                  <a:schemeClr val="tx2"/>
+                </a:solidFill>
+                <a:latin typeface="Arial" charset="0"/>
+              </a:defRPr>
+            </a:lvl5pPr>
+            <a:lvl6pPr marL="457200" algn="l" defTabSz="1042988" rtl="0" eaLnBrk="1" fontAlgn="base" hangingPunct="1">
+              <a:spcBef>
+                <a:spcPct val="0"/>
+              </a:spcBef>
+              <a:spcAft>
+                <a:spcPct val="0"/>
+              </a:spcAft>
+              <a:defRPr sz="2000" b="1">
+                <a:solidFill>
+                  <a:schemeClr val="tx2"/>
+                </a:solidFill>
+                <a:latin typeface="Arial" charset="0"/>
+              </a:defRPr>
+            </a:lvl6pPr>
+            <a:lvl7pPr marL="914400" algn="l" defTabSz="1042988" rtl="0" eaLnBrk="1" fontAlgn="base" hangingPunct="1">
+              <a:spcBef>
+                <a:spcPct val="0"/>
+              </a:spcBef>
+              <a:spcAft>
+                <a:spcPct val="0"/>
+              </a:spcAft>
+              <a:defRPr sz="2000" b="1">
+                <a:solidFill>
+                  <a:schemeClr val="tx2"/>
+                </a:solidFill>
+                <a:latin typeface="Arial" charset="0"/>
+              </a:defRPr>
+            </a:lvl7pPr>
+            <a:lvl8pPr marL="1371600" algn="l" defTabSz="1042988" rtl="0" eaLnBrk="1" fontAlgn="base" hangingPunct="1">
+              <a:spcBef>
+                <a:spcPct val="0"/>
+              </a:spcBef>
+              <a:spcAft>
+                <a:spcPct val="0"/>
+              </a:spcAft>
+              <a:defRPr sz="2000" b="1">
+                <a:solidFill>
+                  <a:schemeClr val="tx2"/>
+                </a:solidFill>
+                <a:latin typeface="Arial" charset="0"/>
+              </a:defRPr>
+            </a:lvl8pPr>
+            <a:lvl9pPr marL="1828800" algn="l" defTabSz="1042988" rtl="0" eaLnBrk="1" fontAlgn="base" hangingPunct="1">
+              <a:spcBef>
+                <a:spcPct val="0"/>
+              </a:spcBef>
+              <a:spcAft>
+                <a:spcPct val="0"/>
+              </a:spcAft>
+              <a:defRPr sz="2000" b="1">
+                <a:solidFill>
+                  <a:schemeClr val="tx2"/>
+                </a:solidFill>
+                <a:latin typeface="Arial" charset="0"/>
+              </a:defRPr>
+            </a:lvl9pPr>
+          </a:lstStyle>
+          <a:p>
+            <a:r>
+              <a:rPr lang="en-GB" kern="0" dirty="0" smtClean="0"/>
+              <a:t>L1 </a:t>
+            </a:r>
+            <a:r>
+              <a:rPr lang="en-GB" kern="0" dirty="0" err="1" smtClean="0"/>
+              <a:t>Regulariyation</a:t>
+            </a:r>
+            <a:endParaRPr lang="en-GB" kern="0" dirty="0"/>
+          </a:p>
+        </p:txBody>
+      </p:sp>
+    </p:spTree>
+    <p:extLst>
+      <p:ext uri="{BB962C8B-B14F-4D97-AF65-F5344CB8AC3E}">
+        <p14:creationId xmlns:p14="http://schemas.microsoft.com/office/powerpoint/2010/main" val="4198503443"/>
+      </p:ext>
+    </p:extLst>
+  </p:cSld>
+  <p:clrMapOvr>
+    <a:masterClrMapping/>
+  </p:clrMapOvr>
+  <p:timing>
+    <p:tnLst>
+      <p:par>
+        <p:cTn id="1" dur="indefinite" restart="never" nodeType="tmRoot"/>
+      </p:par>
+    </p:tnLst>
+  </p:timing>
+</p:sld>
+</file>
+
+<file path=ppt/slides/slide24.xml><?xml version="1.0" encoding="utf-8"?>
+<p:sld xmlns:a="http://schemas.openxmlformats.org/drawingml/2006/main" xmlns:r="http://schemas.openxmlformats.org/officeDocument/2006/relationships" xmlns:p="http://schemas.openxmlformats.org/presentationml/2006/main">
+  <p:cSld>
+    <p:spTree>
+      <p:nvGrpSpPr>
+        <p:cNvPr id="1" name=""/>
+        <p:cNvGrpSpPr/>
+        <p:nvPr/>
+      </p:nvGrpSpPr>
+      <p:grpSpPr>
+        <a:xfrm>
+          <a:off x="0" y="0"/>
+          <a:ext cx="0" cy="0"/>
+          <a:chOff x="0" y="0"/>
+          <a:chExt cx="0" cy="0"/>
+        </a:xfrm>
+      </p:grpSpPr>
+      <p:sp>
+        <p:nvSpPr>
+          <p:cNvPr id="2" name="Datumsplatzhalter 1"/>
+          <p:cNvSpPr>
+            <a:spLocks noGrp="1"/>
+          </p:cNvSpPr>
+          <p:nvPr>
+            <p:ph type="dt" sz="half" idx="10"/>
+          </p:nvPr>
+        </p:nvSpPr>
+        <p:spPr/>
+        <p:txBody>
+          <a:bodyPr/>
+          <a:lstStyle/>
+          <a:p>
+            <a:fld id="{5E48492E-72D1-4785-9351-8AE1E40FBA2D}" type="datetime1">
+              <a:rPr lang="de-CH" smtClean="0">
+                <a:solidFill>
+                  <a:srgbClr val="000000"/>
+                </a:solidFill>
+              </a:rPr>
+              <a:t>12.08.2018</a:t>
+            </a:fld>
+            <a:endParaRPr lang="de-CH">
+              <a:solidFill>
+                <a:srgbClr val="000000"/>
+              </a:solidFill>
+            </a:endParaRPr>
+          </a:p>
+        </p:txBody>
+      </p:sp>
+      <p:sp>
+        <p:nvSpPr>
+          <p:cNvPr id="3" name="Fußzeilenplatzhalter 2"/>
+          <p:cNvSpPr>
+            <a:spLocks noGrp="1"/>
+          </p:cNvSpPr>
+          <p:nvPr>
+            <p:ph type="ftr" sz="quarter" idx="11"/>
+          </p:nvPr>
+        </p:nvSpPr>
+        <p:spPr/>
+        <p:txBody>
+          <a:bodyPr/>
+          <a:lstStyle/>
+          <a:p>
+            <a:r>
+              <a:rPr lang="de-CH" dirty="0">
+                <a:solidFill>
+                  <a:srgbClr val="000000"/>
+                </a:solidFill>
+              </a:rPr>
+              <a:t>Institut </a:t>
+            </a:r>
+            <a:r>
+              <a:rPr lang="de-CH" dirty="0" smtClean="0">
+                <a:solidFill>
+                  <a:srgbClr val="000000"/>
+                </a:solidFill>
+              </a:rPr>
+              <a:t>i4ds</a:t>
+            </a:r>
+            <a:endParaRPr lang="de-CH" dirty="0">
+              <a:solidFill>
+                <a:srgbClr val="000000"/>
+              </a:solidFill>
+            </a:endParaRPr>
+          </a:p>
+        </p:txBody>
+      </p:sp>
+      <p:sp>
+        <p:nvSpPr>
+          <p:cNvPr id="4" name="Foliennummernplatzhalter 3"/>
+          <p:cNvSpPr>
+            <a:spLocks noGrp="1"/>
+          </p:cNvSpPr>
+          <p:nvPr>
+            <p:ph type="sldNum" sz="quarter" idx="12"/>
+          </p:nvPr>
+        </p:nvSpPr>
+        <p:spPr/>
+        <p:txBody>
+          <a:bodyPr/>
+          <a:lstStyle/>
+          <a:p>
+            <a:fld id="{351188DD-6605-4EF4-9E67-B567F731CE68}" type="slidenum">
+              <a:rPr lang="de-CH" smtClean="0">
+                <a:solidFill>
+                  <a:srgbClr val="000000"/>
+                </a:solidFill>
+              </a:rPr>
+              <a:pPr/>
+              <a:t>24</a:t>
             </a:fld>
             <a:endParaRPr lang="de-CH">
               <a:solidFill>
@@ -7602,7 +7505,7 @@
           </p:cNvPicPr>
           <p:nvPr/>
         </p:nvPicPr>
-        <p:blipFill>
+        <p:blipFill rotWithShape="1">
           <a:blip r:embed="rId3">
             <a:extLst>
               <a:ext uri="{28A0092B-C50C-407E-A947-70E740481C1C}">
@@ -7610,14 +7513,13 @@
               </a:ext>
             </a:extLst>
           </a:blip>
-          <a:stretch>
-            <a:fillRect/>
-          </a:stretch>
+          <a:srcRect t="-1674" b="-1"/>
+          <a:stretch/>
         </p:blipFill>
         <p:spPr>
           <a:xfrm>
-            <a:off x="82421" y="-231971"/>
-            <a:ext cx="5486411" cy="5486411"/>
+            <a:off x="82421" y="-323825"/>
+            <a:ext cx="5486411" cy="5578265"/>
           </a:xfrm>
           <a:prstGeom prst="rect">
             <a:avLst/>
@@ -7694,10 +7596,17 @@
   <p:clrMapOvr>
     <a:masterClrMapping/>
   </p:clrMapOvr>
+  <p:timing>
+    <p:tnLst>
+      <p:par>
+        <p:cTn id="1" dur="indefinite" restart="never" nodeType="tmRoot"/>
+      </p:par>
+    </p:tnLst>
+  </p:timing>
 </p:sld>
 </file>
 
-<file path=ppt/slides/slide27.xml><?xml version="1.0" encoding="utf-8"?>
+<file path=ppt/slides/slide25.xml><?xml version="1.0" encoding="utf-8"?>
 <p:sld xmlns:a="http://schemas.openxmlformats.org/drawingml/2006/main" xmlns:r="http://schemas.openxmlformats.org/officeDocument/2006/relationships" xmlns:p="http://schemas.openxmlformats.org/presentationml/2006/main">
   <p:cSld>
     <p:spTree>
@@ -7806,7 +7715,7 @@
                 </a:solidFill>
               </a:rPr>
               <a:pPr/>
-              <a:t>27</a:t>
+              <a:t>25</a:t>
             </a:fld>
             <a:endParaRPr lang="de-CH">
               <a:solidFill>
@@ -7924,10 +7833,17 @@
   <p:clrMapOvr>
     <a:masterClrMapping/>
   </p:clrMapOvr>
+  <p:timing>
+    <p:tnLst>
+      <p:par>
+        <p:cTn id="1" dur="indefinite" restart="never" nodeType="tmRoot"/>
+      </p:par>
+    </p:tnLst>
+  </p:timing>
 </p:sld>
 </file>
 
-<file path=ppt/slides/slide28.xml><?xml version="1.0" encoding="utf-8"?>
+<file path=ppt/slides/slide26.xml><?xml version="1.0" encoding="utf-8"?>
 <p:sld xmlns:a="http://schemas.openxmlformats.org/drawingml/2006/main" xmlns:r="http://schemas.openxmlformats.org/officeDocument/2006/relationships" xmlns:p="http://schemas.openxmlformats.org/presentationml/2006/main">
   <p:cSld>
     <p:spTree>
@@ -8036,7 +7952,7 @@
                 </a:solidFill>
               </a:rPr>
               <a:pPr/>
-              <a:t>28</a:t>
+              <a:t>26</a:t>
             </a:fld>
             <a:endParaRPr lang="de-CH">
               <a:solidFill>
@@ -8153,10 +8069,17 @@
   <p:clrMapOvr>
     <a:masterClrMapping/>
   </p:clrMapOvr>
+  <p:timing>
+    <p:tnLst>
+      <p:par>
+        <p:cTn id="1" dur="indefinite" restart="never" nodeType="tmRoot"/>
+      </p:par>
+    </p:tnLst>
+  </p:timing>
 </p:sld>
 </file>
 
-<file path=ppt/slides/slide29.xml><?xml version="1.0" encoding="utf-8"?>
+<file path=ppt/slides/slide27.xml><?xml version="1.0" encoding="utf-8"?>
 <p:sld xmlns:a="http://schemas.openxmlformats.org/drawingml/2006/main" xmlns:r="http://schemas.openxmlformats.org/officeDocument/2006/relationships" xmlns:p="http://schemas.openxmlformats.org/presentationml/2006/main">
   <p:cSld>
     <p:spTree>
@@ -8265,7 +8188,7 @@
                 </a:solidFill>
               </a:rPr>
               <a:pPr/>
-              <a:t>29</a:t>
+              <a:t>27</a:t>
             </a:fld>
             <a:endParaRPr lang="de-CH">
               <a:solidFill>
@@ -8382,6 +8305,388 @@
   <p:clrMapOvr>
     <a:masterClrMapping/>
   </p:clrMapOvr>
+  <p:timing>
+    <p:tnLst>
+      <p:par>
+        <p:cTn id="1" dur="indefinite" restart="never" nodeType="tmRoot"/>
+      </p:par>
+    </p:tnLst>
+  </p:timing>
+</p:sld>
+</file>
+
+<file path=ppt/slides/slide28.xml><?xml version="1.0" encoding="utf-8"?>
+<p:sld xmlns:a="http://schemas.openxmlformats.org/drawingml/2006/main" xmlns:r="http://schemas.openxmlformats.org/officeDocument/2006/relationships" xmlns:p="http://schemas.openxmlformats.org/presentationml/2006/main">
+  <p:cSld>
+    <p:spTree>
+      <p:nvGrpSpPr>
+        <p:cNvPr id="1" name=""/>
+        <p:cNvGrpSpPr/>
+        <p:nvPr/>
+      </p:nvGrpSpPr>
+      <p:grpSpPr>
+        <a:xfrm>
+          <a:off x="0" y="0"/>
+          <a:ext cx="0" cy="0"/>
+          <a:chOff x="0" y="0"/>
+          <a:chExt cx="0" cy="0"/>
+        </a:xfrm>
+      </p:grpSpPr>
+      <p:sp>
+        <p:nvSpPr>
+          <p:cNvPr id="2" name="Datumsplatzhalter 1"/>
+          <p:cNvSpPr>
+            <a:spLocks noGrp="1"/>
+          </p:cNvSpPr>
+          <p:nvPr>
+            <p:ph type="dt" sz="half" idx="10"/>
+          </p:nvPr>
+        </p:nvSpPr>
+        <p:spPr/>
+        <p:txBody>
+          <a:bodyPr/>
+          <a:lstStyle/>
+          <a:p>
+            <a:fld id="{5E48492E-72D1-4785-9351-8AE1E40FBA2D}" type="datetime1">
+              <a:rPr lang="de-CH" smtClean="0">
+                <a:solidFill>
+                  <a:srgbClr val="000000"/>
+                </a:solidFill>
+              </a:rPr>
+              <a:t>12.08.2018</a:t>
+            </a:fld>
+            <a:endParaRPr lang="de-CH">
+              <a:solidFill>
+                <a:srgbClr val="000000"/>
+              </a:solidFill>
+            </a:endParaRPr>
+          </a:p>
+        </p:txBody>
+      </p:sp>
+      <p:sp>
+        <p:nvSpPr>
+          <p:cNvPr id="3" name="Fußzeilenplatzhalter 2"/>
+          <p:cNvSpPr>
+            <a:spLocks noGrp="1"/>
+          </p:cNvSpPr>
+          <p:nvPr>
+            <p:ph type="ftr" sz="quarter" idx="11"/>
+          </p:nvPr>
+        </p:nvSpPr>
+        <p:spPr/>
+        <p:txBody>
+          <a:bodyPr/>
+          <a:lstStyle/>
+          <a:p>
+            <a:r>
+              <a:rPr lang="de-CH" dirty="0">
+                <a:solidFill>
+                  <a:srgbClr val="000000"/>
+                </a:solidFill>
+              </a:rPr>
+              <a:t>Institut i4ds</a:t>
+            </a:r>
+          </a:p>
+        </p:txBody>
+      </p:sp>
+      <p:sp>
+        <p:nvSpPr>
+          <p:cNvPr id="4" name="Foliennummernplatzhalter 3"/>
+          <p:cNvSpPr>
+            <a:spLocks noGrp="1"/>
+          </p:cNvSpPr>
+          <p:nvPr>
+            <p:ph type="sldNum" sz="quarter" idx="12"/>
+          </p:nvPr>
+        </p:nvSpPr>
+        <p:spPr/>
+        <p:txBody>
+          <a:bodyPr/>
+          <a:lstStyle/>
+          <a:p>
+            <a:fld id="{351188DD-6605-4EF4-9E67-B567F731CE68}" type="slidenum">
+              <a:rPr lang="de-CH" smtClean="0">
+                <a:solidFill>
+                  <a:srgbClr val="000000"/>
+                </a:solidFill>
+              </a:rPr>
+              <a:pPr/>
+              <a:t>28</a:t>
+            </a:fld>
+            <a:endParaRPr lang="de-CH">
+              <a:solidFill>
+                <a:srgbClr val="000000"/>
+              </a:solidFill>
+            </a:endParaRPr>
+          </a:p>
+        </p:txBody>
+      </p:sp>
+      <p:sp>
+        <p:nvSpPr>
+          <p:cNvPr id="5" name="Titel 4"/>
+          <p:cNvSpPr>
+            <a:spLocks noGrp="1"/>
+          </p:cNvSpPr>
+          <p:nvPr>
+            <p:ph type="title"/>
+          </p:nvPr>
+        </p:nvSpPr>
+        <p:spPr/>
+        <p:txBody>
+          <a:bodyPr/>
+          <a:lstStyle/>
+          <a:p>
+            <a:endParaRPr lang="en-GB"/>
+          </a:p>
+        </p:txBody>
+      </p:sp>
+      <p:sp>
+        <p:nvSpPr>
+          <p:cNvPr id="6" name="Textplatzhalter 5"/>
+          <p:cNvSpPr>
+            <a:spLocks noGrp="1"/>
+          </p:cNvSpPr>
+          <p:nvPr>
+            <p:ph type="body" idx="1"/>
+          </p:nvPr>
+        </p:nvSpPr>
+        <p:spPr/>
+        <p:txBody>
+          <a:bodyPr/>
+          <a:lstStyle/>
+          <a:p>
+            <a:endParaRPr lang="en-GB"/>
+          </a:p>
+        </p:txBody>
+      </p:sp>
+      <p:pic>
+        <p:nvPicPr>
+          <p:cNvPr id="7" name="Grafik 6"/>
+          <p:cNvPicPr>
+            <a:picLocks noChangeAspect="1"/>
+          </p:cNvPicPr>
+          <p:nvPr/>
+        </p:nvPicPr>
+        <p:blipFill>
+          <a:blip r:embed="rId2">
+            <a:extLst>
+              <a:ext uri="{28A0092B-C50C-407E-A947-70E740481C1C}">
+                <a14:useLocalDpi xmlns:a14="http://schemas.microsoft.com/office/drawing/2010/main" val="0"/>
+              </a:ext>
+            </a:extLst>
+          </a:blip>
+          <a:stretch>
+            <a:fillRect/>
+          </a:stretch>
+        </p:blipFill>
+        <p:spPr>
+          <a:xfrm>
+            <a:off x="1674300" y="327337"/>
+            <a:ext cx="7344800" cy="6906589"/>
+          </a:xfrm>
+          <a:prstGeom prst="rect">
+            <a:avLst/>
+          </a:prstGeom>
+        </p:spPr>
+      </p:pic>
+    </p:spTree>
+    <p:extLst>
+      <p:ext uri="{BB962C8B-B14F-4D97-AF65-F5344CB8AC3E}">
+        <p14:creationId xmlns:p14="http://schemas.microsoft.com/office/powerpoint/2010/main" val="966701151"/>
+      </p:ext>
+    </p:extLst>
+  </p:cSld>
+  <p:clrMapOvr>
+    <a:masterClrMapping/>
+  </p:clrMapOvr>
+  <p:timing>
+    <p:tnLst>
+      <p:par>
+        <p:cTn id="1" dur="indefinite" restart="never" nodeType="tmRoot"/>
+      </p:par>
+    </p:tnLst>
+  </p:timing>
+</p:sld>
+</file>
+
+<file path=ppt/slides/slide29.xml><?xml version="1.0" encoding="utf-8"?>
+<p:sld xmlns:a="http://schemas.openxmlformats.org/drawingml/2006/main" xmlns:r="http://schemas.openxmlformats.org/officeDocument/2006/relationships" xmlns:p="http://schemas.openxmlformats.org/presentationml/2006/main">
+  <p:cSld>
+    <p:spTree>
+      <p:nvGrpSpPr>
+        <p:cNvPr id="1" name=""/>
+        <p:cNvGrpSpPr/>
+        <p:nvPr/>
+      </p:nvGrpSpPr>
+      <p:grpSpPr>
+        <a:xfrm>
+          <a:off x="0" y="0"/>
+          <a:ext cx="0" cy="0"/>
+          <a:chOff x="0" y="0"/>
+          <a:chExt cx="0" cy="0"/>
+        </a:xfrm>
+      </p:grpSpPr>
+      <p:sp>
+        <p:nvSpPr>
+          <p:cNvPr id="2" name="Datumsplatzhalter 1"/>
+          <p:cNvSpPr>
+            <a:spLocks noGrp="1"/>
+          </p:cNvSpPr>
+          <p:nvPr>
+            <p:ph type="dt" sz="half" idx="10"/>
+          </p:nvPr>
+        </p:nvSpPr>
+        <p:spPr/>
+        <p:txBody>
+          <a:bodyPr/>
+          <a:lstStyle/>
+          <a:p>
+            <a:fld id="{5E48492E-72D1-4785-9351-8AE1E40FBA2D}" type="datetime1">
+              <a:rPr lang="de-CH" smtClean="0">
+                <a:solidFill>
+                  <a:srgbClr val="000000"/>
+                </a:solidFill>
+              </a:rPr>
+              <a:t>12.08.2018</a:t>
+            </a:fld>
+            <a:endParaRPr lang="de-CH">
+              <a:solidFill>
+                <a:srgbClr val="000000"/>
+              </a:solidFill>
+            </a:endParaRPr>
+          </a:p>
+        </p:txBody>
+      </p:sp>
+      <p:sp>
+        <p:nvSpPr>
+          <p:cNvPr id="3" name="Fußzeilenplatzhalter 2"/>
+          <p:cNvSpPr>
+            <a:spLocks noGrp="1"/>
+          </p:cNvSpPr>
+          <p:nvPr>
+            <p:ph type="ftr" sz="quarter" idx="11"/>
+          </p:nvPr>
+        </p:nvSpPr>
+        <p:spPr/>
+        <p:txBody>
+          <a:bodyPr/>
+          <a:lstStyle/>
+          <a:p>
+            <a:r>
+              <a:rPr lang="de-CH" dirty="0">
+                <a:solidFill>
+                  <a:srgbClr val="000000"/>
+                </a:solidFill>
+              </a:rPr>
+              <a:t>Institut </a:t>
+            </a:r>
+            <a:r>
+              <a:rPr lang="de-CH" dirty="0" smtClean="0">
+                <a:solidFill>
+                  <a:srgbClr val="000000"/>
+                </a:solidFill>
+              </a:rPr>
+              <a:t>i4ds</a:t>
+            </a:r>
+            <a:endParaRPr lang="de-CH" dirty="0">
+              <a:solidFill>
+                <a:srgbClr val="000000"/>
+              </a:solidFill>
+            </a:endParaRPr>
+          </a:p>
+        </p:txBody>
+      </p:sp>
+      <p:sp>
+        <p:nvSpPr>
+          <p:cNvPr id="4" name="Foliennummernplatzhalter 3"/>
+          <p:cNvSpPr>
+            <a:spLocks noGrp="1"/>
+          </p:cNvSpPr>
+          <p:nvPr>
+            <p:ph type="sldNum" sz="quarter" idx="12"/>
+          </p:nvPr>
+        </p:nvSpPr>
+        <p:spPr/>
+        <p:txBody>
+          <a:bodyPr/>
+          <a:lstStyle/>
+          <a:p>
+            <a:fld id="{351188DD-6605-4EF4-9E67-B567F731CE68}" type="slidenum">
+              <a:rPr lang="de-CH" smtClean="0">
+                <a:solidFill>
+                  <a:srgbClr val="000000"/>
+                </a:solidFill>
+              </a:rPr>
+              <a:pPr/>
+              <a:t>29</a:t>
+            </a:fld>
+            <a:endParaRPr lang="de-CH">
+              <a:solidFill>
+                <a:srgbClr val="000000"/>
+              </a:solidFill>
+            </a:endParaRPr>
+          </a:p>
+        </p:txBody>
+      </p:sp>
+      <p:sp>
+        <p:nvSpPr>
+          <p:cNvPr id="5" name="Titel 4"/>
+          <p:cNvSpPr>
+            <a:spLocks noGrp="1"/>
+          </p:cNvSpPr>
+          <p:nvPr>
+            <p:ph type="title"/>
+          </p:nvPr>
+        </p:nvSpPr>
+        <p:spPr/>
+        <p:txBody>
+          <a:bodyPr/>
+          <a:lstStyle/>
+          <a:p>
+            <a:r>
+              <a:rPr lang="en-GB" dirty="0" smtClean="0"/>
+              <a:t>Conclusion</a:t>
+            </a:r>
+            <a:endParaRPr lang="en-GB" dirty="0"/>
+          </a:p>
+        </p:txBody>
+      </p:sp>
+      <p:sp>
+        <p:nvSpPr>
+          <p:cNvPr id="6" name="Textplatzhalter 5"/>
+          <p:cNvSpPr>
+            <a:spLocks noGrp="1"/>
+          </p:cNvSpPr>
+          <p:nvPr>
+            <p:ph type="body" idx="1"/>
+          </p:nvPr>
+        </p:nvSpPr>
+        <p:spPr/>
+        <p:txBody>
+          <a:bodyPr/>
+          <a:lstStyle/>
+          <a:p>
+            <a:endParaRPr lang="en-GB"/>
+          </a:p>
+        </p:txBody>
+      </p:sp>
+    </p:spTree>
+    <p:extLst>
+      <p:ext uri="{BB962C8B-B14F-4D97-AF65-F5344CB8AC3E}">
+        <p14:creationId xmlns:p14="http://schemas.microsoft.com/office/powerpoint/2010/main" val="24992479"/>
+      </p:ext>
+    </p:extLst>
+  </p:cSld>
+  <p:clrMapOvr>
+    <a:masterClrMapping/>
+  </p:clrMapOvr>
+  <p:timing>
+    <p:tnLst>
+      <p:par>
+        <p:cTn id="1" dur="indefinite" restart="never" nodeType="tmRoot"/>
+      </p:par>
+    </p:tnLst>
+  </p:timing>
 </p:sld>
 </file>
 
@@ -8604,541 +8909,6 @@
 </p:sld>
 </file>
 
-<file path=ppt/slides/slide30.xml><?xml version="1.0" encoding="utf-8"?>
-<p:sld xmlns:a="http://schemas.openxmlformats.org/drawingml/2006/main" xmlns:r="http://schemas.openxmlformats.org/officeDocument/2006/relationships" xmlns:p="http://schemas.openxmlformats.org/presentationml/2006/main">
-  <p:cSld>
-    <p:spTree>
-      <p:nvGrpSpPr>
-        <p:cNvPr id="1" name=""/>
-        <p:cNvGrpSpPr/>
-        <p:nvPr/>
-      </p:nvGrpSpPr>
-      <p:grpSpPr>
-        <a:xfrm>
-          <a:off x="0" y="0"/>
-          <a:ext cx="0" cy="0"/>
-          <a:chOff x="0" y="0"/>
-          <a:chExt cx="0" cy="0"/>
-        </a:xfrm>
-      </p:grpSpPr>
-      <p:sp>
-        <p:nvSpPr>
-          <p:cNvPr id="2" name="Datumsplatzhalter 1"/>
-          <p:cNvSpPr>
-            <a:spLocks noGrp="1"/>
-          </p:cNvSpPr>
-          <p:nvPr>
-            <p:ph type="dt" sz="half" idx="10"/>
-          </p:nvPr>
-        </p:nvSpPr>
-        <p:spPr/>
-        <p:txBody>
-          <a:bodyPr/>
-          <a:lstStyle/>
-          <a:p>
-            <a:fld id="{5E48492E-72D1-4785-9351-8AE1E40FBA2D}" type="datetime1">
-              <a:rPr lang="de-CH" smtClean="0">
-                <a:solidFill>
-                  <a:srgbClr val="000000"/>
-                </a:solidFill>
-              </a:rPr>
-              <a:t>12.08.2018</a:t>
-            </a:fld>
-            <a:endParaRPr lang="de-CH">
-              <a:solidFill>
-                <a:srgbClr val="000000"/>
-              </a:solidFill>
-            </a:endParaRPr>
-          </a:p>
-        </p:txBody>
-      </p:sp>
-      <p:sp>
-        <p:nvSpPr>
-          <p:cNvPr id="3" name="Fußzeilenplatzhalter 2"/>
-          <p:cNvSpPr>
-            <a:spLocks noGrp="1"/>
-          </p:cNvSpPr>
-          <p:nvPr>
-            <p:ph type="ftr" sz="quarter" idx="11"/>
-          </p:nvPr>
-        </p:nvSpPr>
-        <p:spPr/>
-        <p:txBody>
-          <a:bodyPr/>
-          <a:lstStyle/>
-          <a:p>
-            <a:r>
-              <a:rPr lang="de-CH" dirty="0">
-                <a:solidFill>
-                  <a:srgbClr val="000000"/>
-                </a:solidFill>
-              </a:rPr>
-              <a:t>Institut i4ds</a:t>
-            </a:r>
-          </a:p>
-        </p:txBody>
-      </p:sp>
-      <p:sp>
-        <p:nvSpPr>
-          <p:cNvPr id="4" name="Foliennummernplatzhalter 3"/>
-          <p:cNvSpPr>
-            <a:spLocks noGrp="1"/>
-          </p:cNvSpPr>
-          <p:nvPr>
-            <p:ph type="sldNum" sz="quarter" idx="12"/>
-          </p:nvPr>
-        </p:nvSpPr>
-        <p:spPr/>
-        <p:txBody>
-          <a:bodyPr/>
-          <a:lstStyle/>
-          <a:p>
-            <a:fld id="{351188DD-6605-4EF4-9E67-B567F731CE68}" type="slidenum">
-              <a:rPr lang="de-CH" smtClean="0">
-                <a:solidFill>
-                  <a:srgbClr val="000000"/>
-                </a:solidFill>
-              </a:rPr>
-              <a:pPr/>
-              <a:t>30</a:t>
-            </a:fld>
-            <a:endParaRPr lang="de-CH">
-              <a:solidFill>
-                <a:srgbClr val="000000"/>
-              </a:solidFill>
-            </a:endParaRPr>
-          </a:p>
-        </p:txBody>
-      </p:sp>
-      <p:sp>
-        <p:nvSpPr>
-          <p:cNvPr id="5" name="Titel 4"/>
-          <p:cNvSpPr>
-            <a:spLocks noGrp="1"/>
-          </p:cNvSpPr>
-          <p:nvPr>
-            <p:ph type="title"/>
-          </p:nvPr>
-        </p:nvSpPr>
-        <p:spPr/>
-        <p:txBody>
-          <a:bodyPr/>
-          <a:lstStyle/>
-          <a:p>
-            <a:endParaRPr lang="en-GB"/>
-          </a:p>
-        </p:txBody>
-      </p:sp>
-      <p:sp>
-        <p:nvSpPr>
-          <p:cNvPr id="6" name="Textplatzhalter 5"/>
-          <p:cNvSpPr>
-            <a:spLocks noGrp="1"/>
-          </p:cNvSpPr>
-          <p:nvPr>
-            <p:ph type="body" idx="1"/>
-          </p:nvPr>
-        </p:nvSpPr>
-        <p:spPr/>
-        <p:txBody>
-          <a:bodyPr/>
-          <a:lstStyle/>
-          <a:p>
-            <a:endParaRPr lang="en-GB"/>
-          </a:p>
-        </p:txBody>
-      </p:sp>
-      <p:pic>
-        <p:nvPicPr>
-          <p:cNvPr id="7" name="Grafik 6"/>
-          <p:cNvPicPr>
-            <a:picLocks noChangeAspect="1"/>
-          </p:cNvPicPr>
-          <p:nvPr/>
-        </p:nvPicPr>
-        <p:blipFill>
-          <a:blip r:embed="rId2">
-            <a:extLst>
-              <a:ext uri="{28A0092B-C50C-407E-A947-70E740481C1C}">
-                <a14:useLocalDpi xmlns:a14="http://schemas.microsoft.com/office/drawing/2010/main" val="0"/>
-              </a:ext>
-            </a:extLst>
-          </a:blip>
-          <a:stretch>
-            <a:fillRect/>
-          </a:stretch>
-        </p:blipFill>
-        <p:spPr>
-          <a:xfrm>
-            <a:off x="1674300" y="327337"/>
-            <a:ext cx="7344800" cy="6906589"/>
-          </a:xfrm>
-          <a:prstGeom prst="rect">
-            <a:avLst/>
-          </a:prstGeom>
-        </p:spPr>
-      </p:pic>
-    </p:spTree>
-    <p:extLst>
-      <p:ext uri="{BB962C8B-B14F-4D97-AF65-F5344CB8AC3E}">
-        <p14:creationId xmlns:p14="http://schemas.microsoft.com/office/powerpoint/2010/main" val="966701151"/>
-      </p:ext>
-    </p:extLst>
-  </p:cSld>
-  <p:clrMapOvr>
-    <a:masterClrMapping/>
-  </p:clrMapOvr>
-</p:sld>
-</file>
-
-<file path=ppt/slides/slide31.xml><?xml version="1.0" encoding="utf-8"?>
-<p:sld xmlns:a="http://schemas.openxmlformats.org/drawingml/2006/main" xmlns:r="http://schemas.openxmlformats.org/officeDocument/2006/relationships" xmlns:p="http://schemas.openxmlformats.org/presentationml/2006/main">
-  <p:cSld>
-    <p:spTree>
-      <p:nvGrpSpPr>
-        <p:cNvPr id="1" name=""/>
-        <p:cNvGrpSpPr/>
-        <p:nvPr/>
-      </p:nvGrpSpPr>
-      <p:grpSpPr>
-        <a:xfrm>
-          <a:off x="0" y="0"/>
-          <a:ext cx="0" cy="0"/>
-          <a:chOff x="0" y="0"/>
-          <a:chExt cx="0" cy="0"/>
-        </a:xfrm>
-      </p:grpSpPr>
-      <p:sp>
-        <p:nvSpPr>
-          <p:cNvPr id="2" name="Datumsplatzhalter 1"/>
-          <p:cNvSpPr>
-            <a:spLocks noGrp="1"/>
-          </p:cNvSpPr>
-          <p:nvPr>
-            <p:ph type="dt" sz="half" idx="10"/>
-          </p:nvPr>
-        </p:nvSpPr>
-        <p:spPr/>
-        <p:txBody>
-          <a:bodyPr/>
-          <a:lstStyle/>
-          <a:p>
-            <a:fld id="{5E48492E-72D1-4785-9351-8AE1E40FBA2D}" type="datetime1">
-              <a:rPr lang="de-CH" smtClean="0">
-                <a:solidFill>
-                  <a:srgbClr val="000000"/>
-                </a:solidFill>
-              </a:rPr>
-              <a:t>12.08.2018</a:t>
-            </a:fld>
-            <a:endParaRPr lang="de-CH">
-              <a:solidFill>
-                <a:srgbClr val="000000"/>
-              </a:solidFill>
-            </a:endParaRPr>
-          </a:p>
-        </p:txBody>
-      </p:sp>
-      <p:sp>
-        <p:nvSpPr>
-          <p:cNvPr id="3" name="Fußzeilenplatzhalter 2"/>
-          <p:cNvSpPr>
-            <a:spLocks noGrp="1"/>
-          </p:cNvSpPr>
-          <p:nvPr>
-            <p:ph type="ftr" sz="quarter" idx="11"/>
-          </p:nvPr>
-        </p:nvSpPr>
-        <p:spPr/>
-        <p:txBody>
-          <a:bodyPr/>
-          <a:lstStyle/>
-          <a:p>
-            <a:r>
-              <a:rPr lang="de-CH" dirty="0">
-                <a:solidFill>
-                  <a:srgbClr val="000000"/>
-                </a:solidFill>
-              </a:rPr>
-              <a:t>Institut </a:t>
-            </a:r>
-            <a:r>
-              <a:rPr lang="de-CH" dirty="0" smtClean="0">
-                <a:solidFill>
-                  <a:srgbClr val="000000"/>
-                </a:solidFill>
-              </a:rPr>
-              <a:t>i4ds</a:t>
-            </a:r>
-            <a:endParaRPr lang="de-CH" dirty="0">
-              <a:solidFill>
-                <a:srgbClr val="000000"/>
-              </a:solidFill>
-            </a:endParaRPr>
-          </a:p>
-        </p:txBody>
-      </p:sp>
-      <p:sp>
-        <p:nvSpPr>
-          <p:cNvPr id="4" name="Foliennummernplatzhalter 3"/>
-          <p:cNvSpPr>
-            <a:spLocks noGrp="1"/>
-          </p:cNvSpPr>
-          <p:nvPr>
-            <p:ph type="sldNum" sz="quarter" idx="12"/>
-          </p:nvPr>
-        </p:nvSpPr>
-        <p:spPr/>
-        <p:txBody>
-          <a:bodyPr/>
-          <a:lstStyle/>
-          <a:p>
-            <a:fld id="{351188DD-6605-4EF4-9E67-B567F731CE68}" type="slidenum">
-              <a:rPr lang="de-CH" smtClean="0">
-                <a:solidFill>
-                  <a:srgbClr val="000000"/>
-                </a:solidFill>
-              </a:rPr>
-              <a:pPr/>
-              <a:t>31</a:t>
-            </a:fld>
-            <a:endParaRPr lang="de-CH">
-              <a:solidFill>
-                <a:srgbClr val="000000"/>
-              </a:solidFill>
-            </a:endParaRPr>
-          </a:p>
-        </p:txBody>
-      </p:sp>
-      <p:sp>
-        <p:nvSpPr>
-          <p:cNvPr id="5" name="Titel 4"/>
-          <p:cNvSpPr>
-            <a:spLocks noGrp="1"/>
-          </p:cNvSpPr>
-          <p:nvPr>
-            <p:ph type="title"/>
-          </p:nvPr>
-        </p:nvSpPr>
-        <p:spPr/>
-        <p:txBody>
-          <a:bodyPr/>
-          <a:lstStyle/>
-          <a:p>
-            <a:r>
-              <a:rPr lang="en-GB" dirty="0" smtClean="0"/>
-              <a:t>Conclusion</a:t>
-            </a:r>
-            <a:endParaRPr lang="en-GB" dirty="0"/>
-          </a:p>
-        </p:txBody>
-      </p:sp>
-      <p:sp>
-        <p:nvSpPr>
-          <p:cNvPr id="6" name="Textplatzhalter 5"/>
-          <p:cNvSpPr>
-            <a:spLocks noGrp="1"/>
-          </p:cNvSpPr>
-          <p:nvPr>
-            <p:ph type="body" idx="1"/>
-          </p:nvPr>
-        </p:nvSpPr>
-        <p:spPr/>
-        <p:txBody>
-          <a:bodyPr/>
-          <a:lstStyle/>
-          <a:p>
-            <a:endParaRPr lang="en-GB"/>
-          </a:p>
-        </p:txBody>
-      </p:sp>
-    </p:spTree>
-    <p:extLst>
-      <p:ext uri="{BB962C8B-B14F-4D97-AF65-F5344CB8AC3E}">
-        <p14:creationId xmlns:p14="http://schemas.microsoft.com/office/powerpoint/2010/main" val="24992479"/>
-      </p:ext>
-    </p:extLst>
-  </p:cSld>
-  <p:clrMapOvr>
-    <a:masterClrMapping/>
-  </p:clrMapOvr>
-</p:sld>
-</file>
-
-<file path=ppt/slides/slide32.xml><?xml version="1.0" encoding="utf-8"?>
-<p:sld xmlns:a="http://schemas.openxmlformats.org/drawingml/2006/main" xmlns:r="http://schemas.openxmlformats.org/officeDocument/2006/relationships" xmlns:p="http://schemas.openxmlformats.org/presentationml/2006/main">
-  <p:cSld>
-    <p:spTree>
-      <p:nvGrpSpPr>
-        <p:cNvPr id="1" name=""/>
-        <p:cNvGrpSpPr/>
-        <p:nvPr/>
-      </p:nvGrpSpPr>
-      <p:grpSpPr>
-        <a:xfrm>
-          <a:off x="0" y="0"/>
-          <a:ext cx="0" cy="0"/>
-          <a:chOff x="0" y="0"/>
-          <a:chExt cx="0" cy="0"/>
-        </a:xfrm>
-      </p:grpSpPr>
-      <p:sp>
-        <p:nvSpPr>
-          <p:cNvPr id="2" name="Datumsplatzhalter 1"/>
-          <p:cNvSpPr>
-            <a:spLocks noGrp="1"/>
-          </p:cNvSpPr>
-          <p:nvPr>
-            <p:ph type="dt" sz="half" idx="10"/>
-          </p:nvPr>
-        </p:nvSpPr>
-        <p:spPr/>
-        <p:txBody>
-          <a:bodyPr/>
-          <a:lstStyle/>
-          <a:p>
-            <a:fld id="{5E48492E-72D1-4785-9351-8AE1E40FBA2D}" type="datetime1">
-              <a:rPr lang="de-CH" smtClean="0">
-                <a:solidFill>
-                  <a:srgbClr val="000000"/>
-                </a:solidFill>
-              </a:rPr>
-              <a:t>12.08.2018</a:t>
-            </a:fld>
-            <a:endParaRPr lang="de-CH">
-              <a:solidFill>
-                <a:srgbClr val="000000"/>
-              </a:solidFill>
-            </a:endParaRPr>
-          </a:p>
-        </p:txBody>
-      </p:sp>
-      <p:sp>
-        <p:nvSpPr>
-          <p:cNvPr id="3" name="Fußzeilenplatzhalter 2"/>
-          <p:cNvSpPr>
-            <a:spLocks noGrp="1"/>
-          </p:cNvSpPr>
-          <p:nvPr>
-            <p:ph type="ftr" sz="quarter" idx="11"/>
-          </p:nvPr>
-        </p:nvSpPr>
-        <p:spPr/>
-        <p:txBody>
-          <a:bodyPr/>
-          <a:lstStyle/>
-          <a:p>
-            <a:r>
-              <a:rPr lang="de-CH" dirty="0">
-                <a:solidFill>
-                  <a:srgbClr val="000000"/>
-                </a:solidFill>
-              </a:rPr>
-              <a:t>Institut </a:t>
-            </a:r>
-            <a:r>
-              <a:rPr lang="de-CH" dirty="0" smtClean="0">
-                <a:solidFill>
-                  <a:srgbClr val="000000"/>
-                </a:solidFill>
-              </a:rPr>
-              <a:t>i4ds</a:t>
-            </a:r>
-            <a:endParaRPr lang="de-CH" dirty="0">
-              <a:solidFill>
-                <a:srgbClr val="000000"/>
-              </a:solidFill>
-            </a:endParaRPr>
-          </a:p>
-        </p:txBody>
-      </p:sp>
-      <p:sp>
-        <p:nvSpPr>
-          <p:cNvPr id="4" name="Foliennummernplatzhalter 3"/>
-          <p:cNvSpPr>
-            <a:spLocks noGrp="1"/>
-          </p:cNvSpPr>
-          <p:nvPr>
-            <p:ph type="sldNum" sz="quarter" idx="12"/>
-          </p:nvPr>
-        </p:nvSpPr>
-        <p:spPr/>
-        <p:txBody>
-          <a:bodyPr/>
-          <a:lstStyle/>
-          <a:p>
-            <a:fld id="{351188DD-6605-4EF4-9E67-B567F731CE68}" type="slidenum">
-              <a:rPr lang="de-CH" smtClean="0">
-                <a:solidFill>
-                  <a:srgbClr val="000000"/>
-                </a:solidFill>
-              </a:rPr>
-              <a:pPr/>
-              <a:t>32</a:t>
-            </a:fld>
-            <a:endParaRPr lang="de-CH">
-              <a:solidFill>
-                <a:srgbClr val="000000"/>
-              </a:solidFill>
-            </a:endParaRPr>
-          </a:p>
-        </p:txBody>
-      </p:sp>
-      <p:sp>
-        <p:nvSpPr>
-          <p:cNvPr id="5" name="Titel 4"/>
-          <p:cNvSpPr>
-            <a:spLocks noGrp="1"/>
-          </p:cNvSpPr>
-          <p:nvPr>
-            <p:ph type="title"/>
-          </p:nvPr>
-        </p:nvSpPr>
-        <p:spPr/>
-        <p:txBody>
-          <a:bodyPr/>
-          <a:lstStyle/>
-          <a:p>
-            <a:r>
-              <a:rPr lang="en-GB" dirty="0" smtClean="0"/>
-              <a:t>Conclusion</a:t>
-            </a:r>
-            <a:endParaRPr lang="en-GB" dirty="0"/>
-          </a:p>
-        </p:txBody>
-      </p:sp>
-      <p:sp>
-        <p:nvSpPr>
-          <p:cNvPr id="6" name="Textplatzhalter 5"/>
-          <p:cNvSpPr>
-            <a:spLocks noGrp="1"/>
-          </p:cNvSpPr>
-          <p:nvPr>
-            <p:ph type="body" idx="1"/>
-          </p:nvPr>
-        </p:nvSpPr>
-        <p:spPr/>
-        <p:txBody>
-          <a:bodyPr/>
-          <a:lstStyle/>
-          <a:p>
-            <a:endParaRPr lang="en-GB"/>
-          </a:p>
-        </p:txBody>
-      </p:sp>
-    </p:spTree>
-    <p:extLst>
-      <p:ext uri="{BB962C8B-B14F-4D97-AF65-F5344CB8AC3E}">
-        <p14:creationId xmlns:p14="http://schemas.microsoft.com/office/powerpoint/2010/main" val="3143559485"/>
-      </p:ext>
-    </p:extLst>
-  </p:cSld>
-  <p:clrMapOvr>
-    <a:masterClrMapping/>
-  </p:clrMapOvr>
-</p:sld>
-</file>
-
 <file path=ppt/slides/slide4.xml><?xml version="1.0" encoding="utf-8"?>
 <p:sld xmlns:a="http://schemas.openxmlformats.org/drawingml/2006/main" xmlns:r="http://schemas.openxmlformats.org/officeDocument/2006/relationships" xmlns:p="http://schemas.openxmlformats.org/presentationml/2006/main">
   <p:cSld>
@@ -9468,7 +9238,7 @@
           <a:p>
             <a:r>
               <a:rPr lang="en-GB" dirty="0" smtClean="0"/>
-              <a:t>Compressed Sensing?</a:t>
+              <a:t>CLEAN</a:t>
             </a:r>
             <a:endParaRPr lang="en-GB" dirty="0"/>
           </a:p>
@@ -9484,17 +9254,12 @@
             <p:ph type="body" idx="1"/>
           </p:nvPr>
         </p:nvSpPr>
-        <p:spPr>
-          <a:xfrm>
-            <a:off x="738188" y="1980432"/>
-            <a:ext cx="9213850" cy="4680718"/>
-          </a:xfrm>
-        </p:spPr>
-        <p:txBody>
-          <a:bodyPr/>
-          <a:lstStyle/>
-          <a:p>
-            <a:endParaRPr lang="en-GB" sz="5400" dirty="0"/>
+        <p:spPr/>
+        <p:txBody>
+          <a:bodyPr/>
+          <a:lstStyle/>
+          <a:p>
+            <a:endParaRPr lang="en-GB" dirty="0"/>
           </a:p>
         </p:txBody>
       </p:sp>
@@ -9507,7 +9272,7 @@
           <p:nvPr/>
         </p:nvPicPr>
         <p:blipFill>
-          <a:blip r:embed="rId3">
+          <a:blip r:embed="rId2" cstate="print">
             <a:extLst>
               <a:ext uri="{28A0092B-C50C-407E-A947-70E740481C1C}">
                 <a14:useLocalDpi xmlns:a14="http://schemas.microsoft.com/office/drawing/2010/main" val="0"/>
@@ -9520,8 +9285,8 @@
         </p:blipFill>
         <p:spPr>
           <a:xfrm>
-            <a:off x="1617662" y="3385344"/>
-            <a:ext cx="7458075" cy="790575"/>
+            <a:off x="2394372" y="1800833"/>
+            <a:ext cx="5256584" cy="5256584"/>
           </a:xfrm>
           <a:prstGeom prst="rect">
             <a:avLst/>
@@ -9531,13 +9296,20 @@
     </p:spTree>
     <p:extLst>
       <p:ext uri="{BB962C8B-B14F-4D97-AF65-F5344CB8AC3E}">
-        <p14:creationId xmlns:p14="http://schemas.microsoft.com/office/powerpoint/2010/main" val="3964176927"/>
+        <p14:creationId xmlns:p14="http://schemas.microsoft.com/office/powerpoint/2010/main" val="2606158152"/>
       </p:ext>
     </p:extLst>
   </p:cSld>
   <p:clrMapOvr>
     <a:masterClrMapping/>
   </p:clrMapOvr>
+  <p:timing>
+    <p:tnLst>
+      <p:par>
+        <p:cTn id="1" dur="indefinite" restart="never" nodeType="tmRoot"/>
+      </p:par>
+    </p:tnLst>
+  </p:timing>
 </p:sld>
 </file>
 
@@ -9643,172 +9415,6 @@
               </a:rPr>
               <a:pPr/>
               <a:t>6</a:t>
-            </a:fld>
-            <a:endParaRPr lang="de-CH">
-              <a:solidFill>
-                <a:srgbClr val="000000"/>
-              </a:solidFill>
-            </a:endParaRPr>
-          </a:p>
-        </p:txBody>
-      </p:sp>
-      <p:sp>
-        <p:nvSpPr>
-          <p:cNvPr id="5" name="Titel 4"/>
-          <p:cNvSpPr>
-            <a:spLocks noGrp="1"/>
-          </p:cNvSpPr>
-          <p:nvPr>
-            <p:ph type="title"/>
-          </p:nvPr>
-        </p:nvSpPr>
-        <p:spPr/>
-        <p:txBody>
-          <a:bodyPr/>
-          <a:lstStyle/>
-          <a:p>
-            <a:r>
-              <a:rPr lang="en-GB" dirty="0" smtClean="0"/>
-              <a:t>CLEAN</a:t>
-            </a:r>
-            <a:endParaRPr lang="en-GB" dirty="0"/>
-          </a:p>
-        </p:txBody>
-      </p:sp>
-      <p:sp>
-        <p:nvSpPr>
-          <p:cNvPr id="6" name="Textplatzhalter 5"/>
-          <p:cNvSpPr>
-            <a:spLocks noGrp="1"/>
-          </p:cNvSpPr>
-          <p:nvPr>
-            <p:ph type="body" idx="1"/>
-          </p:nvPr>
-        </p:nvSpPr>
-        <p:spPr/>
-        <p:txBody>
-          <a:bodyPr/>
-          <a:lstStyle/>
-          <a:p>
-            <a:endParaRPr lang="en-GB" dirty="0"/>
-          </a:p>
-        </p:txBody>
-      </p:sp>
-    </p:spTree>
-    <p:extLst>
-      <p:ext uri="{BB962C8B-B14F-4D97-AF65-F5344CB8AC3E}">
-        <p14:creationId xmlns:p14="http://schemas.microsoft.com/office/powerpoint/2010/main" val="2606158152"/>
-      </p:ext>
-    </p:extLst>
-  </p:cSld>
-  <p:clrMapOvr>
-    <a:masterClrMapping/>
-  </p:clrMapOvr>
-</p:sld>
-</file>
-
-<file path=ppt/slides/slide7.xml><?xml version="1.0" encoding="utf-8"?>
-<p:sld xmlns:a="http://schemas.openxmlformats.org/drawingml/2006/main" xmlns:r="http://schemas.openxmlformats.org/officeDocument/2006/relationships" xmlns:p="http://schemas.openxmlformats.org/presentationml/2006/main">
-  <p:cSld>
-    <p:spTree>
-      <p:nvGrpSpPr>
-        <p:cNvPr id="1" name=""/>
-        <p:cNvGrpSpPr/>
-        <p:nvPr/>
-      </p:nvGrpSpPr>
-      <p:grpSpPr>
-        <a:xfrm>
-          <a:off x="0" y="0"/>
-          <a:ext cx="0" cy="0"/>
-          <a:chOff x="0" y="0"/>
-          <a:chExt cx="0" cy="0"/>
-        </a:xfrm>
-      </p:grpSpPr>
-      <p:sp>
-        <p:nvSpPr>
-          <p:cNvPr id="2" name="Datumsplatzhalter 1"/>
-          <p:cNvSpPr>
-            <a:spLocks noGrp="1"/>
-          </p:cNvSpPr>
-          <p:nvPr>
-            <p:ph type="dt" sz="half" idx="10"/>
-          </p:nvPr>
-        </p:nvSpPr>
-        <p:spPr/>
-        <p:txBody>
-          <a:bodyPr/>
-          <a:lstStyle/>
-          <a:p>
-            <a:fld id="{5E48492E-72D1-4785-9351-8AE1E40FBA2D}" type="datetime1">
-              <a:rPr lang="de-CH" smtClean="0">
-                <a:solidFill>
-                  <a:srgbClr val="000000"/>
-                </a:solidFill>
-              </a:rPr>
-              <a:t>12.08.2018</a:t>
-            </a:fld>
-            <a:endParaRPr lang="de-CH">
-              <a:solidFill>
-                <a:srgbClr val="000000"/>
-              </a:solidFill>
-            </a:endParaRPr>
-          </a:p>
-        </p:txBody>
-      </p:sp>
-      <p:sp>
-        <p:nvSpPr>
-          <p:cNvPr id="3" name="Fußzeilenplatzhalter 2"/>
-          <p:cNvSpPr>
-            <a:spLocks noGrp="1"/>
-          </p:cNvSpPr>
-          <p:nvPr>
-            <p:ph type="ftr" sz="quarter" idx="11"/>
-          </p:nvPr>
-        </p:nvSpPr>
-        <p:spPr/>
-        <p:txBody>
-          <a:bodyPr/>
-          <a:lstStyle/>
-          <a:p>
-            <a:r>
-              <a:rPr lang="de-CH" dirty="0" smtClean="0">
-                <a:solidFill>
-                  <a:srgbClr val="000000"/>
-                </a:solidFill>
-              </a:rPr>
-              <a:t>Institut i4ds</a:t>
-            </a:r>
-            <a:endParaRPr lang="de-CH" dirty="0">
-              <a:solidFill>
-                <a:srgbClr val="000000"/>
-              </a:solidFill>
-            </a:endParaRPr>
-          </a:p>
-        </p:txBody>
-      </p:sp>
-      <p:sp>
-        <p:nvSpPr>
-          <p:cNvPr id="4" name="Foliennummernplatzhalter 3"/>
-          <p:cNvSpPr>
-            <a:spLocks noGrp="1"/>
-          </p:cNvSpPr>
-          <p:nvPr>
-            <p:ph type="sldNum" sz="quarter" idx="12"/>
-          </p:nvPr>
-        </p:nvSpPr>
-        <p:spPr/>
-        <p:txBody>
-          <a:bodyPr/>
-          <a:lstStyle/>
-          <a:p>
-            <a:fld id="{351188DD-6605-4EF4-9E67-B567F731CE68}" type="slidenum">
-              <a:rPr lang="de-CH" smtClean="0">
-                <a:solidFill>
-                  <a:srgbClr val="000000"/>
-                </a:solidFill>
-              </a:rPr>
-              <a:pPr/>
-              <a:t>7</a:t>
             </a:fld>
             <a:endParaRPr lang="de-CH">
               <a:solidFill>
@@ -10050,10 +9656,17 @@
   <p:clrMapOvr>
     <a:masterClrMapping/>
   </p:clrMapOvr>
+  <p:timing>
+    <p:tnLst>
+      <p:par>
+        <p:cTn id="1" dur="indefinite" restart="never" nodeType="tmRoot"/>
+      </p:par>
+    </p:tnLst>
+  </p:timing>
 </p:sld>
 </file>
 
-<file path=ppt/slides/slide8.xml><?xml version="1.0" encoding="utf-8"?>
+<file path=ppt/slides/slide7.xml><?xml version="1.0" encoding="utf-8"?>
 <p:sld xmlns:a="http://schemas.openxmlformats.org/drawingml/2006/main" xmlns:r="http://schemas.openxmlformats.org/officeDocument/2006/relationships" xmlns:p="http://schemas.openxmlformats.org/presentationml/2006/main">
   <p:cSld>
     <p:spTree>
@@ -10214,7 +9827,7 @@
                 </a:solidFill>
               </a:rPr>
               <a:pPr/>
-              <a:t>8</a:t>
+              <a:t>7</a:t>
             </a:fld>
             <a:endParaRPr lang="de-CH">
               <a:solidFill>
@@ -10377,10 +9990,17 @@
   <p:clrMapOvr>
     <a:masterClrMapping/>
   </p:clrMapOvr>
+  <p:timing>
+    <p:tnLst>
+      <p:par>
+        <p:cTn id="1" dur="indefinite" restart="never" nodeType="tmRoot"/>
+      </p:par>
+    </p:tnLst>
+  </p:timing>
 </p:sld>
 </file>
 
-<file path=ppt/slides/slide9.xml><?xml version="1.0" encoding="utf-8"?>
+<file path=ppt/slides/slide8.xml><?xml version="1.0" encoding="utf-8"?>
 <p:sld xmlns:a="http://schemas.openxmlformats.org/drawingml/2006/main" xmlns:r="http://schemas.openxmlformats.org/officeDocument/2006/relationships" xmlns:p="http://schemas.openxmlformats.org/presentationml/2006/main">
   <p:cSld>
     <p:spTree>
@@ -10541,7 +10161,7 @@
                 </a:solidFill>
               </a:rPr>
               <a:pPr/>
-              <a:t>9</a:t>
+              <a:t>8</a:t>
             </a:fld>
             <a:endParaRPr lang="de-CH">
               <a:solidFill>
@@ -10723,6 +10343,366 @@
   <p:clrMapOvr>
     <a:masterClrMapping/>
   </p:clrMapOvr>
+  <p:timing>
+    <p:tnLst>
+      <p:par>
+        <p:cTn id="1" dur="indefinite" restart="never" nodeType="tmRoot"/>
+      </p:par>
+    </p:tnLst>
+  </p:timing>
+</p:sld>
+</file>
+
+<file path=ppt/slides/slide9.xml><?xml version="1.0" encoding="utf-8"?>
+<p:sld xmlns:a="http://schemas.openxmlformats.org/drawingml/2006/main" xmlns:r="http://schemas.openxmlformats.org/officeDocument/2006/relationships" xmlns:p="http://schemas.openxmlformats.org/presentationml/2006/main">
+  <p:cSld>
+    <p:spTree>
+      <p:nvGrpSpPr>
+        <p:cNvPr id="1" name=""/>
+        <p:cNvGrpSpPr/>
+        <p:nvPr/>
+      </p:nvGrpSpPr>
+      <p:grpSpPr>
+        <a:xfrm>
+          <a:off x="0" y="0"/>
+          <a:ext cx="0" cy="0"/>
+          <a:chOff x="0" y="0"/>
+          <a:chExt cx="0" cy="0"/>
+        </a:xfrm>
+      </p:grpSpPr>
+      <p:pic>
+        <p:nvPicPr>
+          <p:cNvPr id="14" name="Grafik 13"/>
+          <p:cNvPicPr>
+            <a:picLocks noChangeAspect="1"/>
+          </p:cNvPicPr>
+          <p:nvPr/>
+        </p:nvPicPr>
+        <p:blipFill>
+          <a:blip r:embed="rId2" cstate="print">
+            <a:extLst>
+              <a:ext uri="{28A0092B-C50C-407E-A947-70E740481C1C}">
+                <a14:useLocalDpi xmlns:a14="http://schemas.microsoft.com/office/drawing/2010/main" val="0"/>
+              </a:ext>
+            </a:extLst>
+          </a:blip>
+          <a:stretch>
+            <a:fillRect/>
+          </a:stretch>
+        </p:blipFill>
+        <p:spPr>
+          <a:xfrm>
+            <a:off x="4986660" y="3219375"/>
+            <a:ext cx="3657600" cy="3657600"/>
+          </a:xfrm>
+          <a:prstGeom prst="rect">
+            <a:avLst/>
+          </a:prstGeom>
+        </p:spPr>
+      </p:pic>
+      <p:pic>
+        <p:nvPicPr>
+          <p:cNvPr id="13" name="Grafik 12"/>
+          <p:cNvPicPr>
+            <a:picLocks noChangeAspect="1"/>
+          </p:cNvPicPr>
+          <p:nvPr/>
+        </p:nvPicPr>
+        <p:blipFill>
+          <a:blip r:embed="rId3" cstate="print">
+            <a:extLst>
+              <a:ext uri="{28A0092B-C50C-407E-A947-70E740481C1C}">
+                <a14:useLocalDpi xmlns:a14="http://schemas.microsoft.com/office/drawing/2010/main" val="0"/>
+              </a:ext>
+            </a:extLst>
+          </a:blip>
+          <a:stretch>
+            <a:fillRect/>
+          </a:stretch>
+        </p:blipFill>
+        <p:spPr>
+          <a:xfrm>
+            <a:off x="1401068" y="3219375"/>
+            <a:ext cx="3657600" cy="3657600"/>
+          </a:xfrm>
+          <a:prstGeom prst="rect">
+            <a:avLst/>
+          </a:prstGeom>
+        </p:spPr>
+      </p:pic>
+      <p:sp>
+        <p:nvSpPr>
+          <p:cNvPr id="2" name="Datumsplatzhalter 1"/>
+          <p:cNvSpPr>
+            <a:spLocks noGrp="1"/>
+          </p:cNvSpPr>
+          <p:nvPr>
+            <p:ph type="dt" sz="half" idx="10"/>
+          </p:nvPr>
+        </p:nvSpPr>
+        <p:spPr/>
+        <p:txBody>
+          <a:bodyPr/>
+          <a:lstStyle/>
+          <a:p>
+            <a:fld id="{5E48492E-72D1-4785-9351-8AE1E40FBA2D}" type="datetime1">
+              <a:rPr lang="de-CH" smtClean="0">
+                <a:solidFill>
+                  <a:srgbClr val="000000"/>
+                </a:solidFill>
+              </a:rPr>
+              <a:t>12.08.2018</a:t>
+            </a:fld>
+            <a:endParaRPr lang="de-CH">
+              <a:solidFill>
+                <a:srgbClr val="000000"/>
+              </a:solidFill>
+            </a:endParaRPr>
+          </a:p>
+        </p:txBody>
+      </p:sp>
+      <p:sp>
+        <p:nvSpPr>
+          <p:cNvPr id="3" name="Fußzeilenplatzhalter 2"/>
+          <p:cNvSpPr>
+            <a:spLocks noGrp="1"/>
+          </p:cNvSpPr>
+          <p:nvPr>
+            <p:ph type="ftr" sz="quarter" idx="11"/>
+          </p:nvPr>
+        </p:nvSpPr>
+        <p:spPr/>
+        <p:txBody>
+          <a:bodyPr/>
+          <a:lstStyle/>
+          <a:p>
+            <a:r>
+              <a:rPr lang="de-CH" dirty="0" smtClean="0">
+                <a:solidFill>
+                  <a:srgbClr val="000000"/>
+                </a:solidFill>
+              </a:rPr>
+              <a:t>Institut i4ds</a:t>
+            </a:r>
+            <a:endParaRPr lang="de-CH" dirty="0">
+              <a:solidFill>
+                <a:srgbClr val="000000"/>
+              </a:solidFill>
+            </a:endParaRPr>
+          </a:p>
+        </p:txBody>
+      </p:sp>
+      <p:sp>
+        <p:nvSpPr>
+          <p:cNvPr id="4" name="Foliennummernplatzhalter 3"/>
+          <p:cNvSpPr>
+            <a:spLocks noGrp="1"/>
+          </p:cNvSpPr>
+          <p:nvPr>
+            <p:ph type="sldNum" sz="quarter" idx="12"/>
+          </p:nvPr>
+        </p:nvSpPr>
+        <p:spPr/>
+        <p:txBody>
+          <a:bodyPr/>
+          <a:lstStyle/>
+          <a:p>
+            <a:fld id="{351188DD-6605-4EF4-9E67-B567F731CE68}" type="slidenum">
+              <a:rPr lang="de-CH" smtClean="0">
+                <a:solidFill>
+                  <a:srgbClr val="000000"/>
+                </a:solidFill>
+              </a:rPr>
+              <a:pPr/>
+              <a:t>9</a:t>
+            </a:fld>
+            <a:endParaRPr lang="de-CH">
+              <a:solidFill>
+                <a:srgbClr val="000000"/>
+              </a:solidFill>
+            </a:endParaRPr>
+          </a:p>
+        </p:txBody>
+      </p:sp>
+      <p:sp>
+        <p:nvSpPr>
+          <p:cNvPr id="5" name="Titel 4"/>
+          <p:cNvSpPr>
+            <a:spLocks noGrp="1"/>
+          </p:cNvSpPr>
+          <p:nvPr>
+            <p:ph type="title"/>
+          </p:nvPr>
+        </p:nvSpPr>
+        <p:spPr/>
+        <p:txBody>
+          <a:bodyPr/>
+          <a:lstStyle/>
+          <a:p>
+            <a:r>
+              <a:rPr lang="en-GB" dirty="0" smtClean="0"/>
+              <a:t>CLEAN, Iteration 3</a:t>
+            </a:r>
+            <a:endParaRPr lang="en-GB" dirty="0"/>
+          </a:p>
+        </p:txBody>
+      </p:sp>
+      <p:sp>
+        <p:nvSpPr>
+          <p:cNvPr id="6" name="Textplatzhalter 5"/>
+          <p:cNvSpPr>
+            <a:spLocks noGrp="1"/>
+          </p:cNvSpPr>
+          <p:nvPr>
+            <p:ph type="body" idx="1"/>
+          </p:nvPr>
+        </p:nvSpPr>
+        <p:spPr/>
+        <p:txBody>
+          <a:bodyPr/>
+          <a:lstStyle/>
+          <a:p>
+            <a:endParaRPr lang="en-GB" dirty="0"/>
+          </a:p>
+        </p:txBody>
+      </p:sp>
+      <p:pic>
+        <p:nvPicPr>
+          <p:cNvPr id="7" name="Grafik 6"/>
+          <p:cNvPicPr>
+            <a:picLocks noChangeAspect="1"/>
+          </p:cNvPicPr>
+          <p:nvPr/>
+        </p:nvPicPr>
+        <p:blipFill>
+          <a:blip r:embed="rId4" cstate="print">
+            <a:extLst>
+              <a:ext uri="{28A0092B-C50C-407E-A947-70E740481C1C}">
+                <a14:useLocalDpi xmlns:a14="http://schemas.microsoft.com/office/drawing/2010/main" val="0"/>
+              </a:ext>
+            </a:extLst>
+          </a:blip>
+          <a:stretch>
+            <a:fillRect/>
+          </a:stretch>
+        </p:blipFill>
+        <p:spPr>
+          <a:xfrm>
+            <a:off x="7280692" y="-37093"/>
+            <a:ext cx="3310648" cy="3310648"/>
+          </a:xfrm>
+          <a:prstGeom prst="rect">
+            <a:avLst/>
+          </a:prstGeom>
+        </p:spPr>
+      </p:pic>
+      <p:sp>
+        <p:nvSpPr>
+          <p:cNvPr id="10" name="Textfeld 9"/>
+          <p:cNvSpPr txBox="1"/>
+          <p:nvPr/>
+        </p:nvSpPr>
+        <p:spPr>
+          <a:xfrm>
+            <a:off x="1658510" y="3064089"/>
+            <a:ext cx="1560043" cy="415498"/>
+          </a:xfrm>
+          <a:prstGeom prst="rect">
+            <a:avLst/>
+          </a:prstGeom>
+          <a:noFill/>
+        </p:spPr>
+        <p:txBody>
+          <a:bodyPr wrap="none" rtlCol="0">
+            <a:spAutoFit/>
+          </a:bodyPr>
+          <a:lstStyle/>
+          <a:p>
+            <a:r>
+              <a:rPr lang="en-GB" dirty="0" smtClean="0"/>
+              <a:t>Dirty Image</a:t>
+            </a:r>
+            <a:endParaRPr lang="en-GB" dirty="0"/>
+          </a:p>
+        </p:txBody>
+      </p:sp>
+      <p:sp>
+        <p:nvSpPr>
+          <p:cNvPr id="11" name="Textfeld 10"/>
+          <p:cNvSpPr txBox="1"/>
+          <p:nvPr/>
+        </p:nvSpPr>
+        <p:spPr>
+          <a:xfrm>
+            <a:off x="5138177" y="3064089"/>
+            <a:ext cx="1737976" cy="415498"/>
+          </a:xfrm>
+          <a:prstGeom prst="rect">
+            <a:avLst/>
+          </a:prstGeom>
+          <a:noFill/>
+        </p:spPr>
+        <p:txBody>
+          <a:bodyPr wrap="none" rtlCol="0">
+            <a:spAutoFit/>
+          </a:bodyPr>
+          <a:lstStyle/>
+          <a:p>
+            <a:r>
+              <a:rPr lang="en-GB" dirty="0" smtClean="0"/>
+              <a:t>Model Image</a:t>
+            </a:r>
+            <a:endParaRPr lang="en-GB" dirty="0"/>
+          </a:p>
+        </p:txBody>
+      </p:sp>
+      <p:pic>
+        <p:nvPicPr>
+          <p:cNvPr id="12" name="Grafik 11"/>
+          <p:cNvPicPr>
+            <a:picLocks noChangeAspect="1"/>
+          </p:cNvPicPr>
+          <p:nvPr/>
+        </p:nvPicPr>
+        <p:blipFill>
+          <a:blip r:embed="rId4" cstate="print">
+            <a:extLst>
+              <a:ext uri="{28A0092B-C50C-407E-A947-70E740481C1C}">
+                <a14:useLocalDpi xmlns:a14="http://schemas.microsoft.com/office/drawing/2010/main" val="0"/>
+              </a:ext>
+            </a:extLst>
+          </a:blip>
+          <a:stretch>
+            <a:fillRect/>
+          </a:stretch>
+        </p:blipFill>
+        <p:spPr>
+          <a:xfrm>
+            <a:off x="7433092" y="-35793"/>
+            <a:ext cx="3310648" cy="3310648"/>
+          </a:xfrm>
+          <a:prstGeom prst="rect">
+            <a:avLst/>
+          </a:prstGeom>
+        </p:spPr>
+      </p:pic>
+    </p:spTree>
+    <p:extLst>
+      <p:ext uri="{BB962C8B-B14F-4D97-AF65-F5344CB8AC3E}">
+        <p14:creationId xmlns:p14="http://schemas.microsoft.com/office/powerpoint/2010/main" val="545085356"/>
+      </p:ext>
+    </p:extLst>
+  </p:cSld>
+  <p:clrMapOvr>
+    <a:masterClrMapping/>
+  </p:clrMapOvr>
+  <p:timing>
+    <p:tnLst>
+      <p:par>
+        <p:cTn id="1" dur="indefinite" restart="never" nodeType="tmRoot"/>
+      </p:par>
+    </p:tnLst>
+  </p:timing>
 </p:sld>
 </file>
 
@@ -10976,7 +10956,7 @@
         <a:effectLst/>
         <a:extLst>
           <a:ext uri="{AF507438-7753-43e0-B8FC-AC1667EBCBE1}">
-            <a14:hiddenEffects xmlns="" xmlns:a14="http://schemas.microsoft.com/office/drawing/2010/main">
+            <a14:hiddenEffects xmlns:a14="http://schemas.microsoft.com/office/drawing/2010/main" xmlns="">
               <a:effectLst>
                 <a:outerShdw dist="35921" dir="2700000" algn="ctr" rotWithShape="0">
                   <a:schemeClr val="bg2"/>
@@ -11049,7 +11029,7 @@
         <a:effectLst/>
         <a:extLst>
           <a:ext uri="{AF507438-7753-43e0-B8FC-AC1667EBCBE1}">
-            <a14:hiddenEffects xmlns="" xmlns:a14="http://schemas.microsoft.com/office/drawing/2010/main">
+            <a14:hiddenEffects xmlns:a14="http://schemas.microsoft.com/office/drawing/2010/main" xmlns="">
               <a:effectLst>
                 <a:outerShdw dist="35921" dir="2700000" algn="ctr" rotWithShape="0">
                   <a:schemeClr val="bg2"/>

--- a/ppt/praes.pptx
+++ b/ppt/praes.pptx
@@ -5,41 +5,40 @@
     <p:sldMasterId id="2147483713" r:id="rId1"/>
   </p:sldMasterIdLst>
   <p:notesMasterIdLst>
-    <p:notesMasterId r:id="rId31"/>
+    <p:notesMasterId r:id="rId30"/>
   </p:notesMasterIdLst>
   <p:handoutMasterIdLst>
-    <p:handoutMasterId r:id="rId32"/>
+    <p:handoutMasterId r:id="rId31"/>
   </p:handoutMasterIdLst>
   <p:sldIdLst>
     <p:sldId id="256" r:id="rId2"/>
     <p:sldId id="261" r:id="rId3"/>
     <p:sldId id="272" r:id="rId4"/>
     <p:sldId id="262" r:id="rId5"/>
-    <p:sldId id="282" r:id="rId6"/>
-    <p:sldId id="271" r:id="rId7"/>
-    <p:sldId id="283" r:id="rId8"/>
-    <p:sldId id="284" r:id="rId9"/>
-    <p:sldId id="285" r:id="rId10"/>
-    <p:sldId id="286" r:id="rId11"/>
-    <p:sldId id="287" r:id="rId12"/>
-    <p:sldId id="273" r:id="rId13"/>
-    <p:sldId id="277" r:id="rId14"/>
-    <p:sldId id="280" r:id="rId15"/>
-    <p:sldId id="292" r:id="rId16"/>
-    <p:sldId id="259" r:id="rId17"/>
-    <p:sldId id="270" r:id="rId18"/>
-    <p:sldId id="263" r:id="rId19"/>
-    <p:sldId id="264" r:id="rId20"/>
+    <p:sldId id="295" r:id="rId6"/>
+    <p:sldId id="302" r:id="rId7"/>
+    <p:sldId id="271" r:id="rId8"/>
+    <p:sldId id="283" r:id="rId9"/>
+    <p:sldId id="284" r:id="rId10"/>
+    <p:sldId id="285" r:id="rId11"/>
+    <p:sldId id="286" r:id="rId12"/>
+    <p:sldId id="287" r:id="rId13"/>
+    <p:sldId id="273" r:id="rId14"/>
+    <p:sldId id="296" r:id="rId15"/>
+    <p:sldId id="301" r:id="rId16"/>
+    <p:sldId id="298" r:id="rId17"/>
+    <p:sldId id="277" r:id="rId18"/>
+    <p:sldId id="280" r:id="rId19"/>
+    <p:sldId id="270" r:id="rId20"/>
     <p:sldId id="265" r:id="rId21"/>
-    <p:sldId id="257" r:id="rId22"/>
-    <p:sldId id="291" r:id="rId23"/>
+    <p:sldId id="291" r:id="rId22"/>
+    <p:sldId id="299" r:id="rId23"/>
     <p:sldId id="290" r:id="rId24"/>
-    <p:sldId id="278" r:id="rId25"/>
+    <p:sldId id="258" r:id="rId25"/>
     <p:sldId id="266" r:id="rId26"/>
-    <p:sldId id="258" r:id="rId27"/>
-    <p:sldId id="279" r:id="rId28"/>
-    <p:sldId id="260" r:id="rId29"/>
-    <p:sldId id="269" r:id="rId30"/>
+    <p:sldId id="279" r:id="rId27"/>
+    <p:sldId id="260" r:id="rId28"/>
+    <p:sldId id="269" r:id="rId29"/>
   </p:sldIdLst>
   <p:sldSz cx="10693400" cy="7561263"/>
   <p:notesSz cx="6858000" cy="9144000"/>
@@ -177,11 +176,12 @@
             <p14:sldId id="261"/>
             <p14:sldId id="272"/>
             <p14:sldId id="262"/>
+            <p14:sldId id="295"/>
           </p14:sldIdLst>
         </p14:section>
         <p14:section name="CLEAN" id="{66BB2E45-2870-4577-BE32-FDFA49B4C7F9}">
           <p14:sldIdLst>
-            <p14:sldId id="282"/>
+            <p14:sldId id="302"/>
             <p14:sldId id="271"/>
             <p14:sldId id="283"/>
             <p14:sldId id="284"/>
@@ -189,24 +189,26 @@
             <p14:sldId id="286"/>
             <p14:sldId id="287"/>
             <p14:sldId id="273"/>
+            <p14:sldId id="296"/>
+          </p14:sldIdLst>
+        </p14:section>
+        <p14:section name="CS CLEAN" id="{394DFBC1-4419-4868-A4A9-27F666B62EA4}">
+          <p14:sldIdLst>
+            <p14:sldId id="301"/>
+            <p14:sldId id="298"/>
             <p14:sldId id="277"/>
             <p14:sldId id="280"/>
-            <p14:sldId id="292"/>
-            <p14:sldId id="259"/>
             <p14:sldId id="270"/>
-            <p14:sldId id="263"/>
-            <p14:sldId id="264"/>
-            <p14:sldId id="265"/>
           </p14:sldIdLst>
         </p14:section>
         <p14:section name="Abschnitt ohne Titel" id="{08DBAA98-29F2-46AD-A1D0-8A81AF8564F8}">
           <p14:sldIdLst>
-            <p14:sldId id="257"/>
+            <p14:sldId id="265"/>
             <p14:sldId id="291"/>
+            <p14:sldId id="299"/>
             <p14:sldId id="290"/>
-            <p14:sldId id="278"/>
+            <p14:sldId id="258"/>
             <p14:sldId id="266"/>
-            <p14:sldId id="258"/>
             <p14:sldId id="279"/>
             <p14:sldId id="260"/>
             <p14:sldId id="269"/>
@@ -285,14 +287,14 @@
           <a:effectLst/>
           <a:extLst>
             <a:ext uri="{909E8E84-426E-40dd-AFC4-6F175D3DCCD1}">
-              <a14:hiddenFill xmlns:a14="http://schemas.microsoft.com/office/drawing/2010/main" xmlns="">
+              <a14:hiddenFill xmlns="" xmlns:a14="http://schemas.microsoft.com/office/drawing/2010/main">
                 <a:solidFill>
                   <a:schemeClr val="accent1"/>
                 </a:solidFill>
               </a14:hiddenFill>
             </a:ext>
             <a:ext uri="{91240B29-F687-4f45-9708-019B960494DF}">
-              <a14:hiddenLine xmlns:a14="http://schemas.microsoft.com/office/drawing/2010/main" xmlns="" w="9525">
+              <a14:hiddenLine xmlns="" xmlns:a14="http://schemas.microsoft.com/office/drawing/2010/main" w="9525">
                 <a:solidFill>
                   <a:schemeClr val="tx1"/>
                 </a:solidFill>
@@ -302,7 +304,7 @@
               </a14:hiddenLine>
             </a:ext>
             <a:ext uri="{AF507438-7753-43e0-B8FC-AC1667EBCBE1}">
-              <a14:hiddenEffects xmlns:a14="http://schemas.microsoft.com/office/drawing/2010/main" xmlns="">
+              <a14:hiddenEffects xmlns="" xmlns:a14="http://schemas.microsoft.com/office/drawing/2010/main">
                 <a:effectLst>
                   <a:outerShdw dist="35921" dir="2700000" algn="ctr" rotWithShape="0">
                     <a:schemeClr val="bg2"/>
@@ -353,14 +355,14 @@
           <a:effectLst/>
           <a:extLst>
             <a:ext uri="{909E8E84-426E-40dd-AFC4-6F175D3DCCD1}">
-              <a14:hiddenFill xmlns:a14="http://schemas.microsoft.com/office/drawing/2010/main" xmlns="">
+              <a14:hiddenFill xmlns="" xmlns:a14="http://schemas.microsoft.com/office/drawing/2010/main">
                 <a:solidFill>
                   <a:schemeClr val="accent1"/>
                 </a:solidFill>
               </a14:hiddenFill>
             </a:ext>
             <a:ext uri="{91240B29-F687-4f45-9708-019B960494DF}">
-              <a14:hiddenLine xmlns:a14="http://schemas.microsoft.com/office/drawing/2010/main" xmlns="" w="9525">
+              <a14:hiddenLine xmlns="" xmlns:a14="http://schemas.microsoft.com/office/drawing/2010/main" w="9525">
                 <a:solidFill>
                   <a:schemeClr val="tx1"/>
                 </a:solidFill>
@@ -370,7 +372,7 @@
               </a14:hiddenLine>
             </a:ext>
             <a:ext uri="{AF507438-7753-43e0-B8FC-AC1667EBCBE1}">
-              <a14:hiddenEffects xmlns:a14="http://schemas.microsoft.com/office/drawing/2010/main" xmlns="">
+              <a14:hiddenEffects xmlns="" xmlns:a14="http://schemas.microsoft.com/office/drawing/2010/main">
                 <a:effectLst>
                   <a:outerShdw dist="35921" dir="2700000" algn="ctr" rotWithShape="0">
                     <a:schemeClr val="bg2"/>
@@ -421,14 +423,14 @@
           <a:effectLst/>
           <a:extLst>
             <a:ext uri="{909E8E84-426E-40dd-AFC4-6F175D3DCCD1}">
-              <a14:hiddenFill xmlns:a14="http://schemas.microsoft.com/office/drawing/2010/main" xmlns="">
+              <a14:hiddenFill xmlns="" xmlns:a14="http://schemas.microsoft.com/office/drawing/2010/main">
                 <a:solidFill>
                   <a:schemeClr val="accent1"/>
                 </a:solidFill>
               </a14:hiddenFill>
             </a:ext>
             <a:ext uri="{91240B29-F687-4f45-9708-019B960494DF}">
-              <a14:hiddenLine xmlns:a14="http://schemas.microsoft.com/office/drawing/2010/main" xmlns="" w="9525">
+              <a14:hiddenLine xmlns="" xmlns:a14="http://schemas.microsoft.com/office/drawing/2010/main" w="9525">
                 <a:solidFill>
                   <a:schemeClr val="tx1"/>
                 </a:solidFill>
@@ -438,7 +440,7 @@
               </a14:hiddenLine>
             </a:ext>
             <a:ext uri="{AF507438-7753-43e0-B8FC-AC1667EBCBE1}">
-              <a14:hiddenEffects xmlns:a14="http://schemas.microsoft.com/office/drawing/2010/main" xmlns="">
+              <a14:hiddenEffects xmlns="" xmlns:a14="http://schemas.microsoft.com/office/drawing/2010/main">
                 <a:effectLst>
                   <a:outerShdw dist="35921" dir="2700000" algn="ctr" rotWithShape="0">
                     <a:schemeClr val="bg2"/>
@@ -489,14 +491,14 @@
           <a:effectLst/>
           <a:extLst>
             <a:ext uri="{909E8E84-426E-40dd-AFC4-6F175D3DCCD1}">
-              <a14:hiddenFill xmlns:a14="http://schemas.microsoft.com/office/drawing/2010/main" xmlns="">
+              <a14:hiddenFill xmlns="" xmlns:a14="http://schemas.microsoft.com/office/drawing/2010/main">
                 <a:solidFill>
                   <a:schemeClr val="accent1"/>
                 </a:solidFill>
               </a14:hiddenFill>
             </a:ext>
             <a:ext uri="{91240B29-F687-4f45-9708-019B960494DF}">
-              <a14:hiddenLine xmlns:a14="http://schemas.microsoft.com/office/drawing/2010/main" xmlns="" w="9525">
+              <a14:hiddenLine xmlns="" xmlns:a14="http://schemas.microsoft.com/office/drawing/2010/main" w="9525">
                 <a:solidFill>
                   <a:schemeClr val="tx1"/>
                 </a:solidFill>
@@ -506,7 +508,7 @@
               </a14:hiddenLine>
             </a:ext>
             <a:ext uri="{AF507438-7753-43e0-B8FC-AC1667EBCBE1}">
-              <a14:hiddenEffects xmlns:a14="http://schemas.microsoft.com/office/drawing/2010/main" xmlns="">
+              <a14:hiddenEffects xmlns="" xmlns:a14="http://schemas.microsoft.com/office/drawing/2010/main">
                 <a:effectLst>
                   <a:outerShdw dist="35921" dir="2700000" algn="ctr" rotWithShape="0">
                     <a:schemeClr val="bg2"/>
@@ -598,14 +600,14 @@
           <a:effectLst/>
           <a:extLst>
             <a:ext uri="{909E8E84-426E-40dd-AFC4-6F175D3DCCD1}">
-              <a14:hiddenFill xmlns:a14="http://schemas.microsoft.com/office/drawing/2010/main" xmlns="">
+              <a14:hiddenFill xmlns="" xmlns:a14="http://schemas.microsoft.com/office/drawing/2010/main">
                 <a:solidFill>
                   <a:schemeClr val="accent1"/>
                 </a:solidFill>
               </a14:hiddenFill>
             </a:ext>
             <a:ext uri="{91240B29-F687-4f45-9708-019B960494DF}">
-              <a14:hiddenLine xmlns:a14="http://schemas.microsoft.com/office/drawing/2010/main" xmlns="" w="9525">
+              <a14:hiddenLine xmlns="" xmlns:a14="http://schemas.microsoft.com/office/drawing/2010/main" w="9525">
                 <a:solidFill>
                   <a:schemeClr val="tx1"/>
                 </a:solidFill>
@@ -615,7 +617,7 @@
               </a14:hiddenLine>
             </a:ext>
             <a:ext uri="{AF507438-7753-43e0-B8FC-AC1667EBCBE1}">
-              <a14:hiddenEffects xmlns:a14="http://schemas.microsoft.com/office/drawing/2010/main" xmlns="">
+              <a14:hiddenEffects xmlns="" xmlns:a14="http://schemas.microsoft.com/office/drawing/2010/main">
                 <a:effectLst>
                   <a:outerShdw dist="35921" dir="2700000" algn="ctr" rotWithShape="0">
                     <a:schemeClr val="bg2"/>
@@ -666,14 +668,14 @@
           <a:effectLst/>
           <a:extLst>
             <a:ext uri="{909E8E84-426E-40dd-AFC4-6F175D3DCCD1}">
-              <a14:hiddenFill xmlns:a14="http://schemas.microsoft.com/office/drawing/2010/main" xmlns="">
+              <a14:hiddenFill xmlns="" xmlns:a14="http://schemas.microsoft.com/office/drawing/2010/main">
                 <a:solidFill>
                   <a:schemeClr val="accent1"/>
                 </a:solidFill>
               </a14:hiddenFill>
             </a:ext>
             <a:ext uri="{91240B29-F687-4f45-9708-019B960494DF}">
-              <a14:hiddenLine xmlns:a14="http://schemas.microsoft.com/office/drawing/2010/main" xmlns="" w="9525">
+              <a14:hiddenLine xmlns="" xmlns:a14="http://schemas.microsoft.com/office/drawing/2010/main" w="9525">
                 <a:solidFill>
                   <a:schemeClr val="tx1"/>
                 </a:solidFill>
@@ -683,7 +685,7 @@
               </a14:hiddenLine>
             </a:ext>
             <a:ext uri="{AF507438-7753-43e0-B8FC-AC1667EBCBE1}">
-              <a14:hiddenEffects xmlns:a14="http://schemas.microsoft.com/office/drawing/2010/main" xmlns="">
+              <a14:hiddenEffects xmlns="" xmlns:a14="http://schemas.microsoft.com/office/drawing/2010/main">
                 <a:effectLst>
                   <a:outerShdw dist="35921" dir="2700000" algn="ctr" rotWithShape="0">
                     <a:schemeClr val="bg2"/>
@@ -739,7 +741,7 @@
           <a:effectLst/>
           <a:extLst>
             <a:ext uri="{AF507438-7753-43e0-B8FC-AC1667EBCBE1}">
-              <a14:hiddenEffects xmlns:a14="http://schemas.microsoft.com/office/drawing/2010/main" xmlns="">
+              <a14:hiddenEffects xmlns="" xmlns:a14="http://schemas.microsoft.com/office/drawing/2010/main">
                 <a:effectLst>
                   <a:outerShdw dist="35921" dir="2700000" algn="ctr" rotWithShape="0">
                     <a:srgbClr val="808080"/>
@@ -748,7 +750,7 @@
               </a14:hiddenEffects>
             </a:ext>
             <a:ext uri="{53640926-AAD7-44d8-BBD7-CCE9431645EC}">
-              <a14:shadowObscured xmlns:a14="http://schemas.microsoft.com/office/drawing/2010/main" xmlns="" val="1"/>
+              <a14:shadowObscured xmlns="" xmlns:a14="http://schemas.microsoft.com/office/drawing/2010/main" val="1"/>
             </a:ext>
           </a:extLst>
         </p:spPr>
@@ -778,14 +780,14 @@
           <a:effectLst/>
           <a:extLst>
             <a:ext uri="{909E8E84-426E-40dd-AFC4-6F175D3DCCD1}">
-              <a14:hiddenFill xmlns:a14="http://schemas.microsoft.com/office/drawing/2010/main" xmlns="">
+              <a14:hiddenFill xmlns="" xmlns:a14="http://schemas.microsoft.com/office/drawing/2010/main">
                 <a:solidFill>
                   <a:schemeClr val="accent1"/>
                 </a:solidFill>
               </a14:hiddenFill>
             </a:ext>
             <a:ext uri="{91240B29-F687-4f45-9708-019B960494DF}">
-              <a14:hiddenLine xmlns:a14="http://schemas.microsoft.com/office/drawing/2010/main" xmlns="" w="9525">
+              <a14:hiddenLine xmlns="" xmlns:a14="http://schemas.microsoft.com/office/drawing/2010/main" w="9525">
                 <a:solidFill>
                   <a:schemeClr val="tx1"/>
                 </a:solidFill>
@@ -795,7 +797,7 @@
               </a14:hiddenLine>
             </a:ext>
             <a:ext uri="{AF507438-7753-43e0-B8FC-AC1667EBCBE1}">
-              <a14:hiddenEffects xmlns:a14="http://schemas.microsoft.com/office/drawing/2010/main" xmlns="">
+              <a14:hiddenEffects xmlns="" xmlns:a14="http://schemas.microsoft.com/office/drawing/2010/main">
                 <a:effectLst>
                   <a:outerShdw dist="35921" dir="2700000" algn="ctr" rotWithShape="0">
                     <a:schemeClr val="bg2"/>
@@ -874,14 +876,14 @@
           <a:effectLst/>
           <a:extLst>
             <a:ext uri="{909E8E84-426E-40dd-AFC4-6F175D3DCCD1}">
-              <a14:hiddenFill xmlns:a14="http://schemas.microsoft.com/office/drawing/2010/main" xmlns="">
+              <a14:hiddenFill xmlns="" xmlns:a14="http://schemas.microsoft.com/office/drawing/2010/main">
                 <a:solidFill>
                   <a:schemeClr val="accent1"/>
                 </a:solidFill>
               </a14:hiddenFill>
             </a:ext>
             <a:ext uri="{91240B29-F687-4f45-9708-019B960494DF}">
-              <a14:hiddenLine xmlns:a14="http://schemas.microsoft.com/office/drawing/2010/main" xmlns="" w="9525">
+              <a14:hiddenLine xmlns="" xmlns:a14="http://schemas.microsoft.com/office/drawing/2010/main" w="9525">
                 <a:solidFill>
                   <a:schemeClr val="tx1"/>
                 </a:solidFill>
@@ -891,7 +893,7 @@
               </a14:hiddenLine>
             </a:ext>
             <a:ext uri="{AF507438-7753-43e0-B8FC-AC1667EBCBE1}">
-              <a14:hiddenEffects xmlns:a14="http://schemas.microsoft.com/office/drawing/2010/main" xmlns="">
+              <a14:hiddenEffects xmlns="" xmlns:a14="http://schemas.microsoft.com/office/drawing/2010/main">
                 <a:effectLst>
                   <a:outerShdw dist="35921" dir="2700000" algn="ctr" rotWithShape="0">
                     <a:schemeClr val="bg2"/>
@@ -942,14 +944,14 @@
           <a:effectLst/>
           <a:extLst>
             <a:ext uri="{909E8E84-426E-40dd-AFC4-6F175D3DCCD1}">
-              <a14:hiddenFill xmlns:a14="http://schemas.microsoft.com/office/drawing/2010/main" xmlns="">
+              <a14:hiddenFill xmlns="" xmlns:a14="http://schemas.microsoft.com/office/drawing/2010/main">
                 <a:solidFill>
                   <a:schemeClr val="accent1"/>
                 </a:solidFill>
               </a14:hiddenFill>
             </a:ext>
             <a:ext uri="{91240B29-F687-4f45-9708-019B960494DF}">
-              <a14:hiddenLine xmlns:a14="http://schemas.microsoft.com/office/drawing/2010/main" xmlns="" w="9525">
+              <a14:hiddenLine xmlns="" xmlns:a14="http://schemas.microsoft.com/office/drawing/2010/main" w="9525">
                 <a:solidFill>
                   <a:schemeClr val="tx1"/>
                 </a:solidFill>
@@ -959,7 +961,7 @@
               </a14:hiddenLine>
             </a:ext>
             <a:ext uri="{AF507438-7753-43e0-B8FC-AC1667EBCBE1}">
-              <a14:hiddenEffects xmlns:a14="http://schemas.microsoft.com/office/drawing/2010/main" xmlns="">
+              <a14:hiddenEffects xmlns="" xmlns:a14="http://schemas.microsoft.com/office/drawing/2010/main">
                 <a:effectLst>
                   <a:outerShdw dist="35921" dir="2700000" algn="ctr" rotWithShape="0">
                     <a:schemeClr val="bg2"/>
@@ -1383,7 +1385,7 @@
             <a:fld id="{058061DB-DF71-4765-99A4-14E22DF63CCF}" type="slidenum">
               <a:rPr lang="de-CH" smtClean="0"/>
               <a:pPr/>
-              <a:t>21</a:t>
+              <a:t>5</a:t>
             </a:fld>
             <a:endParaRPr lang="de-CH"/>
           </a:p>
@@ -1392,7 +1394,295 @@
     </p:spTree>
     <p:extLst>
       <p:ext uri="{BB962C8B-B14F-4D97-AF65-F5344CB8AC3E}">
-        <p14:creationId xmlns:p14="http://schemas.microsoft.com/office/powerpoint/2010/main" val="1782115310"/>
+        <p14:creationId xmlns:p14="http://schemas.microsoft.com/office/powerpoint/2010/main" val="45043251"/>
+      </p:ext>
+    </p:extLst>
+  </p:cSld>
+  <p:clrMapOvr>
+    <a:masterClrMapping/>
+  </p:clrMapOvr>
+</p:notes>
+</file>
+
+<file path=ppt/notesSlides/notesSlide4.xml><?xml version="1.0" encoding="utf-8"?>
+<p:notes xmlns:a="http://schemas.openxmlformats.org/drawingml/2006/main" xmlns:r="http://schemas.openxmlformats.org/officeDocument/2006/relationships" xmlns:p="http://schemas.openxmlformats.org/presentationml/2006/main">
+  <p:cSld>
+    <p:spTree>
+      <p:nvGrpSpPr>
+        <p:cNvPr id="1" name=""/>
+        <p:cNvGrpSpPr/>
+        <p:nvPr/>
+      </p:nvGrpSpPr>
+      <p:grpSpPr>
+        <a:xfrm>
+          <a:off x="0" y="0"/>
+          <a:ext cx="0" cy="0"/>
+          <a:chOff x="0" y="0"/>
+          <a:chExt cx="0" cy="0"/>
+        </a:xfrm>
+      </p:grpSpPr>
+      <p:sp>
+        <p:nvSpPr>
+          <p:cNvPr id="2" name="Folienbildplatzhalter 1"/>
+          <p:cNvSpPr>
+            <a:spLocks noGrp="1" noRot="1" noChangeAspect="1"/>
+          </p:cNvSpPr>
+          <p:nvPr>
+            <p:ph type="sldImg"/>
+          </p:nvPr>
+        </p:nvSpPr>
+        <p:spPr/>
+      </p:sp>
+      <p:sp>
+        <p:nvSpPr>
+          <p:cNvPr id="3" name="Notizenplatzhalter 2"/>
+          <p:cNvSpPr>
+            <a:spLocks noGrp="1"/>
+          </p:cNvSpPr>
+          <p:nvPr>
+            <p:ph type="body" idx="1"/>
+          </p:nvPr>
+        </p:nvSpPr>
+        <p:spPr/>
+        <p:txBody>
+          <a:bodyPr/>
+          <a:lstStyle/>
+          <a:p>
+            <a:r>
+              <a:rPr lang="en-GB" dirty="0" smtClean="0"/>
+              <a:t>Low</a:t>
+            </a:r>
+            <a:r>
+              <a:rPr lang="en-GB" baseline="0" dirty="0" smtClean="0"/>
+              <a:t> resolution</a:t>
+            </a:r>
+            <a:endParaRPr lang="en-GB" dirty="0"/>
+          </a:p>
+        </p:txBody>
+      </p:sp>
+      <p:sp>
+        <p:nvSpPr>
+          <p:cNvPr id="4" name="Foliennummernplatzhalter 3"/>
+          <p:cNvSpPr>
+            <a:spLocks noGrp="1"/>
+          </p:cNvSpPr>
+          <p:nvPr>
+            <p:ph type="sldNum" sz="quarter" idx="10"/>
+          </p:nvPr>
+        </p:nvSpPr>
+        <p:spPr/>
+        <p:txBody>
+          <a:bodyPr/>
+          <a:lstStyle/>
+          <a:p>
+            <a:fld id="{058061DB-DF71-4765-99A4-14E22DF63CCF}" type="slidenum">
+              <a:rPr lang="de-CH" smtClean="0"/>
+              <a:pPr/>
+              <a:t>14</a:t>
+            </a:fld>
+            <a:endParaRPr lang="de-CH"/>
+          </a:p>
+        </p:txBody>
+      </p:sp>
+    </p:spTree>
+    <p:extLst>
+      <p:ext uri="{BB962C8B-B14F-4D97-AF65-F5344CB8AC3E}">
+        <p14:creationId xmlns:p14="http://schemas.microsoft.com/office/powerpoint/2010/main" val="883586222"/>
+      </p:ext>
+    </p:extLst>
+  </p:cSld>
+  <p:clrMapOvr>
+    <a:masterClrMapping/>
+  </p:clrMapOvr>
+</p:notes>
+</file>
+
+<file path=ppt/notesSlides/notesSlide5.xml><?xml version="1.0" encoding="utf-8"?>
+<p:notes xmlns:a="http://schemas.openxmlformats.org/drawingml/2006/main" xmlns:r="http://schemas.openxmlformats.org/officeDocument/2006/relationships" xmlns:p="http://schemas.openxmlformats.org/presentationml/2006/main">
+  <p:cSld>
+    <p:spTree>
+      <p:nvGrpSpPr>
+        <p:cNvPr id="1" name=""/>
+        <p:cNvGrpSpPr/>
+        <p:nvPr/>
+      </p:nvGrpSpPr>
+      <p:grpSpPr>
+        <a:xfrm>
+          <a:off x="0" y="0"/>
+          <a:ext cx="0" cy="0"/>
+          <a:chOff x="0" y="0"/>
+          <a:chExt cx="0" cy="0"/>
+        </a:xfrm>
+      </p:grpSpPr>
+      <p:sp>
+        <p:nvSpPr>
+          <p:cNvPr id="2" name="Folienbildplatzhalter 1"/>
+          <p:cNvSpPr>
+            <a:spLocks noGrp="1" noRot="1" noChangeAspect="1"/>
+          </p:cNvSpPr>
+          <p:nvPr>
+            <p:ph type="sldImg"/>
+          </p:nvPr>
+        </p:nvSpPr>
+        <p:spPr/>
+      </p:sp>
+      <p:sp>
+        <p:nvSpPr>
+          <p:cNvPr id="3" name="Notizenplatzhalter 2"/>
+          <p:cNvSpPr>
+            <a:spLocks noGrp="1"/>
+          </p:cNvSpPr>
+          <p:nvPr>
+            <p:ph type="body" idx="1"/>
+          </p:nvPr>
+        </p:nvSpPr>
+        <p:spPr/>
+        <p:txBody>
+          <a:bodyPr/>
+          <a:lstStyle/>
+          <a:p>
+            <a:r>
+              <a:rPr lang="en-GB" dirty="0" smtClean="0"/>
+              <a:t>Camera</a:t>
+            </a:r>
+            <a:r>
+              <a:rPr lang="en-GB" baseline="0" dirty="0" smtClean="0"/>
+              <a:t> Pixels</a:t>
+            </a:r>
+          </a:p>
+          <a:p>
+            <a:endParaRPr lang="en-GB" baseline="0" dirty="0" smtClean="0"/>
+          </a:p>
+          <a:p>
+            <a:r>
+              <a:rPr lang="en-GB" baseline="0" dirty="0" smtClean="0"/>
+              <a:t>Many samples, most contain no information</a:t>
+            </a:r>
+            <a:endParaRPr lang="en-GB" dirty="0" smtClean="0"/>
+          </a:p>
+        </p:txBody>
+      </p:sp>
+      <p:sp>
+        <p:nvSpPr>
+          <p:cNvPr id="4" name="Foliennummernplatzhalter 3"/>
+          <p:cNvSpPr>
+            <a:spLocks noGrp="1"/>
+          </p:cNvSpPr>
+          <p:nvPr>
+            <p:ph type="sldNum" sz="quarter" idx="10"/>
+          </p:nvPr>
+        </p:nvSpPr>
+        <p:spPr/>
+        <p:txBody>
+          <a:bodyPr/>
+          <a:lstStyle/>
+          <a:p>
+            <a:fld id="{058061DB-DF71-4765-99A4-14E22DF63CCF}" type="slidenum">
+              <a:rPr lang="de-CH" smtClean="0"/>
+              <a:pPr/>
+              <a:t>17</a:t>
+            </a:fld>
+            <a:endParaRPr lang="de-CH"/>
+          </a:p>
+        </p:txBody>
+      </p:sp>
+    </p:spTree>
+    <p:extLst>
+      <p:ext uri="{BB962C8B-B14F-4D97-AF65-F5344CB8AC3E}">
+        <p14:creationId xmlns:p14="http://schemas.microsoft.com/office/powerpoint/2010/main" val="3966562033"/>
+      </p:ext>
+    </p:extLst>
+  </p:cSld>
+  <p:clrMapOvr>
+    <a:masterClrMapping/>
+  </p:clrMapOvr>
+</p:notes>
+</file>
+
+<file path=ppt/notesSlides/notesSlide6.xml><?xml version="1.0" encoding="utf-8"?>
+<p:notes xmlns:a="http://schemas.openxmlformats.org/drawingml/2006/main" xmlns:r="http://schemas.openxmlformats.org/officeDocument/2006/relationships" xmlns:p="http://schemas.openxmlformats.org/presentationml/2006/main">
+  <p:cSld>
+    <p:spTree>
+      <p:nvGrpSpPr>
+        <p:cNvPr id="1" name=""/>
+        <p:cNvGrpSpPr/>
+        <p:nvPr/>
+      </p:nvGrpSpPr>
+      <p:grpSpPr>
+        <a:xfrm>
+          <a:off x="0" y="0"/>
+          <a:ext cx="0" cy="0"/>
+          <a:chOff x="0" y="0"/>
+          <a:chExt cx="0" cy="0"/>
+        </a:xfrm>
+      </p:grpSpPr>
+      <p:sp>
+        <p:nvSpPr>
+          <p:cNvPr id="2" name="Folienbildplatzhalter 1"/>
+          <p:cNvSpPr>
+            <a:spLocks noGrp="1" noRot="1" noChangeAspect="1"/>
+          </p:cNvSpPr>
+          <p:nvPr>
+            <p:ph type="sldImg"/>
+          </p:nvPr>
+        </p:nvSpPr>
+        <p:spPr/>
+      </p:sp>
+      <p:sp>
+        <p:nvSpPr>
+          <p:cNvPr id="3" name="Notizenplatzhalter 2"/>
+          <p:cNvSpPr>
+            <a:spLocks noGrp="1"/>
+          </p:cNvSpPr>
+          <p:nvPr>
+            <p:ph type="body" idx="1"/>
+          </p:nvPr>
+        </p:nvSpPr>
+        <p:spPr/>
+        <p:txBody>
+          <a:bodyPr/>
+          <a:lstStyle/>
+          <a:p>
+            <a:r>
+              <a:rPr lang="en-GB" dirty="0" smtClean="0"/>
+              <a:t>Low</a:t>
+            </a:r>
+            <a:r>
+              <a:rPr lang="en-GB" baseline="0" dirty="0" smtClean="0"/>
+              <a:t> resolution</a:t>
+            </a:r>
+            <a:endParaRPr lang="en-GB" dirty="0"/>
+          </a:p>
+        </p:txBody>
+      </p:sp>
+      <p:sp>
+        <p:nvSpPr>
+          <p:cNvPr id="4" name="Foliennummernplatzhalter 3"/>
+          <p:cNvSpPr>
+            <a:spLocks noGrp="1"/>
+          </p:cNvSpPr>
+          <p:nvPr>
+            <p:ph type="sldNum" sz="quarter" idx="10"/>
+          </p:nvPr>
+        </p:nvSpPr>
+        <p:spPr/>
+        <p:txBody>
+          <a:bodyPr/>
+          <a:lstStyle/>
+          <a:p>
+            <a:fld id="{058061DB-DF71-4765-99A4-14E22DF63CCF}" type="slidenum">
+              <a:rPr lang="de-CH" smtClean="0"/>
+              <a:pPr/>
+              <a:t>22</a:t>
+            </a:fld>
+            <a:endParaRPr lang="de-CH"/>
+          </a:p>
+        </p:txBody>
+      </p:sp>
+    </p:spTree>
+    <p:extLst>
+      <p:ext uri="{BB962C8B-B14F-4D97-AF65-F5344CB8AC3E}">
+        <p14:creationId xmlns:p14="http://schemas.microsoft.com/office/powerpoint/2010/main" val="3283216103"/>
       </p:ext>
     </p:extLst>
   </p:cSld>
@@ -1441,14 +1731,14 @@
           <a:ln/>
           <a:extLst>
             <a:ext uri="{909E8E84-426E-40dd-AFC4-6F175D3DCCD1}">
-              <a14:hiddenFill xmlns:a14="http://schemas.microsoft.com/office/drawing/2010/main" xmlns="">
+              <a14:hiddenFill xmlns="" xmlns:a14="http://schemas.microsoft.com/office/drawing/2010/main">
                 <a:solidFill>
                   <a:srgbClr val="FFFFFF"/>
                 </a:solidFill>
               </a14:hiddenFill>
             </a:ext>
             <a:ext uri="{91240B29-F687-4f45-9708-019B960494DF}">
-              <a14:hiddenLine xmlns:a14="http://schemas.microsoft.com/office/drawing/2010/main" xmlns="" w="9525">
+              <a14:hiddenLine xmlns="" xmlns:a14="http://schemas.microsoft.com/office/drawing/2010/main" w="9525">
                 <a:solidFill>
                   <a:srgbClr val="000000"/>
                 </a:solidFill>
@@ -2598,14 +2888,14 @@
           <a:effectLst/>
           <a:extLst>
             <a:ext uri="{909E8E84-426E-40dd-AFC4-6F175D3DCCD1}">
-              <a14:hiddenFill xmlns:a14="http://schemas.microsoft.com/office/drawing/2010/main" xmlns="">
+              <a14:hiddenFill xmlns="" xmlns:a14="http://schemas.microsoft.com/office/drawing/2010/main">
                 <a:solidFill>
                   <a:schemeClr val="accent1"/>
                 </a:solidFill>
               </a14:hiddenFill>
             </a:ext>
             <a:ext uri="{91240B29-F687-4f45-9708-019B960494DF}">
-              <a14:hiddenLine xmlns:a14="http://schemas.microsoft.com/office/drawing/2010/main" xmlns="" w="9525">
+              <a14:hiddenLine xmlns="" xmlns:a14="http://schemas.microsoft.com/office/drawing/2010/main" w="9525">
                 <a:solidFill>
                   <a:schemeClr val="tx1"/>
                 </a:solidFill>
@@ -2615,7 +2905,7 @@
               </a14:hiddenLine>
             </a:ext>
             <a:ext uri="{AF507438-7753-43e0-B8FC-AC1667EBCBE1}">
-              <a14:hiddenEffects xmlns:a14="http://schemas.microsoft.com/office/drawing/2010/main" xmlns="">
+              <a14:hiddenEffects xmlns="" xmlns:a14="http://schemas.microsoft.com/office/drawing/2010/main">
                 <a:effectLst>
                   <a:outerShdw dist="35921" dir="2700000" algn="ctr" rotWithShape="0">
                     <a:schemeClr val="bg2"/>
@@ -2666,14 +2956,14 @@
           <a:effectLst/>
           <a:extLst>
             <a:ext uri="{909E8E84-426E-40dd-AFC4-6F175D3DCCD1}">
-              <a14:hiddenFill xmlns:a14="http://schemas.microsoft.com/office/drawing/2010/main" xmlns="">
+              <a14:hiddenFill xmlns="" xmlns:a14="http://schemas.microsoft.com/office/drawing/2010/main">
                 <a:solidFill>
                   <a:schemeClr val="accent1"/>
                 </a:solidFill>
               </a14:hiddenFill>
             </a:ext>
             <a:ext uri="{91240B29-F687-4f45-9708-019B960494DF}">
-              <a14:hiddenLine xmlns:a14="http://schemas.microsoft.com/office/drawing/2010/main" xmlns="" w="9525">
+              <a14:hiddenLine xmlns="" xmlns:a14="http://schemas.microsoft.com/office/drawing/2010/main" w="9525">
                 <a:solidFill>
                   <a:schemeClr val="tx1"/>
                 </a:solidFill>
@@ -2683,7 +2973,7 @@
               </a14:hiddenLine>
             </a:ext>
             <a:ext uri="{AF507438-7753-43e0-B8FC-AC1667EBCBE1}">
-              <a14:hiddenEffects xmlns:a14="http://schemas.microsoft.com/office/drawing/2010/main" xmlns="">
+              <a14:hiddenEffects xmlns="" xmlns:a14="http://schemas.microsoft.com/office/drawing/2010/main">
                 <a:effectLst>
                   <a:outerShdw dist="35921" dir="2700000" algn="ctr" rotWithShape="0">
                     <a:schemeClr val="bg2"/>
@@ -2762,14 +3052,14 @@
           <a:effectLst/>
           <a:extLst>
             <a:ext uri="{909E8E84-426E-40dd-AFC4-6F175D3DCCD1}">
-              <a14:hiddenFill xmlns:a14="http://schemas.microsoft.com/office/drawing/2010/main" xmlns="">
+              <a14:hiddenFill xmlns="" xmlns:a14="http://schemas.microsoft.com/office/drawing/2010/main">
                 <a:solidFill>
                   <a:schemeClr val="accent1"/>
                 </a:solidFill>
               </a14:hiddenFill>
             </a:ext>
             <a:ext uri="{91240B29-F687-4f45-9708-019B960494DF}">
-              <a14:hiddenLine xmlns:a14="http://schemas.microsoft.com/office/drawing/2010/main" xmlns="" w="9525">
+              <a14:hiddenLine xmlns="" xmlns:a14="http://schemas.microsoft.com/office/drawing/2010/main" w="9525">
                 <a:solidFill>
                   <a:schemeClr val="tx1"/>
                 </a:solidFill>
@@ -2779,7 +3069,7 @@
               </a14:hiddenLine>
             </a:ext>
             <a:ext uri="{AF507438-7753-43e0-B8FC-AC1667EBCBE1}">
-              <a14:hiddenEffects xmlns:a14="http://schemas.microsoft.com/office/drawing/2010/main" xmlns="">
+              <a14:hiddenEffects xmlns="" xmlns:a14="http://schemas.microsoft.com/office/drawing/2010/main">
                 <a:effectLst>
                   <a:outerShdw dist="35921" dir="2700000" algn="ctr" rotWithShape="0">
                     <a:schemeClr val="bg2"/>
@@ -2842,14 +3132,14 @@
           <a:effectLst/>
           <a:extLst>
             <a:ext uri="{909E8E84-426E-40dd-AFC4-6F175D3DCCD1}">
-              <a14:hiddenFill xmlns:a14="http://schemas.microsoft.com/office/drawing/2010/main" xmlns="">
+              <a14:hiddenFill xmlns="" xmlns:a14="http://schemas.microsoft.com/office/drawing/2010/main">
                 <a:solidFill>
                   <a:schemeClr val="accent1"/>
                 </a:solidFill>
               </a14:hiddenFill>
             </a:ext>
             <a:ext uri="{91240B29-F687-4f45-9708-019B960494DF}">
-              <a14:hiddenLine xmlns:a14="http://schemas.microsoft.com/office/drawing/2010/main" xmlns="" w="9525">
+              <a14:hiddenLine xmlns="" xmlns:a14="http://schemas.microsoft.com/office/drawing/2010/main" w="9525">
                 <a:solidFill>
                   <a:schemeClr val="tx1"/>
                 </a:solidFill>
@@ -2859,7 +3149,7 @@
               </a14:hiddenLine>
             </a:ext>
             <a:ext uri="{AF507438-7753-43e0-B8FC-AC1667EBCBE1}">
-              <a14:hiddenEffects xmlns:a14="http://schemas.microsoft.com/office/drawing/2010/main" xmlns="">
+              <a14:hiddenEffects xmlns="" xmlns:a14="http://schemas.microsoft.com/office/drawing/2010/main">
                 <a:effectLst>
                   <a:outerShdw dist="35921" dir="2700000" algn="ctr" rotWithShape="0">
                     <a:schemeClr val="bg2"/>
@@ -2922,14 +3212,14 @@
           <a:effectLst/>
           <a:extLst>
             <a:ext uri="{909E8E84-426E-40dd-AFC4-6F175D3DCCD1}">
-              <a14:hiddenFill xmlns:a14="http://schemas.microsoft.com/office/drawing/2010/main" xmlns="">
+              <a14:hiddenFill xmlns="" xmlns:a14="http://schemas.microsoft.com/office/drawing/2010/main">
                 <a:solidFill>
                   <a:schemeClr val="accent1"/>
                 </a:solidFill>
               </a14:hiddenFill>
             </a:ext>
             <a:ext uri="{91240B29-F687-4f45-9708-019B960494DF}">
-              <a14:hiddenLine xmlns:a14="http://schemas.microsoft.com/office/drawing/2010/main" xmlns="" w="9525">
+              <a14:hiddenLine xmlns="" xmlns:a14="http://schemas.microsoft.com/office/drawing/2010/main" w="9525">
                 <a:solidFill>
                   <a:schemeClr val="tx1"/>
                 </a:solidFill>
@@ -2939,7 +3229,7 @@
               </a14:hiddenLine>
             </a:ext>
             <a:ext uri="{AF507438-7753-43e0-B8FC-AC1667EBCBE1}">
-              <a14:hiddenEffects xmlns:a14="http://schemas.microsoft.com/office/drawing/2010/main" xmlns="">
+              <a14:hiddenEffects xmlns="" xmlns:a14="http://schemas.microsoft.com/office/drawing/2010/main">
                 <a:effectLst>
                   <a:outerShdw dist="35921" dir="2700000" algn="ctr" rotWithShape="0">
                     <a:schemeClr val="bg2"/>
@@ -3006,12 +3296,12 @@
           <a:effectLst/>
           <a:extLst>
             <a:ext uri="{909E8E84-426E-40dd-AFC4-6F175D3DCCD1}">
-              <a14:hiddenFill xmlns:a14="http://schemas.microsoft.com/office/drawing/2010/main" xmlns="">
+              <a14:hiddenFill xmlns="" xmlns:a14="http://schemas.microsoft.com/office/drawing/2010/main">
                 <a:noFill/>
               </a14:hiddenFill>
             </a:ext>
             <a:ext uri="{AF507438-7753-43e0-B8FC-AC1667EBCBE1}">
-              <a14:hiddenEffects xmlns:a14="http://schemas.microsoft.com/office/drawing/2010/main" xmlns="">
+              <a14:hiddenEffects xmlns="" xmlns:a14="http://schemas.microsoft.com/office/drawing/2010/main">
                 <a:effectLst>
                   <a:outerShdw dist="35921" dir="2700000" algn="ctr" rotWithShape="0">
                     <a:schemeClr val="bg2"/>
@@ -3527,44 +3817,6 @@
       </p:sp>
       <p:sp>
         <p:nvSpPr>
-          <p:cNvPr id="13" name="Textplatzhalter 12"/>
-          <p:cNvSpPr>
-            <a:spLocks noGrp="1"/>
-          </p:cNvSpPr>
-          <p:nvPr>
-            <p:ph type="body" sz="quarter" idx="10"/>
-          </p:nvPr>
-        </p:nvSpPr>
-        <p:spPr/>
-        <p:txBody>
-          <a:bodyPr/>
-          <a:lstStyle/>
-          <a:p>
-            <a:endParaRPr lang="de-CH" dirty="0"/>
-          </a:p>
-        </p:txBody>
-      </p:sp>
-      <p:sp>
-        <p:nvSpPr>
-          <p:cNvPr id="14" name="Textplatzhalter 13"/>
-          <p:cNvSpPr>
-            <a:spLocks noGrp="1"/>
-          </p:cNvSpPr>
-          <p:nvPr>
-            <p:ph type="body" sz="quarter" idx="11"/>
-          </p:nvPr>
-        </p:nvSpPr>
-        <p:spPr/>
-        <p:txBody>
-          <a:bodyPr/>
-          <a:lstStyle/>
-          <a:p>
-            <a:endParaRPr lang="de-CH"/>
-          </a:p>
-        </p:txBody>
-      </p:sp>
-      <p:sp>
-        <p:nvSpPr>
           <p:cNvPr id="11" name="Titel 10"/>
           <p:cNvSpPr>
             <a:spLocks noGrp="1"/>
@@ -3593,58 +3845,23 @@
             </a:r>
             <a:r>
               <a:rPr lang="de-CH" dirty="0" smtClean="0"/>
-              <a:t> Image </a:t>
+              <a:t/>
+            </a:r>
+            <a:br>
+              <a:rPr lang="de-CH" dirty="0" smtClean="0"/>
+            </a:br>
+            <a:r>
+              <a:rPr lang="de-CH" dirty="0" smtClean="0"/>
+              <a:t>Image </a:t>
             </a:r>
             <a:r>
               <a:rPr lang="de-CH" dirty="0" err="1" smtClean="0"/>
               <a:t>Reconstruction</a:t>
             </a:r>
-            <a:r>
-              <a:rPr lang="de-CH" dirty="0" smtClean="0"/>
-              <a:t> </a:t>
-            </a:r>
-            <a:r>
-              <a:rPr lang="de-CH" dirty="0" err="1" smtClean="0"/>
-              <a:t>for</a:t>
-            </a:r>
-            <a:r>
-              <a:rPr lang="de-CH" dirty="0" smtClean="0"/>
-              <a:t> CASA</a:t>
-            </a:r>
             <a:endParaRPr lang="de-CH" dirty="0"/>
           </a:p>
         </p:txBody>
       </p:sp>
-      <p:pic>
-        <p:nvPicPr>
-          <p:cNvPr id="4" name="Grafik 3"/>
-          <p:cNvPicPr>
-            <a:picLocks noChangeAspect="1"/>
-          </p:cNvPicPr>
-          <p:nvPr/>
-        </p:nvPicPr>
-        <p:blipFill>
-          <a:blip r:embed="rId2" cstate="print">
-            <a:extLst>
-              <a:ext uri="{28A0092B-C50C-407E-A947-70E740481C1C}">
-                <a14:useLocalDpi xmlns:a14="http://schemas.microsoft.com/office/drawing/2010/main" val="0"/>
-              </a:ext>
-            </a:extLst>
-          </a:blip>
-          <a:stretch>
-            <a:fillRect/>
-          </a:stretch>
-        </p:blipFill>
-        <p:spPr>
-          <a:xfrm>
-            <a:off x="1069231" y="2743200"/>
-            <a:ext cx="8309917" cy="4154959"/>
-          </a:xfrm>
-          <a:prstGeom prst="rect">
-            <a:avLst/>
-          </a:prstGeom>
-        </p:spPr>
-      </p:pic>
     </p:spTree>
     <p:extLst>
       <p:ext uri="{BB962C8B-B14F-4D97-AF65-F5344CB8AC3E}">
@@ -3655,6 +3872,13 @@
   <p:clrMapOvr>
     <a:masterClrMapping/>
   </p:clrMapOvr>
+  <p:timing>
+    <p:tnLst>
+      <p:par>
+        <p:cTn id="1" dur="indefinite" restart="never" nodeType="tmRoot"/>
+      </p:par>
+    </p:tnLst>
+  </p:timing>
 </p:sld>
 </file>
 
@@ -3846,6 +4070,359 @@
           <a:p>
             <a:r>
               <a:rPr lang="en-GB" dirty="0" smtClean="0"/>
+              <a:t>CLEAN, Iteration 3</a:t>
+            </a:r>
+            <a:endParaRPr lang="en-GB" dirty="0"/>
+          </a:p>
+        </p:txBody>
+      </p:sp>
+      <p:sp>
+        <p:nvSpPr>
+          <p:cNvPr id="6" name="Textplatzhalter 5"/>
+          <p:cNvSpPr>
+            <a:spLocks noGrp="1"/>
+          </p:cNvSpPr>
+          <p:nvPr>
+            <p:ph type="body" idx="1"/>
+          </p:nvPr>
+        </p:nvSpPr>
+        <p:spPr/>
+        <p:txBody>
+          <a:bodyPr/>
+          <a:lstStyle/>
+          <a:p>
+            <a:endParaRPr lang="en-GB" dirty="0"/>
+          </a:p>
+        </p:txBody>
+      </p:sp>
+      <p:pic>
+        <p:nvPicPr>
+          <p:cNvPr id="7" name="Grafik 6"/>
+          <p:cNvPicPr>
+            <a:picLocks noChangeAspect="1"/>
+          </p:cNvPicPr>
+          <p:nvPr/>
+        </p:nvPicPr>
+        <p:blipFill>
+          <a:blip r:embed="rId4" cstate="print">
+            <a:extLst>
+              <a:ext uri="{28A0092B-C50C-407E-A947-70E740481C1C}">
+                <a14:useLocalDpi xmlns:a14="http://schemas.microsoft.com/office/drawing/2010/main" val="0"/>
+              </a:ext>
+            </a:extLst>
+          </a:blip>
+          <a:stretch>
+            <a:fillRect/>
+          </a:stretch>
+        </p:blipFill>
+        <p:spPr>
+          <a:xfrm>
+            <a:off x="7280692" y="-37093"/>
+            <a:ext cx="3310648" cy="3310648"/>
+          </a:xfrm>
+          <a:prstGeom prst="rect">
+            <a:avLst/>
+          </a:prstGeom>
+        </p:spPr>
+      </p:pic>
+      <p:sp>
+        <p:nvSpPr>
+          <p:cNvPr id="10" name="Textfeld 9"/>
+          <p:cNvSpPr txBox="1"/>
+          <p:nvPr/>
+        </p:nvSpPr>
+        <p:spPr>
+          <a:xfrm>
+            <a:off x="1658510" y="3064089"/>
+            <a:ext cx="1560043" cy="415498"/>
+          </a:xfrm>
+          <a:prstGeom prst="rect">
+            <a:avLst/>
+          </a:prstGeom>
+          <a:noFill/>
+        </p:spPr>
+        <p:txBody>
+          <a:bodyPr wrap="none" rtlCol="0">
+            <a:spAutoFit/>
+          </a:bodyPr>
+          <a:lstStyle/>
+          <a:p>
+            <a:r>
+              <a:rPr lang="en-GB" dirty="0" smtClean="0"/>
+              <a:t>Dirty Image</a:t>
+            </a:r>
+            <a:endParaRPr lang="en-GB" dirty="0"/>
+          </a:p>
+        </p:txBody>
+      </p:sp>
+      <p:sp>
+        <p:nvSpPr>
+          <p:cNvPr id="11" name="Textfeld 10"/>
+          <p:cNvSpPr txBox="1"/>
+          <p:nvPr/>
+        </p:nvSpPr>
+        <p:spPr>
+          <a:xfrm>
+            <a:off x="5138177" y="3064089"/>
+            <a:ext cx="1737976" cy="415498"/>
+          </a:xfrm>
+          <a:prstGeom prst="rect">
+            <a:avLst/>
+          </a:prstGeom>
+          <a:noFill/>
+        </p:spPr>
+        <p:txBody>
+          <a:bodyPr wrap="none" rtlCol="0">
+            <a:spAutoFit/>
+          </a:bodyPr>
+          <a:lstStyle/>
+          <a:p>
+            <a:r>
+              <a:rPr lang="en-GB" dirty="0" smtClean="0"/>
+              <a:t>Model Image</a:t>
+            </a:r>
+            <a:endParaRPr lang="en-GB" dirty="0"/>
+          </a:p>
+        </p:txBody>
+      </p:sp>
+      <p:pic>
+        <p:nvPicPr>
+          <p:cNvPr id="12" name="Grafik 11"/>
+          <p:cNvPicPr>
+            <a:picLocks noChangeAspect="1"/>
+          </p:cNvPicPr>
+          <p:nvPr/>
+        </p:nvPicPr>
+        <p:blipFill>
+          <a:blip r:embed="rId4" cstate="print">
+            <a:extLst>
+              <a:ext uri="{28A0092B-C50C-407E-A947-70E740481C1C}">
+                <a14:useLocalDpi xmlns:a14="http://schemas.microsoft.com/office/drawing/2010/main" val="0"/>
+              </a:ext>
+            </a:extLst>
+          </a:blip>
+          <a:stretch>
+            <a:fillRect/>
+          </a:stretch>
+        </p:blipFill>
+        <p:spPr>
+          <a:xfrm>
+            <a:off x="7433092" y="-35793"/>
+            <a:ext cx="3310648" cy="3310648"/>
+          </a:xfrm>
+          <a:prstGeom prst="rect">
+            <a:avLst/>
+          </a:prstGeom>
+        </p:spPr>
+      </p:pic>
+    </p:spTree>
+    <p:extLst>
+      <p:ext uri="{BB962C8B-B14F-4D97-AF65-F5344CB8AC3E}">
+        <p14:creationId xmlns:p14="http://schemas.microsoft.com/office/powerpoint/2010/main" val="545085356"/>
+      </p:ext>
+    </p:extLst>
+  </p:cSld>
+  <p:clrMapOvr>
+    <a:masterClrMapping/>
+  </p:clrMapOvr>
+  <p:timing>
+    <p:tnLst>
+      <p:par>
+        <p:cTn id="1" dur="indefinite" restart="never" nodeType="tmRoot"/>
+      </p:par>
+    </p:tnLst>
+  </p:timing>
+</p:sld>
+</file>
+
+<file path=ppt/slides/slide11.xml><?xml version="1.0" encoding="utf-8"?>
+<p:sld xmlns:a="http://schemas.openxmlformats.org/drawingml/2006/main" xmlns:r="http://schemas.openxmlformats.org/officeDocument/2006/relationships" xmlns:p="http://schemas.openxmlformats.org/presentationml/2006/main">
+  <p:cSld>
+    <p:spTree>
+      <p:nvGrpSpPr>
+        <p:cNvPr id="1" name=""/>
+        <p:cNvGrpSpPr/>
+        <p:nvPr/>
+      </p:nvGrpSpPr>
+      <p:grpSpPr>
+        <a:xfrm>
+          <a:off x="0" y="0"/>
+          <a:ext cx="0" cy="0"/>
+          <a:chOff x="0" y="0"/>
+          <a:chExt cx="0" cy="0"/>
+        </a:xfrm>
+      </p:grpSpPr>
+      <p:pic>
+        <p:nvPicPr>
+          <p:cNvPr id="14" name="Grafik 13"/>
+          <p:cNvPicPr>
+            <a:picLocks noChangeAspect="1"/>
+          </p:cNvPicPr>
+          <p:nvPr/>
+        </p:nvPicPr>
+        <p:blipFill>
+          <a:blip r:embed="rId2" cstate="print">
+            <a:extLst>
+              <a:ext uri="{28A0092B-C50C-407E-A947-70E740481C1C}">
+                <a14:useLocalDpi xmlns:a14="http://schemas.microsoft.com/office/drawing/2010/main" val="0"/>
+              </a:ext>
+            </a:extLst>
+          </a:blip>
+          <a:stretch>
+            <a:fillRect/>
+          </a:stretch>
+        </p:blipFill>
+        <p:spPr>
+          <a:xfrm>
+            <a:off x="4986660" y="3219375"/>
+            <a:ext cx="3657600" cy="3657600"/>
+          </a:xfrm>
+          <a:prstGeom prst="rect">
+            <a:avLst/>
+          </a:prstGeom>
+        </p:spPr>
+      </p:pic>
+      <p:pic>
+        <p:nvPicPr>
+          <p:cNvPr id="13" name="Grafik 12"/>
+          <p:cNvPicPr>
+            <a:picLocks noChangeAspect="1"/>
+          </p:cNvPicPr>
+          <p:nvPr/>
+        </p:nvPicPr>
+        <p:blipFill>
+          <a:blip r:embed="rId3" cstate="print">
+            <a:extLst>
+              <a:ext uri="{28A0092B-C50C-407E-A947-70E740481C1C}">
+                <a14:useLocalDpi xmlns:a14="http://schemas.microsoft.com/office/drawing/2010/main" val="0"/>
+              </a:ext>
+            </a:extLst>
+          </a:blip>
+          <a:stretch>
+            <a:fillRect/>
+          </a:stretch>
+        </p:blipFill>
+        <p:spPr>
+          <a:xfrm>
+            <a:off x="1401068" y="3219375"/>
+            <a:ext cx="3657600" cy="3657600"/>
+          </a:xfrm>
+          <a:prstGeom prst="rect">
+            <a:avLst/>
+          </a:prstGeom>
+        </p:spPr>
+      </p:pic>
+      <p:sp>
+        <p:nvSpPr>
+          <p:cNvPr id="2" name="Datumsplatzhalter 1"/>
+          <p:cNvSpPr>
+            <a:spLocks noGrp="1"/>
+          </p:cNvSpPr>
+          <p:nvPr>
+            <p:ph type="dt" sz="half" idx="10"/>
+          </p:nvPr>
+        </p:nvSpPr>
+        <p:spPr/>
+        <p:txBody>
+          <a:bodyPr/>
+          <a:lstStyle/>
+          <a:p>
+            <a:fld id="{5E48492E-72D1-4785-9351-8AE1E40FBA2D}" type="datetime1">
+              <a:rPr lang="de-CH" smtClean="0">
+                <a:solidFill>
+                  <a:srgbClr val="000000"/>
+                </a:solidFill>
+              </a:rPr>
+              <a:t>12.08.2018</a:t>
+            </a:fld>
+            <a:endParaRPr lang="de-CH">
+              <a:solidFill>
+                <a:srgbClr val="000000"/>
+              </a:solidFill>
+            </a:endParaRPr>
+          </a:p>
+        </p:txBody>
+      </p:sp>
+      <p:sp>
+        <p:nvSpPr>
+          <p:cNvPr id="3" name="Fußzeilenplatzhalter 2"/>
+          <p:cNvSpPr>
+            <a:spLocks noGrp="1"/>
+          </p:cNvSpPr>
+          <p:nvPr>
+            <p:ph type="ftr" sz="quarter" idx="11"/>
+          </p:nvPr>
+        </p:nvSpPr>
+        <p:spPr/>
+        <p:txBody>
+          <a:bodyPr/>
+          <a:lstStyle/>
+          <a:p>
+            <a:r>
+              <a:rPr lang="de-CH" dirty="0" smtClean="0">
+                <a:solidFill>
+                  <a:srgbClr val="000000"/>
+                </a:solidFill>
+              </a:rPr>
+              <a:t>Institut i4ds</a:t>
+            </a:r>
+            <a:endParaRPr lang="de-CH" dirty="0">
+              <a:solidFill>
+                <a:srgbClr val="000000"/>
+              </a:solidFill>
+            </a:endParaRPr>
+          </a:p>
+        </p:txBody>
+      </p:sp>
+      <p:sp>
+        <p:nvSpPr>
+          <p:cNvPr id="4" name="Foliennummernplatzhalter 3"/>
+          <p:cNvSpPr>
+            <a:spLocks noGrp="1"/>
+          </p:cNvSpPr>
+          <p:nvPr>
+            <p:ph type="sldNum" sz="quarter" idx="12"/>
+          </p:nvPr>
+        </p:nvSpPr>
+        <p:spPr/>
+        <p:txBody>
+          <a:bodyPr/>
+          <a:lstStyle/>
+          <a:p>
+            <a:fld id="{351188DD-6605-4EF4-9E67-B567F731CE68}" type="slidenum">
+              <a:rPr lang="de-CH" smtClean="0">
+                <a:solidFill>
+                  <a:srgbClr val="000000"/>
+                </a:solidFill>
+              </a:rPr>
+              <a:pPr/>
+              <a:t>11</a:t>
+            </a:fld>
+            <a:endParaRPr lang="de-CH">
+              <a:solidFill>
+                <a:srgbClr val="000000"/>
+              </a:solidFill>
+            </a:endParaRPr>
+          </a:p>
+        </p:txBody>
+      </p:sp>
+      <p:sp>
+        <p:nvSpPr>
+          <p:cNvPr id="5" name="Titel 4"/>
+          <p:cNvSpPr>
+            <a:spLocks noGrp="1"/>
+          </p:cNvSpPr>
+          <p:nvPr>
+            <p:ph type="title"/>
+          </p:nvPr>
+        </p:nvSpPr>
+        <p:spPr/>
+        <p:txBody>
+          <a:bodyPr/>
+          <a:lstStyle/>
+          <a:p>
+            <a:r>
+              <a:rPr lang="en-GB" dirty="0" smtClean="0"/>
               <a:t>CLEAN, Iteration 4</a:t>
             </a:r>
             <a:endParaRPr lang="en-GB" dirty="0"/>
@@ -4011,7 +4588,7 @@
 </p:sld>
 </file>
 
-<file path=ppt/slides/slide11.xml><?xml version="1.0" encoding="utf-8"?>
+<file path=ppt/slides/slide12.xml><?xml version="1.0" encoding="utf-8"?>
 <p:sld xmlns:a="http://schemas.openxmlformats.org/drawingml/2006/main" xmlns:r="http://schemas.openxmlformats.org/officeDocument/2006/relationships" xmlns:p="http://schemas.openxmlformats.org/presentationml/2006/main">
   <p:cSld>
     <p:spTree>
@@ -4172,7 +4749,7 @@
                 </a:solidFill>
               </a:rPr>
               <a:pPr/>
-              <a:t>11</a:t>
+              <a:t>12</a:t>
             </a:fld>
             <a:endParaRPr lang="de-CH">
               <a:solidFill>
@@ -4345,7 +4922,7 @@
 </p:sld>
 </file>
 
-<file path=ppt/slides/slide12.xml><?xml version="1.0" encoding="utf-8"?>
+<file path=ppt/slides/slide13.xml><?xml version="1.0" encoding="utf-8"?>
 <p:sld xmlns:a="http://schemas.openxmlformats.org/drawingml/2006/main" xmlns:r="http://schemas.openxmlformats.org/officeDocument/2006/relationships" xmlns:p="http://schemas.openxmlformats.org/presentationml/2006/main">
   <p:cSld>
     <p:spTree>
@@ -4446,7 +5023,7 @@
                 </a:solidFill>
               </a:rPr>
               <a:pPr/>
-              <a:t>12</a:t>
+              <a:t>13</a:t>
             </a:fld>
             <a:endParaRPr lang="de-CH">
               <a:solidFill>
@@ -4520,7 +5097,7 @@
         </p:blipFill>
         <p:spPr>
           <a:xfrm>
-            <a:off x="645691" y="3204927"/>
+            <a:off x="645691" y="3012075"/>
             <a:ext cx="9395668" cy="886511"/>
           </a:xfrm>
           <a:prstGeom prst="rect">
@@ -4550,7 +5127,7 @@
         </p:blipFill>
         <p:spPr>
           <a:xfrm>
-            <a:off x="1614487" y="4977950"/>
+            <a:off x="1577470" y="5600072"/>
             <a:ext cx="7458075" cy="790575"/>
           </a:xfrm>
           <a:prstGeom prst="rect">
@@ -4578,7 +5155,7 @@
 </p:sld>
 </file>
 
-<file path=ppt/slides/slide13.xml><?xml version="1.0" encoding="utf-8"?>
+<file path=ppt/slides/slide14.xml><?xml version="1.0" encoding="utf-8"?>
 <p:sld xmlns:a="http://schemas.openxmlformats.org/drawingml/2006/main" xmlns:r="http://schemas.openxmlformats.org/officeDocument/2006/relationships" xmlns:p="http://schemas.openxmlformats.org/presentationml/2006/main">
   <p:cSld>
     <p:spTree>
@@ -4616,6 +5193,575 @@
                   <a:srgbClr val="000000"/>
                 </a:solidFill>
               </a:rPr>
+              <a:t>13.08.2018</a:t>
+            </a:fld>
+            <a:endParaRPr lang="de-CH">
+              <a:solidFill>
+                <a:srgbClr val="000000"/>
+              </a:solidFill>
+            </a:endParaRPr>
+          </a:p>
+        </p:txBody>
+      </p:sp>
+      <p:sp>
+        <p:nvSpPr>
+          <p:cNvPr id="3" name="Fußzeilenplatzhalter 2"/>
+          <p:cNvSpPr>
+            <a:spLocks noGrp="1"/>
+          </p:cNvSpPr>
+          <p:nvPr>
+            <p:ph type="ftr" sz="quarter" idx="11"/>
+          </p:nvPr>
+        </p:nvSpPr>
+        <p:spPr/>
+        <p:txBody>
+          <a:bodyPr/>
+          <a:lstStyle/>
+          <a:p>
+            <a:r>
+              <a:rPr lang="de-CH" dirty="0">
+                <a:solidFill>
+                  <a:srgbClr val="000000"/>
+                </a:solidFill>
+              </a:rPr>
+              <a:t>Institut i4ds</a:t>
+            </a:r>
+          </a:p>
+        </p:txBody>
+      </p:sp>
+      <p:sp>
+        <p:nvSpPr>
+          <p:cNvPr id="4" name="Foliennummernplatzhalter 3"/>
+          <p:cNvSpPr>
+            <a:spLocks noGrp="1"/>
+          </p:cNvSpPr>
+          <p:nvPr>
+            <p:ph type="sldNum" sz="quarter" idx="12"/>
+          </p:nvPr>
+        </p:nvSpPr>
+        <p:spPr/>
+        <p:txBody>
+          <a:bodyPr/>
+          <a:lstStyle/>
+          <a:p>
+            <a:fld id="{351188DD-6605-4EF4-9E67-B567F731CE68}" type="slidenum">
+              <a:rPr lang="de-CH" smtClean="0">
+                <a:solidFill>
+                  <a:srgbClr val="000000"/>
+                </a:solidFill>
+              </a:rPr>
+              <a:pPr/>
+              <a:t>14</a:t>
+            </a:fld>
+            <a:endParaRPr lang="de-CH">
+              <a:solidFill>
+                <a:srgbClr val="000000"/>
+              </a:solidFill>
+            </a:endParaRPr>
+          </a:p>
+        </p:txBody>
+      </p:sp>
+      <p:sp>
+        <p:nvSpPr>
+          <p:cNvPr id="5" name="Titel 4"/>
+          <p:cNvSpPr>
+            <a:spLocks noGrp="1"/>
+          </p:cNvSpPr>
+          <p:nvPr>
+            <p:ph type="title"/>
+          </p:nvPr>
+        </p:nvSpPr>
+        <p:spPr/>
+        <p:txBody>
+          <a:bodyPr/>
+          <a:lstStyle/>
+          <a:p>
+            <a:r>
+              <a:rPr lang="de-DE" dirty="0" smtClean="0"/>
+              <a:t>CLEAN </a:t>
+            </a:r>
+            <a:r>
+              <a:rPr lang="de-DE" dirty="0" err="1" smtClean="0"/>
+              <a:t>blurring</a:t>
+            </a:r>
+            <a:endParaRPr lang="de-DE" dirty="0"/>
+          </a:p>
+        </p:txBody>
+      </p:sp>
+      <p:pic>
+        <p:nvPicPr>
+          <p:cNvPr id="10" name="Grafik 9"/>
+          <p:cNvPicPr>
+            <a:picLocks noChangeAspect="1"/>
+          </p:cNvPicPr>
+          <p:nvPr/>
+        </p:nvPicPr>
+        <p:blipFill rotWithShape="1">
+          <a:blip r:embed="rId3">
+            <a:extLst>
+              <a:ext uri="{28A0092B-C50C-407E-A947-70E740481C1C}">
+                <a14:useLocalDpi xmlns:a14="http://schemas.microsoft.com/office/drawing/2010/main" val="0"/>
+              </a:ext>
+            </a:extLst>
+          </a:blip>
+          <a:srcRect t="9472" r="16002" b="-32"/>
+          <a:stretch/>
+        </p:blipFill>
+        <p:spPr>
+          <a:xfrm>
+            <a:off x="378149" y="1980431"/>
+            <a:ext cx="4608512" cy="4968552"/>
+          </a:xfrm>
+          <a:prstGeom prst="rect">
+            <a:avLst/>
+          </a:prstGeom>
+        </p:spPr>
+      </p:pic>
+      <p:pic>
+        <p:nvPicPr>
+          <p:cNvPr id="11" name="Grafik 10"/>
+          <p:cNvPicPr>
+            <a:picLocks noChangeAspect="1"/>
+          </p:cNvPicPr>
+          <p:nvPr/>
+        </p:nvPicPr>
+        <p:blipFill rotWithShape="1">
+          <a:blip r:embed="rId4">
+            <a:extLst>
+              <a:ext uri="{28A0092B-C50C-407E-A947-70E740481C1C}">
+                <a14:useLocalDpi xmlns:a14="http://schemas.microsoft.com/office/drawing/2010/main" val="0"/>
+              </a:ext>
+            </a:extLst>
+          </a:blip>
+          <a:srcRect l="3937"/>
+          <a:stretch/>
+        </p:blipFill>
+        <p:spPr>
+          <a:xfrm>
+            <a:off x="5130676" y="1488015"/>
+            <a:ext cx="5270387" cy="5486411"/>
+          </a:xfrm>
+          <a:prstGeom prst="rect">
+            <a:avLst/>
+          </a:prstGeom>
+        </p:spPr>
+      </p:pic>
+    </p:spTree>
+    <p:extLst>
+      <p:ext uri="{BB962C8B-B14F-4D97-AF65-F5344CB8AC3E}">
+        <p14:creationId xmlns:p14="http://schemas.microsoft.com/office/powerpoint/2010/main" val="4097949753"/>
+      </p:ext>
+    </p:extLst>
+  </p:cSld>
+  <p:clrMapOvr>
+    <a:masterClrMapping/>
+  </p:clrMapOvr>
+  <p:timing>
+    <p:tnLst>
+      <p:par>
+        <p:cTn id="1" dur="indefinite" restart="never" nodeType="tmRoot"/>
+      </p:par>
+    </p:tnLst>
+  </p:timing>
+</p:sld>
+</file>
+
+<file path=ppt/slides/slide15.xml><?xml version="1.0" encoding="utf-8"?>
+<p:sld xmlns:a="http://schemas.openxmlformats.org/drawingml/2006/main" xmlns:r="http://schemas.openxmlformats.org/officeDocument/2006/relationships" xmlns:p="http://schemas.openxmlformats.org/presentationml/2006/main">
+  <p:cSld>
+    <p:spTree>
+      <p:nvGrpSpPr>
+        <p:cNvPr id="1" name=""/>
+        <p:cNvGrpSpPr/>
+        <p:nvPr/>
+      </p:nvGrpSpPr>
+      <p:grpSpPr>
+        <a:xfrm>
+          <a:off x="0" y="0"/>
+          <a:ext cx="0" cy="0"/>
+          <a:chOff x="0" y="0"/>
+          <a:chExt cx="0" cy="0"/>
+        </a:xfrm>
+      </p:grpSpPr>
+      <p:sp>
+        <p:nvSpPr>
+          <p:cNvPr id="2" name="Datumsplatzhalter 1"/>
+          <p:cNvSpPr>
+            <a:spLocks noGrp="1"/>
+          </p:cNvSpPr>
+          <p:nvPr>
+            <p:ph type="dt" sz="half" idx="10"/>
+          </p:nvPr>
+        </p:nvSpPr>
+        <p:spPr/>
+        <p:txBody>
+          <a:bodyPr/>
+          <a:lstStyle/>
+          <a:p>
+            <a:fld id="{5E48492E-72D1-4785-9351-8AE1E40FBA2D}" type="datetime1">
+              <a:rPr lang="de-CH" smtClean="0">
+                <a:solidFill>
+                  <a:srgbClr val="000000"/>
+                </a:solidFill>
+              </a:rPr>
+              <a:t>13.08.2018</a:t>
+            </a:fld>
+            <a:endParaRPr lang="de-CH">
+              <a:solidFill>
+                <a:srgbClr val="000000"/>
+              </a:solidFill>
+            </a:endParaRPr>
+          </a:p>
+        </p:txBody>
+      </p:sp>
+      <p:sp>
+        <p:nvSpPr>
+          <p:cNvPr id="3" name="Fußzeilenplatzhalter 2"/>
+          <p:cNvSpPr>
+            <a:spLocks noGrp="1"/>
+          </p:cNvSpPr>
+          <p:nvPr>
+            <p:ph type="ftr" sz="quarter" idx="11"/>
+          </p:nvPr>
+        </p:nvSpPr>
+        <p:spPr/>
+        <p:txBody>
+          <a:bodyPr/>
+          <a:lstStyle/>
+          <a:p>
+            <a:r>
+              <a:rPr lang="de-CH" smtClean="0">
+                <a:solidFill>
+                  <a:srgbClr val="000000"/>
+                </a:solidFill>
+              </a:rPr>
+              <a:t>Institut</a:t>
+            </a:r>
+            <a:endParaRPr lang="de-CH">
+              <a:solidFill>
+                <a:srgbClr val="000000"/>
+              </a:solidFill>
+            </a:endParaRPr>
+          </a:p>
+        </p:txBody>
+      </p:sp>
+      <p:sp>
+        <p:nvSpPr>
+          <p:cNvPr id="4" name="Foliennummernplatzhalter 3"/>
+          <p:cNvSpPr>
+            <a:spLocks noGrp="1"/>
+          </p:cNvSpPr>
+          <p:nvPr>
+            <p:ph type="sldNum" sz="quarter" idx="12"/>
+          </p:nvPr>
+        </p:nvSpPr>
+        <p:spPr/>
+        <p:txBody>
+          <a:bodyPr/>
+          <a:lstStyle/>
+          <a:p>
+            <a:fld id="{351188DD-6605-4EF4-9E67-B567F731CE68}" type="slidenum">
+              <a:rPr lang="de-CH" smtClean="0">
+                <a:solidFill>
+                  <a:srgbClr val="000000"/>
+                </a:solidFill>
+              </a:rPr>
+              <a:pPr/>
+              <a:t>15</a:t>
+            </a:fld>
+            <a:endParaRPr lang="de-CH">
+              <a:solidFill>
+                <a:srgbClr val="000000"/>
+              </a:solidFill>
+            </a:endParaRPr>
+          </a:p>
+        </p:txBody>
+      </p:sp>
+      <p:sp>
+        <p:nvSpPr>
+          <p:cNvPr id="5" name="Titel 4"/>
+          <p:cNvSpPr>
+            <a:spLocks noGrp="1"/>
+          </p:cNvSpPr>
+          <p:nvPr>
+            <p:ph type="title"/>
+          </p:nvPr>
+        </p:nvSpPr>
+        <p:spPr/>
+        <p:txBody>
+          <a:bodyPr/>
+          <a:lstStyle/>
+          <a:p>
+            <a:endParaRPr lang="en-GB"/>
+          </a:p>
+        </p:txBody>
+      </p:sp>
+      <p:sp>
+        <p:nvSpPr>
+          <p:cNvPr id="6" name="Textplatzhalter 5"/>
+          <p:cNvSpPr>
+            <a:spLocks noGrp="1"/>
+          </p:cNvSpPr>
+          <p:nvPr>
+            <p:ph type="body" idx="1"/>
+          </p:nvPr>
+        </p:nvSpPr>
+        <p:spPr/>
+        <p:txBody>
+          <a:bodyPr/>
+          <a:lstStyle/>
+          <a:p>
+            <a:pPr algn="ctr"/>
+            <a:r>
+              <a:rPr lang="en-GB" sz="6600" dirty="0" smtClean="0"/>
+              <a:t>Compressed Sensing</a:t>
+            </a:r>
+            <a:endParaRPr lang="en-GB" sz="6600" dirty="0"/>
+          </a:p>
+        </p:txBody>
+      </p:sp>
+    </p:spTree>
+    <p:extLst>
+      <p:ext uri="{BB962C8B-B14F-4D97-AF65-F5344CB8AC3E}">
+        <p14:creationId xmlns:p14="http://schemas.microsoft.com/office/powerpoint/2010/main" val="1311051883"/>
+      </p:ext>
+    </p:extLst>
+  </p:cSld>
+  <p:clrMapOvr>
+    <a:masterClrMapping/>
+  </p:clrMapOvr>
+</p:sld>
+</file>
+
+<file path=ppt/slides/slide16.xml><?xml version="1.0" encoding="utf-8"?>
+<p:sld xmlns:a="http://schemas.openxmlformats.org/drawingml/2006/main" xmlns:r="http://schemas.openxmlformats.org/officeDocument/2006/relationships" xmlns:p="http://schemas.openxmlformats.org/presentationml/2006/main">
+  <p:cSld>
+    <p:spTree>
+      <p:nvGrpSpPr>
+        <p:cNvPr id="1" name=""/>
+        <p:cNvGrpSpPr/>
+        <p:nvPr/>
+      </p:nvGrpSpPr>
+      <p:grpSpPr>
+        <a:xfrm>
+          <a:off x="0" y="0"/>
+          <a:ext cx="0" cy="0"/>
+          <a:chOff x="0" y="0"/>
+          <a:chExt cx="0" cy="0"/>
+        </a:xfrm>
+      </p:grpSpPr>
+      <p:sp>
+        <p:nvSpPr>
+          <p:cNvPr id="2" name="Datumsplatzhalter 1"/>
+          <p:cNvSpPr>
+            <a:spLocks noGrp="1"/>
+          </p:cNvSpPr>
+          <p:nvPr>
+            <p:ph type="dt" sz="half" idx="10"/>
+          </p:nvPr>
+        </p:nvSpPr>
+        <p:spPr/>
+        <p:txBody>
+          <a:bodyPr/>
+          <a:lstStyle/>
+          <a:p>
+            <a:fld id="{5E48492E-72D1-4785-9351-8AE1E40FBA2D}" type="datetime1">
+              <a:rPr lang="de-CH" smtClean="0">
+                <a:solidFill>
+                  <a:srgbClr val="000000"/>
+                </a:solidFill>
+              </a:rPr>
+              <a:t>13.08.2018</a:t>
+            </a:fld>
+            <a:endParaRPr lang="de-CH">
+              <a:solidFill>
+                <a:srgbClr val="000000"/>
+              </a:solidFill>
+            </a:endParaRPr>
+          </a:p>
+        </p:txBody>
+      </p:sp>
+      <p:sp>
+        <p:nvSpPr>
+          <p:cNvPr id="3" name="Fußzeilenplatzhalter 2"/>
+          <p:cNvSpPr>
+            <a:spLocks noGrp="1"/>
+          </p:cNvSpPr>
+          <p:nvPr>
+            <p:ph type="ftr" sz="quarter" idx="11"/>
+          </p:nvPr>
+        </p:nvSpPr>
+        <p:spPr/>
+        <p:txBody>
+          <a:bodyPr/>
+          <a:lstStyle/>
+          <a:p>
+            <a:r>
+              <a:rPr lang="de-CH" smtClean="0">
+                <a:solidFill>
+                  <a:srgbClr val="000000"/>
+                </a:solidFill>
+              </a:rPr>
+              <a:t>Institut</a:t>
+            </a:r>
+            <a:endParaRPr lang="de-CH">
+              <a:solidFill>
+                <a:srgbClr val="000000"/>
+              </a:solidFill>
+            </a:endParaRPr>
+          </a:p>
+        </p:txBody>
+      </p:sp>
+      <p:sp>
+        <p:nvSpPr>
+          <p:cNvPr id="4" name="Foliennummernplatzhalter 3"/>
+          <p:cNvSpPr>
+            <a:spLocks noGrp="1"/>
+          </p:cNvSpPr>
+          <p:nvPr>
+            <p:ph type="sldNum" sz="quarter" idx="12"/>
+          </p:nvPr>
+        </p:nvSpPr>
+        <p:spPr/>
+        <p:txBody>
+          <a:bodyPr/>
+          <a:lstStyle/>
+          <a:p>
+            <a:fld id="{351188DD-6605-4EF4-9E67-B567F731CE68}" type="slidenum">
+              <a:rPr lang="de-CH" smtClean="0">
+                <a:solidFill>
+                  <a:srgbClr val="000000"/>
+                </a:solidFill>
+              </a:rPr>
+              <a:pPr/>
+              <a:t>16</a:t>
+            </a:fld>
+            <a:endParaRPr lang="de-CH">
+              <a:solidFill>
+                <a:srgbClr val="000000"/>
+              </a:solidFill>
+            </a:endParaRPr>
+          </a:p>
+        </p:txBody>
+      </p:sp>
+      <p:sp>
+        <p:nvSpPr>
+          <p:cNvPr id="5" name="Titel 4"/>
+          <p:cNvSpPr>
+            <a:spLocks noGrp="1"/>
+          </p:cNvSpPr>
+          <p:nvPr>
+            <p:ph type="title"/>
+          </p:nvPr>
+        </p:nvSpPr>
+        <p:spPr/>
+        <p:txBody>
+          <a:bodyPr/>
+          <a:lstStyle/>
+          <a:p>
+            <a:r>
+              <a:rPr lang="en-GB" dirty="0" smtClean="0"/>
+              <a:t>Compressed Sensing Image Reconstruction</a:t>
+            </a:r>
+            <a:endParaRPr lang="en-GB" dirty="0"/>
+          </a:p>
+        </p:txBody>
+      </p:sp>
+      <p:sp>
+        <p:nvSpPr>
+          <p:cNvPr id="6" name="Textplatzhalter 5"/>
+          <p:cNvSpPr>
+            <a:spLocks noGrp="1"/>
+          </p:cNvSpPr>
+          <p:nvPr>
+            <p:ph type="body" idx="1"/>
+          </p:nvPr>
+        </p:nvSpPr>
+        <p:spPr/>
+        <p:txBody>
+          <a:bodyPr/>
+          <a:lstStyle/>
+          <a:p>
+            <a:pPr marL="342900" indent="-342900">
+              <a:buFont typeface="Arial" panose="020B0604020202020204" pitchFamily="34" charset="0"/>
+              <a:buChar char="•"/>
+            </a:pPr>
+            <a:r>
+              <a:rPr lang="en-GB" dirty="0" smtClean="0"/>
+              <a:t>Regularization that captures the image properties</a:t>
+            </a:r>
+          </a:p>
+          <a:p>
+            <a:pPr marL="342900" indent="-342900">
+              <a:buFont typeface="Arial" panose="020B0604020202020204" pitchFamily="34" charset="0"/>
+              <a:buChar char="•"/>
+            </a:pPr>
+            <a:r>
+              <a:rPr lang="en-GB" dirty="0" smtClean="0"/>
+              <a:t>Incoherent Measurement and Reconstruction spaces.</a:t>
+            </a:r>
+            <a:endParaRPr lang="en-GB" dirty="0"/>
+          </a:p>
+        </p:txBody>
+      </p:sp>
+    </p:spTree>
+    <p:extLst>
+      <p:ext uri="{BB962C8B-B14F-4D97-AF65-F5344CB8AC3E}">
+        <p14:creationId xmlns:p14="http://schemas.microsoft.com/office/powerpoint/2010/main" val="375867672"/>
+      </p:ext>
+    </p:extLst>
+  </p:cSld>
+  <p:clrMapOvr>
+    <a:masterClrMapping/>
+  </p:clrMapOvr>
+  <p:timing>
+    <p:tnLst>
+      <p:par>
+        <p:cTn id="1" dur="indefinite" restart="never" nodeType="tmRoot"/>
+      </p:par>
+    </p:tnLst>
+  </p:timing>
+</p:sld>
+</file>
+
+<file path=ppt/slides/slide17.xml><?xml version="1.0" encoding="utf-8"?>
+<p:sld xmlns:a="http://schemas.openxmlformats.org/drawingml/2006/main" xmlns:r="http://schemas.openxmlformats.org/officeDocument/2006/relationships" xmlns:p="http://schemas.openxmlformats.org/presentationml/2006/main">
+  <p:cSld>
+    <p:spTree>
+      <p:nvGrpSpPr>
+        <p:cNvPr id="1" name=""/>
+        <p:cNvGrpSpPr/>
+        <p:nvPr/>
+      </p:nvGrpSpPr>
+      <p:grpSpPr>
+        <a:xfrm>
+          <a:off x="0" y="0"/>
+          <a:ext cx="0" cy="0"/>
+          <a:chOff x="0" y="0"/>
+          <a:chExt cx="0" cy="0"/>
+        </a:xfrm>
+      </p:grpSpPr>
+      <p:sp>
+        <p:nvSpPr>
+          <p:cNvPr id="2" name="Datumsplatzhalter 1"/>
+          <p:cNvSpPr>
+            <a:spLocks noGrp="1"/>
+          </p:cNvSpPr>
+          <p:nvPr>
+            <p:ph type="dt" sz="half" idx="10"/>
+          </p:nvPr>
+        </p:nvSpPr>
+        <p:spPr/>
+        <p:txBody>
+          <a:bodyPr/>
+          <a:lstStyle/>
+          <a:p>
+            <a:fld id="{5E48492E-72D1-4785-9351-8AE1E40FBA2D}" type="datetime1">
+              <a:rPr lang="de-CH" smtClean="0">
+                <a:solidFill>
+                  <a:srgbClr val="000000"/>
+                </a:solidFill>
+              </a:rPr>
               <a:t>12.08.2018</a:t>
             </a:fld>
             <a:endParaRPr lang="de-CH">
@@ -4679,7 +5825,7 @@
                 </a:solidFill>
               </a:rPr>
               <a:pPr/>
-              <a:t>13</a:t>
+              <a:t>17</a:t>
             </a:fld>
             <a:endParaRPr lang="de-CH">
               <a:solidFill>
@@ -4706,7 +5852,11 @@
           <a:p>
             <a:r>
               <a:rPr lang="en-GB" dirty="0" smtClean="0"/>
-              <a:t>CLEAN  as a Compressed Sensing Reconstruction</a:t>
+              <a:t>CLEAN </a:t>
+            </a:r>
+            <a:r>
+              <a:rPr lang="en-GB" dirty="0" smtClean="0"/>
+              <a:t>as a Compressed Sensing Reconstruction</a:t>
             </a:r>
             <a:endParaRPr lang="en-GB" dirty="0"/>
           </a:p>
@@ -4740,7 +5890,7 @@
           <p:nvPr/>
         </p:nvPicPr>
         <p:blipFill>
-          <a:blip r:embed="rId2" cstate="print">
+          <a:blip r:embed="rId3" cstate="print">
             <a:extLst>
               <a:ext uri="{28A0092B-C50C-407E-A947-70E740481C1C}">
                 <a14:useLocalDpi xmlns:a14="http://schemas.microsoft.com/office/drawing/2010/main" val="0"/>
@@ -4781,7 +5931,7 @@
 </p:sld>
 </file>
 
-<file path=ppt/slides/slide14.xml><?xml version="1.0" encoding="utf-8"?>
+<file path=ppt/slides/slide18.xml><?xml version="1.0" encoding="utf-8"?>
 <p:sld xmlns:a="http://schemas.openxmlformats.org/drawingml/2006/main" xmlns:r="http://schemas.openxmlformats.org/officeDocument/2006/relationships" xmlns:p="http://schemas.openxmlformats.org/presentationml/2006/main">
   <p:cSld>
     <p:spTree>
@@ -4882,7 +6032,7 @@
                 </a:solidFill>
               </a:rPr>
               <a:pPr/>
-              <a:t>14</a:t>
+              <a:t>18</a:t>
             </a:fld>
             <a:endParaRPr lang="de-CH">
               <a:solidFill>
@@ -5014,7 +6164,7 @@
 </p:sld>
 </file>
 
-<file path=ppt/slides/slide15.xml><?xml version="1.0" encoding="utf-8"?>
+<file path=ppt/slides/slide19.xml><?xml version="1.0" encoding="utf-8"?>
 <p:sld xmlns:a="http://schemas.openxmlformats.org/drawingml/2006/main" xmlns:r="http://schemas.openxmlformats.org/officeDocument/2006/relationships" xmlns:p="http://schemas.openxmlformats.org/presentationml/2006/main">
   <p:cSld>
     <p:spTree>
@@ -5115,396 +6265,7 @@
                 </a:solidFill>
               </a:rPr>
               <a:pPr/>
-              <a:t>15</a:t>
-            </a:fld>
-            <a:endParaRPr lang="de-CH">
-              <a:solidFill>
-                <a:srgbClr val="000000"/>
-              </a:solidFill>
-            </a:endParaRPr>
-          </a:p>
-        </p:txBody>
-      </p:sp>
-      <p:sp>
-        <p:nvSpPr>
-          <p:cNvPr id="5" name="Titel 4"/>
-          <p:cNvSpPr>
-            <a:spLocks noGrp="1"/>
-          </p:cNvSpPr>
-          <p:nvPr>
-            <p:ph type="title"/>
-          </p:nvPr>
-        </p:nvSpPr>
-        <p:spPr/>
-        <p:txBody>
-          <a:bodyPr/>
-          <a:lstStyle/>
-          <a:p>
-            <a:r>
-              <a:rPr lang="en-GB" dirty="0" smtClean="0"/>
-              <a:t>CLEAN  as a Compressed Sensing Reconstruction</a:t>
-            </a:r>
-            <a:endParaRPr lang="en-GB" dirty="0"/>
-          </a:p>
-        </p:txBody>
-      </p:sp>
-      <p:sp>
-        <p:nvSpPr>
-          <p:cNvPr id="6" name="Textplatzhalter 5"/>
-          <p:cNvSpPr>
-            <a:spLocks noGrp="1"/>
-          </p:cNvSpPr>
-          <p:nvPr>
-            <p:ph type="body" idx="1"/>
-          </p:nvPr>
-        </p:nvSpPr>
-        <p:spPr/>
-        <p:txBody>
-          <a:bodyPr/>
-          <a:lstStyle/>
-          <a:p>
-            <a:r>
-              <a:rPr lang="en-GB" dirty="0" smtClean="0"/>
-              <a:t>Number of measurements depends on the sparse pixels</a:t>
-            </a:r>
-            <a:endParaRPr lang="en-GB" dirty="0"/>
-          </a:p>
-        </p:txBody>
-      </p:sp>
-    </p:spTree>
-    <p:extLst>
-      <p:ext uri="{BB962C8B-B14F-4D97-AF65-F5344CB8AC3E}">
-        <p14:creationId xmlns:p14="http://schemas.microsoft.com/office/powerpoint/2010/main" val="2722927141"/>
-      </p:ext>
-    </p:extLst>
-  </p:cSld>
-  <p:clrMapOvr>
-    <a:masterClrMapping/>
-  </p:clrMapOvr>
-  <p:timing>
-    <p:tnLst>
-      <p:par>
-        <p:cTn id="1" dur="indefinite" restart="never" nodeType="tmRoot"/>
-      </p:par>
-    </p:tnLst>
-  </p:timing>
-</p:sld>
-</file>
-
-<file path=ppt/slides/slide16.xml><?xml version="1.0" encoding="utf-8"?>
-<p:sld xmlns:a="http://schemas.openxmlformats.org/drawingml/2006/main" xmlns:r="http://schemas.openxmlformats.org/officeDocument/2006/relationships" xmlns:p="http://schemas.openxmlformats.org/presentationml/2006/main">
-  <p:cSld>
-    <p:spTree>
-      <p:nvGrpSpPr>
-        <p:cNvPr id="1" name=""/>
-        <p:cNvGrpSpPr/>
-        <p:nvPr/>
-      </p:nvGrpSpPr>
-      <p:grpSpPr>
-        <a:xfrm>
-          <a:off x="0" y="0"/>
-          <a:ext cx="0" cy="0"/>
-          <a:chOff x="0" y="0"/>
-          <a:chExt cx="0" cy="0"/>
-        </a:xfrm>
-      </p:grpSpPr>
-      <p:sp>
-        <p:nvSpPr>
-          <p:cNvPr id="2" name="Datumsplatzhalter 1"/>
-          <p:cNvSpPr>
-            <a:spLocks noGrp="1"/>
-          </p:cNvSpPr>
-          <p:nvPr>
-            <p:ph type="dt" sz="half" idx="10"/>
-          </p:nvPr>
-        </p:nvSpPr>
-        <p:spPr/>
-        <p:txBody>
-          <a:bodyPr/>
-          <a:lstStyle/>
-          <a:p>
-            <a:fld id="{5E48492E-72D1-4785-9351-8AE1E40FBA2D}" type="datetime1">
-              <a:rPr lang="de-CH" smtClean="0">
-                <a:solidFill>
-                  <a:srgbClr val="000000"/>
-                </a:solidFill>
-              </a:rPr>
-              <a:t>12.08.2018</a:t>
-            </a:fld>
-            <a:endParaRPr lang="de-CH">
-              <a:solidFill>
-                <a:srgbClr val="000000"/>
-              </a:solidFill>
-            </a:endParaRPr>
-          </a:p>
-        </p:txBody>
-      </p:sp>
-      <p:sp>
-        <p:nvSpPr>
-          <p:cNvPr id="3" name="Fußzeilenplatzhalter 2"/>
-          <p:cNvSpPr>
-            <a:spLocks noGrp="1"/>
-          </p:cNvSpPr>
-          <p:nvPr>
-            <p:ph type="ftr" sz="quarter" idx="11"/>
-          </p:nvPr>
-        </p:nvSpPr>
-        <p:spPr/>
-        <p:txBody>
-          <a:bodyPr/>
-          <a:lstStyle/>
-          <a:p>
-            <a:r>
-              <a:rPr lang="de-CH" dirty="0" smtClean="0">
-                <a:solidFill>
-                  <a:srgbClr val="000000"/>
-                </a:solidFill>
-              </a:rPr>
-              <a:t>Institut i4ds</a:t>
-            </a:r>
-            <a:endParaRPr lang="de-CH" dirty="0">
-              <a:solidFill>
-                <a:srgbClr val="000000"/>
-              </a:solidFill>
-            </a:endParaRPr>
-          </a:p>
-        </p:txBody>
-      </p:sp>
-      <p:sp>
-        <p:nvSpPr>
-          <p:cNvPr id="4" name="Foliennummernplatzhalter 3"/>
-          <p:cNvSpPr>
-            <a:spLocks noGrp="1"/>
-          </p:cNvSpPr>
-          <p:nvPr>
-            <p:ph type="sldNum" sz="quarter" idx="12"/>
-          </p:nvPr>
-        </p:nvSpPr>
-        <p:spPr/>
-        <p:txBody>
-          <a:bodyPr/>
-          <a:lstStyle/>
-          <a:p>
-            <a:fld id="{351188DD-6605-4EF4-9E67-B567F731CE68}" type="slidenum">
-              <a:rPr lang="de-CH" smtClean="0">
-                <a:solidFill>
-                  <a:srgbClr val="000000"/>
-                </a:solidFill>
-              </a:rPr>
-              <a:pPr/>
-              <a:t>16</a:t>
-            </a:fld>
-            <a:endParaRPr lang="de-CH">
-              <a:solidFill>
-                <a:srgbClr val="000000"/>
-              </a:solidFill>
-            </a:endParaRPr>
-          </a:p>
-        </p:txBody>
-      </p:sp>
-      <p:sp>
-        <p:nvSpPr>
-          <p:cNvPr id="5" name="Titel 4"/>
-          <p:cNvSpPr>
-            <a:spLocks noGrp="1"/>
-          </p:cNvSpPr>
-          <p:nvPr>
-            <p:ph type="title"/>
-          </p:nvPr>
-        </p:nvSpPr>
-        <p:spPr/>
-        <p:txBody>
-          <a:bodyPr/>
-          <a:lstStyle/>
-          <a:p>
-            <a:r>
-              <a:rPr lang="en-GB" dirty="0" smtClean="0"/>
-              <a:t>CLEAN</a:t>
-            </a:r>
-            <a:br>
-              <a:rPr lang="en-GB" dirty="0" smtClean="0"/>
-            </a:br>
-            <a:r>
-              <a:rPr lang="en-GB" dirty="0" smtClean="0"/>
-              <a:t/>
-            </a:r>
-            <a:br>
-              <a:rPr lang="en-GB" dirty="0" smtClean="0"/>
-            </a:br>
-            <a:endParaRPr lang="en-GB" dirty="0"/>
-          </a:p>
-        </p:txBody>
-      </p:sp>
-      <p:sp>
-        <p:nvSpPr>
-          <p:cNvPr id="6" name="Textplatzhalter 5"/>
-          <p:cNvSpPr>
-            <a:spLocks noGrp="1"/>
-          </p:cNvSpPr>
-          <p:nvPr>
-            <p:ph type="body" idx="1"/>
-          </p:nvPr>
-        </p:nvSpPr>
-        <p:spPr/>
-        <p:txBody>
-          <a:bodyPr/>
-          <a:lstStyle/>
-          <a:p>
-            <a:endParaRPr lang="en-GB" dirty="0"/>
-          </a:p>
-        </p:txBody>
-      </p:sp>
-      <p:pic>
-        <p:nvPicPr>
-          <p:cNvPr id="7" name="Grafik 6"/>
-          <p:cNvPicPr>
-            <a:picLocks noChangeAspect="1"/>
-          </p:cNvPicPr>
-          <p:nvPr/>
-        </p:nvPicPr>
-        <p:blipFill rotWithShape="1">
-          <a:blip r:embed="rId2">
-            <a:extLst>
-              <a:ext uri="{28A0092B-C50C-407E-A947-70E740481C1C}">
-                <a14:useLocalDpi xmlns:a14="http://schemas.microsoft.com/office/drawing/2010/main" val="0"/>
-              </a:ext>
-            </a:extLst>
-          </a:blip>
-          <a:srcRect l="32789" t="29175" r="29362" b="31201"/>
-          <a:stretch/>
-        </p:blipFill>
-        <p:spPr>
-          <a:xfrm>
-            <a:off x="3039269" y="2124646"/>
-            <a:ext cx="4608512" cy="4536504"/>
-          </a:xfrm>
-          <a:prstGeom prst="rect">
-            <a:avLst/>
-          </a:prstGeom>
-        </p:spPr>
-      </p:pic>
-    </p:spTree>
-    <p:extLst>
-      <p:ext uri="{BB962C8B-B14F-4D97-AF65-F5344CB8AC3E}">
-        <p14:creationId xmlns:p14="http://schemas.microsoft.com/office/powerpoint/2010/main" val="3336875797"/>
-      </p:ext>
-    </p:extLst>
-  </p:cSld>
-  <p:clrMapOvr>
-    <a:masterClrMapping/>
-  </p:clrMapOvr>
-  <p:timing>
-    <p:tnLst>
-      <p:par>
-        <p:cTn id="1" dur="indefinite" restart="never" nodeType="tmRoot"/>
-      </p:par>
-    </p:tnLst>
-  </p:timing>
-</p:sld>
-</file>
-
-<file path=ppt/slides/slide17.xml><?xml version="1.0" encoding="utf-8"?>
-<p:sld xmlns:a="http://schemas.openxmlformats.org/drawingml/2006/main" xmlns:r="http://schemas.openxmlformats.org/officeDocument/2006/relationships" xmlns:p="http://schemas.openxmlformats.org/presentationml/2006/main">
-  <p:cSld>
-    <p:spTree>
-      <p:nvGrpSpPr>
-        <p:cNvPr id="1" name=""/>
-        <p:cNvGrpSpPr/>
-        <p:nvPr/>
-      </p:nvGrpSpPr>
-      <p:grpSpPr>
-        <a:xfrm>
-          <a:off x="0" y="0"/>
-          <a:ext cx="0" cy="0"/>
-          <a:chOff x="0" y="0"/>
-          <a:chExt cx="0" cy="0"/>
-        </a:xfrm>
-      </p:grpSpPr>
-      <p:sp>
-        <p:nvSpPr>
-          <p:cNvPr id="2" name="Datumsplatzhalter 1"/>
-          <p:cNvSpPr>
-            <a:spLocks noGrp="1"/>
-          </p:cNvSpPr>
-          <p:nvPr>
-            <p:ph type="dt" sz="half" idx="10"/>
-          </p:nvPr>
-        </p:nvSpPr>
-        <p:spPr/>
-        <p:txBody>
-          <a:bodyPr/>
-          <a:lstStyle/>
-          <a:p>
-            <a:fld id="{5E48492E-72D1-4785-9351-8AE1E40FBA2D}" type="datetime1">
-              <a:rPr lang="de-CH" smtClean="0">
-                <a:solidFill>
-                  <a:srgbClr val="000000"/>
-                </a:solidFill>
-              </a:rPr>
-              <a:t>12.08.2018</a:t>
-            </a:fld>
-            <a:endParaRPr lang="de-CH">
-              <a:solidFill>
-                <a:srgbClr val="000000"/>
-              </a:solidFill>
-            </a:endParaRPr>
-          </a:p>
-        </p:txBody>
-      </p:sp>
-      <p:sp>
-        <p:nvSpPr>
-          <p:cNvPr id="3" name="Fußzeilenplatzhalter 2"/>
-          <p:cNvSpPr>
-            <a:spLocks noGrp="1"/>
-          </p:cNvSpPr>
-          <p:nvPr>
-            <p:ph type="ftr" sz="quarter" idx="11"/>
-          </p:nvPr>
-        </p:nvSpPr>
-        <p:spPr/>
-        <p:txBody>
-          <a:bodyPr/>
-          <a:lstStyle/>
-          <a:p>
-            <a:r>
-              <a:rPr lang="de-CH" dirty="0" smtClean="0">
-                <a:solidFill>
-                  <a:srgbClr val="000000"/>
-                </a:solidFill>
-              </a:rPr>
-              <a:t>Institut i4ds</a:t>
-            </a:r>
-            <a:endParaRPr lang="de-CH" dirty="0">
-              <a:solidFill>
-                <a:srgbClr val="000000"/>
-              </a:solidFill>
-            </a:endParaRPr>
-          </a:p>
-        </p:txBody>
-      </p:sp>
-      <p:sp>
-        <p:nvSpPr>
-          <p:cNvPr id="4" name="Foliennummernplatzhalter 3"/>
-          <p:cNvSpPr>
-            <a:spLocks noGrp="1"/>
-          </p:cNvSpPr>
-          <p:nvPr>
-            <p:ph type="sldNum" sz="quarter" idx="12"/>
-          </p:nvPr>
-        </p:nvSpPr>
-        <p:spPr/>
-        <p:txBody>
-          <a:bodyPr/>
-          <a:lstStyle/>
-          <a:p>
-            <a:fld id="{351188DD-6605-4EF4-9E67-B567F731CE68}" type="slidenum">
-              <a:rPr lang="de-CH" smtClean="0">
-                <a:solidFill>
-                  <a:srgbClr val="000000"/>
-                </a:solidFill>
-              </a:rPr>
-              <a:pPr/>
-              <a:t>17</a:t>
+              <a:t>19</a:t>
             </a:fld>
             <a:endParaRPr lang="de-CH">
               <a:solidFill>
@@ -5636,355 +6397,6 @@
 </p:sld>
 </file>
 
-<file path=ppt/slides/slide18.xml><?xml version="1.0" encoding="utf-8"?>
-<p:sld xmlns:a="http://schemas.openxmlformats.org/drawingml/2006/main" xmlns:r="http://schemas.openxmlformats.org/officeDocument/2006/relationships" xmlns:p="http://schemas.openxmlformats.org/presentationml/2006/main">
-  <p:cSld>
-    <p:spTree>
-      <p:nvGrpSpPr>
-        <p:cNvPr id="1" name=""/>
-        <p:cNvGrpSpPr/>
-        <p:nvPr/>
-      </p:nvGrpSpPr>
-      <p:grpSpPr>
-        <a:xfrm>
-          <a:off x="0" y="0"/>
-          <a:ext cx="0" cy="0"/>
-          <a:chOff x="0" y="0"/>
-          <a:chExt cx="0" cy="0"/>
-        </a:xfrm>
-      </p:grpSpPr>
-      <p:sp>
-        <p:nvSpPr>
-          <p:cNvPr id="2" name="Datumsplatzhalter 1"/>
-          <p:cNvSpPr>
-            <a:spLocks noGrp="1"/>
-          </p:cNvSpPr>
-          <p:nvPr>
-            <p:ph type="dt" sz="half" idx="10"/>
-          </p:nvPr>
-        </p:nvSpPr>
-        <p:spPr/>
-        <p:txBody>
-          <a:bodyPr/>
-          <a:lstStyle/>
-          <a:p>
-            <a:fld id="{5E48492E-72D1-4785-9351-8AE1E40FBA2D}" type="datetime1">
-              <a:rPr lang="de-CH" smtClean="0">
-                <a:solidFill>
-                  <a:srgbClr val="000000"/>
-                </a:solidFill>
-              </a:rPr>
-              <a:t>12.08.2018</a:t>
-            </a:fld>
-            <a:endParaRPr lang="de-CH">
-              <a:solidFill>
-                <a:srgbClr val="000000"/>
-              </a:solidFill>
-            </a:endParaRPr>
-          </a:p>
-        </p:txBody>
-      </p:sp>
-      <p:sp>
-        <p:nvSpPr>
-          <p:cNvPr id="3" name="Fußzeilenplatzhalter 2"/>
-          <p:cNvSpPr>
-            <a:spLocks noGrp="1"/>
-          </p:cNvSpPr>
-          <p:nvPr>
-            <p:ph type="ftr" sz="quarter" idx="11"/>
-          </p:nvPr>
-        </p:nvSpPr>
-        <p:spPr/>
-        <p:txBody>
-          <a:bodyPr/>
-          <a:lstStyle/>
-          <a:p>
-            <a:r>
-              <a:rPr lang="de-CH" dirty="0">
-                <a:solidFill>
-                  <a:srgbClr val="000000"/>
-                </a:solidFill>
-              </a:rPr>
-              <a:t>Institut </a:t>
-            </a:r>
-            <a:r>
-              <a:rPr lang="de-CH" dirty="0" smtClean="0">
-                <a:solidFill>
-                  <a:srgbClr val="000000"/>
-                </a:solidFill>
-              </a:rPr>
-              <a:t>i4ds</a:t>
-            </a:r>
-            <a:endParaRPr lang="de-CH" dirty="0">
-              <a:solidFill>
-                <a:srgbClr val="000000"/>
-              </a:solidFill>
-            </a:endParaRPr>
-          </a:p>
-        </p:txBody>
-      </p:sp>
-      <p:sp>
-        <p:nvSpPr>
-          <p:cNvPr id="4" name="Foliennummernplatzhalter 3"/>
-          <p:cNvSpPr>
-            <a:spLocks noGrp="1"/>
-          </p:cNvSpPr>
-          <p:nvPr>
-            <p:ph type="sldNum" sz="quarter" idx="12"/>
-          </p:nvPr>
-        </p:nvSpPr>
-        <p:spPr/>
-        <p:txBody>
-          <a:bodyPr/>
-          <a:lstStyle/>
-          <a:p>
-            <a:fld id="{351188DD-6605-4EF4-9E67-B567F731CE68}" type="slidenum">
-              <a:rPr lang="de-CH" smtClean="0">
-                <a:solidFill>
-                  <a:srgbClr val="000000"/>
-                </a:solidFill>
-              </a:rPr>
-              <a:pPr/>
-              <a:t>18</a:t>
-            </a:fld>
-            <a:endParaRPr lang="de-CH">
-              <a:solidFill>
-                <a:srgbClr val="000000"/>
-              </a:solidFill>
-            </a:endParaRPr>
-          </a:p>
-        </p:txBody>
-      </p:sp>
-      <p:sp>
-        <p:nvSpPr>
-          <p:cNvPr id="5" name="Titel 4"/>
-          <p:cNvSpPr>
-            <a:spLocks noGrp="1"/>
-          </p:cNvSpPr>
-          <p:nvPr>
-            <p:ph type="title"/>
-          </p:nvPr>
-        </p:nvSpPr>
-        <p:spPr/>
-        <p:txBody>
-          <a:bodyPr/>
-          <a:lstStyle/>
-          <a:p>
-            <a:r>
-              <a:rPr lang="en-GB" dirty="0" smtClean="0"/>
-              <a:t>CLEAN as a special case of Compressed Sensing</a:t>
-            </a:r>
-            <a:endParaRPr lang="en-GB" dirty="0"/>
-          </a:p>
-        </p:txBody>
-      </p:sp>
-      <p:sp>
-        <p:nvSpPr>
-          <p:cNvPr id="6" name="Textplatzhalter 5"/>
-          <p:cNvSpPr>
-            <a:spLocks noGrp="1"/>
-          </p:cNvSpPr>
-          <p:nvPr>
-            <p:ph type="body" idx="1"/>
-          </p:nvPr>
-        </p:nvSpPr>
-        <p:spPr/>
-        <p:txBody>
-          <a:bodyPr/>
-          <a:lstStyle/>
-          <a:p>
-            <a:endParaRPr lang="en-GB"/>
-          </a:p>
-        </p:txBody>
-      </p:sp>
-    </p:spTree>
-    <p:extLst>
-      <p:ext uri="{BB962C8B-B14F-4D97-AF65-F5344CB8AC3E}">
-        <p14:creationId xmlns:p14="http://schemas.microsoft.com/office/powerpoint/2010/main" val="1550387807"/>
-      </p:ext>
-    </p:extLst>
-  </p:cSld>
-  <p:clrMapOvr>
-    <a:masterClrMapping/>
-  </p:clrMapOvr>
-  <p:timing>
-    <p:tnLst>
-      <p:par>
-        <p:cTn id="1" dur="indefinite" restart="never" nodeType="tmRoot"/>
-      </p:par>
-    </p:tnLst>
-  </p:timing>
-</p:sld>
-</file>
-
-<file path=ppt/slides/slide19.xml><?xml version="1.0" encoding="utf-8"?>
-<p:sld xmlns:a="http://schemas.openxmlformats.org/drawingml/2006/main" xmlns:r="http://schemas.openxmlformats.org/officeDocument/2006/relationships" xmlns:p="http://schemas.openxmlformats.org/presentationml/2006/main">
-  <p:cSld>
-    <p:spTree>
-      <p:nvGrpSpPr>
-        <p:cNvPr id="1" name=""/>
-        <p:cNvGrpSpPr/>
-        <p:nvPr/>
-      </p:nvGrpSpPr>
-      <p:grpSpPr>
-        <a:xfrm>
-          <a:off x="0" y="0"/>
-          <a:ext cx="0" cy="0"/>
-          <a:chOff x="0" y="0"/>
-          <a:chExt cx="0" cy="0"/>
-        </a:xfrm>
-      </p:grpSpPr>
-      <p:sp>
-        <p:nvSpPr>
-          <p:cNvPr id="2" name="Datumsplatzhalter 1"/>
-          <p:cNvSpPr>
-            <a:spLocks noGrp="1"/>
-          </p:cNvSpPr>
-          <p:nvPr>
-            <p:ph type="dt" sz="half" idx="10"/>
-          </p:nvPr>
-        </p:nvSpPr>
-        <p:spPr/>
-        <p:txBody>
-          <a:bodyPr/>
-          <a:lstStyle/>
-          <a:p>
-            <a:fld id="{5E48492E-72D1-4785-9351-8AE1E40FBA2D}" type="datetime1">
-              <a:rPr lang="de-CH" smtClean="0">
-                <a:solidFill>
-                  <a:srgbClr val="000000"/>
-                </a:solidFill>
-              </a:rPr>
-              <a:t>12.08.2018</a:t>
-            </a:fld>
-            <a:endParaRPr lang="de-CH">
-              <a:solidFill>
-                <a:srgbClr val="000000"/>
-              </a:solidFill>
-            </a:endParaRPr>
-          </a:p>
-        </p:txBody>
-      </p:sp>
-      <p:sp>
-        <p:nvSpPr>
-          <p:cNvPr id="3" name="Fußzeilenplatzhalter 2"/>
-          <p:cNvSpPr>
-            <a:spLocks noGrp="1"/>
-          </p:cNvSpPr>
-          <p:nvPr>
-            <p:ph type="ftr" sz="quarter" idx="11"/>
-          </p:nvPr>
-        </p:nvSpPr>
-        <p:spPr/>
-        <p:txBody>
-          <a:bodyPr/>
-          <a:lstStyle/>
-          <a:p>
-            <a:r>
-              <a:rPr lang="de-CH" dirty="0">
-                <a:solidFill>
-                  <a:srgbClr val="000000"/>
-                </a:solidFill>
-              </a:rPr>
-              <a:t>Institut i4ds</a:t>
-            </a:r>
-          </a:p>
-        </p:txBody>
-      </p:sp>
-      <p:sp>
-        <p:nvSpPr>
-          <p:cNvPr id="4" name="Foliennummernplatzhalter 3"/>
-          <p:cNvSpPr>
-            <a:spLocks noGrp="1"/>
-          </p:cNvSpPr>
-          <p:nvPr>
-            <p:ph type="sldNum" sz="quarter" idx="12"/>
-          </p:nvPr>
-        </p:nvSpPr>
-        <p:spPr/>
-        <p:txBody>
-          <a:bodyPr/>
-          <a:lstStyle/>
-          <a:p>
-            <a:fld id="{351188DD-6605-4EF4-9E67-B567F731CE68}" type="slidenum">
-              <a:rPr lang="de-CH" smtClean="0">
-                <a:solidFill>
-                  <a:srgbClr val="000000"/>
-                </a:solidFill>
-              </a:rPr>
-              <a:pPr/>
-              <a:t>19</a:t>
-            </a:fld>
-            <a:endParaRPr lang="de-CH">
-              <a:solidFill>
-                <a:srgbClr val="000000"/>
-              </a:solidFill>
-            </a:endParaRPr>
-          </a:p>
-        </p:txBody>
-      </p:sp>
-      <p:sp>
-        <p:nvSpPr>
-          <p:cNvPr id="5" name="Titel 4"/>
-          <p:cNvSpPr>
-            <a:spLocks noGrp="1"/>
-          </p:cNvSpPr>
-          <p:nvPr>
-            <p:ph type="title"/>
-          </p:nvPr>
-        </p:nvSpPr>
-        <p:spPr/>
-        <p:txBody>
-          <a:bodyPr/>
-          <a:lstStyle/>
-          <a:p>
-            <a:r>
-              <a:rPr lang="en-GB" dirty="0" smtClean="0"/>
-              <a:t>Super Resolution</a:t>
-            </a:r>
-            <a:endParaRPr lang="en-GB" dirty="0"/>
-          </a:p>
-        </p:txBody>
-      </p:sp>
-      <p:sp>
-        <p:nvSpPr>
-          <p:cNvPr id="6" name="Textplatzhalter 5"/>
-          <p:cNvSpPr>
-            <a:spLocks noGrp="1"/>
-          </p:cNvSpPr>
-          <p:nvPr>
-            <p:ph type="body" idx="1"/>
-          </p:nvPr>
-        </p:nvSpPr>
-        <p:spPr/>
-        <p:txBody>
-          <a:bodyPr/>
-          <a:lstStyle/>
-          <a:p>
-            <a:endParaRPr lang="en-GB"/>
-          </a:p>
-        </p:txBody>
-      </p:sp>
-    </p:spTree>
-    <p:extLst>
-      <p:ext uri="{BB962C8B-B14F-4D97-AF65-F5344CB8AC3E}">
-        <p14:creationId xmlns:p14="http://schemas.microsoft.com/office/powerpoint/2010/main" val="2205424725"/>
-      </p:ext>
-    </p:extLst>
-  </p:cSld>
-  <p:clrMapOvr>
-    <a:masterClrMapping/>
-  </p:clrMapOvr>
-  <p:timing>
-    <p:tnLst>
-      <p:par>
-        <p:cTn id="1" dur="indefinite" restart="never" nodeType="tmRoot"/>
-      </p:par>
-    </p:tnLst>
-  </p:timing>
-</p:sld>
-</file>
-
 <file path=ppt/slides/slide2.xml><?xml version="1.0" encoding="utf-8"?>
 <p:sld xmlns:a="http://schemas.openxmlformats.org/drawingml/2006/main" xmlns:r="http://schemas.openxmlformats.org/officeDocument/2006/relationships" xmlns:p="http://schemas.openxmlformats.org/presentationml/2006/main">
   <p:cSld>
@@ -6212,6 +6624,13 @@
   <p:clrMapOvr>
     <a:masterClrMapping/>
   </p:clrMapOvr>
+  <p:timing>
+    <p:tnLst>
+      <p:par>
+        <p:cTn id="1" dur="indefinite" restart="never" nodeType="tmRoot"/>
+      </p:par>
+    </p:tnLst>
+  </p:timing>
 </p:sld>
 </file>
 
@@ -6336,10 +6755,6 @@
           <a:bodyPr/>
           <a:lstStyle/>
           <a:p>
-            <a:r>
-              <a:rPr lang="en-GB" dirty="0" smtClean="0"/>
-              <a:t>The Problem with Super Resolution…</a:t>
-            </a:r>
             <a:endParaRPr lang="en-GB" dirty="0"/>
           </a:p>
         </p:txBody>
@@ -6385,7 +6800,7 @@
         </p:blipFill>
         <p:spPr>
           <a:xfrm>
-            <a:off x="5490716" y="328421"/>
+            <a:off x="3061472" y="215572"/>
             <a:ext cx="4564105" cy="6713865"/>
           </a:xfrm>
           <a:prstGeom prst="rect">
@@ -6482,8 +6897,21 @@
                   <a:srgbClr val="000000"/>
                 </a:solidFill>
               </a:rPr>
-              <a:t>Institut i4ds</a:t>
-            </a:r>
+              <a:t>Institut </a:t>
+            </a:r>
+            <a:r>
+              <a:rPr lang="de-CH" dirty="0" smtClean="0">
+                <a:solidFill>
+                  <a:srgbClr val="000000"/>
+                </a:solidFill>
+              </a:rPr>
+              <a:t>i4ds</a:t>
+            </a:r>
+            <a:endParaRPr lang="de-CH" dirty="0">
+              <a:solidFill>
+                <a:srgbClr val="000000"/>
+              </a:solidFill>
+            </a:endParaRPr>
           </a:p>
         </p:txBody>
       </p:sp>
@@ -6535,24 +6963,240 @@
           <a:lstStyle/>
           <a:p>
             <a:r>
+              <a:rPr lang="en-GB" dirty="0" smtClean="0"/>
+              <a:t>Regularizations</a:t>
+            </a:r>
+            <a:endParaRPr lang="en-GB" dirty="0"/>
+          </a:p>
+        </p:txBody>
+      </p:sp>
+      <p:sp>
+        <p:nvSpPr>
+          <p:cNvPr id="6" name="Textplatzhalter 5"/>
+          <p:cNvSpPr>
+            <a:spLocks noGrp="1"/>
+          </p:cNvSpPr>
+          <p:nvPr>
+            <p:ph type="body" idx="1"/>
+          </p:nvPr>
+        </p:nvSpPr>
+        <p:spPr/>
+        <p:txBody>
+          <a:bodyPr/>
+          <a:lstStyle/>
+          <a:p>
+            <a:pPr marL="342900" indent="-342900">
+              <a:buFont typeface="Arial" panose="020B0604020202020204" pitchFamily="34" charset="0"/>
+              <a:buChar char="•"/>
+            </a:pPr>
+            <a:r>
+              <a:rPr lang="en-GB" dirty="0" smtClean="0"/>
+              <a:t>L0</a:t>
+            </a:r>
+          </a:p>
+          <a:p>
+            <a:pPr marL="342900" indent="-342900">
+              <a:buFont typeface="Arial" panose="020B0604020202020204" pitchFamily="34" charset="0"/>
+              <a:buChar char="•"/>
+            </a:pPr>
+            <a:r>
+              <a:rPr lang="en-GB" dirty="0" smtClean="0"/>
+              <a:t>L1</a:t>
+            </a:r>
+            <a:endParaRPr lang="en-GB" dirty="0" smtClean="0"/>
+          </a:p>
+          <a:p>
+            <a:pPr marL="342900" indent="-342900">
+              <a:buFont typeface="Arial" panose="020B0604020202020204" pitchFamily="34" charset="0"/>
+              <a:buChar char="•"/>
+            </a:pPr>
+            <a:r>
+              <a:rPr lang="en-GB" dirty="0" smtClean="0"/>
+              <a:t>L2</a:t>
+            </a:r>
+          </a:p>
+          <a:p>
+            <a:pPr marL="342900" indent="-342900">
+              <a:buFont typeface="Arial" panose="020B0604020202020204" pitchFamily="34" charset="0"/>
+              <a:buChar char="•"/>
+            </a:pPr>
+            <a:r>
+              <a:rPr lang="en-GB" dirty="0" smtClean="0"/>
+              <a:t>Total Variation</a:t>
+            </a:r>
+          </a:p>
+          <a:p>
+            <a:pPr marL="342900" indent="-342900">
+              <a:buFont typeface="Arial" panose="020B0604020202020204" pitchFamily="34" charset="0"/>
+              <a:buChar char="•"/>
+            </a:pPr>
+            <a:r>
+              <a:rPr lang="en-GB" dirty="0" smtClean="0"/>
+              <a:t>L1 + L2</a:t>
+            </a:r>
+          </a:p>
+          <a:p>
+            <a:pPr marL="342900" indent="-342900">
+              <a:buFont typeface="Arial" panose="020B0604020202020204" pitchFamily="34" charset="0"/>
+              <a:buChar char="•"/>
+            </a:pPr>
+            <a:r>
+              <a:rPr lang="en-GB" dirty="0" smtClean="0"/>
+              <a:t>Starlet</a:t>
+            </a:r>
+            <a:endParaRPr lang="en-GB" dirty="0"/>
+          </a:p>
+        </p:txBody>
+      </p:sp>
+    </p:spTree>
+    <p:extLst>
+      <p:ext uri="{BB962C8B-B14F-4D97-AF65-F5344CB8AC3E}">
+        <p14:creationId xmlns:p14="http://schemas.microsoft.com/office/powerpoint/2010/main" val="769980622"/>
+      </p:ext>
+    </p:extLst>
+  </p:cSld>
+  <p:clrMapOvr>
+    <a:masterClrMapping/>
+  </p:clrMapOvr>
+  <p:timing>
+    <p:tnLst>
+      <p:par>
+        <p:cTn id="1" dur="indefinite" restart="never" nodeType="tmRoot"/>
+      </p:par>
+    </p:tnLst>
+  </p:timing>
+</p:sld>
+</file>
+
+<file path=ppt/slides/slide22.xml><?xml version="1.0" encoding="utf-8"?>
+<p:sld xmlns:a="http://schemas.openxmlformats.org/drawingml/2006/main" xmlns:r="http://schemas.openxmlformats.org/officeDocument/2006/relationships" xmlns:p="http://schemas.openxmlformats.org/presentationml/2006/main">
+  <p:cSld>
+    <p:spTree>
+      <p:nvGrpSpPr>
+        <p:cNvPr id="1" name=""/>
+        <p:cNvGrpSpPr/>
+        <p:nvPr/>
+      </p:nvGrpSpPr>
+      <p:grpSpPr>
+        <a:xfrm>
+          <a:off x="0" y="0"/>
+          <a:ext cx="0" cy="0"/>
+          <a:chOff x="0" y="0"/>
+          <a:chExt cx="0" cy="0"/>
+        </a:xfrm>
+      </p:grpSpPr>
+      <p:sp>
+        <p:nvSpPr>
+          <p:cNvPr id="2" name="Datumsplatzhalter 1"/>
+          <p:cNvSpPr>
+            <a:spLocks noGrp="1"/>
+          </p:cNvSpPr>
+          <p:nvPr>
+            <p:ph type="dt" sz="half" idx="10"/>
+          </p:nvPr>
+        </p:nvSpPr>
+        <p:spPr/>
+        <p:txBody>
+          <a:bodyPr/>
+          <a:lstStyle/>
+          <a:p>
+            <a:fld id="{5E48492E-72D1-4785-9351-8AE1E40FBA2D}" type="datetime1">
+              <a:rPr lang="de-CH" smtClean="0">
+                <a:solidFill>
+                  <a:srgbClr val="000000"/>
+                </a:solidFill>
+              </a:rPr>
+              <a:t>13.08.2018</a:t>
+            </a:fld>
+            <a:endParaRPr lang="de-CH">
+              <a:solidFill>
+                <a:srgbClr val="000000"/>
+              </a:solidFill>
+            </a:endParaRPr>
+          </a:p>
+        </p:txBody>
+      </p:sp>
+      <p:sp>
+        <p:nvSpPr>
+          <p:cNvPr id="3" name="Fußzeilenplatzhalter 2"/>
+          <p:cNvSpPr>
+            <a:spLocks noGrp="1"/>
+          </p:cNvSpPr>
+          <p:nvPr>
+            <p:ph type="ftr" sz="quarter" idx="11"/>
+          </p:nvPr>
+        </p:nvSpPr>
+        <p:spPr/>
+        <p:txBody>
+          <a:bodyPr/>
+          <a:lstStyle/>
+          <a:p>
+            <a:r>
+              <a:rPr lang="de-CH" dirty="0">
+                <a:solidFill>
+                  <a:srgbClr val="000000"/>
+                </a:solidFill>
+              </a:rPr>
+              <a:t>Institut i4ds</a:t>
+            </a:r>
+          </a:p>
+        </p:txBody>
+      </p:sp>
+      <p:sp>
+        <p:nvSpPr>
+          <p:cNvPr id="4" name="Foliennummernplatzhalter 3"/>
+          <p:cNvSpPr>
+            <a:spLocks noGrp="1"/>
+          </p:cNvSpPr>
+          <p:nvPr>
+            <p:ph type="sldNum" sz="quarter" idx="12"/>
+          </p:nvPr>
+        </p:nvSpPr>
+        <p:spPr/>
+        <p:txBody>
+          <a:bodyPr/>
+          <a:lstStyle/>
+          <a:p>
+            <a:fld id="{351188DD-6605-4EF4-9E67-B567F731CE68}" type="slidenum">
+              <a:rPr lang="de-CH" smtClean="0">
+                <a:solidFill>
+                  <a:srgbClr val="000000"/>
+                </a:solidFill>
+              </a:rPr>
+              <a:pPr/>
+              <a:t>22</a:t>
+            </a:fld>
+            <a:endParaRPr lang="de-CH">
+              <a:solidFill>
+                <a:srgbClr val="000000"/>
+              </a:solidFill>
+            </a:endParaRPr>
+          </a:p>
+        </p:txBody>
+      </p:sp>
+      <p:sp>
+        <p:nvSpPr>
+          <p:cNvPr id="5" name="Titel 4"/>
+          <p:cNvSpPr>
+            <a:spLocks noGrp="1"/>
+          </p:cNvSpPr>
+          <p:nvPr>
+            <p:ph type="title"/>
+          </p:nvPr>
+        </p:nvSpPr>
+        <p:spPr>
+          <a:xfrm>
+            <a:off x="736600" y="1509713"/>
+            <a:ext cx="4508624" cy="361950"/>
+          </a:xfrm>
+        </p:spPr>
+        <p:txBody>
+          <a:bodyPr/>
+          <a:lstStyle/>
+          <a:p>
+            <a:r>
               <a:rPr lang="de-DE" dirty="0" smtClean="0"/>
-              <a:t>10 Second Observation			</a:t>
-            </a:r>
-            <a:r>
-              <a:rPr lang="de-DE" dirty="0" err="1" smtClean="0"/>
-              <a:t>Unknown</a:t>
-            </a:r>
-            <a:r>
-              <a:rPr lang="de-DE" dirty="0" smtClean="0"/>
-              <a:t> </a:t>
-            </a:r>
-            <a:r>
-              <a:rPr lang="de-DE" dirty="0" err="1" smtClean="0"/>
-              <a:t>Reconstruction</a:t>
-            </a:r>
-            <a:r>
-              <a:rPr lang="de-DE" dirty="0" smtClean="0"/>
-              <a:t> NRAO</a:t>
+              <a:t>10s VLA Observation</a:t>
             </a:r>
             <a:endParaRPr lang="de-DE" dirty="0"/>
           </a:p>
@@ -6627,7 +7271,7 @@
         </p:blipFill>
         <p:spPr>
           <a:xfrm>
-            <a:off x="5346700" y="2124646"/>
+            <a:off x="5490716" y="2124646"/>
             <a:ext cx="4608512" cy="4536504"/>
           </a:xfrm>
           <a:prstGeom prst="rect">
@@ -6635,253 +7279,219 @@
           </a:prstGeom>
         </p:spPr>
       </p:pic>
+      <p:sp>
+        <p:nvSpPr>
+          <p:cNvPr id="9" name="Titel 4"/>
+          <p:cNvSpPr txBox="1">
+            <a:spLocks/>
+          </p:cNvSpPr>
+          <p:nvPr/>
+        </p:nvSpPr>
+        <p:spPr bwMode="auto">
+          <a:xfrm>
+            <a:off x="5540660" y="1509713"/>
+            <a:ext cx="4508624" cy="361950"/>
+          </a:xfrm>
+          <a:prstGeom prst="rect">
+            <a:avLst/>
+          </a:prstGeom>
+          <a:noFill/>
+          <a:ln>
+            <a:noFill/>
+          </a:ln>
+          <a:effectLst/>
+          <a:extLst>
+            <a:ext uri="{909E8E84-426E-40dd-AFC4-6F175D3DCCD1}">
+              <a14:hiddenFill xmlns="" xmlns:a14="http://schemas.microsoft.com/office/drawing/2010/main">
+                <a:solidFill>
+                  <a:schemeClr val="accent1"/>
+                </a:solidFill>
+              </a14:hiddenFill>
+            </a:ext>
+            <a:ext uri="{91240B29-F687-4f45-9708-019B960494DF}">
+              <a14:hiddenLine xmlns="" xmlns:a14="http://schemas.microsoft.com/office/drawing/2010/main" w="9525">
+                <a:solidFill>
+                  <a:schemeClr val="tx1"/>
+                </a:solidFill>
+                <a:miter lim="800000"/>
+                <a:headEnd/>
+                <a:tailEnd/>
+              </a14:hiddenLine>
+            </a:ext>
+            <a:ext uri="{AF507438-7753-43e0-B8FC-AC1667EBCBE1}">
+              <a14:hiddenEffects xmlns="" xmlns:a14="http://schemas.microsoft.com/office/drawing/2010/main">
+                <a:effectLst>
+                  <a:outerShdw dist="35921" dir="2700000" algn="ctr" rotWithShape="0">
+                    <a:schemeClr val="bg2"/>
+                  </a:outerShdw>
+                </a:effectLst>
+              </a14:hiddenEffects>
+            </a:ext>
+          </a:extLst>
+        </p:spPr>
+        <p:txBody>
+          <a:bodyPr vert="horz" wrap="square" lIns="0" tIns="0" rIns="0" bIns="0" numCol="1" anchor="t" anchorCtr="0" compatLnSpc="1">
+            <a:prstTxWarp prst="textNoShape">
+              <a:avLst/>
+            </a:prstTxWarp>
+          </a:bodyPr>
+          <a:lstStyle>
+            <a:lvl1pPr algn="l" defTabSz="1042988" rtl="0" eaLnBrk="1" fontAlgn="base" hangingPunct="1">
+              <a:spcBef>
+                <a:spcPct val="0"/>
+              </a:spcBef>
+              <a:spcAft>
+                <a:spcPct val="0"/>
+              </a:spcAft>
+              <a:defRPr sz="2000" b="1" i="0" baseline="0">
+                <a:solidFill>
+                  <a:schemeClr val="tx2"/>
+                </a:solidFill>
+                <a:latin typeface="+mj-lt"/>
+                <a:ea typeface="+mj-ea"/>
+                <a:cs typeface="+mj-cs"/>
+              </a:defRPr>
+            </a:lvl1pPr>
+            <a:lvl2pPr algn="l" defTabSz="1042988" rtl="0" eaLnBrk="1" fontAlgn="base" hangingPunct="1">
+              <a:spcBef>
+                <a:spcPct val="0"/>
+              </a:spcBef>
+              <a:spcAft>
+                <a:spcPct val="0"/>
+              </a:spcAft>
+              <a:defRPr sz="2000" b="1">
+                <a:solidFill>
+                  <a:schemeClr val="tx2"/>
+                </a:solidFill>
+                <a:latin typeface="Arial" charset="0"/>
+              </a:defRPr>
+            </a:lvl2pPr>
+            <a:lvl3pPr algn="l" defTabSz="1042988" rtl="0" eaLnBrk="1" fontAlgn="base" hangingPunct="1">
+              <a:spcBef>
+                <a:spcPct val="0"/>
+              </a:spcBef>
+              <a:spcAft>
+                <a:spcPct val="0"/>
+              </a:spcAft>
+              <a:defRPr sz="2000" b="1">
+                <a:solidFill>
+                  <a:schemeClr val="tx2"/>
+                </a:solidFill>
+                <a:latin typeface="Arial" charset="0"/>
+              </a:defRPr>
+            </a:lvl3pPr>
+            <a:lvl4pPr algn="l" defTabSz="1042988" rtl="0" eaLnBrk="1" fontAlgn="base" hangingPunct="1">
+              <a:spcBef>
+                <a:spcPct val="0"/>
+              </a:spcBef>
+              <a:spcAft>
+                <a:spcPct val="0"/>
+              </a:spcAft>
+              <a:defRPr sz="2000" b="1">
+                <a:solidFill>
+                  <a:schemeClr val="tx2"/>
+                </a:solidFill>
+                <a:latin typeface="Arial" charset="0"/>
+              </a:defRPr>
+            </a:lvl4pPr>
+            <a:lvl5pPr algn="l" defTabSz="1042988" rtl="0" eaLnBrk="1" fontAlgn="base" hangingPunct="1">
+              <a:spcBef>
+                <a:spcPct val="0"/>
+              </a:spcBef>
+              <a:spcAft>
+                <a:spcPct val="0"/>
+              </a:spcAft>
+              <a:defRPr sz="2000" b="1">
+                <a:solidFill>
+                  <a:schemeClr val="tx2"/>
+                </a:solidFill>
+                <a:latin typeface="Arial" charset="0"/>
+              </a:defRPr>
+            </a:lvl5pPr>
+            <a:lvl6pPr marL="457200" algn="l" defTabSz="1042988" rtl="0" eaLnBrk="1" fontAlgn="base" hangingPunct="1">
+              <a:spcBef>
+                <a:spcPct val="0"/>
+              </a:spcBef>
+              <a:spcAft>
+                <a:spcPct val="0"/>
+              </a:spcAft>
+              <a:defRPr sz="2000" b="1">
+                <a:solidFill>
+                  <a:schemeClr val="tx2"/>
+                </a:solidFill>
+                <a:latin typeface="Arial" charset="0"/>
+              </a:defRPr>
+            </a:lvl6pPr>
+            <a:lvl7pPr marL="914400" algn="l" defTabSz="1042988" rtl="0" eaLnBrk="1" fontAlgn="base" hangingPunct="1">
+              <a:spcBef>
+                <a:spcPct val="0"/>
+              </a:spcBef>
+              <a:spcAft>
+                <a:spcPct val="0"/>
+              </a:spcAft>
+              <a:defRPr sz="2000" b="1">
+                <a:solidFill>
+                  <a:schemeClr val="tx2"/>
+                </a:solidFill>
+                <a:latin typeface="Arial" charset="0"/>
+              </a:defRPr>
+            </a:lvl7pPr>
+            <a:lvl8pPr marL="1371600" algn="l" defTabSz="1042988" rtl="0" eaLnBrk="1" fontAlgn="base" hangingPunct="1">
+              <a:spcBef>
+                <a:spcPct val="0"/>
+              </a:spcBef>
+              <a:spcAft>
+                <a:spcPct val="0"/>
+              </a:spcAft>
+              <a:defRPr sz="2000" b="1">
+                <a:solidFill>
+                  <a:schemeClr val="tx2"/>
+                </a:solidFill>
+                <a:latin typeface="Arial" charset="0"/>
+              </a:defRPr>
+            </a:lvl8pPr>
+            <a:lvl9pPr marL="1828800" algn="l" defTabSz="1042988" rtl="0" eaLnBrk="1" fontAlgn="base" hangingPunct="1">
+              <a:spcBef>
+                <a:spcPct val="0"/>
+              </a:spcBef>
+              <a:spcAft>
+                <a:spcPct val="0"/>
+              </a:spcAft>
+              <a:defRPr sz="2000" b="1">
+                <a:solidFill>
+                  <a:schemeClr val="tx2"/>
+                </a:solidFill>
+                <a:latin typeface="Arial" charset="0"/>
+              </a:defRPr>
+            </a:lvl9pPr>
+          </a:lstStyle>
+          <a:p>
+            <a:r>
+              <a:rPr lang="de-DE" kern="0" dirty="0" smtClean="0"/>
+              <a:t>RAO </a:t>
+            </a:r>
+            <a:r>
+              <a:rPr lang="de-DE" kern="0" dirty="0" err="1"/>
+              <a:t>R</a:t>
+            </a:r>
+            <a:r>
+              <a:rPr lang="de-DE" kern="0" dirty="0" err="1" smtClean="0"/>
+              <a:t>econstruction</a:t>
+            </a:r>
+            <a:endParaRPr lang="de-DE" kern="0" dirty="0"/>
+          </a:p>
+        </p:txBody>
+      </p:sp>
     </p:spTree>
     <p:extLst>
       <p:ext uri="{BB962C8B-B14F-4D97-AF65-F5344CB8AC3E}">
-        <p14:creationId xmlns:p14="http://schemas.microsoft.com/office/powerpoint/2010/main" val="3329433850"/>
+        <p14:creationId xmlns:p14="http://schemas.microsoft.com/office/powerpoint/2010/main" val="3378604655"/>
       </p:ext>
     </p:extLst>
   </p:cSld>
   <p:clrMapOvr>
     <a:masterClrMapping/>
   </p:clrMapOvr>
-  <p:timing>
-    <p:tnLst>
-      <p:par>
-        <p:cTn id="1" dur="indefinite" restart="never" nodeType="tmRoot"/>
-      </p:par>
-    </p:tnLst>
-  </p:timing>
-</p:sld>
-</file>
-
-<file path=ppt/slides/slide22.xml><?xml version="1.0" encoding="utf-8"?>
-<p:sld xmlns:a="http://schemas.openxmlformats.org/drawingml/2006/main" xmlns:r="http://schemas.openxmlformats.org/officeDocument/2006/relationships" xmlns:p="http://schemas.openxmlformats.org/presentationml/2006/main">
-  <p:cSld>
-    <p:spTree>
-      <p:nvGrpSpPr>
-        <p:cNvPr id="1" name=""/>
-        <p:cNvGrpSpPr/>
-        <p:nvPr/>
-      </p:nvGrpSpPr>
-      <p:grpSpPr>
-        <a:xfrm>
-          <a:off x="0" y="0"/>
-          <a:ext cx="0" cy="0"/>
-          <a:chOff x="0" y="0"/>
-          <a:chExt cx="0" cy="0"/>
-        </a:xfrm>
-      </p:grpSpPr>
-      <p:sp>
-        <p:nvSpPr>
-          <p:cNvPr id="2" name="Datumsplatzhalter 1"/>
-          <p:cNvSpPr>
-            <a:spLocks noGrp="1"/>
-          </p:cNvSpPr>
-          <p:nvPr>
-            <p:ph type="dt" sz="half" idx="10"/>
-          </p:nvPr>
-        </p:nvSpPr>
-        <p:spPr/>
-        <p:txBody>
-          <a:bodyPr/>
-          <a:lstStyle/>
-          <a:p>
-            <a:fld id="{5E48492E-72D1-4785-9351-8AE1E40FBA2D}" type="datetime1">
-              <a:rPr lang="de-CH" smtClean="0">
-                <a:solidFill>
-                  <a:srgbClr val="000000"/>
-                </a:solidFill>
-              </a:rPr>
-              <a:t>12.08.2018</a:t>
-            </a:fld>
-            <a:endParaRPr lang="de-CH">
-              <a:solidFill>
-                <a:srgbClr val="000000"/>
-              </a:solidFill>
-            </a:endParaRPr>
-          </a:p>
-        </p:txBody>
-      </p:sp>
-      <p:sp>
-        <p:nvSpPr>
-          <p:cNvPr id="3" name="Fußzeilenplatzhalter 2"/>
-          <p:cNvSpPr>
-            <a:spLocks noGrp="1"/>
-          </p:cNvSpPr>
-          <p:nvPr>
-            <p:ph type="ftr" sz="quarter" idx="11"/>
-          </p:nvPr>
-        </p:nvSpPr>
-        <p:spPr/>
-        <p:txBody>
-          <a:bodyPr/>
-          <a:lstStyle/>
-          <a:p>
-            <a:r>
-              <a:rPr lang="de-CH" dirty="0">
-                <a:solidFill>
-                  <a:srgbClr val="000000"/>
-                </a:solidFill>
-              </a:rPr>
-              <a:t>Institut </a:t>
-            </a:r>
-            <a:r>
-              <a:rPr lang="de-CH" dirty="0" smtClean="0">
-                <a:solidFill>
-                  <a:srgbClr val="000000"/>
-                </a:solidFill>
-              </a:rPr>
-              <a:t>i4ds</a:t>
-            </a:r>
-            <a:endParaRPr lang="de-CH" dirty="0">
-              <a:solidFill>
-                <a:srgbClr val="000000"/>
-              </a:solidFill>
-            </a:endParaRPr>
-          </a:p>
-        </p:txBody>
-      </p:sp>
-      <p:sp>
-        <p:nvSpPr>
-          <p:cNvPr id="4" name="Foliennummernplatzhalter 3"/>
-          <p:cNvSpPr>
-            <a:spLocks noGrp="1"/>
-          </p:cNvSpPr>
-          <p:nvPr>
-            <p:ph type="sldNum" sz="quarter" idx="12"/>
-          </p:nvPr>
-        </p:nvSpPr>
-        <p:spPr/>
-        <p:txBody>
-          <a:bodyPr/>
-          <a:lstStyle/>
-          <a:p>
-            <a:fld id="{351188DD-6605-4EF4-9E67-B567F731CE68}" type="slidenum">
-              <a:rPr lang="de-CH" smtClean="0">
-                <a:solidFill>
-                  <a:srgbClr val="000000"/>
-                </a:solidFill>
-              </a:rPr>
-              <a:pPr/>
-              <a:t>22</a:t>
-            </a:fld>
-            <a:endParaRPr lang="de-CH">
-              <a:solidFill>
-                <a:srgbClr val="000000"/>
-              </a:solidFill>
-            </a:endParaRPr>
-          </a:p>
-        </p:txBody>
-      </p:sp>
-      <p:sp>
-        <p:nvSpPr>
-          <p:cNvPr id="5" name="Titel 4"/>
-          <p:cNvSpPr>
-            <a:spLocks noGrp="1"/>
-          </p:cNvSpPr>
-          <p:nvPr>
-            <p:ph type="title"/>
-          </p:nvPr>
-        </p:nvSpPr>
-        <p:spPr/>
-        <p:txBody>
-          <a:bodyPr/>
-          <a:lstStyle/>
-          <a:p>
-            <a:r>
-              <a:rPr lang="en-GB" dirty="0" smtClean="0"/>
-              <a:t>Regularizations</a:t>
-            </a:r>
-            <a:endParaRPr lang="en-GB" dirty="0"/>
-          </a:p>
-        </p:txBody>
-      </p:sp>
-      <p:sp>
-        <p:nvSpPr>
-          <p:cNvPr id="6" name="Textplatzhalter 5"/>
-          <p:cNvSpPr>
-            <a:spLocks noGrp="1"/>
-          </p:cNvSpPr>
-          <p:nvPr>
-            <p:ph type="body" idx="1"/>
-          </p:nvPr>
-        </p:nvSpPr>
-        <p:spPr/>
-        <p:txBody>
-          <a:bodyPr/>
-          <a:lstStyle/>
-          <a:p>
-            <a:pPr marL="342900" indent="-342900">
-              <a:buFont typeface="Arial" panose="020B0604020202020204" pitchFamily="34" charset="0"/>
-              <a:buChar char="•"/>
-            </a:pPr>
-            <a:r>
-              <a:rPr lang="en-GB" dirty="0" smtClean="0"/>
-              <a:t>L1</a:t>
-            </a:r>
-          </a:p>
-          <a:p>
-            <a:pPr marL="342900" indent="-342900">
-              <a:buFont typeface="Arial" panose="020B0604020202020204" pitchFamily="34" charset="0"/>
-              <a:buChar char="•"/>
-            </a:pPr>
-            <a:r>
-              <a:rPr lang="en-GB" dirty="0" smtClean="0"/>
-              <a:t>L2</a:t>
-            </a:r>
-          </a:p>
-          <a:p>
-            <a:pPr marL="342900" indent="-342900">
-              <a:buFont typeface="Arial" panose="020B0604020202020204" pitchFamily="34" charset="0"/>
-              <a:buChar char="•"/>
-            </a:pPr>
-            <a:r>
-              <a:rPr lang="en-GB" dirty="0" smtClean="0"/>
-              <a:t>Total Variation</a:t>
-            </a:r>
-          </a:p>
-          <a:p>
-            <a:pPr marL="342900" indent="-342900">
-              <a:buFont typeface="Arial" panose="020B0604020202020204" pitchFamily="34" charset="0"/>
-              <a:buChar char="•"/>
-            </a:pPr>
-            <a:r>
-              <a:rPr lang="en-GB" dirty="0" smtClean="0"/>
-              <a:t>L1 + L2</a:t>
-            </a:r>
-            <a:endParaRPr lang="en-GB" dirty="0" smtClean="0"/>
-          </a:p>
-          <a:p>
-            <a:pPr marL="342900" indent="-342900">
-              <a:buFont typeface="Arial" panose="020B0604020202020204" pitchFamily="34" charset="0"/>
-              <a:buChar char="•"/>
-            </a:pPr>
-            <a:r>
-              <a:rPr lang="en-GB" dirty="0" smtClean="0"/>
-              <a:t>Starlet</a:t>
-            </a:r>
-            <a:endParaRPr lang="en-GB" dirty="0"/>
-          </a:p>
-        </p:txBody>
-      </p:sp>
-    </p:spTree>
-    <p:extLst>
-      <p:ext uri="{BB962C8B-B14F-4D97-AF65-F5344CB8AC3E}">
-        <p14:creationId xmlns:p14="http://schemas.microsoft.com/office/powerpoint/2010/main" val="769980622"/>
-      </p:ext>
-    </p:extLst>
-  </p:cSld>
-  <p:clrMapOvr>
-    <a:masterClrMapping/>
-  </p:clrMapOvr>
-  <p:timing>
-    <p:tnLst>
-      <p:par>
-        <p:cTn id="1" dur="indefinite" restart="never" nodeType="tmRoot"/>
-      </p:par>
-    </p:tnLst>
-  </p:timing>
 </p:sld>
 </file>
 
@@ -6918,13 +7528,13 @@
               </a:ext>
             </a:extLst>
           </a:blip>
-          <a:srcRect r="14437"/>
+          <a:srcRect r="251"/>
           <a:stretch/>
         </p:blipFill>
         <p:spPr>
           <a:xfrm>
-            <a:off x="5620929" y="1750604"/>
-            <a:ext cx="4694323" cy="5486411"/>
+            <a:off x="4770636" y="1606080"/>
+            <a:ext cx="5472608" cy="5486411"/>
           </a:xfrm>
           <a:prstGeom prst="rect">
             <a:avLst/>
@@ -6939,7 +7549,7 @@
           </p:cNvPicPr>
           <p:nvPr/>
         </p:nvPicPr>
-        <p:blipFill>
+        <p:blipFill rotWithShape="1">
           <a:blip r:embed="rId3">
             <a:extLst>
               <a:ext uri="{28A0092B-C50C-407E-A947-70E740481C1C}">
@@ -6947,14 +7557,13 @@
               </a:ext>
             </a:extLst>
           </a:blip>
-          <a:stretch>
-            <a:fillRect/>
-          </a:stretch>
+          <a:srcRect r="15750"/>
+          <a:stretch/>
         </p:blipFill>
         <p:spPr>
           <a:xfrm>
-            <a:off x="148321" y="1710806"/>
-            <a:ext cx="5486411" cy="5486411"/>
+            <a:off x="148321" y="1606588"/>
+            <a:ext cx="4622315" cy="5486411"/>
           </a:xfrm>
           <a:prstGeom prst="rect">
             <a:avLst/>
@@ -7075,7 +7684,7 @@
         </p:nvSpPr>
         <p:spPr>
           <a:xfrm>
-            <a:off x="736600" y="1896941"/>
+            <a:off x="736600" y="1792723"/>
             <a:ext cx="2953916" cy="395288"/>
           </a:xfrm>
         </p:spPr>
@@ -7101,7 +7710,7 @@
         </p:nvSpPr>
         <p:spPr bwMode="auto">
           <a:xfrm>
-            <a:off x="6269001" y="1922562"/>
+            <a:off x="5359019" y="1843966"/>
             <a:ext cx="2862644" cy="344045"/>
           </a:xfrm>
           <a:prstGeom prst="rect">
@@ -7114,14 +7723,14 @@
           <a:effectLst/>
           <a:extLst>
             <a:ext uri="{909E8E84-426E-40dd-AFC4-6F175D3DCCD1}">
-              <a14:hiddenFill xmlns:a14="http://schemas.microsoft.com/office/drawing/2010/main" xmlns="">
+              <a14:hiddenFill xmlns="" xmlns:a14="http://schemas.microsoft.com/office/drawing/2010/main">
                 <a:solidFill>
                   <a:schemeClr val="accent1"/>
                 </a:solidFill>
               </a14:hiddenFill>
             </a:ext>
             <a:ext uri="{91240B29-F687-4f45-9708-019B960494DF}">
-              <a14:hiddenLine xmlns:a14="http://schemas.microsoft.com/office/drawing/2010/main" xmlns="" w="9525">
+              <a14:hiddenLine xmlns="" xmlns:a14="http://schemas.microsoft.com/office/drawing/2010/main" w="9525">
                 <a:solidFill>
                   <a:schemeClr val="tx1"/>
                 </a:solidFill>
@@ -7131,7 +7740,7 @@
               </a14:hiddenLine>
             </a:ext>
             <a:ext uri="{AF507438-7753-43e0-B8FC-AC1667EBCBE1}">
-              <a14:hiddenEffects xmlns:a14="http://schemas.microsoft.com/office/drawing/2010/main" xmlns="">
+              <a14:hiddenEffects xmlns="" xmlns:a14="http://schemas.microsoft.com/office/drawing/2010/main">
                 <a:effectLst>
                   <a:outerShdw dist="35921" dir="2700000" algn="ctr" rotWithShape="0">
                     <a:schemeClr val="bg2"/>
@@ -7280,11 +7889,7 @@
           <a:p>
             <a:r>
               <a:rPr lang="en-GB" kern="0" dirty="0" smtClean="0"/>
-              <a:t>L1 </a:t>
-            </a:r>
-            <a:r>
-              <a:rPr lang="en-GB" kern="0" dirty="0" err="1" smtClean="0"/>
-              <a:t>Regulariyation</a:t>
+              <a:t>L1 Regularization</a:t>
             </a:r>
             <a:endParaRPr lang="en-GB" kern="0" dirty="0"/>
           </a:p>
@@ -7489,37 +8094,8 @@
         </p:blipFill>
         <p:spPr>
           <a:xfrm>
-            <a:off x="5553182" y="-395833"/>
-            <a:ext cx="5486411" cy="5486411"/>
-          </a:xfrm>
-          <a:prstGeom prst="rect">
-            <a:avLst/>
-          </a:prstGeom>
-        </p:spPr>
-      </p:pic>
-      <p:pic>
-        <p:nvPicPr>
-          <p:cNvPr id="9" name="Grafik 8"/>
-          <p:cNvPicPr>
-            <a:picLocks noChangeAspect="1"/>
-          </p:cNvPicPr>
-          <p:nvPr/>
-        </p:nvPicPr>
-        <p:blipFill rotWithShape="1">
-          <a:blip r:embed="rId3">
-            <a:extLst>
-              <a:ext uri="{28A0092B-C50C-407E-A947-70E740481C1C}">
-                <a14:useLocalDpi xmlns:a14="http://schemas.microsoft.com/office/drawing/2010/main" val="0"/>
-              </a:ext>
-            </a:extLst>
-          </a:blip>
-          <a:srcRect t="-1674" b="-1"/>
-          <a:stretch/>
-        </p:blipFill>
-        <p:spPr>
-          <a:xfrm>
-            <a:off x="82421" y="-323825"/>
-            <a:ext cx="5486411" cy="5578265"/>
+            <a:off x="0" y="1077045"/>
+            <a:ext cx="10201133" cy="6120680"/>
           </a:xfrm>
           <a:prstGeom prst="rect">
             <a:avLst/>
@@ -7534,52 +8110,21 @@
           </p:cNvPicPr>
           <p:nvPr/>
         </p:nvPicPr>
-        <p:blipFill>
-          <a:blip r:embed="rId4">
+        <p:blipFill rotWithShape="1">
+          <a:blip r:embed="rId3" cstate="print">
             <a:extLst>
               <a:ext uri="{28A0092B-C50C-407E-A947-70E740481C1C}">
                 <a14:useLocalDpi xmlns:a14="http://schemas.microsoft.com/office/drawing/2010/main" val="0"/>
               </a:ext>
             </a:extLst>
           </a:blip>
-          <a:stretch>
-            <a:fillRect/>
-          </a:stretch>
+          <a:srcRect l="10631" t="13255" r="18504" b="10695"/>
+          <a:stretch/>
         </p:blipFill>
         <p:spPr>
           <a:xfrm>
-            <a:off x="76313" y="3214590"/>
-            <a:ext cx="5486411" cy="5486411"/>
-          </a:xfrm>
-          <a:prstGeom prst="rect">
-            <a:avLst/>
-          </a:prstGeom>
-        </p:spPr>
-      </p:pic>
-      <p:pic>
-        <p:nvPicPr>
-          <p:cNvPr id="12" name="Grafik 11"/>
-          <p:cNvPicPr>
-            <a:picLocks noChangeAspect="1"/>
-          </p:cNvPicPr>
-          <p:nvPr/>
-        </p:nvPicPr>
-        <p:blipFill>
-          <a:blip r:embed="rId5">
-            <a:extLst>
-              <a:ext uri="{28A0092B-C50C-407E-A947-70E740481C1C}">
-                <a14:useLocalDpi xmlns:a14="http://schemas.microsoft.com/office/drawing/2010/main" val="0"/>
-              </a:ext>
-            </a:extLst>
-          </a:blip>
-          <a:stretch>
-            <a:fillRect/>
-          </a:stretch>
-        </p:blipFill>
-        <p:spPr>
-          <a:xfrm>
-            <a:off x="5778748" y="3665059"/>
-            <a:ext cx="5486411" cy="5486411"/>
+            <a:off x="1526803" y="108223"/>
+            <a:ext cx="2952328" cy="3168351"/>
           </a:xfrm>
           <a:prstGeom prst="rect">
             <a:avLst/>
@@ -7589,7 +8134,7 @@
     </p:spTree>
     <p:extLst>
       <p:ext uri="{BB962C8B-B14F-4D97-AF65-F5344CB8AC3E}">
-        <p14:creationId xmlns:p14="http://schemas.microsoft.com/office/powerpoint/2010/main" val="301286378"/>
+        <p14:creationId xmlns:p14="http://schemas.microsoft.com/office/powerpoint/2010/main" val="2681139971"/>
       </p:ext>
     </p:extLst>
   </p:cSld>
@@ -8062,7 +8607,7 @@
     </p:spTree>
     <p:extLst>
       <p:ext uri="{BB962C8B-B14F-4D97-AF65-F5344CB8AC3E}">
-        <p14:creationId xmlns:p14="http://schemas.microsoft.com/office/powerpoint/2010/main" val="2681139971"/>
+        <p14:creationId xmlns:p14="http://schemas.microsoft.com/office/powerpoint/2010/main" val="1172613764"/>
       </p:ext>
     </p:extLst>
   </p:cSld>
@@ -8148,21 +8693,8 @@
                   <a:srgbClr val="000000"/>
                 </a:solidFill>
               </a:rPr>
-              <a:t>Institut </a:t>
-            </a:r>
-            <a:r>
-              <a:rPr lang="de-CH" dirty="0" smtClean="0">
-                <a:solidFill>
-                  <a:srgbClr val="000000"/>
-                </a:solidFill>
-              </a:rPr>
-              <a:t>i4ds</a:t>
-            </a:r>
-            <a:endParaRPr lang="de-CH" dirty="0">
-              <a:solidFill>
-                <a:srgbClr val="000000"/>
-              </a:solidFill>
-            </a:endParaRPr>
+              <a:t>Institut i4ds</a:t>
+            </a:r>
           </a:p>
         </p:txBody>
       </p:sp>
@@ -8189,229 +8721,6 @@
               </a:rPr>
               <a:pPr/>
               <a:t>27</a:t>
-            </a:fld>
-            <a:endParaRPr lang="de-CH">
-              <a:solidFill>
-                <a:srgbClr val="000000"/>
-              </a:solidFill>
-            </a:endParaRPr>
-          </a:p>
-        </p:txBody>
-      </p:sp>
-      <p:sp>
-        <p:nvSpPr>
-          <p:cNvPr id="5" name="Titel 4"/>
-          <p:cNvSpPr>
-            <a:spLocks noGrp="1"/>
-          </p:cNvSpPr>
-          <p:nvPr>
-            <p:ph type="title"/>
-          </p:nvPr>
-        </p:nvSpPr>
-        <p:spPr/>
-        <p:txBody>
-          <a:bodyPr/>
-          <a:lstStyle/>
-          <a:p>
-            <a:endParaRPr lang="en-GB"/>
-          </a:p>
-        </p:txBody>
-      </p:sp>
-      <p:sp>
-        <p:nvSpPr>
-          <p:cNvPr id="6" name="Textplatzhalter 5"/>
-          <p:cNvSpPr>
-            <a:spLocks noGrp="1"/>
-          </p:cNvSpPr>
-          <p:nvPr>
-            <p:ph type="body" idx="1"/>
-          </p:nvPr>
-        </p:nvSpPr>
-        <p:spPr/>
-        <p:txBody>
-          <a:bodyPr/>
-          <a:lstStyle/>
-          <a:p>
-            <a:endParaRPr lang="en-GB"/>
-          </a:p>
-        </p:txBody>
-      </p:sp>
-      <p:pic>
-        <p:nvPicPr>
-          <p:cNvPr id="7" name="Grafik 6"/>
-          <p:cNvPicPr>
-            <a:picLocks noChangeAspect="1"/>
-          </p:cNvPicPr>
-          <p:nvPr/>
-        </p:nvPicPr>
-        <p:blipFill>
-          <a:blip r:embed="rId2">
-            <a:extLst>
-              <a:ext uri="{28A0092B-C50C-407E-A947-70E740481C1C}">
-                <a14:useLocalDpi xmlns:a14="http://schemas.microsoft.com/office/drawing/2010/main" val="0"/>
-              </a:ext>
-            </a:extLst>
-          </a:blip>
-          <a:stretch>
-            <a:fillRect/>
-          </a:stretch>
-        </p:blipFill>
-        <p:spPr>
-          <a:xfrm>
-            <a:off x="0" y="1077045"/>
-            <a:ext cx="10201133" cy="6120680"/>
-          </a:xfrm>
-          <a:prstGeom prst="rect">
-            <a:avLst/>
-          </a:prstGeom>
-        </p:spPr>
-      </p:pic>
-      <p:pic>
-        <p:nvPicPr>
-          <p:cNvPr id="11" name="Grafik 10"/>
-          <p:cNvPicPr>
-            <a:picLocks noChangeAspect="1"/>
-          </p:cNvPicPr>
-          <p:nvPr/>
-        </p:nvPicPr>
-        <p:blipFill rotWithShape="1">
-          <a:blip r:embed="rId3" cstate="print">
-            <a:extLst>
-              <a:ext uri="{28A0092B-C50C-407E-A947-70E740481C1C}">
-                <a14:useLocalDpi xmlns:a14="http://schemas.microsoft.com/office/drawing/2010/main" val="0"/>
-              </a:ext>
-            </a:extLst>
-          </a:blip>
-          <a:srcRect l="10631" t="13255" r="18504" b="10695"/>
-          <a:stretch/>
-        </p:blipFill>
-        <p:spPr>
-          <a:xfrm>
-            <a:off x="1526803" y="108223"/>
-            <a:ext cx="2952328" cy="3168351"/>
-          </a:xfrm>
-          <a:prstGeom prst="rect">
-            <a:avLst/>
-          </a:prstGeom>
-        </p:spPr>
-      </p:pic>
-    </p:spTree>
-    <p:extLst>
-      <p:ext uri="{BB962C8B-B14F-4D97-AF65-F5344CB8AC3E}">
-        <p14:creationId xmlns:p14="http://schemas.microsoft.com/office/powerpoint/2010/main" val="1172613764"/>
-      </p:ext>
-    </p:extLst>
-  </p:cSld>
-  <p:clrMapOvr>
-    <a:masterClrMapping/>
-  </p:clrMapOvr>
-  <p:timing>
-    <p:tnLst>
-      <p:par>
-        <p:cTn id="1" dur="indefinite" restart="never" nodeType="tmRoot"/>
-      </p:par>
-    </p:tnLst>
-  </p:timing>
-</p:sld>
-</file>
-
-<file path=ppt/slides/slide28.xml><?xml version="1.0" encoding="utf-8"?>
-<p:sld xmlns:a="http://schemas.openxmlformats.org/drawingml/2006/main" xmlns:r="http://schemas.openxmlformats.org/officeDocument/2006/relationships" xmlns:p="http://schemas.openxmlformats.org/presentationml/2006/main">
-  <p:cSld>
-    <p:spTree>
-      <p:nvGrpSpPr>
-        <p:cNvPr id="1" name=""/>
-        <p:cNvGrpSpPr/>
-        <p:nvPr/>
-      </p:nvGrpSpPr>
-      <p:grpSpPr>
-        <a:xfrm>
-          <a:off x="0" y="0"/>
-          <a:ext cx="0" cy="0"/>
-          <a:chOff x="0" y="0"/>
-          <a:chExt cx="0" cy="0"/>
-        </a:xfrm>
-      </p:grpSpPr>
-      <p:sp>
-        <p:nvSpPr>
-          <p:cNvPr id="2" name="Datumsplatzhalter 1"/>
-          <p:cNvSpPr>
-            <a:spLocks noGrp="1"/>
-          </p:cNvSpPr>
-          <p:nvPr>
-            <p:ph type="dt" sz="half" idx="10"/>
-          </p:nvPr>
-        </p:nvSpPr>
-        <p:spPr/>
-        <p:txBody>
-          <a:bodyPr/>
-          <a:lstStyle/>
-          <a:p>
-            <a:fld id="{5E48492E-72D1-4785-9351-8AE1E40FBA2D}" type="datetime1">
-              <a:rPr lang="de-CH" smtClean="0">
-                <a:solidFill>
-                  <a:srgbClr val="000000"/>
-                </a:solidFill>
-              </a:rPr>
-              <a:t>12.08.2018</a:t>
-            </a:fld>
-            <a:endParaRPr lang="de-CH">
-              <a:solidFill>
-                <a:srgbClr val="000000"/>
-              </a:solidFill>
-            </a:endParaRPr>
-          </a:p>
-        </p:txBody>
-      </p:sp>
-      <p:sp>
-        <p:nvSpPr>
-          <p:cNvPr id="3" name="Fußzeilenplatzhalter 2"/>
-          <p:cNvSpPr>
-            <a:spLocks noGrp="1"/>
-          </p:cNvSpPr>
-          <p:nvPr>
-            <p:ph type="ftr" sz="quarter" idx="11"/>
-          </p:nvPr>
-        </p:nvSpPr>
-        <p:spPr/>
-        <p:txBody>
-          <a:bodyPr/>
-          <a:lstStyle/>
-          <a:p>
-            <a:r>
-              <a:rPr lang="de-CH" dirty="0">
-                <a:solidFill>
-                  <a:srgbClr val="000000"/>
-                </a:solidFill>
-              </a:rPr>
-              <a:t>Institut i4ds</a:t>
-            </a:r>
-          </a:p>
-        </p:txBody>
-      </p:sp>
-      <p:sp>
-        <p:nvSpPr>
-          <p:cNvPr id="4" name="Foliennummernplatzhalter 3"/>
-          <p:cNvSpPr>
-            <a:spLocks noGrp="1"/>
-          </p:cNvSpPr>
-          <p:nvPr>
-            <p:ph type="sldNum" sz="quarter" idx="12"/>
-          </p:nvPr>
-        </p:nvSpPr>
-        <p:spPr/>
-        <p:txBody>
-          <a:bodyPr/>
-          <a:lstStyle/>
-          <a:p>
-            <a:fld id="{351188DD-6605-4EF4-9E67-B567F731CE68}" type="slidenum">
-              <a:rPr lang="de-CH" smtClean="0">
-                <a:solidFill>
-                  <a:srgbClr val="000000"/>
-                </a:solidFill>
-              </a:rPr>
-              <a:pPr/>
-              <a:t>28</a:t>
             </a:fld>
             <a:endParaRPr lang="de-CH">
               <a:solidFill>
@@ -8509,7 +8818,7 @@
 </p:sld>
 </file>
 
-<file path=ppt/slides/slide29.xml><?xml version="1.0" encoding="utf-8"?>
+<file path=ppt/slides/slide28.xml><?xml version="1.0" encoding="utf-8"?>
 <p:sld xmlns:a="http://schemas.openxmlformats.org/drawingml/2006/main" xmlns:r="http://schemas.openxmlformats.org/officeDocument/2006/relationships" xmlns:p="http://schemas.openxmlformats.org/presentationml/2006/main">
   <p:cSld>
     <p:spTree>
@@ -8618,7 +8927,7 @@
                 </a:solidFill>
               </a:rPr>
               <a:pPr/>
-              <a:t>29</a:t>
+              <a:t>28</a:t>
             </a:fld>
             <a:endParaRPr lang="de-CH">
               <a:solidFill>
@@ -8906,6 +9215,13 @@
   <p:clrMapOvr>
     <a:masterClrMapping/>
   </p:clrMapOvr>
+  <p:timing>
+    <p:tnLst>
+      <p:par>
+        <p:cTn id="1" dur="indefinite" restart="never" nodeType="tmRoot"/>
+      </p:par>
+    </p:tnLst>
+  </p:timing>
 </p:sld>
 </file>
 
@@ -9107,6 +9423,13 @@
   <p:clrMapOvr>
     <a:masterClrMapping/>
   </p:clrMapOvr>
+  <p:timing>
+    <p:tnLst>
+      <p:par>
+        <p:cTn id="1" dur="indefinite" restart="never" nodeType="tmRoot"/>
+      </p:par>
+    </p:tnLst>
+  </p:timing>
 </p:sld>
 </file>
 
@@ -9127,6 +9450,35 @@
           <a:chExt cx="0" cy="0"/>
         </a:xfrm>
       </p:grpSpPr>
+      <p:pic>
+        <p:nvPicPr>
+          <p:cNvPr id="9" name="Grafik 8"/>
+          <p:cNvPicPr>
+            <a:picLocks noChangeAspect="1"/>
+          </p:cNvPicPr>
+          <p:nvPr/>
+        </p:nvPicPr>
+        <p:blipFill rotWithShape="1">
+          <a:blip r:embed="rId3">
+            <a:extLst>
+              <a:ext uri="{28A0092B-C50C-407E-A947-70E740481C1C}">
+                <a14:useLocalDpi xmlns:a14="http://schemas.microsoft.com/office/drawing/2010/main" val="0"/>
+              </a:ext>
+            </a:extLst>
+          </a:blip>
+          <a:srcRect l="10500" t="12714" r="18626" b="16412"/>
+          <a:stretch/>
+        </p:blipFill>
+        <p:spPr>
+          <a:xfrm>
+            <a:off x="708718" y="2127922"/>
+            <a:ext cx="4536505" cy="4536504"/>
+          </a:xfrm>
+          <a:prstGeom prst="rect">
+            <a:avLst/>
+          </a:prstGeom>
+        </p:spPr>
+      </p:pic>
       <p:sp>
         <p:nvSpPr>
           <p:cNvPr id="2" name="Datumsplatzhalter 1"/>
@@ -9148,7 +9500,7 @@
                   <a:srgbClr val="000000"/>
                 </a:solidFill>
               </a:rPr>
-              <a:t>12.08.2018</a:t>
+              <a:t>13.08.2018</a:t>
             </a:fld>
             <a:endParaRPr lang="de-CH">
               <a:solidFill>
@@ -9174,18 +9526,13 @@
           <a:lstStyle/>
           <a:p>
             <a:r>
-              <a:rPr lang="de-CH" dirty="0" smtClean="0">
+              <a:rPr lang="de-CH" dirty="0">
                 <a:solidFill>
                   <a:srgbClr val="000000"/>
                 </a:solidFill>
               </a:rPr>
               <a:t>Institut i4ds</a:t>
             </a:r>
-            <a:endParaRPr lang="de-CH" dirty="0">
-              <a:solidFill>
-                <a:srgbClr val="000000"/>
-              </a:solidFill>
-            </a:endParaRPr>
           </a:p>
         </p:txBody>
       </p:sp>
@@ -9237,10 +9584,10 @@
           <a:lstStyle/>
           <a:p>
             <a:r>
-              <a:rPr lang="en-GB" dirty="0" smtClean="0"/>
+              <a:rPr lang="de-DE" dirty="0" smtClean="0"/>
               <a:t>CLEAN</a:t>
             </a:r>
-            <a:endParaRPr lang="en-GB" dirty="0"/>
+            <a:endParaRPr lang="de-DE" dirty="0"/>
           </a:p>
         </p:txBody>
       </p:sp>
@@ -9259,7 +9606,7 @@
           <a:bodyPr/>
           <a:lstStyle/>
           <a:p>
-            <a:endParaRPr lang="en-GB" dirty="0"/>
+            <a:endParaRPr lang="de-DE" dirty="0"/>
           </a:p>
         </p:txBody>
       </p:sp>
@@ -9271,22 +9618,21 @@
           </p:cNvPicPr>
           <p:nvPr/>
         </p:nvPicPr>
-        <p:blipFill>
-          <a:blip r:embed="rId2" cstate="print">
+        <p:blipFill rotWithShape="1">
+          <a:blip r:embed="rId4">
             <a:extLst>
               <a:ext uri="{28A0092B-C50C-407E-A947-70E740481C1C}">
                 <a14:useLocalDpi xmlns:a14="http://schemas.microsoft.com/office/drawing/2010/main" val="0"/>
               </a:ext>
             </a:extLst>
           </a:blip>
-          <a:stretch>
-            <a:fillRect/>
-          </a:stretch>
+          <a:srcRect l="32789" t="29175" r="29362" b="31201"/>
+          <a:stretch/>
         </p:blipFill>
         <p:spPr>
           <a:xfrm>
-            <a:off x="2394372" y="1800833"/>
-            <a:ext cx="5256584" cy="5256584"/>
+            <a:off x="5490716" y="2124646"/>
+            <a:ext cx="4608512" cy="4536504"/>
           </a:xfrm>
           <a:prstGeom prst="rect">
             <a:avLst/>
@@ -9296,7 +9642,7 @@
     </p:spTree>
     <p:extLst>
       <p:ext uri="{BB962C8B-B14F-4D97-AF65-F5344CB8AC3E}">
-        <p14:creationId xmlns:p14="http://schemas.microsoft.com/office/powerpoint/2010/main" val="2606158152"/>
+        <p14:creationId xmlns:p14="http://schemas.microsoft.com/office/powerpoint/2010/main" val="1521014800"/>
       </p:ext>
     </p:extLst>
   </p:cSld>
@@ -9351,6 +9697,172 @@
                   <a:srgbClr val="000000"/>
                 </a:solidFill>
               </a:rPr>
+              <a:t>13.08.2018</a:t>
+            </a:fld>
+            <a:endParaRPr lang="de-CH">
+              <a:solidFill>
+                <a:srgbClr val="000000"/>
+              </a:solidFill>
+            </a:endParaRPr>
+          </a:p>
+        </p:txBody>
+      </p:sp>
+      <p:sp>
+        <p:nvSpPr>
+          <p:cNvPr id="3" name="Fußzeilenplatzhalter 2"/>
+          <p:cNvSpPr>
+            <a:spLocks noGrp="1"/>
+          </p:cNvSpPr>
+          <p:nvPr>
+            <p:ph type="ftr" sz="quarter" idx="11"/>
+          </p:nvPr>
+        </p:nvSpPr>
+        <p:spPr/>
+        <p:txBody>
+          <a:bodyPr/>
+          <a:lstStyle/>
+          <a:p>
+            <a:r>
+              <a:rPr lang="de-CH" smtClean="0">
+                <a:solidFill>
+                  <a:srgbClr val="000000"/>
+                </a:solidFill>
+              </a:rPr>
+              <a:t>Institut</a:t>
+            </a:r>
+            <a:endParaRPr lang="de-CH">
+              <a:solidFill>
+                <a:srgbClr val="000000"/>
+              </a:solidFill>
+            </a:endParaRPr>
+          </a:p>
+        </p:txBody>
+      </p:sp>
+      <p:sp>
+        <p:nvSpPr>
+          <p:cNvPr id="4" name="Foliennummernplatzhalter 3"/>
+          <p:cNvSpPr>
+            <a:spLocks noGrp="1"/>
+          </p:cNvSpPr>
+          <p:nvPr>
+            <p:ph type="sldNum" sz="quarter" idx="12"/>
+          </p:nvPr>
+        </p:nvSpPr>
+        <p:spPr/>
+        <p:txBody>
+          <a:bodyPr/>
+          <a:lstStyle/>
+          <a:p>
+            <a:fld id="{351188DD-6605-4EF4-9E67-B567F731CE68}" type="slidenum">
+              <a:rPr lang="de-CH" smtClean="0">
+                <a:solidFill>
+                  <a:srgbClr val="000000"/>
+                </a:solidFill>
+              </a:rPr>
+              <a:pPr/>
+              <a:t>6</a:t>
+            </a:fld>
+            <a:endParaRPr lang="de-CH">
+              <a:solidFill>
+                <a:srgbClr val="000000"/>
+              </a:solidFill>
+            </a:endParaRPr>
+          </a:p>
+        </p:txBody>
+      </p:sp>
+      <p:sp>
+        <p:nvSpPr>
+          <p:cNvPr id="5" name="Titel 4"/>
+          <p:cNvSpPr>
+            <a:spLocks noGrp="1"/>
+          </p:cNvSpPr>
+          <p:nvPr>
+            <p:ph type="title"/>
+          </p:nvPr>
+        </p:nvSpPr>
+        <p:spPr/>
+        <p:txBody>
+          <a:bodyPr/>
+          <a:lstStyle/>
+          <a:p>
+            <a:endParaRPr lang="en-GB" dirty="0"/>
+          </a:p>
+        </p:txBody>
+      </p:sp>
+      <p:sp>
+        <p:nvSpPr>
+          <p:cNvPr id="6" name="Textplatzhalter 5"/>
+          <p:cNvSpPr>
+            <a:spLocks noGrp="1"/>
+          </p:cNvSpPr>
+          <p:nvPr>
+            <p:ph type="body" idx="1"/>
+          </p:nvPr>
+        </p:nvSpPr>
+        <p:spPr/>
+        <p:txBody>
+          <a:bodyPr/>
+          <a:lstStyle/>
+          <a:p>
+            <a:pPr algn="ctr"/>
+            <a:r>
+              <a:rPr lang="en-GB" sz="6600" dirty="0"/>
+              <a:t>CLEAN</a:t>
+            </a:r>
+          </a:p>
+        </p:txBody>
+      </p:sp>
+    </p:spTree>
+    <p:extLst>
+      <p:ext uri="{BB962C8B-B14F-4D97-AF65-F5344CB8AC3E}">
+        <p14:creationId xmlns:p14="http://schemas.microsoft.com/office/powerpoint/2010/main" val="1617376967"/>
+      </p:ext>
+    </p:extLst>
+  </p:cSld>
+  <p:clrMapOvr>
+    <a:masterClrMapping/>
+  </p:clrMapOvr>
+</p:sld>
+</file>
+
+<file path=ppt/slides/slide7.xml><?xml version="1.0" encoding="utf-8"?>
+<p:sld xmlns:a="http://schemas.openxmlformats.org/drawingml/2006/main" xmlns:r="http://schemas.openxmlformats.org/officeDocument/2006/relationships" xmlns:p="http://schemas.openxmlformats.org/presentationml/2006/main">
+  <p:cSld>
+    <p:spTree>
+      <p:nvGrpSpPr>
+        <p:cNvPr id="1" name=""/>
+        <p:cNvGrpSpPr/>
+        <p:nvPr/>
+      </p:nvGrpSpPr>
+      <p:grpSpPr>
+        <a:xfrm>
+          <a:off x="0" y="0"/>
+          <a:ext cx="0" cy="0"/>
+          <a:chOff x="0" y="0"/>
+          <a:chExt cx="0" cy="0"/>
+        </a:xfrm>
+      </p:grpSpPr>
+      <p:sp>
+        <p:nvSpPr>
+          <p:cNvPr id="2" name="Datumsplatzhalter 1"/>
+          <p:cNvSpPr>
+            <a:spLocks noGrp="1"/>
+          </p:cNvSpPr>
+          <p:nvPr>
+            <p:ph type="dt" sz="half" idx="10"/>
+          </p:nvPr>
+        </p:nvSpPr>
+        <p:spPr/>
+        <p:txBody>
+          <a:bodyPr/>
+          <a:lstStyle/>
+          <a:p>
+            <a:fld id="{5E48492E-72D1-4785-9351-8AE1E40FBA2D}" type="datetime1">
+              <a:rPr lang="de-CH" smtClean="0">
+                <a:solidFill>
+                  <a:srgbClr val="000000"/>
+                </a:solidFill>
+              </a:rPr>
               <a:t>12.08.2018</a:t>
             </a:fld>
             <a:endParaRPr lang="de-CH">
@@ -9414,7 +9926,7 @@
                 </a:solidFill>
               </a:rPr>
               <a:pPr/>
-              <a:t>6</a:t>
+              <a:t>7</a:t>
             </a:fld>
             <a:endParaRPr lang="de-CH">
               <a:solidFill>
@@ -9666,7 +10178,7 @@
 </p:sld>
 </file>
 
-<file path=ppt/slides/slide7.xml><?xml version="1.0" encoding="utf-8"?>
+<file path=ppt/slides/slide8.xml><?xml version="1.0" encoding="utf-8"?>
 <p:sld xmlns:a="http://schemas.openxmlformats.org/drawingml/2006/main" xmlns:r="http://schemas.openxmlformats.org/officeDocument/2006/relationships" xmlns:p="http://schemas.openxmlformats.org/presentationml/2006/main">
   <p:cSld>
     <p:spTree>
@@ -9827,7 +10339,7 @@
                 </a:solidFill>
               </a:rPr>
               <a:pPr/>
-              <a:t>7</a:t>
+              <a:t>8</a:t>
             </a:fld>
             <a:endParaRPr lang="de-CH">
               <a:solidFill>
@@ -10000,7 +10512,7 @@
 </p:sld>
 </file>
 
-<file path=ppt/slides/slide8.xml><?xml version="1.0" encoding="utf-8"?>
+<file path=ppt/slides/slide9.xml><?xml version="1.0" encoding="utf-8"?>
 <p:sld xmlns:a="http://schemas.openxmlformats.org/drawingml/2006/main" xmlns:r="http://schemas.openxmlformats.org/officeDocument/2006/relationships" xmlns:p="http://schemas.openxmlformats.org/presentationml/2006/main">
   <p:cSld>
     <p:spTree>
@@ -10161,7 +10673,7 @@
                 </a:solidFill>
               </a:rPr>
               <a:pPr/>
-              <a:t>8</a:t>
+              <a:t>9</a:t>
             </a:fld>
             <a:endParaRPr lang="de-CH">
               <a:solidFill>
@@ -10337,359 +10849,6 @@
     <p:extLst>
       <p:ext uri="{BB962C8B-B14F-4D97-AF65-F5344CB8AC3E}">
         <p14:creationId xmlns:p14="http://schemas.microsoft.com/office/powerpoint/2010/main" val="573803273"/>
-      </p:ext>
-    </p:extLst>
-  </p:cSld>
-  <p:clrMapOvr>
-    <a:masterClrMapping/>
-  </p:clrMapOvr>
-  <p:timing>
-    <p:tnLst>
-      <p:par>
-        <p:cTn id="1" dur="indefinite" restart="never" nodeType="tmRoot"/>
-      </p:par>
-    </p:tnLst>
-  </p:timing>
-</p:sld>
-</file>
-
-<file path=ppt/slides/slide9.xml><?xml version="1.0" encoding="utf-8"?>
-<p:sld xmlns:a="http://schemas.openxmlformats.org/drawingml/2006/main" xmlns:r="http://schemas.openxmlformats.org/officeDocument/2006/relationships" xmlns:p="http://schemas.openxmlformats.org/presentationml/2006/main">
-  <p:cSld>
-    <p:spTree>
-      <p:nvGrpSpPr>
-        <p:cNvPr id="1" name=""/>
-        <p:cNvGrpSpPr/>
-        <p:nvPr/>
-      </p:nvGrpSpPr>
-      <p:grpSpPr>
-        <a:xfrm>
-          <a:off x="0" y="0"/>
-          <a:ext cx="0" cy="0"/>
-          <a:chOff x="0" y="0"/>
-          <a:chExt cx="0" cy="0"/>
-        </a:xfrm>
-      </p:grpSpPr>
-      <p:pic>
-        <p:nvPicPr>
-          <p:cNvPr id="14" name="Grafik 13"/>
-          <p:cNvPicPr>
-            <a:picLocks noChangeAspect="1"/>
-          </p:cNvPicPr>
-          <p:nvPr/>
-        </p:nvPicPr>
-        <p:blipFill>
-          <a:blip r:embed="rId2" cstate="print">
-            <a:extLst>
-              <a:ext uri="{28A0092B-C50C-407E-A947-70E740481C1C}">
-                <a14:useLocalDpi xmlns:a14="http://schemas.microsoft.com/office/drawing/2010/main" val="0"/>
-              </a:ext>
-            </a:extLst>
-          </a:blip>
-          <a:stretch>
-            <a:fillRect/>
-          </a:stretch>
-        </p:blipFill>
-        <p:spPr>
-          <a:xfrm>
-            <a:off x="4986660" y="3219375"/>
-            <a:ext cx="3657600" cy="3657600"/>
-          </a:xfrm>
-          <a:prstGeom prst="rect">
-            <a:avLst/>
-          </a:prstGeom>
-        </p:spPr>
-      </p:pic>
-      <p:pic>
-        <p:nvPicPr>
-          <p:cNvPr id="13" name="Grafik 12"/>
-          <p:cNvPicPr>
-            <a:picLocks noChangeAspect="1"/>
-          </p:cNvPicPr>
-          <p:nvPr/>
-        </p:nvPicPr>
-        <p:blipFill>
-          <a:blip r:embed="rId3" cstate="print">
-            <a:extLst>
-              <a:ext uri="{28A0092B-C50C-407E-A947-70E740481C1C}">
-                <a14:useLocalDpi xmlns:a14="http://schemas.microsoft.com/office/drawing/2010/main" val="0"/>
-              </a:ext>
-            </a:extLst>
-          </a:blip>
-          <a:stretch>
-            <a:fillRect/>
-          </a:stretch>
-        </p:blipFill>
-        <p:spPr>
-          <a:xfrm>
-            <a:off x="1401068" y="3219375"/>
-            <a:ext cx="3657600" cy="3657600"/>
-          </a:xfrm>
-          <a:prstGeom prst="rect">
-            <a:avLst/>
-          </a:prstGeom>
-        </p:spPr>
-      </p:pic>
-      <p:sp>
-        <p:nvSpPr>
-          <p:cNvPr id="2" name="Datumsplatzhalter 1"/>
-          <p:cNvSpPr>
-            <a:spLocks noGrp="1"/>
-          </p:cNvSpPr>
-          <p:nvPr>
-            <p:ph type="dt" sz="half" idx="10"/>
-          </p:nvPr>
-        </p:nvSpPr>
-        <p:spPr/>
-        <p:txBody>
-          <a:bodyPr/>
-          <a:lstStyle/>
-          <a:p>
-            <a:fld id="{5E48492E-72D1-4785-9351-8AE1E40FBA2D}" type="datetime1">
-              <a:rPr lang="de-CH" smtClean="0">
-                <a:solidFill>
-                  <a:srgbClr val="000000"/>
-                </a:solidFill>
-              </a:rPr>
-              <a:t>12.08.2018</a:t>
-            </a:fld>
-            <a:endParaRPr lang="de-CH">
-              <a:solidFill>
-                <a:srgbClr val="000000"/>
-              </a:solidFill>
-            </a:endParaRPr>
-          </a:p>
-        </p:txBody>
-      </p:sp>
-      <p:sp>
-        <p:nvSpPr>
-          <p:cNvPr id="3" name="Fußzeilenplatzhalter 2"/>
-          <p:cNvSpPr>
-            <a:spLocks noGrp="1"/>
-          </p:cNvSpPr>
-          <p:nvPr>
-            <p:ph type="ftr" sz="quarter" idx="11"/>
-          </p:nvPr>
-        </p:nvSpPr>
-        <p:spPr/>
-        <p:txBody>
-          <a:bodyPr/>
-          <a:lstStyle/>
-          <a:p>
-            <a:r>
-              <a:rPr lang="de-CH" dirty="0" smtClean="0">
-                <a:solidFill>
-                  <a:srgbClr val="000000"/>
-                </a:solidFill>
-              </a:rPr>
-              <a:t>Institut i4ds</a:t>
-            </a:r>
-            <a:endParaRPr lang="de-CH" dirty="0">
-              <a:solidFill>
-                <a:srgbClr val="000000"/>
-              </a:solidFill>
-            </a:endParaRPr>
-          </a:p>
-        </p:txBody>
-      </p:sp>
-      <p:sp>
-        <p:nvSpPr>
-          <p:cNvPr id="4" name="Foliennummernplatzhalter 3"/>
-          <p:cNvSpPr>
-            <a:spLocks noGrp="1"/>
-          </p:cNvSpPr>
-          <p:nvPr>
-            <p:ph type="sldNum" sz="quarter" idx="12"/>
-          </p:nvPr>
-        </p:nvSpPr>
-        <p:spPr/>
-        <p:txBody>
-          <a:bodyPr/>
-          <a:lstStyle/>
-          <a:p>
-            <a:fld id="{351188DD-6605-4EF4-9E67-B567F731CE68}" type="slidenum">
-              <a:rPr lang="de-CH" smtClean="0">
-                <a:solidFill>
-                  <a:srgbClr val="000000"/>
-                </a:solidFill>
-              </a:rPr>
-              <a:pPr/>
-              <a:t>9</a:t>
-            </a:fld>
-            <a:endParaRPr lang="de-CH">
-              <a:solidFill>
-                <a:srgbClr val="000000"/>
-              </a:solidFill>
-            </a:endParaRPr>
-          </a:p>
-        </p:txBody>
-      </p:sp>
-      <p:sp>
-        <p:nvSpPr>
-          <p:cNvPr id="5" name="Titel 4"/>
-          <p:cNvSpPr>
-            <a:spLocks noGrp="1"/>
-          </p:cNvSpPr>
-          <p:nvPr>
-            <p:ph type="title"/>
-          </p:nvPr>
-        </p:nvSpPr>
-        <p:spPr/>
-        <p:txBody>
-          <a:bodyPr/>
-          <a:lstStyle/>
-          <a:p>
-            <a:r>
-              <a:rPr lang="en-GB" dirty="0" smtClean="0"/>
-              <a:t>CLEAN, Iteration 3</a:t>
-            </a:r>
-            <a:endParaRPr lang="en-GB" dirty="0"/>
-          </a:p>
-        </p:txBody>
-      </p:sp>
-      <p:sp>
-        <p:nvSpPr>
-          <p:cNvPr id="6" name="Textplatzhalter 5"/>
-          <p:cNvSpPr>
-            <a:spLocks noGrp="1"/>
-          </p:cNvSpPr>
-          <p:nvPr>
-            <p:ph type="body" idx="1"/>
-          </p:nvPr>
-        </p:nvSpPr>
-        <p:spPr/>
-        <p:txBody>
-          <a:bodyPr/>
-          <a:lstStyle/>
-          <a:p>
-            <a:endParaRPr lang="en-GB" dirty="0"/>
-          </a:p>
-        </p:txBody>
-      </p:sp>
-      <p:pic>
-        <p:nvPicPr>
-          <p:cNvPr id="7" name="Grafik 6"/>
-          <p:cNvPicPr>
-            <a:picLocks noChangeAspect="1"/>
-          </p:cNvPicPr>
-          <p:nvPr/>
-        </p:nvPicPr>
-        <p:blipFill>
-          <a:blip r:embed="rId4" cstate="print">
-            <a:extLst>
-              <a:ext uri="{28A0092B-C50C-407E-A947-70E740481C1C}">
-                <a14:useLocalDpi xmlns:a14="http://schemas.microsoft.com/office/drawing/2010/main" val="0"/>
-              </a:ext>
-            </a:extLst>
-          </a:blip>
-          <a:stretch>
-            <a:fillRect/>
-          </a:stretch>
-        </p:blipFill>
-        <p:spPr>
-          <a:xfrm>
-            <a:off x="7280692" y="-37093"/>
-            <a:ext cx="3310648" cy="3310648"/>
-          </a:xfrm>
-          <a:prstGeom prst="rect">
-            <a:avLst/>
-          </a:prstGeom>
-        </p:spPr>
-      </p:pic>
-      <p:sp>
-        <p:nvSpPr>
-          <p:cNvPr id="10" name="Textfeld 9"/>
-          <p:cNvSpPr txBox="1"/>
-          <p:nvPr/>
-        </p:nvSpPr>
-        <p:spPr>
-          <a:xfrm>
-            <a:off x="1658510" y="3064089"/>
-            <a:ext cx="1560043" cy="415498"/>
-          </a:xfrm>
-          <a:prstGeom prst="rect">
-            <a:avLst/>
-          </a:prstGeom>
-          <a:noFill/>
-        </p:spPr>
-        <p:txBody>
-          <a:bodyPr wrap="none" rtlCol="0">
-            <a:spAutoFit/>
-          </a:bodyPr>
-          <a:lstStyle/>
-          <a:p>
-            <a:r>
-              <a:rPr lang="en-GB" dirty="0" smtClean="0"/>
-              <a:t>Dirty Image</a:t>
-            </a:r>
-            <a:endParaRPr lang="en-GB" dirty="0"/>
-          </a:p>
-        </p:txBody>
-      </p:sp>
-      <p:sp>
-        <p:nvSpPr>
-          <p:cNvPr id="11" name="Textfeld 10"/>
-          <p:cNvSpPr txBox="1"/>
-          <p:nvPr/>
-        </p:nvSpPr>
-        <p:spPr>
-          <a:xfrm>
-            <a:off x="5138177" y="3064089"/>
-            <a:ext cx="1737976" cy="415498"/>
-          </a:xfrm>
-          <a:prstGeom prst="rect">
-            <a:avLst/>
-          </a:prstGeom>
-          <a:noFill/>
-        </p:spPr>
-        <p:txBody>
-          <a:bodyPr wrap="none" rtlCol="0">
-            <a:spAutoFit/>
-          </a:bodyPr>
-          <a:lstStyle/>
-          <a:p>
-            <a:r>
-              <a:rPr lang="en-GB" dirty="0" smtClean="0"/>
-              <a:t>Model Image</a:t>
-            </a:r>
-            <a:endParaRPr lang="en-GB" dirty="0"/>
-          </a:p>
-        </p:txBody>
-      </p:sp>
-      <p:pic>
-        <p:nvPicPr>
-          <p:cNvPr id="12" name="Grafik 11"/>
-          <p:cNvPicPr>
-            <a:picLocks noChangeAspect="1"/>
-          </p:cNvPicPr>
-          <p:nvPr/>
-        </p:nvPicPr>
-        <p:blipFill>
-          <a:blip r:embed="rId4" cstate="print">
-            <a:extLst>
-              <a:ext uri="{28A0092B-C50C-407E-A947-70E740481C1C}">
-                <a14:useLocalDpi xmlns:a14="http://schemas.microsoft.com/office/drawing/2010/main" val="0"/>
-              </a:ext>
-            </a:extLst>
-          </a:blip>
-          <a:stretch>
-            <a:fillRect/>
-          </a:stretch>
-        </p:blipFill>
-        <p:spPr>
-          <a:xfrm>
-            <a:off x="7433092" y="-35793"/>
-            <a:ext cx="3310648" cy="3310648"/>
-          </a:xfrm>
-          <a:prstGeom prst="rect">
-            <a:avLst/>
-          </a:prstGeom>
-        </p:spPr>
-      </p:pic>
-    </p:spTree>
-    <p:extLst>
-      <p:ext uri="{BB962C8B-B14F-4D97-AF65-F5344CB8AC3E}">
-        <p14:creationId xmlns:p14="http://schemas.microsoft.com/office/powerpoint/2010/main" val="545085356"/>
       </p:ext>
     </p:extLst>
   </p:cSld>
@@ -10956,7 +11115,7 @@
         <a:effectLst/>
         <a:extLst>
           <a:ext uri="{AF507438-7753-43e0-B8FC-AC1667EBCBE1}">
-            <a14:hiddenEffects xmlns:a14="http://schemas.microsoft.com/office/drawing/2010/main" xmlns="">
+            <a14:hiddenEffects xmlns="" xmlns:a14="http://schemas.microsoft.com/office/drawing/2010/main">
               <a:effectLst>
                 <a:outerShdw dist="35921" dir="2700000" algn="ctr" rotWithShape="0">
                   <a:schemeClr val="bg2"/>
@@ -11029,7 +11188,7 @@
         <a:effectLst/>
         <a:extLst>
           <a:ext uri="{AF507438-7753-43e0-B8FC-AC1667EBCBE1}">
-            <a14:hiddenEffects xmlns:a14="http://schemas.microsoft.com/office/drawing/2010/main" xmlns="">
+            <a14:hiddenEffects xmlns="" xmlns:a14="http://schemas.microsoft.com/office/drawing/2010/main">
               <a:effectLst>
                 <a:outerShdw dist="35921" dir="2700000" algn="ctr" rotWithShape="0">
                   <a:schemeClr val="bg2"/>

--- a/ppt/praes.pptx
+++ b/ppt/praes.pptx
@@ -5,10 +5,10 @@
     <p:sldMasterId id="2147483713" r:id="rId1"/>
   </p:sldMasterIdLst>
   <p:notesMasterIdLst>
-    <p:notesMasterId r:id="rId30"/>
+    <p:notesMasterId r:id="rId32"/>
   </p:notesMasterIdLst>
   <p:handoutMasterIdLst>
-    <p:handoutMasterId r:id="rId31"/>
+    <p:handoutMasterId r:id="rId33"/>
   </p:handoutMasterIdLst>
   <p:sldIdLst>
     <p:sldId id="256" r:id="rId2"/>
@@ -25,20 +25,22 @@
     <p:sldId id="287" r:id="rId13"/>
     <p:sldId id="273" r:id="rId14"/>
     <p:sldId id="296" r:id="rId15"/>
-    <p:sldId id="301" r:id="rId16"/>
-    <p:sldId id="298" r:id="rId17"/>
-    <p:sldId id="277" r:id="rId18"/>
-    <p:sldId id="280" r:id="rId19"/>
-    <p:sldId id="270" r:id="rId20"/>
-    <p:sldId id="265" r:id="rId21"/>
-    <p:sldId id="291" r:id="rId22"/>
-    <p:sldId id="299" r:id="rId23"/>
-    <p:sldId id="290" r:id="rId24"/>
-    <p:sldId id="258" r:id="rId25"/>
-    <p:sldId id="266" r:id="rId26"/>
-    <p:sldId id="279" r:id="rId27"/>
-    <p:sldId id="260" r:id="rId28"/>
-    <p:sldId id="269" r:id="rId29"/>
+    <p:sldId id="270" r:id="rId16"/>
+    <p:sldId id="265" r:id="rId17"/>
+    <p:sldId id="291" r:id="rId18"/>
+    <p:sldId id="299" r:id="rId19"/>
+    <p:sldId id="290" r:id="rId20"/>
+    <p:sldId id="258" r:id="rId21"/>
+    <p:sldId id="266" r:id="rId22"/>
+    <p:sldId id="279" r:id="rId23"/>
+    <p:sldId id="260" r:id="rId24"/>
+    <p:sldId id="269" r:id="rId25"/>
+    <p:sldId id="303" r:id="rId26"/>
+    <p:sldId id="304" r:id="rId27"/>
+    <p:sldId id="301" r:id="rId28"/>
+    <p:sldId id="298" r:id="rId29"/>
+    <p:sldId id="277" r:id="rId30"/>
+    <p:sldId id="280" r:id="rId31"/>
   </p:sldIdLst>
   <p:sldSz cx="10693400" cy="7561263"/>
   <p:notesSz cx="6858000" cy="9144000"/>
@@ -194,10 +196,6 @@
         </p14:section>
         <p14:section name="CS CLEAN" id="{394DFBC1-4419-4868-A4A9-27F666B62EA4}">
           <p14:sldIdLst>
-            <p14:sldId id="301"/>
-            <p14:sldId id="298"/>
-            <p14:sldId id="277"/>
-            <p14:sldId id="280"/>
             <p14:sldId id="270"/>
           </p14:sldIdLst>
         </p14:section>
@@ -212,6 +210,12 @@
             <p14:sldId id="279"/>
             <p14:sldId id="260"/>
             <p14:sldId id="269"/>
+            <p14:sldId id="303"/>
+            <p14:sldId id="304"/>
+            <p14:sldId id="301"/>
+            <p14:sldId id="298"/>
+            <p14:sldId id="277"/>
+            <p14:sldId id="280"/>
           </p14:sldIdLst>
         </p14:section>
       </p14:sectionLst>
@@ -287,14 +291,14 @@
           <a:effectLst/>
           <a:extLst>
             <a:ext uri="{909E8E84-426E-40dd-AFC4-6F175D3DCCD1}">
-              <a14:hiddenFill xmlns="" xmlns:a14="http://schemas.microsoft.com/office/drawing/2010/main">
+              <a14:hiddenFill xmlns:a14="http://schemas.microsoft.com/office/drawing/2010/main" xmlns="">
                 <a:solidFill>
                   <a:schemeClr val="accent1"/>
                 </a:solidFill>
               </a14:hiddenFill>
             </a:ext>
             <a:ext uri="{91240B29-F687-4f45-9708-019B960494DF}">
-              <a14:hiddenLine xmlns="" xmlns:a14="http://schemas.microsoft.com/office/drawing/2010/main" w="9525">
+              <a14:hiddenLine xmlns:a14="http://schemas.microsoft.com/office/drawing/2010/main" xmlns="" w="9525">
                 <a:solidFill>
                   <a:schemeClr val="tx1"/>
                 </a:solidFill>
@@ -304,7 +308,7 @@
               </a14:hiddenLine>
             </a:ext>
             <a:ext uri="{AF507438-7753-43e0-B8FC-AC1667EBCBE1}">
-              <a14:hiddenEffects xmlns="" xmlns:a14="http://schemas.microsoft.com/office/drawing/2010/main">
+              <a14:hiddenEffects xmlns:a14="http://schemas.microsoft.com/office/drawing/2010/main" xmlns="">
                 <a:effectLst>
                   <a:outerShdw dist="35921" dir="2700000" algn="ctr" rotWithShape="0">
                     <a:schemeClr val="bg2"/>
@@ -355,14 +359,14 @@
           <a:effectLst/>
           <a:extLst>
             <a:ext uri="{909E8E84-426E-40dd-AFC4-6F175D3DCCD1}">
-              <a14:hiddenFill xmlns="" xmlns:a14="http://schemas.microsoft.com/office/drawing/2010/main">
+              <a14:hiddenFill xmlns:a14="http://schemas.microsoft.com/office/drawing/2010/main" xmlns="">
                 <a:solidFill>
                   <a:schemeClr val="accent1"/>
                 </a:solidFill>
               </a14:hiddenFill>
             </a:ext>
             <a:ext uri="{91240B29-F687-4f45-9708-019B960494DF}">
-              <a14:hiddenLine xmlns="" xmlns:a14="http://schemas.microsoft.com/office/drawing/2010/main" w="9525">
+              <a14:hiddenLine xmlns:a14="http://schemas.microsoft.com/office/drawing/2010/main" xmlns="" w="9525">
                 <a:solidFill>
                   <a:schemeClr val="tx1"/>
                 </a:solidFill>
@@ -372,7 +376,7 @@
               </a14:hiddenLine>
             </a:ext>
             <a:ext uri="{AF507438-7753-43e0-B8FC-AC1667EBCBE1}">
-              <a14:hiddenEffects xmlns="" xmlns:a14="http://schemas.microsoft.com/office/drawing/2010/main">
+              <a14:hiddenEffects xmlns:a14="http://schemas.microsoft.com/office/drawing/2010/main" xmlns="">
                 <a:effectLst>
                   <a:outerShdw dist="35921" dir="2700000" algn="ctr" rotWithShape="0">
                     <a:schemeClr val="bg2"/>
@@ -423,14 +427,14 @@
           <a:effectLst/>
           <a:extLst>
             <a:ext uri="{909E8E84-426E-40dd-AFC4-6F175D3DCCD1}">
-              <a14:hiddenFill xmlns="" xmlns:a14="http://schemas.microsoft.com/office/drawing/2010/main">
+              <a14:hiddenFill xmlns:a14="http://schemas.microsoft.com/office/drawing/2010/main" xmlns="">
                 <a:solidFill>
                   <a:schemeClr val="accent1"/>
                 </a:solidFill>
               </a14:hiddenFill>
             </a:ext>
             <a:ext uri="{91240B29-F687-4f45-9708-019B960494DF}">
-              <a14:hiddenLine xmlns="" xmlns:a14="http://schemas.microsoft.com/office/drawing/2010/main" w="9525">
+              <a14:hiddenLine xmlns:a14="http://schemas.microsoft.com/office/drawing/2010/main" xmlns="" w="9525">
                 <a:solidFill>
                   <a:schemeClr val="tx1"/>
                 </a:solidFill>
@@ -440,7 +444,7 @@
               </a14:hiddenLine>
             </a:ext>
             <a:ext uri="{AF507438-7753-43e0-B8FC-AC1667EBCBE1}">
-              <a14:hiddenEffects xmlns="" xmlns:a14="http://schemas.microsoft.com/office/drawing/2010/main">
+              <a14:hiddenEffects xmlns:a14="http://schemas.microsoft.com/office/drawing/2010/main" xmlns="">
                 <a:effectLst>
                   <a:outerShdw dist="35921" dir="2700000" algn="ctr" rotWithShape="0">
                     <a:schemeClr val="bg2"/>
@@ -491,14 +495,14 @@
           <a:effectLst/>
           <a:extLst>
             <a:ext uri="{909E8E84-426E-40dd-AFC4-6F175D3DCCD1}">
-              <a14:hiddenFill xmlns="" xmlns:a14="http://schemas.microsoft.com/office/drawing/2010/main">
+              <a14:hiddenFill xmlns:a14="http://schemas.microsoft.com/office/drawing/2010/main" xmlns="">
                 <a:solidFill>
                   <a:schemeClr val="accent1"/>
                 </a:solidFill>
               </a14:hiddenFill>
             </a:ext>
             <a:ext uri="{91240B29-F687-4f45-9708-019B960494DF}">
-              <a14:hiddenLine xmlns="" xmlns:a14="http://schemas.microsoft.com/office/drawing/2010/main" w="9525">
+              <a14:hiddenLine xmlns:a14="http://schemas.microsoft.com/office/drawing/2010/main" xmlns="" w="9525">
                 <a:solidFill>
                   <a:schemeClr val="tx1"/>
                 </a:solidFill>
@@ -508,7 +512,7 @@
               </a14:hiddenLine>
             </a:ext>
             <a:ext uri="{AF507438-7753-43e0-B8FC-AC1667EBCBE1}">
-              <a14:hiddenEffects xmlns="" xmlns:a14="http://schemas.microsoft.com/office/drawing/2010/main">
+              <a14:hiddenEffects xmlns:a14="http://schemas.microsoft.com/office/drawing/2010/main" xmlns="">
                 <a:effectLst>
                   <a:outerShdw dist="35921" dir="2700000" algn="ctr" rotWithShape="0">
                     <a:schemeClr val="bg2"/>
@@ -600,14 +604,14 @@
           <a:effectLst/>
           <a:extLst>
             <a:ext uri="{909E8E84-426E-40dd-AFC4-6F175D3DCCD1}">
-              <a14:hiddenFill xmlns="" xmlns:a14="http://schemas.microsoft.com/office/drawing/2010/main">
+              <a14:hiddenFill xmlns:a14="http://schemas.microsoft.com/office/drawing/2010/main" xmlns="">
                 <a:solidFill>
                   <a:schemeClr val="accent1"/>
                 </a:solidFill>
               </a14:hiddenFill>
             </a:ext>
             <a:ext uri="{91240B29-F687-4f45-9708-019B960494DF}">
-              <a14:hiddenLine xmlns="" xmlns:a14="http://schemas.microsoft.com/office/drawing/2010/main" w="9525">
+              <a14:hiddenLine xmlns:a14="http://schemas.microsoft.com/office/drawing/2010/main" xmlns="" w="9525">
                 <a:solidFill>
                   <a:schemeClr val="tx1"/>
                 </a:solidFill>
@@ -617,7 +621,7 @@
               </a14:hiddenLine>
             </a:ext>
             <a:ext uri="{AF507438-7753-43e0-B8FC-AC1667EBCBE1}">
-              <a14:hiddenEffects xmlns="" xmlns:a14="http://schemas.microsoft.com/office/drawing/2010/main">
+              <a14:hiddenEffects xmlns:a14="http://schemas.microsoft.com/office/drawing/2010/main" xmlns="">
                 <a:effectLst>
                   <a:outerShdw dist="35921" dir="2700000" algn="ctr" rotWithShape="0">
                     <a:schemeClr val="bg2"/>
@@ -668,14 +672,14 @@
           <a:effectLst/>
           <a:extLst>
             <a:ext uri="{909E8E84-426E-40dd-AFC4-6F175D3DCCD1}">
-              <a14:hiddenFill xmlns="" xmlns:a14="http://schemas.microsoft.com/office/drawing/2010/main">
+              <a14:hiddenFill xmlns:a14="http://schemas.microsoft.com/office/drawing/2010/main" xmlns="">
                 <a:solidFill>
                   <a:schemeClr val="accent1"/>
                 </a:solidFill>
               </a14:hiddenFill>
             </a:ext>
             <a:ext uri="{91240B29-F687-4f45-9708-019B960494DF}">
-              <a14:hiddenLine xmlns="" xmlns:a14="http://schemas.microsoft.com/office/drawing/2010/main" w="9525">
+              <a14:hiddenLine xmlns:a14="http://schemas.microsoft.com/office/drawing/2010/main" xmlns="" w="9525">
                 <a:solidFill>
                   <a:schemeClr val="tx1"/>
                 </a:solidFill>
@@ -685,7 +689,7 @@
               </a14:hiddenLine>
             </a:ext>
             <a:ext uri="{AF507438-7753-43e0-B8FC-AC1667EBCBE1}">
-              <a14:hiddenEffects xmlns="" xmlns:a14="http://schemas.microsoft.com/office/drawing/2010/main">
+              <a14:hiddenEffects xmlns:a14="http://schemas.microsoft.com/office/drawing/2010/main" xmlns="">
                 <a:effectLst>
                   <a:outerShdw dist="35921" dir="2700000" algn="ctr" rotWithShape="0">
                     <a:schemeClr val="bg2"/>
@@ -741,7 +745,7 @@
           <a:effectLst/>
           <a:extLst>
             <a:ext uri="{AF507438-7753-43e0-B8FC-AC1667EBCBE1}">
-              <a14:hiddenEffects xmlns="" xmlns:a14="http://schemas.microsoft.com/office/drawing/2010/main">
+              <a14:hiddenEffects xmlns:a14="http://schemas.microsoft.com/office/drawing/2010/main" xmlns="">
                 <a:effectLst>
                   <a:outerShdw dist="35921" dir="2700000" algn="ctr" rotWithShape="0">
                     <a:srgbClr val="808080"/>
@@ -750,7 +754,7 @@
               </a14:hiddenEffects>
             </a:ext>
             <a:ext uri="{53640926-AAD7-44d8-BBD7-CCE9431645EC}">
-              <a14:shadowObscured xmlns="" xmlns:a14="http://schemas.microsoft.com/office/drawing/2010/main" val="1"/>
+              <a14:shadowObscured xmlns:a14="http://schemas.microsoft.com/office/drawing/2010/main" xmlns="" val="1"/>
             </a:ext>
           </a:extLst>
         </p:spPr>
@@ -780,14 +784,14 @@
           <a:effectLst/>
           <a:extLst>
             <a:ext uri="{909E8E84-426E-40dd-AFC4-6F175D3DCCD1}">
-              <a14:hiddenFill xmlns="" xmlns:a14="http://schemas.microsoft.com/office/drawing/2010/main">
+              <a14:hiddenFill xmlns:a14="http://schemas.microsoft.com/office/drawing/2010/main" xmlns="">
                 <a:solidFill>
                   <a:schemeClr val="accent1"/>
                 </a:solidFill>
               </a14:hiddenFill>
             </a:ext>
             <a:ext uri="{91240B29-F687-4f45-9708-019B960494DF}">
-              <a14:hiddenLine xmlns="" xmlns:a14="http://schemas.microsoft.com/office/drawing/2010/main" w="9525">
+              <a14:hiddenLine xmlns:a14="http://schemas.microsoft.com/office/drawing/2010/main" xmlns="" w="9525">
                 <a:solidFill>
                   <a:schemeClr val="tx1"/>
                 </a:solidFill>
@@ -797,7 +801,7 @@
               </a14:hiddenLine>
             </a:ext>
             <a:ext uri="{AF507438-7753-43e0-B8FC-AC1667EBCBE1}">
-              <a14:hiddenEffects xmlns="" xmlns:a14="http://schemas.microsoft.com/office/drawing/2010/main">
+              <a14:hiddenEffects xmlns:a14="http://schemas.microsoft.com/office/drawing/2010/main" xmlns="">
                 <a:effectLst>
                   <a:outerShdw dist="35921" dir="2700000" algn="ctr" rotWithShape="0">
                     <a:schemeClr val="bg2"/>
@@ -876,14 +880,14 @@
           <a:effectLst/>
           <a:extLst>
             <a:ext uri="{909E8E84-426E-40dd-AFC4-6F175D3DCCD1}">
-              <a14:hiddenFill xmlns="" xmlns:a14="http://schemas.microsoft.com/office/drawing/2010/main">
+              <a14:hiddenFill xmlns:a14="http://schemas.microsoft.com/office/drawing/2010/main" xmlns="">
                 <a:solidFill>
                   <a:schemeClr val="accent1"/>
                 </a:solidFill>
               </a14:hiddenFill>
             </a:ext>
             <a:ext uri="{91240B29-F687-4f45-9708-019B960494DF}">
-              <a14:hiddenLine xmlns="" xmlns:a14="http://schemas.microsoft.com/office/drawing/2010/main" w="9525">
+              <a14:hiddenLine xmlns:a14="http://schemas.microsoft.com/office/drawing/2010/main" xmlns="" w="9525">
                 <a:solidFill>
                   <a:schemeClr val="tx1"/>
                 </a:solidFill>
@@ -893,7 +897,7 @@
               </a14:hiddenLine>
             </a:ext>
             <a:ext uri="{AF507438-7753-43e0-B8FC-AC1667EBCBE1}">
-              <a14:hiddenEffects xmlns="" xmlns:a14="http://schemas.microsoft.com/office/drawing/2010/main">
+              <a14:hiddenEffects xmlns:a14="http://schemas.microsoft.com/office/drawing/2010/main" xmlns="">
                 <a:effectLst>
                   <a:outerShdw dist="35921" dir="2700000" algn="ctr" rotWithShape="0">
                     <a:schemeClr val="bg2"/>
@@ -944,14 +948,14 @@
           <a:effectLst/>
           <a:extLst>
             <a:ext uri="{909E8E84-426E-40dd-AFC4-6F175D3DCCD1}">
-              <a14:hiddenFill xmlns="" xmlns:a14="http://schemas.microsoft.com/office/drawing/2010/main">
+              <a14:hiddenFill xmlns:a14="http://schemas.microsoft.com/office/drawing/2010/main" xmlns="">
                 <a:solidFill>
                   <a:schemeClr val="accent1"/>
                 </a:solidFill>
               </a14:hiddenFill>
             </a:ext>
             <a:ext uri="{91240B29-F687-4f45-9708-019B960494DF}">
-              <a14:hiddenLine xmlns="" xmlns:a14="http://schemas.microsoft.com/office/drawing/2010/main" w="9525">
+              <a14:hiddenLine xmlns:a14="http://schemas.microsoft.com/office/drawing/2010/main" xmlns="" w="9525">
                 <a:solidFill>
                   <a:schemeClr val="tx1"/>
                 </a:solidFill>
@@ -961,7 +965,7 @@
               </a14:hiddenLine>
             </a:ext>
             <a:ext uri="{AF507438-7753-43e0-B8FC-AC1667EBCBE1}">
-              <a14:hiddenEffects xmlns="" xmlns:a14="http://schemas.microsoft.com/office/drawing/2010/main">
+              <a14:hiddenEffects xmlns:a14="http://schemas.microsoft.com/office/drawing/2010/main" xmlns="">
                 <a:effectLst>
                   <a:outerShdw dist="35921" dir="2700000" algn="ctr" rotWithShape="0">
                     <a:schemeClr val="bg2"/>
@@ -1543,22 +1547,13 @@
           <a:p>
             <a:r>
               <a:rPr lang="en-GB" dirty="0" smtClean="0"/>
-              <a:t>Camera</a:t>
+              <a:t>Low</a:t>
             </a:r>
             <a:r>
               <a:rPr lang="en-GB" baseline="0" dirty="0" smtClean="0"/>
-              <a:t> Pixels</a:t>
-            </a:r>
-          </a:p>
-          <a:p>
-            <a:endParaRPr lang="en-GB" baseline="0" dirty="0" smtClean="0"/>
-          </a:p>
-          <a:p>
-            <a:r>
-              <a:rPr lang="en-GB" baseline="0" dirty="0" smtClean="0"/>
-              <a:t>Many samples, most contain no information</a:t>
-            </a:r>
-            <a:endParaRPr lang="en-GB" dirty="0" smtClean="0"/>
+              <a:t> resolution</a:t>
+            </a:r>
+            <a:endParaRPr lang="en-GB" dirty="0"/>
           </a:p>
         </p:txBody>
       </p:sp>
@@ -1580,7 +1575,7 @@
             <a:fld id="{058061DB-DF71-4765-99A4-14E22DF63CCF}" type="slidenum">
               <a:rPr lang="de-CH" smtClean="0"/>
               <a:pPr/>
-              <a:t>17</a:t>
+              <a:t>18</a:t>
             </a:fld>
             <a:endParaRPr lang="de-CH"/>
           </a:p>
@@ -1589,7 +1584,7 @@
     </p:spTree>
     <p:extLst>
       <p:ext uri="{BB962C8B-B14F-4D97-AF65-F5344CB8AC3E}">
-        <p14:creationId xmlns:p14="http://schemas.microsoft.com/office/powerpoint/2010/main" val="3966562033"/>
+        <p14:creationId xmlns:p14="http://schemas.microsoft.com/office/powerpoint/2010/main" val="3283216103"/>
       </p:ext>
     </p:extLst>
   </p:cSld>
@@ -1645,13 +1640,22 @@
           <a:p>
             <a:r>
               <a:rPr lang="en-GB" dirty="0" smtClean="0"/>
-              <a:t>Low</a:t>
+              <a:t>Camera</a:t>
             </a:r>
             <a:r>
               <a:rPr lang="en-GB" baseline="0" dirty="0" smtClean="0"/>
-              <a:t> resolution</a:t>
-            </a:r>
-            <a:endParaRPr lang="en-GB" dirty="0"/>
+              <a:t> Pixels</a:t>
+            </a:r>
+          </a:p>
+          <a:p>
+            <a:endParaRPr lang="en-GB" baseline="0" dirty="0" smtClean="0"/>
+          </a:p>
+          <a:p>
+            <a:r>
+              <a:rPr lang="en-GB" baseline="0" dirty="0" smtClean="0"/>
+              <a:t>Many samples, most contain no information</a:t>
+            </a:r>
+            <a:endParaRPr lang="en-GB" dirty="0" smtClean="0"/>
           </a:p>
         </p:txBody>
       </p:sp>
@@ -1673,7 +1677,7 @@
             <a:fld id="{058061DB-DF71-4765-99A4-14E22DF63CCF}" type="slidenum">
               <a:rPr lang="de-CH" smtClean="0"/>
               <a:pPr/>
-              <a:t>22</a:t>
+              <a:t>29</a:t>
             </a:fld>
             <a:endParaRPr lang="de-CH"/>
           </a:p>
@@ -1682,7 +1686,7 @@
     </p:spTree>
     <p:extLst>
       <p:ext uri="{BB962C8B-B14F-4D97-AF65-F5344CB8AC3E}">
-        <p14:creationId xmlns:p14="http://schemas.microsoft.com/office/powerpoint/2010/main" val="3283216103"/>
+        <p14:creationId xmlns:p14="http://schemas.microsoft.com/office/powerpoint/2010/main" val="3966562033"/>
       </p:ext>
     </p:extLst>
   </p:cSld>
@@ -1731,14 +1735,14 @@
           <a:ln/>
           <a:extLst>
             <a:ext uri="{909E8E84-426E-40dd-AFC4-6F175D3DCCD1}">
-              <a14:hiddenFill xmlns="" xmlns:a14="http://schemas.microsoft.com/office/drawing/2010/main">
+              <a14:hiddenFill xmlns:a14="http://schemas.microsoft.com/office/drawing/2010/main" xmlns="">
                 <a:solidFill>
                   <a:srgbClr val="FFFFFF"/>
                 </a:solidFill>
               </a14:hiddenFill>
             </a:ext>
             <a:ext uri="{91240B29-F687-4f45-9708-019B960494DF}">
-              <a14:hiddenLine xmlns="" xmlns:a14="http://schemas.microsoft.com/office/drawing/2010/main" w="9525">
+              <a14:hiddenLine xmlns:a14="http://schemas.microsoft.com/office/drawing/2010/main" xmlns="" w="9525">
                 <a:solidFill>
                   <a:srgbClr val="000000"/>
                 </a:solidFill>
@@ -2015,7 +2019,7 @@
                   <a:srgbClr val="000000"/>
                 </a:solidFill>
               </a:rPr>
-              <a:t>12.08.2018</a:t>
+              <a:t>14.08.2018</a:t>
             </a:fld>
             <a:endParaRPr lang="de-CH">
               <a:solidFill>
@@ -2225,7 +2229,7 @@
                   <a:srgbClr val="000000"/>
                 </a:solidFill>
               </a:rPr>
-              <a:t>12.08.2018</a:t>
+              <a:t>14.08.2018</a:t>
             </a:fld>
             <a:endParaRPr lang="de-CH">
               <a:solidFill>
@@ -2433,7 +2437,7 @@
                   <a:srgbClr val="000000"/>
                 </a:solidFill>
               </a:rPr>
-              <a:t>12.08.2018</a:t>
+              <a:t>14.08.2018</a:t>
             </a:fld>
             <a:endParaRPr lang="de-CH">
               <a:solidFill>
@@ -2641,7 +2645,7 @@
                   <a:srgbClr val="000000"/>
                 </a:solidFill>
               </a:rPr>
-              <a:t>12.08.2018</a:t>
+              <a:t>14.08.2018</a:t>
             </a:fld>
             <a:endParaRPr lang="de-CH">
               <a:solidFill>
@@ -2888,14 +2892,14 @@
           <a:effectLst/>
           <a:extLst>
             <a:ext uri="{909E8E84-426E-40dd-AFC4-6F175D3DCCD1}">
-              <a14:hiddenFill xmlns="" xmlns:a14="http://schemas.microsoft.com/office/drawing/2010/main">
+              <a14:hiddenFill xmlns:a14="http://schemas.microsoft.com/office/drawing/2010/main" xmlns="">
                 <a:solidFill>
                   <a:schemeClr val="accent1"/>
                 </a:solidFill>
               </a14:hiddenFill>
             </a:ext>
             <a:ext uri="{91240B29-F687-4f45-9708-019B960494DF}">
-              <a14:hiddenLine xmlns="" xmlns:a14="http://schemas.microsoft.com/office/drawing/2010/main" w="9525">
+              <a14:hiddenLine xmlns:a14="http://schemas.microsoft.com/office/drawing/2010/main" xmlns="" w="9525">
                 <a:solidFill>
                   <a:schemeClr val="tx1"/>
                 </a:solidFill>
@@ -2905,7 +2909,7 @@
               </a14:hiddenLine>
             </a:ext>
             <a:ext uri="{AF507438-7753-43e0-B8FC-AC1667EBCBE1}">
-              <a14:hiddenEffects xmlns="" xmlns:a14="http://schemas.microsoft.com/office/drawing/2010/main">
+              <a14:hiddenEffects xmlns:a14="http://schemas.microsoft.com/office/drawing/2010/main" xmlns="">
                 <a:effectLst>
                   <a:outerShdw dist="35921" dir="2700000" algn="ctr" rotWithShape="0">
                     <a:schemeClr val="bg2"/>
@@ -2956,14 +2960,14 @@
           <a:effectLst/>
           <a:extLst>
             <a:ext uri="{909E8E84-426E-40dd-AFC4-6F175D3DCCD1}">
-              <a14:hiddenFill xmlns="" xmlns:a14="http://schemas.microsoft.com/office/drawing/2010/main">
+              <a14:hiddenFill xmlns:a14="http://schemas.microsoft.com/office/drawing/2010/main" xmlns="">
                 <a:solidFill>
                   <a:schemeClr val="accent1"/>
                 </a:solidFill>
               </a14:hiddenFill>
             </a:ext>
             <a:ext uri="{91240B29-F687-4f45-9708-019B960494DF}">
-              <a14:hiddenLine xmlns="" xmlns:a14="http://schemas.microsoft.com/office/drawing/2010/main" w="9525">
+              <a14:hiddenLine xmlns:a14="http://schemas.microsoft.com/office/drawing/2010/main" xmlns="" w="9525">
                 <a:solidFill>
                   <a:schemeClr val="tx1"/>
                 </a:solidFill>
@@ -2973,7 +2977,7 @@
               </a14:hiddenLine>
             </a:ext>
             <a:ext uri="{AF507438-7753-43e0-B8FC-AC1667EBCBE1}">
-              <a14:hiddenEffects xmlns="" xmlns:a14="http://schemas.microsoft.com/office/drawing/2010/main">
+              <a14:hiddenEffects xmlns:a14="http://schemas.microsoft.com/office/drawing/2010/main" xmlns="">
                 <a:effectLst>
                   <a:outerShdw dist="35921" dir="2700000" algn="ctr" rotWithShape="0">
                     <a:schemeClr val="bg2"/>
@@ -3052,14 +3056,14 @@
           <a:effectLst/>
           <a:extLst>
             <a:ext uri="{909E8E84-426E-40dd-AFC4-6F175D3DCCD1}">
-              <a14:hiddenFill xmlns="" xmlns:a14="http://schemas.microsoft.com/office/drawing/2010/main">
+              <a14:hiddenFill xmlns:a14="http://schemas.microsoft.com/office/drawing/2010/main" xmlns="">
                 <a:solidFill>
                   <a:schemeClr val="accent1"/>
                 </a:solidFill>
               </a14:hiddenFill>
             </a:ext>
             <a:ext uri="{91240B29-F687-4f45-9708-019B960494DF}">
-              <a14:hiddenLine xmlns="" xmlns:a14="http://schemas.microsoft.com/office/drawing/2010/main" w="9525">
+              <a14:hiddenLine xmlns:a14="http://schemas.microsoft.com/office/drawing/2010/main" xmlns="" w="9525">
                 <a:solidFill>
                   <a:schemeClr val="tx1"/>
                 </a:solidFill>
@@ -3069,7 +3073,7 @@
               </a14:hiddenLine>
             </a:ext>
             <a:ext uri="{AF507438-7753-43e0-B8FC-AC1667EBCBE1}">
-              <a14:hiddenEffects xmlns="" xmlns:a14="http://schemas.microsoft.com/office/drawing/2010/main">
+              <a14:hiddenEffects xmlns:a14="http://schemas.microsoft.com/office/drawing/2010/main" xmlns="">
                 <a:effectLst>
                   <a:outerShdw dist="35921" dir="2700000" algn="ctr" rotWithShape="0">
                     <a:schemeClr val="bg2"/>
@@ -3097,7 +3101,7 @@
                   <a:srgbClr val="000000"/>
                 </a:solidFill>
               </a:rPr>
-              <a:t>12.08.2018</a:t>
+              <a:t>14.08.2018</a:t>
             </a:fld>
             <a:endParaRPr lang="de-CH">
               <a:solidFill>
@@ -3132,14 +3136,14 @@
           <a:effectLst/>
           <a:extLst>
             <a:ext uri="{909E8E84-426E-40dd-AFC4-6F175D3DCCD1}">
-              <a14:hiddenFill xmlns="" xmlns:a14="http://schemas.microsoft.com/office/drawing/2010/main">
+              <a14:hiddenFill xmlns:a14="http://schemas.microsoft.com/office/drawing/2010/main" xmlns="">
                 <a:solidFill>
                   <a:schemeClr val="accent1"/>
                 </a:solidFill>
               </a14:hiddenFill>
             </a:ext>
             <a:ext uri="{91240B29-F687-4f45-9708-019B960494DF}">
-              <a14:hiddenLine xmlns="" xmlns:a14="http://schemas.microsoft.com/office/drawing/2010/main" w="9525">
+              <a14:hiddenLine xmlns:a14="http://schemas.microsoft.com/office/drawing/2010/main" xmlns="" w="9525">
                 <a:solidFill>
                   <a:schemeClr val="tx1"/>
                 </a:solidFill>
@@ -3149,7 +3153,7 @@
               </a14:hiddenLine>
             </a:ext>
             <a:ext uri="{AF507438-7753-43e0-B8FC-AC1667EBCBE1}">
-              <a14:hiddenEffects xmlns="" xmlns:a14="http://schemas.microsoft.com/office/drawing/2010/main">
+              <a14:hiddenEffects xmlns:a14="http://schemas.microsoft.com/office/drawing/2010/main" xmlns="">
                 <a:effectLst>
                   <a:outerShdw dist="35921" dir="2700000" algn="ctr" rotWithShape="0">
                     <a:schemeClr val="bg2"/>
@@ -3212,14 +3216,14 @@
           <a:effectLst/>
           <a:extLst>
             <a:ext uri="{909E8E84-426E-40dd-AFC4-6F175D3DCCD1}">
-              <a14:hiddenFill xmlns="" xmlns:a14="http://schemas.microsoft.com/office/drawing/2010/main">
+              <a14:hiddenFill xmlns:a14="http://schemas.microsoft.com/office/drawing/2010/main" xmlns="">
                 <a:solidFill>
                   <a:schemeClr val="accent1"/>
                 </a:solidFill>
               </a14:hiddenFill>
             </a:ext>
             <a:ext uri="{91240B29-F687-4f45-9708-019B960494DF}">
-              <a14:hiddenLine xmlns="" xmlns:a14="http://schemas.microsoft.com/office/drawing/2010/main" w="9525">
+              <a14:hiddenLine xmlns:a14="http://schemas.microsoft.com/office/drawing/2010/main" xmlns="" w="9525">
                 <a:solidFill>
                   <a:schemeClr val="tx1"/>
                 </a:solidFill>
@@ -3229,7 +3233,7 @@
               </a14:hiddenLine>
             </a:ext>
             <a:ext uri="{AF507438-7753-43e0-B8FC-AC1667EBCBE1}">
-              <a14:hiddenEffects xmlns="" xmlns:a14="http://schemas.microsoft.com/office/drawing/2010/main">
+              <a14:hiddenEffects xmlns:a14="http://schemas.microsoft.com/office/drawing/2010/main" xmlns="">
                 <a:effectLst>
                   <a:outerShdw dist="35921" dir="2700000" algn="ctr" rotWithShape="0">
                     <a:schemeClr val="bg2"/>
@@ -3296,12 +3300,12 @@
           <a:effectLst/>
           <a:extLst>
             <a:ext uri="{909E8E84-426E-40dd-AFC4-6F175D3DCCD1}">
-              <a14:hiddenFill xmlns="" xmlns:a14="http://schemas.microsoft.com/office/drawing/2010/main">
+              <a14:hiddenFill xmlns:a14="http://schemas.microsoft.com/office/drawing/2010/main" xmlns="">
                 <a:noFill/>
               </a14:hiddenFill>
             </a:ext>
             <a:ext uri="{AF507438-7753-43e0-B8FC-AC1667EBCBE1}">
-              <a14:hiddenEffects xmlns="" xmlns:a14="http://schemas.microsoft.com/office/drawing/2010/main">
+              <a14:hiddenEffects xmlns:a14="http://schemas.microsoft.com/office/drawing/2010/main" xmlns="">
                 <a:effectLst>
                   <a:outerShdw dist="35921" dir="2700000" algn="ctr" rotWithShape="0">
                     <a:schemeClr val="bg2"/>
@@ -3862,6 +3866,36 @@
           </a:p>
         </p:txBody>
       </p:sp>
+      <p:pic>
+        <p:nvPicPr>
+          <p:cNvPr id="2" name="Grafik 1"/>
+          <p:cNvPicPr>
+            <a:picLocks noChangeAspect="1"/>
+          </p:cNvPicPr>
+          <p:nvPr/>
+        </p:nvPicPr>
+        <p:blipFill>
+          <a:blip r:embed="rId2" cstate="print">
+            <a:extLst>
+              <a:ext uri="{28A0092B-C50C-407E-A947-70E740481C1C}">
+                <a14:useLocalDpi xmlns:a14="http://schemas.microsoft.com/office/drawing/2010/main" val="0"/>
+              </a:ext>
+            </a:extLst>
+          </a:blip>
+          <a:stretch>
+            <a:fillRect/>
+          </a:stretch>
+        </p:blipFill>
+        <p:spPr>
+          <a:xfrm>
+            <a:off x="729011" y="2556495"/>
+            <a:ext cx="8946805" cy="4473403"/>
+          </a:xfrm>
+          <a:prstGeom prst="rect">
+            <a:avLst/>
+          </a:prstGeom>
+        </p:spPr>
+      </p:pic>
     </p:spTree>
     <p:extLst>
       <p:ext uri="{BB962C8B-B14F-4D97-AF65-F5344CB8AC3E}">
@@ -3980,7 +4014,7 @@
                   <a:srgbClr val="000000"/>
                 </a:solidFill>
               </a:rPr>
-              <a:t>12.08.2018</a:t>
+              <a:t>14.08.2018</a:t>
             </a:fld>
             <a:endParaRPr lang="de-CH">
               <a:solidFill>
@@ -4333,7 +4367,7 @@
                   <a:srgbClr val="000000"/>
                 </a:solidFill>
               </a:rPr>
-              <a:t>12.08.2018</a:t>
+              <a:t>14.08.2018</a:t>
             </a:fld>
             <a:endParaRPr lang="de-CH">
               <a:solidFill>
@@ -4686,7 +4720,7 @@
                   <a:srgbClr val="000000"/>
                 </a:solidFill>
               </a:rPr>
-              <a:t>12.08.2018</a:t>
+              <a:t>14.08.2018</a:t>
             </a:fld>
             <a:endParaRPr lang="de-CH">
               <a:solidFill>
@@ -4960,7 +4994,7 @@
                   <a:srgbClr val="000000"/>
                 </a:solidFill>
               </a:rPr>
-              <a:t>12.08.2018</a:t>
+              <a:t>14.08.2018</a:t>
             </a:fld>
             <a:endParaRPr lang="de-CH">
               <a:solidFill>
@@ -5193,7 +5227,7 @@
                   <a:srgbClr val="000000"/>
                 </a:solidFill>
               </a:rPr>
-              <a:t>13.08.2018</a:t>
+              <a:t>14.08.2018</a:t>
             </a:fld>
             <a:endParaRPr lang="de-CH">
               <a:solidFill>
@@ -5404,7 +5438,7 @@
                   <a:srgbClr val="000000"/>
                 </a:solidFill>
               </a:rPr>
-              <a:t>13.08.2018</a:t>
+              <a:t>14.08.2018</a:t>
             </a:fld>
             <a:endParaRPr lang="de-CH">
               <a:solidFill>
@@ -5430,364 +5464,6 @@
           <a:lstStyle/>
           <a:p>
             <a:r>
-              <a:rPr lang="de-CH" smtClean="0">
-                <a:solidFill>
-                  <a:srgbClr val="000000"/>
-                </a:solidFill>
-              </a:rPr>
-              <a:t>Institut</a:t>
-            </a:r>
-            <a:endParaRPr lang="de-CH">
-              <a:solidFill>
-                <a:srgbClr val="000000"/>
-              </a:solidFill>
-            </a:endParaRPr>
-          </a:p>
-        </p:txBody>
-      </p:sp>
-      <p:sp>
-        <p:nvSpPr>
-          <p:cNvPr id="4" name="Foliennummernplatzhalter 3"/>
-          <p:cNvSpPr>
-            <a:spLocks noGrp="1"/>
-          </p:cNvSpPr>
-          <p:nvPr>
-            <p:ph type="sldNum" sz="quarter" idx="12"/>
-          </p:nvPr>
-        </p:nvSpPr>
-        <p:spPr/>
-        <p:txBody>
-          <a:bodyPr/>
-          <a:lstStyle/>
-          <a:p>
-            <a:fld id="{351188DD-6605-4EF4-9E67-B567F731CE68}" type="slidenum">
-              <a:rPr lang="de-CH" smtClean="0">
-                <a:solidFill>
-                  <a:srgbClr val="000000"/>
-                </a:solidFill>
-              </a:rPr>
-              <a:pPr/>
-              <a:t>15</a:t>
-            </a:fld>
-            <a:endParaRPr lang="de-CH">
-              <a:solidFill>
-                <a:srgbClr val="000000"/>
-              </a:solidFill>
-            </a:endParaRPr>
-          </a:p>
-        </p:txBody>
-      </p:sp>
-      <p:sp>
-        <p:nvSpPr>
-          <p:cNvPr id="5" name="Titel 4"/>
-          <p:cNvSpPr>
-            <a:spLocks noGrp="1"/>
-          </p:cNvSpPr>
-          <p:nvPr>
-            <p:ph type="title"/>
-          </p:nvPr>
-        </p:nvSpPr>
-        <p:spPr/>
-        <p:txBody>
-          <a:bodyPr/>
-          <a:lstStyle/>
-          <a:p>
-            <a:endParaRPr lang="en-GB"/>
-          </a:p>
-        </p:txBody>
-      </p:sp>
-      <p:sp>
-        <p:nvSpPr>
-          <p:cNvPr id="6" name="Textplatzhalter 5"/>
-          <p:cNvSpPr>
-            <a:spLocks noGrp="1"/>
-          </p:cNvSpPr>
-          <p:nvPr>
-            <p:ph type="body" idx="1"/>
-          </p:nvPr>
-        </p:nvSpPr>
-        <p:spPr/>
-        <p:txBody>
-          <a:bodyPr/>
-          <a:lstStyle/>
-          <a:p>
-            <a:pPr algn="ctr"/>
-            <a:r>
-              <a:rPr lang="en-GB" sz="6600" dirty="0" smtClean="0"/>
-              <a:t>Compressed Sensing</a:t>
-            </a:r>
-            <a:endParaRPr lang="en-GB" sz="6600" dirty="0"/>
-          </a:p>
-        </p:txBody>
-      </p:sp>
-    </p:spTree>
-    <p:extLst>
-      <p:ext uri="{BB962C8B-B14F-4D97-AF65-F5344CB8AC3E}">
-        <p14:creationId xmlns:p14="http://schemas.microsoft.com/office/powerpoint/2010/main" val="1311051883"/>
-      </p:ext>
-    </p:extLst>
-  </p:cSld>
-  <p:clrMapOvr>
-    <a:masterClrMapping/>
-  </p:clrMapOvr>
-</p:sld>
-</file>
-
-<file path=ppt/slides/slide16.xml><?xml version="1.0" encoding="utf-8"?>
-<p:sld xmlns:a="http://schemas.openxmlformats.org/drawingml/2006/main" xmlns:r="http://schemas.openxmlformats.org/officeDocument/2006/relationships" xmlns:p="http://schemas.openxmlformats.org/presentationml/2006/main">
-  <p:cSld>
-    <p:spTree>
-      <p:nvGrpSpPr>
-        <p:cNvPr id="1" name=""/>
-        <p:cNvGrpSpPr/>
-        <p:nvPr/>
-      </p:nvGrpSpPr>
-      <p:grpSpPr>
-        <a:xfrm>
-          <a:off x="0" y="0"/>
-          <a:ext cx="0" cy="0"/>
-          <a:chOff x="0" y="0"/>
-          <a:chExt cx="0" cy="0"/>
-        </a:xfrm>
-      </p:grpSpPr>
-      <p:sp>
-        <p:nvSpPr>
-          <p:cNvPr id="2" name="Datumsplatzhalter 1"/>
-          <p:cNvSpPr>
-            <a:spLocks noGrp="1"/>
-          </p:cNvSpPr>
-          <p:nvPr>
-            <p:ph type="dt" sz="half" idx="10"/>
-          </p:nvPr>
-        </p:nvSpPr>
-        <p:spPr/>
-        <p:txBody>
-          <a:bodyPr/>
-          <a:lstStyle/>
-          <a:p>
-            <a:fld id="{5E48492E-72D1-4785-9351-8AE1E40FBA2D}" type="datetime1">
-              <a:rPr lang="de-CH" smtClean="0">
-                <a:solidFill>
-                  <a:srgbClr val="000000"/>
-                </a:solidFill>
-              </a:rPr>
-              <a:t>13.08.2018</a:t>
-            </a:fld>
-            <a:endParaRPr lang="de-CH">
-              <a:solidFill>
-                <a:srgbClr val="000000"/>
-              </a:solidFill>
-            </a:endParaRPr>
-          </a:p>
-        </p:txBody>
-      </p:sp>
-      <p:sp>
-        <p:nvSpPr>
-          <p:cNvPr id="3" name="Fußzeilenplatzhalter 2"/>
-          <p:cNvSpPr>
-            <a:spLocks noGrp="1"/>
-          </p:cNvSpPr>
-          <p:nvPr>
-            <p:ph type="ftr" sz="quarter" idx="11"/>
-          </p:nvPr>
-        </p:nvSpPr>
-        <p:spPr/>
-        <p:txBody>
-          <a:bodyPr/>
-          <a:lstStyle/>
-          <a:p>
-            <a:r>
-              <a:rPr lang="de-CH" smtClean="0">
-                <a:solidFill>
-                  <a:srgbClr val="000000"/>
-                </a:solidFill>
-              </a:rPr>
-              <a:t>Institut</a:t>
-            </a:r>
-            <a:endParaRPr lang="de-CH">
-              <a:solidFill>
-                <a:srgbClr val="000000"/>
-              </a:solidFill>
-            </a:endParaRPr>
-          </a:p>
-        </p:txBody>
-      </p:sp>
-      <p:sp>
-        <p:nvSpPr>
-          <p:cNvPr id="4" name="Foliennummernplatzhalter 3"/>
-          <p:cNvSpPr>
-            <a:spLocks noGrp="1"/>
-          </p:cNvSpPr>
-          <p:nvPr>
-            <p:ph type="sldNum" sz="quarter" idx="12"/>
-          </p:nvPr>
-        </p:nvSpPr>
-        <p:spPr/>
-        <p:txBody>
-          <a:bodyPr/>
-          <a:lstStyle/>
-          <a:p>
-            <a:fld id="{351188DD-6605-4EF4-9E67-B567F731CE68}" type="slidenum">
-              <a:rPr lang="de-CH" smtClean="0">
-                <a:solidFill>
-                  <a:srgbClr val="000000"/>
-                </a:solidFill>
-              </a:rPr>
-              <a:pPr/>
-              <a:t>16</a:t>
-            </a:fld>
-            <a:endParaRPr lang="de-CH">
-              <a:solidFill>
-                <a:srgbClr val="000000"/>
-              </a:solidFill>
-            </a:endParaRPr>
-          </a:p>
-        </p:txBody>
-      </p:sp>
-      <p:sp>
-        <p:nvSpPr>
-          <p:cNvPr id="5" name="Titel 4"/>
-          <p:cNvSpPr>
-            <a:spLocks noGrp="1"/>
-          </p:cNvSpPr>
-          <p:nvPr>
-            <p:ph type="title"/>
-          </p:nvPr>
-        </p:nvSpPr>
-        <p:spPr/>
-        <p:txBody>
-          <a:bodyPr/>
-          <a:lstStyle/>
-          <a:p>
-            <a:r>
-              <a:rPr lang="en-GB" dirty="0" smtClean="0"/>
-              <a:t>Compressed Sensing Image Reconstruction</a:t>
-            </a:r>
-            <a:endParaRPr lang="en-GB" dirty="0"/>
-          </a:p>
-        </p:txBody>
-      </p:sp>
-      <p:sp>
-        <p:nvSpPr>
-          <p:cNvPr id="6" name="Textplatzhalter 5"/>
-          <p:cNvSpPr>
-            <a:spLocks noGrp="1"/>
-          </p:cNvSpPr>
-          <p:nvPr>
-            <p:ph type="body" idx="1"/>
-          </p:nvPr>
-        </p:nvSpPr>
-        <p:spPr/>
-        <p:txBody>
-          <a:bodyPr/>
-          <a:lstStyle/>
-          <a:p>
-            <a:pPr marL="342900" indent="-342900">
-              <a:buFont typeface="Arial" panose="020B0604020202020204" pitchFamily="34" charset="0"/>
-              <a:buChar char="•"/>
-            </a:pPr>
-            <a:r>
-              <a:rPr lang="en-GB" dirty="0" smtClean="0"/>
-              <a:t>Regularization that captures the image properties</a:t>
-            </a:r>
-          </a:p>
-          <a:p>
-            <a:pPr marL="342900" indent="-342900">
-              <a:buFont typeface="Arial" panose="020B0604020202020204" pitchFamily="34" charset="0"/>
-              <a:buChar char="•"/>
-            </a:pPr>
-            <a:r>
-              <a:rPr lang="en-GB" dirty="0" smtClean="0"/>
-              <a:t>Incoherent Measurement and Reconstruction spaces.</a:t>
-            </a:r>
-            <a:endParaRPr lang="en-GB" dirty="0"/>
-          </a:p>
-        </p:txBody>
-      </p:sp>
-    </p:spTree>
-    <p:extLst>
-      <p:ext uri="{BB962C8B-B14F-4D97-AF65-F5344CB8AC3E}">
-        <p14:creationId xmlns:p14="http://schemas.microsoft.com/office/powerpoint/2010/main" val="375867672"/>
-      </p:ext>
-    </p:extLst>
-  </p:cSld>
-  <p:clrMapOvr>
-    <a:masterClrMapping/>
-  </p:clrMapOvr>
-  <p:timing>
-    <p:tnLst>
-      <p:par>
-        <p:cTn id="1" dur="indefinite" restart="never" nodeType="tmRoot"/>
-      </p:par>
-    </p:tnLst>
-  </p:timing>
-</p:sld>
-</file>
-
-<file path=ppt/slides/slide17.xml><?xml version="1.0" encoding="utf-8"?>
-<p:sld xmlns:a="http://schemas.openxmlformats.org/drawingml/2006/main" xmlns:r="http://schemas.openxmlformats.org/officeDocument/2006/relationships" xmlns:p="http://schemas.openxmlformats.org/presentationml/2006/main">
-  <p:cSld>
-    <p:spTree>
-      <p:nvGrpSpPr>
-        <p:cNvPr id="1" name=""/>
-        <p:cNvGrpSpPr/>
-        <p:nvPr/>
-      </p:nvGrpSpPr>
-      <p:grpSpPr>
-        <a:xfrm>
-          <a:off x="0" y="0"/>
-          <a:ext cx="0" cy="0"/>
-          <a:chOff x="0" y="0"/>
-          <a:chExt cx="0" cy="0"/>
-        </a:xfrm>
-      </p:grpSpPr>
-      <p:sp>
-        <p:nvSpPr>
-          <p:cNvPr id="2" name="Datumsplatzhalter 1"/>
-          <p:cNvSpPr>
-            <a:spLocks noGrp="1"/>
-          </p:cNvSpPr>
-          <p:nvPr>
-            <p:ph type="dt" sz="half" idx="10"/>
-          </p:nvPr>
-        </p:nvSpPr>
-        <p:spPr/>
-        <p:txBody>
-          <a:bodyPr/>
-          <a:lstStyle/>
-          <a:p>
-            <a:fld id="{5E48492E-72D1-4785-9351-8AE1E40FBA2D}" type="datetime1">
-              <a:rPr lang="de-CH" smtClean="0">
-                <a:solidFill>
-                  <a:srgbClr val="000000"/>
-                </a:solidFill>
-              </a:rPr>
-              <a:t>12.08.2018</a:t>
-            </a:fld>
-            <a:endParaRPr lang="de-CH">
-              <a:solidFill>
-                <a:srgbClr val="000000"/>
-              </a:solidFill>
-            </a:endParaRPr>
-          </a:p>
-        </p:txBody>
-      </p:sp>
-      <p:sp>
-        <p:nvSpPr>
-          <p:cNvPr id="3" name="Fußzeilenplatzhalter 2"/>
-          <p:cNvSpPr>
-            <a:spLocks noGrp="1"/>
-          </p:cNvSpPr>
-          <p:nvPr>
-            <p:ph type="ftr" sz="quarter" idx="11"/>
-          </p:nvPr>
-        </p:nvSpPr>
-        <p:spPr/>
-        <p:txBody>
-          <a:bodyPr/>
-          <a:lstStyle/>
-          <a:p>
-            <a:r>
               <a:rPr lang="de-CH" dirty="0" smtClean="0">
                 <a:solidFill>
                   <a:srgbClr val="000000"/>
@@ -5825,447 +5501,7 @@
                 </a:solidFill>
               </a:rPr>
               <a:pPr/>
-              <a:t>17</a:t>
-            </a:fld>
-            <a:endParaRPr lang="de-CH">
-              <a:solidFill>
-                <a:srgbClr val="000000"/>
-              </a:solidFill>
-            </a:endParaRPr>
-          </a:p>
-        </p:txBody>
-      </p:sp>
-      <p:sp>
-        <p:nvSpPr>
-          <p:cNvPr id="5" name="Titel 4"/>
-          <p:cNvSpPr>
-            <a:spLocks noGrp="1"/>
-          </p:cNvSpPr>
-          <p:nvPr>
-            <p:ph type="title"/>
-          </p:nvPr>
-        </p:nvSpPr>
-        <p:spPr/>
-        <p:txBody>
-          <a:bodyPr/>
-          <a:lstStyle/>
-          <a:p>
-            <a:r>
-              <a:rPr lang="en-GB" dirty="0" smtClean="0"/>
-              <a:t>CLEAN </a:t>
-            </a:r>
-            <a:r>
-              <a:rPr lang="en-GB" dirty="0" smtClean="0"/>
-              <a:t>as a Compressed Sensing Reconstruction</a:t>
-            </a:r>
-            <a:endParaRPr lang="en-GB" dirty="0"/>
-          </a:p>
-        </p:txBody>
-      </p:sp>
-      <p:sp>
-        <p:nvSpPr>
-          <p:cNvPr id="6" name="Textplatzhalter 5"/>
-          <p:cNvSpPr>
-            <a:spLocks noGrp="1"/>
-          </p:cNvSpPr>
-          <p:nvPr>
-            <p:ph type="body" idx="1"/>
-          </p:nvPr>
-        </p:nvSpPr>
-        <p:spPr/>
-        <p:txBody>
-          <a:bodyPr/>
-          <a:lstStyle/>
-          <a:p>
-            <a:endParaRPr lang="en-GB" dirty="0"/>
-          </a:p>
-        </p:txBody>
-      </p:sp>
-      <p:pic>
-        <p:nvPicPr>
-          <p:cNvPr id="7" name="Grafik 6"/>
-          <p:cNvPicPr>
-            <a:picLocks noChangeAspect="1"/>
-          </p:cNvPicPr>
-          <p:nvPr/>
-        </p:nvPicPr>
-        <p:blipFill>
-          <a:blip r:embed="rId3" cstate="print">
-            <a:extLst>
-              <a:ext uri="{28A0092B-C50C-407E-A947-70E740481C1C}">
-                <a14:useLocalDpi xmlns:a14="http://schemas.microsoft.com/office/drawing/2010/main" val="0"/>
-              </a:ext>
-            </a:extLst>
-          </a:blip>
-          <a:stretch>
-            <a:fillRect/>
-          </a:stretch>
-        </p:blipFill>
-        <p:spPr>
-          <a:xfrm>
-            <a:off x="3514725" y="2600325"/>
-            <a:ext cx="3657600" cy="3657600"/>
-          </a:xfrm>
-          <a:prstGeom prst="rect">
-            <a:avLst/>
-          </a:prstGeom>
-        </p:spPr>
-      </p:pic>
-    </p:spTree>
-    <p:extLst>
-      <p:ext uri="{BB962C8B-B14F-4D97-AF65-F5344CB8AC3E}">
-        <p14:creationId xmlns:p14="http://schemas.microsoft.com/office/powerpoint/2010/main" val="1323241219"/>
-      </p:ext>
-    </p:extLst>
-  </p:cSld>
-  <p:clrMapOvr>
-    <a:masterClrMapping/>
-  </p:clrMapOvr>
-  <p:timing>
-    <p:tnLst>
-      <p:par>
-        <p:cTn id="1" dur="indefinite" restart="never" nodeType="tmRoot"/>
-      </p:par>
-    </p:tnLst>
-  </p:timing>
-</p:sld>
-</file>
-
-<file path=ppt/slides/slide18.xml><?xml version="1.0" encoding="utf-8"?>
-<p:sld xmlns:a="http://schemas.openxmlformats.org/drawingml/2006/main" xmlns:r="http://schemas.openxmlformats.org/officeDocument/2006/relationships" xmlns:p="http://schemas.openxmlformats.org/presentationml/2006/main">
-  <p:cSld>
-    <p:spTree>
-      <p:nvGrpSpPr>
-        <p:cNvPr id="1" name=""/>
-        <p:cNvGrpSpPr/>
-        <p:nvPr/>
-      </p:nvGrpSpPr>
-      <p:grpSpPr>
-        <a:xfrm>
-          <a:off x="0" y="0"/>
-          <a:ext cx="0" cy="0"/>
-          <a:chOff x="0" y="0"/>
-          <a:chExt cx="0" cy="0"/>
-        </a:xfrm>
-      </p:grpSpPr>
-      <p:sp>
-        <p:nvSpPr>
-          <p:cNvPr id="2" name="Datumsplatzhalter 1"/>
-          <p:cNvSpPr>
-            <a:spLocks noGrp="1"/>
-          </p:cNvSpPr>
-          <p:nvPr>
-            <p:ph type="dt" sz="half" idx="10"/>
-          </p:nvPr>
-        </p:nvSpPr>
-        <p:spPr/>
-        <p:txBody>
-          <a:bodyPr/>
-          <a:lstStyle/>
-          <a:p>
-            <a:fld id="{5E48492E-72D1-4785-9351-8AE1E40FBA2D}" type="datetime1">
-              <a:rPr lang="de-CH" smtClean="0">
-                <a:solidFill>
-                  <a:srgbClr val="000000"/>
-                </a:solidFill>
-              </a:rPr>
-              <a:t>12.08.2018</a:t>
-            </a:fld>
-            <a:endParaRPr lang="de-CH">
-              <a:solidFill>
-                <a:srgbClr val="000000"/>
-              </a:solidFill>
-            </a:endParaRPr>
-          </a:p>
-        </p:txBody>
-      </p:sp>
-      <p:sp>
-        <p:nvSpPr>
-          <p:cNvPr id="3" name="Fußzeilenplatzhalter 2"/>
-          <p:cNvSpPr>
-            <a:spLocks noGrp="1"/>
-          </p:cNvSpPr>
-          <p:nvPr>
-            <p:ph type="ftr" sz="quarter" idx="11"/>
-          </p:nvPr>
-        </p:nvSpPr>
-        <p:spPr/>
-        <p:txBody>
-          <a:bodyPr/>
-          <a:lstStyle/>
-          <a:p>
-            <a:r>
-              <a:rPr lang="de-CH" dirty="0" smtClean="0">
-                <a:solidFill>
-                  <a:srgbClr val="000000"/>
-                </a:solidFill>
-              </a:rPr>
-              <a:t>Institut i4ds</a:t>
-            </a:r>
-            <a:endParaRPr lang="de-CH" dirty="0">
-              <a:solidFill>
-                <a:srgbClr val="000000"/>
-              </a:solidFill>
-            </a:endParaRPr>
-          </a:p>
-        </p:txBody>
-      </p:sp>
-      <p:sp>
-        <p:nvSpPr>
-          <p:cNvPr id="4" name="Foliennummernplatzhalter 3"/>
-          <p:cNvSpPr>
-            <a:spLocks noGrp="1"/>
-          </p:cNvSpPr>
-          <p:nvPr>
-            <p:ph type="sldNum" sz="quarter" idx="12"/>
-          </p:nvPr>
-        </p:nvSpPr>
-        <p:spPr/>
-        <p:txBody>
-          <a:bodyPr/>
-          <a:lstStyle/>
-          <a:p>
-            <a:fld id="{351188DD-6605-4EF4-9E67-B567F731CE68}" type="slidenum">
-              <a:rPr lang="de-CH" smtClean="0">
-                <a:solidFill>
-                  <a:srgbClr val="000000"/>
-                </a:solidFill>
-              </a:rPr>
-              <a:pPr/>
-              <a:t>18</a:t>
-            </a:fld>
-            <a:endParaRPr lang="de-CH">
-              <a:solidFill>
-                <a:srgbClr val="000000"/>
-              </a:solidFill>
-            </a:endParaRPr>
-          </a:p>
-        </p:txBody>
-      </p:sp>
-      <p:sp>
-        <p:nvSpPr>
-          <p:cNvPr id="5" name="Titel 4"/>
-          <p:cNvSpPr>
-            <a:spLocks noGrp="1"/>
-          </p:cNvSpPr>
-          <p:nvPr>
-            <p:ph type="title"/>
-          </p:nvPr>
-        </p:nvSpPr>
-        <p:spPr/>
-        <p:txBody>
-          <a:bodyPr/>
-          <a:lstStyle/>
-          <a:p>
-            <a:r>
-              <a:rPr lang="en-GB" dirty="0" smtClean="0"/>
-              <a:t>Incoherence</a:t>
-            </a:r>
-            <a:endParaRPr lang="en-GB" dirty="0"/>
-          </a:p>
-        </p:txBody>
-      </p:sp>
-      <p:sp>
-        <p:nvSpPr>
-          <p:cNvPr id="6" name="Textplatzhalter 5"/>
-          <p:cNvSpPr>
-            <a:spLocks noGrp="1"/>
-          </p:cNvSpPr>
-          <p:nvPr>
-            <p:ph type="body" idx="1"/>
-          </p:nvPr>
-        </p:nvSpPr>
-        <p:spPr/>
-        <p:txBody>
-          <a:bodyPr/>
-          <a:lstStyle/>
-          <a:p>
-            <a:endParaRPr lang="en-GB" dirty="0"/>
-          </a:p>
-        </p:txBody>
-      </p:sp>
-      <p:pic>
-        <p:nvPicPr>
-          <p:cNvPr id="11" name="Grafik 10"/>
-          <p:cNvPicPr>
-            <a:picLocks noChangeAspect="1"/>
-          </p:cNvPicPr>
-          <p:nvPr/>
-        </p:nvPicPr>
-        <p:blipFill>
-          <a:blip r:embed="rId2">
-            <a:extLst>
-              <a:ext uri="{28A0092B-C50C-407E-A947-70E740481C1C}">
-                <a14:useLocalDpi xmlns:a14="http://schemas.microsoft.com/office/drawing/2010/main" val="0"/>
-              </a:ext>
-            </a:extLst>
-          </a:blip>
-          <a:stretch>
-            <a:fillRect/>
-          </a:stretch>
-        </p:blipFill>
-        <p:spPr>
-          <a:xfrm>
-            <a:off x="5187285" y="2153110"/>
-            <a:ext cx="4763165" cy="4763165"/>
-          </a:xfrm>
-          <a:prstGeom prst="rect">
-            <a:avLst/>
-          </a:prstGeom>
-        </p:spPr>
-      </p:pic>
-      <p:pic>
-        <p:nvPicPr>
-          <p:cNvPr id="12" name="Grafik 11"/>
-          <p:cNvPicPr>
-            <a:picLocks noChangeAspect="1"/>
-          </p:cNvPicPr>
-          <p:nvPr/>
-        </p:nvPicPr>
-        <p:blipFill>
-          <a:blip r:embed="rId3">
-            <a:extLst>
-              <a:ext uri="{28A0092B-C50C-407E-A947-70E740481C1C}">
-                <a14:useLocalDpi xmlns:a14="http://schemas.microsoft.com/office/drawing/2010/main" val="0"/>
-              </a:ext>
-            </a:extLst>
-          </a:blip>
-          <a:stretch>
-            <a:fillRect/>
-          </a:stretch>
-        </p:blipFill>
-        <p:spPr>
-          <a:xfrm>
-            <a:off x="389955" y="2124447"/>
-            <a:ext cx="4763165" cy="4763165"/>
-          </a:xfrm>
-          <a:prstGeom prst="rect">
-            <a:avLst/>
-          </a:prstGeom>
-        </p:spPr>
-      </p:pic>
-    </p:spTree>
-    <p:extLst>
-      <p:ext uri="{BB962C8B-B14F-4D97-AF65-F5344CB8AC3E}">
-        <p14:creationId xmlns:p14="http://schemas.microsoft.com/office/powerpoint/2010/main" val="3601425266"/>
-      </p:ext>
-    </p:extLst>
-  </p:cSld>
-  <p:clrMapOvr>
-    <a:masterClrMapping/>
-  </p:clrMapOvr>
-  <p:timing>
-    <p:tnLst>
-      <p:par>
-        <p:cTn id="1" dur="indefinite" restart="never" nodeType="tmRoot"/>
-      </p:par>
-    </p:tnLst>
-  </p:timing>
-</p:sld>
-</file>
-
-<file path=ppt/slides/slide19.xml><?xml version="1.0" encoding="utf-8"?>
-<p:sld xmlns:a="http://schemas.openxmlformats.org/drawingml/2006/main" xmlns:r="http://schemas.openxmlformats.org/officeDocument/2006/relationships" xmlns:p="http://schemas.openxmlformats.org/presentationml/2006/main">
-  <p:cSld>
-    <p:spTree>
-      <p:nvGrpSpPr>
-        <p:cNvPr id="1" name=""/>
-        <p:cNvGrpSpPr/>
-        <p:nvPr/>
-      </p:nvGrpSpPr>
-      <p:grpSpPr>
-        <a:xfrm>
-          <a:off x="0" y="0"/>
-          <a:ext cx="0" cy="0"/>
-          <a:chOff x="0" y="0"/>
-          <a:chExt cx="0" cy="0"/>
-        </a:xfrm>
-      </p:grpSpPr>
-      <p:sp>
-        <p:nvSpPr>
-          <p:cNvPr id="2" name="Datumsplatzhalter 1"/>
-          <p:cNvSpPr>
-            <a:spLocks noGrp="1"/>
-          </p:cNvSpPr>
-          <p:nvPr>
-            <p:ph type="dt" sz="half" idx="10"/>
-          </p:nvPr>
-        </p:nvSpPr>
-        <p:spPr/>
-        <p:txBody>
-          <a:bodyPr/>
-          <a:lstStyle/>
-          <a:p>
-            <a:fld id="{5E48492E-72D1-4785-9351-8AE1E40FBA2D}" type="datetime1">
-              <a:rPr lang="de-CH" smtClean="0">
-                <a:solidFill>
-                  <a:srgbClr val="000000"/>
-                </a:solidFill>
-              </a:rPr>
-              <a:t>12.08.2018</a:t>
-            </a:fld>
-            <a:endParaRPr lang="de-CH">
-              <a:solidFill>
-                <a:srgbClr val="000000"/>
-              </a:solidFill>
-            </a:endParaRPr>
-          </a:p>
-        </p:txBody>
-      </p:sp>
-      <p:sp>
-        <p:nvSpPr>
-          <p:cNvPr id="3" name="Fußzeilenplatzhalter 2"/>
-          <p:cNvSpPr>
-            <a:spLocks noGrp="1"/>
-          </p:cNvSpPr>
-          <p:nvPr>
-            <p:ph type="ftr" sz="quarter" idx="11"/>
-          </p:nvPr>
-        </p:nvSpPr>
-        <p:spPr/>
-        <p:txBody>
-          <a:bodyPr/>
-          <a:lstStyle/>
-          <a:p>
-            <a:r>
-              <a:rPr lang="de-CH" dirty="0" smtClean="0">
-                <a:solidFill>
-                  <a:srgbClr val="000000"/>
-                </a:solidFill>
-              </a:rPr>
-              <a:t>Institut i4ds</a:t>
-            </a:r>
-            <a:endParaRPr lang="de-CH" dirty="0">
-              <a:solidFill>
-                <a:srgbClr val="000000"/>
-              </a:solidFill>
-            </a:endParaRPr>
-          </a:p>
-        </p:txBody>
-      </p:sp>
-      <p:sp>
-        <p:nvSpPr>
-          <p:cNvPr id="4" name="Foliennummernplatzhalter 3"/>
-          <p:cNvSpPr>
-            <a:spLocks noGrp="1"/>
-          </p:cNvSpPr>
-          <p:nvPr>
-            <p:ph type="sldNum" sz="quarter" idx="12"/>
-          </p:nvPr>
-        </p:nvSpPr>
-        <p:spPr/>
-        <p:txBody>
-          <a:bodyPr/>
-          <a:lstStyle/>
-          <a:p>
-            <a:fld id="{351188DD-6605-4EF4-9E67-B567F731CE68}" type="slidenum">
-              <a:rPr lang="de-CH" smtClean="0">
-                <a:solidFill>
-                  <a:srgbClr val="000000"/>
-                </a:solidFill>
-              </a:rPr>
-              <a:pPr/>
-              <a:t>19</a:t>
+              <a:t>15</a:t>
             </a:fld>
             <a:endParaRPr lang="de-CH">
               <a:solidFill>
@@ -6397,6 +5633,1286 @@
 </p:sld>
 </file>
 
+<file path=ppt/slides/slide16.xml><?xml version="1.0" encoding="utf-8"?>
+<p:sld xmlns:a="http://schemas.openxmlformats.org/drawingml/2006/main" xmlns:r="http://schemas.openxmlformats.org/officeDocument/2006/relationships" xmlns:p="http://schemas.openxmlformats.org/presentationml/2006/main">
+  <p:cSld>
+    <p:spTree>
+      <p:nvGrpSpPr>
+        <p:cNvPr id="1" name=""/>
+        <p:cNvGrpSpPr/>
+        <p:nvPr/>
+      </p:nvGrpSpPr>
+      <p:grpSpPr>
+        <a:xfrm>
+          <a:off x="0" y="0"/>
+          <a:ext cx="0" cy="0"/>
+          <a:chOff x="0" y="0"/>
+          <a:chExt cx="0" cy="0"/>
+        </a:xfrm>
+      </p:grpSpPr>
+      <p:sp>
+        <p:nvSpPr>
+          <p:cNvPr id="2" name="Datumsplatzhalter 1"/>
+          <p:cNvSpPr>
+            <a:spLocks noGrp="1"/>
+          </p:cNvSpPr>
+          <p:nvPr>
+            <p:ph type="dt" sz="half" idx="10"/>
+          </p:nvPr>
+        </p:nvSpPr>
+        <p:spPr/>
+        <p:txBody>
+          <a:bodyPr/>
+          <a:lstStyle/>
+          <a:p>
+            <a:fld id="{5E48492E-72D1-4785-9351-8AE1E40FBA2D}" type="datetime1">
+              <a:rPr lang="de-CH" smtClean="0">
+                <a:solidFill>
+                  <a:srgbClr val="000000"/>
+                </a:solidFill>
+              </a:rPr>
+              <a:t>14.08.2018</a:t>
+            </a:fld>
+            <a:endParaRPr lang="de-CH">
+              <a:solidFill>
+                <a:srgbClr val="000000"/>
+              </a:solidFill>
+            </a:endParaRPr>
+          </a:p>
+        </p:txBody>
+      </p:sp>
+      <p:sp>
+        <p:nvSpPr>
+          <p:cNvPr id="3" name="Fußzeilenplatzhalter 2"/>
+          <p:cNvSpPr>
+            <a:spLocks noGrp="1"/>
+          </p:cNvSpPr>
+          <p:nvPr>
+            <p:ph type="ftr" sz="quarter" idx="11"/>
+          </p:nvPr>
+        </p:nvSpPr>
+        <p:spPr/>
+        <p:txBody>
+          <a:bodyPr/>
+          <a:lstStyle/>
+          <a:p>
+            <a:r>
+              <a:rPr lang="de-CH" dirty="0">
+                <a:solidFill>
+                  <a:srgbClr val="000000"/>
+                </a:solidFill>
+              </a:rPr>
+              <a:t>Institut i4ds</a:t>
+            </a:r>
+          </a:p>
+        </p:txBody>
+      </p:sp>
+      <p:sp>
+        <p:nvSpPr>
+          <p:cNvPr id="4" name="Foliennummernplatzhalter 3"/>
+          <p:cNvSpPr>
+            <a:spLocks noGrp="1"/>
+          </p:cNvSpPr>
+          <p:nvPr>
+            <p:ph type="sldNum" sz="quarter" idx="12"/>
+          </p:nvPr>
+        </p:nvSpPr>
+        <p:spPr/>
+        <p:txBody>
+          <a:bodyPr/>
+          <a:lstStyle/>
+          <a:p>
+            <a:fld id="{351188DD-6605-4EF4-9E67-B567F731CE68}" type="slidenum">
+              <a:rPr lang="de-CH" smtClean="0">
+                <a:solidFill>
+                  <a:srgbClr val="000000"/>
+                </a:solidFill>
+              </a:rPr>
+              <a:pPr/>
+              <a:t>16</a:t>
+            </a:fld>
+            <a:endParaRPr lang="de-CH">
+              <a:solidFill>
+                <a:srgbClr val="000000"/>
+              </a:solidFill>
+            </a:endParaRPr>
+          </a:p>
+        </p:txBody>
+      </p:sp>
+      <p:sp>
+        <p:nvSpPr>
+          <p:cNvPr id="5" name="Titel 4"/>
+          <p:cNvSpPr>
+            <a:spLocks noGrp="1"/>
+          </p:cNvSpPr>
+          <p:nvPr>
+            <p:ph type="title"/>
+          </p:nvPr>
+        </p:nvSpPr>
+        <p:spPr/>
+        <p:txBody>
+          <a:bodyPr/>
+          <a:lstStyle/>
+          <a:p>
+            <a:endParaRPr lang="en-GB" dirty="0"/>
+          </a:p>
+        </p:txBody>
+      </p:sp>
+      <p:sp>
+        <p:nvSpPr>
+          <p:cNvPr id="6" name="Textplatzhalter 5"/>
+          <p:cNvSpPr>
+            <a:spLocks noGrp="1"/>
+          </p:cNvSpPr>
+          <p:nvPr>
+            <p:ph type="body" idx="1"/>
+          </p:nvPr>
+        </p:nvSpPr>
+        <p:spPr/>
+        <p:txBody>
+          <a:bodyPr/>
+          <a:lstStyle/>
+          <a:p>
+            <a:endParaRPr lang="en-GB"/>
+          </a:p>
+        </p:txBody>
+      </p:sp>
+      <p:pic>
+        <p:nvPicPr>
+          <p:cNvPr id="7" name="Grafik 6"/>
+          <p:cNvPicPr>
+            <a:picLocks noChangeAspect="1"/>
+          </p:cNvPicPr>
+          <p:nvPr/>
+        </p:nvPicPr>
+        <p:blipFill>
+          <a:blip r:embed="rId2">
+            <a:extLst>
+              <a:ext uri="{28A0092B-C50C-407E-A947-70E740481C1C}">
+                <a14:useLocalDpi xmlns:a14="http://schemas.microsoft.com/office/drawing/2010/main" val="0"/>
+              </a:ext>
+            </a:extLst>
+          </a:blip>
+          <a:stretch>
+            <a:fillRect/>
+          </a:stretch>
+        </p:blipFill>
+        <p:spPr>
+          <a:xfrm>
+            <a:off x="3061472" y="215572"/>
+            <a:ext cx="4564105" cy="6713865"/>
+          </a:xfrm>
+          <a:prstGeom prst="rect">
+            <a:avLst/>
+          </a:prstGeom>
+        </p:spPr>
+      </p:pic>
+    </p:spTree>
+    <p:extLst>
+      <p:ext uri="{BB962C8B-B14F-4D97-AF65-F5344CB8AC3E}">
+        <p14:creationId xmlns:p14="http://schemas.microsoft.com/office/powerpoint/2010/main" val="4040988550"/>
+      </p:ext>
+    </p:extLst>
+  </p:cSld>
+  <p:clrMapOvr>
+    <a:masterClrMapping/>
+  </p:clrMapOvr>
+  <p:timing>
+    <p:tnLst>
+      <p:par>
+        <p:cTn id="1" dur="indefinite" restart="never" nodeType="tmRoot"/>
+      </p:par>
+    </p:tnLst>
+  </p:timing>
+</p:sld>
+</file>
+
+<file path=ppt/slides/slide17.xml><?xml version="1.0" encoding="utf-8"?>
+<p:sld xmlns:a="http://schemas.openxmlformats.org/drawingml/2006/main" xmlns:r="http://schemas.openxmlformats.org/officeDocument/2006/relationships" xmlns:p="http://schemas.openxmlformats.org/presentationml/2006/main">
+  <p:cSld>
+    <p:spTree>
+      <p:nvGrpSpPr>
+        <p:cNvPr id="1" name=""/>
+        <p:cNvGrpSpPr/>
+        <p:nvPr/>
+      </p:nvGrpSpPr>
+      <p:grpSpPr>
+        <a:xfrm>
+          <a:off x="0" y="0"/>
+          <a:ext cx="0" cy="0"/>
+          <a:chOff x="0" y="0"/>
+          <a:chExt cx="0" cy="0"/>
+        </a:xfrm>
+      </p:grpSpPr>
+      <p:sp>
+        <p:nvSpPr>
+          <p:cNvPr id="2" name="Datumsplatzhalter 1"/>
+          <p:cNvSpPr>
+            <a:spLocks noGrp="1"/>
+          </p:cNvSpPr>
+          <p:nvPr>
+            <p:ph type="dt" sz="half" idx="10"/>
+          </p:nvPr>
+        </p:nvSpPr>
+        <p:spPr/>
+        <p:txBody>
+          <a:bodyPr/>
+          <a:lstStyle/>
+          <a:p>
+            <a:fld id="{5E48492E-72D1-4785-9351-8AE1E40FBA2D}" type="datetime1">
+              <a:rPr lang="de-CH" smtClean="0">
+                <a:solidFill>
+                  <a:srgbClr val="000000"/>
+                </a:solidFill>
+              </a:rPr>
+              <a:t>14.08.2018</a:t>
+            </a:fld>
+            <a:endParaRPr lang="de-CH">
+              <a:solidFill>
+                <a:srgbClr val="000000"/>
+              </a:solidFill>
+            </a:endParaRPr>
+          </a:p>
+        </p:txBody>
+      </p:sp>
+      <p:sp>
+        <p:nvSpPr>
+          <p:cNvPr id="3" name="Fußzeilenplatzhalter 2"/>
+          <p:cNvSpPr>
+            <a:spLocks noGrp="1"/>
+          </p:cNvSpPr>
+          <p:nvPr>
+            <p:ph type="ftr" sz="quarter" idx="11"/>
+          </p:nvPr>
+        </p:nvSpPr>
+        <p:spPr/>
+        <p:txBody>
+          <a:bodyPr/>
+          <a:lstStyle/>
+          <a:p>
+            <a:r>
+              <a:rPr lang="de-CH" dirty="0">
+                <a:solidFill>
+                  <a:srgbClr val="000000"/>
+                </a:solidFill>
+              </a:rPr>
+              <a:t>Institut </a:t>
+            </a:r>
+            <a:r>
+              <a:rPr lang="de-CH" dirty="0" smtClean="0">
+                <a:solidFill>
+                  <a:srgbClr val="000000"/>
+                </a:solidFill>
+              </a:rPr>
+              <a:t>i4ds</a:t>
+            </a:r>
+            <a:endParaRPr lang="de-CH" dirty="0">
+              <a:solidFill>
+                <a:srgbClr val="000000"/>
+              </a:solidFill>
+            </a:endParaRPr>
+          </a:p>
+        </p:txBody>
+      </p:sp>
+      <p:sp>
+        <p:nvSpPr>
+          <p:cNvPr id="4" name="Foliennummernplatzhalter 3"/>
+          <p:cNvSpPr>
+            <a:spLocks noGrp="1"/>
+          </p:cNvSpPr>
+          <p:nvPr>
+            <p:ph type="sldNum" sz="quarter" idx="12"/>
+          </p:nvPr>
+        </p:nvSpPr>
+        <p:spPr/>
+        <p:txBody>
+          <a:bodyPr/>
+          <a:lstStyle/>
+          <a:p>
+            <a:fld id="{351188DD-6605-4EF4-9E67-B567F731CE68}" type="slidenum">
+              <a:rPr lang="de-CH" smtClean="0">
+                <a:solidFill>
+                  <a:srgbClr val="000000"/>
+                </a:solidFill>
+              </a:rPr>
+              <a:pPr/>
+              <a:t>17</a:t>
+            </a:fld>
+            <a:endParaRPr lang="de-CH">
+              <a:solidFill>
+                <a:srgbClr val="000000"/>
+              </a:solidFill>
+            </a:endParaRPr>
+          </a:p>
+        </p:txBody>
+      </p:sp>
+      <p:sp>
+        <p:nvSpPr>
+          <p:cNvPr id="5" name="Titel 4"/>
+          <p:cNvSpPr>
+            <a:spLocks noGrp="1"/>
+          </p:cNvSpPr>
+          <p:nvPr>
+            <p:ph type="title"/>
+          </p:nvPr>
+        </p:nvSpPr>
+        <p:spPr/>
+        <p:txBody>
+          <a:bodyPr/>
+          <a:lstStyle/>
+          <a:p>
+            <a:r>
+              <a:rPr lang="en-GB" dirty="0" smtClean="0"/>
+              <a:t>Regularizations</a:t>
+            </a:r>
+            <a:endParaRPr lang="en-GB" dirty="0"/>
+          </a:p>
+        </p:txBody>
+      </p:sp>
+      <p:sp>
+        <p:nvSpPr>
+          <p:cNvPr id="6" name="Textplatzhalter 5"/>
+          <p:cNvSpPr>
+            <a:spLocks noGrp="1"/>
+          </p:cNvSpPr>
+          <p:nvPr>
+            <p:ph type="body" idx="1"/>
+          </p:nvPr>
+        </p:nvSpPr>
+        <p:spPr/>
+        <p:txBody>
+          <a:bodyPr/>
+          <a:lstStyle/>
+          <a:p>
+            <a:pPr marL="342900" indent="-342900">
+              <a:buFont typeface="Arial" panose="020B0604020202020204" pitchFamily="34" charset="0"/>
+              <a:buChar char="•"/>
+            </a:pPr>
+            <a:r>
+              <a:rPr lang="en-GB" dirty="0" smtClean="0"/>
+              <a:t>L0</a:t>
+            </a:r>
+          </a:p>
+          <a:p>
+            <a:pPr marL="342900" indent="-342900">
+              <a:buFont typeface="Arial" panose="020B0604020202020204" pitchFamily="34" charset="0"/>
+              <a:buChar char="•"/>
+            </a:pPr>
+            <a:r>
+              <a:rPr lang="en-GB" dirty="0" smtClean="0"/>
+              <a:t>L1</a:t>
+            </a:r>
+          </a:p>
+          <a:p>
+            <a:pPr marL="342900" indent="-342900">
+              <a:buFont typeface="Arial" panose="020B0604020202020204" pitchFamily="34" charset="0"/>
+              <a:buChar char="•"/>
+            </a:pPr>
+            <a:r>
+              <a:rPr lang="en-GB" dirty="0" smtClean="0"/>
+              <a:t>L2</a:t>
+            </a:r>
+          </a:p>
+          <a:p>
+            <a:pPr marL="342900" indent="-342900">
+              <a:buFont typeface="Arial" panose="020B0604020202020204" pitchFamily="34" charset="0"/>
+              <a:buChar char="•"/>
+            </a:pPr>
+            <a:r>
+              <a:rPr lang="en-GB" dirty="0" smtClean="0"/>
+              <a:t>Total Variation</a:t>
+            </a:r>
+          </a:p>
+          <a:p>
+            <a:pPr marL="342900" indent="-342900">
+              <a:buFont typeface="Arial" panose="020B0604020202020204" pitchFamily="34" charset="0"/>
+              <a:buChar char="•"/>
+            </a:pPr>
+            <a:r>
+              <a:rPr lang="en-GB" dirty="0" smtClean="0"/>
+              <a:t>L1 + L2</a:t>
+            </a:r>
+          </a:p>
+          <a:p>
+            <a:pPr marL="342900" indent="-342900">
+              <a:buFont typeface="Arial" panose="020B0604020202020204" pitchFamily="34" charset="0"/>
+              <a:buChar char="•"/>
+            </a:pPr>
+            <a:r>
+              <a:rPr lang="en-GB" dirty="0" smtClean="0"/>
+              <a:t>Starlet</a:t>
+            </a:r>
+            <a:endParaRPr lang="en-GB" dirty="0"/>
+          </a:p>
+        </p:txBody>
+      </p:sp>
+    </p:spTree>
+    <p:extLst>
+      <p:ext uri="{BB962C8B-B14F-4D97-AF65-F5344CB8AC3E}">
+        <p14:creationId xmlns:p14="http://schemas.microsoft.com/office/powerpoint/2010/main" val="769980622"/>
+      </p:ext>
+    </p:extLst>
+  </p:cSld>
+  <p:clrMapOvr>
+    <a:masterClrMapping/>
+  </p:clrMapOvr>
+  <p:timing>
+    <p:tnLst>
+      <p:par>
+        <p:cTn id="1" dur="indefinite" restart="never" nodeType="tmRoot"/>
+      </p:par>
+    </p:tnLst>
+  </p:timing>
+</p:sld>
+</file>
+
+<file path=ppt/slides/slide18.xml><?xml version="1.0" encoding="utf-8"?>
+<p:sld xmlns:a="http://schemas.openxmlformats.org/drawingml/2006/main" xmlns:r="http://schemas.openxmlformats.org/officeDocument/2006/relationships" xmlns:p="http://schemas.openxmlformats.org/presentationml/2006/main">
+  <p:cSld>
+    <p:spTree>
+      <p:nvGrpSpPr>
+        <p:cNvPr id="1" name=""/>
+        <p:cNvGrpSpPr/>
+        <p:nvPr/>
+      </p:nvGrpSpPr>
+      <p:grpSpPr>
+        <a:xfrm>
+          <a:off x="0" y="0"/>
+          <a:ext cx="0" cy="0"/>
+          <a:chOff x="0" y="0"/>
+          <a:chExt cx="0" cy="0"/>
+        </a:xfrm>
+      </p:grpSpPr>
+      <p:sp>
+        <p:nvSpPr>
+          <p:cNvPr id="2" name="Datumsplatzhalter 1"/>
+          <p:cNvSpPr>
+            <a:spLocks noGrp="1"/>
+          </p:cNvSpPr>
+          <p:nvPr>
+            <p:ph type="dt" sz="half" idx="10"/>
+          </p:nvPr>
+        </p:nvSpPr>
+        <p:spPr/>
+        <p:txBody>
+          <a:bodyPr/>
+          <a:lstStyle/>
+          <a:p>
+            <a:fld id="{5E48492E-72D1-4785-9351-8AE1E40FBA2D}" type="datetime1">
+              <a:rPr lang="de-CH" smtClean="0">
+                <a:solidFill>
+                  <a:srgbClr val="000000"/>
+                </a:solidFill>
+              </a:rPr>
+              <a:t>14.08.2018</a:t>
+            </a:fld>
+            <a:endParaRPr lang="de-CH">
+              <a:solidFill>
+                <a:srgbClr val="000000"/>
+              </a:solidFill>
+            </a:endParaRPr>
+          </a:p>
+        </p:txBody>
+      </p:sp>
+      <p:sp>
+        <p:nvSpPr>
+          <p:cNvPr id="3" name="Fußzeilenplatzhalter 2"/>
+          <p:cNvSpPr>
+            <a:spLocks noGrp="1"/>
+          </p:cNvSpPr>
+          <p:nvPr>
+            <p:ph type="ftr" sz="quarter" idx="11"/>
+          </p:nvPr>
+        </p:nvSpPr>
+        <p:spPr/>
+        <p:txBody>
+          <a:bodyPr/>
+          <a:lstStyle/>
+          <a:p>
+            <a:r>
+              <a:rPr lang="de-CH" dirty="0">
+                <a:solidFill>
+                  <a:srgbClr val="000000"/>
+                </a:solidFill>
+              </a:rPr>
+              <a:t>Institut i4ds</a:t>
+            </a:r>
+          </a:p>
+        </p:txBody>
+      </p:sp>
+      <p:sp>
+        <p:nvSpPr>
+          <p:cNvPr id="4" name="Foliennummernplatzhalter 3"/>
+          <p:cNvSpPr>
+            <a:spLocks noGrp="1"/>
+          </p:cNvSpPr>
+          <p:nvPr>
+            <p:ph type="sldNum" sz="quarter" idx="12"/>
+          </p:nvPr>
+        </p:nvSpPr>
+        <p:spPr/>
+        <p:txBody>
+          <a:bodyPr/>
+          <a:lstStyle/>
+          <a:p>
+            <a:fld id="{351188DD-6605-4EF4-9E67-B567F731CE68}" type="slidenum">
+              <a:rPr lang="de-CH" smtClean="0">
+                <a:solidFill>
+                  <a:srgbClr val="000000"/>
+                </a:solidFill>
+              </a:rPr>
+              <a:pPr/>
+              <a:t>18</a:t>
+            </a:fld>
+            <a:endParaRPr lang="de-CH">
+              <a:solidFill>
+                <a:srgbClr val="000000"/>
+              </a:solidFill>
+            </a:endParaRPr>
+          </a:p>
+        </p:txBody>
+      </p:sp>
+      <p:sp>
+        <p:nvSpPr>
+          <p:cNvPr id="5" name="Titel 4"/>
+          <p:cNvSpPr>
+            <a:spLocks noGrp="1"/>
+          </p:cNvSpPr>
+          <p:nvPr>
+            <p:ph type="title"/>
+          </p:nvPr>
+        </p:nvSpPr>
+        <p:spPr>
+          <a:xfrm>
+            <a:off x="736600" y="1509713"/>
+            <a:ext cx="4508624" cy="361950"/>
+          </a:xfrm>
+        </p:spPr>
+        <p:txBody>
+          <a:bodyPr/>
+          <a:lstStyle/>
+          <a:p>
+            <a:r>
+              <a:rPr lang="de-DE" dirty="0" smtClean="0"/>
+              <a:t>10s VLA Observation</a:t>
+            </a:r>
+            <a:endParaRPr lang="de-DE" dirty="0"/>
+          </a:p>
+        </p:txBody>
+      </p:sp>
+      <p:sp>
+        <p:nvSpPr>
+          <p:cNvPr id="6" name="Textplatzhalter 5"/>
+          <p:cNvSpPr>
+            <a:spLocks noGrp="1"/>
+          </p:cNvSpPr>
+          <p:nvPr>
+            <p:ph type="body" idx="1"/>
+          </p:nvPr>
+        </p:nvSpPr>
+        <p:spPr/>
+        <p:txBody>
+          <a:bodyPr/>
+          <a:lstStyle/>
+          <a:p>
+            <a:endParaRPr lang="de-DE" dirty="0"/>
+          </a:p>
+        </p:txBody>
+      </p:sp>
+      <p:pic>
+        <p:nvPicPr>
+          <p:cNvPr id="8" name="Grafik 7"/>
+          <p:cNvPicPr>
+            <a:picLocks noChangeAspect="1"/>
+          </p:cNvPicPr>
+          <p:nvPr/>
+        </p:nvPicPr>
+        <p:blipFill rotWithShape="1">
+          <a:blip r:embed="rId3" cstate="print">
+            <a:extLst>
+              <a:ext uri="{28A0092B-C50C-407E-A947-70E740481C1C}">
+                <a14:useLocalDpi xmlns:a14="http://schemas.microsoft.com/office/drawing/2010/main" val="0"/>
+              </a:ext>
+            </a:extLst>
+          </a:blip>
+          <a:srcRect l="4075" t="3940" r="3988" b="4122"/>
+          <a:stretch/>
+        </p:blipFill>
+        <p:spPr>
+          <a:xfrm>
+            <a:off x="708719" y="2087913"/>
+            <a:ext cx="4536505" cy="4536504"/>
+          </a:xfrm>
+          <a:prstGeom prst="rect">
+            <a:avLst/>
+          </a:prstGeom>
+        </p:spPr>
+      </p:pic>
+      <p:pic>
+        <p:nvPicPr>
+          <p:cNvPr id="7" name="Grafik 6"/>
+          <p:cNvPicPr>
+            <a:picLocks noChangeAspect="1"/>
+          </p:cNvPicPr>
+          <p:nvPr/>
+        </p:nvPicPr>
+        <p:blipFill rotWithShape="1">
+          <a:blip r:embed="rId4">
+            <a:extLst>
+              <a:ext uri="{28A0092B-C50C-407E-A947-70E740481C1C}">
+                <a14:useLocalDpi xmlns:a14="http://schemas.microsoft.com/office/drawing/2010/main" val="0"/>
+              </a:ext>
+            </a:extLst>
+          </a:blip>
+          <a:srcRect l="32789" t="29175" r="29362" b="31201"/>
+          <a:stretch/>
+        </p:blipFill>
+        <p:spPr>
+          <a:xfrm>
+            <a:off x="5490716" y="2124646"/>
+            <a:ext cx="4608512" cy="4536504"/>
+          </a:xfrm>
+          <a:prstGeom prst="rect">
+            <a:avLst/>
+          </a:prstGeom>
+        </p:spPr>
+      </p:pic>
+      <p:sp>
+        <p:nvSpPr>
+          <p:cNvPr id="9" name="Titel 4"/>
+          <p:cNvSpPr txBox="1">
+            <a:spLocks/>
+          </p:cNvSpPr>
+          <p:nvPr/>
+        </p:nvSpPr>
+        <p:spPr bwMode="auto">
+          <a:xfrm>
+            <a:off x="5540660" y="1509713"/>
+            <a:ext cx="4508624" cy="361950"/>
+          </a:xfrm>
+          <a:prstGeom prst="rect">
+            <a:avLst/>
+          </a:prstGeom>
+          <a:noFill/>
+          <a:ln>
+            <a:noFill/>
+          </a:ln>
+          <a:effectLst/>
+          <a:extLst>
+            <a:ext uri="{909E8E84-426E-40dd-AFC4-6F175D3DCCD1}">
+              <a14:hiddenFill xmlns:a14="http://schemas.microsoft.com/office/drawing/2010/main" xmlns="">
+                <a:solidFill>
+                  <a:schemeClr val="accent1"/>
+                </a:solidFill>
+              </a14:hiddenFill>
+            </a:ext>
+            <a:ext uri="{91240B29-F687-4f45-9708-019B960494DF}">
+              <a14:hiddenLine xmlns:a14="http://schemas.microsoft.com/office/drawing/2010/main" xmlns="" w="9525">
+                <a:solidFill>
+                  <a:schemeClr val="tx1"/>
+                </a:solidFill>
+                <a:miter lim="800000"/>
+                <a:headEnd/>
+                <a:tailEnd/>
+              </a14:hiddenLine>
+            </a:ext>
+            <a:ext uri="{AF507438-7753-43e0-B8FC-AC1667EBCBE1}">
+              <a14:hiddenEffects xmlns:a14="http://schemas.microsoft.com/office/drawing/2010/main" xmlns="">
+                <a:effectLst>
+                  <a:outerShdw dist="35921" dir="2700000" algn="ctr" rotWithShape="0">
+                    <a:schemeClr val="bg2"/>
+                  </a:outerShdw>
+                </a:effectLst>
+              </a14:hiddenEffects>
+            </a:ext>
+          </a:extLst>
+        </p:spPr>
+        <p:txBody>
+          <a:bodyPr vert="horz" wrap="square" lIns="0" tIns="0" rIns="0" bIns="0" numCol="1" anchor="t" anchorCtr="0" compatLnSpc="1">
+            <a:prstTxWarp prst="textNoShape">
+              <a:avLst/>
+            </a:prstTxWarp>
+          </a:bodyPr>
+          <a:lstStyle>
+            <a:lvl1pPr algn="l" defTabSz="1042988" rtl="0" eaLnBrk="1" fontAlgn="base" hangingPunct="1">
+              <a:spcBef>
+                <a:spcPct val="0"/>
+              </a:spcBef>
+              <a:spcAft>
+                <a:spcPct val="0"/>
+              </a:spcAft>
+              <a:defRPr sz="2000" b="1" i="0" baseline="0">
+                <a:solidFill>
+                  <a:schemeClr val="tx2"/>
+                </a:solidFill>
+                <a:latin typeface="+mj-lt"/>
+                <a:ea typeface="+mj-ea"/>
+                <a:cs typeface="+mj-cs"/>
+              </a:defRPr>
+            </a:lvl1pPr>
+            <a:lvl2pPr algn="l" defTabSz="1042988" rtl="0" eaLnBrk="1" fontAlgn="base" hangingPunct="1">
+              <a:spcBef>
+                <a:spcPct val="0"/>
+              </a:spcBef>
+              <a:spcAft>
+                <a:spcPct val="0"/>
+              </a:spcAft>
+              <a:defRPr sz="2000" b="1">
+                <a:solidFill>
+                  <a:schemeClr val="tx2"/>
+                </a:solidFill>
+                <a:latin typeface="Arial" charset="0"/>
+              </a:defRPr>
+            </a:lvl2pPr>
+            <a:lvl3pPr algn="l" defTabSz="1042988" rtl="0" eaLnBrk="1" fontAlgn="base" hangingPunct="1">
+              <a:spcBef>
+                <a:spcPct val="0"/>
+              </a:spcBef>
+              <a:spcAft>
+                <a:spcPct val="0"/>
+              </a:spcAft>
+              <a:defRPr sz="2000" b="1">
+                <a:solidFill>
+                  <a:schemeClr val="tx2"/>
+                </a:solidFill>
+                <a:latin typeface="Arial" charset="0"/>
+              </a:defRPr>
+            </a:lvl3pPr>
+            <a:lvl4pPr algn="l" defTabSz="1042988" rtl="0" eaLnBrk="1" fontAlgn="base" hangingPunct="1">
+              <a:spcBef>
+                <a:spcPct val="0"/>
+              </a:spcBef>
+              <a:spcAft>
+                <a:spcPct val="0"/>
+              </a:spcAft>
+              <a:defRPr sz="2000" b="1">
+                <a:solidFill>
+                  <a:schemeClr val="tx2"/>
+                </a:solidFill>
+                <a:latin typeface="Arial" charset="0"/>
+              </a:defRPr>
+            </a:lvl4pPr>
+            <a:lvl5pPr algn="l" defTabSz="1042988" rtl="0" eaLnBrk="1" fontAlgn="base" hangingPunct="1">
+              <a:spcBef>
+                <a:spcPct val="0"/>
+              </a:spcBef>
+              <a:spcAft>
+                <a:spcPct val="0"/>
+              </a:spcAft>
+              <a:defRPr sz="2000" b="1">
+                <a:solidFill>
+                  <a:schemeClr val="tx2"/>
+                </a:solidFill>
+                <a:latin typeface="Arial" charset="0"/>
+              </a:defRPr>
+            </a:lvl5pPr>
+            <a:lvl6pPr marL="457200" algn="l" defTabSz="1042988" rtl="0" eaLnBrk="1" fontAlgn="base" hangingPunct="1">
+              <a:spcBef>
+                <a:spcPct val="0"/>
+              </a:spcBef>
+              <a:spcAft>
+                <a:spcPct val="0"/>
+              </a:spcAft>
+              <a:defRPr sz="2000" b="1">
+                <a:solidFill>
+                  <a:schemeClr val="tx2"/>
+                </a:solidFill>
+                <a:latin typeface="Arial" charset="0"/>
+              </a:defRPr>
+            </a:lvl6pPr>
+            <a:lvl7pPr marL="914400" algn="l" defTabSz="1042988" rtl="0" eaLnBrk="1" fontAlgn="base" hangingPunct="1">
+              <a:spcBef>
+                <a:spcPct val="0"/>
+              </a:spcBef>
+              <a:spcAft>
+                <a:spcPct val="0"/>
+              </a:spcAft>
+              <a:defRPr sz="2000" b="1">
+                <a:solidFill>
+                  <a:schemeClr val="tx2"/>
+                </a:solidFill>
+                <a:latin typeface="Arial" charset="0"/>
+              </a:defRPr>
+            </a:lvl7pPr>
+            <a:lvl8pPr marL="1371600" algn="l" defTabSz="1042988" rtl="0" eaLnBrk="1" fontAlgn="base" hangingPunct="1">
+              <a:spcBef>
+                <a:spcPct val="0"/>
+              </a:spcBef>
+              <a:spcAft>
+                <a:spcPct val="0"/>
+              </a:spcAft>
+              <a:defRPr sz="2000" b="1">
+                <a:solidFill>
+                  <a:schemeClr val="tx2"/>
+                </a:solidFill>
+                <a:latin typeface="Arial" charset="0"/>
+              </a:defRPr>
+            </a:lvl8pPr>
+            <a:lvl9pPr marL="1828800" algn="l" defTabSz="1042988" rtl="0" eaLnBrk="1" fontAlgn="base" hangingPunct="1">
+              <a:spcBef>
+                <a:spcPct val="0"/>
+              </a:spcBef>
+              <a:spcAft>
+                <a:spcPct val="0"/>
+              </a:spcAft>
+              <a:defRPr sz="2000" b="1">
+                <a:solidFill>
+                  <a:schemeClr val="tx2"/>
+                </a:solidFill>
+                <a:latin typeface="Arial" charset="0"/>
+              </a:defRPr>
+            </a:lvl9pPr>
+          </a:lstStyle>
+          <a:p>
+            <a:r>
+              <a:rPr lang="de-DE" kern="0" dirty="0" smtClean="0"/>
+              <a:t>RAO </a:t>
+            </a:r>
+            <a:r>
+              <a:rPr lang="de-DE" kern="0" dirty="0" err="1"/>
+              <a:t>R</a:t>
+            </a:r>
+            <a:r>
+              <a:rPr lang="de-DE" kern="0" dirty="0" err="1" smtClean="0"/>
+              <a:t>econstruction</a:t>
+            </a:r>
+            <a:endParaRPr lang="de-DE" kern="0" dirty="0"/>
+          </a:p>
+        </p:txBody>
+      </p:sp>
+    </p:spTree>
+    <p:extLst>
+      <p:ext uri="{BB962C8B-B14F-4D97-AF65-F5344CB8AC3E}">
+        <p14:creationId xmlns:p14="http://schemas.microsoft.com/office/powerpoint/2010/main" val="3378604655"/>
+      </p:ext>
+    </p:extLst>
+  </p:cSld>
+  <p:clrMapOvr>
+    <a:masterClrMapping/>
+  </p:clrMapOvr>
+</p:sld>
+</file>
+
+<file path=ppt/slides/slide19.xml><?xml version="1.0" encoding="utf-8"?>
+<p:sld xmlns:a="http://schemas.openxmlformats.org/drawingml/2006/main" xmlns:r="http://schemas.openxmlformats.org/officeDocument/2006/relationships" xmlns:p="http://schemas.openxmlformats.org/presentationml/2006/main">
+  <p:cSld>
+    <p:spTree>
+      <p:nvGrpSpPr>
+        <p:cNvPr id="1" name=""/>
+        <p:cNvGrpSpPr/>
+        <p:nvPr/>
+      </p:nvGrpSpPr>
+      <p:grpSpPr>
+        <a:xfrm>
+          <a:off x="0" y="0"/>
+          <a:ext cx="0" cy="0"/>
+          <a:chOff x="0" y="0"/>
+          <a:chExt cx="0" cy="0"/>
+        </a:xfrm>
+      </p:grpSpPr>
+      <p:pic>
+        <p:nvPicPr>
+          <p:cNvPr id="7" name="Grafik 6"/>
+          <p:cNvPicPr>
+            <a:picLocks noChangeAspect="1"/>
+          </p:cNvPicPr>
+          <p:nvPr/>
+        </p:nvPicPr>
+        <p:blipFill rotWithShape="1">
+          <a:blip r:embed="rId2">
+            <a:extLst>
+              <a:ext uri="{28A0092B-C50C-407E-A947-70E740481C1C}">
+                <a14:useLocalDpi xmlns:a14="http://schemas.microsoft.com/office/drawing/2010/main" val="0"/>
+              </a:ext>
+            </a:extLst>
+          </a:blip>
+          <a:srcRect r="251"/>
+          <a:stretch/>
+        </p:blipFill>
+        <p:spPr>
+          <a:xfrm>
+            <a:off x="4770636" y="1606080"/>
+            <a:ext cx="5472608" cy="5486411"/>
+          </a:xfrm>
+          <a:prstGeom prst="rect">
+            <a:avLst/>
+          </a:prstGeom>
+        </p:spPr>
+      </p:pic>
+      <p:pic>
+        <p:nvPicPr>
+          <p:cNvPr id="9" name="Grafik 8"/>
+          <p:cNvPicPr>
+            <a:picLocks noChangeAspect="1"/>
+          </p:cNvPicPr>
+          <p:nvPr/>
+        </p:nvPicPr>
+        <p:blipFill rotWithShape="1">
+          <a:blip r:embed="rId3">
+            <a:extLst>
+              <a:ext uri="{28A0092B-C50C-407E-A947-70E740481C1C}">
+                <a14:useLocalDpi xmlns:a14="http://schemas.microsoft.com/office/drawing/2010/main" val="0"/>
+              </a:ext>
+            </a:extLst>
+          </a:blip>
+          <a:srcRect r="15750"/>
+          <a:stretch/>
+        </p:blipFill>
+        <p:spPr>
+          <a:xfrm>
+            <a:off x="148321" y="1606588"/>
+            <a:ext cx="4622315" cy="5486411"/>
+          </a:xfrm>
+          <a:prstGeom prst="rect">
+            <a:avLst/>
+          </a:prstGeom>
+        </p:spPr>
+      </p:pic>
+      <p:sp>
+        <p:nvSpPr>
+          <p:cNvPr id="2" name="Datumsplatzhalter 1"/>
+          <p:cNvSpPr>
+            <a:spLocks noGrp="1"/>
+          </p:cNvSpPr>
+          <p:nvPr>
+            <p:ph type="dt" sz="half" idx="10"/>
+          </p:nvPr>
+        </p:nvSpPr>
+        <p:spPr/>
+        <p:txBody>
+          <a:bodyPr/>
+          <a:lstStyle/>
+          <a:p>
+            <a:fld id="{5E48492E-72D1-4785-9351-8AE1E40FBA2D}" type="datetime1">
+              <a:rPr lang="de-CH" smtClean="0">
+                <a:solidFill>
+                  <a:srgbClr val="000000"/>
+                </a:solidFill>
+              </a:rPr>
+              <a:t>14.08.2018</a:t>
+            </a:fld>
+            <a:endParaRPr lang="de-CH">
+              <a:solidFill>
+                <a:srgbClr val="000000"/>
+              </a:solidFill>
+            </a:endParaRPr>
+          </a:p>
+        </p:txBody>
+      </p:sp>
+      <p:sp>
+        <p:nvSpPr>
+          <p:cNvPr id="3" name="Fußzeilenplatzhalter 2"/>
+          <p:cNvSpPr>
+            <a:spLocks noGrp="1"/>
+          </p:cNvSpPr>
+          <p:nvPr>
+            <p:ph type="ftr" sz="quarter" idx="11"/>
+          </p:nvPr>
+        </p:nvSpPr>
+        <p:spPr/>
+        <p:txBody>
+          <a:bodyPr/>
+          <a:lstStyle/>
+          <a:p>
+            <a:r>
+              <a:rPr lang="de-CH" dirty="0">
+                <a:solidFill>
+                  <a:srgbClr val="000000"/>
+                </a:solidFill>
+              </a:rPr>
+              <a:t>Institut </a:t>
+            </a:r>
+            <a:r>
+              <a:rPr lang="de-CH" dirty="0" smtClean="0">
+                <a:solidFill>
+                  <a:srgbClr val="000000"/>
+                </a:solidFill>
+              </a:rPr>
+              <a:t>i4ds</a:t>
+            </a:r>
+            <a:endParaRPr lang="de-CH" dirty="0">
+              <a:solidFill>
+                <a:srgbClr val="000000"/>
+              </a:solidFill>
+            </a:endParaRPr>
+          </a:p>
+        </p:txBody>
+      </p:sp>
+      <p:sp>
+        <p:nvSpPr>
+          <p:cNvPr id="4" name="Foliennummernplatzhalter 3"/>
+          <p:cNvSpPr>
+            <a:spLocks noGrp="1"/>
+          </p:cNvSpPr>
+          <p:nvPr>
+            <p:ph type="sldNum" sz="quarter" idx="12"/>
+          </p:nvPr>
+        </p:nvSpPr>
+        <p:spPr/>
+        <p:txBody>
+          <a:bodyPr/>
+          <a:lstStyle/>
+          <a:p>
+            <a:fld id="{351188DD-6605-4EF4-9E67-B567F731CE68}" type="slidenum">
+              <a:rPr lang="de-CH" smtClean="0">
+                <a:solidFill>
+                  <a:srgbClr val="000000"/>
+                </a:solidFill>
+              </a:rPr>
+              <a:pPr/>
+              <a:t>19</a:t>
+            </a:fld>
+            <a:endParaRPr lang="de-CH">
+              <a:solidFill>
+                <a:srgbClr val="000000"/>
+              </a:solidFill>
+            </a:endParaRPr>
+          </a:p>
+        </p:txBody>
+      </p:sp>
+      <p:sp>
+        <p:nvSpPr>
+          <p:cNvPr id="5" name="Titel 4"/>
+          <p:cNvSpPr>
+            <a:spLocks noGrp="1"/>
+          </p:cNvSpPr>
+          <p:nvPr>
+            <p:ph type="title"/>
+          </p:nvPr>
+        </p:nvSpPr>
+        <p:spPr>
+          <a:xfrm>
+            <a:off x="736600" y="1792723"/>
+            <a:ext cx="2953916" cy="395288"/>
+          </a:xfrm>
+        </p:spPr>
+        <p:txBody>
+          <a:bodyPr/>
+          <a:lstStyle/>
+          <a:p>
+            <a:r>
+              <a:rPr lang="en-GB" dirty="0" smtClean="0"/>
+              <a:t>CLEAN	</a:t>
+            </a:r>
+            <a:endParaRPr lang="en-GB" dirty="0"/>
+          </a:p>
+        </p:txBody>
+      </p:sp>
+      <p:sp>
+        <p:nvSpPr>
+          <p:cNvPr id="13" name="Titel 4"/>
+          <p:cNvSpPr txBox="1">
+            <a:spLocks/>
+          </p:cNvSpPr>
+          <p:nvPr/>
+        </p:nvSpPr>
+        <p:spPr bwMode="auto">
+          <a:xfrm>
+            <a:off x="5359019" y="1843966"/>
+            <a:ext cx="2862644" cy="344045"/>
+          </a:xfrm>
+          <a:prstGeom prst="rect">
+            <a:avLst/>
+          </a:prstGeom>
+          <a:noFill/>
+          <a:ln>
+            <a:noFill/>
+          </a:ln>
+          <a:effectLst/>
+          <a:extLst>
+            <a:ext uri="{909E8E84-426E-40dd-AFC4-6F175D3DCCD1}">
+              <a14:hiddenFill xmlns:a14="http://schemas.microsoft.com/office/drawing/2010/main" xmlns="">
+                <a:solidFill>
+                  <a:schemeClr val="accent1"/>
+                </a:solidFill>
+              </a14:hiddenFill>
+            </a:ext>
+            <a:ext uri="{91240B29-F687-4f45-9708-019B960494DF}">
+              <a14:hiddenLine xmlns:a14="http://schemas.microsoft.com/office/drawing/2010/main" xmlns="" w="9525">
+                <a:solidFill>
+                  <a:schemeClr val="tx1"/>
+                </a:solidFill>
+                <a:miter lim="800000"/>
+                <a:headEnd/>
+                <a:tailEnd/>
+              </a14:hiddenLine>
+            </a:ext>
+            <a:ext uri="{AF507438-7753-43e0-B8FC-AC1667EBCBE1}">
+              <a14:hiddenEffects xmlns:a14="http://schemas.microsoft.com/office/drawing/2010/main" xmlns="">
+                <a:effectLst>
+                  <a:outerShdw dist="35921" dir="2700000" algn="ctr" rotWithShape="0">
+                    <a:schemeClr val="bg2"/>
+                  </a:outerShdw>
+                </a:effectLst>
+              </a14:hiddenEffects>
+            </a:ext>
+          </a:extLst>
+        </p:spPr>
+        <p:txBody>
+          <a:bodyPr vert="horz" wrap="square" lIns="0" tIns="0" rIns="0" bIns="0" numCol="1" anchor="t" anchorCtr="0" compatLnSpc="1">
+            <a:prstTxWarp prst="textNoShape">
+              <a:avLst/>
+            </a:prstTxWarp>
+          </a:bodyPr>
+          <a:lstStyle>
+            <a:lvl1pPr algn="l" defTabSz="1042988" rtl="0" eaLnBrk="1" fontAlgn="base" hangingPunct="1">
+              <a:spcBef>
+                <a:spcPct val="0"/>
+              </a:spcBef>
+              <a:spcAft>
+                <a:spcPct val="0"/>
+              </a:spcAft>
+              <a:defRPr sz="2000" b="1" i="0" baseline="0">
+                <a:solidFill>
+                  <a:schemeClr val="tx2"/>
+                </a:solidFill>
+                <a:latin typeface="+mj-lt"/>
+                <a:ea typeface="+mj-ea"/>
+                <a:cs typeface="+mj-cs"/>
+              </a:defRPr>
+            </a:lvl1pPr>
+            <a:lvl2pPr algn="l" defTabSz="1042988" rtl="0" eaLnBrk="1" fontAlgn="base" hangingPunct="1">
+              <a:spcBef>
+                <a:spcPct val="0"/>
+              </a:spcBef>
+              <a:spcAft>
+                <a:spcPct val="0"/>
+              </a:spcAft>
+              <a:defRPr sz="2000" b="1">
+                <a:solidFill>
+                  <a:schemeClr val="tx2"/>
+                </a:solidFill>
+                <a:latin typeface="Arial" charset="0"/>
+              </a:defRPr>
+            </a:lvl2pPr>
+            <a:lvl3pPr algn="l" defTabSz="1042988" rtl="0" eaLnBrk="1" fontAlgn="base" hangingPunct="1">
+              <a:spcBef>
+                <a:spcPct val="0"/>
+              </a:spcBef>
+              <a:spcAft>
+                <a:spcPct val="0"/>
+              </a:spcAft>
+              <a:defRPr sz="2000" b="1">
+                <a:solidFill>
+                  <a:schemeClr val="tx2"/>
+                </a:solidFill>
+                <a:latin typeface="Arial" charset="0"/>
+              </a:defRPr>
+            </a:lvl3pPr>
+            <a:lvl4pPr algn="l" defTabSz="1042988" rtl="0" eaLnBrk="1" fontAlgn="base" hangingPunct="1">
+              <a:spcBef>
+                <a:spcPct val="0"/>
+              </a:spcBef>
+              <a:spcAft>
+                <a:spcPct val="0"/>
+              </a:spcAft>
+              <a:defRPr sz="2000" b="1">
+                <a:solidFill>
+                  <a:schemeClr val="tx2"/>
+                </a:solidFill>
+                <a:latin typeface="Arial" charset="0"/>
+              </a:defRPr>
+            </a:lvl4pPr>
+            <a:lvl5pPr algn="l" defTabSz="1042988" rtl="0" eaLnBrk="1" fontAlgn="base" hangingPunct="1">
+              <a:spcBef>
+                <a:spcPct val="0"/>
+              </a:spcBef>
+              <a:spcAft>
+                <a:spcPct val="0"/>
+              </a:spcAft>
+              <a:defRPr sz="2000" b="1">
+                <a:solidFill>
+                  <a:schemeClr val="tx2"/>
+                </a:solidFill>
+                <a:latin typeface="Arial" charset="0"/>
+              </a:defRPr>
+            </a:lvl5pPr>
+            <a:lvl6pPr marL="457200" algn="l" defTabSz="1042988" rtl="0" eaLnBrk="1" fontAlgn="base" hangingPunct="1">
+              <a:spcBef>
+                <a:spcPct val="0"/>
+              </a:spcBef>
+              <a:spcAft>
+                <a:spcPct val="0"/>
+              </a:spcAft>
+              <a:defRPr sz="2000" b="1">
+                <a:solidFill>
+                  <a:schemeClr val="tx2"/>
+                </a:solidFill>
+                <a:latin typeface="Arial" charset="0"/>
+              </a:defRPr>
+            </a:lvl6pPr>
+            <a:lvl7pPr marL="914400" algn="l" defTabSz="1042988" rtl="0" eaLnBrk="1" fontAlgn="base" hangingPunct="1">
+              <a:spcBef>
+                <a:spcPct val="0"/>
+              </a:spcBef>
+              <a:spcAft>
+                <a:spcPct val="0"/>
+              </a:spcAft>
+              <a:defRPr sz="2000" b="1">
+                <a:solidFill>
+                  <a:schemeClr val="tx2"/>
+                </a:solidFill>
+                <a:latin typeface="Arial" charset="0"/>
+              </a:defRPr>
+            </a:lvl7pPr>
+            <a:lvl8pPr marL="1371600" algn="l" defTabSz="1042988" rtl="0" eaLnBrk="1" fontAlgn="base" hangingPunct="1">
+              <a:spcBef>
+                <a:spcPct val="0"/>
+              </a:spcBef>
+              <a:spcAft>
+                <a:spcPct val="0"/>
+              </a:spcAft>
+              <a:defRPr sz="2000" b="1">
+                <a:solidFill>
+                  <a:schemeClr val="tx2"/>
+                </a:solidFill>
+                <a:latin typeface="Arial" charset="0"/>
+              </a:defRPr>
+            </a:lvl8pPr>
+            <a:lvl9pPr marL="1828800" algn="l" defTabSz="1042988" rtl="0" eaLnBrk="1" fontAlgn="base" hangingPunct="1">
+              <a:spcBef>
+                <a:spcPct val="0"/>
+              </a:spcBef>
+              <a:spcAft>
+                <a:spcPct val="0"/>
+              </a:spcAft>
+              <a:defRPr sz="2000" b="1">
+                <a:solidFill>
+                  <a:schemeClr val="tx2"/>
+                </a:solidFill>
+                <a:latin typeface="Arial" charset="0"/>
+              </a:defRPr>
+            </a:lvl9pPr>
+          </a:lstStyle>
+          <a:p>
+            <a:r>
+              <a:rPr lang="en-GB" kern="0" dirty="0" smtClean="0"/>
+              <a:t>L1 Regularization</a:t>
+            </a:r>
+            <a:endParaRPr lang="en-GB" kern="0" dirty="0"/>
+          </a:p>
+        </p:txBody>
+      </p:sp>
+    </p:spTree>
+    <p:extLst>
+      <p:ext uri="{BB962C8B-B14F-4D97-AF65-F5344CB8AC3E}">
+        <p14:creationId xmlns:p14="http://schemas.microsoft.com/office/powerpoint/2010/main" val="4198503443"/>
+      </p:ext>
+    </p:extLst>
+  </p:cSld>
+  <p:clrMapOvr>
+    <a:masterClrMapping/>
+  </p:clrMapOvr>
+  <p:timing>
+    <p:tnLst>
+      <p:par>
+        <p:cTn id="1" dur="indefinite" restart="never" nodeType="tmRoot"/>
+      </p:par>
+    </p:tnLst>
+  </p:timing>
+</p:sld>
+</file>
+
 <file path=ppt/slides/slide2.xml><?xml version="1.0" encoding="utf-8"?>
 <p:sld xmlns:a="http://schemas.openxmlformats.org/drawingml/2006/main" xmlns:r="http://schemas.openxmlformats.org/officeDocument/2006/relationships" xmlns:p="http://schemas.openxmlformats.org/presentationml/2006/main">
   <p:cSld>
@@ -6435,7 +6951,7 @@
                   <a:srgbClr val="000000"/>
                 </a:solidFill>
               </a:rPr>
-              <a:t>12.08.2018</a:t>
+              <a:t>14.08.2018</a:t>
             </a:fld>
             <a:endParaRPr lang="de-CH">
               <a:solidFill>
@@ -6672,7 +7188,7 @@
                   <a:srgbClr val="000000"/>
                 </a:solidFill>
               </a:rPr>
-              <a:t>12.08.2018</a:t>
+              <a:t>14.08.2018</a:t>
             </a:fld>
             <a:endParaRPr lang="de-CH">
               <a:solidFill>
@@ -6703,200 +7219,6 @@
                   <a:srgbClr val="000000"/>
                 </a:solidFill>
               </a:rPr>
-              <a:t>Institut i4ds</a:t>
-            </a:r>
-          </a:p>
-        </p:txBody>
-      </p:sp>
-      <p:sp>
-        <p:nvSpPr>
-          <p:cNvPr id="4" name="Foliennummernplatzhalter 3"/>
-          <p:cNvSpPr>
-            <a:spLocks noGrp="1"/>
-          </p:cNvSpPr>
-          <p:nvPr>
-            <p:ph type="sldNum" sz="quarter" idx="12"/>
-          </p:nvPr>
-        </p:nvSpPr>
-        <p:spPr/>
-        <p:txBody>
-          <a:bodyPr/>
-          <a:lstStyle/>
-          <a:p>
-            <a:fld id="{351188DD-6605-4EF4-9E67-B567F731CE68}" type="slidenum">
-              <a:rPr lang="de-CH" smtClean="0">
-                <a:solidFill>
-                  <a:srgbClr val="000000"/>
-                </a:solidFill>
-              </a:rPr>
-              <a:pPr/>
-              <a:t>20</a:t>
-            </a:fld>
-            <a:endParaRPr lang="de-CH">
-              <a:solidFill>
-                <a:srgbClr val="000000"/>
-              </a:solidFill>
-            </a:endParaRPr>
-          </a:p>
-        </p:txBody>
-      </p:sp>
-      <p:sp>
-        <p:nvSpPr>
-          <p:cNvPr id="5" name="Titel 4"/>
-          <p:cNvSpPr>
-            <a:spLocks noGrp="1"/>
-          </p:cNvSpPr>
-          <p:nvPr>
-            <p:ph type="title"/>
-          </p:nvPr>
-        </p:nvSpPr>
-        <p:spPr/>
-        <p:txBody>
-          <a:bodyPr/>
-          <a:lstStyle/>
-          <a:p>
-            <a:endParaRPr lang="en-GB" dirty="0"/>
-          </a:p>
-        </p:txBody>
-      </p:sp>
-      <p:sp>
-        <p:nvSpPr>
-          <p:cNvPr id="6" name="Textplatzhalter 5"/>
-          <p:cNvSpPr>
-            <a:spLocks noGrp="1"/>
-          </p:cNvSpPr>
-          <p:nvPr>
-            <p:ph type="body" idx="1"/>
-          </p:nvPr>
-        </p:nvSpPr>
-        <p:spPr/>
-        <p:txBody>
-          <a:bodyPr/>
-          <a:lstStyle/>
-          <a:p>
-            <a:endParaRPr lang="en-GB"/>
-          </a:p>
-        </p:txBody>
-      </p:sp>
-      <p:pic>
-        <p:nvPicPr>
-          <p:cNvPr id="7" name="Grafik 6"/>
-          <p:cNvPicPr>
-            <a:picLocks noChangeAspect="1"/>
-          </p:cNvPicPr>
-          <p:nvPr/>
-        </p:nvPicPr>
-        <p:blipFill>
-          <a:blip r:embed="rId2">
-            <a:extLst>
-              <a:ext uri="{28A0092B-C50C-407E-A947-70E740481C1C}">
-                <a14:useLocalDpi xmlns:a14="http://schemas.microsoft.com/office/drawing/2010/main" val="0"/>
-              </a:ext>
-            </a:extLst>
-          </a:blip>
-          <a:stretch>
-            <a:fillRect/>
-          </a:stretch>
-        </p:blipFill>
-        <p:spPr>
-          <a:xfrm>
-            <a:off x="3061472" y="215572"/>
-            <a:ext cx="4564105" cy="6713865"/>
-          </a:xfrm>
-          <a:prstGeom prst="rect">
-            <a:avLst/>
-          </a:prstGeom>
-        </p:spPr>
-      </p:pic>
-    </p:spTree>
-    <p:extLst>
-      <p:ext uri="{BB962C8B-B14F-4D97-AF65-F5344CB8AC3E}">
-        <p14:creationId xmlns:p14="http://schemas.microsoft.com/office/powerpoint/2010/main" val="4040988550"/>
-      </p:ext>
-    </p:extLst>
-  </p:cSld>
-  <p:clrMapOvr>
-    <a:masterClrMapping/>
-  </p:clrMapOvr>
-  <p:timing>
-    <p:tnLst>
-      <p:par>
-        <p:cTn id="1" dur="indefinite" restart="never" nodeType="tmRoot"/>
-      </p:par>
-    </p:tnLst>
-  </p:timing>
-</p:sld>
-</file>
-
-<file path=ppt/slides/slide21.xml><?xml version="1.0" encoding="utf-8"?>
-<p:sld xmlns:a="http://schemas.openxmlformats.org/drawingml/2006/main" xmlns:r="http://schemas.openxmlformats.org/officeDocument/2006/relationships" xmlns:p="http://schemas.openxmlformats.org/presentationml/2006/main">
-  <p:cSld>
-    <p:spTree>
-      <p:nvGrpSpPr>
-        <p:cNvPr id="1" name=""/>
-        <p:cNvGrpSpPr/>
-        <p:nvPr/>
-      </p:nvGrpSpPr>
-      <p:grpSpPr>
-        <a:xfrm>
-          <a:off x="0" y="0"/>
-          <a:ext cx="0" cy="0"/>
-          <a:chOff x="0" y="0"/>
-          <a:chExt cx="0" cy="0"/>
-        </a:xfrm>
-      </p:grpSpPr>
-      <p:sp>
-        <p:nvSpPr>
-          <p:cNvPr id="2" name="Datumsplatzhalter 1"/>
-          <p:cNvSpPr>
-            <a:spLocks noGrp="1"/>
-          </p:cNvSpPr>
-          <p:nvPr>
-            <p:ph type="dt" sz="half" idx="10"/>
-          </p:nvPr>
-        </p:nvSpPr>
-        <p:spPr/>
-        <p:txBody>
-          <a:bodyPr/>
-          <a:lstStyle/>
-          <a:p>
-            <a:fld id="{5E48492E-72D1-4785-9351-8AE1E40FBA2D}" type="datetime1">
-              <a:rPr lang="de-CH" smtClean="0">
-                <a:solidFill>
-                  <a:srgbClr val="000000"/>
-                </a:solidFill>
-              </a:rPr>
-              <a:t>12.08.2018</a:t>
-            </a:fld>
-            <a:endParaRPr lang="de-CH">
-              <a:solidFill>
-                <a:srgbClr val="000000"/>
-              </a:solidFill>
-            </a:endParaRPr>
-          </a:p>
-        </p:txBody>
-      </p:sp>
-      <p:sp>
-        <p:nvSpPr>
-          <p:cNvPr id="3" name="Fußzeilenplatzhalter 2"/>
-          <p:cNvSpPr>
-            <a:spLocks noGrp="1"/>
-          </p:cNvSpPr>
-          <p:nvPr>
-            <p:ph type="ftr" sz="quarter" idx="11"/>
-          </p:nvPr>
-        </p:nvSpPr>
-        <p:spPr/>
-        <p:txBody>
-          <a:bodyPr/>
-          <a:lstStyle/>
-          <a:p>
-            <a:r>
-              <a:rPr lang="de-CH" dirty="0">
-                <a:solidFill>
-                  <a:srgbClr val="000000"/>
-                </a:solidFill>
-              </a:rPr>
               <a:t>Institut </a:t>
             </a:r>
             <a:r>
@@ -6937,1094 +7259,7 @@
                 </a:solidFill>
               </a:rPr>
               <a:pPr/>
-              <a:t>21</a:t>
-            </a:fld>
-            <a:endParaRPr lang="de-CH">
-              <a:solidFill>
-                <a:srgbClr val="000000"/>
-              </a:solidFill>
-            </a:endParaRPr>
-          </a:p>
-        </p:txBody>
-      </p:sp>
-      <p:sp>
-        <p:nvSpPr>
-          <p:cNvPr id="5" name="Titel 4"/>
-          <p:cNvSpPr>
-            <a:spLocks noGrp="1"/>
-          </p:cNvSpPr>
-          <p:nvPr>
-            <p:ph type="title"/>
-          </p:nvPr>
-        </p:nvSpPr>
-        <p:spPr/>
-        <p:txBody>
-          <a:bodyPr/>
-          <a:lstStyle/>
-          <a:p>
-            <a:r>
-              <a:rPr lang="en-GB" dirty="0" smtClean="0"/>
-              <a:t>Regularizations</a:t>
-            </a:r>
-            <a:endParaRPr lang="en-GB" dirty="0"/>
-          </a:p>
-        </p:txBody>
-      </p:sp>
-      <p:sp>
-        <p:nvSpPr>
-          <p:cNvPr id="6" name="Textplatzhalter 5"/>
-          <p:cNvSpPr>
-            <a:spLocks noGrp="1"/>
-          </p:cNvSpPr>
-          <p:nvPr>
-            <p:ph type="body" idx="1"/>
-          </p:nvPr>
-        </p:nvSpPr>
-        <p:spPr/>
-        <p:txBody>
-          <a:bodyPr/>
-          <a:lstStyle/>
-          <a:p>
-            <a:pPr marL="342900" indent="-342900">
-              <a:buFont typeface="Arial" panose="020B0604020202020204" pitchFamily="34" charset="0"/>
-              <a:buChar char="•"/>
-            </a:pPr>
-            <a:r>
-              <a:rPr lang="en-GB" dirty="0" smtClean="0"/>
-              <a:t>L0</a:t>
-            </a:r>
-          </a:p>
-          <a:p>
-            <a:pPr marL="342900" indent="-342900">
-              <a:buFont typeface="Arial" panose="020B0604020202020204" pitchFamily="34" charset="0"/>
-              <a:buChar char="•"/>
-            </a:pPr>
-            <a:r>
-              <a:rPr lang="en-GB" dirty="0" smtClean="0"/>
-              <a:t>L1</a:t>
-            </a:r>
-            <a:endParaRPr lang="en-GB" dirty="0" smtClean="0"/>
-          </a:p>
-          <a:p>
-            <a:pPr marL="342900" indent="-342900">
-              <a:buFont typeface="Arial" panose="020B0604020202020204" pitchFamily="34" charset="0"/>
-              <a:buChar char="•"/>
-            </a:pPr>
-            <a:r>
-              <a:rPr lang="en-GB" dirty="0" smtClean="0"/>
-              <a:t>L2</a:t>
-            </a:r>
-          </a:p>
-          <a:p>
-            <a:pPr marL="342900" indent="-342900">
-              <a:buFont typeface="Arial" panose="020B0604020202020204" pitchFamily="34" charset="0"/>
-              <a:buChar char="•"/>
-            </a:pPr>
-            <a:r>
-              <a:rPr lang="en-GB" dirty="0" smtClean="0"/>
-              <a:t>Total Variation</a:t>
-            </a:r>
-          </a:p>
-          <a:p>
-            <a:pPr marL="342900" indent="-342900">
-              <a:buFont typeface="Arial" panose="020B0604020202020204" pitchFamily="34" charset="0"/>
-              <a:buChar char="•"/>
-            </a:pPr>
-            <a:r>
-              <a:rPr lang="en-GB" dirty="0" smtClean="0"/>
-              <a:t>L1 + L2</a:t>
-            </a:r>
-          </a:p>
-          <a:p>
-            <a:pPr marL="342900" indent="-342900">
-              <a:buFont typeface="Arial" panose="020B0604020202020204" pitchFamily="34" charset="0"/>
-              <a:buChar char="•"/>
-            </a:pPr>
-            <a:r>
-              <a:rPr lang="en-GB" dirty="0" smtClean="0"/>
-              <a:t>Starlet</a:t>
-            </a:r>
-            <a:endParaRPr lang="en-GB" dirty="0"/>
-          </a:p>
-        </p:txBody>
-      </p:sp>
-    </p:spTree>
-    <p:extLst>
-      <p:ext uri="{BB962C8B-B14F-4D97-AF65-F5344CB8AC3E}">
-        <p14:creationId xmlns:p14="http://schemas.microsoft.com/office/powerpoint/2010/main" val="769980622"/>
-      </p:ext>
-    </p:extLst>
-  </p:cSld>
-  <p:clrMapOvr>
-    <a:masterClrMapping/>
-  </p:clrMapOvr>
-  <p:timing>
-    <p:tnLst>
-      <p:par>
-        <p:cTn id="1" dur="indefinite" restart="never" nodeType="tmRoot"/>
-      </p:par>
-    </p:tnLst>
-  </p:timing>
-</p:sld>
-</file>
-
-<file path=ppt/slides/slide22.xml><?xml version="1.0" encoding="utf-8"?>
-<p:sld xmlns:a="http://schemas.openxmlformats.org/drawingml/2006/main" xmlns:r="http://schemas.openxmlformats.org/officeDocument/2006/relationships" xmlns:p="http://schemas.openxmlformats.org/presentationml/2006/main">
-  <p:cSld>
-    <p:spTree>
-      <p:nvGrpSpPr>
-        <p:cNvPr id="1" name=""/>
-        <p:cNvGrpSpPr/>
-        <p:nvPr/>
-      </p:nvGrpSpPr>
-      <p:grpSpPr>
-        <a:xfrm>
-          <a:off x="0" y="0"/>
-          <a:ext cx="0" cy="0"/>
-          <a:chOff x="0" y="0"/>
-          <a:chExt cx="0" cy="0"/>
-        </a:xfrm>
-      </p:grpSpPr>
-      <p:sp>
-        <p:nvSpPr>
-          <p:cNvPr id="2" name="Datumsplatzhalter 1"/>
-          <p:cNvSpPr>
-            <a:spLocks noGrp="1"/>
-          </p:cNvSpPr>
-          <p:nvPr>
-            <p:ph type="dt" sz="half" idx="10"/>
-          </p:nvPr>
-        </p:nvSpPr>
-        <p:spPr/>
-        <p:txBody>
-          <a:bodyPr/>
-          <a:lstStyle/>
-          <a:p>
-            <a:fld id="{5E48492E-72D1-4785-9351-8AE1E40FBA2D}" type="datetime1">
-              <a:rPr lang="de-CH" smtClean="0">
-                <a:solidFill>
-                  <a:srgbClr val="000000"/>
-                </a:solidFill>
-              </a:rPr>
-              <a:t>13.08.2018</a:t>
-            </a:fld>
-            <a:endParaRPr lang="de-CH">
-              <a:solidFill>
-                <a:srgbClr val="000000"/>
-              </a:solidFill>
-            </a:endParaRPr>
-          </a:p>
-        </p:txBody>
-      </p:sp>
-      <p:sp>
-        <p:nvSpPr>
-          <p:cNvPr id="3" name="Fußzeilenplatzhalter 2"/>
-          <p:cNvSpPr>
-            <a:spLocks noGrp="1"/>
-          </p:cNvSpPr>
-          <p:nvPr>
-            <p:ph type="ftr" sz="quarter" idx="11"/>
-          </p:nvPr>
-        </p:nvSpPr>
-        <p:spPr/>
-        <p:txBody>
-          <a:bodyPr/>
-          <a:lstStyle/>
-          <a:p>
-            <a:r>
-              <a:rPr lang="de-CH" dirty="0">
-                <a:solidFill>
-                  <a:srgbClr val="000000"/>
-                </a:solidFill>
-              </a:rPr>
-              <a:t>Institut i4ds</a:t>
-            </a:r>
-          </a:p>
-        </p:txBody>
-      </p:sp>
-      <p:sp>
-        <p:nvSpPr>
-          <p:cNvPr id="4" name="Foliennummernplatzhalter 3"/>
-          <p:cNvSpPr>
-            <a:spLocks noGrp="1"/>
-          </p:cNvSpPr>
-          <p:nvPr>
-            <p:ph type="sldNum" sz="quarter" idx="12"/>
-          </p:nvPr>
-        </p:nvSpPr>
-        <p:spPr/>
-        <p:txBody>
-          <a:bodyPr/>
-          <a:lstStyle/>
-          <a:p>
-            <a:fld id="{351188DD-6605-4EF4-9E67-B567F731CE68}" type="slidenum">
-              <a:rPr lang="de-CH" smtClean="0">
-                <a:solidFill>
-                  <a:srgbClr val="000000"/>
-                </a:solidFill>
-              </a:rPr>
-              <a:pPr/>
-              <a:t>22</a:t>
-            </a:fld>
-            <a:endParaRPr lang="de-CH">
-              <a:solidFill>
-                <a:srgbClr val="000000"/>
-              </a:solidFill>
-            </a:endParaRPr>
-          </a:p>
-        </p:txBody>
-      </p:sp>
-      <p:sp>
-        <p:nvSpPr>
-          <p:cNvPr id="5" name="Titel 4"/>
-          <p:cNvSpPr>
-            <a:spLocks noGrp="1"/>
-          </p:cNvSpPr>
-          <p:nvPr>
-            <p:ph type="title"/>
-          </p:nvPr>
-        </p:nvSpPr>
-        <p:spPr>
-          <a:xfrm>
-            <a:off x="736600" y="1509713"/>
-            <a:ext cx="4508624" cy="361950"/>
-          </a:xfrm>
-        </p:spPr>
-        <p:txBody>
-          <a:bodyPr/>
-          <a:lstStyle/>
-          <a:p>
-            <a:r>
-              <a:rPr lang="de-DE" dirty="0" smtClean="0"/>
-              <a:t>10s VLA Observation</a:t>
-            </a:r>
-            <a:endParaRPr lang="de-DE" dirty="0"/>
-          </a:p>
-        </p:txBody>
-      </p:sp>
-      <p:sp>
-        <p:nvSpPr>
-          <p:cNvPr id="6" name="Textplatzhalter 5"/>
-          <p:cNvSpPr>
-            <a:spLocks noGrp="1"/>
-          </p:cNvSpPr>
-          <p:nvPr>
-            <p:ph type="body" idx="1"/>
-          </p:nvPr>
-        </p:nvSpPr>
-        <p:spPr/>
-        <p:txBody>
-          <a:bodyPr/>
-          <a:lstStyle/>
-          <a:p>
-            <a:endParaRPr lang="de-DE" dirty="0"/>
-          </a:p>
-        </p:txBody>
-      </p:sp>
-      <p:pic>
-        <p:nvPicPr>
-          <p:cNvPr id="8" name="Grafik 7"/>
-          <p:cNvPicPr>
-            <a:picLocks noChangeAspect="1"/>
-          </p:cNvPicPr>
-          <p:nvPr/>
-        </p:nvPicPr>
-        <p:blipFill rotWithShape="1">
-          <a:blip r:embed="rId3" cstate="print">
-            <a:extLst>
-              <a:ext uri="{28A0092B-C50C-407E-A947-70E740481C1C}">
-                <a14:useLocalDpi xmlns:a14="http://schemas.microsoft.com/office/drawing/2010/main" val="0"/>
-              </a:ext>
-            </a:extLst>
-          </a:blip>
-          <a:srcRect l="4075" t="3940" r="3988" b="4122"/>
-          <a:stretch/>
-        </p:blipFill>
-        <p:spPr>
-          <a:xfrm>
-            <a:off x="708719" y="2087913"/>
-            <a:ext cx="4536505" cy="4536504"/>
-          </a:xfrm>
-          <a:prstGeom prst="rect">
-            <a:avLst/>
-          </a:prstGeom>
-        </p:spPr>
-      </p:pic>
-      <p:pic>
-        <p:nvPicPr>
-          <p:cNvPr id="7" name="Grafik 6"/>
-          <p:cNvPicPr>
-            <a:picLocks noChangeAspect="1"/>
-          </p:cNvPicPr>
-          <p:nvPr/>
-        </p:nvPicPr>
-        <p:blipFill rotWithShape="1">
-          <a:blip r:embed="rId4">
-            <a:extLst>
-              <a:ext uri="{28A0092B-C50C-407E-A947-70E740481C1C}">
-                <a14:useLocalDpi xmlns:a14="http://schemas.microsoft.com/office/drawing/2010/main" val="0"/>
-              </a:ext>
-            </a:extLst>
-          </a:blip>
-          <a:srcRect l="32789" t="29175" r="29362" b="31201"/>
-          <a:stretch/>
-        </p:blipFill>
-        <p:spPr>
-          <a:xfrm>
-            <a:off x="5490716" y="2124646"/>
-            <a:ext cx="4608512" cy="4536504"/>
-          </a:xfrm>
-          <a:prstGeom prst="rect">
-            <a:avLst/>
-          </a:prstGeom>
-        </p:spPr>
-      </p:pic>
-      <p:sp>
-        <p:nvSpPr>
-          <p:cNvPr id="9" name="Titel 4"/>
-          <p:cNvSpPr txBox="1">
-            <a:spLocks/>
-          </p:cNvSpPr>
-          <p:nvPr/>
-        </p:nvSpPr>
-        <p:spPr bwMode="auto">
-          <a:xfrm>
-            <a:off x="5540660" y="1509713"/>
-            <a:ext cx="4508624" cy="361950"/>
-          </a:xfrm>
-          <a:prstGeom prst="rect">
-            <a:avLst/>
-          </a:prstGeom>
-          <a:noFill/>
-          <a:ln>
-            <a:noFill/>
-          </a:ln>
-          <a:effectLst/>
-          <a:extLst>
-            <a:ext uri="{909E8E84-426E-40dd-AFC4-6F175D3DCCD1}">
-              <a14:hiddenFill xmlns="" xmlns:a14="http://schemas.microsoft.com/office/drawing/2010/main">
-                <a:solidFill>
-                  <a:schemeClr val="accent1"/>
-                </a:solidFill>
-              </a14:hiddenFill>
-            </a:ext>
-            <a:ext uri="{91240B29-F687-4f45-9708-019B960494DF}">
-              <a14:hiddenLine xmlns="" xmlns:a14="http://schemas.microsoft.com/office/drawing/2010/main" w="9525">
-                <a:solidFill>
-                  <a:schemeClr val="tx1"/>
-                </a:solidFill>
-                <a:miter lim="800000"/>
-                <a:headEnd/>
-                <a:tailEnd/>
-              </a14:hiddenLine>
-            </a:ext>
-            <a:ext uri="{AF507438-7753-43e0-B8FC-AC1667EBCBE1}">
-              <a14:hiddenEffects xmlns="" xmlns:a14="http://schemas.microsoft.com/office/drawing/2010/main">
-                <a:effectLst>
-                  <a:outerShdw dist="35921" dir="2700000" algn="ctr" rotWithShape="0">
-                    <a:schemeClr val="bg2"/>
-                  </a:outerShdw>
-                </a:effectLst>
-              </a14:hiddenEffects>
-            </a:ext>
-          </a:extLst>
-        </p:spPr>
-        <p:txBody>
-          <a:bodyPr vert="horz" wrap="square" lIns="0" tIns="0" rIns="0" bIns="0" numCol="1" anchor="t" anchorCtr="0" compatLnSpc="1">
-            <a:prstTxWarp prst="textNoShape">
-              <a:avLst/>
-            </a:prstTxWarp>
-          </a:bodyPr>
-          <a:lstStyle>
-            <a:lvl1pPr algn="l" defTabSz="1042988" rtl="0" eaLnBrk="1" fontAlgn="base" hangingPunct="1">
-              <a:spcBef>
-                <a:spcPct val="0"/>
-              </a:spcBef>
-              <a:spcAft>
-                <a:spcPct val="0"/>
-              </a:spcAft>
-              <a:defRPr sz="2000" b="1" i="0" baseline="0">
-                <a:solidFill>
-                  <a:schemeClr val="tx2"/>
-                </a:solidFill>
-                <a:latin typeface="+mj-lt"/>
-                <a:ea typeface="+mj-ea"/>
-                <a:cs typeface="+mj-cs"/>
-              </a:defRPr>
-            </a:lvl1pPr>
-            <a:lvl2pPr algn="l" defTabSz="1042988" rtl="0" eaLnBrk="1" fontAlgn="base" hangingPunct="1">
-              <a:spcBef>
-                <a:spcPct val="0"/>
-              </a:spcBef>
-              <a:spcAft>
-                <a:spcPct val="0"/>
-              </a:spcAft>
-              <a:defRPr sz="2000" b="1">
-                <a:solidFill>
-                  <a:schemeClr val="tx2"/>
-                </a:solidFill>
-                <a:latin typeface="Arial" charset="0"/>
-              </a:defRPr>
-            </a:lvl2pPr>
-            <a:lvl3pPr algn="l" defTabSz="1042988" rtl="0" eaLnBrk="1" fontAlgn="base" hangingPunct="1">
-              <a:spcBef>
-                <a:spcPct val="0"/>
-              </a:spcBef>
-              <a:spcAft>
-                <a:spcPct val="0"/>
-              </a:spcAft>
-              <a:defRPr sz="2000" b="1">
-                <a:solidFill>
-                  <a:schemeClr val="tx2"/>
-                </a:solidFill>
-                <a:latin typeface="Arial" charset="0"/>
-              </a:defRPr>
-            </a:lvl3pPr>
-            <a:lvl4pPr algn="l" defTabSz="1042988" rtl="0" eaLnBrk="1" fontAlgn="base" hangingPunct="1">
-              <a:spcBef>
-                <a:spcPct val="0"/>
-              </a:spcBef>
-              <a:spcAft>
-                <a:spcPct val="0"/>
-              </a:spcAft>
-              <a:defRPr sz="2000" b="1">
-                <a:solidFill>
-                  <a:schemeClr val="tx2"/>
-                </a:solidFill>
-                <a:latin typeface="Arial" charset="0"/>
-              </a:defRPr>
-            </a:lvl4pPr>
-            <a:lvl5pPr algn="l" defTabSz="1042988" rtl="0" eaLnBrk="1" fontAlgn="base" hangingPunct="1">
-              <a:spcBef>
-                <a:spcPct val="0"/>
-              </a:spcBef>
-              <a:spcAft>
-                <a:spcPct val="0"/>
-              </a:spcAft>
-              <a:defRPr sz="2000" b="1">
-                <a:solidFill>
-                  <a:schemeClr val="tx2"/>
-                </a:solidFill>
-                <a:latin typeface="Arial" charset="0"/>
-              </a:defRPr>
-            </a:lvl5pPr>
-            <a:lvl6pPr marL="457200" algn="l" defTabSz="1042988" rtl="0" eaLnBrk="1" fontAlgn="base" hangingPunct="1">
-              <a:spcBef>
-                <a:spcPct val="0"/>
-              </a:spcBef>
-              <a:spcAft>
-                <a:spcPct val="0"/>
-              </a:spcAft>
-              <a:defRPr sz="2000" b="1">
-                <a:solidFill>
-                  <a:schemeClr val="tx2"/>
-                </a:solidFill>
-                <a:latin typeface="Arial" charset="0"/>
-              </a:defRPr>
-            </a:lvl6pPr>
-            <a:lvl7pPr marL="914400" algn="l" defTabSz="1042988" rtl="0" eaLnBrk="1" fontAlgn="base" hangingPunct="1">
-              <a:spcBef>
-                <a:spcPct val="0"/>
-              </a:spcBef>
-              <a:spcAft>
-                <a:spcPct val="0"/>
-              </a:spcAft>
-              <a:defRPr sz="2000" b="1">
-                <a:solidFill>
-                  <a:schemeClr val="tx2"/>
-                </a:solidFill>
-                <a:latin typeface="Arial" charset="0"/>
-              </a:defRPr>
-            </a:lvl7pPr>
-            <a:lvl8pPr marL="1371600" algn="l" defTabSz="1042988" rtl="0" eaLnBrk="1" fontAlgn="base" hangingPunct="1">
-              <a:spcBef>
-                <a:spcPct val="0"/>
-              </a:spcBef>
-              <a:spcAft>
-                <a:spcPct val="0"/>
-              </a:spcAft>
-              <a:defRPr sz="2000" b="1">
-                <a:solidFill>
-                  <a:schemeClr val="tx2"/>
-                </a:solidFill>
-                <a:latin typeface="Arial" charset="0"/>
-              </a:defRPr>
-            </a:lvl8pPr>
-            <a:lvl9pPr marL="1828800" algn="l" defTabSz="1042988" rtl="0" eaLnBrk="1" fontAlgn="base" hangingPunct="1">
-              <a:spcBef>
-                <a:spcPct val="0"/>
-              </a:spcBef>
-              <a:spcAft>
-                <a:spcPct val="0"/>
-              </a:spcAft>
-              <a:defRPr sz="2000" b="1">
-                <a:solidFill>
-                  <a:schemeClr val="tx2"/>
-                </a:solidFill>
-                <a:latin typeface="Arial" charset="0"/>
-              </a:defRPr>
-            </a:lvl9pPr>
-          </a:lstStyle>
-          <a:p>
-            <a:r>
-              <a:rPr lang="de-DE" kern="0" dirty="0" smtClean="0"/>
-              <a:t>RAO </a:t>
-            </a:r>
-            <a:r>
-              <a:rPr lang="de-DE" kern="0" dirty="0" err="1"/>
-              <a:t>R</a:t>
-            </a:r>
-            <a:r>
-              <a:rPr lang="de-DE" kern="0" dirty="0" err="1" smtClean="0"/>
-              <a:t>econstruction</a:t>
-            </a:r>
-            <a:endParaRPr lang="de-DE" kern="0" dirty="0"/>
-          </a:p>
-        </p:txBody>
-      </p:sp>
-    </p:spTree>
-    <p:extLst>
-      <p:ext uri="{BB962C8B-B14F-4D97-AF65-F5344CB8AC3E}">
-        <p14:creationId xmlns:p14="http://schemas.microsoft.com/office/powerpoint/2010/main" val="3378604655"/>
-      </p:ext>
-    </p:extLst>
-  </p:cSld>
-  <p:clrMapOvr>
-    <a:masterClrMapping/>
-  </p:clrMapOvr>
-</p:sld>
-</file>
-
-<file path=ppt/slides/slide23.xml><?xml version="1.0" encoding="utf-8"?>
-<p:sld xmlns:a="http://schemas.openxmlformats.org/drawingml/2006/main" xmlns:r="http://schemas.openxmlformats.org/officeDocument/2006/relationships" xmlns:p="http://schemas.openxmlformats.org/presentationml/2006/main">
-  <p:cSld>
-    <p:spTree>
-      <p:nvGrpSpPr>
-        <p:cNvPr id="1" name=""/>
-        <p:cNvGrpSpPr/>
-        <p:nvPr/>
-      </p:nvGrpSpPr>
-      <p:grpSpPr>
-        <a:xfrm>
-          <a:off x="0" y="0"/>
-          <a:ext cx="0" cy="0"/>
-          <a:chOff x="0" y="0"/>
-          <a:chExt cx="0" cy="0"/>
-        </a:xfrm>
-      </p:grpSpPr>
-      <p:pic>
-        <p:nvPicPr>
-          <p:cNvPr id="7" name="Grafik 6"/>
-          <p:cNvPicPr>
-            <a:picLocks noChangeAspect="1"/>
-          </p:cNvPicPr>
-          <p:nvPr/>
-        </p:nvPicPr>
-        <p:blipFill rotWithShape="1">
-          <a:blip r:embed="rId2">
-            <a:extLst>
-              <a:ext uri="{28A0092B-C50C-407E-A947-70E740481C1C}">
-                <a14:useLocalDpi xmlns:a14="http://schemas.microsoft.com/office/drawing/2010/main" val="0"/>
-              </a:ext>
-            </a:extLst>
-          </a:blip>
-          <a:srcRect r="251"/>
-          <a:stretch/>
-        </p:blipFill>
-        <p:spPr>
-          <a:xfrm>
-            <a:off x="4770636" y="1606080"/>
-            <a:ext cx="5472608" cy="5486411"/>
-          </a:xfrm>
-          <a:prstGeom prst="rect">
-            <a:avLst/>
-          </a:prstGeom>
-        </p:spPr>
-      </p:pic>
-      <p:pic>
-        <p:nvPicPr>
-          <p:cNvPr id="9" name="Grafik 8"/>
-          <p:cNvPicPr>
-            <a:picLocks noChangeAspect="1"/>
-          </p:cNvPicPr>
-          <p:nvPr/>
-        </p:nvPicPr>
-        <p:blipFill rotWithShape="1">
-          <a:blip r:embed="rId3">
-            <a:extLst>
-              <a:ext uri="{28A0092B-C50C-407E-A947-70E740481C1C}">
-                <a14:useLocalDpi xmlns:a14="http://schemas.microsoft.com/office/drawing/2010/main" val="0"/>
-              </a:ext>
-            </a:extLst>
-          </a:blip>
-          <a:srcRect r="15750"/>
-          <a:stretch/>
-        </p:blipFill>
-        <p:spPr>
-          <a:xfrm>
-            <a:off x="148321" y="1606588"/>
-            <a:ext cx="4622315" cy="5486411"/>
-          </a:xfrm>
-          <a:prstGeom prst="rect">
-            <a:avLst/>
-          </a:prstGeom>
-        </p:spPr>
-      </p:pic>
-      <p:sp>
-        <p:nvSpPr>
-          <p:cNvPr id="2" name="Datumsplatzhalter 1"/>
-          <p:cNvSpPr>
-            <a:spLocks noGrp="1"/>
-          </p:cNvSpPr>
-          <p:nvPr>
-            <p:ph type="dt" sz="half" idx="10"/>
-          </p:nvPr>
-        </p:nvSpPr>
-        <p:spPr/>
-        <p:txBody>
-          <a:bodyPr/>
-          <a:lstStyle/>
-          <a:p>
-            <a:fld id="{5E48492E-72D1-4785-9351-8AE1E40FBA2D}" type="datetime1">
-              <a:rPr lang="de-CH" smtClean="0">
-                <a:solidFill>
-                  <a:srgbClr val="000000"/>
-                </a:solidFill>
-              </a:rPr>
-              <a:t>12.08.2018</a:t>
-            </a:fld>
-            <a:endParaRPr lang="de-CH">
-              <a:solidFill>
-                <a:srgbClr val="000000"/>
-              </a:solidFill>
-            </a:endParaRPr>
-          </a:p>
-        </p:txBody>
-      </p:sp>
-      <p:sp>
-        <p:nvSpPr>
-          <p:cNvPr id="3" name="Fußzeilenplatzhalter 2"/>
-          <p:cNvSpPr>
-            <a:spLocks noGrp="1"/>
-          </p:cNvSpPr>
-          <p:nvPr>
-            <p:ph type="ftr" sz="quarter" idx="11"/>
-          </p:nvPr>
-        </p:nvSpPr>
-        <p:spPr/>
-        <p:txBody>
-          <a:bodyPr/>
-          <a:lstStyle/>
-          <a:p>
-            <a:r>
-              <a:rPr lang="de-CH" dirty="0">
-                <a:solidFill>
-                  <a:srgbClr val="000000"/>
-                </a:solidFill>
-              </a:rPr>
-              <a:t>Institut </a:t>
-            </a:r>
-            <a:r>
-              <a:rPr lang="de-CH" dirty="0" smtClean="0">
-                <a:solidFill>
-                  <a:srgbClr val="000000"/>
-                </a:solidFill>
-              </a:rPr>
-              <a:t>i4ds</a:t>
-            </a:r>
-            <a:endParaRPr lang="de-CH" dirty="0">
-              <a:solidFill>
-                <a:srgbClr val="000000"/>
-              </a:solidFill>
-            </a:endParaRPr>
-          </a:p>
-        </p:txBody>
-      </p:sp>
-      <p:sp>
-        <p:nvSpPr>
-          <p:cNvPr id="4" name="Foliennummernplatzhalter 3"/>
-          <p:cNvSpPr>
-            <a:spLocks noGrp="1"/>
-          </p:cNvSpPr>
-          <p:nvPr>
-            <p:ph type="sldNum" sz="quarter" idx="12"/>
-          </p:nvPr>
-        </p:nvSpPr>
-        <p:spPr/>
-        <p:txBody>
-          <a:bodyPr/>
-          <a:lstStyle/>
-          <a:p>
-            <a:fld id="{351188DD-6605-4EF4-9E67-B567F731CE68}" type="slidenum">
-              <a:rPr lang="de-CH" smtClean="0">
-                <a:solidFill>
-                  <a:srgbClr val="000000"/>
-                </a:solidFill>
-              </a:rPr>
-              <a:pPr/>
-              <a:t>23</a:t>
-            </a:fld>
-            <a:endParaRPr lang="de-CH">
-              <a:solidFill>
-                <a:srgbClr val="000000"/>
-              </a:solidFill>
-            </a:endParaRPr>
-          </a:p>
-        </p:txBody>
-      </p:sp>
-      <p:sp>
-        <p:nvSpPr>
-          <p:cNvPr id="5" name="Titel 4"/>
-          <p:cNvSpPr>
-            <a:spLocks noGrp="1"/>
-          </p:cNvSpPr>
-          <p:nvPr>
-            <p:ph type="title"/>
-          </p:nvPr>
-        </p:nvSpPr>
-        <p:spPr>
-          <a:xfrm>
-            <a:off x="736600" y="1792723"/>
-            <a:ext cx="2953916" cy="395288"/>
-          </a:xfrm>
-        </p:spPr>
-        <p:txBody>
-          <a:bodyPr/>
-          <a:lstStyle/>
-          <a:p>
-            <a:r>
-              <a:rPr lang="en-GB" dirty="0" smtClean="0"/>
-              <a:t>CLEAN	</a:t>
-            </a:r>
-            <a:endParaRPr lang="en-GB" dirty="0"/>
-          </a:p>
-        </p:txBody>
-      </p:sp>
-      <p:sp>
-        <p:nvSpPr>
-          <p:cNvPr id="13" name="Titel 4"/>
-          <p:cNvSpPr txBox="1">
-            <a:spLocks/>
-          </p:cNvSpPr>
-          <p:nvPr/>
-        </p:nvSpPr>
-        <p:spPr bwMode="auto">
-          <a:xfrm>
-            <a:off x="5359019" y="1843966"/>
-            <a:ext cx="2862644" cy="344045"/>
-          </a:xfrm>
-          <a:prstGeom prst="rect">
-            <a:avLst/>
-          </a:prstGeom>
-          <a:noFill/>
-          <a:ln>
-            <a:noFill/>
-          </a:ln>
-          <a:effectLst/>
-          <a:extLst>
-            <a:ext uri="{909E8E84-426E-40dd-AFC4-6F175D3DCCD1}">
-              <a14:hiddenFill xmlns="" xmlns:a14="http://schemas.microsoft.com/office/drawing/2010/main">
-                <a:solidFill>
-                  <a:schemeClr val="accent1"/>
-                </a:solidFill>
-              </a14:hiddenFill>
-            </a:ext>
-            <a:ext uri="{91240B29-F687-4f45-9708-019B960494DF}">
-              <a14:hiddenLine xmlns="" xmlns:a14="http://schemas.microsoft.com/office/drawing/2010/main" w="9525">
-                <a:solidFill>
-                  <a:schemeClr val="tx1"/>
-                </a:solidFill>
-                <a:miter lim="800000"/>
-                <a:headEnd/>
-                <a:tailEnd/>
-              </a14:hiddenLine>
-            </a:ext>
-            <a:ext uri="{AF507438-7753-43e0-B8FC-AC1667EBCBE1}">
-              <a14:hiddenEffects xmlns="" xmlns:a14="http://schemas.microsoft.com/office/drawing/2010/main">
-                <a:effectLst>
-                  <a:outerShdw dist="35921" dir="2700000" algn="ctr" rotWithShape="0">
-                    <a:schemeClr val="bg2"/>
-                  </a:outerShdw>
-                </a:effectLst>
-              </a14:hiddenEffects>
-            </a:ext>
-          </a:extLst>
-        </p:spPr>
-        <p:txBody>
-          <a:bodyPr vert="horz" wrap="square" lIns="0" tIns="0" rIns="0" bIns="0" numCol="1" anchor="t" anchorCtr="0" compatLnSpc="1">
-            <a:prstTxWarp prst="textNoShape">
-              <a:avLst/>
-            </a:prstTxWarp>
-          </a:bodyPr>
-          <a:lstStyle>
-            <a:lvl1pPr algn="l" defTabSz="1042988" rtl="0" eaLnBrk="1" fontAlgn="base" hangingPunct="1">
-              <a:spcBef>
-                <a:spcPct val="0"/>
-              </a:spcBef>
-              <a:spcAft>
-                <a:spcPct val="0"/>
-              </a:spcAft>
-              <a:defRPr sz="2000" b="1" i="0" baseline="0">
-                <a:solidFill>
-                  <a:schemeClr val="tx2"/>
-                </a:solidFill>
-                <a:latin typeface="+mj-lt"/>
-                <a:ea typeface="+mj-ea"/>
-                <a:cs typeface="+mj-cs"/>
-              </a:defRPr>
-            </a:lvl1pPr>
-            <a:lvl2pPr algn="l" defTabSz="1042988" rtl="0" eaLnBrk="1" fontAlgn="base" hangingPunct="1">
-              <a:spcBef>
-                <a:spcPct val="0"/>
-              </a:spcBef>
-              <a:spcAft>
-                <a:spcPct val="0"/>
-              </a:spcAft>
-              <a:defRPr sz="2000" b="1">
-                <a:solidFill>
-                  <a:schemeClr val="tx2"/>
-                </a:solidFill>
-                <a:latin typeface="Arial" charset="0"/>
-              </a:defRPr>
-            </a:lvl2pPr>
-            <a:lvl3pPr algn="l" defTabSz="1042988" rtl="0" eaLnBrk="1" fontAlgn="base" hangingPunct="1">
-              <a:spcBef>
-                <a:spcPct val="0"/>
-              </a:spcBef>
-              <a:spcAft>
-                <a:spcPct val="0"/>
-              </a:spcAft>
-              <a:defRPr sz="2000" b="1">
-                <a:solidFill>
-                  <a:schemeClr val="tx2"/>
-                </a:solidFill>
-                <a:latin typeface="Arial" charset="0"/>
-              </a:defRPr>
-            </a:lvl3pPr>
-            <a:lvl4pPr algn="l" defTabSz="1042988" rtl="0" eaLnBrk="1" fontAlgn="base" hangingPunct="1">
-              <a:spcBef>
-                <a:spcPct val="0"/>
-              </a:spcBef>
-              <a:spcAft>
-                <a:spcPct val="0"/>
-              </a:spcAft>
-              <a:defRPr sz="2000" b="1">
-                <a:solidFill>
-                  <a:schemeClr val="tx2"/>
-                </a:solidFill>
-                <a:latin typeface="Arial" charset="0"/>
-              </a:defRPr>
-            </a:lvl4pPr>
-            <a:lvl5pPr algn="l" defTabSz="1042988" rtl="0" eaLnBrk="1" fontAlgn="base" hangingPunct="1">
-              <a:spcBef>
-                <a:spcPct val="0"/>
-              </a:spcBef>
-              <a:spcAft>
-                <a:spcPct val="0"/>
-              </a:spcAft>
-              <a:defRPr sz="2000" b="1">
-                <a:solidFill>
-                  <a:schemeClr val="tx2"/>
-                </a:solidFill>
-                <a:latin typeface="Arial" charset="0"/>
-              </a:defRPr>
-            </a:lvl5pPr>
-            <a:lvl6pPr marL="457200" algn="l" defTabSz="1042988" rtl="0" eaLnBrk="1" fontAlgn="base" hangingPunct="1">
-              <a:spcBef>
-                <a:spcPct val="0"/>
-              </a:spcBef>
-              <a:spcAft>
-                <a:spcPct val="0"/>
-              </a:spcAft>
-              <a:defRPr sz="2000" b="1">
-                <a:solidFill>
-                  <a:schemeClr val="tx2"/>
-                </a:solidFill>
-                <a:latin typeface="Arial" charset="0"/>
-              </a:defRPr>
-            </a:lvl6pPr>
-            <a:lvl7pPr marL="914400" algn="l" defTabSz="1042988" rtl="0" eaLnBrk="1" fontAlgn="base" hangingPunct="1">
-              <a:spcBef>
-                <a:spcPct val="0"/>
-              </a:spcBef>
-              <a:spcAft>
-                <a:spcPct val="0"/>
-              </a:spcAft>
-              <a:defRPr sz="2000" b="1">
-                <a:solidFill>
-                  <a:schemeClr val="tx2"/>
-                </a:solidFill>
-                <a:latin typeface="Arial" charset="0"/>
-              </a:defRPr>
-            </a:lvl7pPr>
-            <a:lvl8pPr marL="1371600" algn="l" defTabSz="1042988" rtl="0" eaLnBrk="1" fontAlgn="base" hangingPunct="1">
-              <a:spcBef>
-                <a:spcPct val="0"/>
-              </a:spcBef>
-              <a:spcAft>
-                <a:spcPct val="0"/>
-              </a:spcAft>
-              <a:defRPr sz="2000" b="1">
-                <a:solidFill>
-                  <a:schemeClr val="tx2"/>
-                </a:solidFill>
-                <a:latin typeface="Arial" charset="0"/>
-              </a:defRPr>
-            </a:lvl8pPr>
-            <a:lvl9pPr marL="1828800" algn="l" defTabSz="1042988" rtl="0" eaLnBrk="1" fontAlgn="base" hangingPunct="1">
-              <a:spcBef>
-                <a:spcPct val="0"/>
-              </a:spcBef>
-              <a:spcAft>
-                <a:spcPct val="0"/>
-              </a:spcAft>
-              <a:defRPr sz="2000" b="1">
-                <a:solidFill>
-                  <a:schemeClr val="tx2"/>
-                </a:solidFill>
-                <a:latin typeface="Arial" charset="0"/>
-              </a:defRPr>
-            </a:lvl9pPr>
-          </a:lstStyle>
-          <a:p>
-            <a:r>
-              <a:rPr lang="en-GB" kern="0" dirty="0" smtClean="0"/>
-              <a:t>L1 Regularization</a:t>
-            </a:r>
-            <a:endParaRPr lang="en-GB" kern="0" dirty="0"/>
-          </a:p>
-        </p:txBody>
-      </p:sp>
-    </p:spTree>
-    <p:extLst>
-      <p:ext uri="{BB962C8B-B14F-4D97-AF65-F5344CB8AC3E}">
-        <p14:creationId xmlns:p14="http://schemas.microsoft.com/office/powerpoint/2010/main" val="4198503443"/>
-      </p:ext>
-    </p:extLst>
-  </p:cSld>
-  <p:clrMapOvr>
-    <a:masterClrMapping/>
-  </p:clrMapOvr>
-  <p:timing>
-    <p:tnLst>
-      <p:par>
-        <p:cTn id="1" dur="indefinite" restart="never" nodeType="tmRoot"/>
-      </p:par>
-    </p:tnLst>
-  </p:timing>
-</p:sld>
-</file>
-
-<file path=ppt/slides/slide24.xml><?xml version="1.0" encoding="utf-8"?>
-<p:sld xmlns:a="http://schemas.openxmlformats.org/drawingml/2006/main" xmlns:r="http://schemas.openxmlformats.org/officeDocument/2006/relationships" xmlns:p="http://schemas.openxmlformats.org/presentationml/2006/main">
-  <p:cSld>
-    <p:spTree>
-      <p:nvGrpSpPr>
-        <p:cNvPr id="1" name=""/>
-        <p:cNvGrpSpPr/>
-        <p:nvPr/>
-      </p:nvGrpSpPr>
-      <p:grpSpPr>
-        <a:xfrm>
-          <a:off x="0" y="0"/>
-          <a:ext cx="0" cy="0"/>
-          <a:chOff x="0" y="0"/>
-          <a:chExt cx="0" cy="0"/>
-        </a:xfrm>
-      </p:grpSpPr>
-      <p:sp>
-        <p:nvSpPr>
-          <p:cNvPr id="2" name="Datumsplatzhalter 1"/>
-          <p:cNvSpPr>
-            <a:spLocks noGrp="1"/>
-          </p:cNvSpPr>
-          <p:nvPr>
-            <p:ph type="dt" sz="half" idx="10"/>
-          </p:nvPr>
-        </p:nvSpPr>
-        <p:spPr/>
-        <p:txBody>
-          <a:bodyPr/>
-          <a:lstStyle/>
-          <a:p>
-            <a:fld id="{5E48492E-72D1-4785-9351-8AE1E40FBA2D}" type="datetime1">
-              <a:rPr lang="de-CH" smtClean="0">
-                <a:solidFill>
-                  <a:srgbClr val="000000"/>
-                </a:solidFill>
-              </a:rPr>
-              <a:t>12.08.2018</a:t>
-            </a:fld>
-            <a:endParaRPr lang="de-CH">
-              <a:solidFill>
-                <a:srgbClr val="000000"/>
-              </a:solidFill>
-            </a:endParaRPr>
-          </a:p>
-        </p:txBody>
-      </p:sp>
-      <p:sp>
-        <p:nvSpPr>
-          <p:cNvPr id="3" name="Fußzeilenplatzhalter 2"/>
-          <p:cNvSpPr>
-            <a:spLocks noGrp="1"/>
-          </p:cNvSpPr>
-          <p:nvPr>
-            <p:ph type="ftr" sz="quarter" idx="11"/>
-          </p:nvPr>
-        </p:nvSpPr>
-        <p:spPr/>
-        <p:txBody>
-          <a:bodyPr/>
-          <a:lstStyle/>
-          <a:p>
-            <a:r>
-              <a:rPr lang="de-CH" dirty="0">
-                <a:solidFill>
-                  <a:srgbClr val="000000"/>
-                </a:solidFill>
-              </a:rPr>
-              <a:t>Institut </a:t>
-            </a:r>
-            <a:r>
-              <a:rPr lang="de-CH" dirty="0" smtClean="0">
-                <a:solidFill>
-                  <a:srgbClr val="000000"/>
-                </a:solidFill>
-              </a:rPr>
-              <a:t>i4ds</a:t>
-            </a:r>
-            <a:endParaRPr lang="de-CH" dirty="0">
-              <a:solidFill>
-                <a:srgbClr val="000000"/>
-              </a:solidFill>
-            </a:endParaRPr>
-          </a:p>
-        </p:txBody>
-      </p:sp>
-      <p:sp>
-        <p:nvSpPr>
-          <p:cNvPr id="4" name="Foliennummernplatzhalter 3"/>
-          <p:cNvSpPr>
-            <a:spLocks noGrp="1"/>
-          </p:cNvSpPr>
-          <p:nvPr>
-            <p:ph type="sldNum" sz="quarter" idx="12"/>
-          </p:nvPr>
-        </p:nvSpPr>
-        <p:spPr/>
-        <p:txBody>
-          <a:bodyPr/>
-          <a:lstStyle/>
-          <a:p>
-            <a:fld id="{351188DD-6605-4EF4-9E67-B567F731CE68}" type="slidenum">
-              <a:rPr lang="de-CH" smtClean="0">
-                <a:solidFill>
-                  <a:srgbClr val="000000"/>
-                </a:solidFill>
-              </a:rPr>
-              <a:pPr/>
-              <a:t>24</a:t>
+              <a:t>20</a:t>
             </a:fld>
             <a:endParaRPr lang="de-CH">
               <a:solidFill>
@@ -8151,7 +7386,7 @@
 </p:sld>
 </file>
 
-<file path=ppt/slides/slide25.xml><?xml version="1.0" encoding="utf-8"?>
+<file path=ppt/slides/slide21.xml><?xml version="1.0" encoding="utf-8"?>
 <p:sld xmlns:a="http://schemas.openxmlformats.org/drawingml/2006/main" xmlns:r="http://schemas.openxmlformats.org/officeDocument/2006/relationships" xmlns:p="http://schemas.openxmlformats.org/presentationml/2006/main">
   <p:cSld>
     <p:spTree>
@@ -8189,7 +7424,7 @@
                   <a:srgbClr val="000000"/>
                 </a:solidFill>
               </a:rPr>
-              <a:t>12.08.2018</a:t>
+              <a:t>14.08.2018</a:t>
             </a:fld>
             <a:endParaRPr lang="de-CH">
               <a:solidFill>
@@ -8260,7 +7495,7 @@
                 </a:solidFill>
               </a:rPr>
               <a:pPr/>
-              <a:t>25</a:t>
+              <a:t>21</a:t>
             </a:fld>
             <a:endParaRPr lang="de-CH">
               <a:solidFill>
@@ -8388,7 +7623,7 @@
 </p:sld>
 </file>
 
-<file path=ppt/slides/slide26.xml><?xml version="1.0" encoding="utf-8"?>
+<file path=ppt/slides/slide22.xml><?xml version="1.0" encoding="utf-8"?>
 <p:sld xmlns:a="http://schemas.openxmlformats.org/drawingml/2006/main" xmlns:r="http://schemas.openxmlformats.org/officeDocument/2006/relationships" xmlns:p="http://schemas.openxmlformats.org/presentationml/2006/main">
   <p:cSld>
     <p:spTree>
@@ -8426,7 +7661,7 @@
                   <a:srgbClr val="000000"/>
                 </a:solidFill>
               </a:rPr>
-              <a:t>12.08.2018</a:t>
+              <a:t>14.08.2018</a:t>
             </a:fld>
             <a:endParaRPr lang="de-CH">
               <a:solidFill>
@@ -8497,7 +7732,7 @@
                 </a:solidFill>
               </a:rPr>
               <a:pPr/>
-              <a:t>26</a:t>
+              <a:t>22</a:t>
             </a:fld>
             <a:endParaRPr lang="de-CH">
               <a:solidFill>
@@ -8624,7 +7859,7 @@
 </p:sld>
 </file>
 
-<file path=ppt/slides/slide27.xml><?xml version="1.0" encoding="utf-8"?>
+<file path=ppt/slides/slide23.xml><?xml version="1.0" encoding="utf-8"?>
 <p:sld xmlns:a="http://schemas.openxmlformats.org/drawingml/2006/main" xmlns:r="http://schemas.openxmlformats.org/officeDocument/2006/relationships" xmlns:p="http://schemas.openxmlformats.org/presentationml/2006/main">
   <p:cSld>
     <p:spTree>
@@ -8662,7 +7897,7 @@
                   <a:srgbClr val="000000"/>
                 </a:solidFill>
               </a:rPr>
-              <a:t>12.08.2018</a:t>
+              <a:t>14.08.2018</a:t>
             </a:fld>
             <a:endParaRPr lang="de-CH">
               <a:solidFill>
@@ -8720,7 +7955,7 @@
                 </a:solidFill>
               </a:rPr>
               <a:pPr/>
-              <a:t>27</a:t>
+              <a:t>23</a:t>
             </a:fld>
             <a:endParaRPr lang="de-CH">
               <a:solidFill>
@@ -8818,6 +8053,710 @@
 </p:sld>
 </file>
 
+<file path=ppt/slides/slide24.xml><?xml version="1.0" encoding="utf-8"?>
+<p:sld xmlns:a="http://schemas.openxmlformats.org/drawingml/2006/main" xmlns:r="http://schemas.openxmlformats.org/officeDocument/2006/relationships" xmlns:p="http://schemas.openxmlformats.org/presentationml/2006/main">
+  <p:cSld>
+    <p:spTree>
+      <p:nvGrpSpPr>
+        <p:cNvPr id="1" name=""/>
+        <p:cNvGrpSpPr/>
+        <p:nvPr/>
+      </p:nvGrpSpPr>
+      <p:grpSpPr>
+        <a:xfrm>
+          <a:off x="0" y="0"/>
+          <a:ext cx="0" cy="0"/>
+          <a:chOff x="0" y="0"/>
+          <a:chExt cx="0" cy="0"/>
+        </a:xfrm>
+      </p:grpSpPr>
+      <p:sp>
+        <p:nvSpPr>
+          <p:cNvPr id="2" name="Datumsplatzhalter 1"/>
+          <p:cNvSpPr>
+            <a:spLocks noGrp="1"/>
+          </p:cNvSpPr>
+          <p:nvPr>
+            <p:ph type="dt" sz="half" idx="10"/>
+          </p:nvPr>
+        </p:nvSpPr>
+        <p:spPr/>
+        <p:txBody>
+          <a:bodyPr/>
+          <a:lstStyle/>
+          <a:p>
+            <a:fld id="{5E48492E-72D1-4785-9351-8AE1E40FBA2D}" type="datetime1">
+              <a:rPr lang="de-CH" smtClean="0">
+                <a:solidFill>
+                  <a:srgbClr val="000000"/>
+                </a:solidFill>
+              </a:rPr>
+              <a:t>14.08.2018</a:t>
+            </a:fld>
+            <a:endParaRPr lang="de-CH">
+              <a:solidFill>
+                <a:srgbClr val="000000"/>
+              </a:solidFill>
+            </a:endParaRPr>
+          </a:p>
+        </p:txBody>
+      </p:sp>
+      <p:sp>
+        <p:nvSpPr>
+          <p:cNvPr id="3" name="Fußzeilenplatzhalter 2"/>
+          <p:cNvSpPr>
+            <a:spLocks noGrp="1"/>
+          </p:cNvSpPr>
+          <p:nvPr>
+            <p:ph type="ftr" sz="quarter" idx="11"/>
+          </p:nvPr>
+        </p:nvSpPr>
+        <p:spPr/>
+        <p:txBody>
+          <a:bodyPr/>
+          <a:lstStyle/>
+          <a:p>
+            <a:r>
+              <a:rPr lang="de-CH" dirty="0">
+                <a:solidFill>
+                  <a:srgbClr val="000000"/>
+                </a:solidFill>
+              </a:rPr>
+              <a:t>Institut </a:t>
+            </a:r>
+            <a:r>
+              <a:rPr lang="de-CH" dirty="0" smtClean="0">
+                <a:solidFill>
+                  <a:srgbClr val="000000"/>
+                </a:solidFill>
+              </a:rPr>
+              <a:t>i4ds</a:t>
+            </a:r>
+            <a:endParaRPr lang="de-CH" dirty="0">
+              <a:solidFill>
+                <a:srgbClr val="000000"/>
+              </a:solidFill>
+            </a:endParaRPr>
+          </a:p>
+        </p:txBody>
+      </p:sp>
+      <p:sp>
+        <p:nvSpPr>
+          <p:cNvPr id="4" name="Foliennummernplatzhalter 3"/>
+          <p:cNvSpPr>
+            <a:spLocks noGrp="1"/>
+          </p:cNvSpPr>
+          <p:nvPr>
+            <p:ph type="sldNum" sz="quarter" idx="12"/>
+          </p:nvPr>
+        </p:nvSpPr>
+        <p:spPr/>
+        <p:txBody>
+          <a:bodyPr/>
+          <a:lstStyle/>
+          <a:p>
+            <a:fld id="{351188DD-6605-4EF4-9E67-B567F731CE68}" type="slidenum">
+              <a:rPr lang="de-CH" smtClean="0">
+                <a:solidFill>
+                  <a:srgbClr val="000000"/>
+                </a:solidFill>
+              </a:rPr>
+              <a:pPr/>
+              <a:t>24</a:t>
+            </a:fld>
+            <a:endParaRPr lang="de-CH">
+              <a:solidFill>
+                <a:srgbClr val="000000"/>
+              </a:solidFill>
+            </a:endParaRPr>
+          </a:p>
+        </p:txBody>
+      </p:sp>
+      <p:sp>
+        <p:nvSpPr>
+          <p:cNvPr id="5" name="Titel 4"/>
+          <p:cNvSpPr>
+            <a:spLocks noGrp="1"/>
+          </p:cNvSpPr>
+          <p:nvPr>
+            <p:ph type="title"/>
+          </p:nvPr>
+        </p:nvSpPr>
+        <p:spPr/>
+        <p:txBody>
+          <a:bodyPr/>
+          <a:lstStyle/>
+          <a:p>
+            <a:r>
+              <a:rPr lang="en-GB" dirty="0" smtClean="0"/>
+              <a:t>Conclusion</a:t>
+            </a:r>
+            <a:endParaRPr lang="en-GB" dirty="0"/>
+          </a:p>
+        </p:txBody>
+      </p:sp>
+      <p:sp>
+        <p:nvSpPr>
+          <p:cNvPr id="6" name="Textplatzhalter 5"/>
+          <p:cNvSpPr>
+            <a:spLocks noGrp="1"/>
+          </p:cNvSpPr>
+          <p:nvPr>
+            <p:ph type="body" idx="1"/>
+          </p:nvPr>
+        </p:nvSpPr>
+        <p:spPr/>
+        <p:txBody>
+          <a:bodyPr/>
+          <a:lstStyle/>
+          <a:p>
+            <a:endParaRPr lang="en-GB"/>
+          </a:p>
+        </p:txBody>
+      </p:sp>
+    </p:spTree>
+    <p:extLst>
+      <p:ext uri="{BB962C8B-B14F-4D97-AF65-F5344CB8AC3E}">
+        <p14:creationId xmlns:p14="http://schemas.microsoft.com/office/powerpoint/2010/main" val="24992479"/>
+      </p:ext>
+    </p:extLst>
+  </p:cSld>
+  <p:clrMapOvr>
+    <a:masterClrMapping/>
+  </p:clrMapOvr>
+  <p:timing>
+    <p:tnLst>
+      <p:par>
+        <p:cTn id="1" dur="indefinite" restart="never" nodeType="tmRoot"/>
+      </p:par>
+    </p:tnLst>
+  </p:timing>
+</p:sld>
+</file>
+
+<file path=ppt/slides/slide25.xml><?xml version="1.0" encoding="utf-8"?>
+<p:sld xmlns:a="http://schemas.openxmlformats.org/drawingml/2006/main" xmlns:r="http://schemas.openxmlformats.org/officeDocument/2006/relationships" xmlns:p="http://schemas.openxmlformats.org/presentationml/2006/main">
+  <p:cSld>
+    <p:spTree>
+      <p:nvGrpSpPr>
+        <p:cNvPr id="1" name=""/>
+        <p:cNvGrpSpPr/>
+        <p:nvPr/>
+      </p:nvGrpSpPr>
+      <p:grpSpPr>
+        <a:xfrm>
+          <a:off x="0" y="0"/>
+          <a:ext cx="0" cy="0"/>
+          <a:chOff x="0" y="0"/>
+          <a:chExt cx="0" cy="0"/>
+        </a:xfrm>
+      </p:grpSpPr>
+      <p:sp>
+        <p:nvSpPr>
+          <p:cNvPr id="2" name="Datumsplatzhalter 1"/>
+          <p:cNvSpPr>
+            <a:spLocks noGrp="1"/>
+          </p:cNvSpPr>
+          <p:nvPr>
+            <p:ph type="dt" sz="half" idx="10"/>
+          </p:nvPr>
+        </p:nvSpPr>
+        <p:spPr/>
+        <p:txBody>
+          <a:bodyPr/>
+          <a:lstStyle/>
+          <a:p>
+            <a:fld id="{5E48492E-72D1-4785-9351-8AE1E40FBA2D}" type="datetime1">
+              <a:rPr lang="de-CH" smtClean="0">
+                <a:solidFill>
+                  <a:srgbClr val="000000"/>
+                </a:solidFill>
+              </a:rPr>
+              <a:t>14.08.2018</a:t>
+            </a:fld>
+            <a:endParaRPr lang="de-CH">
+              <a:solidFill>
+                <a:srgbClr val="000000"/>
+              </a:solidFill>
+            </a:endParaRPr>
+          </a:p>
+        </p:txBody>
+      </p:sp>
+      <p:sp>
+        <p:nvSpPr>
+          <p:cNvPr id="3" name="Fußzeilenplatzhalter 2"/>
+          <p:cNvSpPr>
+            <a:spLocks noGrp="1"/>
+          </p:cNvSpPr>
+          <p:nvPr>
+            <p:ph type="ftr" sz="quarter" idx="11"/>
+          </p:nvPr>
+        </p:nvSpPr>
+        <p:spPr/>
+        <p:txBody>
+          <a:bodyPr/>
+          <a:lstStyle/>
+          <a:p>
+            <a:r>
+              <a:rPr lang="de-CH" smtClean="0">
+                <a:solidFill>
+                  <a:srgbClr val="000000"/>
+                </a:solidFill>
+              </a:rPr>
+              <a:t>Institut</a:t>
+            </a:r>
+            <a:endParaRPr lang="de-CH">
+              <a:solidFill>
+                <a:srgbClr val="000000"/>
+              </a:solidFill>
+            </a:endParaRPr>
+          </a:p>
+        </p:txBody>
+      </p:sp>
+      <p:sp>
+        <p:nvSpPr>
+          <p:cNvPr id="4" name="Foliennummernplatzhalter 3"/>
+          <p:cNvSpPr>
+            <a:spLocks noGrp="1"/>
+          </p:cNvSpPr>
+          <p:nvPr>
+            <p:ph type="sldNum" sz="quarter" idx="12"/>
+          </p:nvPr>
+        </p:nvSpPr>
+        <p:spPr/>
+        <p:txBody>
+          <a:bodyPr/>
+          <a:lstStyle/>
+          <a:p>
+            <a:fld id="{351188DD-6605-4EF4-9E67-B567F731CE68}" type="slidenum">
+              <a:rPr lang="de-CH" smtClean="0">
+                <a:solidFill>
+                  <a:srgbClr val="000000"/>
+                </a:solidFill>
+              </a:rPr>
+              <a:pPr/>
+              <a:t>25</a:t>
+            </a:fld>
+            <a:endParaRPr lang="de-CH">
+              <a:solidFill>
+                <a:srgbClr val="000000"/>
+              </a:solidFill>
+            </a:endParaRPr>
+          </a:p>
+        </p:txBody>
+      </p:sp>
+      <p:sp>
+        <p:nvSpPr>
+          <p:cNvPr id="5" name="Titel 4"/>
+          <p:cNvSpPr>
+            <a:spLocks noGrp="1"/>
+          </p:cNvSpPr>
+          <p:nvPr>
+            <p:ph type="title"/>
+          </p:nvPr>
+        </p:nvSpPr>
+        <p:spPr/>
+        <p:txBody>
+          <a:bodyPr/>
+          <a:lstStyle/>
+          <a:p>
+            <a:endParaRPr lang="en-GB"/>
+          </a:p>
+        </p:txBody>
+      </p:sp>
+      <p:sp>
+        <p:nvSpPr>
+          <p:cNvPr id="6" name="Textplatzhalter 5"/>
+          <p:cNvSpPr>
+            <a:spLocks noGrp="1"/>
+          </p:cNvSpPr>
+          <p:nvPr>
+            <p:ph type="body" idx="1"/>
+          </p:nvPr>
+        </p:nvSpPr>
+        <p:spPr/>
+        <p:txBody>
+          <a:bodyPr/>
+          <a:lstStyle/>
+          <a:p>
+            <a:endParaRPr lang="en-GB"/>
+          </a:p>
+        </p:txBody>
+      </p:sp>
+    </p:spTree>
+    <p:extLst>
+      <p:ext uri="{BB962C8B-B14F-4D97-AF65-F5344CB8AC3E}">
+        <p14:creationId xmlns:p14="http://schemas.microsoft.com/office/powerpoint/2010/main" val="1898766608"/>
+      </p:ext>
+    </p:extLst>
+  </p:cSld>
+  <p:clrMapOvr>
+    <a:masterClrMapping/>
+  </p:clrMapOvr>
+</p:sld>
+</file>
+
+<file path=ppt/slides/slide26.xml><?xml version="1.0" encoding="utf-8"?>
+<p:sld xmlns:a="http://schemas.openxmlformats.org/drawingml/2006/main" xmlns:r="http://schemas.openxmlformats.org/officeDocument/2006/relationships" xmlns:p="http://schemas.openxmlformats.org/presentationml/2006/main">
+  <p:cSld>
+    <p:spTree>
+      <p:nvGrpSpPr>
+        <p:cNvPr id="1" name=""/>
+        <p:cNvGrpSpPr/>
+        <p:nvPr/>
+      </p:nvGrpSpPr>
+      <p:grpSpPr>
+        <a:xfrm>
+          <a:off x="0" y="0"/>
+          <a:ext cx="0" cy="0"/>
+          <a:chOff x="0" y="0"/>
+          <a:chExt cx="0" cy="0"/>
+        </a:xfrm>
+      </p:grpSpPr>
+      <p:sp>
+        <p:nvSpPr>
+          <p:cNvPr id="2" name="Datumsplatzhalter 1"/>
+          <p:cNvSpPr>
+            <a:spLocks noGrp="1"/>
+          </p:cNvSpPr>
+          <p:nvPr>
+            <p:ph type="dt" sz="half" idx="10"/>
+          </p:nvPr>
+        </p:nvSpPr>
+        <p:spPr/>
+        <p:txBody>
+          <a:bodyPr/>
+          <a:lstStyle/>
+          <a:p>
+            <a:fld id="{5E48492E-72D1-4785-9351-8AE1E40FBA2D}" type="datetime1">
+              <a:rPr lang="de-CH" smtClean="0">
+                <a:solidFill>
+                  <a:srgbClr val="000000"/>
+                </a:solidFill>
+              </a:rPr>
+              <a:t>14.08.2018</a:t>
+            </a:fld>
+            <a:endParaRPr lang="de-CH">
+              <a:solidFill>
+                <a:srgbClr val="000000"/>
+              </a:solidFill>
+            </a:endParaRPr>
+          </a:p>
+        </p:txBody>
+      </p:sp>
+      <p:sp>
+        <p:nvSpPr>
+          <p:cNvPr id="3" name="Fußzeilenplatzhalter 2"/>
+          <p:cNvSpPr>
+            <a:spLocks noGrp="1"/>
+          </p:cNvSpPr>
+          <p:nvPr>
+            <p:ph type="ftr" sz="quarter" idx="11"/>
+          </p:nvPr>
+        </p:nvSpPr>
+        <p:spPr/>
+        <p:txBody>
+          <a:bodyPr/>
+          <a:lstStyle/>
+          <a:p>
+            <a:r>
+              <a:rPr lang="de-CH" dirty="0">
+                <a:solidFill>
+                  <a:srgbClr val="000000"/>
+                </a:solidFill>
+              </a:rPr>
+              <a:t>Institut i4ds</a:t>
+            </a:r>
+          </a:p>
+        </p:txBody>
+      </p:sp>
+      <p:sp>
+        <p:nvSpPr>
+          <p:cNvPr id="4" name="Foliennummernplatzhalter 3"/>
+          <p:cNvSpPr>
+            <a:spLocks noGrp="1"/>
+          </p:cNvSpPr>
+          <p:nvPr>
+            <p:ph type="sldNum" sz="quarter" idx="12"/>
+          </p:nvPr>
+        </p:nvSpPr>
+        <p:spPr/>
+        <p:txBody>
+          <a:bodyPr/>
+          <a:lstStyle/>
+          <a:p>
+            <a:fld id="{351188DD-6605-4EF4-9E67-B567F731CE68}" type="slidenum">
+              <a:rPr lang="de-CH" smtClean="0">
+                <a:solidFill>
+                  <a:srgbClr val="000000"/>
+                </a:solidFill>
+              </a:rPr>
+              <a:pPr/>
+              <a:t>26</a:t>
+            </a:fld>
+            <a:endParaRPr lang="de-CH">
+              <a:solidFill>
+                <a:srgbClr val="000000"/>
+              </a:solidFill>
+            </a:endParaRPr>
+          </a:p>
+        </p:txBody>
+      </p:sp>
+      <p:sp>
+        <p:nvSpPr>
+          <p:cNvPr id="5" name="Titel 4"/>
+          <p:cNvSpPr>
+            <a:spLocks noGrp="1"/>
+          </p:cNvSpPr>
+          <p:nvPr>
+            <p:ph type="title"/>
+          </p:nvPr>
+        </p:nvSpPr>
+        <p:spPr/>
+        <p:txBody>
+          <a:bodyPr/>
+          <a:lstStyle/>
+          <a:p>
+            <a:endParaRPr lang="en-GB" dirty="0"/>
+          </a:p>
+        </p:txBody>
+      </p:sp>
+      <p:sp>
+        <p:nvSpPr>
+          <p:cNvPr id="6" name="Textplatzhalter 5"/>
+          <p:cNvSpPr>
+            <a:spLocks noGrp="1"/>
+          </p:cNvSpPr>
+          <p:nvPr>
+            <p:ph type="body" idx="1"/>
+          </p:nvPr>
+        </p:nvSpPr>
+        <p:spPr/>
+        <p:txBody>
+          <a:bodyPr/>
+          <a:lstStyle/>
+          <a:p>
+            <a:endParaRPr lang="en-GB"/>
+          </a:p>
+        </p:txBody>
+      </p:sp>
+      <p:pic>
+        <p:nvPicPr>
+          <p:cNvPr id="7" name="Grafik 6"/>
+          <p:cNvPicPr>
+            <a:picLocks noChangeAspect="1"/>
+          </p:cNvPicPr>
+          <p:nvPr/>
+        </p:nvPicPr>
+        <p:blipFill>
+          <a:blip r:embed="rId2">
+            <a:extLst>
+              <a:ext uri="{28A0092B-C50C-407E-A947-70E740481C1C}">
+                <a14:useLocalDpi xmlns:a14="http://schemas.microsoft.com/office/drawing/2010/main" val="0"/>
+              </a:ext>
+            </a:extLst>
+          </a:blip>
+          <a:stretch>
+            <a:fillRect/>
+          </a:stretch>
+        </p:blipFill>
+        <p:spPr>
+          <a:xfrm>
+            <a:off x="3061472" y="215572"/>
+            <a:ext cx="4564105" cy="6713865"/>
+          </a:xfrm>
+          <a:prstGeom prst="rect">
+            <a:avLst/>
+          </a:prstGeom>
+        </p:spPr>
+      </p:pic>
+    </p:spTree>
+    <p:extLst>
+      <p:ext uri="{BB962C8B-B14F-4D97-AF65-F5344CB8AC3E}">
+        <p14:creationId xmlns:p14="http://schemas.microsoft.com/office/powerpoint/2010/main" val="3820216707"/>
+      </p:ext>
+    </p:extLst>
+  </p:cSld>
+  <p:clrMapOvr>
+    <a:masterClrMapping/>
+  </p:clrMapOvr>
+  <p:timing>
+    <p:tnLst>
+      <p:par>
+        <p:cTn id="1" dur="indefinite" restart="never" nodeType="tmRoot"/>
+      </p:par>
+    </p:tnLst>
+  </p:timing>
+</p:sld>
+</file>
+
+<file path=ppt/slides/slide27.xml><?xml version="1.0" encoding="utf-8"?>
+<p:sld xmlns:a="http://schemas.openxmlformats.org/drawingml/2006/main" xmlns:r="http://schemas.openxmlformats.org/officeDocument/2006/relationships" xmlns:p="http://schemas.openxmlformats.org/presentationml/2006/main">
+  <p:cSld>
+    <p:spTree>
+      <p:nvGrpSpPr>
+        <p:cNvPr id="1" name=""/>
+        <p:cNvGrpSpPr/>
+        <p:nvPr/>
+      </p:nvGrpSpPr>
+      <p:grpSpPr>
+        <a:xfrm>
+          <a:off x="0" y="0"/>
+          <a:ext cx="0" cy="0"/>
+          <a:chOff x="0" y="0"/>
+          <a:chExt cx="0" cy="0"/>
+        </a:xfrm>
+      </p:grpSpPr>
+      <p:sp>
+        <p:nvSpPr>
+          <p:cNvPr id="2" name="Datumsplatzhalter 1"/>
+          <p:cNvSpPr>
+            <a:spLocks noGrp="1"/>
+          </p:cNvSpPr>
+          <p:nvPr>
+            <p:ph type="dt" sz="half" idx="10"/>
+          </p:nvPr>
+        </p:nvSpPr>
+        <p:spPr/>
+        <p:txBody>
+          <a:bodyPr/>
+          <a:lstStyle/>
+          <a:p>
+            <a:fld id="{5E48492E-72D1-4785-9351-8AE1E40FBA2D}" type="datetime1">
+              <a:rPr lang="de-CH" smtClean="0">
+                <a:solidFill>
+                  <a:srgbClr val="000000"/>
+                </a:solidFill>
+              </a:rPr>
+              <a:t>14.08.2018</a:t>
+            </a:fld>
+            <a:endParaRPr lang="de-CH">
+              <a:solidFill>
+                <a:srgbClr val="000000"/>
+              </a:solidFill>
+            </a:endParaRPr>
+          </a:p>
+        </p:txBody>
+      </p:sp>
+      <p:sp>
+        <p:nvSpPr>
+          <p:cNvPr id="3" name="Fußzeilenplatzhalter 2"/>
+          <p:cNvSpPr>
+            <a:spLocks noGrp="1"/>
+          </p:cNvSpPr>
+          <p:nvPr>
+            <p:ph type="ftr" sz="quarter" idx="11"/>
+          </p:nvPr>
+        </p:nvSpPr>
+        <p:spPr/>
+        <p:txBody>
+          <a:bodyPr/>
+          <a:lstStyle/>
+          <a:p>
+            <a:r>
+              <a:rPr lang="de-CH" smtClean="0">
+                <a:solidFill>
+                  <a:srgbClr val="000000"/>
+                </a:solidFill>
+              </a:rPr>
+              <a:t>Institut</a:t>
+            </a:r>
+            <a:endParaRPr lang="de-CH">
+              <a:solidFill>
+                <a:srgbClr val="000000"/>
+              </a:solidFill>
+            </a:endParaRPr>
+          </a:p>
+        </p:txBody>
+      </p:sp>
+      <p:sp>
+        <p:nvSpPr>
+          <p:cNvPr id="4" name="Foliennummernplatzhalter 3"/>
+          <p:cNvSpPr>
+            <a:spLocks noGrp="1"/>
+          </p:cNvSpPr>
+          <p:nvPr>
+            <p:ph type="sldNum" sz="quarter" idx="12"/>
+          </p:nvPr>
+        </p:nvSpPr>
+        <p:spPr/>
+        <p:txBody>
+          <a:bodyPr/>
+          <a:lstStyle/>
+          <a:p>
+            <a:fld id="{351188DD-6605-4EF4-9E67-B567F731CE68}" type="slidenum">
+              <a:rPr lang="de-CH" smtClean="0">
+                <a:solidFill>
+                  <a:srgbClr val="000000"/>
+                </a:solidFill>
+              </a:rPr>
+              <a:pPr/>
+              <a:t>27</a:t>
+            </a:fld>
+            <a:endParaRPr lang="de-CH">
+              <a:solidFill>
+                <a:srgbClr val="000000"/>
+              </a:solidFill>
+            </a:endParaRPr>
+          </a:p>
+        </p:txBody>
+      </p:sp>
+      <p:sp>
+        <p:nvSpPr>
+          <p:cNvPr id="5" name="Titel 4"/>
+          <p:cNvSpPr>
+            <a:spLocks noGrp="1"/>
+          </p:cNvSpPr>
+          <p:nvPr>
+            <p:ph type="title"/>
+          </p:nvPr>
+        </p:nvSpPr>
+        <p:spPr/>
+        <p:txBody>
+          <a:bodyPr/>
+          <a:lstStyle/>
+          <a:p>
+            <a:endParaRPr lang="en-GB"/>
+          </a:p>
+        </p:txBody>
+      </p:sp>
+      <p:sp>
+        <p:nvSpPr>
+          <p:cNvPr id="6" name="Textplatzhalter 5"/>
+          <p:cNvSpPr>
+            <a:spLocks noGrp="1"/>
+          </p:cNvSpPr>
+          <p:nvPr>
+            <p:ph type="body" idx="1"/>
+          </p:nvPr>
+        </p:nvSpPr>
+        <p:spPr/>
+        <p:txBody>
+          <a:bodyPr/>
+          <a:lstStyle/>
+          <a:p>
+            <a:pPr algn="ctr"/>
+            <a:r>
+              <a:rPr lang="en-GB" sz="6600" dirty="0" smtClean="0"/>
+              <a:t>Compressed Sensing</a:t>
+            </a:r>
+            <a:endParaRPr lang="en-GB" sz="6600" dirty="0"/>
+          </a:p>
+        </p:txBody>
+      </p:sp>
+    </p:spTree>
+    <p:extLst>
+      <p:ext uri="{BB962C8B-B14F-4D97-AF65-F5344CB8AC3E}">
+        <p14:creationId xmlns:p14="http://schemas.microsoft.com/office/powerpoint/2010/main" val="1311051883"/>
+      </p:ext>
+    </p:extLst>
+  </p:cSld>
+  <p:clrMapOvr>
+    <a:masterClrMapping/>
+  </p:clrMapOvr>
+</p:sld>
+</file>
+
 <file path=ppt/slides/slide28.xml><?xml version="1.0" encoding="utf-8"?>
 <p:sld xmlns:a="http://schemas.openxmlformats.org/drawingml/2006/main" xmlns:r="http://schemas.openxmlformats.org/officeDocument/2006/relationships" xmlns:p="http://schemas.openxmlformats.org/presentationml/2006/main">
   <p:cSld>
@@ -8856,7 +8795,7 @@
                   <a:srgbClr val="000000"/>
                 </a:solidFill>
               </a:rPr>
-              <a:t>12.08.2018</a:t>
+              <a:t>14.08.2018</a:t>
             </a:fld>
             <a:endParaRPr lang="de-CH">
               <a:solidFill>
@@ -8882,22 +8821,14 @@
           <a:lstStyle/>
           <a:p>
             <a:r>
-              <a:rPr lang="de-CH" dirty="0">
+              <a:rPr lang="de-CH" smtClean="0">
                 <a:solidFill>
                   <a:srgbClr val="000000"/>
                 </a:solidFill>
               </a:rPr>
-              <a:t>Institut </a:t>
-            </a:r>
-            <a:r>
-              <a:rPr lang="de-CH" dirty="0" smtClean="0">
-                <a:solidFill>
-                  <a:srgbClr val="000000"/>
-                </a:solidFill>
-              </a:rPr>
-              <a:t>i4ds</a:t>
-            </a:r>
-            <a:endParaRPr lang="de-CH" dirty="0">
+              <a:t>Institut</a:t>
+            </a:r>
+            <a:endParaRPr lang="de-CH">
               <a:solidFill>
                 <a:srgbClr val="000000"/>
               </a:solidFill>
@@ -8954,7 +8885,7 @@
           <a:p>
             <a:r>
               <a:rPr lang="en-GB" dirty="0" smtClean="0"/>
-              <a:t>Conclusion</a:t>
+              <a:t>Compressed Sensing Image Reconstruction</a:t>
             </a:r>
             <a:endParaRPr lang="en-GB" dirty="0"/>
           </a:p>
@@ -8975,14 +8906,235 @@
           <a:bodyPr/>
           <a:lstStyle/>
           <a:p>
-            <a:endParaRPr lang="en-GB"/>
+            <a:pPr marL="342900" indent="-342900">
+              <a:buFont typeface="Arial" panose="020B0604020202020204" pitchFamily="34" charset="0"/>
+              <a:buChar char="•"/>
+            </a:pPr>
+            <a:r>
+              <a:rPr lang="en-GB" dirty="0" smtClean="0"/>
+              <a:t>Regularization that captures the image properties</a:t>
+            </a:r>
+          </a:p>
+          <a:p>
+            <a:pPr marL="342900" indent="-342900">
+              <a:buFont typeface="Arial" panose="020B0604020202020204" pitchFamily="34" charset="0"/>
+              <a:buChar char="•"/>
+            </a:pPr>
+            <a:r>
+              <a:rPr lang="en-GB" dirty="0" smtClean="0"/>
+              <a:t>Incoherent Measurement and Reconstruction spaces.</a:t>
+            </a:r>
+            <a:endParaRPr lang="en-GB" dirty="0"/>
           </a:p>
         </p:txBody>
       </p:sp>
     </p:spTree>
     <p:extLst>
       <p:ext uri="{BB962C8B-B14F-4D97-AF65-F5344CB8AC3E}">
-        <p14:creationId xmlns:p14="http://schemas.microsoft.com/office/powerpoint/2010/main" val="24992479"/>
+        <p14:creationId xmlns:p14="http://schemas.microsoft.com/office/powerpoint/2010/main" val="375867672"/>
+      </p:ext>
+    </p:extLst>
+  </p:cSld>
+  <p:clrMapOvr>
+    <a:masterClrMapping/>
+  </p:clrMapOvr>
+  <p:timing>
+    <p:tnLst>
+      <p:par>
+        <p:cTn id="1" dur="indefinite" restart="never" nodeType="tmRoot"/>
+      </p:par>
+    </p:tnLst>
+  </p:timing>
+</p:sld>
+</file>
+
+<file path=ppt/slides/slide29.xml><?xml version="1.0" encoding="utf-8"?>
+<p:sld xmlns:a="http://schemas.openxmlformats.org/drawingml/2006/main" xmlns:r="http://schemas.openxmlformats.org/officeDocument/2006/relationships" xmlns:p="http://schemas.openxmlformats.org/presentationml/2006/main">
+  <p:cSld>
+    <p:spTree>
+      <p:nvGrpSpPr>
+        <p:cNvPr id="1" name=""/>
+        <p:cNvGrpSpPr/>
+        <p:nvPr/>
+      </p:nvGrpSpPr>
+      <p:grpSpPr>
+        <a:xfrm>
+          <a:off x="0" y="0"/>
+          <a:ext cx="0" cy="0"/>
+          <a:chOff x="0" y="0"/>
+          <a:chExt cx="0" cy="0"/>
+        </a:xfrm>
+      </p:grpSpPr>
+      <p:sp>
+        <p:nvSpPr>
+          <p:cNvPr id="2" name="Datumsplatzhalter 1"/>
+          <p:cNvSpPr>
+            <a:spLocks noGrp="1"/>
+          </p:cNvSpPr>
+          <p:nvPr>
+            <p:ph type="dt" sz="half" idx="10"/>
+          </p:nvPr>
+        </p:nvSpPr>
+        <p:spPr/>
+        <p:txBody>
+          <a:bodyPr/>
+          <a:lstStyle/>
+          <a:p>
+            <a:fld id="{5E48492E-72D1-4785-9351-8AE1E40FBA2D}" type="datetime1">
+              <a:rPr lang="de-CH" smtClean="0">
+                <a:solidFill>
+                  <a:srgbClr val="000000"/>
+                </a:solidFill>
+              </a:rPr>
+              <a:t>14.08.2018</a:t>
+            </a:fld>
+            <a:endParaRPr lang="de-CH">
+              <a:solidFill>
+                <a:srgbClr val="000000"/>
+              </a:solidFill>
+            </a:endParaRPr>
+          </a:p>
+        </p:txBody>
+      </p:sp>
+      <p:sp>
+        <p:nvSpPr>
+          <p:cNvPr id="3" name="Fußzeilenplatzhalter 2"/>
+          <p:cNvSpPr>
+            <a:spLocks noGrp="1"/>
+          </p:cNvSpPr>
+          <p:nvPr>
+            <p:ph type="ftr" sz="quarter" idx="11"/>
+          </p:nvPr>
+        </p:nvSpPr>
+        <p:spPr/>
+        <p:txBody>
+          <a:bodyPr/>
+          <a:lstStyle/>
+          <a:p>
+            <a:r>
+              <a:rPr lang="de-CH" dirty="0" smtClean="0">
+                <a:solidFill>
+                  <a:srgbClr val="000000"/>
+                </a:solidFill>
+              </a:rPr>
+              <a:t>Institut i4ds</a:t>
+            </a:r>
+            <a:endParaRPr lang="de-CH" dirty="0">
+              <a:solidFill>
+                <a:srgbClr val="000000"/>
+              </a:solidFill>
+            </a:endParaRPr>
+          </a:p>
+        </p:txBody>
+      </p:sp>
+      <p:sp>
+        <p:nvSpPr>
+          <p:cNvPr id="4" name="Foliennummernplatzhalter 3"/>
+          <p:cNvSpPr>
+            <a:spLocks noGrp="1"/>
+          </p:cNvSpPr>
+          <p:nvPr>
+            <p:ph type="sldNum" sz="quarter" idx="12"/>
+          </p:nvPr>
+        </p:nvSpPr>
+        <p:spPr/>
+        <p:txBody>
+          <a:bodyPr/>
+          <a:lstStyle/>
+          <a:p>
+            <a:fld id="{351188DD-6605-4EF4-9E67-B567F731CE68}" type="slidenum">
+              <a:rPr lang="de-CH" smtClean="0">
+                <a:solidFill>
+                  <a:srgbClr val="000000"/>
+                </a:solidFill>
+              </a:rPr>
+              <a:pPr/>
+              <a:t>29</a:t>
+            </a:fld>
+            <a:endParaRPr lang="de-CH">
+              <a:solidFill>
+                <a:srgbClr val="000000"/>
+              </a:solidFill>
+            </a:endParaRPr>
+          </a:p>
+        </p:txBody>
+      </p:sp>
+      <p:sp>
+        <p:nvSpPr>
+          <p:cNvPr id="5" name="Titel 4"/>
+          <p:cNvSpPr>
+            <a:spLocks noGrp="1"/>
+          </p:cNvSpPr>
+          <p:nvPr>
+            <p:ph type="title"/>
+          </p:nvPr>
+        </p:nvSpPr>
+        <p:spPr/>
+        <p:txBody>
+          <a:bodyPr/>
+          <a:lstStyle/>
+          <a:p>
+            <a:r>
+              <a:rPr lang="en-GB" dirty="0" smtClean="0"/>
+              <a:t>CLEAN as a Compressed Sensing Reconstruction</a:t>
+            </a:r>
+            <a:endParaRPr lang="en-GB" dirty="0"/>
+          </a:p>
+        </p:txBody>
+      </p:sp>
+      <p:sp>
+        <p:nvSpPr>
+          <p:cNvPr id="6" name="Textplatzhalter 5"/>
+          <p:cNvSpPr>
+            <a:spLocks noGrp="1"/>
+          </p:cNvSpPr>
+          <p:nvPr>
+            <p:ph type="body" idx="1"/>
+          </p:nvPr>
+        </p:nvSpPr>
+        <p:spPr/>
+        <p:txBody>
+          <a:bodyPr/>
+          <a:lstStyle/>
+          <a:p>
+            <a:endParaRPr lang="en-GB" dirty="0"/>
+          </a:p>
+        </p:txBody>
+      </p:sp>
+      <p:pic>
+        <p:nvPicPr>
+          <p:cNvPr id="7" name="Grafik 6"/>
+          <p:cNvPicPr>
+            <a:picLocks noChangeAspect="1"/>
+          </p:cNvPicPr>
+          <p:nvPr/>
+        </p:nvPicPr>
+        <p:blipFill>
+          <a:blip r:embed="rId3" cstate="print">
+            <a:extLst>
+              <a:ext uri="{28A0092B-C50C-407E-A947-70E740481C1C}">
+                <a14:useLocalDpi xmlns:a14="http://schemas.microsoft.com/office/drawing/2010/main" val="0"/>
+              </a:ext>
+            </a:extLst>
+          </a:blip>
+          <a:stretch>
+            <a:fillRect/>
+          </a:stretch>
+        </p:blipFill>
+        <p:spPr>
+          <a:xfrm>
+            <a:off x="3514725" y="2600325"/>
+            <a:ext cx="3657600" cy="3657600"/>
+          </a:xfrm>
+          <a:prstGeom prst="rect">
+            <a:avLst/>
+          </a:prstGeom>
+        </p:spPr>
+      </p:pic>
+    </p:spTree>
+    <p:extLst>
+      <p:ext uri="{BB962C8B-B14F-4D97-AF65-F5344CB8AC3E}">
+        <p14:creationId xmlns:p14="http://schemas.microsoft.com/office/powerpoint/2010/main" val="1323241219"/>
       </p:ext>
     </p:extLst>
   </p:cSld>
@@ -9037,7 +9189,7 @@
                   <a:srgbClr val="000000"/>
                 </a:solidFill>
               </a:rPr>
-              <a:t>12.08.2018</a:t>
+              <a:t>14.08.2018</a:t>
             </a:fld>
             <a:endParaRPr lang="de-CH">
               <a:solidFill>
@@ -9225,6 +9377,239 @@
 </p:sld>
 </file>
 
+<file path=ppt/slides/slide30.xml><?xml version="1.0" encoding="utf-8"?>
+<p:sld xmlns:a="http://schemas.openxmlformats.org/drawingml/2006/main" xmlns:r="http://schemas.openxmlformats.org/officeDocument/2006/relationships" xmlns:p="http://schemas.openxmlformats.org/presentationml/2006/main">
+  <p:cSld>
+    <p:spTree>
+      <p:nvGrpSpPr>
+        <p:cNvPr id="1" name=""/>
+        <p:cNvGrpSpPr/>
+        <p:nvPr/>
+      </p:nvGrpSpPr>
+      <p:grpSpPr>
+        <a:xfrm>
+          <a:off x="0" y="0"/>
+          <a:ext cx="0" cy="0"/>
+          <a:chOff x="0" y="0"/>
+          <a:chExt cx="0" cy="0"/>
+        </a:xfrm>
+      </p:grpSpPr>
+      <p:sp>
+        <p:nvSpPr>
+          <p:cNvPr id="2" name="Datumsplatzhalter 1"/>
+          <p:cNvSpPr>
+            <a:spLocks noGrp="1"/>
+          </p:cNvSpPr>
+          <p:nvPr>
+            <p:ph type="dt" sz="half" idx="10"/>
+          </p:nvPr>
+        </p:nvSpPr>
+        <p:spPr/>
+        <p:txBody>
+          <a:bodyPr/>
+          <a:lstStyle/>
+          <a:p>
+            <a:fld id="{5E48492E-72D1-4785-9351-8AE1E40FBA2D}" type="datetime1">
+              <a:rPr lang="de-CH" smtClean="0">
+                <a:solidFill>
+                  <a:srgbClr val="000000"/>
+                </a:solidFill>
+              </a:rPr>
+              <a:t>14.08.2018</a:t>
+            </a:fld>
+            <a:endParaRPr lang="de-CH">
+              <a:solidFill>
+                <a:srgbClr val="000000"/>
+              </a:solidFill>
+            </a:endParaRPr>
+          </a:p>
+        </p:txBody>
+      </p:sp>
+      <p:sp>
+        <p:nvSpPr>
+          <p:cNvPr id="3" name="Fußzeilenplatzhalter 2"/>
+          <p:cNvSpPr>
+            <a:spLocks noGrp="1"/>
+          </p:cNvSpPr>
+          <p:nvPr>
+            <p:ph type="ftr" sz="quarter" idx="11"/>
+          </p:nvPr>
+        </p:nvSpPr>
+        <p:spPr/>
+        <p:txBody>
+          <a:bodyPr/>
+          <a:lstStyle/>
+          <a:p>
+            <a:r>
+              <a:rPr lang="de-CH" dirty="0" smtClean="0">
+                <a:solidFill>
+                  <a:srgbClr val="000000"/>
+                </a:solidFill>
+              </a:rPr>
+              <a:t>Institut i4ds</a:t>
+            </a:r>
+            <a:endParaRPr lang="de-CH" dirty="0">
+              <a:solidFill>
+                <a:srgbClr val="000000"/>
+              </a:solidFill>
+            </a:endParaRPr>
+          </a:p>
+        </p:txBody>
+      </p:sp>
+      <p:sp>
+        <p:nvSpPr>
+          <p:cNvPr id="4" name="Foliennummernplatzhalter 3"/>
+          <p:cNvSpPr>
+            <a:spLocks noGrp="1"/>
+          </p:cNvSpPr>
+          <p:nvPr>
+            <p:ph type="sldNum" sz="quarter" idx="12"/>
+          </p:nvPr>
+        </p:nvSpPr>
+        <p:spPr/>
+        <p:txBody>
+          <a:bodyPr/>
+          <a:lstStyle/>
+          <a:p>
+            <a:fld id="{351188DD-6605-4EF4-9E67-B567F731CE68}" type="slidenum">
+              <a:rPr lang="de-CH" smtClean="0">
+                <a:solidFill>
+                  <a:srgbClr val="000000"/>
+                </a:solidFill>
+              </a:rPr>
+              <a:pPr/>
+              <a:t>30</a:t>
+            </a:fld>
+            <a:endParaRPr lang="de-CH">
+              <a:solidFill>
+                <a:srgbClr val="000000"/>
+              </a:solidFill>
+            </a:endParaRPr>
+          </a:p>
+        </p:txBody>
+      </p:sp>
+      <p:sp>
+        <p:nvSpPr>
+          <p:cNvPr id="5" name="Titel 4"/>
+          <p:cNvSpPr>
+            <a:spLocks noGrp="1"/>
+          </p:cNvSpPr>
+          <p:nvPr>
+            <p:ph type="title"/>
+          </p:nvPr>
+        </p:nvSpPr>
+        <p:spPr/>
+        <p:txBody>
+          <a:bodyPr/>
+          <a:lstStyle/>
+          <a:p>
+            <a:r>
+              <a:rPr lang="en-GB" dirty="0" smtClean="0"/>
+              <a:t>Incoherence</a:t>
+            </a:r>
+            <a:endParaRPr lang="en-GB" dirty="0"/>
+          </a:p>
+        </p:txBody>
+      </p:sp>
+      <p:sp>
+        <p:nvSpPr>
+          <p:cNvPr id="6" name="Textplatzhalter 5"/>
+          <p:cNvSpPr>
+            <a:spLocks noGrp="1"/>
+          </p:cNvSpPr>
+          <p:nvPr>
+            <p:ph type="body" idx="1"/>
+          </p:nvPr>
+        </p:nvSpPr>
+        <p:spPr/>
+        <p:txBody>
+          <a:bodyPr/>
+          <a:lstStyle/>
+          <a:p>
+            <a:endParaRPr lang="en-GB" dirty="0"/>
+          </a:p>
+        </p:txBody>
+      </p:sp>
+      <p:pic>
+        <p:nvPicPr>
+          <p:cNvPr id="11" name="Grafik 10"/>
+          <p:cNvPicPr>
+            <a:picLocks noChangeAspect="1"/>
+          </p:cNvPicPr>
+          <p:nvPr/>
+        </p:nvPicPr>
+        <p:blipFill>
+          <a:blip r:embed="rId2">
+            <a:extLst>
+              <a:ext uri="{28A0092B-C50C-407E-A947-70E740481C1C}">
+                <a14:useLocalDpi xmlns:a14="http://schemas.microsoft.com/office/drawing/2010/main" val="0"/>
+              </a:ext>
+            </a:extLst>
+          </a:blip>
+          <a:stretch>
+            <a:fillRect/>
+          </a:stretch>
+        </p:blipFill>
+        <p:spPr>
+          <a:xfrm>
+            <a:off x="5187285" y="2153110"/>
+            <a:ext cx="4763165" cy="4763165"/>
+          </a:xfrm>
+          <a:prstGeom prst="rect">
+            <a:avLst/>
+          </a:prstGeom>
+        </p:spPr>
+      </p:pic>
+      <p:pic>
+        <p:nvPicPr>
+          <p:cNvPr id="12" name="Grafik 11"/>
+          <p:cNvPicPr>
+            <a:picLocks noChangeAspect="1"/>
+          </p:cNvPicPr>
+          <p:nvPr/>
+        </p:nvPicPr>
+        <p:blipFill>
+          <a:blip r:embed="rId3">
+            <a:extLst>
+              <a:ext uri="{28A0092B-C50C-407E-A947-70E740481C1C}">
+                <a14:useLocalDpi xmlns:a14="http://schemas.microsoft.com/office/drawing/2010/main" val="0"/>
+              </a:ext>
+            </a:extLst>
+          </a:blip>
+          <a:stretch>
+            <a:fillRect/>
+          </a:stretch>
+        </p:blipFill>
+        <p:spPr>
+          <a:xfrm>
+            <a:off x="389955" y="2124447"/>
+            <a:ext cx="4763165" cy="4763165"/>
+          </a:xfrm>
+          <a:prstGeom prst="rect">
+            <a:avLst/>
+          </a:prstGeom>
+        </p:spPr>
+      </p:pic>
+    </p:spTree>
+    <p:extLst>
+      <p:ext uri="{BB962C8B-B14F-4D97-AF65-F5344CB8AC3E}">
+        <p14:creationId xmlns:p14="http://schemas.microsoft.com/office/powerpoint/2010/main" val="3601425266"/>
+      </p:ext>
+    </p:extLst>
+  </p:cSld>
+  <p:clrMapOvr>
+    <a:masterClrMapping/>
+  </p:clrMapOvr>
+  <p:timing>
+    <p:tnLst>
+      <p:par>
+        <p:cTn id="1" dur="indefinite" restart="never" nodeType="tmRoot"/>
+      </p:par>
+    </p:tnLst>
+  </p:timing>
+</p:sld>
+</file>
+
 <file path=ppt/slides/slide4.xml><?xml version="1.0" encoding="utf-8"?>
 <p:sld xmlns:a="http://schemas.openxmlformats.org/drawingml/2006/main" xmlns:r="http://schemas.openxmlformats.org/officeDocument/2006/relationships" xmlns:p="http://schemas.openxmlformats.org/presentationml/2006/main">
   <p:cSld>
@@ -9263,7 +9648,7 @@
                   <a:srgbClr val="000000"/>
                 </a:solidFill>
               </a:rPr>
-              <a:t>12.08.2018</a:t>
+              <a:t>14.08.2018</a:t>
             </a:fld>
             <a:endParaRPr lang="de-CH">
               <a:solidFill>
@@ -9500,7 +9885,7 @@
                   <a:srgbClr val="000000"/>
                 </a:solidFill>
               </a:rPr>
-              <a:t>13.08.2018</a:t>
+              <a:t>14.08.2018</a:t>
             </a:fld>
             <a:endParaRPr lang="de-CH">
               <a:solidFill>
@@ -9697,7 +10082,7 @@
                   <a:srgbClr val="000000"/>
                 </a:solidFill>
               </a:rPr>
-              <a:t>13.08.2018</a:t>
+              <a:t>14.08.2018</a:t>
             </a:fld>
             <a:endParaRPr lang="de-CH">
               <a:solidFill>
@@ -9863,7 +10248,7 @@
                   <a:srgbClr val="000000"/>
                 </a:solidFill>
               </a:rPr>
-              <a:t>12.08.2018</a:t>
+              <a:t>14.08.2018</a:t>
             </a:fld>
             <a:endParaRPr lang="de-CH">
               <a:solidFill>
@@ -10276,7 +10661,7 @@
                   <a:srgbClr val="000000"/>
                 </a:solidFill>
               </a:rPr>
-              <a:t>12.08.2018</a:t>
+              <a:t>14.08.2018</a:t>
             </a:fld>
             <a:endParaRPr lang="de-CH">
               <a:solidFill>
@@ -10610,7 +10995,7 @@
                   <a:srgbClr val="000000"/>
                 </a:solidFill>
               </a:rPr>
-              <a:t>12.08.2018</a:t>
+              <a:t>14.08.2018</a:t>
             </a:fld>
             <a:endParaRPr lang="de-CH">
               <a:solidFill>
@@ -11115,7 +11500,7 @@
         <a:effectLst/>
         <a:extLst>
           <a:ext uri="{AF507438-7753-43e0-B8FC-AC1667EBCBE1}">
-            <a14:hiddenEffects xmlns="" xmlns:a14="http://schemas.microsoft.com/office/drawing/2010/main">
+            <a14:hiddenEffects xmlns:a14="http://schemas.microsoft.com/office/drawing/2010/main" xmlns="">
               <a:effectLst>
                 <a:outerShdw dist="35921" dir="2700000" algn="ctr" rotWithShape="0">
                   <a:schemeClr val="bg2"/>
@@ -11188,7 +11573,7 @@
         <a:effectLst/>
         <a:extLst>
           <a:ext uri="{AF507438-7753-43e0-B8FC-AC1667EBCBE1}">
-            <a14:hiddenEffects xmlns="" xmlns:a14="http://schemas.microsoft.com/office/drawing/2010/main">
+            <a14:hiddenEffects xmlns:a14="http://schemas.microsoft.com/office/drawing/2010/main" xmlns="">
               <a:effectLst>
                 <a:outerShdw dist="35921" dir="2700000" algn="ctr" rotWithShape="0">
                   <a:schemeClr val="bg2"/>

--- a/ppt/praes.pptx
+++ b/ppt/praes.pptx
@@ -5,42 +5,44 @@
     <p:sldMasterId id="2147483713" r:id="rId1"/>
   </p:sldMasterIdLst>
   <p:notesMasterIdLst>
-    <p:notesMasterId r:id="rId32"/>
+    <p:notesMasterId r:id="rId34"/>
   </p:notesMasterIdLst>
   <p:handoutMasterIdLst>
-    <p:handoutMasterId r:id="rId33"/>
+    <p:handoutMasterId r:id="rId35"/>
   </p:handoutMasterIdLst>
   <p:sldIdLst>
     <p:sldId id="256" r:id="rId2"/>
     <p:sldId id="261" r:id="rId3"/>
     <p:sldId id="272" r:id="rId4"/>
     <p:sldId id="262" r:id="rId5"/>
-    <p:sldId id="295" r:id="rId6"/>
-    <p:sldId id="302" r:id="rId7"/>
-    <p:sldId id="271" r:id="rId8"/>
-    <p:sldId id="283" r:id="rId9"/>
-    <p:sldId id="284" r:id="rId10"/>
-    <p:sldId id="285" r:id="rId11"/>
-    <p:sldId id="286" r:id="rId12"/>
-    <p:sldId id="287" r:id="rId13"/>
-    <p:sldId id="273" r:id="rId14"/>
-    <p:sldId id="296" r:id="rId15"/>
-    <p:sldId id="270" r:id="rId16"/>
+    <p:sldId id="273" r:id="rId6"/>
+    <p:sldId id="271" r:id="rId7"/>
+    <p:sldId id="283" r:id="rId8"/>
+    <p:sldId id="284" r:id="rId9"/>
+    <p:sldId id="285" r:id="rId10"/>
+    <p:sldId id="286" r:id="rId11"/>
+    <p:sldId id="287" r:id="rId12"/>
+    <p:sldId id="295" r:id="rId13"/>
+    <p:sldId id="270" r:id="rId14"/>
+    <p:sldId id="310" r:id="rId15"/>
+    <p:sldId id="291" r:id="rId16"/>
     <p:sldId id="265" r:id="rId17"/>
-    <p:sldId id="291" r:id="rId18"/>
-    <p:sldId id="299" r:id="rId19"/>
+    <p:sldId id="311" r:id="rId18"/>
+    <p:sldId id="314" r:id="rId19"/>
     <p:sldId id="290" r:id="rId20"/>
     <p:sldId id="258" r:id="rId21"/>
-    <p:sldId id="266" r:id="rId22"/>
-    <p:sldId id="279" r:id="rId23"/>
-    <p:sldId id="260" r:id="rId24"/>
-    <p:sldId id="269" r:id="rId25"/>
-    <p:sldId id="303" r:id="rId26"/>
+    <p:sldId id="312" r:id="rId22"/>
+    <p:sldId id="307" r:id="rId23"/>
+    <p:sldId id="313" r:id="rId24"/>
+    <p:sldId id="279" r:id="rId25"/>
+    <p:sldId id="269" r:id="rId26"/>
     <p:sldId id="304" r:id="rId27"/>
-    <p:sldId id="301" r:id="rId28"/>
-    <p:sldId id="298" r:id="rId29"/>
-    <p:sldId id="277" r:id="rId30"/>
-    <p:sldId id="280" r:id="rId31"/>
+    <p:sldId id="308" r:id="rId28"/>
+    <p:sldId id="309" r:id="rId29"/>
+    <p:sldId id="301" r:id="rId30"/>
+    <p:sldId id="298" r:id="rId31"/>
+    <p:sldId id="277" r:id="rId32"/>
+    <p:sldId id="280" r:id="rId33"/>
   </p:sldIdLst>
   <p:sldSz cx="10693400" cy="7561263"/>
   <p:notesSz cx="6858000" cy="9144000"/>
@@ -178,40 +180,38 @@
             <p14:sldId id="261"/>
             <p14:sldId id="272"/>
             <p14:sldId id="262"/>
-            <p14:sldId id="295"/>
           </p14:sldIdLst>
         </p14:section>
         <p14:section name="CLEAN" id="{66BB2E45-2870-4577-BE32-FDFA49B4C7F9}">
           <p14:sldIdLst>
-            <p14:sldId id="302"/>
+            <p14:sldId id="273"/>
             <p14:sldId id="271"/>
             <p14:sldId id="283"/>
             <p14:sldId id="284"/>
             <p14:sldId id="285"/>
             <p14:sldId id="286"/>
             <p14:sldId id="287"/>
-            <p14:sldId id="273"/>
-            <p14:sldId id="296"/>
-          </p14:sldIdLst>
-        </p14:section>
-        <p14:section name="CS CLEAN" id="{394DFBC1-4419-4868-A4A9-27F666B62EA4}">
-          <p14:sldIdLst>
+            <p14:sldId id="295"/>
             <p14:sldId id="270"/>
+            <p14:sldId id="310"/>
           </p14:sldIdLst>
         </p14:section>
         <p14:section name="Abschnitt ohne Titel" id="{08DBAA98-29F2-46AD-A1D0-8A81AF8564F8}">
           <p14:sldIdLst>
+            <p14:sldId id="291"/>
             <p14:sldId id="265"/>
-            <p14:sldId id="291"/>
-            <p14:sldId id="299"/>
+            <p14:sldId id="311"/>
+            <p14:sldId id="314"/>
             <p14:sldId id="290"/>
             <p14:sldId id="258"/>
-            <p14:sldId id="266"/>
+            <p14:sldId id="312"/>
+            <p14:sldId id="307"/>
+            <p14:sldId id="313"/>
             <p14:sldId id="279"/>
-            <p14:sldId id="260"/>
             <p14:sldId id="269"/>
-            <p14:sldId id="303"/>
             <p14:sldId id="304"/>
+            <p14:sldId id="308"/>
+            <p14:sldId id="309"/>
             <p14:sldId id="301"/>
             <p14:sldId id="298"/>
             <p14:sldId id="277"/>
@@ -291,14 +291,14 @@
           <a:effectLst/>
           <a:extLst>
             <a:ext uri="{909E8E84-426E-40dd-AFC4-6F175D3DCCD1}">
-              <a14:hiddenFill xmlns:a14="http://schemas.microsoft.com/office/drawing/2010/main" xmlns="">
+              <a14:hiddenFill xmlns="" xmlns:a14="http://schemas.microsoft.com/office/drawing/2010/main">
                 <a:solidFill>
                   <a:schemeClr val="accent1"/>
                 </a:solidFill>
               </a14:hiddenFill>
             </a:ext>
             <a:ext uri="{91240B29-F687-4f45-9708-019B960494DF}">
-              <a14:hiddenLine xmlns:a14="http://schemas.microsoft.com/office/drawing/2010/main" xmlns="" w="9525">
+              <a14:hiddenLine xmlns="" xmlns:a14="http://schemas.microsoft.com/office/drawing/2010/main" w="9525">
                 <a:solidFill>
                   <a:schemeClr val="tx1"/>
                 </a:solidFill>
@@ -308,7 +308,7 @@
               </a14:hiddenLine>
             </a:ext>
             <a:ext uri="{AF507438-7753-43e0-B8FC-AC1667EBCBE1}">
-              <a14:hiddenEffects xmlns:a14="http://schemas.microsoft.com/office/drawing/2010/main" xmlns="">
+              <a14:hiddenEffects xmlns="" xmlns:a14="http://schemas.microsoft.com/office/drawing/2010/main">
                 <a:effectLst>
                   <a:outerShdw dist="35921" dir="2700000" algn="ctr" rotWithShape="0">
                     <a:schemeClr val="bg2"/>
@@ -359,14 +359,14 @@
           <a:effectLst/>
           <a:extLst>
             <a:ext uri="{909E8E84-426E-40dd-AFC4-6F175D3DCCD1}">
-              <a14:hiddenFill xmlns:a14="http://schemas.microsoft.com/office/drawing/2010/main" xmlns="">
+              <a14:hiddenFill xmlns="" xmlns:a14="http://schemas.microsoft.com/office/drawing/2010/main">
                 <a:solidFill>
                   <a:schemeClr val="accent1"/>
                 </a:solidFill>
               </a14:hiddenFill>
             </a:ext>
             <a:ext uri="{91240B29-F687-4f45-9708-019B960494DF}">
-              <a14:hiddenLine xmlns:a14="http://schemas.microsoft.com/office/drawing/2010/main" xmlns="" w="9525">
+              <a14:hiddenLine xmlns="" xmlns:a14="http://schemas.microsoft.com/office/drawing/2010/main" w="9525">
                 <a:solidFill>
                   <a:schemeClr val="tx1"/>
                 </a:solidFill>
@@ -376,7 +376,7 @@
               </a14:hiddenLine>
             </a:ext>
             <a:ext uri="{AF507438-7753-43e0-B8FC-AC1667EBCBE1}">
-              <a14:hiddenEffects xmlns:a14="http://schemas.microsoft.com/office/drawing/2010/main" xmlns="">
+              <a14:hiddenEffects xmlns="" xmlns:a14="http://schemas.microsoft.com/office/drawing/2010/main">
                 <a:effectLst>
                   <a:outerShdw dist="35921" dir="2700000" algn="ctr" rotWithShape="0">
                     <a:schemeClr val="bg2"/>
@@ -427,14 +427,14 @@
           <a:effectLst/>
           <a:extLst>
             <a:ext uri="{909E8E84-426E-40dd-AFC4-6F175D3DCCD1}">
-              <a14:hiddenFill xmlns:a14="http://schemas.microsoft.com/office/drawing/2010/main" xmlns="">
+              <a14:hiddenFill xmlns="" xmlns:a14="http://schemas.microsoft.com/office/drawing/2010/main">
                 <a:solidFill>
                   <a:schemeClr val="accent1"/>
                 </a:solidFill>
               </a14:hiddenFill>
             </a:ext>
             <a:ext uri="{91240B29-F687-4f45-9708-019B960494DF}">
-              <a14:hiddenLine xmlns:a14="http://schemas.microsoft.com/office/drawing/2010/main" xmlns="" w="9525">
+              <a14:hiddenLine xmlns="" xmlns:a14="http://schemas.microsoft.com/office/drawing/2010/main" w="9525">
                 <a:solidFill>
                   <a:schemeClr val="tx1"/>
                 </a:solidFill>
@@ -444,7 +444,7 @@
               </a14:hiddenLine>
             </a:ext>
             <a:ext uri="{AF507438-7753-43e0-B8FC-AC1667EBCBE1}">
-              <a14:hiddenEffects xmlns:a14="http://schemas.microsoft.com/office/drawing/2010/main" xmlns="">
+              <a14:hiddenEffects xmlns="" xmlns:a14="http://schemas.microsoft.com/office/drawing/2010/main">
                 <a:effectLst>
                   <a:outerShdw dist="35921" dir="2700000" algn="ctr" rotWithShape="0">
                     <a:schemeClr val="bg2"/>
@@ -495,14 +495,14 @@
           <a:effectLst/>
           <a:extLst>
             <a:ext uri="{909E8E84-426E-40dd-AFC4-6F175D3DCCD1}">
-              <a14:hiddenFill xmlns:a14="http://schemas.microsoft.com/office/drawing/2010/main" xmlns="">
+              <a14:hiddenFill xmlns="" xmlns:a14="http://schemas.microsoft.com/office/drawing/2010/main">
                 <a:solidFill>
                   <a:schemeClr val="accent1"/>
                 </a:solidFill>
               </a14:hiddenFill>
             </a:ext>
             <a:ext uri="{91240B29-F687-4f45-9708-019B960494DF}">
-              <a14:hiddenLine xmlns:a14="http://schemas.microsoft.com/office/drawing/2010/main" xmlns="" w="9525">
+              <a14:hiddenLine xmlns="" xmlns:a14="http://schemas.microsoft.com/office/drawing/2010/main" w="9525">
                 <a:solidFill>
                   <a:schemeClr val="tx1"/>
                 </a:solidFill>
@@ -512,7 +512,7 @@
               </a14:hiddenLine>
             </a:ext>
             <a:ext uri="{AF507438-7753-43e0-B8FC-AC1667EBCBE1}">
-              <a14:hiddenEffects xmlns:a14="http://schemas.microsoft.com/office/drawing/2010/main" xmlns="">
+              <a14:hiddenEffects xmlns="" xmlns:a14="http://schemas.microsoft.com/office/drawing/2010/main">
                 <a:effectLst>
                   <a:outerShdw dist="35921" dir="2700000" algn="ctr" rotWithShape="0">
                     <a:schemeClr val="bg2"/>
@@ -604,14 +604,14 @@
           <a:effectLst/>
           <a:extLst>
             <a:ext uri="{909E8E84-426E-40dd-AFC4-6F175D3DCCD1}">
-              <a14:hiddenFill xmlns:a14="http://schemas.microsoft.com/office/drawing/2010/main" xmlns="">
+              <a14:hiddenFill xmlns="" xmlns:a14="http://schemas.microsoft.com/office/drawing/2010/main">
                 <a:solidFill>
                   <a:schemeClr val="accent1"/>
                 </a:solidFill>
               </a14:hiddenFill>
             </a:ext>
             <a:ext uri="{91240B29-F687-4f45-9708-019B960494DF}">
-              <a14:hiddenLine xmlns:a14="http://schemas.microsoft.com/office/drawing/2010/main" xmlns="" w="9525">
+              <a14:hiddenLine xmlns="" xmlns:a14="http://schemas.microsoft.com/office/drawing/2010/main" w="9525">
                 <a:solidFill>
                   <a:schemeClr val="tx1"/>
                 </a:solidFill>
@@ -621,7 +621,7 @@
               </a14:hiddenLine>
             </a:ext>
             <a:ext uri="{AF507438-7753-43e0-B8FC-AC1667EBCBE1}">
-              <a14:hiddenEffects xmlns:a14="http://schemas.microsoft.com/office/drawing/2010/main" xmlns="">
+              <a14:hiddenEffects xmlns="" xmlns:a14="http://schemas.microsoft.com/office/drawing/2010/main">
                 <a:effectLst>
                   <a:outerShdw dist="35921" dir="2700000" algn="ctr" rotWithShape="0">
                     <a:schemeClr val="bg2"/>
@@ -672,14 +672,14 @@
           <a:effectLst/>
           <a:extLst>
             <a:ext uri="{909E8E84-426E-40dd-AFC4-6F175D3DCCD1}">
-              <a14:hiddenFill xmlns:a14="http://schemas.microsoft.com/office/drawing/2010/main" xmlns="">
+              <a14:hiddenFill xmlns="" xmlns:a14="http://schemas.microsoft.com/office/drawing/2010/main">
                 <a:solidFill>
                   <a:schemeClr val="accent1"/>
                 </a:solidFill>
               </a14:hiddenFill>
             </a:ext>
             <a:ext uri="{91240B29-F687-4f45-9708-019B960494DF}">
-              <a14:hiddenLine xmlns:a14="http://schemas.microsoft.com/office/drawing/2010/main" xmlns="" w="9525">
+              <a14:hiddenLine xmlns="" xmlns:a14="http://schemas.microsoft.com/office/drawing/2010/main" w="9525">
                 <a:solidFill>
                   <a:schemeClr val="tx1"/>
                 </a:solidFill>
@@ -689,7 +689,7 @@
               </a14:hiddenLine>
             </a:ext>
             <a:ext uri="{AF507438-7753-43e0-B8FC-AC1667EBCBE1}">
-              <a14:hiddenEffects xmlns:a14="http://schemas.microsoft.com/office/drawing/2010/main" xmlns="">
+              <a14:hiddenEffects xmlns="" xmlns:a14="http://schemas.microsoft.com/office/drawing/2010/main">
                 <a:effectLst>
                   <a:outerShdw dist="35921" dir="2700000" algn="ctr" rotWithShape="0">
                     <a:schemeClr val="bg2"/>
@@ -745,7 +745,7 @@
           <a:effectLst/>
           <a:extLst>
             <a:ext uri="{AF507438-7753-43e0-B8FC-AC1667EBCBE1}">
-              <a14:hiddenEffects xmlns:a14="http://schemas.microsoft.com/office/drawing/2010/main" xmlns="">
+              <a14:hiddenEffects xmlns="" xmlns:a14="http://schemas.microsoft.com/office/drawing/2010/main">
                 <a:effectLst>
                   <a:outerShdw dist="35921" dir="2700000" algn="ctr" rotWithShape="0">
                     <a:srgbClr val="808080"/>
@@ -754,7 +754,7 @@
               </a14:hiddenEffects>
             </a:ext>
             <a:ext uri="{53640926-AAD7-44d8-BBD7-CCE9431645EC}">
-              <a14:shadowObscured xmlns:a14="http://schemas.microsoft.com/office/drawing/2010/main" xmlns="" val="1"/>
+              <a14:shadowObscured xmlns="" xmlns:a14="http://schemas.microsoft.com/office/drawing/2010/main" val="1"/>
             </a:ext>
           </a:extLst>
         </p:spPr>
@@ -784,14 +784,14 @@
           <a:effectLst/>
           <a:extLst>
             <a:ext uri="{909E8E84-426E-40dd-AFC4-6F175D3DCCD1}">
-              <a14:hiddenFill xmlns:a14="http://schemas.microsoft.com/office/drawing/2010/main" xmlns="">
+              <a14:hiddenFill xmlns="" xmlns:a14="http://schemas.microsoft.com/office/drawing/2010/main">
                 <a:solidFill>
                   <a:schemeClr val="accent1"/>
                 </a:solidFill>
               </a14:hiddenFill>
             </a:ext>
             <a:ext uri="{91240B29-F687-4f45-9708-019B960494DF}">
-              <a14:hiddenLine xmlns:a14="http://schemas.microsoft.com/office/drawing/2010/main" xmlns="" w="9525">
+              <a14:hiddenLine xmlns="" xmlns:a14="http://schemas.microsoft.com/office/drawing/2010/main" w="9525">
                 <a:solidFill>
                   <a:schemeClr val="tx1"/>
                 </a:solidFill>
@@ -801,7 +801,7 @@
               </a14:hiddenLine>
             </a:ext>
             <a:ext uri="{AF507438-7753-43e0-B8FC-AC1667EBCBE1}">
-              <a14:hiddenEffects xmlns:a14="http://schemas.microsoft.com/office/drawing/2010/main" xmlns="">
+              <a14:hiddenEffects xmlns="" xmlns:a14="http://schemas.microsoft.com/office/drawing/2010/main">
                 <a:effectLst>
                   <a:outerShdw dist="35921" dir="2700000" algn="ctr" rotWithShape="0">
                     <a:schemeClr val="bg2"/>
@@ -880,14 +880,14 @@
           <a:effectLst/>
           <a:extLst>
             <a:ext uri="{909E8E84-426E-40dd-AFC4-6F175D3DCCD1}">
-              <a14:hiddenFill xmlns:a14="http://schemas.microsoft.com/office/drawing/2010/main" xmlns="">
+              <a14:hiddenFill xmlns="" xmlns:a14="http://schemas.microsoft.com/office/drawing/2010/main">
                 <a:solidFill>
                   <a:schemeClr val="accent1"/>
                 </a:solidFill>
               </a14:hiddenFill>
             </a:ext>
             <a:ext uri="{91240B29-F687-4f45-9708-019B960494DF}">
-              <a14:hiddenLine xmlns:a14="http://schemas.microsoft.com/office/drawing/2010/main" xmlns="" w="9525">
+              <a14:hiddenLine xmlns="" xmlns:a14="http://schemas.microsoft.com/office/drawing/2010/main" w="9525">
                 <a:solidFill>
                   <a:schemeClr val="tx1"/>
                 </a:solidFill>
@@ -897,7 +897,7 @@
               </a14:hiddenLine>
             </a:ext>
             <a:ext uri="{AF507438-7753-43e0-B8FC-AC1667EBCBE1}">
-              <a14:hiddenEffects xmlns:a14="http://schemas.microsoft.com/office/drawing/2010/main" xmlns="">
+              <a14:hiddenEffects xmlns="" xmlns:a14="http://schemas.microsoft.com/office/drawing/2010/main">
                 <a:effectLst>
                   <a:outerShdw dist="35921" dir="2700000" algn="ctr" rotWithShape="0">
                     <a:schemeClr val="bg2"/>
@@ -948,14 +948,14 @@
           <a:effectLst/>
           <a:extLst>
             <a:ext uri="{909E8E84-426E-40dd-AFC4-6F175D3DCCD1}">
-              <a14:hiddenFill xmlns:a14="http://schemas.microsoft.com/office/drawing/2010/main" xmlns="">
+              <a14:hiddenFill xmlns="" xmlns:a14="http://schemas.microsoft.com/office/drawing/2010/main">
                 <a:solidFill>
                   <a:schemeClr val="accent1"/>
                 </a:solidFill>
               </a14:hiddenFill>
             </a:ext>
             <a:ext uri="{91240B29-F687-4f45-9708-019B960494DF}">
-              <a14:hiddenLine xmlns:a14="http://schemas.microsoft.com/office/drawing/2010/main" xmlns="" w="9525">
+              <a14:hiddenLine xmlns="" xmlns:a14="http://schemas.microsoft.com/office/drawing/2010/main" w="9525">
                 <a:solidFill>
                   <a:schemeClr val="tx1"/>
                 </a:solidFill>
@@ -965,7 +965,7 @@
               </a14:hiddenLine>
             </a:ext>
             <a:ext uri="{AF507438-7753-43e0-B8FC-AC1667EBCBE1}">
-              <a14:hiddenEffects xmlns:a14="http://schemas.microsoft.com/office/drawing/2010/main" xmlns="">
+              <a14:hiddenEffects xmlns="" xmlns:a14="http://schemas.microsoft.com/office/drawing/2010/main">
                 <a:effectLst>
                   <a:outerShdw dist="35921" dir="2700000" algn="ctr" rotWithShape="0">
                     <a:schemeClr val="bg2"/>
@@ -1389,7 +1389,7 @@
             <a:fld id="{058061DB-DF71-4765-99A4-14E22DF63CCF}" type="slidenum">
               <a:rPr lang="de-CH" smtClean="0"/>
               <a:pPr/>
-              <a:t>5</a:t>
+              <a:t>12</a:t>
             </a:fld>
             <a:endParaRPr lang="de-CH"/>
           </a:p>
@@ -1482,7 +1482,7 @@
             <a:fld id="{058061DB-DF71-4765-99A4-14E22DF63CCF}" type="slidenum">
               <a:rPr lang="de-CH" smtClean="0"/>
               <a:pPr/>
-              <a:t>14</a:t>
+              <a:t>17</a:t>
             </a:fld>
             <a:endParaRPr lang="de-CH"/>
           </a:p>
@@ -1491,7 +1491,7 @@
     </p:spTree>
     <p:extLst>
       <p:ext uri="{BB962C8B-B14F-4D97-AF65-F5344CB8AC3E}">
-        <p14:creationId xmlns:p14="http://schemas.microsoft.com/office/powerpoint/2010/main" val="883586222"/>
+        <p14:creationId xmlns:p14="http://schemas.microsoft.com/office/powerpoint/2010/main" val="2896145609"/>
       </p:ext>
     </p:extLst>
   </p:cSld>
@@ -1547,13 +1547,22 @@
           <a:p>
             <a:r>
               <a:rPr lang="en-GB" dirty="0" smtClean="0"/>
-              <a:t>Low</a:t>
+              <a:t>Camera</a:t>
             </a:r>
             <a:r>
               <a:rPr lang="en-GB" baseline="0" dirty="0" smtClean="0"/>
-              <a:t> resolution</a:t>
-            </a:r>
-            <a:endParaRPr lang="en-GB" dirty="0"/>
+              <a:t> Pixels</a:t>
+            </a:r>
+          </a:p>
+          <a:p>
+            <a:endParaRPr lang="en-GB" baseline="0" dirty="0" smtClean="0"/>
+          </a:p>
+          <a:p>
+            <a:r>
+              <a:rPr lang="en-GB" baseline="0" dirty="0" smtClean="0"/>
+              <a:t>Many samples, most contain no information</a:t>
+            </a:r>
+            <a:endParaRPr lang="en-GB" dirty="0" smtClean="0"/>
           </a:p>
         </p:txBody>
       </p:sp>
@@ -1575,109 +1584,7 @@
             <a:fld id="{058061DB-DF71-4765-99A4-14E22DF63CCF}" type="slidenum">
               <a:rPr lang="de-CH" smtClean="0"/>
               <a:pPr/>
-              <a:t>18</a:t>
-            </a:fld>
-            <a:endParaRPr lang="de-CH"/>
-          </a:p>
-        </p:txBody>
-      </p:sp>
-    </p:spTree>
-    <p:extLst>
-      <p:ext uri="{BB962C8B-B14F-4D97-AF65-F5344CB8AC3E}">
-        <p14:creationId xmlns:p14="http://schemas.microsoft.com/office/powerpoint/2010/main" val="3283216103"/>
-      </p:ext>
-    </p:extLst>
-  </p:cSld>
-  <p:clrMapOvr>
-    <a:masterClrMapping/>
-  </p:clrMapOvr>
-</p:notes>
-</file>
-
-<file path=ppt/notesSlides/notesSlide6.xml><?xml version="1.0" encoding="utf-8"?>
-<p:notes xmlns:a="http://schemas.openxmlformats.org/drawingml/2006/main" xmlns:r="http://schemas.openxmlformats.org/officeDocument/2006/relationships" xmlns:p="http://schemas.openxmlformats.org/presentationml/2006/main">
-  <p:cSld>
-    <p:spTree>
-      <p:nvGrpSpPr>
-        <p:cNvPr id="1" name=""/>
-        <p:cNvGrpSpPr/>
-        <p:nvPr/>
-      </p:nvGrpSpPr>
-      <p:grpSpPr>
-        <a:xfrm>
-          <a:off x="0" y="0"/>
-          <a:ext cx="0" cy="0"/>
-          <a:chOff x="0" y="0"/>
-          <a:chExt cx="0" cy="0"/>
-        </a:xfrm>
-      </p:grpSpPr>
-      <p:sp>
-        <p:nvSpPr>
-          <p:cNvPr id="2" name="Folienbildplatzhalter 1"/>
-          <p:cNvSpPr>
-            <a:spLocks noGrp="1" noRot="1" noChangeAspect="1"/>
-          </p:cNvSpPr>
-          <p:nvPr>
-            <p:ph type="sldImg"/>
-          </p:nvPr>
-        </p:nvSpPr>
-        <p:spPr/>
-      </p:sp>
-      <p:sp>
-        <p:nvSpPr>
-          <p:cNvPr id="3" name="Notizenplatzhalter 2"/>
-          <p:cNvSpPr>
-            <a:spLocks noGrp="1"/>
-          </p:cNvSpPr>
-          <p:nvPr>
-            <p:ph type="body" idx="1"/>
-          </p:nvPr>
-        </p:nvSpPr>
-        <p:spPr/>
-        <p:txBody>
-          <a:bodyPr/>
-          <a:lstStyle/>
-          <a:p>
-            <a:r>
-              <a:rPr lang="en-GB" dirty="0" smtClean="0"/>
-              <a:t>Camera</a:t>
-            </a:r>
-            <a:r>
-              <a:rPr lang="en-GB" baseline="0" dirty="0" smtClean="0"/>
-              <a:t> Pixels</a:t>
-            </a:r>
-          </a:p>
-          <a:p>
-            <a:endParaRPr lang="en-GB" baseline="0" dirty="0" smtClean="0"/>
-          </a:p>
-          <a:p>
-            <a:r>
-              <a:rPr lang="en-GB" baseline="0" dirty="0" smtClean="0"/>
-              <a:t>Many samples, most contain no information</a:t>
-            </a:r>
-            <a:endParaRPr lang="en-GB" dirty="0" smtClean="0"/>
-          </a:p>
-        </p:txBody>
-      </p:sp>
-      <p:sp>
-        <p:nvSpPr>
-          <p:cNvPr id="4" name="Foliennummernplatzhalter 3"/>
-          <p:cNvSpPr>
-            <a:spLocks noGrp="1"/>
-          </p:cNvSpPr>
-          <p:nvPr>
-            <p:ph type="sldNum" sz="quarter" idx="10"/>
-          </p:nvPr>
-        </p:nvSpPr>
-        <p:spPr/>
-        <p:txBody>
-          <a:bodyPr/>
-          <a:lstStyle/>
-          <a:p>
-            <a:fld id="{058061DB-DF71-4765-99A4-14E22DF63CCF}" type="slidenum">
-              <a:rPr lang="de-CH" smtClean="0"/>
-              <a:pPr/>
-              <a:t>29</a:t>
+              <a:t>31</a:t>
             </a:fld>
             <a:endParaRPr lang="de-CH"/>
           </a:p>
@@ -1735,14 +1642,14 @@
           <a:ln/>
           <a:extLst>
             <a:ext uri="{909E8E84-426E-40dd-AFC4-6F175D3DCCD1}">
-              <a14:hiddenFill xmlns:a14="http://schemas.microsoft.com/office/drawing/2010/main" xmlns="">
+              <a14:hiddenFill xmlns="" xmlns:a14="http://schemas.microsoft.com/office/drawing/2010/main">
                 <a:solidFill>
                   <a:srgbClr val="FFFFFF"/>
                 </a:solidFill>
               </a14:hiddenFill>
             </a:ext>
             <a:ext uri="{91240B29-F687-4f45-9708-019B960494DF}">
-              <a14:hiddenLine xmlns:a14="http://schemas.microsoft.com/office/drawing/2010/main" xmlns="" w="9525">
+              <a14:hiddenLine xmlns="" xmlns:a14="http://schemas.microsoft.com/office/drawing/2010/main" w="9525">
                 <a:solidFill>
                   <a:srgbClr val="000000"/>
                 </a:solidFill>
@@ -2892,14 +2799,14 @@
           <a:effectLst/>
           <a:extLst>
             <a:ext uri="{909E8E84-426E-40dd-AFC4-6F175D3DCCD1}">
-              <a14:hiddenFill xmlns:a14="http://schemas.microsoft.com/office/drawing/2010/main" xmlns="">
+              <a14:hiddenFill xmlns="" xmlns:a14="http://schemas.microsoft.com/office/drawing/2010/main">
                 <a:solidFill>
                   <a:schemeClr val="accent1"/>
                 </a:solidFill>
               </a14:hiddenFill>
             </a:ext>
             <a:ext uri="{91240B29-F687-4f45-9708-019B960494DF}">
-              <a14:hiddenLine xmlns:a14="http://schemas.microsoft.com/office/drawing/2010/main" xmlns="" w="9525">
+              <a14:hiddenLine xmlns="" xmlns:a14="http://schemas.microsoft.com/office/drawing/2010/main" w="9525">
                 <a:solidFill>
                   <a:schemeClr val="tx1"/>
                 </a:solidFill>
@@ -2909,7 +2816,7 @@
               </a14:hiddenLine>
             </a:ext>
             <a:ext uri="{AF507438-7753-43e0-B8FC-AC1667EBCBE1}">
-              <a14:hiddenEffects xmlns:a14="http://schemas.microsoft.com/office/drawing/2010/main" xmlns="">
+              <a14:hiddenEffects xmlns="" xmlns:a14="http://schemas.microsoft.com/office/drawing/2010/main">
                 <a:effectLst>
                   <a:outerShdw dist="35921" dir="2700000" algn="ctr" rotWithShape="0">
                     <a:schemeClr val="bg2"/>
@@ -2960,14 +2867,14 @@
           <a:effectLst/>
           <a:extLst>
             <a:ext uri="{909E8E84-426E-40dd-AFC4-6F175D3DCCD1}">
-              <a14:hiddenFill xmlns:a14="http://schemas.microsoft.com/office/drawing/2010/main" xmlns="">
+              <a14:hiddenFill xmlns="" xmlns:a14="http://schemas.microsoft.com/office/drawing/2010/main">
                 <a:solidFill>
                   <a:schemeClr val="accent1"/>
                 </a:solidFill>
               </a14:hiddenFill>
             </a:ext>
             <a:ext uri="{91240B29-F687-4f45-9708-019B960494DF}">
-              <a14:hiddenLine xmlns:a14="http://schemas.microsoft.com/office/drawing/2010/main" xmlns="" w="9525">
+              <a14:hiddenLine xmlns="" xmlns:a14="http://schemas.microsoft.com/office/drawing/2010/main" w="9525">
                 <a:solidFill>
                   <a:schemeClr val="tx1"/>
                 </a:solidFill>
@@ -2977,7 +2884,7 @@
               </a14:hiddenLine>
             </a:ext>
             <a:ext uri="{AF507438-7753-43e0-B8FC-AC1667EBCBE1}">
-              <a14:hiddenEffects xmlns:a14="http://schemas.microsoft.com/office/drawing/2010/main" xmlns="">
+              <a14:hiddenEffects xmlns="" xmlns:a14="http://schemas.microsoft.com/office/drawing/2010/main">
                 <a:effectLst>
                   <a:outerShdw dist="35921" dir="2700000" algn="ctr" rotWithShape="0">
                     <a:schemeClr val="bg2"/>
@@ -3056,14 +2963,14 @@
           <a:effectLst/>
           <a:extLst>
             <a:ext uri="{909E8E84-426E-40dd-AFC4-6F175D3DCCD1}">
-              <a14:hiddenFill xmlns:a14="http://schemas.microsoft.com/office/drawing/2010/main" xmlns="">
+              <a14:hiddenFill xmlns="" xmlns:a14="http://schemas.microsoft.com/office/drawing/2010/main">
                 <a:solidFill>
                   <a:schemeClr val="accent1"/>
                 </a:solidFill>
               </a14:hiddenFill>
             </a:ext>
             <a:ext uri="{91240B29-F687-4f45-9708-019B960494DF}">
-              <a14:hiddenLine xmlns:a14="http://schemas.microsoft.com/office/drawing/2010/main" xmlns="" w="9525">
+              <a14:hiddenLine xmlns="" xmlns:a14="http://schemas.microsoft.com/office/drawing/2010/main" w="9525">
                 <a:solidFill>
                   <a:schemeClr val="tx1"/>
                 </a:solidFill>
@@ -3073,7 +2980,7 @@
               </a14:hiddenLine>
             </a:ext>
             <a:ext uri="{AF507438-7753-43e0-B8FC-AC1667EBCBE1}">
-              <a14:hiddenEffects xmlns:a14="http://schemas.microsoft.com/office/drawing/2010/main" xmlns="">
+              <a14:hiddenEffects xmlns="" xmlns:a14="http://schemas.microsoft.com/office/drawing/2010/main">
                 <a:effectLst>
                   <a:outerShdw dist="35921" dir="2700000" algn="ctr" rotWithShape="0">
                     <a:schemeClr val="bg2"/>
@@ -3136,14 +3043,14 @@
           <a:effectLst/>
           <a:extLst>
             <a:ext uri="{909E8E84-426E-40dd-AFC4-6F175D3DCCD1}">
-              <a14:hiddenFill xmlns:a14="http://schemas.microsoft.com/office/drawing/2010/main" xmlns="">
+              <a14:hiddenFill xmlns="" xmlns:a14="http://schemas.microsoft.com/office/drawing/2010/main">
                 <a:solidFill>
                   <a:schemeClr val="accent1"/>
                 </a:solidFill>
               </a14:hiddenFill>
             </a:ext>
             <a:ext uri="{91240B29-F687-4f45-9708-019B960494DF}">
-              <a14:hiddenLine xmlns:a14="http://schemas.microsoft.com/office/drawing/2010/main" xmlns="" w="9525">
+              <a14:hiddenLine xmlns="" xmlns:a14="http://schemas.microsoft.com/office/drawing/2010/main" w="9525">
                 <a:solidFill>
                   <a:schemeClr val="tx1"/>
                 </a:solidFill>
@@ -3153,7 +3060,7 @@
               </a14:hiddenLine>
             </a:ext>
             <a:ext uri="{AF507438-7753-43e0-B8FC-AC1667EBCBE1}">
-              <a14:hiddenEffects xmlns:a14="http://schemas.microsoft.com/office/drawing/2010/main" xmlns="">
+              <a14:hiddenEffects xmlns="" xmlns:a14="http://schemas.microsoft.com/office/drawing/2010/main">
                 <a:effectLst>
                   <a:outerShdw dist="35921" dir="2700000" algn="ctr" rotWithShape="0">
                     <a:schemeClr val="bg2"/>
@@ -3216,14 +3123,14 @@
           <a:effectLst/>
           <a:extLst>
             <a:ext uri="{909E8E84-426E-40dd-AFC4-6F175D3DCCD1}">
-              <a14:hiddenFill xmlns:a14="http://schemas.microsoft.com/office/drawing/2010/main" xmlns="">
+              <a14:hiddenFill xmlns="" xmlns:a14="http://schemas.microsoft.com/office/drawing/2010/main">
                 <a:solidFill>
                   <a:schemeClr val="accent1"/>
                 </a:solidFill>
               </a14:hiddenFill>
             </a:ext>
             <a:ext uri="{91240B29-F687-4f45-9708-019B960494DF}">
-              <a14:hiddenLine xmlns:a14="http://schemas.microsoft.com/office/drawing/2010/main" xmlns="" w="9525">
+              <a14:hiddenLine xmlns="" xmlns:a14="http://schemas.microsoft.com/office/drawing/2010/main" w="9525">
                 <a:solidFill>
                   <a:schemeClr val="tx1"/>
                 </a:solidFill>
@@ -3233,7 +3140,7 @@
               </a14:hiddenLine>
             </a:ext>
             <a:ext uri="{AF507438-7753-43e0-B8FC-AC1667EBCBE1}">
-              <a14:hiddenEffects xmlns:a14="http://schemas.microsoft.com/office/drawing/2010/main" xmlns="">
+              <a14:hiddenEffects xmlns="" xmlns:a14="http://schemas.microsoft.com/office/drawing/2010/main">
                 <a:effectLst>
                   <a:outerShdw dist="35921" dir="2700000" algn="ctr" rotWithShape="0">
                     <a:schemeClr val="bg2"/>
@@ -3300,12 +3207,12 @@
           <a:effectLst/>
           <a:extLst>
             <a:ext uri="{909E8E84-426E-40dd-AFC4-6F175D3DCCD1}">
-              <a14:hiddenFill xmlns:a14="http://schemas.microsoft.com/office/drawing/2010/main" xmlns="">
+              <a14:hiddenFill xmlns="" xmlns:a14="http://schemas.microsoft.com/office/drawing/2010/main">
                 <a:noFill/>
               </a14:hiddenFill>
             </a:ext>
             <a:ext uri="{AF507438-7753-43e0-B8FC-AC1667EBCBE1}">
-              <a14:hiddenEffects xmlns:a14="http://schemas.microsoft.com/office/drawing/2010/main" xmlns="">
+              <a14:hiddenEffects xmlns="" xmlns:a14="http://schemas.microsoft.com/office/drawing/2010/main">
                 <a:effectLst>
                   <a:outerShdw dist="35921" dir="2700000" algn="ctr" rotWithShape="0">
                     <a:schemeClr val="bg2"/>
@@ -4104,359 +4011,6 @@
           <a:p>
             <a:r>
               <a:rPr lang="en-GB" dirty="0" smtClean="0"/>
-              <a:t>CLEAN, Iteration 3</a:t>
-            </a:r>
-            <a:endParaRPr lang="en-GB" dirty="0"/>
-          </a:p>
-        </p:txBody>
-      </p:sp>
-      <p:sp>
-        <p:nvSpPr>
-          <p:cNvPr id="6" name="Textplatzhalter 5"/>
-          <p:cNvSpPr>
-            <a:spLocks noGrp="1"/>
-          </p:cNvSpPr>
-          <p:nvPr>
-            <p:ph type="body" idx="1"/>
-          </p:nvPr>
-        </p:nvSpPr>
-        <p:spPr/>
-        <p:txBody>
-          <a:bodyPr/>
-          <a:lstStyle/>
-          <a:p>
-            <a:endParaRPr lang="en-GB" dirty="0"/>
-          </a:p>
-        </p:txBody>
-      </p:sp>
-      <p:pic>
-        <p:nvPicPr>
-          <p:cNvPr id="7" name="Grafik 6"/>
-          <p:cNvPicPr>
-            <a:picLocks noChangeAspect="1"/>
-          </p:cNvPicPr>
-          <p:nvPr/>
-        </p:nvPicPr>
-        <p:blipFill>
-          <a:blip r:embed="rId4" cstate="print">
-            <a:extLst>
-              <a:ext uri="{28A0092B-C50C-407E-A947-70E740481C1C}">
-                <a14:useLocalDpi xmlns:a14="http://schemas.microsoft.com/office/drawing/2010/main" val="0"/>
-              </a:ext>
-            </a:extLst>
-          </a:blip>
-          <a:stretch>
-            <a:fillRect/>
-          </a:stretch>
-        </p:blipFill>
-        <p:spPr>
-          <a:xfrm>
-            <a:off x="7280692" y="-37093"/>
-            <a:ext cx="3310648" cy="3310648"/>
-          </a:xfrm>
-          <a:prstGeom prst="rect">
-            <a:avLst/>
-          </a:prstGeom>
-        </p:spPr>
-      </p:pic>
-      <p:sp>
-        <p:nvSpPr>
-          <p:cNvPr id="10" name="Textfeld 9"/>
-          <p:cNvSpPr txBox="1"/>
-          <p:nvPr/>
-        </p:nvSpPr>
-        <p:spPr>
-          <a:xfrm>
-            <a:off x="1658510" y="3064089"/>
-            <a:ext cx="1560043" cy="415498"/>
-          </a:xfrm>
-          <a:prstGeom prst="rect">
-            <a:avLst/>
-          </a:prstGeom>
-          <a:noFill/>
-        </p:spPr>
-        <p:txBody>
-          <a:bodyPr wrap="none" rtlCol="0">
-            <a:spAutoFit/>
-          </a:bodyPr>
-          <a:lstStyle/>
-          <a:p>
-            <a:r>
-              <a:rPr lang="en-GB" dirty="0" smtClean="0"/>
-              <a:t>Dirty Image</a:t>
-            </a:r>
-            <a:endParaRPr lang="en-GB" dirty="0"/>
-          </a:p>
-        </p:txBody>
-      </p:sp>
-      <p:sp>
-        <p:nvSpPr>
-          <p:cNvPr id="11" name="Textfeld 10"/>
-          <p:cNvSpPr txBox="1"/>
-          <p:nvPr/>
-        </p:nvSpPr>
-        <p:spPr>
-          <a:xfrm>
-            <a:off x="5138177" y="3064089"/>
-            <a:ext cx="1737976" cy="415498"/>
-          </a:xfrm>
-          <a:prstGeom prst="rect">
-            <a:avLst/>
-          </a:prstGeom>
-          <a:noFill/>
-        </p:spPr>
-        <p:txBody>
-          <a:bodyPr wrap="none" rtlCol="0">
-            <a:spAutoFit/>
-          </a:bodyPr>
-          <a:lstStyle/>
-          <a:p>
-            <a:r>
-              <a:rPr lang="en-GB" dirty="0" smtClean="0"/>
-              <a:t>Model Image</a:t>
-            </a:r>
-            <a:endParaRPr lang="en-GB" dirty="0"/>
-          </a:p>
-        </p:txBody>
-      </p:sp>
-      <p:pic>
-        <p:nvPicPr>
-          <p:cNvPr id="12" name="Grafik 11"/>
-          <p:cNvPicPr>
-            <a:picLocks noChangeAspect="1"/>
-          </p:cNvPicPr>
-          <p:nvPr/>
-        </p:nvPicPr>
-        <p:blipFill>
-          <a:blip r:embed="rId4" cstate="print">
-            <a:extLst>
-              <a:ext uri="{28A0092B-C50C-407E-A947-70E740481C1C}">
-                <a14:useLocalDpi xmlns:a14="http://schemas.microsoft.com/office/drawing/2010/main" val="0"/>
-              </a:ext>
-            </a:extLst>
-          </a:blip>
-          <a:stretch>
-            <a:fillRect/>
-          </a:stretch>
-        </p:blipFill>
-        <p:spPr>
-          <a:xfrm>
-            <a:off x="7433092" y="-35793"/>
-            <a:ext cx="3310648" cy="3310648"/>
-          </a:xfrm>
-          <a:prstGeom prst="rect">
-            <a:avLst/>
-          </a:prstGeom>
-        </p:spPr>
-      </p:pic>
-    </p:spTree>
-    <p:extLst>
-      <p:ext uri="{BB962C8B-B14F-4D97-AF65-F5344CB8AC3E}">
-        <p14:creationId xmlns:p14="http://schemas.microsoft.com/office/powerpoint/2010/main" val="545085356"/>
-      </p:ext>
-    </p:extLst>
-  </p:cSld>
-  <p:clrMapOvr>
-    <a:masterClrMapping/>
-  </p:clrMapOvr>
-  <p:timing>
-    <p:tnLst>
-      <p:par>
-        <p:cTn id="1" dur="indefinite" restart="never" nodeType="tmRoot"/>
-      </p:par>
-    </p:tnLst>
-  </p:timing>
-</p:sld>
-</file>
-
-<file path=ppt/slides/slide11.xml><?xml version="1.0" encoding="utf-8"?>
-<p:sld xmlns:a="http://schemas.openxmlformats.org/drawingml/2006/main" xmlns:r="http://schemas.openxmlformats.org/officeDocument/2006/relationships" xmlns:p="http://schemas.openxmlformats.org/presentationml/2006/main">
-  <p:cSld>
-    <p:spTree>
-      <p:nvGrpSpPr>
-        <p:cNvPr id="1" name=""/>
-        <p:cNvGrpSpPr/>
-        <p:nvPr/>
-      </p:nvGrpSpPr>
-      <p:grpSpPr>
-        <a:xfrm>
-          <a:off x="0" y="0"/>
-          <a:ext cx="0" cy="0"/>
-          <a:chOff x="0" y="0"/>
-          <a:chExt cx="0" cy="0"/>
-        </a:xfrm>
-      </p:grpSpPr>
-      <p:pic>
-        <p:nvPicPr>
-          <p:cNvPr id="14" name="Grafik 13"/>
-          <p:cNvPicPr>
-            <a:picLocks noChangeAspect="1"/>
-          </p:cNvPicPr>
-          <p:nvPr/>
-        </p:nvPicPr>
-        <p:blipFill>
-          <a:blip r:embed="rId2" cstate="print">
-            <a:extLst>
-              <a:ext uri="{28A0092B-C50C-407E-A947-70E740481C1C}">
-                <a14:useLocalDpi xmlns:a14="http://schemas.microsoft.com/office/drawing/2010/main" val="0"/>
-              </a:ext>
-            </a:extLst>
-          </a:blip>
-          <a:stretch>
-            <a:fillRect/>
-          </a:stretch>
-        </p:blipFill>
-        <p:spPr>
-          <a:xfrm>
-            <a:off x="4986660" y="3219375"/>
-            <a:ext cx="3657600" cy="3657600"/>
-          </a:xfrm>
-          <a:prstGeom prst="rect">
-            <a:avLst/>
-          </a:prstGeom>
-        </p:spPr>
-      </p:pic>
-      <p:pic>
-        <p:nvPicPr>
-          <p:cNvPr id="13" name="Grafik 12"/>
-          <p:cNvPicPr>
-            <a:picLocks noChangeAspect="1"/>
-          </p:cNvPicPr>
-          <p:nvPr/>
-        </p:nvPicPr>
-        <p:blipFill>
-          <a:blip r:embed="rId3" cstate="print">
-            <a:extLst>
-              <a:ext uri="{28A0092B-C50C-407E-A947-70E740481C1C}">
-                <a14:useLocalDpi xmlns:a14="http://schemas.microsoft.com/office/drawing/2010/main" val="0"/>
-              </a:ext>
-            </a:extLst>
-          </a:blip>
-          <a:stretch>
-            <a:fillRect/>
-          </a:stretch>
-        </p:blipFill>
-        <p:spPr>
-          <a:xfrm>
-            <a:off x="1401068" y="3219375"/>
-            <a:ext cx="3657600" cy="3657600"/>
-          </a:xfrm>
-          <a:prstGeom prst="rect">
-            <a:avLst/>
-          </a:prstGeom>
-        </p:spPr>
-      </p:pic>
-      <p:sp>
-        <p:nvSpPr>
-          <p:cNvPr id="2" name="Datumsplatzhalter 1"/>
-          <p:cNvSpPr>
-            <a:spLocks noGrp="1"/>
-          </p:cNvSpPr>
-          <p:nvPr>
-            <p:ph type="dt" sz="half" idx="10"/>
-          </p:nvPr>
-        </p:nvSpPr>
-        <p:spPr/>
-        <p:txBody>
-          <a:bodyPr/>
-          <a:lstStyle/>
-          <a:p>
-            <a:fld id="{5E48492E-72D1-4785-9351-8AE1E40FBA2D}" type="datetime1">
-              <a:rPr lang="de-CH" smtClean="0">
-                <a:solidFill>
-                  <a:srgbClr val="000000"/>
-                </a:solidFill>
-              </a:rPr>
-              <a:t>14.08.2018</a:t>
-            </a:fld>
-            <a:endParaRPr lang="de-CH">
-              <a:solidFill>
-                <a:srgbClr val="000000"/>
-              </a:solidFill>
-            </a:endParaRPr>
-          </a:p>
-        </p:txBody>
-      </p:sp>
-      <p:sp>
-        <p:nvSpPr>
-          <p:cNvPr id="3" name="Fußzeilenplatzhalter 2"/>
-          <p:cNvSpPr>
-            <a:spLocks noGrp="1"/>
-          </p:cNvSpPr>
-          <p:nvPr>
-            <p:ph type="ftr" sz="quarter" idx="11"/>
-          </p:nvPr>
-        </p:nvSpPr>
-        <p:spPr/>
-        <p:txBody>
-          <a:bodyPr/>
-          <a:lstStyle/>
-          <a:p>
-            <a:r>
-              <a:rPr lang="de-CH" dirty="0" smtClean="0">
-                <a:solidFill>
-                  <a:srgbClr val="000000"/>
-                </a:solidFill>
-              </a:rPr>
-              <a:t>Institut i4ds</a:t>
-            </a:r>
-            <a:endParaRPr lang="de-CH" dirty="0">
-              <a:solidFill>
-                <a:srgbClr val="000000"/>
-              </a:solidFill>
-            </a:endParaRPr>
-          </a:p>
-        </p:txBody>
-      </p:sp>
-      <p:sp>
-        <p:nvSpPr>
-          <p:cNvPr id="4" name="Foliennummernplatzhalter 3"/>
-          <p:cNvSpPr>
-            <a:spLocks noGrp="1"/>
-          </p:cNvSpPr>
-          <p:nvPr>
-            <p:ph type="sldNum" sz="quarter" idx="12"/>
-          </p:nvPr>
-        </p:nvSpPr>
-        <p:spPr/>
-        <p:txBody>
-          <a:bodyPr/>
-          <a:lstStyle/>
-          <a:p>
-            <a:fld id="{351188DD-6605-4EF4-9E67-B567F731CE68}" type="slidenum">
-              <a:rPr lang="de-CH" smtClean="0">
-                <a:solidFill>
-                  <a:srgbClr val="000000"/>
-                </a:solidFill>
-              </a:rPr>
-              <a:pPr/>
-              <a:t>11</a:t>
-            </a:fld>
-            <a:endParaRPr lang="de-CH">
-              <a:solidFill>
-                <a:srgbClr val="000000"/>
-              </a:solidFill>
-            </a:endParaRPr>
-          </a:p>
-        </p:txBody>
-      </p:sp>
-      <p:sp>
-        <p:nvSpPr>
-          <p:cNvPr id="5" name="Titel 4"/>
-          <p:cNvSpPr>
-            <a:spLocks noGrp="1"/>
-          </p:cNvSpPr>
-          <p:nvPr>
-            <p:ph type="title"/>
-          </p:nvPr>
-        </p:nvSpPr>
-        <p:spPr/>
-        <p:txBody>
-          <a:bodyPr/>
-          <a:lstStyle/>
-          <a:p>
-            <a:r>
-              <a:rPr lang="en-GB" dirty="0" smtClean="0"/>
               <a:t>CLEAN, Iteration 4</a:t>
             </a:r>
             <a:endParaRPr lang="en-GB" dirty="0"/>
@@ -4622,7 +4176,7 @@
 </p:sld>
 </file>
 
-<file path=ppt/slides/slide12.xml><?xml version="1.0" encoding="utf-8"?>
+<file path=ppt/slides/slide11.xml><?xml version="1.0" encoding="utf-8"?>
 <p:sld xmlns:a="http://schemas.openxmlformats.org/drawingml/2006/main" xmlns:r="http://schemas.openxmlformats.org/officeDocument/2006/relationships" xmlns:p="http://schemas.openxmlformats.org/presentationml/2006/main">
   <p:cSld>
     <p:spTree>
@@ -4783,7 +4337,7 @@
                 </a:solidFill>
               </a:rPr>
               <a:pPr/>
-              <a:t>12</a:t>
+              <a:t>11</a:t>
             </a:fld>
             <a:endParaRPr lang="de-CH">
               <a:solidFill>
@@ -4956,6 +4510,232 @@
 </p:sld>
 </file>
 
+<file path=ppt/slides/slide12.xml><?xml version="1.0" encoding="utf-8"?>
+<p:sld xmlns:a="http://schemas.openxmlformats.org/drawingml/2006/main" xmlns:r="http://schemas.openxmlformats.org/officeDocument/2006/relationships" xmlns:p="http://schemas.openxmlformats.org/presentationml/2006/main">
+  <p:cSld>
+    <p:spTree>
+      <p:nvGrpSpPr>
+        <p:cNvPr id="1" name=""/>
+        <p:cNvGrpSpPr/>
+        <p:nvPr/>
+      </p:nvGrpSpPr>
+      <p:grpSpPr>
+        <a:xfrm>
+          <a:off x="0" y="0"/>
+          <a:ext cx="0" cy="0"/>
+          <a:chOff x="0" y="0"/>
+          <a:chExt cx="0" cy="0"/>
+        </a:xfrm>
+      </p:grpSpPr>
+      <p:pic>
+        <p:nvPicPr>
+          <p:cNvPr id="9" name="Grafik 8"/>
+          <p:cNvPicPr>
+            <a:picLocks noChangeAspect="1"/>
+          </p:cNvPicPr>
+          <p:nvPr/>
+        </p:nvPicPr>
+        <p:blipFill rotWithShape="1">
+          <a:blip r:embed="rId3">
+            <a:extLst>
+              <a:ext uri="{28A0092B-C50C-407E-A947-70E740481C1C}">
+                <a14:useLocalDpi xmlns:a14="http://schemas.microsoft.com/office/drawing/2010/main" val="0"/>
+              </a:ext>
+            </a:extLst>
+          </a:blip>
+          <a:srcRect l="10500" t="12714" r="18626" b="16412"/>
+          <a:stretch/>
+        </p:blipFill>
+        <p:spPr>
+          <a:xfrm>
+            <a:off x="708718" y="2127922"/>
+            <a:ext cx="4536505" cy="4536504"/>
+          </a:xfrm>
+          <a:prstGeom prst="rect">
+            <a:avLst/>
+          </a:prstGeom>
+        </p:spPr>
+      </p:pic>
+      <p:sp>
+        <p:nvSpPr>
+          <p:cNvPr id="2" name="Datumsplatzhalter 1"/>
+          <p:cNvSpPr>
+            <a:spLocks noGrp="1"/>
+          </p:cNvSpPr>
+          <p:nvPr>
+            <p:ph type="dt" sz="half" idx="10"/>
+          </p:nvPr>
+        </p:nvSpPr>
+        <p:spPr/>
+        <p:txBody>
+          <a:bodyPr/>
+          <a:lstStyle/>
+          <a:p>
+            <a:fld id="{5E48492E-72D1-4785-9351-8AE1E40FBA2D}" type="datetime1">
+              <a:rPr lang="de-CH" smtClean="0">
+                <a:solidFill>
+                  <a:srgbClr val="000000"/>
+                </a:solidFill>
+              </a:rPr>
+              <a:t>14.08.2018</a:t>
+            </a:fld>
+            <a:endParaRPr lang="de-CH">
+              <a:solidFill>
+                <a:srgbClr val="000000"/>
+              </a:solidFill>
+            </a:endParaRPr>
+          </a:p>
+        </p:txBody>
+      </p:sp>
+      <p:sp>
+        <p:nvSpPr>
+          <p:cNvPr id="3" name="Fußzeilenplatzhalter 2"/>
+          <p:cNvSpPr>
+            <a:spLocks noGrp="1"/>
+          </p:cNvSpPr>
+          <p:nvPr>
+            <p:ph type="ftr" sz="quarter" idx="11"/>
+          </p:nvPr>
+        </p:nvSpPr>
+        <p:spPr/>
+        <p:txBody>
+          <a:bodyPr/>
+          <a:lstStyle/>
+          <a:p>
+            <a:r>
+              <a:rPr lang="de-CH" dirty="0">
+                <a:solidFill>
+                  <a:srgbClr val="000000"/>
+                </a:solidFill>
+              </a:rPr>
+              <a:t>Institut i4ds</a:t>
+            </a:r>
+          </a:p>
+        </p:txBody>
+      </p:sp>
+      <p:sp>
+        <p:nvSpPr>
+          <p:cNvPr id="4" name="Foliennummernplatzhalter 3"/>
+          <p:cNvSpPr>
+            <a:spLocks noGrp="1"/>
+          </p:cNvSpPr>
+          <p:nvPr>
+            <p:ph type="sldNum" sz="quarter" idx="12"/>
+          </p:nvPr>
+        </p:nvSpPr>
+        <p:spPr/>
+        <p:txBody>
+          <a:bodyPr/>
+          <a:lstStyle/>
+          <a:p>
+            <a:fld id="{351188DD-6605-4EF4-9E67-B567F731CE68}" type="slidenum">
+              <a:rPr lang="de-CH" smtClean="0">
+                <a:solidFill>
+                  <a:srgbClr val="000000"/>
+                </a:solidFill>
+              </a:rPr>
+              <a:pPr/>
+              <a:t>12</a:t>
+            </a:fld>
+            <a:endParaRPr lang="de-CH">
+              <a:solidFill>
+                <a:srgbClr val="000000"/>
+              </a:solidFill>
+            </a:endParaRPr>
+          </a:p>
+        </p:txBody>
+      </p:sp>
+      <p:sp>
+        <p:nvSpPr>
+          <p:cNvPr id="5" name="Titel 4"/>
+          <p:cNvSpPr>
+            <a:spLocks noGrp="1"/>
+          </p:cNvSpPr>
+          <p:nvPr>
+            <p:ph type="title"/>
+          </p:nvPr>
+        </p:nvSpPr>
+        <p:spPr/>
+        <p:txBody>
+          <a:bodyPr/>
+          <a:lstStyle/>
+          <a:p>
+            <a:r>
+              <a:rPr lang="de-DE" dirty="0" smtClean="0"/>
+              <a:t>CLEAN</a:t>
+            </a:r>
+            <a:endParaRPr lang="de-DE" dirty="0"/>
+          </a:p>
+        </p:txBody>
+      </p:sp>
+      <p:sp>
+        <p:nvSpPr>
+          <p:cNvPr id="6" name="Textplatzhalter 5"/>
+          <p:cNvSpPr>
+            <a:spLocks noGrp="1"/>
+          </p:cNvSpPr>
+          <p:nvPr>
+            <p:ph type="body" idx="1"/>
+          </p:nvPr>
+        </p:nvSpPr>
+        <p:spPr/>
+        <p:txBody>
+          <a:bodyPr/>
+          <a:lstStyle/>
+          <a:p>
+            <a:endParaRPr lang="de-DE" dirty="0"/>
+          </a:p>
+        </p:txBody>
+      </p:sp>
+      <p:pic>
+        <p:nvPicPr>
+          <p:cNvPr id="7" name="Grafik 6"/>
+          <p:cNvPicPr>
+            <a:picLocks noChangeAspect="1"/>
+          </p:cNvPicPr>
+          <p:nvPr/>
+        </p:nvPicPr>
+        <p:blipFill rotWithShape="1">
+          <a:blip r:embed="rId4">
+            <a:extLst>
+              <a:ext uri="{28A0092B-C50C-407E-A947-70E740481C1C}">
+                <a14:useLocalDpi xmlns:a14="http://schemas.microsoft.com/office/drawing/2010/main" val="0"/>
+              </a:ext>
+            </a:extLst>
+          </a:blip>
+          <a:srcRect l="32789" t="29175" r="29362" b="31201"/>
+          <a:stretch/>
+        </p:blipFill>
+        <p:spPr>
+          <a:xfrm>
+            <a:off x="5490716" y="2124646"/>
+            <a:ext cx="4608512" cy="4536504"/>
+          </a:xfrm>
+          <a:prstGeom prst="rect">
+            <a:avLst/>
+          </a:prstGeom>
+        </p:spPr>
+      </p:pic>
+    </p:spTree>
+    <p:extLst>
+      <p:ext uri="{BB962C8B-B14F-4D97-AF65-F5344CB8AC3E}">
+        <p14:creationId xmlns:p14="http://schemas.microsoft.com/office/powerpoint/2010/main" val="1521014800"/>
+      </p:ext>
+    </p:extLst>
+  </p:cSld>
+  <p:clrMapOvr>
+    <a:masterClrMapping/>
+  </p:clrMapOvr>
+  <p:timing>
+    <p:tnLst>
+      <p:par>
+        <p:cTn id="1" dur="indefinite" restart="never" nodeType="tmRoot"/>
+      </p:par>
+    </p:tnLst>
+  </p:timing>
+</p:sld>
+</file>
+
 <file path=ppt/slides/slide13.xml><?xml version="1.0" encoding="utf-8"?>
 <p:sld xmlns:a="http://schemas.openxmlformats.org/drawingml/2006/main" xmlns:r="http://schemas.openxmlformats.org/officeDocument/2006/relationships" xmlns:p="http://schemas.openxmlformats.org/presentationml/2006/main">
   <p:cSld>
@@ -5111,7 +4891,7 @@
       </p:sp>
       <p:pic>
         <p:nvPicPr>
-          <p:cNvPr id="7" name="Grafik 6"/>
+          <p:cNvPr id="8" name="Grafik 7"/>
           <p:cNvPicPr>
             <a:picLocks noChangeAspect="1"/>
           </p:cNvPicPr>
@@ -5131,38 +4911,8 @@
         </p:blipFill>
         <p:spPr>
           <a:xfrm>
-            <a:off x="645691" y="3012075"/>
+            <a:off x="645691" y="3221641"/>
             <a:ext cx="9395668" cy="886511"/>
-          </a:xfrm>
-          <a:prstGeom prst="rect">
-            <a:avLst/>
-          </a:prstGeom>
-        </p:spPr>
-      </p:pic>
-      <p:pic>
-        <p:nvPicPr>
-          <p:cNvPr id="8" name="Grafik 7"/>
-          <p:cNvPicPr>
-            <a:picLocks noChangeAspect="1"/>
-          </p:cNvPicPr>
-          <p:nvPr/>
-        </p:nvPicPr>
-        <p:blipFill>
-          <a:blip r:embed="rId3">
-            <a:extLst>
-              <a:ext uri="{28A0092B-C50C-407E-A947-70E740481C1C}">
-                <a14:useLocalDpi xmlns:a14="http://schemas.microsoft.com/office/drawing/2010/main" val="0"/>
-              </a:ext>
-            </a:extLst>
-          </a:blip>
-          <a:stretch>
-            <a:fillRect/>
-          </a:stretch>
-        </p:blipFill>
-        <p:spPr>
-          <a:xfrm>
-            <a:off x="1577470" y="5600072"/>
-            <a:ext cx="7458075" cy="790575"/>
           </a:xfrm>
           <a:prstGeom prst="rect">
             <a:avLst/>
@@ -5172,7 +4922,7 @@
     </p:spTree>
     <p:extLst>
       <p:ext uri="{BB962C8B-B14F-4D97-AF65-F5344CB8AC3E}">
-        <p14:creationId xmlns:p14="http://schemas.microsoft.com/office/powerpoint/2010/main" val="2350095334"/>
+        <p14:creationId xmlns:p14="http://schemas.microsoft.com/office/powerpoint/2010/main" val="1810705209"/>
       </p:ext>
     </p:extLst>
   </p:cSld>
@@ -5253,217 +5003,6 @@
           <a:lstStyle/>
           <a:p>
             <a:r>
-              <a:rPr lang="de-CH" dirty="0">
-                <a:solidFill>
-                  <a:srgbClr val="000000"/>
-                </a:solidFill>
-              </a:rPr>
-              <a:t>Institut i4ds</a:t>
-            </a:r>
-          </a:p>
-        </p:txBody>
-      </p:sp>
-      <p:sp>
-        <p:nvSpPr>
-          <p:cNvPr id="4" name="Foliennummernplatzhalter 3"/>
-          <p:cNvSpPr>
-            <a:spLocks noGrp="1"/>
-          </p:cNvSpPr>
-          <p:nvPr>
-            <p:ph type="sldNum" sz="quarter" idx="12"/>
-          </p:nvPr>
-        </p:nvSpPr>
-        <p:spPr/>
-        <p:txBody>
-          <a:bodyPr/>
-          <a:lstStyle/>
-          <a:p>
-            <a:fld id="{351188DD-6605-4EF4-9E67-B567F731CE68}" type="slidenum">
-              <a:rPr lang="de-CH" smtClean="0">
-                <a:solidFill>
-                  <a:srgbClr val="000000"/>
-                </a:solidFill>
-              </a:rPr>
-              <a:pPr/>
-              <a:t>14</a:t>
-            </a:fld>
-            <a:endParaRPr lang="de-CH">
-              <a:solidFill>
-                <a:srgbClr val="000000"/>
-              </a:solidFill>
-            </a:endParaRPr>
-          </a:p>
-        </p:txBody>
-      </p:sp>
-      <p:sp>
-        <p:nvSpPr>
-          <p:cNvPr id="5" name="Titel 4"/>
-          <p:cNvSpPr>
-            <a:spLocks noGrp="1"/>
-          </p:cNvSpPr>
-          <p:nvPr>
-            <p:ph type="title"/>
-          </p:nvPr>
-        </p:nvSpPr>
-        <p:spPr/>
-        <p:txBody>
-          <a:bodyPr/>
-          <a:lstStyle/>
-          <a:p>
-            <a:r>
-              <a:rPr lang="de-DE" dirty="0" smtClean="0"/>
-              <a:t>CLEAN </a:t>
-            </a:r>
-            <a:r>
-              <a:rPr lang="de-DE" dirty="0" err="1" smtClean="0"/>
-              <a:t>blurring</a:t>
-            </a:r>
-            <a:endParaRPr lang="de-DE" dirty="0"/>
-          </a:p>
-        </p:txBody>
-      </p:sp>
-      <p:pic>
-        <p:nvPicPr>
-          <p:cNvPr id="10" name="Grafik 9"/>
-          <p:cNvPicPr>
-            <a:picLocks noChangeAspect="1"/>
-          </p:cNvPicPr>
-          <p:nvPr/>
-        </p:nvPicPr>
-        <p:blipFill rotWithShape="1">
-          <a:blip r:embed="rId3">
-            <a:extLst>
-              <a:ext uri="{28A0092B-C50C-407E-A947-70E740481C1C}">
-                <a14:useLocalDpi xmlns:a14="http://schemas.microsoft.com/office/drawing/2010/main" val="0"/>
-              </a:ext>
-            </a:extLst>
-          </a:blip>
-          <a:srcRect t="9472" r="16002" b="-32"/>
-          <a:stretch/>
-        </p:blipFill>
-        <p:spPr>
-          <a:xfrm>
-            <a:off x="378149" y="1980431"/>
-            <a:ext cx="4608512" cy="4968552"/>
-          </a:xfrm>
-          <a:prstGeom prst="rect">
-            <a:avLst/>
-          </a:prstGeom>
-        </p:spPr>
-      </p:pic>
-      <p:pic>
-        <p:nvPicPr>
-          <p:cNvPr id="11" name="Grafik 10"/>
-          <p:cNvPicPr>
-            <a:picLocks noChangeAspect="1"/>
-          </p:cNvPicPr>
-          <p:nvPr/>
-        </p:nvPicPr>
-        <p:blipFill rotWithShape="1">
-          <a:blip r:embed="rId4">
-            <a:extLst>
-              <a:ext uri="{28A0092B-C50C-407E-A947-70E740481C1C}">
-                <a14:useLocalDpi xmlns:a14="http://schemas.microsoft.com/office/drawing/2010/main" val="0"/>
-              </a:ext>
-            </a:extLst>
-          </a:blip>
-          <a:srcRect l="3937"/>
-          <a:stretch/>
-        </p:blipFill>
-        <p:spPr>
-          <a:xfrm>
-            <a:off x="5130676" y="1488015"/>
-            <a:ext cx="5270387" cy="5486411"/>
-          </a:xfrm>
-          <a:prstGeom prst="rect">
-            <a:avLst/>
-          </a:prstGeom>
-        </p:spPr>
-      </p:pic>
-    </p:spTree>
-    <p:extLst>
-      <p:ext uri="{BB962C8B-B14F-4D97-AF65-F5344CB8AC3E}">
-        <p14:creationId xmlns:p14="http://schemas.microsoft.com/office/powerpoint/2010/main" val="4097949753"/>
-      </p:ext>
-    </p:extLst>
-  </p:cSld>
-  <p:clrMapOvr>
-    <a:masterClrMapping/>
-  </p:clrMapOvr>
-  <p:timing>
-    <p:tnLst>
-      <p:par>
-        <p:cTn id="1" dur="indefinite" restart="never" nodeType="tmRoot"/>
-      </p:par>
-    </p:tnLst>
-  </p:timing>
-</p:sld>
-</file>
-
-<file path=ppt/slides/slide15.xml><?xml version="1.0" encoding="utf-8"?>
-<p:sld xmlns:a="http://schemas.openxmlformats.org/drawingml/2006/main" xmlns:r="http://schemas.openxmlformats.org/officeDocument/2006/relationships" xmlns:p="http://schemas.openxmlformats.org/presentationml/2006/main">
-  <p:cSld>
-    <p:spTree>
-      <p:nvGrpSpPr>
-        <p:cNvPr id="1" name=""/>
-        <p:cNvGrpSpPr/>
-        <p:nvPr/>
-      </p:nvGrpSpPr>
-      <p:grpSpPr>
-        <a:xfrm>
-          <a:off x="0" y="0"/>
-          <a:ext cx="0" cy="0"/>
-          <a:chOff x="0" y="0"/>
-          <a:chExt cx="0" cy="0"/>
-        </a:xfrm>
-      </p:grpSpPr>
-      <p:sp>
-        <p:nvSpPr>
-          <p:cNvPr id="2" name="Datumsplatzhalter 1"/>
-          <p:cNvSpPr>
-            <a:spLocks noGrp="1"/>
-          </p:cNvSpPr>
-          <p:nvPr>
-            <p:ph type="dt" sz="half" idx="10"/>
-          </p:nvPr>
-        </p:nvSpPr>
-        <p:spPr/>
-        <p:txBody>
-          <a:bodyPr/>
-          <a:lstStyle/>
-          <a:p>
-            <a:fld id="{5E48492E-72D1-4785-9351-8AE1E40FBA2D}" type="datetime1">
-              <a:rPr lang="de-CH" smtClean="0">
-                <a:solidFill>
-                  <a:srgbClr val="000000"/>
-                </a:solidFill>
-              </a:rPr>
-              <a:t>14.08.2018</a:t>
-            </a:fld>
-            <a:endParaRPr lang="de-CH">
-              <a:solidFill>
-                <a:srgbClr val="000000"/>
-              </a:solidFill>
-            </a:endParaRPr>
-          </a:p>
-        </p:txBody>
-      </p:sp>
-      <p:sp>
-        <p:nvSpPr>
-          <p:cNvPr id="3" name="Fußzeilenplatzhalter 2"/>
-          <p:cNvSpPr>
-            <a:spLocks noGrp="1"/>
-          </p:cNvSpPr>
-          <p:nvPr>
-            <p:ph type="ftr" sz="quarter" idx="11"/>
-          </p:nvPr>
-        </p:nvSpPr>
-        <p:spPr/>
-        <p:txBody>
-          <a:bodyPr/>
-          <a:lstStyle/>
-          <a:p>
-            <a:r>
               <a:rPr lang="de-CH" dirty="0" smtClean="0">
                 <a:solidFill>
                   <a:srgbClr val="000000"/>
@@ -5501,7 +5040,7 @@
                 </a:solidFill>
               </a:rPr>
               <a:pPr/>
-              <a:t>15</a:t>
+              <a:t>14</a:t>
             </a:fld>
             <a:endParaRPr lang="de-CH">
               <a:solidFill>
@@ -5616,7 +5155,275 @@
     </p:spTree>
     <p:extLst>
       <p:ext uri="{BB962C8B-B14F-4D97-AF65-F5344CB8AC3E}">
-        <p14:creationId xmlns:p14="http://schemas.microsoft.com/office/powerpoint/2010/main" val="1810705209"/>
+        <p14:creationId xmlns:p14="http://schemas.microsoft.com/office/powerpoint/2010/main" val="3245346533"/>
+      </p:ext>
+    </p:extLst>
+  </p:cSld>
+  <p:clrMapOvr>
+    <a:masterClrMapping/>
+  </p:clrMapOvr>
+  <p:timing>
+    <p:tnLst>
+      <p:par>
+        <p:cTn id="1" dur="indefinite" restart="never" nodeType="tmRoot"/>
+      </p:par>
+    </p:tnLst>
+  </p:timing>
+</p:sld>
+</file>
+
+<file path=ppt/slides/slide15.xml><?xml version="1.0" encoding="utf-8"?>
+<p:sld xmlns:a="http://schemas.openxmlformats.org/drawingml/2006/main" xmlns:r="http://schemas.openxmlformats.org/officeDocument/2006/relationships" xmlns:p="http://schemas.openxmlformats.org/presentationml/2006/main">
+  <p:cSld>
+    <p:spTree>
+      <p:nvGrpSpPr>
+        <p:cNvPr id="1" name=""/>
+        <p:cNvGrpSpPr/>
+        <p:nvPr/>
+      </p:nvGrpSpPr>
+      <p:grpSpPr>
+        <a:xfrm>
+          <a:off x="0" y="0"/>
+          <a:ext cx="0" cy="0"/>
+          <a:chOff x="0" y="0"/>
+          <a:chExt cx="0" cy="0"/>
+        </a:xfrm>
+      </p:grpSpPr>
+      <p:sp>
+        <p:nvSpPr>
+          <p:cNvPr id="2" name="Datumsplatzhalter 1"/>
+          <p:cNvSpPr>
+            <a:spLocks noGrp="1"/>
+          </p:cNvSpPr>
+          <p:nvPr>
+            <p:ph type="dt" sz="half" idx="10"/>
+          </p:nvPr>
+        </p:nvSpPr>
+        <p:spPr/>
+        <p:txBody>
+          <a:bodyPr/>
+          <a:lstStyle/>
+          <a:p>
+            <a:fld id="{5E48492E-72D1-4785-9351-8AE1E40FBA2D}" type="datetime1">
+              <a:rPr lang="de-CH" smtClean="0">
+                <a:solidFill>
+                  <a:srgbClr val="000000"/>
+                </a:solidFill>
+              </a:rPr>
+              <a:t>14.08.2018</a:t>
+            </a:fld>
+            <a:endParaRPr lang="de-CH">
+              <a:solidFill>
+                <a:srgbClr val="000000"/>
+              </a:solidFill>
+            </a:endParaRPr>
+          </a:p>
+        </p:txBody>
+      </p:sp>
+      <p:sp>
+        <p:nvSpPr>
+          <p:cNvPr id="3" name="Fußzeilenplatzhalter 2"/>
+          <p:cNvSpPr>
+            <a:spLocks noGrp="1"/>
+          </p:cNvSpPr>
+          <p:nvPr>
+            <p:ph type="ftr" sz="quarter" idx="11"/>
+          </p:nvPr>
+        </p:nvSpPr>
+        <p:spPr/>
+        <p:txBody>
+          <a:bodyPr/>
+          <a:lstStyle/>
+          <a:p>
+            <a:r>
+              <a:rPr lang="de-CH" dirty="0">
+                <a:solidFill>
+                  <a:srgbClr val="000000"/>
+                </a:solidFill>
+              </a:rPr>
+              <a:t>Institut </a:t>
+            </a:r>
+            <a:r>
+              <a:rPr lang="de-CH" dirty="0" smtClean="0">
+                <a:solidFill>
+                  <a:srgbClr val="000000"/>
+                </a:solidFill>
+              </a:rPr>
+              <a:t>i4ds</a:t>
+            </a:r>
+            <a:endParaRPr lang="de-CH" dirty="0">
+              <a:solidFill>
+                <a:srgbClr val="000000"/>
+              </a:solidFill>
+            </a:endParaRPr>
+          </a:p>
+        </p:txBody>
+      </p:sp>
+      <p:sp>
+        <p:nvSpPr>
+          <p:cNvPr id="4" name="Foliennummernplatzhalter 3"/>
+          <p:cNvSpPr>
+            <a:spLocks noGrp="1"/>
+          </p:cNvSpPr>
+          <p:nvPr>
+            <p:ph type="sldNum" sz="quarter" idx="12"/>
+          </p:nvPr>
+        </p:nvSpPr>
+        <p:spPr/>
+        <p:txBody>
+          <a:bodyPr/>
+          <a:lstStyle/>
+          <a:p>
+            <a:fld id="{351188DD-6605-4EF4-9E67-B567F731CE68}" type="slidenum">
+              <a:rPr lang="de-CH" smtClean="0">
+                <a:solidFill>
+                  <a:srgbClr val="000000"/>
+                </a:solidFill>
+              </a:rPr>
+              <a:pPr/>
+              <a:t>15</a:t>
+            </a:fld>
+            <a:endParaRPr lang="de-CH">
+              <a:solidFill>
+                <a:srgbClr val="000000"/>
+              </a:solidFill>
+            </a:endParaRPr>
+          </a:p>
+        </p:txBody>
+      </p:sp>
+      <p:sp>
+        <p:nvSpPr>
+          <p:cNvPr id="5" name="Titel 4"/>
+          <p:cNvSpPr>
+            <a:spLocks noGrp="1"/>
+          </p:cNvSpPr>
+          <p:nvPr>
+            <p:ph type="title"/>
+          </p:nvPr>
+        </p:nvSpPr>
+        <p:spPr/>
+        <p:txBody>
+          <a:bodyPr/>
+          <a:lstStyle/>
+          <a:p>
+            <a:r>
+              <a:rPr lang="en-GB" dirty="0" smtClean="0"/>
+              <a:t>Regularizations</a:t>
+            </a:r>
+            <a:endParaRPr lang="en-GB" dirty="0"/>
+          </a:p>
+        </p:txBody>
+      </p:sp>
+      <p:sp>
+        <p:nvSpPr>
+          <p:cNvPr id="6" name="Textplatzhalter 5"/>
+          <p:cNvSpPr>
+            <a:spLocks noGrp="1"/>
+          </p:cNvSpPr>
+          <p:nvPr>
+            <p:ph type="body" idx="1"/>
+          </p:nvPr>
+        </p:nvSpPr>
+        <p:spPr/>
+        <p:txBody>
+          <a:bodyPr/>
+          <a:lstStyle/>
+          <a:p>
+            <a:pPr marL="342900" indent="-342900">
+              <a:buFont typeface="Arial" panose="020B0604020202020204" pitchFamily="34" charset="0"/>
+              <a:buChar char="•"/>
+            </a:pPr>
+            <a:r>
+              <a:rPr lang="en-GB" dirty="0" smtClean="0"/>
+              <a:t>L0</a:t>
+            </a:r>
+          </a:p>
+          <a:p>
+            <a:pPr marL="342900" indent="-342900">
+              <a:buFont typeface="Arial" panose="020B0604020202020204" pitchFamily="34" charset="0"/>
+              <a:buChar char="•"/>
+            </a:pPr>
+            <a:r>
+              <a:rPr lang="en-GB" dirty="0" smtClean="0"/>
+              <a:t>L1</a:t>
+            </a:r>
+          </a:p>
+          <a:p>
+            <a:pPr marL="342900" indent="-342900">
+              <a:buFont typeface="Arial" panose="020B0604020202020204" pitchFamily="34" charset="0"/>
+              <a:buChar char="•"/>
+            </a:pPr>
+            <a:r>
+              <a:rPr lang="en-GB" dirty="0" smtClean="0"/>
+              <a:t>L2</a:t>
+            </a:r>
+          </a:p>
+          <a:p>
+            <a:pPr marL="342900" indent="-342900">
+              <a:buFont typeface="Arial" panose="020B0604020202020204" pitchFamily="34" charset="0"/>
+              <a:buChar char="•"/>
+            </a:pPr>
+            <a:r>
+              <a:rPr lang="en-GB" dirty="0" smtClean="0"/>
+              <a:t>Total Variation</a:t>
+            </a:r>
+          </a:p>
+          <a:p>
+            <a:pPr marL="342900" indent="-342900">
+              <a:buFont typeface="Arial" panose="020B0604020202020204" pitchFamily="34" charset="0"/>
+              <a:buChar char="•"/>
+            </a:pPr>
+            <a:r>
+              <a:rPr lang="en-GB" dirty="0" smtClean="0"/>
+              <a:t>L1 + </a:t>
+            </a:r>
+            <a:r>
+              <a:rPr lang="en-GB" dirty="0" smtClean="0"/>
+              <a:t>L2</a:t>
+            </a:r>
+          </a:p>
+          <a:p>
+            <a:pPr marL="342900" indent="-342900">
+              <a:buFont typeface="Arial" panose="020B0604020202020204" pitchFamily="34" charset="0"/>
+              <a:buChar char="•"/>
+            </a:pPr>
+            <a:r>
+              <a:rPr lang="en-GB" dirty="0" err="1" smtClean="0"/>
+              <a:t>Haar</a:t>
+            </a:r>
+            <a:r>
+              <a:rPr lang="en-GB" dirty="0" smtClean="0"/>
+              <a:t> Wavelets</a:t>
+            </a:r>
+            <a:endParaRPr lang="en-GB" dirty="0" smtClean="0"/>
+          </a:p>
+          <a:p>
+            <a:pPr marL="342900" indent="-342900">
+              <a:buFont typeface="Arial" panose="020B0604020202020204" pitchFamily="34" charset="0"/>
+              <a:buChar char="•"/>
+            </a:pPr>
+            <a:r>
+              <a:rPr lang="en-GB" dirty="0" smtClean="0"/>
+              <a:t>Starlets</a:t>
+            </a:r>
+          </a:p>
+          <a:p>
+            <a:pPr marL="342900" indent="-342900">
+              <a:buFont typeface="Arial" panose="020B0604020202020204" pitchFamily="34" charset="0"/>
+              <a:buChar char="•"/>
+            </a:pPr>
+            <a:r>
+              <a:rPr lang="en-GB" dirty="0" smtClean="0"/>
+              <a:t>…</a:t>
+            </a:r>
+            <a:endParaRPr lang="en-GB" dirty="0"/>
+          </a:p>
+        </p:txBody>
+      </p:sp>
+    </p:spTree>
+    <p:extLst>
+      <p:ext uri="{BB962C8B-B14F-4D97-AF65-F5344CB8AC3E}">
+        <p14:creationId xmlns:p14="http://schemas.microsoft.com/office/powerpoint/2010/main" val="769980622"/>
       </p:ext>
     </p:extLst>
   </p:cSld>
@@ -5896,21 +5703,8 @@
                   <a:srgbClr val="000000"/>
                 </a:solidFill>
               </a:rPr>
-              <a:t>Institut </a:t>
-            </a:r>
-            <a:r>
-              <a:rPr lang="de-CH" dirty="0" smtClean="0">
-                <a:solidFill>
-                  <a:srgbClr val="000000"/>
-                </a:solidFill>
-              </a:rPr>
-              <a:t>i4ds</a:t>
-            </a:r>
-            <a:endParaRPr lang="de-CH" dirty="0">
-              <a:solidFill>
-                <a:srgbClr val="000000"/>
-              </a:solidFill>
-            </a:endParaRPr>
+              <a:t>Institut i4ds</a:t>
+            </a:r>
           </a:p>
         </p:txBody>
       </p:sp>
@@ -5937,232 +5731,6 @@
               </a:rPr>
               <a:pPr/>
               <a:t>17</a:t>
-            </a:fld>
-            <a:endParaRPr lang="de-CH">
-              <a:solidFill>
-                <a:srgbClr val="000000"/>
-              </a:solidFill>
-            </a:endParaRPr>
-          </a:p>
-        </p:txBody>
-      </p:sp>
-      <p:sp>
-        <p:nvSpPr>
-          <p:cNvPr id="5" name="Titel 4"/>
-          <p:cNvSpPr>
-            <a:spLocks noGrp="1"/>
-          </p:cNvSpPr>
-          <p:nvPr>
-            <p:ph type="title"/>
-          </p:nvPr>
-        </p:nvSpPr>
-        <p:spPr/>
-        <p:txBody>
-          <a:bodyPr/>
-          <a:lstStyle/>
-          <a:p>
-            <a:r>
-              <a:rPr lang="en-GB" dirty="0" smtClean="0"/>
-              <a:t>Regularizations</a:t>
-            </a:r>
-            <a:endParaRPr lang="en-GB" dirty="0"/>
-          </a:p>
-        </p:txBody>
-      </p:sp>
-      <p:sp>
-        <p:nvSpPr>
-          <p:cNvPr id="6" name="Textplatzhalter 5"/>
-          <p:cNvSpPr>
-            <a:spLocks noGrp="1"/>
-          </p:cNvSpPr>
-          <p:nvPr>
-            <p:ph type="body" idx="1"/>
-          </p:nvPr>
-        </p:nvSpPr>
-        <p:spPr/>
-        <p:txBody>
-          <a:bodyPr/>
-          <a:lstStyle/>
-          <a:p>
-            <a:pPr marL="342900" indent="-342900">
-              <a:buFont typeface="Arial" panose="020B0604020202020204" pitchFamily="34" charset="0"/>
-              <a:buChar char="•"/>
-            </a:pPr>
-            <a:r>
-              <a:rPr lang="en-GB" dirty="0" smtClean="0"/>
-              <a:t>L0</a:t>
-            </a:r>
-          </a:p>
-          <a:p>
-            <a:pPr marL="342900" indent="-342900">
-              <a:buFont typeface="Arial" panose="020B0604020202020204" pitchFamily="34" charset="0"/>
-              <a:buChar char="•"/>
-            </a:pPr>
-            <a:r>
-              <a:rPr lang="en-GB" dirty="0" smtClean="0"/>
-              <a:t>L1</a:t>
-            </a:r>
-          </a:p>
-          <a:p>
-            <a:pPr marL="342900" indent="-342900">
-              <a:buFont typeface="Arial" panose="020B0604020202020204" pitchFamily="34" charset="0"/>
-              <a:buChar char="•"/>
-            </a:pPr>
-            <a:r>
-              <a:rPr lang="en-GB" dirty="0" smtClean="0"/>
-              <a:t>L2</a:t>
-            </a:r>
-          </a:p>
-          <a:p>
-            <a:pPr marL="342900" indent="-342900">
-              <a:buFont typeface="Arial" panose="020B0604020202020204" pitchFamily="34" charset="0"/>
-              <a:buChar char="•"/>
-            </a:pPr>
-            <a:r>
-              <a:rPr lang="en-GB" dirty="0" smtClean="0"/>
-              <a:t>Total Variation</a:t>
-            </a:r>
-          </a:p>
-          <a:p>
-            <a:pPr marL="342900" indent="-342900">
-              <a:buFont typeface="Arial" panose="020B0604020202020204" pitchFamily="34" charset="0"/>
-              <a:buChar char="•"/>
-            </a:pPr>
-            <a:r>
-              <a:rPr lang="en-GB" dirty="0" smtClean="0"/>
-              <a:t>L1 + L2</a:t>
-            </a:r>
-          </a:p>
-          <a:p>
-            <a:pPr marL="342900" indent="-342900">
-              <a:buFont typeface="Arial" panose="020B0604020202020204" pitchFamily="34" charset="0"/>
-              <a:buChar char="•"/>
-            </a:pPr>
-            <a:r>
-              <a:rPr lang="en-GB" dirty="0" smtClean="0"/>
-              <a:t>Starlet</a:t>
-            </a:r>
-            <a:endParaRPr lang="en-GB" dirty="0"/>
-          </a:p>
-        </p:txBody>
-      </p:sp>
-    </p:spTree>
-    <p:extLst>
-      <p:ext uri="{BB962C8B-B14F-4D97-AF65-F5344CB8AC3E}">
-        <p14:creationId xmlns:p14="http://schemas.microsoft.com/office/powerpoint/2010/main" val="769980622"/>
-      </p:ext>
-    </p:extLst>
-  </p:cSld>
-  <p:clrMapOvr>
-    <a:masterClrMapping/>
-  </p:clrMapOvr>
-  <p:timing>
-    <p:tnLst>
-      <p:par>
-        <p:cTn id="1" dur="indefinite" restart="never" nodeType="tmRoot"/>
-      </p:par>
-    </p:tnLst>
-  </p:timing>
-</p:sld>
-</file>
-
-<file path=ppt/slides/slide18.xml><?xml version="1.0" encoding="utf-8"?>
-<p:sld xmlns:a="http://schemas.openxmlformats.org/drawingml/2006/main" xmlns:r="http://schemas.openxmlformats.org/officeDocument/2006/relationships" xmlns:p="http://schemas.openxmlformats.org/presentationml/2006/main">
-  <p:cSld>
-    <p:spTree>
-      <p:nvGrpSpPr>
-        <p:cNvPr id="1" name=""/>
-        <p:cNvGrpSpPr/>
-        <p:nvPr/>
-      </p:nvGrpSpPr>
-      <p:grpSpPr>
-        <a:xfrm>
-          <a:off x="0" y="0"/>
-          <a:ext cx="0" cy="0"/>
-          <a:chOff x="0" y="0"/>
-          <a:chExt cx="0" cy="0"/>
-        </a:xfrm>
-      </p:grpSpPr>
-      <p:sp>
-        <p:nvSpPr>
-          <p:cNvPr id="2" name="Datumsplatzhalter 1"/>
-          <p:cNvSpPr>
-            <a:spLocks noGrp="1"/>
-          </p:cNvSpPr>
-          <p:nvPr>
-            <p:ph type="dt" sz="half" idx="10"/>
-          </p:nvPr>
-        </p:nvSpPr>
-        <p:spPr/>
-        <p:txBody>
-          <a:bodyPr/>
-          <a:lstStyle/>
-          <a:p>
-            <a:fld id="{5E48492E-72D1-4785-9351-8AE1E40FBA2D}" type="datetime1">
-              <a:rPr lang="de-CH" smtClean="0">
-                <a:solidFill>
-                  <a:srgbClr val="000000"/>
-                </a:solidFill>
-              </a:rPr>
-              <a:t>14.08.2018</a:t>
-            </a:fld>
-            <a:endParaRPr lang="de-CH">
-              <a:solidFill>
-                <a:srgbClr val="000000"/>
-              </a:solidFill>
-            </a:endParaRPr>
-          </a:p>
-        </p:txBody>
-      </p:sp>
-      <p:sp>
-        <p:nvSpPr>
-          <p:cNvPr id="3" name="Fußzeilenplatzhalter 2"/>
-          <p:cNvSpPr>
-            <a:spLocks noGrp="1"/>
-          </p:cNvSpPr>
-          <p:nvPr>
-            <p:ph type="ftr" sz="quarter" idx="11"/>
-          </p:nvPr>
-        </p:nvSpPr>
-        <p:spPr/>
-        <p:txBody>
-          <a:bodyPr/>
-          <a:lstStyle/>
-          <a:p>
-            <a:r>
-              <a:rPr lang="de-CH" dirty="0">
-                <a:solidFill>
-                  <a:srgbClr val="000000"/>
-                </a:solidFill>
-              </a:rPr>
-              <a:t>Institut i4ds</a:t>
-            </a:r>
-          </a:p>
-        </p:txBody>
-      </p:sp>
-      <p:sp>
-        <p:nvSpPr>
-          <p:cNvPr id="4" name="Foliennummernplatzhalter 3"/>
-          <p:cNvSpPr>
-            <a:spLocks noGrp="1"/>
-          </p:cNvSpPr>
-          <p:nvPr>
-            <p:ph type="sldNum" sz="quarter" idx="12"/>
-          </p:nvPr>
-        </p:nvSpPr>
-        <p:spPr/>
-        <p:txBody>
-          <a:bodyPr/>
-          <a:lstStyle/>
-          <a:p>
-            <a:fld id="{351188DD-6605-4EF4-9E67-B567F731CE68}" type="slidenum">
-              <a:rPr lang="de-CH" smtClean="0">
-                <a:solidFill>
-                  <a:srgbClr val="000000"/>
-                </a:solidFill>
-              </a:rPr>
-              <a:pPr/>
-              <a:t>18</a:t>
             </a:fld>
             <a:endParaRPr lang="de-CH">
               <a:solidFill>
@@ -6300,14 +5868,14 @@
           <a:effectLst/>
           <a:extLst>
             <a:ext uri="{909E8E84-426E-40dd-AFC4-6F175D3DCCD1}">
-              <a14:hiddenFill xmlns:a14="http://schemas.microsoft.com/office/drawing/2010/main" xmlns="">
+              <a14:hiddenFill xmlns="" xmlns:a14="http://schemas.microsoft.com/office/drawing/2010/main">
                 <a:solidFill>
                   <a:schemeClr val="accent1"/>
                 </a:solidFill>
               </a14:hiddenFill>
             </a:ext>
             <a:ext uri="{91240B29-F687-4f45-9708-019B960494DF}">
-              <a14:hiddenLine xmlns:a14="http://schemas.microsoft.com/office/drawing/2010/main" xmlns="" w="9525">
+              <a14:hiddenLine xmlns="" xmlns:a14="http://schemas.microsoft.com/office/drawing/2010/main" w="9525">
                 <a:solidFill>
                   <a:schemeClr val="tx1"/>
                 </a:solidFill>
@@ -6317,7 +5885,7 @@
               </a14:hiddenLine>
             </a:ext>
             <a:ext uri="{AF507438-7753-43e0-B8FC-AC1667EBCBE1}">
-              <a14:hiddenEffects xmlns:a14="http://schemas.microsoft.com/office/drawing/2010/main" xmlns="">
+              <a14:hiddenEffects xmlns="" xmlns:a14="http://schemas.microsoft.com/office/drawing/2010/main">
                 <a:effectLst>
                   <a:outerShdw dist="35921" dir="2700000" algn="ctr" rotWithShape="0">
                     <a:schemeClr val="bg2"/>
@@ -6483,13 +6051,209 @@
     </p:spTree>
     <p:extLst>
       <p:ext uri="{BB962C8B-B14F-4D97-AF65-F5344CB8AC3E}">
-        <p14:creationId xmlns:p14="http://schemas.microsoft.com/office/powerpoint/2010/main" val="3378604655"/>
+        <p14:creationId xmlns:p14="http://schemas.microsoft.com/office/powerpoint/2010/main" val="1404740682"/>
       </p:ext>
     </p:extLst>
   </p:cSld>
   <p:clrMapOvr>
     <a:masterClrMapping/>
   </p:clrMapOvr>
+  <p:timing>
+    <p:tnLst>
+      <p:par>
+        <p:cTn id="1" dur="indefinite" restart="never" nodeType="tmRoot"/>
+      </p:par>
+    </p:tnLst>
+  </p:timing>
+</p:sld>
+</file>
+
+<file path=ppt/slides/slide18.xml><?xml version="1.0" encoding="utf-8"?>
+<p:sld xmlns:a="http://schemas.openxmlformats.org/drawingml/2006/main" xmlns:r="http://schemas.openxmlformats.org/officeDocument/2006/relationships" xmlns:p="http://schemas.openxmlformats.org/presentationml/2006/main">
+  <p:cSld>
+    <p:spTree>
+      <p:nvGrpSpPr>
+        <p:cNvPr id="1" name=""/>
+        <p:cNvGrpSpPr/>
+        <p:nvPr/>
+      </p:nvGrpSpPr>
+      <p:grpSpPr>
+        <a:xfrm>
+          <a:off x="0" y="0"/>
+          <a:ext cx="0" cy="0"/>
+          <a:chOff x="0" y="0"/>
+          <a:chExt cx="0" cy="0"/>
+        </a:xfrm>
+      </p:grpSpPr>
+      <p:sp>
+        <p:nvSpPr>
+          <p:cNvPr id="2" name="Datumsplatzhalter 1"/>
+          <p:cNvSpPr>
+            <a:spLocks noGrp="1"/>
+          </p:cNvSpPr>
+          <p:nvPr>
+            <p:ph type="dt" sz="half" idx="10"/>
+          </p:nvPr>
+        </p:nvSpPr>
+        <p:spPr/>
+        <p:txBody>
+          <a:bodyPr/>
+          <a:lstStyle/>
+          <a:p>
+            <a:fld id="{5E48492E-72D1-4785-9351-8AE1E40FBA2D}" type="datetime1">
+              <a:rPr lang="de-CH" smtClean="0">
+                <a:solidFill>
+                  <a:srgbClr val="000000"/>
+                </a:solidFill>
+              </a:rPr>
+              <a:t>14.08.2018</a:t>
+            </a:fld>
+            <a:endParaRPr lang="de-CH">
+              <a:solidFill>
+                <a:srgbClr val="000000"/>
+              </a:solidFill>
+            </a:endParaRPr>
+          </a:p>
+        </p:txBody>
+      </p:sp>
+      <p:sp>
+        <p:nvSpPr>
+          <p:cNvPr id="3" name="Fußzeilenplatzhalter 2"/>
+          <p:cNvSpPr>
+            <a:spLocks noGrp="1"/>
+          </p:cNvSpPr>
+          <p:nvPr>
+            <p:ph type="ftr" sz="quarter" idx="11"/>
+          </p:nvPr>
+        </p:nvSpPr>
+        <p:spPr/>
+        <p:txBody>
+          <a:bodyPr/>
+          <a:lstStyle/>
+          <a:p>
+            <a:r>
+              <a:rPr lang="de-CH" dirty="0">
+                <a:solidFill>
+                  <a:srgbClr val="000000"/>
+                </a:solidFill>
+              </a:rPr>
+              <a:t>Institut </a:t>
+            </a:r>
+            <a:r>
+              <a:rPr lang="de-CH" dirty="0" smtClean="0">
+                <a:solidFill>
+                  <a:srgbClr val="000000"/>
+                </a:solidFill>
+              </a:rPr>
+              <a:t>i4ds</a:t>
+            </a:r>
+            <a:endParaRPr lang="de-CH" dirty="0">
+              <a:solidFill>
+                <a:srgbClr val="000000"/>
+              </a:solidFill>
+            </a:endParaRPr>
+          </a:p>
+        </p:txBody>
+      </p:sp>
+      <p:sp>
+        <p:nvSpPr>
+          <p:cNvPr id="4" name="Foliennummernplatzhalter 3"/>
+          <p:cNvSpPr>
+            <a:spLocks noGrp="1"/>
+          </p:cNvSpPr>
+          <p:nvPr>
+            <p:ph type="sldNum" sz="quarter" idx="12"/>
+          </p:nvPr>
+        </p:nvSpPr>
+        <p:spPr/>
+        <p:txBody>
+          <a:bodyPr/>
+          <a:lstStyle/>
+          <a:p>
+            <a:fld id="{351188DD-6605-4EF4-9E67-B567F731CE68}" type="slidenum">
+              <a:rPr lang="de-CH" smtClean="0">
+                <a:solidFill>
+                  <a:srgbClr val="000000"/>
+                </a:solidFill>
+              </a:rPr>
+              <a:pPr/>
+              <a:t>18</a:t>
+            </a:fld>
+            <a:endParaRPr lang="de-CH">
+              <a:solidFill>
+                <a:srgbClr val="000000"/>
+              </a:solidFill>
+            </a:endParaRPr>
+          </a:p>
+        </p:txBody>
+      </p:sp>
+      <p:sp>
+        <p:nvSpPr>
+          <p:cNvPr id="5" name="Titel 4"/>
+          <p:cNvSpPr>
+            <a:spLocks noGrp="1"/>
+          </p:cNvSpPr>
+          <p:nvPr>
+            <p:ph type="title"/>
+          </p:nvPr>
+        </p:nvSpPr>
+        <p:spPr/>
+        <p:txBody>
+          <a:bodyPr/>
+          <a:lstStyle/>
+          <a:p>
+            <a:r>
+              <a:rPr lang="en-GB" dirty="0" smtClean="0"/>
+              <a:t>Regularizations</a:t>
+            </a:r>
+            <a:endParaRPr lang="en-GB" dirty="0"/>
+          </a:p>
+        </p:txBody>
+      </p:sp>
+      <p:sp>
+        <p:nvSpPr>
+          <p:cNvPr id="6" name="Textplatzhalter 5"/>
+          <p:cNvSpPr>
+            <a:spLocks noGrp="1"/>
+          </p:cNvSpPr>
+          <p:nvPr>
+            <p:ph type="body" idx="1"/>
+          </p:nvPr>
+        </p:nvSpPr>
+        <p:spPr/>
+        <p:txBody>
+          <a:bodyPr/>
+          <a:lstStyle/>
+          <a:p>
+            <a:pPr marL="342900" indent="-342900">
+              <a:buFont typeface="Arial" panose="020B0604020202020204" pitchFamily="34" charset="0"/>
+              <a:buChar char="•"/>
+            </a:pPr>
+            <a:r>
+              <a:rPr lang="en-GB" dirty="0" smtClean="0"/>
+              <a:t>Non negativity</a:t>
+            </a:r>
+            <a:endParaRPr lang="en-GB" dirty="0"/>
+          </a:p>
+        </p:txBody>
+      </p:sp>
+    </p:spTree>
+    <p:extLst>
+      <p:ext uri="{BB962C8B-B14F-4D97-AF65-F5344CB8AC3E}">
+        <p14:creationId xmlns:p14="http://schemas.microsoft.com/office/powerpoint/2010/main" val="3965068248"/>
+      </p:ext>
+    </p:extLst>
+  </p:cSld>
+  <p:clrMapOvr>
+    <a:masterClrMapping/>
+  </p:clrMapOvr>
+  <p:timing>
+    <p:tnLst>
+      <p:par>
+        <p:cTn id="1" dur="indefinite" restart="never" nodeType="tmRoot"/>
+      </p:par>
+    </p:tnLst>
+  </p:timing>
 </p:sld>
 </file>
 
@@ -6721,14 +6485,14 @@
           <a:effectLst/>
           <a:extLst>
             <a:ext uri="{909E8E84-426E-40dd-AFC4-6F175D3DCCD1}">
-              <a14:hiddenFill xmlns:a14="http://schemas.microsoft.com/office/drawing/2010/main" xmlns="">
+              <a14:hiddenFill xmlns="" xmlns:a14="http://schemas.microsoft.com/office/drawing/2010/main">
                 <a:solidFill>
                   <a:schemeClr val="accent1"/>
                 </a:solidFill>
               </a14:hiddenFill>
             </a:ext>
             <a:ext uri="{91240B29-F687-4f45-9708-019B960494DF}">
-              <a14:hiddenLine xmlns:a14="http://schemas.microsoft.com/office/drawing/2010/main" xmlns="" w="9525">
+              <a14:hiddenLine xmlns="" xmlns:a14="http://schemas.microsoft.com/office/drawing/2010/main" w="9525">
                 <a:solidFill>
                   <a:schemeClr val="tx1"/>
                 </a:solidFill>
@@ -6738,7 +6502,7 @@
               </a14:hiddenLine>
             </a:ext>
             <a:ext uri="{AF507438-7753-43e0-B8FC-AC1667EBCBE1}">
-              <a14:hiddenEffects xmlns:a14="http://schemas.microsoft.com/office/drawing/2010/main" xmlns="">
+              <a14:hiddenEffects xmlns="" xmlns:a14="http://schemas.microsoft.com/office/drawing/2010/main">
                 <a:effectLst>
                   <a:outerShdw dist="35921" dir="2700000" algn="ctr" rotWithShape="0">
                     <a:schemeClr val="bg2"/>
@@ -7358,7 +7122,7 @@
         </p:blipFill>
         <p:spPr>
           <a:xfrm>
-            <a:off x="1526803" y="108223"/>
+            <a:off x="1458268" y="180232"/>
             <a:ext cx="2952328" cy="3168351"/>
           </a:xfrm>
           <a:prstGeom prst="rect">
@@ -7545,7 +7309,7 @@
       </p:sp>
       <p:pic>
         <p:nvPicPr>
-          <p:cNvPr id="11" name="Grafik 10"/>
+          <p:cNvPr id="7" name="Grafik 6"/>
           <p:cNvPicPr>
             <a:picLocks noChangeAspect="1"/>
           </p:cNvPicPr>
@@ -7565,8 +7329,8 @@
         </p:blipFill>
         <p:spPr>
           <a:xfrm>
-            <a:off x="-142886" y="1704763"/>
-            <a:ext cx="5486411" cy="5486411"/>
+            <a:off x="0" y="1077045"/>
+            <a:ext cx="10201133" cy="6120680"/>
           </a:xfrm>
           <a:prstGeom prst="rect">
             <a:avLst/>
@@ -7575,28 +7339,56 @@
       </p:pic>
       <p:pic>
         <p:nvPicPr>
-          <p:cNvPr id="12" name="Grafik 11"/>
+          <p:cNvPr id="11" name="Grafik 10"/>
           <p:cNvPicPr>
             <a:picLocks noChangeAspect="1"/>
           </p:cNvPicPr>
           <p:nvPr/>
         </p:nvPicPr>
-        <p:blipFill>
-          <a:blip r:embed="rId3">
+        <p:blipFill rotWithShape="1">
+          <a:blip r:embed="rId3" cstate="print">
             <a:extLst>
               <a:ext uri="{28A0092B-C50C-407E-A947-70E740481C1C}">
                 <a14:useLocalDpi xmlns:a14="http://schemas.microsoft.com/office/drawing/2010/main" val="0"/>
               </a:ext>
             </a:extLst>
           </a:blip>
-          <a:stretch>
-            <a:fillRect/>
-          </a:stretch>
+          <a:srcRect l="10631" t="13255" r="18504" b="10695"/>
+          <a:stretch/>
         </p:blipFill>
         <p:spPr>
           <a:xfrm>
-            <a:off x="5206989" y="1685919"/>
-            <a:ext cx="5486411" cy="5486411"/>
+            <a:off x="1458268" y="180232"/>
+            <a:ext cx="2952328" cy="3168351"/>
+          </a:xfrm>
+          <a:prstGeom prst="rect">
+            <a:avLst/>
+          </a:prstGeom>
+        </p:spPr>
+      </p:pic>
+      <p:pic>
+        <p:nvPicPr>
+          <p:cNvPr id="9" name="Grafik 8"/>
+          <p:cNvPicPr>
+            <a:picLocks noChangeAspect="1"/>
+          </p:cNvPicPr>
+          <p:nvPr/>
+        </p:nvPicPr>
+        <p:blipFill rotWithShape="1">
+          <a:blip r:embed="rId4">
+            <a:extLst>
+              <a:ext uri="{28A0092B-C50C-407E-A947-70E740481C1C}">
+                <a14:useLocalDpi xmlns:a14="http://schemas.microsoft.com/office/drawing/2010/main" val="0"/>
+              </a:ext>
+            </a:extLst>
+          </a:blip>
+          <a:srcRect l="33265" t="28101" r="29610" b="32280"/>
+          <a:stretch/>
+        </p:blipFill>
+        <p:spPr>
+          <a:xfrm>
+            <a:off x="1441415" y="-291038"/>
+            <a:ext cx="3588958" cy="3601502"/>
           </a:xfrm>
           <a:prstGeom prst="rect">
             <a:avLst/>
@@ -7606,7 +7398,7 @@
     </p:spTree>
     <p:extLst>
       <p:ext uri="{BB962C8B-B14F-4D97-AF65-F5344CB8AC3E}">
-        <p14:creationId xmlns:p14="http://schemas.microsoft.com/office/powerpoint/2010/main" val="3815924794"/>
+        <p14:creationId xmlns:p14="http://schemas.microsoft.com/office/powerpoint/2010/main" val="1841833256"/>
       </p:ext>
     </p:extLst>
   </p:cSld>
@@ -7640,6 +7432,35 @@
           <a:chExt cx="0" cy="0"/>
         </a:xfrm>
       </p:grpSpPr>
+      <p:pic>
+        <p:nvPicPr>
+          <p:cNvPr id="9" name="Grafik 8"/>
+          <p:cNvPicPr>
+            <a:picLocks noChangeAspect="1"/>
+          </p:cNvPicPr>
+          <p:nvPr/>
+        </p:nvPicPr>
+        <p:blipFill rotWithShape="1">
+          <a:blip r:embed="rId2">
+            <a:extLst>
+              <a:ext uri="{28A0092B-C50C-407E-A947-70E740481C1C}">
+                <a14:useLocalDpi xmlns:a14="http://schemas.microsoft.com/office/drawing/2010/main" val="0"/>
+              </a:ext>
+            </a:extLst>
+          </a:blip>
+          <a:srcRect r="15750"/>
+          <a:stretch/>
+        </p:blipFill>
+        <p:spPr>
+          <a:xfrm>
+            <a:off x="148321" y="1606588"/>
+            <a:ext cx="4622315" cy="5486411"/>
+          </a:xfrm>
+          <a:prstGeom prst="rect">
+            <a:avLst/>
+          </a:prstGeom>
+        </p:spPr>
+      </p:pic>
       <p:sp>
         <p:nvSpPr>
           <p:cNvPr id="2" name="Datumsplatzhalter 1"/>
@@ -7733,6 +7554,825 @@
               </a:rPr>
               <a:pPr/>
               <a:t>22</a:t>
+            </a:fld>
+            <a:endParaRPr lang="de-CH">
+              <a:solidFill>
+                <a:srgbClr val="000000"/>
+              </a:solidFill>
+            </a:endParaRPr>
+          </a:p>
+        </p:txBody>
+      </p:sp>
+      <p:sp>
+        <p:nvSpPr>
+          <p:cNvPr id="5" name="Titel 4"/>
+          <p:cNvSpPr>
+            <a:spLocks noGrp="1"/>
+          </p:cNvSpPr>
+          <p:nvPr>
+            <p:ph type="title"/>
+          </p:nvPr>
+        </p:nvSpPr>
+        <p:spPr>
+          <a:xfrm>
+            <a:off x="736600" y="1792723"/>
+            <a:ext cx="2953916" cy="395288"/>
+          </a:xfrm>
+        </p:spPr>
+        <p:txBody>
+          <a:bodyPr/>
+          <a:lstStyle/>
+          <a:p>
+            <a:r>
+              <a:rPr lang="en-GB" dirty="0" smtClean="0"/>
+              <a:t>CLEAN	</a:t>
+            </a:r>
+            <a:endParaRPr lang="en-GB" dirty="0"/>
+          </a:p>
+        </p:txBody>
+      </p:sp>
+      <p:sp>
+        <p:nvSpPr>
+          <p:cNvPr id="13" name="Titel 4"/>
+          <p:cNvSpPr txBox="1">
+            <a:spLocks/>
+          </p:cNvSpPr>
+          <p:nvPr/>
+        </p:nvSpPr>
+        <p:spPr bwMode="auto">
+          <a:xfrm>
+            <a:off x="5359019" y="1843966"/>
+            <a:ext cx="2862644" cy="344045"/>
+          </a:xfrm>
+          <a:prstGeom prst="rect">
+            <a:avLst/>
+          </a:prstGeom>
+          <a:noFill/>
+          <a:ln>
+            <a:noFill/>
+          </a:ln>
+          <a:effectLst/>
+          <a:extLst>
+            <a:ext uri="{909E8E84-426E-40dd-AFC4-6F175D3DCCD1}">
+              <a14:hiddenFill xmlns="" xmlns:a14="http://schemas.microsoft.com/office/drawing/2010/main">
+                <a:solidFill>
+                  <a:schemeClr val="accent1"/>
+                </a:solidFill>
+              </a14:hiddenFill>
+            </a:ext>
+            <a:ext uri="{91240B29-F687-4f45-9708-019B960494DF}">
+              <a14:hiddenLine xmlns="" xmlns:a14="http://schemas.microsoft.com/office/drawing/2010/main" w="9525">
+                <a:solidFill>
+                  <a:schemeClr val="tx1"/>
+                </a:solidFill>
+                <a:miter lim="800000"/>
+                <a:headEnd/>
+                <a:tailEnd/>
+              </a14:hiddenLine>
+            </a:ext>
+            <a:ext uri="{AF507438-7753-43e0-B8FC-AC1667EBCBE1}">
+              <a14:hiddenEffects xmlns="" xmlns:a14="http://schemas.microsoft.com/office/drawing/2010/main">
+                <a:effectLst>
+                  <a:outerShdw dist="35921" dir="2700000" algn="ctr" rotWithShape="0">
+                    <a:schemeClr val="bg2"/>
+                  </a:outerShdw>
+                </a:effectLst>
+              </a14:hiddenEffects>
+            </a:ext>
+          </a:extLst>
+        </p:spPr>
+        <p:txBody>
+          <a:bodyPr vert="horz" wrap="square" lIns="0" tIns="0" rIns="0" bIns="0" numCol="1" anchor="t" anchorCtr="0" compatLnSpc="1">
+            <a:prstTxWarp prst="textNoShape">
+              <a:avLst/>
+            </a:prstTxWarp>
+          </a:bodyPr>
+          <a:lstStyle>
+            <a:lvl1pPr algn="l" defTabSz="1042988" rtl="0" eaLnBrk="1" fontAlgn="base" hangingPunct="1">
+              <a:spcBef>
+                <a:spcPct val="0"/>
+              </a:spcBef>
+              <a:spcAft>
+                <a:spcPct val="0"/>
+              </a:spcAft>
+              <a:defRPr sz="2000" b="1" i="0" baseline="0">
+                <a:solidFill>
+                  <a:schemeClr val="tx2"/>
+                </a:solidFill>
+                <a:latin typeface="+mj-lt"/>
+                <a:ea typeface="+mj-ea"/>
+                <a:cs typeface="+mj-cs"/>
+              </a:defRPr>
+            </a:lvl1pPr>
+            <a:lvl2pPr algn="l" defTabSz="1042988" rtl="0" eaLnBrk="1" fontAlgn="base" hangingPunct="1">
+              <a:spcBef>
+                <a:spcPct val="0"/>
+              </a:spcBef>
+              <a:spcAft>
+                <a:spcPct val="0"/>
+              </a:spcAft>
+              <a:defRPr sz="2000" b="1">
+                <a:solidFill>
+                  <a:schemeClr val="tx2"/>
+                </a:solidFill>
+                <a:latin typeface="Arial" charset="0"/>
+              </a:defRPr>
+            </a:lvl2pPr>
+            <a:lvl3pPr algn="l" defTabSz="1042988" rtl="0" eaLnBrk="1" fontAlgn="base" hangingPunct="1">
+              <a:spcBef>
+                <a:spcPct val="0"/>
+              </a:spcBef>
+              <a:spcAft>
+                <a:spcPct val="0"/>
+              </a:spcAft>
+              <a:defRPr sz="2000" b="1">
+                <a:solidFill>
+                  <a:schemeClr val="tx2"/>
+                </a:solidFill>
+                <a:latin typeface="Arial" charset="0"/>
+              </a:defRPr>
+            </a:lvl3pPr>
+            <a:lvl4pPr algn="l" defTabSz="1042988" rtl="0" eaLnBrk="1" fontAlgn="base" hangingPunct="1">
+              <a:spcBef>
+                <a:spcPct val="0"/>
+              </a:spcBef>
+              <a:spcAft>
+                <a:spcPct val="0"/>
+              </a:spcAft>
+              <a:defRPr sz="2000" b="1">
+                <a:solidFill>
+                  <a:schemeClr val="tx2"/>
+                </a:solidFill>
+                <a:latin typeface="Arial" charset="0"/>
+              </a:defRPr>
+            </a:lvl4pPr>
+            <a:lvl5pPr algn="l" defTabSz="1042988" rtl="0" eaLnBrk="1" fontAlgn="base" hangingPunct="1">
+              <a:spcBef>
+                <a:spcPct val="0"/>
+              </a:spcBef>
+              <a:spcAft>
+                <a:spcPct val="0"/>
+              </a:spcAft>
+              <a:defRPr sz="2000" b="1">
+                <a:solidFill>
+                  <a:schemeClr val="tx2"/>
+                </a:solidFill>
+                <a:latin typeface="Arial" charset="0"/>
+              </a:defRPr>
+            </a:lvl5pPr>
+            <a:lvl6pPr marL="457200" algn="l" defTabSz="1042988" rtl="0" eaLnBrk="1" fontAlgn="base" hangingPunct="1">
+              <a:spcBef>
+                <a:spcPct val="0"/>
+              </a:spcBef>
+              <a:spcAft>
+                <a:spcPct val="0"/>
+              </a:spcAft>
+              <a:defRPr sz="2000" b="1">
+                <a:solidFill>
+                  <a:schemeClr val="tx2"/>
+                </a:solidFill>
+                <a:latin typeface="Arial" charset="0"/>
+              </a:defRPr>
+            </a:lvl6pPr>
+            <a:lvl7pPr marL="914400" algn="l" defTabSz="1042988" rtl="0" eaLnBrk="1" fontAlgn="base" hangingPunct="1">
+              <a:spcBef>
+                <a:spcPct val="0"/>
+              </a:spcBef>
+              <a:spcAft>
+                <a:spcPct val="0"/>
+              </a:spcAft>
+              <a:defRPr sz="2000" b="1">
+                <a:solidFill>
+                  <a:schemeClr val="tx2"/>
+                </a:solidFill>
+                <a:latin typeface="Arial" charset="0"/>
+              </a:defRPr>
+            </a:lvl7pPr>
+            <a:lvl8pPr marL="1371600" algn="l" defTabSz="1042988" rtl="0" eaLnBrk="1" fontAlgn="base" hangingPunct="1">
+              <a:spcBef>
+                <a:spcPct val="0"/>
+              </a:spcBef>
+              <a:spcAft>
+                <a:spcPct val="0"/>
+              </a:spcAft>
+              <a:defRPr sz="2000" b="1">
+                <a:solidFill>
+                  <a:schemeClr val="tx2"/>
+                </a:solidFill>
+                <a:latin typeface="Arial" charset="0"/>
+              </a:defRPr>
+            </a:lvl8pPr>
+            <a:lvl9pPr marL="1828800" algn="l" defTabSz="1042988" rtl="0" eaLnBrk="1" fontAlgn="base" hangingPunct="1">
+              <a:spcBef>
+                <a:spcPct val="0"/>
+              </a:spcBef>
+              <a:spcAft>
+                <a:spcPct val="0"/>
+              </a:spcAft>
+              <a:defRPr sz="2000" b="1">
+                <a:solidFill>
+                  <a:schemeClr val="tx2"/>
+                </a:solidFill>
+                <a:latin typeface="Arial" charset="0"/>
+              </a:defRPr>
+            </a:lvl9pPr>
+          </a:lstStyle>
+          <a:p>
+            <a:r>
+              <a:rPr lang="en-GB" kern="0" dirty="0" smtClean="0"/>
+              <a:t>L2 </a:t>
+            </a:r>
+            <a:r>
+              <a:rPr lang="en-GB" kern="0" dirty="0" smtClean="0"/>
+              <a:t>Regularization</a:t>
+            </a:r>
+            <a:endParaRPr lang="en-GB" kern="0" dirty="0"/>
+          </a:p>
+        </p:txBody>
+      </p:sp>
+      <p:pic>
+        <p:nvPicPr>
+          <p:cNvPr id="6" name="Grafik 5"/>
+          <p:cNvPicPr>
+            <a:picLocks noChangeAspect="1"/>
+          </p:cNvPicPr>
+          <p:nvPr/>
+        </p:nvPicPr>
+        <p:blipFill rotWithShape="1">
+          <a:blip r:embed="rId3">
+            <a:extLst>
+              <a:ext uri="{28A0092B-C50C-407E-A947-70E740481C1C}">
+                <a14:useLocalDpi xmlns:a14="http://schemas.microsoft.com/office/drawing/2010/main" val="0"/>
+              </a:ext>
+            </a:extLst>
+          </a:blip>
+          <a:srcRect l="3937" t="11287" b="7339"/>
+          <a:stretch/>
+        </p:blipFill>
+        <p:spPr>
+          <a:xfrm>
+            <a:off x="4972857" y="2268462"/>
+            <a:ext cx="5270387" cy="4464497"/>
+          </a:xfrm>
+          <a:prstGeom prst="rect">
+            <a:avLst/>
+          </a:prstGeom>
+        </p:spPr>
+      </p:pic>
+    </p:spTree>
+    <p:extLst>
+      <p:ext uri="{BB962C8B-B14F-4D97-AF65-F5344CB8AC3E}">
+        <p14:creationId xmlns:p14="http://schemas.microsoft.com/office/powerpoint/2010/main" val="1909773525"/>
+      </p:ext>
+    </p:extLst>
+  </p:cSld>
+  <p:clrMapOvr>
+    <a:masterClrMapping/>
+  </p:clrMapOvr>
+  <p:timing>
+    <p:tnLst>
+      <p:par>
+        <p:cTn id="1" dur="indefinite" restart="never" nodeType="tmRoot"/>
+      </p:par>
+    </p:tnLst>
+  </p:timing>
+</p:sld>
+</file>
+
+<file path=ppt/slides/slide23.xml><?xml version="1.0" encoding="utf-8"?>
+<p:sld xmlns:a="http://schemas.openxmlformats.org/drawingml/2006/main" xmlns:r="http://schemas.openxmlformats.org/officeDocument/2006/relationships" xmlns:p="http://schemas.openxmlformats.org/presentationml/2006/main">
+  <p:cSld>
+    <p:spTree>
+      <p:nvGrpSpPr>
+        <p:cNvPr id="1" name=""/>
+        <p:cNvGrpSpPr/>
+        <p:nvPr/>
+      </p:nvGrpSpPr>
+      <p:grpSpPr>
+        <a:xfrm>
+          <a:off x="0" y="0"/>
+          <a:ext cx="0" cy="0"/>
+          <a:chOff x="0" y="0"/>
+          <a:chExt cx="0" cy="0"/>
+        </a:xfrm>
+      </p:grpSpPr>
+      <p:pic>
+        <p:nvPicPr>
+          <p:cNvPr id="9" name="Grafik 8"/>
+          <p:cNvPicPr>
+            <a:picLocks noChangeAspect="1"/>
+          </p:cNvPicPr>
+          <p:nvPr/>
+        </p:nvPicPr>
+        <p:blipFill rotWithShape="1">
+          <a:blip r:embed="rId2">
+            <a:extLst>
+              <a:ext uri="{28A0092B-C50C-407E-A947-70E740481C1C}">
+                <a14:useLocalDpi xmlns:a14="http://schemas.microsoft.com/office/drawing/2010/main" val="0"/>
+              </a:ext>
+            </a:extLst>
+          </a:blip>
+          <a:srcRect r="15750"/>
+          <a:stretch/>
+        </p:blipFill>
+        <p:spPr>
+          <a:xfrm>
+            <a:off x="148321" y="1606588"/>
+            <a:ext cx="4622315" cy="5486411"/>
+          </a:xfrm>
+          <a:prstGeom prst="rect">
+            <a:avLst/>
+          </a:prstGeom>
+        </p:spPr>
+      </p:pic>
+      <p:sp>
+        <p:nvSpPr>
+          <p:cNvPr id="2" name="Datumsplatzhalter 1"/>
+          <p:cNvSpPr>
+            <a:spLocks noGrp="1"/>
+          </p:cNvSpPr>
+          <p:nvPr>
+            <p:ph type="dt" sz="half" idx="10"/>
+          </p:nvPr>
+        </p:nvSpPr>
+        <p:spPr/>
+        <p:txBody>
+          <a:bodyPr/>
+          <a:lstStyle/>
+          <a:p>
+            <a:fld id="{5E48492E-72D1-4785-9351-8AE1E40FBA2D}" type="datetime1">
+              <a:rPr lang="de-CH" smtClean="0">
+                <a:solidFill>
+                  <a:srgbClr val="000000"/>
+                </a:solidFill>
+              </a:rPr>
+              <a:t>14.08.2018</a:t>
+            </a:fld>
+            <a:endParaRPr lang="de-CH">
+              <a:solidFill>
+                <a:srgbClr val="000000"/>
+              </a:solidFill>
+            </a:endParaRPr>
+          </a:p>
+        </p:txBody>
+      </p:sp>
+      <p:sp>
+        <p:nvSpPr>
+          <p:cNvPr id="3" name="Fußzeilenplatzhalter 2"/>
+          <p:cNvSpPr>
+            <a:spLocks noGrp="1"/>
+          </p:cNvSpPr>
+          <p:nvPr>
+            <p:ph type="ftr" sz="quarter" idx="11"/>
+          </p:nvPr>
+        </p:nvSpPr>
+        <p:spPr/>
+        <p:txBody>
+          <a:bodyPr/>
+          <a:lstStyle/>
+          <a:p>
+            <a:r>
+              <a:rPr lang="de-CH" dirty="0">
+                <a:solidFill>
+                  <a:srgbClr val="000000"/>
+                </a:solidFill>
+              </a:rPr>
+              <a:t>Institut </a:t>
+            </a:r>
+            <a:r>
+              <a:rPr lang="de-CH" dirty="0" smtClean="0">
+                <a:solidFill>
+                  <a:srgbClr val="000000"/>
+                </a:solidFill>
+              </a:rPr>
+              <a:t>i4ds</a:t>
+            </a:r>
+            <a:endParaRPr lang="de-CH" dirty="0">
+              <a:solidFill>
+                <a:srgbClr val="000000"/>
+              </a:solidFill>
+            </a:endParaRPr>
+          </a:p>
+        </p:txBody>
+      </p:sp>
+      <p:sp>
+        <p:nvSpPr>
+          <p:cNvPr id="4" name="Foliennummernplatzhalter 3"/>
+          <p:cNvSpPr>
+            <a:spLocks noGrp="1"/>
+          </p:cNvSpPr>
+          <p:nvPr>
+            <p:ph type="sldNum" sz="quarter" idx="12"/>
+          </p:nvPr>
+        </p:nvSpPr>
+        <p:spPr/>
+        <p:txBody>
+          <a:bodyPr/>
+          <a:lstStyle/>
+          <a:p>
+            <a:fld id="{351188DD-6605-4EF4-9E67-B567F731CE68}" type="slidenum">
+              <a:rPr lang="de-CH" smtClean="0">
+                <a:solidFill>
+                  <a:srgbClr val="000000"/>
+                </a:solidFill>
+              </a:rPr>
+              <a:pPr/>
+              <a:t>23</a:t>
+            </a:fld>
+            <a:endParaRPr lang="de-CH">
+              <a:solidFill>
+                <a:srgbClr val="000000"/>
+              </a:solidFill>
+            </a:endParaRPr>
+          </a:p>
+        </p:txBody>
+      </p:sp>
+      <p:sp>
+        <p:nvSpPr>
+          <p:cNvPr id="5" name="Titel 4"/>
+          <p:cNvSpPr>
+            <a:spLocks noGrp="1"/>
+          </p:cNvSpPr>
+          <p:nvPr>
+            <p:ph type="title"/>
+          </p:nvPr>
+        </p:nvSpPr>
+        <p:spPr>
+          <a:xfrm>
+            <a:off x="736600" y="1792723"/>
+            <a:ext cx="2953916" cy="395288"/>
+          </a:xfrm>
+        </p:spPr>
+        <p:txBody>
+          <a:bodyPr/>
+          <a:lstStyle/>
+          <a:p>
+            <a:r>
+              <a:rPr lang="en-GB" dirty="0" smtClean="0"/>
+              <a:t>CLEAN	</a:t>
+            </a:r>
+            <a:endParaRPr lang="en-GB" dirty="0"/>
+          </a:p>
+        </p:txBody>
+      </p:sp>
+      <p:sp>
+        <p:nvSpPr>
+          <p:cNvPr id="13" name="Titel 4"/>
+          <p:cNvSpPr txBox="1">
+            <a:spLocks/>
+          </p:cNvSpPr>
+          <p:nvPr/>
+        </p:nvSpPr>
+        <p:spPr bwMode="auto">
+          <a:xfrm>
+            <a:off x="5274692" y="1843966"/>
+            <a:ext cx="2862644" cy="344045"/>
+          </a:xfrm>
+          <a:prstGeom prst="rect">
+            <a:avLst/>
+          </a:prstGeom>
+          <a:noFill/>
+          <a:ln>
+            <a:noFill/>
+          </a:ln>
+          <a:effectLst/>
+          <a:extLst>
+            <a:ext uri="{909E8E84-426E-40dd-AFC4-6F175D3DCCD1}">
+              <a14:hiddenFill xmlns="" xmlns:a14="http://schemas.microsoft.com/office/drawing/2010/main">
+                <a:solidFill>
+                  <a:schemeClr val="accent1"/>
+                </a:solidFill>
+              </a14:hiddenFill>
+            </a:ext>
+            <a:ext uri="{91240B29-F687-4f45-9708-019B960494DF}">
+              <a14:hiddenLine xmlns="" xmlns:a14="http://schemas.microsoft.com/office/drawing/2010/main" w="9525">
+                <a:solidFill>
+                  <a:schemeClr val="tx1"/>
+                </a:solidFill>
+                <a:miter lim="800000"/>
+                <a:headEnd/>
+                <a:tailEnd/>
+              </a14:hiddenLine>
+            </a:ext>
+            <a:ext uri="{AF507438-7753-43e0-B8FC-AC1667EBCBE1}">
+              <a14:hiddenEffects xmlns="" xmlns:a14="http://schemas.microsoft.com/office/drawing/2010/main">
+                <a:effectLst>
+                  <a:outerShdw dist="35921" dir="2700000" algn="ctr" rotWithShape="0">
+                    <a:schemeClr val="bg2"/>
+                  </a:outerShdw>
+                </a:effectLst>
+              </a14:hiddenEffects>
+            </a:ext>
+          </a:extLst>
+        </p:spPr>
+        <p:txBody>
+          <a:bodyPr vert="horz" wrap="square" lIns="0" tIns="0" rIns="0" bIns="0" numCol="1" anchor="t" anchorCtr="0" compatLnSpc="1">
+            <a:prstTxWarp prst="textNoShape">
+              <a:avLst/>
+            </a:prstTxWarp>
+          </a:bodyPr>
+          <a:lstStyle>
+            <a:lvl1pPr algn="l" defTabSz="1042988" rtl="0" eaLnBrk="1" fontAlgn="base" hangingPunct="1">
+              <a:spcBef>
+                <a:spcPct val="0"/>
+              </a:spcBef>
+              <a:spcAft>
+                <a:spcPct val="0"/>
+              </a:spcAft>
+              <a:defRPr sz="2000" b="1" i="0" baseline="0">
+                <a:solidFill>
+                  <a:schemeClr val="tx2"/>
+                </a:solidFill>
+                <a:latin typeface="+mj-lt"/>
+                <a:ea typeface="+mj-ea"/>
+                <a:cs typeface="+mj-cs"/>
+              </a:defRPr>
+            </a:lvl1pPr>
+            <a:lvl2pPr algn="l" defTabSz="1042988" rtl="0" eaLnBrk="1" fontAlgn="base" hangingPunct="1">
+              <a:spcBef>
+                <a:spcPct val="0"/>
+              </a:spcBef>
+              <a:spcAft>
+                <a:spcPct val="0"/>
+              </a:spcAft>
+              <a:defRPr sz="2000" b="1">
+                <a:solidFill>
+                  <a:schemeClr val="tx2"/>
+                </a:solidFill>
+                <a:latin typeface="Arial" charset="0"/>
+              </a:defRPr>
+            </a:lvl2pPr>
+            <a:lvl3pPr algn="l" defTabSz="1042988" rtl="0" eaLnBrk="1" fontAlgn="base" hangingPunct="1">
+              <a:spcBef>
+                <a:spcPct val="0"/>
+              </a:spcBef>
+              <a:spcAft>
+                <a:spcPct val="0"/>
+              </a:spcAft>
+              <a:defRPr sz="2000" b="1">
+                <a:solidFill>
+                  <a:schemeClr val="tx2"/>
+                </a:solidFill>
+                <a:latin typeface="Arial" charset="0"/>
+              </a:defRPr>
+            </a:lvl3pPr>
+            <a:lvl4pPr algn="l" defTabSz="1042988" rtl="0" eaLnBrk="1" fontAlgn="base" hangingPunct="1">
+              <a:spcBef>
+                <a:spcPct val="0"/>
+              </a:spcBef>
+              <a:spcAft>
+                <a:spcPct val="0"/>
+              </a:spcAft>
+              <a:defRPr sz="2000" b="1">
+                <a:solidFill>
+                  <a:schemeClr val="tx2"/>
+                </a:solidFill>
+                <a:latin typeface="Arial" charset="0"/>
+              </a:defRPr>
+            </a:lvl4pPr>
+            <a:lvl5pPr algn="l" defTabSz="1042988" rtl="0" eaLnBrk="1" fontAlgn="base" hangingPunct="1">
+              <a:spcBef>
+                <a:spcPct val="0"/>
+              </a:spcBef>
+              <a:spcAft>
+                <a:spcPct val="0"/>
+              </a:spcAft>
+              <a:defRPr sz="2000" b="1">
+                <a:solidFill>
+                  <a:schemeClr val="tx2"/>
+                </a:solidFill>
+                <a:latin typeface="Arial" charset="0"/>
+              </a:defRPr>
+            </a:lvl5pPr>
+            <a:lvl6pPr marL="457200" algn="l" defTabSz="1042988" rtl="0" eaLnBrk="1" fontAlgn="base" hangingPunct="1">
+              <a:spcBef>
+                <a:spcPct val="0"/>
+              </a:spcBef>
+              <a:spcAft>
+                <a:spcPct val="0"/>
+              </a:spcAft>
+              <a:defRPr sz="2000" b="1">
+                <a:solidFill>
+                  <a:schemeClr val="tx2"/>
+                </a:solidFill>
+                <a:latin typeface="Arial" charset="0"/>
+              </a:defRPr>
+            </a:lvl6pPr>
+            <a:lvl7pPr marL="914400" algn="l" defTabSz="1042988" rtl="0" eaLnBrk="1" fontAlgn="base" hangingPunct="1">
+              <a:spcBef>
+                <a:spcPct val="0"/>
+              </a:spcBef>
+              <a:spcAft>
+                <a:spcPct val="0"/>
+              </a:spcAft>
+              <a:defRPr sz="2000" b="1">
+                <a:solidFill>
+                  <a:schemeClr val="tx2"/>
+                </a:solidFill>
+                <a:latin typeface="Arial" charset="0"/>
+              </a:defRPr>
+            </a:lvl7pPr>
+            <a:lvl8pPr marL="1371600" algn="l" defTabSz="1042988" rtl="0" eaLnBrk="1" fontAlgn="base" hangingPunct="1">
+              <a:spcBef>
+                <a:spcPct val="0"/>
+              </a:spcBef>
+              <a:spcAft>
+                <a:spcPct val="0"/>
+              </a:spcAft>
+              <a:defRPr sz="2000" b="1">
+                <a:solidFill>
+                  <a:schemeClr val="tx2"/>
+                </a:solidFill>
+                <a:latin typeface="Arial" charset="0"/>
+              </a:defRPr>
+            </a:lvl8pPr>
+            <a:lvl9pPr marL="1828800" algn="l" defTabSz="1042988" rtl="0" eaLnBrk="1" fontAlgn="base" hangingPunct="1">
+              <a:spcBef>
+                <a:spcPct val="0"/>
+              </a:spcBef>
+              <a:spcAft>
+                <a:spcPct val="0"/>
+              </a:spcAft>
+              <a:defRPr sz="2000" b="1">
+                <a:solidFill>
+                  <a:schemeClr val="tx2"/>
+                </a:solidFill>
+                <a:latin typeface="Arial" charset="0"/>
+              </a:defRPr>
+            </a:lvl9pPr>
+          </a:lstStyle>
+          <a:p>
+            <a:r>
+              <a:rPr lang="en-GB" kern="0" dirty="0" smtClean="0"/>
+              <a:t>L2 </a:t>
+            </a:r>
+            <a:r>
+              <a:rPr lang="en-GB" kern="0" dirty="0" smtClean="0"/>
+              <a:t>Regularization</a:t>
+            </a:r>
+            <a:endParaRPr lang="en-GB" kern="0" dirty="0"/>
+          </a:p>
+        </p:txBody>
+      </p:sp>
+      <p:pic>
+        <p:nvPicPr>
+          <p:cNvPr id="7" name="Grafik 6"/>
+          <p:cNvPicPr>
+            <a:picLocks noChangeAspect="1"/>
+          </p:cNvPicPr>
+          <p:nvPr/>
+        </p:nvPicPr>
+        <p:blipFill rotWithShape="1">
+          <a:blip r:embed="rId3">
+            <a:extLst>
+              <a:ext uri="{28A0092B-C50C-407E-A947-70E740481C1C}">
+                <a14:useLocalDpi xmlns:a14="http://schemas.microsoft.com/office/drawing/2010/main" val="0"/>
+              </a:ext>
+            </a:extLst>
+          </a:blip>
+          <a:srcRect l="3937" t="10751" b="6562"/>
+          <a:stretch/>
+        </p:blipFill>
+        <p:spPr>
+          <a:xfrm>
+            <a:off x="4900849" y="2188011"/>
+            <a:ext cx="5270387" cy="4536504"/>
+          </a:xfrm>
+          <a:prstGeom prst="rect">
+            <a:avLst/>
+          </a:prstGeom>
+        </p:spPr>
+      </p:pic>
+    </p:spTree>
+    <p:extLst>
+      <p:ext uri="{BB962C8B-B14F-4D97-AF65-F5344CB8AC3E}">
+        <p14:creationId xmlns:p14="http://schemas.microsoft.com/office/powerpoint/2010/main" val="254008235"/>
+      </p:ext>
+    </p:extLst>
+  </p:cSld>
+  <p:clrMapOvr>
+    <a:masterClrMapping/>
+  </p:clrMapOvr>
+  <p:timing>
+    <p:tnLst>
+      <p:par>
+        <p:cTn id="1" dur="indefinite" restart="never" nodeType="tmRoot"/>
+      </p:par>
+    </p:tnLst>
+  </p:timing>
+</p:sld>
+</file>
+
+<file path=ppt/slides/slide24.xml><?xml version="1.0" encoding="utf-8"?>
+<p:sld xmlns:a="http://schemas.openxmlformats.org/drawingml/2006/main" xmlns:r="http://schemas.openxmlformats.org/officeDocument/2006/relationships" xmlns:p="http://schemas.openxmlformats.org/presentationml/2006/main">
+  <p:cSld>
+    <p:spTree>
+      <p:nvGrpSpPr>
+        <p:cNvPr id="1" name=""/>
+        <p:cNvGrpSpPr/>
+        <p:nvPr/>
+      </p:nvGrpSpPr>
+      <p:grpSpPr>
+        <a:xfrm>
+          <a:off x="0" y="0"/>
+          <a:ext cx="0" cy="0"/>
+          <a:chOff x="0" y="0"/>
+          <a:chExt cx="0" cy="0"/>
+        </a:xfrm>
+      </p:grpSpPr>
+      <p:sp>
+        <p:nvSpPr>
+          <p:cNvPr id="2" name="Datumsplatzhalter 1"/>
+          <p:cNvSpPr>
+            <a:spLocks noGrp="1"/>
+          </p:cNvSpPr>
+          <p:nvPr>
+            <p:ph type="dt" sz="half" idx="10"/>
+          </p:nvPr>
+        </p:nvSpPr>
+        <p:spPr/>
+        <p:txBody>
+          <a:bodyPr/>
+          <a:lstStyle/>
+          <a:p>
+            <a:fld id="{5E48492E-72D1-4785-9351-8AE1E40FBA2D}" type="datetime1">
+              <a:rPr lang="de-CH" smtClean="0">
+                <a:solidFill>
+                  <a:srgbClr val="000000"/>
+                </a:solidFill>
+              </a:rPr>
+              <a:t>14.08.2018</a:t>
+            </a:fld>
+            <a:endParaRPr lang="de-CH">
+              <a:solidFill>
+                <a:srgbClr val="000000"/>
+              </a:solidFill>
+            </a:endParaRPr>
+          </a:p>
+        </p:txBody>
+      </p:sp>
+      <p:sp>
+        <p:nvSpPr>
+          <p:cNvPr id="3" name="Fußzeilenplatzhalter 2"/>
+          <p:cNvSpPr>
+            <a:spLocks noGrp="1"/>
+          </p:cNvSpPr>
+          <p:nvPr>
+            <p:ph type="ftr" sz="quarter" idx="11"/>
+          </p:nvPr>
+        </p:nvSpPr>
+        <p:spPr/>
+        <p:txBody>
+          <a:bodyPr/>
+          <a:lstStyle/>
+          <a:p>
+            <a:r>
+              <a:rPr lang="de-CH" dirty="0">
+                <a:solidFill>
+                  <a:srgbClr val="000000"/>
+                </a:solidFill>
+              </a:rPr>
+              <a:t>Institut </a:t>
+            </a:r>
+            <a:r>
+              <a:rPr lang="de-CH" dirty="0" smtClean="0">
+                <a:solidFill>
+                  <a:srgbClr val="000000"/>
+                </a:solidFill>
+              </a:rPr>
+              <a:t>i4ds</a:t>
+            </a:r>
+            <a:endParaRPr lang="de-CH" dirty="0">
+              <a:solidFill>
+                <a:srgbClr val="000000"/>
+              </a:solidFill>
+            </a:endParaRPr>
+          </a:p>
+        </p:txBody>
+      </p:sp>
+      <p:sp>
+        <p:nvSpPr>
+          <p:cNvPr id="4" name="Foliennummernplatzhalter 3"/>
+          <p:cNvSpPr>
+            <a:spLocks noGrp="1"/>
+          </p:cNvSpPr>
+          <p:nvPr>
+            <p:ph type="sldNum" sz="quarter" idx="12"/>
+          </p:nvPr>
+        </p:nvSpPr>
+        <p:spPr/>
+        <p:txBody>
+          <a:bodyPr/>
+          <a:lstStyle/>
+          <a:p>
+            <a:fld id="{351188DD-6605-4EF4-9E67-B567F731CE68}" type="slidenum">
+              <a:rPr lang="de-CH" smtClean="0">
+                <a:solidFill>
+                  <a:srgbClr val="000000"/>
+                </a:solidFill>
+              </a:rPr>
+              <a:pPr/>
+              <a:t>24</a:t>
             </a:fld>
             <a:endParaRPr lang="de-CH">
               <a:solidFill>
@@ -7859,7 +8499,7 @@
 </p:sld>
 </file>
 
-<file path=ppt/slides/slide23.xml><?xml version="1.0" encoding="utf-8"?>
+<file path=ppt/slides/slide25.xml><?xml version="1.0" encoding="utf-8"?>
 <p:sld xmlns:a="http://schemas.openxmlformats.org/drawingml/2006/main" xmlns:r="http://schemas.openxmlformats.org/officeDocument/2006/relationships" xmlns:p="http://schemas.openxmlformats.org/presentationml/2006/main">
   <p:cSld>
     <p:spTree>
@@ -7928,200 +8568,6 @@
                   <a:srgbClr val="000000"/>
                 </a:solidFill>
               </a:rPr>
-              <a:t>Institut i4ds</a:t>
-            </a:r>
-          </a:p>
-        </p:txBody>
-      </p:sp>
-      <p:sp>
-        <p:nvSpPr>
-          <p:cNvPr id="4" name="Foliennummernplatzhalter 3"/>
-          <p:cNvSpPr>
-            <a:spLocks noGrp="1"/>
-          </p:cNvSpPr>
-          <p:nvPr>
-            <p:ph type="sldNum" sz="quarter" idx="12"/>
-          </p:nvPr>
-        </p:nvSpPr>
-        <p:spPr/>
-        <p:txBody>
-          <a:bodyPr/>
-          <a:lstStyle/>
-          <a:p>
-            <a:fld id="{351188DD-6605-4EF4-9E67-B567F731CE68}" type="slidenum">
-              <a:rPr lang="de-CH" smtClean="0">
-                <a:solidFill>
-                  <a:srgbClr val="000000"/>
-                </a:solidFill>
-              </a:rPr>
-              <a:pPr/>
-              <a:t>23</a:t>
-            </a:fld>
-            <a:endParaRPr lang="de-CH">
-              <a:solidFill>
-                <a:srgbClr val="000000"/>
-              </a:solidFill>
-            </a:endParaRPr>
-          </a:p>
-        </p:txBody>
-      </p:sp>
-      <p:sp>
-        <p:nvSpPr>
-          <p:cNvPr id="5" name="Titel 4"/>
-          <p:cNvSpPr>
-            <a:spLocks noGrp="1"/>
-          </p:cNvSpPr>
-          <p:nvPr>
-            <p:ph type="title"/>
-          </p:nvPr>
-        </p:nvSpPr>
-        <p:spPr/>
-        <p:txBody>
-          <a:bodyPr/>
-          <a:lstStyle/>
-          <a:p>
-            <a:endParaRPr lang="en-GB"/>
-          </a:p>
-        </p:txBody>
-      </p:sp>
-      <p:sp>
-        <p:nvSpPr>
-          <p:cNvPr id="6" name="Textplatzhalter 5"/>
-          <p:cNvSpPr>
-            <a:spLocks noGrp="1"/>
-          </p:cNvSpPr>
-          <p:nvPr>
-            <p:ph type="body" idx="1"/>
-          </p:nvPr>
-        </p:nvSpPr>
-        <p:spPr/>
-        <p:txBody>
-          <a:bodyPr/>
-          <a:lstStyle/>
-          <a:p>
-            <a:endParaRPr lang="en-GB"/>
-          </a:p>
-        </p:txBody>
-      </p:sp>
-      <p:pic>
-        <p:nvPicPr>
-          <p:cNvPr id="7" name="Grafik 6"/>
-          <p:cNvPicPr>
-            <a:picLocks noChangeAspect="1"/>
-          </p:cNvPicPr>
-          <p:nvPr/>
-        </p:nvPicPr>
-        <p:blipFill>
-          <a:blip r:embed="rId2">
-            <a:extLst>
-              <a:ext uri="{28A0092B-C50C-407E-A947-70E740481C1C}">
-                <a14:useLocalDpi xmlns:a14="http://schemas.microsoft.com/office/drawing/2010/main" val="0"/>
-              </a:ext>
-            </a:extLst>
-          </a:blip>
-          <a:stretch>
-            <a:fillRect/>
-          </a:stretch>
-        </p:blipFill>
-        <p:spPr>
-          <a:xfrm>
-            <a:off x="1674300" y="327337"/>
-            <a:ext cx="7344800" cy="6906589"/>
-          </a:xfrm>
-          <a:prstGeom prst="rect">
-            <a:avLst/>
-          </a:prstGeom>
-        </p:spPr>
-      </p:pic>
-    </p:spTree>
-    <p:extLst>
-      <p:ext uri="{BB962C8B-B14F-4D97-AF65-F5344CB8AC3E}">
-        <p14:creationId xmlns:p14="http://schemas.microsoft.com/office/powerpoint/2010/main" val="966701151"/>
-      </p:ext>
-    </p:extLst>
-  </p:cSld>
-  <p:clrMapOvr>
-    <a:masterClrMapping/>
-  </p:clrMapOvr>
-  <p:timing>
-    <p:tnLst>
-      <p:par>
-        <p:cTn id="1" dur="indefinite" restart="never" nodeType="tmRoot"/>
-      </p:par>
-    </p:tnLst>
-  </p:timing>
-</p:sld>
-</file>
-
-<file path=ppt/slides/slide24.xml><?xml version="1.0" encoding="utf-8"?>
-<p:sld xmlns:a="http://schemas.openxmlformats.org/drawingml/2006/main" xmlns:r="http://schemas.openxmlformats.org/officeDocument/2006/relationships" xmlns:p="http://schemas.openxmlformats.org/presentationml/2006/main">
-  <p:cSld>
-    <p:spTree>
-      <p:nvGrpSpPr>
-        <p:cNvPr id="1" name=""/>
-        <p:cNvGrpSpPr/>
-        <p:nvPr/>
-      </p:nvGrpSpPr>
-      <p:grpSpPr>
-        <a:xfrm>
-          <a:off x="0" y="0"/>
-          <a:ext cx="0" cy="0"/>
-          <a:chOff x="0" y="0"/>
-          <a:chExt cx="0" cy="0"/>
-        </a:xfrm>
-      </p:grpSpPr>
-      <p:sp>
-        <p:nvSpPr>
-          <p:cNvPr id="2" name="Datumsplatzhalter 1"/>
-          <p:cNvSpPr>
-            <a:spLocks noGrp="1"/>
-          </p:cNvSpPr>
-          <p:nvPr>
-            <p:ph type="dt" sz="half" idx="10"/>
-          </p:nvPr>
-        </p:nvSpPr>
-        <p:spPr/>
-        <p:txBody>
-          <a:bodyPr/>
-          <a:lstStyle/>
-          <a:p>
-            <a:fld id="{5E48492E-72D1-4785-9351-8AE1E40FBA2D}" type="datetime1">
-              <a:rPr lang="de-CH" smtClean="0">
-                <a:solidFill>
-                  <a:srgbClr val="000000"/>
-                </a:solidFill>
-              </a:rPr>
-              <a:t>14.08.2018</a:t>
-            </a:fld>
-            <a:endParaRPr lang="de-CH">
-              <a:solidFill>
-                <a:srgbClr val="000000"/>
-              </a:solidFill>
-            </a:endParaRPr>
-          </a:p>
-        </p:txBody>
-      </p:sp>
-      <p:sp>
-        <p:nvSpPr>
-          <p:cNvPr id="3" name="Fußzeilenplatzhalter 2"/>
-          <p:cNvSpPr>
-            <a:spLocks noGrp="1"/>
-          </p:cNvSpPr>
-          <p:nvPr>
-            <p:ph type="ftr" sz="quarter" idx="11"/>
-          </p:nvPr>
-        </p:nvSpPr>
-        <p:spPr/>
-        <p:txBody>
-          <a:bodyPr/>
-          <a:lstStyle/>
-          <a:p>
-            <a:r>
-              <a:rPr lang="de-CH" dirty="0">
-                <a:solidFill>
-                  <a:srgbClr val="000000"/>
-                </a:solidFill>
-              </a:rPr>
               <a:t>Institut </a:t>
             </a:r>
             <a:r>
@@ -8162,7 +8608,7 @@
                 </a:solidFill>
               </a:rPr>
               <a:pPr/>
-              <a:t>24</a:t>
+              <a:t>25</a:t>
             </a:fld>
             <a:endParaRPr lang="de-CH">
               <a:solidFill>
@@ -8231,168 +8677,6 @@
       </p:par>
     </p:tnLst>
   </p:timing>
-</p:sld>
-</file>
-
-<file path=ppt/slides/slide25.xml><?xml version="1.0" encoding="utf-8"?>
-<p:sld xmlns:a="http://schemas.openxmlformats.org/drawingml/2006/main" xmlns:r="http://schemas.openxmlformats.org/officeDocument/2006/relationships" xmlns:p="http://schemas.openxmlformats.org/presentationml/2006/main">
-  <p:cSld>
-    <p:spTree>
-      <p:nvGrpSpPr>
-        <p:cNvPr id="1" name=""/>
-        <p:cNvGrpSpPr/>
-        <p:nvPr/>
-      </p:nvGrpSpPr>
-      <p:grpSpPr>
-        <a:xfrm>
-          <a:off x="0" y="0"/>
-          <a:ext cx="0" cy="0"/>
-          <a:chOff x="0" y="0"/>
-          <a:chExt cx="0" cy="0"/>
-        </a:xfrm>
-      </p:grpSpPr>
-      <p:sp>
-        <p:nvSpPr>
-          <p:cNvPr id="2" name="Datumsplatzhalter 1"/>
-          <p:cNvSpPr>
-            <a:spLocks noGrp="1"/>
-          </p:cNvSpPr>
-          <p:nvPr>
-            <p:ph type="dt" sz="half" idx="10"/>
-          </p:nvPr>
-        </p:nvSpPr>
-        <p:spPr/>
-        <p:txBody>
-          <a:bodyPr/>
-          <a:lstStyle/>
-          <a:p>
-            <a:fld id="{5E48492E-72D1-4785-9351-8AE1E40FBA2D}" type="datetime1">
-              <a:rPr lang="de-CH" smtClean="0">
-                <a:solidFill>
-                  <a:srgbClr val="000000"/>
-                </a:solidFill>
-              </a:rPr>
-              <a:t>14.08.2018</a:t>
-            </a:fld>
-            <a:endParaRPr lang="de-CH">
-              <a:solidFill>
-                <a:srgbClr val="000000"/>
-              </a:solidFill>
-            </a:endParaRPr>
-          </a:p>
-        </p:txBody>
-      </p:sp>
-      <p:sp>
-        <p:nvSpPr>
-          <p:cNvPr id="3" name="Fußzeilenplatzhalter 2"/>
-          <p:cNvSpPr>
-            <a:spLocks noGrp="1"/>
-          </p:cNvSpPr>
-          <p:nvPr>
-            <p:ph type="ftr" sz="quarter" idx="11"/>
-          </p:nvPr>
-        </p:nvSpPr>
-        <p:spPr/>
-        <p:txBody>
-          <a:bodyPr/>
-          <a:lstStyle/>
-          <a:p>
-            <a:r>
-              <a:rPr lang="de-CH" smtClean="0">
-                <a:solidFill>
-                  <a:srgbClr val="000000"/>
-                </a:solidFill>
-              </a:rPr>
-              <a:t>Institut</a:t>
-            </a:r>
-            <a:endParaRPr lang="de-CH">
-              <a:solidFill>
-                <a:srgbClr val="000000"/>
-              </a:solidFill>
-            </a:endParaRPr>
-          </a:p>
-        </p:txBody>
-      </p:sp>
-      <p:sp>
-        <p:nvSpPr>
-          <p:cNvPr id="4" name="Foliennummernplatzhalter 3"/>
-          <p:cNvSpPr>
-            <a:spLocks noGrp="1"/>
-          </p:cNvSpPr>
-          <p:nvPr>
-            <p:ph type="sldNum" sz="quarter" idx="12"/>
-          </p:nvPr>
-        </p:nvSpPr>
-        <p:spPr/>
-        <p:txBody>
-          <a:bodyPr/>
-          <a:lstStyle/>
-          <a:p>
-            <a:fld id="{351188DD-6605-4EF4-9E67-B567F731CE68}" type="slidenum">
-              <a:rPr lang="de-CH" smtClean="0">
-                <a:solidFill>
-                  <a:srgbClr val="000000"/>
-                </a:solidFill>
-              </a:rPr>
-              <a:pPr/>
-              <a:t>25</a:t>
-            </a:fld>
-            <a:endParaRPr lang="de-CH">
-              <a:solidFill>
-                <a:srgbClr val="000000"/>
-              </a:solidFill>
-            </a:endParaRPr>
-          </a:p>
-        </p:txBody>
-      </p:sp>
-      <p:sp>
-        <p:nvSpPr>
-          <p:cNvPr id="5" name="Titel 4"/>
-          <p:cNvSpPr>
-            <a:spLocks noGrp="1"/>
-          </p:cNvSpPr>
-          <p:nvPr>
-            <p:ph type="title"/>
-          </p:nvPr>
-        </p:nvSpPr>
-        <p:spPr/>
-        <p:txBody>
-          <a:bodyPr/>
-          <a:lstStyle/>
-          <a:p>
-            <a:endParaRPr lang="en-GB"/>
-          </a:p>
-        </p:txBody>
-      </p:sp>
-      <p:sp>
-        <p:nvSpPr>
-          <p:cNvPr id="6" name="Textplatzhalter 5"/>
-          <p:cNvSpPr>
-            <a:spLocks noGrp="1"/>
-          </p:cNvSpPr>
-          <p:nvPr>
-            <p:ph type="body" idx="1"/>
-          </p:nvPr>
-        </p:nvSpPr>
-        <p:spPr/>
-        <p:txBody>
-          <a:bodyPr/>
-          <a:lstStyle/>
-          <a:p>
-            <a:endParaRPr lang="en-GB"/>
-          </a:p>
-        </p:txBody>
-      </p:sp>
-    </p:spTree>
-    <p:extLst>
-      <p:ext uri="{BB962C8B-B14F-4D97-AF65-F5344CB8AC3E}">
-        <p14:creationId xmlns:p14="http://schemas.microsoft.com/office/powerpoint/2010/main" val="1898766608"/>
-      </p:ext>
-    </p:extLst>
-  </p:cSld>
-  <p:clrMapOvr>
-    <a:masterClrMapping/>
-  </p:clrMapOvr>
 </p:sld>
 </file>
 
@@ -8654,14 +8938,22 @@
           <a:lstStyle/>
           <a:p>
             <a:r>
-              <a:rPr lang="de-CH" smtClean="0">
+              <a:rPr lang="de-CH" dirty="0">
                 <a:solidFill>
                   <a:srgbClr val="000000"/>
                 </a:solidFill>
               </a:rPr>
-              <a:t>Institut</a:t>
-            </a:r>
-            <a:endParaRPr lang="de-CH">
+              <a:t>Institut </a:t>
+            </a:r>
+            <a:r>
+              <a:rPr lang="de-CH" dirty="0" smtClean="0">
+                <a:solidFill>
+                  <a:srgbClr val="000000"/>
+                </a:solidFill>
+              </a:rPr>
+              <a:t>i4ds</a:t>
+            </a:r>
+            <a:endParaRPr lang="de-CH" dirty="0">
               <a:solidFill>
                 <a:srgbClr val="000000"/>
               </a:solidFill>
@@ -8735,25 +9027,86 @@
           <a:bodyPr/>
           <a:lstStyle/>
           <a:p>
-            <a:pPr algn="ctr"/>
-            <a:r>
-              <a:rPr lang="en-GB" sz="6600" dirty="0" smtClean="0"/>
-              <a:t>Compressed Sensing</a:t>
-            </a:r>
-            <a:endParaRPr lang="en-GB" sz="6600" dirty="0"/>
-          </a:p>
-        </p:txBody>
-      </p:sp>
+            <a:endParaRPr lang="en-GB"/>
+          </a:p>
+        </p:txBody>
+      </p:sp>
+      <p:pic>
+        <p:nvPicPr>
+          <p:cNvPr id="7" name="Grafik 6"/>
+          <p:cNvPicPr>
+            <a:picLocks noChangeAspect="1"/>
+          </p:cNvPicPr>
+          <p:nvPr/>
+        </p:nvPicPr>
+        <p:blipFill>
+          <a:blip r:embed="rId2">
+            <a:extLst>
+              <a:ext uri="{28A0092B-C50C-407E-A947-70E740481C1C}">
+                <a14:useLocalDpi xmlns:a14="http://schemas.microsoft.com/office/drawing/2010/main" val="0"/>
+              </a:ext>
+            </a:extLst>
+          </a:blip>
+          <a:stretch>
+            <a:fillRect/>
+          </a:stretch>
+        </p:blipFill>
+        <p:spPr>
+          <a:xfrm>
+            <a:off x="0" y="1077045"/>
+            <a:ext cx="10201133" cy="6120680"/>
+          </a:xfrm>
+          <a:prstGeom prst="rect">
+            <a:avLst/>
+          </a:prstGeom>
+        </p:spPr>
+      </p:pic>
+      <p:pic>
+        <p:nvPicPr>
+          <p:cNvPr id="11" name="Grafik 10"/>
+          <p:cNvPicPr>
+            <a:picLocks noChangeAspect="1"/>
+          </p:cNvPicPr>
+          <p:nvPr/>
+        </p:nvPicPr>
+        <p:blipFill rotWithShape="1">
+          <a:blip r:embed="rId3" cstate="print">
+            <a:extLst>
+              <a:ext uri="{28A0092B-C50C-407E-A947-70E740481C1C}">
+                <a14:useLocalDpi xmlns:a14="http://schemas.microsoft.com/office/drawing/2010/main" val="0"/>
+              </a:ext>
+            </a:extLst>
+          </a:blip>
+          <a:srcRect l="10631" t="13255" r="18504" b="10695"/>
+          <a:stretch/>
+        </p:blipFill>
+        <p:spPr>
+          <a:xfrm>
+            <a:off x="1458268" y="180232"/>
+            <a:ext cx="2952328" cy="3168351"/>
+          </a:xfrm>
+          <a:prstGeom prst="rect">
+            <a:avLst/>
+          </a:prstGeom>
+        </p:spPr>
+      </p:pic>
     </p:spTree>
     <p:extLst>
       <p:ext uri="{BB962C8B-B14F-4D97-AF65-F5344CB8AC3E}">
-        <p14:creationId xmlns:p14="http://schemas.microsoft.com/office/powerpoint/2010/main" val="1311051883"/>
+        <p14:creationId xmlns:p14="http://schemas.microsoft.com/office/powerpoint/2010/main" val="3107770567"/>
       </p:ext>
     </p:extLst>
   </p:cSld>
   <p:clrMapOvr>
     <a:masterClrMapping/>
   </p:clrMapOvr>
+  <p:timing>
+    <p:tnLst>
+      <p:par>
+        <p:cTn id="1" dur="indefinite" restart="never" nodeType="tmRoot"/>
+      </p:par>
+    </p:tnLst>
+  </p:timing>
 </p:sld>
 </file>
 
@@ -8821,14 +9174,22 @@
           <a:lstStyle/>
           <a:p>
             <a:r>
-              <a:rPr lang="de-CH" smtClean="0">
+              <a:rPr lang="de-CH" dirty="0">
                 <a:solidFill>
                   <a:srgbClr val="000000"/>
                 </a:solidFill>
               </a:rPr>
-              <a:t>Institut</a:t>
-            </a:r>
-            <a:endParaRPr lang="de-CH">
+              <a:t>Institut </a:t>
+            </a:r>
+            <a:r>
+              <a:rPr lang="de-CH" dirty="0" smtClean="0">
+                <a:solidFill>
+                  <a:srgbClr val="000000"/>
+                </a:solidFill>
+              </a:rPr>
+              <a:t>i4ds</a:t>
+            </a:r>
+            <a:endParaRPr lang="de-CH" dirty="0">
               <a:solidFill>
                 <a:srgbClr val="000000"/>
               </a:solidFill>
@@ -8883,11 +9244,7 @@
           <a:bodyPr/>
           <a:lstStyle/>
           <a:p>
-            <a:r>
-              <a:rPr lang="en-GB" dirty="0" smtClean="0"/>
-              <a:t>Compressed Sensing Image Reconstruction</a:t>
-            </a:r>
-            <a:endParaRPr lang="en-GB" dirty="0"/>
+            <a:endParaRPr lang="en-GB"/>
           </a:p>
         </p:txBody>
       </p:sp>
@@ -8906,32 +9263,73 @@
           <a:bodyPr/>
           <a:lstStyle/>
           <a:p>
-            <a:pPr marL="342900" indent="-342900">
-              <a:buFont typeface="Arial" panose="020B0604020202020204" pitchFamily="34" charset="0"/>
-              <a:buChar char="•"/>
-            </a:pPr>
-            <a:r>
-              <a:rPr lang="en-GB" dirty="0" smtClean="0"/>
-              <a:t>Regularization that captures the image properties</a:t>
-            </a:r>
-          </a:p>
-          <a:p>
-            <a:pPr marL="342900" indent="-342900">
-              <a:buFont typeface="Arial" panose="020B0604020202020204" pitchFamily="34" charset="0"/>
-              <a:buChar char="•"/>
-            </a:pPr>
-            <a:r>
-              <a:rPr lang="en-GB" dirty="0" smtClean="0"/>
-              <a:t>Incoherent Measurement and Reconstruction spaces.</a:t>
-            </a:r>
-            <a:endParaRPr lang="en-GB" dirty="0"/>
-          </a:p>
-        </p:txBody>
-      </p:sp>
+            <a:endParaRPr lang="en-GB"/>
+          </a:p>
+        </p:txBody>
+      </p:sp>
+      <p:pic>
+        <p:nvPicPr>
+          <p:cNvPr id="8" name="Grafik 7"/>
+          <p:cNvPicPr>
+            <a:picLocks noChangeAspect="1"/>
+          </p:cNvPicPr>
+          <p:nvPr/>
+        </p:nvPicPr>
+        <p:blipFill>
+          <a:blip r:embed="rId2">
+            <a:extLst>
+              <a:ext uri="{28A0092B-C50C-407E-A947-70E740481C1C}">
+                <a14:useLocalDpi xmlns:a14="http://schemas.microsoft.com/office/drawing/2010/main" val="0"/>
+              </a:ext>
+            </a:extLst>
+          </a:blip>
+          <a:stretch>
+            <a:fillRect/>
+          </a:stretch>
+        </p:blipFill>
+        <p:spPr>
+          <a:xfrm>
+            <a:off x="162124" y="972319"/>
+            <a:ext cx="10375676" cy="6225406"/>
+          </a:xfrm>
+          <a:prstGeom prst="rect">
+            <a:avLst/>
+          </a:prstGeom>
+        </p:spPr>
+      </p:pic>
+      <p:pic>
+        <p:nvPicPr>
+          <p:cNvPr id="11" name="Grafik 10"/>
+          <p:cNvPicPr>
+            <a:picLocks noChangeAspect="1"/>
+          </p:cNvPicPr>
+          <p:nvPr/>
+        </p:nvPicPr>
+        <p:blipFill rotWithShape="1">
+          <a:blip r:embed="rId3" cstate="print">
+            <a:extLst>
+              <a:ext uri="{28A0092B-C50C-407E-A947-70E740481C1C}">
+                <a14:useLocalDpi xmlns:a14="http://schemas.microsoft.com/office/drawing/2010/main" val="0"/>
+              </a:ext>
+            </a:extLst>
+          </a:blip>
+          <a:srcRect l="10631" t="13255" r="18504" b="10695"/>
+          <a:stretch/>
+        </p:blipFill>
+        <p:spPr>
+          <a:xfrm>
+            <a:off x="1526803" y="108223"/>
+            <a:ext cx="2952328" cy="3168351"/>
+          </a:xfrm>
+          <a:prstGeom prst="rect">
+            <a:avLst/>
+          </a:prstGeom>
+        </p:spPr>
+      </p:pic>
     </p:spTree>
     <p:extLst>
       <p:ext uri="{BB962C8B-B14F-4D97-AF65-F5344CB8AC3E}">
-        <p14:creationId xmlns:p14="http://schemas.microsoft.com/office/powerpoint/2010/main" val="375867672"/>
+        <p14:creationId xmlns:p14="http://schemas.microsoft.com/office/powerpoint/2010/main" val="915080907"/>
       </p:ext>
     </p:extLst>
   </p:cSld>
@@ -9012,14 +9410,14 @@
           <a:lstStyle/>
           <a:p>
             <a:r>
-              <a:rPr lang="de-CH" dirty="0" smtClean="0">
+              <a:rPr lang="de-CH" smtClean="0">
                 <a:solidFill>
                   <a:srgbClr val="000000"/>
                 </a:solidFill>
               </a:rPr>
-              <a:t>Institut i4ds</a:t>
-            </a:r>
-            <a:endParaRPr lang="de-CH" dirty="0">
+              <a:t>Institut</a:t>
+            </a:r>
+            <a:endParaRPr lang="de-CH">
               <a:solidFill>
                 <a:srgbClr val="000000"/>
               </a:solidFill>
@@ -9074,11 +9472,7 @@
           <a:bodyPr/>
           <a:lstStyle/>
           <a:p>
-            <a:r>
-              <a:rPr lang="en-GB" dirty="0" smtClean="0"/>
-              <a:t>CLEAN as a Compressed Sensing Reconstruction</a:t>
-            </a:r>
-            <a:endParaRPr lang="en-GB" dirty="0"/>
+            <a:endParaRPr lang="en-GB"/>
           </a:p>
         </p:txBody>
       </p:sp>
@@ -9097,57 +9491,25 @@
           <a:bodyPr/>
           <a:lstStyle/>
           <a:p>
-            <a:endParaRPr lang="en-GB" dirty="0"/>
-          </a:p>
-        </p:txBody>
-      </p:sp>
-      <p:pic>
-        <p:nvPicPr>
-          <p:cNvPr id="7" name="Grafik 6"/>
-          <p:cNvPicPr>
-            <a:picLocks noChangeAspect="1"/>
-          </p:cNvPicPr>
-          <p:nvPr/>
-        </p:nvPicPr>
-        <p:blipFill>
-          <a:blip r:embed="rId3" cstate="print">
-            <a:extLst>
-              <a:ext uri="{28A0092B-C50C-407E-A947-70E740481C1C}">
-                <a14:useLocalDpi xmlns:a14="http://schemas.microsoft.com/office/drawing/2010/main" val="0"/>
-              </a:ext>
-            </a:extLst>
-          </a:blip>
-          <a:stretch>
-            <a:fillRect/>
-          </a:stretch>
-        </p:blipFill>
-        <p:spPr>
-          <a:xfrm>
-            <a:off x="3514725" y="2600325"/>
-            <a:ext cx="3657600" cy="3657600"/>
-          </a:xfrm>
-          <a:prstGeom prst="rect">
-            <a:avLst/>
-          </a:prstGeom>
-        </p:spPr>
-      </p:pic>
+            <a:pPr algn="ctr"/>
+            <a:r>
+              <a:rPr lang="en-GB" sz="6600" dirty="0" smtClean="0"/>
+              <a:t>Compressed Sensing</a:t>
+            </a:r>
+            <a:endParaRPr lang="en-GB" sz="6600" dirty="0"/>
+          </a:p>
+        </p:txBody>
+      </p:sp>
     </p:spTree>
     <p:extLst>
       <p:ext uri="{BB962C8B-B14F-4D97-AF65-F5344CB8AC3E}">
-        <p14:creationId xmlns:p14="http://schemas.microsoft.com/office/powerpoint/2010/main" val="1323241219"/>
+        <p14:creationId xmlns:p14="http://schemas.microsoft.com/office/powerpoint/2010/main" val="1311051883"/>
       </p:ext>
     </p:extLst>
   </p:cSld>
   <p:clrMapOvr>
     <a:masterClrMapping/>
   </p:clrMapOvr>
-  <p:timing>
-    <p:tnLst>
-      <p:par>
-        <p:cTn id="1" dur="indefinite" restart="never" nodeType="tmRoot"/>
-      </p:par>
-    </p:tnLst>
-  </p:timing>
 </p:sld>
 </file>
 
@@ -9441,6 +9803,197 @@
           <a:lstStyle/>
           <a:p>
             <a:r>
+              <a:rPr lang="de-CH" smtClean="0">
+                <a:solidFill>
+                  <a:srgbClr val="000000"/>
+                </a:solidFill>
+              </a:rPr>
+              <a:t>Institut</a:t>
+            </a:r>
+            <a:endParaRPr lang="de-CH">
+              <a:solidFill>
+                <a:srgbClr val="000000"/>
+              </a:solidFill>
+            </a:endParaRPr>
+          </a:p>
+        </p:txBody>
+      </p:sp>
+      <p:sp>
+        <p:nvSpPr>
+          <p:cNvPr id="4" name="Foliennummernplatzhalter 3"/>
+          <p:cNvSpPr>
+            <a:spLocks noGrp="1"/>
+          </p:cNvSpPr>
+          <p:nvPr>
+            <p:ph type="sldNum" sz="quarter" idx="12"/>
+          </p:nvPr>
+        </p:nvSpPr>
+        <p:spPr/>
+        <p:txBody>
+          <a:bodyPr/>
+          <a:lstStyle/>
+          <a:p>
+            <a:fld id="{351188DD-6605-4EF4-9E67-B567F731CE68}" type="slidenum">
+              <a:rPr lang="de-CH" smtClean="0">
+                <a:solidFill>
+                  <a:srgbClr val="000000"/>
+                </a:solidFill>
+              </a:rPr>
+              <a:pPr/>
+              <a:t>30</a:t>
+            </a:fld>
+            <a:endParaRPr lang="de-CH">
+              <a:solidFill>
+                <a:srgbClr val="000000"/>
+              </a:solidFill>
+            </a:endParaRPr>
+          </a:p>
+        </p:txBody>
+      </p:sp>
+      <p:sp>
+        <p:nvSpPr>
+          <p:cNvPr id="5" name="Titel 4"/>
+          <p:cNvSpPr>
+            <a:spLocks noGrp="1"/>
+          </p:cNvSpPr>
+          <p:nvPr>
+            <p:ph type="title"/>
+          </p:nvPr>
+        </p:nvSpPr>
+        <p:spPr/>
+        <p:txBody>
+          <a:bodyPr/>
+          <a:lstStyle/>
+          <a:p>
+            <a:r>
+              <a:rPr lang="en-GB" dirty="0" smtClean="0"/>
+              <a:t>Compressed Sensing Image Reconstruction</a:t>
+            </a:r>
+            <a:endParaRPr lang="en-GB" dirty="0"/>
+          </a:p>
+        </p:txBody>
+      </p:sp>
+      <p:sp>
+        <p:nvSpPr>
+          <p:cNvPr id="6" name="Textplatzhalter 5"/>
+          <p:cNvSpPr>
+            <a:spLocks noGrp="1"/>
+          </p:cNvSpPr>
+          <p:nvPr>
+            <p:ph type="body" idx="1"/>
+          </p:nvPr>
+        </p:nvSpPr>
+        <p:spPr/>
+        <p:txBody>
+          <a:bodyPr/>
+          <a:lstStyle/>
+          <a:p>
+            <a:pPr marL="342900" indent="-342900">
+              <a:buFont typeface="Arial" panose="020B0604020202020204" pitchFamily="34" charset="0"/>
+              <a:buChar char="•"/>
+            </a:pPr>
+            <a:r>
+              <a:rPr lang="en-GB" dirty="0" smtClean="0"/>
+              <a:t>Regularization that captures the image properties</a:t>
+            </a:r>
+          </a:p>
+          <a:p>
+            <a:pPr marL="342900" indent="-342900">
+              <a:buFont typeface="Arial" panose="020B0604020202020204" pitchFamily="34" charset="0"/>
+              <a:buChar char="•"/>
+            </a:pPr>
+            <a:r>
+              <a:rPr lang="en-GB" dirty="0" smtClean="0"/>
+              <a:t>Incoherent Measurement and Reconstruction spaces.</a:t>
+            </a:r>
+            <a:endParaRPr lang="en-GB" dirty="0"/>
+          </a:p>
+        </p:txBody>
+      </p:sp>
+    </p:spTree>
+    <p:extLst>
+      <p:ext uri="{BB962C8B-B14F-4D97-AF65-F5344CB8AC3E}">
+        <p14:creationId xmlns:p14="http://schemas.microsoft.com/office/powerpoint/2010/main" val="375867672"/>
+      </p:ext>
+    </p:extLst>
+  </p:cSld>
+  <p:clrMapOvr>
+    <a:masterClrMapping/>
+  </p:clrMapOvr>
+  <p:timing>
+    <p:tnLst>
+      <p:par>
+        <p:cTn id="1" dur="indefinite" restart="never" nodeType="tmRoot"/>
+      </p:par>
+    </p:tnLst>
+  </p:timing>
+</p:sld>
+</file>
+
+<file path=ppt/slides/slide31.xml><?xml version="1.0" encoding="utf-8"?>
+<p:sld xmlns:a="http://schemas.openxmlformats.org/drawingml/2006/main" xmlns:r="http://schemas.openxmlformats.org/officeDocument/2006/relationships" xmlns:p="http://schemas.openxmlformats.org/presentationml/2006/main">
+  <p:cSld>
+    <p:spTree>
+      <p:nvGrpSpPr>
+        <p:cNvPr id="1" name=""/>
+        <p:cNvGrpSpPr/>
+        <p:nvPr/>
+      </p:nvGrpSpPr>
+      <p:grpSpPr>
+        <a:xfrm>
+          <a:off x="0" y="0"/>
+          <a:ext cx="0" cy="0"/>
+          <a:chOff x="0" y="0"/>
+          <a:chExt cx="0" cy="0"/>
+        </a:xfrm>
+      </p:grpSpPr>
+      <p:sp>
+        <p:nvSpPr>
+          <p:cNvPr id="2" name="Datumsplatzhalter 1"/>
+          <p:cNvSpPr>
+            <a:spLocks noGrp="1"/>
+          </p:cNvSpPr>
+          <p:nvPr>
+            <p:ph type="dt" sz="half" idx="10"/>
+          </p:nvPr>
+        </p:nvSpPr>
+        <p:spPr/>
+        <p:txBody>
+          <a:bodyPr/>
+          <a:lstStyle/>
+          <a:p>
+            <a:fld id="{5E48492E-72D1-4785-9351-8AE1E40FBA2D}" type="datetime1">
+              <a:rPr lang="de-CH" smtClean="0">
+                <a:solidFill>
+                  <a:srgbClr val="000000"/>
+                </a:solidFill>
+              </a:rPr>
+              <a:t>14.08.2018</a:t>
+            </a:fld>
+            <a:endParaRPr lang="de-CH">
+              <a:solidFill>
+                <a:srgbClr val="000000"/>
+              </a:solidFill>
+            </a:endParaRPr>
+          </a:p>
+        </p:txBody>
+      </p:sp>
+      <p:sp>
+        <p:nvSpPr>
+          <p:cNvPr id="3" name="Fußzeilenplatzhalter 2"/>
+          <p:cNvSpPr>
+            <a:spLocks noGrp="1"/>
+          </p:cNvSpPr>
+          <p:nvPr>
+            <p:ph type="ftr" sz="quarter" idx="11"/>
+          </p:nvPr>
+        </p:nvSpPr>
+        <p:spPr/>
+        <p:txBody>
+          <a:bodyPr/>
+          <a:lstStyle/>
+          <a:p>
+            <a:r>
               <a:rPr lang="de-CH" dirty="0" smtClean="0">
                 <a:solidFill>
                   <a:srgbClr val="000000"/>
@@ -9478,7 +10031,210 @@
                 </a:solidFill>
               </a:rPr>
               <a:pPr/>
-              <a:t>30</a:t>
+              <a:t>31</a:t>
+            </a:fld>
+            <a:endParaRPr lang="de-CH">
+              <a:solidFill>
+                <a:srgbClr val="000000"/>
+              </a:solidFill>
+            </a:endParaRPr>
+          </a:p>
+        </p:txBody>
+      </p:sp>
+      <p:sp>
+        <p:nvSpPr>
+          <p:cNvPr id="5" name="Titel 4"/>
+          <p:cNvSpPr>
+            <a:spLocks noGrp="1"/>
+          </p:cNvSpPr>
+          <p:nvPr>
+            <p:ph type="title"/>
+          </p:nvPr>
+        </p:nvSpPr>
+        <p:spPr/>
+        <p:txBody>
+          <a:bodyPr/>
+          <a:lstStyle/>
+          <a:p>
+            <a:r>
+              <a:rPr lang="en-GB" dirty="0" smtClean="0"/>
+              <a:t>CLEAN as a Compressed Sensing Reconstruction</a:t>
+            </a:r>
+            <a:endParaRPr lang="en-GB" dirty="0"/>
+          </a:p>
+        </p:txBody>
+      </p:sp>
+      <p:sp>
+        <p:nvSpPr>
+          <p:cNvPr id="6" name="Textplatzhalter 5"/>
+          <p:cNvSpPr>
+            <a:spLocks noGrp="1"/>
+          </p:cNvSpPr>
+          <p:nvPr>
+            <p:ph type="body" idx="1"/>
+          </p:nvPr>
+        </p:nvSpPr>
+        <p:spPr/>
+        <p:txBody>
+          <a:bodyPr/>
+          <a:lstStyle/>
+          <a:p>
+            <a:endParaRPr lang="en-GB" dirty="0"/>
+          </a:p>
+        </p:txBody>
+      </p:sp>
+      <p:pic>
+        <p:nvPicPr>
+          <p:cNvPr id="7" name="Grafik 6"/>
+          <p:cNvPicPr>
+            <a:picLocks noChangeAspect="1"/>
+          </p:cNvPicPr>
+          <p:nvPr/>
+        </p:nvPicPr>
+        <p:blipFill>
+          <a:blip r:embed="rId3" cstate="print">
+            <a:extLst>
+              <a:ext uri="{28A0092B-C50C-407E-A947-70E740481C1C}">
+                <a14:useLocalDpi xmlns:a14="http://schemas.microsoft.com/office/drawing/2010/main" val="0"/>
+              </a:ext>
+            </a:extLst>
+          </a:blip>
+          <a:stretch>
+            <a:fillRect/>
+          </a:stretch>
+        </p:blipFill>
+        <p:spPr>
+          <a:xfrm>
+            <a:off x="3514725" y="2600325"/>
+            <a:ext cx="3657600" cy="3657600"/>
+          </a:xfrm>
+          <a:prstGeom prst="rect">
+            <a:avLst/>
+          </a:prstGeom>
+        </p:spPr>
+      </p:pic>
+    </p:spTree>
+    <p:extLst>
+      <p:ext uri="{BB962C8B-B14F-4D97-AF65-F5344CB8AC3E}">
+        <p14:creationId xmlns:p14="http://schemas.microsoft.com/office/powerpoint/2010/main" val="1323241219"/>
+      </p:ext>
+    </p:extLst>
+  </p:cSld>
+  <p:clrMapOvr>
+    <a:masterClrMapping/>
+  </p:clrMapOvr>
+  <p:timing>
+    <p:tnLst>
+      <p:par>
+        <p:cTn id="1" dur="indefinite" restart="never" nodeType="tmRoot"/>
+      </p:par>
+    </p:tnLst>
+  </p:timing>
+</p:sld>
+</file>
+
+<file path=ppt/slides/slide32.xml><?xml version="1.0" encoding="utf-8"?>
+<p:sld xmlns:a="http://schemas.openxmlformats.org/drawingml/2006/main" xmlns:r="http://schemas.openxmlformats.org/officeDocument/2006/relationships" xmlns:p="http://schemas.openxmlformats.org/presentationml/2006/main">
+  <p:cSld>
+    <p:spTree>
+      <p:nvGrpSpPr>
+        <p:cNvPr id="1" name=""/>
+        <p:cNvGrpSpPr/>
+        <p:nvPr/>
+      </p:nvGrpSpPr>
+      <p:grpSpPr>
+        <a:xfrm>
+          <a:off x="0" y="0"/>
+          <a:ext cx="0" cy="0"/>
+          <a:chOff x="0" y="0"/>
+          <a:chExt cx="0" cy="0"/>
+        </a:xfrm>
+      </p:grpSpPr>
+      <p:sp>
+        <p:nvSpPr>
+          <p:cNvPr id="2" name="Datumsplatzhalter 1"/>
+          <p:cNvSpPr>
+            <a:spLocks noGrp="1"/>
+          </p:cNvSpPr>
+          <p:nvPr>
+            <p:ph type="dt" sz="half" idx="10"/>
+          </p:nvPr>
+        </p:nvSpPr>
+        <p:spPr/>
+        <p:txBody>
+          <a:bodyPr/>
+          <a:lstStyle/>
+          <a:p>
+            <a:fld id="{5E48492E-72D1-4785-9351-8AE1E40FBA2D}" type="datetime1">
+              <a:rPr lang="de-CH" smtClean="0">
+                <a:solidFill>
+                  <a:srgbClr val="000000"/>
+                </a:solidFill>
+              </a:rPr>
+              <a:t>14.08.2018</a:t>
+            </a:fld>
+            <a:endParaRPr lang="de-CH">
+              <a:solidFill>
+                <a:srgbClr val="000000"/>
+              </a:solidFill>
+            </a:endParaRPr>
+          </a:p>
+        </p:txBody>
+      </p:sp>
+      <p:sp>
+        <p:nvSpPr>
+          <p:cNvPr id="3" name="Fußzeilenplatzhalter 2"/>
+          <p:cNvSpPr>
+            <a:spLocks noGrp="1"/>
+          </p:cNvSpPr>
+          <p:nvPr>
+            <p:ph type="ftr" sz="quarter" idx="11"/>
+          </p:nvPr>
+        </p:nvSpPr>
+        <p:spPr/>
+        <p:txBody>
+          <a:bodyPr/>
+          <a:lstStyle/>
+          <a:p>
+            <a:r>
+              <a:rPr lang="de-CH" dirty="0" smtClean="0">
+                <a:solidFill>
+                  <a:srgbClr val="000000"/>
+                </a:solidFill>
+              </a:rPr>
+              <a:t>Institut i4ds</a:t>
+            </a:r>
+            <a:endParaRPr lang="de-CH" dirty="0">
+              <a:solidFill>
+                <a:srgbClr val="000000"/>
+              </a:solidFill>
+            </a:endParaRPr>
+          </a:p>
+        </p:txBody>
+      </p:sp>
+      <p:sp>
+        <p:nvSpPr>
+          <p:cNvPr id="4" name="Foliennummernplatzhalter 3"/>
+          <p:cNvSpPr>
+            <a:spLocks noGrp="1"/>
+          </p:cNvSpPr>
+          <p:nvPr>
+            <p:ph type="sldNum" sz="quarter" idx="12"/>
+          </p:nvPr>
+        </p:nvSpPr>
+        <p:spPr/>
+        <p:txBody>
+          <a:bodyPr/>
+          <a:lstStyle/>
+          <a:p>
+            <a:fld id="{351188DD-6605-4EF4-9E67-B567F731CE68}" type="slidenum">
+              <a:rPr lang="de-CH" smtClean="0">
+                <a:solidFill>
+                  <a:srgbClr val="000000"/>
+                </a:solidFill>
+              </a:rPr>
+              <a:pPr/>
+              <a:t>32</a:t>
             </a:fld>
             <a:endParaRPr lang="de-CH">
               <a:solidFill>
@@ -9835,35 +10591,6 @@
           <a:chExt cx="0" cy="0"/>
         </a:xfrm>
       </p:grpSpPr>
-      <p:pic>
-        <p:nvPicPr>
-          <p:cNvPr id="9" name="Grafik 8"/>
-          <p:cNvPicPr>
-            <a:picLocks noChangeAspect="1"/>
-          </p:cNvPicPr>
-          <p:nvPr/>
-        </p:nvPicPr>
-        <p:blipFill rotWithShape="1">
-          <a:blip r:embed="rId3">
-            <a:extLst>
-              <a:ext uri="{28A0092B-C50C-407E-A947-70E740481C1C}">
-                <a14:useLocalDpi xmlns:a14="http://schemas.microsoft.com/office/drawing/2010/main" val="0"/>
-              </a:ext>
-            </a:extLst>
-          </a:blip>
-          <a:srcRect l="10500" t="12714" r="18626" b="16412"/>
-          <a:stretch/>
-        </p:blipFill>
-        <p:spPr>
-          <a:xfrm>
-            <a:off x="708718" y="2127922"/>
-            <a:ext cx="4536505" cy="4536504"/>
-          </a:xfrm>
-          <a:prstGeom prst="rect">
-            <a:avLst/>
-          </a:prstGeom>
-        </p:spPr>
-      </p:pic>
       <p:sp>
         <p:nvSpPr>
           <p:cNvPr id="2" name="Datumsplatzhalter 1"/>
@@ -9911,13 +10638,18 @@
           <a:lstStyle/>
           <a:p>
             <a:r>
-              <a:rPr lang="de-CH" dirty="0">
+              <a:rPr lang="de-CH" dirty="0" smtClean="0">
                 <a:solidFill>
                   <a:srgbClr val="000000"/>
                 </a:solidFill>
               </a:rPr>
               <a:t>Institut i4ds</a:t>
             </a:r>
+            <a:endParaRPr lang="de-CH" dirty="0">
+              <a:solidFill>
+                <a:srgbClr val="000000"/>
+              </a:solidFill>
+            </a:endParaRPr>
           </a:p>
         </p:txBody>
       </p:sp>
@@ -9969,10 +10701,10 @@
           <a:lstStyle/>
           <a:p>
             <a:r>
-              <a:rPr lang="de-DE" dirty="0" smtClean="0"/>
+              <a:rPr lang="en-GB" dirty="0" smtClean="0"/>
               <a:t>CLEAN</a:t>
             </a:r>
-            <a:endParaRPr lang="de-DE" dirty="0"/>
+            <a:endParaRPr lang="en-GB" dirty="0"/>
           </a:p>
         </p:txBody>
       </p:sp>
@@ -9991,7 +10723,7 @@
           <a:bodyPr/>
           <a:lstStyle/>
           <a:p>
-            <a:endParaRPr lang="de-DE" dirty="0"/>
+            <a:endParaRPr lang="en-GB" dirty="0"/>
           </a:p>
         </p:txBody>
       </p:sp>
@@ -10003,21 +10735,22 @@
           </p:cNvPicPr>
           <p:nvPr/>
         </p:nvPicPr>
-        <p:blipFill rotWithShape="1">
-          <a:blip r:embed="rId4">
+        <p:blipFill>
+          <a:blip r:embed="rId2">
             <a:extLst>
               <a:ext uri="{28A0092B-C50C-407E-A947-70E740481C1C}">
                 <a14:useLocalDpi xmlns:a14="http://schemas.microsoft.com/office/drawing/2010/main" val="0"/>
               </a:ext>
             </a:extLst>
           </a:blip>
-          <a:srcRect l="32789" t="29175" r="29362" b="31201"/>
-          <a:stretch/>
+          <a:stretch>
+            <a:fillRect/>
+          </a:stretch>
         </p:blipFill>
         <p:spPr>
           <a:xfrm>
-            <a:off x="5490716" y="2124646"/>
-            <a:ext cx="4608512" cy="4536504"/>
+            <a:off x="645691" y="3470184"/>
+            <a:ext cx="9395668" cy="886511"/>
           </a:xfrm>
           <a:prstGeom prst="rect">
             <a:avLst/>
@@ -10027,7 +10760,7 @@
     </p:spTree>
     <p:extLst>
       <p:ext uri="{BB962C8B-B14F-4D97-AF65-F5344CB8AC3E}">
-        <p14:creationId xmlns:p14="http://schemas.microsoft.com/office/powerpoint/2010/main" val="1521014800"/>
+        <p14:creationId xmlns:p14="http://schemas.microsoft.com/office/powerpoint/2010/main" val="2350095334"/>
       </p:ext>
     </p:extLst>
   </p:cSld>
@@ -10108,172 +10841,6 @@
           <a:lstStyle/>
           <a:p>
             <a:r>
-              <a:rPr lang="de-CH" smtClean="0">
-                <a:solidFill>
-                  <a:srgbClr val="000000"/>
-                </a:solidFill>
-              </a:rPr>
-              <a:t>Institut</a:t>
-            </a:r>
-            <a:endParaRPr lang="de-CH">
-              <a:solidFill>
-                <a:srgbClr val="000000"/>
-              </a:solidFill>
-            </a:endParaRPr>
-          </a:p>
-        </p:txBody>
-      </p:sp>
-      <p:sp>
-        <p:nvSpPr>
-          <p:cNvPr id="4" name="Foliennummernplatzhalter 3"/>
-          <p:cNvSpPr>
-            <a:spLocks noGrp="1"/>
-          </p:cNvSpPr>
-          <p:nvPr>
-            <p:ph type="sldNum" sz="quarter" idx="12"/>
-          </p:nvPr>
-        </p:nvSpPr>
-        <p:spPr/>
-        <p:txBody>
-          <a:bodyPr/>
-          <a:lstStyle/>
-          <a:p>
-            <a:fld id="{351188DD-6605-4EF4-9E67-B567F731CE68}" type="slidenum">
-              <a:rPr lang="de-CH" smtClean="0">
-                <a:solidFill>
-                  <a:srgbClr val="000000"/>
-                </a:solidFill>
-              </a:rPr>
-              <a:pPr/>
-              <a:t>6</a:t>
-            </a:fld>
-            <a:endParaRPr lang="de-CH">
-              <a:solidFill>
-                <a:srgbClr val="000000"/>
-              </a:solidFill>
-            </a:endParaRPr>
-          </a:p>
-        </p:txBody>
-      </p:sp>
-      <p:sp>
-        <p:nvSpPr>
-          <p:cNvPr id="5" name="Titel 4"/>
-          <p:cNvSpPr>
-            <a:spLocks noGrp="1"/>
-          </p:cNvSpPr>
-          <p:nvPr>
-            <p:ph type="title"/>
-          </p:nvPr>
-        </p:nvSpPr>
-        <p:spPr/>
-        <p:txBody>
-          <a:bodyPr/>
-          <a:lstStyle/>
-          <a:p>
-            <a:endParaRPr lang="en-GB" dirty="0"/>
-          </a:p>
-        </p:txBody>
-      </p:sp>
-      <p:sp>
-        <p:nvSpPr>
-          <p:cNvPr id="6" name="Textplatzhalter 5"/>
-          <p:cNvSpPr>
-            <a:spLocks noGrp="1"/>
-          </p:cNvSpPr>
-          <p:nvPr>
-            <p:ph type="body" idx="1"/>
-          </p:nvPr>
-        </p:nvSpPr>
-        <p:spPr/>
-        <p:txBody>
-          <a:bodyPr/>
-          <a:lstStyle/>
-          <a:p>
-            <a:pPr algn="ctr"/>
-            <a:r>
-              <a:rPr lang="en-GB" sz="6600" dirty="0"/>
-              <a:t>CLEAN</a:t>
-            </a:r>
-          </a:p>
-        </p:txBody>
-      </p:sp>
-    </p:spTree>
-    <p:extLst>
-      <p:ext uri="{BB962C8B-B14F-4D97-AF65-F5344CB8AC3E}">
-        <p14:creationId xmlns:p14="http://schemas.microsoft.com/office/powerpoint/2010/main" val="1617376967"/>
-      </p:ext>
-    </p:extLst>
-  </p:cSld>
-  <p:clrMapOvr>
-    <a:masterClrMapping/>
-  </p:clrMapOvr>
-</p:sld>
-</file>
-
-<file path=ppt/slides/slide7.xml><?xml version="1.0" encoding="utf-8"?>
-<p:sld xmlns:a="http://schemas.openxmlformats.org/drawingml/2006/main" xmlns:r="http://schemas.openxmlformats.org/officeDocument/2006/relationships" xmlns:p="http://schemas.openxmlformats.org/presentationml/2006/main">
-  <p:cSld>
-    <p:spTree>
-      <p:nvGrpSpPr>
-        <p:cNvPr id="1" name=""/>
-        <p:cNvGrpSpPr/>
-        <p:nvPr/>
-      </p:nvGrpSpPr>
-      <p:grpSpPr>
-        <a:xfrm>
-          <a:off x="0" y="0"/>
-          <a:ext cx="0" cy="0"/>
-          <a:chOff x="0" y="0"/>
-          <a:chExt cx="0" cy="0"/>
-        </a:xfrm>
-      </p:grpSpPr>
-      <p:sp>
-        <p:nvSpPr>
-          <p:cNvPr id="2" name="Datumsplatzhalter 1"/>
-          <p:cNvSpPr>
-            <a:spLocks noGrp="1"/>
-          </p:cNvSpPr>
-          <p:nvPr>
-            <p:ph type="dt" sz="half" idx="10"/>
-          </p:nvPr>
-        </p:nvSpPr>
-        <p:spPr/>
-        <p:txBody>
-          <a:bodyPr/>
-          <a:lstStyle/>
-          <a:p>
-            <a:fld id="{5E48492E-72D1-4785-9351-8AE1E40FBA2D}" type="datetime1">
-              <a:rPr lang="de-CH" smtClean="0">
-                <a:solidFill>
-                  <a:srgbClr val="000000"/>
-                </a:solidFill>
-              </a:rPr>
-              <a:t>14.08.2018</a:t>
-            </a:fld>
-            <a:endParaRPr lang="de-CH">
-              <a:solidFill>
-                <a:srgbClr val="000000"/>
-              </a:solidFill>
-            </a:endParaRPr>
-          </a:p>
-        </p:txBody>
-      </p:sp>
-      <p:sp>
-        <p:nvSpPr>
-          <p:cNvPr id="3" name="Fußzeilenplatzhalter 2"/>
-          <p:cNvSpPr>
-            <a:spLocks noGrp="1"/>
-          </p:cNvSpPr>
-          <p:nvPr>
-            <p:ph type="ftr" sz="quarter" idx="11"/>
-          </p:nvPr>
-        </p:nvSpPr>
-        <p:spPr/>
-        <p:txBody>
-          <a:bodyPr/>
-          <a:lstStyle/>
-          <a:p>
-            <a:r>
               <a:rPr lang="de-CH" dirty="0" smtClean="0">
                 <a:solidFill>
                   <a:srgbClr val="000000"/>
@@ -10311,7 +10878,7 @@
                 </a:solidFill>
               </a:rPr>
               <a:pPr/>
-              <a:t>7</a:t>
+              <a:t>6</a:t>
             </a:fld>
             <a:endParaRPr lang="de-CH">
               <a:solidFill>
@@ -10563,7 +11130,7 @@
 </p:sld>
 </file>
 
-<file path=ppt/slides/slide8.xml><?xml version="1.0" encoding="utf-8"?>
+<file path=ppt/slides/slide7.xml><?xml version="1.0" encoding="utf-8"?>
 <p:sld xmlns:a="http://schemas.openxmlformats.org/drawingml/2006/main" xmlns:r="http://schemas.openxmlformats.org/officeDocument/2006/relationships" xmlns:p="http://schemas.openxmlformats.org/presentationml/2006/main">
   <p:cSld>
     <p:spTree>
@@ -10724,7 +11291,7 @@
                 </a:solidFill>
               </a:rPr>
               <a:pPr/>
-              <a:t>8</a:t>
+              <a:t>7</a:t>
             </a:fld>
             <a:endParaRPr lang="de-CH">
               <a:solidFill>
@@ -10897,7 +11464,7 @@
 </p:sld>
 </file>
 
-<file path=ppt/slides/slide9.xml><?xml version="1.0" encoding="utf-8"?>
+<file path=ppt/slides/slide8.xml><?xml version="1.0" encoding="utf-8"?>
 <p:sld xmlns:a="http://schemas.openxmlformats.org/drawingml/2006/main" xmlns:r="http://schemas.openxmlformats.org/officeDocument/2006/relationships" xmlns:p="http://schemas.openxmlformats.org/presentationml/2006/main">
   <p:cSld>
     <p:spTree>
@@ -11058,7 +11625,7 @@
                 </a:solidFill>
               </a:rPr>
               <a:pPr/>
-              <a:t>9</a:t>
+              <a:t>8</a:t>
             </a:fld>
             <a:endParaRPr lang="de-CH">
               <a:solidFill>
@@ -11234,6 +11801,359 @@
     <p:extLst>
       <p:ext uri="{BB962C8B-B14F-4D97-AF65-F5344CB8AC3E}">
         <p14:creationId xmlns:p14="http://schemas.microsoft.com/office/powerpoint/2010/main" val="573803273"/>
+      </p:ext>
+    </p:extLst>
+  </p:cSld>
+  <p:clrMapOvr>
+    <a:masterClrMapping/>
+  </p:clrMapOvr>
+  <p:timing>
+    <p:tnLst>
+      <p:par>
+        <p:cTn id="1" dur="indefinite" restart="never" nodeType="tmRoot"/>
+      </p:par>
+    </p:tnLst>
+  </p:timing>
+</p:sld>
+</file>
+
+<file path=ppt/slides/slide9.xml><?xml version="1.0" encoding="utf-8"?>
+<p:sld xmlns:a="http://schemas.openxmlformats.org/drawingml/2006/main" xmlns:r="http://schemas.openxmlformats.org/officeDocument/2006/relationships" xmlns:p="http://schemas.openxmlformats.org/presentationml/2006/main">
+  <p:cSld>
+    <p:spTree>
+      <p:nvGrpSpPr>
+        <p:cNvPr id="1" name=""/>
+        <p:cNvGrpSpPr/>
+        <p:nvPr/>
+      </p:nvGrpSpPr>
+      <p:grpSpPr>
+        <a:xfrm>
+          <a:off x="0" y="0"/>
+          <a:ext cx="0" cy="0"/>
+          <a:chOff x="0" y="0"/>
+          <a:chExt cx="0" cy="0"/>
+        </a:xfrm>
+      </p:grpSpPr>
+      <p:pic>
+        <p:nvPicPr>
+          <p:cNvPr id="14" name="Grafik 13"/>
+          <p:cNvPicPr>
+            <a:picLocks noChangeAspect="1"/>
+          </p:cNvPicPr>
+          <p:nvPr/>
+        </p:nvPicPr>
+        <p:blipFill>
+          <a:blip r:embed="rId2" cstate="print">
+            <a:extLst>
+              <a:ext uri="{28A0092B-C50C-407E-A947-70E740481C1C}">
+                <a14:useLocalDpi xmlns:a14="http://schemas.microsoft.com/office/drawing/2010/main" val="0"/>
+              </a:ext>
+            </a:extLst>
+          </a:blip>
+          <a:stretch>
+            <a:fillRect/>
+          </a:stretch>
+        </p:blipFill>
+        <p:spPr>
+          <a:xfrm>
+            <a:off x="4986660" y="3219375"/>
+            <a:ext cx="3657600" cy="3657600"/>
+          </a:xfrm>
+          <a:prstGeom prst="rect">
+            <a:avLst/>
+          </a:prstGeom>
+        </p:spPr>
+      </p:pic>
+      <p:pic>
+        <p:nvPicPr>
+          <p:cNvPr id="13" name="Grafik 12"/>
+          <p:cNvPicPr>
+            <a:picLocks noChangeAspect="1"/>
+          </p:cNvPicPr>
+          <p:nvPr/>
+        </p:nvPicPr>
+        <p:blipFill>
+          <a:blip r:embed="rId3" cstate="print">
+            <a:extLst>
+              <a:ext uri="{28A0092B-C50C-407E-A947-70E740481C1C}">
+                <a14:useLocalDpi xmlns:a14="http://schemas.microsoft.com/office/drawing/2010/main" val="0"/>
+              </a:ext>
+            </a:extLst>
+          </a:blip>
+          <a:stretch>
+            <a:fillRect/>
+          </a:stretch>
+        </p:blipFill>
+        <p:spPr>
+          <a:xfrm>
+            <a:off x="1401068" y="3219375"/>
+            <a:ext cx="3657600" cy="3657600"/>
+          </a:xfrm>
+          <a:prstGeom prst="rect">
+            <a:avLst/>
+          </a:prstGeom>
+        </p:spPr>
+      </p:pic>
+      <p:sp>
+        <p:nvSpPr>
+          <p:cNvPr id="2" name="Datumsplatzhalter 1"/>
+          <p:cNvSpPr>
+            <a:spLocks noGrp="1"/>
+          </p:cNvSpPr>
+          <p:nvPr>
+            <p:ph type="dt" sz="half" idx="10"/>
+          </p:nvPr>
+        </p:nvSpPr>
+        <p:spPr/>
+        <p:txBody>
+          <a:bodyPr/>
+          <a:lstStyle/>
+          <a:p>
+            <a:fld id="{5E48492E-72D1-4785-9351-8AE1E40FBA2D}" type="datetime1">
+              <a:rPr lang="de-CH" smtClean="0">
+                <a:solidFill>
+                  <a:srgbClr val="000000"/>
+                </a:solidFill>
+              </a:rPr>
+              <a:t>14.08.2018</a:t>
+            </a:fld>
+            <a:endParaRPr lang="de-CH">
+              <a:solidFill>
+                <a:srgbClr val="000000"/>
+              </a:solidFill>
+            </a:endParaRPr>
+          </a:p>
+        </p:txBody>
+      </p:sp>
+      <p:sp>
+        <p:nvSpPr>
+          <p:cNvPr id="3" name="Fußzeilenplatzhalter 2"/>
+          <p:cNvSpPr>
+            <a:spLocks noGrp="1"/>
+          </p:cNvSpPr>
+          <p:nvPr>
+            <p:ph type="ftr" sz="quarter" idx="11"/>
+          </p:nvPr>
+        </p:nvSpPr>
+        <p:spPr/>
+        <p:txBody>
+          <a:bodyPr/>
+          <a:lstStyle/>
+          <a:p>
+            <a:r>
+              <a:rPr lang="de-CH" dirty="0" smtClean="0">
+                <a:solidFill>
+                  <a:srgbClr val="000000"/>
+                </a:solidFill>
+              </a:rPr>
+              <a:t>Institut i4ds</a:t>
+            </a:r>
+            <a:endParaRPr lang="de-CH" dirty="0">
+              <a:solidFill>
+                <a:srgbClr val="000000"/>
+              </a:solidFill>
+            </a:endParaRPr>
+          </a:p>
+        </p:txBody>
+      </p:sp>
+      <p:sp>
+        <p:nvSpPr>
+          <p:cNvPr id="4" name="Foliennummernplatzhalter 3"/>
+          <p:cNvSpPr>
+            <a:spLocks noGrp="1"/>
+          </p:cNvSpPr>
+          <p:nvPr>
+            <p:ph type="sldNum" sz="quarter" idx="12"/>
+          </p:nvPr>
+        </p:nvSpPr>
+        <p:spPr/>
+        <p:txBody>
+          <a:bodyPr/>
+          <a:lstStyle/>
+          <a:p>
+            <a:fld id="{351188DD-6605-4EF4-9E67-B567F731CE68}" type="slidenum">
+              <a:rPr lang="de-CH" smtClean="0">
+                <a:solidFill>
+                  <a:srgbClr val="000000"/>
+                </a:solidFill>
+              </a:rPr>
+              <a:pPr/>
+              <a:t>9</a:t>
+            </a:fld>
+            <a:endParaRPr lang="de-CH">
+              <a:solidFill>
+                <a:srgbClr val="000000"/>
+              </a:solidFill>
+            </a:endParaRPr>
+          </a:p>
+        </p:txBody>
+      </p:sp>
+      <p:sp>
+        <p:nvSpPr>
+          <p:cNvPr id="5" name="Titel 4"/>
+          <p:cNvSpPr>
+            <a:spLocks noGrp="1"/>
+          </p:cNvSpPr>
+          <p:nvPr>
+            <p:ph type="title"/>
+          </p:nvPr>
+        </p:nvSpPr>
+        <p:spPr/>
+        <p:txBody>
+          <a:bodyPr/>
+          <a:lstStyle/>
+          <a:p>
+            <a:r>
+              <a:rPr lang="en-GB" dirty="0" smtClean="0"/>
+              <a:t>CLEAN, Iteration 3</a:t>
+            </a:r>
+            <a:endParaRPr lang="en-GB" dirty="0"/>
+          </a:p>
+        </p:txBody>
+      </p:sp>
+      <p:sp>
+        <p:nvSpPr>
+          <p:cNvPr id="6" name="Textplatzhalter 5"/>
+          <p:cNvSpPr>
+            <a:spLocks noGrp="1"/>
+          </p:cNvSpPr>
+          <p:nvPr>
+            <p:ph type="body" idx="1"/>
+          </p:nvPr>
+        </p:nvSpPr>
+        <p:spPr/>
+        <p:txBody>
+          <a:bodyPr/>
+          <a:lstStyle/>
+          <a:p>
+            <a:endParaRPr lang="en-GB" dirty="0"/>
+          </a:p>
+        </p:txBody>
+      </p:sp>
+      <p:pic>
+        <p:nvPicPr>
+          <p:cNvPr id="7" name="Grafik 6"/>
+          <p:cNvPicPr>
+            <a:picLocks noChangeAspect="1"/>
+          </p:cNvPicPr>
+          <p:nvPr/>
+        </p:nvPicPr>
+        <p:blipFill>
+          <a:blip r:embed="rId4" cstate="print">
+            <a:extLst>
+              <a:ext uri="{28A0092B-C50C-407E-A947-70E740481C1C}">
+                <a14:useLocalDpi xmlns:a14="http://schemas.microsoft.com/office/drawing/2010/main" val="0"/>
+              </a:ext>
+            </a:extLst>
+          </a:blip>
+          <a:stretch>
+            <a:fillRect/>
+          </a:stretch>
+        </p:blipFill>
+        <p:spPr>
+          <a:xfrm>
+            <a:off x="7280692" y="-37093"/>
+            <a:ext cx="3310648" cy="3310648"/>
+          </a:xfrm>
+          <a:prstGeom prst="rect">
+            <a:avLst/>
+          </a:prstGeom>
+        </p:spPr>
+      </p:pic>
+      <p:sp>
+        <p:nvSpPr>
+          <p:cNvPr id="10" name="Textfeld 9"/>
+          <p:cNvSpPr txBox="1"/>
+          <p:nvPr/>
+        </p:nvSpPr>
+        <p:spPr>
+          <a:xfrm>
+            <a:off x="1658510" y="3064089"/>
+            <a:ext cx="1560043" cy="415498"/>
+          </a:xfrm>
+          <a:prstGeom prst="rect">
+            <a:avLst/>
+          </a:prstGeom>
+          <a:noFill/>
+        </p:spPr>
+        <p:txBody>
+          <a:bodyPr wrap="none" rtlCol="0">
+            <a:spAutoFit/>
+          </a:bodyPr>
+          <a:lstStyle/>
+          <a:p>
+            <a:r>
+              <a:rPr lang="en-GB" dirty="0" smtClean="0"/>
+              <a:t>Dirty Image</a:t>
+            </a:r>
+            <a:endParaRPr lang="en-GB" dirty="0"/>
+          </a:p>
+        </p:txBody>
+      </p:sp>
+      <p:sp>
+        <p:nvSpPr>
+          <p:cNvPr id="11" name="Textfeld 10"/>
+          <p:cNvSpPr txBox="1"/>
+          <p:nvPr/>
+        </p:nvSpPr>
+        <p:spPr>
+          <a:xfrm>
+            <a:off x="5138177" y="3064089"/>
+            <a:ext cx="1737976" cy="415498"/>
+          </a:xfrm>
+          <a:prstGeom prst="rect">
+            <a:avLst/>
+          </a:prstGeom>
+          <a:noFill/>
+        </p:spPr>
+        <p:txBody>
+          <a:bodyPr wrap="none" rtlCol="0">
+            <a:spAutoFit/>
+          </a:bodyPr>
+          <a:lstStyle/>
+          <a:p>
+            <a:r>
+              <a:rPr lang="en-GB" dirty="0" smtClean="0"/>
+              <a:t>Model Image</a:t>
+            </a:r>
+            <a:endParaRPr lang="en-GB" dirty="0"/>
+          </a:p>
+        </p:txBody>
+      </p:sp>
+      <p:pic>
+        <p:nvPicPr>
+          <p:cNvPr id="12" name="Grafik 11"/>
+          <p:cNvPicPr>
+            <a:picLocks noChangeAspect="1"/>
+          </p:cNvPicPr>
+          <p:nvPr/>
+        </p:nvPicPr>
+        <p:blipFill>
+          <a:blip r:embed="rId4" cstate="print">
+            <a:extLst>
+              <a:ext uri="{28A0092B-C50C-407E-A947-70E740481C1C}">
+                <a14:useLocalDpi xmlns:a14="http://schemas.microsoft.com/office/drawing/2010/main" val="0"/>
+              </a:ext>
+            </a:extLst>
+          </a:blip>
+          <a:stretch>
+            <a:fillRect/>
+          </a:stretch>
+        </p:blipFill>
+        <p:spPr>
+          <a:xfrm>
+            <a:off x="7433092" y="-35793"/>
+            <a:ext cx="3310648" cy="3310648"/>
+          </a:xfrm>
+          <a:prstGeom prst="rect">
+            <a:avLst/>
+          </a:prstGeom>
+        </p:spPr>
+      </p:pic>
+    </p:spTree>
+    <p:extLst>
+      <p:ext uri="{BB962C8B-B14F-4D97-AF65-F5344CB8AC3E}">
+        <p14:creationId xmlns:p14="http://schemas.microsoft.com/office/powerpoint/2010/main" val="545085356"/>
       </p:ext>
     </p:extLst>
   </p:cSld>
@@ -11500,7 +12420,7 @@
         <a:effectLst/>
         <a:extLst>
           <a:ext uri="{AF507438-7753-43e0-B8FC-AC1667EBCBE1}">
-            <a14:hiddenEffects xmlns:a14="http://schemas.microsoft.com/office/drawing/2010/main" xmlns="">
+            <a14:hiddenEffects xmlns="" xmlns:a14="http://schemas.microsoft.com/office/drawing/2010/main">
               <a:effectLst>
                 <a:outerShdw dist="35921" dir="2700000" algn="ctr" rotWithShape="0">
                   <a:schemeClr val="bg2"/>
@@ -11573,7 +12493,7 @@
         <a:effectLst/>
         <a:extLst>
           <a:ext uri="{AF507438-7753-43e0-B8FC-AC1667EBCBE1}">
-            <a14:hiddenEffects xmlns:a14="http://schemas.microsoft.com/office/drawing/2010/main" xmlns="">
+            <a14:hiddenEffects xmlns="" xmlns:a14="http://schemas.microsoft.com/office/drawing/2010/main">
               <a:effectLst>
                 <a:outerShdw dist="35921" dir="2700000" algn="ctr" rotWithShape="0">
                   <a:schemeClr val="bg2"/>

--- a/ppt/praes.pptx
+++ b/ppt/praes.pptx
@@ -29,19 +29,19 @@
     <p:sldId id="298" r:id="rId17"/>
     <p:sldId id="277" r:id="rId18"/>
     <p:sldId id="280" r:id="rId19"/>
-    <p:sldId id="319" r:id="rId20"/>
-    <p:sldId id="291" r:id="rId21"/>
-    <p:sldId id="314" r:id="rId22"/>
-    <p:sldId id="311" r:id="rId23"/>
-    <p:sldId id="290" r:id="rId24"/>
-    <p:sldId id="258" r:id="rId25"/>
-    <p:sldId id="312" r:id="rId26"/>
-    <p:sldId id="307" r:id="rId27"/>
-    <p:sldId id="321" r:id="rId28"/>
-    <p:sldId id="313" r:id="rId29"/>
-    <p:sldId id="322" r:id="rId30"/>
-    <p:sldId id="269" r:id="rId31"/>
-    <p:sldId id="304" r:id="rId32"/>
+    <p:sldId id="324" r:id="rId20"/>
+    <p:sldId id="304" r:id="rId21"/>
+    <p:sldId id="323" r:id="rId22"/>
+    <p:sldId id="319" r:id="rId23"/>
+    <p:sldId id="311" r:id="rId24"/>
+    <p:sldId id="290" r:id="rId25"/>
+    <p:sldId id="258" r:id="rId26"/>
+    <p:sldId id="312" r:id="rId27"/>
+    <p:sldId id="307" r:id="rId28"/>
+    <p:sldId id="321" r:id="rId29"/>
+    <p:sldId id="313" r:id="rId30"/>
+    <p:sldId id="322" r:id="rId31"/>
+    <p:sldId id="269" r:id="rId32"/>
     <p:sldId id="308" r:id="rId33"/>
     <p:sldId id="309" r:id="rId34"/>
   </p:sldIdLst>
@@ -195,21 +195,22 @@
             <p14:sldId id="286"/>
             <p14:sldId id="287"/>
             <p14:sldId id="295"/>
+            <p14:sldId id="310"/>
           </p14:sldIdLst>
         </p14:section>
         <p14:section name="Compressed Sensing" id="{4C1F518D-D902-4438-832B-2D383529D487}">
           <p14:sldIdLst>
-            <p14:sldId id="310"/>
             <p14:sldId id="298"/>
             <p14:sldId id="277"/>
             <p14:sldId id="280"/>
-            <p14:sldId id="319"/>
-            <p14:sldId id="291"/>
-            <p14:sldId id="314"/>
+            <p14:sldId id="324"/>
           </p14:sldIdLst>
         </p14:section>
         <p14:section name="Abschnitt ohne Titel" id="{08DBAA98-29F2-46AD-A1D0-8A81AF8564F8}">
           <p14:sldIdLst>
+            <p14:sldId id="304"/>
+            <p14:sldId id="323"/>
+            <p14:sldId id="319"/>
             <p14:sldId id="311"/>
             <p14:sldId id="290"/>
             <p14:sldId id="258"/>
@@ -219,7 +220,6 @@
             <p14:sldId id="313"/>
             <p14:sldId id="322"/>
             <p14:sldId id="269"/>
-            <p14:sldId id="304"/>
             <p14:sldId id="308"/>
             <p14:sldId id="309"/>
           </p14:sldIdLst>
@@ -297,14 +297,14 @@
           <a:effectLst/>
           <a:extLst>
             <a:ext uri="{909E8E84-426E-40dd-AFC4-6F175D3DCCD1}">
-              <a14:hiddenFill xmlns:a14="http://schemas.microsoft.com/office/drawing/2010/main" xmlns="">
+              <a14:hiddenFill xmlns="" xmlns:a14="http://schemas.microsoft.com/office/drawing/2010/main">
                 <a:solidFill>
                   <a:schemeClr val="accent1"/>
                 </a:solidFill>
               </a14:hiddenFill>
             </a:ext>
             <a:ext uri="{91240B29-F687-4f45-9708-019B960494DF}">
-              <a14:hiddenLine xmlns:a14="http://schemas.microsoft.com/office/drawing/2010/main" xmlns="" w="9525">
+              <a14:hiddenLine xmlns="" xmlns:a14="http://schemas.microsoft.com/office/drawing/2010/main" w="9525">
                 <a:solidFill>
                   <a:schemeClr val="tx1"/>
                 </a:solidFill>
@@ -314,7 +314,7 @@
               </a14:hiddenLine>
             </a:ext>
             <a:ext uri="{AF507438-7753-43e0-B8FC-AC1667EBCBE1}">
-              <a14:hiddenEffects xmlns:a14="http://schemas.microsoft.com/office/drawing/2010/main" xmlns="">
+              <a14:hiddenEffects xmlns="" xmlns:a14="http://schemas.microsoft.com/office/drawing/2010/main">
                 <a:effectLst>
                   <a:outerShdw dist="35921" dir="2700000" algn="ctr" rotWithShape="0">
                     <a:schemeClr val="bg2"/>
@@ -365,14 +365,14 @@
           <a:effectLst/>
           <a:extLst>
             <a:ext uri="{909E8E84-426E-40dd-AFC4-6F175D3DCCD1}">
-              <a14:hiddenFill xmlns:a14="http://schemas.microsoft.com/office/drawing/2010/main" xmlns="">
+              <a14:hiddenFill xmlns="" xmlns:a14="http://schemas.microsoft.com/office/drawing/2010/main">
                 <a:solidFill>
                   <a:schemeClr val="accent1"/>
                 </a:solidFill>
               </a14:hiddenFill>
             </a:ext>
             <a:ext uri="{91240B29-F687-4f45-9708-019B960494DF}">
-              <a14:hiddenLine xmlns:a14="http://schemas.microsoft.com/office/drawing/2010/main" xmlns="" w="9525">
+              <a14:hiddenLine xmlns="" xmlns:a14="http://schemas.microsoft.com/office/drawing/2010/main" w="9525">
                 <a:solidFill>
                   <a:schemeClr val="tx1"/>
                 </a:solidFill>
@@ -382,7 +382,7 @@
               </a14:hiddenLine>
             </a:ext>
             <a:ext uri="{AF507438-7753-43e0-B8FC-AC1667EBCBE1}">
-              <a14:hiddenEffects xmlns:a14="http://schemas.microsoft.com/office/drawing/2010/main" xmlns="">
+              <a14:hiddenEffects xmlns="" xmlns:a14="http://schemas.microsoft.com/office/drawing/2010/main">
                 <a:effectLst>
                   <a:outerShdw dist="35921" dir="2700000" algn="ctr" rotWithShape="0">
                     <a:schemeClr val="bg2"/>
@@ -433,14 +433,14 @@
           <a:effectLst/>
           <a:extLst>
             <a:ext uri="{909E8E84-426E-40dd-AFC4-6F175D3DCCD1}">
-              <a14:hiddenFill xmlns:a14="http://schemas.microsoft.com/office/drawing/2010/main" xmlns="">
+              <a14:hiddenFill xmlns="" xmlns:a14="http://schemas.microsoft.com/office/drawing/2010/main">
                 <a:solidFill>
                   <a:schemeClr val="accent1"/>
                 </a:solidFill>
               </a14:hiddenFill>
             </a:ext>
             <a:ext uri="{91240B29-F687-4f45-9708-019B960494DF}">
-              <a14:hiddenLine xmlns:a14="http://schemas.microsoft.com/office/drawing/2010/main" xmlns="" w="9525">
+              <a14:hiddenLine xmlns="" xmlns:a14="http://schemas.microsoft.com/office/drawing/2010/main" w="9525">
                 <a:solidFill>
                   <a:schemeClr val="tx1"/>
                 </a:solidFill>
@@ -450,7 +450,7 @@
               </a14:hiddenLine>
             </a:ext>
             <a:ext uri="{AF507438-7753-43e0-B8FC-AC1667EBCBE1}">
-              <a14:hiddenEffects xmlns:a14="http://schemas.microsoft.com/office/drawing/2010/main" xmlns="">
+              <a14:hiddenEffects xmlns="" xmlns:a14="http://schemas.microsoft.com/office/drawing/2010/main">
                 <a:effectLst>
                   <a:outerShdw dist="35921" dir="2700000" algn="ctr" rotWithShape="0">
                     <a:schemeClr val="bg2"/>
@@ -501,14 +501,14 @@
           <a:effectLst/>
           <a:extLst>
             <a:ext uri="{909E8E84-426E-40dd-AFC4-6F175D3DCCD1}">
-              <a14:hiddenFill xmlns:a14="http://schemas.microsoft.com/office/drawing/2010/main" xmlns="">
+              <a14:hiddenFill xmlns="" xmlns:a14="http://schemas.microsoft.com/office/drawing/2010/main">
                 <a:solidFill>
                   <a:schemeClr val="accent1"/>
                 </a:solidFill>
               </a14:hiddenFill>
             </a:ext>
             <a:ext uri="{91240B29-F687-4f45-9708-019B960494DF}">
-              <a14:hiddenLine xmlns:a14="http://schemas.microsoft.com/office/drawing/2010/main" xmlns="" w="9525">
+              <a14:hiddenLine xmlns="" xmlns:a14="http://schemas.microsoft.com/office/drawing/2010/main" w="9525">
                 <a:solidFill>
                   <a:schemeClr val="tx1"/>
                 </a:solidFill>
@@ -518,7 +518,7 @@
               </a14:hiddenLine>
             </a:ext>
             <a:ext uri="{AF507438-7753-43e0-B8FC-AC1667EBCBE1}">
-              <a14:hiddenEffects xmlns:a14="http://schemas.microsoft.com/office/drawing/2010/main" xmlns="">
+              <a14:hiddenEffects xmlns="" xmlns:a14="http://schemas.microsoft.com/office/drawing/2010/main">
                 <a:effectLst>
                   <a:outerShdw dist="35921" dir="2700000" algn="ctr" rotWithShape="0">
                     <a:schemeClr val="bg2"/>
@@ -610,14 +610,14 @@
           <a:effectLst/>
           <a:extLst>
             <a:ext uri="{909E8E84-426E-40dd-AFC4-6F175D3DCCD1}">
-              <a14:hiddenFill xmlns:a14="http://schemas.microsoft.com/office/drawing/2010/main" xmlns="">
+              <a14:hiddenFill xmlns="" xmlns:a14="http://schemas.microsoft.com/office/drawing/2010/main">
                 <a:solidFill>
                   <a:schemeClr val="accent1"/>
                 </a:solidFill>
               </a14:hiddenFill>
             </a:ext>
             <a:ext uri="{91240B29-F687-4f45-9708-019B960494DF}">
-              <a14:hiddenLine xmlns:a14="http://schemas.microsoft.com/office/drawing/2010/main" xmlns="" w="9525">
+              <a14:hiddenLine xmlns="" xmlns:a14="http://schemas.microsoft.com/office/drawing/2010/main" w="9525">
                 <a:solidFill>
                   <a:schemeClr val="tx1"/>
                 </a:solidFill>
@@ -627,7 +627,7 @@
               </a14:hiddenLine>
             </a:ext>
             <a:ext uri="{AF507438-7753-43e0-B8FC-AC1667EBCBE1}">
-              <a14:hiddenEffects xmlns:a14="http://schemas.microsoft.com/office/drawing/2010/main" xmlns="">
+              <a14:hiddenEffects xmlns="" xmlns:a14="http://schemas.microsoft.com/office/drawing/2010/main">
                 <a:effectLst>
                   <a:outerShdw dist="35921" dir="2700000" algn="ctr" rotWithShape="0">
                     <a:schemeClr val="bg2"/>
@@ -678,14 +678,14 @@
           <a:effectLst/>
           <a:extLst>
             <a:ext uri="{909E8E84-426E-40dd-AFC4-6F175D3DCCD1}">
-              <a14:hiddenFill xmlns:a14="http://schemas.microsoft.com/office/drawing/2010/main" xmlns="">
+              <a14:hiddenFill xmlns="" xmlns:a14="http://schemas.microsoft.com/office/drawing/2010/main">
                 <a:solidFill>
                   <a:schemeClr val="accent1"/>
                 </a:solidFill>
               </a14:hiddenFill>
             </a:ext>
             <a:ext uri="{91240B29-F687-4f45-9708-019B960494DF}">
-              <a14:hiddenLine xmlns:a14="http://schemas.microsoft.com/office/drawing/2010/main" xmlns="" w="9525">
+              <a14:hiddenLine xmlns="" xmlns:a14="http://schemas.microsoft.com/office/drawing/2010/main" w="9525">
                 <a:solidFill>
                   <a:schemeClr val="tx1"/>
                 </a:solidFill>
@@ -695,7 +695,7 @@
               </a14:hiddenLine>
             </a:ext>
             <a:ext uri="{AF507438-7753-43e0-B8FC-AC1667EBCBE1}">
-              <a14:hiddenEffects xmlns:a14="http://schemas.microsoft.com/office/drawing/2010/main" xmlns="">
+              <a14:hiddenEffects xmlns="" xmlns:a14="http://schemas.microsoft.com/office/drawing/2010/main">
                 <a:effectLst>
                   <a:outerShdw dist="35921" dir="2700000" algn="ctr" rotWithShape="0">
                     <a:schemeClr val="bg2"/>
@@ -751,7 +751,7 @@
           <a:effectLst/>
           <a:extLst>
             <a:ext uri="{AF507438-7753-43e0-B8FC-AC1667EBCBE1}">
-              <a14:hiddenEffects xmlns:a14="http://schemas.microsoft.com/office/drawing/2010/main" xmlns="">
+              <a14:hiddenEffects xmlns="" xmlns:a14="http://schemas.microsoft.com/office/drawing/2010/main">
                 <a:effectLst>
                   <a:outerShdw dist="35921" dir="2700000" algn="ctr" rotWithShape="0">
                     <a:srgbClr val="808080"/>
@@ -760,7 +760,7 @@
               </a14:hiddenEffects>
             </a:ext>
             <a:ext uri="{53640926-AAD7-44d8-BBD7-CCE9431645EC}">
-              <a14:shadowObscured xmlns:a14="http://schemas.microsoft.com/office/drawing/2010/main" xmlns="" val="1"/>
+              <a14:shadowObscured xmlns="" xmlns:a14="http://schemas.microsoft.com/office/drawing/2010/main" val="1"/>
             </a:ext>
           </a:extLst>
         </p:spPr>
@@ -790,14 +790,14 @@
           <a:effectLst/>
           <a:extLst>
             <a:ext uri="{909E8E84-426E-40dd-AFC4-6F175D3DCCD1}">
-              <a14:hiddenFill xmlns:a14="http://schemas.microsoft.com/office/drawing/2010/main" xmlns="">
+              <a14:hiddenFill xmlns="" xmlns:a14="http://schemas.microsoft.com/office/drawing/2010/main">
                 <a:solidFill>
                   <a:schemeClr val="accent1"/>
                 </a:solidFill>
               </a14:hiddenFill>
             </a:ext>
             <a:ext uri="{91240B29-F687-4f45-9708-019B960494DF}">
-              <a14:hiddenLine xmlns:a14="http://schemas.microsoft.com/office/drawing/2010/main" xmlns="" w="9525">
+              <a14:hiddenLine xmlns="" xmlns:a14="http://schemas.microsoft.com/office/drawing/2010/main" w="9525">
                 <a:solidFill>
                   <a:schemeClr val="tx1"/>
                 </a:solidFill>
@@ -807,7 +807,7 @@
               </a14:hiddenLine>
             </a:ext>
             <a:ext uri="{AF507438-7753-43e0-B8FC-AC1667EBCBE1}">
-              <a14:hiddenEffects xmlns:a14="http://schemas.microsoft.com/office/drawing/2010/main" xmlns="">
+              <a14:hiddenEffects xmlns="" xmlns:a14="http://schemas.microsoft.com/office/drawing/2010/main">
                 <a:effectLst>
                   <a:outerShdw dist="35921" dir="2700000" algn="ctr" rotWithShape="0">
                     <a:schemeClr val="bg2"/>
@@ -886,14 +886,14 @@
           <a:effectLst/>
           <a:extLst>
             <a:ext uri="{909E8E84-426E-40dd-AFC4-6F175D3DCCD1}">
-              <a14:hiddenFill xmlns:a14="http://schemas.microsoft.com/office/drawing/2010/main" xmlns="">
+              <a14:hiddenFill xmlns="" xmlns:a14="http://schemas.microsoft.com/office/drawing/2010/main">
                 <a:solidFill>
                   <a:schemeClr val="accent1"/>
                 </a:solidFill>
               </a14:hiddenFill>
             </a:ext>
             <a:ext uri="{91240B29-F687-4f45-9708-019B960494DF}">
-              <a14:hiddenLine xmlns:a14="http://schemas.microsoft.com/office/drawing/2010/main" xmlns="" w="9525">
+              <a14:hiddenLine xmlns="" xmlns:a14="http://schemas.microsoft.com/office/drawing/2010/main" w="9525">
                 <a:solidFill>
                   <a:schemeClr val="tx1"/>
                 </a:solidFill>
@@ -903,7 +903,7 @@
               </a14:hiddenLine>
             </a:ext>
             <a:ext uri="{AF507438-7753-43e0-B8FC-AC1667EBCBE1}">
-              <a14:hiddenEffects xmlns:a14="http://schemas.microsoft.com/office/drawing/2010/main" xmlns="">
+              <a14:hiddenEffects xmlns="" xmlns:a14="http://schemas.microsoft.com/office/drawing/2010/main">
                 <a:effectLst>
                   <a:outerShdw dist="35921" dir="2700000" algn="ctr" rotWithShape="0">
                     <a:schemeClr val="bg2"/>
@@ -954,14 +954,14 @@
           <a:effectLst/>
           <a:extLst>
             <a:ext uri="{909E8E84-426E-40dd-AFC4-6F175D3DCCD1}">
-              <a14:hiddenFill xmlns:a14="http://schemas.microsoft.com/office/drawing/2010/main" xmlns="">
+              <a14:hiddenFill xmlns="" xmlns:a14="http://schemas.microsoft.com/office/drawing/2010/main">
                 <a:solidFill>
                   <a:schemeClr val="accent1"/>
                 </a:solidFill>
               </a14:hiddenFill>
             </a:ext>
             <a:ext uri="{91240B29-F687-4f45-9708-019B960494DF}">
-              <a14:hiddenLine xmlns:a14="http://schemas.microsoft.com/office/drawing/2010/main" xmlns="" w="9525">
+              <a14:hiddenLine xmlns="" xmlns:a14="http://schemas.microsoft.com/office/drawing/2010/main" w="9525">
                 <a:solidFill>
                   <a:schemeClr val="tx1"/>
                 </a:solidFill>
@@ -971,7 +971,7 @@
               </a14:hiddenLine>
             </a:ext>
             <a:ext uri="{AF507438-7753-43e0-B8FC-AC1667EBCBE1}">
-              <a14:hiddenEffects xmlns:a14="http://schemas.microsoft.com/office/drawing/2010/main" xmlns="">
+              <a14:hiddenEffects xmlns="" xmlns:a14="http://schemas.microsoft.com/office/drawing/2010/main">
                 <a:effectLst>
                   <a:outerShdw dist="35921" dir="2700000" algn="ctr" rotWithShape="0">
                     <a:schemeClr val="bg2"/>
@@ -1590,7 +1590,7 @@
             <a:fld id="{058061DB-DF71-4765-99A4-14E22DF63CCF}" type="slidenum">
               <a:rPr lang="de-CH" smtClean="0"/>
               <a:pPr/>
-              <a:t>22</a:t>
+              <a:t>23</a:t>
             </a:fld>
             <a:endParaRPr lang="de-CH"/>
           </a:p>
@@ -1648,14 +1648,14 @@
           <a:ln/>
           <a:extLst>
             <a:ext uri="{909E8E84-426E-40dd-AFC4-6F175D3DCCD1}">
-              <a14:hiddenFill xmlns:a14="http://schemas.microsoft.com/office/drawing/2010/main" xmlns="">
+              <a14:hiddenFill xmlns="" xmlns:a14="http://schemas.microsoft.com/office/drawing/2010/main">
                 <a:solidFill>
                   <a:srgbClr val="FFFFFF"/>
                 </a:solidFill>
               </a14:hiddenFill>
             </a:ext>
             <a:ext uri="{91240B29-F687-4f45-9708-019B960494DF}">
-              <a14:hiddenLine xmlns:a14="http://schemas.microsoft.com/office/drawing/2010/main" xmlns="" w="9525">
+              <a14:hiddenLine xmlns="" xmlns:a14="http://schemas.microsoft.com/office/drawing/2010/main" w="9525">
                 <a:solidFill>
                   <a:srgbClr val="000000"/>
                 </a:solidFill>
@@ -2805,14 +2805,14 @@
           <a:effectLst/>
           <a:extLst>
             <a:ext uri="{909E8E84-426E-40dd-AFC4-6F175D3DCCD1}">
-              <a14:hiddenFill xmlns:a14="http://schemas.microsoft.com/office/drawing/2010/main" xmlns="">
+              <a14:hiddenFill xmlns="" xmlns:a14="http://schemas.microsoft.com/office/drawing/2010/main">
                 <a:solidFill>
                   <a:schemeClr val="accent1"/>
                 </a:solidFill>
               </a14:hiddenFill>
             </a:ext>
             <a:ext uri="{91240B29-F687-4f45-9708-019B960494DF}">
-              <a14:hiddenLine xmlns:a14="http://schemas.microsoft.com/office/drawing/2010/main" xmlns="" w="9525">
+              <a14:hiddenLine xmlns="" xmlns:a14="http://schemas.microsoft.com/office/drawing/2010/main" w="9525">
                 <a:solidFill>
                   <a:schemeClr val="tx1"/>
                 </a:solidFill>
@@ -2822,7 +2822,7 @@
               </a14:hiddenLine>
             </a:ext>
             <a:ext uri="{AF507438-7753-43e0-B8FC-AC1667EBCBE1}">
-              <a14:hiddenEffects xmlns:a14="http://schemas.microsoft.com/office/drawing/2010/main" xmlns="">
+              <a14:hiddenEffects xmlns="" xmlns:a14="http://schemas.microsoft.com/office/drawing/2010/main">
                 <a:effectLst>
                   <a:outerShdw dist="35921" dir="2700000" algn="ctr" rotWithShape="0">
                     <a:schemeClr val="bg2"/>
@@ -2873,14 +2873,14 @@
           <a:effectLst/>
           <a:extLst>
             <a:ext uri="{909E8E84-426E-40dd-AFC4-6F175D3DCCD1}">
-              <a14:hiddenFill xmlns:a14="http://schemas.microsoft.com/office/drawing/2010/main" xmlns="">
+              <a14:hiddenFill xmlns="" xmlns:a14="http://schemas.microsoft.com/office/drawing/2010/main">
                 <a:solidFill>
                   <a:schemeClr val="accent1"/>
                 </a:solidFill>
               </a14:hiddenFill>
             </a:ext>
             <a:ext uri="{91240B29-F687-4f45-9708-019B960494DF}">
-              <a14:hiddenLine xmlns:a14="http://schemas.microsoft.com/office/drawing/2010/main" xmlns="" w="9525">
+              <a14:hiddenLine xmlns="" xmlns:a14="http://schemas.microsoft.com/office/drawing/2010/main" w="9525">
                 <a:solidFill>
                   <a:schemeClr val="tx1"/>
                 </a:solidFill>
@@ -2890,7 +2890,7 @@
               </a14:hiddenLine>
             </a:ext>
             <a:ext uri="{AF507438-7753-43e0-B8FC-AC1667EBCBE1}">
-              <a14:hiddenEffects xmlns:a14="http://schemas.microsoft.com/office/drawing/2010/main" xmlns="">
+              <a14:hiddenEffects xmlns="" xmlns:a14="http://schemas.microsoft.com/office/drawing/2010/main">
                 <a:effectLst>
                   <a:outerShdw dist="35921" dir="2700000" algn="ctr" rotWithShape="0">
                     <a:schemeClr val="bg2"/>
@@ -2969,14 +2969,14 @@
           <a:effectLst/>
           <a:extLst>
             <a:ext uri="{909E8E84-426E-40dd-AFC4-6F175D3DCCD1}">
-              <a14:hiddenFill xmlns:a14="http://schemas.microsoft.com/office/drawing/2010/main" xmlns="">
+              <a14:hiddenFill xmlns="" xmlns:a14="http://schemas.microsoft.com/office/drawing/2010/main">
                 <a:solidFill>
                   <a:schemeClr val="accent1"/>
                 </a:solidFill>
               </a14:hiddenFill>
             </a:ext>
             <a:ext uri="{91240B29-F687-4f45-9708-019B960494DF}">
-              <a14:hiddenLine xmlns:a14="http://schemas.microsoft.com/office/drawing/2010/main" xmlns="" w="9525">
+              <a14:hiddenLine xmlns="" xmlns:a14="http://schemas.microsoft.com/office/drawing/2010/main" w="9525">
                 <a:solidFill>
                   <a:schemeClr val="tx1"/>
                 </a:solidFill>
@@ -2986,7 +2986,7 @@
               </a14:hiddenLine>
             </a:ext>
             <a:ext uri="{AF507438-7753-43e0-B8FC-AC1667EBCBE1}">
-              <a14:hiddenEffects xmlns:a14="http://schemas.microsoft.com/office/drawing/2010/main" xmlns="">
+              <a14:hiddenEffects xmlns="" xmlns:a14="http://schemas.microsoft.com/office/drawing/2010/main">
                 <a:effectLst>
                   <a:outerShdw dist="35921" dir="2700000" algn="ctr" rotWithShape="0">
                     <a:schemeClr val="bg2"/>
@@ -3049,14 +3049,14 @@
           <a:effectLst/>
           <a:extLst>
             <a:ext uri="{909E8E84-426E-40dd-AFC4-6F175D3DCCD1}">
-              <a14:hiddenFill xmlns:a14="http://schemas.microsoft.com/office/drawing/2010/main" xmlns="">
+              <a14:hiddenFill xmlns="" xmlns:a14="http://schemas.microsoft.com/office/drawing/2010/main">
                 <a:solidFill>
                   <a:schemeClr val="accent1"/>
                 </a:solidFill>
               </a14:hiddenFill>
             </a:ext>
             <a:ext uri="{91240B29-F687-4f45-9708-019B960494DF}">
-              <a14:hiddenLine xmlns:a14="http://schemas.microsoft.com/office/drawing/2010/main" xmlns="" w="9525">
+              <a14:hiddenLine xmlns="" xmlns:a14="http://schemas.microsoft.com/office/drawing/2010/main" w="9525">
                 <a:solidFill>
                   <a:schemeClr val="tx1"/>
                 </a:solidFill>
@@ -3066,7 +3066,7 @@
               </a14:hiddenLine>
             </a:ext>
             <a:ext uri="{AF507438-7753-43e0-B8FC-AC1667EBCBE1}">
-              <a14:hiddenEffects xmlns:a14="http://schemas.microsoft.com/office/drawing/2010/main" xmlns="">
+              <a14:hiddenEffects xmlns="" xmlns:a14="http://schemas.microsoft.com/office/drawing/2010/main">
                 <a:effectLst>
                   <a:outerShdw dist="35921" dir="2700000" algn="ctr" rotWithShape="0">
                     <a:schemeClr val="bg2"/>
@@ -3129,14 +3129,14 @@
           <a:effectLst/>
           <a:extLst>
             <a:ext uri="{909E8E84-426E-40dd-AFC4-6F175D3DCCD1}">
-              <a14:hiddenFill xmlns:a14="http://schemas.microsoft.com/office/drawing/2010/main" xmlns="">
+              <a14:hiddenFill xmlns="" xmlns:a14="http://schemas.microsoft.com/office/drawing/2010/main">
                 <a:solidFill>
                   <a:schemeClr val="accent1"/>
                 </a:solidFill>
               </a14:hiddenFill>
             </a:ext>
             <a:ext uri="{91240B29-F687-4f45-9708-019B960494DF}">
-              <a14:hiddenLine xmlns:a14="http://schemas.microsoft.com/office/drawing/2010/main" xmlns="" w="9525">
+              <a14:hiddenLine xmlns="" xmlns:a14="http://schemas.microsoft.com/office/drawing/2010/main" w="9525">
                 <a:solidFill>
                   <a:schemeClr val="tx1"/>
                 </a:solidFill>
@@ -3146,7 +3146,7 @@
               </a14:hiddenLine>
             </a:ext>
             <a:ext uri="{AF507438-7753-43e0-B8FC-AC1667EBCBE1}">
-              <a14:hiddenEffects xmlns:a14="http://schemas.microsoft.com/office/drawing/2010/main" xmlns="">
+              <a14:hiddenEffects xmlns="" xmlns:a14="http://schemas.microsoft.com/office/drawing/2010/main">
                 <a:effectLst>
                   <a:outerShdw dist="35921" dir="2700000" algn="ctr" rotWithShape="0">
                     <a:schemeClr val="bg2"/>
@@ -3213,12 +3213,12 @@
           <a:effectLst/>
           <a:extLst>
             <a:ext uri="{909E8E84-426E-40dd-AFC4-6F175D3DCCD1}">
-              <a14:hiddenFill xmlns:a14="http://schemas.microsoft.com/office/drawing/2010/main" xmlns="">
+              <a14:hiddenFill xmlns="" xmlns:a14="http://schemas.microsoft.com/office/drawing/2010/main">
                 <a:noFill/>
               </a14:hiddenFill>
             </a:ext>
             <a:ext uri="{AF507438-7753-43e0-B8FC-AC1667EBCBE1}">
-              <a14:hiddenEffects xmlns:a14="http://schemas.microsoft.com/office/drawing/2010/main" xmlns="">
+              <a14:hiddenEffects xmlns="" xmlns:a14="http://schemas.microsoft.com/office/drawing/2010/main">
                 <a:effectLst>
                   <a:outerShdw dist="35921" dir="2700000" algn="ctr" rotWithShape="0">
                     <a:schemeClr val="bg2"/>
@@ -3801,8 +3801,8 @@
         </p:blipFill>
         <p:spPr>
           <a:xfrm>
-            <a:off x="729011" y="2556495"/>
-            <a:ext cx="8946805" cy="4473403"/>
+            <a:off x="736600" y="2700511"/>
+            <a:ext cx="8721604" cy="4360802"/>
           </a:xfrm>
           <a:prstGeom prst="rect">
             <a:avLst/>
@@ -6346,7 +6346,7 @@
                   <a:srgbClr val="000000"/>
                 </a:solidFill>
               </a:rPr>
-              <a:t>14.08.2018</a:t>
+              <a:t>15.08.2018</a:t>
             </a:fld>
             <a:endParaRPr lang="de-CH">
               <a:solidFill>
@@ -6436,7 +6436,7 @@
           <a:p>
             <a:r>
               <a:rPr lang="en-GB" dirty="0" smtClean="0"/>
-              <a:t>Compressed Sensing</a:t>
+              <a:t>Compressed Sensing Reconstruction</a:t>
             </a:r>
             <a:endParaRPr lang="en-GB" dirty="0"/>
           </a:p>
@@ -6457,118 +6457,73 @@
           <a:bodyPr/>
           <a:lstStyle/>
           <a:p>
-            <a:pPr marL="342900" indent="-342900">
-              <a:buFont typeface="Arial" panose="020B0604020202020204" pitchFamily="34" charset="0"/>
-              <a:buChar char="•"/>
-            </a:pPr>
-            <a:r>
-              <a:rPr lang="en-GB" dirty="0" smtClean="0"/>
-              <a:t>A Regularization</a:t>
-            </a:r>
-          </a:p>
-          <a:p>
-            <a:pPr marL="695325" lvl="1" indent="-342900">
-              <a:buFont typeface="Arial" panose="020B0604020202020204" pitchFamily="34" charset="0"/>
-              <a:buChar char="•"/>
-            </a:pPr>
-            <a:r>
-              <a:rPr lang="en-GB" dirty="0" smtClean="0"/>
-              <a:t>L1</a:t>
-            </a:r>
-          </a:p>
-          <a:p>
-            <a:pPr marL="695325" lvl="1" indent="-342900">
-              <a:buFont typeface="Arial" panose="020B0604020202020204" pitchFamily="34" charset="0"/>
-              <a:buChar char="•"/>
-            </a:pPr>
-            <a:r>
-              <a:rPr lang="en-GB" dirty="0" smtClean="0"/>
-              <a:t>L2</a:t>
-            </a:r>
-          </a:p>
-          <a:p>
-            <a:pPr marL="695325" lvl="1" indent="-342900">
-              <a:buFont typeface="Arial" panose="020B0604020202020204" pitchFamily="34" charset="0"/>
-              <a:buChar char="•"/>
-            </a:pPr>
-            <a:r>
-              <a:rPr lang="en-GB" dirty="0" smtClean="0"/>
-              <a:t>TV</a:t>
-            </a:r>
-          </a:p>
-          <a:p>
-            <a:pPr marL="695325" lvl="1" indent="-342900">
-              <a:buFont typeface="Arial" panose="020B0604020202020204" pitchFamily="34" charset="0"/>
-              <a:buChar char="•"/>
-            </a:pPr>
-            <a:r>
-              <a:rPr lang="en-GB" dirty="0" err="1" smtClean="0"/>
-              <a:t>Haar</a:t>
-            </a:r>
-            <a:r>
-              <a:rPr lang="en-GB" dirty="0" smtClean="0"/>
-              <a:t> Wavelets</a:t>
-            </a:r>
-          </a:p>
-          <a:p>
-            <a:pPr marL="695325" lvl="1" indent="-342900">
-              <a:buFont typeface="Arial" panose="020B0604020202020204" pitchFamily="34" charset="0"/>
-              <a:buChar char="•"/>
-            </a:pPr>
-            <a:r>
-              <a:rPr lang="en-GB" dirty="0" smtClean="0"/>
-              <a:t>Starlets</a:t>
-            </a:r>
-          </a:p>
-          <a:p>
-            <a:pPr marL="695325" lvl="1" indent="-342900">
-              <a:buFont typeface="Arial" panose="020B0604020202020204" pitchFamily="34" charset="0"/>
-              <a:buChar char="•"/>
-            </a:pPr>
-            <a:r>
-              <a:rPr lang="en-GB" dirty="0" smtClean="0"/>
-              <a:t>…</a:t>
-            </a:r>
-          </a:p>
-          <a:p>
-            <a:pPr marL="342900" indent="-342900">
-              <a:buFont typeface="Arial" panose="020B0604020202020204" pitchFamily="34" charset="0"/>
-              <a:buChar char="•"/>
-            </a:pPr>
-            <a:r>
-              <a:rPr lang="en-GB" dirty="0" smtClean="0"/>
-              <a:t>Objective with Data + Regularization term </a:t>
-            </a:r>
-          </a:p>
-          <a:p>
-            <a:pPr marL="342900" indent="-342900">
-              <a:buFont typeface="Arial" panose="020B0604020202020204" pitchFamily="34" charset="0"/>
-              <a:buChar char="•"/>
-            </a:pPr>
-            <a:r>
-              <a:rPr lang="en-GB" dirty="0" smtClean="0"/>
-              <a:t>Optimizer </a:t>
-            </a:r>
-            <a:r>
-              <a:rPr lang="en-GB" dirty="0" smtClean="0">
-                <a:sym typeface="Wingdings" panose="05000000000000000000" pitchFamily="2" charset="2"/>
-              </a:rPr>
-              <a:t> </a:t>
-            </a:r>
-            <a:r>
-              <a:rPr lang="en-GB" dirty="0" err="1" smtClean="0">
-                <a:sym typeface="Wingdings" panose="05000000000000000000" pitchFamily="2" charset="2"/>
-              </a:rPr>
-              <a:t>Gurobi</a:t>
-            </a:r>
             <a:endParaRPr lang="en-GB" dirty="0"/>
           </a:p>
         </p:txBody>
       </p:sp>
+      <p:pic>
+        <p:nvPicPr>
+          <p:cNvPr id="7" name="Grafik 6"/>
+          <p:cNvPicPr>
+            <a:picLocks noChangeAspect="1"/>
+          </p:cNvPicPr>
+          <p:nvPr/>
+        </p:nvPicPr>
+        <p:blipFill rotWithShape="1">
+          <a:blip r:embed="rId2">
+            <a:extLst>
+              <a:ext uri="{28A0092B-C50C-407E-A947-70E740481C1C}">
+                <a14:useLocalDpi xmlns:a14="http://schemas.microsoft.com/office/drawing/2010/main" val="0"/>
+              </a:ext>
+            </a:extLst>
+          </a:blip>
+          <a:srcRect l="32789" t="29175" r="29362" b="31201"/>
+          <a:stretch/>
+        </p:blipFill>
+        <p:spPr>
+          <a:xfrm>
+            <a:off x="3546500" y="3329223"/>
+            <a:ext cx="3715417" cy="3657364"/>
+          </a:xfrm>
+          <a:prstGeom prst="rect">
+            <a:avLst/>
+          </a:prstGeom>
+        </p:spPr>
+      </p:pic>
+      <p:pic>
+        <p:nvPicPr>
+          <p:cNvPr id="9" name="Grafik 8"/>
+          <p:cNvPicPr>
+            <a:picLocks noChangeAspect="1"/>
+          </p:cNvPicPr>
+          <p:nvPr/>
+        </p:nvPicPr>
+        <p:blipFill>
+          <a:blip r:embed="rId3">
+            <a:extLst>
+              <a:ext uri="{28A0092B-C50C-407E-A947-70E740481C1C}">
+                <a14:useLocalDpi xmlns:a14="http://schemas.microsoft.com/office/drawing/2010/main" val="0"/>
+              </a:ext>
+            </a:extLst>
+          </a:blip>
+          <a:stretch>
+            <a:fillRect/>
+          </a:stretch>
+        </p:blipFill>
+        <p:spPr>
+          <a:xfrm>
+            <a:off x="425808" y="2246099"/>
+            <a:ext cx="9956800" cy="895298"/>
+          </a:xfrm>
+          <a:prstGeom prst="rect">
+            <a:avLst/>
+          </a:prstGeom>
+        </p:spPr>
+      </p:pic>
     </p:spTree>
     <p:extLst>
       <p:ext uri="{BB962C8B-B14F-4D97-AF65-F5344CB8AC3E}">
-        <p14:creationId xmlns:p14="http://schemas.microsoft.com/office/powerpoint/2010/main" val="1836520335"/>
+        <p14:creationId xmlns:p14="http://schemas.microsoft.com/office/powerpoint/2010/main" val="1425262442"/>
       </p:ext>
     </p:extLst>
   </p:cSld>
@@ -6809,6 +6764,13 @@
   <p:clrMapOvr>
     <a:masterClrMapping/>
   </p:clrMapOvr>
+  <p:timing>
+    <p:tnLst>
+      <p:par>
+        <p:cTn id="1" dur="indefinite" restart="never" nodeType="tmRoot"/>
+      </p:par>
+    </p:tnLst>
+  </p:timing>
 </p:sld>
 </file>
 
@@ -6881,21 +6843,8 @@
                   <a:srgbClr val="000000"/>
                 </a:solidFill>
               </a:rPr>
-              <a:t>Institut </a:t>
-            </a:r>
-            <a:r>
-              <a:rPr lang="de-CH" dirty="0" smtClean="0">
-                <a:solidFill>
-                  <a:srgbClr val="000000"/>
-                </a:solidFill>
-              </a:rPr>
-              <a:t>i4ds</a:t>
-            </a:r>
-            <a:endParaRPr lang="de-CH" dirty="0">
-              <a:solidFill>
-                <a:srgbClr val="000000"/>
-              </a:solidFill>
-            </a:endParaRPr>
+              <a:t>Institut i4ds</a:t>
+            </a:r>
           </a:p>
         </p:txBody>
       </p:sp>
@@ -6946,10 +6895,6 @@
           <a:bodyPr/>
           <a:lstStyle/>
           <a:p>
-            <a:r>
-              <a:rPr lang="en-GB" dirty="0" smtClean="0"/>
-              <a:t>Regularizations</a:t>
-            </a:r>
             <a:endParaRPr lang="en-GB" dirty="0"/>
           </a:p>
         </p:txBody>
@@ -6969,96 +6914,44 @@
           <a:bodyPr/>
           <a:lstStyle/>
           <a:p>
-            <a:pPr marL="342900" indent="-342900">
-              <a:buFont typeface="Arial" panose="020B0604020202020204" pitchFamily="34" charset="0"/>
-              <a:buChar char="•"/>
-            </a:pPr>
-            <a:r>
-              <a:rPr lang="en-GB" dirty="0" smtClean="0"/>
-              <a:t>L0</a:t>
-            </a:r>
-          </a:p>
-          <a:p>
-            <a:pPr marL="342900" indent="-342900">
-              <a:buFont typeface="Arial" panose="020B0604020202020204" pitchFamily="34" charset="0"/>
-              <a:buChar char="•"/>
-            </a:pPr>
-            <a:r>
-              <a:rPr lang="en-GB" dirty="0" smtClean="0"/>
-              <a:t>L1</a:t>
-            </a:r>
-          </a:p>
-          <a:p>
-            <a:pPr marL="342900" indent="-342900">
-              <a:buFont typeface="Arial" panose="020B0604020202020204" pitchFamily="34" charset="0"/>
-              <a:buChar char="•"/>
-            </a:pPr>
-            <a:r>
-              <a:rPr lang="en-GB" dirty="0" smtClean="0"/>
-              <a:t>L2</a:t>
-            </a:r>
-          </a:p>
-          <a:p>
-            <a:pPr marL="342900" indent="-342900">
-              <a:buFont typeface="Arial" panose="020B0604020202020204" pitchFamily="34" charset="0"/>
-              <a:buChar char="•"/>
-            </a:pPr>
-            <a:r>
-              <a:rPr lang="en-GB" dirty="0" smtClean="0"/>
-              <a:t>Total Variation</a:t>
-            </a:r>
-          </a:p>
-          <a:p>
-            <a:pPr marL="342900" indent="-342900">
-              <a:buFont typeface="Arial" panose="020B0604020202020204" pitchFamily="34" charset="0"/>
-              <a:buChar char="•"/>
-            </a:pPr>
-            <a:r>
-              <a:rPr lang="en-GB" dirty="0" smtClean="0"/>
-              <a:t>L1 + L2</a:t>
-            </a:r>
-          </a:p>
-          <a:p>
-            <a:pPr marL="342900" indent="-342900">
-              <a:buFont typeface="Arial" panose="020B0604020202020204" pitchFamily="34" charset="0"/>
-              <a:buChar char="•"/>
-            </a:pPr>
-            <a:r>
-              <a:rPr lang="en-GB" dirty="0" err="1" smtClean="0"/>
-              <a:t>Haar</a:t>
-            </a:r>
-            <a:r>
-              <a:rPr lang="en-GB" dirty="0" smtClean="0"/>
-              <a:t> Wavelets</a:t>
-            </a:r>
-          </a:p>
-          <a:p>
-            <a:pPr marL="342900" indent="-342900">
-              <a:buFont typeface="Arial" panose="020B0604020202020204" pitchFamily="34" charset="0"/>
-              <a:buChar char="•"/>
-            </a:pPr>
-            <a:r>
-              <a:rPr lang="en-GB" dirty="0" smtClean="0"/>
-              <a:t>Starlets</a:t>
-            </a:r>
-          </a:p>
-          <a:p>
-            <a:pPr marL="342900" indent="-342900">
-              <a:buFont typeface="Arial" panose="020B0604020202020204" pitchFamily="34" charset="0"/>
-              <a:buChar char="•"/>
-            </a:pPr>
-            <a:r>
-              <a:rPr lang="en-GB" dirty="0" smtClean="0"/>
-              <a:t>…</a:t>
-            </a:r>
-            <a:endParaRPr lang="en-GB" dirty="0"/>
-          </a:p>
-        </p:txBody>
-      </p:sp>
+            <a:endParaRPr lang="en-GB"/>
+          </a:p>
+        </p:txBody>
+      </p:sp>
+      <p:pic>
+        <p:nvPicPr>
+          <p:cNvPr id="7" name="Grafik 6"/>
+          <p:cNvPicPr>
+            <a:picLocks noChangeAspect="1"/>
+          </p:cNvPicPr>
+          <p:nvPr/>
+        </p:nvPicPr>
+        <p:blipFill>
+          <a:blip r:embed="rId2">
+            <a:extLst>
+              <a:ext uri="{28A0092B-C50C-407E-A947-70E740481C1C}">
+                <a14:useLocalDpi xmlns:a14="http://schemas.microsoft.com/office/drawing/2010/main" val="0"/>
+              </a:ext>
+            </a:extLst>
+          </a:blip>
+          <a:stretch>
+            <a:fillRect/>
+          </a:stretch>
+        </p:blipFill>
+        <p:spPr>
+          <a:xfrm>
+            <a:off x="3061472" y="215572"/>
+            <a:ext cx="4564105" cy="6713865"/>
+          </a:xfrm>
+          <a:prstGeom prst="rect">
+            <a:avLst/>
+          </a:prstGeom>
+        </p:spPr>
+      </p:pic>
     </p:spTree>
     <p:extLst>
       <p:ext uri="{BB962C8B-B14F-4D97-AF65-F5344CB8AC3E}">
-        <p14:creationId xmlns:p14="http://schemas.microsoft.com/office/powerpoint/2010/main" val="769980622"/>
+        <p14:creationId xmlns:p14="http://schemas.microsoft.com/office/powerpoint/2010/main" val="3820216707"/>
       </p:ext>
     </p:extLst>
   </p:cSld>
@@ -7139,22 +7032,14 @@
           <a:lstStyle/>
           <a:p>
             <a:r>
-              <a:rPr lang="de-CH" dirty="0">
+              <a:rPr lang="de-CH" smtClean="0">
                 <a:solidFill>
                   <a:srgbClr val="000000"/>
                 </a:solidFill>
               </a:rPr>
-              <a:t>Institut </a:t>
-            </a:r>
-            <a:r>
-              <a:rPr lang="de-CH" dirty="0" smtClean="0">
-                <a:solidFill>
-                  <a:srgbClr val="000000"/>
-                </a:solidFill>
-              </a:rPr>
-              <a:t>i4ds</a:t>
-            </a:r>
-            <a:endParaRPr lang="de-CH" dirty="0">
+              <a:t>Institut</a:t>
+            </a:r>
+            <a:endParaRPr lang="de-CH">
               <a:solidFill>
                 <a:srgbClr val="000000"/>
               </a:solidFill>
@@ -7211,7 +7096,7 @@
           <a:p>
             <a:r>
               <a:rPr lang="en-GB" dirty="0" smtClean="0"/>
-              <a:t>Regularizations</a:t>
+              <a:t>Comparison</a:t>
             </a:r>
             <a:endParaRPr lang="en-GB" dirty="0"/>
           </a:p>
@@ -7232,13 +7117,9 @@
           <a:bodyPr/>
           <a:lstStyle/>
           <a:p>
-            <a:pPr marL="342900" indent="-342900">
-              <a:buFont typeface="Arial" panose="020B0604020202020204" pitchFamily="34" charset="0"/>
-              <a:buChar char="•"/>
-            </a:pPr>
             <a:r>
               <a:rPr lang="en-GB" dirty="0" smtClean="0"/>
-              <a:t>Non negativity</a:t>
+              <a:t>Image Resolution</a:t>
             </a:r>
             <a:endParaRPr lang="en-GB" dirty="0"/>
           </a:p>
@@ -7247,7 +7128,7 @@
     </p:spTree>
     <p:extLst>
       <p:ext uri="{BB962C8B-B14F-4D97-AF65-F5344CB8AC3E}">
-        <p14:creationId xmlns:p14="http://schemas.microsoft.com/office/powerpoint/2010/main" val="3965068248"/>
+        <p14:creationId xmlns:p14="http://schemas.microsoft.com/office/powerpoint/2010/main" val="20341684"/>
       </p:ext>
     </p:extLst>
   </p:cSld>
@@ -7328,13 +7209,18 @@
           <a:lstStyle/>
           <a:p>
             <a:r>
-              <a:rPr lang="de-CH" dirty="0">
+              <a:rPr lang="de-CH" smtClean="0">
                 <a:solidFill>
                   <a:srgbClr val="000000"/>
                 </a:solidFill>
               </a:rPr>
-              <a:t>Institut i4ds</a:t>
-            </a:r>
+              <a:t>Institut</a:t>
+            </a:r>
+            <a:endParaRPr lang="de-CH">
+              <a:solidFill>
+                <a:srgbClr val="000000"/>
+              </a:solidFill>
+            </a:endParaRPr>
           </a:p>
         </p:txBody>
       </p:sp>
@@ -7361,6 +7247,278 @@
               </a:rPr>
               <a:pPr/>
               <a:t>22</a:t>
+            </a:fld>
+            <a:endParaRPr lang="de-CH">
+              <a:solidFill>
+                <a:srgbClr val="000000"/>
+              </a:solidFill>
+            </a:endParaRPr>
+          </a:p>
+        </p:txBody>
+      </p:sp>
+      <p:sp>
+        <p:nvSpPr>
+          <p:cNvPr id="5" name="Titel 4"/>
+          <p:cNvSpPr>
+            <a:spLocks noGrp="1"/>
+          </p:cNvSpPr>
+          <p:nvPr>
+            <p:ph type="title"/>
+          </p:nvPr>
+        </p:nvSpPr>
+        <p:spPr/>
+        <p:txBody>
+          <a:bodyPr/>
+          <a:lstStyle/>
+          <a:p>
+            <a:r>
+              <a:rPr lang="en-GB" dirty="0" smtClean="0"/>
+              <a:t>Compressed Sensing</a:t>
+            </a:r>
+            <a:endParaRPr lang="en-GB" dirty="0"/>
+          </a:p>
+        </p:txBody>
+      </p:sp>
+      <p:sp>
+        <p:nvSpPr>
+          <p:cNvPr id="6" name="Textplatzhalter 5"/>
+          <p:cNvSpPr>
+            <a:spLocks noGrp="1"/>
+          </p:cNvSpPr>
+          <p:nvPr>
+            <p:ph type="body" idx="1"/>
+          </p:nvPr>
+        </p:nvSpPr>
+        <p:spPr/>
+        <p:txBody>
+          <a:bodyPr/>
+          <a:lstStyle/>
+          <a:p>
+            <a:pPr marL="342900" indent="-342900">
+              <a:buFont typeface="Arial" panose="020B0604020202020204" pitchFamily="34" charset="0"/>
+              <a:buChar char="•"/>
+            </a:pPr>
+            <a:r>
+              <a:rPr lang="en-GB" dirty="0" smtClean="0"/>
+              <a:t>A Regularization</a:t>
+            </a:r>
+          </a:p>
+          <a:p>
+            <a:pPr marL="695325" lvl="1" indent="-342900">
+              <a:buFont typeface="Arial" panose="020B0604020202020204" pitchFamily="34" charset="0"/>
+              <a:buChar char="•"/>
+            </a:pPr>
+            <a:r>
+              <a:rPr lang="en-GB" dirty="0" smtClean="0"/>
+              <a:t>L1</a:t>
+            </a:r>
+          </a:p>
+          <a:p>
+            <a:pPr marL="695325" lvl="1" indent="-342900">
+              <a:buFont typeface="Arial" panose="020B0604020202020204" pitchFamily="34" charset="0"/>
+              <a:buChar char="•"/>
+            </a:pPr>
+            <a:r>
+              <a:rPr lang="en-GB" dirty="0" smtClean="0"/>
+              <a:t>L2</a:t>
+            </a:r>
+          </a:p>
+          <a:p>
+            <a:pPr marL="695325" lvl="1" indent="-342900">
+              <a:buFont typeface="Arial" panose="020B0604020202020204" pitchFamily="34" charset="0"/>
+              <a:buChar char="•"/>
+            </a:pPr>
+            <a:r>
+              <a:rPr lang="en-GB" dirty="0" smtClean="0"/>
+              <a:t>TV</a:t>
+            </a:r>
+          </a:p>
+          <a:p>
+            <a:pPr marL="695325" lvl="1" indent="-342900">
+              <a:buFont typeface="Arial" panose="020B0604020202020204" pitchFamily="34" charset="0"/>
+              <a:buChar char="•"/>
+            </a:pPr>
+            <a:r>
+              <a:rPr lang="en-GB" dirty="0" err="1" smtClean="0"/>
+              <a:t>Haar</a:t>
+            </a:r>
+            <a:r>
+              <a:rPr lang="en-GB" dirty="0" smtClean="0"/>
+              <a:t> Wavelets</a:t>
+            </a:r>
+          </a:p>
+          <a:p>
+            <a:pPr marL="695325" lvl="1" indent="-342900">
+              <a:buFont typeface="Arial" panose="020B0604020202020204" pitchFamily="34" charset="0"/>
+              <a:buChar char="•"/>
+            </a:pPr>
+            <a:r>
+              <a:rPr lang="en-GB" dirty="0" smtClean="0"/>
+              <a:t>Starlets</a:t>
+            </a:r>
+          </a:p>
+          <a:p>
+            <a:pPr marL="695325" lvl="1" indent="-342900">
+              <a:buFont typeface="Arial" panose="020B0604020202020204" pitchFamily="34" charset="0"/>
+              <a:buChar char="•"/>
+            </a:pPr>
+            <a:r>
+              <a:rPr lang="en-GB" dirty="0" smtClean="0"/>
+              <a:t>…</a:t>
+            </a:r>
+          </a:p>
+          <a:p>
+            <a:pPr marL="342900" indent="-342900">
+              <a:buFont typeface="Arial" panose="020B0604020202020204" pitchFamily="34" charset="0"/>
+              <a:buChar char="•"/>
+            </a:pPr>
+            <a:r>
+              <a:rPr lang="en-GB" dirty="0" smtClean="0"/>
+              <a:t>Objective with Data + Regularization term </a:t>
+            </a:r>
+          </a:p>
+          <a:p>
+            <a:pPr marL="342900" indent="-342900">
+              <a:buFont typeface="Arial" panose="020B0604020202020204" pitchFamily="34" charset="0"/>
+              <a:buChar char="•"/>
+            </a:pPr>
+            <a:r>
+              <a:rPr lang="en-GB" dirty="0" smtClean="0"/>
+              <a:t>Optimizer </a:t>
+            </a:r>
+            <a:r>
+              <a:rPr lang="en-GB" dirty="0" smtClean="0">
+                <a:sym typeface="Wingdings" panose="05000000000000000000" pitchFamily="2" charset="2"/>
+              </a:rPr>
+              <a:t> </a:t>
+            </a:r>
+            <a:r>
+              <a:rPr lang="en-GB" dirty="0" err="1" smtClean="0">
+                <a:sym typeface="Wingdings" panose="05000000000000000000" pitchFamily="2" charset="2"/>
+              </a:rPr>
+              <a:t>Gurobi</a:t>
+            </a:r>
+            <a:endParaRPr lang="en-GB" dirty="0"/>
+          </a:p>
+        </p:txBody>
+      </p:sp>
+    </p:spTree>
+    <p:extLst>
+      <p:ext uri="{BB962C8B-B14F-4D97-AF65-F5344CB8AC3E}">
+        <p14:creationId xmlns:p14="http://schemas.microsoft.com/office/powerpoint/2010/main" val="1836520335"/>
+      </p:ext>
+    </p:extLst>
+  </p:cSld>
+  <p:clrMapOvr>
+    <a:masterClrMapping/>
+  </p:clrMapOvr>
+  <p:timing>
+    <p:tnLst>
+      <p:par>
+        <p:cTn id="1" dur="indefinite" restart="never" nodeType="tmRoot"/>
+      </p:par>
+    </p:tnLst>
+  </p:timing>
+</p:sld>
+</file>
+
+<file path=ppt/slides/slide23.xml><?xml version="1.0" encoding="utf-8"?>
+<p:sld xmlns:a="http://schemas.openxmlformats.org/drawingml/2006/main" xmlns:r="http://schemas.openxmlformats.org/officeDocument/2006/relationships" xmlns:p="http://schemas.openxmlformats.org/presentationml/2006/main">
+  <p:cSld>
+    <p:spTree>
+      <p:nvGrpSpPr>
+        <p:cNvPr id="1" name=""/>
+        <p:cNvGrpSpPr/>
+        <p:nvPr/>
+      </p:nvGrpSpPr>
+      <p:grpSpPr>
+        <a:xfrm>
+          <a:off x="0" y="0"/>
+          <a:ext cx="0" cy="0"/>
+          <a:chOff x="0" y="0"/>
+          <a:chExt cx="0" cy="0"/>
+        </a:xfrm>
+      </p:grpSpPr>
+      <p:sp>
+        <p:nvSpPr>
+          <p:cNvPr id="2" name="Datumsplatzhalter 1"/>
+          <p:cNvSpPr>
+            <a:spLocks noGrp="1"/>
+          </p:cNvSpPr>
+          <p:nvPr>
+            <p:ph type="dt" sz="half" idx="10"/>
+          </p:nvPr>
+        </p:nvSpPr>
+        <p:spPr/>
+        <p:txBody>
+          <a:bodyPr/>
+          <a:lstStyle/>
+          <a:p>
+            <a:fld id="{5E48492E-72D1-4785-9351-8AE1E40FBA2D}" type="datetime1">
+              <a:rPr lang="de-CH" smtClean="0">
+                <a:solidFill>
+                  <a:srgbClr val="000000"/>
+                </a:solidFill>
+              </a:rPr>
+              <a:t>14.08.2018</a:t>
+            </a:fld>
+            <a:endParaRPr lang="de-CH">
+              <a:solidFill>
+                <a:srgbClr val="000000"/>
+              </a:solidFill>
+            </a:endParaRPr>
+          </a:p>
+        </p:txBody>
+      </p:sp>
+      <p:sp>
+        <p:nvSpPr>
+          <p:cNvPr id="3" name="Fußzeilenplatzhalter 2"/>
+          <p:cNvSpPr>
+            <a:spLocks noGrp="1"/>
+          </p:cNvSpPr>
+          <p:nvPr>
+            <p:ph type="ftr" sz="quarter" idx="11"/>
+          </p:nvPr>
+        </p:nvSpPr>
+        <p:spPr/>
+        <p:txBody>
+          <a:bodyPr/>
+          <a:lstStyle/>
+          <a:p>
+            <a:r>
+              <a:rPr lang="de-CH" dirty="0">
+                <a:solidFill>
+                  <a:srgbClr val="000000"/>
+                </a:solidFill>
+              </a:rPr>
+              <a:t>Institut i4ds</a:t>
+            </a:r>
+          </a:p>
+        </p:txBody>
+      </p:sp>
+      <p:sp>
+        <p:nvSpPr>
+          <p:cNvPr id="4" name="Foliennummernplatzhalter 3"/>
+          <p:cNvSpPr>
+            <a:spLocks noGrp="1"/>
+          </p:cNvSpPr>
+          <p:nvPr>
+            <p:ph type="sldNum" sz="quarter" idx="12"/>
+          </p:nvPr>
+        </p:nvSpPr>
+        <p:spPr/>
+        <p:txBody>
+          <a:bodyPr/>
+          <a:lstStyle/>
+          <a:p>
+            <a:fld id="{351188DD-6605-4EF4-9E67-B567F731CE68}" type="slidenum">
+              <a:rPr lang="de-CH" smtClean="0">
+                <a:solidFill>
+                  <a:srgbClr val="000000"/>
+                </a:solidFill>
+              </a:rPr>
+              <a:pPr/>
+              <a:t>23</a:t>
             </a:fld>
             <a:endParaRPr lang="de-CH">
               <a:solidFill>
@@ -7498,14 +7656,14 @@
           <a:effectLst/>
           <a:extLst>
             <a:ext uri="{909E8E84-426E-40dd-AFC4-6F175D3DCCD1}">
-              <a14:hiddenFill xmlns:a14="http://schemas.microsoft.com/office/drawing/2010/main" xmlns="">
+              <a14:hiddenFill xmlns="" xmlns:a14="http://schemas.microsoft.com/office/drawing/2010/main">
                 <a:solidFill>
                   <a:schemeClr val="accent1"/>
                 </a:solidFill>
               </a14:hiddenFill>
             </a:ext>
             <a:ext uri="{91240B29-F687-4f45-9708-019B960494DF}">
-              <a14:hiddenLine xmlns:a14="http://schemas.microsoft.com/office/drawing/2010/main" xmlns="" w="9525">
+              <a14:hiddenLine xmlns="" xmlns:a14="http://schemas.microsoft.com/office/drawing/2010/main" w="9525">
                 <a:solidFill>
                   <a:schemeClr val="tx1"/>
                 </a:solidFill>
@@ -7515,7 +7673,7 @@
               </a14:hiddenLine>
             </a:ext>
             <a:ext uri="{AF507438-7753-43e0-B8FC-AC1667EBCBE1}">
-              <a14:hiddenEffects xmlns:a14="http://schemas.microsoft.com/office/drawing/2010/main" xmlns="">
+              <a14:hiddenEffects xmlns="" xmlns:a14="http://schemas.microsoft.com/office/drawing/2010/main">
                 <a:effectLst>
                   <a:outerShdw dist="35921" dir="2700000" algn="ctr" rotWithShape="0">
                     <a:schemeClr val="bg2"/>
@@ -7698,7 +7856,7 @@
 </p:sld>
 </file>
 
-<file path=ppt/slides/slide23.xml><?xml version="1.0" encoding="utf-8"?>
+<file path=ppt/slides/slide24.xml><?xml version="1.0" encoding="utf-8"?>
 <p:sld xmlns:a="http://schemas.openxmlformats.org/drawingml/2006/main" xmlns:r="http://schemas.openxmlformats.org/officeDocument/2006/relationships" xmlns:p="http://schemas.openxmlformats.org/presentationml/2006/main">
   <p:cSld>
     <p:spTree>
@@ -7865,7 +8023,7 @@
                 </a:solidFill>
               </a:rPr>
               <a:pPr/>
-              <a:t>23</a:t>
+              <a:t>24</a:t>
             </a:fld>
             <a:endParaRPr lang="de-CH">
               <a:solidFill>
@@ -7926,14 +8084,14 @@
           <a:effectLst/>
           <a:extLst>
             <a:ext uri="{909E8E84-426E-40dd-AFC4-6F175D3DCCD1}">
-              <a14:hiddenFill xmlns:a14="http://schemas.microsoft.com/office/drawing/2010/main" xmlns="">
+              <a14:hiddenFill xmlns="" xmlns:a14="http://schemas.microsoft.com/office/drawing/2010/main">
                 <a:solidFill>
                   <a:schemeClr val="accent1"/>
                 </a:solidFill>
               </a14:hiddenFill>
             </a:ext>
             <a:ext uri="{91240B29-F687-4f45-9708-019B960494DF}">
-              <a14:hiddenLine xmlns:a14="http://schemas.microsoft.com/office/drawing/2010/main" xmlns="" w="9525">
+              <a14:hiddenLine xmlns="" xmlns:a14="http://schemas.microsoft.com/office/drawing/2010/main" w="9525">
                 <a:solidFill>
                   <a:schemeClr val="tx1"/>
                 </a:solidFill>
@@ -7943,7 +8101,7 @@
               </a14:hiddenLine>
             </a:ext>
             <a:ext uri="{AF507438-7753-43e0-B8FC-AC1667EBCBE1}">
-              <a14:hiddenEffects xmlns:a14="http://schemas.microsoft.com/office/drawing/2010/main" xmlns="">
+              <a14:hiddenEffects xmlns="" xmlns:a14="http://schemas.microsoft.com/office/drawing/2010/main">
                 <a:effectLst>
                   <a:outerShdw dist="35921" dir="2700000" algn="ctr" rotWithShape="0">
                     <a:schemeClr val="bg2"/>
@@ -8118,7 +8276,7 @@
 </p:sld>
 </file>
 
-<file path=ppt/slides/slide24.xml><?xml version="1.0" encoding="utf-8"?>
+<file path=ppt/slides/slide25.xml><?xml version="1.0" encoding="utf-8"?>
 <p:sld xmlns:a="http://schemas.openxmlformats.org/drawingml/2006/main" xmlns:r="http://schemas.openxmlformats.org/officeDocument/2006/relationships" xmlns:p="http://schemas.openxmlformats.org/presentationml/2006/main">
   <p:cSld>
     <p:spTree>
@@ -8227,7 +8385,7 @@
                 </a:solidFill>
               </a:rPr>
               <a:pPr/>
-              <a:t>24</a:t>
+              <a:t>25</a:t>
             </a:fld>
             <a:endParaRPr lang="de-CH">
               <a:solidFill>
@@ -8354,7 +8512,7 @@
 </p:sld>
 </file>
 
-<file path=ppt/slides/slide25.xml><?xml version="1.0" encoding="utf-8"?>
+<file path=ppt/slides/slide26.xml><?xml version="1.0" encoding="utf-8"?>
 <p:sld xmlns:a="http://schemas.openxmlformats.org/drawingml/2006/main" xmlns:r="http://schemas.openxmlformats.org/officeDocument/2006/relationships" xmlns:p="http://schemas.openxmlformats.org/presentationml/2006/main">
   <p:cSld>
     <p:spTree>
@@ -8463,7 +8621,7 @@
                 </a:solidFill>
               </a:rPr>
               <a:pPr/>
-              <a:t>25</a:t>
+              <a:t>26</a:t>
             </a:fld>
             <a:endParaRPr lang="de-CH">
               <a:solidFill>
@@ -8619,7 +8777,7 @@
 </p:sld>
 </file>
 
-<file path=ppt/slides/slide26.xml><?xml version="1.0" encoding="utf-8"?>
+<file path=ppt/slides/slide27.xml><?xml version="1.0" encoding="utf-8"?>
 <p:sld xmlns:a="http://schemas.openxmlformats.org/drawingml/2006/main" xmlns:r="http://schemas.openxmlformats.org/officeDocument/2006/relationships" xmlns:p="http://schemas.openxmlformats.org/presentationml/2006/main">
   <p:cSld>
     <p:spTree>
@@ -8757,7 +8915,7 @@
                 </a:solidFill>
               </a:rPr>
               <a:pPr/>
-              <a:t>26</a:t>
+              <a:t>27</a:t>
             </a:fld>
             <a:endParaRPr lang="de-CH">
               <a:solidFill>
@@ -8818,14 +8976,14 @@
           <a:effectLst/>
           <a:extLst>
             <a:ext uri="{909E8E84-426E-40dd-AFC4-6F175D3DCCD1}">
-              <a14:hiddenFill xmlns:a14="http://schemas.microsoft.com/office/drawing/2010/main" xmlns="">
+              <a14:hiddenFill xmlns="" xmlns:a14="http://schemas.microsoft.com/office/drawing/2010/main">
                 <a:solidFill>
                   <a:schemeClr val="accent1"/>
                 </a:solidFill>
               </a14:hiddenFill>
             </a:ext>
             <a:ext uri="{91240B29-F687-4f45-9708-019B960494DF}">
-              <a14:hiddenLine xmlns:a14="http://schemas.microsoft.com/office/drawing/2010/main" xmlns="" w="9525">
+              <a14:hiddenLine xmlns="" xmlns:a14="http://schemas.microsoft.com/office/drawing/2010/main" w="9525">
                 <a:solidFill>
                   <a:schemeClr val="tx1"/>
                 </a:solidFill>
@@ -8835,7 +8993,7 @@
               </a14:hiddenLine>
             </a:ext>
             <a:ext uri="{AF507438-7753-43e0-B8FC-AC1667EBCBE1}">
-              <a14:hiddenEffects xmlns:a14="http://schemas.microsoft.com/office/drawing/2010/main" xmlns="">
+              <a14:hiddenEffects xmlns="" xmlns:a14="http://schemas.microsoft.com/office/drawing/2010/main">
                 <a:effectLst>
                   <a:outerShdw dist="35921" dir="2700000" algn="ctr" rotWithShape="0">
                     <a:schemeClr val="bg2"/>
@@ -9039,7 +9197,7 @@
 </p:sld>
 </file>
 
-<file path=ppt/slides/slide27.xml><?xml version="1.0" encoding="utf-8"?>
+<file path=ppt/slides/slide28.xml><?xml version="1.0" encoding="utf-8"?>
 <p:sld xmlns:a="http://schemas.openxmlformats.org/drawingml/2006/main" xmlns:r="http://schemas.openxmlformats.org/officeDocument/2006/relationships" xmlns:p="http://schemas.openxmlformats.org/presentationml/2006/main">
   <p:cSld>
     <p:spTree>
@@ -9148,7 +9306,7 @@
                 </a:solidFill>
               </a:rPr>
               <a:pPr/>
-              <a:t>27</a:t>
+              <a:t>28</a:t>
             </a:fld>
             <a:endParaRPr lang="de-CH">
               <a:solidFill>
@@ -9304,7 +9462,7 @@
 </p:sld>
 </file>
 
-<file path=ppt/slides/slide28.xml><?xml version="1.0" encoding="utf-8"?>
+<file path=ppt/slides/slide29.xml><?xml version="1.0" encoding="utf-8"?>
 <p:sld xmlns:a="http://schemas.openxmlformats.org/drawingml/2006/main" xmlns:r="http://schemas.openxmlformats.org/officeDocument/2006/relationships" xmlns:p="http://schemas.openxmlformats.org/presentationml/2006/main">
   <p:cSld>
     <p:spTree>
@@ -9442,7 +9600,7 @@
                 </a:solidFill>
               </a:rPr>
               <a:pPr/>
-              <a:t>28</a:t>
+              <a:t>29</a:t>
             </a:fld>
             <a:endParaRPr lang="de-CH">
               <a:solidFill>
@@ -9503,14 +9661,14 @@
           <a:effectLst/>
           <a:extLst>
             <a:ext uri="{909E8E84-426E-40dd-AFC4-6F175D3DCCD1}">
-              <a14:hiddenFill xmlns:a14="http://schemas.microsoft.com/office/drawing/2010/main" xmlns="">
+              <a14:hiddenFill xmlns="" xmlns:a14="http://schemas.microsoft.com/office/drawing/2010/main">
                 <a:solidFill>
                   <a:schemeClr val="accent1"/>
                 </a:solidFill>
               </a14:hiddenFill>
             </a:ext>
             <a:ext uri="{91240B29-F687-4f45-9708-019B960494DF}">
-              <a14:hiddenLine xmlns:a14="http://schemas.microsoft.com/office/drawing/2010/main" xmlns="" w="9525">
+              <a14:hiddenLine xmlns="" xmlns:a14="http://schemas.microsoft.com/office/drawing/2010/main" w="9525">
                 <a:solidFill>
                   <a:schemeClr val="tx1"/>
                 </a:solidFill>
@@ -9520,7 +9678,7 @@
               </a14:hiddenLine>
             </a:ext>
             <a:ext uri="{AF507438-7753-43e0-B8FC-AC1667EBCBE1}">
-              <a14:hiddenEffects xmlns:a14="http://schemas.microsoft.com/office/drawing/2010/main" xmlns="">
+              <a14:hiddenEffects xmlns="" xmlns:a14="http://schemas.microsoft.com/office/drawing/2010/main">
                 <a:effectLst>
                   <a:outerShdw dist="35921" dir="2700000" algn="ctr" rotWithShape="0">
                     <a:schemeClr val="bg2"/>
@@ -9724,7 +9882,7 @@
 </p:sld>
 </file>
 
-<file path=ppt/slides/slide29.xml><?xml version="1.0" encoding="utf-8"?>
+<file path=ppt/slides/slide3.xml><?xml version="1.0" encoding="utf-8"?>
 <p:sld xmlns:a="http://schemas.openxmlformats.org/drawingml/2006/main" xmlns:r="http://schemas.openxmlformats.org/officeDocument/2006/relationships" xmlns:p="http://schemas.openxmlformats.org/presentationml/2006/main">
   <p:cSld>
     <p:spTree>
@@ -9788,20 +9946,12 @@
           <a:lstStyle/>
           <a:p>
             <a:r>
-              <a:rPr lang="de-CH" dirty="0">
+              <a:rPr lang="de-CH" dirty="0" smtClean="0">
                 <a:solidFill>
                   <a:srgbClr val="000000"/>
                 </a:solidFill>
               </a:rPr>
-              <a:t>Institut </a:t>
-            </a:r>
-            <a:r>
-              <a:rPr lang="de-CH" dirty="0" smtClean="0">
-                <a:solidFill>
-                  <a:srgbClr val="000000"/>
-                </a:solidFill>
-              </a:rPr>
-              <a:t>i4ds</a:t>
+              <a:t>Institut i4ds</a:t>
             </a:r>
             <a:endParaRPr lang="de-CH" dirty="0">
               <a:solidFill>
@@ -9833,7 +9983,252 @@
                 </a:solidFill>
               </a:rPr>
               <a:pPr/>
-              <a:t>29</a:t>
+              <a:t>3</a:t>
+            </a:fld>
+            <a:endParaRPr lang="de-CH">
+              <a:solidFill>
+                <a:srgbClr val="000000"/>
+              </a:solidFill>
+            </a:endParaRPr>
+          </a:p>
+        </p:txBody>
+      </p:sp>
+      <p:sp>
+        <p:nvSpPr>
+          <p:cNvPr id="5" name="Titel 4"/>
+          <p:cNvSpPr>
+            <a:spLocks noGrp="1"/>
+          </p:cNvSpPr>
+          <p:nvPr>
+            <p:ph type="title"/>
+          </p:nvPr>
+        </p:nvSpPr>
+        <p:spPr/>
+        <p:txBody>
+          <a:bodyPr/>
+          <a:lstStyle/>
+          <a:p>
+            <a:r>
+              <a:rPr lang="en-GB" dirty="0" smtClean="0"/>
+              <a:t>Image Reconstruction</a:t>
+            </a:r>
+            <a:endParaRPr lang="en-GB" dirty="0"/>
+          </a:p>
+        </p:txBody>
+      </p:sp>
+      <p:sp>
+        <p:nvSpPr>
+          <p:cNvPr id="6" name="Textplatzhalter 5"/>
+          <p:cNvSpPr>
+            <a:spLocks noGrp="1"/>
+          </p:cNvSpPr>
+          <p:nvPr>
+            <p:ph type="body" idx="1"/>
+          </p:nvPr>
+        </p:nvSpPr>
+        <p:spPr>
+          <a:xfrm>
+            <a:off x="594172" y="1871663"/>
+            <a:ext cx="9213850" cy="4464050"/>
+          </a:xfrm>
+        </p:spPr>
+        <p:txBody>
+          <a:bodyPr/>
+          <a:lstStyle/>
+          <a:p>
+            <a:endParaRPr lang="en-GB" dirty="0"/>
+          </a:p>
+        </p:txBody>
+      </p:sp>
+      <p:pic>
+        <p:nvPicPr>
+          <p:cNvPr id="7" name="Grafik 6"/>
+          <p:cNvPicPr>
+            <a:picLocks noChangeAspect="1"/>
+          </p:cNvPicPr>
+          <p:nvPr/>
+        </p:nvPicPr>
+        <p:blipFill>
+          <a:blip r:embed="rId2">
+            <a:extLst>
+              <a:ext uri="{28A0092B-C50C-407E-A947-70E740481C1C}">
+                <a14:useLocalDpi xmlns:a14="http://schemas.microsoft.com/office/drawing/2010/main" val="0"/>
+              </a:ext>
+            </a:extLst>
+          </a:blip>
+          <a:stretch>
+            <a:fillRect/>
+          </a:stretch>
+        </p:blipFill>
+        <p:spPr>
+          <a:xfrm>
+            <a:off x="306140" y="2465446"/>
+            <a:ext cx="5142134" cy="3920306"/>
+          </a:xfrm>
+          <a:prstGeom prst="rect">
+            <a:avLst/>
+          </a:prstGeom>
+        </p:spPr>
+      </p:pic>
+      <p:pic>
+        <p:nvPicPr>
+          <p:cNvPr id="9" name="Grafik 8"/>
+          <p:cNvPicPr>
+            <a:picLocks noChangeAspect="1"/>
+          </p:cNvPicPr>
+          <p:nvPr/>
+        </p:nvPicPr>
+        <p:blipFill rotWithShape="1">
+          <a:blip r:embed="rId3">
+            <a:extLst>
+              <a:ext uri="{28A0092B-C50C-407E-A947-70E740481C1C}">
+                <a14:useLocalDpi xmlns:a14="http://schemas.microsoft.com/office/drawing/2010/main" val="0"/>
+              </a:ext>
+            </a:extLst>
+          </a:blip>
+          <a:srcRect l="32789" t="29175" r="29362" b="31201"/>
+          <a:stretch/>
+        </p:blipFill>
+        <p:spPr>
+          <a:xfrm>
+            <a:off x="5490716" y="2124447"/>
+            <a:ext cx="4608512" cy="4536504"/>
+          </a:xfrm>
+          <a:prstGeom prst="rect">
+            <a:avLst/>
+          </a:prstGeom>
+        </p:spPr>
+      </p:pic>
+    </p:spTree>
+    <p:extLst>
+      <p:ext uri="{BB962C8B-B14F-4D97-AF65-F5344CB8AC3E}">
+        <p14:creationId xmlns:p14="http://schemas.microsoft.com/office/powerpoint/2010/main" val="719313134"/>
+      </p:ext>
+    </p:extLst>
+  </p:cSld>
+  <p:clrMapOvr>
+    <a:masterClrMapping/>
+  </p:clrMapOvr>
+  <p:timing>
+    <p:tnLst>
+      <p:par>
+        <p:cTn id="1" dur="indefinite" restart="never" nodeType="tmRoot"/>
+      </p:par>
+    </p:tnLst>
+  </p:timing>
+</p:sld>
+</file>
+
+<file path=ppt/slides/slide30.xml><?xml version="1.0" encoding="utf-8"?>
+<p:sld xmlns:a="http://schemas.openxmlformats.org/drawingml/2006/main" xmlns:r="http://schemas.openxmlformats.org/officeDocument/2006/relationships" xmlns:p="http://schemas.openxmlformats.org/presentationml/2006/main">
+  <p:cSld>
+    <p:spTree>
+      <p:nvGrpSpPr>
+        <p:cNvPr id="1" name=""/>
+        <p:cNvGrpSpPr/>
+        <p:nvPr/>
+      </p:nvGrpSpPr>
+      <p:grpSpPr>
+        <a:xfrm>
+          <a:off x="0" y="0"/>
+          <a:ext cx="0" cy="0"/>
+          <a:chOff x="0" y="0"/>
+          <a:chExt cx="0" cy="0"/>
+        </a:xfrm>
+      </p:grpSpPr>
+      <p:sp>
+        <p:nvSpPr>
+          <p:cNvPr id="2" name="Datumsplatzhalter 1"/>
+          <p:cNvSpPr>
+            <a:spLocks noGrp="1"/>
+          </p:cNvSpPr>
+          <p:nvPr>
+            <p:ph type="dt" sz="half" idx="10"/>
+          </p:nvPr>
+        </p:nvSpPr>
+        <p:spPr/>
+        <p:txBody>
+          <a:bodyPr/>
+          <a:lstStyle/>
+          <a:p>
+            <a:fld id="{5E48492E-72D1-4785-9351-8AE1E40FBA2D}" type="datetime1">
+              <a:rPr lang="de-CH" smtClean="0">
+                <a:solidFill>
+                  <a:srgbClr val="000000"/>
+                </a:solidFill>
+              </a:rPr>
+              <a:t>14.08.2018</a:t>
+            </a:fld>
+            <a:endParaRPr lang="de-CH">
+              <a:solidFill>
+                <a:srgbClr val="000000"/>
+              </a:solidFill>
+            </a:endParaRPr>
+          </a:p>
+        </p:txBody>
+      </p:sp>
+      <p:sp>
+        <p:nvSpPr>
+          <p:cNvPr id="3" name="Fußzeilenplatzhalter 2"/>
+          <p:cNvSpPr>
+            <a:spLocks noGrp="1"/>
+          </p:cNvSpPr>
+          <p:nvPr>
+            <p:ph type="ftr" sz="quarter" idx="11"/>
+          </p:nvPr>
+        </p:nvSpPr>
+        <p:spPr/>
+        <p:txBody>
+          <a:bodyPr/>
+          <a:lstStyle/>
+          <a:p>
+            <a:r>
+              <a:rPr lang="de-CH" dirty="0">
+                <a:solidFill>
+                  <a:srgbClr val="000000"/>
+                </a:solidFill>
+              </a:rPr>
+              <a:t>Institut </a:t>
+            </a:r>
+            <a:r>
+              <a:rPr lang="de-CH" dirty="0" smtClean="0">
+                <a:solidFill>
+                  <a:srgbClr val="000000"/>
+                </a:solidFill>
+              </a:rPr>
+              <a:t>i4ds</a:t>
+            </a:r>
+            <a:endParaRPr lang="de-CH" dirty="0">
+              <a:solidFill>
+                <a:srgbClr val="000000"/>
+              </a:solidFill>
+            </a:endParaRPr>
+          </a:p>
+        </p:txBody>
+      </p:sp>
+      <p:sp>
+        <p:nvSpPr>
+          <p:cNvPr id="4" name="Foliennummernplatzhalter 3"/>
+          <p:cNvSpPr>
+            <a:spLocks noGrp="1"/>
+          </p:cNvSpPr>
+          <p:nvPr>
+            <p:ph type="sldNum" sz="quarter" idx="12"/>
+          </p:nvPr>
+        </p:nvSpPr>
+        <p:spPr/>
+        <p:txBody>
+          <a:bodyPr/>
+          <a:lstStyle/>
+          <a:p>
+            <a:fld id="{351188DD-6605-4EF4-9E67-B567F731CE68}" type="slidenum">
+              <a:rPr lang="de-CH" smtClean="0">
+                <a:solidFill>
+                  <a:srgbClr val="000000"/>
+                </a:solidFill>
+              </a:rPr>
+              <a:pPr/>
+              <a:t>30</a:t>
             </a:fld>
             <a:endParaRPr lang="de-CH">
               <a:solidFill>
@@ -9989,424 +10384,6 @@
 </p:sld>
 </file>
 
-<file path=ppt/slides/slide3.xml><?xml version="1.0" encoding="utf-8"?>
-<p:sld xmlns:a="http://schemas.openxmlformats.org/drawingml/2006/main" xmlns:r="http://schemas.openxmlformats.org/officeDocument/2006/relationships" xmlns:p="http://schemas.openxmlformats.org/presentationml/2006/main">
-  <p:cSld>
-    <p:spTree>
-      <p:nvGrpSpPr>
-        <p:cNvPr id="1" name=""/>
-        <p:cNvGrpSpPr/>
-        <p:nvPr/>
-      </p:nvGrpSpPr>
-      <p:grpSpPr>
-        <a:xfrm>
-          <a:off x="0" y="0"/>
-          <a:ext cx="0" cy="0"/>
-          <a:chOff x="0" y="0"/>
-          <a:chExt cx="0" cy="0"/>
-        </a:xfrm>
-      </p:grpSpPr>
-      <p:sp>
-        <p:nvSpPr>
-          <p:cNvPr id="2" name="Datumsplatzhalter 1"/>
-          <p:cNvSpPr>
-            <a:spLocks noGrp="1"/>
-          </p:cNvSpPr>
-          <p:nvPr>
-            <p:ph type="dt" sz="half" idx="10"/>
-          </p:nvPr>
-        </p:nvSpPr>
-        <p:spPr/>
-        <p:txBody>
-          <a:bodyPr/>
-          <a:lstStyle/>
-          <a:p>
-            <a:fld id="{5E48492E-72D1-4785-9351-8AE1E40FBA2D}" type="datetime1">
-              <a:rPr lang="de-CH" smtClean="0">
-                <a:solidFill>
-                  <a:srgbClr val="000000"/>
-                </a:solidFill>
-              </a:rPr>
-              <a:t>14.08.2018</a:t>
-            </a:fld>
-            <a:endParaRPr lang="de-CH">
-              <a:solidFill>
-                <a:srgbClr val="000000"/>
-              </a:solidFill>
-            </a:endParaRPr>
-          </a:p>
-        </p:txBody>
-      </p:sp>
-      <p:sp>
-        <p:nvSpPr>
-          <p:cNvPr id="3" name="Fußzeilenplatzhalter 2"/>
-          <p:cNvSpPr>
-            <a:spLocks noGrp="1"/>
-          </p:cNvSpPr>
-          <p:nvPr>
-            <p:ph type="ftr" sz="quarter" idx="11"/>
-          </p:nvPr>
-        </p:nvSpPr>
-        <p:spPr/>
-        <p:txBody>
-          <a:bodyPr/>
-          <a:lstStyle/>
-          <a:p>
-            <a:r>
-              <a:rPr lang="de-CH" dirty="0" smtClean="0">
-                <a:solidFill>
-                  <a:srgbClr val="000000"/>
-                </a:solidFill>
-              </a:rPr>
-              <a:t>Institut i4ds</a:t>
-            </a:r>
-            <a:endParaRPr lang="de-CH" dirty="0">
-              <a:solidFill>
-                <a:srgbClr val="000000"/>
-              </a:solidFill>
-            </a:endParaRPr>
-          </a:p>
-        </p:txBody>
-      </p:sp>
-      <p:sp>
-        <p:nvSpPr>
-          <p:cNvPr id="4" name="Foliennummernplatzhalter 3"/>
-          <p:cNvSpPr>
-            <a:spLocks noGrp="1"/>
-          </p:cNvSpPr>
-          <p:nvPr>
-            <p:ph type="sldNum" sz="quarter" idx="12"/>
-          </p:nvPr>
-        </p:nvSpPr>
-        <p:spPr/>
-        <p:txBody>
-          <a:bodyPr/>
-          <a:lstStyle/>
-          <a:p>
-            <a:fld id="{351188DD-6605-4EF4-9E67-B567F731CE68}" type="slidenum">
-              <a:rPr lang="de-CH" smtClean="0">
-                <a:solidFill>
-                  <a:srgbClr val="000000"/>
-                </a:solidFill>
-              </a:rPr>
-              <a:pPr/>
-              <a:t>3</a:t>
-            </a:fld>
-            <a:endParaRPr lang="de-CH">
-              <a:solidFill>
-                <a:srgbClr val="000000"/>
-              </a:solidFill>
-            </a:endParaRPr>
-          </a:p>
-        </p:txBody>
-      </p:sp>
-      <p:sp>
-        <p:nvSpPr>
-          <p:cNvPr id="5" name="Titel 4"/>
-          <p:cNvSpPr>
-            <a:spLocks noGrp="1"/>
-          </p:cNvSpPr>
-          <p:nvPr>
-            <p:ph type="title"/>
-          </p:nvPr>
-        </p:nvSpPr>
-        <p:spPr/>
-        <p:txBody>
-          <a:bodyPr/>
-          <a:lstStyle/>
-          <a:p>
-            <a:r>
-              <a:rPr lang="en-GB" dirty="0" smtClean="0"/>
-              <a:t>Image Reconstruction</a:t>
-            </a:r>
-            <a:endParaRPr lang="en-GB" dirty="0"/>
-          </a:p>
-        </p:txBody>
-      </p:sp>
-      <p:sp>
-        <p:nvSpPr>
-          <p:cNvPr id="6" name="Textplatzhalter 5"/>
-          <p:cNvSpPr>
-            <a:spLocks noGrp="1"/>
-          </p:cNvSpPr>
-          <p:nvPr>
-            <p:ph type="body" idx="1"/>
-          </p:nvPr>
-        </p:nvSpPr>
-        <p:spPr>
-          <a:xfrm>
-            <a:off x="594172" y="1871663"/>
-            <a:ext cx="9213850" cy="4464050"/>
-          </a:xfrm>
-        </p:spPr>
-        <p:txBody>
-          <a:bodyPr/>
-          <a:lstStyle/>
-          <a:p>
-            <a:endParaRPr lang="en-GB" dirty="0"/>
-          </a:p>
-        </p:txBody>
-      </p:sp>
-      <p:pic>
-        <p:nvPicPr>
-          <p:cNvPr id="7" name="Grafik 6"/>
-          <p:cNvPicPr>
-            <a:picLocks noChangeAspect="1"/>
-          </p:cNvPicPr>
-          <p:nvPr/>
-        </p:nvPicPr>
-        <p:blipFill>
-          <a:blip r:embed="rId2">
-            <a:extLst>
-              <a:ext uri="{28A0092B-C50C-407E-A947-70E740481C1C}">
-                <a14:useLocalDpi xmlns:a14="http://schemas.microsoft.com/office/drawing/2010/main" val="0"/>
-              </a:ext>
-            </a:extLst>
-          </a:blip>
-          <a:stretch>
-            <a:fillRect/>
-          </a:stretch>
-        </p:blipFill>
-        <p:spPr>
-          <a:xfrm>
-            <a:off x="306140" y="2465446"/>
-            <a:ext cx="5142134" cy="3920306"/>
-          </a:xfrm>
-          <a:prstGeom prst="rect">
-            <a:avLst/>
-          </a:prstGeom>
-        </p:spPr>
-      </p:pic>
-      <p:pic>
-        <p:nvPicPr>
-          <p:cNvPr id="9" name="Grafik 8"/>
-          <p:cNvPicPr>
-            <a:picLocks noChangeAspect="1"/>
-          </p:cNvPicPr>
-          <p:nvPr/>
-        </p:nvPicPr>
-        <p:blipFill rotWithShape="1">
-          <a:blip r:embed="rId3">
-            <a:extLst>
-              <a:ext uri="{28A0092B-C50C-407E-A947-70E740481C1C}">
-                <a14:useLocalDpi xmlns:a14="http://schemas.microsoft.com/office/drawing/2010/main" val="0"/>
-              </a:ext>
-            </a:extLst>
-          </a:blip>
-          <a:srcRect l="32789" t="29175" r="29362" b="31201"/>
-          <a:stretch/>
-        </p:blipFill>
-        <p:spPr>
-          <a:xfrm>
-            <a:off x="5490716" y="2124447"/>
-            <a:ext cx="4608512" cy="4536504"/>
-          </a:xfrm>
-          <a:prstGeom prst="rect">
-            <a:avLst/>
-          </a:prstGeom>
-        </p:spPr>
-      </p:pic>
-    </p:spTree>
-    <p:extLst>
-      <p:ext uri="{BB962C8B-B14F-4D97-AF65-F5344CB8AC3E}">
-        <p14:creationId xmlns:p14="http://schemas.microsoft.com/office/powerpoint/2010/main" val="719313134"/>
-      </p:ext>
-    </p:extLst>
-  </p:cSld>
-  <p:clrMapOvr>
-    <a:masterClrMapping/>
-  </p:clrMapOvr>
-  <p:timing>
-    <p:tnLst>
-      <p:par>
-        <p:cTn id="1" dur="indefinite" restart="never" nodeType="tmRoot"/>
-      </p:par>
-    </p:tnLst>
-  </p:timing>
-</p:sld>
-</file>
-
-<file path=ppt/slides/slide30.xml><?xml version="1.0" encoding="utf-8"?>
-<p:sld xmlns:a="http://schemas.openxmlformats.org/drawingml/2006/main" xmlns:r="http://schemas.openxmlformats.org/officeDocument/2006/relationships" xmlns:p="http://schemas.openxmlformats.org/presentationml/2006/main">
-  <p:cSld>
-    <p:spTree>
-      <p:nvGrpSpPr>
-        <p:cNvPr id="1" name=""/>
-        <p:cNvGrpSpPr/>
-        <p:nvPr/>
-      </p:nvGrpSpPr>
-      <p:grpSpPr>
-        <a:xfrm>
-          <a:off x="0" y="0"/>
-          <a:ext cx="0" cy="0"/>
-          <a:chOff x="0" y="0"/>
-          <a:chExt cx="0" cy="0"/>
-        </a:xfrm>
-      </p:grpSpPr>
-      <p:sp>
-        <p:nvSpPr>
-          <p:cNvPr id="2" name="Datumsplatzhalter 1"/>
-          <p:cNvSpPr>
-            <a:spLocks noGrp="1"/>
-          </p:cNvSpPr>
-          <p:nvPr>
-            <p:ph type="dt" sz="half" idx="10"/>
-          </p:nvPr>
-        </p:nvSpPr>
-        <p:spPr/>
-        <p:txBody>
-          <a:bodyPr/>
-          <a:lstStyle/>
-          <a:p>
-            <a:fld id="{5E48492E-72D1-4785-9351-8AE1E40FBA2D}" type="datetime1">
-              <a:rPr lang="de-CH" smtClean="0">
-                <a:solidFill>
-                  <a:srgbClr val="000000"/>
-                </a:solidFill>
-              </a:rPr>
-              <a:t>14.08.2018</a:t>
-            </a:fld>
-            <a:endParaRPr lang="de-CH">
-              <a:solidFill>
-                <a:srgbClr val="000000"/>
-              </a:solidFill>
-            </a:endParaRPr>
-          </a:p>
-        </p:txBody>
-      </p:sp>
-      <p:sp>
-        <p:nvSpPr>
-          <p:cNvPr id="3" name="Fußzeilenplatzhalter 2"/>
-          <p:cNvSpPr>
-            <a:spLocks noGrp="1"/>
-          </p:cNvSpPr>
-          <p:nvPr>
-            <p:ph type="ftr" sz="quarter" idx="11"/>
-          </p:nvPr>
-        </p:nvSpPr>
-        <p:spPr/>
-        <p:txBody>
-          <a:bodyPr/>
-          <a:lstStyle/>
-          <a:p>
-            <a:r>
-              <a:rPr lang="de-CH" dirty="0">
-                <a:solidFill>
-                  <a:srgbClr val="000000"/>
-                </a:solidFill>
-              </a:rPr>
-              <a:t>Institut </a:t>
-            </a:r>
-            <a:r>
-              <a:rPr lang="de-CH" dirty="0" smtClean="0">
-                <a:solidFill>
-                  <a:srgbClr val="000000"/>
-                </a:solidFill>
-              </a:rPr>
-              <a:t>i4ds</a:t>
-            </a:r>
-            <a:endParaRPr lang="de-CH" dirty="0">
-              <a:solidFill>
-                <a:srgbClr val="000000"/>
-              </a:solidFill>
-            </a:endParaRPr>
-          </a:p>
-        </p:txBody>
-      </p:sp>
-      <p:sp>
-        <p:nvSpPr>
-          <p:cNvPr id="4" name="Foliennummernplatzhalter 3"/>
-          <p:cNvSpPr>
-            <a:spLocks noGrp="1"/>
-          </p:cNvSpPr>
-          <p:nvPr>
-            <p:ph type="sldNum" sz="quarter" idx="12"/>
-          </p:nvPr>
-        </p:nvSpPr>
-        <p:spPr/>
-        <p:txBody>
-          <a:bodyPr/>
-          <a:lstStyle/>
-          <a:p>
-            <a:fld id="{351188DD-6605-4EF4-9E67-B567F731CE68}" type="slidenum">
-              <a:rPr lang="de-CH" smtClean="0">
-                <a:solidFill>
-                  <a:srgbClr val="000000"/>
-                </a:solidFill>
-              </a:rPr>
-              <a:pPr/>
-              <a:t>30</a:t>
-            </a:fld>
-            <a:endParaRPr lang="de-CH">
-              <a:solidFill>
-                <a:srgbClr val="000000"/>
-              </a:solidFill>
-            </a:endParaRPr>
-          </a:p>
-        </p:txBody>
-      </p:sp>
-      <p:sp>
-        <p:nvSpPr>
-          <p:cNvPr id="5" name="Titel 4"/>
-          <p:cNvSpPr>
-            <a:spLocks noGrp="1"/>
-          </p:cNvSpPr>
-          <p:nvPr>
-            <p:ph type="title"/>
-          </p:nvPr>
-        </p:nvSpPr>
-        <p:spPr/>
-        <p:txBody>
-          <a:bodyPr/>
-          <a:lstStyle/>
-          <a:p>
-            <a:r>
-              <a:rPr lang="en-GB" dirty="0" smtClean="0"/>
-              <a:t>Conclusion</a:t>
-            </a:r>
-            <a:endParaRPr lang="en-GB" dirty="0"/>
-          </a:p>
-        </p:txBody>
-      </p:sp>
-      <p:sp>
-        <p:nvSpPr>
-          <p:cNvPr id="6" name="Textplatzhalter 5"/>
-          <p:cNvSpPr>
-            <a:spLocks noGrp="1"/>
-          </p:cNvSpPr>
-          <p:nvPr>
-            <p:ph type="body" idx="1"/>
-          </p:nvPr>
-        </p:nvSpPr>
-        <p:spPr/>
-        <p:txBody>
-          <a:bodyPr/>
-          <a:lstStyle/>
-          <a:p>
-            <a:endParaRPr lang="en-GB"/>
-          </a:p>
-        </p:txBody>
-      </p:sp>
-    </p:spTree>
-    <p:extLst>
-      <p:ext uri="{BB962C8B-B14F-4D97-AF65-F5344CB8AC3E}">
-        <p14:creationId xmlns:p14="http://schemas.microsoft.com/office/powerpoint/2010/main" val="24992479"/>
-      </p:ext>
-    </p:extLst>
-  </p:cSld>
-  <p:clrMapOvr>
-    <a:masterClrMapping/>
-  </p:clrMapOvr>
-  <p:timing>
-    <p:tnLst>
-      <p:par>
-        <p:cTn id="1" dur="indefinite" restart="never" nodeType="tmRoot"/>
-      </p:par>
-    </p:tnLst>
-  </p:timing>
-</p:sld>
-</file>
-
 <file path=ppt/slides/slide31.xml><?xml version="1.0" encoding="utf-8"?>
 <p:sld xmlns:a="http://schemas.openxmlformats.org/drawingml/2006/main" xmlns:r="http://schemas.openxmlformats.org/officeDocument/2006/relationships" xmlns:p="http://schemas.openxmlformats.org/presentationml/2006/main">
   <p:cSld>
@@ -10476,8 +10453,21 @@
                   <a:srgbClr val="000000"/>
                 </a:solidFill>
               </a:rPr>
-              <a:t>Institut i4ds</a:t>
-            </a:r>
+              <a:t>Institut </a:t>
+            </a:r>
+            <a:r>
+              <a:rPr lang="de-CH" dirty="0" smtClean="0">
+                <a:solidFill>
+                  <a:srgbClr val="000000"/>
+                </a:solidFill>
+              </a:rPr>
+              <a:t>i4ds</a:t>
+            </a:r>
+            <a:endParaRPr lang="de-CH" dirty="0">
+              <a:solidFill>
+                <a:srgbClr val="000000"/>
+              </a:solidFill>
+            </a:endParaRPr>
           </a:p>
         </p:txBody>
       </p:sp>
@@ -10528,6 +10518,10 @@
           <a:bodyPr/>
           <a:lstStyle/>
           <a:p>
+            <a:r>
+              <a:rPr lang="en-GB" dirty="0" smtClean="0"/>
+              <a:t>Conclusion</a:t>
+            </a:r>
             <a:endParaRPr lang="en-GB" dirty="0"/>
           </a:p>
         </p:txBody>
@@ -10547,44 +10541,14 @@
           <a:bodyPr/>
           <a:lstStyle/>
           <a:p>
-            <a:endParaRPr lang="en-GB"/>
-          </a:p>
-        </p:txBody>
-      </p:sp>
-      <p:pic>
-        <p:nvPicPr>
-          <p:cNvPr id="7" name="Grafik 6"/>
-          <p:cNvPicPr>
-            <a:picLocks noChangeAspect="1"/>
-          </p:cNvPicPr>
-          <p:nvPr/>
-        </p:nvPicPr>
-        <p:blipFill>
-          <a:blip r:embed="rId2">
-            <a:extLst>
-              <a:ext uri="{28A0092B-C50C-407E-A947-70E740481C1C}">
-                <a14:useLocalDpi xmlns:a14="http://schemas.microsoft.com/office/drawing/2010/main" val="0"/>
-              </a:ext>
-            </a:extLst>
-          </a:blip>
-          <a:stretch>
-            <a:fillRect/>
-          </a:stretch>
-        </p:blipFill>
-        <p:spPr>
-          <a:xfrm>
-            <a:off x="3061472" y="215572"/>
-            <a:ext cx="4564105" cy="6713865"/>
-          </a:xfrm>
-          <a:prstGeom prst="rect">
-            <a:avLst/>
-          </a:prstGeom>
-        </p:spPr>
-      </p:pic>
+            <a:endParaRPr lang="en-GB" dirty="0"/>
+          </a:p>
+        </p:txBody>
+      </p:sp>
     </p:spTree>
     <p:extLst>
       <p:ext uri="{BB962C8B-B14F-4D97-AF65-F5344CB8AC3E}">
-        <p14:creationId xmlns:p14="http://schemas.microsoft.com/office/powerpoint/2010/main" val="3820216707"/>
+        <p14:creationId xmlns:p14="http://schemas.microsoft.com/office/powerpoint/2010/main" val="24992479"/>
       </p:ext>
     </p:extLst>
   </p:cSld>
@@ -11698,6 +11662,13 @@
   <p:clrMapOvr>
     <a:masterClrMapping/>
   </p:clrMapOvr>
+  <p:timing>
+    <p:tnLst>
+      <p:par>
+        <p:cTn id="1" dur="indefinite" restart="never" nodeType="tmRoot"/>
+      </p:par>
+    </p:tnLst>
+  </p:timing>
 </p:sld>
 </file>
 
@@ -12841,7 +12812,7 @@
         <a:effectLst/>
         <a:extLst>
           <a:ext uri="{AF507438-7753-43e0-B8FC-AC1667EBCBE1}">
-            <a14:hiddenEffects xmlns:a14="http://schemas.microsoft.com/office/drawing/2010/main" xmlns="">
+            <a14:hiddenEffects xmlns="" xmlns:a14="http://schemas.microsoft.com/office/drawing/2010/main">
               <a:effectLst>
                 <a:outerShdw dist="35921" dir="2700000" algn="ctr" rotWithShape="0">
                   <a:schemeClr val="bg2"/>
@@ -12914,7 +12885,7 @@
         <a:effectLst/>
         <a:extLst>
           <a:ext uri="{AF507438-7753-43e0-B8FC-AC1667EBCBE1}">
-            <a14:hiddenEffects xmlns:a14="http://schemas.microsoft.com/office/drawing/2010/main" xmlns="">
+            <a14:hiddenEffects xmlns="" xmlns:a14="http://schemas.microsoft.com/office/drawing/2010/main">
               <a:effectLst>
                 <a:outerShdw dist="35921" dir="2700000" algn="ctr" rotWithShape="0">
                   <a:schemeClr val="bg2"/>

--- a/ppt/praes.pptx
+++ b/ppt/praes.pptx
@@ -5,10 +5,10 @@
     <p:sldMasterId id="2147483713" r:id="rId1"/>
   </p:sldMasterIdLst>
   <p:notesMasterIdLst>
-    <p:notesMasterId r:id="rId35"/>
+    <p:notesMasterId r:id="rId36"/>
   </p:notesMasterIdLst>
   <p:handoutMasterIdLst>
-    <p:handoutMasterId r:id="rId36"/>
+    <p:handoutMasterId r:id="rId37"/>
   </p:handoutMasterIdLst>
   <p:sldIdLst>
     <p:sldId id="256" r:id="rId2"/>
@@ -29,21 +29,22 @@
     <p:sldId id="298" r:id="rId17"/>
     <p:sldId id="277" r:id="rId18"/>
     <p:sldId id="280" r:id="rId19"/>
-    <p:sldId id="324" r:id="rId20"/>
-    <p:sldId id="304" r:id="rId21"/>
-    <p:sldId id="323" r:id="rId22"/>
-    <p:sldId id="319" r:id="rId23"/>
-    <p:sldId id="311" r:id="rId24"/>
-    <p:sldId id="290" r:id="rId25"/>
-    <p:sldId id="258" r:id="rId26"/>
-    <p:sldId id="312" r:id="rId27"/>
-    <p:sldId id="307" r:id="rId28"/>
-    <p:sldId id="321" r:id="rId29"/>
-    <p:sldId id="313" r:id="rId30"/>
-    <p:sldId id="322" r:id="rId31"/>
+    <p:sldId id="325" r:id="rId20"/>
+    <p:sldId id="324" r:id="rId21"/>
+    <p:sldId id="319" r:id="rId22"/>
+    <p:sldId id="311" r:id="rId23"/>
+    <p:sldId id="290" r:id="rId24"/>
+    <p:sldId id="258" r:id="rId25"/>
+    <p:sldId id="312" r:id="rId26"/>
+    <p:sldId id="307" r:id="rId27"/>
+    <p:sldId id="321" r:id="rId28"/>
+    <p:sldId id="313" r:id="rId29"/>
+    <p:sldId id="322" r:id="rId30"/>
+    <p:sldId id="323" r:id="rId31"/>
     <p:sldId id="269" r:id="rId32"/>
-    <p:sldId id="308" r:id="rId33"/>
-    <p:sldId id="309" r:id="rId34"/>
+    <p:sldId id="304" r:id="rId33"/>
+    <p:sldId id="308" r:id="rId34"/>
+    <p:sldId id="309" r:id="rId35"/>
   </p:sldIdLst>
   <p:sldSz cx="10693400" cy="7561263"/>
   <p:notesSz cx="6858000" cy="9144000"/>
@@ -203,13 +204,12 @@
             <p14:sldId id="298"/>
             <p14:sldId id="277"/>
             <p14:sldId id="280"/>
+            <p14:sldId id="325"/>
             <p14:sldId id="324"/>
           </p14:sldIdLst>
         </p14:section>
         <p14:section name="Abschnitt ohne Titel" id="{08DBAA98-29F2-46AD-A1D0-8A81AF8564F8}">
           <p14:sldIdLst>
-            <p14:sldId id="304"/>
-            <p14:sldId id="323"/>
             <p14:sldId id="319"/>
             <p14:sldId id="311"/>
             <p14:sldId id="290"/>
@@ -219,7 +219,9 @@
             <p14:sldId id="321"/>
             <p14:sldId id="313"/>
             <p14:sldId id="322"/>
+            <p14:sldId id="323"/>
             <p14:sldId id="269"/>
+            <p14:sldId id="304"/>
             <p14:sldId id="308"/>
             <p14:sldId id="309"/>
           </p14:sldIdLst>
@@ -297,14 +299,14 @@
           <a:effectLst/>
           <a:extLst>
             <a:ext uri="{909E8E84-426E-40dd-AFC4-6F175D3DCCD1}">
-              <a14:hiddenFill xmlns="" xmlns:a14="http://schemas.microsoft.com/office/drawing/2010/main">
+              <a14:hiddenFill xmlns:a14="http://schemas.microsoft.com/office/drawing/2010/main" xmlns="">
                 <a:solidFill>
                   <a:schemeClr val="accent1"/>
                 </a:solidFill>
               </a14:hiddenFill>
             </a:ext>
             <a:ext uri="{91240B29-F687-4f45-9708-019B960494DF}">
-              <a14:hiddenLine xmlns="" xmlns:a14="http://schemas.microsoft.com/office/drawing/2010/main" w="9525">
+              <a14:hiddenLine xmlns:a14="http://schemas.microsoft.com/office/drawing/2010/main" xmlns="" w="9525">
                 <a:solidFill>
                   <a:schemeClr val="tx1"/>
                 </a:solidFill>
@@ -314,7 +316,7 @@
               </a14:hiddenLine>
             </a:ext>
             <a:ext uri="{AF507438-7753-43e0-B8FC-AC1667EBCBE1}">
-              <a14:hiddenEffects xmlns="" xmlns:a14="http://schemas.microsoft.com/office/drawing/2010/main">
+              <a14:hiddenEffects xmlns:a14="http://schemas.microsoft.com/office/drawing/2010/main" xmlns="">
                 <a:effectLst>
                   <a:outerShdw dist="35921" dir="2700000" algn="ctr" rotWithShape="0">
                     <a:schemeClr val="bg2"/>
@@ -365,14 +367,14 @@
           <a:effectLst/>
           <a:extLst>
             <a:ext uri="{909E8E84-426E-40dd-AFC4-6F175D3DCCD1}">
-              <a14:hiddenFill xmlns="" xmlns:a14="http://schemas.microsoft.com/office/drawing/2010/main">
+              <a14:hiddenFill xmlns:a14="http://schemas.microsoft.com/office/drawing/2010/main" xmlns="">
                 <a:solidFill>
                   <a:schemeClr val="accent1"/>
                 </a:solidFill>
               </a14:hiddenFill>
             </a:ext>
             <a:ext uri="{91240B29-F687-4f45-9708-019B960494DF}">
-              <a14:hiddenLine xmlns="" xmlns:a14="http://schemas.microsoft.com/office/drawing/2010/main" w="9525">
+              <a14:hiddenLine xmlns:a14="http://schemas.microsoft.com/office/drawing/2010/main" xmlns="" w="9525">
                 <a:solidFill>
                   <a:schemeClr val="tx1"/>
                 </a:solidFill>
@@ -382,7 +384,7 @@
               </a14:hiddenLine>
             </a:ext>
             <a:ext uri="{AF507438-7753-43e0-B8FC-AC1667EBCBE1}">
-              <a14:hiddenEffects xmlns="" xmlns:a14="http://schemas.microsoft.com/office/drawing/2010/main">
+              <a14:hiddenEffects xmlns:a14="http://schemas.microsoft.com/office/drawing/2010/main" xmlns="">
                 <a:effectLst>
                   <a:outerShdw dist="35921" dir="2700000" algn="ctr" rotWithShape="0">
                     <a:schemeClr val="bg2"/>
@@ -433,14 +435,14 @@
           <a:effectLst/>
           <a:extLst>
             <a:ext uri="{909E8E84-426E-40dd-AFC4-6F175D3DCCD1}">
-              <a14:hiddenFill xmlns="" xmlns:a14="http://schemas.microsoft.com/office/drawing/2010/main">
+              <a14:hiddenFill xmlns:a14="http://schemas.microsoft.com/office/drawing/2010/main" xmlns="">
                 <a:solidFill>
                   <a:schemeClr val="accent1"/>
                 </a:solidFill>
               </a14:hiddenFill>
             </a:ext>
             <a:ext uri="{91240B29-F687-4f45-9708-019B960494DF}">
-              <a14:hiddenLine xmlns="" xmlns:a14="http://schemas.microsoft.com/office/drawing/2010/main" w="9525">
+              <a14:hiddenLine xmlns:a14="http://schemas.microsoft.com/office/drawing/2010/main" xmlns="" w="9525">
                 <a:solidFill>
                   <a:schemeClr val="tx1"/>
                 </a:solidFill>
@@ -450,7 +452,7 @@
               </a14:hiddenLine>
             </a:ext>
             <a:ext uri="{AF507438-7753-43e0-B8FC-AC1667EBCBE1}">
-              <a14:hiddenEffects xmlns="" xmlns:a14="http://schemas.microsoft.com/office/drawing/2010/main">
+              <a14:hiddenEffects xmlns:a14="http://schemas.microsoft.com/office/drawing/2010/main" xmlns="">
                 <a:effectLst>
                   <a:outerShdw dist="35921" dir="2700000" algn="ctr" rotWithShape="0">
                     <a:schemeClr val="bg2"/>
@@ -501,14 +503,14 @@
           <a:effectLst/>
           <a:extLst>
             <a:ext uri="{909E8E84-426E-40dd-AFC4-6F175D3DCCD1}">
-              <a14:hiddenFill xmlns="" xmlns:a14="http://schemas.microsoft.com/office/drawing/2010/main">
+              <a14:hiddenFill xmlns:a14="http://schemas.microsoft.com/office/drawing/2010/main" xmlns="">
                 <a:solidFill>
                   <a:schemeClr val="accent1"/>
                 </a:solidFill>
               </a14:hiddenFill>
             </a:ext>
             <a:ext uri="{91240B29-F687-4f45-9708-019B960494DF}">
-              <a14:hiddenLine xmlns="" xmlns:a14="http://schemas.microsoft.com/office/drawing/2010/main" w="9525">
+              <a14:hiddenLine xmlns:a14="http://schemas.microsoft.com/office/drawing/2010/main" xmlns="" w="9525">
                 <a:solidFill>
                   <a:schemeClr val="tx1"/>
                 </a:solidFill>
@@ -518,7 +520,7 @@
               </a14:hiddenLine>
             </a:ext>
             <a:ext uri="{AF507438-7753-43e0-B8FC-AC1667EBCBE1}">
-              <a14:hiddenEffects xmlns="" xmlns:a14="http://schemas.microsoft.com/office/drawing/2010/main">
+              <a14:hiddenEffects xmlns:a14="http://schemas.microsoft.com/office/drawing/2010/main" xmlns="">
                 <a:effectLst>
                   <a:outerShdw dist="35921" dir="2700000" algn="ctr" rotWithShape="0">
                     <a:schemeClr val="bg2"/>
@@ -610,14 +612,14 @@
           <a:effectLst/>
           <a:extLst>
             <a:ext uri="{909E8E84-426E-40dd-AFC4-6F175D3DCCD1}">
-              <a14:hiddenFill xmlns="" xmlns:a14="http://schemas.microsoft.com/office/drawing/2010/main">
+              <a14:hiddenFill xmlns:a14="http://schemas.microsoft.com/office/drawing/2010/main" xmlns="">
                 <a:solidFill>
                   <a:schemeClr val="accent1"/>
                 </a:solidFill>
               </a14:hiddenFill>
             </a:ext>
             <a:ext uri="{91240B29-F687-4f45-9708-019B960494DF}">
-              <a14:hiddenLine xmlns="" xmlns:a14="http://schemas.microsoft.com/office/drawing/2010/main" w="9525">
+              <a14:hiddenLine xmlns:a14="http://schemas.microsoft.com/office/drawing/2010/main" xmlns="" w="9525">
                 <a:solidFill>
                   <a:schemeClr val="tx1"/>
                 </a:solidFill>
@@ -627,7 +629,7 @@
               </a14:hiddenLine>
             </a:ext>
             <a:ext uri="{AF507438-7753-43e0-B8FC-AC1667EBCBE1}">
-              <a14:hiddenEffects xmlns="" xmlns:a14="http://schemas.microsoft.com/office/drawing/2010/main">
+              <a14:hiddenEffects xmlns:a14="http://schemas.microsoft.com/office/drawing/2010/main" xmlns="">
                 <a:effectLst>
                   <a:outerShdw dist="35921" dir="2700000" algn="ctr" rotWithShape="0">
                     <a:schemeClr val="bg2"/>
@@ -678,14 +680,14 @@
           <a:effectLst/>
           <a:extLst>
             <a:ext uri="{909E8E84-426E-40dd-AFC4-6F175D3DCCD1}">
-              <a14:hiddenFill xmlns="" xmlns:a14="http://schemas.microsoft.com/office/drawing/2010/main">
+              <a14:hiddenFill xmlns:a14="http://schemas.microsoft.com/office/drawing/2010/main" xmlns="">
                 <a:solidFill>
                   <a:schemeClr val="accent1"/>
                 </a:solidFill>
               </a14:hiddenFill>
             </a:ext>
             <a:ext uri="{91240B29-F687-4f45-9708-019B960494DF}">
-              <a14:hiddenLine xmlns="" xmlns:a14="http://schemas.microsoft.com/office/drawing/2010/main" w="9525">
+              <a14:hiddenLine xmlns:a14="http://schemas.microsoft.com/office/drawing/2010/main" xmlns="" w="9525">
                 <a:solidFill>
                   <a:schemeClr val="tx1"/>
                 </a:solidFill>
@@ -695,7 +697,7 @@
               </a14:hiddenLine>
             </a:ext>
             <a:ext uri="{AF507438-7753-43e0-B8FC-AC1667EBCBE1}">
-              <a14:hiddenEffects xmlns="" xmlns:a14="http://schemas.microsoft.com/office/drawing/2010/main">
+              <a14:hiddenEffects xmlns:a14="http://schemas.microsoft.com/office/drawing/2010/main" xmlns="">
                 <a:effectLst>
                   <a:outerShdw dist="35921" dir="2700000" algn="ctr" rotWithShape="0">
                     <a:schemeClr val="bg2"/>
@@ -751,7 +753,7 @@
           <a:effectLst/>
           <a:extLst>
             <a:ext uri="{AF507438-7753-43e0-B8FC-AC1667EBCBE1}">
-              <a14:hiddenEffects xmlns="" xmlns:a14="http://schemas.microsoft.com/office/drawing/2010/main">
+              <a14:hiddenEffects xmlns:a14="http://schemas.microsoft.com/office/drawing/2010/main" xmlns="">
                 <a:effectLst>
                   <a:outerShdw dist="35921" dir="2700000" algn="ctr" rotWithShape="0">
                     <a:srgbClr val="808080"/>
@@ -760,7 +762,7 @@
               </a14:hiddenEffects>
             </a:ext>
             <a:ext uri="{53640926-AAD7-44d8-BBD7-CCE9431645EC}">
-              <a14:shadowObscured xmlns="" xmlns:a14="http://schemas.microsoft.com/office/drawing/2010/main" val="1"/>
+              <a14:shadowObscured xmlns:a14="http://schemas.microsoft.com/office/drawing/2010/main" xmlns="" val="1"/>
             </a:ext>
           </a:extLst>
         </p:spPr>
@@ -790,14 +792,14 @@
           <a:effectLst/>
           <a:extLst>
             <a:ext uri="{909E8E84-426E-40dd-AFC4-6F175D3DCCD1}">
-              <a14:hiddenFill xmlns="" xmlns:a14="http://schemas.microsoft.com/office/drawing/2010/main">
+              <a14:hiddenFill xmlns:a14="http://schemas.microsoft.com/office/drawing/2010/main" xmlns="">
                 <a:solidFill>
                   <a:schemeClr val="accent1"/>
                 </a:solidFill>
               </a14:hiddenFill>
             </a:ext>
             <a:ext uri="{91240B29-F687-4f45-9708-019B960494DF}">
-              <a14:hiddenLine xmlns="" xmlns:a14="http://schemas.microsoft.com/office/drawing/2010/main" w="9525">
+              <a14:hiddenLine xmlns:a14="http://schemas.microsoft.com/office/drawing/2010/main" xmlns="" w="9525">
                 <a:solidFill>
                   <a:schemeClr val="tx1"/>
                 </a:solidFill>
@@ -807,7 +809,7 @@
               </a14:hiddenLine>
             </a:ext>
             <a:ext uri="{AF507438-7753-43e0-B8FC-AC1667EBCBE1}">
-              <a14:hiddenEffects xmlns="" xmlns:a14="http://schemas.microsoft.com/office/drawing/2010/main">
+              <a14:hiddenEffects xmlns:a14="http://schemas.microsoft.com/office/drawing/2010/main" xmlns="">
                 <a:effectLst>
                   <a:outerShdw dist="35921" dir="2700000" algn="ctr" rotWithShape="0">
                     <a:schemeClr val="bg2"/>
@@ -886,14 +888,14 @@
           <a:effectLst/>
           <a:extLst>
             <a:ext uri="{909E8E84-426E-40dd-AFC4-6F175D3DCCD1}">
-              <a14:hiddenFill xmlns="" xmlns:a14="http://schemas.microsoft.com/office/drawing/2010/main">
+              <a14:hiddenFill xmlns:a14="http://schemas.microsoft.com/office/drawing/2010/main" xmlns="">
                 <a:solidFill>
                   <a:schemeClr val="accent1"/>
                 </a:solidFill>
               </a14:hiddenFill>
             </a:ext>
             <a:ext uri="{91240B29-F687-4f45-9708-019B960494DF}">
-              <a14:hiddenLine xmlns="" xmlns:a14="http://schemas.microsoft.com/office/drawing/2010/main" w="9525">
+              <a14:hiddenLine xmlns:a14="http://schemas.microsoft.com/office/drawing/2010/main" xmlns="" w="9525">
                 <a:solidFill>
                   <a:schemeClr val="tx1"/>
                 </a:solidFill>
@@ -903,7 +905,7 @@
               </a14:hiddenLine>
             </a:ext>
             <a:ext uri="{AF507438-7753-43e0-B8FC-AC1667EBCBE1}">
-              <a14:hiddenEffects xmlns="" xmlns:a14="http://schemas.microsoft.com/office/drawing/2010/main">
+              <a14:hiddenEffects xmlns:a14="http://schemas.microsoft.com/office/drawing/2010/main" xmlns="">
                 <a:effectLst>
                   <a:outerShdw dist="35921" dir="2700000" algn="ctr" rotWithShape="0">
                     <a:schemeClr val="bg2"/>
@@ -954,14 +956,14 @@
           <a:effectLst/>
           <a:extLst>
             <a:ext uri="{909E8E84-426E-40dd-AFC4-6F175D3DCCD1}">
-              <a14:hiddenFill xmlns="" xmlns:a14="http://schemas.microsoft.com/office/drawing/2010/main">
+              <a14:hiddenFill xmlns:a14="http://schemas.microsoft.com/office/drawing/2010/main" xmlns="">
                 <a:solidFill>
                   <a:schemeClr val="accent1"/>
                 </a:solidFill>
               </a14:hiddenFill>
             </a:ext>
             <a:ext uri="{91240B29-F687-4f45-9708-019B960494DF}">
-              <a14:hiddenLine xmlns="" xmlns:a14="http://schemas.microsoft.com/office/drawing/2010/main" w="9525">
+              <a14:hiddenLine xmlns:a14="http://schemas.microsoft.com/office/drawing/2010/main" xmlns="" w="9525">
                 <a:solidFill>
                   <a:schemeClr val="tx1"/>
                 </a:solidFill>
@@ -971,7 +973,7 @@
               </a14:hiddenLine>
             </a:ext>
             <a:ext uri="{AF507438-7753-43e0-B8FC-AC1667EBCBE1}">
-              <a14:hiddenEffects xmlns="" xmlns:a14="http://schemas.microsoft.com/office/drawing/2010/main">
+              <a14:hiddenEffects xmlns:a14="http://schemas.microsoft.com/office/drawing/2010/main" xmlns="">
                 <a:effectLst>
                   <a:outerShdw dist="35921" dir="2700000" algn="ctr" rotWithShape="0">
                     <a:schemeClr val="bg2"/>
@@ -1590,7 +1592,7 @@
             <a:fld id="{058061DB-DF71-4765-99A4-14E22DF63CCF}" type="slidenum">
               <a:rPr lang="de-CH" smtClean="0"/>
               <a:pPr/>
-              <a:t>23</a:t>
+              <a:t>22</a:t>
             </a:fld>
             <a:endParaRPr lang="de-CH"/>
           </a:p>
@@ -1648,14 +1650,14 @@
           <a:ln/>
           <a:extLst>
             <a:ext uri="{909E8E84-426E-40dd-AFC4-6F175D3DCCD1}">
-              <a14:hiddenFill xmlns="" xmlns:a14="http://schemas.microsoft.com/office/drawing/2010/main">
+              <a14:hiddenFill xmlns:a14="http://schemas.microsoft.com/office/drawing/2010/main" xmlns="">
                 <a:solidFill>
                   <a:srgbClr val="FFFFFF"/>
                 </a:solidFill>
               </a14:hiddenFill>
             </a:ext>
             <a:ext uri="{91240B29-F687-4f45-9708-019B960494DF}">
-              <a14:hiddenLine xmlns="" xmlns:a14="http://schemas.microsoft.com/office/drawing/2010/main" w="9525">
+              <a14:hiddenLine xmlns:a14="http://schemas.microsoft.com/office/drawing/2010/main" xmlns="" w="9525">
                 <a:solidFill>
                   <a:srgbClr val="000000"/>
                 </a:solidFill>
@@ -1932,7 +1934,7 @@
                   <a:srgbClr val="000000"/>
                 </a:solidFill>
               </a:rPr>
-              <a:t>14.08.2018</a:t>
+              <a:t>15.08.2018</a:t>
             </a:fld>
             <a:endParaRPr lang="de-CH">
               <a:solidFill>
@@ -2142,7 +2144,7 @@
                   <a:srgbClr val="000000"/>
                 </a:solidFill>
               </a:rPr>
-              <a:t>14.08.2018</a:t>
+              <a:t>15.08.2018</a:t>
             </a:fld>
             <a:endParaRPr lang="de-CH">
               <a:solidFill>
@@ -2350,7 +2352,7 @@
                   <a:srgbClr val="000000"/>
                 </a:solidFill>
               </a:rPr>
-              <a:t>14.08.2018</a:t>
+              <a:t>15.08.2018</a:t>
             </a:fld>
             <a:endParaRPr lang="de-CH">
               <a:solidFill>
@@ -2558,7 +2560,7 @@
                   <a:srgbClr val="000000"/>
                 </a:solidFill>
               </a:rPr>
-              <a:t>14.08.2018</a:t>
+              <a:t>15.08.2018</a:t>
             </a:fld>
             <a:endParaRPr lang="de-CH">
               <a:solidFill>
@@ -2805,14 +2807,14 @@
           <a:effectLst/>
           <a:extLst>
             <a:ext uri="{909E8E84-426E-40dd-AFC4-6F175D3DCCD1}">
-              <a14:hiddenFill xmlns="" xmlns:a14="http://schemas.microsoft.com/office/drawing/2010/main">
+              <a14:hiddenFill xmlns:a14="http://schemas.microsoft.com/office/drawing/2010/main" xmlns="">
                 <a:solidFill>
                   <a:schemeClr val="accent1"/>
                 </a:solidFill>
               </a14:hiddenFill>
             </a:ext>
             <a:ext uri="{91240B29-F687-4f45-9708-019B960494DF}">
-              <a14:hiddenLine xmlns="" xmlns:a14="http://schemas.microsoft.com/office/drawing/2010/main" w="9525">
+              <a14:hiddenLine xmlns:a14="http://schemas.microsoft.com/office/drawing/2010/main" xmlns="" w="9525">
                 <a:solidFill>
                   <a:schemeClr val="tx1"/>
                 </a:solidFill>
@@ -2822,7 +2824,7 @@
               </a14:hiddenLine>
             </a:ext>
             <a:ext uri="{AF507438-7753-43e0-B8FC-AC1667EBCBE1}">
-              <a14:hiddenEffects xmlns="" xmlns:a14="http://schemas.microsoft.com/office/drawing/2010/main">
+              <a14:hiddenEffects xmlns:a14="http://schemas.microsoft.com/office/drawing/2010/main" xmlns="">
                 <a:effectLst>
                   <a:outerShdw dist="35921" dir="2700000" algn="ctr" rotWithShape="0">
                     <a:schemeClr val="bg2"/>
@@ -2873,14 +2875,14 @@
           <a:effectLst/>
           <a:extLst>
             <a:ext uri="{909E8E84-426E-40dd-AFC4-6F175D3DCCD1}">
-              <a14:hiddenFill xmlns="" xmlns:a14="http://schemas.microsoft.com/office/drawing/2010/main">
+              <a14:hiddenFill xmlns:a14="http://schemas.microsoft.com/office/drawing/2010/main" xmlns="">
                 <a:solidFill>
                   <a:schemeClr val="accent1"/>
                 </a:solidFill>
               </a14:hiddenFill>
             </a:ext>
             <a:ext uri="{91240B29-F687-4f45-9708-019B960494DF}">
-              <a14:hiddenLine xmlns="" xmlns:a14="http://schemas.microsoft.com/office/drawing/2010/main" w="9525">
+              <a14:hiddenLine xmlns:a14="http://schemas.microsoft.com/office/drawing/2010/main" xmlns="" w="9525">
                 <a:solidFill>
                   <a:schemeClr val="tx1"/>
                 </a:solidFill>
@@ -2890,7 +2892,7 @@
               </a14:hiddenLine>
             </a:ext>
             <a:ext uri="{AF507438-7753-43e0-B8FC-AC1667EBCBE1}">
-              <a14:hiddenEffects xmlns="" xmlns:a14="http://schemas.microsoft.com/office/drawing/2010/main">
+              <a14:hiddenEffects xmlns:a14="http://schemas.microsoft.com/office/drawing/2010/main" xmlns="">
                 <a:effectLst>
                   <a:outerShdw dist="35921" dir="2700000" algn="ctr" rotWithShape="0">
                     <a:schemeClr val="bg2"/>
@@ -2969,14 +2971,14 @@
           <a:effectLst/>
           <a:extLst>
             <a:ext uri="{909E8E84-426E-40dd-AFC4-6F175D3DCCD1}">
-              <a14:hiddenFill xmlns="" xmlns:a14="http://schemas.microsoft.com/office/drawing/2010/main">
+              <a14:hiddenFill xmlns:a14="http://schemas.microsoft.com/office/drawing/2010/main" xmlns="">
                 <a:solidFill>
                   <a:schemeClr val="accent1"/>
                 </a:solidFill>
               </a14:hiddenFill>
             </a:ext>
             <a:ext uri="{91240B29-F687-4f45-9708-019B960494DF}">
-              <a14:hiddenLine xmlns="" xmlns:a14="http://schemas.microsoft.com/office/drawing/2010/main" w="9525">
+              <a14:hiddenLine xmlns:a14="http://schemas.microsoft.com/office/drawing/2010/main" xmlns="" w="9525">
                 <a:solidFill>
                   <a:schemeClr val="tx1"/>
                 </a:solidFill>
@@ -2986,7 +2988,7 @@
               </a14:hiddenLine>
             </a:ext>
             <a:ext uri="{AF507438-7753-43e0-B8FC-AC1667EBCBE1}">
-              <a14:hiddenEffects xmlns="" xmlns:a14="http://schemas.microsoft.com/office/drawing/2010/main">
+              <a14:hiddenEffects xmlns:a14="http://schemas.microsoft.com/office/drawing/2010/main" xmlns="">
                 <a:effectLst>
                   <a:outerShdw dist="35921" dir="2700000" algn="ctr" rotWithShape="0">
                     <a:schemeClr val="bg2"/>
@@ -3014,7 +3016,7 @@
                   <a:srgbClr val="000000"/>
                 </a:solidFill>
               </a:rPr>
-              <a:t>14.08.2018</a:t>
+              <a:t>15.08.2018</a:t>
             </a:fld>
             <a:endParaRPr lang="de-CH">
               <a:solidFill>
@@ -3049,14 +3051,14 @@
           <a:effectLst/>
           <a:extLst>
             <a:ext uri="{909E8E84-426E-40dd-AFC4-6F175D3DCCD1}">
-              <a14:hiddenFill xmlns="" xmlns:a14="http://schemas.microsoft.com/office/drawing/2010/main">
+              <a14:hiddenFill xmlns:a14="http://schemas.microsoft.com/office/drawing/2010/main" xmlns="">
                 <a:solidFill>
                   <a:schemeClr val="accent1"/>
                 </a:solidFill>
               </a14:hiddenFill>
             </a:ext>
             <a:ext uri="{91240B29-F687-4f45-9708-019B960494DF}">
-              <a14:hiddenLine xmlns="" xmlns:a14="http://schemas.microsoft.com/office/drawing/2010/main" w="9525">
+              <a14:hiddenLine xmlns:a14="http://schemas.microsoft.com/office/drawing/2010/main" xmlns="" w="9525">
                 <a:solidFill>
                   <a:schemeClr val="tx1"/>
                 </a:solidFill>
@@ -3066,7 +3068,7 @@
               </a14:hiddenLine>
             </a:ext>
             <a:ext uri="{AF507438-7753-43e0-B8FC-AC1667EBCBE1}">
-              <a14:hiddenEffects xmlns="" xmlns:a14="http://schemas.microsoft.com/office/drawing/2010/main">
+              <a14:hiddenEffects xmlns:a14="http://schemas.microsoft.com/office/drawing/2010/main" xmlns="">
                 <a:effectLst>
                   <a:outerShdw dist="35921" dir="2700000" algn="ctr" rotWithShape="0">
                     <a:schemeClr val="bg2"/>
@@ -3129,14 +3131,14 @@
           <a:effectLst/>
           <a:extLst>
             <a:ext uri="{909E8E84-426E-40dd-AFC4-6F175D3DCCD1}">
-              <a14:hiddenFill xmlns="" xmlns:a14="http://schemas.microsoft.com/office/drawing/2010/main">
+              <a14:hiddenFill xmlns:a14="http://schemas.microsoft.com/office/drawing/2010/main" xmlns="">
                 <a:solidFill>
                   <a:schemeClr val="accent1"/>
                 </a:solidFill>
               </a14:hiddenFill>
             </a:ext>
             <a:ext uri="{91240B29-F687-4f45-9708-019B960494DF}">
-              <a14:hiddenLine xmlns="" xmlns:a14="http://schemas.microsoft.com/office/drawing/2010/main" w="9525">
+              <a14:hiddenLine xmlns:a14="http://schemas.microsoft.com/office/drawing/2010/main" xmlns="" w="9525">
                 <a:solidFill>
                   <a:schemeClr val="tx1"/>
                 </a:solidFill>
@@ -3146,7 +3148,7 @@
               </a14:hiddenLine>
             </a:ext>
             <a:ext uri="{AF507438-7753-43e0-B8FC-AC1667EBCBE1}">
-              <a14:hiddenEffects xmlns="" xmlns:a14="http://schemas.microsoft.com/office/drawing/2010/main">
+              <a14:hiddenEffects xmlns:a14="http://schemas.microsoft.com/office/drawing/2010/main" xmlns="">
                 <a:effectLst>
                   <a:outerShdw dist="35921" dir="2700000" algn="ctr" rotWithShape="0">
                     <a:schemeClr val="bg2"/>
@@ -3213,12 +3215,12 @@
           <a:effectLst/>
           <a:extLst>
             <a:ext uri="{909E8E84-426E-40dd-AFC4-6F175D3DCCD1}">
-              <a14:hiddenFill xmlns="" xmlns:a14="http://schemas.microsoft.com/office/drawing/2010/main">
+              <a14:hiddenFill xmlns:a14="http://schemas.microsoft.com/office/drawing/2010/main" xmlns="">
                 <a:noFill/>
               </a14:hiddenFill>
             </a:ext>
             <a:ext uri="{AF507438-7753-43e0-B8FC-AC1667EBCBE1}">
-              <a14:hiddenEffects xmlns="" xmlns:a14="http://schemas.microsoft.com/office/drawing/2010/main">
+              <a14:hiddenEffects xmlns:a14="http://schemas.microsoft.com/office/drawing/2010/main" xmlns="">
                 <a:effectLst>
                   <a:outerShdw dist="35921" dir="2700000" algn="ctr" rotWithShape="0">
                     <a:schemeClr val="bg2"/>
@@ -3927,7 +3929,7 @@
                   <a:srgbClr val="000000"/>
                 </a:solidFill>
               </a:rPr>
-              <a:t>14.08.2018</a:t>
+              <a:t>15.08.2018</a:t>
             </a:fld>
             <a:endParaRPr lang="de-CH">
               <a:solidFill>
@@ -4280,7 +4282,7 @@
                   <a:srgbClr val="000000"/>
                 </a:solidFill>
               </a:rPr>
-              <a:t>14.08.2018</a:t>
+              <a:t>15.08.2018</a:t>
             </a:fld>
             <a:endParaRPr lang="de-CH">
               <a:solidFill>
@@ -4633,7 +4635,7 @@
                   <a:srgbClr val="000000"/>
                 </a:solidFill>
               </a:rPr>
-              <a:t>14.08.2018</a:t>
+              <a:t>15.08.2018</a:t>
             </a:fld>
             <a:endParaRPr lang="de-CH">
               <a:solidFill>
@@ -4986,7 +4988,7 @@
                   <a:srgbClr val="000000"/>
                 </a:solidFill>
               </a:rPr>
-              <a:t>14.08.2018</a:t>
+              <a:t>15.08.2018</a:t>
             </a:fld>
             <a:endParaRPr lang="de-CH">
               <a:solidFill>
@@ -5289,7 +5291,7 @@
                   <a:srgbClr val="000000"/>
                 </a:solidFill>
               </a:rPr>
-              <a:t>14.08.2018</a:t>
+              <a:t>15.08.2018</a:t>
             </a:fld>
             <a:endParaRPr lang="de-CH">
               <a:solidFill>
@@ -5486,7 +5488,7 @@
                   <a:srgbClr val="000000"/>
                 </a:solidFill>
               </a:rPr>
-              <a:t>14.08.2018</a:t>
+              <a:t>15.08.2018</a:t>
             </a:fld>
             <a:endParaRPr lang="de-CH">
               <a:solidFill>
@@ -5719,7 +5721,7 @@
                   <a:srgbClr val="000000"/>
                 </a:solidFill>
               </a:rPr>
-              <a:t>14.08.2018</a:t>
+              <a:t>15.08.2018</a:t>
             </a:fld>
             <a:endParaRPr lang="de-CH">
               <a:solidFill>
@@ -5910,7 +5912,7 @@
                   <a:srgbClr val="000000"/>
                 </a:solidFill>
               </a:rPr>
-              <a:t>14.08.2018</a:t>
+              <a:t>15.08.2018</a:t>
             </a:fld>
             <a:endParaRPr lang="de-CH">
               <a:solidFill>
@@ -6113,7 +6115,7 @@
                   <a:srgbClr val="000000"/>
                 </a:solidFill>
               </a:rPr>
-              <a:t>14.08.2018</a:t>
+              <a:t>15.08.2018</a:t>
             </a:fld>
             <a:endParaRPr lang="de-CH">
               <a:solidFill>
@@ -6435,8 +6437,8 @@
           <a:lstStyle/>
           <a:p>
             <a:r>
-              <a:rPr lang="en-GB" dirty="0" smtClean="0"/>
-              <a:t>Compressed Sensing Reconstruction</a:t>
+              <a:rPr lang="en-GB" dirty="0"/>
+              <a:t>CLEAN as a Compressed Sensing Reconstruction</a:t>
             </a:r>
             <a:endParaRPr lang="en-GB" dirty="0"/>
           </a:p>
@@ -6490,40 +6492,10 @@
           </a:prstGeom>
         </p:spPr>
       </p:pic>
-      <p:pic>
-        <p:nvPicPr>
-          <p:cNvPr id="9" name="Grafik 8"/>
-          <p:cNvPicPr>
-            <a:picLocks noChangeAspect="1"/>
-          </p:cNvPicPr>
-          <p:nvPr/>
-        </p:nvPicPr>
-        <p:blipFill>
-          <a:blip r:embed="rId3">
-            <a:extLst>
-              <a:ext uri="{28A0092B-C50C-407E-A947-70E740481C1C}">
-                <a14:useLocalDpi xmlns:a14="http://schemas.microsoft.com/office/drawing/2010/main" val="0"/>
-              </a:ext>
-            </a:extLst>
-          </a:blip>
-          <a:stretch>
-            <a:fillRect/>
-          </a:stretch>
-        </p:blipFill>
-        <p:spPr>
-          <a:xfrm>
-            <a:off x="425808" y="2246099"/>
-            <a:ext cx="9956800" cy="895298"/>
-          </a:xfrm>
-          <a:prstGeom prst="rect">
-            <a:avLst/>
-          </a:prstGeom>
-        </p:spPr>
-      </p:pic>
     </p:spTree>
     <p:extLst>
       <p:ext uri="{BB962C8B-B14F-4D97-AF65-F5344CB8AC3E}">
-        <p14:creationId xmlns:p14="http://schemas.microsoft.com/office/powerpoint/2010/main" val="1425262442"/>
+        <p14:creationId xmlns:p14="http://schemas.microsoft.com/office/powerpoint/2010/main" val="3458333220"/>
       </p:ext>
     </p:extLst>
   </p:cSld>
@@ -6571,7 +6543,7 @@
                   <a:srgbClr val="000000"/>
                 </a:solidFill>
               </a:rPr>
-              <a:t>14.08.2018</a:t>
+              <a:t>15.08.2018</a:t>
             </a:fld>
             <a:endParaRPr lang="de-CH">
               <a:solidFill>
@@ -6812,7 +6784,7 @@
                   <a:srgbClr val="000000"/>
                 </a:solidFill>
               </a:rPr>
-              <a:t>14.08.2018</a:t>
+              <a:t>15.08.2018</a:t>
             </a:fld>
             <a:endParaRPr lang="de-CH">
               <a:solidFill>
@@ -6838,13 +6810,18 @@
           <a:lstStyle/>
           <a:p>
             <a:r>
-              <a:rPr lang="de-CH" dirty="0">
+              <a:rPr lang="de-CH" smtClean="0">
                 <a:solidFill>
                   <a:srgbClr val="000000"/>
                 </a:solidFill>
               </a:rPr>
-              <a:t>Institut i4ds</a:t>
-            </a:r>
+              <a:t>Institut</a:t>
+            </a:r>
+            <a:endParaRPr lang="de-CH">
+              <a:solidFill>
+                <a:srgbClr val="000000"/>
+              </a:solidFill>
+            </a:endParaRPr>
           </a:p>
         </p:txBody>
       </p:sp>
@@ -6895,6 +6872,10 @@
           <a:bodyPr/>
           <a:lstStyle/>
           <a:p>
+            <a:r>
+              <a:rPr lang="en-GB" dirty="0"/>
+              <a:t>CLEAN as a Compressed Sensing Reconstruction</a:t>
+            </a:r>
             <a:endParaRPr lang="en-GB" dirty="0"/>
           </a:p>
         </p:txBody>
@@ -6914,7 +6895,7 @@
           <a:bodyPr/>
           <a:lstStyle/>
           <a:p>
-            <a:endParaRPr lang="en-GB"/>
+            <a:endParaRPr lang="en-GB" dirty="0"/>
           </a:p>
         </p:txBody>
       </p:sp>
@@ -6926,8 +6907,37 @@
           </p:cNvPicPr>
           <p:nvPr/>
         </p:nvPicPr>
+        <p:blipFill rotWithShape="1">
+          <a:blip r:embed="rId2">
+            <a:extLst>
+              <a:ext uri="{28A0092B-C50C-407E-A947-70E740481C1C}">
+                <a14:useLocalDpi xmlns:a14="http://schemas.microsoft.com/office/drawing/2010/main" val="0"/>
+              </a:ext>
+            </a:extLst>
+          </a:blip>
+          <a:srcRect l="32789" t="29175" r="29362" b="31201"/>
+          <a:stretch/>
+        </p:blipFill>
+        <p:spPr>
+          <a:xfrm>
+            <a:off x="3546500" y="3329223"/>
+            <a:ext cx="3715417" cy="3657364"/>
+          </a:xfrm>
+          <a:prstGeom prst="rect">
+            <a:avLst/>
+          </a:prstGeom>
+        </p:spPr>
+      </p:pic>
+      <p:pic>
+        <p:nvPicPr>
+          <p:cNvPr id="9" name="Grafik 8"/>
+          <p:cNvPicPr>
+            <a:picLocks noChangeAspect="1"/>
+          </p:cNvPicPr>
+          <p:nvPr/>
+        </p:nvPicPr>
         <p:blipFill>
-          <a:blip r:embed="rId2">
+          <a:blip r:embed="rId3">
             <a:extLst>
               <a:ext uri="{28A0092B-C50C-407E-A947-70E740481C1C}">
                 <a14:useLocalDpi xmlns:a14="http://schemas.microsoft.com/office/drawing/2010/main" val="0"/>
@@ -6940,8 +6950,8 @@
         </p:blipFill>
         <p:spPr>
           <a:xfrm>
-            <a:off x="3061472" y="215572"/>
-            <a:ext cx="4564105" cy="6713865"/>
+            <a:off x="425808" y="2246099"/>
+            <a:ext cx="9956800" cy="895298"/>
           </a:xfrm>
           <a:prstGeom prst="rect">
             <a:avLst/>
@@ -6951,20 +6961,13 @@
     </p:spTree>
     <p:extLst>
       <p:ext uri="{BB962C8B-B14F-4D97-AF65-F5344CB8AC3E}">
-        <p14:creationId xmlns:p14="http://schemas.microsoft.com/office/powerpoint/2010/main" val="3820216707"/>
+        <p14:creationId xmlns:p14="http://schemas.microsoft.com/office/powerpoint/2010/main" val="1425262442"/>
       </p:ext>
     </p:extLst>
   </p:cSld>
   <p:clrMapOvr>
     <a:masterClrMapping/>
   </p:clrMapOvr>
-  <p:timing>
-    <p:tnLst>
-      <p:par>
-        <p:cTn id="1" dur="indefinite" restart="never" nodeType="tmRoot"/>
-      </p:par>
-    </p:tnLst>
-  </p:timing>
 </p:sld>
 </file>
 
@@ -7006,7 +7009,7 @@
                   <a:srgbClr val="000000"/>
                 </a:solidFill>
               </a:rPr>
-              <a:t>14.08.2018</a:t>
+              <a:t>15.08.2018</a:t>
             </a:fld>
             <a:endParaRPr lang="de-CH">
               <a:solidFill>
@@ -7096,7 +7099,7 @@
           <a:p>
             <a:r>
               <a:rPr lang="en-GB" dirty="0" smtClean="0"/>
-              <a:t>Comparison</a:t>
+              <a:t>Compressed Sensing</a:t>
             </a:r>
             <a:endParaRPr lang="en-GB" dirty="0"/>
           </a:p>
@@ -7117,9 +7120,109 @@
           <a:bodyPr/>
           <a:lstStyle/>
           <a:p>
+            <a:pPr marL="342900" indent="-342900">
+              <a:buFont typeface="Arial" panose="020B0604020202020204" pitchFamily="34" charset="0"/>
+              <a:buChar char="•"/>
+            </a:pPr>
             <a:r>
               <a:rPr lang="en-GB" dirty="0" smtClean="0"/>
-              <a:t>Image Resolution</a:t>
+              <a:t>A Regularization</a:t>
+            </a:r>
+          </a:p>
+          <a:p>
+            <a:pPr marL="695325" lvl="1" indent="-342900">
+              <a:buFont typeface="Arial" panose="020B0604020202020204" pitchFamily="34" charset="0"/>
+              <a:buChar char="•"/>
+            </a:pPr>
+            <a:r>
+              <a:rPr lang="en-GB" dirty="0" smtClean="0"/>
+              <a:t>L1</a:t>
+            </a:r>
+          </a:p>
+          <a:p>
+            <a:pPr marL="695325" lvl="1" indent="-342900">
+              <a:buFont typeface="Arial" panose="020B0604020202020204" pitchFamily="34" charset="0"/>
+              <a:buChar char="•"/>
+            </a:pPr>
+            <a:r>
+              <a:rPr lang="en-GB" dirty="0" smtClean="0"/>
+              <a:t>L2</a:t>
+            </a:r>
+          </a:p>
+          <a:p>
+            <a:pPr marL="695325" lvl="1" indent="-342900">
+              <a:buFont typeface="Arial" panose="020B0604020202020204" pitchFamily="34" charset="0"/>
+              <a:buChar char="•"/>
+            </a:pPr>
+            <a:r>
+              <a:rPr lang="en-GB" dirty="0" smtClean="0"/>
+              <a:t>TV</a:t>
+            </a:r>
+          </a:p>
+          <a:p>
+            <a:pPr marL="695325" lvl="1" indent="-342900">
+              <a:buFont typeface="Arial" panose="020B0604020202020204" pitchFamily="34" charset="0"/>
+              <a:buChar char="•"/>
+            </a:pPr>
+            <a:r>
+              <a:rPr lang="en-GB" dirty="0" err="1" smtClean="0"/>
+              <a:t>Haar</a:t>
+            </a:r>
+            <a:r>
+              <a:rPr lang="en-GB" dirty="0" smtClean="0"/>
+              <a:t> Wavelets</a:t>
+            </a:r>
+          </a:p>
+          <a:p>
+            <a:pPr marL="695325" lvl="1" indent="-342900">
+              <a:buFont typeface="Arial" panose="020B0604020202020204" pitchFamily="34" charset="0"/>
+              <a:buChar char="•"/>
+            </a:pPr>
+            <a:r>
+              <a:rPr lang="en-GB" dirty="0" smtClean="0"/>
+              <a:t>Starlets</a:t>
+            </a:r>
+          </a:p>
+          <a:p>
+            <a:pPr marL="695325" lvl="1" indent="-342900">
+              <a:buFont typeface="Arial" panose="020B0604020202020204" pitchFamily="34" charset="0"/>
+              <a:buChar char="•"/>
+            </a:pPr>
+            <a:r>
+              <a:rPr lang="en-GB" dirty="0" smtClean="0"/>
+              <a:t>…</a:t>
+            </a:r>
+          </a:p>
+          <a:p>
+            <a:pPr marL="342900" indent="-342900">
+              <a:buFont typeface="Arial" panose="020B0604020202020204" pitchFamily="34" charset="0"/>
+              <a:buChar char="•"/>
+            </a:pPr>
+            <a:r>
+              <a:rPr lang="en-GB" dirty="0" smtClean="0"/>
+              <a:t>Objective with Data + Regularization term </a:t>
+            </a:r>
+          </a:p>
+          <a:p>
+            <a:pPr marL="342900" indent="-342900">
+              <a:buFont typeface="Arial" panose="020B0604020202020204" pitchFamily="34" charset="0"/>
+              <a:buChar char="•"/>
+            </a:pPr>
+            <a:r>
+              <a:rPr lang="en-GB" dirty="0" smtClean="0"/>
+              <a:t>Optimizer </a:t>
+            </a:r>
+            <a:r>
+              <a:rPr lang="en-GB" dirty="0" smtClean="0">
+                <a:sym typeface="Wingdings" panose="05000000000000000000" pitchFamily="2" charset="2"/>
+              </a:rPr>
+              <a:t> </a:t>
+            </a:r>
+            <a:r>
+              <a:rPr lang="en-GB" dirty="0" err="1" smtClean="0">
+                <a:sym typeface="Wingdings" panose="05000000000000000000" pitchFamily="2" charset="2"/>
+              </a:rPr>
+              <a:t>Gurobi</a:t>
             </a:r>
             <a:endParaRPr lang="en-GB" dirty="0"/>
           </a:p>
@@ -7128,7 +7231,7 @@
     </p:spTree>
     <p:extLst>
       <p:ext uri="{BB962C8B-B14F-4D97-AF65-F5344CB8AC3E}">
-        <p14:creationId xmlns:p14="http://schemas.microsoft.com/office/powerpoint/2010/main" val="20341684"/>
+        <p14:creationId xmlns:p14="http://schemas.microsoft.com/office/powerpoint/2010/main" val="1836520335"/>
       </p:ext>
     </p:extLst>
   </p:cSld>
@@ -7183,7 +7286,7 @@
                   <a:srgbClr val="000000"/>
                 </a:solidFill>
               </a:rPr>
-              <a:t>14.08.2018</a:t>
+              <a:t>15.08.2018</a:t>
             </a:fld>
             <a:endParaRPr lang="de-CH">
               <a:solidFill>
@@ -7209,18 +7312,13 @@
           <a:lstStyle/>
           <a:p>
             <a:r>
-              <a:rPr lang="de-CH" smtClean="0">
+              <a:rPr lang="de-CH" dirty="0">
                 <a:solidFill>
                   <a:srgbClr val="000000"/>
                 </a:solidFill>
               </a:rPr>
-              <a:t>Institut</a:t>
-            </a:r>
-            <a:endParaRPr lang="de-CH">
-              <a:solidFill>
-                <a:srgbClr val="000000"/>
-              </a:solidFill>
-            </a:endParaRPr>
+              <a:t>Institut i4ds</a:t>
+            </a:r>
           </a:p>
         </p:txBody>
       </p:sp>
@@ -7247,278 +7345,6 @@
               </a:rPr>
               <a:pPr/>
               <a:t>22</a:t>
-            </a:fld>
-            <a:endParaRPr lang="de-CH">
-              <a:solidFill>
-                <a:srgbClr val="000000"/>
-              </a:solidFill>
-            </a:endParaRPr>
-          </a:p>
-        </p:txBody>
-      </p:sp>
-      <p:sp>
-        <p:nvSpPr>
-          <p:cNvPr id="5" name="Titel 4"/>
-          <p:cNvSpPr>
-            <a:spLocks noGrp="1"/>
-          </p:cNvSpPr>
-          <p:nvPr>
-            <p:ph type="title"/>
-          </p:nvPr>
-        </p:nvSpPr>
-        <p:spPr/>
-        <p:txBody>
-          <a:bodyPr/>
-          <a:lstStyle/>
-          <a:p>
-            <a:r>
-              <a:rPr lang="en-GB" dirty="0" smtClean="0"/>
-              <a:t>Compressed Sensing</a:t>
-            </a:r>
-            <a:endParaRPr lang="en-GB" dirty="0"/>
-          </a:p>
-        </p:txBody>
-      </p:sp>
-      <p:sp>
-        <p:nvSpPr>
-          <p:cNvPr id="6" name="Textplatzhalter 5"/>
-          <p:cNvSpPr>
-            <a:spLocks noGrp="1"/>
-          </p:cNvSpPr>
-          <p:nvPr>
-            <p:ph type="body" idx="1"/>
-          </p:nvPr>
-        </p:nvSpPr>
-        <p:spPr/>
-        <p:txBody>
-          <a:bodyPr/>
-          <a:lstStyle/>
-          <a:p>
-            <a:pPr marL="342900" indent="-342900">
-              <a:buFont typeface="Arial" panose="020B0604020202020204" pitchFamily="34" charset="0"/>
-              <a:buChar char="•"/>
-            </a:pPr>
-            <a:r>
-              <a:rPr lang="en-GB" dirty="0" smtClean="0"/>
-              <a:t>A Regularization</a:t>
-            </a:r>
-          </a:p>
-          <a:p>
-            <a:pPr marL="695325" lvl="1" indent="-342900">
-              <a:buFont typeface="Arial" panose="020B0604020202020204" pitchFamily="34" charset="0"/>
-              <a:buChar char="•"/>
-            </a:pPr>
-            <a:r>
-              <a:rPr lang="en-GB" dirty="0" smtClean="0"/>
-              <a:t>L1</a:t>
-            </a:r>
-          </a:p>
-          <a:p>
-            <a:pPr marL="695325" lvl="1" indent="-342900">
-              <a:buFont typeface="Arial" panose="020B0604020202020204" pitchFamily="34" charset="0"/>
-              <a:buChar char="•"/>
-            </a:pPr>
-            <a:r>
-              <a:rPr lang="en-GB" dirty="0" smtClean="0"/>
-              <a:t>L2</a:t>
-            </a:r>
-          </a:p>
-          <a:p>
-            <a:pPr marL="695325" lvl="1" indent="-342900">
-              <a:buFont typeface="Arial" panose="020B0604020202020204" pitchFamily="34" charset="0"/>
-              <a:buChar char="•"/>
-            </a:pPr>
-            <a:r>
-              <a:rPr lang="en-GB" dirty="0" smtClean="0"/>
-              <a:t>TV</a:t>
-            </a:r>
-          </a:p>
-          <a:p>
-            <a:pPr marL="695325" lvl="1" indent="-342900">
-              <a:buFont typeface="Arial" panose="020B0604020202020204" pitchFamily="34" charset="0"/>
-              <a:buChar char="•"/>
-            </a:pPr>
-            <a:r>
-              <a:rPr lang="en-GB" dirty="0" err="1" smtClean="0"/>
-              <a:t>Haar</a:t>
-            </a:r>
-            <a:r>
-              <a:rPr lang="en-GB" dirty="0" smtClean="0"/>
-              <a:t> Wavelets</a:t>
-            </a:r>
-          </a:p>
-          <a:p>
-            <a:pPr marL="695325" lvl="1" indent="-342900">
-              <a:buFont typeface="Arial" panose="020B0604020202020204" pitchFamily="34" charset="0"/>
-              <a:buChar char="•"/>
-            </a:pPr>
-            <a:r>
-              <a:rPr lang="en-GB" dirty="0" smtClean="0"/>
-              <a:t>Starlets</a:t>
-            </a:r>
-          </a:p>
-          <a:p>
-            <a:pPr marL="695325" lvl="1" indent="-342900">
-              <a:buFont typeface="Arial" panose="020B0604020202020204" pitchFamily="34" charset="0"/>
-              <a:buChar char="•"/>
-            </a:pPr>
-            <a:r>
-              <a:rPr lang="en-GB" dirty="0" smtClean="0"/>
-              <a:t>…</a:t>
-            </a:r>
-          </a:p>
-          <a:p>
-            <a:pPr marL="342900" indent="-342900">
-              <a:buFont typeface="Arial" panose="020B0604020202020204" pitchFamily="34" charset="0"/>
-              <a:buChar char="•"/>
-            </a:pPr>
-            <a:r>
-              <a:rPr lang="en-GB" dirty="0" smtClean="0"/>
-              <a:t>Objective with Data + Regularization term </a:t>
-            </a:r>
-          </a:p>
-          <a:p>
-            <a:pPr marL="342900" indent="-342900">
-              <a:buFont typeface="Arial" panose="020B0604020202020204" pitchFamily="34" charset="0"/>
-              <a:buChar char="•"/>
-            </a:pPr>
-            <a:r>
-              <a:rPr lang="en-GB" dirty="0" smtClean="0"/>
-              <a:t>Optimizer </a:t>
-            </a:r>
-            <a:r>
-              <a:rPr lang="en-GB" dirty="0" smtClean="0">
-                <a:sym typeface="Wingdings" panose="05000000000000000000" pitchFamily="2" charset="2"/>
-              </a:rPr>
-              <a:t> </a:t>
-            </a:r>
-            <a:r>
-              <a:rPr lang="en-GB" dirty="0" err="1" smtClean="0">
-                <a:sym typeface="Wingdings" panose="05000000000000000000" pitchFamily="2" charset="2"/>
-              </a:rPr>
-              <a:t>Gurobi</a:t>
-            </a:r>
-            <a:endParaRPr lang="en-GB" dirty="0"/>
-          </a:p>
-        </p:txBody>
-      </p:sp>
-    </p:spTree>
-    <p:extLst>
-      <p:ext uri="{BB962C8B-B14F-4D97-AF65-F5344CB8AC3E}">
-        <p14:creationId xmlns:p14="http://schemas.microsoft.com/office/powerpoint/2010/main" val="1836520335"/>
-      </p:ext>
-    </p:extLst>
-  </p:cSld>
-  <p:clrMapOvr>
-    <a:masterClrMapping/>
-  </p:clrMapOvr>
-  <p:timing>
-    <p:tnLst>
-      <p:par>
-        <p:cTn id="1" dur="indefinite" restart="never" nodeType="tmRoot"/>
-      </p:par>
-    </p:tnLst>
-  </p:timing>
-</p:sld>
-</file>
-
-<file path=ppt/slides/slide23.xml><?xml version="1.0" encoding="utf-8"?>
-<p:sld xmlns:a="http://schemas.openxmlformats.org/drawingml/2006/main" xmlns:r="http://schemas.openxmlformats.org/officeDocument/2006/relationships" xmlns:p="http://schemas.openxmlformats.org/presentationml/2006/main">
-  <p:cSld>
-    <p:spTree>
-      <p:nvGrpSpPr>
-        <p:cNvPr id="1" name=""/>
-        <p:cNvGrpSpPr/>
-        <p:nvPr/>
-      </p:nvGrpSpPr>
-      <p:grpSpPr>
-        <a:xfrm>
-          <a:off x="0" y="0"/>
-          <a:ext cx="0" cy="0"/>
-          <a:chOff x="0" y="0"/>
-          <a:chExt cx="0" cy="0"/>
-        </a:xfrm>
-      </p:grpSpPr>
-      <p:sp>
-        <p:nvSpPr>
-          <p:cNvPr id="2" name="Datumsplatzhalter 1"/>
-          <p:cNvSpPr>
-            <a:spLocks noGrp="1"/>
-          </p:cNvSpPr>
-          <p:nvPr>
-            <p:ph type="dt" sz="half" idx="10"/>
-          </p:nvPr>
-        </p:nvSpPr>
-        <p:spPr/>
-        <p:txBody>
-          <a:bodyPr/>
-          <a:lstStyle/>
-          <a:p>
-            <a:fld id="{5E48492E-72D1-4785-9351-8AE1E40FBA2D}" type="datetime1">
-              <a:rPr lang="de-CH" smtClean="0">
-                <a:solidFill>
-                  <a:srgbClr val="000000"/>
-                </a:solidFill>
-              </a:rPr>
-              <a:t>14.08.2018</a:t>
-            </a:fld>
-            <a:endParaRPr lang="de-CH">
-              <a:solidFill>
-                <a:srgbClr val="000000"/>
-              </a:solidFill>
-            </a:endParaRPr>
-          </a:p>
-        </p:txBody>
-      </p:sp>
-      <p:sp>
-        <p:nvSpPr>
-          <p:cNvPr id="3" name="Fußzeilenplatzhalter 2"/>
-          <p:cNvSpPr>
-            <a:spLocks noGrp="1"/>
-          </p:cNvSpPr>
-          <p:nvPr>
-            <p:ph type="ftr" sz="quarter" idx="11"/>
-          </p:nvPr>
-        </p:nvSpPr>
-        <p:spPr/>
-        <p:txBody>
-          <a:bodyPr/>
-          <a:lstStyle/>
-          <a:p>
-            <a:r>
-              <a:rPr lang="de-CH" dirty="0">
-                <a:solidFill>
-                  <a:srgbClr val="000000"/>
-                </a:solidFill>
-              </a:rPr>
-              <a:t>Institut i4ds</a:t>
-            </a:r>
-          </a:p>
-        </p:txBody>
-      </p:sp>
-      <p:sp>
-        <p:nvSpPr>
-          <p:cNvPr id="4" name="Foliennummernplatzhalter 3"/>
-          <p:cNvSpPr>
-            <a:spLocks noGrp="1"/>
-          </p:cNvSpPr>
-          <p:nvPr>
-            <p:ph type="sldNum" sz="quarter" idx="12"/>
-          </p:nvPr>
-        </p:nvSpPr>
-        <p:spPr/>
-        <p:txBody>
-          <a:bodyPr/>
-          <a:lstStyle/>
-          <a:p>
-            <a:fld id="{351188DD-6605-4EF4-9E67-B567F731CE68}" type="slidenum">
-              <a:rPr lang="de-CH" smtClean="0">
-                <a:solidFill>
-                  <a:srgbClr val="000000"/>
-                </a:solidFill>
-              </a:rPr>
-              <a:pPr/>
-              <a:t>23</a:t>
             </a:fld>
             <a:endParaRPr lang="de-CH">
               <a:solidFill>
@@ -7656,14 +7482,14 @@
           <a:effectLst/>
           <a:extLst>
             <a:ext uri="{909E8E84-426E-40dd-AFC4-6F175D3DCCD1}">
-              <a14:hiddenFill xmlns="" xmlns:a14="http://schemas.microsoft.com/office/drawing/2010/main">
+              <a14:hiddenFill xmlns:a14="http://schemas.microsoft.com/office/drawing/2010/main" xmlns="">
                 <a:solidFill>
                   <a:schemeClr val="accent1"/>
                 </a:solidFill>
               </a14:hiddenFill>
             </a:ext>
             <a:ext uri="{91240B29-F687-4f45-9708-019B960494DF}">
-              <a14:hiddenLine xmlns="" xmlns:a14="http://schemas.microsoft.com/office/drawing/2010/main" w="9525">
+              <a14:hiddenLine xmlns:a14="http://schemas.microsoft.com/office/drawing/2010/main" xmlns="" w="9525">
                 <a:solidFill>
                   <a:schemeClr val="tx1"/>
                 </a:solidFill>
@@ -7673,7 +7499,7 @@
               </a14:hiddenLine>
             </a:ext>
             <a:ext uri="{AF507438-7753-43e0-B8FC-AC1667EBCBE1}">
-              <a14:hiddenEffects xmlns="" xmlns:a14="http://schemas.microsoft.com/office/drawing/2010/main">
+              <a14:hiddenEffects xmlns:a14="http://schemas.microsoft.com/office/drawing/2010/main" xmlns="">
                 <a:effectLst>
                   <a:outerShdw dist="35921" dir="2700000" algn="ctr" rotWithShape="0">
                     <a:schemeClr val="bg2"/>
@@ -7856,7 +7682,7 @@
 </p:sld>
 </file>
 
-<file path=ppt/slides/slide24.xml><?xml version="1.0" encoding="utf-8"?>
+<file path=ppt/slides/slide23.xml><?xml version="1.0" encoding="utf-8"?>
 <p:sld xmlns:a="http://schemas.openxmlformats.org/drawingml/2006/main" xmlns:r="http://schemas.openxmlformats.org/officeDocument/2006/relationships" xmlns:p="http://schemas.openxmlformats.org/presentationml/2006/main">
   <p:cSld>
     <p:spTree>
@@ -7952,7 +7778,7 @@
                   <a:srgbClr val="000000"/>
                 </a:solidFill>
               </a:rPr>
-              <a:t>14.08.2018</a:t>
+              <a:t>15.08.2018</a:t>
             </a:fld>
             <a:endParaRPr lang="de-CH">
               <a:solidFill>
@@ -8023,7 +7849,7 @@
                 </a:solidFill>
               </a:rPr>
               <a:pPr/>
-              <a:t>24</a:t>
+              <a:t>23</a:t>
             </a:fld>
             <a:endParaRPr lang="de-CH">
               <a:solidFill>
@@ -8084,14 +7910,14 @@
           <a:effectLst/>
           <a:extLst>
             <a:ext uri="{909E8E84-426E-40dd-AFC4-6F175D3DCCD1}">
-              <a14:hiddenFill xmlns="" xmlns:a14="http://schemas.microsoft.com/office/drawing/2010/main">
+              <a14:hiddenFill xmlns:a14="http://schemas.microsoft.com/office/drawing/2010/main" xmlns="">
                 <a:solidFill>
                   <a:schemeClr val="accent1"/>
                 </a:solidFill>
               </a14:hiddenFill>
             </a:ext>
             <a:ext uri="{91240B29-F687-4f45-9708-019B960494DF}">
-              <a14:hiddenLine xmlns="" xmlns:a14="http://schemas.microsoft.com/office/drawing/2010/main" w="9525">
+              <a14:hiddenLine xmlns:a14="http://schemas.microsoft.com/office/drawing/2010/main" xmlns="" w="9525">
                 <a:solidFill>
                   <a:schemeClr val="tx1"/>
                 </a:solidFill>
@@ -8101,7 +7927,7 @@
               </a14:hiddenLine>
             </a:ext>
             <a:ext uri="{AF507438-7753-43e0-B8FC-AC1667EBCBE1}">
-              <a14:hiddenEffects xmlns="" xmlns:a14="http://schemas.microsoft.com/office/drawing/2010/main">
+              <a14:hiddenEffects xmlns:a14="http://schemas.microsoft.com/office/drawing/2010/main" xmlns="">
                 <a:effectLst>
                   <a:outerShdw dist="35921" dir="2700000" algn="ctr" rotWithShape="0">
                     <a:schemeClr val="bg2"/>
@@ -8276,7 +8102,7 @@
 </p:sld>
 </file>
 
-<file path=ppt/slides/slide25.xml><?xml version="1.0" encoding="utf-8"?>
+<file path=ppt/slides/slide24.xml><?xml version="1.0" encoding="utf-8"?>
 <p:sld xmlns:a="http://schemas.openxmlformats.org/drawingml/2006/main" xmlns:r="http://schemas.openxmlformats.org/officeDocument/2006/relationships" xmlns:p="http://schemas.openxmlformats.org/presentationml/2006/main">
   <p:cSld>
     <p:spTree>
@@ -8314,7 +8140,7 @@
                   <a:srgbClr val="000000"/>
                 </a:solidFill>
               </a:rPr>
-              <a:t>14.08.2018</a:t>
+              <a:t>15.08.2018</a:t>
             </a:fld>
             <a:endParaRPr lang="de-CH">
               <a:solidFill>
@@ -8385,7 +8211,7 @@
                 </a:solidFill>
               </a:rPr>
               <a:pPr/>
-              <a:t>25</a:t>
+              <a:t>24</a:t>
             </a:fld>
             <a:endParaRPr lang="de-CH">
               <a:solidFill>
@@ -8512,7 +8338,7 @@
 </p:sld>
 </file>
 
-<file path=ppt/slides/slide26.xml><?xml version="1.0" encoding="utf-8"?>
+<file path=ppt/slides/slide25.xml><?xml version="1.0" encoding="utf-8"?>
 <p:sld xmlns:a="http://schemas.openxmlformats.org/drawingml/2006/main" xmlns:r="http://schemas.openxmlformats.org/officeDocument/2006/relationships" xmlns:p="http://schemas.openxmlformats.org/presentationml/2006/main">
   <p:cSld>
     <p:spTree>
@@ -8550,7 +8376,7 @@
                   <a:srgbClr val="000000"/>
                 </a:solidFill>
               </a:rPr>
-              <a:t>14.08.2018</a:t>
+              <a:t>15.08.2018</a:t>
             </a:fld>
             <a:endParaRPr lang="de-CH">
               <a:solidFill>
@@ -8621,7 +8447,7 @@
                 </a:solidFill>
               </a:rPr>
               <a:pPr/>
-              <a:t>26</a:t>
+              <a:t>25</a:t>
             </a:fld>
             <a:endParaRPr lang="de-CH">
               <a:solidFill>
@@ -8777,7 +8603,7 @@
 </p:sld>
 </file>
 
-<file path=ppt/slides/slide27.xml><?xml version="1.0" encoding="utf-8"?>
+<file path=ppt/slides/slide26.xml><?xml version="1.0" encoding="utf-8"?>
 <p:sld xmlns:a="http://schemas.openxmlformats.org/drawingml/2006/main" xmlns:r="http://schemas.openxmlformats.org/officeDocument/2006/relationships" xmlns:p="http://schemas.openxmlformats.org/presentationml/2006/main">
   <p:cSld>
     <p:spTree>
@@ -8844,7 +8670,7 @@
                   <a:srgbClr val="000000"/>
                 </a:solidFill>
               </a:rPr>
-              <a:t>14.08.2018</a:t>
+              <a:t>15.08.2018</a:t>
             </a:fld>
             <a:endParaRPr lang="de-CH">
               <a:solidFill>
@@ -8915,7 +8741,7 @@
                 </a:solidFill>
               </a:rPr>
               <a:pPr/>
-              <a:t>27</a:t>
+              <a:t>26</a:t>
             </a:fld>
             <a:endParaRPr lang="de-CH">
               <a:solidFill>
@@ -8976,14 +8802,14 @@
           <a:effectLst/>
           <a:extLst>
             <a:ext uri="{909E8E84-426E-40dd-AFC4-6F175D3DCCD1}">
-              <a14:hiddenFill xmlns="" xmlns:a14="http://schemas.microsoft.com/office/drawing/2010/main">
+              <a14:hiddenFill xmlns:a14="http://schemas.microsoft.com/office/drawing/2010/main" xmlns="">
                 <a:solidFill>
                   <a:schemeClr val="accent1"/>
                 </a:solidFill>
               </a14:hiddenFill>
             </a:ext>
             <a:ext uri="{91240B29-F687-4f45-9708-019B960494DF}">
-              <a14:hiddenLine xmlns="" xmlns:a14="http://schemas.microsoft.com/office/drawing/2010/main" w="9525">
+              <a14:hiddenLine xmlns:a14="http://schemas.microsoft.com/office/drawing/2010/main" xmlns="" w="9525">
                 <a:solidFill>
                   <a:schemeClr val="tx1"/>
                 </a:solidFill>
@@ -8993,7 +8819,7 @@
               </a14:hiddenLine>
             </a:ext>
             <a:ext uri="{AF507438-7753-43e0-B8FC-AC1667EBCBE1}">
-              <a14:hiddenEffects xmlns="" xmlns:a14="http://schemas.microsoft.com/office/drawing/2010/main">
+              <a14:hiddenEffects xmlns:a14="http://schemas.microsoft.com/office/drawing/2010/main" xmlns="">
                 <a:effectLst>
                   <a:outerShdw dist="35921" dir="2700000" algn="ctr" rotWithShape="0">
                     <a:schemeClr val="bg2"/>
@@ -9197,7 +9023,7 @@
 </p:sld>
 </file>
 
-<file path=ppt/slides/slide28.xml><?xml version="1.0" encoding="utf-8"?>
+<file path=ppt/slides/slide27.xml><?xml version="1.0" encoding="utf-8"?>
 <p:sld xmlns:a="http://schemas.openxmlformats.org/drawingml/2006/main" xmlns:r="http://schemas.openxmlformats.org/officeDocument/2006/relationships" xmlns:p="http://schemas.openxmlformats.org/presentationml/2006/main">
   <p:cSld>
     <p:spTree>
@@ -9235,7 +9061,7 @@
                   <a:srgbClr val="000000"/>
                 </a:solidFill>
               </a:rPr>
-              <a:t>14.08.2018</a:t>
+              <a:t>15.08.2018</a:t>
             </a:fld>
             <a:endParaRPr lang="de-CH">
               <a:solidFill>
@@ -9306,7 +9132,7 @@
                 </a:solidFill>
               </a:rPr>
               <a:pPr/>
-              <a:t>28</a:t>
+              <a:t>27</a:t>
             </a:fld>
             <a:endParaRPr lang="de-CH">
               <a:solidFill>
@@ -9462,7 +9288,7 @@
 </p:sld>
 </file>
 
-<file path=ppt/slides/slide29.xml><?xml version="1.0" encoding="utf-8"?>
+<file path=ppt/slides/slide28.xml><?xml version="1.0" encoding="utf-8"?>
 <p:sld xmlns:a="http://schemas.openxmlformats.org/drawingml/2006/main" xmlns:r="http://schemas.openxmlformats.org/officeDocument/2006/relationships" xmlns:p="http://schemas.openxmlformats.org/presentationml/2006/main">
   <p:cSld>
     <p:spTree>
@@ -9529,7 +9355,7 @@
                   <a:srgbClr val="000000"/>
                 </a:solidFill>
               </a:rPr>
-              <a:t>14.08.2018</a:t>
+              <a:t>15.08.2018</a:t>
             </a:fld>
             <a:endParaRPr lang="de-CH">
               <a:solidFill>
@@ -9600,7 +9426,7 @@
                 </a:solidFill>
               </a:rPr>
               <a:pPr/>
-              <a:t>29</a:t>
+              <a:t>28</a:t>
             </a:fld>
             <a:endParaRPr lang="de-CH">
               <a:solidFill>
@@ -9661,14 +9487,14 @@
           <a:effectLst/>
           <a:extLst>
             <a:ext uri="{909E8E84-426E-40dd-AFC4-6F175D3DCCD1}">
-              <a14:hiddenFill xmlns="" xmlns:a14="http://schemas.microsoft.com/office/drawing/2010/main">
+              <a14:hiddenFill xmlns:a14="http://schemas.microsoft.com/office/drawing/2010/main" xmlns="">
                 <a:solidFill>
                   <a:schemeClr val="accent1"/>
                 </a:solidFill>
               </a14:hiddenFill>
             </a:ext>
             <a:ext uri="{91240B29-F687-4f45-9708-019B960494DF}">
-              <a14:hiddenLine xmlns="" xmlns:a14="http://schemas.microsoft.com/office/drawing/2010/main" w="9525">
+              <a14:hiddenLine xmlns:a14="http://schemas.microsoft.com/office/drawing/2010/main" xmlns="" w="9525">
                 <a:solidFill>
                   <a:schemeClr val="tx1"/>
                 </a:solidFill>
@@ -9678,7 +9504,7 @@
               </a14:hiddenLine>
             </a:ext>
             <a:ext uri="{AF507438-7753-43e0-B8FC-AC1667EBCBE1}">
-              <a14:hiddenEffects xmlns="" xmlns:a14="http://schemas.microsoft.com/office/drawing/2010/main">
+              <a14:hiddenEffects xmlns:a14="http://schemas.microsoft.com/office/drawing/2010/main" xmlns="">
                 <a:effectLst>
                   <a:outerShdw dist="35921" dir="2700000" algn="ctr" rotWithShape="0">
                     <a:schemeClr val="bg2"/>
@@ -9882,7 +9708,7 @@
 </p:sld>
 </file>
 
-<file path=ppt/slides/slide3.xml><?xml version="1.0" encoding="utf-8"?>
+<file path=ppt/slides/slide29.xml><?xml version="1.0" encoding="utf-8"?>
 <p:sld xmlns:a="http://schemas.openxmlformats.org/drawingml/2006/main" xmlns:r="http://schemas.openxmlformats.org/officeDocument/2006/relationships" xmlns:p="http://schemas.openxmlformats.org/presentationml/2006/main">
   <p:cSld>
     <p:spTree>
@@ -9920,7 +9746,7 @@
                   <a:srgbClr val="000000"/>
                 </a:solidFill>
               </a:rPr>
-              <a:t>14.08.2018</a:t>
+              <a:t>15.08.2018</a:t>
             </a:fld>
             <a:endParaRPr lang="de-CH">
               <a:solidFill>
@@ -9946,12 +9772,20 @@
           <a:lstStyle/>
           <a:p>
             <a:r>
+              <a:rPr lang="de-CH" dirty="0">
+                <a:solidFill>
+                  <a:srgbClr val="000000"/>
+                </a:solidFill>
+              </a:rPr>
+              <a:t>Institut </a:t>
+            </a:r>
+            <a:r>
               <a:rPr lang="de-CH" dirty="0" smtClean="0">
                 <a:solidFill>
                   <a:srgbClr val="000000"/>
                 </a:solidFill>
               </a:rPr>
-              <a:t>Institut i4ds</a:t>
+              <a:t>i4ds</a:t>
             </a:r>
             <a:endParaRPr lang="de-CH" dirty="0">
               <a:solidFill>
@@ -9983,252 +9817,7 @@
                 </a:solidFill>
               </a:rPr>
               <a:pPr/>
-              <a:t>3</a:t>
-            </a:fld>
-            <a:endParaRPr lang="de-CH">
-              <a:solidFill>
-                <a:srgbClr val="000000"/>
-              </a:solidFill>
-            </a:endParaRPr>
-          </a:p>
-        </p:txBody>
-      </p:sp>
-      <p:sp>
-        <p:nvSpPr>
-          <p:cNvPr id="5" name="Titel 4"/>
-          <p:cNvSpPr>
-            <a:spLocks noGrp="1"/>
-          </p:cNvSpPr>
-          <p:nvPr>
-            <p:ph type="title"/>
-          </p:nvPr>
-        </p:nvSpPr>
-        <p:spPr/>
-        <p:txBody>
-          <a:bodyPr/>
-          <a:lstStyle/>
-          <a:p>
-            <a:r>
-              <a:rPr lang="en-GB" dirty="0" smtClean="0"/>
-              <a:t>Image Reconstruction</a:t>
-            </a:r>
-            <a:endParaRPr lang="en-GB" dirty="0"/>
-          </a:p>
-        </p:txBody>
-      </p:sp>
-      <p:sp>
-        <p:nvSpPr>
-          <p:cNvPr id="6" name="Textplatzhalter 5"/>
-          <p:cNvSpPr>
-            <a:spLocks noGrp="1"/>
-          </p:cNvSpPr>
-          <p:nvPr>
-            <p:ph type="body" idx="1"/>
-          </p:nvPr>
-        </p:nvSpPr>
-        <p:spPr>
-          <a:xfrm>
-            <a:off x="594172" y="1871663"/>
-            <a:ext cx="9213850" cy="4464050"/>
-          </a:xfrm>
-        </p:spPr>
-        <p:txBody>
-          <a:bodyPr/>
-          <a:lstStyle/>
-          <a:p>
-            <a:endParaRPr lang="en-GB" dirty="0"/>
-          </a:p>
-        </p:txBody>
-      </p:sp>
-      <p:pic>
-        <p:nvPicPr>
-          <p:cNvPr id="7" name="Grafik 6"/>
-          <p:cNvPicPr>
-            <a:picLocks noChangeAspect="1"/>
-          </p:cNvPicPr>
-          <p:nvPr/>
-        </p:nvPicPr>
-        <p:blipFill>
-          <a:blip r:embed="rId2">
-            <a:extLst>
-              <a:ext uri="{28A0092B-C50C-407E-A947-70E740481C1C}">
-                <a14:useLocalDpi xmlns:a14="http://schemas.microsoft.com/office/drawing/2010/main" val="0"/>
-              </a:ext>
-            </a:extLst>
-          </a:blip>
-          <a:stretch>
-            <a:fillRect/>
-          </a:stretch>
-        </p:blipFill>
-        <p:spPr>
-          <a:xfrm>
-            <a:off x="306140" y="2465446"/>
-            <a:ext cx="5142134" cy="3920306"/>
-          </a:xfrm>
-          <a:prstGeom prst="rect">
-            <a:avLst/>
-          </a:prstGeom>
-        </p:spPr>
-      </p:pic>
-      <p:pic>
-        <p:nvPicPr>
-          <p:cNvPr id="9" name="Grafik 8"/>
-          <p:cNvPicPr>
-            <a:picLocks noChangeAspect="1"/>
-          </p:cNvPicPr>
-          <p:nvPr/>
-        </p:nvPicPr>
-        <p:blipFill rotWithShape="1">
-          <a:blip r:embed="rId3">
-            <a:extLst>
-              <a:ext uri="{28A0092B-C50C-407E-A947-70E740481C1C}">
-                <a14:useLocalDpi xmlns:a14="http://schemas.microsoft.com/office/drawing/2010/main" val="0"/>
-              </a:ext>
-            </a:extLst>
-          </a:blip>
-          <a:srcRect l="32789" t="29175" r="29362" b="31201"/>
-          <a:stretch/>
-        </p:blipFill>
-        <p:spPr>
-          <a:xfrm>
-            <a:off x="5490716" y="2124447"/>
-            <a:ext cx="4608512" cy="4536504"/>
-          </a:xfrm>
-          <a:prstGeom prst="rect">
-            <a:avLst/>
-          </a:prstGeom>
-        </p:spPr>
-      </p:pic>
-    </p:spTree>
-    <p:extLst>
-      <p:ext uri="{BB962C8B-B14F-4D97-AF65-F5344CB8AC3E}">
-        <p14:creationId xmlns:p14="http://schemas.microsoft.com/office/powerpoint/2010/main" val="719313134"/>
-      </p:ext>
-    </p:extLst>
-  </p:cSld>
-  <p:clrMapOvr>
-    <a:masterClrMapping/>
-  </p:clrMapOvr>
-  <p:timing>
-    <p:tnLst>
-      <p:par>
-        <p:cTn id="1" dur="indefinite" restart="never" nodeType="tmRoot"/>
-      </p:par>
-    </p:tnLst>
-  </p:timing>
-</p:sld>
-</file>
-
-<file path=ppt/slides/slide30.xml><?xml version="1.0" encoding="utf-8"?>
-<p:sld xmlns:a="http://schemas.openxmlformats.org/drawingml/2006/main" xmlns:r="http://schemas.openxmlformats.org/officeDocument/2006/relationships" xmlns:p="http://schemas.openxmlformats.org/presentationml/2006/main">
-  <p:cSld>
-    <p:spTree>
-      <p:nvGrpSpPr>
-        <p:cNvPr id="1" name=""/>
-        <p:cNvGrpSpPr/>
-        <p:nvPr/>
-      </p:nvGrpSpPr>
-      <p:grpSpPr>
-        <a:xfrm>
-          <a:off x="0" y="0"/>
-          <a:ext cx="0" cy="0"/>
-          <a:chOff x="0" y="0"/>
-          <a:chExt cx="0" cy="0"/>
-        </a:xfrm>
-      </p:grpSpPr>
-      <p:sp>
-        <p:nvSpPr>
-          <p:cNvPr id="2" name="Datumsplatzhalter 1"/>
-          <p:cNvSpPr>
-            <a:spLocks noGrp="1"/>
-          </p:cNvSpPr>
-          <p:nvPr>
-            <p:ph type="dt" sz="half" idx="10"/>
-          </p:nvPr>
-        </p:nvSpPr>
-        <p:spPr/>
-        <p:txBody>
-          <a:bodyPr/>
-          <a:lstStyle/>
-          <a:p>
-            <a:fld id="{5E48492E-72D1-4785-9351-8AE1E40FBA2D}" type="datetime1">
-              <a:rPr lang="de-CH" smtClean="0">
-                <a:solidFill>
-                  <a:srgbClr val="000000"/>
-                </a:solidFill>
-              </a:rPr>
-              <a:t>14.08.2018</a:t>
-            </a:fld>
-            <a:endParaRPr lang="de-CH">
-              <a:solidFill>
-                <a:srgbClr val="000000"/>
-              </a:solidFill>
-            </a:endParaRPr>
-          </a:p>
-        </p:txBody>
-      </p:sp>
-      <p:sp>
-        <p:nvSpPr>
-          <p:cNvPr id="3" name="Fußzeilenplatzhalter 2"/>
-          <p:cNvSpPr>
-            <a:spLocks noGrp="1"/>
-          </p:cNvSpPr>
-          <p:nvPr>
-            <p:ph type="ftr" sz="quarter" idx="11"/>
-          </p:nvPr>
-        </p:nvSpPr>
-        <p:spPr/>
-        <p:txBody>
-          <a:bodyPr/>
-          <a:lstStyle/>
-          <a:p>
-            <a:r>
-              <a:rPr lang="de-CH" dirty="0">
-                <a:solidFill>
-                  <a:srgbClr val="000000"/>
-                </a:solidFill>
-              </a:rPr>
-              <a:t>Institut </a:t>
-            </a:r>
-            <a:r>
-              <a:rPr lang="de-CH" dirty="0" smtClean="0">
-                <a:solidFill>
-                  <a:srgbClr val="000000"/>
-                </a:solidFill>
-              </a:rPr>
-              <a:t>i4ds</a:t>
-            </a:r>
-            <a:endParaRPr lang="de-CH" dirty="0">
-              <a:solidFill>
-                <a:srgbClr val="000000"/>
-              </a:solidFill>
-            </a:endParaRPr>
-          </a:p>
-        </p:txBody>
-      </p:sp>
-      <p:sp>
-        <p:nvSpPr>
-          <p:cNvPr id="4" name="Foliennummernplatzhalter 3"/>
-          <p:cNvSpPr>
-            <a:spLocks noGrp="1"/>
-          </p:cNvSpPr>
-          <p:nvPr>
-            <p:ph type="sldNum" sz="quarter" idx="12"/>
-          </p:nvPr>
-        </p:nvSpPr>
-        <p:spPr/>
-        <p:txBody>
-          <a:bodyPr/>
-          <a:lstStyle/>
-          <a:p>
-            <a:fld id="{351188DD-6605-4EF4-9E67-B567F731CE68}" type="slidenum">
-              <a:rPr lang="de-CH" smtClean="0">
-                <a:solidFill>
-                  <a:srgbClr val="000000"/>
-                </a:solidFill>
-              </a:rPr>
-              <a:pPr/>
-              <a:t>30</a:t>
+              <a:t>29</a:t>
             </a:fld>
             <a:endParaRPr lang="de-CH">
               <a:solidFill>
@@ -10384,6 +9973,420 @@
 </p:sld>
 </file>
 
+<file path=ppt/slides/slide3.xml><?xml version="1.0" encoding="utf-8"?>
+<p:sld xmlns:a="http://schemas.openxmlformats.org/drawingml/2006/main" xmlns:r="http://schemas.openxmlformats.org/officeDocument/2006/relationships" xmlns:p="http://schemas.openxmlformats.org/presentationml/2006/main">
+  <p:cSld>
+    <p:spTree>
+      <p:nvGrpSpPr>
+        <p:cNvPr id="1" name=""/>
+        <p:cNvGrpSpPr/>
+        <p:nvPr/>
+      </p:nvGrpSpPr>
+      <p:grpSpPr>
+        <a:xfrm>
+          <a:off x="0" y="0"/>
+          <a:ext cx="0" cy="0"/>
+          <a:chOff x="0" y="0"/>
+          <a:chExt cx="0" cy="0"/>
+        </a:xfrm>
+      </p:grpSpPr>
+      <p:sp>
+        <p:nvSpPr>
+          <p:cNvPr id="2" name="Datumsplatzhalter 1"/>
+          <p:cNvSpPr>
+            <a:spLocks noGrp="1"/>
+          </p:cNvSpPr>
+          <p:nvPr>
+            <p:ph type="dt" sz="half" idx="10"/>
+          </p:nvPr>
+        </p:nvSpPr>
+        <p:spPr/>
+        <p:txBody>
+          <a:bodyPr/>
+          <a:lstStyle/>
+          <a:p>
+            <a:fld id="{5E48492E-72D1-4785-9351-8AE1E40FBA2D}" type="datetime1">
+              <a:rPr lang="de-CH" smtClean="0">
+                <a:solidFill>
+                  <a:srgbClr val="000000"/>
+                </a:solidFill>
+              </a:rPr>
+              <a:t>15.08.2018</a:t>
+            </a:fld>
+            <a:endParaRPr lang="de-CH">
+              <a:solidFill>
+                <a:srgbClr val="000000"/>
+              </a:solidFill>
+            </a:endParaRPr>
+          </a:p>
+        </p:txBody>
+      </p:sp>
+      <p:sp>
+        <p:nvSpPr>
+          <p:cNvPr id="3" name="Fußzeilenplatzhalter 2"/>
+          <p:cNvSpPr>
+            <a:spLocks noGrp="1"/>
+          </p:cNvSpPr>
+          <p:nvPr>
+            <p:ph type="ftr" sz="quarter" idx="11"/>
+          </p:nvPr>
+        </p:nvSpPr>
+        <p:spPr/>
+        <p:txBody>
+          <a:bodyPr/>
+          <a:lstStyle/>
+          <a:p>
+            <a:r>
+              <a:rPr lang="de-CH" dirty="0" smtClean="0">
+                <a:solidFill>
+                  <a:srgbClr val="000000"/>
+                </a:solidFill>
+              </a:rPr>
+              <a:t>Institut i4ds</a:t>
+            </a:r>
+            <a:endParaRPr lang="de-CH" dirty="0">
+              <a:solidFill>
+                <a:srgbClr val="000000"/>
+              </a:solidFill>
+            </a:endParaRPr>
+          </a:p>
+        </p:txBody>
+      </p:sp>
+      <p:sp>
+        <p:nvSpPr>
+          <p:cNvPr id="4" name="Foliennummernplatzhalter 3"/>
+          <p:cNvSpPr>
+            <a:spLocks noGrp="1"/>
+          </p:cNvSpPr>
+          <p:nvPr>
+            <p:ph type="sldNum" sz="quarter" idx="12"/>
+          </p:nvPr>
+        </p:nvSpPr>
+        <p:spPr/>
+        <p:txBody>
+          <a:bodyPr/>
+          <a:lstStyle/>
+          <a:p>
+            <a:fld id="{351188DD-6605-4EF4-9E67-B567F731CE68}" type="slidenum">
+              <a:rPr lang="de-CH" smtClean="0">
+                <a:solidFill>
+                  <a:srgbClr val="000000"/>
+                </a:solidFill>
+              </a:rPr>
+              <a:pPr/>
+              <a:t>3</a:t>
+            </a:fld>
+            <a:endParaRPr lang="de-CH">
+              <a:solidFill>
+                <a:srgbClr val="000000"/>
+              </a:solidFill>
+            </a:endParaRPr>
+          </a:p>
+        </p:txBody>
+      </p:sp>
+      <p:sp>
+        <p:nvSpPr>
+          <p:cNvPr id="5" name="Titel 4"/>
+          <p:cNvSpPr>
+            <a:spLocks noGrp="1"/>
+          </p:cNvSpPr>
+          <p:nvPr>
+            <p:ph type="title"/>
+          </p:nvPr>
+        </p:nvSpPr>
+        <p:spPr/>
+        <p:txBody>
+          <a:bodyPr/>
+          <a:lstStyle/>
+          <a:p>
+            <a:r>
+              <a:rPr lang="en-GB" dirty="0" smtClean="0"/>
+              <a:t>Image Reconstruction</a:t>
+            </a:r>
+            <a:endParaRPr lang="en-GB" dirty="0"/>
+          </a:p>
+        </p:txBody>
+      </p:sp>
+      <p:sp>
+        <p:nvSpPr>
+          <p:cNvPr id="6" name="Textplatzhalter 5"/>
+          <p:cNvSpPr>
+            <a:spLocks noGrp="1"/>
+          </p:cNvSpPr>
+          <p:nvPr>
+            <p:ph type="body" idx="1"/>
+          </p:nvPr>
+        </p:nvSpPr>
+        <p:spPr>
+          <a:xfrm>
+            <a:off x="594172" y="1871663"/>
+            <a:ext cx="9213850" cy="4464050"/>
+          </a:xfrm>
+        </p:spPr>
+        <p:txBody>
+          <a:bodyPr/>
+          <a:lstStyle/>
+          <a:p>
+            <a:endParaRPr lang="en-GB" dirty="0"/>
+          </a:p>
+        </p:txBody>
+      </p:sp>
+      <p:pic>
+        <p:nvPicPr>
+          <p:cNvPr id="7" name="Grafik 6"/>
+          <p:cNvPicPr>
+            <a:picLocks noChangeAspect="1"/>
+          </p:cNvPicPr>
+          <p:nvPr/>
+        </p:nvPicPr>
+        <p:blipFill>
+          <a:blip r:embed="rId2">
+            <a:extLst>
+              <a:ext uri="{28A0092B-C50C-407E-A947-70E740481C1C}">
+                <a14:useLocalDpi xmlns:a14="http://schemas.microsoft.com/office/drawing/2010/main" val="0"/>
+              </a:ext>
+            </a:extLst>
+          </a:blip>
+          <a:stretch>
+            <a:fillRect/>
+          </a:stretch>
+        </p:blipFill>
+        <p:spPr>
+          <a:xfrm>
+            <a:off x="306140" y="2465446"/>
+            <a:ext cx="5142134" cy="3920306"/>
+          </a:xfrm>
+          <a:prstGeom prst="rect">
+            <a:avLst/>
+          </a:prstGeom>
+        </p:spPr>
+      </p:pic>
+      <p:pic>
+        <p:nvPicPr>
+          <p:cNvPr id="9" name="Grafik 8"/>
+          <p:cNvPicPr>
+            <a:picLocks noChangeAspect="1"/>
+          </p:cNvPicPr>
+          <p:nvPr/>
+        </p:nvPicPr>
+        <p:blipFill rotWithShape="1">
+          <a:blip r:embed="rId3">
+            <a:extLst>
+              <a:ext uri="{28A0092B-C50C-407E-A947-70E740481C1C}">
+                <a14:useLocalDpi xmlns:a14="http://schemas.microsoft.com/office/drawing/2010/main" val="0"/>
+              </a:ext>
+            </a:extLst>
+          </a:blip>
+          <a:srcRect l="32789" t="29175" r="29362" b="31201"/>
+          <a:stretch/>
+        </p:blipFill>
+        <p:spPr>
+          <a:xfrm>
+            <a:off x="5490716" y="2124447"/>
+            <a:ext cx="4608512" cy="4536504"/>
+          </a:xfrm>
+          <a:prstGeom prst="rect">
+            <a:avLst/>
+          </a:prstGeom>
+        </p:spPr>
+      </p:pic>
+    </p:spTree>
+    <p:extLst>
+      <p:ext uri="{BB962C8B-B14F-4D97-AF65-F5344CB8AC3E}">
+        <p14:creationId xmlns:p14="http://schemas.microsoft.com/office/powerpoint/2010/main" val="719313134"/>
+      </p:ext>
+    </p:extLst>
+  </p:cSld>
+  <p:clrMapOvr>
+    <a:masterClrMapping/>
+  </p:clrMapOvr>
+  <p:timing>
+    <p:tnLst>
+      <p:par>
+        <p:cTn id="1" dur="indefinite" restart="never" nodeType="tmRoot"/>
+      </p:par>
+    </p:tnLst>
+  </p:timing>
+</p:sld>
+</file>
+
+<file path=ppt/slides/slide30.xml><?xml version="1.0" encoding="utf-8"?>
+<p:sld xmlns:a="http://schemas.openxmlformats.org/drawingml/2006/main" xmlns:r="http://schemas.openxmlformats.org/officeDocument/2006/relationships" xmlns:p="http://schemas.openxmlformats.org/presentationml/2006/main">
+  <p:cSld>
+    <p:spTree>
+      <p:nvGrpSpPr>
+        <p:cNvPr id="1" name=""/>
+        <p:cNvGrpSpPr/>
+        <p:nvPr/>
+      </p:nvGrpSpPr>
+      <p:grpSpPr>
+        <a:xfrm>
+          <a:off x="0" y="0"/>
+          <a:ext cx="0" cy="0"/>
+          <a:chOff x="0" y="0"/>
+          <a:chExt cx="0" cy="0"/>
+        </a:xfrm>
+      </p:grpSpPr>
+      <p:sp>
+        <p:nvSpPr>
+          <p:cNvPr id="2" name="Datumsplatzhalter 1"/>
+          <p:cNvSpPr>
+            <a:spLocks noGrp="1"/>
+          </p:cNvSpPr>
+          <p:nvPr>
+            <p:ph type="dt" sz="half" idx="10"/>
+          </p:nvPr>
+        </p:nvSpPr>
+        <p:spPr/>
+        <p:txBody>
+          <a:bodyPr/>
+          <a:lstStyle/>
+          <a:p>
+            <a:fld id="{5E48492E-72D1-4785-9351-8AE1E40FBA2D}" type="datetime1">
+              <a:rPr lang="de-CH" smtClean="0">
+                <a:solidFill>
+                  <a:srgbClr val="000000"/>
+                </a:solidFill>
+              </a:rPr>
+              <a:t>15.08.2018</a:t>
+            </a:fld>
+            <a:endParaRPr lang="de-CH">
+              <a:solidFill>
+                <a:srgbClr val="000000"/>
+              </a:solidFill>
+            </a:endParaRPr>
+          </a:p>
+        </p:txBody>
+      </p:sp>
+      <p:sp>
+        <p:nvSpPr>
+          <p:cNvPr id="3" name="Fußzeilenplatzhalter 2"/>
+          <p:cNvSpPr>
+            <a:spLocks noGrp="1"/>
+          </p:cNvSpPr>
+          <p:nvPr>
+            <p:ph type="ftr" sz="quarter" idx="11"/>
+          </p:nvPr>
+        </p:nvSpPr>
+        <p:spPr/>
+        <p:txBody>
+          <a:bodyPr/>
+          <a:lstStyle/>
+          <a:p>
+            <a:r>
+              <a:rPr lang="de-CH" smtClean="0">
+                <a:solidFill>
+                  <a:srgbClr val="000000"/>
+                </a:solidFill>
+              </a:rPr>
+              <a:t>Institut</a:t>
+            </a:r>
+            <a:endParaRPr lang="de-CH">
+              <a:solidFill>
+                <a:srgbClr val="000000"/>
+              </a:solidFill>
+            </a:endParaRPr>
+          </a:p>
+        </p:txBody>
+      </p:sp>
+      <p:sp>
+        <p:nvSpPr>
+          <p:cNvPr id="4" name="Foliennummernplatzhalter 3"/>
+          <p:cNvSpPr>
+            <a:spLocks noGrp="1"/>
+          </p:cNvSpPr>
+          <p:nvPr>
+            <p:ph type="sldNum" sz="quarter" idx="12"/>
+          </p:nvPr>
+        </p:nvSpPr>
+        <p:spPr/>
+        <p:txBody>
+          <a:bodyPr/>
+          <a:lstStyle/>
+          <a:p>
+            <a:fld id="{351188DD-6605-4EF4-9E67-B567F731CE68}" type="slidenum">
+              <a:rPr lang="de-CH" smtClean="0">
+                <a:solidFill>
+                  <a:srgbClr val="000000"/>
+                </a:solidFill>
+              </a:rPr>
+              <a:pPr/>
+              <a:t>30</a:t>
+            </a:fld>
+            <a:endParaRPr lang="de-CH">
+              <a:solidFill>
+                <a:srgbClr val="000000"/>
+              </a:solidFill>
+            </a:endParaRPr>
+          </a:p>
+        </p:txBody>
+      </p:sp>
+      <p:sp>
+        <p:nvSpPr>
+          <p:cNvPr id="5" name="Titel 4"/>
+          <p:cNvSpPr>
+            <a:spLocks noGrp="1"/>
+          </p:cNvSpPr>
+          <p:nvPr>
+            <p:ph type="title"/>
+          </p:nvPr>
+        </p:nvSpPr>
+        <p:spPr/>
+        <p:txBody>
+          <a:bodyPr/>
+          <a:lstStyle/>
+          <a:p>
+            <a:r>
+              <a:rPr lang="en-GB" dirty="0" smtClean="0"/>
+              <a:t>Comparison</a:t>
+            </a:r>
+            <a:endParaRPr lang="en-GB" dirty="0"/>
+          </a:p>
+        </p:txBody>
+      </p:sp>
+      <p:sp>
+        <p:nvSpPr>
+          <p:cNvPr id="6" name="Textplatzhalter 5"/>
+          <p:cNvSpPr>
+            <a:spLocks noGrp="1"/>
+          </p:cNvSpPr>
+          <p:nvPr>
+            <p:ph type="body" idx="1"/>
+          </p:nvPr>
+        </p:nvSpPr>
+        <p:spPr/>
+        <p:txBody>
+          <a:bodyPr/>
+          <a:lstStyle/>
+          <a:p>
+            <a:r>
+              <a:rPr lang="en-GB" dirty="0" smtClean="0"/>
+              <a:t>Image Resolution</a:t>
+            </a:r>
+            <a:endParaRPr lang="en-GB" dirty="0"/>
+          </a:p>
+        </p:txBody>
+      </p:sp>
+    </p:spTree>
+    <p:extLst>
+      <p:ext uri="{BB962C8B-B14F-4D97-AF65-F5344CB8AC3E}">
+        <p14:creationId xmlns:p14="http://schemas.microsoft.com/office/powerpoint/2010/main" val="20341684"/>
+      </p:ext>
+    </p:extLst>
+  </p:cSld>
+  <p:clrMapOvr>
+    <a:masterClrMapping/>
+  </p:clrMapOvr>
+  <p:timing>
+    <p:tnLst>
+      <p:par>
+        <p:cTn id="1" dur="indefinite" restart="never" nodeType="tmRoot"/>
+      </p:par>
+    </p:tnLst>
+  </p:timing>
+</p:sld>
+</file>
+
 <file path=ppt/slides/slide31.xml><?xml version="1.0" encoding="utf-8"?>
 <p:sld xmlns:a="http://schemas.openxmlformats.org/drawingml/2006/main" xmlns:r="http://schemas.openxmlformats.org/officeDocument/2006/relationships" xmlns:p="http://schemas.openxmlformats.org/presentationml/2006/main">
   <p:cSld>
@@ -10422,7 +10425,7 @@
                   <a:srgbClr val="000000"/>
                 </a:solidFill>
               </a:rPr>
-              <a:t>14.08.2018</a:t>
+              <a:t>15.08.2018</a:t>
             </a:fld>
             <a:endParaRPr lang="de-CH">
               <a:solidFill>
@@ -10603,7 +10606,7 @@
                   <a:srgbClr val="000000"/>
                 </a:solidFill>
               </a:rPr>
-              <a:t>14.08.2018</a:t>
+              <a:t>15.08.2018</a:t>
             </a:fld>
             <a:endParaRPr lang="de-CH">
               <a:solidFill>
@@ -10634,6 +10637,200 @@
                   <a:srgbClr val="000000"/>
                 </a:solidFill>
               </a:rPr>
+              <a:t>Institut i4ds</a:t>
+            </a:r>
+          </a:p>
+        </p:txBody>
+      </p:sp>
+      <p:sp>
+        <p:nvSpPr>
+          <p:cNvPr id="4" name="Foliennummernplatzhalter 3"/>
+          <p:cNvSpPr>
+            <a:spLocks noGrp="1"/>
+          </p:cNvSpPr>
+          <p:nvPr>
+            <p:ph type="sldNum" sz="quarter" idx="12"/>
+          </p:nvPr>
+        </p:nvSpPr>
+        <p:spPr/>
+        <p:txBody>
+          <a:bodyPr/>
+          <a:lstStyle/>
+          <a:p>
+            <a:fld id="{351188DD-6605-4EF4-9E67-B567F731CE68}" type="slidenum">
+              <a:rPr lang="de-CH" smtClean="0">
+                <a:solidFill>
+                  <a:srgbClr val="000000"/>
+                </a:solidFill>
+              </a:rPr>
+              <a:pPr/>
+              <a:t>32</a:t>
+            </a:fld>
+            <a:endParaRPr lang="de-CH">
+              <a:solidFill>
+                <a:srgbClr val="000000"/>
+              </a:solidFill>
+            </a:endParaRPr>
+          </a:p>
+        </p:txBody>
+      </p:sp>
+      <p:sp>
+        <p:nvSpPr>
+          <p:cNvPr id="5" name="Titel 4"/>
+          <p:cNvSpPr>
+            <a:spLocks noGrp="1"/>
+          </p:cNvSpPr>
+          <p:nvPr>
+            <p:ph type="title"/>
+          </p:nvPr>
+        </p:nvSpPr>
+        <p:spPr/>
+        <p:txBody>
+          <a:bodyPr/>
+          <a:lstStyle/>
+          <a:p>
+            <a:endParaRPr lang="en-GB" dirty="0"/>
+          </a:p>
+        </p:txBody>
+      </p:sp>
+      <p:sp>
+        <p:nvSpPr>
+          <p:cNvPr id="6" name="Textplatzhalter 5"/>
+          <p:cNvSpPr>
+            <a:spLocks noGrp="1"/>
+          </p:cNvSpPr>
+          <p:nvPr>
+            <p:ph type="body" idx="1"/>
+          </p:nvPr>
+        </p:nvSpPr>
+        <p:spPr/>
+        <p:txBody>
+          <a:bodyPr/>
+          <a:lstStyle/>
+          <a:p>
+            <a:endParaRPr lang="en-GB"/>
+          </a:p>
+        </p:txBody>
+      </p:sp>
+      <p:pic>
+        <p:nvPicPr>
+          <p:cNvPr id="7" name="Grafik 6"/>
+          <p:cNvPicPr>
+            <a:picLocks noChangeAspect="1"/>
+          </p:cNvPicPr>
+          <p:nvPr/>
+        </p:nvPicPr>
+        <p:blipFill>
+          <a:blip r:embed="rId2">
+            <a:extLst>
+              <a:ext uri="{28A0092B-C50C-407E-A947-70E740481C1C}">
+                <a14:useLocalDpi xmlns:a14="http://schemas.microsoft.com/office/drawing/2010/main" val="0"/>
+              </a:ext>
+            </a:extLst>
+          </a:blip>
+          <a:stretch>
+            <a:fillRect/>
+          </a:stretch>
+        </p:blipFill>
+        <p:spPr>
+          <a:xfrm>
+            <a:off x="3061472" y="215572"/>
+            <a:ext cx="4564105" cy="6713865"/>
+          </a:xfrm>
+          <a:prstGeom prst="rect">
+            <a:avLst/>
+          </a:prstGeom>
+        </p:spPr>
+      </p:pic>
+    </p:spTree>
+    <p:extLst>
+      <p:ext uri="{BB962C8B-B14F-4D97-AF65-F5344CB8AC3E}">
+        <p14:creationId xmlns:p14="http://schemas.microsoft.com/office/powerpoint/2010/main" val="3820216707"/>
+      </p:ext>
+    </p:extLst>
+  </p:cSld>
+  <p:clrMapOvr>
+    <a:masterClrMapping/>
+  </p:clrMapOvr>
+  <p:timing>
+    <p:tnLst>
+      <p:par>
+        <p:cTn id="1" dur="indefinite" restart="never" nodeType="tmRoot"/>
+      </p:par>
+    </p:tnLst>
+  </p:timing>
+</p:sld>
+</file>
+
+<file path=ppt/slides/slide33.xml><?xml version="1.0" encoding="utf-8"?>
+<p:sld xmlns:a="http://schemas.openxmlformats.org/drawingml/2006/main" xmlns:r="http://schemas.openxmlformats.org/officeDocument/2006/relationships" xmlns:p="http://schemas.openxmlformats.org/presentationml/2006/main">
+  <p:cSld>
+    <p:spTree>
+      <p:nvGrpSpPr>
+        <p:cNvPr id="1" name=""/>
+        <p:cNvGrpSpPr/>
+        <p:nvPr/>
+      </p:nvGrpSpPr>
+      <p:grpSpPr>
+        <a:xfrm>
+          <a:off x="0" y="0"/>
+          <a:ext cx="0" cy="0"/>
+          <a:chOff x="0" y="0"/>
+          <a:chExt cx="0" cy="0"/>
+        </a:xfrm>
+      </p:grpSpPr>
+      <p:sp>
+        <p:nvSpPr>
+          <p:cNvPr id="2" name="Datumsplatzhalter 1"/>
+          <p:cNvSpPr>
+            <a:spLocks noGrp="1"/>
+          </p:cNvSpPr>
+          <p:nvPr>
+            <p:ph type="dt" sz="half" idx="10"/>
+          </p:nvPr>
+        </p:nvSpPr>
+        <p:spPr/>
+        <p:txBody>
+          <a:bodyPr/>
+          <a:lstStyle/>
+          <a:p>
+            <a:fld id="{5E48492E-72D1-4785-9351-8AE1E40FBA2D}" type="datetime1">
+              <a:rPr lang="de-CH" smtClean="0">
+                <a:solidFill>
+                  <a:srgbClr val="000000"/>
+                </a:solidFill>
+              </a:rPr>
+              <a:t>15.08.2018</a:t>
+            </a:fld>
+            <a:endParaRPr lang="de-CH">
+              <a:solidFill>
+                <a:srgbClr val="000000"/>
+              </a:solidFill>
+            </a:endParaRPr>
+          </a:p>
+        </p:txBody>
+      </p:sp>
+      <p:sp>
+        <p:nvSpPr>
+          <p:cNvPr id="3" name="Fußzeilenplatzhalter 2"/>
+          <p:cNvSpPr>
+            <a:spLocks noGrp="1"/>
+          </p:cNvSpPr>
+          <p:nvPr>
+            <p:ph type="ftr" sz="quarter" idx="11"/>
+          </p:nvPr>
+        </p:nvSpPr>
+        <p:spPr/>
+        <p:txBody>
+          <a:bodyPr/>
+          <a:lstStyle/>
+          <a:p>
+            <a:r>
+              <a:rPr lang="de-CH" dirty="0">
+                <a:solidFill>
+                  <a:srgbClr val="000000"/>
+                </a:solidFill>
+              </a:rPr>
               <a:t>Institut </a:t>
             </a:r>
             <a:r>
@@ -10674,7 +10871,7 @@
                 </a:solidFill>
               </a:rPr>
               <a:pPr/>
-              <a:t>32</a:t>
+              <a:t>33</a:t>
             </a:fld>
             <a:endParaRPr lang="de-CH">
               <a:solidFill>
@@ -10801,7 +10998,7 @@
 </p:sld>
 </file>
 
-<file path=ppt/slides/slide33.xml><?xml version="1.0" encoding="utf-8"?>
+<file path=ppt/slides/slide34.xml><?xml version="1.0" encoding="utf-8"?>
 <p:sld xmlns:a="http://schemas.openxmlformats.org/drawingml/2006/main" xmlns:r="http://schemas.openxmlformats.org/officeDocument/2006/relationships" xmlns:p="http://schemas.openxmlformats.org/presentationml/2006/main">
   <p:cSld>
     <p:spTree>
@@ -10839,7 +11036,7 @@
                   <a:srgbClr val="000000"/>
                 </a:solidFill>
               </a:rPr>
-              <a:t>14.08.2018</a:t>
+              <a:t>15.08.2018</a:t>
             </a:fld>
             <a:endParaRPr lang="de-CH">
               <a:solidFill>
@@ -10910,7 +11107,7 @@
                 </a:solidFill>
               </a:rPr>
               <a:pPr/>
-              <a:t>33</a:t>
+              <a:t>34</a:t>
             </a:fld>
             <a:endParaRPr lang="de-CH">
               <a:solidFill>
@@ -11075,7 +11272,7 @@
                   <a:srgbClr val="000000"/>
                 </a:solidFill>
               </a:rPr>
-              <a:t>14.08.2018</a:t>
+              <a:t>15.08.2018</a:t>
             </a:fld>
             <a:endParaRPr lang="de-CH">
               <a:solidFill>
@@ -11301,7 +11498,7 @@
                   <a:srgbClr val="000000"/>
                 </a:solidFill>
               </a:rPr>
-              <a:t>14.08.2018</a:t>
+              <a:t>15.08.2018</a:t>
             </a:fld>
             <a:endParaRPr lang="de-CH">
               <a:solidFill>
@@ -11509,7 +11706,7 @@
                   <a:srgbClr val="000000"/>
                 </a:solidFill>
               </a:rPr>
-              <a:t>14.08.2018</a:t>
+              <a:t>15.08.2018</a:t>
             </a:fld>
             <a:endParaRPr lang="de-CH">
               <a:solidFill>
@@ -11710,7 +11907,7 @@
                   <a:srgbClr val="000000"/>
                 </a:solidFill>
               </a:rPr>
-              <a:t>14.08.2018</a:t>
+              <a:t>15.08.2018</a:t>
             </a:fld>
             <a:endParaRPr lang="de-CH">
               <a:solidFill>
@@ -11913,7 +12110,7 @@
                   <a:srgbClr val="000000"/>
                 </a:solidFill>
               </a:rPr>
-              <a:t>14.08.2018</a:t>
+              <a:t>15.08.2018</a:t>
             </a:fld>
             <a:endParaRPr lang="de-CH">
               <a:solidFill>
@@ -12326,7 +12523,7 @@
                   <a:srgbClr val="000000"/>
                 </a:solidFill>
               </a:rPr>
-              <a:t>14.08.2018</a:t>
+              <a:t>15.08.2018</a:t>
             </a:fld>
             <a:endParaRPr lang="de-CH">
               <a:solidFill>
@@ -12812,7 +13009,7 @@
         <a:effectLst/>
         <a:extLst>
           <a:ext uri="{AF507438-7753-43e0-B8FC-AC1667EBCBE1}">
-            <a14:hiddenEffects xmlns="" xmlns:a14="http://schemas.microsoft.com/office/drawing/2010/main">
+            <a14:hiddenEffects xmlns:a14="http://schemas.microsoft.com/office/drawing/2010/main" xmlns="">
               <a:effectLst>
                 <a:outerShdw dist="35921" dir="2700000" algn="ctr" rotWithShape="0">
                   <a:schemeClr val="bg2"/>
@@ -12885,7 +13082,7 @@
         <a:effectLst/>
         <a:extLst>
           <a:ext uri="{AF507438-7753-43e0-B8FC-AC1667EBCBE1}">
-            <a14:hiddenEffects xmlns="" xmlns:a14="http://schemas.microsoft.com/office/drawing/2010/main">
+            <a14:hiddenEffects xmlns:a14="http://schemas.microsoft.com/office/drawing/2010/main" xmlns="">
               <a:effectLst>
                 <a:outerShdw dist="35921" dir="2700000" algn="ctr" rotWithShape="0">
                   <a:schemeClr val="bg2"/>

--- a/ppt/praes.pptx
+++ b/ppt/praes.pptx
@@ -31,8 +31,8 @@
     <p:sldId id="280" r:id="rId19"/>
     <p:sldId id="325" r:id="rId20"/>
     <p:sldId id="324" r:id="rId21"/>
-    <p:sldId id="319" r:id="rId22"/>
-    <p:sldId id="311" r:id="rId23"/>
+    <p:sldId id="311" r:id="rId22"/>
+    <p:sldId id="319" r:id="rId23"/>
     <p:sldId id="290" r:id="rId24"/>
     <p:sldId id="258" r:id="rId25"/>
     <p:sldId id="312" r:id="rId26"/>
@@ -41,7 +41,7 @@
     <p:sldId id="313" r:id="rId29"/>
     <p:sldId id="322" r:id="rId30"/>
     <p:sldId id="323" r:id="rId31"/>
-    <p:sldId id="269" r:id="rId32"/>
+    <p:sldId id="326" r:id="rId32"/>
     <p:sldId id="304" r:id="rId33"/>
     <p:sldId id="308" r:id="rId34"/>
     <p:sldId id="309" r:id="rId35"/>
@@ -210,8 +210,8 @@
         </p14:section>
         <p14:section name="Abschnitt ohne Titel" id="{08DBAA98-29F2-46AD-A1D0-8A81AF8564F8}">
           <p14:sldIdLst>
+            <p14:sldId id="311"/>
             <p14:sldId id="319"/>
-            <p14:sldId id="311"/>
             <p14:sldId id="290"/>
             <p14:sldId id="258"/>
             <p14:sldId id="312"/>
@@ -220,7 +220,7 @@
             <p14:sldId id="313"/>
             <p14:sldId id="322"/>
             <p14:sldId id="323"/>
-            <p14:sldId id="269"/>
+            <p14:sldId id="326"/>
             <p14:sldId id="304"/>
             <p14:sldId id="308"/>
             <p14:sldId id="309"/>
@@ -1592,7 +1592,7 @@
             <a:fld id="{058061DB-DF71-4765-99A4-14E22DF63CCF}" type="slidenum">
               <a:rPr lang="de-CH" smtClean="0"/>
               <a:pPr/>
-              <a:t>22</a:t>
+              <a:t>21</a:t>
             </a:fld>
             <a:endParaRPr lang="de-CH"/>
           </a:p>
@@ -3756,7 +3756,7 @@
           <a:p>
             <a:r>
               <a:rPr lang="de-CH" dirty="0" smtClean="0"/>
-              <a:t>Compressed </a:t>
+              <a:t>P7 Compressed </a:t>
             </a:r>
             <a:r>
               <a:rPr lang="de-CH" dirty="0" err="1" smtClean="0"/>
@@ -6440,7 +6440,6 @@
               <a:rPr lang="en-GB" dirty="0"/>
               <a:t>CLEAN as a Compressed Sensing Reconstruction</a:t>
             </a:r>
-            <a:endParaRPr lang="en-GB" dirty="0"/>
           </a:p>
         </p:txBody>
       </p:sp>
@@ -6876,7 +6875,6 @@
               <a:rPr lang="en-GB" dirty="0"/>
               <a:t>CLEAN as a Compressed Sensing Reconstruction</a:t>
             </a:r>
-            <a:endParaRPr lang="en-GB" dirty="0"/>
           </a:p>
         </p:txBody>
       </p:sp>
@@ -7035,18 +7033,13 @@
           <a:lstStyle/>
           <a:p>
             <a:r>
-              <a:rPr lang="de-CH" smtClean="0">
+              <a:rPr lang="de-CH" dirty="0">
                 <a:solidFill>
                   <a:srgbClr val="000000"/>
                 </a:solidFill>
               </a:rPr>
-              <a:t>Institut</a:t>
-            </a:r>
-            <a:endParaRPr lang="de-CH">
-              <a:solidFill>
-                <a:srgbClr val="000000"/>
-              </a:solidFill>
-            </a:endParaRPr>
+              <a:t>Institut i4ds</a:t>
+            </a:r>
           </a:p>
         </p:txBody>
       </p:sp>
@@ -7073,278 +7066,6 @@
               </a:rPr>
               <a:pPr/>
               <a:t>21</a:t>
-            </a:fld>
-            <a:endParaRPr lang="de-CH">
-              <a:solidFill>
-                <a:srgbClr val="000000"/>
-              </a:solidFill>
-            </a:endParaRPr>
-          </a:p>
-        </p:txBody>
-      </p:sp>
-      <p:sp>
-        <p:nvSpPr>
-          <p:cNvPr id="5" name="Titel 4"/>
-          <p:cNvSpPr>
-            <a:spLocks noGrp="1"/>
-          </p:cNvSpPr>
-          <p:nvPr>
-            <p:ph type="title"/>
-          </p:nvPr>
-        </p:nvSpPr>
-        <p:spPr/>
-        <p:txBody>
-          <a:bodyPr/>
-          <a:lstStyle/>
-          <a:p>
-            <a:r>
-              <a:rPr lang="en-GB" dirty="0" smtClean="0"/>
-              <a:t>Compressed Sensing</a:t>
-            </a:r>
-            <a:endParaRPr lang="en-GB" dirty="0"/>
-          </a:p>
-        </p:txBody>
-      </p:sp>
-      <p:sp>
-        <p:nvSpPr>
-          <p:cNvPr id="6" name="Textplatzhalter 5"/>
-          <p:cNvSpPr>
-            <a:spLocks noGrp="1"/>
-          </p:cNvSpPr>
-          <p:nvPr>
-            <p:ph type="body" idx="1"/>
-          </p:nvPr>
-        </p:nvSpPr>
-        <p:spPr/>
-        <p:txBody>
-          <a:bodyPr/>
-          <a:lstStyle/>
-          <a:p>
-            <a:pPr marL="342900" indent="-342900">
-              <a:buFont typeface="Arial" panose="020B0604020202020204" pitchFamily="34" charset="0"/>
-              <a:buChar char="•"/>
-            </a:pPr>
-            <a:r>
-              <a:rPr lang="en-GB" dirty="0" smtClean="0"/>
-              <a:t>A Regularization</a:t>
-            </a:r>
-          </a:p>
-          <a:p>
-            <a:pPr marL="695325" lvl="1" indent="-342900">
-              <a:buFont typeface="Arial" panose="020B0604020202020204" pitchFamily="34" charset="0"/>
-              <a:buChar char="•"/>
-            </a:pPr>
-            <a:r>
-              <a:rPr lang="en-GB" dirty="0" smtClean="0"/>
-              <a:t>L1</a:t>
-            </a:r>
-          </a:p>
-          <a:p>
-            <a:pPr marL="695325" lvl="1" indent="-342900">
-              <a:buFont typeface="Arial" panose="020B0604020202020204" pitchFamily="34" charset="0"/>
-              <a:buChar char="•"/>
-            </a:pPr>
-            <a:r>
-              <a:rPr lang="en-GB" dirty="0" smtClean="0"/>
-              <a:t>L2</a:t>
-            </a:r>
-          </a:p>
-          <a:p>
-            <a:pPr marL="695325" lvl="1" indent="-342900">
-              <a:buFont typeface="Arial" panose="020B0604020202020204" pitchFamily="34" charset="0"/>
-              <a:buChar char="•"/>
-            </a:pPr>
-            <a:r>
-              <a:rPr lang="en-GB" dirty="0" smtClean="0"/>
-              <a:t>TV</a:t>
-            </a:r>
-          </a:p>
-          <a:p>
-            <a:pPr marL="695325" lvl="1" indent="-342900">
-              <a:buFont typeface="Arial" panose="020B0604020202020204" pitchFamily="34" charset="0"/>
-              <a:buChar char="•"/>
-            </a:pPr>
-            <a:r>
-              <a:rPr lang="en-GB" dirty="0" err="1" smtClean="0"/>
-              <a:t>Haar</a:t>
-            </a:r>
-            <a:r>
-              <a:rPr lang="en-GB" dirty="0" smtClean="0"/>
-              <a:t> Wavelets</a:t>
-            </a:r>
-          </a:p>
-          <a:p>
-            <a:pPr marL="695325" lvl="1" indent="-342900">
-              <a:buFont typeface="Arial" panose="020B0604020202020204" pitchFamily="34" charset="0"/>
-              <a:buChar char="•"/>
-            </a:pPr>
-            <a:r>
-              <a:rPr lang="en-GB" dirty="0" smtClean="0"/>
-              <a:t>Starlets</a:t>
-            </a:r>
-          </a:p>
-          <a:p>
-            <a:pPr marL="695325" lvl="1" indent="-342900">
-              <a:buFont typeface="Arial" panose="020B0604020202020204" pitchFamily="34" charset="0"/>
-              <a:buChar char="•"/>
-            </a:pPr>
-            <a:r>
-              <a:rPr lang="en-GB" dirty="0" smtClean="0"/>
-              <a:t>…</a:t>
-            </a:r>
-          </a:p>
-          <a:p>
-            <a:pPr marL="342900" indent="-342900">
-              <a:buFont typeface="Arial" panose="020B0604020202020204" pitchFamily="34" charset="0"/>
-              <a:buChar char="•"/>
-            </a:pPr>
-            <a:r>
-              <a:rPr lang="en-GB" dirty="0" smtClean="0"/>
-              <a:t>Objective with Data + Regularization term </a:t>
-            </a:r>
-          </a:p>
-          <a:p>
-            <a:pPr marL="342900" indent="-342900">
-              <a:buFont typeface="Arial" panose="020B0604020202020204" pitchFamily="34" charset="0"/>
-              <a:buChar char="•"/>
-            </a:pPr>
-            <a:r>
-              <a:rPr lang="en-GB" dirty="0" smtClean="0"/>
-              <a:t>Optimizer </a:t>
-            </a:r>
-            <a:r>
-              <a:rPr lang="en-GB" dirty="0" smtClean="0">
-                <a:sym typeface="Wingdings" panose="05000000000000000000" pitchFamily="2" charset="2"/>
-              </a:rPr>
-              <a:t> </a:t>
-            </a:r>
-            <a:r>
-              <a:rPr lang="en-GB" dirty="0" err="1" smtClean="0">
-                <a:sym typeface="Wingdings" panose="05000000000000000000" pitchFamily="2" charset="2"/>
-              </a:rPr>
-              <a:t>Gurobi</a:t>
-            </a:r>
-            <a:endParaRPr lang="en-GB" dirty="0"/>
-          </a:p>
-        </p:txBody>
-      </p:sp>
-    </p:spTree>
-    <p:extLst>
-      <p:ext uri="{BB962C8B-B14F-4D97-AF65-F5344CB8AC3E}">
-        <p14:creationId xmlns:p14="http://schemas.microsoft.com/office/powerpoint/2010/main" val="1836520335"/>
-      </p:ext>
-    </p:extLst>
-  </p:cSld>
-  <p:clrMapOvr>
-    <a:masterClrMapping/>
-  </p:clrMapOvr>
-  <p:timing>
-    <p:tnLst>
-      <p:par>
-        <p:cTn id="1" dur="indefinite" restart="never" nodeType="tmRoot"/>
-      </p:par>
-    </p:tnLst>
-  </p:timing>
-</p:sld>
-</file>
-
-<file path=ppt/slides/slide22.xml><?xml version="1.0" encoding="utf-8"?>
-<p:sld xmlns:a="http://schemas.openxmlformats.org/drawingml/2006/main" xmlns:r="http://schemas.openxmlformats.org/officeDocument/2006/relationships" xmlns:p="http://schemas.openxmlformats.org/presentationml/2006/main">
-  <p:cSld>
-    <p:spTree>
-      <p:nvGrpSpPr>
-        <p:cNvPr id="1" name=""/>
-        <p:cNvGrpSpPr/>
-        <p:nvPr/>
-      </p:nvGrpSpPr>
-      <p:grpSpPr>
-        <a:xfrm>
-          <a:off x="0" y="0"/>
-          <a:ext cx="0" cy="0"/>
-          <a:chOff x="0" y="0"/>
-          <a:chExt cx="0" cy="0"/>
-        </a:xfrm>
-      </p:grpSpPr>
-      <p:sp>
-        <p:nvSpPr>
-          <p:cNvPr id="2" name="Datumsplatzhalter 1"/>
-          <p:cNvSpPr>
-            <a:spLocks noGrp="1"/>
-          </p:cNvSpPr>
-          <p:nvPr>
-            <p:ph type="dt" sz="half" idx="10"/>
-          </p:nvPr>
-        </p:nvSpPr>
-        <p:spPr/>
-        <p:txBody>
-          <a:bodyPr/>
-          <a:lstStyle/>
-          <a:p>
-            <a:fld id="{5E48492E-72D1-4785-9351-8AE1E40FBA2D}" type="datetime1">
-              <a:rPr lang="de-CH" smtClean="0">
-                <a:solidFill>
-                  <a:srgbClr val="000000"/>
-                </a:solidFill>
-              </a:rPr>
-              <a:t>15.08.2018</a:t>
-            </a:fld>
-            <a:endParaRPr lang="de-CH">
-              <a:solidFill>
-                <a:srgbClr val="000000"/>
-              </a:solidFill>
-            </a:endParaRPr>
-          </a:p>
-        </p:txBody>
-      </p:sp>
-      <p:sp>
-        <p:nvSpPr>
-          <p:cNvPr id="3" name="Fußzeilenplatzhalter 2"/>
-          <p:cNvSpPr>
-            <a:spLocks noGrp="1"/>
-          </p:cNvSpPr>
-          <p:nvPr>
-            <p:ph type="ftr" sz="quarter" idx="11"/>
-          </p:nvPr>
-        </p:nvSpPr>
-        <p:spPr/>
-        <p:txBody>
-          <a:bodyPr/>
-          <a:lstStyle/>
-          <a:p>
-            <a:r>
-              <a:rPr lang="de-CH" dirty="0">
-                <a:solidFill>
-                  <a:srgbClr val="000000"/>
-                </a:solidFill>
-              </a:rPr>
-              <a:t>Institut i4ds</a:t>
-            </a:r>
-          </a:p>
-        </p:txBody>
-      </p:sp>
-      <p:sp>
-        <p:nvSpPr>
-          <p:cNvPr id="4" name="Foliennummernplatzhalter 3"/>
-          <p:cNvSpPr>
-            <a:spLocks noGrp="1"/>
-          </p:cNvSpPr>
-          <p:nvPr>
-            <p:ph type="sldNum" sz="quarter" idx="12"/>
-          </p:nvPr>
-        </p:nvSpPr>
-        <p:spPr/>
-        <p:txBody>
-          <a:bodyPr/>
-          <a:lstStyle/>
-          <a:p>
-            <a:fld id="{351188DD-6605-4EF4-9E67-B567F731CE68}" type="slidenum">
-              <a:rPr lang="de-CH" smtClean="0">
-                <a:solidFill>
-                  <a:srgbClr val="000000"/>
-                </a:solidFill>
-              </a:rPr>
-              <a:pPr/>
-              <a:t>22</a:t>
             </a:fld>
             <a:endParaRPr lang="de-CH">
               <a:solidFill>
@@ -7648,7 +7369,7 @@
           <a:p>
             <a:r>
               <a:rPr lang="de-DE" kern="0" dirty="0" smtClean="0"/>
-              <a:t>RAO </a:t>
+              <a:t>NRAO </a:t>
             </a:r>
             <a:r>
               <a:rPr lang="de-DE" kern="0" dirty="0" err="1"/>
@@ -7666,6 +7387,303 @@
     <p:extLst>
       <p:ext uri="{BB962C8B-B14F-4D97-AF65-F5344CB8AC3E}">
         <p14:creationId xmlns:p14="http://schemas.microsoft.com/office/powerpoint/2010/main" val="1404740682"/>
+      </p:ext>
+    </p:extLst>
+  </p:cSld>
+  <p:clrMapOvr>
+    <a:masterClrMapping/>
+  </p:clrMapOvr>
+  <p:timing>
+    <p:tnLst>
+      <p:par>
+        <p:cTn id="1" dur="indefinite" restart="never" nodeType="tmRoot"/>
+      </p:par>
+    </p:tnLst>
+  </p:timing>
+</p:sld>
+</file>
+
+<file path=ppt/slides/slide22.xml><?xml version="1.0" encoding="utf-8"?>
+<p:sld xmlns:a="http://schemas.openxmlformats.org/drawingml/2006/main" xmlns:r="http://schemas.openxmlformats.org/officeDocument/2006/relationships" xmlns:p="http://schemas.openxmlformats.org/presentationml/2006/main">
+  <p:cSld>
+    <p:spTree>
+      <p:nvGrpSpPr>
+        <p:cNvPr id="1" name=""/>
+        <p:cNvGrpSpPr/>
+        <p:nvPr/>
+      </p:nvGrpSpPr>
+      <p:grpSpPr>
+        <a:xfrm>
+          <a:off x="0" y="0"/>
+          <a:ext cx="0" cy="0"/>
+          <a:chOff x="0" y="0"/>
+          <a:chExt cx="0" cy="0"/>
+        </a:xfrm>
+      </p:grpSpPr>
+      <p:sp>
+        <p:nvSpPr>
+          <p:cNvPr id="2" name="Datumsplatzhalter 1"/>
+          <p:cNvSpPr>
+            <a:spLocks noGrp="1"/>
+          </p:cNvSpPr>
+          <p:nvPr>
+            <p:ph type="dt" sz="half" idx="10"/>
+          </p:nvPr>
+        </p:nvSpPr>
+        <p:spPr/>
+        <p:txBody>
+          <a:bodyPr/>
+          <a:lstStyle/>
+          <a:p>
+            <a:fld id="{5E48492E-72D1-4785-9351-8AE1E40FBA2D}" type="datetime1">
+              <a:rPr lang="de-CH" smtClean="0">
+                <a:solidFill>
+                  <a:srgbClr val="000000"/>
+                </a:solidFill>
+              </a:rPr>
+              <a:t>15.08.2018</a:t>
+            </a:fld>
+            <a:endParaRPr lang="de-CH">
+              <a:solidFill>
+                <a:srgbClr val="000000"/>
+              </a:solidFill>
+            </a:endParaRPr>
+          </a:p>
+        </p:txBody>
+      </p:sp>
+      <p:sp>
+        <p:nvSpPr>
+          <p:cNvPr id="3" name="Fußzeilenplatzhalter 2"/>
+          <p:cNvSpPr>
+            <a:spLocks noGrp="1"/>
+          </p:cNvSpPr>
+          <p:nvPr>
+            <p:ph type="ftr" sz="quarter" idx="11"/>
+          </p:nvPr>
+        </p:nvSpPr>
+        <p:spPr/>
+        <p:txBody>
+          <a:bodyPr/>
+          <a:lstStyle/>
+          <a:p>
+            <a:r>
+              <a:rPr lang="de-CH" smtClean="0">
+                <a:solidFill>
+                  <a:srgbClr val="000000"/>
+                </a:solidFill>
+              </a:rPr>
+              <a:t>Institut</a:t>
+            </a:r>
+            <a:endParaRPr lang="de-CH">
+              <a:solidFill>
+                <a:srgbClr val="000000"/>
+              </a:solidFill>
+            </a:endParaRPr>
+          </a:p>
+        </p:txBody>
+      </p:sp>
+      <p:sp>
+        <p:nvSpPr>
+          <p:cNvPr id="4" name="Foliennummernplatzhalter 3"/>
+          <p:cNvSpPr>
+            <a:spLocks noGrp="1"/>
+          </p:cNvSpPr>
+          <p:nvPr>
+            <p:ph type="sldNum" sz="quarter" idx="12"/>
+          </p:nvPr>
+        </p:nvSpPr>
+        <p:spPr/>
+        <p:txBody>
+          <a:bodyPr/>
+          <a:lstStyle/>
+          <a:p>
+            <a:fld id="{351188DD-6605-4EF4-9E67-B567F731CE68}" type="slidenum">
+              <a:rPr lang="de-CH" smtClean="0">
+                <a:solidFill>
+                  <a:srgbClr val="000000"/>
+                </a:solidFill>
+              </a:rPr>
+              <a:pPr/>
+              <a:t>22</a:t>
+            </a:fld>
+            <a:endParaRPr lang="de-CH">
+              <a:solidFill>
+                <a:srgbClr val="000000"/>
+              </a:solidFill>
+            </a:endParaRPr>
+          </a:p>
+        </p:txBody>
+      </p:sp>
+      <p:sp>
+        <p:nvSpPr>
+          <p:cNvPr id="5" name="Titel 4"/>
+          <p:cNvSpPr>
+            <a:spLocks noGrp="1"/>
+          </p:cNvSpPr>
+          <p:nvPr>
+            <p:ph type="title"/>
+          </p:nvPr>
+        </p:nvSpPr>
+        <p:spPr>
+          <a:xfrm>
+            <a:off x="736600" y="1618481"/>
+            <a:ext cx="9213850" cy="361950"/>
+          </a:xfrm>
+        </p:spPr>
+        <p:txBody>
+          <a:bodyPr/>
+          <a:lstStyle/>
+          <a:p>
+            <a:r>
+              <a:rPr lang="en-GB" dirty="0" smtClean="0"/>
+              <a:t>Compressed Sensing Image Reconstruction</a:t>
+            </a:r>
+            <a:endParaRPr lang="en-GB" dirty="0"/>
+          </a:p>
+        </p:txBody>
+      </p:sp>
+      <p:sp>
+        <p:nvSpPr>
+          <p:cNvPr id="6" name="Textplatzhalter 5"/>
+          <p:cNvSpPr>
+            <a:spLocks noGrp="1"/>
+          </p:cNvSpPr>
+          <p:nvPr>
+            <p:ph type="body" idx="1"/>
+          </p:nvPr>
+        </p:nvSpPr>
+        <p:spPr/>
+        <p:txBody>
+          <a:bodyPr/>
+          <a:lstStyle/>
+          <a:p>
+            <a:pPr marL="342900" indent="-342900">
+              <a:buFont typeface="Arial" panose="020B0604020202020204" pitchFamily="34" charset="0"/>
+              <a:buChar char="•"/>
+            </a:pPr>
+            <a:r>
+              <a:rPr lang="en-GB" dirty="0"/>
+              <a:t>Objective with Data + Regularization term </a:t>
+            </a:r>
+            <a:endParaRPr lang="en-GB" dirty="0" smtClean="0"/>
+          </a:p>
+          <a:p>
+            <a:pPr marL="342900" indent="-342900">
+              <a:buFont typeface="Arial" panose="020B0604020202020204" pitchFamily="34" charset="0"/>
+              <a:buChar char="•"/>
+            </a:pPr>
+            <a:r>
+              <a:rPr lang="en-GB" dirty="0" smtClean="0"/>
+              <a:t>Optimizer </a:t>
+            </a:r>
+            <a:r>
+              <a:rPr lang="en-GB" dirty="0">
+                <a:sym typeface="Wingdings" panose="05000000000000000000" pitchFamily="2" charset="2"/>
+              </a:rPr>
+              <a:t> </a:t>
+            </a:r>
+            <a:r>
+              <a:rPr lang="en-GB" dirty="0" err="1" smtClean="0">
+                <a:sym typeface="Wingdings" panose="05000000000000000000" pitchFamily="2" charset="2"/>
+              </a:rPr>
+              <a:t>Gurobi</a:t>
+            </a:r>
+            <a:endParaRPr lang="en-GB" dirty="0" smtClean="0"/>
+          </a:p>
+          <a:p>
+            <a:pPr marL="342900" indent="-342900">
+              <a:buFont typeface="Arial" panose="020B0604020202020204" pitchFamily="34" charset="0"/>
+              <a:buChar char="•"/>
+            </a:pPr>
+            <a:r>
+              <a:rPr lang="en-GB" dirty="0" smtClean="0"/>
+              <a:t>A Regularization</a:t>
+            </a:r>
+          </a:p>
+          <a:p>
+            <a:pPr marL="695325" lvl="1" indent="-342900">
+              <a:buFont typeface="Arial" panose="020B0604020202020204" pitchFamily="34" charset="0"/>
+              <a:buChar char="•"/>
+            </a:pPr>
+            <a:r>
+              <a:rPr lang="en-GB" dirty="0" smtClean="0"/>
+              <a:t>L0</a:t>
+            </a:r>
+          </a:p>
+          <a:p>
+            <a:pPr marL="695325" lvl="1" indent="-342900">
+              <a:buFont typeface="Arial" panose="020B0604020202020204" pitchFamily="34" charset="0"/>
+              <a:buChar char="•"/>
+            </a:pPr>
+            <a:r>
+              <a:rPr lang="en-GB" dirty="0" smtClean="0"/>
+              <a:t>L1</a:t>
+            </a:r>
+          </a:p>
+          <a:p>
+            <a:pPr marL="695325" lvl="1" indent="-342900">
+              <a:buFont typeface="Arial" panose="020B0604020202020204" pitchFamily="34" charset="0"/>
+              <a:buChar char="•"/>
+            </a:pPr>
+            <a:r>
+              <a:rPr lang="en-GB" dirty="0" smtClean="0"/>
+              <a:t>L2</a:t>
+            </a:r>
+          </a:p>
+          <a:p>
+            <a:pPr marL="695325" lvl="1" indent="-342900">
+              <a:buFont typeface="Arial" panose="020B0604020202020204" pitchFamily="34" charset="0"/>
+              <a:buChar char="•"/>
+            </a:pPr>
+            <a:r>
+              <a:rPr lang="en-GB" dirty="0" smtClean="0"/>
+              <a:t>TV</a:t>
+            </a:r>
+          </a:p>
+          <a:p>
+            <a:pPr marL="695325" lvl="1" indent="-342900">
+              <a:buFont typeface="Arial" panose="020B0604020202020204" pitchFamily="34" charset="0"/>
+              <a:buChar char="•"/>
+            </a:pPr>
+            <a:r>
+              <a:rPr lang="en-GB" dirty="0" smtClean="0"/>
+              <a:t>L1 of </a:t>
+            </a:r>
+            <a:r>
+              <a:rPr lang="en-GB" dirty="0" err="1" smtClean="0"/>
+              <a:t>Haar</a:t>
+            </a:r>
+            <a:r>
+              <a:rPr lang="en-GB" dirty="0" smtClean="0"/>
+              <a:t> Wavelets</a:t>
+            </a:r>
+          </a:p>
+          <a:p>
+            <a:pPr marL="695325" lvl="1" indent="-342900">
+              <a:buFont typeface="Arial" panose="020B0604020202020204" pitchFamily="34" charset="0"/>
+              <a:buChar char="•"/>
+            </a:pPr>
+            <a:r>
+              <a:rPr lang="en-GB" dirty="0" smtClean="0"/>
+              <a:t>L1 of Starlets</a:t>
+            </a:r>
+          </a:p>
+          <a:p>
+            <a:pPr marL="695325" lvl="1" indent="-342900">
+              <a:buFont typeface="Arial" panose="020B0604020202020204" pitchFamily="34" charset="0"/>
+              <a:buChar char="•"/>
+            </a:pPr>
+            <a:r>
+              <a:rPr lang="en-GB" dirty="0" smtClean="0"/>
+              <a:t>…</a:t>
+            </a:r>
+          </a:p>
+        </p:txBody>
+      </p:sp>
+    </p:spTree>
+    <p:extLst>
+      <p:ext uri="{BB962C8B-B14F-4D97-AF65-F5344CB8AC3E}">
+        <p14:creationId xmlns:p14="http://schemas.microsoft.com/office/powerpoint/2010/main" val="1836520335"/>
       </p:ext>
     </p:extLst>
   </p:cSld>
@@ -10338,7 +10356,7 @@
           <a:p>
             <a:r>
               <a:rPr lang="en-GB" dirty="0" smtClean="0"/>
-              <a:t>Comparison</a:t>
+              <a:t>Super Resolution?</a:t>
             </a:r>
             <a:endParaRPr lang="en-GB" dirty="0"/>
           </a:p>
@@ -10359,10 +10377,7 @@
           <a:bodyPr/>
           <a:lstStyle/>
           <a:p>
-            <a:r>
-              <a:rPr lang="en-GB" dirty="0" smtClean="0"/>
-              <a:t>Image Resolution</a:t>
-            </a:r>
+            <a:pPr algn="ctr"/>
             <a:endParaRPr lang="en-GB" dirty="0"/>
           </a:p>
         </p:txBody>
@@ -10451,22 +10466,14 @@
           <a:lstStyle/>
           <a:p>
             <a:r>
-              <a:rPr lang="de-CH" dirty="0">
+              <a:rPr lang="de-CH" smtClean="0">
                 <a:solidFill>
                   <a:srgbClr val="000000"/>
                 </a:solidFill>
               </a:rPr>
-              <a:t>Institut </a:t>
-            </a:r>
-            <a:r>
-              <a:rPr lang="de-CH" dirty="0" smtClean="0">
-                <a:solidFill>
-                  <a:srgbClr val="000000"/>
-                </a:solidFill>
-              </a:rPr>
-              <a:t>i4ds</a:t>
-            </a:r>
-            <a:endParaRPr lang="de-CH" dirty="0">
+              <a:t>Institut</a:t>
+            </a:r>
+            <a:endParaRPr lang="de-CH">
               <a:solidFill>
                 <a:srgbClr val="000000"/>
               </a:solidFill>
@@ -10523,7 +10530,7 @@
           <a:p>
             <a:r>
               <a:rPr lang="en-GB" dirty="0" smtClean="0"/>
-              <a:t>Conclusion</a:t>
+              <a:t>Future</a:t>
             </a:r>
             <a:endParaRPr lang="en-GB" dirty="0"/>
           </a:p>
@@ -10548,23 +10555,46 @@
           </a:p>
         </p:txBody>
       </p:sp>
+      <p:pic>
+        <p:nvPicPr>
+          <p:cNvPr id="8" name="Grafik 7"/>
+          <p:cNvPicPr>
+            <a:picLocks noChangeAspect="1"/>
+          </p:cNvPicPr>
+          <p:nvPr/>
+        </p:nvPicPr>
+        <p:blipFill>
+          <a:blip r:embed="rId2">
+            <a:extLst>
+              <a:ext uri="{28A0092B-C50C-407E-A947-70E740481C1C}">
+                <a14:useLocalDpi xmlns:a14="http://schemas.microsoft.com/office/drawing/2010/main" val="0"/>
+              </a:ext>
+            </a:extLst>
+          </a:blip>
+          <a:stretch>
+            <a:fillRect/>
+          </a:stretch>
+        </p:blipFill>
+        <p:spPr>
+          <a:xfrm>
+            <a:off x="540321" y="2176115"/>
+            <a:ext cx="9410129" cy="4239459"/>
+          </a:xfrm>
+          <a:prstGeom prst="rect">
+            <a:avLst/>
+          </a:prstGeom>
+        </p:spPr>
+      </p:pic>
     </p:spTree>
     <p:extLst>
       <p:ext uri="{BB962C8B-B14F-4D97-AF65-F5344CB8AC3E}">
-        <p14:creationId xmlns:p14="http://schemas.microsoft.com/office/powerpoint/2010/main" val="24992479"/>
+        <p14:creationId xmlns:p14="http://schemas.microsoft.com/office/powerpoint/2010/main" val="3032080753"/>
       </p:ext>
     </p:extLst>
   </p:cSld>
   <p:clrMapOvr>
     <a:masterClrMapping/>
   </p:clrMapOvr>
-  <p:timing>
-    <p:tnLst>
-      <p:par>
-        <p:cTn id="1" dur="indefinite" restart="never" nodeType="tmRoot"/>
-      </p:par>
-    </p:tnLst>
-  </p:timing>
 </p:sld>
 </file>
 
@@ -11817,13 +11847,19 @@
           <a:bodyPr/>
           <a:lstStyle/>
           <a:p>
+            <a:r>
+              <a:rPr lang="en-GB" dirty="0" smtClean="0"/>
+              <a:t>Optimization Problem</a:t>
+            </a:r>
+          </a:p>
+          <a:p>
             <a:pPr marL="342900" indent="-342900">
               <a:buFont typeface="Arial" panose="020B0604020202020204" pitchFamily="34" charset="0"/>
               <a:buChar char="•"/>
             </a:pPr>
             <a:r>
               <a:rPr lang="en-GB" dirty="0" smtClean="0"/>
-              <a:t>A Regularization</a:t>
+              <a:t>Objective</a:t>
             </a:r>
           </a:p>
           <a:p>
@@ -11833,7 +11869,7 @@
             </a:pPr>
             <a:r>
               <a:rPr lang="en-GB" dirty="0" smtClean="0"/>
-              <a:t>Objective with Data + Regularization term</a:t>
+              <a:t>Optimizer</a:t>
             </a:r>
           </a:p>
           <a:p>
@@ -11842,8 +11878,12 @@
               <a:buChar char="•"/>
             </a:pPr>
             <a:r>
+              <a:rPr lang="en-GB" dirty="0"/>
+              <a:t>A </a:t>
+            </a:r>
+            <a:r>
               <a:rPr lang="en-GB" dirty="0" smtClean="0"/>
-              <a:t>Optimizer</a:t>
+              <a:t>Regularization</a:t>
             </a:r>
             <a:endParaRPr lang="en-GB" dirty="0"/>
           </a:p>

--- a/ppt/praes.pptx
+++ b/ppt/praes.pptx
@@ -25,12 +25,12 @@
     <p:sldId id="286" r:id="rId13"/>
     <p:sldId id="287" r:id="rId14"/>
     <p:sldId id="295" r:id="rId15"/>
-    <p:sldId id="310" r:id="rId16"/>
-    <p:sldId id="298" r:id="rId17"/>
-    <p:sldId id="277" r:id="rId18"/>
-    <p:sldId id="280" r:id="rId19"/>
-    <p:sldId id="325" r:id="rId20"/>
-    <p:sldId id="324" r:id="rId21"/>
+    <p:sldId id="298" r:id="rId16"/>
+    <p:sldId id="277" r:id="rId17"/>
+    <p:sldId id="280" r:id="rId18"/>
+    <p:sldId id="325" r:id="rId19"/>
+    <p:sldId id="324" r:id="rId20"/>
+    <p:sldId id="310" r:id="rId21"/>
     <p:sldId id="311" r:id="rId22"/>
     <p:sldId id="319" r:id="rId23"/>
     <p:sldId id="290" r:id="rId24"/>
@@ -196,7 +196,6 @@
             <p14:sldId id="286"/>
             <p14:sldId id="287"/>
             <p14:sldId id="295"/>
-            <p14:sldId id="310"/>
           </p14:sldIdLst>
         </p14:section>
         <p14:section name="Compressed Sensing" id="{4C1F518D-D902-4438-832B-2D383529D487}">
@@ -206,6 +205,7 @@
             <p14:sldId id="280"/>
             <p14:sldId id="325"/>
             <p14:sldId id="324"/>
+            <p14:sldId id="310"/>
           </p14:sldIdLst>
         </p14:section>
         <p14:section name="Abschnitt ohne Titel" id="{08DBAA98-29F2-46AD-A1D0-8A81AF8564F8}">
@@ -299,14 +299,14 @@
           <a:effectLst/>
           <a:extLst>
             <a:ext uri="{909E8E84-426E-40dd-AFC4-6F175D3DCCD1}">
-              <a14:hiddenFill xmlns:a14="http://schemas.microsoft.com/office/drawing/2010/main" xmlns="">
+              <a14:hiddenFill xmlns="" xmlns:a14="http://schemas.microsoft.com/office/drawing/2010/main">
                 <a:solidFill>
                   <a:schemeClr val="accent1"/>
                 </a:solidFill>
               </a14:hiddenFill>
             </a:ext>
             <a:ext uri="{91240B29-F687-4f45-9708-019B960494DF}">
-              <a14:hiddenLine xmlns:a14="http://schemas.microsoft.com/office/drawing/2010/main" xmlns="" w="9525">
+              <a14:hiddenLine xmlns="" xmlns:a14="http://schemas.microsoft.com/office/drawing/2010/main" w="9525">
                 <a:solidFill>
                   <a:schemeClr val="tx1"/>
                 </a:solidFill>
@@ -316,7 +316,7 @@
               </a14:hiddenLine>
             </a:ext>
             <a:ext uri="{AF507438-7753-43e0-B8FC-AC1667EBCBE1}">
-              <a14:hiddenEffects xmlns:a14="http://schemas.microsoft.com/office/drawing/2010/main" xmlns="">
+              <a14:hiddenEffects xmlns="" xmlns:a14="http://schemas.microsoft.com/office/drawing/2010/main">
                 <a:effectLst>
                   <a:outerShdw dist="35921" dir="2700000" algn="ctr" rotWithShape="0">
                     <a:schemeClr val="bg2"/>
@@ -367,14 +367,14 @@
           <a:effectLst/>
           <a:extLst>
             <a:ext uri="{909E8E84-426E-40dd-AFC4-6F175D3DCCD1}">
-              <a14:hiddenFill xmlns:a14="http://schemas.microsoft.com/office/drawing/2010/main" xmlns="">
+              <a14:hiddenFill xmlns="" xmlns:a14="http://schemas.microsoft.com/office/drawing/2010/main">
                 <a:solidFill>
                   <a:schemeClr val="accent1"/>
                 </a:solidFill>
               </a14:hiddenFill>
             </a:ext>
             <a:ext uri="{91240B29-F687-4f45-9708-019B960494DF}">
-              <a14:hiddenLine xmlns:a14="http://schemas.microsoft.com/office/drawing/2010/main" xmlns="" w="9525">
+              <a14:hiddenLine xmlns="" xmlns:a14="http://schemas.microsoft.com/office/drawing/2010/main" w="9525">
                 <a:solidFill>
                   <a:schemeClr val="tx1"/>
                 </a:solidFill>
@@ -384,7 +384,7 @@
               </a14:hiddenLine>
             </a:ext>
             <a:ext uri="{AF507438-7753-43e0-B8FC-AC1667EBCBE1}">
-              <a14:hiddenEffects xmlns:a14="http://schemas.microsoft.com/office/drawing/2010/main" xmlns="">
+              <a14:hiddenEffects xmlns="" xmlns:a14="http://schemas.microsoft.com/office/drawing/2010/main">
                 <a:effectLst>
                   <a:outerShdw dist="35921" dir="2700000" algn="ctr" rotWithShape="0">
                     <a:schemeClr val="bg2"/>
@@ -435,14 +435,14 @@
           <a:effectLst/>
           <a:extLst>
             <a:ext uri="{909E8E84-426E-40dd-AFC4-6F175D3DCCD1}">
-              <a14:hiddenFill xmlns:a14="http://schemas.microsoft.com/office/drawing/2010/main" xmlns="">
+              <a14:hiddenFill xmlns="" xmlns:a14="http://schemas.microsoft.com/office/drawing/2010/main">
                 <a:solidFill>
                   <a:schemeClr val="accent1"/>
                 </a:solidFill>
               </a14:hiddenFill>
             </a:ext>
             <a:ext uri="{91240B29-F687-4f45-9708-019B960494DF}">
-              <a14:hiddenLine xmlns:a14="http://schemas.microsoft.com/office/drawing/2010/main" xmlns="" w="9525">
+              <a14:hiddenLine xmlns="" xmlns:a14="http://schemas.microsoft.com/office/drawing/2010/main" w="9525">
                 <a:solidFill>
                   <a:schemeClr val="tx1"/>
                 </a:solidFill>
@@ -452,7 +452,7 @@
               </a14:hiddenLine>
             </a:ext>
             <a:ext uri="{AF507438-7753-43e0-B8FC-AC1667EBCBE1}">
-              <a14:hiddenEffects xmlns:a14="http://schemas.microsoft.com/office/drawing/2010/main" xmlns="">
+              <a14:hiddenEffects xmlns="" xmlns:a14="http://schemas.microsoft.com/office/drawing/2010/main">
                 <a:effectLst>
                   <a:outerShdw dist="35921" dir="2700000" algn="ctr" rotWithShape="0">
                     <a:schemeClr val="bg2"/>
@@ -503,14 +503,14 @@
           <a:effectLst/>
           <a:extLst>
             <a:ext uri="{909E8E84-426E-40dd-AFC4-6F175D3DCCD1}">
-              <a14:hiddenFill xmlns:a14="http://schemas.microsoft.com/office/drawing/2010/main" xmlns="">
+              <a14:hiddenFill xmlns="" xmlns:a14="http://schemas.microsoft.com/office/drawing/2010/main">
                 <a:solidFill>
                   <a:schemeClr val="accent1"/>
                 </a:solidFill>
               </a14:hiddenFill>
             </a:ext>
             <a:ext uri="{91240B29-F687-4f45-9708-019B960494DF}">
-              <a14:hiddenLine xmlns:a14="http://schemas.microsoft.com/office/drawing/2010/main" xmlns="" w="9525">
+              <a14:hiddenLine xmlns="" xmlns:a14="http://schemas.microsoft.com/office/drawing/2010/main" w="9525">
                 <a:solidFill>
                   <a:schemeClr val="tx1"/>
                 </a:solidFill>
@@ -520,7 +520,7 @@
               </a14:hiddenLine>
             </a:ext>
             <a:ext uri="{AF507438-7753-43e0-B8FC-AC1667EBCBE1}">
-              <a14:hiddenEffects xmlns:a14="http://schemas.microsoft.com/office/drawing/2010/main" xmlns="">
+              <a14:hiddenEffects xmlns="" xmlns:a14="http://schemas.microsoft.com/office/drawing/2010/main">
                 <a:effectLst>
                   <a:outerShdw dist="35921" dir="2700000" algn="ctr" rotWithShape="0">
                     <a:schemeClr val="bg2"/>
@@ -612,14 +612,14 @@
           <a:effectLst/>
           <a:extLst>
             <a:ext uri="{909E8E84-426E-40dd-AFC4-6F175D3DCCD1}">
-              <a14:hiddenFill xmlns:a14="http://schemas.microsoft.com/office/drawing/2010/main" xmlns="">
+              <a14:hiddenFill xmlns="" xmlns:a14="http://schemas.microsoft.com/office/drawing/2010/main">
                 <a:solidFill>
                   <a:schemeClr val="accent1"/>
                 </a:solidFill>
               </a14:hiddenFill>
             </a:ext>
             <a:ext uri="{91240B29-F687-4f45-9708-019B960494DF}">
-              <a14:hiddenLine xmlns:a14="http://schemas.microsoft.com/office/drawing/2010/main" xmlns="" w="9525">
+              <a14:hiddenLine xmlns="" xmlns:a14="http://schemas.microsoft.com/office/drawing/2010/main" w="9525">
                 <a:solidFill>
                   <a:schemeClr val="tx1"/>
                 </a:solidFill>
@@ -629,7 +629,7 @@
               </a14:hiddenLine>
             </a:ext>
             <a:ext uri="{AF507438-7753-43e0-B8FC-AC1667EBCBE1}">
-              <a14:hiddenEffects xmlns:a14="http://schemas.microsoft.com/office/drawing/2010/main" xmlns="">
+              <a14:hiddenEffects xmlns="" xmlns:a14="http://schemas.microsoft.com/office/drawing/2010/main">
                 <a:effectLst>
                   <a:outerShdw dist="35921" dir="2700000" algn="ctr" rotWithShape="0">
                     <a:schemeClr val="bg2"/>
@@ -680,14 +680,14 @@
           <a:effectLst/>
           <a:extLst>
             <a:ext uri="{909E8E84-426E-40dd-AFC4-6F175D3DCCD1}">
-              <a14:hiddenFill xmlns:a14="http://schemas.microsoft.com/office/drawing/2010/main" xmlns="">
+              <a14:hiddenFill xmlns="" xmlns:a14="http://schemas.microsoft.com/office/drawing/2010/main">
                 <a:solidFill>
                   <a:schemeClr val="accent1"/>
                 </a:solidFill>
               </a14:hiddenFill>
             </a:ext>
             <a:ext uri="{91240B29-F687-4f45-9708-019B960494DF}">
-              <a14:hiddenLine xmlns:a14="http://schemas.microsoft.com/office/drawing/2010/main" xmlns="" w="9525">
+              <a14:hiddenLine xmlns="" xmlns:a14="http://schemas.microsoft.com/office/drawing/2010/main" w="9525">
                 <a:solidFill>
                   <a:schemeClr val="tx1"/>
                 </a:solidFill>
@@ -697,7 +697,7 @@
               </a14:hiddenLine>
             </a:ext>
             <a:ext uri="{AF507438-7753-43e0-B8FC-AC1667EBCBE1}">
-              <a14:hiddenEffects xmlns:a14="http://schemas.microsoft.com/office/drawing/2010/main" xmlns="">
+              <a14:hiddenEffects xmlns="" xmlns:a14="http://schemas.microsoft.com/office/drawing/2010/main">
                 <a:effectLst>
                   <a:outerShdw dist="35921" dir="2700000" algn="ctr" rotWithShape="0">
                     <a:schemeClr val="bg2"/>
@@ -753,7 +753,7 @@
           <a:effectLst/>
           <a:extLst>
             <a:ext uri="{AF507438-7753-43e0-B8FC-AC1667EBCBE1}">
-              <a14:hiddenEffects xmlns:a14="http://schemas.microsoft.com/office/drawing/2010/main" xmlns="">
+              <a14:hiddenEffects xmlns="" xmlns:a14="http://schemas.microsoft.com/office/drawing/2010/main">
                 <a:effectLst>
                   <a:outerShdw dist="35921" dir="2700000" algn="ctr" rotWithShape="0">
                     <a:srgbClr val="808080"/>
@@ -762,7 +762,7 @@
               </a14:hiddenEffects>
             </a:ext>
             <a:ext uri="{53640926-AAD7-44d8-BBD7-CCE9431645EC}">
-              <a14:shadowObscured xmlns:a14="http://schemas.microsoft.com/office/drawing/2010/main" xmlns="" val="1"/>
+              <a14:shadowObscured xmlns="" xmlns:a14="http://schemas.microsoft.com/office/drawing/2010/main" val="1"/>
             </a:ext>
           </a:extLst>
         </p:spPr>
@@ -792,14 +792,14 @@
           <a:effectLst/>
           <a:extLst>
             <a:ext uri="{909E8E84-426E-40dd-AFC4-6F175D3DCCD1}">
-              <a14:hiddenFill xmlns:a14="http://schemas.microsoft.com/office/drawing/2010/main" xmlns="">
+              <a14:hiddenFill xmlns="" xmlns:a14="http://schemas.microsoft.com/office/drawing/2010/main">
                 <a:solidFill>
                   <a:schemeClr val="accent1"/>
                 </a:solidFill>
               </a14:hiddenFill>
             </a:ext>
             <a:ext uri="{91240B29-F687-4f45-9708-019B960494DF}">
-              <a14:hiddenLine xmlns:a14="http://schemas.microsoft.com/office/drawing/2010/main" xmlns="" w="9525">
+              <a14:hiddenLine xmlns="" xmlns:a14="http://schemas.microsoft.com/office/drawing/2010/main" w="9525">
                 <a:solidFill>
                   <a:schemeClr val="tx1"/>
                 </a:solidFill>
@@ -809,7 +809,7 @@
               </a14:hiddenLine>
             </a:ext>
             <a:ext uri="{AF507438-7753-43e0-B8FC-AC1667EBCBE1}">
-              <a14:hiddenEffects xmlns:a14="http://schemas.microsoft.com/office/drawing/2010/main" xmlns="">
+              <a14:hiddenEffects xmlns="" xmlns:a14="http://schemas.microsoft.com/office/drawing/2010/main">
                 <a:effectLst>
                   <a:outerShdw dist="35921" dir="2700000" algn="ctr" rotWithShape="0">
                     <a:schemeClr val="bg2"/>
@@ -888,14 +888,14 @@
           <a:effectLst/>
           <a:extLst>
             <a:ext uri="{909E8E84-426E-40dd-AFC4-6F175D3DCCD1}">
-              <a14:hiddenFill xmlns:a14="http://schemas.microsoft.com/office/drawing/2010/main" xmlns="">
+              <a14:hiddenFill xmlns="" xmlns:a14="http://schemas.microsoft.com/office/drawing/2010/main">
                 <a:solidFill>
                   <a:schemeClr val="accent1"/>
                 </a:solidFill>
               </a14:hiddenFill>
             </a:ext>
             <a:ext uri="{91240B29-F687-4f45-9708-019B960494DF}">
-              <a14:hiddenLine xmlns:a14="http://schemas.microsoft.com/office/drawing/2010/main" xmlns="" w="9525">
+              <a14:hiddenLine xmlns="" xmlns:a14="http://schemas.microsoft.com/office/drawing/2010/main" w="9525">
                 <a:solidFill>
                   <a:schemeClr val="tx1"/>
                 </a:solidFill>
@@ -905,7 +905,7 @@
               </a14:hiddenLine>
             </a:ext>
             <a:ext uri="{AF507438-7753-43e0-B8FC-AC1667EBCBE1}">
-              <a14:hiddenEffects xmlns:a14="http://schemas.microsoft.com/office/drawing/2010/main" xmlns="">
+              <a14:hiddenEffects xmlns="" xmlns:a14="http://schemas.microsoft.com/office/drawing/2010/main">
                 <a:effectLst>
                   <a:outerShdw dist="35921" dir="2700000" algn="ctr" rotWithShape="0">
                     <a:schemeClr val="bg2"/>
@@ -956,14 +956,14 @@
           <a:effectLst/>
           <a:extLst>
             <a:ext uri="{909E8E84-426E-40dd-AFC4-6F175D3DCCD1}">
-              <a14:hiddenFill xmlns:a14="http://schemas.microsoft.com/office/drawing/2010/main" xmlns="">
+              <a14:hiddenFill xmlns="" xmlns:a14="http://schemas.microsoft.com/office/drawing/2010/main">
                 <a:solidFill>
                   <a:schemeClr val="accent1"/>
                 </a:solidFill>
               </a14:hiddenFill>
             </a:ext>
             <a:ext uri="{91240B29-F687-4f45-9708-019B960494DF}">
-              <a14:hiddenLine xmlns:a14="http://schemas.microsoft.com/office/drawing/2010/main" xmlns="" w="9525">
+              <a14:hiddenLine xmlns="" xmlns:a14="http://schemas.microsoft.com/office/drawing/2010/main" w="9525">
                 <a:solidFill>
                   <a:schemeClr val="tx1"/>
                 </a:solidFill>
@@ -973,7 +973,7 @@
               </a14:hiddenLine>
             </a:ext>
             <a:ext uri="{AF507438-7753-43e0-B8FC-AC1667EBCBE1}">
-              <a14:hiddenEffects xmlns:a14="http://schemas.microsoft.com/office/drawing/2010/main" xmlns="">
+              <a14:hiddenEffects xmlns="" xmlns:a14="http://schemas.microsoft.com/office/drawing/2010/main">
                 <a:effectLst>
                   <a:outerShdw dist="35921" dir="2700000" algn="ctr" rotWithShape="0">
                     <a:schemeClr val="bg2"/>
@@ -1499,7 +1499,7 @@
             <a:fld id="{058061DB-DF71-4765-99A4-14E22DF63CCF}" type="slidenum">
               <a:rPr lang="de-CH" smtClean="0"/>
               <a:pPr/>
-              <a:t>17</a:t>
+              <a:t>16</a:t>
             </a:fld>
             <a:endParaRPr lang="de-CH"/>
           </a:p>
@@ -1650,14 +1650,14 @@
           <a:ln/>
           <a:extLst>
             <a:ext uri="{909E8E84-426E-40dd-AFC4-6F175D3DCCD1}">
-              <a14:hiddenFill xmlns:a14="http://schemas.microsoft.com/office/drawing/2010/main" xmlns="">
+              <a14:hiddenFill xmlns="" xmlns:a14="http://schemas.microsoft.com/office/drawing/2010/main">
                 <a:solidFill>
                   <a:srgbClr val="FFFFFF"/>
                 </a:solidFill>
               </a14:hiddenFill>
             </a:ext>
             <a:ext uri="{91240B29-F687-4f45-9708-019B960494DF}">
-              <a14:hiddenLine xmlns:a14="http://schemas.microsoft.com/office/drawing/2010/main" xmlns="" w="9525">
+              <a14:hiddenLine xmlns="" xmlns:a14="http://schemas.microsoft.com/office/drawing/2010/main" w="9525">
                 <a:solidFill>
                   <a:srgbClr val="000000"/>
                 </a:solidFill>
@@ -1934,7 +1934,7 @@
                   <a:srgbClr val="000000"/>
                 </a:solidFill>
               </a:rPr>
-              <a:t>15.08.2018</a:t>
+              <a:t>16.08.2018</a:t>
             </a:fld>
             <a:endParaRPr lang="de-CH">
               <a:solidFill>
@@ -2144,7 +2144,7 @@
                   <a:srgbClr val="000000"/>
                 </a:solidFill>
               </a:rPr>
-              <a:t>15.08.2018</a:t>
+              <a:t>16.08.2018</a:t>
             </a:fld>
             <a:endParaRPr lang="de-CH">
               <a:solidFill>
@@ -2352,7 +2352,7 @@
                   <a:srgbClr val="000000"/>
                 </a:solidFill>
               </a:rPr>
-              <a:t>15.08.2018</a:t>
+              <a:t>16.08.2018</a:t>
             </a:fld>
             <a:endParaRPr lang="de-CH">
               <a:solidFill>
@@ -2560,7 +2560,7 @@
                   <a:srgbClr val="000000"/>
                 </a:solidFill>
               </a:rPr>
-              <a:t>15.08.2018</a:t>
+              <a:t>16.08.2018</a:t>
             </a:fld>
             <a:endParaRPr lang="de-CH">
               <a:solidFill>
@@ -2807,14 +2807,14 @@
           <a:effectLst/>
           <a:extLst>
             <a:ext uri="{909E8E84-426E-40dd-AFC4-6F175D3DCCD1}">
-              <a14:hiddenFill xmlns:a14="http://schemas.microsoft.com/office/drawing/2010/main" xmlns="">
+              <a14:hiddenFill xmlns="" xmlns:a14="http://schemas.microsoft.com/office/drawing/2010/main">
                 <a:solidFill>
                   <a:schemeClr val="accent1"/>
                 </a:solidFill>
               </a14:hiddenFill>
             </a:ext>
             <a:ext uri="{91240B29-F687-4f45-9708-019B960494DF}">
-              <a14:hiddenLine xmlns:a14="http://schemas.microsoft.com/office/drawing/2010/main" xmlns="" w="9525">
+              <a14:hiddenLine xmlns="" xmlns:a14="http://schemas.microsoft.com/office/drawing/2010/main" w="9525">
                 <a:solidFill>
                   <a:schemeClr val="tx1"/>
                 </a:solidFill>
@@ -2824,7 +2824,7 @@
               </a14:hiddenLine>
             </a:ext>
             <a:ext uri="{AF507438-7753-43e0-B8FC-AC1667EBCBE1}">
-              <a14:hiddenEffects xmlns:a14="http://schemas.microsoft.com/office/drawing/2010/main" xmlns="">
+              <a14:hiddenEffects xmlns="" xmlns:a14="http://schemas.microsoft.com/office/drawing/2010/main">
                 <a:effectLst>
                   <a:outerShdw dist="35921" dir="2700000" algn="ctr" rotWithShape="0">
                     <a:schemeClr val="bg2"/>
@@ -2875,14 +2875,14 @@
           <a:effectLst/>
           <a:extLst>
             <a:ext uri="{909E8E84-426E-40dd-AFC4-6F175D3DCCD1}">
-              <a14:hiddenFill xmlns:a14="http://schemas.microsoft.com/office/drawing/2010/main" xmlns="">
+              <a14:hiddenFill xmlns="" xmlns:a14="http://schemas.microsoft.com/office/drawing/2010/main">
                 <a:solidFill>
                   <a:schemeClr val="accent1"/>
                 </a:solidFill>
               </a14:hiddenFill>
             </a:ext>
             <a:ext uri="{91240B29-F687-4f45-9708-019B960494DF}">
-              <a14:hiddenLine xmlns:a14="http://schemas.microsoft.com/office/drawing/2010/main" xmlns="" w="9525">
+              <a14:hiddenLine xmlns="" xmlns:a14="http://schemas.microsoft.com/office/drawing/2010/main" w="9525">
                 <a:solidFill>
                   <a:schemeClr val="tx1"/>
                 </a:solidFill>
@@ -2892,7 +2892,7 @@
               </a14:hiddenLine>
             </a:ext>
             <a:ext uri="{AF507438-7753-43e0-B8FC-AC1667EBCBE1}">
-              <a14:hiddenEffects xmlns:a14="http://schemas.microsoft.com/office/drawing/2010/main" xmlns="">
+              <a14:hiddenEffects xmlns="" xmlns:a14="http://schemas.microsoft.com/office/drawing/2010/main">
                 <a:effectLst>
                   <a:outerShdw dist="35921" dir="2700000" algn="ctr" rotWithShape="0">
                     <a:schemeClr val="bg2"/>
@@ -2971,14 +2971,14 @@
           <a:effectLst/>
           <a:extLst>
             <a:ext uri="{909E8E84-426E-40dd-AFC4-6F175D3DCCD1}">
-              <a14:hiddenFill xmlns:a14="http://schemas.microsoft.com/office/drawing/2010/main" xmlns="">
+              <a14:hiddenFill xmlns="" xmlns:a14="http://schemas.microsoft.com/office/drawing/2010/main">
                 <a:solidFill>
                   <a:schemeClr val="accent1"/>
                 </a:solidFill>
               </a14:hiddenFill>
             </a:ext>
             <a:ext uri="{91240B29-F687-4f45-9708-019B960494DF}">
-              <a14:hiddenLine xmlns:a14="http://schemas.microsoft.com/office/drawing/2010/main" xmlns="" w="9525">
+              <a14:hiddenLine xmlns="" xmlns:a14="http://schemas.microsoft.com/office/drawing/2010/main" w="9525">
                 <a:solidFill>
                   <a:schemeClr val="tx1"/>
                 </a:solidFill>
@@ -2988,7 +2988,7 @@
               </a14:hiddenLine>
             </a:ext>
             <a:ext uri="{AF507438-7753-43e0-B8FC-AC1667EBCBE1}">
-              <a14:hiddenEffects xmlns:a14="http://schemas.microsoft.com/office/drawing/2010/main" xmlns="">
+              <a14:hiddenEffects xmlns="" xmlns:a14="http://schemas.microsoft.com/office/drawing/2010/main">
                 <a:effectLst>
                   <a:outerShdw dist="35921" dir="2700000" algn="ctr" rotWithShape="0">
                     <a:schemeClr val="bg2"/>
@@ -3016,7 +3016,7 @@
                   <a:srgbClr val="000000"/>
                 </a:solidFill>
               </a:rPr>
-              <a:t>15.08.2018</a:t>
+              <a:t>16.08.2018</a:t>
             </a:fld>
             <a:endParaRPr lang="de-CH">
               <a:solidFill>
@@ -3051,14 +3051,14 @@
           <a:effectLst/>
           <a:extLst>
             <a:ext uri="{909E8E84-426E-40dd-AFC4-6F175D3DCCD1}">
-              <a14:hiddenFill xmlns:a14="http://schemas.microsoft.com/office/drawing/2010/main" xmlns="">
+              <a14:hiddenFill xmlns="" xmlns:a14="http://schemas.microsoft.com/office/drawing/2010/main">
                 <a:solidFill>
                   <a:schemeClr val="accent1"/>
                 </a:solidFill>
               </a14:hiddenFill>
             </a:ext>
             <a:ext uri="{91240B29-F687-4f45-9708-019B960494DF}">
-              <a14:hiddenLine xmlns:a14="http://schemas.microsoft.com/office/drawing/2010/main" xmlns="" w="9525">
+              <a14:hiddenLine xmlns="" xmlns:a14="http://schemas.microsoft.com/office/drawing/2010/main" w="9525">
                 <a:solidFill>
                   <a:schemeClr val="tx1"/>
                 </a:solidFill>
@@ -3068,7 +3068,7 @@
               </a14:hiddenLine>
             </a:ext>
             <a:ext uri="{AF507438-7753-43e0-B8FC-AC1667EBCBE1}">
-              <a14:hiddenEffects xmlns:a14="http://schemas.microsoft.com/office/drawing/2010/main" xmlns="">
+              <a14:hiddenEffects xmlns="" xmlns:a14="http://schemas.microsoft.com/office/drawing/2010/main">
                 <a:effectLst>
                   <a:outerShdw dist="35921" dir="2700000" algn="ctr" rotWithShape="0">
                     <a:schemeClr val="bg2"/>
@@ -3131,14 +3131,14 @@
           <a:effectLst/>
           <a:extLst>
             <a:ext uri="{909E8E84-426E-40dd-AFC4-6F175D3DCCD1}">
-              <a14:hiddenFill xmlns:a14="http://schemas.microsoft.com/office/drawing/2010/main" xmlns="">
+              <a14:hiddenFill xmlns="" xmlns:a14="http://schemas.microsoft.com/office/drawing/2010/main">
                 <a:solidFill>
                   <a:schemeClr val="accent1"/>
                 </a:solidFill>
               </a14:hiddenFill>
             </a:ext>
             <a:ext uri="{91240B29-F687-4f45-9708-019B960494DF}">
-              <a14:hiddenLine xmlns:a14="http://schemas.microsoft.com/office/drawing/2010/main" xmlns="" w="9525">
+              <a14:hiddenLine xmlns="" xmlns:a14="http://schemas.microsoft.com/office/drawing/2010/main" w="9525">
                 <a:solidFill>
                   <a:schemeClr val="tx1"/>
                 </a:solidFill>
@@ -3148,7 +3148,7 @@
               </a14:hiddenLine>
             </a:ext>
             <a:ext uri="{AF507438-7753-43e0-B8FC-AC1667EBCBE1}">
-              <a14:hiddenEffects xmlns:a14="http://schemas.microsoft.com/office/drawing/2010/main" xmlns="">
+              <a14:hiddenEffects xmlns="" xmlns:a14="http://schemas.microsoft.com/office/drawing/2010/main">
                 <a:effectLst>
                   <a:outerShdw dist="35921" dir="2700000" algn="ctr" rotWithShape="0">
                     <a:schemeClr val="bg2"/>
@@ -3215,12 +3215,12 @@
           <a:effectLst/>
           <a:extLst>
             <a:ext uri="{909E8E84-426E-40dd-AFC4-6F175D3DCCD1}">
-              <a14:hiddenFill xmlns:a14="http://schemas.microsoft.com/office/drawing/2010/main" xmlns="">
+              <a14:hiddenFill xmlns="" xmlns:a14="http://schemas.microsoft.com/office/drawing/2010/main">
                 <a:noFill/>
               </a14:hiddenFill>
             </a:ext>
             <a:ext uri="{AF507438-7753-43e0-B8FC-AC1667EBCBE1}">
-              <a14:hiddenEffects xmlns:a14="http://schemas.microsoft.com/office/drawing/2010/main" xmlns="">
+              <a14:hiddenEffects xmlns="" xmlns:a14="http://schemas.microsoft.com/office/drawing/2010/main">
                 <a:effectLst>
                   <a:outerShdw dist="35921" dir="2700000" algn="ctr" rotWithShape="0">
                     <a:schemeClr val="bg2"/>
@@ -3929,7 +3929,7 @@
                   <a:srgbClr val="000000"/>
                 </a:solidFill>
               </a:rPr>
-              <a:t>15.08.2018</a:t>
+              <a:t>16.08.2018</a:t>
             </a:fld>
             <a:endParaRPr lang="de-CH">
               <a:solidFill>
@@ -4282,7 +4282,7 @@
                   <a:srgbClr val="000000"/>
                 </a:solidFill>
               </a:rPr>
-              <a:t>15.08.2018</a:t>
+              <a:t>16.08.2018</a:t>
             </a:fld>
             <a:endParaRPr lang="de-CH">
               <a:solidFill>
@@ -4635,7 +4635,7 @@
                   <a:srgbClr val="000000"/>
                 </a:solidFill>
               </a:rPr>
-              <a:t>15.08.2018</a:t>
+              <a:t>16.08.2018</a:t>
             </a:fld>
             <a:endParaRPr lang="de-CH">
               <a:solidFill>
@@ -4988,7 +4988,7 @@
                   <a:srgbClr val="000000"/>
                 </a:solidFill>
               </a:rPr>
-              <a:t>15.08.2018</a:t>
+              <a:t>16.08.2018</a:t>
             </a:fld>
             <a:endParaRPr lang="de-CH">
               <a:solidFill>
@@ -5291,7 +5291,7 @@
                   <a:srgbClr val="000000"/>
                 </a:solidFill>
               </a:rPr>
-              <a:t>15.08.2018</a:t>
+              <a:t>16.08.2018</a:t>
             </a:fld>
             <a:endParaRPr lang="de-CH">
               <a:solidFill>
@@ -5488,7 +5488,7 @@
                   <a:srgbClr val="000000"/>
                 </a:solidFill>
               </a:rPr>
-              <a:t>15.08.2018</a:t>
+              <a:t>16.08.2018</a:t>
             </a:fld>
             <a:endParaRPr lang="de-CH">
               <a:solidFill>
@@ -5514,14 +5514,14 @@
           <a:lstStyle/>
           <a:p>
             <a:r>
-              <a:rPr lang="de-CH" dirty="0" smtClean="0">
+              <a:rPr lang="de-CH" smtClean="0">
                 <a:solidFill>
                   <a:srgbClr val="000000"/>
                 </a:solidFill>
               </a:rPr>
-              <a:t>Institut i4ds</a:t>
-            </a:r>
-            <a:endParaRPr lang="de-CH" dirty="0">
+              <a:t>Institut</a:t>
+            </a:r>
+            <a:endParaRPr lang="de-CH">
               <a:solidFill>
                 <a:srgbClr val="000000"/>
               </a:solidFill>
@@ -5578,7 +5578,7 @@
           <a:p>
             <a:r>
               <a:rPr lang="en-GB" dirty="0" smtClean="0"/>
-              <a:t>Compressed Sensing</a:t>
+              <a:t>Compressed Sensing Image Reconstruction</a:t>
             </a:r>
             <a:endParaRPr lang="en-GB" dirty="0"/>
           </a:p>
@@ -5599,74 +5599,32 @@
           <a:bodyPr/>
           <a:lstStyle/>
           <a:p>
+            <a:pPr marL="342900" indent="-342900">
+              <a:buFont typeface="Arial" panose="020B0604020202020204" pitchFamily="34" charset="0"/>
+              <a:buChar char="•"/>
+            </a:pPr>
+            <a:r>
+              <a:rPr lang="en-GB" dirty="0" smtClean="0"/>
+              <a:t>Regularization that captures the image properties</a:t>
+            </a:r>
+          </a:p>
+          <a:p>
+            <a:pPr marL="342900" indent="-342900">
+              <a:buFont typeface="Arial" panose="020B0604020202020204" pitchFamily="34" charset="0"/>
+              <a:buChar char="•"/>
+            </a:pPr>
+            <a:r>
+              <a:rPr lang="en-GB" dirty="0" smtClean="0"/>
+              <a:t>Incoherent Measurement and Reconstruction spaces.</a:t>
+            </a:r>
             <a:endParaRPr lang="en-GB" dirty="0"/>
           </a:p>
         </p:txBody>
       </p:sp>
-      <p:pic>
-        <p:nvPicPr>
-          <p:cNvPr id="7" name="Grafik 6"/>
-          <p:cNvPicPr>
-            <a:picLocks noChangeAspect="1"/>
-          </p:cNvPicPr>
-          <p:nvPr/>
-        </p:nvPicPr>
-        <p:blipFill>
-          <a:blip r:embed="rId2">
-            <a:extLst>
-              <a:ext uri="{28A0092B-C50C-407E-A947-70E740481C1C}">
-                <a14:useLocalDpi xmlns:a14="http://schemas.microsoft.com/office/drawing/2010/main" val="0"/>
-              </a:ext>
-            </a:extLst>
-          </a:blip>
-          <a:stretch>
-            <a:fillRect/>
-          </a:stretch>
-        </p:blipFill>
-        <p:spPr>
-          <a:xfrm>
-            <a:off x="365125" y="4644727"/>
-            <a:ext cx="9956800" cy="895298"/>
-          </a:xfrm>
-          <a:prstGeom prst="rect">
-            <a:avLst/>
-          </a:prstGeom>
-        </p:spPr>
-      </p:pic>
-      <p:pic>
-        <p:nvPicPr>
-          <p:cNvPr id="8" name="Grafik 7"/>
-          <p:cNvPicPr>
-            <a:picLocks noChangeAspect="1"/>
-          </p:cNvPicPr>
-          <p:nvPr/>
-        </p:nvPicPr>
-        <p:blipFill>
-          <a:blip r:embed="rId3">
-            <a:extLst>
-              <a:ext uri="{28A0092B-C50C-407E-A947-70E740481C1C}">
-                <a14:useLocalDpi xmlns:a14="http://schemas.microsoft.com/office/drawing/2010/main" val="0"/>
-              </a:ext>
-            </a:extLst>
-          </a:blip>
-          <a:stretch>
-            <a:fillRect/>
-          </a:stretch>
-        </p:blipFill>
-        <p:spPr>
-          <a:xfrm>
-            <a:off x="645691" y="3221641"/>
-            <a:ext cx="9395668" cy="886511"/>
-          </a:xfrm>
-          <a:prstGeom prst="rect">
-            <a:avLst/>
-          </a:prstGeom>
-        </p:spPr>
-      </p:pic>
     </p:spTree>
     <p:extLst>
       <p:ext uri="{BB962C8B-B14F-4D97-AF65-F5344CB8AC3E}">
-        <p14:creationId xmlns:p14="http://schemas.microsoft.com/office/powerpoint/2010/main" val="3245346533"/>
+        <p14:creationId xmlns:p14="http://schemas.microsoft.com/office/powerpoint/2010/main" val="375867672"/>
       </p:ext>
     </p:extLst>
   </p:cSld>
@@ -5721,7 +5679,7 @@
                   <a:srgbClr val="000000"/>
                 </a:solidFill>
               </a:rPr>
-              <a:t>15.08.2018</a:t>
+              <a:t>16.08.2018</a:t>
             </a:fld>
             <a:endParaRPr lang="de-CH">
               <a:solidFill>
@@ -5747,197 +5705,6 @@
           <a:lstStyle/>
           <a:p>
             <a:r>
-              <a:rPr lang="de-CH" smtClean="0">
-                <a:solidFill>
-                  <a:srgbClr val="000000"/>
-                </a:solidFill>
-              </a:rPr>
-              <a:t>Institut</a:t>
-            </a:r>
-            <a:endParaRPr lang="de-CH">
-              <a:solidFill>
-                <a:srgbClr val="000000"/>
-              </a:solidFill>
-            </a:endParaRPr>
-          </a:p>
-        </p:txBody>
-      </p:sp>
-      <p:sp>
-        <p:nvSpPr>
-          <p:cNvPr id="4" name="Foliennummernplatzhalter 3"/>
-          <p:cNvSpPr>
-            <a:spLocks noGrp="1"/>
-          </p:cNvSpPr>
-          <p:nvPr>
-            <p:ph type="sldNum" sz="quarter" idx="12"/>
-          </p:nvPr>
-        </p:nvSpPr>
-        <p:spPr/>
-        <p:txBody>
-          <a:bodyPr/>
-          <a:lstStyle/>
-          <a:p>
-            <a:fld id="{351188DD-6605-4EF4-9E67-B567F731CE68}" type="slidenum">
-              <a:rPr lang="de-CH" smtClean="0">
-                <a:solidFill>
-                  <a:srgbClr val="000000"/>
-                </a:solidFill>
-              </a:rPr>
-              <a:pPr/>
-              <a:t>16</a:t>
-            </a:fld>
-            <a:endParaRPr lang="de-CH">
-              <a:solidFill>
-                <a:srgbClr val="000000"/>
-              </a:solidFill>
-            </a:endParaRPr>
-          </a:p>
-        </p:txBody>
-      </p:sp>
-      <p:sp>
-        <p:nvSpPr>
-          <p:cNvPr id="5" name="Titel 4"/>
-          <p:cNvSpPr>
-            <a:spLocks noGrp="1"/>
-          </p:cNvSpPr>
-          <p:nvPr>
-            <p:ph type="title"/>
-          </p:nvPr>
-        </p:nvSpPr>
-        <p:spPr/>
-        <p:txBody>
-          <a:bodyPr/>
-          <a:lstStyle/>
-          <a:p>
-            <a:r>
-              <a:rPr lang="en-GB" dirty="0" smtClean="0"/>
-              <a:t>Compressed Sensing Image Reconstruction</a:t>
-            </a:r>
-            <a:endParaRPr lang="en-GB" dirty="0"/>
-          </a:p>
-        </p:txBody>
-      </p:sp>
-      <p:sp>
-        <p:nvSpPr>
-          <p:cNvPr id="6" name="Textplatzhalter 5"/>
-          <p:cNvSpPr>
-            <a:spLocks noGrp="1"/>
-          </p:cNvSpPr>
-          <p:nvPr>
-            <p:ph type="body" idx="1"/>
-          </p:nvPr>
-        </p:nvSpPr>
-        <p:spPr/>
-        <p:txBody>
-          <a:bodyPr/>
-          <a:lstStyle/>
-          <a:p>
-            <a:pPr marL="342900" indent="-342900">
-              <a:buFont typeface="Arial" panose="020B0604020202020204" pitchFamily="34" charset="0"/>
-              <a:buChar char="•"/>
-            </a:pPr>
-            <a:r>
-              <a:rPr lang="en-GB" dirty="0" smtClean="0"/>
-              <a:t>Regularization that captures the image properties</a:t>
-            </a:r>
-          </a:p>
-          <a:p>
-            <a:pPr marL="342900" indent="-342900">
-              <a:buFont typeface="Arial" panose="020B0604020202020204" pitchFamily="34" charset="0"/>
-              <a:buChar char="•"/>
-            </a:pPr>
-            <a:r>
-              <a:rPr lang="en-GB" dirty="0" smtClean="0"/>
-              <a:t>Incoherent Measurement and Reconstruction spaces.</a:t>
-            </a:r>
-            <a:endParaRPr lang="en-GB" dirty="0"/>
-          </a:p>
-        </p:txBody>
-      </p:sp>
-    </p:spTree>
-    <p:extLst>
-      <p:ext uri="{BB962C8B-B14F-4D97-AF65-F5344CB8AC3E}">
-        <p14:creationId xmlns:p14="http://schemas.microsoft.com/office/powerpoint/2010/main" val="375867672"/>
-      </p:ext>
-    </p:extLst>
-  </p:cSld>
-  <p:clrMapOvr>
-    <a:masterClrMapping/>
-  </p:clrMapOvr>
-  <p:timing>
-    <p:tnLst>
-      <p:par>
-        <p:cTn id="1" dur="indefinite" restart="never" nodeType="tmRoot"/>
-      </p:par>
-    </p:tnLst>
-  </p:timing>
-</p:sld>
-</file>
-
-<file path=ppt/slides/slide17.xml><?xml version="1.0" encoding="utf-8"?>
-<p:sld xmlns:a="http://schemas.openxmlformats.org/drawingml/2006/main" xmlns:r="http://schemas.openxmlformats.org/officeDocument/2006/relationships" xmlns:p="http://schemas.openxmlformats.org/presentationml/2006/main">
-  <p:cSld>
-    <p:spTree>
-      <p:nvGrpSpPr>
-        <p:cNvPr id="1" name=""/>
-        <p:cNvGrpSpPr/>
-        <p:nvPr/>
-      </p:nvGrpSpPr>
-      <p:grpSpPr>
-        <a:xfrm>
-          <a:off x="0" y="0"/>
-          <a:ext cx="0" cy="0"/>
-          <a:chOff x="0" y="0"/>
-          <a:chExt cx="0" cy="0"/>
-        </a:xfrm>
-      </p:grpSpPr>
-      <p:sp>
-        <p:nvSpPr>
-          <p:cNvPr id="2" name="Datumsplatzhalter 1"/>
-          <p:cNvSpPr>
-            <a:spLocks noGrp="1"/>
-          </p:cNvSpPr>
-          <p:nvPr>
-            <p:ph type="dt" sz="half" idx="10"/>
-          </p:nvPr>
-        </p:nvSpPr>
-        <p:spPr/>
-        <p:txBody>
-          <a:bodyPr/>
-          <a:lstStyle/>
-          <a:p>
-            <a:fld id="{5E48492E-72D1-4785-9351-8AE1E40FBA2D}" type="datetime1">
-              <a:rPr lang="de-CH" smtClean="0">
-                <a:solidFill>
-                  <a:srgbClr val="000000"/>
-                </a:solidFill>
-              </a:rPr>
-              <a:t>15.08.2018</a:t>
-            </a:fld>
-            <a:endParaRPr lang="de-CH">
-              <a:solidFill>
-                <a:srgbClr val="000000"/>
-              </a:solidFill>
-            </a:endParaRPr>
-          </a:p>
-        </p:txBody>
-      </p:sp>
-      <p:sp>
-        <p:nvSpPr>
-          <p:cNvPr id="3" name="Fußzeilenplatzhalter 2"/>
-          <p:cNvSpPr>
-            <a:spLocks noGrp="1"/>
-          </p:cNvSpPr>
-          <p:nvPr>
-            <p:ph type="ftr" sz="quarter" idx="11"/>
-          </p:nvPr>
-        </p:nvSpPr>
-        <p:spPr/>
-        <p:txBody>
-          <a:bodyPr/>
-          <a:lstStyle/>
-          <a:p>
-            <a:r>
               <a:rPr lang="de-CH" dirty="0" smtClean="0">
                 <a:solidFill>
                   <a:srgbClr val="000000"/>
@@ -5975,7 +5742,7 @@
                 </a:solidFill>
               </a:rPr>
               <a:pPr/>
-              <a:t>17</a:t>
+              <a:t>16</a:t>
             </a:fld>
             <a:endParaRPr lang="de-CH">
               <a:solidFill>
@@ -6077,7 +5844,7 @@
 </p:sld>
 </file>
 
-<file path=ppt/slides/slide18.xml><?xml version="1.0" encoding="utf-8"?>
+<file path=ppt/slides/slide17.xml><?xml version="1.0" encoding="utf-8"?>
 <p:sld xmlns:a="http://schemas.openxmlformats.org/drawingml/2006/main" xmlns:r="http://schemas.openxmlformats.org/officeDocument/2006/relationships" xmlns:p="http://schemas.openxmlformats.org/presentationml/2006/main">
   <p:cSld>
     <p:spTree>
@@ -6115,7 +5882,7 @@
                   <a:srgbClr val="000000"/>
                 </a:solidFill>
               </a:rPr>
-              <a:t>15.08.2018</a:t>
+              <a:t>16.08.2018</a:t>
             </a:fld>
             <a:endParaRPr lang="de-CH">
               <a:solidFill>
@@ -6178,7 +5945,7 @@
                 </a:solidFill>
               </a:rPr>
               <a:pPr/>
-              <a:t>18</a:t>
+              <a:t>17</a:t>
             </a:fld>
             <a:endParaRPr lang="de-CH">
               <a:solidFill>
@@ -6310,7 +6077,7 @@
 </p:sld>
 </file>
 
-<file path=ppt/slides/slide19.xml><?xml version="1.0" encoding="utf-8"?>
+<file path=ppt/slides/slide18.xml><?xml version="1.0" encoding="utf-8"?>
 <p:sld xmlns:a="http://schemas.openxmlformats.org/drawingml/2006/main" xmlns:r="http://schemas.openxmlformats.org/officeDocument/2006/relationships" xmlns:p="http://schemas.openxmlformats.org/presentationml/2006/main">
   <p:cSld>
     <p:spTree>
@@ -6348,7 +6115,7 @@
                   <a:srgbClr val="000000"/>
                 </a:solidFill>
               </a:rPr>
-              <a:t>15.08.2018</a:t>
+              <a:t>16.08.2018</a:t>
             </a:fld>
             <a:endParaRPr lang="de-CH">
               <a:solidFill>
@@ -6411,7 +6178,7 @@
                 </a:solidFill>
               </a:rPr>
               <a:pPr/>
-              <a:t>19</a:t>
+              <a:t>18</a:t>
             </a:fld>
             <a:endParaRPr lang="de-CH">
               <a:solidFill>
@@ -6501,6 +6268,244 @@
   <p:clrMapOvr>
     <a:masterClrMapping/>
   </p:clrMapOvr>
+  <p:timing>
+    <p:tnLst>
+      <p:par>
+        <p:cTn id="1" dur="indefinite" restart="never" nodeType="tmRoot"/>
+      </p:par>
+    </p:tnLst>
+  </p:timing>
+</p:sld>
+</file>
+
+<file path=ppt/slides/slide19.xml><?xml version="1.0" encoding="utf-8"?>
+<p:sld xmlns:a="http://schemas.openxmlformats.org/drawingml/2006/main" xmlns:r="http://schemas.openxmlformats.org/officeDocument/2006/relationships" xmlns:p="http://schemas.openxmlformats.org/presentationml/2006/main">
+  <p:cSld>
+    <p:spTree>
+      <p:nvGrpSpPr>
+        <p:cNvPr id="1" name=""/>
+        <p:cNvGrpSpPr/>
+        <p:nvPr/>
+      </p:nvGrpSpPr>
+      <p:grpSpPr>
+        <a:xfrm>
+          <a:off x="0" y="0"/>
+          <a:ext cx="0" cy="0"/>
+          <a:chOff x="0" y="0"/>
+          <a:chExt cx="0" cy="0"/>
+        </a:xfrm>
+      </p:grpSpPr>
+      <p:sp>
+        <p:nvSpPr>
+          <p:cNvPr id="2" name="Datumsplatzhalter 1"/>
+          <p:cNvSpPr>
+            <a:spLocks noGrp="1"/>
+          </p:cNvSpPr>
+          <p:nvPr>
+            <p:ph type="dt" sz="half" idx="10"/>
+          </p:nvPr>
+        </p:nvSpPr>
+        <p:spPr/>
+        <p:txBody>
+          <a:bodyPr/>
+          <a:lstStyle/>
+          <a:p>
+            <a:fld id="{5E48492E-72D1-4785-9351-8AE1E40FBA2D}" type="datetime1">
+              <a:rPr lang="de-CH" smtClean="0">
+                <a:solidFill>
+                  <a:srgbClr val="000000"/>
+                </a:solidFill>
+              </a:rPr>
+              <a:t>16.08.2018</a:t>
+            </a:fld>
+            <a:endParaRPr lang="de-CH">
+              <a:solidFill>
+                <a:srgbClr val="000000"/>
+              </a:solidFill>
+            </a:endParaRPr>
+          </a:p>
+        </p:txBody>
+      </p:sp>
+      <p:sp>
+        <p:nvSpPr>
+          <p:cNvPr id="3" name="Fußzeilenplatzhalter 2"/>
+          <p:cNvSpPr>
+            <a:spLocks noGrp="1"/>
+          </p:cNvSpPr>
+          <p:nvPr>
+            <p:ph type="ftr" sz="quarter" idx="11"/>
+          </p:nvPr>
+        </p:nvSpPr>
+        <p:spPr/>
+        <p:txBody>
+          <a:bodyPr/>
+          <a:lstStyle/>
+          <a:p>
+            <a:r>
+              <a:rPr lang="de-CH" smtClean="0">
+                <a:solidFill>
+                  <a:srgbClr val="000000"/>
+                </a:solidFill>
+              </a:rPr>
+              <a:t>Institut</a:t>
+            </a:r>
+            <a:endParaRPr lang="de-CH">
+              <a:solidFill>
+                <a:srgbClr val="000000"/>
+              </a:solidFill>
+            </a:endParaRPr>
+          </a:p>
+        </p:txBody>
+      </p:sp>
+      <p:sp>
+        <p:nvSpPr>
+          <p:cNvPr id="4" name="Foliennummernplatzhalter 3"/>
+          <p:cNvSpPr>
+            <a:spLocks noGrp="1"/>
+          </p:cNvSpPr>
+          <p:nvPr>
+            <p:ph type="sldNum" sz="quarter" idx="12"/>
+          </p:nvPr>
+        </p:nvSpPr>
+        <p:spPr/>
+        <p:txBody>
+          <a:bodyPr/>
+          <a:lstStyle/>
+          <a:p>
+            <a:fld id="{351188DD-6605-4EF4-9E67-B567F731CE68}" type="slidenum">
+              <a:rPr lang="de-CH" smtClean="0">
+                <a:solidFill>
+                  <a:srgbClr val="000000"/>
+                </a:solidFill>
+              </a:rPr>
+              <a:pPr/>
+              <a:t>19</a:t>
+            </a:fld>
+            <a:endParaRPr lang="de-CH">
+              <a:solidFill>
+                <a:srgbClr val="000000"/>
+              </a:solidFill>
+            </a:endParaRPr>
+          </a:p>
+        </p:txBody>
+      </p:sp>
+      <p:sp>
+        <p:nvSpPr>
+          <p:cNvPr id="5" name="Titel 4"/>
+          <p:cNvSpPr>
+            <a:spLocks noGrp="1"/>
+          </p:cNvSpPr>
+          <p:nvPr>
+            <p:ph type="title"/>
+          </p:nvPr>
+        </p:nvSpPr>
+        <p:spPr/>
+        <p:txBody>
+          <a:bodyPr/>
+          <a:lstStyle/>
+          <a:p>
+            <a:r>
+              <a:rPr lang="en-GB" dirty="0"/>
+              <a:t>CLEAN as a Compressed Sensing Reconstruction</a:t>
+            </a:r>
+          </a:p>
+        </p:txBody>
+      </p:sp>
+      <p:sp>
+        <p:nvSpPr>
+          <p:cNvPr id="6" name="Textplatzhalter 5"/>
+          <p:cNvSpPr>
+            <a:spLocks noGrp="1"/>
+          </p:cNvSpPr>
+          <p:nvPr>
+            <p:ph type="body" idx="1"/>
+          </p:nvPr>
+        </p:nvSpPr>
+        <p:spPr/>
+        <p:txBody>
+          <a:bodyPr/>
+          <a:lstStyle/>
+          <a:p>
+            <a:endParaRPr lang="en-GB" dirty="0"/>
+          </a:p>
+        </p:txBody>
+      </p:sp>
+      <p:pic>
+        <p:nvPicPr>
+          <p:cNvPr id="7" name="Grafik 6"/>
+          <p:cNvPicPr>
+            <a:picLocks noChangeAspect="1"/>
+          </p:cNvPicPr>
+          <p:nvPr/>
+        </p:nvPicPr>
+        <p:blipFill rotWithShape="1">
+          <a:blip r:embed="rId2">
+            <a:extLst>
+              <a:ext uri="{28A0092B-C50C-407E-A947-70E740481C1C}">
+                <a14:useLocalDpi xmlns:a14="http://schemas.microsoft.com/office/drawing/2010/main" val="0"/>
+              </a:ext>
+            </a:extLst>
+          </a:blip>
+          <a:srcRect l="32789" t="29175" r="29362" b="31201"/>
+          <a:stretch/>
+        </p:blipFill>
+        <p:spPr>
+          <a:xfrm>
+            <a:off x="3546500" y="3329223"/>
+            <a:ext cx="3715417" cy="3657364"/>
+          </a:xfrm>
+          <a:prstGeom prst="rect">
+            <a:avLst/>
+          </a:prstGeom>
+        </p:spPr>
+      </p:pic>
+      <p:pic>
+        <p:nvPicPr>
+          <p:cNvPr id="9" name="Grafik 8"/>
+          <p:cNvPicPr>
+            <a:picLocks noChangeAspect="1"/>
+          </p:cNvPicPr>
+          <p:nvPr/>
+        </p:nvPicPr>
+        <p:blipFill>
+          <a:blip r:embed="rId3">
+            <a:extLst>
+              <a:ext uri="{28A0092B-C50C-407E-A947-70E740481C1C}">
+                <a14:useLocalDpi xmlns:a14="http://schemas.microsoft.com/office/drawing/2010/main" val="0"/>
+              </a:ext>
+            </a:extLst>
+          </a:blip>
+          <a:stretch>
+            <a:fillRect/>
+          </a:stretch>
+        </p:blipFill>
+        <p:spPr>
+          <a:xfrm>
+            <a:off x="425808" y="2246099"/>
+            <a:ext cx="9956800" cy="895298"/>
+          </a:xfrm>
+          <a:prstGeom prst="rect">
+            <a:avLst/>
+          </a:prstGeom>
+        </p:spPr>
+      </p:pic>
+    </p:spTree>
+    <p:extLst>
+      <p:ext uri="{BB962C8B-B14F-4D97-AF65-F5344CB8AC3E}">
+        <p14:creationId xmlns:p14="http://schemas.microsoft.com/office/powerpoint/2010/main" val="1425262442"/>
+      </p:ext>
+    </p:extLst>
+  </p:cSld>
+  <p:clrMapOvr>
+    <a:masterClrMapping/>
+  </p:clrMapOvr>
+  <p:timing>
+    <p:tnLst>
+      <p:par>
+        <p:cTn id="1" dur="indefinite" restart="never" nodeType="tmRoot"/>
+      </p:par>
+    </p:tnLst>
+  </p:timing>
 </p:sld>
 </file>
 
@@ -6542,7 +6547,7 @@
                   <a:srgbClr val="000000"/>
                 </a:solidFill>
               </a:rPr>
-              <a:t>15.08.2018</a:t>
+              <a:t>16.08.2018</a:t>
             </a:fld>
             <a:endParaRPr lang="de-CH">
               <a:solidFill>
@@ -6631,16 +6636,16 @@
           <a:lstStyle/>
           <a:p>
             <a:r>
-              <a:rPr lang="en-GB" dirty="0" smtClean="0"/>
-              <a:t>Shannon </a:t>
-            </a:r>
-            <a:r>
               <a:rPr lang="en-GB" dirty="0" err="1" smtClean="0"/>
               <a:t>Nyquist</a:t>
             </a:r>
             <a:r>
+              <a:rPr lang="en-GB"/>
+              <a:t> Shannon </a:t>
+            </a:r>
+            <a:r>
               <a:rPr lang="en-GB" dirty="0" smtClean="0"/>
-              <a:t> Sampling Rate</a:t>
+              <a:t>Sampling Rate</a:t>
             </a:r>
             <a:endParaRPr lang="en-GB" dirty="0"/>
           </a:p>
@@ -6783,7 +6788,7 @@
                   <a:srgbClr val="000000"/>
                 </a:solidFill>
               </a:rPr>
-              <a:t>15.08.2018</a:t>
+              <a:t>16.08.2018</a:t>
             </a:fld>
             <a:endParaRPr lang="de-CH">
               <a:solidFill>
@@ -6809,14 +6814,14 @@
           <a:lstStyle/>
           <a:p>
             <a:r>
-              <a:rPr lang="de-CH" smtClean="0">
+              <a:rPr lang="de-CH" dirty="0" smtClean="0">
                 <a:solidFill>
                   <a:srgbClr val="000000"/>
                 </a:solidFill>
               </a:rPr>
-              <a:t>Institut</a:t>
-            </a:r>
-            <a:endParaRPr lang="de-CH">
+              <a:t>Institut i4ds</a:t>
+            </a:r>
+            <a:endParaRPr lang="de-CH" dirty="0">
               <a:solidFill>
                 <a:srgbClr val="000000"/>
               </a:solidFill>
@@ -6872,9 +6877,10 @@
           <a:lstStyle/>
           <a:p>
             <a:r>
-              <a:rPr lang="en-GB" dirty="0"/>
-              <a:t>CLEAN as a Compressed Sensing Reconstruction</a:t>
-            </a:r>
+              <a:rPr lang="en-GB" dirty="0" smtClean="0"/>
+              <a:t>Compressed Sensing</a:t>
+            </a:r>
+            <a:endParaRPr lang="en-GB" dirty="0"/>
           </a:p>
         </p:txBody>
       </p:sp>
@@ -6905,7 +6911,7 @@
           </p:cNvPicPr>
           <p:nvPr/>
         </p:nvPicPr>
-        <p:blipFill rotWithShape="1">
+        <p:blipFill>
           <a:blip r:embed="rId2">
             <a:extLst>
               <a:ext uri="{28A0092B-C50C-407E-A947-70E740481C1C}">
@@ -6913,13 +6919,14 @@
               </a:ext>
             </a:extLst>
           </a:blip>
-          <a:srcRect l="32789" t="29175" r="29362" b="31201"/>
-          <a:stretch/>
+          <a:stretch>
+            <a:fillRect/>
+          </a:stretch>
         </p:blipFill>
         <p:spPr>
           <a:xfrm>
-            <a:off x="3546500" y="3329223"/>
-            <a:ext cx="3715417" cy="3657364"/>
+            <a:off x="365125" y="4644727"/>
+            <a:ext cx="9956800" cy="895298"/>
           </a:xfrm>
           <a:prstGeom prst="rect">
             <a:avLst/>
@@ -6928,7 +6935,7 @@
       </p:pic>
       <p:pic>
         <p:nvPicPr>
-          <p:cNvPr id="9" name="Grafik 8"/>
+          <p:cNvPr id="8" name="Grafik 7"/>
           <p:cNvPicPr>
             <a:picLocks noChangeAspect="1"/>
           </p:cNvPicPr>
@@ -6948,8 +6955,8 @@
         </p:blipFill>
         <p:spPr>
           <a:xfrm>
-            <a:off x="425808" y="2246099"/>
-            <a:ext cx="9956800" cy="895298"/>
+            <a:off x="645691" y="3221641"/>
+            <a:ext cx="9395668" cy="886511"/>
           </a:xfrm>
           <a:prstGeom prst="rect">
             <a:avLst/>
@@ -6959,13 +6966,20 @@
     </p:spTree>
     <p:extLst>
       <p:ext uri="{BB962C8B-B14F-4D97-AF65-F5344CB8AC3E}">
-        <p14:creationId xmlns:p14="http://schemas.microsoft.com/office/powerpoint/2010/main" val="1425262442"/>
+        <p14:creationId xmlns:p14="http://schemas.microsoft.com/office/powerpoint/2010/main" val="3245346533"/>
       </p:ext>
     </p:extLst>
   </p:cSld>
   <p:clrMapOvr>
     <a:masterClrMapping/>
   </p:clrMapOvr>
+  <p:timing>
+    <p:tnLst>
+      <p:par>
+        <p:cTn id="1" dur="indefinite" restart="never" nodeType="tmRoot"/>
+      </p:par>
+    </p:tnLst>
+  </p:timing>
 </p:sld>
 </file>
 
@@ -7007,7 +7021,7 @@
                   <a:srgbClr val="000000"/>
                 </a:solidFill>
               </a:rPr>
-              <a:t>15.08.2018</a:t>
+              <a:t>16.08.2018</a:t>
             </a:fld>
             <a:endParaRPr lang="de-CH">
               <a:solidFill>
@@ -7203,14 +7217,14 @@
           <a:effectLst/>
           <a:extLst>
             <a:ext uri="{909E8E84-426E-40dd-AFC4-6F175D3DCCD1}">
-              <a14:hiddenFill xmlns:a14="http://schemas.microsoft.com/office/drawing/2010/main" xmlns="">
+              <a14:hiddenFill xmlns="" xmlns:a14="http://schemas.microsoft.com/office/drawing/2010/main">
                 <a:solidFill>
                   <a:schemeClr val="accent1"/>
                 </a:solidFill>
               </a14:hiddenFill>
             </a:ext>
             <a:ext uri="{91240B29-F687-4f45-9708-019B960494DF}">
-              <a14:hiddenLine xmlns:a14="http://schemas.microsoft.com/office/drawing/2010/main" xmlns="" w="9525">
+              <a14:hiddenLine xmlns="" xmlns:a14="http://schemas.microsoft.com/office/drawing/2010/main" w="9525">
                 <a:solidFill>
                   <a:schemeClr val="tx1"/>
                 </a:solidFill>
@@ -7220,7 +7234,7 @@
               </a14:hiddenLine>
             </a:ext>
             <a:ext uri="{AF507438-7753-43e0-B8FC-AC1667EBCBE1}">
-              <a14:hiddenEffects xmlns:a14="http://schemas.microsoft.com/office/drawing/2010/main" xmlns="">
+              <a14:hiddenEffects xmlns="" xmlns:a14="http://schemas.microsoft.com/office/drawing/2010/main">
                 <a:effectLst>
                   <a:outerShdw dist="35921" dir="2700000" algn="ctr" rotWithShape="0">
                     <a:schemeClr val="bg2"/>
@@ -7441,7 +7455,7 @@
                   <a:srgbClr val="000000"/>
                 </a:solidFill>
               </a:rPr>
-              <a:t>15.08.2018</a:t>
+              <a:t>16.08.2018</a:t>
             </a:fld>
             <a:endParaRPr lang="de-CH">
               <a:solidFill>
@@ -7562,10 +7576,9 @@
               <a:buChar char="•"/>
             </a:pPr>
             <a:r>
-              <a:rPr lang="en-GB" dirty="0"/>
-              <a:t>Objective with Data + Regularization term </a:t>
-            </a:r>
-            <a:endParaRPr lang="en-GB" dirty="0" smtClean="0"/>
+              <a:rPr lang="en-GB" dirty="0" smtClean="0"/>
+              <a:t>Objective</a:t>
+            </a:r>
           </a:p>
           <a:p>
             <a:pPr marL="342900" indent="-342900">
@@ -7796,7 +7809,7 @@
                   <a:srgbClr val="000000"/>
                 </a:solidFill>
               </a:rPr>
-              <a:t>15.08.2018</a:t>
+              <a:t>16.08.2018</a:t>
             </a:fld>
             <a:endParaRPr lang="de-CH">
               <a:solidFill>
@@ -7928,14 +7941,14 @@
           <a:effectLst/>
           <a:extLst>
             <a:ext uri="{909E8E84-426E-40dd-AFC4-6F175D3DCCD1}">
-              <a14:hiddenFill xmlns:a14="http://schemas.microsoft.com/office/drawing/2010/main" xmlns="">
+              <a14:hiddenFill xmlns="" xmlns:a14="http://schemas.microsoft.com/office/drawing/2010/main">
                 <a:solidFill>
                   <a:schemeClr val="accent1"/>
                 </a:solidFill>
               </a14:hiddenFill>
             </a:ext>
             <a:ext uri="{91240B29-F687-4f45-9708-019B960494DF}">
-              <a14:hiddenLine xmlns:a14="http://schemas.microsoft.com/office/drawing/2010/main" xmlns="" w="9525">
+              <a14:hiddenLine xmlns="" xmlns:a14="http://schemas.microsoft.com/office/drawing/2010/main" w="9525">
                 <a:solidFill>
                   <a:schemeClr val="tx1"/>
                 </a:solidFill>
@@ -7945,7 +7958,7 @@
               </a14:hiddenLine>
             </a:ext>
             <a:ext uri="{AF507438-7753-43e0-B8FC-AC1667EBCBE1}">
-              <a14:hiddenEffects xmlns:a14="http://schemas.microsoft.com/office/drawing/2010/main" xmlns="">
+              <a14:hiddenEffects xmlns="" xmlns:a14="http://schemas.microsoft.com/office/drawing/2010/main">
                 <a:effectLst>
                   <a:outerShdw dist="35921" dir="2700000" algn="ctr" rotWithShape="0">
                     <a:schemeClr val="bg2"/>
@@ -8158,7 +8171,7 @@
                   <a:srgbClr val="000000"/>
                 </a:solidFill>
               </a:rPr>
-              <a:t>15.08.2018</a:t>
+              <a:t>16.08.2018</a:t>
             </a:fld>
             <a:endParaRPr lang="de-CH">
               <a:solidFill>
@@ -8394,7 +8407,7 @@
                   <a:srgbClr val="000000"/>
                 </a:solidFill>
               </a:rPr>
-              <a:t>15.08.2018</a:t>
+              <a:t>16.08.2018</a:t>
             </a:fld>
             <a:endParaRPr lang="de-CH">
               <a:solidFill>
@@ -8490,7 +8503,11 @@
           <a:bodyPr/>
           <a:lstStyle/>
           <a:p>
-            <a:endParaRPr lang="en-GB"/>
+            <a:r>
+              <a:rPr lang="en-GB" dirty="0" smtClean="0"/>
+              <a:t>§§§§§§§§§§§§§§§§§§§§§§§§§§§§§§§§§§§§§§§§§§§§§§§§§§§§§§§§§§§§§§§§§§§§§§§§§§§§§§§§§§§§§§§§§§§§§§§§§§§§§§§§§§§§§§§§§§§§§§§§§§§§§§§§§§§§§§§§§§§§§§§§§§§§§§§§§§§§§§§§§§§§§§§§§§§§§§§§§§§§§§§§§§§§§§§§§§§§§§§§§§§§§§§§§§§§§§§§§§§§§§§§§§§§§§§§§§§§§§§§§§§§§§§§§§§§§§§§§§§§§§§§§§§§§§§§§§§§§§§§§§§§§§§§§§§§§§§§§§§§§§§§§§§§§§§§§§§§§§§§§§§§§§§§§§§§§§§§§§§§§§§§§§§§§§§§§§§§§§§§§§§§§§§§§§§§§§§§§§§§§§§§§§§§§</a:t>
+            </a:r>
+            <a:endParaRPr lang="en-GB" dirty="0"/>
           </a:p>
         </p:txBody>
       </p:sp>
@@ -8688,7 +8705,7 @@
                   <a:srgbClr val="000000"/>
                 </a:solidFill>
               </a:rPr>
-              <a:t>15.08.2018</a:t>
+              <a:t>16.08.2018</a:t>
             </a:fld>
             <a:endParaRPr lang="de-CH">
               <a:solidFill>
@@ -8820,14 +8837,14 @@
           <a:effectLst/>
           <a:extLst>
             <a:ext uri="{909E8E84-426E-40dd-AFC4-6F175D3DCCD1}">
-              <a14:hiddenFill xmlns:a14="http://schemas.microsoft.com/office/drawing/2010/main" xmlns="">
+              <a14:hiddenFill xmlns="" xmlns:a14="http://schemas.microsoft.com/office/drawing/2010/main">
                 <a:solidFill>
                   <a:schemeClr val="accent1"/>
                 </a:solidFill>
               </a14:hiddenFill>
             </a:ext>
             <a:ext uri="{91240B29-F687-4f45-9708-019B960494DF}">
-              <a14:hiddenLine xmlns:a14="http://schemas.microsoft.com/office/drawing/2010/main" xmlns="" w="9525">
+              <a14:hiddenLine xmlns="" xmlns:a14="http://schemas.microsoft.com/office/drawing/2010/main" w="9525">
                 <a:solidFill>
                   <a:schemeClr val="tx1"/>
                 </a:solidFill>
@@ -8837,7 +8854,7 @@
               </a14:hiddenLine>
             </a:ext>
             <a:ext uri="{AF507438-7753-43e0-B8FC-AC1667EBCBE1}">
-              <a14:hiddenEffects xmlns:a14="http://schemas.microsoft.com/office/drawing/2010/main" xmlns="">
+              <a14:hiddenEffects xmlns="" xmlns:a14="http://schemas.microsoft.com/office/drawing/2010/main">
                 <a:effectLst>
                   <a:outerShdw dist="35921" dir="2700000" algn="ctr" rotWithShape="0">
                     <a:schemeClr val="bg2"/>
@@ -9079,7 +9096,7 @@
                   <a:srgbClr val="000000"/>
                 </a:solidFill>
               </a:rPr>
-              <a:t>15.08.2018</a:t>
+              <a:t>16.08.2018</a:t>
             </a:fld>
             <a:endParaRPr lang="de-CH">
               <a:solidFill>
@@ -9373,7 +9390,7 @@
                   <a:srgbClr val="000000"/>
                 </a:solidFill>
               </a:rPr>
-              <a:t>15.08.2018</a:t>
+              <a:t>16.08.2018</a:t>
             </a:fld>
             <a:endParaRPr lang="de-CH">
               <a:solidFill>
@@ -9505,14 +9522,14 @@
           <a:effectLst/>
           <a:extLst>
             <a:ext uri="{909E8E84-426E-40dd-AFC4-6F175D3DCCD1}">
-              <a14:hiddenFill xmlns:a14="http://schemas.microsoft.com/office/drawing/2010/main" xmlns="">
+              <a14:hiddenFill xmlns="" xmlns:a14="http://schemas.microsoft.com/office/drawing/2010/main">
                 <a:solidFill>
                   <a:schemeClr val="accent1"/>
                 </a:solidFill>
               </a14:hiddenFill>
             </a:ext>
             <a:ext uri="{91240B29-F687-4f45-9708-019B960494DF}">
-              <a14:hiddenLine xmlns:a14="http://schemas.microsoft.com/office/drawing/2010/main" xmlns="" w="9525">
+              <a14:hiddenLine xmlns="" xmlns:a14="http://schemas.microsoft.com/office/drawing/2010/main" w="9525">
                 <a:solidFill>
                   <a:schemeClr val="tx1"/>
                 </a:solidFill>
@@ -9522,7 +9539,7 @@
               </a14:hiddenLine>
             </a:ext>
             <a:ext uri="{AF507438-7753-43e0-B8FC-AC1667EBCBE1}">
-              <a14:hiddenEffects xmlns:a14="http://schemas.microsoft.com/office/drawing/2010/main" xmlns="">
+              <a14:hiddenEffects xmlns="" xmlns:a14="http://schemas.microsoft.com/office/drawing/2010/main">
                 <a:effectLst>
                   <a:outerShdw dist="35921" dir="2700000" algn="ctr" rotWithShape="0">
                     <a:schemeClr val="bg2"/>
@@ -9764,7 +9781,7 @@
                   <a:srgbClr val="000000"/>
                 </a:solidFill>
               </a:rPr>
-              <a:t>15.08.2018</a:t>
+              <a:t>16.08.2018</a:t>
             </a:fld>
             <a:endParaRPr lang="de-CH">
               <a:solidFill>
@@ -10029,7 +10046,7 @@
                   <a:srgbClr val="000000"/>
                 </a:solidFill>
               </a:rPr>
-              <a:t>15.08.2018</a:t>
+              <a:t>16.08.2018</a:t>
             </a:fld>
             <a:endParaRPr lang="de-CH">
               <a:solidFill>
@@ -10266,7 +10283,7 @@
                   <a:srgbClr val="000000"/>
                 </a:solidFill>
               </a:rPr>
-              <a:t>15.08.2018</a:t>
+              <a:t>16.08.2018</a:t>
             </a:fld>
             <a:endParaRPr lang="de-CH">
               <a:solidFill>
@@ -10440,7 +10457,7 @@
                   <a:srgbClr val="000000"/>
                 </a:solidFill>
               </a:rPr>
-              <a:t>15.08.2018</a:t>
+              <a:t>16.08.2018</a:t>
             </a:fld>
             <a:endParaRPr lang="de-CH">
               <a:solidFill>
@@ -10595,6 +10612,13 @@
   <p:clrMapOvr>
     <a:masterClrMapping/>
   </p:clrMapOvr>
+  <p:timing>
+    <p:tnLst>
+      <p:par>
+        <p:cTn id="1" dur="indefinite" restart="never" nodeType="tmRoot"/>
+      </p:par>
+    </p:tnLst>
+  </p:timing>
 </p:sld>
 </file>
 
@@ -10636,7 +10660,7 @@
                   <a:srgbClr val="000000"/>
                 </a:solidFill>
               </a:rPr>
-              <a:t>15.08.2018</a:t>
+              <a:t>16.08.2018</a:t>
             </a:fld>
             <a:endParaRPr lang="de-CH">
               <a:solidFill>
@@ -10830,7 +10854,7 @@
                   <a:srgbClr val="000000"/>
                 </a:solidFill>
               </a:rPr>
-              <a:t>15.08.2018</a:t>
+              <a:t>16.08.2018</a:t>
             </a:fld>
             <a:endParaRPr lang="de-CH">
               <a:solidFill>
@@ -11066,7 +11090,7 @@
                   <a:srgbClr val="000000"/>
                 </a:solidFill>
               </a:rPr>
-              <a:t>15.08.2018</a:t>
+              <a:t>16.08.2018</a:t>
             </a:fld>
             <a:endParaRPr lang="de-CH">
               <a:solidFill>
@@ -11207,7 +11231,7 @@
         </p:blipFill>
         <p:spPr>
           <a:xfrm>
-            <a:off x="162124" y="972319"/>
+            <a:off x="18108" y="972319"/>
             <a:ext cx="10375676" cy="6225406"/>
           </a:xfrm>
           <a:prstGeom prst="rect">
@@ -11302,7 +11326,7 @@
                   <a:srgbClr val="000000"/>
                 </a:solidFill>
               </a:rPr>
-              <a:t>15.08.2018</a:t>
+              <a:t>16.08.2018</a:t>
             </a:fld>
             <a:endParaRPr lang="de-CH">
               <a:solidFill>
@@ -11528,7 +11552,7 @@
                   <a:srgbClr val="000000"/>
                 </a:solidFill>
               </a:rPr>
-              <a:t>15.08.2018</a:t>
+              <a:t>16.08.2018</a:t>
             </a:fld>
             <a:endParaRPr lang="de-CH">
               <a:solidFill>
@@ -11736,7 +11760,7 @@
                   <a:srgbClr val="000000"/>
                 </a:solidFill>
               </a:rPr>
-              <a:t>15.08.2018</a:t>
+              <a:t>16.08.2018</a:t>
             </a:fld>
             <a:endParaRPr lang="de-CH">
               <a:solidFill>
@@ -11878,14 +11902,14 @@
               <a:buChar char="•"/>
             </a:pPr>
             <a:r>
-              <a:rPr lang="en-GB" dirty="0"/>
+              <a:rPr lang="en-GB" b="1" dirty="0"/>
               <a:t>A </a:t>
             </a:r>
             <a:r>
-              <a:rPr lang="en-GB" dirty="0" smtClean="0"/>
+              <a:rPr lang="en-GB" b="1" dirty="0" smtClean="0"/>
               <a:t>Regularization</a:t>
             </a:r>
-            <a:endParaRPr lang="en-GB" dirty="0"/>
+            <a:endParaRPr lang="en-GB" b="1" dirty="0"/>
           </a:p>
         </p:txBody>
       </p:sp>
@@ -11947,7 +11971,7 @@
                   <a:srgbClr val="000000"/>
                 </a:solidFill>
               </a:rPr>
-              <a:t>15.08.2018</a:t>
+              <a:t>16.08.2018</a:t>
             </a:fld>
             <a:endParaRPr lang="de-CH">
               <a:solidFill>
@@ -12150,7 +12174,7 @@
                   <a:srgbClr val="000000"/>
                 </a:solidFill>
               </a:rPr>
-              <a:t>15.08.2018</a:t>
+              <a:t>16.08.2018</a:t>
             </a:fld>
             <a:endParaRPr lang="de-CH">
               <a:solidFill>
@@ -12563,7 +12587,7 @@
                   <a:srgbClr val="000000"/>
                 </a:solidFill>
               </a:rPr>
-              <a:t>15.08.2018</a:t>
+              <a:t>16.08.2018</a:t>
             </a:fld>
             <a:endParaRPr lang="de-CH">
               <a:solidFill>
@@ -13049,7 +13073,7 @@
         <a:effectLst/>
         <a:extLst>
           <a:ext uri="{AF507438-7753-43e0-B8FC-AC1667EBCBE1}">
-            <a14:hiddenEffects xmlns:a14="http://schemas.microsoft.com/office/drawing/2010/main" xmlns="">
+            <a14:hiddenEffects xmlns="" xmlns:a14="http://schemas.microsoft.com/office/drawing/2010/main">
               <a:effectLst>
                 <a:outerShdw dist="35921" dir="2700000" algn="ctr" rotWithShape="0">
                   <a:schemeClr val="bg2"/>
@@ -13122,7 +13146,7 @@
         <a:effectLst/>
         <a:extLst>
           <a:ext uri="{AF507438-7753-43e0-B8FC-AC1667EBCBE1}">
-            <a14:hiddenEffects xmlns:a14="http://schemas.microsoft.com/office/drawing/2010/main" xmlns="">
+            <a14:hiddenEffects xmlns="" xmlns:a14="http://schemas.microsoft.com/office/drawing/2010/main">
               <a:effectLst>
                 <a:outerShdw dist="35921" dir="2700000" algn="ctr" rotWithShape="0">
                   <a:schemeClr val="bg2"/>
